--- a/Documents/projects for schools.pptx
+++ b/Documents/projects for schools.pptx
@@ -15,6 +15,15 @@
     <p:sldId id="263" r:id="rId9"/>
     <p:sldId id="264" r:id="rId10"/>
     <p:sldId id="265" r:id="rId11"/>
+    <p:sldId id="266" r:id="rId12"/>
+    <p:sldId id="267" r:id="rId13"/>
+    <p:sldId id="268" r:id="rId14"/>
+    <p:sldId id="269" r:id="rId15"/>
+    <p:sldId id="270" r:id="rId16"/>
+    <p:sldId id="271" r:id="rId17"/>
+    <p:sldId id="272" r:id="rId18"/>
+    <p:sldId id="273" r:id="rId19"/>
+    <p:sldId id="274" r:id="rId20"/>
   </p:sldIdLst>
   <p:sldSz cx="12192000" cy="6858000"/>
   <p:notesSz cx="6858000" cy="9144000"/>
@@ -5751,6 +5760,736 @@
 </p:sld>
 </file>
 
+<file path=ppt/slides/slide11.xml><?xml version="1.0" encoding="utf-8"?>
+<p:sld xmlns:a="http://schemas.openxmlformats.org/drawingml/2006/main" xmlns:r="http://schemas.openxmlformats.org/officeDocument/2006/relationships" xmlns:p="http://schemas.openxmlformats.org/presentationml/2006/main">
+  <p:cSld>
+    <p:spTree>
+      <p:nvGrpSpPr>
+        <p:cNvPr id="1" name=""/>
+        <p:cNvGrpSpPr/>
+        <p:nvPr/>
+      </p:nvGrpSpPr>
+      <p:grpSpPr>
+        <a:xfrm>
+          <a:off x="0" y="0"/>
+          <a:ext cx="0" cy="0"/>
+          <a:chOff x="0" y="0"/>
+          <a:chExt cx="0" cy="0"/>
+        </a:xfrm>
+      </p:grpSpPr>
+      <p:pic>
+        <p:nvPicPr>
+          <p:cNvPr id="1026" name="Picture 2" descr="https://encrypted-tbn2.gstatic.com/images?q=tbn:ANd9GcRMiNhE9SOHzMptcCIFfSyECi0PKpdQUYmyirkWVEJp6T-c_--r"/>
+          <p:cNvPicPr>
+            <a:picLocks noChangeAspect="1" noChangeArrowheads="1"/>
+          </p:cNvPicPr>
+          <p:nvPr/>
+        </p:nvPicPr>
+        <p:blipFill>
+          <a:blip r:embed="rId2">
+            <a:extLst>
+              <a:ext uri="{28A0092B-C50C-407E-A947-70E740481C1C}">
+                <a14:useLocalDpi xmlns:a14="http://schemas.microsoft.com/office/drawing/2010/main" val="0"/>
+              </a:ext>
+            </a:extLst>
+          </a:blip>
+          <a:srcRect/>
+          <a:stretch>
+            <a:fillRect/>
+          </a:stretch>
+        </p:blipFill>
+        <p:spPr bwMode="auto">
+          <a:xfrm>
+            <a:off x="954065" y="1132612"/>
+            <a:ext cx="9287751" cy="5449736"/>
+          </a:xfrm>
+          <a:prstGeom prst="rect">
+            <a:avLst/>
+          </a:prstGeom>
+          <a:noFill/>
+          <a:extLst>
+            <a:ext uri="{909E8E84-426E-40DD-AFC4-6F175D3DCCD1}">
+              <a14:hiddenFill xmlns:a14="http://schemas.microsoft.com/office/drawing/2010/main">
+                <a:solidFill>
+                  <a:srgbClr val="FFFFFF"/>
+                </a:solidFill>
+              </a14:hiddenFill>
+            </a:ext>
+          </a:extLst>
+        </p:spPr>
+      </p:pic>
+      <p:sp>
+        <p:nvSpPr>
+          <p:cNvPr id="4" name="Rectangle 3"/>
+          <p:cNvSpPr/>
+          <p:nvPr/>
+        </p:nvSpPr>
+        <p:spPr>
+          <a:xfrm>
+            <a:off x="1953512" y="209282"/>
+            <a:ext cx="7288855" cy="923330"/>
+          </a:xfrm>
+          <a:prstGeom prst="rect">
+            <a:avLst/>
+          </a:prstGeom>
+          <a:noFill/>
+        </p:spPr>
+        <p:txBody>
+          <a:bodyPr wrap="none" lIns="91440" tIns="45720" rIns="91440" bIns="45720">
+            <a:spAutoFit/>
+          </a:bodyPr>
+          <a:lstStyle/>
+          <a:p>
+            <a:r>
+              <a:rPr lang="en-US" sz="5400" dirty="0">
+                <a:hlinkClick r:id="rId3"/>
+              </a:rPr>
+              <a:t>Rutherford </a:t>
+            </a:r>
+            <a:r>
+              <a:rPr lang="en-US" sz="5400" dirty="0" smtClean="0">
+                <a:hlinkClick r:id="rId3"/>
+              </a:rPr>
+              <a:t>atomic model</a:t>
+            </a:r>
+            <a:endParaRPr lang="en-US" sz="5400" dirty="0"/>
+          </a:p>
+        </p:txBody>
+      </p:sp>
+    </p:spTree>
+    <p:extLst>
+      <p:ext uri="{BB962C8B-B14F-4D97-AF65-F5344CB8AC3E}">
+        <p14:creationId xmlns:p14="http://schemas.microsoft.com/office/powerpoint/2010/main" val="4073497930"/>
+      </p:ext>
+    </p:extLst>
+  </p:cSld>
+  <p:clrMapOvr>
+    <a:masterClrMapping/>
+  </p:clrMapOvr>
+</p:sld>
+</file>
+
+<file path=ppt/slides/slide12.xml><?xml version="1.0" encoding="utf-8"?>
+<p:sld xmlns:a="http://schemas.openxmlformats.org/drawingml/2006/main" xmlns:r="http://schemas.openxmlformats.org/officeDocument/2006/relationships" xmlns:p="http://schemas.openxmlformats.org/presentationml/2006/main">
+  <p:cSld>
+    <p:spTree>
+      <p:nvGrpSpPr>
+        <p:cNvPr id="1" name=""/>
+        <p:cNvGrpSpPr/>
+        <p:nvPr/>
+      </p:nvGrpSpPr>
+      <p:grpSpPr>
+        <a:xfrm>
+          <a:off x="0" y="0"/>
+          <a:ext cx="0" cy="0"/>
+          <a:chOff x="0" y="0"/>
+          <a:chExt cx="0" cy="0"/>
+        </a:xfrm>
+      </p:grpSpPr>
+      <p:sp>
+        <p:nvSpPr>
+          <p:cNvPr id="2" name="Title 1"/>
+          <p:cNvSpPr>
+            <a:spLocks noGrp="1"/>
+          </p:cNvSpPr>
+          <p:nvPr>
+            <p:ph type="title"/>
+          </p:nvPr>
+        </p:nvSpPr>
+        <p:spPr/>
+        <p:txBody>
+          <a:bodyPr/>
+          <a:lstStyle/>
+          <a:p>
+            <a:r>
+              <a:rPr lang="en-US" dirty="0" smtClean="0"/>
+              <a:t>Wheatstone Bridge</a:t>
+            </a:r>
+            <a:endParaRPr lang="en-US" dirty="0"/>
+          </a:p>
+        </p:txBody>
+      </p:sp>
+      <p:pic>
+        <p:nvPicPr>
+          <p:cNvPr id="2050" name="Picture 2" descr="https://encrypted-tbn2.gstatic.com/images?q=tbn:ANd9GcS_j8_q0alTHNGLVmpkhfBFSZBkRTNdDzvuVYfw90PidYfp8AI"/>
+          <p:cNvPicPr>
+            <a:picLocks noGrp="1" noChangeAspect="1" noChangeArrowheads="1"/>
+          </p:cNvPicPr>
+          <p:nvPr>
+            <p:ph idx="1"/>
+          </p:nvPr>
+        </p:nvPicPr>
+        <p:blipFill>
+          <a:blip r:embed="rId2">
+            <a:extLst>
+              <a:ext uri="{28A0092B-C50C-407E-A947-70E740481C1C}">
+                <a14:useLocalDpi xmlns:a14="http://schemas.microsoft.com/office/drawing/2010/main" val="0"/>
+              </a:ext>
+            </a:extLst>
+          </a:blip>
+          <a:srcRect/>
+          <a:stretch>
+            <a:fillRect/>
+          </a:stretch>
+        </p:blipFill>
+        <p:spPr bwMode="auto">
+          <a:xfrm>
+            <a:off x="1004551" y="1885274"/>
+            <a:ext cx="6001555" cy="4801877"/>
+          </a:xfrm>
+          <a:prstGeom prst="rect">
+            <a:avLst/>
+          </a:prstGeom>
+          <a:noFill/>
+          <a:extLst>
+            <a:ext uri="{909E8E84-426E-40DD-AFC4-6F175D3DCCD1}">
+              <a14:hiddenFill xmlns:a14="http://schemas.microsoft.com/office/drawing/2010/main">
+                <a:solidFill>
+                  <a:srgbClr val="FFFFFF"/>
+                </a:solidFill>
+              </a14:hiddenFill>
+            </a:ext>
+          </a:extLst>
+        </p:spPr>
+      </p:pic>
+    </p:spTree>
+    <p:extLst>
+      <p:ext uri="{BB962C8B-B14F-4D97-AF65-F5344CB8AC3E}">
+        <p14:creationId xmlns:p14="http://schemas.microsoft.com/office/powerpoint/2010/main" val="1884114993"/>
+      </p:ext>
+    </p:extLst>
+  </p:cSld>
+  <p:clrMapOvr>
+    <a:masterClrMapping/>
+  </p:clrMapOvr>
+</p:sld>
+</file>
+
+<file path=ppt/slides/slide13.xml><?xml version="1.0" encoding="utf-8"?>
+<p:sld xmlns:a="http://schemas.openxmlformats.org/drawingml/2006/main" xmlns:r="http://schemas.openxmlformats.org/officeDocument/2006/relationships" xmlns:p="http://schemas.openxmlformats.org/presentationml/2006/main">
+  <p:cSld>
+    <p:spTree>
+      <p:nvGrpSpPr>
+        <p:cNvPr id="1" name=""/>
+        <p:cNvGrpSpPr/>
+        <p:nvPr/>
+      </p:nvGrpSpPr>
+      <p:grpSpPr>
+        <a:xfrm>
+          <a:off x="0" y="0"/>
+          <a:ext cx="0" cy="0"/>
+          <a:chOff x="0" y="0"/>
+          <a:chExt cx="0" cy="0"/>
+        </a:xfrm>
+      </p:grpSpPr>
+      <p:pic>
+        <p:nvPicPr>
+          <p:cNvPr id="3074" name="Picture 2" descr="http://www.global.tdk.com/techmag/inductive/vol1/images/indx2Fig02.gif"/>
+          <p:cNvPicPr>
+            <a:picLocks noGrp="1" noChangeAspect="1" noChangeArrowheads="1"/>
+          </p:cNvPicPr>
+          <p:nvPr>
+            <p:ph idx="1"/>
+          </p:nvPr>
+        </p:nvPicPr>
+        <p:blipFill>
+          <a:blip r:embed="rId2">
+            <a:extLst>
+              <a:ext uri="{28A0092B-C50C-407E-A947-70E740481C1C}">
+                <a14:useLocalDpi xmlns:a14="http://schemas.microsoft.com/office/drawing/2010/main" val="0"/>
+              </a:ext>
+            </a:extLst>
+          </a:blip>
+          <a:srcRect/>
+          <a:stretch>
+            <a:fillRect/>
+          </a:stretch>
+        </p:blipFill>
+        <p:spPr bwMode="auto">
+          <a:xfrm>
+            <a:off x="477591" y="298147"/>
+            <a:ext cx="9864144" cy="6484252"/>
+          </a:xfrm>
+          <a:prstGeom prst="rect">
+            <a:avLst/>
+          </a:prstGeom>
+          <a:noFill/>
+          <a:extLst>
+            <a:ext uri="{909E8E84-426E-40DD-AFC4-6F175D3DCCD1}">
+              <a14:hiddenFill xmlns:a14="http://schemas.microsoft.com/office/drawing/2010/main">
+                <a:solidFill>
+                  <a:srgbClr val="FFFFFF"/>
+                </a:solidFill>
+              </a14:hiddenFill>
+            </a:ext>
+          </a:extLst>
+        </p:spPr>
+      </p:pic>
+    </p:spTree>
+    <p:extLst>
+      <p:ext uri="{BB962C8B-B14F-4D97-AF65-F5344CB8AC3E}">
+        <p14:creationId xmlns:p14="http://schemas.microsoft.com/office/powerpoint/2010/main" val="168840778"/>
+      </p:ext>
+    </p:extLst>
+  </p:cSld>
+  <p:clrMapOvr>
+    <a:masterClrMapping/>
+  </p:clrMapOvr>
+</p:sld>
+</file>
+
+<file path=ppt/slides/slide14.xml><?xml version="1.0" encoding="utf-8"?>
+<p:sld xmlns:a="http://schemas.openxmlformats.org/drawingml/2006/main" xmlns:r="http://schemas.openxmlformats.org/officeDocument/2006/relationships" xmlns:p="http://schemas.openxmlformats.org/presentationml/2006/main">
+  <p:cSld>
+    <p:spTree>
+      <p:nvGrpSpPr>
+        <p:cNvPr id="1" name=""/>
+        <p:cNvGrpSpPr/>
+        <p:nvPr/>
+      </p:nvGrpSpPr>
+      <p:grpSpPr>
+        <a:xfrm>
+          <a:off x="0" y="0"/>
+          <a:ext cx="0" cy="0"/>
+          <a:chOff x="0" y="0"/>
+          <a:chExt cx="0" cy="0"/>
+        </a:xfrm>
+      </p:grpSpPr>
+      <p:pic>
+        <p:nvPicPr>
+          <p:cNvPr id="1026" name="Picture 2" descr="Electromagnetic induction, a basic test setup"/>
+          <p:cNvPicPr>
+            <a:picLocks noChangeAspect="1" noChangeArrowheads="1"/>
+          </p:cNvPicPr>
+          <p:nvPr/>
+        </p:nvPicPr>
+        <p:blipFill>
+          <a:blip r:embed="rId2">
+            <a:extLst>
+              <a:ext uri="{28A0092B-C50C-407E-A947-70E740481C1C}">
+                <a14:useLocalDpi xmlns:a14="http://schemas.microsoft.com/office/drawing/2010/main" val="0"/>
+              </a:ext>
+            </a:extLst>
+          </a:blip>
+          <a:srcRect/>
+          <a:stretch>
+            <a:fillRect/>
+          </a:stretch>
+        </p:blipFill>
+        <p:spPr bwMode="auto">
+          <a:xfrm>
+            <a:off x="271484" y="309093"/>
+            <a:ext cx="10174631" cy="6375042"/>
+          </a:xfrm>
+          <a:prstGeom prst="rect">
+            <a:avLst/>
+          </a:prstGeom>
+          <a:noFill/>
+          <a:extLst>
+            <a:ext uri="{909E8E84-426E-40DD-AFC4-6F175D3DCCD1}">
+              <a14:hiddenFill xmlns:a14="http://schemas.microsoft.com/office/drawing/2010/main">
+                <a:solidFill>
+                  <a:srgbClr val="FFFFFF"/>
+                </a:solidFill>
+              </a14:hiddenFill>
+            </a:ext>
+          </a:extLst>
+        </p:spPr>
+      </p:pic>
+    </p:spTree>
+    <p:extLst>
+      <p:ext uri="{BB962C8B-B14F-4D97-AF65-F5344CB8AC3E}">
+        <p14:creationId xmlns:p14="http://schemas.microsoft.com/office/powerpoint/2010/main" val="3030657797"/>
+      </p:ext>
+    </p:extLst>
+  </p:cSld>
+  <p:clrMapOvr>
+    <a:masterClrMapping/>
+  </p:clrMapOvr>
+</p:sld>
+</file>
+
+<file path=ppt/slides/slide15.xml><?xml version="1.0" encoding="utf-8"?>
+<p:sld xmlns:a="http://schemas.openxmlformats.org/drawingml/2006/main" xmlns:r="http://schemas.openxmlformats.org/officeDocument/2006/relationships" xmlns:p="http://schemas.openxmlformats.org/presentationml/2006/main">
+  <p:cSld>
+    <p:spTree>
+      <p:nvGrpSpPr>
+        <p:cNvPr id="1" name=""/>
+        <p:cNvGrpSpPr/>
+        <p:nvPr/>
+      </p:nvGrpSpPr>
+      <p:grpSpPr>
+        <a:xfrm>
+          <a:off x="0" y="0"/>
+          <a:ext cx="0" cy="0"/>
+          <a:chOff x="0" y="0"/>
+          <a:chExt cx="0" cy="0"/>
+        </a:xfrm>
+      </p:grpSpPr>
+      <p:pic>
+        <p:nvPicPr>
+          <p:cNvPr id="2054" name="Picture 6" descr="https://encrypted-tbn0.gstatic.com/images?q=tbn:ANd9GcSO6PtVQCsEElNi1hbhjtX-7Tx_Rt2WqDzemIiOzYLVDi0JHpt7kQ"/>
+          <p:cNvPicPr>
+            <a:picLocks noChangeAspect="1" noChangeArrowheads="1"/>
+          </p:cNvPicPr>
+          <p:nvPr/>
+        </p:nvPicPr>
+        <p:blipFill>
+          <a:blip r:embed="rId2">
+            <a:extLst>
+              <a:ext uri="{28A0092B-C50C-407E-A947-70E740481C1C}">
+                <a14:useLocalDpi xmlns:a14="http://schemas.microsoft.com/office/drawing/2010/main" val="0"/>
+              </a:ext>
+            </a:extLst>
+          </a:blip>
+          <a:srcRect/>
+          <a:stretch>
+            <a:fillRect/>
+          </a:stretch>
+        </p:blipFill>
+        <p:spPr bwMode="auto">
+          <a:xfrm>
+            <a:off x="1456342" y="359534"/>
+            <a:ext cx="9130092" cy="6131157"/>
+          </a:xfrm>
+          <a:prstGeom prst="rect">
+            <a:avLst/>
+          </a:prstGeom>
+          <a:noFill/>
+          <a:extLst>
+            <a:ext uri="{909E8E84-426E-40DD-AFC4-6F175D3DCCD1}">
+              <a14:hiddenFill xmlns:a14="http://schemas.microsoft.com/office/drawing/2010/main">
+                <a:solidFill>
+                  <a:srgbClr val="FFFFFF"/>
+                </a:solidFill>
+              </a14:hiddenFill>
+            </a:ext>
+          </a:extLst>
+        </p:spPr>
+      </p:pic>
+    </p:spTree>
+    <p:extLst>
+      <p:ext uri="{BB962C8B-B14F-4D97-AF65-F5344CB8AC3E}">
+        <p14:creationId xmlns:p14="http://schemas.microsoft.com/office/powerpoint/2010/main" val="2862721199"/>
+      </p:ext>
+    </p:extLst>
+  </p:cSld>
+  <p:clrMapOvr>
+    <a:masterClrMapping/>
+  </p:clrMapOvr>
+</p:sld>
+</file>
+
+<file path=ppt/slides/slide16.xml><?xml version="1.0" encoding="utf-8"?>
+<p:sld xmlns:a="http://schemas.openxmlformats.org/drawingml/2006/main" xmlns:r="http://schemas.openxmlformats.org/officeDocument/2006/relationships" xmlns:p="http://schemas.openxmlformats.org/presentationml/2006/main">
+  <p:cSld>
+    <p:spTree>
+      <p:nvGrpSpPr>
+        <p:cNvPr id="1" name=""/>
+        <p:cNvGrpSpPr/>
+        <p:nvPr/>
+      </p:nvGrpSpPr>
+      <p:grpSpPr>
+        <a:xfrm>
+          <a:off x="0" y="0"/>
+          <a:ext cx="0" cy="0"/>
+          <a:chOff x="0" y="0"/>
+          <a:chExt cx="0" cy="0"/>
+        </a:xfrm>
+      </p:grpSpPr>
+      <p:pic>
+        <p:nvPicPr>
+          <p:cNvPr id="3074" name="Picture 2" descr="https://encrypted-tbn0.gstatic.com/images?q=tbn:ANd9GcQq--Lau9P8gxh9NVtJl15DhBfzrIj5ya9HZayX-1iULWEyVykTlg"/>
+          <p:cNvPicPr>
+            <a:picLocks noChangeAspect="1" noChangeArrowheads="1"/>
+          </p:cNvPicPr>
+          <p:nvPr/>
+        </p:nvPicPr>
+        <p:blipFill>
+          <a:blip r:embed="rId2">
+            <a:extLst>
+              <a:ext uri="{28A0092B-C50C-407E-A947-70E740481C1C}">
+                <a14:useLocalDpi xmlns:a14="http://schemas.microsoft.com/office/drawing/2010/main" val="0"/>
+              </a:ext>
+            </a:extLst>
+          </a:blip>
+          <a:srcRect/>
+          <a:stretch>
+            <a:fillRect/>
+          </a:stretch>
+        </p:blipFill>
+        <p:spPr bwMode="auto">
+          <a:xfrm>
+            <a:off x="1636645" y="560655"/>
+            <a:ext cx="8640696" cy="5749993"/>
+          </a:xfrm>
+          <a:prstGeom prst="rect">
+            <a:avLst/>
+          </a:prstGeom>
+          <a:noFill/>
+          <a:extLst>
+            <a:ext uri="{909E8E84-426E-40DD-AFC4-6F175D3DCCD1}">
+              <a14:hiddenFill xmlns:a14="http://schemas.microsoft.com/office/drawing/2010/main">
+                <a:solidFill>
+                  <a:srgbClr val="FFFFFF"/>
+                </a:solidFill>
+              </a14:hiddenFill>
+            </a:ext>
+          </a:extLst>
+        </p:spPr>
+      </p:pic>
+    </p:spTree>
+    <p:extLst>
+      <p:ext uri="{BB962C8B-B14F-4D97-AF65-F5344CB8AC3E}">
+        <p14:creationId xmlns:p14="http://schemas.microsoft.com/office/powerpoint/2010/main" val="2783010246"/>
+      </p:ext>
+    </p:extLst>
+  </p:cSld>
+  <p:clrMapOvr>
+    <a:masterClrMapping/>
+  </p:clrMapOvr>
+</p:sld>
+</file>
+
+<file path=ppt/slides/slide17.xml><?xml version="1.0" encoding="utf-8"?>
+<p:sld xmlns:a="http://schemas.openxmlformats.org/drawingml/2006/main" xmlns:r="http://schemas.openxmlformats.org/officeDocument/2006/relationships" xmlns:p="http://schemas.openxmlformats.org/presentationml/2006/main">
+  <p:cSld>
+    <p:spTree>
+      <p:nvGrpSpPr>
+        <p:cNvPr id="1" name=""/>
+        <p:cNvGrpSpPr/>
+        <p:nvPr/>
+      </p:nvGrpSpPr>
+      <p:grpSpPr>
+        <a:xfrm>
+          <a:off x="0" y="0"/>
+          <a:ext cx="0" cy="0"/>
+          <a:chOff x="0" y="0"/>
+          <a:chExt cx="0" cy="0"/>
+        </a:xfrm>
+      </p:grpSpPr>
+      <p:sp>
+        <p:nvSpPr>
+          <p:cNvPr id="6" name="AutoShape 6" descr="data:image/jpeg;base64,/9j/4AAQSkZJRgABAQAAAQABAAD/2wCEAAkGBxQSEhQUEBQWFhQVFB4YGRgVFxwYFRcVFhcXGBYUFxQYHSggHRwlHRgVIzIhJSktLi4uGCAzRDYsNygtLisBCgoKDg0OGhAQGywmHyQsLCw0LiwrLCw0LCwsLCwsLCwsLCwsLCwsLCwsLCwsLCwsLCwsLCwsLCwsLCwsLCwsLP/AABEIAKsBJgMBEQACEQEDEQH/xAAbAAEAAgMBAQAAAAAAAAAAAAAABAYBAwUCB//EAEgQAAIBAwEFAwcICAQFBQEAAAECAwAEERIFBhMhMRYiURRBUlRhkZIHFyMyU3HS4RUzQoGTobHRcoKj8DRVc7TBJENiouKD/8QAGgEBAQADAQEAAAAAAAAAAAAAAAECAwQFBv/EADURAAIBAQUGBQQBBAIDAAAAAAABAgMREhRRkQQTIVJTkhUxcaHRMkFhsfAzgaLhBcEiI0L/2gAMAwEAAhEDEQA/APuNAczbthJMgWGUxMDnUOYI8CARWupTvqy1r0dhprUVVVjbXo7Dg9mbz14/C34604Vc0tTmwC6k+4dmb314/AfxUwq55ajALqT7h2ZvfXz8B/FTCrnlqMAupPuHZm99fPwn8VMKuaWowC6k+4dmb318/AfxUwq5pajALqT7jHZm99fPwH8VMKuaWowEeefcOzN76+fhP4qYVc0tRgI88+5kvZOwrqOVXlvGkQdU041cvOSTWynRUHam36s3UdlVKV5Sk/V2lnrcdIoBQFV303rNjJboBbjjiTv3MxhjXhBDjUEbJOs+bzUAbfe3jVPKGGswpMxgV5oVilcosnGCAaMjqQPHFASJN87RXkRnbMQky3DbQxgAaZEfGGZQeYHgeuDgCM2/9mFDEzBdAkJMEndjd+HG7jTlQzA4JHMc+lAdO03jt5HSNGJd3lQLoYENbELNq5cgCVGTyOoeNAVXb3yiNbXVxBotyIHjXS9wUuJeKkbfRQ8Mg4145sOnmoCy3G9VvHOYJOIrhWbJjbQ3DQSOFfGGIU55cuozkYoCLHv1aMjMGk5CMhTE4eQXBIhMaEZbUQR+4+bnQHmx3vVrK5vJIyqW8ky6eeplgZlBIYDSzY+qemcUB5sd4rhZCt5FAi8FpSIJjLLHpAOh4dIdiVPIoDzBHhkDcm+9qVBBl1GYwcPhOZOMqcTRoA9HnnpQGYd9rR2iVGdzMqsNMbnSsjtGuvlle+jg+jpOcCgJO2d4UtpNMxAjFtJOzd4uFhaJThQuCPpPHPTAPPAGyx2/FOk7RatUBIdXRo2B0B1yGAOCpBB9tAUm2+VMvDaP5MBLcTaHj4nKKP6EiXVp5ki4hOMD63soDu7W+UC3hScqkrSQ6ToMTqWVpOEHGV+rqzz+7xBoCed8rUSNGWcMuoEmNguuOPivEGIwXCc9PsI6gigIlpvxDK44YcxG3eYExSiZgjxJmOHh95TxBzznPmIyQB4uN/IFMLj9Q4nMjsGDxG1HfXh6SSc5H9M0BYNi7WS6QvEHADaSHUqcjB8/UYI5jIoCfQCgFAKAGgKGu2ibuQS3rxSpdcNLMIrCSEJlTo08Q6wS3FB0rjH7JyBos9+p5QgWOAtKYMHU2mI3JkBhmHXix6OYGM8xhetARbjfqeTyZQYoS8tqGGSXl41y0coiB5aAI2B6nvdRjmBLj+UF3VQiwhikWssx0QvLO8TcUDmAujpyOSBkdaA1tvbOZv1kTRnyUqsJOWEzPrZC4yyNpx08OdAbbLfmeTQFjhLSNCAQWKRG4aVTDL5+KmgEjlnPQdaA27c3jmbZdvcK4hklniR2RlUBWm4cml5QyqMAnLA4oDk2u/ssMMQZ0mZrl1LOyktCs8cQKzR6Y3YcQc1B8NPImgJz7+zrqLRxaWWUoctiMQXyWbSTH0O/xDjGAp+8AWLcXaUlxbyPK6uwuZkDJ9TSkrKun2YHL/zQFioBQHF29u8LmSGUTzQSQhwrQ8PmJdAYMJY3H7A6Y6mgIN7uVHMsomnndprdbd3JjDlI5HkVhiMKGy5HTGAOVAaW+T+313DBnAnEuQEiyjXAxI6SmMvnm2AWIGo8iOQA5m9m5c0zhbUhUe3ihkYy6SVhk1KXjER14GcaWTJODkdAOxsHd5o767u5VVeIFSJVYv3QAHlOVGlnCxZUdNHU5oDztTcaOeS5c3NyiXenjRIYuG4WNY8d6IuMqozhvOelAa2+T+A3Dz8WXLa+79HyEkXBZQ5QuVAwQC3Ij76A2T7iwtgrLMrrHAiOCmpfJGcxuAUwWOtgcjBB6CgJ+z92Io7aa2ZnljneRpDKV1MZyWk+oqgcyfNQHJf5Po31Ga5uZG4DwIzGMSJHIACeIkYZ2wqjLk9PacgQ3+T4xNB5LM6abszyPiNWUm2aEcJFj0ejkEedudASpfk4t2FuvElCwYx+r1MwlMxfiaNSFnLatBAIP3UB2Nv7sRXZYytINVtJbHQVH0c7Rs7DKnvAxrjzczyNASLXYaRvdOGcm6YF8kYUiMR9zl4DPPPOgK/F8mtquMPNyjhQHUucWzKVb6n1m0IGI6gDGKA8Q/JrAomAmmzNHo1fRagONxlbUI8swYAZYnIoCWm4cImllMjsZQ5bKQ54ksYjeQScPWDjJAzgFjyxyoD1tLcWGZUUyzLw7UWylSn1BJFJlgUwTmJQR0IJGOdAa7b5P4ERUWWYaTOQRwxg3QxJhVjCgDqBjAzjmOVAdPdbdqOxSRImZuJJxGyFVQdKrhI41CqMKOQHXNAdugFAKAUAoDVJpB1NpB8TgH31G0vMjaXmaxJH4p1z1HXx++pejmS/HMa4uXNOXTpypejmL8Mxqi58059enP76Xo5i/DMzrj8U5e0ebpS/HMX4ZgPH5inXPUdfH76X45i/DMF48YymPDIx7qXo5i/DMxqi6ZTA6dKX45i/DM9KUPIaT7BjoeZqqSfkyqUX5M2ogHIAD7qpT1QCgFAKAUAoBQCgFAKAUAoBQCgFAKAUAoBQCgFAKAUAoBQCgFAc7bWyEukCSFgAcgo2kg/fWFSnCorJK01VaFOsrKiTX5OL2Ct/Tn/iGtWEociNHh2y9NaDsFb+nP8AxDTCUORE8O2XprQx2Bt/Tn/iGmEo8iHh2y9NaDsBb+nP/ENMJR5FoPDtl6a0HYC39Of+KaYSjyLQeHbL01oOwFv6c/8AFNMJR5FoXw7ZemtDHYC39Of+IaYShyLQeH7L046I32m5NvG2oNKeRGDI2MMCp6YPQmsoUKcHbGNhtpbLRpO9Tgk/wrCnb0bP2faX9halZcXLNrzeXPdXBWM/ruWZMe41uN5e9kbp21tJxIFkD4Iy9xPIMHr3ZJGX9+KA7lAKAUAoBQCgFAKAUBVflB2hPDHb+TNIrSXKRngrE0rKwbKoJxozyHXFAcm53mmtNPF48jeS69E/BRjI9wIk4hgQquNQ5qSMeYmgJtlvo5mWCWBFfyxrVikupAUtjcF1JQZH7ODjH7sUBz4/lGdoxKLUcNbFbyU8XmqOZVEaDT3jqjHM45E/cQLFutt6W6SXiQGJ4yAM6xG+pA4KtIityzg8uooDXuXe3Enli3jozxXhjHDXCKnAgkCLnmQC7czzPs5AAWWgFAKAxmgM5oDGaAzmgFAM0AoBQCgNdzMERnboqljjrgDJxQFc2VvxbzAtIsluOGsoNwEAaOQhVIKOwySQMHB59KA6Y3itS0aC4i1ShTGusZcOCUK+OQDjxxQGvZu81vcTSQwOHMUayM6kGPDvImnUD9YGMk8sYI50BG2dvbHMc8KeOEo0i3EiAW7xp1cOGJUY5jWFyOmaAkneizCoxuYgshIUlwNRVgjAfcxAPhmgOwKAwaA+Z77bvWF1tS2aa4VZ1IDxmYrJo0MYBEoBweIQ3Mjz/dQH00UAoBQCgFAKAUAoBQCgNFzZpJoMiKxRg66hnS46MPA8zzoCFtvYUdykgYBXeIxcTQrMEJDFMOCCpI5gjBoDmbH3ItoY2SRVm1TcbvIqqrhBGuhEACgINPLrzznNAdeDYdugISGNQYuEQEABiBJEePRBZuXtNAetl7IhtlK28axqTqIUYy2AMnx5AD7gKAkW9qiFyihTI2tyBjU+AupvE4VRn2CgN1AKAwaA+aWM00cbOkd420lhlMuoSm1Mn+FyI2XOCgj59Acc6A33O19olGERkwouCkrW3flWGKJotUZUBS0jSpjALBcjxoCLtXau0DKWRZtcazskSwNwuVpqgYyYw5Zz9Uk8xjkQcgTrjeK8cuVE0cImIV1tGaTC2sLhRCy5KtMZhqx+yBkZzQEU3d/G8zIss0qSXZRXjZU5RRGBRjClTzxzPMEA5zQG2Xa+0SrCJpdI4xSZrXEkgjhR0DRFQFzIXUd0agOQzzoC/wBjIWjRnGGZASMYwxAJGD050Bxd4d6ks5EWZGKOBhoyrvqJI0+Tg8RhjnlQfPQHY2fepNGskRyjdCQVPI4IKsAQQQQQRkYoD3dwcRHQnGtSufDUCM/zoClWPydCJcJclDw44/ooliDrE4f6UIRxCcEZJHJm8aAl2e4iRoicViEW2X6o5rZsxXPP9rVzoCVu1ukLQnMrSr5NHbKGQLiGEyFASv1m+kbJ/pQHNHyfc1/9S44Vu9vC6IqzpG6lVDTDm2gHlgD30BFl3Ak1pGs30LQ3SyvpGs+WSRM6KpJwCFfDcyOXXrQH0CJNIAHQAD3UBk0BSr+yli2i02uMJcFNKm6eJjwIyZfoVjKyYUMcZ6DzUB2Nn70xTMixpLlzyygGFMayCQ97kpV09vPGM0B3qAUB44o8R76lqJahxV8R76Wi1DiDxHvpahahxB4j31bRahxB4j30FqM8QeI99BahxB4j30tFqHEHiPfUtQtR6qlFAKAUAoBQCgFAKArPyjcTyCXg6w/Eh/Vlw+nyiLXgxd/GjVnTzxmgKbHtu8traXycTti4cxl45pVMaRRHhqZwZcFi/UcyGwwAFAdS42/tFTKyJqBF2EXgNhPJ3jEDZHNiyu5x+1o5UB3Nxp5HF0ZXd/8A1J0NIjRlk4ceCsbAaVznoMZzQFooBQFA3xtbiS902rusnkqYMUkcZjJll+km4i6mj5AAISc6uQyDQFt3egljt0Wc6pBqyTgsQWJUuVABbBGSAATmgOjmgGaAZoDj228cck7wJHMxjk4buI/olcIr4L59Fl94oDsZoBmgGaAZoCsbzf8AH7K/68//AGc1AdLYm70FrngoAWYsScZyVVcA48EUfuoDrUB4dcgjxGPfUatI1bwKk+4ikki6nAz0+j5e9K5sFRy92cPhmzcvuzz2DHrdx7o/wVMFRy92PDNm5fdjsGPW7j/T/BTBUcvdk8M2bl92OwY9buP9P8FMFRy92XwzZuX3Y7BD1u4/0/wUwVHL9jwzZuX3fyY7BD1u4/0/wUwVHL9jwzZuX3fyOwI9cuf9P8FMFR5f2PDNm5fd/IO4I9cuf9P8FVbFRX292PDdm5fd/JbLG34UaRgltChctzY4GMk+NdS4HclYrDfQooDDHHWgbsNHlsfpr8QrG/HNGve0+ZaoeWx+mvxCpvIZob6nzLVGfLY/TX4hTeQzWo3tPmWo8sj9NfiFN5DNaje0+ZajyyP01+IU3kM1qN9T5lqPLI/TX4hTeQzWpN9T5lqPLI/TX3im8hmtRvqfMtR5ZH6a+8U3kM0XfU+ZanF3l2JJKUubNxHdwqQjNnhyocFoJlHVGIHMc1IBHgczYS9lbbSTRHLphuWQO1uzoZUHtCnmORwaA6woD5v8osZ8siJtYpVMBVXeMMTITKQjSF14aBhGc4562593BAu+1LJ5RFw5TEUkDHTzDqOqH2VGrTZCd1NWJ2r7/b8r8kKDYs63bzeVOYWB+hPRSR5jnGB91YqFjbtNk696nGF2Ks+6XF+pHsN3rhEuEe9kfij6Nsd6I+IJPP8AlRQsVlrMp7SpVIzuRVn2S4P1Ncm7l0bQQ+XOJg5bjAEEqc9wjVkjn4+ao4f+NlrLDalGq6m7jx+1nBeiIdxuy9tPc30bwOSzz6ZLf6UEQqnDW54vdXuZ+p+0fGthyHQ2bZ3MzWty9xpXgKZIVXuO7Atkc+X1gP8ALUs42mxVP/W4WLztt+/p6Hqw2BcI1xrvJHSVSEBHeiJzhg2eoyPdWKhZbxZtntN9xdyKu5Lz9czVFu5dC1eFr1zKX1LLjmoH7PXJH76lz/xstZktqW93lyPpZw0J9lsqZBb67lnMQIkJHKXPTIzyI5c6zSNEqltvBcXb6fhfgg7y/wDH7K/68/8A2c1U1looCjb870W9td2CTT8MrcGSRe9+qNvOqk4HMaygx44oBvddDj4uJrqGDybVC1qZFZ59R1A8Md5wujSjZByeRoCPtDem7jklCJq0BwI3iYSBEtxIl2zjkQ0nd0ADm2OoNAR9o7y3qpJG7KneYcZYHxhrQTJGqq/Ji5Kh8/s460B7td7bpBFFwy8ncAVlbW8fkHG1l+mTMCuf3daAj3m37t0hcXGVMc2vRbSRBpPJkdItRbIYMXAI6EY6qaA3y713iLJoQMY4XxEY3L6Us+Ml0Zc98NKAmkD9vrlTQHVtNqXL2+0RMfpIY/o3jQxk8S0SYaRqPNWcrkH9mgKrsTblzCkpWSV8xW4BYy3SJK7OJCzzaSpICgqMgcupbFAdnZu9V7IYHKqFJgDx8JtTNcROz4cnu6WUcsHrg0BK3C2tcXFxM1w5INrA2gIyJFKxmMsOliQWXuqW8+ByoDpSbzxjaS2vHh0G3JK611+UcVEWPr1IJ7vWgLOKA8SxhlKt0IwfuNGreDI0mrGVk7iW3pTfxWrRhaPItDlwGy9OOiHYO29Kb+K1MNR5FoMBsvTjojHYK29Kb+K1MNR5VoMBsvTjoh2CtvSm/itTDUeVaIYDZenHRDsFa+lN/FamGo8i0QwGy9OOiHYG19Kb+K1MNR5FohgNm6ce1DsDa+lN/FamFo8i0RcDs3Tj2odgrXxm/itTDUeVaIq2PZ07VTj2r4LPDEFUKOigAZ8ByredJQ/lEtI47rZl0ERZPLljebSA2ho3Coz4yRnkAaAvwoD5rvhNE9xNP3Q0FvIrLJbRzaltGV20M790nygY+4581AfSU6D7qA9UAoBQGCM9aAAY6UBmgFAKAq+83/H7K/68/wD2c1AWigPlHyhxbPvbzZ0vltoOBORNm4izwl+kAbL+kmn/APpQF/td6bGRgkV5bO7dFSeNmJ8AobJoRuw3/pqD7Va0YqjzrU5cds3Ujqh+moPtVqYqjzrUY/ZupHVD9NQfarTFUedakx+zdSOqM/pqD7VaYqjzrUuP2bqR1Q/TUH2q++mKo861GP2bqR1Q/TUH2q++mKo861GP2bqR1Q/TUH2q++mKo861GP2bqR1Rj9NQfarRbVR5lqMfs3UWqJiTqQCGBBGQcjmD0Nb07TrPmtzuap3jS7wOFwOMfDjpiIezPNW+8E1QfThQGq6kKozKMkKSB4kDkKj8jKCTkkyg9u7z1A+81z72eS1PXwGy9SXb/sdu7z1Bveau9nktS4DZepLt/wBjt3eeoN7zTezyWpMBsvUl2/7MdvLz1Bveab2eS1GB2TqS7f8AY7eXnqDe803s8lqTA7Lzy7V8mO3t5/y9veabyeS1/wBEwWy88+1fI7e3v/L295pvJ5LX/RcFsvPPtXyO3t7/AMvb303k8lqR7Fstn1z7V8na25vqLOS3W4t5hFOFBnUAxRSSHAjc+b766DyWrOBD+VImSO1tOQS8u1hkJALCPSzsFz0J0jvdRQhcbG1WKNI0zpRQo1Ek4UYGWPMn20BSN6YtlR3LC6tOJK8ZmkkCAqqaXwXJYElhC+AAfqc8cqAvq+ygM0AoBQCgFAKAUAoCr7y/8fsr/rz/APaTUBaKA+d7Ukb9JvAuFiRIGwkdpgmVpQ+szjWRhB9TJ6+ygLwuzoQciKMEecIoI/figsONLutYfWZFAY8jxWAJ9ne/pWvd08kYqhF8Lq0MNulYBgpjGo9AZWyfuGqm7p+Vi0JuI2W3VZ6Bd0rAkgRgkdQJGyPvGqm7p5Iu5ilbdWiK/vXs+ztlgMEEchmnMWWll0LiKSQk8IO2e5jAHnoqdN/ZaEdGK84rRHX2burZvBHLLCillBbTJLoGfAyaWx94BpuoZLQKjB8FFaIkNujs8EAxqCegMjZP3DVzpu6eS0LuI8q0A3Q2fq08NdXo8RtXu1U3dPJaDcxstuqz0MLujs85xGp09cSMcff3uVN3TyQ3Ebfp9iXcboWMuky2kEhCBQXjVzoUYUaiCcYrYZGrsLs31G1/gp/agO/DEEUKgAVQAAOQAHIACgPF4Dw309dJxnpnFSXkxY39PmfP7iS64aFFQyHOoasKPDnjnXG1PhY/Xgd9WntbVO5NKz6uHn6Zfc2ztccRAioYzjWSeY9LAxzq2SvW28PQzcNpxCkpLd5WcdRE1xxWDKgiAOk55k8tPLHLz1FGXG1+38tJShtSnO/NNP6eHl65muCS6KSF0QOPqAN18cnHKl2d2y1W+hrhT2zcSjKav28HZws9Dy8l3wQQicXJyuru483exRxnYrH68C1Ke2OlBQmlJebs8/TI93L3IMYRUIIGsk4wc97Axz5Zq3Xett4en/ZsnDaXWjKMlc+6s4v+57D3HGxpTg8+9nvewaceNRRkm7X7CENpVaTlJXH5KzivV/c1273X0utYxgfR4bOo5PXlyHSijOx2vj6GFKntapyU5py+zs8vVEr5UbCabZBCIXkQxSFEGSeGyl9I8/LJ/dXajhl5slw7Ki2lPbbQS6eS3j78MQwIhIoZC5OM5ByMeIoQt4oD55vzcIbyHQtrLJGByu+EIY8O2SJs8VZOQ7oVh0OKA+hKaAzQCgFAKAUAoBQCgPkvylbsyz7Y2c0byCOY6X0uwCmIFnIweRaLK8vR9tAfWqAiXOzYpDqeKNn8zMiswx05kZ5UBxN0rG4QTC6DjOlRrfUWKgh5BhmChiQcDH3UCdjtNV7upZyW8du0jBImLKRL3xqzkavDnWtwg+DOyG1bTTlKUZNOXnw8/Y3X27trLNDM0jB4QoXEuAQnTUPP1NW7G9e+5hGvXjSdJN3X5o9wbv2qXT3SyHiOCCvE7neGCdNFGKdq8xOvXnCNOTdi8lkRrbdKyRNGtyBOZ1InZGSQpwzpeNg2NJIxnzmkVGKsRK9atXkpVW20rP7GldjLJLdQyTyeStbxRxgylsEs7SkSMSWbITmcnBAquxqxmFN1KclOPBokbQ3XtJuBqlYG3ACFZcEgEEBvHpUcYtp5GyFevCEoRbsl5rM3nYNt5YLwSES46CTuHlpyV+6l2NtpJVq8qSpNu6vsabDdi0hM5SRsXAKuplyAGJJ08+XU1FGCMqm0bRUcZSbbj5cPIsNhbiKNI0JKooUEnJwBgZPnrYcvmSKAUBrn+q3+E/0qPyMofUip4rmPcFAKAUAoBQDFAYoCF8sU7LslgrFeI8UZIOCUdwGX94rpXkeHL6mXawso4Y1jhRUjQYVVGFA9gqmJIoD5Xv8ATrDeOGlmIkgViscVtiNSZiSJZsYY8OQ55kafPyFAXLfOwea3URytEwcHUvnGMEHBFa6qtR27DUcKjsSfD7q0pPZy59ek/n+Kue7+Xqetv5csOxDs7c+vS/z/ABUu/l6sb+XLDsQ7OXPr0v8AP8VLv5erG/lyw7EOzlz69L/P8VW6s3qxv5csOxGOzlz6/L/P8VS6s3qyb+XLDsQ7OXXr8v8AP8VW6s3qxvpcsO1Gezd16/L/AD/FS6s3qxv58sO1HQ2BsGdZl4l5M6MCrKCVJDKRyYHIPnyOYrOCSf31Oba5udJpqPDjwikWE7j25IJlvCV6Hy25yMjBweJy5V0HjE3Zm7cUD60kuWOCMS3U0qc//hI5GfbigKBv7YbLsrmwjazgJurnEhK8xERpLE59ORD7dJoC62m42z4XEkNpEjrzVlXBBwRkH95qMqbT4FPbcyDP1pB9zD+1ce7hkfS4vaOdnnsXB6cvxD+1N3DIYvaOox2Kg9OX4vypu4ZExe0dRjsXB6cvxflTdwyGK2jqMdioPTl+L8qbuGQxW0dRjsVB6cvxflTdwyGK2jqMx2Jg9OX4vypu4ZDFbR1HqOxMHpy/H+VW5DIYraOoy4HcqxmSJri2SV1iRNcg1MVVRgE11x8j56s26km82Uva2zNlRbXtbHyODTLC5bun9YxBh558Ecf5qprPq9vEqKqoMKoAAHQADAFAYuodaMhJAZSMjqMjHKj4ljK600UX5tz65N7vzrRh45vU9LxavlHtiPm3Prkvu/OmHjm9R4tXyj2xHzbn1yX3fnTDxzeo8Wr5R7UPm3Prk3u/OmHjm9R4tXyj2ofNufXJvd+dMPH86l8Xr5R7UPm3Prkv+/30w8fzqPF6+Ue1D5uD65N/v99MPH86jxevlHtQ+bg+uTe786YeP51I/wDlq+Ue1HvbW70FztO0iueLJwrVplHExCXgliQFodPNjxDz1DpjBreea3a7S90IZoD5hv7dJFdrHLJOyyLxQpkjC6xrMcUEbwsXbVH0zkGRPSoC+7a/VfvFYVPpOrZP6n9j5ZtK9uI55YwZSsbPd5AZ8xcLuwdRn6Yk6MjuqByrWkrDrk5KTWXH/WpFG37ohZMFmRJxhVYIwVoeHI0YPMhWYjxwcVbqMN7Pz9SS+37vSCOGQsZckRsRIBOIwBkjSSpOcZ5rkcql1GW8nZ/MzZNt+4CTMMallC6OC+YE45j4jMTh8oA3mxnPSl1B1ZJN/f0/J727eTPYwOWKu00esxNJECpLZOpRrVSME8qJcSzk3BNnMtNv3MUcKqXfM7gmRHcNF5QqALMxDHCMTqK5OMmsmkzWqklYkTf0/dhSSFwy5H0TfQqLrgs7DPf7nfxy6VLqM1Vn/PWwsXyeTyOitKzO3lEo1MCMqJX0EA8wNOMDwp/9IjbdBt/zifQhW48wzQFA+UTcyK8ubGR45X+n4chRnwkAjlfJ0/U+kCd7l1AoC9omFAHQDHPryHjUYPl2+F5Lb8OaEO+VeHhrkgySLmFyvTIdANXmDGtEeJ69ZuNjRxbzatynGt1ZysUBAkKsJeJGYBniaiW1B3OTzOPZWViNbqS4x/HwSW3hu8y4VARMECmNi0am5EQY45MCh1ZyPHmKXUXez/nr8G2z29cmREkwuHZc8Fjxys7RYXB+j7oDef62elLqKqkrbP8Arz4k7djas8/F44UaQCAFZWjYs4MbZ5HAVeYOfZgio0lYZU5uSdv88yp7u7WuI0DF5nJtAW1GWcLMZIl1OJcBCAz8lOMaifq1k0jRTnJK237HXtN4rtwjEKAFhLjhtljLdSQPg57uFVX6fyqXUbFVn5+n7Je720p5ro8ZjgQNmMIyLG4mI0Ek4ZgoHe9vtqNJIypTlKXE+r2f6tP8A/oK3LyPMq/XL1Z8+2/upbSbctJXVi7xSTE62/WW5gERHPkB4DkapgfRhQGaAUAoBQCgFAKA5G39qm2MDELwnnEcjHOUDhgjD/PoBz5iaAr0O/66I9ceJJoXlj0lSunhyywh11axqjj1ZKgZOKAgjeyDysXT68wWLxyKigrrcQXLAHXqGAoAyuCT1yOYHeTfRGYxrbztMHZTENGsLGqO0mdekjEicgc5bGKAk7N3shnnkhRX+jLjXgFCYnEci8iSpDHHeAzgkZAoCp7XW+a8lBW+8nMjAmFYyOGBFwlhZmBjyeLqcd7+RAFs3u2pHbwK0pIDOAOXnwTzrVWkkuJ3/wDH0ZVatkcvu7CndsLX0z/L+9c28R7ODqfjVGe2Nr6Z/l/em9RcFU/HcjHbG19M/wAv703qGCqfjVDtja+n/T+9N7EYKr+O5Dtla+n/AE/vTexGCqfjVDtla+n/AE/vTeIYKpmtUY7aWn2n9P71d4jHCTzj3I6O7289vNcRxxvlieQ8eX31nTlekcu2UXTottrLg0y/iuo8IzQCgPEjYBPXl++oyrzPlzb3KCQbecHp9WuW2XKz6K7Q60ff4MdsF+wn+GpbLlYu0OtH3+B2wX7Cf4KtsuVi7Q60ff4MdsV+wn+CpbPlft8i7Q60ff4HbFfV5/gpbPlft8i7Q60ff4HbFfV7j4KWz5X7fIu0OtH3+B2xX1e4+Cls+V+wu0OtH3+B2wX7C4+ClsuVi7Q60Pf4LLvFvYbOCxl0ExytpdSvf0+TyOvUgL3lXLHkBkmuuPkeBV+uVmbN0dzdnaKxmWHgmAzaRCTIF1KhiE3EweZzq0+bGPPVNZps9oynaLRmSYpqYaDo4fIEjH0IYD/P5qAzsfbN1NfTxkgW8Vw0QAgyCFiVwTccXkct00eHjyAuFAKAUAoBQCgIm1dmxXMTwzrrjcYZckZwQRzUgjmB0oD51vZdQwXrqLWNhFFCSS0y5E3Ft8ZjBiQiPUNb45Hry5ATLi92YJLiI27lgEhZUfKyiVktVwqy4DZ0JqbDYA81AR9r7WsnjLpZu8jSB5QxK8MtMLNxKVk5gmJ10rqU8Pny50BfLXYsMcjyRppZ86sM2nLEFiEzpBJAJIAzigOhQGm5tkkGmRVZfBgCPcaAi/oO3+wi+Bf7ULax+g7f7CL4F/tQWsfoO3+wi+Bf7UFrH6DtvsIvgX+1Bax+g7f7CL4F/tQWsfoO2+wi+Bf7UFpj9BW32EXwL/ahDZBsqBGDRxRqw6FVAPvFATaAUAoBQGNI8KAaR4UA0jwoBpHhQDSPCgGkeFANI8KAaR4UBHu7GOXTxEV9OdOoA41KUbGfFWZT7CaAQ2MasGVFDKnDBAGRGCCEB9HIHL2UBJoDgbY2BFpmmt4Y1uyrMsojXicQrgNnHM+agN26fG8nzcBg5kcgOxZhHrPDBYqpPdx1Gfv60B2aAUAoBQCgFAcTae6lrcSmaZHLsqq2JpUR1jJKK8aOEcAs3JgepoDXHubZq5dYSGLh/wBZJpDLMLgEJr0j6UBsAY6+YkUBi43Ms306oj3WLcpZVBLTGc69LjWOKSwDZAJOMCgLAKAUAoBQCgFAKAUAoBQCgFAKAUAoBQCgFAKAUAoBQCgFAKAUAoBQCgFAKAUAoBQCgFAKAUAoDhb3bfayiWVYWmy+khOq5BweQJ6jH766NnowqyalK7wyb/RjJtLgio/Oo3qM3ub8FdmAo9b/ABl8GF+WQ+dRvUZv/t+CmBodX/GXwL8sh86jeoze5vwUwNDq/wCMvgX5Ze4+dVvUZvc34KYGh1f8ZfAvyy9x86reoTe5vw0wNDq/4y+Bfll7mPnVb1Cf+f4aYGh1v8ZfAvyy9zPzqt6hN/P8NMDQ63+Mvgt+WXujpbufKCbqdYWtJY9fRmBwD7cgVor7LThC9CpeeV1r9lUm/NF5riMxQCgPEjYBPXAzjx9lFxdgPnh+VRQcGzn935V6nh9LrLSXwat48h86q+pz+78qmApdZaS+BfeQ+dVfU5/d+VMBS6y0l8C+8jHzrL6nP7vypgKfWWkvgX3kZ+dZfU5/d+VMBS6y0l8C+8jHzrL6nP7vypgKXWXbL4G8eQ+ddfU7j3flTAUusu2XwN48h86y+p3Hu/KpgKXWXbL4F95F+2ddiaKOUAgSIGAYYYBhnBHjXnNWOw2kmoBQGm7m0Iz4LaVJwOpwM4FZRVrSB8/+dVfU5/d+Vel4fT6y0l8GrePIx86q+pz+78qmApdZaS+BvHkZ+dVfU5/d+VMBT6y0l8DePIx86y+pz+78qYCl1lpL4G8eQ+dZfU5/d+VMBS6y0l8DePIfOsvqc/u/KmApdZdsvgbx5D51l9TuPd+VMBS6y7ZfA3jyA+VZfU7j3VHsNKzhVXbL4LfeR9Ct5daqwBAZQcHrzGcGvNNhtoBQCgOZvD+p/wAwrp2T+p/Yxl5FQv7tYY3lk+pGpZsDJwBk4Hnr0pSuq1mogneGILqdZUGC3fjKnClQTg/4x/Osd4vuWwk2+1oXxh1BLsihiFZmjYqwUHrzHmrJTTJYZt9qRPKYo3DOq6jpIIHe04JHQ5HSpfTdgsIdjvJBKQBrXKs4aRCiMsZAchzywM1jGrFsrRMO1IMK3Gjw/wBU61w3PTyOefPl99Z345ksMDasRmEAcGXDEqpzp0achsdD3hyNL8bbosOxsn9cn3/+DWG0f02WPmdfaG3VimMRUkJbmZyvNlUvojAQDJLESfAa8ZG407J3miuJY1iB0ywtIjHkSY5OHMhXHIqTHzzz1eznQd6gMNRAo2K900HJ7QRZkAWXERIZhGdAZcZAfoTzFa94uJbD3Dt2Biw1adIcsW7qgRyGJsseX1gaKpFixnu721BGE1SL9IVCAEEtrYKGUA81yw5+2q5pCw07R3ghgdkkD5RVZysZZUVywVmYdPqt7qxlUUXYxYTP0hDlhxY8pjUNYyuemoZ5ebrWd+OZLDRd7bt44xI0qFT9XSwJbBwdIB72PZUdSKVtpbGdGsiFiutpcCGA6dTSPFEoBxzkKrknwUZY/wCGvGq/W/Vm5HItt+4nheThurR5ZkbIBhScwySxuVw4XGSB4gZ89YFLctAa7r6jf4T/AErKH1L1I/IpQFe2zSciHeGJ9WlZcK5QtwyE1iThkBuh71alVTLYe7fb0D6u/pCqGJfuqAXeMd48vrI3KslUixYbrna0KNGhdS0hAVVILHVnDY9Hl1o5xViFhHvN4IYpGjcSZUoGYRkxqZcaAzjpnIrF1EnYEiZ+kYe99LH3Dhu+vdJ5ANz5H76zvLMhoutt28aozSoRJjRpYMXDMFDKAeYyw5io6kV9y2M6OKzIWPaG11g8nUjPFJBOcBI44mkklPsAUD/MK8SX1M3ojW+9Uchg0pIEnk4YaRGjIYxGWMhWHeVlVufmNYg74oDNAczeH9T/AJhXTsn9Qxn5FL2zY+UQSw6tPFjZNWM41DGcZGffXozjei0a0zl7Q3VRwqxMsSrG6YCZBLtGS/1h9n09vs54Sop+Rbxo7IfSK/FBxIzsrI2CGn46gaZBgg8snI6HFTccfP8AnmLxK2Du8baTWZQ4EQiUCPSwQOzgu+o6m72M4HjVhSuu38WEbtObablugIW4RTw3QNHCVc8Qg5kbinVj2aT7RWCoNeT9i3jZDuXhCpmBJWVc8M8jNKJcjLk8sY65PjRbPwst/lpbxN2Zu4YZxLxQyrxdK8PD/TsrnVJq72CDjkORrONKyVvr9syN8C1bJ/XJ9/8A4pX/AKbEfM6O2N20uJi7nuPAIpFHJiY5RLCyv5tLGTIxz1fuPjo2nnZO7CW8yPGToiidEDEswaeXiTMWPUHTHgew1QWCgPLUBSK900Ffk3WQpcAFRJO7HiaO8qsVOjGrnjSPOK07lcfyZXiLcbnatX0xBLMwwhGGa5NwM4cEgZ04BHjkVi6Fv3/ltovGDucQVKyqBmIuOETkwStKNBaQlAS7AglvMabjy45e39xeNu3d1TczPKJEXXGid6Eu68NnYPG/EGlu94HoKs6N522+wUrDTLuczSvI9xq1jGGjJOnjRS4J14/9sryUfWzz88dC1tt/zgLwutziwfTMo1l9WYtXdebigL3xpIPLPn8BijoW+T9heLXXQYlhvdmGeC30sFaJ4pVJGR9GVJU/4l1DPtrxav1y9Wbkc2bceERyJEzgyrwyZGL6IXm4syRjzajn+XmGKwKWoCgNd19Rv8J/pWUPqXqR+RShXtmkr0e6qLG6hhrefitJo5kcfjaCNX+XOfbjzVp3PD+//dpleIx3OPmm5jTjuEDKSyyc9MgJBEuORHTOfNWLofn+W2i8e4d0tDxlZVCI8bleESS0MZjwjlyUUg9OfPPPnVVCxrjl7C8etqbqma4eYSIodozzhLSrwsfUl4gxnHomkqN522hSNUe554jyPPr1PG3ejPSKZpQDlyP2tPIADAOKiocW7f5baLxg7mkY0zDBKlsxZzw52mUIdfd+sVPXPI8ulNy8/b8i8WuugxLDtPZAnNs2R9ETqDDIeKSJo5I/ZnUpz/8AH214kvNm9EWLdVEa30SSFIZeLiV2kbKQtDEqlj3VUMT7axBYxQCgOFvfsue5hVLWbguHySRkMMEYPL25/dXRs1eNGV5xUvVtfoxnG1WWlP7E7T9ej+H8q7vE6fRWsvkw3T5v0OxO0/Xk+H8qeJ0+itZfI3TzHYnafr0fw/lTxOn0VrL5G7ef6HYnafryfB+VPE6fRWsvkm6eY7E7U9ej+D8qeJw6UdZfI3TzHYnanr0fwflTxOHSjrL5G6eY7E7U9eT4Pyp4nDpR1l8l3TzOlu7utfQzpJPdpJGvVQvM8vHFado25VIXVBL0b/7ZlGFnG0vVeeZmaAUB4lUkEA4OOvh7aLg7QfNX3N2pk4vI8Z5ZHPHwV6/iVLpLukad28zHY7avrcf+/wDJTxKl0V3SG7eY7HbV9bi9x/BTxKl0V3Mbt5jsbtX1uL3H8NPE6XSXdIbp5/odjdq+txe4/hp4nS6S7pDdPP8AQ7HbV9bi9x/DTxOn0l3Mbp5/ox2N2r63F7j+GnidPoruY3TzHY3avrcXuP4aeJU+ktWN08z6LsyF0hjWUhnVFDEcgWAAJArypSvSbzNxKrECgNN5EWR1U6SykA+BIxmsou7JNhnzfsbtT1yP3f8A4r1fEqXRXdI07t5jsdtX1uL/AH/kp4lS6K7pDdvMdjdq+txe7/8AFPEqXRXdIbt5jsbtX1uL3H8FPE6XSXdIbp5/odjdq+txe4/hp4lT6S7mN08/0Oxu1fXIvcfw08TpdJd0hunn+jHY3avrcXuP4aeJ0+ku5jdPP9DsbtX1uL3H8NR/8nTs/pLuZd08/wBH0m1RgihyCwUAkdCQOZFeU3a7TabqgFAKAUAoCl747fltbmPhMCDbO2hvqF+PbxhjjnyDt76A5c+/c8UkKSiAg3EkMhQEuxSdYgY4TJno3PBcg45c6A8Xm/MkoEcbIsgkQSaCdSEbShtihB6ao2bOefOgNXbyeaYpG8UcaXcK6imDwpJpY2jdeIdJzGBk6T3sYFASl36nZX0LAza4l094cB5bngcCfmcyAd7lp6Hl56A+hW4YKvEIL4GoqCFLY5kKSSBnzZNAbKAUAoBQCgPmV1vJNDtCYcVp+/IEhicZUJBrEctqyBlUFeUqls6x44oDC7/3Jt+IotiQsr6wdSFYIUlK6Y5W0tzKnLHzHH7NAbbjfO4Vn1KhaEzDSmoRsFgtZVZlOSdPHOSD0QnHPAAk3u+0saRlXtpAQ5DqHCXLpKsYtoMt+sOT52HTGRnAGm536uF4jaIdOLjSMNmPyWdIjJKdXeUB8kADGk8+fICGvygyQRzPJJDKubto5MkRtJAYeFDHz6EO5xknu0BL2xvhcGO64csETxMO4VZpYkWWFTLIc6dDI7EdMDHXngD3e79TJxyFhYxrKdHeDIISoSaU6iOHLnK8hyZevOgL5s/icNOMVMmO8UBVM+wEkj30BIoBQFE3k2uEu5UuLyW1Cxxm3WNQ3GLE8QiPQTM2rC8MdBjl3s0BGuN+Z1M4CREoJO5hg0JjuY4IxOc/+6rl1wB9U41DnQELeLfe5jhmQvDE6C5XigMNbQMiokILELJpYsck/V6YyQBNn+UCRWkjVI3kiW6LICdYFsYhCzAcwGV2Y+IHKgNM++Vwsiuk1vPH5HO44SsI5JIpol1qSSe6rMSASMK/XzAdLZW9VxPNDDGYCGebMwDcOWK3MOXhUOevEKc2IBUnn0IELeLblwHmMcjJwr9Ygi470UNn5S4wR+2Sw/yigOVY783SRPISr8e5d4zOVVI4mghnt7XUXUKWWUYPePInS3SgJFzv5cW6PxHieXy2ZNJTAWGFo/o9XEXDaXBBwxI54PM0B3N39rzNdIrSF0eW8TScEAQSpw2B9gLL+8eFAXagFAKAUAoDzQAGgFABQGRQGaAUAoBQCgFAeCoyTjnjr5/uoDNAM/799AKAZoDGaA9UBigMigM0AoDz5/8AftoDANAZoBQAGgFARorZVkkdRhpAuo+lpDBc/cPP93hQEjP+/wB9AZzQEfyZDNxSo4gjKBvOEZgSo+8qvuFASqAUB//Z"/>
+          <p:cNvSpPr>
+            <a:spLocks noChangeAspect="1" noChangeArrowheads="1"/>
+          </p:cNvSpPr>
+          <p:nvPr/>
+        </p:nvSpPr>
+        <p:spPr bwMode="auto">
+          <a:xfrm>
+            <a:off x="155575" y="-144463"/>
+            <a:ext cx="304800" cy="304801"/>
+          </a:xfrm>
+          <a:prstGeom prst="rect">
+            <a:avLst/>
+          </a:prstGeom>
+          <a:noFill/>
+          <a:extLst>
+            <a:ext uri="{909E8E84-426E-40DD-AFC4-6F175D3DCCD1}">
+              <a14:hiddenFill xmlns:a14="http://schemas.microsoft.com/office/drawing/2010/main">
+                <a:solidFill>
+                  <a:srgbClr val="FFFFFF"/>
+                </a:solidFill>
+              </a14:hiddenFill>
+            </a:ext>
+          </a:extLst>
+        </p:spPr>
+        <p:txBody>
+          <a:bodyPr vert="horz" wrap="square" lIns="91440" tIns="45720" rIns="91440" bIns="45720" numCol="1" anchor="t" anchorCtr="0" compatLnSpc="1">
+            <a:prstTxWarp prst="textNoShape">
+              <a:avLst/>
+            </a:prstTxWarp>
+          </a:bodyPr>
+          <a:lstStyle/>
+          <a:p>
+            <a:endParaRPr lang="en-US"/>
+          </a:p>
+        </p:txBody>
+      </p:sp>
+      <p:pic>
+        <p:nvPicPr>
+          <p:cNvPr id="9" name="Picture 8"/>
+          <p:cNvPicPr>
+            <a:picLocks noChangeAspect="1"/>
+          </p:cNvPicPr>
+          <p:nvPr/>
+        </p:nvPicPr>
+        <p:blipFill>
+          <a:blip r:embed="rId2"/>
+          <a:stretch>
+            <a:fillRect/>
+          </a:stretch>
+        </p:blipFill>
+        <p:spPr>
+          <a:xfrm>
+            <a:off x="1067828" y="618387"/>
+            <a:ext cx="9261028" cy="5386516"/>
+          </a:xfrm>
+          <a:prstGeom prst="rect">
+            <a:avLst/>
+          </a:prstGeom>
+        </p:spPr>
+      </p:pic>
+    </p:spTree>
+    <p:extLst>
+      <p:ext uri="{BB962C8B-B14F-4D97-AF65-F5344CB8AC3E}">
+        <p14:creationId xmlns:p14="http://schemas.microsoft.com/office/powerpoint/2010/main" val="1860699775"/>
+      </p:ext>
+    </p:extLst>
+  </p:cSld>
+  <p:clrMapOvr>
+    <a:masterClrMapping/>
+  </p:clrMapOvr>
+</p:sld>
+</file>
+
+<file path=ppt/slides/slide18.xml><?xml version="1.0" encoding="utf-8"?>
+<p:sld xmlns:a="http://schemas.openxmlformats.org/drawingml/2006/main" xmlns:r="http://schemas.openxmlformats.org/officeDocument/2006/relationships" xmlns:p="http://schemas.openxmlformats.org/presentationml/2006/main">
+  <p:cSld>
+    <p:spTree>
+      <p:nvGrpSpPr>
+        <p:cNvPr id="1" name=""/>
+        <p:cNvGrpSpPr/>
+        <p:nvPr/>
+      </p:nvGrpSpPr>
+      <p:grpSpPr>
+        <a:xfrm>
+          <a:off x="0" y="0"/>
+          <a:ext cx="0" cy="0"/>
+          <a:chOff x="0" y="0"/>
+          <a:chExt cx="0" cy="0"/>
+        </a:xfrm>
+      </p:grpSpPr>
+      <p:pic>
+        <p:nvPicPr>
+          <p:cNvPr id="5122" name="Picture 2" descr="https://encrypted-tbn2.gstatic.com/images?q=tbn:ANd9GcTkDl-XdLd14OKPZQhhyXyo0FCNvJIwHF6Ova64VkM_9Pd5hTssEA"/>
+          <p:cNvPicPr>
+            <a:picLocks noGrp="1" noChangeAspect="1" noChangeArrowheads="1"/>
+          </p:cNvPicPr>
+          <p:nvPr>
+            <p:ph idx="1"/>
+          </p:nvPr>
+        </p:nvPicPr>
+        <p:blipFill>
+          <a:blip r:embed="rId2">
+            <a:extLst>
+              <a:ext uri="{28A0092B-C50C-407E-A947-70E740481C1C}">
+                <a14:useLocalDpi xmlns:a14="http://schemas.microsoft.com/office/drawing/2010/main" val="0"/>
+              </a:ext>
+            </a:extLst>
+          </a:blip>
+          <a:srcRect/>
+          <a:stretch>
+            <a:fillRect/>
+          </a:stretch>
+        </p:blipFill>
+        <p:spPr bwMode="auto">
+          <a:xfrm>
+            <a:off x="2500915" y="720535"/>
+            <a:ext cx="6926419" cy="5168174"/>
+          </a:xfrm>
+          <a:prstGeom prst="rect">
+            <a:avLst/>
+          </a:prstGeom>
+          <a:noFill/>
+          <a:extLst>
+            <a:ext uri="{909E8E84-426E-40DD-AFC4-6F175D3DCCD1}">
+              <a14:hiddenFill xmlns:a14="http://schemas.microsoft.com/office/drawing/2010/main">
+                <a:solidFill>
+                  <a:srgbClr val="FFFFFF"/>
+                </a:solidFill>
+              </a14:hiddenFill>
+            </a:ext>
+          </a:extLst>
+        </p:spPr>
+      </p:pic>
+    </p:spTree>
+    <p:extLst>
+      <p:ext uri="{BB962C8B-B14F-4D97-AF65-F5344CB8AC3E}">
+        <p14:creationId xmlns:p14="http://schemas.microsoft.com/office/powerpoint/2010/main" val="2008469940"/>
+      </p:ext>
+    </p:extLst>
+  </p:cSld>
+  <p:clrMapOvr>
+    <a:masterClrMapping/>
+  </p:clrMapOvr>
+</p:sld>
+</file>
+
+<file path=ppt/slides/slide19.xml><?xml version="1.0" encoding="utf-8"?>
+<p:sld xmlns:a="http://schemas.openxmlformats.org/drawingml/2006/main" xmlns:r="http://schemas.openxmlformats.org/officeDocument/2006/relationships" xmlns:p="http://schemas.openxmlformats.org/presentationml/2006/main">
+  <p:cSld>
+    <p:spTree>
+      <p:nvGrpSpPr>
+        <p:cNvPr id="1" name=""/>
+        <p:cNvGrpSpPr/>
+        <p:nvPr/>
+      </p:nvGrpSpPr>
+      <p:grpSpPr>
+        <a:xfrm>
+          <a:off x="0" y="0"/>
+          <a:ext cx="0" cy="0"/>
+          <a:chOff x="0" y="0"/>
+          <a:chExt cx="0" cy="0"/>
+        </a:xfrm>
+      </p:grpSpPr>
+      <p:pic>
+        <p:nvPicPr>
+          <p:cNvPr id="6146" name="Picture 2" descr="https://encrypted-tbn3.gstatic.com/images?q=tbn:ANd9GcRSNAQ9ofzgTdRNxHATrE-rbH28X9LKMHpxJYz6uw492sOuQO6X"/>
+          <p:cNvPicPr>
+            <a:picLocks noGrp="1" noChangeAspect="1" noChangeArrowheads="1"/>
+          </p:cNvPicPr>
+          <p:nvPr>
+            <p:ph idx="1"/>
+          </p:nvPr>
+        </p:nvPicPr>
+        <p:blipFill>
+          <a:blip r:embed="rId2">
+            <a:extLst>
+              <a:ext uri="{28A0092B-C50C-407E-A947-70E740481C1C}">
+                <a14:useLocalDpi xmlns:a14="http://schemas.microsoft.com/office/drawing/2010/main" val="0"/>
+              </a:ext>
+            </a:extLst>
+          </a:blip>
+          <a:srcRect/>
+          <a:stretch>
+            <a:fillRect/>
+          </a:stretch>
+        </p:blipFill>
+        <p:spPr bwMode="auto">
+          <a:xfrm>
+            <a:off x="2772177" y="424656"/>
+            <a:ext cx="5803055" cy="5770083"/>
+          </a:xfrm>
+          <a:prstGeom prst="rect">
+            <a:avLst/>
+          </a:prstGeom>
+          <a:noFill/>
+          <a:extLst>
+            <a:ext uri="{909E8E84-426E-40DD-AFC4-6F175D3DCCD1}">
+              <a14:hiddenFill xmlns:a14="http://schemas.microsoft.com/office/drawing/2010/main">
+                <a:solidFill>
+                  <a:srgbClr val="FFFFFF"/>
+                </a:solidFill>
+              </a14:hiddenFill>
+            </a:ext>
+          </a:extLst>
+        </p:spPr>
+      </p:pic>
+    </p:spTree>
+    <p:extLst>
+      <p:ext uri="{BB962C8B-B14F-4D97-AF65-F5344CB8AC3E}">
+        <p14:creationId xmlns:p14="http://schemas.microsoft.com/office/powerpoint/2010/main" val="3929614034"/>
+      </p:ext>
+    </p:extLst>
+  </p:cSld>
+  <p:clrMapOvr>
+    <a:masterClrMapping/>
+  </p:clrMapOvr>
+</p:sld>
+</file>
+
 <file path=ppt/slides/slide2.xml><?xml version="1.0" encoding="utf-8"?>
 <p:sld xmlns:a="http://schemas.openxmlformats.org/drawingml/2006/main" xmlns:r="http://schemas.openxmlformats.org/officeDocument/2006/relationships" xmlns:p="http://schemas.openxmlformats.org/presentationml/2006/main">
   <p:cSld>
@@ -5805,39 +6544,7 @@
                   </a:outerShdw>
                 </a:effectLst>
               </a:rPr>
-              <a:t>Conducting or </a:t>
-            </a:r>
-            <a:r>
-              <a:rPr lang="en-US" sz="5400" b="0" cap="none" spc="0" dirty="0" smtClean="0">
-                <a:ln w="0"/>
-                <a:solidFill>
-                  <a:schemeClr val="tx1"/>
-                </a:solidFill>
-                <a:effectLst>
-                  <a:outerShdw blurRad="38100" dist="19050" dir="2700000" algn="tl" rotWithShape="0">
-                    <a:schemeClr val="dk1">
-                      <a:alpha val="40000"/>
-                    </a:schemeClr>
-                  </a:outerShdw>
-                </a:effectLst>
-              </a:rPr>
-              <a:t>Non-Conducting </a:t>
-            </a:r>
-            <a:r>
-              <a:rPr lang="en-US" sz="5400" b="0" cap="none" spc="0" dirty="0" smtClean="0">
-                <a:ln w="0"/>
-                <a:solidFill>
-                  <a:schemeClr val="tx1"/>
-                </a:solidFill>
-                <a:effectLst>
-                  <a:outerShdw blurRad="38100" dist="19050" dir="2700000" algn="tl" rotWithShape="0">
-                    <a:schemeClr val="dk1">
-                      <a:alpha val="40000"/>
-                    </a:schemeClr>
-                  </a:outerShdw>
-                </a:effectLst>
-              </a:rPr>
-              <a:t>Material</a:t>
+              <a:t>Conducting or Non-Conducting Material</a:t>
             </a:r>
             <a:endParaRPr lang="en-US" sz="5400" b="0" cap="none" spc="0" dirty="0">
               <a:ln w="0"/>

--- a/Documents/projects for schools.pptx
+++ b/Documents/projects for schools.pptx
@@ -23263,7 +23263,7 @@
           <p:nvPr/>
         </p:nvSpPr>
         <p:spPr>
-          <a:xfrm>
+          <a:xfrm rot="10800000">
             <a:off x="10597500" y="3234021"/>
             <a:ext cx="529681" cy="672326"/>
           </a:xfrm>
@@ -23312,7 +23312,7 @@
         </p:nvSpPr>
         <p:spPr>
           <a:xfrm>
-            <a:off x="10441673" y="3211387"/>
+            <a:off x="10415915" y="3881090"/>
             <a:ext cx="896440" cy="47172"/>
           </a:xfrm>
           <a:prstGeom prst="flowChartProcess">

--- a/Documents/projects for schools.pptx
+++ b/Documents/projects for schools.pptx
@@ -30,7 +30,7 @@
     <p:sldId id="278" r:id="rId24"/>
   </p:sldIdLst>
   <p:sldSz cx="12192000" cy="6858000"/>
-  <p:notesSz cx="6858000" cy="9144000"/>
+  <p:notesSz cx="6858000" cy="9947275"/>
   <p:defaultTextStyle>
     <a:defPPr>
       <a:defRPr lang="en-US"/>
@@ -128,7 +128,7 @@
   </p:defaultTextStyle>
   <p:extLst>
     <p:ext uri="{EFAFB233-063F-42B5-8137-9DF3F51BA10A}">
-      <p15:sldGuideLst xmlns:p15="http://schemas.microsoft.com/office/powerpoint/2012/main"/>
+      <p15:sldGuideLst xmlns:p15="http://schemas.microsoft.com/office/powerpoint/2012/main" xmlns=""/>
     </p:ext>
   </p:extLst>
 </p:presentation>
@@ -265,7 +265,8 @@
           <a:p>
             <a:fld id="{30FEA4BD-71B3-41DD-B9FF-6FB8DBE50051}" type="datetimeFigureOut">
               <a:rPr lang="en-US" smtClean="0"/>
-              <a:t>12/29/2014</a:t>
+              <a:pPr/>
+              <a:t>1/1/2014</a:t>
             </a:fld>
             <a:endParaRPr lang="en-US"/>
           </a:p>
@@ -307,6 +308,7 @@
           <a:p>
             <a:fld id="{4B711C3A-4F87-4BC7-A6B1-C1BFCB0B62DE}" type="slidenum">
               <a:rPr lang="en-US" smtClean="0"/>
+              <a:pPr/>
               <a:t>‹#›</a:t>
             </a:fld>
             <a:endParaRPr lang="en-US"/>
@@ -316,7 +318,7 @@
     </p:spTree>
     <p:extLst>
       <p:ext uri="{BB962C8B-B14F-4D97-AF65-F5344CB8AC3E}">
-        <p14:creationId xmlns:p14="http://schemas.microsoft.com/office/powerpoint/2010/main" val="2783986648"/>
+        <p14:creationId xmlns:p14="http://schemas.microsoft.com/office/powerpoint/2010/main" xmlns="" val="2783986648"/>
       </p:ext>
     </p:extLst>
   </p:cSld>
@@ -435,7 +437,8 @@
           <a:p>
             <a:fld id="{30FEA4BD-71B3-41DD-B9FF-6FB8DBE50051}" type="datetimeFigureOut">
               <a:rPr lang="en-US" smtClean="0"/>
-              <a:t>12/29/2014</a:t>
+              <a:pPr/>
+              <a:t>1/1/2014</a:t>
             </a:fld>
             <a:endParaRPr lang="en-US"/>
           </a:p>
@@ -477,6 +480,7 @@
           <a:p>
             <a:fld id="{4B711C3A-4F87-4BC7-A6B1-C1BFCB0B62DE}" type="slidenum">
               <a:rPr lang="en-US" smtClean="0"/>
+              <a:pPr/>
               <a:t>‹#›</a:t>
             </a:fld>
             <a:endParaRPr lang="en-US"/>
@@ -486,7 +490,7 @@
     </p:spTree>
     <p:extLst>
       <p:ext uri="{BB962C8B-B14F-4D97-AF65-F5344CB8AC3E}">
-        <p14:creationId xmlns:p14="http://schemas.microsoft.com/office/powerpoint/2010/main" val="1553657408"/>
+        <p14:creationId xmlns:p14="http://schemas.microsoft.com/office/powerpoint/2010/main" xmlns="" val="1553657408"/>
       </p:ext>
     </p:extLst>
   </p:cSld>
@@ -615,7 +619,8 @@
           <a:p>
             <a:fld id="{30FEA4BD-71B3-41DD-B9FF-6FB8DBE50051}" type="datetimeFigureOut">
               <a:rPr lang="en-US" smtClean="0"/>
-              <a:t>12/29/2014</a:t>
+              <a:pPr/>
+              <a:t>1/1/2014</a:t>
             </a:fld>
             <a:endParaRPr lang="en-US"/>
           </a:p>
@@ -657,6 +662,7 @@
           <a:p>
             <a:fld id="{4B711C3A-4F87-4BC7-A6B1-C1BFCB0B62DE}" type="slidenum">
               <a:rPr lang="en-US" smtClean="0"/>
+              <a:pPr/>
               <a:t>‹#›</a:t>
             </a:fld>
             <a:endParaRPr lang="en-US"/>
@@ -666,7 +672,7 @@
     </p:spTree>
     <p:extLst>
       <p:ext uri="{BB962C8B-B14F-4D97-AF65-F5344CB8AC3E}">
-        <p14:creationId xmlns:p14="http://schemas.microsoft.com/office/powerpoint/2010/main" val="2190105155"/>
+        <p14:creationId xmlns:p14="http://schemas.microsoft.com/office/powerpoint/2010/main" xmlns="" val="2190105155"/>
       </p:ext>
     </p:extLst>
   </p:cSld>
@@ -785,7 +791,8 @@
           <a:p>
             <a:fld id="{30FEA4BD-71B3-41DD-B9FF-6FB8DBE50051}" type="datetimeFigureOut">
               <a:rPr lang="en-US" smtClean="0"/>
-              <a:t>12/29/2014</a:t>
+              <a:pPr/>
+              <a:t>1/1/2014</a:t>
             </a:fld>
             <a:endParaRPr lang="en-US"/>
           </a:p>
@@ -827,6 +834,7 @@
           <a:p>
             <a:fld id="{4B711C3A-4F87-4BC7-A6B1-C1BFCB0B62DE}" type="slidenum">
               <a:rPr lang="en-US" smtClean="0"/>
+              <a:pPr/>
               <a:t>‹#›</a:t>
             </a:fld>
             <a:endParaRPr lang="en-US"/>
@@ -836,7 +844,7 @@
     </p:spTree>
     <p:extLst>
       <p:ext uri="{BB962C8B-B14F-4D97-AF65-F5344CB8AC3E}">
-        <p14:creationId xmlns:p14="http://schemas.microsoft.com/office/powerpoint/2010/main" val="3388913498"/>
+        <p14:creationId xmlns:p14="http://schemas.microsoft.com/office/powerpoint/2010/main" xmlns="" val="3388913498"/>
       </p:ext>
     </p:extLst>
   </p:cSld>
@@ -1031,7 +1039,8 @@
           <a:p>
             <a:fld id="{30FEA4BD-71B3-41DD-B9FF-6FB8DBE50051}" type="datetimeFigureOut">
               <a:rPr lang="en-US" smtClean="0"/>
-              <a:t>12/29/2014</a:t>
+              <a:pPr/>
+              <a:t>1/1/2014</a:t>
             </a:fld>
             <a:endParaRPr lang="en-US"/>
           </a:p>
@@ -1073,6 +1082,7 @@
           <a:p>
             <a:fld id="{4B711C3A-4F87-4BC7-A6B1-C1BFCB0B62DE}" type="slidenum">
               <a:rPr lang="en-US" smtClean="0"/>
+              <a:pPr/>
               <a:t>‹#›</a:t>
             </a:fld>
             <a:endParaRPr lang="en-US"/>
@@ -1082,7 +1092,7 @@
     </p:spTree>
     <p:extLst>
       <p:ext uri="{BB962C8B-B14F-4D97-AF65-F5344CB8AC3E}">
-        <p14:creationId xmlns:p14="http://schemas.microsoft.com/office/powerpoint/2010/main" val="3998476502"/>
+        <p14:creationId xmlns:p14="http://schemas.microsoft.com/office/powerpoint/2010/main" xmlns="" val="3998476502"/>
       </p:ext>
     </p:extLst>
   </p:cSld>
@@ -1263,7 +1273,8 @@
           <a:p>
             <a:fld id="{30FEA4BD-71B3-41DD-B9FF-6FB8DBE50051}" type="datetimeFigureOut">
               <a:rPr lang="en-US" smtClean="0"/>
-              <a:t>12/29/2014</a:t>
+              <a:pPr/>
+              <a:t>1/1/2014</a:t>
             </a:fld>
             <a:endParaRPr lang="en-US"/>
           </a:p>
@@ -1305,6 +1316,7 @@
           <a:p>
             <a:fld id="{4B711C3A-4F87-4BC7-A6B1-C1BFCB0B62DE}" type="slidenum">
               <a:rPr lang="en-US" smtClean="0"/>
+              <a:pPr/>
               <a:t>‹#›</a:t>
             </a:fld>
             <a:endParaRPr lang="en-US"/>
@@ -1314,7 +1326,7 @@
     </p:spTree>
     <p:extLst>
       <p:ext uri="{BB962C8B-B14F-4D97-AF65-F5344CB8AC3E}">
-        <p14:creationId xmlns:p14="http://schemas.microsoft.com/office/powerpoint/2010/main" val="1557806308"/>
+        <p14:creationId xmlns:p14="http://schemas.microsoft.com/office/powerpoint/2010/main" xmlns="" val="1557806308"/>
       </p:ext>
     </p:extLst>
   </p:cSld>
@@ -1630,7 +1642,8 @@
           <a:p>
             <a:fld id="{30FEA4BD-71B3-41DD-B9FF-6FB8DBE50051}" type="datetimeFigureOut">
               <a:rPr lang="en-US" smtClean="0"/>
-              <a:t>12/29/2014</a:t>
+              <a:pPr/>
+              <a:t>1/1/2014</a:t>
             </a:fld>
             <a:endParaRPr lang="en-US"/>
           </a:p>
@@ -1672,6 +1685,7 @@
           <a:p>
             <a:fld id="{4B711C3A-4F87-4BC7-A6B1-C1BFCB0B62DE}" type="slidenum">
               <a:rPr lang="en-US" smtClean="0"/>
+              <a:pPr/>
               <a:t>‹#›</a:t>
             </a:fld>
             <a:endParaRPr lang="en-US"/>
@@ -1681,7 +1695,7 @@
     </p:spTree>
     <p:extLst>
       <p:ext uri="{BB962C8B-B14F-4D97-AF65-F5344CB8AC3E}">
-        <p14:creationId xmlns:p14="http://schemas.microsoft.com/office/powerpoint/2010/main" val="1969040822"/>
+        <p14:creationId xmlns:p14="http://schemas.microsoft.com/office/powerpoint/2010/main" xmlns="" val="1969040822"/>
       </p:ext>
     </p:extLst>
   </p:cSld>
@@ -1748,7 +1762,8 @@
           <a:p>
             <a:fld id="{30FEA4BD-71B3-41DD-B9FF-6FB8DBE50051}" type="datetimeFigureOut">
               <a:rPr lang="en-US" smtClean="0"/>
-              <a:t>12/29/2014</a:t>
+              <a:pPr/>
+              <a:t>1/1/2014</a:t>
             </a:fld>
             <a:endParaRPr lang="en-US"/>
           </a:p>
@@ -1790,6 +1805,7 @@
           <a:p>
             <a:fld id="{4B711C3A-4F87-4BC7-A6B1-C1BFCB0B62DE}" type="slidenum">
               <a:rPr lang="en-US" smtClean="0"/>
+              <a:pPr/>
               <a:t>‹#›</a:t>
             </a:fld>
             <a:endParaRPr lang="en-US"/>
@@ -1799,7 +1815,7 @@
     </p:spTree>
     <p:extLst>
       <p:ext uri="{BB962C8B-B14F-4D97-AF65-F5344CB8AC3E}">
-        <p14:creationId xmlns:p14="http://schemas.microsoft.com/office/powerpoint/2010/main" val="3785336507"/>
+        <p14:creationId xmlns:p14="http://schemas.microsoft.com/office/powerpoint/2010/main" xmlns="" val="3785336507"/>
       </p:ext>
     </p:extLst>
   </p:cSld>
@@ -1843,7 +1859,8 @@
           <a:p>
             <a:fld id="{30FEA4BD-71B3-41DD-B9FF-6FB8DBE50051}" type="datetimeFigureOut">
               <a:rPr lang="en-US" smtClean="0"/>
-              <a:t>12/29/2014</a:t>
+              <a:pPr/>
+              <a:t>1/1/2014</a:t>
             </a:fld>
             <a:endParaRPr lang="en-US"/>
           </a:p>
@@ -1885,6 +1902,7 @@
           <a:p>
             <a:fld id="{4B711C3A-4F87-4BC7-A6B1-C1BFCB0B62DE}" type="slidenum">
               <a:rPr lang="en-US" smtClean="0"/>
+              <a:pPr/>
               <a:t>‹#›</a:t>
             </a:fld>
             <a:endParaRPr lang="en-US"/>
@@ -1894,7 +1912,7 @@
     </p:spTree>
     <p:extLst>
       <p:ext uri="{BB962C8B-B14F-4D97-AF65-F5344CB8AC3E}">
-        <p14:creationId xmlns:p14="http://schemas.microsoft.com/office/powerpoint/2010/main" val="3909500765"/>
+        <p14:creationId xmlns:p14="http://schemas.microsoft.com/office/powerpoint/2010/main" xmlns="" val="3909500765"/>
       </p:ext>
     </p:extLst>
   </p:cSld>
@@ -2120,7 +2138,8 @@
           <a:p>
             <a:fld id="{30FEA4BD-71B3-41DD-B9FF-6FB8DBE50051}" type="datetimeFigureOut">
               <a:rPr lang="en-US" smtClean="0"/>
-              <a:t>12/29/2014</a:t>
+              <a:pPr/>
+              <a:t>1/1/2014</a:t>
             </a:fld>
             <a:endParaRPr lang="en-US"/>
           </a:p>
@@ -2162,6 +2181,7 @@
           <a:p>
             <a:fld id="{4B711C3A-4F87-4BC7-A6B1-C1BFCB0B62DE}" type="slidenum">
               <a:rPr lang="en-US" smtClean="0"/>
+              <a:pPr/>
               <a:t>‹#›</a:t>
             </a:fld>
             <a:endParaRPr lang="en-US"/>
@@ -2171,7 +2191,7 @@
     </p:spTree>
     <p:extLst>
       <p:ext uri="{BB962C8B-B14F-4D97-AF65-F5344CB8AC3E}">
-        <p14:creationId xmlns:p14="http://schemas.microsoft.com/office/powerpoint/2010/main" val="3015402253"/>
+        <p14:creationId xmlns:p14="http://schemas.microsoft.com/office/powerpoint/2010/main" xmlns="" val="3015402253"/>
       </p:ext>
     </p:extLst>
   </p:cSld>
@@ -2373,7 +2393,8 @@
           <a:p>
             <a:fld id="{30FEA4BD-71B3-41DD-B9FF-6FB8DBE50051}" type="datetimeFigureOut">
               <a:rPr lang="en-US" smtClean="0"/>
-              <a:t>12/29/2014</a:t>
+              <a:pPr/>
+              <a:t>1/1/2014</a:t>
             </a:fld>
             <a:endParaRPr lang="en-US"/>
           </a:p>
@@ -2415,6 +2436,7 @@
           <a:p>
             <a:fld id="{4B711C3A-4F87-4BC7-A6B1-C1BFCB0B62DE}" type="slidenum">
               <a:rPr lang="en-US" smtClean="0"/>
+              <a:pPr/>
               <a:t>‹#›</a:t>
             </a:fld>
             <a:endParaRPr lang="en-US"/>
@@ -2424,7 +2446,7 @@
     </p:spTree>
     <p:extLst>
       <p:ext uri="{BB962C8B-B14F-4D97-AF65-F5344CB8AC3E}">
-        <p14:creationId xmlns:p14="http://schemas.microsoft.com/office/powerpoint/2010/main" val="2612029614"/>
+        <p14:creationId xmlns:p14="http://schemas.microsoft.com/office/powerpoint/2010/main" xmlns="" val="2612029614"/>
       </p:ext>
     </p:extLst>
   </p:cSld>
@@ -2586,7 +2608,8 @@
           <a:p>
             <a:fld id="{30FEA4BD-71B3-41DD-B9FF-6FB8DBE50051}" type="datetimeFigureOut">
               <a:rPr lang="en-US" smtClean="0"/>
-              <a:t>12/29/2014</a:t>
+              <a:pPr/>
+              <a:t>1/1/2014</a:t>
             </a:fld>
             <a:endParaRPr lang="en-US"/>
           </a:p>
@@ -2664,6 +2687,7 @@
           <a:p>
             <a:fld id="{4B711C3A-4F87-4BC7-A6B1-C1BFCB0B62DE}" type="slidenum">
               <a:rPr lang="en-US" smtClean="0"/>
+              <a:pPr/>
               <a:t>‹#›</a:t>
             </a:fld>
             <a:endParaRPr lang="en-US"/>
@@ -2673,7 +2697,7 @@
     </p:spTree>
     <p:extLst>
       <p:ext uri="{BB962C8B-B14F-4D97-AF65-F5344CB8AC3E}">
-        <p14:creationId xmlns:p14="http://schemas.microsoft.com/office/powerpoint/2010/main" val="1714597555"/>
+        <p14:creationId xmlns:p14="http://schemas.microsoft.com/office/powerpoint/2010/main" xmlns="" val="1714597555"/>
       </p:ext>
     </p:extLst>
   </p:cSld>
@@ -5573,7 +5597,7 @@
     </p:spTree>
     <p:extLst>
       <p:ext uri="{BB962C8B-B14F-4D97-AF65-F5344CB8AC3E}">
-        <p14:creationId xmlns:p14="http://schemas.microsoft.com/office/powerpoint/2010/main" val="2097960034"/>
+        <p14:creationId xmlns:p14="http://schemas.microsoft.com/office/powerpoint/2010/main" xmlns="" val="2097960034"/>
       </p:ext>
     </p:extLst>
   </p:cSld>
@@ -6892,7 +6916,7 @@
     </p:spTree>
     <p:extLst>
       <p:ext uri="{BB962C8B-B14F-4D97-AF65-F5344CB8AC3E}">
-        <p14:creationId xmlns:p14="http://schemas.microsoft.com/office/powerpoint/2010/main" val="831023563"/>
+        <p14:creationId xmlns:p14="http://schemas.microsoft.com/office/powerpoint/2010/main" xmlns="" val="831023563"/>
       </p:ext>
     </p:extLst>
   </p:cSld>
@@ -6931,7 +6955,7 @@
           <a:blip r:embed="rId2">
             <a:extLst>
               <a:ext uri="{28A0092B-C50C-407E-A947-70E740481C1C}">
-                <a14:useLocalDpi xmlns:a14="http://schemas.microsoft.com/office/drawing/2010/main" val="0"/>
+                <a14:useLocalDpi xmlns:a14="http://schemas.microsoft.com/office/drawing/2010/main" xmlns="" val="0"/>
               </a:ext>
             </a:extLst>
           </a:blip>
@@ -6951,7 +6975,7 @@
           <a:noFill/>
           <a:extLst>
             <a:ext uri="{909E8E84-426E-40DD-AFC4-6F175D3DCCD1}">
-              <a14:hiddenFill xmlns:a14="http://schemas.microsoft.com/office/drawing/2010/main">
+              <a14:hiddenFill xmlns:a14="http://schemas.microsoft.com/office/drawing/2010/main" xmlns="">
                 <a:solidFill>
                   <a:srgbClr val="FFFFFF"/>
                 </a:solidFill>
@@ -7001,7 +7025,7 @@
     </p:spTree>
     <p:extLst>
       <p:ext uri="{BB962C8B-B14F-4D97-AF65-F5344CB8AC3E}">
-        <p14:creationId xmlns:p14="http://schemas.microsoft.com/office/powerpoint/2010/main" val="4073497930"/>
+        <p14:creationId xmlns:p14="http://schemas.microsoft.com/office/powerpoint/2010/main" xmlns="" val="4073497930"/>
       </p:ext>
     </p:extLst>
   </p:cSld>
@@ -7065,7 +7089,7 @@
           <a:blip r:embed="rId2">
             <a:extLst>
               <a:ext uri="{28A0092B-C50C-407E-A947-70E740481C1C}">
-                <a14:useLocalDpi xmlns:a14="http://schemas.microsoft.com/office/drawing/2010/main" val="0"/>
+                <a14:useLocalDpi xmlns:a14="http://schemas.microsoft.com/office/drawing/2010/main" xmlns="" val="0"/>
               </a:ext>
             </a:extLst>
           </a:blip>
@@ -7085,7 +7109,7 @@
           <a:noFill/>
           <a:extLst>
             <a:ext uri="{909E8E84-426E-40DD-AFC4-6F175D3DCCD1}">
-              <a14:hiddenFill xmlns:a14="http://schemas.microsoft.com/office/drawing/2010/main">
+              <a14:hiddenFill xmlns:a14="http://schemas.microsoft.com/office/drawing/2010/main" xmlns="">
                 <a:solidFill>
                   <a:srgbClr val="FFFFFF"/>
                 </a:solidFill>
@@ -7097,7 +7121,7 @@
     </p:spTree>
     <p:extLst>
       <p:ext uri="{BB962C8B-B14F-4D97-AF65-F5344CB8AC3E}">
-        <p14:creationId xmlns:p14="http://schemas.microsoft.com/office/powerpoint/2010/main" val="1884114993"/>
+        <p14:creationId xmlns:p14="http://schemas.microsoft.com/office/powerpoint/2010/main" xmlns="" val="1884114993"/>
       </p:ext>
     </p:extLst>
   </p:cSld>
@@ -7138,7 +7162,7 @@
           <a:blip r:embed="rId2">
             <a:extLst>
               <a:ext uri="{28A0092B-C50C-407E-A947-70E740481C1C}">
-                <a14:useLocalDpi xmlns:a14="http://schemas.microsoft.com/office/drawing/2010/main" val="0"/>
+                <a14:useLocalDpi xmlns:a14="http://schemas.microsoft.com/office/drawing/2010/main" xmlns="" val="0"/>
               </a:ext>
             </a:extLst>
           </a:blip>
@@ -7158,7 +7182,7 @@
           <a:noFill/>
           <a:extLst>
             <a:ext uri="{909E8E84-426E-40DD-AFC4-6F175D3DCCD1}">
-              <a14:hiddenFill xmlns:a14="http://schemas.microsoft.com/office/drawing/2010/main">
+              <a14:hiddenFill xmlns:a14="http://schemas.microsoft.com/office/drawing/2010/main" xmlns="">
                 <a:solidFill>
                   <a:srgbClr val="FFFFFF"/>
                 </a:solidFill>
@@ -7170,7 +7194,7 @@
     </p:spTree>
     <p:extLst>
       <p:ext uri="{BB962C8B-B14F-4D97-AF65-F5344CB8AC3E}">
-        <p14:creationId xmlns:p14="http://schemas.microsoft.com/office/powerpoint/2010/main" val="168840778"/>
+        <p14:creationId xmlns:p14="http://schemas.microsoft.com/office/powerpoint/2010/main" xmlns="" val="168840778"/>
       </p:ext>
     </p:extLst>
   </p:cSld>
@@ -7209,7 +7233,7 @@
           <a:blip r:embed="rId2">
             <a:extLst>
               <a:ext uri="{28A0092B-C50C-407E-A947-70E740481C1C}">
-                <a14:useLocalDpi xmlns:a14="http://schemas.microsoft.com/office/drawing/2010/main" val="0"/>
+                <a14:useLocalDpi xmlns:a14="http://schemas.microsoft.com/office/drawing/2010/main" xmlns="" val="0"/>
               </a:ext>
             </a:extLst>
           </a:blip>
@@ -7229,7 +7253,7 @@
           <a:noFill/>
           <a:extLst>
             <a:ext uri="{909E8E84-426E-40DD-AFC4-6F175D3DCCD1}">
-              <a14:hiddenFill xmlns:a14="http://schemas.microsoft.com/office/drawing/2010/main">
+              <a14:hiddenFill xmlns:a14="http://schemas.microsoft.com/office/drawing/2010/main" xmlns="">
                 <a:solidFill>
                   <a:srgbClr val="FFFFFF"/>
                 </a:solidFill>
@@ -7241,7 +7265,7 @@
     </p:spTree>
     <p:extLst>
       <p:ext uri="{BB962C8B-B14F-4D97-AF65-F5344CB8AC3E}">
-        <p14:creationId xmlns:p14="http://schemas.microsoft.com/office/powerpoint/2010/main" val="3030657797"/>
+        <p14:creationId xmlns:p14="http://schemas.microsoft.com/office/powerpoint/2010/main" xmlns="" val="3030657797"/>
       </p:ext>
     </p:extLst>
   </p:cSld>
@@ -7280,7 +7304,7 @@
           <a:blip r:embed="rId2">
             <a:extLst>
               <a:ext uri="{28A0092B-C50C-407E-A947-70E740481C1C}">
-                <a14:useLocalDpi xmlns:a14="http://schemas.microsoft.com/office/drawing/2010/main" val="0"/>
+                <a14:useLocalDpi xmlns:a14="http://schemas.microsoft.com/office/drawing/2010/main" xmlns="" val="0"/>
               </a:ext>
             </a:extLst>
           </a:blip>
@@ -7300,7 +7324,7 @@
           <a:noFill/>
           <a:extLst>
             <a:ext uri="{909E8E84-426E-40DD-AFC4-6F175D3DCCD1}">
-              <a14:hiddenFill xmlns:a14="http://schemas.microsoft.com/office/drawing/2010/main">
+              <a14:hiddenFill xmlns:a14="http://schemas.microsoft.com/office/drawing/2010/main" xmlns="">
                 <a:solidFill>
                   <a:srgbClr val="FFFFFF"/>
                 </a:solidFill>
@@ -7312,7 +7336,7 @@
     </p:spTree>
     <p:extLst>
       <p:ext uri="{BB962C8B-B14F-4D97-AF65-F5344CB8AC3E}">
-        <p14:creationId xmlns:p14="http://schemas.microsoft.com/office/powerpoint/2010/main" val="2862721199"/>
+        <p14:creationId xmlns:p14="http://schemas.microsoft.com/office/powerpoint/2010/main" xmlns="" val="2862721199"/>
       </p:ext>
     </p:extLst>
   </p:cSld>
@@ -7351,7 +7375,7 @@
           <a:blip r:embed="rId2">
             <a:extLst>
               <a:ext uri="{28A0092B-C50C-407E-A947-70E740481C1C}">
-                <a14:useLocalDpi xmlns:a14="http://schemas.microsoft.com/office/drawing/2010/main" val="0"/>
+                <a14:useLocalDpi xmlns:a14="http://schemas.microsoft.com/office/drawing/2010/main" xmlns="" val="0"/>
               </a:ext>
             </a:extLst>
           </a:blip>
@@ -7371,7 +7395,7 @@
           <a:noFill/>
           <a:extLst>
             <a:ext uri="{909E8E84-426E-40DD-AFC4-6F175D3DCCD1}">
-              <a14:hiddenFill xmlns:a14="http://schemas.microsoft.com/office/drawing/2010/main">
+              <a14:hiddenFill xmlns:a14="http://schemas.microsoft.com/office/drawing/2010/main" xmlns="">
                 <a:solidFill>
                   <a:srgbClr val="FFFFFF"/>
                 </a:solidFill>
@@ -7383,7 +7407,7 @@
     </p:spTree>
     <p:extLst>
       <p:ext uri="{BB962C8B-B14F-4D97-AF65-F5344CB8AC3E}">
-        <p14:creationId xmlns:p14="http://schemas.microsoft.com/office/powerpoint/2010/main" val="2783010246"/>
+        <p14:creationId xmlns:p14="http://schemas.microsoft.com/office/powerpoint/2010/main" xmlns="" val="2783010246"/>
       </p:ext>
     </p:extLst>
   </p:cSld>
@@ -8512,7 +8536,7 @@
     </p:spTree>
     <p:extLst>
       <p:ext uri="{BB962C8B-B14F-4D97-AF65-F5344CB8AC3E}">
-        <p14:creationId xmlns:p14="http://schemas.microsoft.com/office/powerpoint/2010/main" val="1930197798"/>
+        <p14:creationId xmlns:p14="http://schemas.microsoft.com/office/powerpoint/2010/main" xmlns="" val="1930197798"/>
       </p:ext>
     </p:extLst>
   </p:cSld>
@@ -8558,7 +8582,7 @@
           <a:noFill/>
           <a:extLst>
             <a:ext uri="{909E8E84-426E-40DD-AFC4-6F175D3DCCD1}">
-              <a14:hiddenFill xmlns:a14="http://schemas.microsoft.com/office/drawing/2010/main">
+              <a14:hiddenFill xmlns:a14="http://schemas.microsoft.com/office/drawing/2010/main" xmlns="">
                 <a:solidFill>
                   <a:srgbClr val="FFFFFF"/>
                 </a:solidFill>
@@ -8605,7 +8629,7 @@
     </p:spTree>
     <p:extLst>
       <p:ext uri="{BB962C8B-B14F-4D97-AF65-F5344CB8AC3E}">
-        <p14:creationId xmlns:p14="http://schemas.microsoft.com/office/powerpoint/2010/main" val="1860699775"/>
+        <p14:creationId xmlns:p14="http://schemas.microsoft.com/office/powerpoint/2010/main" xmlns="" val="1860699775"/>
       </p:ext>
     </p:extLst>
   </p:cSld>
@@ -8646,7 +8670,7 @@
           <a:blip r:embed="rId2">
             <a:extLst>
               <a:ext uri="{28A0092B-C50C-407E-A947-70E740481C1C}">
-                <a14:useLocalDpi xmlns:a14="http://schemas.microsoft.com/office/drawing/2010/main" val="0"/>
+                <a14:useLocalDpi xmlns:a14="http://schemas.microsoft.com/office/drawing/2010/main" xmlns="" val="0"/>
               </a:ext>
             </a:extLst>
           </a:blip>
@@ -8666,7 +8690,7 @@
           <a:noFill/>
           <a:extLst>
             <a:ext uri="{909E8E84-426E-40DD-AFC4-6F175D3DCCD1}">
-              <a14:hiddenFill xmlns:a14="http://schemas.microsoft.com/office/drawing/2010/main">
+              <a14:hiddenFill xmlns:a14="http://schemas.microsoft.com/office/drawing/2010/main" xmlns="">
                 <a:solidFill>
                   <a:srgbClr val="FFFFFF"/>
                 </a:solidFill>
@@ -8678,7 +8702,7 @@
     </p:spTree>
     <p:extLst>
       <p:ext uri="{BB962C8B-B14F-4D97-AF65-F5344CB8AC3E}">
-        <p14:creationId xmlns:p14="http://schemas.microsoft.com/office/powerpoint/2010/main" val="2008469940"/>
+        <p14:creationId xmlns:p14="http://schemas.microsoft.com/office/powerpoint/2010/main" xmlns="" val="2008469940"/>
       </p:ext>
     </p:extLst>
   </p:cSld>
@@ -9927,7 +9951,7 @@
     </p:spTree>
     <p:extLst>
       <p:ext uri="{BB962C8B-B14F-4D97-AF65-F5344CB8AC3E}">
-        <p14:creationId xmlns:p14="http://schemas.microsoft.com/office/powerpoint/2010/main" val="1708002396"/>
+        <p14:creationId xmlns:p14="http://schemas.microsoft.com/office/powerpoint/2010/main" xmlns="" val="1708002396"/>
       </p:ext>
     </p:extLst>
   </p:cSld>
@@ -11761,7 +11785,7 @@
         </p:nvSpPr>
         <p:spPr>
           <a:xfrm>
-            <a:off x="6955904" y="2986175"/>
+            <a:off x="7015865" y="3480850"/>
             <a:ext cx="731289" cy="523220"/>
           </a:xfrm>
           <a:prstGeom prst="rect">
@@ -12348,7 +12372,7 @@
         <p:spPr>
           <a:xfrm>
             <a:off x="2074142" y="5764373"/>
-            <a:ext cx="2432910" cy="954107"/>
+            <a:ext cx="2432909" cy="954107"/>
           </a:xfrm>
           <a:prstGeom prst="rect">
             <a:avLst/>
@@ -12376,7 +12400,23 @@
                   </a:outerShdw>
                 </a:effectLst>
               </a:rPr>
-              <a:t>Forward Biased</a:t>
+              <a:t>Forward </a:t>
+            </a:r>
+            <a:r>
+              <a:rPr lang="en-US" sz="2800" b="0" cap="none" spc="0" dirty="0" smtClean="0">
+                <a:ln w="0"/>
+                <a:solidFill>
+                  <a:schemeClr val="tx1"/>
+                </a:solidFill>
+                <a:effectLst>
+                  <a:outerShdw blurRad="38100" dist="19050" dir="2700000" algn="tl" rotWithShape="0">
+                    <a:schemeClr val="dk1">
+                      <a:alpha val="40000"/>
+                    </a:schemeClr>
+                  </a:outerShdw>
+                </a:effectLst>
+              </a:rPr>
+              <a:t>Biased</a:t>
             </a:r>
           </a:p>
           <a:p>
@@ -12394,7 +12434,7 @@
               </a:rPr>
               <a:t>Current flows</a:t>
             </a:r>
-            <a:endParaRPr lang="en-US" sz="2800" b="0" cap="none" spc="0" dirty="0">
+            <a:endParaRPr lang="en-US" sz="2800" b="0" cap="none" spc="0" dirty="0" smtClean="0">
               <a:ln w="0"/>
               <a:solidFill>
                 <a:schemeClr val="tx1"/>
@@ -12460,7 +12500,23 @@
                   </a:outerShdw>
                 </a:effectLst>
               </a:rPr>
-              <a:t> Biased</a:t>
+              <a:t> </a:t>
+            </a:r>
+            <a:r>
+              <a:rPr lang="en-US" sz="2800" b="0" cap="none" spc="0" dirty="0" smtClean="0">
+                <a:ln w="0"/>
+                <a:solidFill>
+                  <a:schemeClr val="tx1"/>
+                </a:solidFill>
+                <a:effectLst>
+                  <a:outerShdw blurRad="38100" dist="19050" dir="2700000" algn="tl" rotWithShape="0">
+                    <a:schemeClr val="dk1">
+                      <a:alpha val="40000"/>
+                    </a:schemeClr>
+                  </a:outerShdw>
+                </a:effectLst>
+              </a:rPr>
+              <a:t>Biased</a:t>
             </a:r>
           </a:p>
           <a:p>
@@ -12478,7 +12534,7 @@
               </a:rPr>
               <a:t>Current does not flow</a:t>
             </a:r>
-            <a:endParaRPr lang="en-US" sz="2800" b="0" cap="none" spc="0" dirty="0">
+            <a:endParaRPr lang="en-US" sz="2800" b="0" cap="none" spc="0" dirty="0" smtClean="0">
               <a:ln w="0"/>
               <a:solidFill>
                 <a:schemeClr val="tx1"/>
@@ -12494,10 +12550,250 @@
           </a:p>
         </p:txBody>
       </p:sp>
+      <p:cxnSp>
+        <p:nvCxnSpPr>
+          <p:cNvPr id="67" name="Straight Arrow Connector 66"/>
+          <p:cNvCxnSpPr/>
+          <p:nvPr/>
+        </p:nvCxnSpPr>
+        <p:spPr>
+          <a:xfrm rot="10800000">
+            <a:off x="329784" y="2848132"/>
+            <a:ext cx="329786" cy="329785"/>
+          </a:xfrm>
+          <a:prstGeom prst="straightConnector1">
+            <a:avLst/>
+          </a:prstGeom>
+          <a:ln w="28575">
+            <a:solidFill>
+              <a:schemeClr val="tx1"/>
+            </a:solidFill>
+            <a:tailEnd type="arrow"/>
+          </a:ln>
+        </p:spPr>
+        <p:style>
+          <a:lnRef idx="1">
+            <a:schemeClr val="accent1"/>
+          </a:lnRef>
+          <a:fillRef idx="0">
+            <a:schemeClr val="accent1"/>
+          </a:fillRef>
+          <a:effectRef idx="0">
+            <a:schemeClr val="accent1"/>
+          </a:effectRef>
+          <a:fontRef idx="minor">
+            <a:schemeClr val="tx1"/>
+          </a:fontRef>
+        </p:style>
+      </p:cxnSp>
+      <p:cxnSp>
+        <p:nvCxnSpPr>
+          <p:cNvPr id="68" name="Straight Arrow Connector 67"/>
+          <p:cNvCxnSpPr/>
+          <p:nvPr/>
+        </p:nvCxnSpPr>
+        <p:spPr>
+          <a:xfrm rot="16200000" flipV="1">
+            <a:off x="217357" y="3035509"/>
+            <a:ext cx="347276" cy="332284"/>
+          </a:xfrm>
+          <a:prstGeom prst="straightConnector1">
+            <a:avLst/>
+          </a:prstGeom>
+          <a:ln w="28575">
+            <a:solidFill>
+              <a:schemeClr val="tx1"/>
+            </a:solidFill>
+            <a:tailEnd type="arrow"/>
+          </a:ln>
+        </p:spPr>
+        <p:style>
+          <a:lnRef idx="1">
+            <a:schemeClr val="accent1"/>
+          </a:lnRef>
+          <a:fillRef idx="0">
+            <a:schemeClr val="accent1"/>
+          </a:fillRef>
+          <a:effectRef idx="0">
+            <a:schemeClr val="accent1"/>
+          </a:effectRef>
+          <a:fontRef idx="minor">
+            <a:schemeClr val="tx1"/>
+          </a:fontRef>
+        </p:style>
+      </p:cxnSp>
+      <p:cxnSp>
+        <p:nvCxnSpPr>
+          <p:cNvPr id="77" name="Straight Arrow Connector 76"/>
+          <p:cNvCxnSpPr/>
+          <p:nvPr/>
+        </p:nvCxnSpPr>
+        <p:spPr>
+          <a:xfrm flipV="1">
+            <a:off x="6942923" y="2908091"/>
+            <a:ext cx="417247" cy="347275"/>
+          </a:xfrm>
+          <a:prstGeom prst="straightConnector1">
+            <a:avLst/>
+          </a:prstGeom>
+          <a:ln w="28575">
+            <a:solidFill>
+              <a:schemeClr val="tx1"/>
+            </a:solidFill>
+            <a:tailEnd type="arrow"/>
+          </a:ln>
+        </p:spPr>
+        <p:style>
+          <a:lnRef idx="1">
+            <a:schemeClr val="accent1"/>
+          </a:lnRef>
+          <a:fillRef idx="0">
+            <a:schemeClr val="accent1"/>
+          </a:fillRef>
+          <a:effectRef idx="0">
+            <a:schemeClr val="accent1"/>
+          </a:effectRef>
+          <a:fontRef idx="minor">
+            <a:schemeClr val="tx1"/>
+          </a:fontRef>
+        </p:style>
+      </p:cxnSp>
+      <p:cxnSp>
+        <p:nvCxnSpPr>
+          <p:cNvPr id="78" name="Straight Arrow Connector 77"/>
+          <p:cNvCxnSpPr/>
+          <p:nvPr/>
+        </p:nvCxnSpPr>
+        <p:spPr>
+          <a:xfrm flipV="1">
+            <a:off x="7095323" y="3117954"/>
+            <a:ext cx="339798" cy="289813"/>
+          </a:xfrm>
+          <a:prstGeom prst="straightConnector1">
+            <a:avLst/>
+          </a:prstGeom>
+          <a:ln w="28575">
+            <a:solidFill>
+              <a:schemeClr val="tx1"/>
+            </a:solidFill>
+            <a:tailEnd type="arrow"/>
+          </a:ln>
+        </p:spPr>
+        <p:style>
+          <a:lnRef idx="1">
+            <a:schemeClr val="accent1"/>
+          </a:lnRef>
+          <a:fillRef idx="0">
+            <a:schemeClr val="accent1"/>
+          </a:fillRef>
+          <a:effectRef idx="0">
+            <a:schemeClr val="accent1"/>
+          </a:effectRef>
+          <a:fontRef idx="minor">
+            <a:schemeClr val="tx1"/>
+          </a:fontRef>
+        </p:style>
+      </p:cxnSp>
+      <p:sp>
+        <p:nvSpPr>
+          <p:cNvPr id="81" name="Rectangle 80"/>
+          <p:cNvSpPr/>
+          <p:nvPr/>
+        </p:nvSpPr>
+        <p:spPr>
+          <a:xfrm>
+            <a:off x="2388271" y="1588956"/>
+            <a:ext cx="1778994" cy="523220"/>
+          </a:xfrm>
+          <a:prstGeom prst="rect">
+            <a:avLst/>
+          </a:prstGeom>
+        </p:spPr>
+        <p:txBody>
+          <a:bodyPr wrap="square">
+            <a:spAutoFit/>
+          </a:bodyPr>
+          <a:lstStyle/>
+          <a:p>
+            <a:pPr algn="ctr"/>
+            <a:r>
+              <a:rPr lang="en-US" sz="2800" b="1" dirty="0" smtClean="0">
+                <a:ln w="0"/>
+                <a:effectLst>
+                  <a:outerShdw blurRad="38100" dist="19050" dir="2700000" algn="tl" rotWithShape="0">
+                    <a:schemeClr val="dk1">
+                      <a:alpha val="40000"/>
+                    </a:schemeClr>
+                  </a:outerShdw>
+                </a:effectLst>
+              </a:rPr>
+              <a:t>Current</a:t>
+            </a:r>
+            <a:endParaRPr lang="en-US" sz="2000" b="1" dirty="0">
+              <a:ln w="0"/>
+              <a:effectLst>
+                <a:outerShdw blurRad="38100" dist="19050" dir="2700000" algn="tl" rotWithShape="0">
+                  <a:schemeClr val="dk1">
+                    <a:alpha val="40000"/>
+                  </a:schemeClr>
+                </a:outerShdw>
+              </a:effectLst>
+            </a:endParaRPr>
+          </a:p>
+        </p:txBody>
+      </p:sp>
+      <p:sp>
+        <p:nvSpPr>
+          <p:cNvPr id="82" name="Rectangle 81"/>
+          <p:cNvSpPr/>
+          <p:nvPr/>
+        </p:nvSpPr>
+        <p:spPr>
+          <a:xfrm>
+            <a:off x="8095507" y="1400543"/>
+            <a:ext cx="1588961" cy="461665"/>
+          </a:xfrm>
+          <a:prstGeom prst="rect">
+            <a:avLst/>
+          </a:prstGeom>
+        </p:spPr>
+        <p:txBody>
+          <a:bodyPr wrap="none">
+            <a:spAutoFit/>
+          </a:bodyPr>
+          <a:lstStyle/>
+          <a:p>
+            <a:pPr algn="ctr"/>
+            <a:r>
+              <a:rPr lang="en-US" sz="2400" b="1" dirty="0" smtClean="0">
+                <a:ln w="0"/>
+                <a:effectLst>
+                  <a:outerShdw blurRad="38100" dist="19050" dir="2700000" algn="tl" rotWithShape="0">
+                    <a:schemeClr val="dk1">
+                      <a:alpha val="40000"/>
+                    </a:schemeClr>
+                  </a:outerShdw>
+                </a:effectLst>
+              </a:rPr>
+              <a:t>No Current</a:t>
+            </a:r>
+            <a:endParaRPr lang="en-US" sz="2400" b="1" dirty="0">
+              <a:ln w="0"/>
+              <a:effectLst>
+                <a:outerShdw blurRad="38100" dist="19050" dir="2700000" algn="tl" rotWithShape="0">
+                  <a:schemeClr val="dk1">
+                    <a:alpha val="40000"/>
+                  </a:schemeClr>
+                </a:outerShdw>
+              </a:effectLst>
+            </a:endParaRPr>
+          </a:p>
+        </p:txBody>
+      </p:sp>
     </p:spTree>
     <p:extLst>
       <p:ext uri="{BB962C8B-B14F-4D97-AF65-F5344CB8AC3E}">
-        <p14:creationId xmlns:p14="http://schemas.microsoft.com/office/powerpoint/2010/main" val="795154645"/>
+        <p14:creationId xmlns:p14="http://schemas.microsoft.com/office/powerpoint/2010/main" xmlns="" val="795154645"/>
       </p:ext>
     </p:extLst>
   </p:cSld>
@@ -12538,7 +12834,7 @@
           <a:blip r:embed="rId2">
             <a:extLst>
               <a:ext uri="{28A0092B-C50C-407E-A947-70E740481C1C}">
-                <a14:useLocalDpi xmlns:a14="http://schemas.microsoft.com/office/drawing/2010/main" val="0"/>
+                <a14:useLocalDpi xmlns:a14="http://schemas.microsoft.com/office/drawing/2010/main" xmlns="" val="0"/>
               </a:ext>
             </a:extLst>
           </a:blip>
@@ -12558,7 +12854,7 @@
           <a:noFill/>
           <a:extLst>
             <a:ext uri="{909E8E84-426E-40DD-AFC4-6F175D3DCCD1}">
-              <a14:hiddenFill xmlns:a14="http://schemas.microsoft.com/office/drawing/2010/main">
+              <a14:hiddenFill xmlns:a14="http://schemas.microsoft.com/office/drawing/2010/main" xmlns="">
                 <a:solidFill>
                   <a:srgbClr val="FFFFFF"/>
                 </a:solidFill>
@@ -12570,7 +12866,7 @@
     </p:spTree>
     <p:extLst>
       <p:ext uri="{BB962C8B-B14F-4D97-AF65-F5344CB8AC3E}">
-        <p14:creationId xmlns:p14="http://schemas.microsoft.com/office/powerpoint/2010/main" val="3929614034"/>
+        <p14:creationId xmlns:p14="http://schemas.microsoft.com/office/powerpoint/2010/main" xmlns="" val="3929614034"/>
       </p:ext>
     </p:extLst>
   </p:cSld>
@@ -13281,7 +13577,7 @@
     </p:spTree>
     <p:extLst>
       <p:ext uri="{BB962C8B-B14F-4D97-AF65-F5344CB8AC3E}">
-        <p14:creationId xmlns:p14="http://schemas.microsoft.com/office/powerpoint/2010/main" val="2640832087"/>
+        <p14:creationId xmlns:p14="http://schemas.microsoft.com/office/powerpoint/2010/main" xmlns="" val="2640832087"/>
       </p:ext>
     </p:extLst>
   </p:cSld>
@@ -14583,7 +14879,7 @@
     </p:spTree>
     <p:extLst>
       <p:ext uri="{BB962C8B-B14F-4D97-AF65-F5344CB8AC3E}">
-        <p14:creationId xmlns:p14="http://schemas.microsoft.com/office/powerpoint/2010/main" val="3672048550"/>
+        <p14:creationId xmlns:p14="http://schemas.microsoft.com/office/powerpoint/2010/main" xmlns="" val="3672048550"/>
       </p:ext>
     </p:extLst>
   </p:cSld>
@@ -16370,7 +16666,7 @@
     </p:spTree>
     <p:extLst>
       <p:ext uri="{BB962C8B-B14F-4D97-AF65-F5344CB8AC3E}">
-        <p14:creationId xmlns:p14="http://schemas.microsoft.com/office/powerpoint/2010/main" val="1641149290"/>
+        <p14:creationId xmlns:p14="http://schemas.microsoft.com/office/powerpoint/2010/main" xmlns="" val="1641149290"/>
       </p:ext>
     </p:extLst>
   </p:cSld>
@@ -16460,7 +16756,7 @@
           <a:blip r:embed="rId2">
             <a:extLst>
               <a:ext uri="{28A0092B-C50C-407E-A947-70E740481C1C}">
-                <a14:useLocalDpi xmlns:a14="http://schemas.microsoft.com/office/drawing/2010/main" val="0"/>
+                <a14:useLocalDpi xmlns:a14="http://schemas.microsoft.com/office/drawing/2010/main" xmlns="" val="0"/>
               </a:ext>
             </a:extLst>
           </a:blip>
@@ -16480,7 +16776,7 @@
           <a:noFill/>
           <a:extLst>
             <a:ext uri="{909E8E84-426E-40DD-AFC4-6F175D3DCCD1}">
-              <a14:hiddenFill xmlns:a14="http://schemas.microsoft.com/office/drawing/2010/main">
+              <a14:hiddenFill xmlns:a14="http://schemas.microsoft.com/office/drawing/2010/main" xmlns="">
                 <a:solidFill>
                   <a:srgbClr val="FFFFFF"/>
                 </a:solidFill>
@@ -16492,7 +16788,7 @@
     </p:spTree>
     <p:extLst>
       <p:ext uri="{BB962C8B-B14F-4D97-AF65-F5344CB8AC3E}">
-        <p14:creationId xmlns:p14="http://schemas.microsoft.com/office/powerpoint/2010/main" val="958192436"/>
+        <p14:creationId xmlns:p14="http://schemas.microsoft.com/office/powerpoint/2010/main" xmlns="" val="958192436"/>
       </p:ext>
     </p:extLst>
   </p:cSld>
@@ -18409,7 +18705,7 @@
     </p:spTree>
     <p:extLst>
       <p:ext uri="{BB962C8B-B14F-4D97-AF65-F5344CB8AC3E}">
-        <p14:creationId xmlns:p14="http://schemas.microsoft.com/office/powerpoint/2010/main" val="1659390950"/>
+        <p14:creationId xmlns:p14="http://schemas.microsoft.com/office/powerpoint/2010/main" xmlns="" val="1659390950"/>
       </p:ext>
     </p:extLst>
   </p:cSld>
@@ -19683,7 +19979,7 @@
     </p:spTree>
     <p:extLst>
       <p:ext uri="{BB962C8B-B14F-4D97-AF65-F5344CB8AC3E}">
-        <p14:creationId xmlns:p14="http://schemas.microsoft.com/office/powerpoint/2010/main" val="1386112098"/>
+        <p14:creationId xmlns:p14="http://schemas.microsoft.com/office/powerpoint/2010/main" xmlns="" val="1386112098"/>
       </p:ext>
     </p:extLst>
   </p:cSld>
@@ -21766,7 +22062,7 @@
     </p:spTree>
     <p:extLst>
       <p:ext uri="{BB962C8B-B14F-4D97-AF65-F5344CB8AC3E}">
-        <p14:creationId xmlns:p14="http://schemas.microsoft.com/office/powerpoint/2010/main" val="2902873993"/>
+        <p14:creationId xmlns:p14="http://schemas.microsoft.com/office/powerpoint/2010/main" xmlns="" val="2902873993"/>
       </p:ext>
     </p:extLst>
   </p:cSld>
@@ -23741,7 +24037,7 @@
     </p:spTree>
     <p:extLst>
       <p:ext uri="{BB962C8B-B14F-4D97-AF65-F5344CB8AC3E}">
-        <p14:creationId xmlns:p14="http://schemas.microsoft.com/office/powerpoint/2010/main" val="4081839283"/>
+        <p14:creationId xmlns:p14="http://schemas.microsoft.com/office/powerpoint/2010/main" xmlns="" val="4081839283"/>
       </p:ext>
     </p:extLst>
   </p:cSld>
@@ -25545,7 +25841,7 @@
     </p:spTree>
     <p:extLst>
       <p:ext uri="{BB962C8B-B14F-4D97-AF65-F5344CB8AC3E}">
-        <p14:creationId xmlns:p14="http://schemas.microsoft.com/office/powerpoint/2010/main" val="1852443594"/>
+        <p14:creationId xmlns:p14="http://schemas.microsoft.com/office/powerpoint/2010/main" xmlns="" val="1852443594"/>
       </p:ext>
     </p:extLst>
   </p:cSld>
@@ -25598,7 +25894,7 @@
     </a:clrScheme>
     <a:fontScheme name="Office">
       <a:majorFont>
-        <a:latin typeface="Calibri Light" panose="020F0302020204030204"/>
+        <a:latin typeface="Calibri Light"/>
         <a:ea typeface=""/>
         <a:cs typeface=""/>
         <a:font script="Jpan" typeface="ＭＳ Ｐゴシック"/>
@@ -25633,7 +25929,7 @@
         <a:font script="Geor" typeface="Sylfaen"/>
       </a:majorFont>
       <a:minorFont>
-        <a:latin typeface="Calibri" panose="020F0502020204030204"/>
+        <a:latin typeface="Calibri"/>
         <a:ea typeface=""/>
         <a:cs typeface=""/>
         <a:font script="Jpan" typeface="ＭＳ Ｐゴシック"/>
@@ -25810,7 +26106,7 @@
   <a:extraClrSchemeLst/>
   <a:extLst>
     <a:ext uri="{05A4C25C-085E-4340-85A3-A5531E510DB2}">
-      <thm15:themeFamily xmlns:thm15="http://schemas.microsoft.com/office/thememl/2012/main" name="Office Theme" id="{62F939B6-93AF-4DB8-9C6B-D6C7DFDC589F}" vid="{4A3C46E8-61CC-4603-A589-7422A47A8E4A}"/>
+      <thm15:themeFamily xmlns:thm15="http://schemas.microsoft.com/office/thememl/2012/main" xmlns="" name="Office Theme" id="{62F939B6-93AF-4DB8-9C6B-D6C7DFDC589F}" vid="{4A3C46E8-61CC-4603-A589-7422A47A8E4A}"/>
     </a:ext>
   </a:extLst>
 </a:theme>

--- a/Documents/projects for schools.pptx
+++ b/Documents/projects for schools.pptx
@@ -23,11 +23,10 @@
     <p:sldId id="271" r:id="rId17"/>
     <p:sldId id="276" r:id="rId18"/>
     <p:sldId id="272" r:id="rId19"/>
-    <p:sldId id="273" r:id="rId20"/>
-    <p:sldId id="277" r:id="rId21"/>
-    <p:sldId id="274" r:id="rId22"/>
-    <p:sldId id="275" r:id="rId23"/>
-    <p:sldId id="278" r:id="rId24"/>
+    <p:sldId id="277" r:id="rId20"/>
+    <p:sldId id="274" r:id="rId21"/>
+    <p:sldId id="275" r:id="rId22"/>
+    <p:sldId id="278" r:id="rId23"/>
   </p:sldIdLst>
   <p:sldSz cx="12192000" cy="6858000"/>
   <p:notesSz cx="6858000" cy="9947275"/>
@@ -128,7 +127,18 @@
   </p:defaultTextStyle>
   <p:extLst>
     <p:ext uri="{EFAFB233-063F-42B5-8137-9DF3F51BA10A}">
-      <p15:sldGuideLst xmlns:p15="http://schemas.microsoft.com/office/powerpoint/2012/main" xmlns=""/>
+      <p15:sldGuideLst xmlns:p15="http://schemas.microsoft.com/office/powerpoint/2012/main">
+        <p15:guide id="1" orient="horz" pos="2160">
+          <p15:clr>
+            <a:srgbClr val="A4A3A4"/>
+          </p15:clr>
+        </p15:guide>
+        <p15:guide id="2" pos="3840">
+          <p15:clr>
+            <a:srgbClr val="A4A3A4"/>
+          </p15:clr>
+        </p15:guide>
+      </p15:sldGuideLst>
     </p:ext>
   </p:extLst>
 </p:presentation>
@@ -266,7 +276,7 @@
             <a:fld id="{30FEA4BD-71B3-41DD-B9FF-6FB8DBE50051}" type="datetimeFigureOut">
               <a:rPr lang="en-US" smtClean="0"/>
               <a:pPr/>
-              <a:t>1/1/2014</a:t>
+              <a:t>12/31/2014</a:t>
             </a:fld>
             <a:endParaRPr lang="en-US"/>
           </a:p>
@@ -318,7 +328,7 @@
     </p:spTree>
     <p:extLst>
       <p:ext uri="{BB962C8B-B14F-4D97-AF65-F5344CB8AC3E}">
-        <p14:creationId xmlns:p14="http://schemas.microsoft.com/office/powerpoint/2010/main" xmlns="" val="2783986648"/>
+        <p14:creationId xmlns:p14="http://schemas.microsoft.com/office/powerpoint/2010/main" val="2783986648"/>
       </p:ext>
     </p:extLst>
   </p:cSld>
@@ -438,7 +448,7 @@
             <a:fld id="{30FEA4BD-71B3-41DD-B9FF-6FB8DBE50051}" type="datetimeFigureOut">
               <a:rPr lang="en-US" smtClean="0"/>
               <a:pPr/>
-              <a:t>1/1/2014</a:t>
+              <a:t>12/31/2014</a:t>
             </a:fld>
             <a:endParaRPr lang="en-US"/>
           </a:p>
@@ -490,7 +500,7 @@
     </p:spTree>
     <p:extLst>
       <p:ext uri="{BB962C8B-B14F-4D97-AF65-F5344CB8AC3E}">
-        <p14:creationId xmlns:p14="http://schemas.microsoft.com/office/powerpoint/2010/main" xmlns="" val="1553657408"/>
+        <p14:creationId xmlns:p14="http://schemas.microsoft.com/office/powerpoint/2010/main" val="1553657408"/>
       </p:ext>
     </p:extLst>
   </p:cSld>
@@ -620,7 +630,7 @@
             <a:fld id="{30FEA4BD-71B3-41DD-B9FF-6FB8DBE50051}" type="datetimeFigureOut">
               <a:rPr lang="en-US" smtClean="0"/>
               <a:pPr/>
-              <a:t>1/1/2014</a:t>
+              <a:t>12/31/2014</a:t>
             </a:fld>
             <a:endParaRPr lang="en-US"/>
           </a:p>
@@ -672,7 +682,7 @@
     </p:spTree>
     <p:extLst>
       <p:ext uri="{BB962C8B-B14F-4D97-AF65-F5344CB8AC3E}">
-        <p14:creationId xmlns:p14="http://schemas.microsoft.com/office/powerpoint/2010/main" xmlns="" val="2190105155"/>
+        <p14:creationId xmlns:p14="http://schemas.microsoft.com/office/powerpoint/2010/main" val="2190105155"/>
       </p:ext>
     </p:extLst>
   </p:cSld>
@@ -792,7 +802,7 @@
             <a:fld id="{30FEA4BD-71B3-41DD-B9FF-6FB8DBE50051}" type="datetimeFigureOut">
               <a:rPr lang="en-US" smtClean="0"/>
               <a:pPr/>
-              <a:t>1/1/2014</a:t>
+              <a:t>12/31/2014</a:t>
             </a:fld>
             <a:endParaRPr lang="en-US"/>
           </a:p>
@@ -844,7 +854,7 @@
     </p:spTree>
     <p:extLst>
       <p:ext uri="{BB962C8B-B14F-4D97-AF65-F5344CB8AC3E}">
-        <p14:creationId xmlns:p14="http://schemas.microsoft.com/office/powerpoint/2010/main" xmlns="" val="3388913498"/>
+        <p14:creationId xmlns:p14="http://schemas.microsoft.com/office/powerpoint/2010/main" val="3388913498"/>
       </p:ext>
     </p:extLst>
   </p:cSld>
@@ -1040,7 +1050,7 @@
             <a:fld id="{30FEA4BD-71B3-41DD-B9FF-6FB8DBE50051}" type="datetimeFigureOut">
               <a:rPr lang="en-US" smtClean="0"/>
               <a:pPr/>
-              <a:t>1/1/2014</a:t>
+              <a:t>12/31/2014</a:t>
             </a:fld>
             <a:endParaRPr lang="en-US"/>
           </a:p>
@@ -1092,7 +1102,7 @@
     </p:spTree>
     <p:extLst>
       <p:ext uri="{BB962C8B-B14F-4D97-AF65-F5344CB8AC3E}">
-        <p14:creationId xmlns:p14="http://schemas.microsoft.com/office/powerpoint/2010/main" xmlns="" val="3998476502"/>
+        <p14:creationId xmlns:p14="http://schemas.microsoft.com/office/powerpoint/2010/main" val="3998476502"/>
       </p:ext>
     </p:extLst>
   </p:cSld>
@@ -1274,7 +1284,7 @@
             <a:fld id="{30FEA4BD-71B3-41DD-B9FF-6FB8DBE50051}" type="datetimeFigureOut">
               <a:rPr lang="en-US" smtClean="0"/>
               <a:pPr/>
-              <a:t>1/1/2014</a:t>
+              <a:t>12/31/2014</a:t>
             </a:fld>
             <a:endParaRPr lang="en-US"/>
           </a:p>
@@ -1326,7 +1336,7 @@
     </p:spTree>
     <p:extLst>
       <p:ext uri="{BB962C8B-B14F-4D97-AF65-F5344CB8AC3E}">
-        <p14:creationId xmlns:p14="http://schemas.microsoft.com/office/powerpoint/2010/main" xmlns="" val="1557806308"/>
+        <p14:creationId xmlns:p14="http://schemas.microsoft.com/office/powerpoint/2010/main" val="1557806308"/>
       </p:ext>
     </p:extLst>
   </p:cSld>
@@ -1643,7 +1653,7 @@
             <a:fld id="{30FEA4BD-71B3-41DD-B9FF-6FB8DBE50051}" type="datetimeFigureOut">
               <a:rPr lang="en-US" smtClean="0"/>
               <a:pPr/>
-              <a:t>1/1/2014</a:t>
+              <a:t>12/31/2014</a:t>
             </a:fld>
             <a:endParaRPr lang="en-US"/>
           </a:p>
@@ -1695,7 +1705,7 @@
     </p:spTree>
     <p:extLst>
       <p:ext uri="{BB962C8B-B14F-4D97-AF65-F5344CB8AC3E}">
-        <p14:creationId xmlns:p14="http://schemas.microsoft.com/office/powerpoint/2010/main" xmlns="" val="1969040822"/>
+        <p14:creationId xmlns:p14="http://schemas.microsoft.com/office/powerpoint/2010/main" val="1969040822"/>
       </p:ext>
     </p:extLst>
   </p:cSld>
@@ -1763,7 +1773,7 @@
             <a:fld id="{30FEA4BD-71B3-41DD-B9FF-6FB8DBE50051}" type="datetimeFigureOut">
               <a:rPr lang="en-US" smtClean="0"/>
               <a:pPr/>
-              <a:t>1/1/2014</a:t>
+              <a:t>12/31/2014</a:t>
             </a:fld>
             <a:endParaRPr lang="en-US"/>
           </a:p>
@@ -1815,7 +1825,7 @@
     </p:spTree>
     <p:extLst>
       <p:ext uri="{BB962C8B-B14F-4D97-AF65-F5344CB8AC3E}">
-        <p14:creationId xmlns:p14="http://schemas.microsoft.com/office/powerpoint/2010/main" xmlns="" val="3785336507"/>
+        <p14:creationId xmlns:p14="http://schemas.microsoft.com/office/powerpoint/2010/main" val="3785336507"/>
       </p:ext>
     </p:extLst>
   </p:cSld>
@@ -1860,7 +1870,7 @@
             <a:fld id="{30FEA4BD-71B3-41DD-B9FF-6FB8DBE50051}" type="datetimeFigureOut">
               <a:rPr lang="en-US" smtClean="0"/>
               <a:pPr/>
-              <a:t>1/1/2014</a:t>
+              <a:t>12/31/2014</a:t>
             </a:fld>
             <a:endParaRPr lang="en-US"/>
           </a:p>
@@ -1912,7 +1922,7 @@
     </p:spTree>
     <p:extLst>
       <p:ext uri="{BB962C8B-B14F-4D97-AF65-F5344CB8AC3E}">
-        <p14:creationId xmlns:p14="http://schemas.microsoft.com/office/powerpoint/2010/main" xmlns="" val="3909500765"/>
+        <p14:creationId xmlns:p14="http://schemas.microsoft.com/office/powerpoint/2010/main" val="3909500765"/>
       </p:ext>
     </p:extLst>
   </p:cSld>
@@ -2139,7 +2149,7 @@
             <a:fld id="{30FEA4BD-71B3-41DD-B9FF-6FB8DBE50051}" type="datetimeFigureOut">
               <a:rPr lang="en-US" smtClean="0"/>
               <a:pPr/>
-              <a:t>1/1/2014</a:t>
+              <a:t>12/31/2014</a:t>
             </a:fld>
             <a:endParaRPr lang="en-US"/>
           </a:p>
@@ -2191,7 +2201,7 @@
     </p:spTree>
     <p:extLst>
       <p:ext uri="{BB962C8B-B14F-4D97-AF65-F5344CB8AC3E}">
-        <p14:creationId xmlns:p14="http://schemas.microsoft.com/office/powerpoint/2010/main" xmlns="" val="3015402253"/>
+        <p14:creationId xmlns:p14="http://schemas.microsoft.com/office/powerpoint/2010/main" val="3015402253"/>
       </p:ext>
     </p:extLst>
   </p:cSld>
@@ -2394,7 +2404,7 @@
             <a:fld id="{30FEA4BD-71B3-41DD-B9FF-6FB8DBE50051}" type="datetimeFigureOut">
               <a:rPr lang="en-US" smtClean="0"/>
               <a:pPr/>
-              <a:t>1/1/2014</a:t>
+              <a:t>12/31/2014</a:t>
             </a:fld>
             <a:endParaRPr lang="en-US"/>
           </a:p>
@@ -2446,7 +2456,7 @@
     </p:spTree>
     <p:extLst>
       <p:ext uri="{BB962C8B-B14F-4D97-AF65-F5344CB8AC3E}">
-        <p14:creationId xmlns:p14="http://schemas.microsoft.com/office/powerpoint/2010/main" xmlns="" val="2612029614"/>
+        <p14:creationId xmlns:p14="http://schemas.microsoft.com/office/powerpoint/2010/main" val="2612029614"/>
       </p:ext>
     </p:extLst>
   </p:cSld>
@@ -2609,7 +2619,7 @@
             <a:fld id="{30FEA4BD-71B3-41DD-B9FF-6FB8DBE50051}" type="datetimeFigureOut">
               <a:rPr lang="en-US" smtClean="0"/>
               <a:pPr/>
-              <a:t>1/1/2014</a:t>
+              <a:t>12/31/2014</a:t>
             </a:fld>
             <a:endParaRPr lang="en-US"/>
           </a:p>
@@ -2697,7 +2707,7 @@
     </p:spTree>
     <p:extLst>
       <p:ext uri="{BB962C8B-B14F-4D97-AF65-F5344CB8AC3E}">
-        <p14:creationId xmlns:p14="http://schemas.microsoft.com/office/powerpoint/2010/main" xmlns="" val="1714597555"/>
+        <p14:creationId xmlns:p14="http://schemas.microsoft.com/office/powerpoint/2010/main" val="1714597555"/>
       </p:ext>
     </p:extLst>
   </p:cSld>
@@ -4998,7 +5008,7 @@
         </p:nvSpPr>
         <p:spPr>
           <a:xfrm>
-            <a:off x="4688028" y="2121832"/>
+            <a:off x="5009784" y="1903465"/>
             <a:ext cx="731289" cy="523220"/>
           </a:xfrm>
           <a:prstGeom prst="rect">
@@ -5053,7 +5063,7 @@
         </p:nvSpPr>
         <p:spPr>
           <a:xfrm>
-            <a:off x="4634364" y="4193182"/>
+            <a:off x="5034855" y="4024903"/>
             <a:ext cx="731289" cy="523220"/>
           </a:xfrm>
           <a:prstGeom prst="rect">
@@ -5163,7 +5173,7 @@
         </p:nvSpPr>
         <p:spPr>
           <a:xfrm>
-            <a:off x="9399554" y="3227270"/>
+            <a:off x="9396545" y="3081494"/>
             <a:ext cx="731289" cy="523220"/>
           </a:xfrm>
           <a:prstGeom prst="rect">
@@ -5594,10 +5604,298 @@
           </a:p>
         </p:txBody>
       </p:sp>
+      <p:cxnSp>
+        <p:nvCxnSpPr>
+          <p:cNvPr id="61" name="Straight Arrow Connector 60"/>
+          <p:cNvCxnSpPr/>
+          <p:nvPr/>
+        </p:nvCxnSpPr>
+        <p:spPr>
+          <a:xfrm>
+            <a:off x="4767906" y="2275708"/>
+            <a:ext cx="297940" cy="354584"/>
+          </a:xfrm>
+          <a:prstGeom prst="straightConnector1">
+            <a:avLst/>
+          </a:prstGeom>
+          <a:ln w="28575">
+            <a:solidFill>
+              <a:schemeClr val="tx1"/>
+            </a:solidFill>
+            <a:tailEnd type="arrow"/>
+          </a:ln>
+        </p:spPr>
+        <p:style>
+          <a:lnRef idx="1">
+            <a:schemeClr val="accent1"/>
+          </a:lnRef>
+          <a:fillRef idx="0">
+            <a:schemeClr val="accent1"/>
+          </a:fillRef>
+          <a:effectRef idx="0">
+            <a:schemeClr val="accent1"/>
+          </a:effectRef>
+          <a:fontRef idx="minor">
+            <a:schemeClr val="tx1"/>
+          </a:fontRef>
+        </p:style>
+      </p:cxnSp>
+      <p:cxnSp>
+        <p:nvCxnSpPr>
+          <p:cNvPr id="62" name="Straight Arrow Connector 61"/>
+          <p:cNvCxnSpPr/>
+          <p:nvPr/>
+        </p:nvCxnSpPr>
+        <p:spPr>
+          <a:xfrm>
+            <a:off x="4525329" y="2385179"/>
+            <a:ext cx="399124" cy="422405"/>
+          </a:xfrm>
+          <a:prstGeom prst="straightConnector1">
+            <a:avLst/>
+          </a:prstGeom>
+          <a:ln w="28575">
+            <a:solidFill>
+              <a:schemeClr val="tx1"/>
+            </a:solidFill>
+            <a:tailEnd type="arrow"/>
+          </a:ln>
+        </p:spPr>
+        <p:style>
+          <a:lnRef idx="1">
+            <a:schemeClr val="accent1"/>
+          </a:lnRef>
+          <a:fillRef idx="0">
+            <a:schemeClr val="accent1"/>
+          </a:fillRef>
+          <a:effectRef idx="0">
+            <a:schemeClr val="accent1"/>
+          </a:effectRef>
+          <a:fontRef idx="minor">
+            <a:schemeClr val="tx1"/>
+          </a:fontRef>
+        </p:style>
+      </p:cxnSp>
+      <p:cxnSp>
+        <p:nvCxnSpPr>
+          <p:cNvPr id="63" name="Straight Arrow Connector 62"/>
+          <p:cNvCxnSpPr/>
+          <p:nvPr/>
+        </p:nvCxnSpPr>
+        <p:spPr>
+          <a:xfrm>
+            <a:off x="4767901" y="4349206"/>
+            <a:ext cx="297940" cy="354584"/>
+          </a:xfrm>
+          <a:prstGeom prst="straightConnector1">
+            <a:avLst/>
+          </a:prstGeom>
+          <a:ln w="28575">
+            <a:solidFill>
+              <a:schemeClr val="tx1"/>
+            </a:solidFill>
+            <a:tailEnd type="arrow"/>
+          </a:ln>
+        </p:spPr>
+        <p:style>
+          <a:lnRef idx="1">
+            <a:schemeClr val="accent1"/>
+          </a:lnRef>
+          <a:fillRef idx="0">
+            <a:schemeClr val="accent1"/>
+          </a:fillRef>
+          <a:effectRef idx="0">
+            <a:schemeClr val="accent1"/>
+          </a:effectRef>
+          <a:fontRef idx="minor">
+            <a:schemeClr val="tx1"/>
+          </a:fontRef>
+        </p:style>
+      </p:cxnSp>
+      <p:cxnSp>
+        <p:nvCxnSpPr>
+          <p:cNvPr id="64" name="Straight Arrow Connector 63"/>
+          <p:cNvCxnSpPr/>
+          <p:nvPr/>
+        </p:nvCxnSpPr>
+        <p:spPr>
+          <a:xfrm>
+            <a:off x="4525324" y="4458677"/>
+            <a:ext cx="399124" cy="422405"/>
+          </a:xfrm>
+          <a:prstGeom prst="straightConnector1">
+            <a:avLst/>
+          </a:prstGeom>
+          <a:ln w="28575">
+            <a:solidFill>
+              <a:schemeClr val="tx1"/>
+            </a:solidFill>
+            <a:tailEnd type="arrow"/>
+          </a:ln>
+        </p:spPr>
+        <p:style>
+          <a:lnRef idx="1">
+            <a:schemeClr val="accent1"/>
+          </a:lnRef>
+          <a:fillRef idx="0">
+            <a:schemeClr val="accent1"/>
+          </a:fillRef>
+          <a:effectRef idx="0">
+            <a:schemeClr val="accent1"/>
+          </a:effectRef>
+          <a:fontRef idx="minor">
+            <a:schemeClr val="tx1"/>
+          </a:fontRef>
+        </p:style>
+      </p:cxnSp>
+      <p:cxnSp>
+        <p:nvCxnSpPr>
+          <p:cNvPr id="71" name="Straight Arrow Connector 70"/>
+          <p:cNvCxnSpPr/>
+          <p:nvPr/>
+        </p:nvCxnSpPr>
+        <p:spPr>
+          <a:xfrm>
+            <a:off x="8238424" y="3404637"/>
+            <a:ext cx="343349" cy="346116"/>
+          </a:xfrm>
+          <a:prstGeom prst="straightConnector1">
+            <a:avLst/>
+          </a:prstGeom>
+          <a:ln w="28575">
+            <a:solidFill>
+              <a:schemeClr val="tx1"/>
+            </a:solidFill>
+            <a:tailEnd type="arrow"/>
+          </a:ln>
+        </p:spPr>
+        <p:style>
+          <a:lnRef idx="1">
+            <a:schemeClr val="accent1"/>
+          </a:lnRef>
+          <a:fillRef idx="0">
+            <a:schemeClr val="accent1"/>
+          </a:fillRef>
+          <a:effectRef idx="0">
+            <a:schemeClr val="accent1"/>
+          </a:effectRef>
+          <a:fontRef idx="minor">
+            <a:schemeClr val="tx1"/>
+          </a:fontRef>
+        </p:style>
+      </p:cxnSp>
+      <p:cxnSp>
+        <p:nvCxnSpPr>
+          <p:cNvPr id="72" name="Straight Arrow Connector 71"/>
+          <p:cNvCxnSpPr/>
+          <p:nvPr/>
+        </p:nvCxnSpPr>
+        <p:spPr>
+          <a:xfrm>
+            <a:off x="8041256" y="3505640"/>
+            <a:ext cx="399124" cy="422405"/>
+          </a:xfrm>
+          <a:prstGeom prst="straightConnector1">
+            <a:avLst/>
+          </a:prstGeom>
+          <a:ln w="28575">
+            <a:solidFill>
+              <a:schemeClr val="tx1"/>
+            </a:solidFill>
+            <a:tailEnd type="arrow"/>
+          </a:ln>
+        </p:spPr>
+        <p:style>
+          <a:lnRef idx="1">
+            <a:schemeClr val="accent1"/>
+          </a:lnRef>
+          <a:fillRef idx="0">
+            <a:schemeClr val="accent1"/>
+          </a:fillRef>
+          <a:effectRef idx="0">
+            <a:schemeClr val="accent1"/>
+          </a:effectRef>
+          <a:fontRef idx="minor">
+            <a:schemeClr val="tx1"/>
+          </a:fontRef>
+        </p:style>
+      </p:cxnSp>
+      <p:cxnSp>
+        <p:nvCxnSpPr>
+          <p:cNvPr id="73" name="Straight Arrow Connector 72"/>
+          <p:cNvCxnSpPr/>
+          <p:nvPr/>
+        </p:nvCxnSpPr>
+        <p:spPr>
+          <a:xfrm flipH="1">
+            <a:off x="10152743" y="3480488"/>
+            <a:ext cx="331686" cy="371127"/>
+          </a:xfrm>
+          <a:prstGeom prst="straightConnector1">
+            <a:avLst/>
+          </a:prstGeom>
+          <a:ln w="28575">
+            <a:solidFill>
+              <a:schemeClr val="tx1"/>
+            </a:solidFill>
+            <a:tailEnd type="arrow"/>
+          </a:ln>
+        </p:spPr>
+        <p:style>
+          <a:lnRef idx="1">
+            <a:schemeClr val="accent1"/>
+          </a:lnRef>
+          <a:fillRef idx="0">
+            <a:schemeClr val="accent1"/>
+          </a:fillRef>
+          <a:effectRef idx="0">
+            <a:schemeClr val="accent1"/>
+          </a:effectRef>
+          <a:fontRef idx="minor">
+            <a:schemeClr val="tx1"/>
+          </a:fontRef>
+        </p:style>
+      </p:cxnSp>
+      <p:cxnSp>
+        <p:nvCxnSpPr>
+          <p:cNvPr id="74" name="Straight Arrow Connector 73"/>
+          <p:cNvCxnSpPr/>
+          <p:nvPr/>
+        </p:nvCxnSpPr>
+        <p:spPr>
+          <a:xfrm flipH="1">
+            <a:off x="10027773" y="3377076"/>
+            <a:ext cx="319390" cy="361072"/>
+          </a:xfrm>
+          <a:prstGeom prst="straightConnector1">
+            <a:avLst/>
+          </a:prstGeom>
+          <a:ln w="28575">
+            <a:solidFill>
+              <a:schemeClr val="tx1"/>
+            </a:solidFill>
+            <a:tailEnd type="arrow"/>
+          </a:ln>
+        </p:spPr>
+        <p:style>
+          <a:lnRef idx="1">
+            <a:schemeClr val="accent1"/>
+          </a:lnRef>
+          <a:fillRef idx="0">
+            <a:schemeClr val="accent1"/>
+          </a:fillRef>
+          <a:effectRef idx="0">
+            <a:schemeClr val="accent1"/>
+          </a:effectRef>
+          <a:fontRef idx="minor">
+            <a:schemeClr val="tx1"/>
+          </a:fontRef>
+        </p:style>
+      </p:cxnSp>
     </p:spTree>
     <p:extLst>
       <p:ext uri="{BB962C8B-B14F-4D97-AF65-F5344CB8AC3E}">
-        <p14:creationId xmlns:p14="http://schemas.microsoft.com/office/powerpoint/2010/main" xmlns="" val="2097960034"/>
+        <p14:creationId xmlns:p14="http://schemas.microsoft.com/office/powerpoint/2010/main" val="2097960034"/>
       </p:ext>
     </p:extLst>
   </p:cSld>
@@ -6913,10 +7211,82 @@
           </a:p>
         </p:txBody>
       </p:sp>
+      <p:cxnSp>
+        <p:nvCxnSpPr>
+          <p:cNvPr id="37" name="Straight Arrow Connector 36"/>
+          <p:cNvCxnSpPr/>
+          <p:nvPr/>
+        </p:nvCxnSpPr>
+        <p:spPr>
+          <a:xfrm rot="10800000">
+            <a:off x="381300" y="3067075"/>
+            <a:ext cx="329786" cy="329785"/>
+          </a:xfrm>
+          <a:prstGeom prst="straightConnector1">
+            <a:avLst/>
+          </a:prstGeom>
+          <a:ln w="28575">
+            <a:solidFill>
+              <a:schemeClr val="tx1"/>
+            </a:solidFill>
+            <a:tailEnd type="arrow"/>
+          </a:ln>
+        </p:spPr>
+        <p:style>
+          <a:lnRef idx="1">
+            <a:schemeClr val="accent1"/>
+          </a:lnRef>
+          <a:fillRef idx="0">
+            <a:schemeClr val="accent1"/>
+          </a:fillRef>
+          <a:effectRef idx="0">
+            <a:schemeClr val="accent1"/>
+          </a:effectRef>
+          <a:fontRef idx="minor">
+            <a:schemeClr val="tx1"/>
+          </a:fontRef>
+        </p:style>
+      </p:cxnSp>
+      <p:cxnSp>
+        <p:nvCxnSpPr>
+          <p:cNvPr id="38" name="Straight Arrow Connector 37"/>
+          <p:cNvCxnSpPr/>
+          <p:nvPr/>
+        </p:nvCxnSpPr>
+        <p:spPr>
+          <a:xfrm rot="16200000" flipV="1">
+            <a:off x="268873" y="3254452"/>
+            <a:ext cx="347276" cy="332284"/>
+          </a:xfrm>
+          <a:prstGeom prst="straightConnector1">
+            <a:avLst/>
+          </a:prstGeom>
+          <a:ln w="28575">
+            <a:solidFill>
+              <a:schemeClr val="tx1"/>
+            </a:solidFill>
+            <a:tailEnd type="arrow"/>
+          </a:ln>
+        </p:spPr>
+        <p:style>
+          <a:lnRef idx="1">
+            <a:schemeClr val="accent1"/>
+          </a:lnRef>
+          <a:fillRef idx="0">
+            <a:schemeClr val="accent1"/>
+          </a:fillRef>
+          <a:effectRef idx="0">
+            <a:schemeClr val="accent1"/>
+          </a:effectRef>
+          <a:fontRef idx="minor">
+            <a:schemeClr val="tx1"/>
+          </a:fontRef>
+        </p:style>
+      </p:cxnSp>
     </p:spTree>
     <p:extLst>
       <p:ext uri="{BB962C8B-B14F-4D97-AF65-F5344CB8AC3E}">
-        <p14:creationId xmlns:p14="http://schemas.microsoft.com/office/powerpoint/2010/main" xmlns="" val="831023563"/>
+        <p14:creationId xmlns:p14="http://schemas.microsoft.com/office/powerpoint/2010/main" val="831023563"/>
       </p:ext>
     </p:extLst>
   </p:cSld>
@@ -6955,7 +7325,7 @@
           <a:blip r:embed="rId2">
             <a:extLst>
               <a:ext uri="{28A0092B-C50C-407E-A947-70E740481C1C}">
-                <a14:useLocalDpi xmlns:a14="http://schemas.microsoft.com/office/drawing/2010/main" xmlns="" val="0"/>
+                <a14:useLocalDpi xmlns:a14="http://schemas.microsoft.com/office/drawing/2010/main" val="0"/>
               </a:ext>
             </a:extLst>
           </a:blip>
@@ -6975,7 +7345,7 @@
           <a:noFill/>
           <a:extLst>
             <a:ext uri="{909E8E84-426E-40DD-AFC4-6F175D3DCCD1}">
-              <a14:hiddenFill xmlns:a14="http://schemas.microsoft.com/office/drawing/2010/main" xmlns="">
+              <a14:hiddenFill xmlns:a14="http://schemas.microsoft.com/office/drawing/2010/main">
                 <a:solidFill>
                   <a:srgbClr val="FFFFFF"/>
                 </a:solidFill>
@@ -7025,7 +7395,7 @@
     </p:spTree>
     <p:extLst>
       <p:ext uri="{BB962C8B-B14F-4D97-AF65-F5344CB8AC3E}">
-        <p14:creationId xmlns:p14="http://schemas.microsoft.com/office/powerpoint/2010/main" xmlns="" val="4073497930"/>
+        <p14:creationId xmlns:p14="http://schemas.microsoft.com/office/powerpoint/2010/main" val="4073497930"/>
       </p:ext>
     </p:extLst>
   </p:cSld>
@@ -7089,7 +7459,7 @@
           <a:blip r:embed="rId2">
             <a:extLst>
               <a:ext uri="{28A0092B-C50C-407E-A947-70E740481C1C}">
-                <a14:useLocalDpi xmlns:a14="http://schemas.microsoft.com/office/drawing/2010/main" xmlns="" val="0"/>
+                <a14:useLocalDpi xmlns:a14="http://schemas.microsoft.com/office/drawing/2010/main" val="0"/>
               </a:ext>
             </a:extLst>
           </a:blip>
@@ -7109,7 +7479,7 @@
           <a:noFill/>
           <a:extLst>
             <a:ext uri="{909E8E84-426E-40DD-AFC4-6F175D3DCCD1}">
-              <a14:hiddenFill xmlns:a14="http://schemas.microsoft.com/office/drawing/2010/main" xmlns="">
+              <a14:hiddenFill xmlns:a14="http://schemas.microsoft.com/office/drawing/2010/main">
                 <a:solidFill>
                   <a:srgbClr val="FFFFFF"/>
                 </a:solidFill>
@@ -7121,7 +7491,7 @@
     </p:spTree>
     <p:extLst>
       <p:ext uri="{BB962C8B-B14F-4D97-AF65-F5344CB8AC3E}">
-        <p14:creationId xmlns:p14="http://schemas.microsoft.com/office/powerpoint/2010/main" xmlns="" val="1884114993"/>
+        <p14:creationId xmlns:p14="http://schemas.microsoft.com/office/powerpoint/2010/main" val="1884114993"/>
       </p:ext>
     </p:extLst>
   </p:cSld>
@@ -7162,7 +7532,7 @@
           <a:blip r:embed="rId2">
             <a:extLst>
               <a:ext uri="{28A0092B-C50C-407E-A947-70E740481C1C}">
-                <a14:useLocalDpi xmlns:a14="http://schemas.microsoft.com/office/drawing/2010/main" xmlns="" val="0"/>
+                <a14:useLocalDpi xmlns:a14="http://schemas.microsoft.com/office/drawing/2010/main" val="0"/>
               </a:ext>
             </a:extLst>
           </a:blip>
@@ -7182,7 +7552,7 @@
           <a:noFill/>
           <a:extLst>
             <a:ext uri="{909E8E84-426E-40DD-AFC4-6F175D3DCCD1}">
-              <a14:hiddenFill xmlns:a14="http://schemas.microsoft.com/office/drawing/2010/main" xmlns="">
+              <a14:hiddenFill xmlns:a14="http://schemas.microsoft.com/office/drawing/2010/main">
                 <a:solidFill>
                   <a:srgbClr val="FFFFFF"/>
                 </a:solidFill>
@@ -7194,7 +7564,7 @@
     </p:spTree>
     <p:extLst>
       <p:ext uri="{BB962C8B-B14F-4D97-AF65-F5344CB8AC3E}">
-        <p14:creationId xmlns:p14="http://schemas.microsoft.com/office/powerpoint/2010/main" xmlns="" val="168840778"/>
+        <p14:creationId xmlns:p14="http://schemas.microsoft.com/office/powerpoint/2010/main" val="168840778"/>
       </p:ext>
     </p:extLst>
   </p:cSld>
@@ -7233,7 +7603,7 @@
           <a:blip r:embed="rId2">
             <a:extLst>
               <a:ext uri="{28A0092B-C50C-407E-A947-70E740481C1C}">
-                <a14:useLocalDpi xmlns:a14="http://schemas.microsoft.com/office/drawing/2010/main" xmlns="" val="0"/>
+                <a14:useLocalDpi xmlns:a14="http://schemas.microsoft.com/office/drawing/2010/main" val="0"/>
               </a:ext>
             </a:extLst>
           </a:blip>
@@ -7253,7 +7623,7 @@
           <a:noFill/>
           <a:extLst>
             <a:ext uri="{909E8E84-426E-40DD-AFC4-6F175D3DCCD1}">
-              <a14:hiddenFill xmlns:a14="http://schemas.microsoft.com/office/drawing/2010/main" xmlns="">
+              <a14:hiddenFill xmlns:a14="http://schemas.microsoft.com/office/drawing/2010/main">
                 <a:solidFill>
                   <a:srgbClr val="FFFFFF"/>
                 </a:solidFill>
@@ -7265,7 +7635,7 @@
     </p:spTree>
     <p:extLst>
       <p:ext uri="{BB962C8B-B14F-4D97-AF65-F5344CB8AC3E}">
-        <p14:creationId xmlns:p14="http://schemas.microsoft.com/office/powerpoint/2010/main" xmlns="" val="3030657797"/>
+        <p14:creationId xmlns:p14="http://schemas.microsoft.com/office/powerpoint/2010/main" val="3030657797"/>
       </p:ext>
     </p:extLst>
   </p:cSld>
@@ -7304,7 +7674,7 @@
           <a:blip r:embed="rId2">
             <a:extLst>
               <a:ext uri="{28A0092B-C50C-407E-A947-70E740481C1C}">
-                <a14:useLocalDpi xmlns:a14="http://schemas.microsoft.com/office/drawing/2010/main" xmlns="" val="0"/>
+                <a14:useLocalDpi xmlns:a14="http://schemas.microsoft.com/office/drawing/2010/main" val="0"/>
               </a:ext>
             </a:extLst>
           </a:blip>
@@ -7324,7 +7694,7 @@
           <a:noFill/>
           <a:extLst>
             <a:ext uri="{909E8E84-426E-40DD-AFC4-6F175D3DCCD1}">
-              <a14:hiddenFill xmlns:a14="http://schemas.microsoft.com/office/drawing/2010/main" xmlns="">
+              <a14:hiddenFill xmlns:a14="http://schemas.microsoft.com/office/drawing/2010/main">
                 <a:solidFill>
                   <a:srgbClr val="FFFFFF"/>
                 </a:solidFill>
@@ -7336,7 +7706,7 @@
     </p:spTree>
     <p:extLst>
       <p:ext uri="{BB962C8B-B14F-4D97-AF65-F5344CB8AC3E}">
-        <p14:creationId xmlns:p14="http://schemas.microsoft.com/office/powerpoint/2010/main" xmlns="" val="2862721199"/>
+        <p14:creationId xmlns:p14="http://schemas.microsoft.com/office/powerpoint/2010/main" val="2862721199"/>
       </p:ext>
     </p:extLst>
   </p:cSld>
@@ -7375,7 +7745,7 @@
           <a:blip r:embed="rId2">
             <a:extLst>
               <a:ext uri="{28A0092B-C50C-407E-A947-70E740481C1C}">
-                <a14:useLocalDpi xmlns:a14="http://schemas.microsoft.com/office/drawing/2010/main" xmlns="" val="0"/>
+                <a14:useLocalDpi xmlns:a14="http://schemas.microsoft.com/office/drawing/2010/main" val="0"/>
               </a:ext>
             </a:extLst>
           </a:blip>
@@ -7395,7 +7765,7 @@
           <a:noFill/>
           <a:extLst>
             <a:ext uri="{909E8E84-426E-40DD-AFC4-6F175D3DCCD1}">
-              <a14:hiddenFill xmlns:a14="http://schemas.microsoft.com/office/drawing/2010/main" xmlns="">
+              <a14:hiddenFill xmlns:a14="http://schemas.microsoft.com/office/drawing/2010/main">
                 <a:solidFill>
                   <a:srgbClr val="FFFFFF"/>
                 </a:solidFill>
@@ -7407,7 +7777,7 @@
     </p:spTree>
     <p:extLst>
       <p:ext uri="{BB962C8B-B14F-4D97-AF65-F5344CB8AC3E}">
-        <p14:creationId xmlns:p14="http://schemas.microsoft.com/office/powerpoint/2010/main" xmlns="" val="2783010246"/>
+        <p14:creationId xmlns:p14="http://schemas.microsoft.com/office/powerpoint/2010/main" val="2783010246"/>
       </p:ext>
     </p:extLst>
   </p:cSld>
@@ -8536,7 +8906,7 @@
     </p:spTree>
     <p:extLst>
       <p:ext uri="{BB962C8B-B14F-4D97-AF65-F5344CB8AC3E}">
-        <p14:creationId xmlns:p14="http://schemas.microsoft.com/office/powerpoint/2010/main" xmlns="" val="1930197798"/>
+        <p14:creationId xmlns:p14="http://schemas.microsoft.com/office/powerpoint/2010/main" val="1930197798"/>
       </p:ext>
     </p:extLst>
   </p:cSld>
@@ -8582,7 +8952,7 @@
           <a:noFill/>
           <a:extLst>
             <a:ext uri="{909E8E84-426E-40DD-AFC4-6F175D3DCCD1}">
-              <a14:hiddenFill xmlns:a14="http://schemas.microsoft.com/office/drawing/2010/main" xmlns="">
+              <a14:hiddenFill xmlns:a14="http://schemas.microsoft.com/office/drawing/2010/main">
                 <a:solidFill>
                   <a:srgbClr val="FFFFFF"/>
                 </a:solidFill>
@@ -8629,7 +8999,7 @@
     </p:spTree>
     <p:extLst>
       <p:ext uri="{BB962C8B-B14F-4D97-AF65-F5344CB8AC3E}">
-        <p14:creationId xmlns:p14="http://schemas.microsoft.com/office/powerpoint/2010/main" xmlns="" val="1860699775"/>
+        <p14:creationId xmlns:p14="http://schemas.microsoft.com/office/powerpoint/2010/main" val="1860699775"/>
       </p:ext>
     </p:extLst>
   </p:cSld>
@@ -8656,53 +9026,2790 @@
           <a:chExt cx="0" cy="0"/>
         </a:xfrm>
       </p:grpSpPr>
-      <p:pic>
-        <p:nvPicPr>
-          <p:cNvPr id="5122" name="Picture 2" descr="https://encrypted-tbn2.gstatic.com/images?q=tbn:ANd9GcTkDl-XdLd14OKPZQhhyXyo0FCNvJIwHF6Ova64VkM_9Pd5hTssEA"/>
-          <p:cNvPicPr>
-            <a:picLocks noGrp="1" noChangeAspect="1" noChangeArrowheads="1"/>
-          </p:cNvPicPr>
-          <p:nvPr>
-            <p:ph idx="1"/>
-          </p:nvPr>
-        </p:nvPicPr>
-        <p:blipFill>
-          <a:blip r:embed="rId2">
-            <a:extLst>
-              <a:ext uri="{28A0092B-C50C-407E-A947-70E740481C1C}">
-                <a14:useLocalDpi xmlns:a14="http://schemas.microsoft.com/office/drawing/2010/main" xmlns="" val="0"/>
-              </a:ext>
-            </a:extLst>
-          </a:blip>
-          <a:srcRect/>
-          <a:stretch>
-            <a:fillRect/>
-          </a:stretch>
-        </p:blipFill>
-        <p:spPr bwMode="auto">
-          <a:xfrm>
-            <a:off x="2500915" y="720535"/>
-            <a:ext cx="6926419" cy="5168174"/>
+      <p:sp>
+        <p:nvSpPr>
+          <p:cNvPr id="4" name="Rectangle 3"/>
+          <p:cNvSpPr/>
+          <p:nvPr/>
+        </p:nvSpPr>
+        <p:spPr>
+          <a:xfrm>
+            <a:off x="1107463" y="-91741"/>
+            <a:ext cx="8529065" cy="830997"/>
           </a:xfrm>
           <a:prstGeom prst="rect">
             <a:avLst/>
           </a:prstGeom>
           <a:noFill/>
-          <a:extLst>
-            <a:ext uri="{909E8E84-426E-40DD-AFC4-6F175D3DCCD1}">
-              <a14:hiddenFill xmlns:a14="http://schemas.microsoft.com/office/drawing/2010/main" xmlns="">
+        </p:spPr>
+        <p:txBody>
+          <a:bodyPr wrap="square" lIns="91440" tIns="45720" rIns="91440" bIns="45720">
+            <a:spAutoFit/>
+          </a:bodyPr>
+          <a:lstStyle/>
+          <a:p>
+            <a:r>
+              <a:rPr lang="en-US" sz="4800" b="1" dirty="0" smtClean="0"/>
+              <a:t>Working of Diode</a:t>
+            </a:r>
+            <a:endParaRPr lang="en-US" sz="4800" b="1" dirty="0"/>
+          </a:p>
+        </p:txBody>
+      </p:sp>
+      <p:sp>
+        <p:nvSpPr>
+          <p:cNvPr id="5" name="Rectangle 4"/>
+          <p:cNvSpPr/>
+          <p:nvPr/>
+        </p:nvSpPr>
+        <p:spPr>
+          <a:xfrm rot="16200000">
+            <a:off x="2349338" y="5103687"/>
+            <a:ext cx="1078173" cy="68239"/>
+          </a:xfrm>
+          <a:prstGeom prst="rect">
+            <a:avLst/>
+          </a:prstGeom>
+          <a:solidFill>
+            <a:schemeClr val="tx1"/>
+          </a:solidFill>
+        </p:spPr>
+        <p:style>
+          <a:lnRef idx="2">
+            <a:schemeClr val="accent1">
+              <a:shade val="50000"/>
+            </a:schemeClr>
+          </a:lnRef>
+          <a:fillRef idx="1">
+            <a:schemeClr val="accent1"/>
+          </a:fillRef>
+          <a:effectRef idx="0">
+            <a:schemeClr val="accent1"/>
+          </a:effectRef>
+          <a:fontRef idx="minor">
+            <a:schemeClr val="lt1"/>
+          </a:fontRef>
+        </p:style>
+        <p:txBody>
+          <a:bodyPr rtlCol="0" anchor="ctr"/>
+          <a:lstStyle/>
+          <a:p>
+            <a:pPr algn="ctr"/>
+            <a:endParaRPr lang="en-US"/>
+          </a:p>
+        </p:txBody>
+      </p:sp>
+      <p:sp>
+        <p:nvSpPr>
+          <p:cNvPr id="6" name="Rectangle 5"/>
+          <p:cNvSpPr/>
+          <p:nvPr/>
+        </p:nvSpPr>
+        <p:spPr>
+          <a:xfrm rot="16200000">
+            <a:off x="2844354" y="5114946"/>
+            <a:ext cx="693764" cy="45719"/>
+          </a:xfrm>
+          <a:prstGeom prst="rect">
+            <a:avLst/>
+          </a:prstGeom>
+          <a:solidFill>
+            <a:schemeClr val="tx1"/>
+          </a:solidFill>
+        </p:spPr>
+        <p:style>
+          <a:lnRef idx="2">
+            <a:schemeClr val="accent1">
+              <a:shade val="50000"/>
+            </a:schemeClr>
+          </a:lnRef>
+          <a:fillRef idx="1">
+            <a:schemeClr val="accent1"/>
+          </a:fillRef>
+          <a:effectRef idx="0">
+            <a:schemeClr val="accent1"/>
+          </a:effectRef>
+          <a:fontRef idx="minor">
+            <a:schemeClr val="lt1"/>
+          </a:fontRef>
+        </p:style>
+        <p:txBody>
+          <a:bodyPr rtlCol="0" anchor="ctr"/>
+          <a:lstStyle/>
+          <a:p>
+            <a:pPr algn="ctr"/>
+            <a:endParaRPr lang="en-US"/>
+          </a:p>
+        </p:txBody>
+      </p:sp>
+      <p:sp>
+        <p:nvSpPr>
+          <p:cNvPr id="7" name="Rectangle 6"/>
+          <p:cNvSpPr/>
+          <p:nvPr/>
+        </p:nvSpPr>
+        <p:spPr>
+          <a:xfrm rot="16200000" flipV="1">
+            <a:off x="2897982" y="5114945"/>
+            <a:ext cx="1078173" cy="45719"/>
+          </a:xfrm>
+          <a:prstGeom prst="rect">
+            <a:avLst/>
+          </a:prstGeom>
+          <a:solidFill>
+            <a:schemeClr val="tx1"/>
+          </a:solidFill>
+        </p:spPr>
+        <p:style>
+          <a:lnRef idx="2">
+            <a:schemeClr val="accent1">
+              <a:shade val="50000"/>
+            </a:schemeClr>
+          </a:lnRef>
+          <a:fillRef idx="1">
+            <a:schemeClr val="accent1"/>
+          </a:fillRef>
+          <a:effectRef idx="0">
+            <a:schemeClr val="accent1"/>
+          </a:effectRef>
+          <a:fontRef idx="minor">
+            <a:schemeClr val="lt1"/>
+          </a:fontRef>
+        </p:style>
+        <p:txBody>
+          <a:bodyPr rtlCol="0" anchor="ctr"/>
+          <a:lstStyle/>
+          <a:p>
+            <a:pPr algn="ctr"/>
+            <a:endParaRPr lang="en-US"/>
+          </a:p>
+        </p:txBody>
+      </p:sp>
+      <p:sp>
+        <p:nvSpPr>
+          <p:cNvPr id="8" name="Rectangle 7"/>
+          <p:cNvSpPr/>
+          <p:nvPr/>
+        </p:nvSpPr>
+        <p:spPr>
+          <a:xfrm rot="16200000">
+            <a:off x="3401494" y="5124044"/>
+            <a:ext cx="675568" cy="45719"/>
+          </a:xfrm>
+          <a:prstGeom prst="rect">
+            <a:avLst/>
+          </a:prstGeom>
+          <a:solidFill>
+            <a:schemeClr val="tx1"/>
+          </a:solidFill>
+        </p:spPr>
+        <p:style>
+          <a:lnRef idx="2">
+            <a:schemeClr val="accent1">
+              <a:shade val="50000"/>
+            </a:schemeClr>
+          </a:lnRef>
+          <a:fillRef idx="1">
+            <a:schemeClr val="accent1"/>
+          </a:fillRef>
+          <a:effectRef idx="0">
+            <a:schemeClr val="accent1"/>
+          </a:effectRef>
+          <a:fontRef idx="minor">
+            <a:schemeClr val="lt1"/>
+          </a:fontRef>
+        </p:style>
+        <p:txBody>
+          <a:bodyPr rtlCol="0" anchor="ctr"/>
+          <a:lstStyle/>
+          <a:p>
+            <a:pPr algn="ctr"/>
+            <a:endParaRPr lang="en-US"/>
+          </a:p>
+        </p:txBody>
+      </p:sp>
+      <p:sp>
+        <p:nvSpPr>
+          <p:cNvPr id="9" name="Rectangle 8"/>
+          <p:cNvSpPr/>
+          <p:nvPr/>
+        </p:nvSpPr>
+        <p:spPr>
+          <a:xfrm>
+            <a:off x="1952963" y="4189655"/>
+            <a:ext cx="600502" cy="923330"/>
+          </a:xfrm>
+          <a:prstGeom prst="rect">
+            <a:avLst/>
+          </a:prstGeom>
+          <a:noFill/>
+        </p:spPr>
+        <p:txBody>
+          <a:bodyPr wrap="square" lIns="91440" tIns="45720" rIns="91440" bIns="45720">
+            <a:spAutoFit/>
+          </a:bodyPr>
+          <a:lstStyle/>
+          <a:p>
+            <a:pPr algn="ctr"/>
+            <a:r>
+              <a:rPr lang="en-US" sz="5400" b="0" cap="none" spc="0" dirty="0" smtClean="0">
+                <a:ln w="0"/>
                 <a:solidFill>
-                  <a:srgbClr val="FFFFFF"/>
+                  <a:schemeClr val="tx1"/>
                 </a:solidFill>
-              </a14:hiddenFill>
-            </a:ext>
-          </a:extLst>
-        </p:spPr>
-      </p:pic>
+                <a:effectLst>
+                  <a:outerShdw blurRad="38100" dist="19050" dir="2700000" algn="tl" rotWithShape="0">
+                    <a:schemeClr val="dk1">
+                      <a:alpha val="40000"/>
+                    </a:schemeClr>
+                  </a:outerShdw>
+                </a:effectLst>
+              </a:rPr>
+              <a:t>+</a:t>
+            </a:r>
+            <a:endParaRPr lang="en-US" sz="5400" b="0" cap="none" spc="0" dirty="0">
+              <a:ln w="0"/>
+              <a:solidFill>
+                <a:schemeClr val="tx1"/>
+              </a:solidFill>
+              <a:effectLst>
+                <a:outerShdw blurRad="38100" dist="19050" dir="2700000" algn="tl" rotWithShape="0">
+                  <a:schemeClr val="dk1">
+                    <a:alpha val="40000"/>
+                  </a:schemeClr>
+                </a:outerShdw>
+              </a:effectLst>
+            </a:endParaRPr>
+          </a:p>
+        </p:txBody>
+      </p:sp>
+      <p:sp>
+        <p:nvSpPr>
+          <p:cNvPr id="10" name="Rectangle 9"/>
+          <p:cNvSpPr/>
+          <p:nvPr/>
+        </p:nvSpPr>
+        <p:spPr>
+          <a:xfrm>
+            <a:off x="3758736" y="4225513"/>
+            <a:ext cx="600502" cy="923330"/>
+          </a:xfrm>
+          <a:prstGeom prst="rect">
+            <a:avLst/>
+          </a:prstGeom>
+          <a:noFill/>
+        </p:spPr>
+        <p:txBody>
+          <a:bodyPr wrap="square" lIns="91440" tIns="45720" rIns="91440" bIns="45720">
+            <a:spAutoFit/>
+          </a:bodyPr>
+          <a:lstStyle/>
+          <a:p>
+            <a:pPr algn="ctr"/>
+            <a:r>
+              <a:rPr lang="en-US" sz="5400" b="0" cap="none" spc="0" dirty="0" smtClean="0">
+                <a:ln w="0"/>
+                <a:solidFill>
+                  <a:schemeClr val="tx1"/>
+                </a:solidFill>
+                <a:effectLst>
+                  <a:outerShdw blurRad="38100" dist="19050" dir="2700000" algn="tl" rotWithShape="0">
+                    <a:schemeClr val="dk1">
+                      <a:alpha val="40000"/>
+                    </a:schemeClr>
+                  </a:outerShdw>
+                </a:effectLst>
+              </a:rPr>
+              <a:t>-</a:t>
+            </a:r>
+            <a:endParaRPr lang="en-US" sz="5400" b="0" cap="none" spc="0" dirty="0">
+              <a:ln w="0"/>
+              <a:solidFill>
+                <a:schemeClr val="tx1"/>
+              </a:solidFill>
+              <a:effectLst>
+                <a:outerShdw blurRad="38100" dist="19050" dir="2700000" algn="tl" rotWithShape="0">
+                  <a:schemeClr val="dk1">
+                    <a:alpha val="40000"/>
+                  </a:schemeClr>
+                </a:outerShdw>
+              </a:effectLst>
+            </a:endParaRPr>
+          </a:p>
+        </p:txBody>
+      </p:sp>
+      <p:sp>
+        <p:nvSpPr>
+          <p:cNvPr id="11" name="Rectangle 10"/>
+          <p:cNvSpPr/>
+          <p:nvPr/>
+        </p:nvSpPr>
+        <p:spPr>
+          <a:xfrm>
+            <a:off x="2553465" y="3833622"/>
+            <a:ext cx="1549495" cy="523220"/>
+          </a:xfrm>
+          <a:prstGeom prst="rect">
+            <a:avLst/>
+          </a:prstGeom>
+          <a:noFill/>
+        </p:spPr>
+        <p:txBody>
+          <a:bodyPr wrap="square" lIns="91440" tIns="45720" rIns="91440" bIns="45720">
+            <a:spAutoFit/>
+          </a:bodyPr>
+          <a:lstStyle/>
+          <a:p>
+            <a:pPr algn="ctr"/>
+            <a:r>
+              <a:rPr lang="en-US" sz="2800" dirty="0" smtClean="0">
+                <a:ln w="0"/>
+                <a:effectLst>
+                  <a:outerShdw blurRad="38100" dist="19050" dir="2700000" algn="tl" rotWithShape="0">
+                    <a:schemeClr val="dk1">
+                      <a:alpha val="40000"/>
+                    </a:schemeClr>
+                  </a:outerShdw>
+                </a:effectLst>
+              </a:rPr>
+              <a:t>BATTERY</a:t>
+            </a:r>
+            <a:endParaRPr lang="en-US" sz="5400" b="0" cap="none" spc="0" dirty="0">
+              <a:ln w="0"/>
+              <a:solidFill>
+                <a:schemeClr val="tx1"/>
+              </a:solidFill>
+              <a:effectLst>
+                <a:outerShdw blurRad="38100" dist="19050" dir="2700000" algn="tl" rotWithShape="0">
+                  <a:schemeClr val="dk1">
+                    <a:alpha val="40000"/>
+                  </a:schemeClr>
+                </a:outerShdw>
+              </a:effectLst>
+            </a:endParaRPr>
+          </a:p>
+        </p:txBody>
+      </p:sp>
+      <p:sp>
+        <p:nvSpPr>
+          <p:cNvPr id="12" name="Flowchart: Process 11"/>
+          <p:cNvSpPr/>
+          <p:nvPr/>
+        </p:nvSpPr>
+        <p:spPr>
+          <a:xfrm flipV="1">
+            <a:off x="993352" y="5112983"/>
+            <a:ext cx="1860953" cy="45719"/>
+          </a:xfrm>
+          <a:prstGeom prst="flowChartProcess">
+            <a:avLst/>
+          </a:prstGeom>
+          <a:solidFill>
+            <a:schemeClr val="tx1"/>
+          </a:solidFill>
+        </p:spPr>
+        <p:style>
+          <a:lnRef idx="2">
+            <a:schemeClr val="accent1">
+              <a:shade val="50000"/>
+            </a:schemeClr>
+          </a:lnRef>
+          <a:fillRef idx="1">
+            <a:schemeClr val="accent1"/>
+          </a:fillRef>
+          <a:effectRef idx="0">
+            <a:schemeClr val="accent1"/>
+          </a:effectRef>
+          <a:fontRef idx="minor">
+            <a:schemeClr val="lt1"/>
+          </a:fontRef>
+        </p:style>
+        <p:txBody>
+          <a:bodyPr rtlCol="0" anchor="ctr"/>
+          <a:lstStyle/>
+          <a:p>
+            <a:pPr algn="ctr"/>
+            <a:endParaRPr lang="en-US" dirty="0"/>
+          </a:p>
+        </p:txBody>
+      </p:sp>
+      <p:sp>
+        <p:nvSpPr>
+          <p:cNvPr id="13" name="Flowchart: Process 12"/>
+          <p:cNvSpPr/>
+          <p:nvPr/>
+        </p:nvSpPr>
+        <p:spPr>
+          <a:xfrm>
+            <a:off x="3731496" y="5096512"/>
+            <a:ext cx="1696303" cy="52331"/>
+          </a:xfrm>
+          <a:prstGeom prst="flowChartProcess">
+            <a:avLst/>
+          </a:prstGeom>
+          <a:solidFill>
+            <a:schemeClr val="tx1"/>
+          </a:solidFill>
+        </p:spPr>
+        <p:style>
+          <a:lnRef idx="2">
+            <a:schemeClr val="accent1">
+              <a:shade val="50000"/>
+            </a:schemeClr>
+          </a:lnRef>
+          <a:fillRef idx="1">
+            <a:schemeClr val="accent1"/>
+          </a:fillRef>
+          <a:effectRef idx="0">
+            <a:schemeClr val="accent1"/>
+          </a:effectRef>
+          <a:fontRef idx="minor">
+            <a:schemeClr val="lt1"/>
+          </a:fontRef>
+        </p:style>
+        <p:txBody>
+          <a:bodyPr rtlCol="0" anchor="ctr"/>
+          <a:lstStyle/>
+          <a:p>
+            <a:pPr algn="ctr"/>
+            <a:endParaRPr lang="en-US" dirty="0"/>
+          </a:p>
+        </p:txBody>
+      </p:sp>
+      <p:sp>
+        <p:nvSpPr>
+          <p:cNvPr id="14" name="Flowchart: Process 13"/>
+          <p:cNvSpPr/>
+          <p:nvPr/>
+        </p:nvSpPr>
+        <p:spPr>
+          <a:xfrm>
+            <a:off x="5427799" y="991094"/>
+            <a:ext cx="45719" cy="4167609"/>
+          </a:xfrm>
+          <a:prstGeom prst="flowChartProcess">
+            <a:avLst/>
+          </a:prstGeom>
+          <a:solidFill>
+            <a:schemeClr val="tx1"/>
+          </a:solidFill>
+        </p:spPr>
+        <p:style>
+          <a:lnRef idx="2">
+            <a:schemeClr val="accent1">
+              <a:shade val="50000"/>
+            </a:schemeClr>
+          </a:lnRef>
+          <a:fillRef idx="1">
+            <a:schemeClr val="accent1"/>
+          </a:fillRef>
+          <a:effectRef idx="0">
+            <a:schemeClr val="accent1"/>
+          </a:effectRef>
+          <a:fontRef idx="minor">
+            <a:schemeClr val="lt1"/>
+          </a:fontRef>
+        </p:style>
+        <p:txBody>
+          <a:bodyPr rtlCol="0" anchor="ctr"/>
+          <a:lstStyle/>
+          <a:p>
+            <a:pPr algn="ctr"/>
+            <a:endParaRPr lang="en-US" dirty="0"/>
+          </a:p>
+        </p:txBody>
+      </p:sp>
+      <p:sp>
+        <p:nvSpPr>
+          <p:cNvPr id="15" name="Flowchart: Process 14"/>
+          <p:cNvSpPr/>
+          <p:nvPr/>
+        </p:nvSpPr>
+        <p:spPr>
+          <a:xfrm flipH="1">
+            <a:off x="948491" y="1017143"/>
+            <a:ext cx="77699" cy="4138496"/>
+          </a:xfrm>
+          <a:prstGeom prst="flowChartProcess">
+            <a:avLst/>
+          </a:prstGeom>
+          <a:solidFill>
+            <a:schemeClr val="tx1"/>
+          </a:solidFill>
+        </p:spPr>
+        <p:style>
+          <a:lnRef idx="2">
+            <a:schemeClr val="accent1">
+              <a:shade val="50000"/>
+            </a:schemeClr>
+          </a:lnRef>
+          <a:fillRef idx="1">
+            <a:schemeClr val="accent1"/>
+          </a:fillRef>
+          <a:effectRef idx="0">
+            <a:schemeClr val="accent1"/>
+          </a:effectRef>
+          <a:fontRef idx="minor">
+            <a:schemeClr val="lt1"/>
+          </a:fontRef>
+        </p:style>
+        <p:txBody>
+          <a:bodyPr rtlCol="0" anchor="ctr"/>
+          <a:lstStyle/>
+          <a:p>
+            <a:pPr algn="ctr"/>
+            <a:endParaRPr lang="en-US" dirty="0"/>
+          </a:p>
+        </p:txBody>
+      </p:sp>
+      <p:sp>
+        <p:nvSpPr>
+          <p:cNvPr id="16" name="Rectangle 15"/>
+          <p:cNvSpPr/>
+          <p:nvPr/>
+        </p:nvSpPr>
+        <p:spPr>
+          <a:xfrm>
+            <a:off x="1342853" y="2962565"/>
+            <a:ext cx="731289" cy="523220"/>
+          </a:xfrm>
+          <a:prstGeom prst="rect">
+            <a:avLst/>
+          </a:prstGeom>
+          <a:noFill/>
+        </p:spPr>
+        <p:txBody>
+          <a:bodyPr wrap="none" lIns="91440" tIns="45720" rIns="91440" bIns="45720">
+            <a:spAutoFit/>
+          </a:bodyPr>
+          <a:lstStyle/>
+          <a:p>
+            <a:pPr algn="ctr"/>
+            <a:r>
+              <a:rPr lang="en-US" sz="2800" b="0" cap="none" spc="0" dirty="0" smtClean="0">
+                <a:ln w="0"/>
+                <a:solidFill>
+                  <a:schemeClr val="tx1"/>
+                </a:solidFill>
+                <a:effectLst>
+                  <a:outerShdw blurRad="38100" dist="19050" dir="2700000" algn="tl" rotWithShape="0">
+                    <a:schemeClr val="dk1">
+                      <a:alpha val="40000"/>
+                    </a:schemeClr>
+                  </a:outerShdw>
+                </a:effectLst>
+              </a:rPr>
+              <a:t>LED</a:t>
+            </a:r>
+            <a:endParaRPr lang="en-US" sz="2800" b="0" cap="none" spc="0" dirty="0">
+              <a:ln w="0"/>
+              <a:solidFill>
+                <a:schemeClr val="tx1"/>
+              </a:solidFill>
+              <a:effectLst>
+                <a:outerShdw blurRad="38100" dist="19050" dir="2700000" algn="tl" rotWithShape="0">
+                  <a:schemeClr val="dk1">
+                    <a:alpha val="40000"/>
+                  </a:schemeClr>
+                </a:outerShdw>
+              </a:effectLst>
+            </a:endParaRPr>
+          </a:p>
+        </p:txBody>
+      </p:sp>
+      <p:sp>
+        <p:nvSpPr>
+          <p:cNvPr id="17" name="Flowchart: Process 16"/>
+          <p:cNvSpPr/>
+          <p:nvPr/>
+        </p:nvSpPr>
+        <p:spPr>
+          <a:xfrm>
+            <a:off x="978325" y="982511"/>
+            <a:ext cx="2532980" cy="60389"/>
+          </a:xfrm>
+          <a:prstGeom prst="flowChartProcess">
+            <a:avLst/>
+          </a:prstGeom>
+          <a:solidFill>
+            <a:schemeClr val="tx1"/>
+          </a:solidFill>
+        </p:spPr>
+        <p:style>
+          <a:lnRef idx="2">
+            <a:schemeClr val="accent1">
+              <a:shade val="50000"/>
+            </a:schemeClr>
+          </a:lnRef>
+          <a:fillRef idx="1">
+            <a:schemeClr val="accent1"/>
+          </a:fillRef>
+          <a:effectRef idx="0">
+            <a:schemeClr val="accent1"/>
+          </a:effectRef>
+          <a:fontRef idx="minor">
+            <a:schemeClr val="lt1"/>
+          </a:fontRef>
+        </p:style>
+        <p:txBody>
+          <a:bodyPr rtlCol="0" anchor="ctr"/>
+          <a:lstStyle/>
+          <a:p>
+            <a:pPr algn="ctr"/>
+            <a:endParaRPr lang="en-US" dirty="0"/>
+          </a:p>
+        </p:txBody>
+      </p:sp>
+      <p:sp>
+        <p:nvSpPr>
+          <p:cNvPr id="18" name="Flowchart: Process 17"/>
+          <p:cNvSpPr/>
+          <p:nvPr/>
+        </p:nvSpPr>
+        <p:spPr>
+          <a:xfrm>
+            <a:off x="1661377" y="980363"/>
+            <a:ext cx="3253592" cy="77857"/>
+          </a:xfrm>
+          <a:prstGeom prst="flowChartProcess">
+            <a:avLst/>
+          </a:prstGeom>
+          <a:solidFill>
+            <a:schemeClr val="tx1"/>
+          </a:solidFill>
+        </p:spPr>
+        <p:style>
+          <a:lnRef idx="2">
+            <a:schemeClr val="accent1">
+              <a:shade val="50000"/>
+            </a:schemeClr>
+          </a:lnRef>
+          <a:fillRef idx="1">
+            <a:schemeClr val="accent1"/>
+          </a:fillRef>
+          <a:effectRef idx="0">
+            <a:schemeClr val="accent1"/>
+          </a:effectRef>
+          <a:fontRef idx="minor">
+            <a:schemeClr val="lt1"/>
+          </a:fontRef>
+        </p:style>
+        <p:txBody>
+          <a:bodyPr rtlCol="0" anchor="ctr"/>
+          <a:lstStyle/>
+          <a:p>
+            <a:pPr algn="ctr"/>
+            <a:endParaRPr lang="en-US" dirty="0"/>
+          </a:p>
+        </p:txBody>
+      </p:sp>
+      <p:sp>
+        <p:nvSpPr>
+          <p:cNvPr id="19" name="Flowchart: Process 18"/>
+          <p:cNvSpPr/>
+          <p:nvPr/>
+        </p:nvSpPr>
+        <p:spPr>
+          <a:xfrm>
+            <a:off x="2841466" y="991094"/>
+            <a:ext cx="2586333" cy="69934"/>
+          </a:xfrm>
+          <a:prstGeom prst="flowChartProcess">
+            <a:avLst/>
+          </a:prstGeom>
+          <a:solidFill>
+            <a:schemeClr val="tx1"/>
+          </a:solidFill>
+        </p:spPr>
+        <p:style>
+          <a:lnRef idx="2">
+            <a:schemeClr val="accent1">
+              <a:shade val="50000"/>
+            </a:schemeClr>
+          </a:lnRef>
+          <a:fillRef idx="1">
+            <a:schemeClr val="accent1"/>
+          </a:fillRef>
+          <a:effectRef idx="0">
+            <a:schemeClr val="accent1"/>
+          </a:effectRef>
+          <a:fontRef idx="minor">
+            <a:schemeClr val="lt1"/>
+          </a:fontRef>
+        </p:style>
+        <p:txBody>
+          <a:bodyPr rtlCol="0" anchor="ctr"/>
+          <a:lstStyle/>
+          <a:p>
+            <a:pPr algn="ctr"/>
+            <a:endParaRPr lang="en-US" dirty="0"/>
+          </a:p>
+        </p:txBody>
+      </p:sp>
+      <p:sp>
+        <p:nvSpPr>
+          <p:cNvPr id="22" name="Isosceles Triangle 21"/>
+          <p:cNvSpPr/>
+          <p:nvPr/>
+        </p:nvSpPr>
+        <p:spPr>
+          <a:xfrm>
+            <a:off x="719389" y="2860535"/>
+            <a:ext cx="529681" cy="672326"/>
+          </a:xfrm>
+          <a:prstGeom prst="triangle">
+            <a:avLst/>
+          </a:prstGeom>
+        </p:spPr>
+        <p:style>
+          <a:lnRef idx="2">
+            <a:schemeClr val="accent1">
+              <a:shade val="50000"/>
+            </a:schemeClr>
+          </a:lnRef>
+          <a:fillRef idx="1">
+            <a:schemeClr val="accent1"/>
+          </a:fillRef>
+          <a:effectRef idx="0">
+            <a:schemeClr val="accent1"/>
+          </a:effectRef>
+          <a:fontRef idx="minor">
+            <a:schemeClr val="lt1"/>
+          </a:fontRef>
+        </p:style>
+        <p:txBody>
+          <a:bodyPr rtlCol="0" anchor="ctr"/>
+          <a:lstStyle/>
+          <a:p>
+            <a:pPr algn="ctr"/>
+            <a:endParaRPr lang="en-US"/>
+          </a:p>
+        </p:txBody>
+      </p:sp>
+      <p:sp>
+        <p:nvSpPr>
+          <p:cNvPr id="23" name="Flowchart: Process 22"/>
+          <p:cNvSpPr/>
+          <p:nvPr/>
+        </p:nvSpPr>
+        <p:spPr>
+          <a:xfrm>
+            <a:off x="537804" y="2837901"/>
+            <a:ext cx="896440" cy="47172"/>
+          </a:xfrm>
+          <a:prstGeom prst="flowChartProcess">
+            <a:avLst/>
+          </a:prstGeom>
+        </p:spPr>
+        <p:style>
+          <a:lnRef idx="2">
+            <a:schemeClr val="accent1">
+              <a:shade val="50000"/>
+            </a:schemeClr>
+          </a:lnRef>
+          <a:fillRef idx="1">
+            <a:schemeClr val="accent1"/>
+          </a:fillRef>
+          <a:effectRef idx="0">
+            <a:schemeClr val="accent1"/>
+          </a:effectRef>
+          <a:fontRef idx="minor">
+            <a:schemeClr val="lt1"/>
+          </a:fontRef>
+        </p:style>
+        <p:txBody>
+          <a:bodyPr rtlCol="0" anchor="ctr"/>
+          <a:lstStyle/>
+          <a:p>
+            <a:pPr algn="ctr"/>
+            <a:endParaRPr lang="en-US" dirty="0"/>
+          </a:p>
+        </p:txBody>
+      </p:sp>
+      <p:sp>
+        <p:nvSpPr>
+          <p:cNvPr id="28" name="Isosceles Triangle 27"/>
+          <p:cNvSpPr/>
+          <p:nvPr/>
+        </p:nvSpPr>
+        <p:spPr>
+          <a:xfrm>
+            <a:off x="719390" y="2860535"/>
+            <a:ext cx="529681" cy="672326"/>
+          </a:xfrm>
+          <a:prstGeom prst="triangle">
+            <a:avLst/>
+          </a:prstGeom>
+        </p:spPr>
+        <p:style>
+          <a:lnRef idx="2">
+            <a:schemeClr val="accent1">
+              <a:shade val="50000"/>
+            </a:schemeClr>
+          </a:lnRef>
+          <a:fillRef idx="1">
+            <a:schemeClr val="accent1"/>
+          </a:fillRef>
+          <a:effectRef idx="0">
+            <a:schemeClr val="accent1"/>
+          </a:effectRef>
+          <a:fontRef idx="minor">
+            <a:schemeClr val="lt1"/>
+          </a:fontRef>
+        </p:style>
+        <p:txBody>
+          <a:bodyPr rtlCol="0" anchor="ctr"/>
+          <a:lstStyle/>
+          <a:p>
+            <a:pPr algn="ctr"/>
+            <a:endParaRPr lang="en-US"/>
+          </a:p>
+        </p:txBody>
+      </p:sp>
+      <p:sp>
+        <p:nvSpPr>
+          <p:cNvPr id="29" name="Flowchart: Process 28"/>
+          <p:cNvSpPr/>
+          <p:nvPr/>
+        </p:nvSpPr>
+        <p:spPr>
+          <a:xfrm>
+            <a:off x="537805" y="2837901"/>
+            <a:ext cx="896440" cy="47172"/>
+          </a:xfrm>
+          <a:prstGeom prst="flowChartProcess">
+            <a:avLst/>
+          </a:prstGeom>
+        </p:spPr>
+        <p:style>
+          <a:lnRef idx="2">
+            <a:schemeClr val="accent1">
+              <a:shade val="50000"/>
+            </a:schemeClr>
+          </a:lnRef>
+          <a:fillRef idx="1">
+            <a:schemeClr val="accent1"/>
+          </a:fillRef>
+          <a:effectRef idx="0">
+            <a:schemeClr val="accent1"/>
+          </a:effectRef>
+          <a:fontRef idx="minor">
+            <a:schemeClr val="lt1"/>
+          </a:fontRef>
+        </p:style>
+        <p:txBody>
+          <a:bodyPr rtlCol="0" anchor="ctr"/>
+          <a:lstStyle/>
+          <a:p>
+            <a:pPr algn="ctr"/>
+            <a:endParaRPr lang="en-US" dirty="0"/>
+          </a:p>
+        </p:txBody>
+      </p:sp>
+      <p:sp>
+        <p:nvSpPr>
+          <p:cNvPr id="34" name="Isosceles Triangle 33"/>
+          <p:cNvSpPr/>
+          <p:nvPr/>
+        </p:nvSpPr>
+        <p:spPr>
+          <a:xfrm>
+            <a:off x="732270" y="2860535"/>
+            <a:ext cx="529681" cy="672326"/>
+          </a:xfrm>
+          <a:prstGeom prst="triangle">
+            <a:avLst/>
+          </a:prstGeom>
+          <a:solidFill>
+            <a:schemeClr val="bg1"/>
+          </a:solidFill>
+          <a:ln>
+            <a:solidFill>
+              <a:schemeClr val="tx1"/>
+            </a:solidFill>
+          </a:ln>
+        </p:spPr>
+        <p:style>
+          <a:lnRef idx="2">
+            <a:schemeClr val="accent1">
+              <a:shade val="50000"/>
+            </a:schemeClr>
+          </a:lnRef>
+          <a:fillRef idx="1">
+            <a:schemeClr val="accent1"/>
+          </a:fillRef>
+          <a:effectRef idx="0">
+            <a:schemeClr val="accent1"/>
+          </a:effectRef>
+          <a:fontRef idx="minor">
+            <a:schemeClr val="lt1"/>
+          </a:fontRef>
+        </p:style>
+        <p:txBody>
+          <a:bodyPr rtlCol="0" anchor="ctr"/>
+          <a:lstStyle/>
+          <a:p>
+            <a:pPr algn="ctr"/>
+            <a:endParaRPr lang="en-US"/>
+          </a:p>
+        </p:txBody>
+      </p:sp>
+      <p:sp>
+        <p:nvSpPr>
+          <p:cNvPr id="35" name="Flowchart: Process 34"/>
+          <p:cNvSpPr/>
+          <p:nvPr/>
+        </p:nvSpPr>
+        <p:spPr>
+          <a:xfrm>
+            <a:off x="537806" y="2837901"/>
+            <a:ext cx="896440" cy="47172"/>
+          </a:xfrm>
+          <a:prstGeom prst="flowChartProcess">
+            <a:avLst/>
+          </a:prstGeom>
+          <a:solidFill>
+            <a:schemeClr val="bg1"/>
+          </a:solidFill>
+          <a:ln>
+            <a:solidFill>
+              <a:schemeClr val="tx1"/>
+            </a:solidFill>
+          </a:ln>
+        </p:spPr>
+        <p:style>
+          <a:lnRef idx="2">
+            <a:schemeClr val="accent1">
+              <a:shade val="50000"/>
+            </a:schemeClr>
+          </a:lnRef>
+          <a:fillRef idx="1">
+            <a:schemeClr val="accent1"/>
+          </a:fillRef>
+          <a:effectRef idx="0">
+            <a:schemeClr val="accent1"/>
+          </a:effectRef>
+          <a:fontRef idx="minor">
+            <a:schemeClr val="lt1"/>
+          </a:fontRef>
+        </p:style>
+        <p:txBody>
+          <a:bodyPr rtlCol="0" anchor="ctr"/>
+          <a:lstStyle/>
+          <a:p>
+            <a:pPr algn="ctr"/>
+            <a:endParaRPr lang="en-US" dirty="0"/>
+          </a:p>
+        </p:txBody>
+      </p:sp>
+      <p:sp>
+        <p:nvSpPr>
+          <p:cNvPr id="38" name="Bent Arrow 37"/>
+          <p:cNvSpPr/>
+          <p:nvPr/>
+        </p:nvSpPr>
+        <p:spPr>
+          <a:xfrm>
+            <a:off x="1140195" y="1163006"/>
+            <a:ext cx="1095035" cy="868680"/>
+          </a:xfrm>
+          <a:prstGeom prst="bentArrow">
+            <a:avLst/>
+          </a:prstGeom>
+          <a:solidFill>
+            <a:schemeClr val="bg1"/>
+          </a:solidFill>
+          <a:ln>
+            <a:solidFill>
+              <a:schemeClr val="tx1"/>
+            </a:solidFill>
+          </a:ln>
+          <a:effectLst>
+            <a:innerShdw blurRad="114300">
+              <a:prstClr val="black"/>
+            </a:innerShdw>
+          </a:effectLst>
+        </p:spPr>
+        <p:style>
+          <a:lnRef idx="2">
+            <a:schemeClr val="accent1">
+              <a:shade val="50000"/>
+            </a:schemeClr>
+          </a:lnRef>
+          <a:fillRef idx="1">
+            <a:schemeClr val="accent1"/>
+          </a:fillRef>
+          <a:effectRef idx="0">
+            <a:schemeClr val="accent1"/>
+          </a:effectRef>
+          <a:fontRef idx="minor">
+            <a:schemeClr val="lt1"/>
+          </a:fontRef>
+        </p:style>
+        <p:txBody>
+          <a:bodyPr rtlCol="0" anchor="ctr"/>
+          <a:lstStyle/>
+          <a:p>
+            <a:pPr algn="ctr"/>
+            <a:endParaRPr lang="en-US">
+              <a:solidFill>
+                <a:schemeClr val="tx1"/>
+              </a:solidFill>
+            </a:endParaRPr>
+          </a:p>
+        </p:txBody>
+      </p:sp>
+      <p:sp>
+        <p:nvSpPr>
+          <p:cNvPr id="40" name="Bent Arrow 39"/>
+          <p:cNvSpPr/>
+          <p:nvPr/>
+        </p:nvSpPr>
+        <p:spPr>
+          <a:xfrm rot="5400000">
+            <a:off x="4277871" y="1363550"/>
+            <a:ext cx="1095035" cy="868680"/>
+          </a:xfrm>
+          <a:prstGeom prst="bentArrow">
+            <a:avLst/>
+          </a:prstGeom>
+          <a:solidFill>
+            <a:schemeClr val="bg1"/>
+          </a:solidFill>
+          <a:ln>
+            <a:solidFill>
+              <a:schemeClr val="tx1"/>
+            </a:solidFill>
+          </a:ln>
+          <a:effectLst>
+            <a:innerShdw blurRad="114300">
+              <a:prstClr val="black"/>
+            </a:innerShdw>
+          </a:effectLst>
+        </p:spPr>
+        <p:style>
+          <a:lnRef idx="2">
+            <a:schemeClr val="accent1">
+              <a:shade val="50000"/>
+            </a:schemeClr>
+          </a:lnRef>
+          <a:fillRef idx="1">
+            <a:schemeClr val="accent1"/>
+          </a:fillRef>
+          <a:effectRef idx="0">
+            <a:schemeClr val="accent1"/>
+          </a:effectRef>
+          <a:fontRef idx="minor">
+            <a:schemeClr val="lt1"/>
+          </a:fontRef>
+        </p:style>
+        <p:txBody>
+          <a:bodyPr rtlCol="0" anchor="ctr"/>
+          <a:lstStyle/>
+          <a:p>
+            <a:pPr algn="ctr"/>
+            <a:endParaRPr lang="en-US">
+              <a:solidFill>
+                <a:schemeClr val="tx1"/>
+              </a:solidFill>
+            </a:endParaRPr>
+          </a:p>
+        </p:txBody>
+      </p:sp>
+      <p:sp>
+        <p:nvSpPr>
+          <p:cNvPr id="41" name="Bent Arrow 40"/>
+          <p:cNvSpPr/>
+          <p:nvPr/>
+        </p:nvSpPr>
+        <p:spPr>
+          <a:xfrm rot="16200000">
+            <a:off x="994287" y="4050408"/>
+            <a:ext cx="1095035" cy="868680"/>
+          </a:xfrm>
+          <a:prstGeom prst="bentArrow">
+            <a:avLst/>
+          </a:prstGeom>
+          <a:solidFill>
+            <a:schemeClr val="bg1"/>
+          </a:solidFill>
+          <a:ln>
+            <a:solidFill>
+              <a:schemeClr val="tx1"/>
+            </a:solidFill>
+          </a:ln>
+          <a:effectLst>
+            <a:innerShdw blurRad="114300">
+              <a:prstClr val="black"/>
+            </a:innerShdw>
+          </a:effectLst>
+        </p:spPr>
+        <p:style>
+          <a:lnRef idx="2">
+            <a:schemeClr val="accent1">
+              <a:shade val="50000"/>
+            </a:schemeClr>
+          </a:lnRef>
+          <a:fillRef idx="1">
+            <a:schemeClr val="accent1"/>
+          </a:fillRef>
+          <a:effectRef idx="0">
+            <a:schemeClr val="accent1"/>
+          </a:effectRef>
+          <a:fontRef idx="minor">
+            <a:schemeClr val="lt1"/>
+          </a:fontRef>
+        </p:style>
+        <p:txBody>
+          <a:bodyPr rtlCol="0" anchor="ctr"/>
+          <a:lstStyle/>
+          <a:p>
+            <a:pPr algn="ctr"/>
+            <a:endParaRPr lang="en-US">
+              <a:solidFill>
+                <a:schemeClr val="tx1"/>
+              </a:solidFill>
+            </a:endParaRPr>
+          </a:p>
+        </p:txBody>
+      </p:sp>
+      <p:sp>
+        <p:nvSpPr>
+          <p:cNvPr id="42" name="Isosceles Triangle 41"/>
+          <p:cNvSpPr/>
+          <p:nvPr/>
+        </p:nvSpPr>
+        <p:spPr>
+          <a:xfrm rot="10800000">
+            <a:off x="5174793" y="2818925"/>
+            <a:ext cx="529681" cy="672326"/>
+          </a:xfrm>
+          <a:prstGeom prst="triangle">
+            <a:avLst/>
+          </a:prstGeom>
+          <a:solidFill>
+            <a:schemeClr val="bg1"/>
+          </a:solidFill>
+          <a:ln>
+            <a:solidFill>
+              <a:schemeClr val="tx1"/>
+            </a:solidFill>
+          </a:ln>
+        </p:spPr>
+        <p:style>
+          <a:lnRef idx="2">
+            <a:schemeClr val="accent1">
+              <a:shade val="50000"/>
+            </a:schemeClr>
+          </a:lnRef>
+          <a:fillRef idx="1">
+            <a:schemeClr val="accent1"/>
+          </a:fillRef>
+          <a:effectRef idx="0">
+            <a:schemeClr val="accent1"/>
+          </a:effectRef>
+          <a:fontRef idx="minor">
+            <a:schemeClr val="lt1"/>
+          </a:fontRef>
+        </p:style>
+        <p:txBody>
+          <a:bodyPr rtlCol="0" anchor="ctr"/>
+          <a:lstStyle/>
+          <a:p>
+            <a:pPr algn="ctr"/>
+            <a:endParaRPr lang="en-US"/>
+          </a:p>
+        </p:txBody>
+      </p:sp>
+      <p:sp>
+        <p:nvSpPr>
+          <p:cNvPr id="43" name="Flowchart: Process 42"/>
+          <p:cNvSpPr/>
+          <p:nvPr/>
+        </p:nvSpPr>
+        <p:spPr>
+          <a:xfrm>
+            <a:off x="4991754" y="3479703"/>
+            <a:ext cx="896440" cy="47172"/>
+          </a:xfrm>
+          <a:prstGeom prst="flowChartProcess">
+            <a:avLst/>
+          </a:prstGeom>
+          <a:solidFill>
+            <a:schemeClr val="bg1"/>
+          </a:solidFill>
+        </p:spPr>
+        <p:style>
+          <a:lnRef idx="2">
+            <a:schemeClr val="accent1">
+              <a:shade val="50000"/>
+            </a:schemeClr>
+          </a:lnRef>
+          <a:fillRef idx="1">
+            <a:schemeClr val="accent1"/>
+          </a:fillRef>
+          <a:effectRef idx="0">
+            <a:schemeClr val="accent1"/>
+          </a:effectRef>
+          <a:fontRef idx="minor">
+            <a:schemeClr val="lt1"/>
+          </a:fontRef>
+        </p:style>
+        <p:txBody>
+          <a:bodyPr rtlCol="0" anchor="ctr"/>
+          <a:lstStyle/>
+          <a:p>
+            <a:pPr algn="ctr"/>
+            <a:endParaRPr lang="en-US" dirty="0"/>
+          </a:p>
+        </p:txBody>
+      </p:sp>
+      <p:sp>
+        <p:nvSpPr>
+          <p:cNvPr id="44" name="Rectangle 43"/>
+          <p:cNvSpPr/>
+          <p:nvPr/>
+        </p:nvSpPr>
+        <p:spPr>
+          <a:xfrm>
+            <a:off x="3992007" y="2908901"/>
+            <a:ext cx="1043877" cy="523220"/>
+          </a:xfrm>
+          <a:prstGeom prst="rect">
+            <a:avLst/>
+          </a:prstGeom>
+          <a:noFill/>
+        </p:spPr>
+        <p:txBody>
+          <a:bodyPr wrap="none" lIns="91440" tIns="45720" rIns="91440" bIns="45720">
+            <a:spAutoFit/>
+          </a:bodyPr>
+          <a:lstStyle/>
+          <a:p>
+            <a:pPr algn="ctr"/>
+            <a:r>
+              <a:rPr lang="en-US" sz="2800" b="0" cap="none" spc="0" dirty="0" smtClean="0">
+                <a:ln w="0"/>
+                <a:solidFill>
+                  <a:schemeClr val="tx1"/>
+                </a:solidFill>
+                <a:effectLst>
+                  <a:outerShdw blurRad="38100" dist="19050" dir="2700000" algn="tl" rotWithShape="0">
+                    <a:schemeClr val="dk1">
+                      <a:alpha val="40000"/>
+                    </a:schemeClr>
+                  </a:outerShdw>
+                </a:effectLst>
+              </a:rPr>
+              <a:t>Diode</a:t>
+            </a:r>
+            <a:endParaRPr lang="en-US" sz="2800" b="0" cap="none" spc="0" dirty="0">
+              <a:ln w="0"/>
+              <a:solidFill>
+                <a:schemeClr val="tx1"/>
+              </a:solidFill>
+              <a:effectLst>
+                <a:outerShdw blurRad="38100" dist="19050" dir="2700000" algn="tl" rotWithShape="0">
+                  <a:schemeClr val="dk1">
+                    <a:alpha val="40000"/>
+                  </a:schemeClr>
+                </a:outerShdw>
+              </a:effectLst>
+            </a:endParaRPr>
+          </a:p>
+        </p:txBody>
+      </p:sp>
+      <p:sp>
+        <p:nvSpPr>
+          <p:cNvPr id="45" name="Rectangle 44"/>
+          <p:cNvSpPr/>
+          <p:nvPr/>
+        </p:nvSpPr>
+        <p:spPr>
+          <a:xfrm rot="16200000">
+            <a:off x="7962389" y="5127297"/>
+            <a:ext cx="1078173" cy="68239"/>
+          </a:xfrm>
+          <a:prstGeom prst="rect">
+            <a:avLst/>
+          </a:prstGeom>
+          <a:solidFill>
+            <a:schemeClr val="tx1"/>
+          </a:solidFill>
+        </p:spPr>
+        <p:style>
+          <a:lnRef idx="2">
+            <a:schemeClr val="accent1">
+              <a:shade val="50000"/>
+            </a:schemeClr>
+          </a:lnRef>
+          <a:fillRef idx="1">
+            <a:schemeClr val="accent1"/>
+          </a:fillRef>
+          <a:effectRef idx="0">
+            <a:schemeClr val="accent1"/>
+          </a:effectRef>
+          <a:fontRef idx="minor">
+            <a:schemeClr val="lt1"/>
+          </a:fontRef>
+        </p:style>
+        <p:txBody>
+          <a:bodyPr rtlCol="0" anchor="ctr"/>
+          <a:lstStyle/>
+          <a:p>
+            <a:pPr algn="ctr"/>
+            <a:endParaRPr lang="en-US"/>
+          </a:p>
+        </p:txBody>
+      </p:sp>
+      <p:sp>
+        <p:nvSpPr>
+          <p:cNvPr id="46" name="Rectangle 45"/>
+          <p:cNvSpPr/>
+          <p:nvPr/>
+        </p:nvSpPr>
+        <p:spPr>
+          <a:xfrm rot="16200000">
+            <a:off x="8457405" y="5138556"/>
+            <a:ext cx="693764" cy="45719"/>
+          </a:xfrm>
+          <a:prstGeom prst="rect">
+            <a:avLst/>
+          </a:prstGeom>
+          <a:solidFill>
+            <a:schemeClr val="tx1"/>
+          </a:solidFill>
+        </p:spPr>
+        <p:style>
+          <a:lnRef idx="2">
+            <a:schemeClr val="accent1">
+              <a:shade val="50000"/>
+            </a:schemeClr>
+          </a:lnRef>
+          <a:fillRef idx="1">
+            <a:schemeClr val="accent1"/>
+          </a:fillRef>
+          <a:effectRef idx="0">
+            <a:schemeClr val="accent1"/>
+          </a:effectRef>
+          <a:fontRef idx="minor">
+            <a:schemeClr val="lt1"/>
+          </a:fontRef>
+        </p:style>
+        <p:txBody>
+          <a:bodyPr rtlCol="0" anchor="ctr"/>
+          <a:lstStyle/>
+          <a:p>
+            <a:pPr algn="ctr"/>
+            <a:endParaRPr lang="en-US"/>
+          </a:p>
+        </p:txBody>
+      </p:sp>
+      <p:sp>
+        <p:nvSpPr>
+          <p:cNvPr id="47" name="Rectangle 46"/>
+          <p:cNvSpPr/>
+          <p:nvPr/>
+        </p:nvSpPr>
+        <p:spPr>
+          <a:xfrm rot="16200000" flipV="1">
+            <a:off x="8511033" y="5138555"/>
+            <a:ext cx="1078173" cy="45719"/>
+          </a:xfrm>
+          <a:prstGeom prst="rect">
+            <a:avLst/>
+          </a:prstGeom>
+          <a:solidFill>
+            <a:schemeClr val="tx1"/>
+          </a:solidFill>
+        </p:spPr>
+        <p:style>
+          <a:lnRef idx="2">
+            <a:schemeClr val="accent1">
+              <a:shade val="50000"/>
+            </a:schemeClr>
+          </a:lnRef>
+          <a:fillRef idx="1">
+            <a:schemeClr val="accent1"/>
+          </a:fillRef>
+          <a:effectRef idx="0">
+            <a:schemeClr val="accent1"/>
+          </a:effectRef>
+          <a:fontRef idx="minor">
+            <a:schemeClr val="lt1"/>
+          </a:fontRef>
+        </p:style>
+        <p:txBody>
+          <a:bodyPr rtlCol="0" anchor="ctr"/>
+          <a:lstStyle/>
+          <a:p>
+            <a:pPr algn="ctr"/>
+            <a:endParaRPr lang="en-US"/>
+          </a:p>
+        </p:txBody>
+      </p:sp>
+      <p:sp>
+        <p:nvSpPr>
+          <p:cNvPr id="48" name="Rectangle 47"/>
+          <p:cNvSpPr/>
+          <p:nvPr/>
+        </p:nvSpPr>
+        <p:spPr>
+          <a:xfrm rot="16200000">
+            <a:off x="9014545" y="5147654"/>
+            <a:ext cx="675568" cy="45719"/>
+          </a:xfrm>
+          <a:prstGeom prst="rect">
+            <a:avLst/>
+          </a:prstGeom>
+          <a:solidFill>
+            <a:schemeClr val="tx1"/>
+          </a:solidFill>
+        </p:spPr>
+        <p:style>
+          <a:lnRef idx="2">
+            <a:schemeClr val="accent1">
+              <a:shade val="50000"/>
+            </a:schemeClr>
+          </a:lnRef>
+          <a:fillRef idx="1">
+            <a:schemeClr val="accent1"/>
+          </a:fillRef>
+          <a:effectRef idx="0">
+            <a:schemeClr val="accent1"/>
+          </a:effectRef>
+          <a:fontRef idx="minor">
+            <a:schemeClr val="lt1"/>
+          </a:fontRef>
+        </p:style>
+        <p:txBody>
+          <a:bodyPr rtlCol="0" anchor="ctr"/>
+          <a:lstStyle/>
+          <a:p>
+            <a:pPr algn="ctr"/>
+            <a:endParaRPr lang="en-US"/>
+          </a:p>
+        </p:txBody>
+      </p:sp>
+      <p:sp>
+        <p:nvSpPr>
+          <p:cNvPr id="49" name="Rectangle 48"/>
+          <p:cNvSpPr/>
+          <p:nvPr/>
+        </p:nvSpPr>
+        <p:spPr>
+          <a:xfrm>
+            <a:off x="7566014" y="4213265"/>
+            <a:ext cx="600502" cy="923330"/>
+          </a:xfrm>
+          <a:prstGeom prst="rect">
+            <a:avLst/>
+          </a:prstGeom>
+          <a:noFill/>
+        </p:spPr>
+        <p:txBody>
+          <a:bodyPr wrap="square" lIns="91440" tIns="45720" rIns="91440" bIns="45720">
+            <a:spAutoFit/>
+          </a:bodyPr>
+          <a:lstStyle/>
+          <a:p>
+            <a:pPr algn="ctr"/>
+            <a:r>
+              <a:rPr lang="en-US" sz="5400" b="0" cap="none" spc="0" dirty="0" smtClean="0">
+                <a:ln w="0"/>
+                <a:solidFill>
+                  <a:schemeClr val="tx1"/>
+                </a:solidFill>
+                <a:effectLst>
+                  <a:outerShdw blurRad="38100" dist="19050" dir="2700000" algn="tl" rotWithShape="0">
+                    <a:schemeClr val="dk1">
+                      <a:alpha val="40000"/>
+                    </a:schemeClr>
+                  </a:outerShdw>
+                </a:effectLst>
+              </a:rPr>
+              <a:t>+</a:t>
+            </a:r>
+            <a:endParaRPr lang="en-US" sz="5400" b="0" cap="none" spc="0" dirty="0">
+              <a:ln w="0"/>
+              <a:solidFill>
+                <a:schemeClr val="tx1"/>
+              </a:solidFill>
+              <a:effectLst>
+                <a:outerShdw blurRad="38100" dist="19050" dir="2700000" algn="tl" rotWithShape="0">
+                  <a:schemeClr val="dk1">
+                    <a:alpha val="40000"/>
+                  </a:schemeClr>
+                </a:outerShdw>
+              </a:effectLst>
+            </a:endParaRPr>
+          </a:p>
+        </p:txBody>
+      </p:sp>
+      <p:sp>
+        <p:nvSpPr>
+          <p:cNvPr id="50" name="Rectangle 49"/>
+          <p:cNvSpPr/>
+          <p:nvPr/>
+        </p:nvSpPr>
+        <p:spPr>
+          <a:xfrm>
+            <a:off x="9371787" y="4249123"/>
+            <a:ext cx="600502" cy="923330"/>
+          </a:xfrm>
+          <a:prstGeom prst="rect">
+            <a:avLst/>
+          </a:prstGeom>
+          <a:noFill/>
+        </p:spPr>
+        <p:txBody>
+          <a:bodyPr wrap="square" lIns="91440" tIns="45720" rIns="91440" bIns="45720">
+            <a:spAutoFit/>
+          </a:bodyPr>
+          <a:lstStyle/>
+          <a:p>
+            <a:pPr algn="ctr"/>
+            <a:r>
+              <a:rPr lang="en-US" sz="5400" b="0" cap="none" spc="0" dirty="0" smtClean="0">
+                <a:ln w="0"/>
+                <a:solidFill>
+                  <a:schemeClr val="tx1"/>
+                </a:solidFill>
+                <a:effectLst>
+                  <a:outerShdw blurRad="38100" dist="19050" dir="2700000" algn="tl" rotWithShape="0">
+                    <a:schemeClr val="dk1">
+                      <a:alpha val="40000"/>
+                    </a:schemeClr>
+                  </a:outerShdw>
+                </a:effectLst>
+              </a:rPr>
+              <a:t>-</a:t>
+            </a:r>
+            <a:endParaRPr lang="en-US" sz="5400" b="0" cap="none" spc="0" dirty="0">
+              <a:ln w="0"/>
+              <a:solidFill>
+                <a:schemeClr val="tx1"/>
+              </a:solidFill>
+              <a:effectLst>
+                <a:outerShdw blurRad="38100" dist="19050" dir="2700000" algn="tl" rotWithShape="0">
+                  <a:schemeClr val="dk1">
+                    <a:alpha val="40000"/>
+                  </a:schemeClr>
+                </a:outerShdw>
+              </a:effectLst>
+            </a:endParaRPr>
+          </a:p>
+        </p:txBody>
+      </p:sp>
+      <p:sp>
+        <p:nvSpPr>
+          <p:cNvPr id="51" name="Rectangle 50"/>
+          <p:cNvSpPr/>
+          <p:nvPr/>
+        </p:nvSpPr>
+        <p:spPr>
+          <a:xfrm>
+            <a:off x="8166516" y="3857232"/>
+            <a:ext cx="1549495" cy="523220"/>
+          </a:xfrm>
+          <a:prstGeom prst="rect">
+            <a:avLst/>
+          </a:prstGeom>
+          <a:noFill/>
+        </p:spPr>
+        <p:txBody>
+          <a:bodyPr wrap="square" lIns="91440" tIns="45720" rIns="91440" bIns="45720">
+            <a:spAutoFit/>
+          </a:bodyPr>
+          <a:lstStyle/>
+          <a:p>
+            <a:pPr algn="ctr"/>
+            <a:r>
+              <a:rPr lang="en-US" sz="2800" dirty="0" smtClean="0">
+                <a:ln w="0"/>
+                <a:effectLst>
+                  <a:outerShdw blurRad="38100" dist="19050" dir="2700000" algn="tl" rotWithShape="0">
+                    <a:schemeClr val="dk1">
+                      <a:alpha val="40000"/>
+                    </a:schemeClr>
+                  </a:outerShdw>
+                </a:effectLst>
+              </a:rPr>
+              <a:t>BATTERY</a:t>
+            </a:r>
+            <a:endParaRPr lang="en-US" sz="5400" b="0" cap="none" spc="0" dirty="0">
+              <a:ln w="0"/>
+              <a:solidFill>
+                <a:schemeClr val="tx1"/>
+              </a:solidFill>
+              <a:effectLst>
+                <a:outerShdw blurRad="38100" dist="19050" dir="2700000" algn="tl" rotWithShape="0">
+                  <a:schemeClr val="dk1">
+                    <a:alpha val="40000"/>
+                  </a:schemeClr>
+                </a:outerShdw>
+              </a:effectLst>
+            </a:endParaRPr>
+          </a:p>
+        </p:txBody>
+      </p:sp>
+      <p:sp>
+        <p:nvSpPr>
+          <p:cNvPr id="52" name="Flowchart: Process 51"/>
+          <p:cNvSpPr/>
+          <p:nvPr/>
+        </p:nvSpPr>
+        <p:spPr>
+          <a:xfrm flipV="1">
+            <a:off x="6606403" y="5136593"/>
+            <a:ext cx="1860953" cy="45719"/>
+          </a:xfrm>
+          <a:prstGeom prst="flowChartProcess">
+            <a:avLst/>
+          </a:prstGeom>
+          <a:solidFill>
+            <a:schemeClr val="tx1"/>
+          </a:solidFill>
+        </p:spPr>
+        <p:style>
+          <a:lnRef idx="2">
+            <a:schemeClr val="accent1">
+              <a:shade val="50000"/>
+            </a:schemeClr>
+          </a:lnRef>
+          <a:fillRef idx="1">
+            <a:schemeClr val="accent1"/>
+          </a:fillRef>
+          <a:effectRef idx="0">
+            <a:schemeClr val="accent1"/>
+          </a:effectRef>
+          <a:fontRef idx="minor">
+            <a:schemeClr val="lt1"/>
+          </a:fontRef>
+        </p:style>
+        <p:txBody>
+          <a:bodyPr rtlCol="0" anchor="ctr"/>
+          <a:lstStyle/>
+          <a:p>
+            <a:pPr algn="ctr"/>
+            <a:endParaRPr lang="en-US" dirty="0"/>
+          </a:p>
+        </p:txBody>
+      </p:sp>
+      <p:sp>
+        <p:nvSpPr>
+          <p:cNvPr id="53" name="Flowchart: Process 52"/>
+          <p:cNvSpPr/>
+          <p:nvPr/>
+        </p:nvSpPr>
+        <p:spPr>
+          <a:xfrm>
+            <a:off x="9344547" y="5120122"/>
+            <a:ext cx="1696303" cy="52331"/>
+          </a:xfrm>
+          <a:prstGeom prst="flowChartProcess">
+            <a:avLst/>
+          </a:prstGeom>
+          <a:solidFill>
+            <a:schemeClr val="tx1"/>
+          </a:solidFill>
+        </p:spPr>
+        <p:style>
+          <a:lnRef idx="2">
+            <a:schemeClr val="accent1">
+              <a:shade val="50000"/>
+            </a:schemeClr>
+          </a:lnRef>
+          <a:fillRef idx="1">
+            <a:schemeClr val="accent1"/>
+          </a:fillRef>
+          <a:effectRef idx="0">
+            <a:schemeClr val="accent1"/>
+          </a:effectRef>
+          <a:fontRef idx="minor">
+            <a:schemeClr val="lt1"/>
+          </a:fontRef>
+        </p:style>
+        <p:txBody>
+          <a:bodyPr rtlCol="0" anchor="ctr"/>
+          <a:lstStyle/>
+          <a:p>
+            <a:pPr algn="ctr"/>
+            <a:endParaRPr lang="en-US" dirty="0"/>
+          </a:p>
+        </p:txBody>
+      </p:sp>
+      <p:sp>
+        <p:nvSpPr>
+          <p:cNvPr id="54" name="Flowchart: Process 53"/>
+          <p:cNvSpPr/>
+          <p:nvPr/>
+        </p:nvSpPr>
+        <p:spPr>
+          <a:xfrm>
+            <a:off x="11040850" y="1014704"/>
+            <a:ext cx="45719" cy="4167609"/>
+          </a:xfrm>
+          <a:prstGeom prst="flowChartProcess">
+            <a:avLst/>
+          </a:prstGeom>
+          <a:solidFill>
+            <a:schemeClr val="tx1"/>
+          </a:solidFill>
+        </p:spPr>
+        <p:style>
+          <a:lnRef idx="2">
+            <a:schemeClr val="accent1">
+              <a:shade val="50000"/>
+            </a:schemeClr>
+          </a:lnRef>
+          <a:fillRef idx="1">
+            <a:schemeClr val="accent1"/>
+          </a:fillRef>
+          <a:effectRef idx="0">
+            <a:schemeClr val="accent1"/>
+          </a:effectRef>
+          <a:fontRef idx="minor">
+            <a:schemeClr val="lt1"/>
+          </a:fontRef>
+        </p:style>
+        <p:txBody>
+          <a:bodyPr rtlCol="0" anchor="ctr"/>
+          <a:lstStyle/>
+          <a:p>
+            <a:pPr algn="ctr"/>
+            <a:endParaRPr lang="en-US" dirty="0"/>
+          </a:p>
+        </p:txBody>
+      </p:sp>
+      <p:sp>
+        <p:nvSpPr>
+          <p:cNvPr id="55" name="Flowchart: Process 54"/>
+          <p:cNvSpPr/>
+          <p:nvPr/>
+        </p:nvSpPr>
+        <p:spPr>
+          <a:xfrm flipH="1">
+            <a:off x="6561542" y="1040753"/>
+            <a:ext cx="77699" cy="4138496"/>
+          </a:xfrm>
+          <a:prstGeom prst="flowChartProcess">
+            <a:avLst/>
+          </a:prstGeom>
+          <a:solidFill>
+            <a:schemeClr val="tx1"/>
+          </a:solidFill>
+        </p:spPr>
+        <p:style>
+          <a:lnRef idx="2">
+            <a:schemeClr val="accent1">
+              <a:shade val="50000"/>
+            </a:schemeClr>
+          </a:lnRef>
+          <a:fillRef idx="1">
+            <a:schemeClr val="accent1"/>
+          </a:fillRef>
+          <a:effectRef idx="0">
+            <a:schemeClr val="accent1"/>
+          </a:effectRef>
+          <a:fontRef idx="minor">
+            <a:schemeClr val="lt1"/>
+          </a:fontRef>
+        </p:style>
+        <p:txBody>
+          <a:bodyPr rtlCol="0" anchor="ctr"/>
+          <a:lstStyle/>
+          <a:p>
+            <a:pPr algn="ctr"/>
+            <a:endParaRPr lang="en-US" dirty="0"/>
+          </a:p>
+        </p:txBody>
+      </p:sp>
+      <p:sp>
+        <p:nvSpPr>
+          <p:cNvPr id="56" name="Rectangle 55"/>
+          <p:cNvSpPr/>
+          <p:nvPr/>
+        </p:nvSpPr>
+        <p:spPr>
+          <a:xfrm>
+            <a:off x="7015865" y="3480850"/>
+            <a:ext cx="731289" cy="523220"/>
+          </a:xfrm>
+          <a:prstGeom prst="rect">
+            <a:avLst/>
+          </a:prstGeom>
+          <a:noFill/>
+        </p:spPr>
+        <p:txBody>
+          <a:bodyPr wrap="none" lIns="91440" tIns="45720" rIns="91440" bIns="45720">
+            <a:spAutoFit/>
+          </a:bodyPr>
+          <a:lstStyle/>
+          <a:p>
+            <a:pPr algn="ctr"/>
+            <a:r>
+              <a:rPr lang="en-US" sz="2800" b="0" cap="none" spc="0" dirty="0" smtClean="0">
+                <a:ln w="0"/>
+                <a:solidFill>
+                  <a:schemeClr val="tx1"/>
+                </a:solidFill>
+                <a:effectLst>
+                  <a:outerShdw blurRad="38100" dist="19050" dir="2700000" algn="tl" rotWithShape="0">
+                    <a:schemeClr val="dk1">
+                      <a:alpha val="40000"/>
+                    </a:schemeClr>
+                  </a:outerShdw>
+                </a:effectLst>
+              </a:rPr>
+              <a:t>LED</a:t>
+            </a:r>
+            <a:endParaRPr lang="en-US" sz="2800" b="0" cap="none" spc="0" dirty="0">
+              <a:ln w="0"/>
+              <a:solidFill>
+                <a:schemeClr val="tx1"/>
+              </a:solidFill>
+              <a:effectLst>
+                <a:outerShdw blurRad="38100" dist="19050" dir="2700000" algn="tl" rotWithShape="0">
+                  <a:schemeClr val="dk1">
+                    <a:alpha val="40000"/>
+                  </a:schemeClr>
+                </a:outerShdw>
+              </a:effectLst>
+            </a:endParaRPr>
+          </a:p>
+        </p:txBody>
+      </p:sp>
+      <p:sp>
+        <p:nvSpPr>
+          <p:cNvPr id="57" name="Flowchart: Process 56"/>
+          <p:cNvSpPr/>
+          <p:nvPr/>
+        </p:nvSpPr>
+        <p:spPr>
+          <a:xfrm>
+            <a:off x="6591376" y="1006121"/>
+            <a:ext cx="2532980" cy="60389"/>
+          </a:xfrm>
+          <a:prstGeom prst="flowChartProcess">
+            <a:avLst/>
+          </a:prstGeom>
+          <a:solidFill>
+            <a:schemeClr val="tx1"/>
+          </a:solidFill>
+        </p:spPr>
+        <p:style>
+          <a:lnRef idx="2">
+            <a:schemeClr val="accent1">
+              <a:shade val="50000"/>
+            </a:schemeClr>
+          </a:lnRef>
+          <a:fillRef idx="1">
+            <a:schemeClr val="accent1"/>
+          </a:fillRef>
+          <a:effectRef idx="0">
+            <a:schemeClr val="accent1"/>
+          </a:effectRef>
+          <a:fontRef idx="minor">
+            <a:schemeClr val="lt1"/>
+          </a:fontRef>
+        </p:style>
+        <p:txBody>
+          <a:bodyPr rtlCol="0" anchor="ctr"/>
+          <a:lstStyle/>
+          <a:p>
+            <a:pPr algn="ctr"/>
+            <a:endParaRPr lang="en-US" dirty="0"/>
+          </a:p>
+        </p:txBody>
+      </p:sp>
+      <p:sp>
+        <p:nvSpPr>
+          <p:cNvPr id="58" name="Flowchart: Process 57"/>
+          <p:cNvSpPr/>
+          <p:nvPr/>
+        </p:nvSpPr>
+        <p:spPr>
+          <a:xfrm>
+            <a:off x="7274428" y="1003973"/>
+            <a:ext cx="3253592" cy="77857"/>
+          </a:xfrm>
+          <a:prstGeom prst="flowChartProcess">
+            <a:avLst/>
+          </a:prstGeom>
+          <a:solidFill>
+            <a:schemeClr val="tx1"/>
+          </a:solidFill>
+        </p:spPr>
+        <p:style>
+          <a:lnRef idx="2">
+            <a:schemeClr val="accent1">
+              <a:shade val="50000"/>
+            </a:schemeClr>
+          </a:lnRef>
+          <a:fillRef idx="1">
+            <a:schemeClr val="accent1"/>
+          </a:fillRef>
+          <a:effectRef idx="0">
+            <a:schemeClr val="accent1"/>
+          </a:effectRef>
+          <a:fontRef idx="minor">
+            <a:schemeClr val="lt1"/>
+          </a:fontRef>
+        </p:style>
+        <p:txBody>
+          <a:bodyPr rtlCol="0" anchor="ctr"/>
+          <a:lstStyle/>
+          <a:p>
+            <a:pPr algn="ctr"/>
+            <a:endParaRPr lang="en-US" dirty="0"/>
+          </a:p>
+        </p:txBody>
+      </p:sp>
+      <p:sp>
+        <p:nvSpPr>
+          <p:cNvPr id="59" name="Flowchart: Process 58"/>
+          <p:cNvSpPr/>
+          <p:nvPr/>
+        </p:nvSpPr>
+        <p:spPr>
+          <a:xfrm>
+            <a:off x="8454517" y="1014704"/>
+            <a:ext cx="2586333" cy="69934"/>
+          </a:xfrm>
+          <a:prstGeom prst="flowChartProcess">
+            <a:avLst/>
+          </a:prstGeom>
+          <a:solidFill>
+            <a:schemeClr val="tx1"/>
+          </a:solidFill>
+        </p:spPr>
+        <p:style>
+          <a:lnRef idx="2">
+            <a:schemeClr val="accent1">
+              <a:shade val="50000"/>
+            </a:schemeClr>
+          </a:lnRef>
+          <a:fillRef idx="1">
+            <a:schemeClr val="accent1"/>
+          </a:fillRef>
+          <a:effectRef idx="0">
+            <a:schemeClr val="accent1"/>
+          </a:effectRef>
+          <a:fontRef idx="minor">
+            <a:schemeClr val="lt1"/>
+          </a:fontRef>
+        </p:style>
+        <p:txBody>
+          <a:bodyPr rtlCol="0" anchor="ctr"/>
+          <a:lstStyle/>
+          <a:p>
+            <a:pPr algn="ctr"/>
+            <a:endParaRPr lang="en-US" dirty="0"/>
+          </a:p>
+        </p:txBody>
+      </p:sp>
+      <p:sp>
+        <p:nvSpPr>
+          <p:cNvPr id="60" name="Isosceles Triangle 59"/>
+          <p:cNvSpPr/>
+          <p:nvPr/>
+        </p:nvSpPr>
+        <p:spPr>
+          <a:xfrm>
+            <a:off x="6332440" y="2884145"/>
+            <a:ext cx="529681" cy="672326"/>
+          </a:xfrm>
+          <a:prstGeom prst="triangle">
+            <a:avLst/>
+          </a:prstGeom>
+        </p:spPr>
+        <p:style>
+          <a:lnRef idx="2">
+            <a:schemeClr val="accent1">
+              <a:shade val="50000"/>
+            </a:schemeClr>
+          </a:lnRef>
+          <a:fillRef idx="1">
+            <a:schemeClr val="accent1"/>
+          </a:fillRef>
+          <a:effectRef idx="0">
+            <a:schemeClr val="accent1"/>
+          </a:effectRef>
+          <a:fontRef idx="minor">
+            <a:schemeClr val="lt1"/>
+          </a:fontRef>
+        </p:style>
+        <p:txBody>
+          <a:bodyPr rtlCol="0" anchor="ctr"/>
+          <a:lstStyle/>
+          <a:p>
+            <a:pPr algn="ctr"/>
+            <a:endParaRPr lang="en-US"/>
+          </a:p>
+        </p:txBody>
+      </p:sp>
+      <p:sp>
+        <p:nvSpPr>
+          <p:cNvPr id="61" name="Flowchart: Process 60"/>
+          <p:cNvSpPr/>
+          <p:nvPr/>
+        </p:nvSpPr>
+        <p:spPr>
+          <a:xfrm>
+            <a:off x="6150855" y="2861511"/>
+            <a:ext cx="896440" cy="47172"/>
+          </a:xfrm>
+          <a:prstGeom prst="flowChartProcess">
+            <a:avLst/>
+          </a:prstGeom>
+        </p:spPr>
+        <p:style>
+          <a:lnRef idx="2">
+            <a:schemeClr val="accent1">
+              <a:shade val="50000"/>
+            </a:schemeClr>
+          </a:lnRef>
+          <a:fillRef idx="1">
+            <a:schemeClr val="accent1"/>
+          </a:fillRef>
+          <a:effectRef idx="0">
+            <a:schemeClr val="accent1"/>
+          </a:effectRef>
+          <a:fontRef idx="minor">
+            <a:schemeClr val="lt1"/>
+          </a:fontRef>
+        </p:style>
+        <p:txBody>
+          <a:bodyPr rtlCol="0" anchor="ctr"/>
+          <a:lstStyle/>
+          <a:p>
+            <a:pPr algn="ctr"/>
+            <a:endParaRPr lang="en-US" dirty="0"/>
+          </a:p>
+        </p:txBody>
+      </p:sp>
+      <p:sp>
+        <p:nvSpPr>
+          <p:cNvPr id="62" name="Isosceles Triangle 61"/>
+          <p:cNvSpPr/>
+          <p:nvPr/>
+        </p:nvSpPr>
+        <p:spPr>
+          <a:xfrm>
+            <a:off x="6332441" y="2884145"/>
+            <a:ext cx="529681" cy="672326"/>
+          </a:xfrm>
+          <a:prstGeom prst="triangle">
+            <a:avLst/>
+          </a:prstGeom>
+        </p:spPr>
+        <p:style>
+          <a:lnRef idx="2">
+            <a:schemeClr val="accent1">
+              <a:shade val="50000"/>
+            </a:schemeClr>
+          </a:lnRef>
+          <a:fillRef idx="1">
+            <a:schemeClr val="accent1"/>
+          </a:fillRef>
+          <a:effectRef idx="0">
+            <a:schemeClr val="accent1"/>
+          </a:effectRef>
+          <a:fontRef idx="minor">
+            <a:schemeClr val="lt1"/>
+          </a:fontRef>
+        </p:style>
+        <p:txBody>
+          <a:bodyPr rtlCol="0" anchor="ctr"/>
+          <a:lstStyle/>
+          <a:p>
+            <a:pPr algn="ctr"/>
+            <a:endParaRPr lang="en-US"/>
+          </a:p>
+        </p:txBody>
+      </p:sp>
+      <p:sp>
+        <p:nvSpPr>
+          <p:cNvPr id="63" name="Flowchart: Process 62"/>
+          <p:cNvSpPr/>
+          <p:nvPr/>
+        </p:nvSpPr>
+        <p:spPr>
+          <a:xfrm>
+            <a:off x="6150856" y="2861511"/>
+            <a:ext cx="896440" cy="47172"/>
+          </a:xfrm>
+          <a:prstGeom prst="flowChartProcess">
+            <a:avLst/>
+          </a:prstGeom>
+        </p:spPr>
+        <p:style>
+          <a:lnRef idx="2">
+            <a:schemeClr val="accent1">
+              <a:shade val="50000"/>
+            </a:schemeClr>
+          </a:lnRef>
+          <a:fillRef idx="1">
+            <a:schemeClr val="accent1"/>
+          </a:fillRef>
+          <a:effectRef idx="0">
+            <a:schemeClr val="accent1"/>
+          </a:effectRef>
+          <a:fontRef idx="minor">
+            <a:schemeClr val="lt1"/>
+          </a:fontRef>
+        </p:style>
+        <p:txBody>
+          <a:bodyPr rtlCol="0" anchor="ctr"/>
+          <a:lstStyle/>
+          <a:p>
+            <a:pPr algn="ctr"/>
+            <a:endParaRPr lang="en-US" dirty="0"/>
+          </a:p>
+        </p:txBody>
+      </p:sp>
+      <p:sp>
+        <p:nvSpPr>
+          <p:cNvPr id="64" name="Isosceles Triangle 63"/>
+          <p:cNvSpPr/>
+          <p:nvPr/>
+        </p:nvSpPr>
+        <p:spPr>
+          <a:xfrm>
+            <a:off x="6345321" y="2884145"/>
+            <a:ext cx="529681" cy="672326"/>
+          </a:xfrm>
+          <a:prstGeom prst="triangle">
+            <a:avLst/>
+          </a:prstGeom>
+          <a:solidFill>
+            <a:schemeClr val="bg1"/>
+          </a:solidFill>
+          <a:ln>
+            <a:solidFill>
+              <a:schemeClr val="tx1"/>
+            </a:solidFill>
+          </a:ln>
+        </p:spPr>
+        <p:style>
+          <a:lnRef idx="2">
+            <a:schemeClr val="accent1">
+              <a:shade val="50000"/>
+            </a:schemeClr>
+          </a:lnRef>
+          <a:fillRef idx="1">
+            <a:schemeClr val="accent1"/>
+          </a:fillRef>
+          <a:effectRef idx="0">
+            <a:schemeClr val="accent1"/>
+          </a:effectRef>
+          <a:fontRef idx="minor">
+            <a:schemeClr val="lt1"/>
+          </a:fontRef>
+        </p:style>
+        <p:txBody>
+          <a:bodyPr rtlCol="0" anchor="ctr"/>
+          <a:lstStyle/>
+          <a:p>
+            <a:pPr algn="ctr"/>
+            <a:endParaRPr lang="en-US"/>
+          </a:p>
+        </p:txBody>
+      </p:sp>
+      <p:sp>
+        <p:nvSpPr>
+          <p:cNvPr id="65" name="Flowchart: Process 64"/>
+          <p:cNvSpPr/>
+          <p:nvPr/>
+        </p:nvSpPr>
+        <p:spPr>
+          <a:xfrm>
+            <a:off x="6150857" y="2861511"/>
+            <a:ext cx="896440" cy="47172"/>
+          </a:xfrm>
+          <a:prstGeom prst="flowChartProcess">
+            <a:avLst/>
+          </a:prstGeom>
+          <a:solidFill>
+            <a:schemeClr val="bg1"/>
+          </a:solidFill>
+          <a:ln>
+            <a:solidFill>
+              <a:schemeClr val="tx1"/>
+            </a:solidFill>
+          </a:ln>
+        </p:spPr>
+        <p:style>
+          <a:lnRef idx="2">
+            <a:schemeClr val="accent1">
+              <a:shade val="50000"/>
+            </a:schemeClr>
+          </a:lnRef>
+          <a:fillRef idx="1">
+            <a:schemeClr val="accent1"/>
+          </a:fillRef>
+          <a:effectRef idx="0">
+            <a:schemeClr val="accent1"/>
+          </a:effectRef>
+          <a:fontRef idx="minor">
+            <a:schemeClr val="lt1"/>
+          </a:fontRef>
+        </p:style>
+        <p:txBody>
+          <a:bodyPr rtlCol="0" anchor="ctr"/>
+          <a:lstStyle/>
+          <a:p>
+            <a:pPr algn="ctr"/>
+            <a:endParaRPr lang="en-US" dirty="0"/>
+          </a:p>
+        </p:txBody>
+      </p:sp>
+      <p:sp>
+        <p:nvSpPr>
+          <p:cNvPr id="69" name="Isosceles Triangle 68"/>
+          <p:cNvSpPr/>
+          <p:nvPr/>
+        </p:nvSpPr>
+        <p:spPr>
+          <a:xfrm>
+            <a:off x="10798868" y="2866479"/>
+            <a:ext cx="529681" cy="672326"/>
+          </a:xfrm>
+          <a:prstGeom prst="triangle">
+            <a:avLst/>
+          </a:prstGeom>
+          <a:solidFill>
+            <a:schemeClr val="bg1"/>
+          </a:solidFill>
+          <a:ln>
+            <a:solidFill>
+              <a:schemeClr val="tx1"/>
+            </a:solidFill>
+          </a:ln>
+        </p:spPr>
+        <p:style>
+          <a:lnRef idx="2">
+            <a:schemeClr val="accent1">
+              <a:shade val="50000"/>
+            </a:schemeClr>
+          </a:lnRef>
+          <a:fillRef idx="1">
+            <a:schemeClr val="accent1"/>
+          </a:fillRef>
+          <a:effectRef idx="0">
+            <a:schemeClr val="accent1"/>
+          </a:effectRef>
+          <a:fontRef idx="minor">
+            <a:schemeClr val="lt1"/>
+          </a:fontRef>
+        </p:style>
+        <p:txBody>
+          <a:bodyPr rtlCol="0" anchor="ctr"/>
+          <a:lstStyle/>
+          <a:p>
+            <a:pPr algn="ctr"/>
+            <a:endParaRPr lang="en-US"/>
+          </a:p>
+        </p:txBody>
+      </p:sp>
+      <p:sp>
+        <p:nvSpPr>
+          <p:cNvPr id="70" name="Flowchart: Process 69"/>
+          <p:cNvSpPr/>
+          <p:nvPr/>
+        </p:nvSpPr>
+        <p:spPr>
+          <a:xfrm>
+            <a:off x="10592630" y="2839916"/>
+            <a:ext cx="896440" cy="47172"/>
+          </a:xfrm>
+          <a:prstGeom prst="flowChartProcess">
+            <a:avLst/>
+          </a:prstGeom>
+          <a:solidFill>
+            <a:schemeClr val="bg1"/>
+          </a:solidFill>
+        </p:spPr>
+        <p:style>
+          <a:lnRef idx="2">
+            <a:schemeClr val="accent1">
+              <a:shade val="50000"/>
+            </a:schemeClr>
+          </a:lnRef>
+          <a:fillRef idx="1">
+            <a:schemeClr val="accent1"/>
+          </a:fillRef>
+          <a:effectRef idx="0">
+            <a:schemeClr val="accent1"/>
+          </a:effectRef>
+          <a:fontRef idx="minor">
+            <a:schemeClr val="lt1"/>
+          </a:fontRef>
+        </p:style>
+        <p:txBody>
+          <a:bodyPr rtlCol="0" anchor="ctr"/>
+          <a:lstStyle/>
+          <a:p>
+            <a:pPr algn="ctr"/>
+            <a:endParaRPr lang="en-US" dirty="0"/>
+          </a:p>
+        </p:txBody>
+      </p:sp>
+      <p:sp>
+        <p:nvSpPr>
+          <p:cNvPr id="71" name="Rectangle 70"/>
+          <p:cNvSpPr/>
+          <p:nvPr/>
+        </p:nvSpPr>
+        <p:spPr>
+          <a:xfrm>
+            <a:off x="9605058" y="2932511"/>
+            <a:ext cx="1043877" cy="523220"/>
+          </a:xfrm>
+          <a:prstGeom prst="rect">
+            <a:avLst/>
+          </a:prstGeom>
+          <a:noFill/>
+        </p:spPr>
+        <p:txBody>
+          <a:bodyPr wrap="none" lIns="91440" tIns="45720" rIns="91440" bIns="45720">
+            <a:spAutoFit/>
+          </a:bodyPr>
+          <a:lstStyle/>
+          <a:p>
+            <a:pPr algn="ctr"/>
+            <a:r>
+              <a:rPr lang="en-US" sz="2800" b="0" cap="none" spc="0" dirty="0" smtClean="0">
+                <a:ln w="0"/>
+                <a:solidFill>
+                  <a:schemeClr val="tx1"/>
+                </a:solidFill>
+                <a:effectLst>
+                  <a:outerShdw blurRad="38100" dist="19050" dir="2700000" algn="tl" rotWithShape="0">
+                    <a:schemeClr val="dk1">
+                      <a:alpha val="40000"/>
+                    </a:schemeClr>
+                  </a:outerShdw>
+                </a:effectLst>
+              </a:rPr>
+              <a:t>Diode</a:t>
+            </a:r>
+            <a:endParaRPr lang="en-US" sz="2800" b="0" cap="none" spc="0" dirty="0">
+              <a:ln w="0"/>
+              <a:solidFill>
+                <a:schemeClr val="tx1"/>
+              </a:solidFill>
+              <a:effectLst>
+                <a:outerShdw blurRad="38100" dist="19050" dir="2700000" algn="tl" rotWithShape="0">
+                  <a:schemeClr val="dk1">
+                    <a:alpha val="40000"/>
+                  </a:schemeClr>
+                </a:outerShdw>
+              </a:effectLst>
+            </a:endParaRPr>
+          </a:p>
+        </p:txBody>
+      </p:sp>
+      <p:sp>
+        <p:nvSpPr>
+          <p:cNvPr id="72" name="Rectangle 71"/>
+          <p:cNvSpPr/>
+          <p:nvPr/>
+        </p:nvSpPr>
+        <p:spPr>
+          <a:xfrm>
+            <a:off x="2074142" y="5764373"/>
+            <a:ext cx="2432909" cy="954107"/>
+          </a:xfrm>
+          <a:prstGeom prst="rect">
+            <a:avLst/>
+          </a:prstGeom>
+          <a:noFill/>
+        </p:spPr>
+        <p:txBody>
+          <a:bodyPr wrap="none" lIns="91440" tIns="45720" rIns="91440" bIns="45720">
+            <a:spAutoFit/>
+          </a:bodyPr>
+          <a:lstStyle/>
+          <a:p>
+            <a:pPr algn="ctr"/>
+            <a:r>
+              <a:rPr lang="en-US" sz="2800" b="0" cap="none" spc="0" dirty="0" smtClean="0">
+                <a:ln w="0"/>
+                <a:solidFill>
+                  <a:schemeClr val="tx1"/>
+                </a:solidFill>
+                <a:effectLst>
+                  <a:outerShdw blurRad="38100" dist="19050" dir="2700000" algn="tl" rotWithShape="0">
+                    <a:schemeClr val="dk1">
+                      <a:alpha val="40000"/>
+                    </a:schemeClr>
+                  </a:outerShdw>
+                </a:effectLst>
+              </a:rPr>
+              <a:t>Forward Biased</a:t>
+            </a:r>
+          </a:p>
+          <a:p>
+            <a:pPr algn="ctr"/>
+            <a:r>
+              <a:rPr lang="en-US" sz="2800" dirty="0" smtClean="0">
+                <a:ln w="0"/>
+                <a:effectLst>
+                  <a:outerShdw blurRad="38100" dist="19050" dir="2700000" algn="tl" rotWithShape="0">
+                    <a:schemeClr val="dk1">
+                      <a:alpha val="40000"/>
+                    </a:schemeClr>
+                  </a:outerShdw>
+                </a:effectLst>
+              </a:rPr>
+              <a:t>Current flows</a:t>
+            </a:r>
+            <a:endParaRPr lang="en-US" sz="2800" b="0" cap="none" spc="0" dirty="0" smtClean="0">
+              <a:ln w="0"/>
+              <a:solidFill>
+                <a:schemeClr val="tx1"/>
+              </a:solidFill>
+              <a:effectLst>
+                <a:outerShdw blurRad="38100" dist="19050" dir="2700000" algn="tl" rotWithShape="0">
+                  <a:schemeClr val="dk1">
+                    <a:alpha val="40000"/>
+                  </a:schemeClr>
+                </a:outerShdw>
+              </a:effectLst>
+            </a:endParaRPr>
+          </a:p>
+        </p:txBody>
+      </p:sp>
+      <p:sp>
+        <p:nvSpPr>
+          <p:cNvPr id="73" name="Rectangle 72"/>
+          <p:cNvSpPr/>
+          <p:nvPr/>
+        </p:nvSpPr>
+        <p:spPr>
+          <a:xfrm>
+            <a:off x="7373213" y="5646316"/>
+            <a:ext cx="3369962" cy="954107"/>
+          </a:xfrm>
+          <a:prstGeom prst="rect">
+            <a:avLst/>
+          </a:prstGeom>
+          <a:noFill/>
+        </p:spPr>
+        <p:txBody>
+          <a:bodyPr wrap="none" lIns="91440" tIns="45720" rIns="91440" bIns="45720">
+            <a:spAutoFit/>
+          </a:bodyPr>
+          <a:lstStyle/>
+          <a:p>
+            <a:pPr algn="ctr"/>
+            <a:r>
+              <a:rPr lang="en-US" sz="2800" dirty="0" smtClean="0">
+                <a:ln w="0"/>
+                <a:effectLst>
+                  <a:outerShdw blurRad="38100" dist="19050" dir="2700000" algn="tl" rotWithShape="0">
+                    <a:schemeClr val="dk1">
+                      <a:alpha val="40000"/>
+                    </a:schemeClr>
+                  </a:outerShdw>
+                </a:effectLst>
+              </a:rPr>
+              <a:t>Reverse</a:t>
+            </a:r>
+            <a:r>
+              <a:rPr lang="en-US" sz="2800" b="0" cap="none" spc="0" dirty="0" smtClean="0">
+                <a:ln w="0"/>
+                <a:solidFill>
+                  <a:schemeClr val="tx1"/>
+                </a:solidFill>
+                <a:effectLst>
+                  <a:outerShdw blurRad="38100" dist="19050" dir="2700000" algn="tl" rotWithShape="0">
+                    <a:schemeClr val="dk1">
+                      <a:alpha val="40000"/>
+                    </a:schemeClr>
+                  </a:outerShdw>
+                </a:effectLst>
+              </a:rPr>
+              <a:t> Biased</a:t>
+            </a:r>
+          </a:p>
+          <a:p>
+            <a:pPr algn="ctr"/>
+            <a:r>
+              <a:rPr lang="en-US" sz="2800" dirty="0" smtClean="0">
+                <a:ln w="0"/>
+                <a:effectLst>
+                  <a:outerShdw blurRad="38100" dist="19050" dir="2700000" algn="tl" rotWithShape="0">
+                    <a:schemeClr val="dk1">
+                      <a:alpha val="40000"/>
+                    </a:schemeClr>
+                  </a:outerShdw>
+                </a:effectLst>
+              </a:rPr>
+              <a:t>Current does not flow</a:t>
+            </a:r>
+            <a:endParaRPr lang="en-US" sz="2800" b="0" cap="none" spc="0" dirty="0" smtClean="0">
+              <a:ln w="0"/>
+              <a:solidFill>
+                <a:schemeClr val="tx1"/>
+              </a:solidFill>
+              <a:effectLst>
+                <a:outerShdw blurRad="38100" dist="19050" dir="2700000" algn="tl" rotWithShape="0">
+                  <a:schemeClr val="dk1">
+                    <a:alpha val="40000"/>
+                  </a:schemeClr>
+                </a:outerShdw>
+              </a:effectLst>
+            </a:endParaRPr>
+          </a:p>
+        </p:txBody>
+      </p:sp>
+      <p:cxnSp>
+        <p:nvCxnSpPr>
+          <p:cNvPr id="67" name="Straight Arrow Connector 66"/>
+          <p:cNvCxnSpPr/>
+          <p:nvPr/>
+        </p:nvCxnSpPr>
+        <p:spPr>
+          <a:xfrm rot="10800000">
+            <a:off x="329784" y="2848132"/>
+            <a:ext cx="329786" cy="329785"/>
+          </a:xfrm>
+          <a:prstGeom prst="straightConnector1">
+            <a:avLst/>
+          </a:prstGeom>
+          <a:ln w="28575">
+            <a:solidFill>
+              <a:schemeClr val="tx1"/>
+            </a:solidFill>
+            <a:tailEnd type="arrow"/>
+          </a:ln>
+        </p:spPr>
+        <p:style>
+          <a:lnRef idx="1">
+            <a:schemeClr val="accent1"/>
+          </a:lnRef>
+          <a:fillRef idx="0">
+            <a:schemeClr val="accent1"/>
+          </a:fillRef>
+          <a:effectRef idx="0">
+            <a:schemeClr val="accent1"/>
+          </a:effectRef>
+          <a:fontRef idx="minor">
+            <a:schemeClr val="tx1"/>
+          </a:fontRef>
+        </p:style>
+      </p:cxnSp>
+      <p:cxnSp>
+        <p:nvCxnSpPr>
+          <p:cNvPr id="68" name="Straight Arrow Connector 67"/>
+          <p:cNvCxnSpPr/>
+          <p:nvPr/>
+        </p:nvCxnSpPr>
+        <p:spPr>
+          <a:xfrm rot="16200000" flipV="1">
+            <a:off x="217357" y="3035509"/>
+            <a:ext cx="347276" cy="332284"/>
+          </a:xfrm>
+          <a:prstGeom prst="straightConnector1">
+            <a:avLst/>
+          </a:prstGeom>
+          <a:ln w="28575">
+            <a:solidFill>
+              <a:schemeClr val="tx1"/>
+            </a:solidFill>
+            <a:tailEnd type="arrow"/>
+          </a:ln>
+        </p:spPr>
+        <p:style>
+          <a:lnRef idx="1">
+            <a:schemeClr val="accent1"/>
+          </a:lnRef>
+          <a:fillRef idx="0">
+            <a:schemeClr val="accent1"/>
+          </a:fillRef>
+          <a:effectRef idx="0">
+            <a:schemeClr val="accent1"/>
+          </a:effectRef>
+          <a:fontRef idx="minor">
+            <a:schemeClr val="tx1"/>
+          </a:fontRef>
+        </p:style>
+      </p:cxnSp>
+      <p:cxnSp>
+        <p:nvCxnSpPr>
+          <p:cNvPr id="77" name="Straight Arrow Connector 76"/>
+          <p:cNvCxnSpPr/>
+          <p:nvPr/>
+        </p:nvCxnSpPr>
+        <p:spPr>
+          <a:xfrm flipV="1">
+            <a:off x="6942923" y="2908091"/>
+            <a:ext cx="417247" cy="347275"/>
+          </a:xfrm>
+          <a:prstGeom prst="straightConnector1">
+            <a:avLst/>
+          </a:prstGeom>
+          <a:ln w="28575">
+            <a:solidFill>
+              <a:schemeClr val="tx1"/>
+            </a:solidFill>
+            <a:tailEnd type="arrow"/>
+          </a:ln>
+        </p:spPr>
+        <p:style>
+          <a:lnRef idx="1">
+            <a:schemeClr val="accent1"/>
+          </a:lnRef>
+          <a:fillRef idx="0">
+            <a:schemeClr val="accent1"/>
+          </a:fillRef>
+          <a:effectRef idx="0">
+            <a:schemeClr val="accent1"/>
+          </a:effectRef>
+          <a:fontRef idx="minor">
+            <a:schemeClr val="tx1"/>
+          </a:fontRef>
+        </p:style>
+      </p:cxnSp>
+      <p:cxnSp>
+        <p:nvCxnSpPr>
+          <p:cNvPr id="78" name="Straight Arrow Connector 77"/>
+          <p:cNvCxnSpPr/>
+          <p:nvPr/>
+        </p:nvCxnSpPr>
+        <p:spPr>
+          <a:xfrm flipV="1">
+            <a:off x="7095323" y="3117954"/>
+            <a:ext cx="339798" cy="289813"/>
+          </a:xfrm>
+          <a:prstGeom prst="straightConnector1">
+            <a:avLst/>
+          </a:prstGeom>
+          <a:ln w="28575">
+            <a:solidFill>
+              <a:schemeClr val="tx1"/>
+            </a:solidFill>
+            <a:tailEnd type="arrow"/>
+          </a:ln>
+        </p:spPr>
+        <p:style>
+          <a:lnRef idx="1">
+            <a:schemeClr val="accent1"/>
+          </a:lnRef>
+          <a:fillRef idx="0">
+            <a:schemeClr val="accent1"/>
+          </a:fillRef>
+          <a:effectRef idx="0">
+            <a:schemeClr val="accent1"/>
+          </a:effectRef>
+          <a:fontRef idx="minor">
+            <a:schemeClr val="tx1"/>
+          </a:fontRef>
+        </p:style>
+      </p:cxnSp>
+      <p:sp>
+        <p:nvSpPr>
+          <p:cNvPr id="81" name="Rectangle 80"/>
+          <p:cNvSpPr/>
+          <p:nvPr/>
+        </p:nvSpPr>
+        <p:spPr>
+          <a:xfrm>
+            <a:off x="2388271" y="1588956"/>
+            <a:ext cx="1778994" cy="523220"/>
+          </a:xfrm>
+          <a:prstGeom prst="rect">
+            <a:avLst/>
+          </a:prstGeom>
+        </p:spPr>
+        <p:txBody>
+          <a:bodyPr wrap="square">
+            <a:spAutoFit/>
+          </a:bodyPr>
+          <a:lstStyle/>
+          <a:p>
+            <a:pPr algn="ctr"/>
+            <a:r>
+              <a:rPr lang="en-US" sz="2800" b="1" dirty="0" smtClean="0">
+                <a:ln w="0"/>
+                <a:effectLst>
+                  <a:outerShdw blurRad="38100" dist="19050" dir="2700000" algn="tl" rotWithShape="0">
+                    <a:schemeClr val="dk1">
+                      <a:alpha val="40000"/>
+                    </a:schemeClr>
+                  </a:outerShdw>
+                </a:effectLst>
+              </a:rPr>
+              <a:t>Current</a:t>
+            </a:r>
+            <a:endParaRPr lang="en-US" sz="2000" b="1" dirty="0">
+              <a:ln w="0"/>
+              <a:effectLst>
+                <a:outerShdw blurRad="38100" dist="19050" dir="2700000" algn="tl" rotWithShape="0">
+                  <a:schemeClr val="dk1">
+                    <a:alpha val="40000"/>
+                  </a:schemeClr>
+                </a:outerShdw>
+              </a:effectLst>
+            </a:endParaRPr>
+          </a:p>
+        </p:txBody>
+      </p:sp>
+      <p:sp>
+        <p:nvSpPr>
+          <p:cNvPr id="82" name="Rectangle 81"/>
+          <p:cNvSpPr/>
+          <p:nvPr/>
+        </p:nvSpPr>
+        <p:spPr>
+          <a:xfrm>
+            <a:off x="8095507" y="1400543"/>
+            <a:ext cx="1588961" cy="461665"/>
+          </a:xfrm>
+          <a:prstGeom prst="rect">
+            <a:avLst/>
+          </a:prstGeom>
+        </p:spPr>
+        <p:txBody>
+          <a:bodyPr wrap="none">
+            <a:spAutoFit/>
+          </a:bodyPr>
+          <a:lstStyle/>
+          <a:p>
+            <a:pPr algn="ctr"/>
+            <a:r>
+              <a:rPr lang="en-US" sz="2400" b="1" dirty="0" smtClean="0">
+                <a:ln w="0"/>
+                <a:effectLst>
+                  <a:outerShdw blurRad="38100" dist="19050" dir="2700000" algn="tl" rotWithShape="0">
+                    <a:schemeClr val="dk1">
+                      <a:alpha val="40000"/>
+                    </a:schemeClr>
+                  </a:outerShdw>
+                </a:effectLst>
+              </a:rPr>
+              <a:t>No Current</a:t>
+            </a:r>
+            <a:endParaRPr lang="en-US" sz="2400" b="1" dirty="0">
+              <a:ln w="0"/>
+              <a:effectLst>
+                <a:outerShdw blurRad="38100" dist="19050" dir="2700000" algn="tl" rotWithShape="0">
+                  <a:schemeClr val="dk1">
+                    <a:alpha val="40000"/>
+                  </a:schemeClr>
+                </a:outerShdw>
+              </a:effectLst>
+            </a:endParaRPr>
+          </a:p>
+        </p:txBody>
+      </p:sp>
     </p:spTree>
     <p:extLst>
       <p:ext uri="{BB962C8B-B14F-4D97-AF65-F5344CB8AC3E}">
-        <p14:creationId xmlns:p14="http://schemas.microsoft.com/office/powerpoint/2010/main" xmlns="" val="2008469940"/>
+        <p14:creationId xmlns:p14="http://schemas.microsoft.com/office/powerpoint/2010/main" val="795154645"/>
       </p:ext>
     </p:extLst>
   </p:cSld>
@@ -9471,7 +12578,7 @@
         </p:nvSpPr>
         <p:spPr>
           <a:xfrm>
-            <a:off x="4932742" y="1898167"/>
+            <a:off x="4858087" y="2500756"/>
             <a:ext cx="1371373" cy="584775"/>
           </a:xfrm>
           <a:prstGeom prst="rect">
@@ -9948,10 +13055,82 @@
           </a:p>
         </p:txBody>
       </p:sp>
+      <p:cxnSp>
+        <p:nvCxnSpPr>
+          <p:cNvPr id="32" name="Straight Arrow Connector 31"/>
+          <p:cNvCxnSpPr/>
+          <p:nvPr/>
+        </p:nvCxnSpPr>
+        <p:spPr>
+          <a:xfrm>
+            <a:off x="5592150" y="1631765"/>
+            <a:ext cx="297940" cy="354584"/>
+          </a:xfrm>
+          <a:prstGeom prst="straightConnector1">
+            <a:avLst/>
+          </a:prstGeom>
+          <a:ln w="28575">
+            <a:solidFill>
+              <a:schemeClr val="tx1"/>
+            </a:solidFill>
+            <a:tailEnd type="arrow"/>
+          </a:ln>
+        </p:spPr>
+        <p:style>
+          <a:lnRef idx="1">
+            <a:schemeClr val="accent1"/>
+          </a:lnRef>
+          <a:fillRef idx="0">
+            <a:schemeClr val="accent1"/>
+          </a:fillRef>
+          <a:effectRef idx="0">
+            <a:schemeClr val="accent1"/>
+          </a:effectRef>
+          <a:fontRef idx="minor">
+            <a:schemeClr val="tx1"/>
+          </a:fontRef>
+        </p:style>
+      </p:cxnSp>
+      <p:cxnSp>
+        <p:nvCxnSpPr>
+          <p:cNvPr id="33" name="Straight Arrow Connector 32"/>
+          <p:cNvCxnSpPr/>
+          <p:nvPr/>
+        </p:nvCxnSpPr>
+        <p:spPr>
+          <a:xfrm>
+            <a:off x="5349573" y="1741236"/>
+            <a:ext cx="399124" cy="422405"/>
+          </a:xfrm>
+          <a:prstGeom prst="straightConnector1">
+            <a:avLst/>
+          </a:prstGeom>
+          <a:ln w="28575">
+            <a:solidFill>
+              <a:schemeClr val="tx1"/>
+            </a:solidFill>
+            <a:tailEnd type="arrow"/>
+          </a:ln>
+        </p:spPr>
+        <p:style>
+          <a:lnRef idx="1">
+            <a:schemeClr val="accent1"/>
+          </a:lnRef>
+          <a:fillRef idx="0">
+            <a:schemeClr val="accent1"/>
+          </a:fillRef>
+          <a:effectRef idx="0">
+            <a:schemeClr val="accent1"/>
+          </a:effectRef>
+          <a:fontRef idx="minor">
+            <a:schemeClr val="tx1"/>
+          </a:fontRef>
+        </p:style>
+      </p:cxnSp>
     </p:spTree>
     <p:extLst>
       <p:ext uri="{BB962C8B-B14F-4D97-AF65-F5344CB8AC3E}">
-        <p14:creationId xmlns:p14="http://schemas.microsoft.com/office/powerpoint/2010/main" xmlns="" val="1708002396"/>
+        <p14:creationId xmlns:p14="http://schemas.microsoft.com/office/powerpoint/2010/main" val="1708002396"/>
       </p:ext>
     </p:extLst>
   </p:cSld>
@@ -9962,2848 +13141,6 @@
 </file>
 
 <file path=ppt/slides/slide20.xml><?xml version="1.0" encoding="utf-8"?>
-<p:sld xmlns:a="http://schemas.openxmlformats.org/drawingml/2006/main" xmlns:r="http://schemas.openxmlformats.org/officeDocument/2006/relationships" xmlns:p="http://schemas.openxmlformats.org/presentationml/2006/main">
-  <p:cSld>
-    <p:spTree>
-      <p:nvGrpSpPr>
-        <p:cNvPr id="1" name=""/>
-        <p:cNvGrpSpPr/>
-        <p:nvPr/>
-      </p:nvGrpSpPr>
-      <p:grpSpPr>
-        <a:xfrm>
-          <a:off x="0" y="0"/>
-          <a:ext cx="0" cy="0"/>
-          <a:chOff x="0" y="0"/>
-          <a:chExt cx="0" cy="0"/>
-        </a:xfrm>
-      </p:grpSpPr>
-      <p:sp>
-        <p:nvSpPr>
-          <p:cNvPr id="4" name="Rectangle 3"/>
-          <p:cNvSpPr/>
-          <p:nvPr/>
-        </p:nvSpPr>
-        <p:spPr>
-          <a:xfrm>
-            <a:off x="1107463" y="-91741"/>
-            <a:ext cx="8529065" cy="830997"/>
-          </a:xfrm>
-          <a:prstGeom prst="rect">
-            <a:avLst/>
-          </a:prstGeom>
-          <a:noFill/>
-        </p:spPr>
-        <p:txBody>
-          <a:bodyPr wrap="square" lIns="91440" tIns="45720" rIns="91440" bIns="45720">
-            <a:spAutoFit/>
-          </a:bodyPr>
-          <a:lstStyle/>
-          <a:p>
-            <a:r>
-              <a:rPr lang="en-US" sz="4800" b="1" dirty="0" smtClean="0"/>
-              <a:t>Working of Diode</a:t>
-            </a:r>
-            <a:endParaRPr lang="en-US" sz="4800" b="1" dirty="0"/>
-          </a:p>
-        </p:txBody>
-      </p:sp>
-      <p:sp>
-        <p:nvSpPr>
-          <p:cNvPr id="5" name="Rectangle 4"/>
-          <p:cNvSpPr/>
-          <p:nvPr/>
-        </p:nvSpPr>
-        <p:spPr>
-          <a:xfrm rot="16200000">
-            <a:off x="2349338" y="5103687"/>
-            <a:ext cx="1078173" cy="68239"/>
-          </a:xfrm>
-          <a:prstGeom prst="rect">
-            <a:avLst/>
-          </a:prstGeom>
-          <a:solidFill>
-            <a:schemeClr val="tx1"/>
-          </a:solidFill>
-        </p:spPr>
-        <p:style>
-          <a:lnRef idx="2">
-            <a:schemeClr val="accent1">
-              <a:shade val="50000"/>
-            </a:schemeClr>
-          </a:lnRef>
-          <a:fillRef idx="1">
-            <a:schemeClr val="accent1"/>
-          </a:fillRef>
-          <a:effectRef idx="0">
-            <a:schemeClr val="accent1"/>
-          </a:effectRef>
-          <a:fontRef idx="minor">
-            <a:schemeClr val="lt1"/>
-          </a:fontRef>
-        </p:style>
-        <p:txBody>
-          <a:bodyPr rtlCol="0" anchor="ctr"/>
-          <a:lstStyle/>
-          <a:p>
-            <a:pPr algn="ctr"/>
-            <a:endParaRPr lang="en-US"/>
-          </a:p>
-        </p:txBody>
-      </p:sp>
-      <p:sp>
-        <p:nvSpPr>
-          <p:cNvPr id="6" name="Rectangle 5"/>
-          <p:cNvSpPr/>
-          <p:nvPr/>
-        </p:nvSpPr>
-        <p:spPr>
-          <a:xfrm rot="16200000">
-            <a:off x="2844354" y="5114946"/>
-            <a:ext cx="693764" cy="45719"/>
-          </a:xfrm>
-          <a:prstGeom prst="rect">
-            <a:avLst/>
-          </a:prstGeom>
-          <a:solidFill>
-            <a:schemeClr val="tx1"/>
-          </a:solidFill>
-        </p:spPr>
-        <p:style>
-          <a:lnRef idx="2">
-            <a:schemeClr val="accent1">
-              <a:shade val="50000"/>
-            </a:schemeClr>
-          </a:lnRef>
-          <a:fillRef idx="1">
-            <a:schemeClr val="accent1"/>
-          </a:fillRef>
-          <a:effectRef idx="0">
-            <a:schemeClr val="accent1"/>
-          </a:effectRef>
-          <a:fontRef idx="minor">
-            <a:schemeClr val="lt1"/>
-          </a:fontRef>
-        </p:style>
-        <p:txBody>
-          <a:bodyPr rtlCol="0" anchor="ctr"/>
-          <a:lstStyle/>
-          <a:p>
-            <a:pPr algn="ctr"/>
-            <a:endParaRPr lang="en-US"/>
-          </a:p>
-        </p:txBody>
-      </p:sp>
-      <p:sp>
-        <p:nvSpPr>
-          <p:cNvPr id="7" name="Rectangle 6"/>
-          <p:cNvSpPr/>
-          <p:nvPr/>
-        </p:nvSpPr>
-        <p:spPr>
-          <a:xfrm rot="16200000" flipV="1">
-            <a:off x="2897982" y="5114945"/>
-            <a:ext cx="1078173" cy="45719"/>
-          </a:xfrm>
-          <a:prstGeom prst="rect">
-            <a:avLst/>
-          </a:prstGeom>
-          <a:solidFill>
-            <a:schemeClr val="tx1"/>
-          </a:solidFill>
-        </p:spPr>
-        <p:style>
-          <a:lnRef idx="2">
-            <a:schemeClr val="accent1">
-              <a:shade val="50000"/>
-            </a:schemeClr>
-          </a:lnRef>
-          <a:fillRef idx="1">
-            <a:schemeClr val="accent1"/>
-          </a:fillRef>
-          <a:effectRef idx="0">
-            <a:schemeClr val="accent1"/>
-          </a:effectRef>
-          <a:fontRef idx="minor">
-            <a:schemeClr val="lt1"/>
-          </a:fontRef>
-        </p:style>
-        <p:txBody>
-          <a:bodyPr rtlCol="0" anchor="ctr"/>
-          <a:lstStyle/>
-          <a:p>
-            <a:pPr algn="ctr"/>
-            <a:endParaRPr lang="en-US"/>
-          </a:p>
-        </p:txBody>
-      </p:sp>
-      <p:sp>
-        <p:nvSpPr>
-          <p:cNvPr id="8" name="Rectangle 7"/>
-          <p:cNvSpPr/>
-          <p:nvPr/>
-        </p:nvSpPr>
-        <p:spPr>
-          <a:xfrm rot="16200000">
-            <a:off x="3401494" y="5124044"/>
-            <a:ext cx="675568" cy="45719"/>
-          </a:xfrm>
-          <a:prstGeom prst="rect">
-            <a:avLst/>
-          </a:prstGeom>
-          <a:solidFill>
-            <a:schemeClr val="tx1"/>
-          </a:solidFill>
-        </p:spPr>
-        <p:style>
-          <a:lnRef idx="2">
-            <a:schemeClr val="accent1">
-              <a:shade val="50000"/>
-            </a:schemeClr>
-          </a:lnRef>
-          <a:fillRef idx="1">
-            <a:schemeClr val="accent1"/>
-          </a:fillRef>
-          <a:effectRef idx="0">
-            <a:schemeClr val="accent1"/>
-          </a:effectRef>
-          <a:fontRef idx="minor">
-            <a:schemeClr val="lt1"/>
-          </a:fontRef>
-        </p:style>
-        <p:txBody>
-          <a:bodyPr rtlCol="0" anchor="ctr"/>
-          <a:lstStyle/>
-          <a:p>
-            <a:pPr algn="ctr"/>
-            <a:endParaRPr lang="en-US"/>
-          </a:p>
-        </p:txBody>
-      </p:sp>
-      <p:sp>
-        <p:nvSpPr>
-          <p:cNvPr id="9" name="Rectangle 8"/>
-          <p:cNvSpPr/>
-          <p:nvPr/>
-        </p:nvSpPr>
-        <p:spPr>
-          <a:xfrm>
-            <a:off x="1952963" y="4189655"/>
-            <a:ext cx="600502" cy="923330"/>
-          </a:xfrm>
-          <a:prstGeom prst="rect">
-            <a:avLst/>
-          </a:prstGeom>
-          <a:noFill/>
-        </p:spPr>
-        <p:txBody>
-          <a:bodyPr wrap="square" lIns="91440" tIns="45720" rIns="91440" bIns="45720">
-            <a:spAutoFit/>
-          </a:bodyPr>
-          <a:lstStyle/>
-          <a:p>
-            <a:pPr algn="ctr"/>
-            <a:r>
-              <a:rPr lang="en-US" sz="5400" b="0" cap="none" spc="0" dirty="0" smtClean="0">
-                <a:ln w="0"/>
-                <a:solidFill>
-                  <a:schemeClr val="tx1"/>
-                </a:solidFill>
-                <a:effectLst>
-                  <a:outerShdw blurRad="38100" dist="19050" dir="2700000" algn="tl" rotWithShape="0">
-                    <a:schemeClr val="dk1">
-                      <a:alpha val="40000"/>
-                    </a:schemeClr>
-                  </a:outerShdw>
-                </a:effectLst>
-              </a:rPr>
-              <a:t>+</a:t>
-            </a:r>
-            <a:endParaRPr lang="en-US" sz="5400" b="0" cap="none" spc="0" dirty="0">
-              <a:ln w="0"/>
-              <a:solidFill>
-                <a:schemeClr val="tx1"/>
-              </a:solidFill>
-              <a:effectLst>
-                <a:outerShdw blurRad="38100" dist="19050" dir="2700000" algn="tl" rotWithShape="0">
-                  <a:schemeClr val="dk1">
-                    <a:alpha val="40000"/>
-                  </a:schemeClr>
-                </a:outerShdw>
-              </a:effectLst>
-            </a:endParaRPr>
-          </a:p>
-        </p:txBody>
-      </p:sp>
-      <p:sp>
-        <p:nvSpPr>
-          <p:cNvPr id="10" name="Rectangle 9"/>
-          <p:cNvSpPr/>
-          <p:nvPr/>
-        </p:nvSpPr>
-        <p:spPr>
-          <a:xfrm>
-            <a:off x="3758736" y="4225513"/>
-            <a:ext cx="600502" cy="923330"/>
-          </a:xfrm>
-          <a:prstGeom prst="rect">
-            <a:avLst/>
-          </a:prstGeom>
-          <a:noFill/>
-        </p:spPr>
-        <p:txBody>
-          <a:bodyPr wrap="square" lIns="91440" tIns="45720" rIns="91440" bIns="45720">
-            <a:spAutoFit/>
-          </a:bodyPr>
-          <a:lstStyle/>
-          <a:p>
-            <a:pPr algn="ctr"/>
-            <a:r>
-              <a:rPr lang="en-US" sz="5400" b="0" cap="none" spc="0" dirty="0" smtClean="0">
-                <a:ln w="0"/>
-                <a:solidFill>
-                  <a:schemeClr val="tx1"/>
-                </a:solidFill>
-                <a:effectLst>
-                  <a:outerShdw blurRad="38100" dist="19050" dir="2700000" algn="tl" rotWithShape="0">
-                    <a:schemeClr val="dk1">
-                      <a:alpha val="40000"/>
-                    </a:schemeClr>
-                  </a:outerShdw>
-                </a:effectLst>
-              </a:rPr>
-              <a:t>-</a:t>
-            </a:r>
-            <a:endParaRPr lang="en-US" sz="5400" b="0" cap="none" spc="0" dirty="0">
-              <a:ln w="0"/>
-              <a:solidFill>
-                <a:schemeClr val="tx1"/>
-              </a:solidFill>
-              <a:effectLst>
-                <a:outerShdw blurRad="38100" dist="19050" dir="2700000" algn="tl" rotWithShape="0">
-                  <a:schemeClr val="dk1">
-                    <a:alpha val="40000"/>
-                  </a:schemeClr>
-                </a:outerShdw>
-              </a:effectLst>
-            </a:endParaRPr>
-          </a:p>
-        </p:txBody>
-      </p:sp>
-      <p:sp>
-        <p:nvSpPr>
-          <p:cNvPr id="11" name="Rectangle 10"/>
-          <p:cNvSpPr/>
-          <p:nvPr/>
-        </p:nvSpPr>
-        <p:spPr>
-          <a:xfrm>
-            <a:off x="2553465" y="3833622"/>
-            <a:ext cx="1549495" cy="523220"/>
-          </a:xfrm>
-          <a:prstGeom prst="rect">
-            <a:avLst/>
-          </a:prstGeom>
-          <a:noFill/>
-        </p:spPr>
-        <p:txBody>
-          <a:bodyPr wrap="square" lIns="91440" tIns="45720" rIns="91440" bIns="45720">
-            <a:spAutoFit/>
-          </a:bodyPr>
-          <a:lstStyle/>
-          <a:p>
-            <a:pPr algn="ctr"/>
-            <a:r>
-              <a:rPr lang="en-US" sz="2800" dirty="0" smtClean="0">
-                <a:ln w="0"/>
-                <a:effectLst>
-                  <a:outerShdw blurRad="38100" dist="19050" dir="2700000" algn="tl" rotWithShape="0">
-                    <a:schemeClr val="dk1">
-                      <a:alpha val="40000"/>
-                    </a:schemeClr>
-                  </a:outerShdw>
-                </a:effectLst>
-              </a:rPr>
-              <a:t>BATTERY</a:t>
-            </a:r>
-            <a:endParaRPr lang="en-US" sz="5400" b="0" cap="none" spc="0" dirty="0">
-              <a:ln w="0"/>
-              <a:solidFill>
-                <a:schemeClr val="tx1"/>
-              </a:solidFill>
-              <a:effectLst>
-                <a:outerShdw blurRad="38100" dist="19050" dir="2700000" algn="tl" rotWithShape="0">
-                  <a:schemeClr val="dk1">
-                    <a:alpha val="40000"/>
-                  </a:schemeClr>
-                </a:outerShdw>
-              </a:effectLst>
-            </a:endParaRPr>
-          </a:p>
-        </p:txBody>
-      </p:sp>
-      <p:sp>
-        <p:nvSpPr>
-          <p:cNvPr id="12" name="Flowchart: Process 11"/>
-          <p:cNvSpPr/>
-          <p:nvPr/>
-        </p:nvSpPr>
-        <p:spPr>
-          <a:xfrm flipV="1">
-            <a:off x="993352" y="5112983"/>
-            <a:ext cx="1860953" cy="45719"/>
-          </a:xfrm>
-          <a:prstGeom prst="flowChartProcess">
-            <a:avLst/>
-          </a:prstGeom>
-          <a:solidFill>
-            <a:schemeClr val="tx1"/>
-          </a:solidFill>
-        </p:spPr>
-        <p:style>
-          <a:lnRef idx="2">
-            <a:schemeClr val="accent1">
-              <a:shade val="50000"/>
-            </a:schemeClr>
-          </a:lnRef>
-          <a:fillRef idx="1">
-            <a:schemeClr val="accent1"/>
-          </a:fillRef>
-          <a:effectRef idx="0">
-            <a:schemeClr val="accent1"/>
-          </a:effectRef>
-          <a:fontRef idx="minor">
-            <a:schemeClr val="lt1"/>
-          </a:fontRef>
-        </p:style>
-        <p:txBody>
-          <a:bodyPr rtlCol="0" anchor="ctr"/>
-          <a:lstStyle/>
-          <a:p>
-            <a:pPr algn="ctr"/>
-            <a:endParaRPr lang="en-US" dirty="0"/>
-          </a:p>
-        </p:txBody>
-      </p:sp>
-      <p:sp>
-        <p:nvSpPr>
-          <p:cNvPr id="13" name="Flowchart: Process 12"/>
-          <p:cNvSpPr/>
-          <p:nvPr/>
-        </p:nvSpPr>
-        <p:spPr>
-          <a:xfrm>
-            <a:off x="3731496" y="5096512"/>
-            <a:ext cx="1696303" cy="52331"/>
-          </a:xfrm>
-          <a:prstGeom prst="flowChartProcess">
-            <a:avLst/>
-          </a:prstGeom>
-          <a:solidFill>
-            <a:schemeClr val="tx1"/>
-          </a:solidFill>
-        </p:spPr>
-        <p:style>
-          <a:lnRef idx="2">
-            <a:schemeClr val="accent1">
-              <a:shade val="50000"/>
-            </a:schemeClr>
-          </a:lnRef>
-          <a:fillRef idx="1">
-            <a:schemeClr val="accent1"/>
-          </a:fillRef>
-          <a:effectRef idx="0">
-            <a:schemeClr val="accent1"/>
-          </a:effectRef>
-          <a:fontRef idx="minor">
-            <a:schemeClr val="lt1"/>
-          </a:fontRef>
-        </p:style>
-        <p:txBody>
-          <a:bodyPr rtlCol="0" anchor="ctr"/>
-          <a:lstStyle/>
-          <a:p>
-            <a:pPr algn="ctr"/>
-            <a:endParaRPr lang="en-US" dirty="0"/>
-          </a:p>
-        </p:txBody>
-      </p:sp>
-      <p:sp>
-        <p:nvSpPr>
-          <p:cNvPr id="14" name="Flowchart: Process 13"/>
-          <p:cNvSpPr/>
-          <p:nvPr/>
-        </p:nvSpPr>
-        <p:spPr>
-          <a:xfrm>
-            <a:off x="5427799" y="991094"/>
-            <a:ext cx="45719" cy="4167609"/>
-          </a:xfrm>
-          <a:prstGeom prst="flowChartProcess">
-            <a:avLst/>
-          </a:prstGeom>
-          <a:solidFill>
-            <a:schemeClr val="tx1"/>
-          </a:solidFill>
-        </p:spPr>
-        <p:style>
-          <a:lnRef idx="2">
-            <a:schemeClr val="accent1">
-              <a:shade val="50000"/>
-            </a:schemeClr>
-          </a:lnRef>
-          <a:fillRef idx="1">
-            <a:schemeClr val="accent1"/>
-          </a:fillRef>
-          <a:effectRef idx="0">
-            <a:schemeClr val="accent1"/>
-          </a:effectRef>
-          <a:fontRef idx="minor">
-            <a:schemeClr val="lt1"/>
-          </a:fontRef>
-        </p:style>
-        <p:txBody>
-          <a:bodyPr rtlCol="0" anchor="ctr"/>
-          <a:lstStyle/>
-          <a:p>
-            <a:pPr algn="ctr"/>
-            <a:endParaRPr lang="en-US" dirty="0"/>
-          </a:p>
-        </p:txBody>
-      </p:sp>
-      <p:sp>
-        <p:nvSpPr>
-          <p:cNvPr id="15" name="Flowchart: Process 14"/>
-          <p:cNvSpPr/>
-          <p:nvPr/>
-        </p:nvSpPr>
-        <p:spPr>
-          <a:xfrm flipH="1">
-            <a:off x="948491" y="1017143"/>
-            <a:ext cx="77699" cy="4138496"/>
-          </a:xfrm>
-          <a:prstGeom prst="flowChartProcess">
-            <a:avLst/>
-          </a:prstGeom>
-          <a:solidFill>
-            <a:schemeClr val="tx1"/>
-          </a:solidFill>
-        </p:spPr>
-        <p:style>
-          <a:lnRef idx="2">
-            <a:schemeClr val="accent1">
-              <a:shade val="50000"/>
-            </a:schemeClr>
-          </a:lnRef>
-          <a:fillRef idx="1">
-            <a:schemeClr val="accent1"/>
-          </a:fillRef>
-          <a:effectRef idx="0">
-            <a:schemeClr val="accent1"/>
-          </a:effectRef>
-          <a:fontRef idx="minor">
-            <a:schemeClr val="lt1"/>
-          </a:fontRef>
-        </p:style>
-        <p:txBody>
-          <a:bodyPr rtlCol="0" anchor="ctr"/>
-          <a:lstStyle/>
-          <a:p>
-            <a:pPr algn="ctr"/>
-            <a:endParaRPr lang="en-US" dirty="0"/>
-          </a:p>
-        </p:txBody>
-      </p:sp>
-      <p:sp>
-        <p:nvSpPr>
-          <p:cNvPr id="16" name="Rectangle 15"/>
-          <p:cNvSpPr/>
-          <p:nvPr/>
-        </p:nvSpPr>
-        <p:spPr>
-          <a:xfrm>
-            <a:off x="1342853" y="2962565"/>
-            <a:ext cx="731289" cy="523220"/>
-          </a:xfrm>
-          <a:prstGeom prst="rect">
-            <a:avLst/>
-          </a:prstGeom>
-          <a:noFill/>
-        </p:spPr>
-        <p:txBody>
-          <a:bodyPr wrap="none" lIns="91440" tIns="45720" rIns="91440" bIns="45720">
-            <a:spAutoFit/>
-          </a:bodyPr>
-          <a:lstStyle/>
-          <a:p>
-            <a:pPr algn="ctr"/>
-            <a:r>
-              <a:rPr lang="en-US" sz="2800" b="0" cap="none" spc="0" dirty="0" smtClean="0">
-                <a:ln w="0"/>
-                <a:solidFill>
-                  <a:schemeClr val="tx1"/>
-                </a:solidFill>
-                <a:effectLst>
-                  <a:outerShdw blurRad="38100" dist="19050" dir="2700000" algn="tl" rotWithShape="0">
-                    <a:schemeClr val="dk1">
-                      <a:alpha val="40000"/>
-                    </a:schemeClr>
-                  </a:outerShdw>
-                </a:effectLst>
-              </a:rPr>
-              <a:t>LED</a:t>
-            </a:r>
-            <a:endParaRPr lang="en-US" sz="2800" b="0" cap="none" spc="0" dirty="0">
-              <a:ln w="0"/>
-              <a:solidFill>
-                <a:schemeClr val="tx1"/>
-              </a:solidFill>
-              <a:effectLst>
-                <a:outerShdw blurRad="38100" dist="19050" dir="2700000" algn="tl" rotWithShape="0">
-                  <a:schemeClr val="dk1">
-                    <a:alpha val="40000"/>
-                  </a:schemeClr>
-                </a:outerShdw>
-              </a:effectLst>
-            </a:endParaRPr>
-          </a:p>
-        </p:txBody>
-      </p:sp>
-      <p:sp>
-        <p:nvSpPr>
-          <p:cNvPr id="17" name="Flowchart: Process 16"/>
-          <p:cNvSpPr/>
-          <p:nvPr/>
-        </p:nvSpPr>
-        <p:spPr>
-          <a:xfrm>
-            <a:off x="978325" y="982511"/>
-            <a:ext cx="2532980" cy="60389"/>
-          </a:xfrm>
-          <a:prstGeom prst="flowChartProcess">
-            <a:avLst/>
-          </a:prstGeom>
-          <a:solidFill>
-            <a:schemeClr val="tx1"/>
-          </a:solidFill>
-        </p:spPr>
-        <p:style>
-          <a:lnRef idx="2">
-            <a:schemeClr val="accent1">
-              <a:shade val="50000"/>
-            </a:schemeClr>
-          </a:lnRef>
-          <a:fillRef idx="1">
-            <a:schemeClr val="accent1"/>
-          </a:fillRef>
-          <a:effectRef idx="0">
-            <a:schemeClr val="accent1"/>
-          </a:effectRef>
-          <a:fontRef idx="minor">
-            <a:schemeClr val="lt1"/>
-          </a:fontRef>
-        </p:style>
-        <p:txBody>
-          <a:bodyPr rtlCol="0" anchor="ctr"/>
-          <a:lstStyle/>
-          <a:p>
-            <a:pPr algn="ctr"/>
-            <a:endParaRPr lang="en-US" dirty="0"/>
-          </a:p>
-        </p:txBody>
-      </p:sp>
-      <p:sp>
-        <p:nvSpPr>
-          <p:cNvPr id="18" name="Flowchart: Process 17"/>
-          <p:cNvSpPr/>
-          <p:nvPr/>
-        </p:nvSpPr>
-        <p:spPr>
-          <a:xfrm>
-            <a:off x="1661377" y="980363"/>
-            <a:ext cx="3253592" cy="77857"/>
-          </a:xfrm>
-          <a:prstGeom prst="flowChartProcess">
-            <a:avLst/>
-          </a:prstGeom>
-          <a:solidFill>
-            <a:schemeClr val="tx1"/>
-          </a:solidFill>
-        </p:spPr>
-        <p:style>
-          <a:lnRef idx="2">
-            <a:schemeClr val="accent1">
-              <a:shade val="50000"/>
-            </a:schemeClr>
-          </a:lnRef>
-          <a:fillRef idx="1">
-            <a:schemeClr val="accent1"/>
-          </a:fillRef>
-          <a:effectRef idx="0">
-            <a:schemeClr val="accent1"/>
-          </a:effectRef>
-          <a:fontRef idx="minor">
-            <a:schemeClr val="lt1"/>
-          </a:fontRef>
-        </p:style>
-        <p:txBody>
-          <a:bodyPr rtlCol="0" anchor="ctr"/>
-          <a:lstStyle/>
-          <a:p>
-            <a:pPr algn="ctr"/>
-            <a:endParaRPr lang="en-US" dirty="0"/>
-          </a:p>
-        </p:txBody>
-      </p:sp>
-      <p:sp>
-        <p:nvSpPr>
-          <p:cNvPr id="19" name="Flowchart: Process 18"/>
-          <p:cNvSpPr/>
-          <p:nvPr/>
-        </p:nvSpPr>
-        <p:spPr>
-          <a:xfrm>
-            <a:off x="2841466" y="991094"/>
-            <a:ext cx="2586333" cy="69934"/>
-          </a:xfrm>
-          <a:prstGeom prst="flowChartProcess">
-            <a:avLst/>
-          </a:prstGeom>
-          <a:solidFill>
-            <a:schemeClr val="tx1"/>
-          </a:solidFill>
-        </p:spPr>
-        <p:style>
-          <a:lnRef idx="2">
-            <a:schemeClr val="accent1">
-              <a:shade val="50000"/>
-            </a:schemeClr>
-          </a:lnRef>
-          <a:fillRef idx="1">
-            <a:schemeClr val="accent1"/>
-          </a:fillRef>
-          <a:effectRef idx="0">
-            <a:schemeClr val="accent1"/>
-          </a:effectRef>
-          <a:fontRef idx="minor">
-            <a:schemeClr val="lt1"/>
-          </a:fontRef>
-        </p:style>
-        <p:txBody>
-          <a:bodyPr rtlCol="0" anchor="ctr"/>
-          <a:lstStyle/>
-          <a:p>
-            <a:pPr algn="ctr"/>
-            <a:endParaRPr lang="en-US" dirty="0"/>
-          </a:p>
-        </p:txBody>
-      </p:sp>
-      <p:sp>
-        <p:nvSpPr>
-          <p:cNvPr id="22" name="Isosceles Triangle 21"/>
-          <p:cNvSpPr/>
-          <p:nvPr/>
-        </p:nvSpPr>
-        <p:spPr>
-          <a:xfrm>
-            <a:off x="719389" y="2860535"/>
-            <a:ext cx="529681" cy="672326"/>
-          </a:xfrm>
-          <a:prstGeom prst="triangle">
-            <a:avLst/>
-          </a:prstGeom>
-        </p:spPr>
-        <p:style>
-          <a:lnRef idx="2">
-            <a:schemeClr val="accent1">
-              <a:shade val="50000"/>
-            </a:schemeClr>
-          </a:lnRef>
-          <a:fillRef idx="1">
-            <a:schemeClr val="accent1"/>
-          </a:fillRef>
-          <a:effectRef idx="0">
-            <a:schemeClr val="accent1"/>
-          </a:effectRef>
-          <a:fontRef idx="minor">
-            <a:schemeClr val="lt1"/>
-          </a:fontRef>
-        </p:style>
-        <p:txBody>
-          <a:bodyPr rtlCol="0" anchor="ctr"/>
-          <a:lstStyle/>
-          <a:p>
-            <a:pPr algn="ctr"/>
-            <a:endParaRPr lang="en-US"/>
-          </a:p>
-        </p:txBody>
-      </p:sp>
-      <p:sp>
-        <p:nvSpPr>
-          <p:cNvPr id="23" name="Flowchart: Process 22"/>
-          <p:cNvSpPr/>
-          <p:nvPr/>
-        </p:nvSpPr>
-        <p:spPr>
-          <a:xfrm>
-            <a:off x="537804" y="2837901"/>
-            <a:ext cx="896440" cy="47172"/>
-          </a:xfrm>
-          <a:prstGeom prst="flowChartProcess">
-            <a:avLst/>
-          </a:prstGeom>
-        </p:spPr>
-        <p:style>
-          <a:lnRef idx="2">
-            <a:schemeClr val="accent1">
-              <a:shade val="50000"/>
-            </a:schemeClr>
-          </a:lnRef>
-          <a:fillRef idx="1">
-            <a:schemeClr val="accent1"/>
-          </a:fillRef>
-          <a:effectRef idx="0">
-            <a:schemeClr val="accent1"/>
-          </a:effectRef>
-          <a:fontRef idx="minor">
-            <a:schemeClr val="lt1"/>
-          </a:fontRef>
-        </p:style>
-        <p:txBody>
-          <a:bodyPr rtlCol="0" anchor="ctr"/>
-          <a:lstStyle/>
-          <a:p>
-            <a:pPr algn="ctr"/>
-            <a:endParaRPr lang="en-US" dirty="0"/>
-          </a:p>
-        </p:txBody>
-      </p:sp>
-      <p:sp>
-        <p:nvSpPr>
-          <p:cNvPr id="28" name="Isosceles Triangle 27"/>
-          <p:cNvSpPr/>
-          <p:nvPr/>
-        </p:nvSpPr>
-        <p:spPr>
-          <a:xfrm>
-            <a:off x="719390" y="2860535"/>
-            <a:ext cx="529681" cy="672326"/>
-          </a:xfrm>
-          <a:prstGeom prst="triangle">
-            <a:avLst/>
-          </a:prstGeom>
-        </p:spPr>
-        <p:style>
-          <a:lnRef idx="2">
-            <a:schemeClr val="accent1">
-              <a:shade val="50000"/>
-            </a:schemeClr>
-          </a:lnRef>
-          <a:fillRef idx="1">
-            <a:schemeClr val="accent1"/>
-          </a:fillRef>
-          <a:effectRef idx="0">
-            <a:schemeClr val="accent1"/>
-          </a:effectRef>
-          <a:fontRef idx="minor">
-            <a:schemeClr val="lt1"/>
-          </a:fontRef>
-        </p:style>
-        <p:txBody>
-          <a:bodyPr rtlCol="0" anchor="ctr"/>
-          <a:lstStyle/>
-          <a:p>
-            <a:pPr algn="ctr"/>
-            <a:endParaRPr lang="en-US"/>
-          </a:p>
-        </p:txBody>
-      </p:sp>
-      <p:sp>
-        <p:nvSpPr>
-          <p:cNvPr id="29" name="Flowchart: Process 28"/>
-          <p:cNvSpPr/>
-          <p:nvPr/>
-        </p:nvSpPr>
-        <p:spPr>
-          <a:xfrm>
-            <a:off x="537805" y="2837901"/>
-            <a:ext cx="896440" cy="47172"/>
-          </a:xfrm>
-          <a:prstGeom prst="flowChartProcess">
-            <a:avLst/>
-          </a:prstGeom>
-        </p:spPr>
-        <p:style>
-          <a:lnRef idx="2">
-            <a:schemeClr val="accent1">
-              <a:shade val="50000"/>
-            </a:schemeClr>
-          </a:lnRef>
-          <a:fillRef idx="1">
-            <a:schemeClr val="accent1"/>
-          </a:fillRef>
-          <a:effectRef idx="0">
-            <a:schemeClr val="accent1"/>
-          </a:effectRef>
-          <a:fontRef idx="minor">
-            <a:schemeClr val="lt1"/>
-          </a:fontRef>
-        </p:style>
-        <p:txBody>
-          <a:bodyPr rtlCol="0" anchor="ctr"/>
-          <a:lstStyle/>
-          <a:p>
-            <a:pPr algn="ctr"/>
-            <a:endParaRPr lang="en-US" dirty="0"/>
-          </a:p>
-        </p:txBody>
-      </p:sp>
-      <p:sp>
-        <p:nvSpPr>
-          <p:cNvPr id="34" name="Isosceles Triangle 33"/>
-          <p:cNvSpPr/>
-          <p:nvPr/>
-        </p:nvSpPr>
-        <p:spPr>
-          <a:xfrm>
-            <a:off x="732270" y="2860535"/>
-            <a:ext cx="529681" cy="672326"/>
-          </a:xfrm>
-          <a:prstGeom prst="triangle">
-            <a:avLst/>
-          </a:prstGeom>
-          <a:solidFill>
-            <a:schemeClr val="bg1"/>
-          </a:solidFill>
-          <a:ln>
-            <a:solidFill>
-              <a:schemeClr val="tx1"/>
-            </a:solidFill>
-          </a:ln>
-        </p:spPr>
-        <p:style>
-          <a:lnRef idx="2">
-            <a:schemeClr val="accent1">
-              <a:shade val="50000"/>
-            </a:schemeClr>
-          </a:lnRef>
-          <a:fillRef idx="1">
-            <a:schemeClr val="accent1"/>
-          </a:fillRef>
-          <a:effectRef idx="0">
-            <a:schemeClr val="accent1"/>
-          </a:effectRef>
-          <a:fontRef idx="minor">
-            <a:schemeClr val="lt1"/>
-          </a:fontRef>
-        </p:style>
-        <p:txBody>
-          <a:bodyPr rtlCol="0" anchor="ctr"/>
-          <a:lstStyle/>
-          <a:p>
-            <a:pPr algn="ctr"/>
-            <a:endParaRPr lang="en-US"/>
-          </a:p>
-        </p:txBody>
-      </p:sp>
-      <p:sp>
-        <p:nvSpPr>
-          <p:cNvPr id="35" name="Flowchart: Process 34"/>
-          <p:cNvSpPr/>
-          <p:nvPr/>
-        </p:nvSpPr>
-        <p:spPr>
-          <a:xfrm>
-            <a:off x="537806" y="2837901"/>
-            <a:ext cx="896440" cy="47172"/>
-          </a:xfrm>
-          <a:prstGeom prst="flowChartProcess">
-            <a:avLst/>
-          </a:prstGeom>
-          <a:solidFill>
-            <a:schemeClr val="bg1"/>
-          </a:solidFill>
-          <a:ln>
-            <a:solidFill>
-              <a:schemeClr val="tx1"/>
-            </a:solidFill>
-          </a:ln>
-        </p:spPr>
-        <p:style>
-          <a:lnRef idx="2">
-            <a:schemeClr val="accent1">
-              <a:shade val="50000"/>
-            </a:schemeClr>
-          </a:lnRef>
-          <a:fillRef idx="1">
-            <a:schemeClr val="accent1"/>
-          </a:fillRef>
-          <a:effectRef idx="0">
-            <a:schemeClr val="accent1"/>
-          </a:effectRef>
-          <a:fontRef idx="minor">
-            <a:schemeClr val="lt1"/>
-          </a:fontRef>
-        </p:style>
-        <p:txBody>
-          <a:bodyPr rtlCol="0" anchor="ctr"/>
-          <a:lstStyle/>
-          <a:p>
-            <a:pPr algn="ctr"/>
-            <a:endParaRPr lang="en-US" dirty="0"/>
-          </a:p>
-        </p:txBody>
-      </p:sp>
-      <p:sp>
-        <p:nvSpPr>
-          <p:cNvPr id="38" name="Bent Arrow 37"/>
-          <p:cNvSpPr/>
-          <p:nvPr/>
-        </p:nvSpPr>
-        <p:spPr>
-          <a:xfrm>
-            <a:off x="1140195" y="1163006"/>
-            <a:ext cx="1095035" cy="868680"/>
-          </a:xfrm>
-          <a:prstGeom prst="bentArrow">
-            <a:avLst/>
-          </a:prstGeom>
-          <a:solidFill>
-            <a:schemeClr val="bg1"/>
-          </a:solidFill>
-          <a:ln>
-            <a:solidFill>
-              <a:schemeClr val="tx1"/>
-            </a:solidFill>
-          </a:ln>
-          <a:effectLst>
-            <a:innerShdw blurRad="114300">
-              <a:prstClr val="black"/>
-            </a:innerShdw>
-          </a:effectLst>
-        </p:spPr>
-        <p:style>
-          <a:lnRef idx="2">
-            <a:schemeClr val="accent1">
-              <a:shade val="50000"/>
-            </a:schemeClr>
-          </a:lnRef>
-          <a:fillRef idx="1">
-            <a:schemeClr val="accent1"/>
-          </a:fillRef>
-          <a:effectRef idx="0">
-            <a:schemeClr val="accent1"/>
-          </a:effectRef>
-          <a:fontRef idx="minor">
-            <a:schemeClr val="lt1"/>
-          </a:fontRef>
-        </p:style>
-        <p:txBody>
-          <a:bodyPr rtlCol="0" anchor="ctr"/>
-          <a:lstStyle/>
-          <a:p>
-            <a:pPr algn="ctr"/>
-            <a:endParaRPr lang="en-US">
-              <a:solidFill>
-                <a:schemeClr val="tx1"/>
-              </a:solidFill>
-            </a:endParaRPr>
-          </a:p>
-        </p:txBody>
-      </p:sp>
-      <p:sp>
-        <p:nvSpPr>
-          <p:cNvPr id="40" name="Bent Arrow 39"/>
-          <p:cNvSpPr/>
-          <p:nvPr/>
-        </p:nvSpPr>
-        <p:spPr>
-          <a:xfrm rot="5400000">
-            <a:off x="4277871" y="1363550"/>
-            <a:ext cx="1095035" cy="868680"/>
-          </a:xfrm>
-          <a:prstGeom prst="bentArrow">
-            <a:avLst/>
-          </a:prstGeom>
-          <a:solidFill>
-            <a:schemeClr val="bg1"/>
-          </a:solidFill>
-          <a:ln>
-            <a:solidFill>
-              <a:schemeClr val="tx1"/>
-            </a:solidFill>
-          </a:ln>
-          <a:effectLst>
-            <a:innerShdw blurRad="114300">
-              <a:prstClr val="black"/>
-            </a:innerShdw>
-          </a:effectLst>
-        </p:spPr>
-        <p:style>
-          <a:lnRef idx="2">
-            <a:schemeClr val="accent1">
-              <a:shade val="50000"/>
-            </a:schemeClr>
-          </a:lnRef>
-          <a:fillRef idx="1">
-            <a:schemeClr val="accent1"/>
-          </a:fillRef>
-          <a:effectRef idx="0">
-            <a:schemeClr val="accent1"/>
-          </a:effectRef>
-          <a:fontRef idx="minor">
-            <a:schemeClr val="lt1"/>
-          </a:fontRef>
-        </p:style>
-        <p:txBody>
-          <a:bodyPr rtlCol="0" anchor="ctr"/>
-          <a:lstStyle/>
-          <a:p>
-            <a:pPr algn="ctr"/>
-            <a:endParaRPr lang="en-US">
-              <a:solidFill>
-                <a:schemeClr val="tx1"/>
-              </a:solidFill>
-            </a:endParaRPr>
-          </a:p>
-        </p:txBody>
-      </p:sp>
-      <p:sp>
-        <p:nvSpPr>
-          <p:cNvPr id="41" name="Bent Arrow 40"/>
-          <p:cNvSpPr/>
-          <p:nvPr/>
-        </p:nvSpPr>
-        <p:spPr>
-          <a:xfrm rot="16200000">
-            <a:off x="994287" y="4050408"/>
-            <a:ext cx="1095035" cy="868680"/>
-          </a:xfrm>
-          <a:prstGeom prst="bentArrow">
-            <a:avLst/>
-          </a:prstGeom>
-          <a:solidFill>
-            <a:schemeClr val="bg1"/>
-          </a:solidFill>
-          <a:ln>
-            <a:solidFill>
-              <a:schemeClr val="tx1"/>
-            </a:solidFill>
-          </a:ln>
-          <a:effectLst>
-            <a:innerShdw blurRad="114300">
-              <a:prstClr val="black"/>
-            </a:innerShdw>
-          </a:effectLst>
-        </p:spPr>
-        <p:style>
-          <a:lnRef idx="2">
-            <a:schemeClr val="accent1">
-              <a:shade val="50000"/>
-            </a:schemeClr>
-          </a:lnRef>
-          <a:fillRef idx="1">
-            <a:schemeClr val="accent1"/>
-          </a:fillRef>
-          <a:effectRef idx="0">
-            <a:schemeClr val="accent1"/>
-          </a:effectRef>
-          <a:fontRef idx="minor">
-            <a:schemeClr val="lt1"/>
-          </a:fontRef>
-        </p:style>
-        <p:txBody>
-          <a:bodyPr rtlCol="0" anchor="ctr"/>
-          <a:lstStyle/>
-          <a:p>
-            <a:pPr algn="ctr"/>
-            <a:endParaRPr lang="en-US">
-              <a:solidFill>
-                <a:schemeClr val="tx1"/>
-              </a:solidFill>
-            </a:endParaRPr>
-          </a:p>
-        </p:txBody>
-      </p:sp>
-      <p:sp>
-        <p:nvSpPr>
-          <p:cNvPr id="42" name="Isosceles Triangle 41"/>
-          <p:cNvSpPr/>
-          <p:nvPr/>
-        </p:nvSpPr>
-        <p:spPr>
-          <a:xfrm rot="10800000">
-            <a:off x="5174793" y="2818925"/>
-            <a:ext cx="529681" cy="672326"/>
-          </a:xfrm>
-          <a:prstGeom prst="triangle">
-            <a:avLst/>
-          </a:prstGeom>
-          <a:solidFill>
-            <a:schemeClr val="bg1"/>
-          </a:solidFill>
-          <a:ln>
-            <a:solidFill>
-              <a:schemeClr val="tx1"/>
-            </a:solidFill>
-          </a:ln>
-        </p:spPr>
-        <p:style>
-          <a:lnRef idx="2">
-            <a:schemeClr val="accent1">
-              <a:shade val="50000"/>
-            </a:schemeClr>
-          </a:lnRef>
-          <a:fillRef idx="1">
-            <a:schemeClr val="accent1"/>
-          </a:fillRef>
-          <a:effectRef idx="0">
-            <a:schemeClr val="accent1"/>
-          </a:effectRef>
-          <a:fontRef idx="minor">
-            <a:schemeClr val="lt1"/>
-          </a:fontRef>
-        </p:style>
-        <p:txBody>
-          <a:bodyPr rtlCol="0" anchor="ctr"/>
-          <a:lstStyle/>
-          <a:p>
-            <a:pPr algn="ctr"/>
-            <a:endParaRPr lang="en-US"/>
-          </a:p>
-        </p:txBody>
-      </p:sp>
-      <p:sp>
-        <p:nvSpPr>
-          <p:cNvPr id="43" name="Flowchart: Process 42"/>
-          <p:cNvSpPr/>
-          <p:nvPr/>
-        </p:nvSpPr>
-        <p:spPr>
-          <a:xfrm>
-            <a:off x="4991754" y="3479703"/>
-            <a:ext cx="896440" cy="47172"/>
-          </a:xfrm>
-          <a:prstGeom prst="flowChartProcess">
-            <a:avLst/>
-          </a:prstGeom>
-          <a:solidFill>
-            <a:schemeClr val="bg1"/>
-          </a:solidFill>
-        </p:spPr>
-        <p:style>
-          <a:lnRef idx="2">
-            <a:schemeClr val="accent1">
-              <a:shade val="50000"/>
-            </a:schemeClr>
-          </a:lnRef>
-          <a:fillRef idx="1">
-            <a:schemeClr val="accent1"/>
-          </a:fillRef>
-          <a:effectRef idx="0">
-            <a:schemeClr val="accent1"/>
-          </a:effectRef>
-          <a:fontRef idx="minor">
-            <a:schemeClr val="lt1"/>
-          </a:fontRef>
-        </p:style>
-        <p:txBody>
-          <a:bodyPr rtlCol="0" anchor="ctr"/>
-          <a:lstStyle/>
-          <a:p>
-            <a:pPr algn="ctr"/>
-            <a:endParaRPr lang="en-US" dirty="0"/>
-          </a:p>
-        </p:txBody>
-      </p:sp>
-      <p:sp>
-        <p:nvSpPr>
-          <p:cNvPr id="44" name="Rectangle 43"/>
-          <p:cNvSpPr/>
-          <p:nvPr/>
-        </p:nvSpPr>
-        <p:spPr>
-          <a:xfrm>
-            <a:off x="3992007" y="2908901"/>
-            <a:ext cx="1043877" cy="523220"/>
-          </a:xfrm>
-          <a:prstGeom prst="rect">
-            <a:avLst/>
-          </a:prstGeom>
-          <a:noFill/>
-        </p:spPr>
-        <p:txBody>
-          <a:bodyPr wrap="none" lIns="91440" tIns="45720" rIns="91440" bIns="45720">
-            <a:spAutoFit/>
-          </a:bodyPr>
-          <a:lstStyle/>
-          <a:p>
-            <a:pPr algn="ctr"/>
-            <a:r>
-              <a:rPr lang="en-US" sz="2800" b="0" cap="none" spc="0" dirty="0" smtClean="0">
-                <a:ln w="0"/>
-                <a:solidFill>
-                  <a:schemeClr val="tx1"/>
-                </a:solidFill>
-                <a:effectLst>
-                  <a:outerShdw blurRad="38100" dist="19050" dir="2700000" algn="tl" rotWithShape="0">
-                    <a:schemeClr val="dk1">
-                      <a:alpha val="40000"/>
-                    </a:schemeClr>
-                  </a:outerShdw>
-                </a:effectLst>
-              </a:rPr>
-              <a:t>Diode</a:t>
-            </a:r>
-            <a:endParaRPr lang="en-US" sz="2800" b="0" cap="none" spc="0" dirty="0">
-              <a:ln w="0"/>
-              <a:solidFill>
-                <a:schemeClr val="tx1"/>
-              </a:solidFill>
-              <a:effectLst>
-                <a:outerShdw blurRad="38100" dist="19050" dir="2700000" algn="tl" rotWithShape="0">
-                  <a:schemeClr val="dk1">
-                    <a:alpha val="40000"/>
-                  </a:schemeClr>
-                </a:outerShdw>
-              </a:effectLst>
-            </a:endParaRPr>
-          </a:p>
-        </p:txBody>
-      </p:sp>
-      <p:sp>
-        <p:nvSpPr>
-          <p:cNvPr id="45" name="Rectangle 44"/>
-          <p:cNvSpPr/>
-          <p:nvPr/>
-        </p:nvSpPr>
-        <p:spPr>
-          <a:xfrm rot="16200000">
-            <a:off x="7962389" y="5127297"/>
-            <a:ext cx="1078173" cy="68239"/>
-          </a:xfrm>
-          <a:prstGeom prst="rect">
-            <a:avLst/>
-          </a:prstGeom>
-          <a:solidFill>
-            <a:schemeClr val="tx1"/>
-          </a:solidFill>
-        </p:spPr>
-        <p:style>
-          <a:lnRef idx="2">
-            <a:schemeClr val="accent1">
-              <a:shade val="50000"/>
-            </a:schemeClr>
-          </a:lnRef>
-          <a:fillRef idx="1">
-            <a:schemeClr val="accent1"/>
-          </a:fillRef>
-          <a:effectRef idx="0">
-            <a:schemeClr val="accent1"/>
-          </a:effectRef>
-          <a:fontRef idx="minor">
-            <a:schemeClr val="lt1"/>
-          </a:fontRef>
-        </p:style>
-        <p:txBody>
-          <a:bodyPr rtlCol="0" anchor="ctr"/>
-          <a:lstStyle/>
-          <a:p>
-            <a:pPr algn="ctr"/>
-            <a:endParaRPr lang="en-US"/>
-          </a:p>
-        </p:txBody>
-      </p:sp>
-      <p:sp>
-        <p:nvSpPr>
-          <p:cNvPr id="46" name="Rectangle 45"/>
-          <p:cNvSpPr/>
-          <p:nvPr/>
-        </p:nvSpPr>
-        <p:spPr>
-          <a:xfrm rot="16200000">
-            <a:off x="8457405" y="5138556"/>
-            <a:ext cx="693764" cy="45719"/>
-          </a:xfrm>
-          <a:prstGeom prst="rect">
-            <a:avLst/>
-          </a:prstGeom>
-          <a:solidFill>
-            <a:schemeClr val="tx1"/>
-          </a:solidFill>
-        </p:spPr>
-        <p:style>
-          <a:lnRef idx="2">
-            <a:schemeClr val="accent1">
-              <a:shade val="50000"/>
-            </a:schemeClr>
-          </a:lnRef>
-          <a:fillRef idx="1">
-            <a:schemeClr val="accent1"/>
-          </a:fillRef>
-          <a:effectRef idx="0">
-            <a:schemeClr val="accent1"/>
-          </a:effectRef>
-          <a:fontRef idx="minor">
-            <a:schemeClr val="lt1"/>
-          </a:fontRef>
-        </p:style>
-        <p:txBody>
-          <a:bodyPr rtlCol="0" anchor="ctr"/>
-          <a:lstStyle/>
-          <a:p>
-            <a:pPr algn="ctr"/>
-            <a:endParaRPr lang="en-US"/>
-          </a:p>
-        </p:txBody>
-      </p:sp>
-      <p:sp>
-        <p:nvSpPr>
-          <p:cNvPr id="47" name="Rectangle 46"/>
-          <p:cNvSpPr/>
-          <p:nvPr/>
-        </p:nvSpPr>
-        <p:spPr>
-          <a:xfrm rot="16200000" flipV="1">
-            <a:off x="8511033" y="5138555"/>
-            <a:ext cx="1078173" cy="45719"/>
-          </a:xfrm>
-          <a:prstGeom prst="rect">
-            <a:avLst/>
-          </a:prstGeom>
-          <a:solidFill>
-            <a:schemeClr val="tx1"/>
-          </a:solidFill>
-        </p:spPr>
-        <p:style>
-          <a:lnRef idx="2">
-            <a:schemeClr val="accent1">
-              <a:shade val="50000"/>
-            </a:schemeClr>
-          </a:lnRef>
-          <a:fillRef idx="1">
-            <a:schemeClr val="accent1"/>
-          </a:fillRef>
-          <a:effectRef idx="0">
-            <a:schemeClr val="accent1"/>
-          </a:effectRef>
-          <a:fontRef idx="minor">
-            <a:schemeClr val="lt1"/>
-          </a:fontRef>
-        </p:style>
-        <p:txBody>
-          <a:bodyPr rtlCol="0" anchor="ctr"/>
-          <a:lstStyle/>
-          <a:p>
-            <a:pPr algn="ctr"/>
-            <a:endParaRPr lang="en-US"/>
-          </a:p>
-        </p:txBody>
-      </p:sp>
-      <p:sp>
-        <p:nvSpPr>
-          <p:cNvPr id="48" name="Rectangle 47"/>
-          <p:cNvSpPr/>
-          <p:nvPr/>
-        </p:nvSpPr>
-        <p:spPr>
-          <a:xfrm rot="16200000">
-            <a:off x="9014545" y="5147654"/>
-            <a:ext cx="675568" cy="45719"/>
-          </a:xfrm>
-          <a:prstGeom prst="rect">
-            <a:avLst/>
-          </a:prstGeom>
-          <a:solidFill>
-            <a:schemeClr val="tx1"/>
-          </a:solidFill>
-        </p:spPr>
-        <p:style>
-          <a:lnRef idx="2">
-            <a:schemeClr val="accent1">
-              <a:shade val="50000"/>
-            </a:schemeClr>
-          </a:lnRef>
-          <a:fillRef idx="1">
-            <a:schemeClr val="accent1"/>
-          </a:fillRef>
-          <a:effectRef idx="0">
-            <a:schemeClr val="accent1"/>
-          </a:effectRef>
-          <a:fontRef idx="minor">
-            <a:schemeClr val="lt1"/>
-          </a:fontRef>
-        </p:style>
-        <p:txBody>
-          <a:bodyPr rtlCol="0" anchor="ctr"/>
-          <a:lstStyle/>
-          <a:p>
-            <a:pPr algn="ctr"/>
-            <a:endParaRPr lang="en-US"/>
-          </a:p>
-        </p:txBody>
-      </p:sp>
-      <p:sp>
-        <p:nvSpPr>
-          <p:cNvPr id="49" name="Rectangle 48"/>
-          <p:cNvSpPr/>
-          <p:nvPr/>
-        </p:nvSpPr>
-        <p:spPr>
-          <a:xfrm>
-            <a:off x="7566014" y="4213265"/>
-            <a:ext cx="600502" cy="923330"/>
-          </a:xfrm>
-          <a:prstGeom prst="rect">
-            <a:avLst/>
-          </a:prstGeom>
-          <a:noFill/>
-        </p:spPr>
-        <p:txBody>
-          <a:bodyPr wrap="square" lIns="91440" tIns="45720" rIns="91440" bIns="45720">
-            <a:spAutoFit/>
-          </a:bodyPr>
-          <a:lstStyle/>
-          <a:p>
-            <a:pPr algn="ctr"/>
-            <a:r>
-              <a:rPr lang="en-US" sz="5400" b="0" cap="none" spc="0" dirty="0" smtClean="0">
-                <a:ln w="0"/>
-                <a:solidFill>
-                  <a:schemeClr val="tx1"/>
-                </a:solidFill>
-                <a:effectLst>
-                  <a:outerShdw blurRad="38100" dist="19050" dir="2700000" algn="tl" rotWithShape="0">
-                    <a:schemeClr val="dk1">
-                      <a:alpha val="40000"/>
-                    </a:schemeClr>
-                  </a:outerShdw>
-                </a:effectLst>
-              </a:rPr>
-              <a:t>+</a:t>
-            </a:r>
-            <a:endParaRPr lang="en-US" sz="5400" b="0" cap="none" spc="0" dirty="0">
-              <a:ln w="0"/>
-              <a:solidFill>
-                <a:schemeClr val="tx1"/>
-              </a:solidFill>
-              <a:effectLst>
-                <a:outerShdw blurRad="38100" dist="19050" dir="2700000" algn="tl" rotWithShape="0">
-                  <a:schemeClr val="dk1">
-                    <a:alpha val="40000"/>
-                  </a:schemeClr>
-                </a:outerShdw>
-              </a:effectLst>
-            </a:endParaRPr>
-          </a:p>
-        </p:txBody>
-      </p:sp>
-      <p:sp>
-        <p:nvSpPr>
-          <p:cNvPr id="50" name="Rectangle 49"/>
-          <p:cNvSpPr/>
-          <p:nvPr/>
-        </p:nvSpPr>
-        <p:spPr>
-          <a:xfrm>
-            <a:off x="9371787" y="4249123"/>
-            <a:ext cx="600502" cy="923330"/>
-          </a:xfrm>
-          <a:prstGeom prst="rect">
-            <a:avLst/>
-          </a:prstGeom>
-          <a:noFill/>
-        </p:spPr>
-        <p:txBody>
-          <a:bodyPr wrap="square" lIns="91440" tIns="45720" rIns="91440" bIns="45720">
-            <a:spAutoFit/>
-          </a:bodyPr>
-          <a:lstStyle/>
-          <a:p>
-            <a:pPr algn="ctr"/>
-            <a:r>
-              <a:rPr lang="en-US" sz="5400" b="0" cap="none" spc="0" dirty="0" smtClean="0">
-                <a:ln w="0"/>
-                <a:solidFill>
-                  <a:schemeClr val="tx1"/>
-                </a:solidFill>
-                <a:effectLst>
-                  <a:outerShdw blurRad="38100" dist="19050" dir="2700000" algn="tl" rotWithShape="0">
-                    <a:schemeClr val="dk1">
-                      <a:alpha val="40000"/>
-                    </a:schemeClr>
-                  </a:outerShdw>
-                </a:effectLst>
-              </a:rPr>
-              <a:t>-</a:t>
-            </a:r>
-            <a:endParaRPr lang="en-US" sz="5400" b="0" cap="none" spc="0" dirty="0">
-              <a:ln w="0"/>
-              <a:solidFill>
-                <a:schemeClr val="tx1"/>
-              </a:solidFill>
-              <a:effectLst>
-                <a:outerShdw blurRad="38100" dist="19050" dir="2700000" algn="tl" rotWithShape="0">
-                  <a:schemeClr val="dk1">
-                    <a:alpha val="40000"/>
-                  </a:schemeClr>
-                </a:outerShdw>
-              </a:effectLst>
-            </a:endParaRPr>
-          </a:p>
-        </p:txBody>
-      </p:sp>
-      <p:sp>
-        <p:nvSpPr>
-          <p:cNvPr id="51" name="Rectangle 50"/>
-          <p:cNvSpPr/>
-          <p:nvPr/>
-        </p:nvSpPr>
-        <p:spPr>
-          <a:xfrm>
-            <a:off x="8166516" y="3857232"/>
-            <a:ext cx="1549495" cy="523220"/>
-          </a:xfrm>
-          <a:prstGeom prst="rect">
-            <a:avLst/>
-          </a:prstGeom>
-          <a:noFill/>
-        </p:spPr>
-        <p:txBody>
-          <a:bodyPr wrap="square" lIns="91440" tIns="45720" rIns="91440" bIns="45720">
-            <a:spAutoFit/>
-          </a:bodyPr>
-          <a:lstStyle/>
-          <a:p>
-            <a:pPr algn="ctr"/>
-            <a:r>
-              <a:rPr lang="en-US" sz="2800" dirty="0" smtClean="0">
-                <a:ln w="0"/>
-                <a:effectLst>
-                  <a:outerShdw blurRad="38100" dist="19050" dir="2700000" algn="tl" rotWithShape="0">
-                    <a:schemeClr val="dk1">
-                      <a:alpha val="40000"/>
-                    </a:schemeClr>
-                  </a:outerShdw>
-                </a:effectLst>
-              </a:rPr>
-              <a:t>BATTERY</a:t>
-            </a:r>
-            <a:endParaRPr lang="en-US" sz="5400" b="0" cap="none" spc="0" dirty="0">
-              <a:ln w="0"/>
-              <a:solidFill>
-                <a:schemeClr val="tx1"/>
-              </a:solidFill>
-              <a:effectLst>
-                <a:outerShdw blurRad="38100" dist="19050" dir="2700000" algn="tl" rotWithShape="0">
-                  <a:schemeClr val="dk1">
-                    <a:alpha val="40000"/>
-                  </a:schemeClr>
-                </a:outerShdw>
-              </a:effectLst>
-            </a:endParaRPr>
-          </a:p>
-        </p:txBody>
-      </p:sp>
-      <p:sp>
-        <p:nvSpPr>
-          <p:cNvPr id="52" name="Flowchart: Process 51"/>
-          <p:cNvSpPr/>
-          <p:nvPr/>
-        </p:nvSpPr>
-        <p:spPr>
-          <a:xfrm flipV="1">
-            <a:off x="6606403" y="5136593"/>
-            <a:ext cx="1860953" cy="45719"/>
-          </a:xfrm>
-          <a:prstGeom prst="flowChartProcess">
-            <a:avLst/>
-          </a:prstGeom>
-          <a:solidFill>
-            <a:schemeClr val="tx1"/>
-          </a:solidFill>
-        </p:spPr>
-        <p:style>
-          <a:lnRef idx="2">
-            <a:schemeClr val="accent1">
-              <a:shade val="50000"/>
-            </a:schemeClr>
-          </a:lnRef>
-          <a:fillRef idx="1">
-            <a:schemeClr val="accent1"/>
-          </a:fillRef>
-          <a:effectRef idx="0">
-            <a:schemeClr val="accent1"/>
-          </a:effectRef>
-          <a:fontRef idx="minor">
-            <a:schemeClr val="lt1"/>
-          </a:fontRef>
-        </p:style>
-        <p:txBody>
-          <a:bodyPr rtlCol="0" anchor="ctr"/>
-          <a:lstStyle/>
-          <a:p>
-            <a:pPr algn="ctr"/>
-            <a:endParaRPr lang="en-US" dirty="0"/>
-          </a:p>
-        </p:txBody>
-      </p:sp>
-      <p:sp>
-        <p:nvSpPr>
-          <p:cNvPr id="53" name="Flowchart: Process 52"/>
-          <p:cNvSpPr/>
-          <p:nvPr/>
-        </p:nvSpPr>
-        <p:spPr>
-          <a:xfrm>
-            <a:off x="9344547" y="5120122"/>
-            <a:ext cx="1696303" cy="52331"/>
-          </a:xfrm>
-          <a:prstGeom prst="flowChartProcess">
-            <a:avLst/>
-          </a:prstGeom>
-          <a:solidFill>
-            <a:schemeClr val="tx1"/>
-          </a:solidFill>
-        </p:spPr>
-        <p:style>
-          <a:lnRef idx="2">
-            <a:schemeClr val="accent1">
-              <a:shade val="50000"/>
-            </a:schemeClr>
-          </a:lnRef>
-          <a:fillRef idx="1">
-            <a:schemeClr val="accent1"/>
-          </a:fillRef>
-          <a:effectRef idx="0">
-            <a:schemeClr val="accent1"/>
-          </a:effectRef>
-          <a:fontRef idx="minor">
-            <a:schemeClr val="lt1"/>
-          </a:fontRef>
-        </p:style>
-        <p:txBody>
-          <a:bodyPr rtlCol="0" anchor="ctr"/>
-          <a:lstStyle/>
-          <a:p>
-            <a:pPr algn="ctr"/>
-            <a:endParaRPr lang="en-US" dirty="0"/>
-          </a:p>
-        </p:txBody>
-      </p:sp>
-      <p:sp>
-        <p:nvSpPr>
-          <p:cNvPr id="54" name="Flowchart: Process 53"/>
-          <p:cNvSpPr/>
-          <p:nvPr/>
-        </p:nvSpPr>
-        <p:spPr>
-          <a:xfrm>
-            <a:off x="11040850" y="1014704"/>
-            <a:ext cx="45719" cy="4167609"/>
-          </a:xfrm>
-          <a:prstGeom prst="flowChartProcess">
-            <a:avLst/>
-          </a:prstGeom>
-          <a:solidFill>
-            <a:schemeClr val="tx1"/>
-          </a:solidFill>
-        </p:spPr>
-        <p:style>
-          <a:lnRef idx="2">
-            <a:schemeClr val="accent1">
-              <a:shade val="50000"/>
-            </a:schemeClr>
-          </a:lnRef>
-          <a:fillRef idx="1">
-            <a:schemeClr val="accent1"/>
-          </a:fillRef>
-          <a:effectRef idx="0">
-            <a:schemeClr val="accent1"/>
-          </a:effectRef>
-          <a:fontRef idx="minor">
-            <a:schemeClr val="lt1"/>
-          </a:fontRef>
-        </p:style>
-        <p:txBody>
-          <a:bodyPr rtlCol="0" anchor="ctr"/>
-          <a:lstStyle/>
-          <a:p>
-            <a:pPr algn="ctr"/>
-            <a:endParaRPr lang="en-US" dirty="0"/>
-          </a:p>
-        </p:txBody>
-      </p:sp>
-      <p:sp>
-        <p:nvSpPr>
-          <p:cNvPr id="55" name="Flowchart: Process 54"/>
-          <p:cNvSpPr/>
-          <p:nvPr/>
-        </p:nvSpPr>
-        <p:spPr>
-          <a:xfrm flipH="1">
-            <a:off x="6561542" y="1040753"/>
-            <a:ext cx="77699" cy="4138496"/>
-          </a:xfrm>
-          <a:prstGeom prst="flowChartProcess">
-            <a:avLst/>
-          </a:prstGeom>
-          <a:solidFill>
-            <a:schemeClr val="tx1"/>
-          </a:solidFill>
-        </p:spPr>
-        <p:style>
-          <a:lnRef idx="2">
-            <a:schemeClr val="accent1">
-              <a:shade val="50000"/>
-            </a:schemeClr>
-          </a:lnRef>
-          <a:fillRef idx="1">
-            <a:schemeClr val="accent1"/>
-          </a:fillRef>
-          <a:effectRef idx="0">
-            <a:schemeClr val="accent1"/>
-          </a:effectRef>
-          <a:fontRef idx="minor">
-            <a:schemeClr val="lt1"/>
-          </a:fontRef>
-        </p:style>
-        <p:txBody>
-          <a:bodyPr rtlCol="0" anchor="ctr"/>
-          <a:lstStyle/>
-          <a:p>
-            <a:pPr algn="ctr"/>
-            <a:endParaRPr lang="en-US" dirty="0"/>
-          </a:p>
-        </p:txBody>
-      </p:sp>
-      <p:sp>
-        <p:nvSpPr>
-          <p:cNvPr id="56" name="Rectangle 55"/>
-          <p:cNvSpPr/>
-          <p:nvPr/>
-        </p:nvSpPr>
-        <p:spPr>
-          <a:xfrm>
-            <a:off x="7015865" y="3480850"/>
-            <a:ext cx="731289" cy="523220"/>
-          </a:xfrm>
-          <a:prstGeom prst="rect">
-            <a:avLst/>
-          </a:prstGeom>
-          <a:noFill/>
-        </p:spPr>
-        <p:txBody>
-          <a:bodyPr wrap="none" lIns="91440" tIns="45720" rIns="91440" bIns="45720">
-            <a:spAutoFit/>
-          </a:bodyPr>
-          <a:lstStyle/>
-          <a:p>
-            <a:pPr algn="ctr"/>
-            <a:r>
-              <a:rPr lang="en-US" sz="2800" b="0" cap="none" spc="0" dirty="0" smtClean="0">
-                <a:ln w="0"/>
-                <a:solidFill>
-                  <a:schemeClr val="tx1"/>
-                </a:solidFill>
-                <a:effectLst>
-                  <a:outerShdw blurRad="38100" dist="19050" dir="2700000" algn="tl" rotWithShape="0">
-                    <a:schemeClr val="dk1">
-                      <a:alpha val="40000"/>
-                    </a:schemeClr>
-                  </a:outerShdw>
-                </a:effectLst>
-              </a:rPr>
-              <a:t>LED</a:t>
-            </a:r>
-            <a:endParaRPr lang="en-US" sz="2800" b="0" cap="none" spc="0" dirty="0">
-              <a:ln w="0"/>
-              <a:solidFill>
-                <a:schemeClr val="tx1"/>
-              </a:solidFill>
-              <a:effectLst>
-                <a:outerShdw blurRad="38100" dist="19050" dir="2700000" algn="tl" rotWithShape="0">
-                  <a:schemeClr val="dk1">
-                    <a:alpha val="40000"/>
-                  </a:schemeClr>
-                </a:outerShdw>
-              </a:effectLst>
-            </a:endParaRPr>
-          </a:p>
-        </p:txBody>
-      </p:sp>
-      <p:sp>
-        <p:nvSpPr>
-          <p:cNvPr id="57" name="Flowchart: Process 56"/>
-          <p:cNvSpPr/>
-          <p:nvPr/>
-        </p:nvSpPr>
-        <p:spPr>
-          <a:xfrm>
-            <a:off x="6591376" y="1006121"/>
-            <a:ext cx="2532980" cy="60389"/>
-          </a:xfrm>
-          <a:prstGeom prst="flowChartProcess">
-            <a:avLst/>
-          </a:prstGeom>
-          <a:solidFill>
-            <a:schemeClr val="tx1"/>
-          </a:solidFill>
-        </p:spPr>
-        <p:style>
-          <a:lnRef idx="2">
-            <a:schemeClr val="accent1">
-              <a:shade val="50000"/>
-            </a:schemeClr>
-          </a:lnRef>
-          <a:fillRef idx="1">
-            <a:schemeClr val="accent1"/>
-          </a:fillRef>
-          <a:effectRef idx="0">
-            <a:schemeClr val="accent1"/>
-          </a:effectRef>
-          <a:fontRef idx="minor">
-            <a:schemeClr val="lt1"/>
-          </a:fontRef>
-        </p:style>
-        <p:txBody>
-          <a:bodyPr rtlCol="0" anchor="ctr"/>
-          <a:lstStyle/>
-          <a:p>
-            <a:pPr algn="ctr"/>
-            <a:endParaRPr lang="en-US" dirty="0"/>
-          </a:p>
-        </p:txBody>
-      </p:sp>
-      <p:sp>
-        <p:nvSpPr>
-          <p:cNvPr id="58" name="Flowchart: Process 57"/>
-          <p:cNvSpPr/>
-          <p:nvPr/>
-        </p:nvSpPr>
-        <p:spPr>
-          <a:xfrm>
-            <a:off x="7274428" y="1003973"/>
-            <a:ext cx="3253592" cy="77857"/>
-          </a:xfrm>
-          <a:prstGeom prst="flowChartProcess">
-            <a:avLst/>
-          </a:prstGeom>
-          <a:solidFill>
-            <a:schemeClr val="tx1"/>
-          </a:solidFill>
-        </p:spPr>
-        <p:style>
-          <a:lnRef idx="2">
-            <a:schemeClr val="accent1">
-              <a:shade val="50000"/>
-            </a:schemeClr>
-          </a:lnRef>
-          <a:fillRef idx="1">
-            <a:schemeClr val="accent1"/>
-          </a:fillRef>
-          <a:effectRef idx="0">
-            <a:schemeClr val="accent1"/>
-          </a:effectRef>
-          <a:fontRef idx="minor">
-            <a:schemeClr val="lt1"/>
-          </a:fontRef>
-        </p:style>
-        <p:txBody>
-          <a:bodyPr rtlCol="0" anchor="ctr"/>
-          <a:lstStyle/>
-          <a:p>
-            <a:pPr algn="ctr"/>
-            <a:endParaRPr lang="en-US" dirty="0"/>
-          </a:p>
-        </p:txBody>
-      </p:sp>
-      <p:sp>
-        <p:nvSpPr>
-          <p:cNvPr id="59" name="Flowchart: Process 58"/>
-          <p:cNvSpPr/>
-          <p:nvPr/>
-        </p:nvSpPr>
-        <p:spPr>
-          <a:xfrm>
-            <a:off x="8454517" y="1014704"/>
-            <a:ext cx="2586333" cy="69934"/>
-          </a:xfrm>
-          <a:prstGeom prst="flowChartProcess">
-            <a:avLst/>
-          </a:prstGeom>
-          <a:solidFill>
-            <a:schemeClr val="tx1"/>
-          </a:solidFill>
-        </p:spPr>
-        <p:style>
-          <a:lnRef idx="2">
-            <a:schemeClr val="accent1">
-              <a:shade val="50000"/>
-            </a:schemeClr>
-          </a:lnRef>
-          <a:fillRef idx="1">
-            <a:schemeClr val="accent1"/>
-          </a:fillRef>
-          <a:effectRef idx="0">
-            <a:schemeClr val="accent1"/>
-          </a:effectRef>
-          <a:fontRef idx="minor">
-            <a:schemeClr val="lt1"/>
-          </a:fontRef>
-        </p:style>
-        <p:txBody>
-          <a:bodyPr rtlCol="0" anchor="ctr"/>
-          <a:lstStyle/>
-          <a:p>
-            <a:pPr algn="ctr"/>
-            <a:endParaRPr lang="en-US" dirty="0"/>
-          </a:p>
-        </p:txBody>
-      </p:sp>
-      <p:sp>
-        <p:nvSpPr>
-          <p:cNvPr id="60" name="Isosceles Triangle 59"/>
-          <p:cNvSpPr/>
-          <p:nvPr/>
-        </p:nvSpPr>
-        <p:spPr>
-          <a:xfrm>
-            <a:off x="6332440" y="2884145"/>
-            <a:ext cx="529681" cy="672326"/>
-          </a:xfrm>
-          <a:prstGeom prst="triangle">
-            <a:avLst/>
-          </a:prstGeom>
-        </p:spPr>
-        <p:style>
-          <a:lnRef idx="2">
-            <a:schemeClr val="accent1">
-              <a:shade val="50000"/>
-            </a:schemeClr>
-          </a:lnRef>
-          <a:fillRef idx="1">
-            <a:schemeClr val="accent1"/>
-          </a:fillRef>
-          <a:effectRef idx="0">
-            <a:schemeClr val="accent1"/>
-          </a:effectRef>
-          <a:fontRef idx="minor">
-            <a:schemeClr val="lt1"/>
-          </a:fontRef>
-        </p:style>
-        <p:txBody>
-          <a:bodyPr rtlCol="0" anchor="ctr"/>
-          <a:lstStyle/>
-          <a:p>
-            <a:pPr algn="ctr"/>
-            <a:endParaRPr lang="en-US"/>
-          </a:p>
-        </p:txBody>
-      </p:sp>
-      <p:sp>
-        <p:nvSpPr>
-          <p:cNvPr id="61" name="Flowchart: Process 60"/>
-          <p:cNvSpPr/>
-          <p:nvPr/>
-        </p:nvSpPr>
-        <p:spPr>
-          <a:xfrm>
-            <a:off x="6150855" y="2861511"/>
-            <a:ext cx="896440" cy="47172"/>
-          </a:xfrm>
-          <a:prstGeom prst="flowChartProcess">
-            <a:avLst/>
-          </a:prstGeom>
-        </p:spPr>
-        <p:style>
-          <a:lnRef idx="2">
-            <a:schemeClr val="accent1">
-              <a:shade val="50000"/>
-            </a:schemeClr>
-          </a:lnRef>
-          <a:fillRef idx="1">
-            <a:schemeClr val="accent1"/>
-          </a:fillRef>
-          <a:effectRef idx="0">
-            <a:schemeClr val="accent1"/>
-          </a:effectRef>
-          <a:fontRef idx="minor">
-            <a:schemeClr val="lt1"/>
-          </a:fontRef>
-        </p:style>
-        <p:txBody>
-          <a:bodyPr rtlCol="0" anchor="ctr"/>
-          <a:lstStyle/>
-          <a:p>
-            <a:pPr algn="ctr"/>
-            <a:endParaRPr lang="en-US" dirty="0"/>
-          </a:p>
-        </p:txBody>
-      </p:sp>
-      <p:sp>
-        <p:nvSpPr>
-          <p:cNvPr id="62" name="Isosceles Triangle 61"/>
-          <p:cNvSpPr/>
-          <p:nvPr/>
-        </p:nvSpPr>
-        <p:spPr>
-          <a:xfrm>
-            <a:off x="6332441" y="2884145"/>
-            <a:ext cx="529681" cy="672326"/>
-          </a:xfrm>
-          <a:prstGeom prst="triangle">
-            <a:avLst/>
-          </a:prstGeom>
-        </p:spPr>
-        <p:style>
-          <a:lnRef idx="2">
-            <a:schemeClr val="accent1">
-              <a:shade val="50000"/>
-            </a:schemeClr>
-          </a:lnRef>
-          <a:fillRef idx="1">
-            <a:schemeClr val="accent1"/>
-          </a:fillRef>
-          <a:effectRef idx="0">
-            <a:schemeClr val="accent1"/>
-          </a:effectRef>
-          <a:fontRef idx="minor">
-            <a:schemeClr val="lt1"/>
-          </a:fontRef>
-        </p:style>
-        <p:txBody>
-          <a:bodyPr rtlCol="0" anchor="ctr"/>
-          <a:lstStyle/>
-          <a:p>
-            <a:pPr algn="ctr"/>
-            <a:endParaRPr lang="en-US"/>
-          </a:p>
-        </p:txBody>
-      </p:sp>
-      <p:sp>
-        <p:nvSpPr>
-          <p:cNvPr id="63" name="Flowchart: Process 62"/>
-          <p:cNvSpPr/>
-          <p:nvPr/>
-        </p:nvSpPr>
-        <p:spPr>
-          <a:xfrm>
-            <a:off x="6150856" y="2861511"/>
-            <a:ext cx="896440" cy="47172"/>
-          </a:xfrm>
-          <a:prstGeom prst="flowChartProcess">
-            <a:avLst/>
-          </a:prstGeom>
-        </p:spPr>
-        <p:style>
-          <a:lnRef idx="2">
-            <a:schemeClr val="accent1">
-              <a:shade val="50000"/>
-            </a:schemeClr>
-          </a:lnRef>
-          <a:fillRef idx="1">
-            <a:schemeClr val="accent1"/>
-          </a:fillRef>
-          <a:effectRef idx="0">
-            <a:schemeClr val="accent1"/>
-          </a:effectRef>
-          <a:fontRef idx="minor">
-            <a:schemeClr val="lt1"/>
-          </a:fontRef>
-        </p:style>
-        <p:txBody>
-          <a:bodyPr rtlCol="0" anchor="ctr"/>
-          <a:lstStyle/>
-          <a:p>
-            <a:pPr algn="ctr"/>
-            <a:endParaRPr lang="en-US" dirty="0"/>
-          </a:p>
-        </p:txBody>
-      </p:sp>
-      <p:sp>
-        <p:nvSpPr>
-          <p:cNvPr id="64" name="Isosceles Triangle 63"/>
-          <p:cNvSpPr/>
-          <p:nvPr/>
-        </p:nvSpPr>
-        <p:spPr>
-          <a:xfrm>
-            <a:off x="6345321" y="2884145"/>
-            <a:ext cx="529681" cy="672326"/>
-          </a:xfrm>
-          <a:prstGeom prst="triangle">
-            <a:avLst/>
-          </a:prstGeom>
-          <a:solidFill>
-            <a:schemeClr val="bg1"/>
-          </a:solidFill>
-          <a:ln>
-            <a:solidFill>
-              <a:schemeClr val="tx1"/>
-            </a:solidFill>
-          </a:ln>
-        </p:spPr>
-        <p:style>
-          <a:lnRef idx="2">
-            <a:schemeClr val="accent1">
-              <a:shade val="50000"/>
-            </a:schemeClr>
-          </a:lnRef>
-          <a:fillRef idx="1">
-            <a:schemeClr val="accent1"/>
-          </a:fillRef>
-          <a:effectRef idx="0">
-            <a:schemeClr val="accent1"/>
-          </a:effectRef>
-          <a:fontRef idx="minor">
-            <a:schemeClr val="lt1"/>
-          </a:fontRef>
-        </p:style>
-        <p:txBody>
-          <a:bodyPr rtlCol="0" anchor="ctr"/>
-          <a:lstStyle/>
-          <a:p>
-            <a:pPr algn="ctr"/>
-            <a:endParaRPr lang="en-US"/>
-          </a:p>
-        </p:txBody>
-      </p:sp>
-      <p:sp>
-        <p:nvSpPr>
-          <p:cNvPr id="65" name="Flowchart: Process 64"/>
-          <p:cNvSpPr/>
-          <p:nvPr/>
-        </p:nvSpPr>
-        <p:spPr>
-          <a:xfrm>
-            <a:off x="6150857" y="2861511"/>
-            <a:ext cx="896440" cy="47172"/>
-          </a:xfrm>
-          <a:prstGeom prst="flowChartProcess">
-            <a:avLst/>
-          </a:prstGeom>
-          <a:solidFill>
-            <a:schemeClr val="bg1"/>
-          </a:solidFill>
-          <a:ln>
-            <a:solidFill>
-              <a:schemeClr val="tx1"/>
-            </a:solidFill>
-          </a:ln>
-        </p:spPr>
-        <p:style>
-          <a:lnRef idx="2">
-            <a:schemeClr val="accent1">
-              <a:shade val="50000"/>
-            </a:schemeClr>
-          </a:lnRef>
-          <a:fillRef idx="1">
-            <a:schemeClr val="accent1"/>
-          </a:fillRef>
-          <a:effectRef idx="0">
-            <a:schemeClr val="accent1"/>
-          </a:effectRef>
-          <a:fontRef idx="minor">
-            <a:schemeClr val="lt1"/>
-          </a:fontRef>
-        </p:style>
-        <p:txBody>
-          <a:bodyPr rtlCol="0" anchor="ctr"/>
-          <a:lstStyle/>
-          <a:p>
-            <a:pPr algn="ctr"/>
-            <a:endParaRPr lang="en-US" dirty="0"/>
-          </a:p>
-        </p:txBody>
-      </p:sp>
-      <p:sp>
-        <p:nvSpPr>
-          <p:cNvPr id="69" name="Isosceles Triangle 68"/>
-          <p:cNvSpPr/>
-          <p:nvPr/>
-        </p:nvSpPr>
-        <p:spPr>
-          <a:xfrm>
-            <a:off x="10798868" y="2866479"/>
-            <a:ext cx="529681" cy="672326"/>
-          </a:xfrm>
-          <a:prstGeom prst="triangle">
-            <a:avLst/>
-          </a:prstGeom>
-          <a:solidFill>
-            <a:schemeClr val="bg1"/>
-          </a:solidFill>
-          <a:ln>
-            <a:solidFill>
-              <a:schemeClr val="tx1"/>
-            </a:solidFill>
-          </a:ln>
-        </p:spPr>
-        <p:style>
-          <a:lnRef idx="2">
-            <a:schemeClr val="accent1">
-              <a:shade val="50000"/>
-            </a:schemeClr>
-          </a:lnRef>
-          <a:fillRef idx="1">
-            <a:schemeClr val="accent1"/>
-          </a:fillRef>
-          <a:effectRef idx="0">
-            <a:schemeClr val="accent1"/>
-          </a:effectRef>
-          <a:fontRef idx="minor">
-            <a:schemeClr val="lt1"/>
-          </a:fontRef>
-        </p:style>
-        <p:txBody>
-          <a:bodyPr rtlCol="0" anchor="ctr"/>
-          <a:lstStyle/>
-          <a:p>
-            <a:pPr algn="ctr"/>
-            <a:endParaRPr lang="en-US"/>
-          </a:p>
-        </p:txBody>
-      </p:sp>
-      <p:sp>
-        <p:nvSpPr>
-          <p:cNvPr id="70" name="Flowchart: Process 69"/>
-          <p:cNvSpPr/>
-          <p:nvPr/>
-        </p:nvSpPr>
-        <p:spPr>
-          <a:xfrm>
-            <a:off x="10592630" y="2839916"/>
-            <a:ext cx="896440" cy="47172"/>
-          </a:xfrm>
-          <a:prstGeom prst="flowChartProcess">
-            <a:avLst/>
-          </a:prstGeom>
-          <a:solidFill>
-            <a:schemeClr val="bg1"/>
-          </a:solidFill>
-        </p:spPr>
-        <p:style>
-          <a:lnRef idx="2">
-            <a:schemeClr val="accent1">
-              <a:shade val="50000"/>
-            </a:schemeClr>
-          </a:lnRef>
-          <a:fillRef idx="1">
-            <a:schemeClr val="accent1"/>
-          </a:fillRef>
-          <a:effectRef idx="0">
-            <a:schemeClr val="accent1"/>
-          </a:effectRef>
-          <a:fontRef idx="minor">
-            <a:schemeClr val="lt1"/>
-          </a:fontRef>
-        </p:style>
-        <p:txBody>
-          <a:bodyPr rtlCol="0" anchor="ctr"/>
-          <a:lstStyle/>
-          <a:p>
-            <a:pPr algn="ctr"/>
-            <a:endParaRPr lang="en-US" dirty="0"/>
-          </a:p>
-        </p:txBody>
-      </p:sp>
-      <p:sp>
-        <p:nvSpPr>
-          <p:cNvPr id="71" name="Rectangle 70"/>
-          <p:cNvSpPr/>
-          <p:nvPr/>
-        </p:nvSpPr>
-        <p:spPr>
-          <a:xfrm>
-            <a:off x="9605058" y="2932511"/>
-            <a:ext cx="1043877" cy="523220"/>
-          </a:xfrm>
-          <a:prstGeom prst="rect">
-            <a:avLst/>
-          </a:prstGeom>
-          <a:noFill/>
-        </p:spPr>
-        <p:txBody>
-          <a:bodyPr wrap="none" lIns="91440" tIns="45720" rIns="91440" bIns="45720">
-            <a:spAutoFit/>
-          </a:bodyPr>
-          <a:lstStyle/>
-          <a:p>
-            <a:pPr algn="ctr"/>
-            <a:r>
-              <a:rPr lang="en-US" sz="2800" b="0" cap="none" spc="0" dirty="0" smtClean="0">
-                <a:ln w="0"/>
-                <a:solidFill>
-                  <a:schemeClr val="tx1"/>
-                </a:solidFill>
-                <a:effectLst>
-                  <a:outerShdw blurRad="38100" dist="19050" dir="2700000" algn="tl" rotWithShape="0">
-                    <a:schemeClr val="dk1">
-                      <a:alpha val="40000"/>
-                    </a:schemeClr>
-                  </a:outerShdw>
-                </a:effectLst>
-              </a:rPr>
-              <a:t>Diode</a:t>
-            </a:r>
-            <a:endParaRPr lang="en-US" sz="2800" b="0" cap="none" spc="0" dirty="0">
-              <a:ln w="0"/>
-              <a:solidFill>
-                <a:schemeClr val="tx1"/>
-              </a:solidFill>
-              <a:effectLst>
-                <a:outerShdw blurRad="38100" dist="19050" dir="2700000" algn="tl" rotWithShape="0">
-                  <a:schemeClr val="dk1">
-                    <a:alpha val="40000"/>
-                  </a:schemeClr>
-                </a:outerShdw>
-              </a:effectLst>
-            </a:endParaRPr>
-          </a:p>
-        </p:txBody>
-      </p:sp>
-      <p:sp>
-        <p:nvSpPr>
-          <p:cNvPr id="72" name="Rectangle 71"/>
-          <p:cNvSpPr/>
-          <p:nvPr/>
-        </p:nvSpPr>
-        <p:spPr>
-          <a:xfrm>
-            <a:off x="2074142" y="5764373"/>
-            <a:ext cx="2432909" cy="954107"/>
-          </a:xfrm>
-          <a:prstGeom prst="rect">
-            <a:avLst/>
-          </a:prstGeom>
-          <a:noFill/>
-        </p:spPr>
-        <p:txBody>
-          <a:bodyPr wrap="none" lIns="91440" tIns="45720" rIns="91440" bIns="45720">
-            <a:spAutoFit/>
-          </a:bodyPr>
-          <a:lstStyle/>
-          <a:p>
-            <a:pPr algn="ctr"/>
-            <a:r>
-              <a:rPr lang="en-US" sz="2800" b="0" cap="none" spc="0" dirty="0" smtClean="0">
-                <a:ln w="0"/>
-                <a:solidFill>
-                  <a:schemeClr val="tx1"/>
-                </a:solidFill>
-                <a:effectLst>
-                  <a:outerShdw blurRad="38100" dist="19050" dir="2700000" algn="tl" rotWithShape="0">
-                    <a:schemeClr val="dk1">
-                      <a:alpha val="40000"/>
-                    </a:schemeClr>
-                  </a:outerShdw>
-                </a:effectLst>
-              </a:rPr>
-              <a:t>Forward </a:t>
-            </a:r>
-            <a:r>
-              <a:rPr lang="en-US" sz="2800" b="0" cap="none" spc="0" dirty="0" smtClean="0">
-                <a:ln w="0"/>
-                <a:solidFill>
-                  <a:schemeClr val="tx1"/>
-                </a:solidFill>
-                <a:effectLst>
-                  <a:outerShdw blurRad="38100" dist="19050" dir="2700000" algn="tl" rotWithShape="0">
-                    <a:schemeClr val="dk1">
-                      <a:alpha val="40000"/>
-                    </a:schemeClr>
-                  </a:outerShdw>
-                </a:effectLst>
-              </a:rPr>
-              <a:t>Biased</a:t>
-            </a:r>
-          </a:p>
-          <a:p>
-            <a:pPr algn="ctr"/>
-            <a:r>
-              <a:rPr lang="en-US" sz="2800" dirty="0" smtClean="0">
-                <a:ln w="0"/>
-                <a:effectLst>
-                  <a:outerShdw blurRad="38100" dist="19050" dir="2700000" algn="tl" rotWithShape="0">
-                    <a:schemeClr val="dk1">
-                      <a:alpha val="40000"/>
-                    </a:schemeClr>
-                  </a:outerShdw>
-                </a:effectLst>
-              </a:rPr>
-              <a:t>Current flows</a:t>
-            </a:r>
-            <a:endParaRPr lang="en-US" sz="2800" b="0" cap="none" spc="0" dirty="0" smtClean="0">
-              <a:ln w="0"/>
-              <a:solidFill>
-                <a:schemeClr val="tx1"/>
-              </a:solidFill>
-              <a:effectLst>
-                <a:outerShdw blurRad="38100" dist="19050" dir="2700000" algn="tl" rotWithShape="0">
-                  <a:schemeClr val="dk1">
-                    <a:alpha val="40000"/>
-                  </a:schemeClr>
-                </a:outerShdw>
-              </a:effectLst>
-            </a:endParaRPr>
-          </a:p>
-        </p:txBody>
-      </p:sp>
-      <p:sp>
-        <p:nvSpPr>
-          <p:cNvPr id="73" name="Rectangle 72"/>
-          <p:cNvSpPr/>
-          <p:nvPr/>
-        </p:nvSpPr>
-        <p:spPr>
-          <a:xfrm>
-            <a:off x="7373213" y="5646316"/>
-            <a:ext cx="3369962" cy="954107"/>
-          </a:xfrm>
-          <a:prstGeom prst="rect">
-            <a:avLst/>
-          </a:prstGeom>
-          <a:noFill/>
-        </p:spPr>
-        <p:txBody>
-          <a:bodyPr wrap="none" lIns="91440" tIns="45720" rIns="91440" bIns="45720">
-            <a:spAutoFit/>
-          </a:bodyPr>
-          <a:lstStyle/>
-          <a:p>
-            <a:pPr algn="ctr"/>
-            <a:r>
-              <a:rPr lang="en-US" sz="2800" dirty="0" smtClean="0">
-                <a:ln w="0"/>
-                <a:effectLst>
-                  <a:outerShdw blurRad="38100" dist="19050" dir="2700000" algn="tl" rotWithShape="0">
-                    <a:schemeClr val="dk1">
-                      <a:alpha val="40000"/>
-                    </a:schemeClr>
-                  </a:outerShdw>
-                </a:effectLst>
-              </a:rPr>
-              <a:t>Reverse</a:t>
-            </a:r>
-            <a:r>
-              <a:rPr lang="en-US" sz="2800" b="0" cap="none" spc="0" dirty="0" smtClean="0">
-                <a:ln w="0"/>
-                <a:solidFill>
-                  <a:schemeClr val="tx1"/>
-                </a:solidFill>
-                <a:effectLst>
-                  <a:outerShdw blurRad="38100" dist="19050" dir="2700000" algn="tl" rotWithShape="0">
-                    <a:schemeClr val="dk1">
-                      <a:alpha val="40000"/>
-                    </a:schemeClr>
-                  </a:outerShdw>
-                </a:effectLst>
-              </a:rPr>
-              <a:t> </a:t>
-            </a:r>
-            <a:r>
-              <a:rPr lang="en-US" sz="2800" b="0" cap="none" spc="0" dirty="0" smtClean="0">
-                <a:ln w="0"/>
-                <a:solidFill>
-                  <a:schemeClr val="tx1"/>
-                </a:solidFill>
-                <a:effectLst>
-                  <a:outerShdw blurRad="38100" dist="19050" dir="2700000" algn="tl" rotWithShape="0">
-                    <a:schemeClr val="dk1">
-                      <a:alpha val="40000"/>
-                    </a:schemeClr>
-                  </a:outerShdw>
-                </a:effectLst>
-              </a:rPr>
-              <a:t>Biased</a:t>
-            </a:r>
-          </a:p>
-          <a:p>
-            <a:pPr algn="ctr"/>
-            <a:r>
-              <a:rPr lang="en-US" sz="2800" dirty="0" smtClean="0">
-                <a:ln w="0"/>
-                <a:effectLst>
-                  <a:outerShdw blurRad="38100" dist="19050" dir="2700000" algn="tl" rotWithShape="0">
-                    <a:schemeClr val="dk1">
-                      <a:alpha val="40000"/>
-                    </a:schemeClr>
-                  </a:outerShdw>
-                </a:effectLst>
-              </a:rPr>
-              <a:t>Current does not flow</a:t>
-            </a:r>
-            <a:endParaRPr lang="en-US" sz="2800" b="0" cap="none" spc="0" dirty="0" smtClean="0">
-              <a:ln w="0"/>
-              <a:solidFill>
-                <a:schemeClr val="tx1"/>
-              </a:solidFill>
-              <a:effectLst>
-                <a:outerShdw blurRad="38100" dist="19050" dir="2700000" algn="tl" rotWithShape="0">
-                  <a:schemeClr val="dk1">
-                    <a:alpha val="40000"/>
-                  </a:schemeClr>
-                </a:outerShdw>
-              </a:effectLst>
-            </a:endParaRPr>
-          </a:p>
-        </p:txBody>
-      </p:sp>
-      <p:cxnSp>
-        <p:nvCxnSpPr>
-          <p:cNvPr id="67" name="Straight Arrow Connector 66"/>
-          <p:cNvCxnSpPr/>
-          <p:nvPr/>
-        </p:nvCxnSpPr>
-        <p:spPr>
-          <a:xfrm rot="10800000">
-            <a:off x="329784" y="2848132"/>
-            <a:ext cx="329786" cy="329785"/>
-          </a:xfrm>
-          <a:prstGeom prst="straightConnector1">
-            <a:avLst/>
-          </a:prstGeom>
-          <a:ln w="28575">
-            <a:solidFill>
-              <a:schemeClr val="tx1"/>
-            </a:solidFill>
-            <a:tailEnd type="arrow"/>
-          </a:ln>
-        </p:spPr>
-        <p:style>
-          <a:lnRef idx="1">
-            <a:schemeClr val="accent1"/>
-          </a:lnRef>
-          <a:fillRef idx="0">
-            <a:schemeClr val="accent1"/>
-          </a:fillRef>
-          <a:effectRef idx="0">
-            <a:schemeClr val="accent1"/>
-          </a:effectRef>
-          <a:fontRef idx="minor">
-            <a:schemeClr val="tx1"/>
-          </a:fontRef>
-        </p:style>
-      </p:cxnSp>
-      <p:cxnSp>
-        <p:nvCxnSpPr>
-          <p:cNvPr id="68" name="Straight Arrow Connector 67"/>
-          <p:cNvCxnSpPr/>
-          <p:nvPr/>
-        </p:nvCxnSpPr>
-        <p:spPr>
-          <a:xfrm rot="16200000" flipV="1">
-            <a:off x="217357" y="3035509"/>
-            <a:ext cx="347276" cy="332284"/>
-          </a:xfrm>
-          <a:prstGeom prst="straightConnector1">
-            <a:avLst/>
-          </a:prstGeom>
-          <a:ln w="28575">
-            <a:solidFill>
-              <a:schemeClr val="tx1"/>
-            </a:solidFill>
-            <a:tailEnd type="arrow"/>
-          </a:ln>
-        </p:spPr>
-        <p:style>
-          <a:lnRef idx="1">
-            <a:schemeClr val="accent1"/>
-          </a:lnRef>
-          <a:fillRef idx="0">
-            <a:schemeClr val="accent1"/>
-          </a:fillRef>
-          <a:effectRef idx="0">
-            <a:schemeClr val="accent1"/>
-          </a:effectRef>
-          <a:fontRef idx="minor">
-            <a:schemeClr val="tx1"/>
-          </a:fontRef>
-        </p:style>
-      </p:cxnSp>
-      <p:cxnSp>
-        <p:nvCxnSpPr>
-          <p:cNvPr id="77" name="Straight Arrow Connector 76"/>
-          <p:cNvCxnSpPr/>
-          <p:nvPr/>
-        </p:nvCxnSpPr>
-        <p:spPr>
-          <a:xfrm flipV="1">
-            <a:off x="6942923" y="2908091"/>
-            <a:ext cx="417247" cy="347275"/>
-          </a:xfrm>
-          <a:prstGeom prst="straightConnector1">
-            <a:avLst/>
-          </a:prstGeom>
-          <a:ln w="28575">
-            <a:solidFill>
-              <a:schemeClr val="tx1"/>
-            </a:solidFill>
-            <a:tailEnd type="arrow"/>
-          </a:ln>
-        </p:spPr>
-        <p:style>
-          <a:lnRef idx="1">
-            <a:schemeClr val="accent1"/>
-          </a:lnRef>
-          <a:fillRef idx="0">
-            <a:schemeClr val="accent1"/>
-          </a:fillRef>
-          <a:effectRef idx="0">
-            <a:schemeClr val="accent1"/>
-          </a:effectRef>
-          <a:fontRef idx="minor">
-            <a:schemeClr val="tx1"/>
-          </a:fontRef>
-        </p:style>
-      </p:cxnSp>
-      <p:cxnSp>
-        <p:nvCxnSpPr>
-          <p:cNvPr id="78" name="Straight Arrow Connector 77"/>
-          <p:cNvCxnSpPr/>
-          <p:nvPr/>
-        </p:nvCxnSpPr>
-        <p:spPr>
-          <a:xfrm flipV="1">
-            <a:off x="7095323" y="3117954"/>
-            <a:ext cx="339798" cy="289813"/>
-          </a:xfrm>
-          <a:prstGeom prst="straightConnector1">
-            <a:avLst/>
-          </a:prstGeom>
-          <a:ln w="28575">
-            <a:solidFill>
-              <a:schemeClr val="tx1"/>
-            </a:solidFill>
-            <a:tailEnd type="arrow"/>
-          </a:ln>
-        </p:spPr>
-        <p:style>
-          <a:lnRef idx="1">
-            <a:schemeClr val="accent1"/>
-          </a:lnRef>
-          <a:fillRef idx="0">
-            <a:schemeClr val="accent1"/>
-          </a:fillRef>
-          <a:effectRef idx="0">
-            <a:schemeClr val="accent1"/>
-          </a:effectRef>
-          <a:fontRef idx="minor">
-            <a:schemeClr val="tx1"/>
-          </a:fontRef>
-        </p:style>
-      </p:cxnSp>
-      <p:sp>
-        <p:nvSpPr>
-          <p:cNvPr id="81" name="Rectangle 80"/>
-          <p:cNvSpPr/>
-          <p:nvPr/>
-        </p:nvSpPr>
-        <p:spPr>
-          <a:xfrm>
-            <a:off x="2388271" y="1588956"/>
-            <a:ext cx="1778994" cy="523220"/>
-          </a:xfrm>
-          <a:prstGeom prst="rect">
-            <a:avLst/>
-          </a:prstGeom>
-        </p:spPr>
-        <p:txBody>
-          <a:bodyPr wrap="square">
-            <a:spAutoFit/>
-          </a:bodyPr>
-          <a:lstStyle/>
-          <a:p>
-            <a:pPr algn="ctr"/>
-            <a:r>
-              <a:rPr lang="en-US" sz="2800" b="1" dirty="0" smtClean="0">
-                <a:ln w="0"/>
-                <a:effectLst>
-                  <a:outerShdw blurRad="38100" dist="19050" dir="2700000" algn="tl" rotWithShape="0">
-                    <a:schemeClr val="dk1">
-                      <a:alpha val="40000"/>
-                    </a:schemeClr>
-                  </a:outerShdw>
-                </a:effectLst>
-              </a:rPr>
-              <a:t>Current</a:t>
-            </a:r>
-            <a:endParaRPr lang="en-US" sz="2000" b="1" dirty="0">
-              <a:ln w="0"/>
-              <a:effectLst>
-                <a:outerShdw blurRad="38100" dist="19050" dir="2700000" algn="tl" rotWithShape="0">
-                  <a:schemeClr val="dk1">
-                    <a:alpha val="40000"/>
-                  </a:schemeClr>
-                </a:outerShdw>
-              </a:effectLst>
-            </a:endParaRPr>
-          </a:p>
-        </p:txBody>
-      </p:sp>
-      <p:sp>
-        <p:nvSpPr>
-          <p:cNvPr id="82" name="Rectangle 81"/>
-          <p:cNvSpPr/>
-          <p:nvPr/>
-        </p:nvSpPr>
-        <p:spPr>
-          <a:xfrm>
-            <a:off x="8095507" y="1400543"/>
-            <a:ext cx="1588961" cy="461665"/>
-          </a:xfrm>
-          <a:prstGeom prst="rect">
-            <a:avLst/>
-          </a:prstGeom>
-        </p:spPr>
-        <p:txBody>
-          <a:bodyPr wrap="none">
-            <a:spAutoFit/>
-          </a:bodyPr>
-          <a:lstStyle/>
-          <a:p>
-            <a:pPr algn="ctr"/>
-            <a:r>
-              <a:rPr lang="en-US" sz="2400" b="1" dirty="0" smtClean="0">
-                <a:ln w="0"/>
-                <a:effectLst>
-                  <a:outerShdw blurRad="38100" dist="19050" dir="2700000" algn="tl" rotWithShape="0">
-                    <a:schemeClr val="dk1">
-                      <a:alpha val="40000"/>
-                    </a:schemeClr>
-                  </a:outerShdw>
-                </a:effectLst>
-              </a:rPr>
-              <a:t>No Current</a:t>
-            </a:r>
-            <a:endParaRPr lang="en-US" sz="2400" b="1" dirty="0">
-              <a:ln w="0"/>
-              <a:effectLst>
-                <a:outerShdw blurRad="38100" dist="19050" dir="2700000" algn="tl" rotWithShape="0">
-                  <a:schemeClr val="dk1">
-                    <a:alpha val="40000"/>
-                  </a:schemeClr>
-                </a:outerShdw>
-              </a:effectLst>
-            </a:endParaRPr>
-          </a:p>
-        </p:txBody>
-      </p:sp>
-    </p:spTree>
-    <p:extLst>
-      <p:ext uri="{BB962C8B-B14F-4D97-AF65-F5344CB8AC3E}">
-        <p14:creationId xmlns:p14="http://schemas.microsoft.com/office/powerpoint/2010/main" xmlns="" val="795154645"/>
-      </p:ext>
-    </p:extLst>
-  </p:cSld>
-  <p:clrMapOvr>
-    <a:masterClrMapping/>
-  </p:clrMapOvr>
-</p:sld>
-</file>
-
-<file path=ppt/slides/slide21.xml><?xml version="1.0" encoding="utf-8"?>
 <p:sld xmlns:a="http://schemas.openxmlformats.org/drawingml/2006/main" xmlns:r="http://schemas.openxmlformats.org/officeDocument/2006/relationships" xmlns:p="http://schemas.openxmlformats.org/presentationml/2006/main">
   <p:cSld>
     <p:spTree>
@@ -12834,7 +13171,7 @@
           <a:blip r:embed="rId2">
             <a:extLst>
               <a:ext uri="{28A0092B-C50C-407E-A947-70E740481C1C}">
-                <a14:useLocalDpi xmlns:a14="http://schemas.microsoft.com/office/drawing/2010/main" xmlns="" val="0"/>
+                <a14:useLocalDpi xmlns:a14="http://schemas.microsoft.com/office/drawing/2010/main" val="0"/>
               </a:ext>
             </a:extLst>
           </a:blip>
@@ -12854,7 +13191,7 @@
           <a:noFill/>
           <a:extLst>
             <a:ext uri="{909E8E84-426E-40DD-AFC4-6F175D3DCCD1}">
-              <a14:hiddenFill xmlns:a14="http://schemas.microsoft.com/office/drawing/2010/main" xmlns="">
+              <a14:hiddenFill xmlns:a14="http://schemas.microsoft.com/office/drawing/2010/main">
                 <a:solidFill>
                   <a:srgbClr val="FFFFFF"/>
                 </a:solidFill>
@@ -12866,7 +13203,7 @@
     </p:spTree>
     <p:extLst>
       <p:ext uri="{BB962C8B-B14F-4D97-AF65-F5344CB8AC3E}">
-        <p14:creationId xmlns:p14="http://schemas.microsoft.com/office/powerpoint/2010/main" xmlns="" val="3929614034"/>
+        <p14:creationId xmlns:p14="http://schemas.microsoft.com/office/powerpoint/2010/main" val="3929614034"/>
       </p:ext>
     </p:extLst>
   </p:cSld>
@@ -12876,7 +13213,7 @@
 </p:sld>
 </file>
 
-<file path=ppt/slides/slide22.xml><?xml version="1.0" encoding="utf-8"?>
+<file path=ppt/slides/slide21.xml><?xml version="1.0" encoding="utf-8"?>
 <p:sld xmlns:a="http://schemas.openxmlformats.org/drawingml/2006/main" xmlns:r="http://schemas.openxmlformats.org/officeDocument/2006/relationships" xmlns:p="http://schemas.openxmlformats.org/presentationml/2006/main">
   <p:cSld>
     <p:spTree>
@@ -13577,7 +13914,7 @@
     </p:spTree>
     <p:extLst>
       <p:ext uri="{BB962C8B-B14F-4D97-AF65-F5344CB8AC3E}">
-        <p14:creationId xmlns:p14="http://schemas.microsoft.com/office/powerpoint/2010/main" xmlns="" val="2640832087"/>
+        <p14:creationId xmlns:p14="http://schemas.microsoft.com/office/powerpoint/2010/main" val="2640832087"/>
       </p:ext>
     </p:extLst>
   </p:cSld>
@@ -13587,7 +13924,7 @@
 </p:sld>
 </file>
 
-<file path=ppt/slides/slide23.xml><?xml version="1.0" encoding="utf-8"?>
+<file path=ppt/slides/slide22.xml><?xml version="1.0" encoding="utf-8"?>
 <p:sld xmlns:a="http://schemas.openxmlformats.org/drawingml/2006/main" xmlns:r="http://schemas.openxmlformats.org/officeDocument/2006/relationships" xmlns:p="http://schemas.openxmlformats.org/presentationml/2006/main">
   <p:cSld>
     <p:spTree>
@@ -14876,10 +15213,82 @@
           </a:p>
         </p:txBody>
       </p:sp>
+      <p:cxnSp>
+        <p:nvCxnSpPr>
+          <p:cNvPr id="31" name="Straight Arrow Connector 30"/>
+          <p:cNvCxnSpPr/>
+          <p:nvPr/>
+        </p:nvCxnSpPr>
+        <p:spPr>
+          <a:xfrm rot="10800000">
+            <a:off x="368421" y="3466318"/>
+            <a:ext cx="329786" cy="329785"/>
+          </a:xfrm>
+          <a:prstGeom prst="straightConnector1">
+            <a:avLst/>
+          </a:prstGeom>
+          <a:ln w="28575">
+            <a:solidFill>
+              <a:schemeClr val="tx1"/>
+            </a:solidFill>
+            <a:tailEnd type="arrow"/>
+          </a:ln>
+        </p:spPr>
+        <p:style>
+          <a:lnRef idx="1">
+            <a:schemeClr val="accent1"/>
+          </a:lnRef>
+          <a:fillRef idx="0">
+            <a:schemeClr val="accent1"/>
+          </a:fillRef>
+          <a:effectRef idx="0">
+            <a:schemeClr val="accent1"/>
+          </a:effectRef>
+          <a:fontRef idx="minor">
+            <a:schemeClr val="tx1"/>
+          </a:fontRef>
+        </p:style>
+      </p:cxnSp>
+      <p:cxnSp>
+        <p:nvCxnSpPr>
+          <p:cNvPr id="32" name="Straight Arrow Connector 31"/>
+          <p:cNvCxnSpPr/>
+          <p:nvPr/>
+        </p:nvCxnSpPr>
+        <p:spPr>
+          <a:xfrm rot="16200000" flipV="1">
+            <a:off x="255994" y="3653695"/>
+            <a:ext cx="347276" cy="332284"/>
+          </a:xfrm>
+          <a:prstGeom prst="straightConnector1">
+            <a:avLst/>
+          </a:prstGeom>
+          <a:ln w="28575">
+            <a:solidFill>
+              <a:schemeClr val="tx1"/>
+            </a:solidFill>
+            <a:tailEnd type="arrow"/>
+          </a:ln>
+        </p:spPr>
+        <p:style>
+          <a:lnRef idx="1">
+            <a:schemeClr val="accent1"/>
+          </a:lnRef>
+          <a:fillRef idx="0">
+            <a:schemeClr val="accent1"/>
+          </a:fillRef>
+          <a:effectRef idx="0">
+            <a:schemeClr val="accent1"/>
+          </a:effectRef>
+          <a:fontRef idx="minor">
+            <a:schemeClr val="tx1"/>
+          </a:fontRef>
+        </p:style>
+      </p:cxnSp>
     </p:spTree>
     <p:extLst>
       <p:ext uri="{BB962C8B-B14F-4D97-AF65-F5344CB8AC3E}">
-        <p14:creationId xmlns:p14="http://schemas.microsoft.com/office/powerpoint/2010/main" xmlns="" val="3672048550"/>
+        <p14:creationId xmlns:p14="http://schemas.microsoft.com/office/powerpoint/2010/main" val="3672048550"/>
       </p:ext>
     </p:extLst>
   </p:cSld>
@@ -16666,7 +17075,7 @@
     </p:spTree>
     <p:extLst>
       <p:ext uri="{BB962C8B-B14F-4D97-AF65-F5344CB8AC3E}">
-        <p14:creationId xmlns:p14="http://schemas.microsoft.com/office/powerpoint/2010/main" xmlns="" val="1641149290"/>
+        <p14:creationId xmlns:p14="http://schemas.microsoft.com/office/powerpoint/2010/main" val="1641149290"/>
       </p:ext>
     </p:extLst>
   </p:cSld>
@@ -16756,7 +17165,7 @@
           <a:blip r:embed="rId2">
             <a:extLst>
               <a:ext uri="{28A0092B-C50C-407E-A947-70E740481C1C}">
-                <a14:useLocalDpi xmlns:a14="http://schemas.microsoft.com/office/drawing/2010/main" xmlns="" val="0"/>
+                <a14:useLocalDpi xmlns:a14="http://schemas.microsoft.com/office/drawing/2010/main" val="0"/>
               </a:ext>
             </a:extLst>
           </a:blip>
@@ -16776,7 +17185,7 @@
           <a:noFill/>
           <a:extLst>
             <a:ext uri="{909E8E84-426E-40DD-AFC4-6F175D3DCCD1}">
-              <a14:hiddenFill xmlns:a14="http://schemas.microsoft.com/office/drawing/2010/main" xmlns="">
+              <a14:hiddenFill xmlns:a14="http://schemas.microsoft.com/office/drawing/2010/main">
                 <a:solidFill>
                   <a:srgbClr val="FFFFFF"/>
                 </a:solidFill>
@@ -16788,7 +17197,7 @@
     </p:spTree>
     <p:extLst>
       <p:ext uri="{BB962C8B-B14F-4D97-AF65-F5344CB8AC3E}">
-        <p14:creationId xmlns:p14="http://schemas.microsoft.com/office/powerpoint/2010/main" xmlns="" val="958192436"/>
+        <p14:creationId xmlns:p14="http://schemas.microsoft.com/office/powerpoint/2010/main" val="958192436"/>
       </p:ext>
     </p:extLst>
   </p:cSld>
@@ -17824,7 +18233,7 @@
         </p:nvSpPr>
         <p:spPr>
           <a:xfrm>
-            <a:off x="8075174" y="3783205"/>
+            <a:off x="8105664" y="4451793"/>
             <a:ext cx="731289" cy="523220"/>
           </a:xfrm>
           <a:prstGeom prst="rect">
@@ -18702,10 +19111,154 @@
           </a:p>
         </p:txBody>
       </p:sp>
+      <p:cxnSp>
+        <p:nvCxnSpPr>
+          <p:cNvPr id="50" name="Straight Arrow Connector 49"/>
+          <p:cNvCxnSpPr/>
+          <p:nvPr/>
+        </p:nvCxnSpPr>
+        <p:spPr>
+          <a:xfrm rot="10800000">
+            <a:off x="613122" y="3723891"/>
+            <a:ext cx="329786" cy="329785"/>
+          </a:xfrm>
+          <a:prstGeom prst="straightConnector1">
+            <a:avLst/>
+          </a:prstGeom>
+          <a:ln w="28575">
+            <a:solidFill>
+              <a:schemeClr val="tx1"/>
+            </a:solidFill>
+            <a:tailEnd type="arrow"/>
+          </a:ln>
+        </p:spPr>
+        <p:style>
+          <a:lnRef idx="1">
+            <a:schemeClr val="accent1"/>
+          </a:lnRef>
+          <a:fillRef idx="0">
+            <a:schemeClr val="accent1"/>
+          </a:fillRef>
+          <a:effectRef idx="0">
+            <a:schemeClr val="accent1"/>
+          </a:effectRef>
+          <a:fontRef idx="minor">
+            <a:schemeClr val="tx1"/>
+          </a:fontRef>
+        </p:style>
+      </p:cxnSp>
+      <p:cxnSp>
+        <p:nvCxnSpPr>
+          <p:cNvPr id="51" name="Straight Arrow Connector 50"/>
+          <p:cNvCxnSpPr/>
+          <p:nvPr/>
+        </p:nvCxnSpPr>
+        <p:spPr>
+          <a:xfrm rot="16200000" flipV="1">
+            <a:off x="500695" y="3911268"/>
+            <a:ext cx="347276" cy="332284"/>
+          </a:xfrm>
+          <a:prstGeom prst="straightConnector1">
+            <a:avLst/>
+          </a:prstGeom>
+          <a:ln w="28575">
+            <a:solidFill>
+              <a:schemeClr val="tx1"/>
+            </a:solidFill>
+            <a:tailEnd type="arrow"/>
+          </a:ln>
+        </p:spPr>
+        <p:style>
+          <a:lnRef idx="1">
+            <a:schemeClr val="accent1"/>
+          </a:lnRef>
+          <a:fillRef idx="0">
+            <a:schemeClr val="accent1"/>
+          </a:fillRef>
+          <a:effectRef idx="0">
+            <a:schemeClr val="accent1"/>
+          </a:effectRef>
+          <a:fontRef idx="minor">
+            <a:schemeClr val="tx1"/>
+          </a:fontRef>
+        </p:style>
+      </p:cxnSp>
+      <p:cxnSp>
+        <p:nvCxnSpPr>
+          <p:cNvPr id="52" name="Straight Arrow Connector 51"/>
+          <p:cNvCxnSpPr/>
+          <p:nvPr/>
+        </p:nvCxnSpPr>
+        <p:spPr>
+          <a:xfrm rot="10800000">
+            <a:off x="8546513" y="3749654"/>
+            <a:ext cx="329786" cy="329785"/>
+          </a:xfrm>
+          <a:prstGeom prst="straightConnector1">
+            <a:avLst/>
+          </a:prstGeom>
+          <a:ln w="28575">
+            <a:solidFill>
+              <a:schemeClr val="tx1"/>
+            </a:solidFill>
+            <a:tailEnd type="arrow"/>
+          </a:ln>
+        </p:spPr>
+        <p:style>
+          <a:lnRef idx="1">
+            <a:schemeClr val="accent1"/>
+          </a:lnRef>
+          <a:fillRef idx="0">
+            <a:schemeClr val="accent1"/>
+          </a:fillRef>
+          <a:effectRef idx="0">
+            <a:schemeClr val="accent1"/>
+          </a:effectRef>
+          <a:fontRef idx="minor">
+            <a:schemeClr val="tx1"/>
+          </a:fontRef>
+        </p:style>
+      </p:cxnSp>
+      <p:cxnSp>
+        <p:nvCxnSpPr>
+          <p:cNvPr id="53" name="Straight Arrow Connector 52"/>
+          <p:cNvCxnSpPr/>
+          <p:nvPr/>
+        </p:nvCxnSpPr>
+        <p:spPr>
+          <a:xfrm rot="16200000" flipV="1">
+            <a:off x="8434086" y="3937031"/>
+            <a:ext cx="347276" cy="332284"/>
+          </a:xfrm>
+          <a:prstGeom prst="straightConnector1">
+            <a:avLst/>
+          </a:prstGeom>
+          <a:ln w="28575">
+            <a:solidFill>
+              <a:schemeClr val="tx1"/>
+            </a:solidFill>
+            <a:tailEnd type="arrow"/>
+          </a:ln>
+        </p:spPr>
+        <p:style>
+          <a:lnRef idx="1">
+            <a:schemeClr val="accent1"/>
+          </a:lnRef>
+          <a:fillRef idx="0">
+            <a:schemeClr val="accent1"/>
+          </a:fillRef>
+          <a:effectRef idx="0">
+            <a:schemeClr val="accent1"/>
+          </a:effectRef>
+          <a:fontRef idx="minor">
+            <a:schemeClr val="tx1"/>
+          </a:fontRef>
+        </p:style>
+      </p:cxnSp>
     </p:spTree>
     <p:extLst>
       <p:ext uri="{BB962C8B-B14F-4D97-AF65-F5344CB8AC3E}">
-        <p14:creationId xmlns:p14="http://schemas.microsoft.com/office/powerpoint/2010/main" xmlns="" val="1659390950"/>
+        <p14:creationId xmlns:p14="http://schemas.microsoft.com/office/powerpoint/2010/main" val="1659390950"/>
       </p:ext>
     </p:extLst>
   </p:cSld>
@@ -19976,10 +20529,82 @@
           </a:p>
         </p:txBody>
       </p:sp>
+      <p:cxnSp>
+        <p:nvCxnSpPr>
+          <p:cNvPr id="33" name="Straight Arrow Connector 32"/>
+          <p:cNvCxnSpPr/>
+          <p:nvPr/>
+        </p:nvCxnSpPr>
+        <p:spPr>
+          <a:xfrm rot="10800000">
+            <a:off x="381300" y="2976922"/>
+            <a:ext cx="329786" cy="329785"/>
+          </a:xfrm>
+          <a:prstGeom prst="straightConnector1">
+            <a:avLst/>
+          </a:prstGeom>
+          <a:ln w="28575">
+            <a:solidFill>
+              <a:schemeClr val="tx1"/>
+            </a:solidFill>
+            <a:tailEnd type="arrow"/>
+          </a:ln>
+        </p:spPr>
+        <p:style>
+          <a:lnRef idx="1">
+            <a:schemeClr val="accent1"/>
+          </a:lnRef>
+          <a:fillRef idx="0">
+            <a:schemeClr val="accent1"/>
+          </a:fillRef>
+          <a:effectRef idx="0">
+            <a:schemeClr val="accent1"/>
+          </a:effectRef>
+          <a:fontRef idx="minor">
+            <a:schemeClr val="tx1"/>
+          </a:fontRef>
+        </p:style>
+      </p:cxnSp>
+      <p:cxnSp>
+        <p:nvCxnSpPr>
+          <p:cNvPr id="35" name="Straight Arrow Connector 34"/>
+          <p:cNvCxnSpPr/>
+          <p:nvPr/>
+        </p:nvCxnSpPr>
+        <p:spPr>
+          <a:xfrm rot="16200000" flipV="1">
+            <a:off x="268873" y="3164299"/>
+            <a:ext cx="347276" cy="332284"/>
+          </a:xfrm>
+          <a:prstGeom prst="straightConnector1">
+            <a:avLst/>
+          </a:prstGeom>
+          <a:ln w="28575">
+            <a:solidFill>
+              <a:schemeClr val="tx1"/>
+            </a:solidFill>
+            <a:tailEnd type="arrow"/>
+          </a:ln>
+        </p:spPr>
+        <p:style>
+          <a:lnRef idx="1">
+            <a:schemeClr val="accent1"/>
+          </a:lnRef>
+          <a:fillRef idx="0">
+            <a:schemeClr val="accent1"/>
+          </a:fillRef>
+          <a:effectRef idx="0">
+            <a:schemeClr val="accent1"/>
+          </a:effectRef>
+          <a:fontRef idx="minor">
+            <a:schemeClr val="tx1"/>
+          </a:fontRef>
+        </p:style>
+      </p:cxnSp>
     </p:spTree>
     <p:extLst>
       <p:ext uri="{BB962C8B-B14F-4D97-AF65-F5344CB8AC3E}">
-        <p14:creationId xmlns:p14="http://schemas.microsoft.com/office/powerpoint/2010/main" xmlns="" val="1386112098"/>
+        <p14:creationId xmlns:p14="http://schemas.microsoft.com/office/powerpoint/2010/main" val="1386112098"/>
       </p:ext>
     </p:extLst>
   </p:cSld>
@@ -22059,10 +22684,82 @@
           </a:p>
         </p:txBody>
       </p:sp>
+      <p:cxnSp>
+        <p:nvCxnSpPr>
+          <p:cNvPr id="53" name="Straight Arrow Connector 52"/>
+          <p:cNvCxnSpPr/>
+          <p:nvPr/>
+        </p:nvCxnSpPr>
+        <p:spPr>
+          <a:xfrm rot="10800000">
+            <a:off x="368421" y="2938285"/>
+            <a:ext cx="329786" cy="329785"/>
+          </a:xfrm>
+          <a:prstGeom prst="straightConnector1">
+            <a:avLst/>
+          </a:prstGeom>
+          <a:ln w="28575">
+            <a:solidFill>
+              <a:schemeClr val="tx1"/>
+            </a:solidFill>
+            <a:tailEnd type="arrow"/>
+          </a:ln>
+        </p:spPr>
+        <p:style>
+          <a:lnRef idx="1">
+            <a:schemeClr val="accent1"/>
+          </a:lnRef>
+          <a:fillRef idx="0">
+            <a:schemeClr val="accent1"/>
+          </a:fillRef>
+          <a:effectRef idx="0">
+            <a:schemeClr val="accent1"/>
+          </a:effectRef>
+          <a:fontRef idx="minor">
+            <a:schemeClr val="tx1"/>
+          </a:fontRef>
+        </p:style>
+      </p:cxnSp>
+      <p:cxnSp>
+        <p:nvCxnSpPr>
+          <p:cNvPr id="54" name="Straight Arrow Connector 53"/>
+          <p:cNvCxnSpPr/>
+          <p:nvPr/>
+        </p:nvCxnSpPr>
+        <p:spPr>
+          <a:xfrm rot="16200000" flipV="1">
+            <a:off x="255994" y="3125662"/>
+            <a:ext cx="347276" cy="332284"/>
+          </a:xfrm>
+          <a:prstGeom prst="straightConnector1">
+            <a:avLst/>
+          </a:prstGeom>
+          <a:ln w="28575">
+            <a:solidFill>
+              <a:schemeClr val="tx1"/>
+            </a:solidFill>
+            <a:tailEnd type="arrow"/>
+          </a:ln>
+        </p:spPr>
+        <p:style>
+          <a:lnRef idx="1">
+            <a:schemeClr val="accent1"/>
+          </a:lnRef>
+          <a:fillRef idx="0">
+            <a:schemeClr val="accent1"/>
+          </a:fillRef>
+          <a:effectRef idx="0">
+            <a:schemeClr val="accent1"/>
+          </a:effectRef>
+          <a:fontRef idx="minor">
+            <a:schemeClr val="tx1"/>
+          </a:fontRef>
+        </p:style>
+      </p:cxnSp>
     </p:spTree>
     <p:extLst>
       <p:ext uri="{BB962C8B-B14F-4D97-AF65-F5344CB8AC3E}">
-        <p14:creationId xmlns:p14="http://schemas.microsoft.com/office/powerpoint/2010/main" xmlns="" val="2902873993"/>
+        <p14:creationId xmlns:p14="http://schemas.microsoft.com/office/powerpoint/2010/main" val="2902873993"/>
       </p:ext>
     </p:extLst>
   </p:cSld>
@@ -22744,7 +23441,7 @@
         </p:nvSpPr>
         <p:spPr>
           <a:xfrm>
-            <a:off x="9710887" y="3295626"/>
+            <a:off x="9529118" y="3894018"/>
             <a:ext cx="731289" cy="523220"/>
           </a:xfrm>
           <a:prstGeom prst="rect">
@@ -24034,10 +24731,82 @@
           </a:p>
         </p:txBody>
       </p:sp>
+      <p:cxnSp>
+        <p:nvCxnSpPr>
+          <p:cNvPr id="49" name="Straight Arrow Connector 48"/>
+          <p:cNvCxnSpPr/>
+          <p:nvPr/>
+        </p:nvCxnSpPr>
+        <p:spPr>
+          <a:xfrm>
+            <a:off x="11089018" y="3550801"/>
+            <a:ext cx="423518" cy="351970"/>
+          </a:xfrm>
+          <a:prstGeom prst="straightConnector1">
+            <a:avLst/>
+          </a:prstGeom>
+          <a:ln w="28575">
+            <a:solidFill>
+              <a:schemeClr val="tx1"/>
+            </a:solidFill>
+            <a:tailEnd type="arrow"/>
+          </a:ln>
+        </p:spPr>
+        <p:style>
+          <a:lnRef idx="1">
+            <a:schemeClr val="accent1"/>
+          </a:lnRef>
+          <a:fillRef idx="0">
+            <a:schemeClr val="accent1"/>
+          </a:fillRef>
+          <a:effectRef idx="0">
+            <a:schemeClr val="accent1"/>
+          </a:effectRef>
+          <a:fontRef idx="minor">
+            <a:schemeClr val="tx1"/>
+          </a:fontRef>
+        </p:style>
+      </p:cxnSp>
+      <p:cxnSp>
+        <p:nvCxnSpPr>
+          <p:cNvPr id="50" name="Straight Arrow Connector 49"/>
+          <p:cNvCxnSpPr/>
+          <p:nvPr/>
+        </p:nvCxnSpPr>
+        <p:spPr>
+          <a:xfrm>
+            <a:off x="11180228" y="3403438"/>
+            <a:ext cx="386639" cy="333490"/>
+          </a:xfrm>
+          <a:prstGeom prst="straightConnector1">
+            <a:avLst/>
+          </a:prstGeom>
+          <a:ln w="28575">
+            <a:solidFill>
+              <a:schemeClr val="tx1"/>
+            </a:solidFill>
+            <a:tailEnd type="arrow"/>
+          </a:ln>
+        </p:spPr>
+        <p:style>
+          <a:lnRef idx="1">
+            <a:schemeClr val="accent1"/>
+          </a:lnRef>
+          <a:fillRef idx="0">
+            <a:schemeClr val="accent1"/>
+          </a:fillRef>
+          <a:effectRef idx="0">
+            <a:schemeClr val="accent1"/>
+          </a:effectRef>
+          <a:fontRef idx="minor">
+            <a:schemeClr val="tx1"/>
+          </a:fontRef>
+        </p:style>
+      </p:cxnSp>
     </p:spTree>
     <p:extLst>
       <p:ext uri="{BB962C8B-B14F-4D97-AF65-F5344CB8AC3E}">
-        <p14:creationId xmlns:p14="http://schemas.microsoft.com/office/powerpoint/2010/main" xmlns="" val="4081839283"/>
+        <p14:creationId xmlns:p14="http://schemas.microsoft.com/office/powerpoint/2010/main" val="4081839283"/>
       </p:ext>
     </p:extLst>
   </p:cSld>
@@ -25838,10 +26607,82 @@
           </a:p>
         </p:txBody>
       </p:sp>
+      <p:cxnSp>
+        <p:nvCxnSpPr>
+          <p:cNvPr id="49" name="Straight Arrow Connector 48"/>
+          <p:cNvCxnSpPr/>
+          <p:nvPr/>
+        </p:nvCxnSpPr>
+        <p:spPr>
+          <a:xfrm rot="10800000">
+            <a:off x="368421" y="3440560"/>
+            <a:ext cx="329786" cy="329785"/>
+          </a:xfrm>
+          <a:prstGeom prst="straightConnector1">
+            <a:avLst/>
+          </a:prstGeom>
+          <a:ln w="28575">
+            <a:solidFill>
+              <a:schemeClr val="tx1"/>
+            </a:solidFill>
+            <a:tailEnd type="arrow"/>
+          </a:ln>
+        </p:spPr>
+        <p:style>
+          <a:lnRef idx="1">
+            <a:schemeClr val="accent1"/>
+          </a:lnRef>
+          <a:fillRef idx="0">
+            <a:schemeClr val="accent1"/>
+          </a:fillRef>
+          <a:effectRef idx="0">
+            <a:schemeClr val="accent1"/>
+          </a:effectRef>
+          <a:fontRef idx="minor">
+            <a:schemeClr val="tx1"/>
+          </a:fontRef>
+        </p:style>
+      </p:cxnSp>
+      <p:cxnSp>
+        <p:nvCxnSpPr>
+          <p:cNvPr id="50" name="Straight Arrow Connector 49"/>
+          <p:cNvCxnSpPr/>
+          <p:nvPr/>
+        </p:nvCxnSpPr>
+        <p:spPr>
+          <a:xfrm rot="16200000" flipV="1">
+            <a:off x="255994" y="3627937"/>
+            <a:ext cx="347276" cy="332284"/>
+          </a:xfrm>
+          <a:prstGeom prst="straightConnector1">
+            <a:avLst/>
+          </a:prstGeom>
+          <a:ln w="28575">
+            <a:solidFill>
+              <a:schemeClr val="tx1"/>
+            </a:solidFill>
+            <a:tailEnd type="arrow"/>
+          </a:ln>
+        </p:spPr>
+        <p:style>
+          <a:lnRef idx="1">
+            <a:schemeClr val="accent1"/>
+          </a:lnRef>
+          <a:fillRef idx="0">
+            <a:schemeClr val="accent1"/>
+          </a:fillRef>
+          <a:effectRef idx="0">
+            <a:schemeClr val="accent1"/>
+          </a:effectRef>
+          <a:fontRef idx="minor">
+            <a:schemeClr val="tx1"/>
+          </a:fontRef>
+        </p:style>
+      </p:cxnSp>
     </p:spTree>
     <p:extLst>
       <p:ext uri="{BB962C8B-B14F-4D97-AF65-F5344CB8AC3E}">
-        <p14:creationId xmlns:p14="http://schemas.microsoft.com/office/powerpoint/2010/main" xmlns="" val="1852443594"/>
+        <p14:creationId xmlns:p14="http://schemas.microsoft.com/office/powerpoint/2010/main" val="1852443594"/>
       </p:ext>
     </p:extLst>
   </p:cSld>
@@ -26106,7 +26947,7 @@
   <a:extraClrSchemeLst/>
   <a:extLst>
     <a:ext uri="{05A4C25C-085E-4340-85A3-A5531E510DB2}">
-      <thm15:themeFamily xmlns:thm15="http://schemas.microsoft.com/office/thememl/2012/main" xmlns="" name="Office Theme" id="{62F939B6-93AF-4DB8-9C6B-D6C7DFDC589F}" vid="{4A3C46E8-61CC-4603-A589-7422A47A8E4A}"/>
+      <thm15:themeFamily xmlns:thm15="http://schemas.microsoft.com/office/thememl/2012/main" name="Office Theme" id="{62F939B6-93AF-4DB8-9C6B-D6C7DFDC589F}" vid="{4A3C46E8-61CC-4603-A589-7422A47A8E4A}"/>
     </a:ext>
   </a:extLst>
 </a:theme>

--- a/Documents/projects for schools.pptx
+++ b/Documents/projects for schools.pptx
@@ -13127,6 +13127,58 @@
           </a:fontRef>
         </p:style>
       </p:cxnSp>
+      <p:sp>
+        <p:nvSpPr>
+          <p:cNvPr id="34" name="Rectangle 33"/>
+          <p:cNvSpPr/>
+          <p:nvPr/>
+        </p:nvSpPr>
+        <p:spPr>
+          <a:xfrm>
+            <a:off x="8178085" y="3361173"/>
+            <a:ext cx="2079023" cy="523220"/>
+          </a:xfrm>
+          <a:prstGeom prst="rect">
+            <a:avLst/>
+          </a:prstGeom>
+          <a:noFill/>
+        </p:spPr>
+        <p:txBody>
+          <a:bodyPr wrap="square" lIns="91440" tIns="45720" rIns="91440" bIns="45720">
+            <a:spAutoFit/>
+          </a:bodyPr>
+          <a:lstStyle/>
+          <a:p>
+            <a:pPr algn="ctr"/>
+            <a:r>
+              <a:rPr lang="en-US" sz="2800" dirty="0" smtClean="0">
+                <a:ln w="0"/>
+                <a:effectLst>
+                  <a:outerShdw blurRad="38100" dist="19050" dir="2700000" algn="tl" rotWithShape="0">
+                    <a:schemeClr val="dk1">
+                      <a:alpha val="40000"/>
+                    </a:schemeClr>
+                  </a:outerShdw>
+                </a:effectLst>
+              </a:rPr>
+              <a:t>Connectors</a:t>
+            </a:r>
+            <a:endParaRPr lang="en-US" sz="5400" b="0" cap="none" spc="0" dirty="0">
+              <a:ln w="0"/>
+              <a:solidFill>
+                <a:schemeClr val="tx1"/>
+              </a:solidFill>
+              <a:effectLst>
+                <a:outerShdw blurRad="38100" dist="19050" dir="2700000" algn="tl" rotWithShape="0">
+                  <a:schemeClr val="dk1">
+                    <a:alpha val="40000"/>
+                  </a:schemeClr>
+                </a:outerShdw>
+              </a:effectLst>
+            </a:endParaRPr>
+          </a:p>
+        </p:txBody>
+      </p:sp>
     </p:spTree>
     <p:extLst>
       <p:ext uri="{BB962C8B-B14F-4D97-AF65-F5344CB8AC3E}">

--- a/Documents/projects for schools.pptx
+++ b/Documents/projects for schools.pptx
@@ -27,6 +27,7 @@
     <p:sldId id="274" r:id="rId21"/>
     <p:sldId id="275" r:id="rId22"/>
     <p:sldId id="278" r:id="rId23"/>
+    <p:sldId id="279" r:id="rId24"/>
   </p:sldIdLst>
   <p:sldSz cx="12192000" cy="6858000"/>
   <p:notesSz cx="6858000" cy="9947275"/>
@@ -15341,6 +15342,91 @@
     <p:extLst>
       <p:ext uri="{BB962C8B-B14F-4D97-AF65-F5344CB8AC3E}">
         <p14:creationId xmlns:p14="http://schemas.microsoft.com/office/powerpoint/2010/main" val="3672048550"/>
+      </p:ext>
+    </p:extLst>
+  </p:cSld>
+  <p:clrMapOvr>
+    <a:masterClrMapping/>
+  </p:clrMapOvr>
+</p:sld>
+</file>
+
+<file path=ppt/slides/slide23.xml><?xml version="1.0" encoding="utf-8"?>
+<p:sld xmlns:a="http://schemas.openxmlformats.org/drawingml/2006/main" xmlns:r="http://schemas.openxmlformats.org/officeDocument/2006/relationships" xmlns:p="http://schemas.openxmlformats.org/presentationml/2006/main">
+  <p:cSld>
+    <p:spTree>
+      <p:nvGrpSpPr>
+        <p:cNvPr id="1" name=""/>
+        <p:cNvGrpSpPr/>
+        <p:nvPr/>
+      </p:nvGrpSpPr>
+      <p:grpSpPr>
+        <a:xfrm>
+          <a:off x="0" y="0"/>
+          <a:ext cx="0" cy="0"/>
+          <a:chOff x="0" y="0"/>
+          <a:chExt cx="0" cy="0"/>
+        </a:xfrm>
+      </p:grpSpPr>
+      <p:sp>
+        <p:nvSpPr>
+          <p:cNvPr id="4" name="Rectangle 3"/>
+          <p:cNvSpPr/>
+          <p:nvPr/>
+        </p:nvSpPr>
+        <p:spPr>
+          <a:xfrm>
+            <a:off x="2135937" y="0"/>
+            <a:ext cx="7585282" cy="923330"/>
+          </a:xfrm>
+          <a:prstGeom prst="rect">
+            <a:avLst/>
+          </a:prstGeom>
+          <a:noFill/>
+        </p:spPr>
+        <p:txBody>
+          <a:bodyPr wrap="none" lIns="91440" tIns="45720" rIns="91440" bIns="45720">
+            <a:spAutoFit/>
+          </a:bodyPr>
+          <a:lstStyle/>
+          <a:p>
+            <a:pPr algn="ctr"/>
+            <a:r>
+              <a:rPr lang="en-US" sz="5400" b="0" cap="none" spc="0" dirty="0" smtClean="0">
+                <a:ln w="0"/>
+                <a:solidFill>
+                  <a:schemeClr val="tx1"/>
+                </a:solidFill>
+                <a:effectLst>
+                  <a:outerShdw blurRad="38100" dist="19050" dir="2700000" algn="tl" rotWithShape="0">
+                    <a:schemeClr val="dk1">
+                      <a:alpha val="40000"/>
+                    </a:schemeClr>
+                  </a:outerShdw>
+                </a:effectLst>
+              </a:rPr>
+              <a:t>Electromagnetic Induction</a:t>
+            </a:r>
+            <a:endParaRPr lang="en-US" sz="5400" b="0" cap="none" spc="0" dirty="0">
+              <a:ln w="0"/>
+              <a:solidFill>
+                <a:schemeClr val="tx1"/>
+              </a:solidFill>
+              <a:effectLst>
+                <a:outerShdw blurRad="38100" dist="19050" dir="2700000" algn="tl" rotWithShape="0">
+                  <a:schemeClr val="dk1">
+                    <a:alpha val="40000"/>
+                  </a:schemeClr>
+                </a:outerShdw>
+              </a:effectLst>
+            </a:endParaRPr>
+          </a:p>
+        </p:txBody>
+      </p:sp>
+    </p:spTree>
+    <p:extLst>
+      <p:ext uri="{BB962C8B-B14F-4D97-AF65-F5344CB8AC3E}">
+        <p14:creationId xmlns:p14="http://schemas.microsoft.com/office/powerpoint/2010/main" val="2395880905"/>
       </p:ext>
     </p:extLst>
   </p:cSld>

--- a/Documents/projects for schools.pptx
+++ b/Documents/projects for schools.pptx
@@ -128,7 +128,7 @@
   </p:defaultTextStyle>
   <p:extLst>
     <p:ext uri="{EFAFB233-063F-42B5-8137-9DF3F51BA10A}">
-      <p15:sldGuideLst xmlns:p15="http://schemas.microsoft.com/office/powerpoint/2012/main">
+      <p15:sldGuideLst xmlns:p15="http://schemas.microsoft.com/office/powerpoint/2012/main" xmlns="">
         <p15:guide id="1" orient="horz" pos="2160">
           <p15:clr>
             <a:srgbClr val="A4A3A4"/>
@@ -329,7 +329,7 @@
     </p:spTree>
     <p:extLst>
       <p:ext uri="{BB962C8B-B14F-4D97-AF65-F5344CB8AC3E}">
-        <p14:creationId xmlns:p14="http://schemas.microsoft.com/office/powerpoint/2010/main" val="2783986648"/>
+        <p14:creationId xmlns:p14="http://schemas.microsoft.com/office/powerpoint/2010/main" xmlns="" val="2783986648"/>
       </p:ext>
     </p:extLst>
   </p:cSld>
@@ -501,7 +501,7 @@
     </p:spTree>
     <p:extLst>
       <p:ext uri="{BB962C8B-B14F-4D97-AF65-F5344CB8AC3E}">
-        <p14:creationId xmlns:p14="http://schemas.microsoft.com/office/powerpoint/2010/main" val="1553657408"/>
+        <p14:creationId xmlns:p14="http://schemas.microsoft.com/office/powerpoint/2010/main" xmlns="" val="1553657408"/>
       </p:ext>
     </p:extLst>
   </p:cSld>
@@ -683,7 +683,7 @@
     </p:spTree>
     <p:extLst>
       <p:ext uri="{BB962C8B-B14F-4D97-AF65-F5344CB8AC3E}">
-        <p14:creationId xmlns:p14="http://schemas.microsoft.com/office/powerpoint/2010/main" val="2190105155"/>
+        <p14:creationId xmlns:p14="http://schemas.microsoft.com/office/powerpoint/2010/main" xmlns="" val="2190105155"/>
       </p:ext>
     </p:extLst>
   </p:cSld>
@@ -855,7 +855,7 @@
     </p:spTree>
     <p:extLst>
       <p:ext uri="{BB962C8B-B14F-4D97-AF65-F5344CB8AC3E}">
-        <p14:creationId xmlns:p14="http://schemas.microsoft.com/office/powerpoint/2010/main" val="3388913498"/>
+        <p14:creationId xmlns:p14="http://schemas.microsoft.com/office/powerpoint/2010/main" xmlns="" val="3388913498"/>
       </p:ext>
     </p:extLst>
   </p:cSld>
@@ -1103,7 +1103,7 @@
     </p:spTree>
     <p:extLst>
       <p:ext uri="{BB962C8B-B14F-4D97-AF65-F5344CB8AC3E}">
-        <p14:creationId xmlns:p14="http://schemas.microsoft.com/office/powerpoint/2010/main" val="3998476502"/>
+        <p14:creationId xmlns:p14="http://schemas.microsoft.com/office/powerpoint/2010/main" xmlns="" val="3998476502"/>
       </p:ext>
     </p:extLst>
   </p:cSld>
@@ -1337,7 +1337,7 @@
     </p:spTree>
     <p:extLst>
       <p:ext uri="{BB962C8B-B14F-4D97-AF65-F5344CB8AC3E}">
-        <p14:creationId xmlns:p14="http://schemas.microsoft.com/office/powerpoint/2010/main" val="1557806308"/>
+        <p14:creationId xmlns:p14="http://schemas.microsoft.com/office/powerpoint/2010/main" xmlns="" val="1557806308"/>
       </p:ext>
     </p:extLst>
   </p:cSld>
@@ -1706,7 +1706,7 @@
     </p:spTree>
     <p:extLst>
       <p:ext uri="{BB962C8B-B14F-4D97-AF65-F5344CB8AC3E}">
-        <p14:creationId xmlns:p14="http://schemas.microsoft.com/office/powerpoint/2010/main" val="1969040822"/>
+        <p14:creationId xmlns:p14="http://schemas.microsoft.com/office/powerpoint/2010/main" xmlns="" val="1969040822"/>
       </p:ext>
     </p:extLst>
   </p:cSld>
@@ -1826,7 +1826,7 @@
     </p:spTree>
     <p:extLst>
       <p:ext uri="{BB962C8B-B14F-4D97-AF65-F5344CB8AC3E}">
-        <p14:creationId xmlns:p14="http://schemas.microsoft.com/office/powerpoint/2010/main" val="3785336507"/>
+        <p14:creationId xmlns:p14="http://schemas.microsoft.com/office/powerpoint/2010/main" xmlns="" val="3785336507"/>
       </p:ext>
     </p:extLst>
   </p:cSld>
@@ -1923,7 +1923,7 @@
     </p:spTree>
     <p:extLst>
       <p:ext uri="{BB962C8B-B14F-4D97-AF65-F5344CB8AC3E}">
-        <p14:creationId xmlns:p14="http://schemas.microsoft.com/office/powerpoint/2010/main" val="3909500765"/>
+        <p14:creationId xmlns:p14="http://schemas.microsoft.com/office/powerpoint/2010/main" xmlns="" val="3909500765"/>
       </p:ext>
     </p:extLst>
   </p:cSld>
@@ -2202,7 +2202,7 @@
     </p:spTree>
     <p:extLst>
       <p:ext uri="{BB962C8B-B14F-4D97-AF65-F5344CB8AC3E}">
-        <p14:creationId xmlns:p14="http://schemas.microsoft.com/office/powerpoint/2010/main" val="3015402253"/>
+        <p14:creationId xmlns:p14="http://schemas.microsoft.com/office/powerpoint/2010/main" xmlns="" val="3015402253"/>
       </p:ext>
     </p:extLst>
   </p:cSld>
@@ -2457,7 +2457,7 @@
     </p:spTree>
     <p:extLst>
       <p:ext uri="{BB962C8B-B14F-4D97-AF65-F5344CB8AC3E}">
-        <p14:creationId xmlns:p14="http://schemas.microsoft.com/office/powerpoint/2010/main" val="2612029614"/>
+        <p14:creationId xmlns:p14="http://schemas.microsoft.com/office/powerpoint/2010/main" xmlns="" val="2612029614"/>
       </p:ext>
     </p:extLst>
   </p:cSld>
@@ -2708,7 +2708,7 @@
     </p:spTree>
     <p:extLst>
       <p:ext uri="{BB962C8B-B14F-4D97-AF65-F5344CB8AC3E}">
-        <p14:creationId xmlns:p14="http://schemas.microsoft.com/office/powerpoint/2010/main" val="1714597555"/>
+        <p14:creationId xmlns:p14="http://schemas.microsoft.com/office/powerpoint/2010/main" xmlns="" val="1714597555"/>
       </p:ext>
     </p:extLst>
   </p:cSld>
@@ -5896,7 +5896,7 @@
     </p:spTree>
     <p:extLst>
       <p:ext uri="{BB962C8B-B14F-4D97-AF65-F5344CB8AC3E}">
-        <p14:creationId xmlns:p14="http://schemas.microsoft.com/office/powerpoint/2010/main" val="2097960034"/>
+        <p14:creationId xmlns:p14="http://schemas.microsoft.com/office/powerpoint/2010/main" xmlns="" val="2097960034"/>
       </p:ext>
     </p:extLst>
   </p:cSld>
@@ -7287,7 +7287,7 @@
     </p:spTree>
     <p:extLst>
       <p:ext uri="{BB962C8B-B14F-4D97-AF65-F5344CB8AC3E}">
-        <p14:creationId xmlns:p14="http://schemas.microsoft.com/office/powerpoint/2010/main" val="831023563"/>
+        <p14:creationId xmlns:p14="http://schemas.microsoft.com/office/powerpoint/2010/main" xmlns="" val="831023563"/>
       </p:ext>
     </p:extLst>
   </p:cSld>
@@ -7326,7 +7326,7 @@
           <a:blip r:embed="rId2">
             <a:extLst>
               <a:ext uri="{28A0092B-C50C-407E-A947-70E740481C1C}">
-                <a14:useLocalDpi xmlns:a14="http://schemas.microsoft.com/office/drawing/2010/main" val="0"/>
+                <a14:useLocalDpi xmlns:a14="http://schemas.microsoft.com/office/drawing/2010/main" xmlns="" val="0"/>
               </a:ext>
             </a:extLst>
           </a:blip>
@@ -7346,7 +7346,7 @@
           <a:noFill/>
           <a:extLst>
             <a:ext uri="{909E8E84-426E-40DD-AFC4-6F175D3DCCD1}">
-              <a14:hiddenFill xmlns:a14="http://schemas.microsoft.com/office/drawing/2010/main">
+              <a14:hiddenFill xmlns:a14="http://schemas.microsoft.com/office/drawing/2010/main" xmlns="">
                 <a:solidFill>
                   <a:srgbClr val="FFFFFF"/>
                 </a:solidFill>
@@ -7396,7 +7396,7 @@
     </p:spTree>
     <p:extLst>
       <p:ext uri="{BB962C8B-B14F-4D97-AF65-F5344CB8AC3E}">
-        <p14:creationId xmlns:p14="http://schemas.microsoft.com/office/powerpoint/2010/main" val="4073497930"/>
+        <p14:creationId xmlns:p14="http://schemas.microsoft.com/office/powerpoint/2010/main" xmlns="" val="4073497930"/>
       </p:ext>
     </p:extLst>
   </p:cSld>
@@ -7460,7 +7460,7 @@
           <a:blip r:embed="rId2">
             <a:extLst>
               <a:ext uri="{28A0092B-C50C-407E-A947-70E740481C1C}">
-                <a14:useLocalDpi xmlns:a14="http://schemas.microsoft.com/office/drawing/2010/main" val="0"/>
+                <a14:useLocalDpi xmlns:a14="http://schemas.microsoft.com/office/drawing/2010/main" xmlns="" val="0"/>
               </a:ext>
             </a:extLst>
           </a:blip>
@@ -7480,7 +7480,7 @@
           <a:noFill/>
           <a:extLst>
             <a:ext uri="{909E8E84-426E-40DD-AFC4-6F175D3DCCD1}">
-              <a14:hiddenFill xmlns:a14="http://schemas.microsoft.com/office/drawing/2010/main">
+              <a14:hiddenFill xmlns:a14="http://schemas.microsoft.com/office/drawing/2010/main" xmlns="">
                 <a:solidFill>
                   <a:srgbClr val="FFFFFF"/>
                 </a:solidFill>
@@ -7492,7 +7492,7 @@
     </p:spTree>
     <p:extLst>
       <p:ext uri="{BB962C8B-B14F-4D97-AF65-F5344CB8AC3E}">
-        <p14:creationId xmlns:p14="http://schemas.microsoft.com/office/powerpoint/2010/main" val="1884114993"/>
+        <p14:creationId xmlns:p14="http://schemas.microsoft.com/office/powerpoint/2010/main" xmlns="" val="1884114993"/>
       </p:ext>
     </p:extLst>
   </p:cSld>
@@ -7533,7 +7533,7 @@
           <a:blip r:embed="rId2">
             <a:extLst>
               <a:ext uri="{28A0092B-C50C-407E-A947-70E740481C1C}">
-                <a14:useLocalDpi xmlns:a14="http://schemas.microsoft.com/office/drawing/2010/main" val="0"/>
+                <a14:useLocalDpi xmlns:a14="http://schemas.microsoft.com/office/drawing/2010/main" xmlns="" val="0"/>
               </a:ext>
             </a:extLst>
           </a:blip>
@@ -7553,7 +7553,7 @@
           <a:noFill/>
           <a:extLst>
             <a:ext uri="{909E8E84-426E-40DD-AFC4-6F175D3DCCD1}">
-              <a14:hiddenFill xmlns:a14="http://schemas.microsoft.com/office/drawing/2010/main">
+              <a14:hiddenFill xmlns:a14="http://schemas.microsoft.com/office/drawing/2010/main" xmlns="">
                 <a:solidFill>
                   <a:srgbClr val="FFFFFF"/>
                 </a:solidFill>
@@ -7565,7 +7565,7 @@
     </p:spTree>
     <p:extLst>
       <p:ext uri="{BB962C8B-B14F-4D97-AF65-F5344CB8AC3E}">
-        <p14:creationId xmlns:p14="http://schemas.microsoft.com/office/powerpoint/2010/main" val="168840778"/>
+        <p14:creationId xmlns:p14="http://schemas.microsoft.com/office/powerpoint/2010/main" xmlns="" val="168840778"/>
       </p:ext>
     </p:extLst>
   </p:cSld>
@@ -7604,7 +7604,7 @@
           <a:blip r:embed="rId2">
             <a:extLst>
               <a:ext uri="{28A0092B-C50C-407E-A947-70E740481C1C}">
-                <a14:useLocalDpi xmlns:a14="http://schemas.microsoft.com/office/drawing/2010/main" val="0"/>
+                <a14:useLocalDpi xmlns:a14="http://schemas.microsoft.com/office/drawing/2010/main" xmlns="" val="0"/>
               </a:ext>
             </a:extLst>
           </a:blip>
@@ -7624,7 +7624,7 @@
           <a:noFill/>
           <a:extLst>
             <a:ext uri="{909E8E84-426E-40DD-AFC4-6F175D3DCCD1}">
-              <a14:hiddenFill xmlns:a14="http://schemas.microsoft.com/office/drawing/2010/main">
+              <a14:hiddenFill xmlns:a14="http://schemas.microsoft.com/office/drawing/2010/main" xmlns="">
                 <a:solidFill>
                   <a:srgbClr val="FFFFFF"/>
                 </a:solidFill>
@@ -7636,7 +7636,7 @@
     </p:spTree>
     <p:extLst>
       <p:ext uri="{BB962C8B-B14F-4D97-AF65-F5344CB8AC3E}">
-        <p14:creationId xmlns:p14="http://schemas.microsoft.com/office/powerpoint/2010/main" val="3030657797"/>
+        <p14:creationId xmlns:p14="http://schemas.microsoft.com/office/powerpoint/2010/main" xmlns="" val="3030657797"/>
       </p:ext>
     </p:extLst>
   </p:cSld>
@@ -7675,7 +7675,7 @@
           <a:blip r:embed="rId2">
             <a:extLst>
               <a:ext uri="{28A0092B-C50C-407E-A947-70E740481C1C}">
-                <a14:useLocalDpi xmlns:a14="http://schemas.microsoft.com/office/drawing/2010/main" val="0"/>
+                <a14:useLocalDpi xmlns:a14="http://schemas.microsoft.com/office/drawing/2010/main" xmlns="" val="0"/>
               </a:ext>
             </a:extLst>
           </a:blip>
@@ -7695,7 +7695,7 @@
           <a:noFill/>
           <a:extLst>
             <a:ext uri="{909E8E84-426E-40DD-AFC4-6F175D3DCCD1}">
-              <a14:hiddenFill xmlns:a14="http://schemas.microsoft.com/office/drawing/2010/main">
+              <a14:hiddenFill xmlns:a14="http://schemas.microsoft.com/office/drawing/2010/main" xmlns="">
                 <a:solidFill>
                   <a:srgbClr val="FFFFFF"/>
                 </a:solidFill>
@@ -7707,7 +7707,7 @@
     </p:spTree>
     <p:extLst>
       <p:ext uri="{BB962C8B-B14F-4D97-AF65-F5344CB8AC3E}">
-        <p14:creationId xmlns:p14="http://schemas.microsoft.com/office/powerpoint/2010/main" val="2862721199"/>
+        <p14:creationId xmlns:p14="http://schemas.microsoft.com/office/powerpoint/2010/main" xmlns="" val="2862721199"/>
       </p:ext>
     </p:extLst>
   </p:cSld>
@@ -7746,7 +7746,7 @@
           <a:blip r:embed="rId2">
             <a:extLst>
               <a:ext uri="{28A0092B-C50C-407E-A947-70E740481C1C}">
-                <a14:useLocalDpi xmlns:a14="http://schemas.microsoft.com/office/drawing/2010/main" val="0"/>
+                <a14:useLocalDpi xmlns:a14="http://schemas.microsoft.com/office/drawing/2010/main" xmlns="" val="0"/>
               </a:ext>
             </a:extLst>
           </a:blip>
@@ -7766,7 +7766,7 @@
           <a:noFill/>
           <a:extLst>
             <a:ext uri="{909E8E84-426E-40DD-AFC4-6F175D3DCCD1}">
-              <a14:hiddenFill xmlns:a14="http://schemas.microsoft.com/office/drawing/2010/main">
+              <a14:hiddenFill xmlns:a14="http://schemas.microsoft.com/office/drawing/2010/main" xmlns="">
                 <a:solidFill>
                   <a:srgbClr val="FFFFFF"/>
                 </a:solidFill>
@@ -7778,7 +7778,7 @@
     </p:spTree>
     <p:extLst>
       <p:ext uri="{BB962C8B-B14F-4D97-AF65-F5344CB8AC3E}">
-        <p14:creationId xmlns:p14="http://schemas.microsoft.com/office/powerpoint/2010/main" val="2783010246"/>
+        <p14:creationId xmlns:p14="http://schemas.microsoft.com/office/powerpoint/2010/main" xmlns="" val="2783010246"/>
       </p:ext>
     </p:extLst>
   </p:cSld>
@@ -8907,7 +8907,7 @@
     </p:spTree>
     <p:extLst>
       <p:ext uri="{BB962C8B-B14F-4D97-AF65-F5344CB8AC3E}">
-        <p14:creationId xmlns:p14="http://schemas.microsoft.com/office/powerpoint/2010/main" val="1930197798"/>
+        <p14:creationId xmlns:p14="http://schemas.microsoft.com/office/powerpoint/2010/main" xmlns="" val="1930197798"/>
       </p:ext>
     </p:extLst>
   </p:cSld>
@@ -8953,7 +8953,7 @@
           <a:noFill/>
           <a:extLst>
             <a:ext uri="{909E8E84-426E-40DD-AFC4-6F175D3DCCD1}">
-              <a14:hiddenFill xmlns:a14="http://schemas.microsoft.com/office/drawing/2010/main">
+              <a14:hiddenFill xmlns:a14="http://schemas.microsoft.com/office/drawing/2010/main" xmlns="">
                 <a:solidFill>
                   <a:srgbClr val="FFFFFF"/>
                 </a:solidFill>
@@ -9000,7 +9000,7 @@
     </p:spTree>
     <p:extLst>
       <p:ext uri="{BB962C8B-B14F-4D97-AF65-F5344CB8AC3E}">
-        <p14:creationId xmlns:p14="http://schemas.microsoft.com/office/powerpoint/2010/main" val="1860699775"/>
+        <p14:creationId xmlns:p14="http://schemas.microsoft.com/office/powerpoint/2010/main" xmlns="" val="1860699775"/>
       </p:ext>
     </p:extLst>
   </p:cSld>
@@ -11810,7 +11810,7 @@
     </p:spTree>
     <p:extLst>
       <p:ext uri="{BB962C8B-B14F-4D97-AF65-F5344CB8AC3E}">
-        <p14:creationId xmlns:p14="http://schemas.microsoft.com/office/powerpoint/2010/main" val="795154645"/>
+        <p14:creationId xmlns:p14="http://schemas.microsoft.com/office/powerpoint/2010/main" xmlns="" val="795154645"/>
       </p:ext>
     </p:extLst>
   </p:cSld>
@@ -13183,7 +13183,7 @@
     </p:spTree>
     <p:extLst>
       <p:ext uri="{BB962C8B-B14F-4D97-AF65-F5344CB8AC3E}">
-        <p14:creationId xmlns:p14="http://schemas.microsoft.com/office/powerpoint/2010/main" val="1708002396"/>
+        <p14:creationId xmlns:p14="http://schemas.microsoft.com/office/powerpoint/2010/main" xmlns="" val="1708002396"/>
       </p:ext>
     </p:extLst>
   </p:cSld>
@@ -13224,7 +13224,7 @@
           <a:blip r:embed="rId2">
             <a:extLst>
               <a:ext uri="{28A0092B-C50C-407E-A947-70E740481C1C}">
-                <a14:useLocalDpi xmlns:a14="http://schemas.microsoft.com/office/drawing/2010/main" val="0"/>
+                <a14:useLocalDpi xmlns:a14="http://schemas.microsoft.com/office/drawing/2010/main" xmlns="" val="0"/>
               </a:ext>
             </a:extLst>
           </a:blip>
@@ -13244,7 +13244,7 @@
           <a:noFill/>
           <a:extLst>
             <a:ext uri="{909E8E84-426E-40DD-AFC4-6F175D3DCCD1}">
-              <a14:hiddenFill xmlns:a14="http://schemas.microsoft.com/office/drawing/2010/main">
+              <a14:hiddenFill xmlns:a14="http://schemas.microsoft.com/office/drawing/2010/main" xmlns="">
                 <a:solidFill>
                   <a:srgbClr val="FFFFFF"/>
                 </a:solidFill>
@@ -13256,7 +13256,7 @@
     </p:spTree>
     <p:extLst>
       <p:ext uri="{BB962C8B-B14F-4D97-AF65-F5344CB8AC3E}">
-        <p14:creationId xmlns:p14="http://schemas.microsoft.com/office/powerpoint/2010/main" val="3929614034"/>
+        <p14:creationId xmlns:p14="http://schemas.microsoft.com/office/powerpoint/2010/main" xmlns="" val="3929614034"/>
       </p:ext>
     </p:extLst>
   </p:cSld>
@@ -13967,7 +13967,7 @@
     </p:spTree>
     <p:extLst>
       <p:ext uri="{BB962C8B-B14F-4D97-AF65-F5344CB8AC3E}">
-        <p14:creationId xmlns:p14="http://schemas.microsoft.com/office/powerpoint/2010/main" val="2640832087"/>
+        <p14:creationId xmlns:p14="http://schemas.microsoft.com/office/powerpoint/2010/main" xmlns="" val="2640832087"/>
       </p:ext>
     </p:extLst>
   </p:cSld>
@@ -15341,7 +15341,7 @@
     </p:spTree>
     <p:extLst>
       <p:ext uri="{BB962C8B-B14F-4D97-AF65-F5344CB8AC3E}">
-        <p14:creationId xmlns:p14="http://schemas.microsoft.com/office/powerpoint/2010/main" val="3672048550"/>
+        <p14:creationId xmlns:p14="http://schemas.microsoft.com/office/powerpoint/2010/main" xmlns="" val="3672048550"/>
       </p:ext>
     </p:extLst>
   </p:cSld>
@@ -15426,7 +15426,7 @@
     </p:spTree>
     <p:extLst>
       <p:ext uri="{BB962C8B-B14F-4D97-AF65-F5344CB8AC3E}">
-        <p14:creationId xmlns:p14="http://schemas.microsoft.com/office/powerpoint/2010/main" val="2395880905"/>
+        <p14:creationId xmlns:p14="http://schemas.microsoft.com/office/powerpoint/2010/main" xmlns="" val="2395880905"/>
       </p:ext>
     </p:extLst>
   </p:cSld>
@@ -15461,7 +15461,7 @@
         </p:nvSpPr>
         <p:spPr>
           <a:xfrm>
-            <a:off x="-100338" y="5212232"/>
+            <a:off x="424317" y="246861"/>
             <a:ext cx="4586512" cy="1754326"/>
           </a:xfrm>
           <a:prstGeom prst="rect">
@@ -15535,7 +15535,7 @@
         </p:nvSpPr>
         <p:spPr>
           <a:xfrm>
-            <a:off x="177216" y="3468826"/>
+            <a:off x="327117" y="3468826"/>
             <a:ext cx="457200" cy="457200"/>
           </a:xfrm>
           <a:prstGeom prst="flowChartConnector">
@@ -16288,7 +16288,7 @@
         </p:nvSpPr>
         <p:spPr>
           <a:xfrm>
-            <a:off x="9637237" y="6447529"/>
+            <a:off x="9637237" y="6340840"/>
             <a:ext cx="457200" cy="457200"/>
           </a:xfrm>
           <a:prstGeom prst="flowChartConnector">
@@ -16539,7 +16539,7 @@
         <p:spPr>
           <a:xfrm>
             <a:off x="8721225" y="6465808"/>
-            <a:ext cx="795123" cy="229982"/>
+            <a:ext cx="767549" cy="69903"/>
           </a:xfrm>
           <a:prstGeom prst="straightConnector1">
             <a:avLst/>
@@ -17178,7 +17178,7 @@
         </p:nvCxnSpPr>
         <p:spPr>
           <a:xfrm>
-            <a:off x="808255" y="3667348"/>
+            <a:off x="943167" y="3667348"/>
             <a:ext cx="698664" cy="5794"/>
           </a:xfrm>
           <a:prstGeom prst="straightConnector1">
@@ -17213,7 +17213,7 @@
     </p:spTree>
     <p:extLst>
       <p:ext uri="{BB962C8B-B14F-4D97-AF65-F5344CB8AC3E}">
-        <p14:creationId xmlns:p14="http://schemas.microsoft.com/office/powerpoint/2010/main" val="1641149290"/>
+        <p14:creationId xmlns:p14="http://schemas.microsoft.com/office/powerpoint/2010/main" xmlns="" val="1641149290"/>
       </p:ext>
     </p:extLst>
   </p:cSld>
@@ -17303,7 +17303,7 @@
           <a:blip r:embed="rId2">
             <a:extLst>
               <a:ext uri="{28A0092B-C50C-407E-A947-70E740481C1C}">
-                <a14:useLocalDpi xmlns:a14="http://schemas.microsoft.com/office/drawing/2010/main" val="0"/>
+                <a14:useLocalDpi xmlns:a14="http://schemas.microsoft.com/office/drawing/2010/main" xmlns="" val="0"/>
               </a:ext>
             </a:extLst>
           </a:blip>
@@ -17323,7 +17323,7 @@
           <a:noFill/>
           <a:extLst>
             <a:ext uri="{909E8E84-426E-40DD-AFC4-6F175D3DCCD1}">
-              <a14:hiddenFill xmlns:a14="http://schemas.microsoft.com/office/drawing/2010/main">
+              <a14:hiddenFill xmlns:a14="http://schemas.microsoft.com/office/drawing/2010/main" xmlns="">
                 <a:solidFill>
                   <a:srgbClr val="FFFFFF"/>
                 </a:solidFill>
@@ -17335,7 +17335,7 @@
     </p:spTree>
     <p:extLst>
       <p:ext uri="{BB962C8B-B14F-4D97-AF65-F5344CB8AC3E}">
-        <p14:creationId xmlns:p14="http://schemas.microsoft.com/office/powerpoint/2010/main" val="958192436"/>
+        <p14:creationId xmlns:p14="http://schemas.microsoft.com/office/powerpoint/2010/main" xmlns="" val="958192436"/>
       </p:ext>
     </p:extLst>
   </p:cSld>
@@ -19396,7 +19396,7 @@
     </p:spTree>
     <p:extLst>
       <p:ext uri="{BB962C8B-B14F-4D97-AF65-F5344CB8AC3E}">
-        <p14:creationId xmlns:p14="http://schemas.microsoft.com/office/powerpoint/2010/main" val="1659390950"/>
+        <p14:creationId xmlns:p14="http://schemas.microsoft.com/office/powerpoint/2010/main" xmlns="" val="1659390950"/>
       </p:ext>
     </p:extLst>
   </p:cSld>
@@ -20742,7 +20742,7 @@
     </p:spTree>
     <p:extLst>
       <p:ext uri="{BB962C8B-B14F-4D97-AF65-F5344CB8AC3E}">
-        <p14:creationId xmlns:p14="http://schemas.microsoft.com/office/powerpoint/2010/main" val="1386112098"/>
+        <p14:creationId xmlns:p14="http://schemas.microsoft.com/office/powerpoint/2010/main" xmlns="" val="1386112098"/>
       </p:ext>
     </p:extLst>
   </p:cSld>
@@ -22897,7 +22897,7 @@
     </p:spTree>
     <p:extLst>
       <p:ext uri="{BB962C8B-B14F-4D97-AF65-F5344CB8AC3E}">
-        <p14:creationId xmlns:p14="http://schemas.microsoft.com/office/powerpoint/2010/main" val="2902873993"/>
+        <p14:creationId xmlns:p14="http://schemas.microsoft.com/office/powerpoint/2010/main" xmlns="" val="2902873993"/>
       </p:ext>
     </p:extLst>
   </p:cSld>
@@ -24944,7 +24944,7 @@
     </p:spTree>
     <p:extLst>
       <p:ext uri="{BB962C8B-B14F-4D97-AF65-F5344CB8AC3E}">
-        <p14:creationId xmlns:p14="http://schemas.microsoft.com/office/powerpoint/2010/main" val="4081839283"/>
+        <p14:creationId xmlns:p14="http://schemas.microsoft.com/office/powerpoint/2010/main" xmlns="" val="4081839283"/>
       </p:ext>
     </p:extLst>
   </p:cSld>
@@ -26820,7 +26820,7 @@
     </p:spTree>
     <p:extLst>
       <p:ext uri="{BB962C8B-B14F-4D97-AF65-F5344CB8AC3E}">
-        <p14:creationId xmlns:p14="http://schemas.microsoft.com/office/powerpoint/2010/main" val="1852443594"/>
+        <p14:creationId xmlns:p14="http://schemas.microsoft.com/office/powerpoint/2010/main" xmlns="" val="1852443594"/>
       </p:ext>
     </p:extLst>
   </p:cSld>
@@ -27085,7 +27085,7 @@
   <a:extraClrSchemeLst/>
   <a:extLst>
     <a:ext uri="{05A4C25C-085E-4340-85A3-A5531E510DB2}">
-      <thm15:themeFamily xmlns:thm15="http://schemas.microsoft.com/office/thememl/2012/main" name="Office Theme" id="{62F939B6-93AF-4DB8-9C6B-D6C7DFDC589F}" vid="{4A3C46E8-61CC-4603-A589-7422A47A8E4A}"/>
+      <thm15:themeFamily xmlns:thm15="http://schemas.microsoft.com/office/thememl/2012/main" xmlns="" name="Office Theme" id="{62F939B6-93AF-4DB8-9C6B-D6C7DFDC589F}" vid="{4A3C46E8-61CC-4603-A589-7422A47A8E4A}"/>
     </a:ext>
   </a:extLst>
 </a:theme>

--- a/Documents/projects for schools.pptx
+++ b/Documents/projects for schools.pptx
@@ -18316,7 +18316,7 @@
         </p:nvSpPr>
         <p:spPr>
           <a:xfrm>
-            <a:off x="1661491" y="3808963"/>
+            <a:off x="1781412" y="3029474"/>
             <a:ext cx="731289" cy="523220"/>
           </a:xfrm>
           <a:prstGeom prst="rect">
@@ -18371,8 +18371,8 @@
         </p:nvSpPr>
         <p:spPr>
           <a:xfrm>
-            <a:off x="8105664" y="4451793"/>
-            <a:ext cx="731289" cy="523220"/>
+            <a:off x="7959777" y="3582649"/>
+            <a:ext cx="802225" cy="523220"/>
           </a:xfrm>
           <a:prstGeom prst="rect">
             <a:avLst/>
@@ -18380,7 +18380,7 @@
           <a:noFill/>
         </p:spPr>
         <p:txBody>
-          <a:bodyPr wrap="none" lIns="91440" tIns="45720" rIns="91440" bIns="45720">
+          <a:bodyPr wrap="square" lIns="91440" tIns="45720" rIns="91440" bIns="45720">
             <a:spAutoFit/>
           </a:bodyPr>
           <a:lstStyle/>
@@ -18480,7 +18480,7 @@
           <p:nvPr/>
         </p:nvSpPr>
         <p:spPr>
-          <a:xfrm>
+          <a:xfrm rot="10800000">
             <a:off x="8910368" y="3749175"/>
             <a:ext cx="529681" cy="672326"/>
           </a:xfrm>
@@ -18528,8 +18528,8 @@
           <p:nvPr/>
         </p:nvSpPr>
         <p:spPr>
-          <a:xfrm>
-            <a:off x="8741662" y="3726541"/>
+          <a:xfrm rot="10800000">
+            <a:off x="8696692" y="4371119"/>
             <a:ext cx="896440" cy="47172"/>
           </a:xfrm>
           <a:prstGeom prst="flowChartProcess">
@@ -19160,7 +19160,7 @@
           <p:nvPr/>
         </p:nvSpPr>
         <p:spPr>
-          <a:xfrm>
+          <a:xfrm rot="10957899">
             <a:off x="1002724" y="3710536"/>
             <a:ext cx="529681" cy="672326"/>
           </a:xfrm>
@@ -19209,7 +19209,7 @@
         </p:nvSpPr>
         <p:spPr>
           <a:xfrm>
-            <a:off x="834018" y="3687902"/>
+            <a:off x="819028" y="4317489"/>
             <a:ext cx="896440" cy="47172"/>
           </a:xfrm>
           <a:prstGeom prst="flowChartProcess">
@@ -19256,8 +19256,8 @@
           <p:nvPr/>
         </p:nvCxnSpPr>
         <p:spPr>
-          <a:xfrm rot="10800000">
-            <a:off x="613122" y="3723891"/>
+          <a:xfrm rot="157899">
+            <a:off x="1677423" y="3843812"/>
             <a:ext cx="329786" cy="329785"/>
           </a:xfrm>
           <a:prstGeom prst="straightConnector1">
@@ -19292,8 +19292,8 @@
           <p:nvPr/>
         </p:nvCxnSpPr>
         <p:spPr>
-          <a:xfrm rot="16200000" flipV="1">
-            <a:off x="500695" y="3911268"/>
+          <a:xfrm rot="5557899" flipV="1">
+            <a:off x="1564996" y="4031189"/>
             <a:ext cx="347276" cy="332284"/>
           </a:xfrm>
           <a:prstGeom prst="straightConnector1">
@@ -19328,8 +19328,8 @@
           <p:nvPr/>
         </p:nvCxnSpPr>
         <p:spPr>
-          <a:xfrm rot="10800000">
-            <a:off x="8546513" y="3749654"/>
+          <a:xfrm>
+            <a:off x="9655785" y="3914546"/>
             <a:ext cx="329786" cy="329785"/>
           </a:xfrm>
           <a:prstGeom prst="straightConnector1">
@@ -19364,8 +19364,8 @@
           <p:nvPr/>
         </p:nvCxnSpPr>
         <p:spPr>
-          <a:xfrm rot="16200000" flipV="1">
-            <a:off x="8434086" y="3937031"/>
+          <a:xfrm rot="5400000" flipV="1">
+            <a:off x="9543358" y="4101923"/>
             <a:ext cx="347276" cy="332284"/>
           </a:xfrm>
           <a:prstGeom prst="straightConnector1">

--- a/Documents/projects for schools.pptx
+++ b/Documents/projects for schools.pptx
@@ -28,6 +28,7 @@
     <p:sldId id="275" r:id="rId22"/>
     <p:sldId id="278" r:id="rId23"/>
     <p:sldId id="279" r:id="rId24"/>
+    <p:sldId id="280" r:id="rId25"/>
   </p:sldIdLst>
   <p:sldSz cx="12192000" cy="6858000"/>
   <p:notesSz cx="6858000" cy="9947275"/>
@@ -128,7 +129,7 @@
   </p:defaultTextStyle>
   <p:extLst>
     <p:ext uri="{EFAFB233-063F-42B5-8137-9DF3F51BA10A}">
-      <p15:sldGuideLst xmlns:p15="http://schemas.microsoft.com/office/powerpoint/2012/main" xmlns="">
+      <p15:sldGuideLst xmlns="" xmlns:p15="http://schemas.microsoft.com/office/powerpoint/2012/main">
         <p15:guide id="1" orient="horz" pos="2160">
           <p15:clr>
             <a:srgbClr val="A4A3A4"/>
@@ -277,7 +278,7 @@
             <a:fld id="{30FEA4BD-71B3-41DD-B9FF-6FB8DBE50051}" type="datetimeFigureOut">
               <a:rPr lang="en-US" smtClean="0"/>
               <a:pPr/>
-              <a:t>12/31/2014</a:t>
+              <a:t>12/23/2014</a:t>
             </a:fld>
             <a:endParaRPr lang="en-US"/>
           </a:p>
@@ -329,7 +330,7 @@
     </p:spTree>
     <p:extLst>
       <p:ext uri="{BB962C8B-B14F-4D97-AF65-F5344CB8AC3E}">
-        <p14:creationId xmlns:p14="http://schemas.microsoft.com/office/powerpoint/2010/main" xmlns="" val="2783986648"/>
+        <p14:creationId xmlns="" xmlns:p14="http://schemas.microsoft.com/office/powerpoint/2010/main" val="2783986648"/>
       </p:ext>
     </p:extLst>
   </p:cSld>
@@ -449,7 +450,7 @@
             <a:fld id="{30FEA4BD-71B3-41DD-B9FF-6FB8DBE50051}" type="datetimeFigureOut">
               <a:rPr lang="en-US" smtClean="0"/>
               <a:pPr/>
-              <a:t>12/31/2014</a:t>
+              <a:t>12/23/2014</a:t>
             </a:fld>
             <a:endParaRPr lang="en-US"/>
           </a:p>
@@ -501,7 +502,7 @@
     </p:spTree>
     <p:extLst>
       <p:ext uri="{BB962C8B-B14F-4D97-AF65-F5344CB8AC3E}">
-        <p14:creationId xmlns:p14="http://schemas.microsoft.com/office/powerpoint/2010/main" xmlns="" val="1553657408"/>
+        <p14:creationId xmlns="" xmlns:p14="http://schemas.microsoft.com/office/powerpoint/2010/main" val="1553657408"/>
       </p:ext>
     </p:extLst>
   </p:cSld>
@@ -631,7 +632,7 @@
             <a:fld id="{30FEA4BD-71B3-41DD-B9FF-6FB8DBE50051}" type="datetimeFigureOut">
               <a:rPr lang="en-US" smtClean="0"/>
               <a:pPr/>
-              <a:t>12/31/2014</a:t>
+              <a:t>12/23/2014</a:t>
             </a:fld>
             <a:endParaRPr lang="en-US"/>
           </a:p>
@@ -683,7 +684,7 @@
     </p:spTree>
     <p:extLst>
       <p:ext uri="{BB962C8B-B14F-4D97-AF65-F5344CB8AC3E}">
-        <p14:creationId xmlns:p14="http://schemas.microsoft.com/office/powerpoint/2010/main" xmlns="" val="2190105155"/>
+        <p14:creationId xmlns="" xmlns:p14="http://schemas.microsoft.com/office/powerpoint/2010/main" val="2190105155"/>
       </p:ext>
     </p:extLst>
   </p:cSld>
@@ -803,7 +804,7 @@
             <a:fld id="{30FEA4BD-71B3-41DD-B9FF-6FB8DBE50051}" type="datetimeFigureOut">
               <a:rPr lang="en-US" smtClean="0"/>
               <a:pPr/>
-              <a:t>12/31/2014</a:t>
+              <a:t>12/23/2014</a:t>
             </a:fld>
             <a:endParaRPr lang="en-US"/>
           </a:p>
@@ -855,7 +856,7 @@
     </p:spTree>
     <p:extLst>
       <p:ext uri="{BB962C8B-B14F-4D97-AF65-F5344CB8AC3E}">
-        <p14:creationId xmlns:p14="http://schemas.microsoft.com/office/powerpoint/2010/main" xmlns="" val="3388913498"/>
+        <p14:creationId xmlns="" xmlns:p14="http://schemas.microsoft.com/office/powerpoint/2010/main" val="3388913498"/>
       </p:ext>
     </p:extLst>
   </p:cSld>
@@ -1051,7 +1052,7 @@
             <a:fld id="{30FEA4BD-71B3-41DD-B9FF-6FB8DBE50051}" type="datetimeFigureOut">
               <a:rPr lang="en-US" smtClean="0"/>
               <a:pPr/>
-              <a:t>12/31/2014</a:t>
+              <a:t>12/23/2014</a:t>
             </a:fld>
             <a:endParaRPr lang="en-US"/>
           </a:p>
@@ -1103,7 +1104,7 @@
     </p:spTree>
     <p:extLst>
       <p:ext uri="{BB962C8B-B14F-4D97-AF65-F5344CB8AC3E}">
-        <p14:creationId xmlns:p14="http://schemas.microsoft.com/office/powerpoint/2010/main" xmlns="" val="3998476502"/>
+        <p14:creationId xmlns="" xmlns:p14="http://schemas.microsoft.com/office/powerpoint/2010/main" val="3998476502"/>
       </p:ext>
     </p:extLst>
   </p:cSld>
@@ -1285,7 +1286,7 @@
             <a:fld id="{30FEA4BD-71B3-41DD-B9FF-6FB8DBE50051}" type="datetimeFigureOut">
               <a:rPr lang="en-US" smtClean="0"/>
               <a:pPr/>
-              <a:t>12/31/2014</a:t>
+              <a:t>12/23/2014</a:t>
             </a:fld>
             <a:endParaRPr lang="en-US"/>
           </a:p>
@@ -1337,7 +1338,7 @@
     </p:spTree>
     <p:extLst>
       <p:ext uri="{BB962C8B-B14F-4D97-AF65-F5344CB8AC3E}">
-        <p14:creationId xmlns:p14="http://schemas.microsoft.com/office/powerpoint/2010/main" xmlns="" val="1557806308"/>
+        <p14:creationId xmlns="" xmlns:p14="http://schemas.microsoft.com/office/powerpoint/2010/main" val="1557806308"/>
       </p:ext>
     </p:extLst>
   </p:cSld>
@@ -1654,7 +1655,7 @@
             <a:fld id="{30FEA4BD-71B3-41DD-B9FF-6FB8DBE50051}" type="datetimeFigureOut">
               <a:rPr lang="en-US" smtClean="0"/>
               <a:pPr/>
-              <a:t>12/31/2014</a:t>
+              <a:t>12/23/2014</a:t>
             </a:fld>
             <a:endParaRPr lang="en-US"/>
           </a:p>
@@ -1706,7 +1707,7 @@
     </p:spTree>
     <p:extLst>
       <p:ext uri="{BB962C8B-B14F-4D97-AF65-F5344CB8AC3E}">
-        <p14:creationId xmlns:p14="http://schemas.microsoft.com/office/powerpoint/2010/main" xmlns="" val="1969040822"/>
+        <p14:creationId xmlns="" xmlns:p14="http://schemas.microsoft.com/office/powerpoint/2010/main" val="1969040822"/>
       </p:ext>
     </p:extLst>
   </p:cSld>
@@ -1774,7 +1775,7 @@
             <a:fld id="{30FEA4BD-71B3-41DD-B9FF-6FB8DBE50051}" type="datetimeFigureOut">
               <a:rPr lang="en-US" smtClean="0"/>
               <a:pPr/>
-              <a:t>12/31/2014</a:t>
+              <a:t>12/23/2014</a:t>
             </a:fld>
             <a:endParaRPr lang="en-US"/>
           </a:p>
@@ -1826,7 +1827,7 @@
     </p:spTree>
     <p:extLst>
       <p:ext uri="{BB962C8B-B14F-4D97-AF65-F5344CB8AC3E}">
-        <p14:creationId xmlns:p14="http://schemas.microsoft.com/office/powerpoint/2010/main" xmlns="" val="3785336507"/>
+        <p14:creationId xmlns="" xmlns:p14="http://schemas.microsoft.com/office/powerpoint/2010/main" val="3785336507"/>
       </p:ext>
     </p:extLst>
   </p:cSld>
@@ -1871,7 +1872,7 @@
             <a:fld id="{30FEA4BD-71B3-41DD-B9FF-6FB8DBE50051}" type="datetimeFigureOut">
               <a:rPr lang="en-US" smtClean="0"/>
               <a:pPr/>
-              <a:t>12/31/2014</a:t>
+              <a:t>12/23/2014</a:t>
             </a:fld>
             <a:endParaRPr lang="en-US"/>
           </a:p>
@@ -1923,7 +1924,7 @@
     </p:spTree>
     <p:extLst>
       <p:ext uri="{BB962C8B-B14F-4D97-AF65-F5344CB8AC3E}">
-        <p14:creationId xmlns:p14="http://schemas.microsoft.com/office/powerpoint/2010/main" xmlns="" val="3909500765"/>
+        <p14:creationId xmlns="" xmlns:p14="http://schemas.microsoft.com/office/powerpoint/2010/main" val="3909500765"/>
       </p:ext>
     </p:extLst>
   </p:cSld>
@@ -2150,7 +2151,7 @@
             <a:fld id="{30FEA4BD-71B3-41DD-B9FF-6FB8DBE50051}" type="datetimeFigureOut">
               <a:rPr lang="en-US" smtClean="0"/>
               <a:pPr/>
-              <a:t>12/31/2014</a:t>
+              <a:t>12/23/2014</a:t>
             </a:fld>
             <a:endParaRPr lang="en-US"/>
           </a:p>
@@ -2202,7 +2203,7 @@
     </p:spTree>
     <p:extLst>
       <p:ext uri="{BB962C8B-B14F-4D97-AF65-F5344CB8AC3E}">
-        <p14:creationId xmlns:p14="http://schemas.microsoft.com/office/powerpoint/2010/main" xmlns="" val="3015402253"/>
+        <p14:creationId xmlns="" xmlns:p14="http://schemas.microsoft.com/office/powerpoint/2010/main" val="3015402253"/>
       </p:ext>
     </p:extLst>
   </p:cSld>
@@ -2405,7 +2406,7 @@
             <a:fld id="{30FEA4BD-71B3-41DD-B9FF-6FB8DBE50051}" type="datetimeFigureOut">
               <a:rPr lang="en-US" smtClean="0"/>
               <a:pPr/>
-              <a:t>12/31/2014</a:t>
+              <a:t>12/23/2014</a:t>
             </a:fld>
             <a:endParaRPr lang="en-US"/>
           </a:p>
@@ -2457,7 +2458,7 @@
     </p:spTree>
     <p:extLst>
       <p:ext uri="{BB962C8B-B14F-4D97-AF65-F5344CB8AC3E}">
-        <p14:creationId xmlns:p14="http://schemas.microsoft.com/office/powerpoint/2010/main" xmlns="" val="2612029614"/>
+        <p14:creationId xmlns="" xmlns:p14="http://schemas.microsoft.com/office/powerpoint/2010/main" val="2612029614"/>
       </p:ext>
     </p:extLst>
   </p:cSld>
@@ -2620,7 +2621,7 @@
             <a:fld id="{30FEA4BD-71B3-41DD-B9FF-6FB8DBE50051}" type="datetimeFigureOut">
               <a:rPr lang="en-US" smtClean="0"/>
               <a:pPr/>
-              <a:t>12/31/2014</a:t>
+              <a:t>12/23/2014</a:t>
             </a:fld>
             <a:endParaRPr lang="en-US"/>
           </a:p>
@@ -2708,7 +2709,7 @@
     </p:spTree>
     <p:extLst>
       <p:ext uri="{BB962C8B-B14F-4D97-AF65-F5344CB8AC3E}">
-        <p14:creationId xmlns:p14="http://schemas.microsoft.com/office/powerpoint/2010/main" xmlns="" val="1714597555"/>
+        <p14:creationId xmlns="" xmlns:p14="http://schemas.microsoft.com/office/powerpoint/2010/main" val="1714597555"/>
       </p:ext>
     </p:extLst>
   </p:cSld>
@@ -5896,7 +5897,7 @@
     </p:spTree>
     <p:extLst>
       <p:ext uri="{BB962C8B-B14F-4D97-AF65-F5344CB8AC3E}">
-        <p14:creationId xmlns:p14="http://schemas.microsoft.com/office/powerpoint/2010/main" xmlns="" val="2097960034"/>
+        <p14:creationId xmlns="" xmlns:p14="http://schemas.microsoft.com/office/powerpoint/2010/main" val="2097960034"/>
       </p:ext>
     </p:extLst>
   </p:cSld>
@@ -7287,7 +7288,7 @@
     </p:spTree>
     <p:extLst>
       <p:ext uri="{BB962C8B-B14F-4D97-AF65-F5344CB8AC3E}">
-        <p14:creationId xmlns:p14="http://schemas.microsoft.com/office/powerpoint/2010/main" xmlns="" val="831023563"/>
+        <p14:creationId xmlns="" xmlns:p14="http://schemas.microsoft.com/office/powerpoint/2010/main" val="831023563"/>
       </p:ext>
     </p:extLst>
   </p:cSld>
@@ -7326,7 +7327,7 @@
           <a:blip r:embed="rId2">
             <a:extLst>
               <a:ext uri="{28A0092B-C50C-407E-A947-70E740481C1C}">
-                <a14:useLocalDpi xmlns:a14="http://schemas.microsoft.com/office/drawing/2010/main" xmlns="" val="0"/>
+                <a14:useLocalDpi xmlns="" xmlns:a14="http://schemas.microsoft.com/office/drawing/2010/main" val="0"/>
               </a:ext>
             </a:extLst>
           </a:blip>
@@ -7346,7 +7347,7 @@
           <a:noFill/>
           <a:extLst>
             <a:ext uri="{909E8E84-426E-40DD-AFC4-6F175D3DCCD1}">
-              <a14:hiddenFill xmlns:a14="http://schemas.microsoft.com/office/drawing/2010/main" xmlns="">
+              <a14:hiddenFill xmlns="" xmlns:a14="http://schemas.microsoft.com/office/drawing/2010/main">
                 <a:solidFill>
                   <a:srgbClr val="FFFFFF"/>
                 </a:solidFill>
@@ -7396,7 +7397,7 @@
     </p:spTree>
     <p:extLst>
       <p:ext uri="{BB962C8B-B14F-4D97-AF65-F5344CB8AC3E}">
-        <p14:creationId xmlns:p14="http://schemas.microsoft.com/office/powerpoint/2010/main" xmlns="" val="4073497930"/>
+        <p14:creationId xmlns="" xmlns:p14="http://schemas.microsoft.com/office/powerpoint/2010/main" val="4073497930"/>
       </p:ext>
     </p:extLst>
   </p:cSld>
@@ -7460,7 +7461,7 @@
           <a:blip r:embed="rId2">
             <a:extLst>
               <a:ext uri="{28A0092B-C50C-407E-A947-70E740481C1C}">
-                <a14:useLocalDpi xmlns:a14="http://schemas.microsoft.com/office/drawing/2010/main" xmlns="" val="0"/>
+                <a14:useLocalDpi xmlns="" xmlns:a14="http://schemas.microsoft.com/office/drawing/2010/main" val="0"/>
               </a:ext>
             </a:extLst>
           </a:blip>
@@ -7480,7 +7481,7 @@
           <a:noFill/>
           <a:extLst>
             <a:ext uri="{909E8E84-426E-40DD-AFC4-6F175D3DCCD1}">
-              <a14:hiddenFill xmlns:a14="http://schemas.microsoft.com/office/drawing/2010/main" xmlns="">
+              <a14:hiddenFill xmlns="" xmlns:a14="http://schemas.microsoft.com/office/drawing/2010/main">
                 <a:solidFill>
                   <a:srgbClr val="FFFFFF"/>
                 </a:solidFill>
@@ -7492,7 +7493,7 @@
     </p:spTree>
     <p:extLst>
       <p:ext uri="{BB962C8B-B14F-4D97-AF65-F5344CB8AC3E}">
-        <p14:creationId xmlns:p14="http://schemas.microsoft.com/office/powerpoint/2010/main" xmlns="" val="1884114993"/>
+        <p14:creationId xmlns="" xmlns:p14="http://schemas.microsoft.com/office/powerpoint/2010/main" val="1884114993"/>
       </p:ext>
     </p:extLst>
   </p:cSld>
@@ -7533,7 +7534,7 @@
           <a:blip r:embed="rId2">
             <a:extLst>
               <a:ext uri="{28A0092B-C50C-407E-A947-70E740481C1C}">
-                <a14:useLocalDpi xmlns:a14="http://schemas.microsoft.com/office/drawing/2010/main" xmlns="" val="0"/>
+                <a14:useLocalDpi xmlns="" xmlns:a14="http://schemas.microsoft.com/office/drawing/2010/main" val="0"/>
               </a:ext>
             </a:extLst>
           </a:blip>
@@ -7553,7 +7554,7 @@
           <a:noFill/>
           <a:extLst>
             <a:ext uri="{909E8E84-426E-40DD-AFC4-6F175D3DCCD1}">
-              <a14:hiddenFill xmlns:a14="http://schemas.microsoft.com/office/drawing/2010/main" xmlns="">
+              <a14:hiddenFill xmlns="" xmlns:a14="http://schemas.microsoft.com/office/drawing/2010/main">
                 <a:solidFill>
                   <a:srgbClr val="FFFFFF"/>
                 </a:solidFill>
@@ -7565,7 +7566,7 @@
     </p:spTree>
     <p:extLst>
       <p:ext uri="{BB962C8B-B14F-4D97-AF65-F5344CB8AC3E}">
-        <p14:creationId xmlns:p14="http://schemas.microsoft.com/office/powerpoint/2010/main" xmlns="" val="168840778"/>
+        <p14:creationId xmlns="" xmlns:p14="http://schemas.microsoft.com/office/powerpoint/2010/main" val="168840778"/>
       </p:ext>
     </p:extLst>
   </p:cSld>
@@ -7604,7 +7605,7 @@
           <a:blip r:embed="rId2">
             <a:extLst>
               <a:ext uri="{28A0092B-C50C-407E-A947-70E740481C1C}">
-                <a14:useLocalDpi xmlns:a14="http://schemas.microsoft.com/office/drawing/2010/main" xmlns="" val="0"/>
+                <a14:useLocalDpi xmlns="" xmlns:a14="http://schemas.microsoft.com/office/drawing/2010/main" val="0"/>
               </a:ext>
             </a:extLst>
           </a:blip>
@@ -7624,7 +7625,7 @@
           <a:noFill/>
           <a:extLst>
             <a:ext uri="{909E8E84-426E-40DD-AFC4-6F175D3DCCD1}">
-              <a14:hiddenFill xmlns:a14="http://schemas.microsoft.com/office/drawing/2010/main" xmlns="">
+              <a14:hiddenFill xmlns="" xmlns:a14="http://schemas.microsoft.com/office/drawing/2010/main">
                 <a:solidFill>
                   <a:srgbClr val="FFFFFF"/>
                 </a:solidFill>
@@ -7636,7 +7637,7 @@
     </p:spTree>
     <p:extLst>
       <p:ext uri="{BB962C8B-B14F-4D97-AF65-F5344CB8AC3E}">
-        <p14:creationId xmlns:p14="http://schemas.microsoft.com/office/powerpoint/2010/main" xmlns="" val="3030657797"/>
+        <p14:creationId xmlns="" xmlns:p14="http://schemas.microsoft.com/office/powerpoint/2010/main" val="3030657797"/>
       </p:ext>
     </p:extLst>
   </p:cSld>
@@ -7675,7 +7676,7 @@
           <a:blip r:embed="rId2">
             <a:extLst>
               <a:ext uri="{28A0092B-C50C-407E-A947-70E740481C1C}">
-                <a14:useLocalDpi xmlns:a14="http://schemas.microsoft.com/office/drawing/2010/main" xmlns="" val="0"/>
+                <a14:useLocalDpi xmlns="" xmlns:a14="http://schemas.microsoft.com/office/drawing/2010/main" val="0"/>
               </a:ext>
             </a:extLst>
           </a:blip>
@@ -7695,7 +7696,7 @@
           <a:noFill/>
           <a:extLst>
             <a:ext uri="{909E8E84-426E-40DD-AFC4-6F175D3DCCD1}">
-              <a14:hiddenFill xmlns:a14="http://schemas.microsoft.com/office/drawing/2010/main" xmlns="">
+              <a14:hiddenFill xmlns="" xmlns:a14="http://schemas.microsoft.com/office/drawing/2010/main">
                 <a:solidFill>
                   <a:srgbClr val="FFFFFF"/>
                 </a:solidFill>
@@ -7707,7 +7708,7 @@
     </p:spTree>
     <p:extLst>
       <p:ext uri="{BB962C8B-B14F-4D97-AF65-F5344CB8AC3E}">
-        <p14:creationId xmlns:p14="http://schemas.microsoft.com/office/powerpoint/2010/main" xmlns="" val="2862721199"/>
+        <p14:creationId xmlns="" xmlns:p14="http://schemas.microsoft.com/office/powerpoint/2010/main" val="2862721199"/>
       </p:ext>
     </p:extLst>
   </p:cSld>
@@ -7746,7 +7747,7 @@
           <a:blip r:embed="rId2">
             <a:extLst>
               <a:ext uri="{28A0092B-C50C-407E-A947-70E740481C1C}">
-                <a14:useLocalDpi xmlns:a14="http://schemas.microsoft.com/office/drawing/2010/main" xmlns="" val="0"/>
+                <a14:useLocalDpi xmlns="" xmlns:a14="http://schemas.microsoft.com/office/drawing/2010/main" val="0"/>
               </a:ext>
             </a:extLst>
           </a:blip>
@@ -7766,7 +7767,7 @@
           <a:noFill/>
           <a:extLst>
             <a:ext uri="{909E8E84-426E-40DD-AFC4-6F175D3DCCD1}">
-              <a14:hiddenFill xmlns:a14="http://schemas.microsoft.com/office/drawing/2010/main" xmlns="">
+              <a14:hiddenFill xmlns="" xmlns:a14="http://schemas.microsoft.com/office/drawing/2010/main">
                 <a:solidFill>
                   <a:srgbClr val="FFFFFF"/>
                 </a:solidFill>
@@ -7778,7 +7779,7 @@
     </p:spTree>
     <p:extLst>
       <p:ext uri="{BB962C8B-B14F-4D97-AF65-F5344CB8AC3E}">
-        <p14:creationId xmlns:p14="http://schemas.microsoft.com/office/powerpoint/2010/main" xmlns="" val="2783010246"/>
+        <p14:creationId xmlns="" xmlns:p14="http://schemas.microsoft.com/office/powerpoint/2010/main" val="2783010246"/>
       </p:ext>
     </p:extLst>
   </p:cSld>
@@ -8907,7 +8908,7 @@
     </p:spTree>
     <p:extLst>
       <p:ext uri="{BB962C8B-B14F-4D97-AF65-F5344CB8AC3E}">
-        <p14:creationId xmlns:p14="http://schemas.microsoft.com/office/powerpoint/2010/main" xmlns="" val="1930197798"/>
+        <p14:creationId xmlns="" xmlns:p14="http://schemas.microsoft.com/office/powerpoint/2010/main" val="1930197798"/>
       </p:ext>
     </p:extLst>
   </p:cSld>
@@ -8953,7 +8954,7 @@
           <a:noFill/>
           <a:extLst>
             <a:ext uri="{909E8E84-426E-40DD-AFC4-6F175D3DCCD1}">
-              <a14:hiddenFill xmlns:a14="http://schemas.microsoft.com/office/drawing/2010/main" xmlns="">
+              <a14:hiddenFill xmlns="" xmlns:a14="http://schemas.microsoft.com/office/drawing/2010/main">
                 <a:solidFill>
                   <a:srgbClr val="FFFFFF"/>
                 </a:solidFill>
@@ -9000,7 +9001,7 @@
     </p:spTree>
     <p:extLst>
       <p:ext uri="{BB962C8B-B14F-4D97-AF65-F5344CB8AC3E}">
-        <p14:creationId xmlns:p14="http://schemas.microsoft.com/office/powerpoint/2010/main" xmlns="" val="1860699775"/>
+        <p14:creationId xmlns="" xmlns:p14="http://schemas.microsoft.com/office/powerpoint/2010/main" val="1860699775"/>
       </p:ext>
     </p:extLst>
   </p:cSld>
@@ -11810,7 +11811,7 @@
     </p:spTree>
     <p:extLst>
       <p:ext uri="{BB962C8B-B14F-4D97-AF65-F5344CB8AC3E}">
-        <p14:creationId xmlns:p14="http://schemas.microsoft.com/office/powerpoint/2010/main" xmlns="" val="795154645"/>
+        <p14:creationId xmlns="" xmlns:p14="http://schemas.microsoft.com/office/powerpoint/2010/main" val="795154645"/>
       </p:ext>
     </p:extLst>
   </p:cSld>
@@ -13183,7 +13184,7 @@
     </p:spTree>
     <p:extLst>
       <p:ext uri="{BB962C8B-B14F-4D97-AF65-F5344CB8AC3E}">
-        <p14:creationId xmlns:p14="http://schemas.microsoft.com/office/powerpoint/2010/main" xmlns="" val="1708002396"/>
+        <p14:creationId xmlns="" xmlns:p14="http://schemas.microsoft.com/office/powerpoint/2010/main" val="1708002396"/>
       </p:ext>
     </p:extLst>
   </p:cSld>
@@ -13224,7 +13225,7 @@
           <a:blip r:embed="rId2">
             <a:extLst>
               <a:ext uri="{28A0092B-C50C-407E-A947-70E740481C1C}">
-                <a14:useLocalDpi xmlns:a14="http://schemas.microsoft.com/office/drawing/2010/main" xmlns="" val="0"/>
+                <a14:useLocalDpi xmlns="" xmlns:a14="http://schemas.microsoft.com/office/drawing/2010/main" val="0"/>
               </a:ext>
             </a:extLst>
           </a:blip>
@@ -13244,7 +13245,7 @@
           <a:noFill/>
           <a:extLst>
             <a:ext uri="{909E8E84-426E-40DD-AFC4-6F175D3DCCD1}">
-              <a14:hiddenFill xmlns:a14="http://schemas.microsoft.com/office/drawing/2010/main" xmlns="">
+              <a14:hiddenFill xmlns="" xmlns:a14="http://schemas.microsoft.com/office/drawing/2010/main">
                 <a:solidFill>
                   <a:srgbClr val="FFFFFF"/>
                 </a:solidFill>
@@ -13256,7 +13257,7 @@
     </p:spTree>
     <p:extLst>
       <p:ext uri="{BB962C8B-B14F-4D97-AF65-F5344CB8AC3E}">
-        <p14:creationId xmlns:p14="http://schemas.microsoft.com/office/powerpoint/2010/main" xmlns="" val="3929614034"/>
+        <p14:creationId xmlns="" xmlns:p14="http://schemas.microsoft.com/office/powerpoint/2010/main" val="3929614034"/>
       </p:ext>
     </p:extLst>
   </p:cSld>
@@ -13967,7 +13968,7 @@
     </p:spTree>
     <p:extLst>
       <p:ext uri="{BB962C8B-B14F-4D97-AF65-F5344CB8AC3E}">
-        <p14:creationId xmlns:p14="http://schemas.microsoft.com/office/powerpoint/2010/main" xmlns="" val="2640832087"/>
+        <p14:creationId xmlns="" xmlns:p14="http://schemas.microsoft.com/office/powerpoint/2010/main" val="2640832087"/>
       </p:ext>
     </p:extLst>
   </p:cSld>
@@ -15341,7 +15342,7 @@
     </p:spTree>
     <p:extLst>
       <p:ext uri="{BB962C8B-B14F-4D97-AF65-F5344CB8AC3E}">
-        <p14:creationId xmlns:p14="http://schemas.microsoft.com/office/powerpoint/2010/main" xmlns="" val="3672048550"/>
+        <p14:creationId xmlns="" xmlns:p14="http://schemas.microsoft.com/office/powerpoint/2010/main" val="3672048550"/>
       </p:ext>
     </p:extLst>
   </p:cSld>
@@ -15426,9 +15427,1192 @@
     </p:spTree>
     <p:extLst>
       <p:ext uri="{BB962C8B-B14F-4D97-AF65-F5344CB8AC3E}">
-        <p14:creationId xmlns:p14="http://schemas.microsoft.com/office/powerpoint/2010/main" xmlns="" val="2395880905"/>
+        <p14:creationId xmlns="" xmlns:p14="http://schemas.microsoft.com/office/powerpoint/2010/main" val="2395880905"/>
       </p:ext>
     </p:extLst>
+  </p:cSld>
+  <p:clrMapOvr>
+    <a:masterClrMapping/>
+  </p:clrMapOvr>
+</p:sld>
+</file>
+
+<file path=ppt/slides/slide24.xml><?xml version="1.0" encoding="utf-8"?>
+<p:sld xmlns:a="http://schemas.openxmlformats.org/drawingml/2006/main" xmlns:r="http://schemas.openxmlformats.org/officeDocument/2006/relationships" xmlns:p="http://schemas.openxmlformats.org/presentationml/2006/main">
+  <p:cSld>
+    <p:spTree>
+      <p:nvGrpSpPr>
+        <p:cNvPr id="1" name=""/>
+        <p:cNvGrpSpPr/>
+        <p:nvPr/>
+      </p:nvGrpSpPr>
+      <p:grpSpPr>
+        <a:xfrm>
+          <a:off x="0" y="0"/>
+          <a:ext cx="0" cy="0"/>
+          <a:chOff x="0" y="0"/>
+          <a:chExt cx="0" cy="0"/>
+        </a:xfrm>
+      </p:grpSpPr>
+      <p:sp>
+        <p:nvSpPr>
+          <p:cNvPr id="4" name="Rectangle 3"/>
+          <p:cNvSpPr/>
+          <p:nvPr/>
+        </p:nvSpPr>
+        <p:spPr>
+          <a:xfrm>
+            <a:off x="2755114" y="254832"/>
+            <a:ext cx="5696239" cy="923330"/>
+          </a:xfrm>
+          <a:prstGeom prst="rect">
+            <a:avLst/>
+          </a:prstGeom>
+          <a:noFill/>
+        </p:spPr>
+        <p:txBody>
+          <a:bodyPr wrap="square" lIns="91440" tIns="45720" rIns="91440" bIns="45720">
+            <a:spAutoFit/>
+          </a:bodyPr>
+          <a:lstStyle/>
+          <a:p>
+            <a:pPr algn="ctr"/>
+            <a:r>
+              <a:rPr lang="en-US" sz="5400" b="1" cap="none" spc="0" dirty="0" smtClean="0">
+                <a:ln w="17780" cmpd="sng">
+                  <a:solidFill>
+                    <a:srgbClr val="FFFFFF"/>
+                  </a:solidFill>
+                  <a:prstDash val="solid"/>
+                  <a:miter lim="800000"/>
+                </a:ln>
+                <a:gradFill rotWithShape="1">
+                  <a:gsLst>
+                    <a:gs pos="0">
+                      <a:srgbClr val="000000">
+                        <a:tint val="92000"/>
+                        <a:shade val="100000"/>
+                        <a:satMod val="150000"/>
+                      </a:srgbClr>
+                    </a:gs>
+                    <a:gs pos="49000">
+                      <a:srgbClr val="000000">
+                        <a:tint val="89000"/>
+                        <a:shade val="90000"/>
+                        <a:satMod val="150000"/>
+                      </a:srgbClr>
+                    </a:gs>
+                    <a:gs pos="50000">
+                      <a:srgbClr val="000000">
+                        <a:tint val="100000"/>
+                        <a:shade val="75000"/>
+                        <a:satMod val="150000"/>
+                      </a:srgbClr>
+                    </a:gs>
+                    <a:gs pos="95000">
+                      <a:srgbClr val="000000">
+                        <a:shade val="47000"/>
+                        <a:satMod val="150000"/>
+                      </a:srgbClr>
+                    </a:gs>
+                    <a:gs pos="100000">
+                      <a:srgbClr val="000000">
+                        <a:shade val="39000"/>
+                        <a:satMod val="150000"/>
+                      </a:srgbClr>
+                    </a:gs>
+                  </a:gsLst>
+                  <a:lin ang="5400000"/>
+                </a:gradFill>
+                <a:effectLst>
+                  <a:outerShdw blurRad="50800" algn="tl" rotWithShape="0">
+                    <a:srgbClr val="000000"/>
+                  </a:outerShdw>
+                </a:effectLst>
+              </a:rPr>
+              <a:t>Steady Hand Tester</a:t>
+            </a:r>
+            <a:endParaRPr lang="en-US" sz="5400" b="1" cap="none" spc="0" dirty="0">
+              <a:ln w="17780" cmpd="sng">
+                <a:solidFill>
+                  <a:srgbClr val="FFFFFF"/>
+                </a:solidFill>
+                <a:prstDash val="solid"/>
+                <a:miter lim="800000"/>
+              </a:ln>
+              <a:gradFill rotWithShape="1">
+                <a:gsLst>
+                  <a:gs pos="0">
+                    <a:srgbClr val="000000">
+                      <a:tint val="92000"/>
+                      <a:shade val="100000"/>
+                      <a:satMod val="150000"/>
+                    </a:srgbClr>
+                  </a:gs>
+                  <a:gs pos="49000">
+                    <a:srgbClr val="000000">
+                      <a:tint val="89000"/>
+                      <a:shade val="90000"/>
+                      <a:satMod val="150000"/>
+                    </a:srgbClr>
+                  </a:gs>
+                  <a:gs pos="50000">
+                    <a:srgbClr val="000000">
+                      <a:tint val="100000"/>
+                      <a:shade val="75000"/>
+                      <a:satMod val="150000"/>
+                    </a:srgbClr>
+                  </a:gs>
+                  <a:gs pos="95000">
+                    <a:srgbClr val="000000">
+                      <a:shade val="47000"/>
+                      <a:satMod val="150000"/>
+                    </a:srgbClr>
+                  </a:gs>
+                  <a:gs pos="100000">
+                    <a:srgbClr val="000000">
+                      <a:shade val="39000"/>
+                      <a:satMod val="150000"/>
+                    </a:srgbClr>
+                  </a:gs>
+                </a:gsLst>
+                <a:lin ang="5400000"/>
+              </a:gradFill>
+              <a:effectLst>
+                <a:outerShdw blurRad="50800" algn="tl" rotWithShape="0">
+                  <a:srgbClr val="000000"/>
+                </a:outerShdw>
+              </a:effectLst>
+            </a:endParaRPr>
+          </a:p>
+        </p:txBody>
+      </p:sp>
+      <p:sp>
+        <p:nvSpPr>
+          <p:cNvPr id="5" name="Rectangle 4"/>
+          <p:cNvSpPr/>
+          <p:nvPr/>
+        </p:nvSpPr>
+        <p:spPr>
+          <a:xfrm>
+            <a:off x="4029278" y="2067925"/>
+            <a:ext cx="3136051" cy="584775"/>
+          </a:xfrm>
+          <a:prstGeom prst="rect">
+            <a:avLst/>
+          </a:prstGeom>
+          <a:solidFill>
+            <a:schemeClr val="bg2"/>
+          </a:solidFill>
+        </p:spPr>
+        <p:txBody>
+          <a:bodyPr wrap="square" lIns="91440" tIns="45720" rIns="91440" bIns="45720">
+            <a:spAutoFit/>
+          </a:bodyPr>
+          <a:lstStyle/>
+          <a:p>
+            <a:pPr algn="ctr"/>
+            <a:r>
+              <a:rPr lang="en-US" sz="3200" b="1" cap="none" spc="0" dirty="0" smtClean="0">
+                <a:ln w="17780" cmpd="sng">
+                  <a:solidFill>
+                    <a:srgbClr val="FFFFFF"/>
+                  </a:solidFill>
+                  <a:prstDash val="solid"/>
+                  <a:miter lim="800000"/>
+                </a:ln>
+                <a:gradFill rotWithShape="1">
+                  <a:gsLst>
+                    <a:gs pos="0">
+                      <a:srgbClr val="000000">
+                        <a:tint val="92000"/>
+                        <a:shade val="100000"/>
+                        <a:satMod val="150000"/>
+                      </a:srgbClr>
+                    </a:gs>
+                    <a:gs pos="49000">
+                      <a:srgbClr val="000000">
+                        <a:tint val="89000"/>
+                        <a:shade val="90000"/>
+                        <a:satMod val="150000"/>
+                      </a:srgbClr>
+                    </a:gs>
+                    <a:gs pos="50000">
+                      <a:srgbClr val="000000">
+                        <a:tint val="100000"/>
+                        <a:shade val="75000"/>
+                        <a:satMod val="150000"/>
+                      </a:srgbClr>
+                    </a:gs>
+                    <a:gs pos="95000">
+                      <a:srgbClr val="000000">
+                        <a:shade val="47000"/>
+                        <a:satMod val="150000"/>
+                      </a:srgbClr>
+                    </a:gs>
+                    <a:gs pos="100000">
+                      <a:srgbClr val="000000">
+                        <a:shade val="39000"/>
+                        <a:satMod val="150000"/>
+                      </a:srgbClr>
+                    </a:gs>
+                  </a:gsLst>
+                  <a:lin ang="5400000"/>
+                </a:gradFill>
+                <a:effectLst>
+                  <a:outerShdw blurRad="50800" algn="tl" rotWithShape="0">
+                    <a:srgbClr val="000000"/>
+                  </a:outerShdw>
+                </a:effectLst>
+              </a:rPr>
+              <a:t>Wire Loop</a:t>
+            </a:r>
+            <a:endParaRPr lang="en-US" sz="3200" b="1" cap="none" spc="0" dirty="0">
+              <a:ln w="17780" cmpd="sng">
+                <a:solidFill>
+                  <a:srgbClr val="FFFFFF"/>
+                </a:solidFill>
+                <a:prstDash val="solid"/>
+                <a:miter lim="800000"/>
+              </a:ln>
+              <a:gradFill rotWithShape="1">
+                <a:gsLst>
+                  <a:gs pos="0">
+                    <a:srgbClr val="000000">
+                      <a:tint val="92000"/>
+                      <a:shade val="100000"/>
+                      <a:satMod val="150000"/>
+                    </a:srgbClr>
+                  </a:gs>
+                  <a:gs pos="49000">
+                    <a:srgbClr val="000000">
+                      <a:tint val="89000"/>
+                      <a:shade val="90000"/>
+                      <a:satMod val="150000"/>
+                    </a:srgbClr>
+                  </a:gs>
+                  <a:gs pos="50000">
+                    <a:srgbClr val="000000">
+                      <a:tint val="100000"/>
+                      <a:shade val="75000"/>
+                      <a:satMod val="150000"/>
+                    </a:srgbClr>
+                  </a:gs>
+                  <a:gs pos="95000">
+                    <a:srgbClr val="000000">
+                      <a:shade val="47000"/>
+                      <a:satMod val="150000"/>
+                    </a:srgbClr>
+                  </a:gs>
+                  <a:gs pos="100000">
+                    <a:srgbClr val="000000">
+                      <a:shade val="39000"/>
+                      <a:satMod val="150000"/>
+                    </a:srgbClr>
+                  </a:gs>
+                </a:gsLst>
+                <a:lin ang="5400000"/>
+              </a:gradFill>
+              <a:effectLst>
+                <a:outerShdw blurRad="50800" algn="tl" rotWithShape="0">
+                  <a:srgbClr val="000000"/>
+                </a:outerShdw>
+              </a:effectLst>
+            </a:endParaRPr>
+          </a:p>
+        </p:txBody>
+      </p:sp>
+      <p:sp>
+        <p:nvSpPr>
+          <p:cNvPr id="7" name="Left Arrow 6"/>
+          <p:cNvSpPr/>
+          <p:nvPr/>
+        </p:nvSpPr>
+        <p:spPr>
+          <a:xfrm>
+            <a:off x="1334125" y="2158584"/>
+            <a:ext cx="3072983" cy="299803"/>
+          </a:xfrm>
+          <a:prstGeom prst="leftArrow">
+            <a:avLst/>
+          </a:prstGeom>
+          <a:solidFill>
+            <a:schemeClr val="bg1"/>
+          </a:solidFill>
+          <a:ln>
+            <a:solidFill>
+              <a:schemeClr val="tx1"/>
+            </a:solidFill>
+          </a:ln>
+        </p:spPr>
+        <p:style>
+          <a:lnRef idx="2">
+            <a:schemeClr val="accent1">
+              <a:shade val="50000"/>
+            </a:schemeClr>
+          </a:lnRef>
+          <a:fillRef idx="1">
+            <a:schemeClr val="accent1"/>
+          </a:fillRef>
+          <a:effectRef idx="0">
+            <a:schemeClr val="accent1"/>
+          </a:effectRef>
+          <a:fontRef idx="minor">
+            <a:schemeClr val="lt1"/>
+          </a:fontRef>
+        </p:style>
+        <p:txBody>
+          <a:bodyPr rtlCol="0" anchor="ctr"/>
+          <a:lstStyle/>
+          <a:p>
+            <a:pPr algn="ctr"/>
+            <a:endParaRPr lang="en-US"/>
+          </a:p>
+        </p:txBody>
+      </p:sp>
+      <p:sp>
+        <p:nvSpPr>
+          <p:cNvPr id="8" name="Left Arrow 7"/>
+          <p:cNvSpPr/>
+          <p:nvPr/>
+        </p:nvSpPr>
+        <p:spPr>
+          <a:xfrm rot="10800000">
+            <a:off x="7077856" y="2221043"/>
+            <a:ext cx="3072983" cy="299803"/>
+          </a:xfrm>
+          <a:prstGeom prst="leftArrow">
+            <a:avLst/>
+          </a:prstGeom>
+          <a:solidFill>
+            <a:schemeClr val="bg1"/>
+          </a:solidFill>
+          <a:ln>
+            <a:solidFill>
+              <a:schemeClr val="tx1"/>
+            </a:solidFill>
+          </a:ln>
+        </p:spPr>
+        <p:style>
+          <a:lnRef idx="2">
+            <a:schemeClr val="accent1">
+              <a:shade val="50000"/>
+            </a:schemeClr>
+          </a:lnRef>
+          <a:fillRef idx="1">
+            <a:schemeClr val="accent1"/>
+          </a:fillRef>
+          <a:effectRef idx="0">
+            <a:schemeClr val="accent1"/>
+          </a:effectRef>
+          <a:fontRef idx="minor">
+            <a:schemeClr val="lt1"/>
+          </a:fontRef>
+        </p:style>
+        <p:txBody>
+          <a:bodyPr rtlCol="0" anchor="ctr"/>
+          <a:lstStyle/>
+          <a:p>
+            <a:pPr algn="ctr"/>
+            <a:endParaRPr lang="en-US"/>
+          </a:p>
+        </p:txBody>
+      </p:sp>
+      <p:sp>
+        <p:nvSpPr>
+          <p:cNvPr id="9" name="Flowchart: Connector 8"/>
+          <p:cNvSpPr/>
+          <p:nvPr/>
+        </p:nvSpPr>
+        <p:spPr>
+          <a:xfrm>
+            <a:off x="569626" y="2008682"/>
+            <a:ext cx="374754" cy="404734"/>
+          </a:xfrm>
+          <a:prstGeom prst="flowChartConnector">
+            <a:avLst/>
+          </a:prstGeom>
+          <a:solidFill>
+            <a:schemeClr val="bg2"/>
+          </a:solidFill>
+          <a:ln w="28575">
+            <a:solidFill>
+              <a:schemeClr val="tx1"/>
+            </a:solidFill>
+          </a:ln>
+        </p:spPr>
+        <p:style>
+          <a:lnRef idx="2">
+            <a:schemeClr val="accent1">
+              <a:shade val="50000"/>
+            </a:schemeClr>
+          </a:lnRef>
+          <a:fillRef idx="1">
+            <a:schemeClr val="accent1"/>
+          </a:fillRef>
+          <a:effectRef idx="0">
+            <a:schemeClr val="accent1"/>
+          </a:effectRef>
+          <a:fontRef idx="minor">
+            <a:schemeClr val="lt1"/>
+          </a:fontRef>
+        </p:style>
+        <p:txBody>
+          <a:bodyPr rtlCol="0" anchor="ctr"/>
+          <a:lstStyle/>
+          <a:p>
+            <a:pPr algn="ctr"/>
+            <a:endParaRPr lang="en-US"/>
+          </a:p>
+        </p:txBody>
+      </p:sp>
+      <p:sp>
+        <p:nvSpPr>
+          <p:cNvPr id="10" name="Flowchart: Connector 9"/>
+          <p:cNvSpPr/>
+          <p:nvPr/>
+        </p:nvSpPr>
+        <p:spPr>
+          <a:xfrm>
+            <a:off x="10690485" y="2161082"/>
+            <a:ext cx="374754" cy="404734"/>
+          </a:xfrm>
+          <a:prstGeom prst="flowChartConnector">
+            <a:avLst/>
+          </a:prstGeom>
+          <a:solidFill>
+            <a:schemeClr val="bg2"/>
+          </a:solidFill>
+          <a:ln w="28575">
+            <a:solidFill>
+              <a:schemeClr val="tx1"/>
+            </a:solidFill>
+          </a:ln>
+        </p:spPr>
+        <p:style>
+          <a:lnRef idx="2">
+            <a:schemeClr val="accent1">
+              <a:shade val="50000"/>
+            </a:schemeClr>
+          </a:lnRef>
+          <a:fillRef idx="1">
+            <a:schemeClr val="accent1"/>
+          </a:fillRef>
+          <a:effectRef idx="0">
+            <a:schemeClr val="accent1"/>
+          </a:effectRef>
+          <a:fontRef idx="minor">
+            <a:schemeClr val="lt1"/>
+          </a:fontRef>
+        </p:style>
+        <p:txBody>
+          <a:bodyPr rtlCol="0" anchor="ctr"/>
+          <a:lstStyle/>
+          <a:p>
+            <a:pPr algn="ctr"/>
+            <a:endParaRPr lang="en-US"/>
+          </a:p>
+        </p:txBody>
+      </p:sp>
+      <p:sp>
+        <p:nvSpPr>
+          <p:cNvPr id="11" name="Flowchart: Connector 10"/>
+          <p:cNvSpPr/>
+          <p:nvPr/>
+        </p:nvSpPr>
+        <p:spPr>
+          <a:xfrm>
+            <a:off x="8649325" y="4991724"/>
+            <a:ext cx="1394085" cy="1079291"/>
+          </a:xfrm>
+          <a:prstGeom prst="flowChartConnector">
+            <a:avLst/>
+          </a:prstGeom>
+          <a:solidFill>
+            <a:schemeClr val="bg2"/>
+          </a:solidFill>
+          <a:ln w="28575">
+            <a:solidFill>
+              <a:schemeClr val="tx1"/>
+            </a:solidFill>
+          </a:ln>
+        </p:spPr>
+        <p:style>
+          <a:lnRef idx="2">
+            <a:schemeClr val="accent1">
+              <a:shade val="50000"/>
+            </a:schemeClr>
+          </a:lnRef>
+          <a:fillRef idx="1">
+            <a:schemeClr val="accent1"/>
+          </a:fillRef>
+          <a:effectRef idx="0">
+            <a:schemeClr val="accent1"/>
+          </a:effectRef>
+          <a:fontRef idx="minor">
+            <a:schemeClr val="lt1"/>
+          </a:fontRef>
+        </p:style>
+        <p:txBody>
+          <a:bodyPr rtlCol="0" anchor="ctr"/>
+          <a:lstStyle/>
+          <a:p>
+            <a:pPr algn="ctr"/>
+            <a:r>
+              <a:rPr lang="en-US" dirty="0" smtClean="0"/>
+              <a:t>BUZZER</a:t>
+            </a:r>
+            <a:endParaRPr lang="en-US" dirty="0"/>
+          </a:p>
+        </p:txBody>
+      </p:sp>
+      <p:sp>
+        <p:nvSpPr>
+          <p:cNvPr id="14" name="Rectangle 13"/>
+          <p:cNvSpPr/>
+          <p:nvPr/>
+        </p:nvSpPr>
+        <p:spPr>
+          <a:xfrm rot="10800000" flipH="1">
+            <a:off x="721276" y="2415915"/>
+            <a:ext cx="45719" cy="3160425"/>
+          </a:xfrm>
+          <a:prstGeom prst="rect">
+            <a:avLst/>
+          </a:prstGeom>
+          <a:solidFill>
+            <a:schemeClr val="tx1"/>
+          </a:solidFill>
+          <a:ln>
+            <a:solidFill>
+              <a:schemeClr val="tx1"/>
+            </a:solidFill>
+          </a:ln>
+        </p:spPr>
+        <p:style>
+          <a:lnRef idx="2">
+            <a:schemeClr val="accent1">
+              <a:shade val="50000"/>
+            </a:schemeClr>
+          </a:lnRef>
+          <a:fillRef idx="1">
+            <a:schemeClr val="accent1"/>
+          </a:fillRef>
+          <a:effectRef idx="0">
+            <a:schemeClr val="accent1"/>
+          </a:effectRef>
+          <a:fontRef idx="minor">
+            <a:schemeClr val="lt1"/>
+          </a:fontRef>
+        </p:style>
+        <p:txBody>
+          <a:bodyPr rtlCol="0" anchor="ctr"/>
+          <a:lstStyle/>
+          <a:p>
+            <a:pPr algn="ctr"/>
+            <a:endParaRPr lang="en-US"/>
+          </a:p>
+        </p:txBody>
+      </p:sp>
+      <p:sp>
+        <p:nvSpPr>
+          <p:cNvPr id="15" name="Rectangle 14"/>
+          <p:cNvSpPr/>
+          <p:nvPr/>
+        </p:nvSpPr>
+        <p:spPr>
+          <a:xfrm rot="10800000" flipH="1">
+            <a:off x="749508" y="5563098"/>
+            <a:ext cx="2458387" cy="45719"/>
+          </a:xfrm>
+          <a:prstGeom prst="rect">
+            <a:avLst/>
+          </a:prstGeom>
+          <a:solidFill>
+            <a:schemeClr val="tx1"/>
+          </a:solidFill>
+          <a:ln>
+            <a:solidFill>
+              <a:schemeClr val="tx1"/>
+            </a:solidFill>
+          </a:ln>
+        </p:spPr>
+        <p:style>
+          <a:lnRef idx="2">
+            <a:schemeClr val="accent1">
+              <a:shade val="50000"/>
+            </a:schemeClr>
+          </a:lnRef>
+          <a:fillRef idx="1">
+            <a:schemeClr val="accent1"/>
+          </a:fillRef>
+          <a:effectRef idx="0">
+            <a:schemeClr val="accent1"/>
+          </a:effectRef>
+          <a:fontRef idx="minor">
+            <a:schemeClr val="lt1"/>
+          </a:fontRef>
+        </p:style>
+        <p:txBody>
+          <a:bodyPr rtlCol="0" anchor="ctr"/>
+          <a:lstStyle/>
+          <a:p>
+            <a:pPr algn="ctr"/>
+            <a:endParaRPr lang="en-US"/>
+          </a:p>
+        </p:txBody>
+      </p:sp>
+      <p:sp>
+        <p:nvSpPr>
+          <p:cNvPr id="16" name="Rectangle 15"/>
+          <p:cNvSpPr/>
+          <p:nvPr/>
+        </p:nvSpPr>
+        <p:spPr>
+          <a:xfrm rot="16200000">
+            <a:off x="2694108" y="5568377"/>
+            <a:ext cx="1078173" cy="68239"/>
+          </a:xfrm>
+          <a:prstGeom prst="rect">
+            <a:avLst/>
+          </a:prstGeom>
+          <a:solidFill>
+            <a:schemeClr val="tx1"/>
+          </a:solidFill>
+          <a:ln>
+            <a:solidFill>
+              <a:schemeClr val="tx1"/>
+            </a:solidFill>
+          </a:ln>
+        </p:spPr>
+        <p:style>
+          <a:lnRef idx="2">
+            <a:schemeClr val="accent1">
+              <a:shade val="50000"/>
+            </a:schemeClr>
+          </a:lnRef>
+          <a:fillRef idx="1">
+            <a:schemeClr val="accent1"/>
+          </a:fillRef>
+          <a:effectRef idx="0">
+            <a:schemeClr val="accent1"/>
+          </a:effectRef>
+          <a:fontRef idx="minor">
+            <a:schemeClr val="lt1"/>
+          </a:fontRef>
+        </p:style>
+        <p:txBody>
+          <a:bodyPr rtlCol="0" anchor="ctr"/>
+          <a:lstStyle/>
+          <a:p>
+            <a:pPr algn="ctr"/>
+            <a:endParaRPr lang="en-US"/>
+          </a:p>
+        </p:txBody>
+      </p:sp>
+      <p:sp>
+        <p:nvSpPr>
+          <p:cNvPr id="17" name="Rectangle 16"/>
+          <p:cNvSpPr/>
+          <p:nvPr/>
+        </p:nvSpPr>
+        <p:spPr>
+          <a:xfrm rot="16200000">
+            <a:off x="3189124" y="5579636"/>
+            <a:ext cx="693764" cy="45719"/>
+          </a:xfrm>
+          <a:prstGeom prst="rect">
+            <a:avLst/>
+          </a:prstGeom>
+          <a:solidFill>
+            <a:schemeClr val="tx1"/>
+          </a:solidFill>
+          <a:ln>
+            <a:solidFill>
+              <a:schemeClr val="tx1"/>
+            </a:solidFill>
+          </a:ln>
+        </p:spPr>
+        <p:style>
+          <a:lnRef idx="2">
+            <a:schemeClr val="accent1">
+              <a:shade val="50000"/>
+            </a:schemeClr>
+          </a:lnRef>
+          <a:fillRef idx="1">
+            <a:schemeClr val="accent1"/>
+          </a:fillRef>
+          <a:effectRef idx="0">
+            <a:schemeClr val="accent1"/>
+          </a:effectRef>
+          <a:fontRef idx="minor">
+            <a:schemeClr val="lt1"/>
+          </a:fontRef>
+        </p:style>
+        <p:txBody>
+          <a:bodyPr rtlCol="0" anchor="ctr"/>
+          <a:lstStyle/>
+          <a:p>
+            <a:pPr algn="ctr"/>
+            <a:endParaRPr lang="en-US"/>
+          </a:p>
+        </p:txBody>
+      </p:sp>
+      <p:sp>
+        <p:nvSpPr>
+          <p:cNvPr id="18" name="Rectangle 17"/>
+          <p:cNvSpPr/>
+          <p:nvPr/>
+        </p:nvSpPr>
+        <p:spPr>
+          <a:xfrm rot="16200000" flipV="1">
+            <a:off x="3242752" y="5579635"/>
+            <a:ext cx="1078173" cy="45719"/>
+          </a:xfrm>
+          <a:prstGeom prst="rect">
+            <a:avLst/>
+          </a:prstGeom>
+          <a:solidFill>
+            <a:schemeClr val="tx1"/>
+          </a:solidFill>
+          <a:ln>
+            <a:solidFill>
+              <a:schemeClr val="tx1"/>
+            </a:solidFill>
+          </a:ln>
+        </p:spPr>
+        <p:style>
+          <a:lnRef idx="2">
+            <a:schemeClr val="accent1">
+              <a:shade val="50000"/>
+            </a:schemeClr>
+          </a:lnRef>
+          <a:fillRef idx="1">
+            <a:schemeClr val="accent1"/>
+          </a:fillRef>
+          <a:effectRef idx="0">
+            <a:schemeClr val="accent1"/>
+          </a:effectRef>
+          <a:fontRef idx="minor">
+            <a:schemeClr val="lt1"/>
+          </a:fontRef>
+        </p:style>
+        <p:txBody>
+          <a:bodyPr rtlCol="0" anchor="ctr"/>
+          <a:lstStyle/>
+          <a:p>
+            <a:pPr algn="ctr"/>
+            <a:endParaRPr lang="en-US"/>
+          </a:p>
+        </p:txBody>
+      </p:sp>
+      <p:sp>
+        <p:nvSpPr>
+          <p:cNvPr id="19" name="Rectangle 18"/>
+          <p:cNvSpPr/>
+          <p:nvPr/>
+        </p:nvSpPr>
+        <p:spPr>
+          <a:xfrm rot="16200000">
+            <a:off x="3746264" y="5588734"/>
+            <a:ext cx="675568" cy="45719"/>
+          </a:xfrm>
+          <a:prstGeom prst="rect">
+            <a:avLst/>
+          </a:prstGeom>
+          <a:solidFill>
+            <a:schemeClr val="tx1"/>
+          </a:solidFill>
+          <a:ln>
+            <a:solidFill>
+              <a:schemeClr val="tx1"/>
+            </a:solidFill>
+          </a:ln>
+        </p:spPr>
+        <p:style>
+          <a:lnRef idx="2">
+            <a:schemeClr val="accent1">
+              <a:shade val="50000"/>
+            </a:schemeClr>
+          </a:lnRef>
+          <a:fillRef idx="1">
+            <a:schemeClr val="accent1"/>
+          </a:fillRef>
+          <a:effectRef idx="0">
+            <a:schemeClr val="accent1"/>
+          </a:effectRef>
+          <a:fontRef idx="minor">
+            <a:schemeClr val="lt1"/>
+          </a:fontRef>
+        </p:style>
+        <p:txBody>
+          <a:bodyPr rtlCol="0" anchor="ctr"/>
+          <a:lstStyle/>
+          <a:p>
+            <a:pPr algn="ctr"/>
+            <a:endParaRPr lang="en-US"/>
+          </a:p>
+        </p:txBody>
+      </p:sp>
+      <p:sp>
+        <p:nvSpPr>
+          <p:cNvPr id="20" name="Rectangle 19"/>
+          <p:cNvSpPr/>
+          <p:nvPr/>
+        </p:nvSpPr>
+        <p:spPr>
+          <a:xfrm>
+            <a:off x="2297733" y="4654345"/>
+            <a:ext cx="600502" cy="923330"/>
+          </a:xfrm>
+          <a:prstGeom prst="rect">
+            <a:avLst/>
+          </a:prstGeom>
+          <a:noFill/>
+        </p:spPr>
+        <p:txBody>
+          <a:bodyPr wrap="square" lIns="91440" tIns="45720" rIns="91440" bIns="45720">
+            <a:spAutoFit/>
+          </a:bodyPr>
+          <a:lstStyle/>
+          <a:p>
+            <a:pPr algn="ctr"/>
+            <a:r>
+              <a:rPr lang="en-US" sz="5400" b="0" cap="none" spc="0" dirty="0" smtClean="0">
+                <a:ln w="0"/>
+                <a:solidFill>
+                  <a:schemeClr val="tx1"/>
+                </a:solidFill>
+                <a:effectLst>
+                  <a:outerShdw blurRad="38100" dist="19050" dir="2700000" algn="tl" rotWithShape="0">
+                    <a:schemeClr val="dk1">
+                      <a:alpha val="40000"/>
+                    </a:schemeClr>
+                  </a:outerShdw>
+                </a:effectLst>
+              </a:rPr>
+              <a:t>+</a:t>
+            </a:r>
+            <a:endParaRPr lang="en-US" sz="5400" b="0" cap="none" spc="0" dirty="0">
+              <a:ln w="0"/>
+              <a:solidFill>
+                <a:schemeClr val="tx1"/>
+              </a:solidFill>
+              <a:effectLst>
+                <a:outerShdw blurRad="38100" dist="19050" dir="2700000" algn="tl" rotWithShape="0">
+                  <a:schemeClr val="dk1">
+                    <a:alpha val="40000"/>
+                  </a:schemeClr>
+                </a:outerShdw>
+              </a:effectLst>
+            </a:endParaRPr>
+          </a:p>
+        </p:txBody>
+      </p:sp>
+      <p:sp>
+        <p:nvSpPr>
+          <p:cNvPr id="21" name="Rectangle 20"/>
+          <p:cNvSpPr/>
+          <p:nvPr/>
+        </p:nvSpPr>
+        <p:spPr>
+          <a:xfrm>
+            <a:off x="4103506" y="4690203"/>
+            <a:ext cx="600502" cy="923330"/>
+          </a:xfrm>
+          <a:prstGeom prst="rect">
+            <a:avLst/>
+          </a:prstGeom>
+          <a:noFill/>
+        </p:spPr>
+        <p:txBody>
+          <a:bodyPr wrap="square" lIns="91440" tIns="45720" rIns="91440" bIns="45720">
+            <a:spAutoFit/>
+          </a:bodyPr>
+          <a:lstStyle/>
+          <a:p>
+            <a:pPr algn="ctr"/>
+            <a:r>
+              <a:rPr lang="en-US" sz="5400" b="0" cap="none" spc="0" dirty="0" smtClean="0">
+                <a:ln w="0"/>
+                <a:solidFill>
+                  <a:schemeClr val="tx1"/>
+                </a:solidFill>
+                <a:effectLst>
+                  <a:outerShdw blurRad="38100" dist="19050" dir="2700000" algn="tl" rotWithShape="0">
+                    <a:schemeClr val="dk1">
+                      <a:alpha val="40000"/>
+                    </a:schemeClr>
+                  </a:outerShdw>
+                </a:effectLst>
+              </a:rPr>
+              <a:t>-</a:t>
+            </a:r>
+            <a:endParaRPr lang="en-US" sz="5400" b="0" cap="none" spc="0" dirty="0">
+              <a:ln w="0"/>
+              <a:solidFill>
+                <a:schemeClr val="tx1"/>
+              </a:solidFill>
+              <a:effectLst>
+                <a:outerShdw blurRad="38100" dist="19050" dir="2700000" algn="tl" rotWithShape="0">
+                  <a:schemeClr val="dk1">
+                    <a:alpha val="40000"/>
+                  </a:schemeClr>
+                </a:outerShdw>
+              </a:effectLst>
+            </a:endParaRPr>
+          </a:p>
+        </p:txBody>
+      </p:sp>
+      <p:sp>
+        <p:nvSpPr>
+          <p:cNvPr id="22" name="Rectangle 21"/>
+          <p:cNvSpPr/>
+          <p:nvPr/>
+        </p:nvSpPr>
+        <p:spPr>
+          <a:xfrm>
+            <a:off x="8549527" y="4178391"/>
+            <a:ext cx="1549495" cy="523220"/>
+          </a:xfrm>
+          <a:prstGeom prst="rect">
+            <a:avLst/>
+          </a:prstGeom>
+          <a:noFill/>
+        </p:spPr>
+        <p:txBody>
+          <a:bodyPr wrap="square" lIns="91440" tIns="45720" rIns="91440" bIns="45720">
+            <a:spAutoFit/>
+          </a:bodyPr>
+          <a:lstStyle/>
+          <a:p>
+            <a:pPr algn="ctr"/>
+            <a:r>
+              <a:rPr lang="en-US" sz="2800" dirty="0" smtClean="0">
+                <a:ln w="0"/>
+                <a:effectLst>
+                  <a:outerShdw blurRad="38100" dist="19050" dir="2700000" algn="tl" rotWithShape="0">
+                    <a:schemeClr val="dk1">
+                      <a:alpha val="40000"/>
+                    </a:schemeClr>
+                  </a:outerShdw>
+                </a:effectLst>
+              </a:rPr>
+              <a:t>BUZZER</a:t>
+            </a:r>
+            <a:endParaRPr lang="en-US" sz="5400" b="0" cap="none" spc="0" dirty="0">
+              <a:ln w="0"/>
+              <a:solidFill>
+                <a:schemeClr val="tx1"/>
+              </a:solidFill>
+              <a:effectLst>
+                <a:outerShdw blurRad="38100" dist="19050" dir="2700000" algn="tl" rotWithShape="0">
+                  <a:schemeClr val="dk1">
+                    <a:alpha val="40000"/>
+                  </a:schemeClr>
+                </a:outerShdw>
+              </a:effectLst>
+            </a:endParaRPr>
+          </a:p>
+        </p:txBody>
+      </p:sp>
+      <p:sp>
+        <p:nvSpPr>
+          <p:cNvPr id="23" name="Rectangle 22"/>
+          <p:cNvSpPr/>
+          <p:nvPr/>
+        </p:nvSpPr>
+        <p:spPr>
+          <a:xfrm rot="10800000" flipH="1">
+            <a:off x="4124793" y="5546361"/>
+            <a:ext cx="4539522" cy="64954"/>
+          </a:xfrm>
+          <a:prstGeom prst="rect">
+            <a:avLst/>
+          </a:prstGeom>
+          <a:solidFill>
+            <a:schemeClr val="tx1"/>
+          </a:solidFill>
+          <a:ln>
+            <a:solidFill>
+              <a:schemeClr val="tx1"/>
+            </a:solidFill>
+          </a:ln>
+        </p:spPr>
+        <p:style>
+          <a:lnRef idx="2">
+            <a:schemeClr val="accent1">
+              <a:shade val="50000"/>
+            </a:schemeClr>
+          </a:lnRef>
+          <a:fillRef idx="1">
+            <a:schemeClr val="accent1"/>
+          </a:fillRef>
+          <a:effectRef idx="0">
+            <a:schemeClr val="accent1"/>
+          </a:effectRef>
+          <a:fontRef idx="minor">
+            <a:schemeClr val="lt1"/>
+          </a:fontRef>
+        </p:style>
+        <p:txBody>
+          <a:bodyPr rtlCol="0" anchor="ctr"/>
+          <a:lstStyle/>
+          <a:p>
+            <a:pPr algn="ctr"/>
+            <a:endParaRPr lang="en-US"/>
+          </a:p>
+        </p:txBody>
+      </p:sp>
+      <p:sp>
+        <p:nvSpPr>
+          <p:cNvPr id="25" name="Rectangle 24"/>
+          <p:cNvSpPr/>
+          <p:nvPr/>
+        </p:nvSpPr>
+        <p:spPr>
+          <a:xfrm rot="10800000" flipH="1" flipV="1">
+            <a:off x="10045908" y="5566345"/>
+            <a:ext cx="896912" cy="45719"/>
+          </a:xfrm>
+          <a:prstGeom prst="rect">
+            <a:avLst/>
+          </a:prstGeom>
+          <a:solidFill>
+            <a:schemeClr val="tx1"/>
+          </a:solidFill>
+          <a:ln>
+            <a:solidFill>
+              <a:schemeClr val="tx1"/>
+            </a:solidFill>
+          </a:ln>
+        </p:spPr>
+        <p:style>
+          <a:lnRef idx="2">
+            <a:schemeClr val="accent1">
+              <a:shade val="50000"/>
+            </a:schemeClr>
+          </a:lnRef>
+          <a:fillRef idx="1">
+            <a:schemeClr val="accent1"/>
+          </a:fillRef>
+          <a:effectRef idx="0">
+            <a:schemeClr val="accent1"/>
+          </a:effectRef>
+          <a:fontRef idx="minor">
+            <a:schemeClr val="lt1"/>
+          </a:fontRef>
+        </p:style>
+        <p:txBody>
+          <a:bodyPr rtlCol="0" anchor="ctr"/>
+          <a:lstStyle/>
+          <a:p>
+            <a:pPr algn="ctr"/>
+            <a:endParaRPr lang="en-US"/>
+          </a:p>
+        </p:txBody>
+      </p:sp>
+      <p:sp>
+        <p:nvSpPr>
+          <p:cNvPr id="26" name="Flowchart: Connector 25"/>
+          <p:cNvSpPr/>
+          <p:nvPr/>
+        </p:nvSpPr>
+        <p:spPr>
+          <a:xfrm>
+            <a:off x="10692984" y="5341495"/>
+            <a:ext cx="374754" cy="404734"/>
+          </a:xfrm>
+          <a:prstGeom prst="flowChartConnector">
+            <a:avLst/>
+          </a:prstGeom>
+          <a:solidFill>
+            <a:schemeClr val="bg2"/>
+          </a:solidFill>
+          <a:ln w="28575">
+            <a:solidFill>
+              <a:schemeClr val="tx1"/>
+            </a:solidFill>
+          </a:ln>
+        </p:spPr>
+        <p:style>
+          <a:lnRef idx="2">
+            <a:schemeClr val="accent1">
+              <a:shade val="50000"/>
+            </a:schemeClr>
+          </a:lnRef>
+          <a:fillRef idx="1">
+            <a:schemeClr val="accent1"/>
+          </a:fillRef>
+          <a:effectRef idx="0">
+            <a:schemeClr val="accent1"/>
+          </a:effectRef>
+          <a:fontRef idx="minor">
+            <a:schemeClr val="lt1"/>
+          </a:fontRef>
+        </p:style>
+        <p:txBody>
+          <a:bodyPr rtlCol="0" anchor="ctr"/>
+          <a:lstStyle/>
+          <a:p>
+            <a:pPr algn="ctr"/>
+            <a:endParaRPr lang="en-US"/>
+          </a:p>
+        </p:txBody>
+      </p:sp>
+      <p:sp>
+        <p:nvSpPr>
+          <p:cNvPr id="27" name="Rectangle 26"/>
+          <p:cNvSpPr/>
+          <p:nvPr/>
+        </p:nvSpPr>
+        <p:spPr>
+          <a:xfrm>
+            <a:off x="3050635" y="4450712"/>
+            <a:ext cx="1549495" cy="523220"/>
+          </a:xfrm>
+          <a:prstGeom prst="rect">
+            <a:avLst/>
+          </a:prstGeom>
+          <a:noFill/>
+        </p:spPr>
+        <p:txBody>
+          <a:bodyPr wrap="square" lIns="91440" tIns="45720" rIns="91440" bIns="45720">
+            <a:spAutoFit/>
+          </a:bodyPr>
+          <a:lstStyle/>
+          <a:p>
+            <a:pPr algn="ctr"/>
+            <a:r>
+              <a:rPr lang="en-US" sz="2800" dirty="0" smtClean="0">
+                <a:ln w="0"/>
+                <a:effectLst>
+                  <a:outerShdw blurRad="38100" dist="19050" dir="2700000" algn="tl" rotWithShape="0">
+                    <a:schemeClr val="dk1">
+                      <a:alpha val="40000"/>
+                    </a:schemeClr>
+                  </a:outerShdw>
+                </a:effectLst>
+              </a:rPr>
+              <a:t>BATTERY</a:t>
+            </a:r>
+            <a:endParaRPr lang="en-US" sz="5400" b="0" cap="none" spc="0" dirty="0">
+              <a:ln w="0"/>
+              <a:solidFill>
+                <a:schemeClr val="tx1"/>
+              </a:solidFill>
+              <a:effectLst>
+                <a:outerShdw blurRad="38100" dist="19050" dir="2700000" algn="tl" rotWithShape="0">
+                  <a:schemeClr val="dk1">
+                    <a:alpha val="40000"/>
+                  </a:schemeClr>
+                </a:outerShdw>
+              </a:effectLst>
+            </a:endParaRPr>
+          </a:p>
+        </p:txBody>
+      </p:sp>
+    </p:spTree>
   </p:cSld>
   <p:clrMapOvr>
     <a:masterClrMapping/>
@@ -17213,7 +18397,7 @@
     </p:spTree>
     <p:extLst>
       <p:ext uri="{BB962C8B-B14F-4D97-AF65-F5344CB8AC3E}">
-        <p14:creationId xmlns:p14="http://schemas.microsoft.com/office/powerpoint/2010/main" xmlns="" val="1641149290"/>
+        <p14:creationId xmlns="" xmlns:p14="http://schemas.microsoft.com/office/powerpoint/2010/main" val="1641149290"/>
       </p:ext>
     </p:extLst>
   </p:cSld>
@@ -17303,7 +18487,7 @@
           <a:blip r:embed="rId2">
             <a:extLst>
               <a:ext uri="{28A0092B-C50C-407E-A947-70E740481C1C}">
-                <a14:useLocalDpi xmlns:a14="http://schemas.microsoft.com/office/drawing/2010/main" xmlns="" val="0"/>
+                <a14:useLocalDpi xmlns="" xmlns:a14="http://schemas.microsoft.com/office/drawing/2010/main" val="0"/>
               </a:ext>
             </a:extLst>
           </a:blip>
@@ -17323,7 +18507,7 @@
           <a:noFill/>
           <a:extLst>
             <a:ext uri="{909E8E84-426E-40DD-AFC4-6F175D3DCCD1}">
-              <a14:hiddenFill xmlns:a14="http://schemas.microsoft.com/office/drawing/2010/main" xmlns="">
+              <a14:hiddenFill xmlns="" xmlns:a14="http://schemas.microsoft.com/office/drawing/2010/main">
                 <a:solidFill>
                   <a:srgbClr val="FFFFFF"/>
                 </a:solidFill>
@@ -17335,7 +18519,7 @@
     </p:spTree>
     <p:extLst>
       <p:ext uri="{BB962C8B-B14F-4D97-AF65-F5344CB8AC3E}">
-        <p14:creationId xmlns:p14="http://schemas.microsoft.com/office/powerpoint/2010/main" xmlns="" val="958192436"/>
+        <p14:creationId xmlns="" xmlns:p14="http://schemas.microsoft.com/office/powerpoint/2010/main" val="958192436"/>
       </p:ext>
     </p:extLst>
   </p:cSld>
@@ -19396,7 +20580,7 @@
     </p:spTree>
     <p:extLst>
       <p:ext uri="{BB962C8B-B14F-4D97-AF65-F5344CB8AC3E}">
-        <p14:creationId xmlns:p14="http://schemas.microsoft.com/office/powerpoint/2010/main" xmlns="" val="1659390950"/>
+        <p14:creationId xmlns="" xmlns:p14="http://schemas.microsoft.com/office/powerpoint/2010/main" val="1659390950"/>
       </p:ext>
     </p:extLst>
   </p:cSld>
@@ -20742,7 +21926,7 @@
     </p:spTree>
     <p:extLst>
       <p:ext uri="{BB962C8B-B14F-4D97-AF65-F5344CB8AC3E}">
-        <p14:creationId xmlns:p14="http://schemas.microsoft.com/office/powerpoint/2010/main" xmlns="" val="1386112098"/>
+        <p14:creationId xmlns="" xmlns:p14="http://schemas.microsoft.com/office/powerpoint/2010/main" val="1386112098"/>
       </p:ext>
     </p:extLst>
   </p:cSld>
@@ -22897,7 +24081,7 @@
     </p:spTree>
     <p:extLst>
       <p:ext uri="{BB962C8B-B14F-4D97-AF65-F5344CB8AC3E}">
-        <p14:creationId xmlns:p14="http://schemas.microsoft.com/office/powerpoint/2010/main" xmlns="" val="2902873993"/>
+        <p14:creationId xmlns="" xmlns:p14="http://schemas.microsoft.com/office/powerpoint/2010/main" val="2902873993"/>
       </p:ext>
     </p:extLst>
   </p:cSld>
@@ -24944,7 +26128,7 @@
     </p:spTree>
     <p:extLst>
       <p:ext uri="{BB962C8B-B14F-4D97-AF65-F5344CB8AC3E}">
-        <p14:creationId xmlns:p14="http://schemas.microsoft.com/office/powerpoint/2010/main" xmlns="" val="4081839283"/>
+        <p14:creationId xmlns="" xmlns:p14="http://schemas.microsoft.com/office/powerpoint/2010/main" val="4081839283"/>
       </p:ext>
     </p:extLst>
   </p:cSld>
@@ -26820,7 +28004,7 @@
     </p:spTree>
     <p:extLst>
       <p:ext uri="{BB962C8B-B14F-4D97-AF65-F5344CB8AC3E}">
-        <p14:creationId xmlns:p14="http://schemas.microsoft.com/office/powerpoint/2010/main" xmlns="" val="1852443594"/>
+        <p14:creationId xmlns="" xmlns:p14="http://schemas.microsoft.com/office/powerpoint/2010/main" val="1852443594"/>
       </p:ext>
     </p:extLst>
   </p:cSld>
@@ -27085,7 +28269,7 @@
   <a:extraClrSchemeLst/>
   <a:extLst>
     <a:ext uri="{05A4C25C-085E-4340-85A3-A5531E510DB2}">
-      <thm15:themeFamily xmlns:thm15="http://schemas.microsoft.com/office/thememl/2012/main" xmlns="" name="Office Theme" id="{62F939B6-93AF-4DB8-9C6B-D6C7DFDC589F}" vid="{4A3C46E8-61CC-4603-A589-7422A47A8E4A}"/>
+      <thm15:themeFamily xmlns="" xmlns:thm15="http://schemas.microsoft.com/office/thememl/2012/main" name="Office Theme" id="{62F939B6-93AF-4DB8-9C6B-D6C7DFDC589F}" vid="{4A3C46E8-61CC-4603-A589-7422A47A8E4A}"/>
     </a:ext>
   </a:extLst>
 </a:theme>

--- a/Documents/projects for schools.pptx
+++ b/Documents/projects for schools.pptx
@@ -29,6 +29,7 @@
     <p:sldId id="278" r:id="rId23"/>
     <p:sldId id="279" r:id="rId24"/>
     <p:sldId id="280" r:id="rId25"/>
+    <p:sldId id="281" r:id="rId26"/>
   </p:sldIdLst>
   <p:sldSz cx="12192000" cy="6858000"/>
   <p:notesSz cx="6858000" cy="9947275"/>
@@ -129,7 +130,7 @@
   </p:defaultTextStyle>
   <p:extLst>
     <p:ext uri="{EFAFB233-063F-42B5-8137-9DF3F51BA10A}">
-      <p15:sldGuideLst xmlns="" xmlns:p15="http://schemas.microsoft.com/office/powerpoint/2012/main">
+      <p15:sldGuideLst xmlns:p15="http://schemas.microsoft.com/office/powerpoint/2012/main">
         <p15:guide id="1" orient="horz" pos="2160">
           <p15:clr>
             <a:srgbClr val="A4A3A4"/>
@@ -278,7 +279,7 @@
             <a:fld id="{30FEA4BD-71B3-41DD-B9FF-6FB8DBE50051}" type="datetimeFigureOut">
               <a:rPr lang="en-US" smtClean="0"/>
               <a:pPr/>
-              <a:t>12/23/2014</a:t>
+              <a:t>12/31/2014</a:t>
             </a:fld>
             <a:endParaRPr lang="en-US"/>
           </a:p>
@@ -330,7 +331,7 @@
     </p:spTree>
     <p:extLst>
       <p:ext uri="{BB962C8B-B14F-4D97-AF65-F5344CB8AC3E}">
-        <p14:creationId xmlns="" xmlns:p14="http://schemas.microsoft.com/office/powerpoint/2010/main" val="2783986648"/>
+        <p14:creationId xmlns:p14="http://schemas.microsoft.com/office/powerpoint/2010/main" val="2783986648"/>
       </p:ext>
     </p:extLst>
   </p:cSld>
@@ -450,7 +451,7 @@
             <a:fld id="{30FEA4BD-71B3-41DD-B9FF-6FB8DBE50051}" type="datetimeFigureOut">
               <a:rPr lang="en-US" smtClean="0"/>
               <a:pPr/>
-              <a:t>12/23/2014</a:t>
+              <a:t>12/31/2014</a:t>
             </a:fld>
             <a:endParaRPr lang="en-US"/>
           </a:p>
@@ -502,7 +503,7 @@
     </p:spTree>
     <p:extLst>
       <p:ext uri="{BB962C8B-B14F-4D97-AF65-F5344CB8AC3E}">
-        <p14:creationId xmlns="" xmlns:p14="http://schemas.microsoft.com/office/powerpoint/2010/main" val="1553657408"/>
+        <p14:creationId xmlns:p14="http://schemas.microsoft.com/office/powerpoint/2010/main" val="1553657408"/>
       </p:ext>
     </p:extLst>
   </p:cSld>
@@ -632,7 +633,7 @@
             <a:fld id="{30FEA4BD-71B3-41DD-B9FF-6FB8DBE50051}" type="datetimeFigureOut">
               <a:rPr lang="en-US" smtClean="0"/>
               <a:pPr/>
-              <a:t>12/23/2014</a:t>
+              <a:t>12/31/2014</a:t>
             </a:fld>
             <a:endParaRPr lang="en-US"/>
           </a:p>
@@ -684,7 +685,7 @@
     </p:spTree>
     <p:extLst>
       <p:ext uri="{BB962C8B-B14F-4D97-AF65-F5344CB8AC3E}">
-        <p14:creationId xmlns="" xmlns:p14="http://schemas.microsoft.com/office/powerpoint/2010/main" val="2190105155"/>
+        <p14:creationId xmlns:p14="http://schemas.microsoft.com/office/powerpoint/2010/main" val="2190105155"/>
       </p:ext>
     </p:extLst>
   </p:cSld>
@@ -804,7 +805,7 @@
             <a:fld id="{30FEA4BD-71B3-41DD-B9FF-6FB8DBE50051}" type="datetimeFigureOut">
               <a:rPr lang="en-US" smtClean="0"/>
               <a:pPr/>
-              <a:t>12/23/2014</a:t>
+              <a:t>12/31/2014</a:t>
             </a:fld>
             <a:endParaRPr lang="en-US"/>
           </a:p>
@@ -856,7 +857,7 @@
     </p:spTree>
     <p:extLst>
       <p:ext uri="{BB962C8B-B14F-4D97-AF65-F5344CB8AC3E}">
-        <p14:creationId xmlns="" xmlns:p14="http://schemas.microsoft.com/office/powerpoint/2010/main" val="3388913498"/>
+        <p14:creationId xmlns:p14="http://schemas.microsoft.com/office/powerpoint/2010/main" val="3388913498"/>
       </p:ext>
     </p:extLst>
   </p:cSld>
@@ -1052,7 +1053,7 @@
             <a:fld id="{30FEA4BD-71B3-41DD-B9FF-6FB8DBE50051}" type="datetimeFigureOut">
               <a:rPr lang="en-US" smtClean="0"/>
               <a:pPr/>
-              <a:t>12/23/2014</a:t>
+              <a:t>12/31/2014</a:t>
             </a:fld>
             <a:endParaRPr lang="en-US"/>
           </a:p>
@@ -1104,7 +1105,7 @@
     </p:spTree>
     <p:extLst>
       <p:ext uri="{BB962C8B-B14F-4D97-AF65-F5344CB8AC3E}">
-        <p14:creationId xmlns="" xmlns:p14="http://schemas.microsoft.com/office/powerpoint/2010/main" val="3998476502"/>
+        <p14:creationId xmlns:p14="http://schemas.microsoft.com/office/powerpoint/2010/main" val="3998476502"/>
       </p:ext>
     </p:extLst>
   </p:cSld>
@@ -1286,7 +1287,7 @@
             <a:fld id="{30FEA4BD-71B3-41DD-B9FF-6FB8DBE50051}" type="datetimeFigureOut">
               <a:rPr lang="en-US" smtClean="0"/>
               <a:pPr/>
-              <a:t>12/23/2014</a:t>
+              <a:t>12/31/2014</a:t>
             </a:fld>
             <a:endParaRPr lang="en-US"/>
           </a:p>
@@ -1338,7 +1339,7 @@
     </p:spTree>
     <p:extLst>
       <p:ext uri="{BB962C8B-B14F-4D97-AF65-F5344CB8AC3E}">
-        <p14:creationId xmlns="" xmlns:p14="http://schemas.microsoft.com/office/powerpoint/2010/main" val="1557806308"/>
+        <p14:creationId xmlns:p14="http://schemas.microsoft.com/office/powerpoint/2010/main" val="1557806308"/>
       </p:ext>
     </p:extLst>
   </p:cSld>
@@ -1655,7 +1656,7 @@
             <a:fld id="{30FEA4BD-71B3-41DD-B9FF-6FB8DBE50051}" type="datetimeFigureOut">
               <a:rPr lang="en-US" smtClean="0"/>
               <a:pPr/>
-              <a:t>12/23/2014</a:t>
+              <a:t>12/31/2014</a:t>
             </a:fld>
             <a:endParaRPr lang="en-US"/>
           </a:p>
@@ -1707,7 +1708,7 @@
     </p:spTree>
     <p:extLst>
       <p:ext uri="{BB962C8B-B14F-4D97-AF65-F5344CB8AC3E}">
-        <p14:creationId xmlns="" xmlns:p14="http://schemas.microsoft.com/office/powerpoint/2010/main" val="1969040822"/>
+        <p14:creationId xmlns:p14="http://schemas.microsoft.com/office/powerpoint/2010/main" val="1969040822"/>
       </p:ext>
     </p:extLst>
   </p:cSld>
@@ -1775,7 +1776,7 @@
             <a:fld id="{30FEA4BD-71B3-41DD-B9FF-6FB8DBE50051}" type="datetimeFigureOut">
               <a:rPr lang="en-US" smtClean="0"/>
               <a:pPr/>
-              <a:t>12/23/2014</a:t>
+              <a:t>12/31/2014</a:t>
             </a:fld>
             <a:endParaRPr lang="en-US"/>
           </a:p>
@@ -1827,7 +1828,7 @@
     </p:spTree>
     <p:extLst>
       <p:ext uri="{BB962C8B-B14F-4D97-AF65-F5344CB8AC3E}">
-        <p14:creationId xmlns="" xmlns:p14="http://schemas.microsoft.com/office/powerpoint/2010/main" val="3785336507"/>
+        <p14:creationId xmlns:p14="http://schemas.microsoft.com/office/powerpoint/2010/main" val="3785336507"/>
       </p:ext>
     </p:extLst>
   </p:cSld>
@@ -1872,7 +1873,7 @@
             <a:fld id="{30FEA4BD-71B3-41DD-B9FF-6FB8DBE50051}" type="datetimeFigureOut">
               <a:rPr lang="en-US" smtClean="0"/>
               <a:pPr/>
-              <a:t>12/23/2014</a:t>
+              <a:t>12/31/2014</a:t>
             </a:fld>
             <a:endParaRPr lang="en-US"/>
           </a:p>
@@ -1924,7 +1925,7 @@
     </p:spTree>
     <p:extLst>
       <p:ext uri="{BB962C8B-B14F-4D97-AF65-F5344CB8AC3E}">
-        <p14:creationId xmlns="" xmlns:p14="http://schemas.microsoft.com/office/powerpoint/2010/main" val="3909500765"/>
+        <p14:creationId xmlns:p14="http://schemas.microsoft.com/office/powerpoint/2010/main" val="3909500765"/>
       </p:ext>
     </p:extLst>
   </p:cSld>
@@ -2151,7 +2152,7 @@
             <a:fld id="{30FEA4BD-71B3-41DD-B9FF-6FB8DBE50051}" type="datetimeFigureOut">
               <a:rPr lang="en-US" smtClean="0"/>
               <a:pPr/>
-              <a:t>12/23/2014</a:t>
+              <a:t>12/31/2014</a:t>
             </a:fld>
             <a:endParaRPr lang="en-US"/>
           </a:p>
@@ -2203,7 +2204,7 @@
     </p:spTree>
     <p:extLst>
       <p:ext uri="{BB962C8B-B14F-4D97-AF65-F5344CB8AC3E}">
-        <p14:creationId xmlns="" xmlns:p14="http://schemas.microsoft.com/office/powerpoint/2010/main" val="3015402253"/>
+        <p14:creationId xmlns:p14="http://schemas.microsoft.com/office/powerpoint/2010/main" val="3015402253"/>
       </p:ext>
     </p:extLst>
   </p:cSld>
@@ -2406,7 +2407,7 @@
             <a:fld id="{30FEA4BD-71B3-41DD-B9FF-6FB8DBE50051}" type="datetimeFigureOut">
               <a:rPr lang="en-US" smtClean="0"/>
               <a:pPr/>
-              <a:t>12/23/2014</a:t>
+              <a:t>12/31/2014</a:t>
             </a:fld>
             <a:endParaRPr lang="en-US"/>
           </a:p>
@@ -2458,7 +2459,7 @@
     </p:spTree>
     <p:extLst>
       <p:ext uri="{BB962C8B-B14F-4D97-AF65-F5344CB8AC3E}">
-        <p14:creationId xmlns="" xmlns:p14="http://schemas.microsoft.com/office/powerpoint/2010/main" val="2612029614"/>
+        <p14:creationId xmlns:p14="http://schemas.microsoft.com/office/powerpoint/2010/main" val="2612029614"/>
       </p:ext>
     </p:extLst>
   </p:cSld>
@@ -2621,7 +2622,7 @@
             <a:fld id="{30FEA4BD-71B3-41DD-B9FF-6FB8DBE50051}" type="datetimeFigureOut">
               <a:rPr lang="en-US" smtClean="0"/>
               <a:pPr/>
-              <a:t>12/23/2014</a:t>
+              <a:t>12/31/2014</a:t>
             </a:fld>
             <a:endParaRPr lang="en-US"/>
           </a:p>
@@ -2709,7 +2710,7 @@
     </p:spTree>
     <p:extLst>
       <p:ext uri="{BB962C8B-B14F-4D97-AF65-F5344CB8AC3E}">
-        <p14:creationId xmlns="" xmlns:p14="http://schemas.microsoft.com/office/powerpoint/2010/main" val="1714597555"/>
+        <p14:creationId xmlns:p14="http://schemas.microsoft.com/office/powerpoint/2010/main" val="1714597555"/>
       </p:ext>
     </p:extLst>
   </p:cSld>
@@ -5897,7 +5898,7 @@
     </p:spTree>
     <p:extLst>
       <p:ext uri="{BB962C8B-B14F-4D97-AF65-F5344CB8AC3E}">
-        <p14:creationId xmlns="" xmlns:p14="http://schemas.microsoft.com/office/powerpoint/2010/main" val="2097960034"/>
+        <p14:creationId xmlns:p14="http://schemas.microsoft.com/office/powerpoint/2010/main" val="2097960034"/>
       </p:ext>
     </p:extLst>
   </p:cSld>
@@ -6416,8 +6417,8 @@
         </p:nvSpPr>
         <p:spPr>
           <a:xfrm>
-            <a:off x="984230" y="1468192"/>
-            <a:ext cx="9230154" cy="45719"/>
+            <a:off x="4283266" y="1468192"/>
+            <a:ext cx="5931118" cy="63059"/>
           </a:xfrm>
           <a:prstGeom prst="flowChartProcess">
             <a:avLst/>
@@ -7285,10 +7286,493 @@
           </a:fontRef>
         </p:style>
       </p:cxnSp>
+      <p:sp>
+        <p:nvSpPr>
+          <p:cNvPr id="39" name="Flowchart: Process 38"/>
+          <p:cNvSpPr/>
+          <p:nvPr/>
+        </p:nvSpPr>
+        <p:spPr>
+          <a:xfrm rot="19870170" flipV="1">
+            <a:off x="3575693" y="1277265"/>
+            <a:ext cx="896440" cy="57551"/>
+          </a:xfrm>
+          <a:prstGeom prst="flowChartProcess">
+            <a:avLst/>
+          </a:prstGeom>
+          <a:solidFill>
+            <a:schemeClr val="tx1"/>
+          </a:solidFill>
+        </p:spPr>
+        <p:style>
+          <a:lnRef idx="2">
+            <a:schemeClr val="accent1">
+              <a:shade val="50000"/>
+            </a:schemeClr>
+          </a:lnRef>
+          <a:fillRef idx="1">
+            <a:schemeClr val="accent1"/>
+          </a:fillRef>
+          <a:effectRef idx="0">
+            <a:schemeClr val="accent1"/>
+          </a:effectRef>
+          <a:fontRef idx="minor">
+            <a:schemeClr val="lt1"/>
+          </a:fontRef>
+        </p:style>
+        <p:txBody>
+          <a:bodyPr rtlCol="0" anchor="ctr"/>
+          <a:lstStyle/>
+          <a:p>
+            <a:pPr algn="ctr"/>
+            <a:endParaRPr lang="en-US" dirty="0"/>
+          </a:p>
+        </p:txBody>
+      </p:sp>
+      <p:sp>
+        <p:nvSpPr>
+          <p:cNvPr id="40" name="Rectangle 39"/>
+          <p:cNvSpPr/>
+          <p:nvPr/>
+        </p:nvSpPr>
+        <p:spPr>
+          <a:xfrm>
+            <a:off x="3394402" y="1580521"/>
+            <a:ext cx="1142365" cy="523220"/>
+          </a:xfrm>
+          <a:prstGeom prst="rect">
+            <a:avLst/>
+          </a:prstGeom>
+          <a:noFill/>
+        </p:spPr>
+        <p:txBody>
+          <a:bodyPr wrap="none" lIns="91440" tIns="45720" rIns="91440" bIns="45720">
+            <a:spAutoFit/>
+          </a:bodyPr>
+          <a:lstStyle/>
+          <a:p>
+            <a:pPr algn="ctr"/>
+            <a:r>
+              <a:rPr lang="en-US" sz="2800" b="0" cap="none" spc="0" dirty="0" smtClean="0">
+                <a:ln w="0"/>
+                <a:solidFill>
+                  <a:schemeClr val="tx1"/>
+                </a:solidFill>
+                <a:effectLst>
+                  <a:outerShdw blurRad="38100" dist="19050" dir="2700000" algn="tl" rotWithShape="0">
+                    <a:schemeClr val="dk1">
+                      <a:alpha val="40000"/>
+                    </a:schemeClr>
+                  </a:outerShdw>
+                </a:effectLst>
+              </a:rPr>
+              <a:t>Switch</a:t>
+            </a:r>
+            <a:endParaRPr lang="en-US" sz="2800" b="0" cap="none" spc="0" dirty="0">
+              <a:ln w="0"/>
+              <a:solidFill>
+                <a:schemeClr val="tx1"/>
+              </a:solidFill>
+              <a:effectLst>
+                <a:outerShdw blurRad="38100" dist="19050" dir="2700000" algn="tl" rotWithShape="0">
+                  <a:schemeClr val="dk1">
+                    <a:alpha val="40000"/>
+                  </a:schemeClr>
+                </a:outerShdw>
+              </a:effectLst>
+            </a:endParaRPr>
+          </a:p>
+        </p:txBody>
+      </p:sp>
+      <p:sp>
+        <p:nvSpPr>
+          <p:cNvPr id="41" name="Flowchart: Process 40"/>
+          <p:cNvSpPr/>
+          <p:nvPr/>
+        </p:nvSpPr>
+        <p:spPr>
+          <a:xfrm>
+            <a:off x="993352" y="1465961"/>
+            <a:ext cx="2646882" cy="65290"/>
+          </a:xfrm>
+          <a:prstGeom prst="flowChartProcess">
+            <a:avLst/>
+          </a:prstGeom>
+          <a:solidFill>
+            <a:schemeClr val="tx1"/>
+          </a:solidFill>
+        </p:spPr>
+        <p:style>
+          <a:lnRef idx="2">
+            <a:schemeClr val="accent1">
+              <a:shade val="50000"/>
+            </a:schemeClr>
+          </a:lnRef>
+          <a:fillRef idx="1">
+            <a:schemeClr val="accent1"/>
+          </a:fillRef>
+          <a:effectRef idx="0">
+            <a:schemeClr val="accent1"/>
+          </a:effectRef>
+          <a:fontRef idx="minor">
+            <a:schemeClr val="lt1"/>
+          </a:fontRef>
+        </p:style>
+        <p:txBody>
+          <a:bodyPr rtlCol="0" anchor="ctr"/>
+          <a:lstStyle/>
+          <a:p>
+            <a:pPr algn="ctr"/>
+            <a:endParaRPr lang="en-US"/>
+          </a:p>
+        </p:txBody>
+      </p:sp>
+      <p:sp>
+        <p:nvSpPr>
+          <p:cNvPr id="42" name="Bent Arrow 41"/>
+          <p:cNvSpPr/>
+          <p:nvPr/>
+        </p:nvSpPr>
+        <p:spPr>
+          <a:xfrm>
+            <a:off x="1123532" y="1664436"/>
+            <a:ext cx="1095035" cy="868680"/>
+          </a:xfrm>
+          <a:prstGeom prst="bentArrow">
+            <a:avLst/>
+          </a:prstGeom>
+          <a:solidFill>
+            <a:schemeClr val="bg1"/>
+          </a:solidFill>
+          <a:ln>
+            <a:solidFill>
+              <a:schemeClr val="tx1"/>
+            </a:solidFill>
+          </a:ln>
+          <a:effectLst>
+            <a:innerShdw blurRad="114300">
+              <a:prstClr val="black"/>
+            </a:innerShdw>
+          </a:effectLst>
+        </p:spPr>
+        <p:style>
+          <a:lnRef idx="2">
+            <a:schemeClr val="accent1">
+              <a:shade val="50000"/>
+            </a:schemeClr>
+          </a:lnRef>
+          <a:fillRef idx="1">
+            <a:schemeClr val="accent1"/>
+          </a:fillRef>
+          <a:effectRef idx="0">
+            <a:schemeClr val="accent1"/>
+          </a:effectRef>
+          <a:fontRef idx="minor">
+            <a:schemeClr val="lt1"/>
+          </a:fontRef>
+        </p:style>
+        <p:txBody>
+          <a:bodyPr rtlCol="0" anchor="ctr"/>
+          <a:lstStyle/>
+          <a:p>
+            <a:pPr algn="ctr"/>
+            <a:endParaRPr lang="en-US">
+              <a:solidFill>
+                <a:schemeClr val="tx1"/>
+              </a:solidFill>
+            </a:endParaRPr>
+          </a:p>
+        </p:txBody>
+      </p:sp>
+      <p:sp>
+        <p:nvSpPr>
+          <p:cNvPr id="43" name="Bent Arrow 42"/>
+          <p:cNvSpPr/>
+          <p:nvPr/>
+        </p:nvSpPr>
+        <p:spPr>
+          <a:xfrm rot="5400000">
+            <a:off x="9070366" y="1813669"/>
+            <a:ext cx="1095035" cy="868680"/>
+          </a:xfrm>
+          <a:prstGeom prst="bentArrow">
+            <a:avLst/>
+          </a:prstGeom>
+          <a:solidFill>
+            <a:schemeClr val="bg1"/>
+          </a:solidFill>
+          <a:ln>
+            <a:solidFill>
+              <a:schemeClr val="tx1"/>
+            </a:solidFill>
+          </a:ln>
+          <a:effectLst>
+            <a:innerShdw blurRad="114300">
+              <a:prstClr val="black"/>
+            </a:innerShdw>
+          </a:effectLst>
+        </p:spPr>
+        <p:style>
+          <a:lnRef idx="2">
+            <a:schemeClr val="accent1">
+              <a:shade val="50000"/>
+            </a:schemeClr>
+          </a:lnRef>
+          <a:fillRef idx="1">
+            <a:schemeClr val="accent1"/>
+          </a:fillRef>
+          <a:effectRef idx="0">
+            <a:schemeClr val="accent1"/>
+          </a:effectRef>
+          <a:fontRef idx="minor">
+            <a:schemeClr val="lt1"/>
+          </a:fontRef>
+        </p:style>
+        <p:txBody>
+          <a:bodyPr rtlCol="0" anchor="ctr"/>
+          <a:lstStyle/>
+          <a:p>
+            <a:pPr algn="ctr"/>
+            <a:endParaRPr lang="en-US">
+              <a:solidFill>
+                <a:schemeClr val="tx1"/>
+              </a:solidFill>
+            </a:endParaRPr>
+          </a:p>
+        </p:txBody>
+      </p:sp>
+      <p:sp>
+        <p:nvSpPr>
+          <p:cNvPr id="44" name="Bent Arrow 43"/>
+          <p:cNvSpPr/>
+          <p:nvPr/>
+        </p:nvSpPr>
+        <p:spPr>
+          <a:xfrm rot="5400000">
+            <a:off x="4989909" y="1791082"/>
+            <a:ext cx="1095035" cy="868680"/>
+          </a:xfrm>
+          <a:prstGeom prst="bentArrow">
+            <a:avLst/>
+          </a:prstGeom>
+          <a:solidFill>
+            <a:schemeClr val="bg1"/>
+          </a:solidFill>
+          <a:ln>
+            <a:solidFill>
+              <a:schemeClr val="tx1"/>
+            </a:solidFill>
+          </a:ln>
+          <a:effectLst>
+            <a:innerShdw blurRad="114300">
+              <a:prstClr val="black"/>
+            </a:innerShdw>
+          </a:effectLst>
+        </p:spPr>
+        <p:style>
+          <a:lnRef idx="2">
+            <a:schemeClr val="accent1">
+              <a:shade val="50000"/>
+            </a:schemeClr>
+          </a:lnRef>
+          <a:fillRef idx="1">
+            <a:schemeClr val="accent1"/>
+          </a:fillRef>
+          <a:effectRef idx="0">
+            <a:schemeClr val="accent1"/>
+          </a:effectRef>
+          <a:fontRef idx="minor">
+            <a:schemeClr val="lt1"/>
+          </a:fontRef>
+        </p:style>
+        <p:txBody>
+          <a:bodyPr rtlCol="0" anchor="ctr"/>
+          <a:lstStyle/>
+          <a:p>
+            <a:pPr algn="ctr"/>
+            <a:endParaRPr lang="en-US">
+              <a:solidFill>
+                <a:schemeClr val="tx1"/>
+              </a:solidFill>
+            </a:endParaRPr>
+          </a:p>
+        </p:txBody>
+      </p:sp>
+      <p:sp>
+        <p:nvSpPr>
+          <p:cNvPr id="45" name="Bent Arrow 44"/>
+          <p:cNvSpPr/>
+          <p:nvPr/>
+        </p:nvSpPr>
+        <p:spPr>
+          <a:xfrm rot="10800000">
+            <a:off x="8957189" y="4810973"/>
+            <a:ext cx="1095035" cy="868680"/>
+          </a:xfrm>
+          <a:prstGeom prst="bentArrow">
+            <a:avLst/>
+          </a:prstGeom>
+          <a:solidFill>
+            <a:schemeClr val="bg1"/>
+          </a:solidFill>
+          <a:ln>
+            <a:solidFill>
+              <a:schemeClr val="tx1"/>
+            </a:solidFill>
+          </a:ln>
+          <a:effectLst>
+            <a:innerShdw blurRad="114300">
+              <a:prstClr val="black"/>
+            </a:innerShdw>
+          </a:effectLst>
+        </p:spPr>
+        <p:style>
+          <a:lnRef idx="2">
+            <a:schemeClr val="accent1">
+              <a:shade val="50000"/>
+            </a:schemeClr>
+          </a:lnRef>
+          <a:fillRef idx="1">
+            <a:schemeClr val="accent1"/>
+          </a:fillRef>
+          <a:effectRef idx="0">
+            <a:schemeClr val="accent1"/>
+          </a:effectRef>
+          <a:fontRef idx="minor">
+            <a:schemeClr val="lt1"/>
+          </a:fontRef>
+        </p:style>
+        <p:txBody>
+          <a:bodyPr rtlCol="0" anchor="ctr"/>
+          <a:lstStyle/>
+          <a:p>
+            <a:pPr algn="ctr"/>
+            <a:endParaRPr lang="en-US">
+              <a:solidFill>
+                <a:schemeClr val="tx1"/>
+              </a:solidFill>
+            </a:endParaRPr>
+          </a:p>
+        </p:txBody>
+      </p:sp>
+      <p:sp>
+        <p:nvSpPr>
+          <p:cNvPr id="46" name="Bent Arrow 45"/>
+          <p:cNvSpPr/>
+          <p:nvPr/>
+        </p:nvSpPr>
+        <p:spPr>
+          <a:xfrm rot="10800000">
+            <a:off x="4903870" y="4813017"/>
+            <a:ext cx="1095035" cy="868680"/>
+          </a:xfrm>
+          <a:prstGeom prst="bentArrow">
+            <a:avLst/>
+          </a:prstGeom>
+          <a:solidFill>
+            <a:schemeClr val="bg1"/>
+          </a:solidFill>
+          <a:ln>
+            <a:solidFill>
+              <a:schemeClr val="tx1"/>
+            </a:solidFill>
+          </a:ln>
+          <a:effectLst>
+            <a:innerShdw blurRad="114300">
+              <a:prstClr val="black"/>
+            </a:innerShdw>
+          </a:effectLst>
+        </p:spPr>
+        <p:style>
+          <a:lnRef idx="2">
+            <a:schemeClr val="accent1">
+              <a:shade val="50000"/>
+            </a:schemeClr>
+          </a:lnRef>
+          <a:fillRef idx="1">
+            <a:schemeClr val="accent1"/>
+          </a:fillRef>
+          <a:effectRef idx="0">
+            <a:schemeClr val="accent1"/>
+          </a:effectRef>
+          <a:fontRef idx="minor">
+            <a:schemeClr val="lt1"/>
+          </a:fontRef>
+        </p:style>
+        <p:txBody>
+          <a:bodyPr rtlCol="0" anchor="ctr"/>
+          <a:lstStyle/>
+          <a:p>
+            <a:pPr algn="ctr"/>
+            <a:endParaRPr lang="en-US">
+              <a:solidFill>
+                <a:schemeClr val="tx1"/>
+              </a:solidFill>
+            </a:endParaRPr>
+          </a:p>
+        </p:txBody>
+      </p:sp>
+      <p:sp>
+        <p:nvSpPr>
+          <p:cNvPr id="47" name="Bent Arrow 46"/>
+          <p:cNvSpPr/>
+          <p:nvPr/>
+        </p:nvSpPr>
+        <p:spPr>
+          <a:xfrm rot="16200000">
+            <a:off x="977369" y="4665502"/>
+            <a:ext cx="1095035" cy="868680"/>
+          </a:xfrm>
+          <a:prstGeom prst="bentArrow">
+            <a:avLst/>
+          </a:prstGeom>
+          <a:solidFill>
+            <a:schemeClr val="bg1"/>
+          </a:solidFill>
+          <a:ln>
+            <a:solidFill>
+              <a:schemeClr val="tx1"/>
+            </a:solidFill>
+          </a:ln>
+          <a:effectLst>
+            <a:innerShdw blurRad="114300">
+              <a:prstClr val="black"/>
+            </a:innerShdw>
+          </a:effectLst>
+        </p:spPr>
+        <p:style>
+          <a:lnRef idx="2">
+            <a:schemeClr val="accent1">
+              <a:shade val="50000"/>
+            </a:schemeClr>
+          </a:lnRef>
+          <a:fillRef idx="1">
+            <a:schemeClr val="accent1"/>
+          </a:fillRef>
+          <a:effectRef idx="0">
+            <a:schemeClr val="accent1"/>
+          </a:effectRef>
+          <a:fontRef idx="minor">
+            <a:schemeClr val="lt1"/>
+          </a:fontRef>
+        </p:style>
+        <p:txBody>
+          <a:bodyPr rtlCol="0" anchor="ctr"/>
+          <a:lstStyle/>
+          <a:p>
+            <a:pPr algn="ctr"/>
+            <a:endParaRPr lang="en-US">
+              <a:solidFill>
+                <a:schemeClr val="tx1"/>
+              </a:solidFill>
+            </a:endParaRPr>
+          </a:p>
+        </p:txBody>
+      </p:sp>
     </p:spTree>
     <p:extLst>
       <p:ext uri="{BB962C8B-B14F-4D97-AF65-F5344CB8AC3E}">
-        <p14:creationId xmlns="" xmlns:p14="http://schemas.microsoft.com/office/powerpoint/2010/main" val="831023563"/>
+        <p14:creationId xmlns:p14="http://schemas.microsoft.com/office/powerpoint/2010/main" val="831023563"/>
       </p:ext>
     </p:extLst>
   </p:cSld>
@@ -7327,7 +7811,7 @@
           <a:blip r:embed="rId2">
             <a:extLst>
               <a:ext uri="{28A0092B-C50C-407E-A947-70E740481C1C}">
-                <a14:useLocalDpi xmlns="" xmlns:a14="http://schemas.microsoft.com/office/drawing/2010/main" val="0"/>
+                <a14:useLocalDpi xmlns:a14="http://schemas.microsoft.com/office/drawing/2010/main" val="0"/>
               </a:ext>
             </a:extLst>
           </a:blip>
@@ -7347,7 +7831,7 @@
           <a:noFill/>
           <a:extLst>
             <a:ext uri="{909E8E84-426E-40DD-AFC4-6F175D3DCCD1}">
-              <a14:hiddenFill xmlns="" xmlns:a14="http://schemas.microsoft.com/office/drawing/2010/main">
+              <a14:hiddenFill xmlns:a14="http://schemas.microsoft.com/office/drawing/2010/main">
                 <a:solidFill>
                   <a:srgbClr val="FFFFFF"/>
                 </a:solidFill>
@@ -7397,7 +7881,7 @@
     </p:spTree>
     <p:extLst>
       <p:ext uri="{BB962C8B-B14F-4D97-AF65-F5344CB8AC3E}">
-        <p14:creationId xmlns="" xmlns:p14="http://schemas.microsoft.com/office/powerpoint/2010/main" val="4073497930"/>
+        <p14:creationId xmlns:p14="http://schemas.microsoft.com/office/powerpoint/2010/main" val="4073497930"/>
       </p:ext>
     </p:extLst>
   </p:cSld>
@@ -7461,7 +7945,7 @@
           <a:blip r:embed="rId2">
             <a:extLst>
               <a:ext uri="{28A0092B-C50C-407E-A947-70E740481C1C}">
-                <a14:useLocalDpi xmlns="" xmlns:a14="http://schemas.microsoft.com/office/drawing/2010/main" val="0"/>
+                <a14:useLocalDpi xmlns:a14="http://schemas.microsoft.com/office/drawing/2010/main" val="0"/>
               </a:ext>
             </a:extLst>
           </a:blip>
@@ -7481,7 +7965,7 @@
           <a:noFill/>
           <a:extLst>
             <a:ext uri="{909E8E84-426E-40DD-AFC4-6F175D3DCCD1}">
-              <a14:hiddenFill xmlns="" xmlns:a14="http://schemas.microsoft.com/office/drawing/2010/main">
+              <a14:hiddenFill xmlns:a14="http://schemas.microsoft.com/office/drawing/2010/main">
                 <a:solidFill>
                   <a:srgbClr val="FFFFFF"/>
                 </a:solidFill>
@@ -7493,7 +7977,7 @@
     </p:spTree>
     <p:extLst>
       <p:ext uri="{BB962C8B-B14F-4D97-AF65-F5344CB8AC3E}">
-        <p14:creationId xmlns="" xmlns:p14="http://schemas.microsoft.com/office/powerpoint/2010/main" val="1884114993"/>
+        <p14:creationId xmlns:p14="http://schemas.microsoft.com/office/powerpoint/2010/main" val="1884114993"/>
       </p:ext>
     </p:extLst>
   </p:cSld>
@@ -7534,7 +8018,7 @@
           <a:blip r:embed="rId2">
             <a:extLst>
               <a:ext uri="{28A0092B-C50C-407E-A947-70E740481C1C}">
-                <a14:useLocalDpi xmlns="" xmlns:a14="http://schemas.microsoft.com/office/drawing/2010/main" val="0"/>
+                <a14:useLocalDpi xmlns:a14="http://schemas.microsoft.com/office/drawing/2010/main" val="0"/>
               </a:ext>
             </a:extLst>
           </a:blip>
@@ -7554,7 +8038,7 @@
           <a:noFill/>
           <a:extLst>
             <a:ext uri="{909E8E84-426E-40DD-AFC4-6F175D3DCCD1}">
-              <a14:hiddenFill xmlns="" xmlns:a14="http://schemas.microsoft.com/office/drawing/2010/main">
+              <a14:hiddenFill xmlns:a14="http://schemas.microsoft.com/office/drawing/2010/main">
                 <a:solidFill>
                   <a:srgbClr val="FFFFFF"/>
                 </a:solidFill>
@@ -7566,7 +8050,7 @@
     </p:spTree>
     <p:extLst>
       <p:ext uri="{BB962C8B-B14F-4D97-AF65-F5344CB8AC3E}">
-        <p14:creationId xmlns="" xmlns:p14="http://schemas.microsoft.com/office/powerpoint/2010/main" val="168840778"/>
+        <p14:creationId xmlns:p14="http://schemas.microsoft.com/office/powerpoint/2010/main" val="168840778"/>
       </p:ext>
     </p:extLst>
   </p:cSld>
@@ -7605,7 +8089,7 @@
           <a:blip r:embed="rId2">
             <a:extLst>
               <a:ext uri="{28A0092B-C50C-407E-A947-70E740481C1C}">
-                <a14:useLocalDpi xmlns="" xmlns:a14="http://schemas.microsoft.com/office/drawing/2010/main" val="0"/>
+                <a14:useLocalDpi xmlns:a14="http://schemas.microsoft.com/office/drawing/2010/main" val="0"/>
               </a:ext>
             </a:extLst>
           </a:blip>
@@ -7625,7 +8109,7 @@
           <a:noFill/>
           <a:extLst>
             <a:ext uri="{909E8E84-426E-40DD-AFC4-6F175D3DCCD1}">
-              <a14:hiddenFill xmlns="" xmlns:a14="http://schemas.microsoft.com/office/drawing/2010/main">
+              <a14:hiddenFill xmlns:a14="http://schemas.microsoft.com/office/drawing/2010/main">
                 <a:solidFill>
                   <a:srgbClr val="FFFFFF"/>
                 </a:solidFill>
@@ -7637,7 +8121,7 @@
     </p:spTree>
     <p:extLst>
       <p:ext uri="{BB962C8B-B14F-4D97-AF65-F5344CB8AC3E}">
-        <p14:creationId xmlns="" xmlns:p14="http://schemas.microsoft.com/office/powerpoint/2010/main" val="3030657797"/>
+        <p14:creationId xmlns:p14="http://schemas.microsoft.com/office/powerpoint/2010/main" val="3030657797"/>
       </p:ext>
     </p:extLst>
   </p:cSld>
@@ -7676,7 +8160,7 @@
           <a:blip r:embed="rId2">
             <a:extLst>
               <a:ext uri="{28A0092B-C50C-407E-A947-70E740481C1C}">
-                <a14:useLocalDpi xmlns="" xmlns:a14="http://schemas.microsoft.com/office/drawing/2010/main" val="0"/>
+                <a14:useLocalDpi xmlns:a14="http://schemas.microsoft.com/office/drawing/2010/main" val="0"/>
               </a:ext>
             </a:extLst>
           </a:blip>
@@ -7696,7 +8180,7 @@
           <a:noFill/>
           <a:extLst>
             <a:ext uri="{909E8E84-426E-40DD-AFC4-6F175D3DCCD1}">
-              <a14:hiddenFill xmlns="" xmlns:a14="http://schemas.microsoft.com/office/drawing/2010/main">
+              <a14:hiddenFill xmlns:a14="http://schemas.microsoft.com/office/drawing/2010/main">
                 <a:solidFill>
                   <a:srgbClr val="FFFFFF"/>
                 </a:solidFill>
@@ -7708,7 +8192,7 @@
     </p:spTree>
     <p:extLst>
       <p:ext uri="{BB962C8B-B14F-4D97-AF65-F5344CB8AC3E}">
-        <p14:creationId xmlns="" xmlns:p14="http://schemas.microsoft.com/office/powerpoint/2010/main" val="2862721199"/>
+        <p14:creationId xmlns:p14="http://schemas.microsoft.com/office/powerpoint/2010/main" val="2862721199"/>
       </p:ext>
     </p:extLst>
   </p:cSld>
@@ -7747,7 +8231,7 @@
           <a:blip r:embed="rId2">
             <a:extLst>
               <a:ext uri="{28A0092B-C50C-407E-A947-70E740481C1C}">
-                <a14:useLocalDpi xmlns="" xmlns:a14="http://schemas.microsoft.com/office/drawing/2010/main" val="0"/>
+                <a14:useLocalDpi xmlns:a14="http://schemas.microsoft.com/office/drawing/2010/main" val="0"/>
               </a:ext>
             </a:extLst>
           </a:blip>
@@ -7767,7 +8251,7 @@
           <a:noFill/>
           <a:extLst>
             <a:ext uri="{909E8E84-426E-40DD-AFC4-6F175D3DCCD1}">
-              <a14:hiddenFill xmlns="" xmlns:a14="http://schemas.microsoft.com/office/drawing/2010/main">
+              <a14:hiddenFill xmlns:a14="http://schemas.microsoft.com/office/drawing/2010/main">
                 <a:solidFill>
                   <a:srgbClr val="FFFFFF"/>
                 </a:solidFill>
@@ -7779,7 +8263,7 @@
     </p:spTree>
     <p:extLst>
       <p:ext uri="{BB962C8B-B14F-4D97-AF65-F5344CB8AC3E}">
-        <p14:creationId xmlns="" xmlns:p14="http://schemas.microsoft.com/office/powerpoint/2010/main" val="2783010246"/>
+        <p14:creationId xmlns:p14="http://schemas.microsoft.com/office/powerpoint/2010/main" val="2783010246"/>
       </p:ext>
     </p:extLst>
   </p:cSld>
@@ -8104,14 +8588,6 @@
           <a:lstStyle/>
           <a:p>
             <a:pPr algn="ctr"/>
-            <a:r>
-              <a:rPr lang="en-US" dirty="0" smtClean="0">
-                <a:solidFill>
-                  <a:sysClr val="windowText" lastClr="000000"/>
-                </a:solidFill>
-              </a:rPr>
-              <a:t>e</a:t>
-            </a:r>
             <a:endParaRPr lang="en-US" dirty="0">
               <a:solidFill>
                 <a:sysClr val="windowText" lastClr="000000"/>
@@ -8164,14 +8640,11 @@
           <a:lstStyle/>
           <a:p>
             <a:pPr algn="ctr"/>
-            <a:r>
-              <a:rPr lang="en-US" dirty="0">
-                <a:solidFill>
-                  <a:sysClr val="windowText" lastClr="000000"/>
-                </a:solidFill>
-              </a:rPr>
-              <a:t>e</a:t>
-            </a:r>
+            <a:endParaRPr lang="en-US" dirty="0">
+              <a:solidFill>
+                <a:sysClr val="windowText" lastClr="000000"/>
+              </a:solidFill>
+            </a:endParaRPr>
           </a:p>
         </p:txBody>
       </p:sp>
@@ -8219,14 +8692,11 @@
           <a:lstStyle/>
           <a:p>
             <a:pPr algn="ctr"/>
-            <a:r>
-              <a:rPr lang="en-US" dirty="0">
-                <a:solidFill>
-                  <a:sysClr val="windowText" lastClr="000000"/>
-                </a:solidFill>
-              </a:rPr>
-              <a:t>e</a:t>
-            </a:r>
+            <a:endParaRPr lang="en-US" dirty="0">
+              <a:solidFill>
+                <a:sysClr val="windowText" lastClr="000000"/>
+              </a:solidFill>
+            </a:endParaRPr>
           </a:p>
         </p:txBody>
       </p:sp>
@@ -8274,14 +8744,11 @@
           <a:lstStyle/>
           <a:p>
             <a:pPr algn="ctr"/>
-            <a:r>
-              <a:rPr lang="en-US" dirty="0">
-                <a:solidFill>
-                  <a:sysClr val="windowText" lastClr="000000"/>
-                </a:solidFill>
-              </a:rPr>
-              <a:t>e</a:t>
-            </a:r>
+            <a:endParaRPr lang="en-US" dirty="0">
+              <a:solidFill>
+                <a:sysClr val="windowText" lastClr="000000"/>
+              </a:solidFill>
+            </a:endParaRPr>
           </a:p>
         </p:txBody>
       </p:sp>
@@ -8329,14 +8796,11 @@
           <a:lstStyle/>
           <a:p>
             <a:pPr algn="ctr"/>
-            <a:r>
-              <a:rPr lang="en-US" dirty="0">
-                <a:solidFill>
-                  <a:sysClr val="windowText" lastClr="000000"/>
-                </a:solidFill>
-              </a:rPr>
-              <a:t>e</a:t>
-            </a:r>
+            <a:endParaRPr lang="en-US" dirty="0">
+              <a:solidFill>
+                <a:sysClr val="windowText" lastClr="000000"/>
+              </a:solidFill>
+            </a:endParaRPr>
           </a:p>
         </p:txBody>
       </p:sp>
@@ -8384,14 +8848,11 @@
           <a:lstStyle/>
           <a:p>
             <a:pPr algn="ctr"/>
-            <a:r>
-              <a:rPr lang="en-US" dirty="0">
-                <a:solidFill>
-                  <a:sysClr val="windowText" lastClr="000000"/>
-                </a:solidFill>
-              </a:rPr>
-              <a:t>e</a:t>
-            </a:r>
+            <a:endParaRPr lang="en-US" dirty="0">
+              <a:solidFill>
+                <a:sysClr val="windowText" lastClr="000000"/>
+              </a:solidFill>
+            </a:endParaRPr>
           </a:p>
         </p:txBody>
       </p:sp>
@@ -8439,14 +8900,11 @@
           <a:lstStyle/>
           <a:p>
             <a:pPr algn="ctr"/>
-            <a:r>
-              <a:rPr lang="en-US" dirty="0">
-                <a:solidFill>
-                  <a:sysClr val="windowText" lastClr="000000"/>
-                </a:solidFill>
-              </a:rPr>
-              <a:t>e</a:t>
-            </a:r>
+            <a:endParaRPr lang="en-US" dirty="0">
+              <a:solidFill>
+                <a:sysClr val="windowText" lastClr="000000"/>
+              </a:solidFill>
+            </a:endParaRPr>
           </a:p>
         </p:txBody>
       </p:sp>
@@ -8905,10 +9363,395 @@
           </a:fontRef>
         </p:style>
       </p:cxnSp>
+      <p:sp>
+        <p:nvSpPr>
+          <p:cNvPr id="25" name="Rectangle 24"/>
+          <p:cNvSpPr/>
+          <p:nvPr/>
+        </p:nvSpPr>
+        <p:spPr>
+          <a:xfrm>
+            <a:off x="4297963" y="2154823"/>
+            <a:ext cx="554960" cy="646331"/>
+          </a:xfrm>
+          <a:prstGeom prst="rect">
+            <a:avLst/>
+          </a:prstGeom>
+          <a:noFill/>
+        </p:spPr>
+        <p:txBody>
+          <a:bodyPr wrap="none" lIns="91440" tIns="45720" rIns="91440" bIns="45720">
+            <a:spAutoFit/>
+          </a:bodyPr>
+          <a:lstStyle/>
+          <a:p>
+            <a:pPr algn="ctr"/>
+            <a:r>
+              <a:rPr lang="en-US" sz="3600" b="0" cap="none" spc="0" dirty="0" smtClean="0">
+                <a:ln w="0"/>
+                <a:solidFill>
+                  <a:schemeClr val="tx1"/>
+                </a:solidFill>
+                <a:effectLst>
+                  <a:outerShdw blurRad="38100" dist="19050" dir="2700000" algn="tl" rotWithShape="0">
+                    <a:schemeClr val="dk1">
+                      <a:alpha val="40000"/>
+                    </a:schemeClr>
+                  </a:outerShdw>
+                </a:effectLst>
+              </a:rPr>
+              <a:t>e-</a:t>
+            </a:r>
+            <a:endParaRPr lang="en-US" sz="5400" b="0" cap="none" spc="0" dirty="0">
+              <a:ln w="0"/>
+              <a:solidFill>
+                <a:schemeClr val="tx1"/>
+              </a:solidFill>
+              <a:effectLst>
+                <a:outerShdw blurRad="38100" dist="19050" dir="2700000" algn="tl" rotWithShape="0">
+                  <a:schemeClr val="dk1">
+                    <a:alpha val="40000"/>
+                  </a:schemeClr>
+                </a:outerShdw>
+              </a:effectLst>
+            </a:endParaRPr>
+          </a:p>
+        </p:txBody>
+      </p:sp>
+      <p:sp>
+        <p:nvSpPr>
+          <p:cNvPr id="27" name="Rectangle 26"/>
+          <p:cNvSpPr/>
+          <p:nvPr/>
+        </p:nvSpPr>
+        <p:spPr>
+          <a:xfrm>
+            <a:off x="6215849" y="2245366"/>
+            <a:ext cx="554960" cy="646331"/>
+          </a:xfrm>
+          <a:prstGeom prst="rect">
+            <a:avLst/>
+          </a:prstGeom>
+          <a:noFill/>
+        </p:spPr>
+        <p:txBody>
+          <a:bodyPr wrap="none" lIns="91440" tIns="45720" rIns="91440" bIns="45720">
+            <a:spAutoFit/>
+          </a:bodyPr>
+          <a:lstStyle/>
+          <a:p>
+            <a:pPr algn="ctr"/>
+            <a:r>
+              <a:rPr lang="en-US" sz="3600" b="0" cap="none" spc="0" dirty="0" smtClean="0">
+                <a:ln w="0"/>
+                <a:solidFill>
+                  <a:schemeClr val="tx1"/>
+                </a:solidFill>
+                <a:effectLst>
+                  <a:outerShdw blurRad="38100" dist="19050" dir="2700000" algn="tl" rotWithShape="0">
+                    <a:schemeClr val="dk1">
+                      <a:alpha val="40000"/>
+                    </a:schemeClr>
+                  </a:outerShdw>
+                </a:effectLst>
+              </a:rPr>
+              <a:t>e-</a:t>
+            </a:r>
+            <a:endParaRPr lang="en-US" sz="5400" b="0" cap="none" spc="0" dirty="0">
+              <a:ln w="0"/>
+              <a:solidFill>
+                <a:schemeClr val="tx1"/>
+              </a:solidFill>
+              <a:effectLst>
+                <a:outerShdw blurRad="38100" dist="19050" dir="2700000" algn="tl" rotWithShape="0">
+                  <a:schemeClr val="dk1">
+                    <a:alpha val="40000"/>
+                  </a:schemeClr>
+                </a:outerShdw>
+              </a:effectLst>
+            </a:endParaRPr>
+          </a:p>
+        </p:txBody>
+      </p:sp>
+      <p:sp>
+        <p:nvSpPr>
+          <p:cNvPr id="30" name="Rectangle 29"/>
+          <p:cNvSpPr/>
+          <p:nvPr/>
+        </p:nvSpPr>
+        <p:spPr>
+          <a:xfrm>
+            <a:off x="7656134" y="1612156"/>
+            <a:ext cx="554960" cy="646331"/>
+          </a:xfrm>
+          <a:prstGeom prst="rect">
+            <a:avLst/>
+          </a:prstGeom>
+          <a:noFill/>
+        </p:spPr>
+        <p:txBody>
+          <a:bodyPr wrap="none" lIns="91440" tIns="45720" rIns="91440" bIns="45720">
+            <a:spAutoFit/>
+          </a:bodyPr>
+          <a:lstStyle/>
+          <a:p>
+            <a:pPr algn="ctr"/>
+            <a:r>
+              <a:rPr lang="en-US" sz="3600" b="0" cap="none" spc="0" dirty="0" smtClean="0">
+                <a:ln w="0"/>
+                <a:solidFill>
+                  <a:schemeClr val="tx1"/>
+                </a:solidFill>
+                <a:effectLst>
+                  <a:outerShdw blurRad="38100" dist="19050" dir="2700000" algn="tl" rotWithShape="0">
+                    <a:schemeClr val="dk1">
+                      <a:alpha val="40000"/>
+                    </a:schemeClr>
+                  </a:outerShdw>
+                </a:effectLst>
+              </a:rPr>
+              <a:t>e-</a:t>
+            </a:r>
+            <a:endParaRPr lang="en-US" sz="5400" b="0" cap="none" spc="0" dirty="0">
+              <a:ln w="0"/>
+              <a:solidFill>
+                <a:schemeClr val="tx1"/>
+              </a:solidFill>
+              <a:effectLst>
+                <a:outerShdw blurRad="38100" dist="19050" dir="2700000" algn="tl" rotWithShape="0">
+                  <a:schemeClr val="dk1">
+                    <a:alpha val="40000"/>
+                  </a:schemeClr>
+                </a:outerShdw>
+              </a:effectLst>
+            </a:endParaRPr>
+          </a:p>
+        </p:txBody>
+      </p:sp>
+      <p:sp>
+        <p:nvSpPr>
+          <p:cNvPr id="31" name="Rectangle 30"/>
+          <p:cNvSpPr/>
+          <p:nvPr/>
+        </p:nvSpPr>
+        <p:spPr>
+          <a:xfrm>
+            <a:off x="8750837" y="3788687"/>
+            <a:ext cx="554960" cy="646331"/>
+          </a:xfrm>
+          <a:prstGeom prst="rect">
+            <a:avLst/>
+          </a:prstGeom>
+          <a:noFill/>
+        </p:spPr>
+        <p:txBody>
+          <a:bodyPr wrap="none" lIns="91440" tIns="45720" rIns="91440" bIns="45720">
+            <a:spAutoFit/>
+          </a:bodyPr>
+          <a:lstStyle/>
+          <a:p>
+            <a:pPr algn="ctr"/>
+            <a:r>
+              <a:rPr lang="en-US" sz="3600" b="0" cap="none" spc="0" dirty="0" smtClean="0">
+                <a:ln w="0"/>
+                <a:solidFill>
+                  <a:schemeClr val="tx1"/>
+                </a:solidFill>
+                <a:effectLst>
+                  <a:outerShdw blurRad="38100" dist="19050" dir="2700000" algn="tl" rotWithShape="0">
+                    <a:schemeClr val="dk1">
+                      <a:alpha val="40000"/>
+                    </a:schemeClr>
+                  </a:outerShdw>
+                </a:effectLst>
+              </a:rPr>
+              <a:t>e-</a:t>
+            </a:r>
+            <a:endParaRPr lang="en-US" sz="5400" b="0" cap="none" spc="0" dirty="0">
+              <a:ln w="0"/>
+              <a:solidFill>
+                <a:schemeClr val="tx1"/>
+              </a:solidFill>
+              <a:effectLst>
+                <a:outerShdw blurRad="38100" dist="19050" dir="2700000" algn="tl" rotWithShape="0">
+                  <a:schemeClr val="dk1">
+                    <a:alpha val="40000"/>
+                  </a:schemeClr>
+                </a:outerShdw>
+              </a:effectLst>
+            </a:endParaRPr>
+          </a:p>
+        </p:txBody>
+      </p:sp>
+      <p:sp>
+        <p:nvSpPr>
+          <p:cNvPr id="32" name="Rectangle 31"/>
+          <p:cNvSpPr/>
+          <p:nvPr/>
+        </p:nvSpPr>
+        <p:spPr>
+          <a:xfrm>
+            <a:off x="6175064" y="4844751"/>
+            <a:ext cx="554960" cy="646331"/>
+          </a:xfrm>
+          <a:prstGeom prst="rect">
+            <a:avLst/>
+          </a:prstGeom>
+          <a:noFill/>
+        </p:spPr>
+        <p:txBody>
+          <a:bodyPr wrap="none" lIns="91440" tIns="45720" rIns="91440" bIns="45720">
+            <a:spAutoFit/>
+          </a:bodyPr>
+          <a:lstStyle/>
+          <a:p>
+            <a:pPr algn="ctr"/>
+            <a:r>
+              <a:rPr lang="en-US" sz="3600" b="0" cap="none" spc="0" dirty="0" smtClean="0">
+                <a:ln w="0"/>
+                <a:solidFill>
+                  <a:schemeClr val="tx1"/>
+                </a:solidFill>
+                <a:effectLst>
+                  <a:outerShdw blurRad="38100" dist="19050" dir="2700000" algn="tl" rotWithShape="0">
+                    <a:schemeClr val="dk1">
+                      <a:alpha val="40000"/>
+                    </a:schemeClr>
+                  </a:outerShdw>
+                </a:effectLst>
+              </a:rPr>
+              <a:t>e-</a:t>
+            </a:r>
+            <a:endParaRPr lang="en-US" sz="5400" b="0" cap="none" spc="0" dirty="0">
+              <a:ln w="0"/>
+              <a:solidFill>
+                <a:schemeClr val="tx1"/>
+              </a:solidFill>
+              <a:effectLst>
+                <a:outerShdw blurRad="38100" dist="19050" dir="2700000" algn="tl" rotWithShape="0">
+                  <a:schemeClr val="dk1">
+                    <a:alpha val="40000"/>
+                  </a:schemeClr>
+                </a:outerShdw>
+              </a:effectLst>
+            </a:endParaRPr>
+          </a:p>
+        </p:txBody>
+      </p:sp>
+      <p:sp>
+        <p:nvSpPr>
+          <p:cNvPr id="33" name="Rectangle 32"/>
+          <p:cNvSpPr/>
+          <p:nvPr/>
+        </p:nvSpPr>
+        <p:spPr>
+          <a:xfrm>
+            <a:off x="2955345" y="4303838"/>
+            <a:ext cx="554960" cy="646331"/>
+          </a:xfrm>
+          <a:prstGeom prst="rect">
+            <a:avLst/>
+          </a:prstGeom>
+          <a:noFill/>
+        </p:spPr>
+        <p:txBody>
+          <a:bodyPr wrap="none" lIns="91440" tIns="45720" rIns="91440" bIns="45720">
+            <a:spAutoFit/>
+          </a:bodyPr>
+          <a:lstStyle/>
+          <a:p>
+            <a:pPr algn="ctr"/>
+            <a:r>
+              <a:rPr lang="en-US" sz="3600" b="0" cap="none" spc="0" dirty="0" smtClean="0">
+                <a:ln w="0"/>
+                <a:solidFill>
+                  <a:schemeClr val="tx1"/>
+                </a:solidFill>
+                <a:effectLst>
+                  <a:outerShdw blurRad="38100" dist="19050" dir="2700000" algn="tl" rotWithShape="0">
+                    <a:schemeClr val="dk1">
+                      <a:alpha val="40000"/>
+                    </a:schemeClr>
+                  </a:outerShdw>
+                </a:effectLst>
+              </a:rPr>
+              <a:t>e-</a:t>
+            </a:r>
+            <a:endParaRPr lang="en-US" sz="5400" b="0" cap="none" spc="0" dirty="0">
+              <a:ln w="0"/>
+              <a:solidFill>
+                <a:schemeClr val="tx1"/>
+              </a:solidFill>
+              <a:effectLst>
+                <a:outerShdw blurRad="38100" dist="19050" dir="2700000" algn="tl" rotWithShape="0">
+                  <a:schemeClr val="dk1">
+                    <a:alpha val="40000"/>
+                  </a:schemeClr>
+                </a:outerShdw>
+              </a:effectLst>
+            </a:endParaRPr>
+          </a:p>
+        </p:txBody>
+      </p:sp>
+      <p:sp>
+        <p:nvSpPr>
+          <p:cNvPr id="34" name="Rectangle 33"/>
+          <p:cNvSpPr/>
+          <p:nvPr/>
+        </p:nvSpPr>
+        <p:spPr>
+          <a:xfrm>
+            <a:off x="5853091" y="5823549"/>
+            <a:ext cx="554960" cy="646331"/>
+          </a:xfrm>
+          <a:prstGeom prst="rect">
+            <a:avLst/>
+          </a:prstGeom>
+          <a:noFill/>
+        </p:spPr>
+        <p:txBody>
+          <a:bodyPr wrap="none" lIns="91440" tIns="45720" rIns="91440" bIns="45720">
+            <a:spAutoFit/>
+          </a:bodyPr>
+          <a:lstStyle/>
+          <a:p>
+            <a:pPr algn="ctr"/>
+            <a:r>
+              <a:rPr lang="en-US" sz="3600" b="0" cap="none" spc="0" dirty="0" smtClean="0">
+                <a:ln w="0"/>
+                <a:solidFill>
+                  <a:schemeClr val="tx1"/>
+                </a:solidFill>
+                <a:effectLst>
+                  <a:outerShdw blurRad="38100" dist="19050" dir="2700000" algn="tl" rotWithShape="0">
+                    <a:schemeClr val="dk1">
+                      <a:alpha val="40000"/>
+                    </a:schemeClr>
+                  </a:outerShdw>
+                </a:effectLst>
+              </a:rPr>
+              <a:t>e-</a:t>
+            </a:r>
+            <a:endParaRPr lang="en-US" sz="5400" b="0" cap="none" spc="0" dirty="0">
+              <a:ln w="0"/>
+              <a:solidFill>
+                <a:schemeClr val="tx1"/>
+              </a:solidFill>
+              <a:effectLst>
+                <a:outerShdw blurRad="38100" dist="19050" dir="2700000" algn="tl" rotWithShape="0">
+                  <a:schemeClr val="dk1">
+                    <a:alpha val="40000"/>
+                  </a:schemeClr>
+                </a:outerShdw>
+              </a:effectLst>
+            </a:endParaRPr>
+          </a:p>
+        </p:txBody>
+      </p:sp>
     </p:spTree>
     <p:extLst>
       <p:ext uri="{BB962C8B-B14F-4D97-AF65-F5344CB8AC3E}">
-        <p14:creationId xmlns="" xmlns:p14="http://schemas.microsoft.com/office/powerpoint/2010/main" val="1930197798"/>
+        <p14:creationId xmlns:p14="http://schemas.microsoft.com/office/powerpoint/2010/main" val="1930197798"/>
       </p:ext>
     </p:extLst>
   </p:cSld>
@@ -8954,7 +9797,7 @@
           <a:noFill/>
           <a:extLst>
             <a:ext uri="{909E8E84-426E-40DD-AFC4-6F175D3DCCD1}">
-              <a14:hiddenFill xmlns="" xmlns:a14="http://schemas.microsoft.com/office/drawing/2010/main">
+              <a14:hiddenFill xmlns:a14="http://schemas.microsoft.com/office/drawing/2010/main">
                 <a:solidFill>
                   <a:srgbClr val="FFFFFF"/>
                 </a:solidFill>
@@ -9001,7 +9844,7 @@
     </p:spTree>
     <p:extLst>
       <p:ext uri="{BB962C8B-B14F-4D97-AF65-F5344CB8AC3E}">
-        <p14:creationId xmlns="" xmlns:p14="http://schemas.microsoft.com/office/powerpoint/2010/main" val="1860699775"/>
+        <p14:creationId xmlns:p14="http://schemas.microsoft.com/office/powerpoint/2010/main" val="1860699775"/>
       </p:ext>
     </p:extLst>
   </p:cSld>
@@ -11811,7 +12654,7 @@
     </p:spTree>
     <p:extLst>
       <p:ext uri="{BB962C8B-B14F-4D97-AF65-F5344CB8AC3E}">
-        <p14:creationId xmlns="" xmlns:p14="http://schemas.microsoft.com/office/powerpoint/2010/main" val="795154645"/>
+        <p14:creationId xmlns:p14="http://schemas.microsoft.com/office/powerpoint/2010/main" val="795154645"/>
       </p:ext>
     </p:extLst>
   </p:cSld>
@@ -13184,7 +14027,7 @@
     </p:spTree>
     <p:extLst>
       <p:ext uri="{BB962C8B-B14F-4D97-AF65-F5344CB8AC3E}">
-        <p14:creationId xmlns="" xmlns:p14="http://schemas.microsoft.com/office/powerpoint/2010/main" val="1708002396"/>
+        <p14:creationId xmlns:p14="http://schemas.microsoft.com/office/powerpoint/2010/main" val="1708002396"/>
       </p:ext>
     </p:extLst>
   </p:cSld>
@@ -13225,7 +14068,7 @@
           <a:blip r:embed="rId2">
             <a:extLst>
               <a:ext uri="{28A0092B-C50C-407E-A947-70E740481C1C}">
-                <a14:useLocalDpi xmlns="" xmlns:a14="http://schemas.microsoft.com/office/drawing/2010/main" val="0"/>
+                <a14:useLocalDpi xmlns:a14="http://schemas.microsoft.com/office/drawing/2010/main" val="0"/>
               </a:ext>
             </a:extLst>
           </a:blip>
@@ -13245,7 +14088,7 @@
           <a:noFill/>
           <a:extLst>
             <a:ext uri="{909E8E84-426E-40DD-AFC4-6F175D3DCCD1}">
-              <a14:hiddenFill xmlns="" xmlns:a14="http://schemas.microsoft.com/office/drawing/2010/main">
+              <a14:hiddenFill xmlns:a14="http://schemas.microsoft.com/office/drawing/2010/main">
                 <a:solidFill>
                   <a:srgbClr val="FFFFFF"/>
                 </a:solidFill>
@@ -13257,7 +14100,7 @@
     </p:spTree>
     <p:extLst>
       <p:ext uri="{BB962C8B-B14F-4D97-AF65-F5344CB8AC3E}">
-        <p14:creationId xmlns="" xmlns:p14="http://schemas.microsoft.com/office/powerpoint/2010/main" val="3929614034"/>
+        <p14:creationId xmlns:p14="http://schemas.microsoft.com/office/powerpoint/2010/main" val="3929614034"/>
       </p:ext>
     </p:extLst>
   </p:cSld>
@@ -13968,7 +14811,7 @@
     </p:spTree>
     <p:extLst>
       <p:ext uri="{BB962C8B-B14F-4D97-AF65-F5344CB8AC3E}">
-        <p14:creationId xmlns="" xmlns:p14="http://schemas.microsoft.com/office/powerpoint/2010/main" val="2640832087"/>
+        <p14:creationId xmlns:p14="http://schemas.microsoft.com/office/powerpoint/2010/main" val="2640832087"/>
       </p:ext>
     </p:extLst>
   </p:cSld>
@@ -15342,7 +16185,7 @@
     </p:spTree>
     <p:extLst>
       <p:ext uri="{BB962C8B-B14F-4D97-AF65-F5344CB8AC3E}">
-        <p14:creationId xmlns="" xmlns:p14="http://schemas.microsoft.com/office/powerpoint/2010/main" val="3672048550"/>
+        <p14:creationId xmlns:p14="http://schemas.microsoft.com/office/powerpoint/2010/main" val="3672048550"/>
       </p:ext>
     </p:extLst>
   </p:cSld>
@@ -15427,7 +16270,7 @@
     </p:spTree>
     <p:extLst>
       <p:ext uri="{BB962C8B-B14F-4D97-AF65-F5344CB8AC3E}">
-        <p14:creationId xmlns="" xmlns:p14="http://schemas.microsoft.com/office/powerpoint/2010/main" val="2395880905"/>
+        <p14:creationId xmlns:p14="http://schemas.microsoft.com/office/powerpoint/2010/main" val="2395880905"/>
       </p:ext>
     </p:extLst>
   </p:cSld>
@@ -15477,6 +16320,19 @@
           <a:lstStyle/>
           <a:p>
             <a:pPr algn="ctr"/>
+            <a:r>
+              <a:rPr lang="en-US" sz="5400" dirty="0">
+                <a:ln w="0"/>
+                <a:effectLst>
+                  <a:outerShdw blurRad="38100" dist="19050" dir="2700000" algn="tl" rotWithShape="0">
+                    <a:schemeClr val="dk1">
+                      <a:alpha val="40000"/>
+                    </a:schemeClr>
+                  </a:outerShdw>
+                </a:effectLst>
+              </a:rPr>
+              <a:t>Steady</a:t>
+            </a:r>
             <a:r>
               <a:rPr lang="en-US" sz="5400" b="1" cap="none" spc="0" dirty="0" smtClean="0">
                 <a:ln w="17780" cmpd="sng">
@@ -15530,57 +16386,96 @@
                   </a:outerShdw>
                 </a:effectLst>
               </a:rPr>
-              <a:t>Steady Hand Tester</a:t>
+              <a:t> </a:t>
             </a:r>
-            <a:endParaRPr lang="en-US" sz="5400" b="1" cap="none" spc="0" dirty="0">
-              <a:ln w="17780" cmpd="sng">
-                <a:solidFill>
-                  <a:srgbClr val="FFFFFF"/>
-                </a:solidFill>
-                <a:prstDash val="solid"/>
-                <a:miter lim="800000"/>
-              </a:ln>
-              <a:gradFill rotWithShape="1">
-                <a:gsLst>
-                  <a:gs pos="0">
-                    <a:srgbClr val="000000">
-                      <a:tint val="92000"/>
-                      <a:shade val="100000"/>
-                      <a:satMod val="150000"/>
-                    </a:srgbClr>
-                  </a:gs>
-                  <a:gs pos="49000">
-                    <a:srgbClr val="000000">
-                      <a:tint val="89000"/>
-                      <a:shade val="90000"/>
-                      <a:satMod val="150000"/>
-                    </a:srgbClr>
-                  </a:gs>
-                  <a:gs pos="50000">
-                    <a:srgbClr val="000000">
-                      <a:tint val="100000"/>
-                      <a:shade val="75000"/>
-                      <a:satMod val="150000"/>
-                    </a:srgbClr>
-                  </a:gs>
-                  <a:gs pos="95000">
-                    <a:srgbClr val="000000">
-                      <a:shade val="47000"/>
-                      <a:satMod val="150000"/>
-                    </a:srgbClr>
-                  </a:gs>
-                  <a:gs pos="100000">
-                    <a:srgbClr val="000000">
-                      <a:shade val="39000"/>
-                      <a:satMod val="150000"/>
-                    </a:srgbClr>
-                  </a:gs>
-                </a:gsLst>
-                <a:lin ang="5400000"/>
-              </a:gradFill>
+            <a:r>
+              <a:rPr lang="en-US" sz="5400" dirty="0">
+                <a:ln w="0"/>
+                <a:effectLst>
+                  <a:outerShdw blurRad="38100" dist="19050" dir="2700000" algn="tl" rotWithShape="0">
+                    <a:schemeClr val="dk1">
+                      <a:alpha val="40000"/>
+                    </a:schemeClr>
+                  </a:outerShdw>
+                </a:effectLst>
+              </a:rPr>
+              <a:t>Hand</a:t>
+            </a:r>
+            <a:r>
+              <a:rPr lang="en-US" sz="5400" b="1" cap="none" spc="0" dirty="0" smtClean="0">
+                <a:ln w="17780" cmpd="sng">
+                  <a:solidFill>
+                    <a:srgbClr val="FFFFFF"/>
+                  </a:solidFill>
+                  <a:prstDash val="solid"/>
+                  <a:miter lim="800000"/>
+                </a:ln>
+                <a:gradFill rotWithShape="1">
+                  <a:gsLst>
+                    <a:gs pos="0">
+                      <a:srgbClr val="000000">
+                        <a:tint val="92000"/>
+                        <a:shade val="100000"/>
+                        <a:satMod val="150000"/>
+                      </a:srgbClr>
+                    </a:gs>
+                    <a:gs pos="49000">
+                      <a:srgbClr val="000000">
+                        <a:tint val="89000"/>
+                        <a:shade val="90000"/>
+                        <a:satMod val="150000"/>
+                      </a:srgbClr>
+                    </a:gs>
+                    <a:gs pos="50000">
+                      <a:srgbClr val="000000">
+                        <a:tint val="100000"/>
+                        <a:shade val="75000"/>
+                        <a:satMod val="150000"/>
+                      </a:srgbClr>
+                    </a:gs>
+                    <a:gs pos="95000">
+                      <a:srgbClr val="000000">
+                        <a:shade val="47000"/>
+                        <a:satMod val="150000"/>
+                      </a:srgbClr>
+                    </a:gs>
+                    <a:gs pos="100000">
+                      <a:srgbClr val="000000">
+                        <a:shade val="39000"/>
+                        <a:satMod val="150000"/>
+                      </a:srgbClr>
+                    </a:gs>
+                  </a:gsLst>
+                  <a:lin ang="5400000"/>
+                </a:gradFill>
+                <a:effectLst>
+                  <a:outerShdw blurRad="50800" algn="tl" rotWithShape="0">
+                    <a:srgbClr val="000000"/>
+                  </a:outerShdw>
+                </a:effectLst>
+              </a:rPr>
+              <a:t> </a:t>
+            </a:r>
+            <a:r>
+              <a:rPr lang="en-US" sz="5400" dirty="0">
+                <a:ln w="0"/>
+                <a:effectLst>
+                  <a:outerShdw blurRad="38100" dist="19050" dir="2700000" algn="tl" rotWithShape="0">
+                    <a:schemeClr val="dk1">
+                      <a:alpha val="40000"/>
+                    </a:schemeClr>
+                  </a:outerShdw>
+                </a:effectLst>
+              </a:rPr>
+              <a:t>Tester</a:t>
+            </a:r>
+            <a:endParaRPr lang="en-US" sz="5400" dirty="0">
+              <a:ln w="0"/>
               <a:effectLst>
-                <a:outerShdw blurRad="50800" algn="tl" rotWithShape="0">
-                  <a:srgbClr val="000000"/>
+                <a:outerShdw blurRad="38100" dist="19050" dir="2700000" algn="tl" rotWithShape="0">
+                  <a:schemeClr val="dk1">
+                    <a:alpha val="40000"/>
+                  </a:schemeClr>
                 </a:outerShdw>
               </a:effectLst>
             </a:endParaRPr>
@@ -16620,6 +17515,2196 @@
 </p:sld>
 </file>
 
+<file path=ppt/slides/slide25.xml><?xml version="1.0" encoding="utf-8"?>
+<p:sld xmlns:a="http://schemas.openxmlformats.org/drawingml/2006/main" xmlns:r="http://schemas.openxmlformats.org/officeDocument/2006/relationships" xmlns:p="http://schemas.openxmlformats.org/presentationml/2006/main">
+  <p:cSld>
+    <p:spTree>
+      <p:nvGrpSpPr>
+        <p:cNvPr id="1" name=""/>
+        <p:cNvGrpSpPr/>
+        <p:nvPr/>
+      </p:nvGrpSpPr>
+      <p:grpSpPr>
+        <a:xfrm>
+          <a:off x="0" y="0"/>
+          <a:ext cx="0" cy="0"/>
+          <a:chOff x="0" y="0"/>
+          <a:chExt cx="0" cy="0"/>
+        </a:xfrm>
+      </p:grpSpPr>
+      <p:sp>
+        <p:nvSpPr>
+          <p:cNvPr id="4" name="Rectangle 3"/>
+          <p:cNvSpPr/>
+          <p:nvPr/>
+        </p:nvSpPr>
+        <p:spPr>
+          <a:xfrm>
+            <a:off x="3474880" y="0"/>
+            <a:ext cx="4933146" cy="923330"/>
+          </a:xfrm>
+          <a:prstGeom prst="rect">
+            <a:avLst/>
+          </a:prstGeom>
+          <a:noFill/>
+        </p:spPr>
+        <p:txBody>
+          <a:bodyPr wrap="none" lIns="91440" tIns="45720" rIns="91440" bIns="45720">
+            <a:spAutoFit/>
+          </a:bodyPr>
+          <a:lstStyle/>
+          <a:p>
+            <a:pPr algn="ctr"/>
+            <a:r>
+              <a:rPr lang="en-US" sz="5400" b="0" cap="none" spc="0" dirty="0" smtClean="0">
+                <a:ln w="0"/>
+                <a:solidFill>
+                  <a:schemeClr val="tx1"/>
+                </a:solidFill>
+                <a:effectLst>
+                  <a:outerShdw blurRad="38100" dist="19050" dir="2700000" algn="tl" rotWithShape="0">
+                    <a:schemeClr val="dk1">
+                      <a:alpha val="40000"/>
+                    </a:schemeClr>
+                  </a:outerShdw>
+                </a:effectLst>
+              </a:rPr>
+              <a:t>Working of Relay</a:t>
+            </a:r>
+            <a:endParaRPr lang="en-US" sz="5400" b="0" cap="none" spc="0" dirty="0">
+              <a:ln w="0"/>
+              <a:solidFill>
+                <a:schemeClr val="tx1"/>
+              </a:solidFill>
+              <a:effectLst>
+                <a:outerShdw blurRad="38100" dist="19050" dir="2700000" algn="tl" rotWithShape="0">
+                  <a:schemeClr val="dk1">
+                    <a:alpha val="40000"/>
+                  </a:schemeClr>
+                </a:outerShdw>
+              </a:effectLst>
+            </a:endParaRPr>
+          </a:p>
+        </p:txBody>
+      </p:sp>
+      <p:sp>
+        <p:nvSpPr>
+          <p:cNvPr id="5" name="Rectangle 4"/>
+          <p:cNvSpPr/>
+          <p:nvPr/>
+        </p:nvSpPr>
+        <p:spPr>
+          <a:xfrm>
+            <a:off x="935992" y="3646232"/>
+            <a:ext cx="693764" cy="45719"/>
+          </a:xfrm>
+          <a:prstGeom prst="rect">
+            <a:avLst/>
+          </a:prstGeom>
+          <a:solidFill>
+            <a:schemeClr val="tx1"/>
+          </a:solidFill>
+        </p:spPr>
+        <p:style>
+          <a:lnRef idx="2">
+            <a:schemeClr val="accent1">
+              <a:shade val="50000"/>
+            </a:schemeClr>
+          </a:lnRef>
+          <a:fillRef idx="1">
+            <a:schemeClr val="accent1"/>
+          </a:fillRef>
+          <a:effectRef idx="0">
+            <a:schemeClr val="accent1"/>
+          </a:effectRef>
+          <a:fontRef idx="minor">
+            <a:schemeClr val="lt1"/>
+          </a:fontRef>
+        </p:style>
+        <p:txBody>
+          <a:bodyPr rtlCol="0" anchor="ctr"/>
+          <a:lstStyle/>
+          <a:p>
+            <a:pPr algn="ctr"/>
+            <a:endParaRPr lang="en-US"/>
+          </a:p>
+        </p:txBody>
+      </p:sp>
+      <p:sp>
+        <p:nvSpPr>
+          <p:cNvPr id="6" name="Rectangle 5"/>
+          <p:cNvSpPr/>
+          <p:nvPr/>
+        </p:nvSpPr>
+        <p:spPr>
+          <a:xfrm>
+            <a:off x="926892" y="4087510"/>
+            <a:ext cx="675568" cy="45719"/>
+          </a:xfrm>
+          <a:prstGeom prst="rect">
+            <a:avLst/>
+          </a:prstGeom>
+          <a:solidFill>
+            <a:schemeClr val="tx1"/>
+          </a:solidFill>
+        </p:spPr>
+        <p:style>
+          <a:lnRef idx="2">
+            <a:schemeClr val="accent1">
+              <a:shade val="50000"/>
+            </a:schemeClr>
+          </a:lnRef>
+          <a:fillRef idx="1">
+            <a:schemeClr val="accent1"/>
+          </a:fillRef>
+          <a:effectRef idx="0">
+            <a:schemeClr val="accent1"/>
+          </a:effectRef>
+          <a:fontRef idx="minor">
+            <a:schemeClr val="lt1"/>
+          </a:fontRef>
+        </p:style>
+        <p:txBody>
+          <a:bodyPr rtlCol="0" anchor="ctr"/>
+          <a:lstStyle/>
+          <a:p>
+            <a:pPr algn="ctr"/>
+            <a:endParaRPr lang="en-US"/>
+          </a:p>
+        </p:txBody>
+      </p:sp>
+      <p:sp>
+        <p:nvSpPr>
+          <p:cNvPr id="7" name="Rectangle 6"/>
+          <p:cNvSpPr/>
+          <p:nvPr/>
+        </p:nvSpPr>
+        <p:spPr>
+          <a:xfrm>
+            <a:off x="707399" y="2494396"/>
+            <a:ext cx="600502" cy="923330"/>
+          </a:xfrm>
+          <a:prstGeom prst="rect">
+            <a:avLst/>
+          </a:prstGeom>
+          <a:noFill/>
+        </p:spPr>
+        <p:txBody>
+          <a:bodyPr wrap="square" lIns="91440" tIns="45720" rIns="91440" bIns="45720">
+            <a:spAutoFit/>
+          </a:bodyPr>
+          <a:lstStyle/>
+          <a:p>
+            <a:pPr algn="ctr"/>
+            <a:r>
+              <a:rPr lang="en-US" sz="5400" b="0" cap="none" spc="0" dirty="0" smtClean="0">
+                <a:ln w="0"/>
+                <a:solidFill>
+                  <a:schemeClr val="tx1"/>
+                </a:solidFill>
+                <a:effectLst>
+                  <a:outerShdw blurRad="38100" dist="19050" dir="2700000" algn="tl" rotWithShape="0">
+                    <a:schemeClr val="dk1">
+                      <a:alpha val="40000"/>
+                    </a:schemeClr>
+                  </a:outerShdw>
+                </a:effectLst>
+              </a:rPr>
+              <a:t>+</a:t>
+            </a:r>
+            <a:endParaRPr lang="en-US" sz="5400" b="0" cap="none" spc="0" dirty="0">
+              <a:ln w="0"/>
+              <a:solidFill>
+                <a:schemeClr val="tx1"/>
+              </a:solidFill>
+              <a:effectLst>
+                <a:outerShdw blurRad="38100" dist="19050" dir="2700000" algn="tl" rotWithShape="0">
+                  <a:schemeClr val="dk1">
+                    <a:alpha val="40000"/>
+                  </a:schemeClr>
+                </a:outerShdw>
+              </a:effectLst>
+            </a:endParaRPr>
+          </a:p>
+        </p:txBody>
+      </p:sp>
+      <p:sp>
+        <p:nvSpPr>
+          <p:cNvPr id="8" name="Rectangle 7"/>
+          <p:cNvSpPr/>
+          <p:nvPr/>
+        </p:nvSpPr>
+        <p:spPr>
+          <a:xfrm>
+            <a:off x="742647" y="3371000"/>
+            <a:ext cx="1078173" cy="68239"/>
+          </a:xfrm>
+          <a:prstGeom prst="rect">
+            <a:avLst/>
+          </a:prstGeom>
+          <a:solidFill>
+            <a:schemeClr val="tx1"/>
+          </a:solidFill>
+        </p:spPr>
+        <p:style>
+          <a:lnRef idx="2">
+            <a:schemeClr val="accent1">
+              <a:shade val="50000"/>
+            </a:schemeClr>
+          </a:lnRef>
+          <a:fillRef idx="1">
+            <a:schemeClr val="accent1"/>
+          </a:fillRef>
+          <a:effectRef idx="0">
+            <a:schemeClr val="accent1"/>
+          </a:effectRef>
+          <a:fontRef idx="minor">
+            <a:schemeClr val="lt1"/>
+          </a:fontRef>
+        </p:style>
+        <p:txBody>
+          <a:bodyPr rtlCol="0" anchor="ctr"/>
+          <a:lstStyle/>
+          <a:p>
+            <a:pPr algn="ctr"/>
+            <a:endParaRPr lang="en-US"/>
+          </a:p>
+        </p:txBody>
+      </p:sp>
+      <p:sp>
+        <p:nvSpPr>
+          <p:cNvPr id="9" name="Rectangle 8"/>
+          <p:cNvSpPr/>
+          <p:nvPr/>
+        </p:nvSpPr>
+        <p:spPr>
+          <a:xfrm>
+            <a:off x="779615" y="3850722"/>
+            <a:ext cx="1078173" cy="68239"/>
+          </a:xfrm>
+          <a:prstGeom prst="rect">
+            <a:avLst/>
+          </a:prstGeom>
+          <a:solidFill>
+            <a:schemeClr val="tx1"/>
+          </a:solidFill>
+        </p:spPr>
+        <p:style>
+          <a:lnRef idx="2">
+            <a:schemeClr val="accent1">
+              <a:shade val="50000"/>
+            </a:schemeClr>
+          </a:lnRef>
+          <a:fillRef idx="1">
+            <a:schemeClr val="accent1"/>
+          </a:fillRef>
+          <a:effectRef idx="0">
+            <a:schemeClr val="accent1"/>
+          </a:effectRef>
+          <a:fontRef idx="minor">
+            <a:schemeClr val="lt1"/>
+          </a:fontRef>
+        </p:style>
+        <p:txBody>
+          <a:bodyPr rtlCol="0" anchor="ctr"/>
+          <a:lstStyle/>
+          <a:p>
+            <a:pPr algn="ctr"/>
+            <a:endParaRPr lang="en-US"/>
+          </a:p>
+        </p:txBody>
+      </p:sp>
+      <p:sp>
+        <p:nvSpPr>
+          <p:cNvPr id="10" name="Rectangle 9"/>
+          <p:cNvSpPr/>
+          <p:nvPr/>
+        </p:nvSpPr>
+        <p:spPr>
+          <a:xfrm>
+            <a:off x="524394" y="4148927"/>
+            <a:ext cx="600502" cy="923330"/>
+          </a:xfrm>
+          <a:prstGeom prst="rect">
+            <a:avLst/>
+          </a:prstGeom>
+          <a:noFill/>
+        </p:spPr>
+        <p:txBody>
+          <a:bodyPr wrap="square" lIns="91440" tIns="45720" rIns="91440" bIns="45720">
+            <a:spAutoFit/>
+          </a:bodyPr>
+          <a:lstStyle/>
+          <a:p>
+            <a:pPr algn="ctr"/>
+            <a:r>
+              <a:rPr lang="en-US" sz="5400" b="0" cap="none" spc="0" dirty="0" smtClean="0">
+                <a:ln w="0"/>
+                <a:solidFill>
+                  <a:schemeClr val="tx1"/>
+                </a:solidFill>
+                <a:effectLst>
+                  <a:outerShdw blurRad="38100" dist="19050" dir="2700000" algn="tl" rotWithShape="0">
+                    <a:schemeClr val="dk1">
+                      <a:alpha val="40000"/>
+                    </a:schemeClr>
+                  </a:outerShdw>
+                </a:effectLst>
+              </a:rPr>
+              <a:t>-</a:t>
+            </a:r>
+            <a:endParaRPr lang="en-US" sz="5400" b="0" cap="none" spc="0" dirty="0">
+              <a:ln w="0"/>
+              <a:solidFill>
+                <a:schemeClr val="tx1"/>
+              </a:solidFill>
+              <a:effectLst>
+                <a:outerShdw blurRad="38100" dist="19050" dir="2700000" algn="tl" rotWithShape="0">
+                  <a:schemeClr val="dk1">
+                    <a:alpha val="40000"/>
+                  </a:schemeClr>
+                </a:outerShdw>
+              </a:effectLst>
+            </a:endParaRPr>
+          </a:p>
+        </p:txBody>
+      </p:sp>
+      <p:sp>
+        <p:nvSpPr>
+          <p:cNvPr id="11" name="Rectangle 10"/>
+          <p:cNvSpPr/>
+          <p:nvPr/>
+        </p:nvSpPr>
+        <p:spPr>
+          <a:xfrm>
+            <a:off x="1394549" y="2719376"/>
+            <a:ext cx="1549495" cy="523220"/>
+          </a:xfrm>
+          <a:prstGeom prst="rect">
+            <a:avLst/>
+          </a:prstGeom>
+          <a:noFill/>
+        </p:spPr>
+        <p:txBody>
+          <a:bodyPr wrap="square" lIns="91440" tIns="45720" rIns="91440" bIns="45720">
+            <a:spAutoFit/>
+          </a:bodyPr>
+          <a:lstStyle/>
+          <a:p>
+            <a:pPr algn="ctr"/>
+            <a:r>
+              <a:rPr lang="en-US" sz="2800" dirty="0" smtClean="0">
+                <a:ln w="0"/>
+                <a:effectLst>
+                  <a:outerShdw blurRad="38100" dist="19050" dir="2700000" algn="tl" rotWithShape="0">
+                    <a:schemeClr val="dk1">
+                      <a:alpha val="40000"/>
+                    </a:schemeClr>
+                  </a:outerShdw>
+                </a:effectLst>
+              </a:rPr>
+              <a:t>BATTERY</a:t>
+            </a:r>
+            <a:endParaRPr lang="en-US" sz="5400" b="0" cap="none" spc="0" dirty="0">
+              <a:ln w="0"/>
+              <a:solidFill>
+                <a:schemeClr val="tx1"/>
+              </a:solidFill>
+              <a:effectLst>
+                <a:outerShdw blurRad="38100" dist="19050" dir="2700000" algn="tl" rotWithShape="0">
+                  <a:schemeClr val="dk1">
+                    <a:alpha val="40000"/>
+                  </a:schemeClr>
+                </a:outerShdw>
+              </a:effectLst>
+            </a:endParaRPr>
+          </a:p>
+        </p:txBody>
+      </p:sp>
+      <p:sp>
+        <p:nvSpPr>
+          <p:cNvPr id="12" name="Flowchart: Process 11"/>
+          <p:cNvSpPr/>
+          <p:nvPr/>
+        </p:nvSpPr>
+        <p:spPr>
+          <a:xfrm>
+            <a:off x="1307901" y="1287887"/>
+            <a:ext cx="61696" cy="2116224"/>
+          </a:xfrm>
+          <a:prstGeom prst="flowChartProcess">
+            <a:avLst/>
+          </a:prstGeom>
+          <a:solidFill>
+            <a:schemeClr val="tx1"/>
+          </a:solidFill>
+        </p:spPr>
+        <p:style>
+          <a:lnRef idx="2">
+            <a:schemeClr val="accent1">
+              <a:shade val="50000"/>
+            </a:schemeClr>
+          </a:lnRef>
+          <a:fillRef idx="1">
+            <a:schemeClr val="accent1"/>
+          </a:fillRef>
+          <a:effectRef idx="0">
+            <a:schemeClr val="accent1"/>
+          </a:effectRef>
+          <a:fontRef idx="minor">
+            <a:schemeClr val="lt1"/>
+          </a:fontRef>
+        </p:style>
+        <p:txBody>
+          <a:bodyPr rtlCol="0" anchor="ctr"/>
+          <a:lstStyle/>
+          <a:p>
+            <a:pPr algn="ctr"/>
+            <a:endParaRPr lang="en-US" dirty="0"/>
+          </a:p>
+        </p:txBody>
+      </p:sp>
+      <p:sp>
+        <p:nvSpPr>
+          <p:cNvPr id="13" name="Flowchart: Process 12"/>
+          <p:cNvSpPr/>
+          <p:nvPr/>
+        </p:nvSpPr>
+        <p:spPr>
+          <a:xfrm>
+            <a:off x="1357339" y="1282469"/>
+            <a:ext cx="2004048" cy="52344"/>
+          </a:xfrm>
+          <a:prstGeom prst="flowChartProcess">
+            <a:avLst/>
+          </a:prstGeom>
+          <a:solidFill>
+            <a:schemeClr val="tx1"/>
+          </a:solidFill>
+        </p:spPr>
+        <p:style>
+          <a:lnRef idx="2">
+            <a:schemeClr val="accent1">
+              <a:shade val="50000"/>
+            </a:schemeClr>
+          </a:lnRef>
+          <a:fillRef idx="1">
+            <a:schemeClr val="accent1"/>
+          </a:fillRef>
+          <a:effectRef idx="0">
+            <a:schemeClr val="accent1"/>
+          </a:effectRef>
+          <a:fontRef idx="minor">
+            <a:schemeClr val="lt1"/>
+          </a:fontRef>
+        </p:style>
+        <p:txBody>
+          <a:bodyPr rtlCol="0" anchor="ctr"/>
+          <a:lstStyle/>
+          <a:p>
+            <a:pPr algn="ctr"/>
+            <a:endParaRPr lang="en-US" dirty="0"/>
+          </a:p>
+        </p:txBody>
+      </p:sp>
+      <p:sp>
+        <p:nvSpPr>
+          <p:cNvPr id="14" name="Flowchart: Process 13"/>
+          <p:cNvSpPr/>
+          <p:nvPr/>
+        </p:nvSpPr>
+        <p:spPr>
+          <a:xfrm>
+            <a:off x="1287853" y="4110369"/>
+            <a:ext cx="61696" cy="2116224"/>
+          </a:xfrm>
+          <a:prstGeom prst="flowChartProcess">
+            <a:avLst/>
+          </a:prstGeom>
+          <a:solidFill>
+            <a:schemeClr val="tx1"/>
+          </a:solidFill>
+        </p:spPr>
+        <p:style>
+          <a:lnRef idx="2">
+            <a:schemeClr val="accent1">
+              <a:shade val="50000"/>
+            </a:schemeClr>
+          </a:lnRef>
+          <a:fillRef idx="1">
+            <a:schemeClr val="accent1"/>
+          </a:fillRef>
+          <a:effectRef idx="0">
+            <a:schemeClr val="accent1"/>
+          </a:effectRef>
+          <a:fontRef idx="minor">
+            <a:schemeClr val="lt1"/>
+          </a:fontRef>
+        </p:style>
+        <p:txBody>
+          <a:bodyPr rtlCol="0" anchor="ctr"/>
+          <a:lstStyle/>
+          <a:p>
+            <a:pPr algn="ctr"/>
+            <a:endParaRPr lang="en-US" dirty="0"/>
+          </a:p>
+        </p:txBody>
+      </p:sp>
+      <p:sp>
+        <p:nvSpPr>
+          <p:cNvPr id="15" name="Flowchart: Process 14"/>
+          <p:cNvSpPr/>
+          <p:nvPr/>
+        </p:nvSpPr>
+        <p:spPr>
+          <a:xfrm flipV="1">
+            <a:off x="1300298" y="6207333"/>
+            <a:ext cx="4820814" cy="45719"/>
+          </a:xfrm>
+          <a:prstGeom prst="flowChartProcess">
+            <a:avLst/>
+          </a:prstGeom>
+          <a:solidFill>
+            <a:schemeClr val="tx1"/>
+          </a:solidFill>
+        </p:spPr>
+        <p:style>
+          <a:lnRef idx="2">
+            <a:schemeClr val="accent1">
+              <a:shade val="50000"/>
+            </a:schemeClr>
+          </a:lnRef>
+          <a:fillRef idx="1">
+            <a:schemeClr val="accent1"/>
+          </a:fillRef>
+          <a:effectRef idx="0">
+            <a:schemeClr val="accent1"/>
+          </a:effectRef>
+          <a:fontRef idx="minor">
+            <a:schemeClr val="lt1"/>
+          </a:fontRef>
+        </p:style>
+        <p:txBody>
+          <a:bodyPr rtlCol="0" anchor="ctr"/>
+          <a:lstStyle/>
+          <a:p>
+            <a:pPr algn="ctr"/>
+            <a:endParaRPr lang="en-US" dirty="0"/>
+          </a:p>
+        </p:txBody>
+      </p:sp>
+      <p:sp>
+        <p:nvSpPr>
+          <p:cNvPr id="16" name="Flowchart: Process 15"/>
+          <p:cNvSpPr/>
+          <p:nvPr/>
+        </p:nvSpPr>
+        <p:spPr>
+          <a:xfrm rot="19870170" flipV="1">
+            <a:off x="3266597" y="1084082"/>
+            <a:ext cx="896440" cy="57551"/>
+          </a:xfrm>
+          <a:prstGeom prst="flowChartProcess">
+            <a:avLst/>
+          </a:prstGeom>
+          <a:solidFill>
+            <a:schemeClr val="tx1"/>
+          </a:solidFill>
+        </p:spPr>
+        <p:style>
+          <a:lnRef idx="2">
+            <a:schemeClr val="accent1">
+              <a:shade val="50000"/>
+            </a:schemeClr>
+          </a:lnRef>
+          <a:fillRef idx="1">
+            <a:schemeClr val="accent1"/>
+          </a:fillRef>
+          <a:effectRef idx="0">
+            <a:schemeClr val="accent1"/>
+          </a:effectRef>
+          <a:fontRef idx="minor">
+            <a:schemeClr val="lt1"/>
+          </a:fontRef>
+        </p:style>
+        <p:txBody>
+          <a:bodyPr rtlCol="0" anchor="ctr"/>
+          <a:lstStyle/>
+          <a:p>
+            <a:pPr algn="ctr"/>
+            <a:endParaRPr lang="en-US" dirty="0"/>
+          </a:p>
+        </p:txBody>
+      </p:sp>
+      <p:sp>
+        <p:nvSpPr>
+          <p:cNvPr id="17" name="Rectangle 16"/>
+          <p:cNvSpPr/>
+          <p:nvPr/>
+        </p:nvSpPr>
+        <p:spPr>
+          <a:xfrm>
+            <a:off x="3085306" y="1413096"/>
+            <a:ext cx="1142365" cy="523220"/>
+          </a:xfrm>
+          <a:prstGeom prst="rect">
+            <a:avLst/>
+          </a:prstGeom>
+          <a:noFill/>
+        </p:spPr>
+        <p:txBody>
+          <a:bodyPr wrap="none" lIns="91440" tIns="45720" rIns="91440" bIns="45720">
+            <a:spAutoFit/>
+          </a:bodyPr>
+          <a:lstStyle/>
+          <a:p>
+            <a:pPr algn="ctr"/>
+            <a:r>
+              <a:rPr lang="en-US" sz="2800" b="0" cap="none" spc="0" dirty="0" smtClean="0">
+                <a:ln w="0"/>
+                <a:solidFill>
+                  <a:schemeClr val="tx1"/>
+                </a:solidFill>
+                <a:effectLst>
+                  <a:outerShdw blurRad="38100" dist="19050" dir="2700000" algn="tl" rotWithShape="0">
+                    <a:schemeClr val="dk1">
+                      <a:alpha val="40000"/>
+                    </a:schemeClr>
+                  </a:outerShdw>
+                </a:effectLst>
+              </a:rPr>
+              <a:t>Switch</a:t>
+            </a:r>
+            <a:endParaRPr lang="en-US" sz="2800" b="0" cap="none" spc="0" dirty="0">
+              <a:ln w="0"/>
+              <a:solidFill>
+                <a:schemeClr val="tx1"/>
+              </a:solidFill>
+              <a:effectLst>
+                <a:outerShdw blurRad="38100" dist="19050" dir="2700000" algn="tl" rotWithShape="0">
+                  <a:schemeClr val="dk1">
+                    <a:alpha val="40000"/>
+                  </a:schemeClr>
+                </a:outerShdw>
+              </a:effectLst>
+            </a:endParaRPr>
+          </a:p>
+        </p:txBody>
+      </p:sp>
+      <p:sp>
+        <p:nvSpPr>
+          <p:cNvPr id="18" name="Flowchart: Process 17"/>
+          <p:cNvSpPr/>
+          <p:nvPr/>
+        </p:nvSpPr>
+        <p:spPr>
+          <a:xfrm>
+            <a:off x="4121357" y="1282469"/>
+            <a:ext cx="2004048" cy="52344"/>
+          </a:xfrm>
+          <a:prstGeom prst="flowChartProcess">
+            <a:avLst/>
+          </a:prstGeom>
+          <a:solidFill>
+            <a:schemeClr val="tx1"/>
+          </a:solidFill>
+        </p:spPr>
+        <p:style>
+          <a:lnRef idx="2">
+            <a:schemeClr val="accent1">
+              <a:shade val="50000"/>
+            </a:schemeClr>
+          </a:lnRef>
+          <a:fillRef idx="1">
+            <a:schemeClr val="accent1"/>
+          </a:fillRef>
+          <a:effectRef idx="0">
+            <a:schemeClr val="accent1"/>
+          </a:effectRef>
+          <a:fontRef idx="minor">
+            <a:schemeClr val="lt1"/>
+          </a:fontRef>
+        </p:style>
+        <p:txBody>
+          <a:bodyPr rtlCol="0" anchor="ctr"/>
+          <a:lstStyle/>
+          <a:p>
+            <a:pPr algn="ctr"/>
+            <a:endParaRPr lang="en-US" dirty="0"/>
+          </a:p>
+        </p:txBody>
+      </p:sp>
+      <p:sp>
+        <p:nvSpPr>
+          <p:cNvPr id="19" name="Flowchart: Process 18"/>
+          <p:cNvSpPr/>
+          <p:nvPr/>
+        </p:nvSpPr>
+        <p:spPr>
+          <a:xfrm>
+            <a:off x="6072295" y="1284166"/>
+            <a:ext cx="61696" cy="1210230"/>
+          </a:xfrm>
+          <a:prstGeom prst="flowChartProcess">
+            <a:avLst/>
+          </a:prstGeom>
+          <a:solidFill>
+            <a:schemeClr val="tx1"/>
+          </a:solidFill>
+        </p:spPr>
+        <p:style>
+          <a:lnRef idx="2">
+            <a:schemeClr val="accent1">
+              <a:shade val="50000"/>
+            </a:schemeClr>
+          </a:lnRef>
+          <a:fillRef idx="1">
+            <a:schemeClr val="accent1"/>
+          </a:fillRef>
+          <a:effectRef idx="0">
+            <a:schemeClr val="accent1"/>
+          </a:effectRef>
+          <a:fontRef idx="minor">
+            <a:schemeClr val="lt1"/>
+          </a:fontRef>
+        </p:style>
+        <p:txBody>
+          <a:bodyPr rtlCol="0" anchor="ctr"/>
+          <a:lstStyle/>
+          <a:p>
+            <a:pPr algn="ctr"/>
+            <a:endParaRPr lang="en-US" dirty="0"/>
+          </a:p>
+        </p:txBody>
+      </p:sp>
+      <p:sp>
+        <p:nvSpPr>
+          <p:cNvPr id="20" name="Flowchart: Process 19"/>
+          <p:cNvSpPr/>
+          <p:nvPr/>
+        </p:nvSpPr>
+        <p:spPr>
+          <a:xfrm>
+            <a:off x="6072295" y="4795646"/>
+            <a:ext cx="61696" cy="1459339"/>
+          </a:xfrm>
+          <a:prstGeom prst="flowChartProcess">
+            <a:avLst/>
+          </a:prstGeom>
+          <a:solidFill>
+            <a:schemeClr val="tx1"/>
+          </a:solidFill>
+        </p:spPr>
+        <p:style>
+          <a:lnRef idx="2">
+            <a:schemeClr val="accent1">
+              <a:shade val="50000"/>
+            </a:schemeClr>
+          </a:lnRef>
+          <a:fillRef idx="1">
+            <a:schemeClr val="accent1"/>
+          </a:fillRef>
+          <a:effectRef idx="0">
+            <a:schemeClr val="accent1"/>
+          </a:effectRef>
+          <a:fontRef idx="minor">
+            <a:schemeClr val="lt1"/>
+          </a:fontRef>
+        </p:style>
+        <p:txBody>
+          <a:bodyPr rtlCol="0" anchor="ctr"/>
+          <a:lstStyle/>
+          <a:p>
+            <a:pPr algn="ctr"/>
+            <a:endParaRPr lang="en-US" dirty="0"/>
+          </a:p>
+        </p:txBody>
+      </p:sp>
+      <p:pic>
+        <p:nvPicPr>
+          <p:cNvPr id="22" name="Picture 21"/>
+          <p:cNvPicPr>
+            <a:picLocks noChangeAspect="1"/>
+          </p:cNvPicPr>
+          <p:nvPr/>
+        </p:nvPicPr>
+        <p:blipFill>
+          <a:blip r:embed="rId2"/>
+          <a:stretch>
+            <a:fillRect/>
+          </a:stretch>
+        </p:blipFill>
+        <p:spPr>
+          <a:xfrm>
+            <a:off x="5638791" y="2494396"/>
+            <a:ext cx="973227" cy="2301250"/>
+          </a:xfrm>
+          <a:prstGeom prst="rect">
+            <a:avLst/>
+          </a:prstGeom>
+        </p:spPr>
+      </p:pic>
+      <p:sp>
+        <p:nvSpPr>
+          <p:cNvPr id="23" name="Flowchart: Process 22"/>
+          <p:cNvSpPr/>
+          <p:nvPr/>
+        </p:nvSpPr>
+        <p:spPr>
+          <a:xfrm>
+            <a:off x="7095784" y="1282469"/>
+            <a:ext cx="2004048" cy="52344"/>
+          </a:xfrm>
+          <a:prstGeom prst="flowChartProcess">
+            <a:avLst/>
+          </a:prstGeom>
+          <a:solidFill>
+            <a:schemeClr val="tx1"/>
+          </a:solidFill>
+        </p:spPr>
+        <p:style>
+          <a:lnRef idx="2">
+            <a:schemeClr val="accent1">
+              <a:shade val="50000"/>
+            </a:schemeClr>
+          </a:lnRef>
+          <a:fillRef idx="1">
+            <a:schemeClr val="accent1"/>
+          </a:fillRef>
+          <a:effectRef idx="0">
+            <a:schemeClr val="accent1"/>
+          </a:effectRef>
+          <a:fontRef idx="minor">
+            <a:schemeClr val="lt1"/>
+          </a:fontRef>
+        </p:style>
+        <p:txBody>
+          <a:bodyPr rtlCol="0" anchor="ctr"/>
+          <a:lstStyle/>
+          <a:p>
+            <a:pPr algn="ctr"/>
+            <a:endParaRPr lang="en-US" dirty="0"/>
+          </a:p>
+        </p:txBody>
+      </p:sp>
+      <p:sp>
+        <p:nvSpPr>
+          <p:cNvPr id="24" name="Flowchart: Process 23"/>
+          <p:cNvSpPr/>
+          <p:nvPr/>
+        </p:nvSpPr>
+        <p:spPr>
+          <a:xfrm>
+            <a:off x="7091491" y="1284710"/>
+            <a:ext cx="60304" cy="1434666"/>
+          </a:xfrm>
+          <a:prstGeom prst="flowChartProcess">
+            <a:avLst/>
+          </a:prstGeom>
+          <a:solidFill>
+            <a:schemeClr val="tx1"/>
+          </a:solidFill>
+        </p:spPr>
+        <p:style>
+          <a:lnRef idx="2">
+            <a:schemeClr val="accent1">
+              <a:shade val="50000"/>
+            </a:schemeClr>
+          </a:lnRef>
+          <a:fillRef idx="1">
+            <a:schemeClr val="accent1"/>
+          </a:fillRef>
+          <a:effectRef idx="0">
+            <a:schemeClr val="accent1"/>
+          </a:effectRef>
+          <a:fontRef idx="minor">
+            <a:schemeClr val="lt1"/>
+          </a:fontRef>
+        </p:style>
+        <p:txBody>
+          <a:bodyPr rtlCol="0" anchor="ctr"/>
+          <a:lstStyle/>
+          <a:p>
+            <a:pPr algn="ctr"/>
+            <a:endParaRPr lang="en-US" dirty="0"/>
+          </a:p>
+        </p:txBody>
+      </p:sp>
+      <p:sp>
+        <p:nvSpPr>
+          <p:cNvPr id="25" name="Flowchart: Process 24"/>
+          <p:cNvSpPr/>
+          <p:nvPr/>
+        </p:nvSpPr>
+        <p:spPr>
+          <a:xfrm>
+            <a:off x="7091491" y="4506835"/>
+            <a:ext cx="60304" cy="1723477"/>
+          </a:xfrm>
+          <a:prstGeom prst="flowChartProcess">
+            <a:avLst/>
+          </a:prstGeom>
+          <a:solidFill>
+            <a:schemeClr val="tx1"/>
+          </a:solidFill>
+        </p:spPr>
+        <p:style>
+          <a:lnRef idx="2">
+            <a:schemeClr val="accent1">
+              <a:shade val="50000"/>
+            </a:schemeClr>
+          </a:lnRef>
+          <a:fillRef idx="1">
+            <a:schemeClr val="accent1"/>
+          </a:fillRef>
+          <a:effectRef idx="0">
+            <a:schemeClr val="accent1"/>
+          </a:effectRef>
+          <a:fontRef idx="minor">
+            <a:schemeClr val="lt1"/>
+          </a:fontRef>
+        </p:style>
+        <p:txBody>
+          <a:bodyPr rtlCol="0" anchor="ctr"/>
+          <a:lstStyle/>
+          <a:p>
+            <a:pPr algn="ctr"/>
+            <a:endParaRPr lang="en-US" dirty="0"/>
+          </a:p>
+        </p:txBody>
+      </p:sp>
+      <p:sp>
+        <p:nvSpPr>
+          <p:cNvPr id="26" name="Flowchart: Process 25"/>
+          <p:cNvSpPr/>
+          <p:nvPr/>
+        </p:nvSpPr>
+        <p:spPr>
+          <a:xfrm>
+            <a:off x="7091491" y="6226591"/>
+            <a:ext cx="2057737" cy="45719"/>
+          </a:xfrm>
+          <a:prstGeom prst="flowChartProcess">
+            <a:avLst/>
+          </a:prstGeom>
+          <a:solidFill>
+            <a:schemeClr val="tx1"/>
+          </a:solidFill>
+        </p:spPr>
+        <p:style>
+          <a:lnRef idx="2">
+            <a:schemeClr val="accent1">
+              <a:shade val="50000"/>
+            </a:schemeClr>
+          </a:lnRef>
+          <a:fillRef idx="1">
+            <a:schemeClr val="accent1"/>
+          </a:fillRef>
+          <a:effectRef idx="0">
+            <a:schemeClr val="accent1"/>
+          </a:effectRef>
+          <a:fontRef idx="minor">
+            <a:schemeClr val="lt1"/>
+          </a:fontRef>
+        </p:style>
+        <p:txBody>
+          <a:bodyPr rtlCol="0" anchor="ctr"/>
+          <a:lstStyle/>
+          <a:p>
+            <a:pPr algn="ctr"/>
+            <a:endParaRPr lang="en-US" dirty="0"/>
+          </a:p>
+        </p:txBody>
+      </p:sp>
+      <p:sp>
+        <p:nvSpPr>
+          <p:cNvPr id="27" name="Flowchart: Process 26"/>
+          <p:cNvSpPr/>
+          <p:nvPr/>
+        </p:nvSpPr>
+        <p:spPr>
+          <a:xfrm flipH="1">
+            <a:off x="11732653" y="1282469"/>
+            <a:ext cx="45719" cy="4923120"/>
+          </a:xfrm>
+          <a:prstGeom prst="flowChartProcess">
+            <a:avLst/>
+          </a:prstGeom>
+          <a:solidFill>
+            <a:schemeClr val="tx1"/>
+          </a:solidFill>
+        </p:spPr>
+        <p:style>
+          <a:lnRef idx="2">
+            <a:schemeClr val="accent1">
+              <a:shade val="50000"/>
+            </a:schemeClr>
+          </a:lnRef>
+          <a:fillRef idx="1">
+            <a:schemeClr val="accent1"/>
+          </a:fillRef>
+          <a:effectRef idx="0">
+            <a:schemeClr val="accent1"/>
+          </a:effectRef>
+          <a:fontRef idx="minor">
+            <a:schemeClr val="lt1"/>
+          </a:fontRef>
+        </p:style>
+        <p:txBody>
+          <a:bodyPr rtlCol="0" anchor="ctr"/>
+          <a:lstStyle/>
+          <a:p>
+            <a:pPr algn="ctr"/>
+            <a:endParaRPr lang="en-US" dirty="0"/>
+          </a:p>
+        </p:txBody>
+      </p:sp>
+      <p:sp>
+        <p:nvSpPr>
+          <p:cNvPr id="28" name="Rectangle 27"/>
+          <p:cNvSpPr/>
+          <p:nvPr/>
+        </p:nvSpPr>
+        <p:spPr>
+          <a:xfrm>
+            <a:off x="9980383" y="1400503"/>
+            <a:ext cx="1371373" cy="584775"/>
+          </a:xfrm>
+          <a:prstGeom prst="rect">
+            <a:avLst/>
+          </a:prstGeom>
+          <a:noFill/>
+        </p:spPr>
+        <p:txBody>
+          <a:bodyPr wrap="square" lIns="91440" tIns="45720" rIns="91440" bIns="45720">
+            <a:spAutoFit/>
+          </a:bodyPr>
+          <a:lstStyle/>
+          <a:p>
+            <a:pPr algn="ctr"/>
+            <a:r>
+              <a:rPr lang="en-US" sz="3200" dirty="0" smtClean="0">
+                <a:ln w="0"/>
+                <a:effectLst>
+                  <a:outerShdw blurRad="38100" dist="19050" dir="2700000" algn="tl" rotWithShape="0">
+                    <a:schemeClr val="dk1">
+                      <a:alpha val="40000"/>
+                    </a:schemeClr>
+                  </a:outerShdw>
+                </a:effectLst>
+              </a:rPr>
+              <a:t>LED</a:t>
+            </a:r>
+            <a:endParaRPr lang="en-US" sz="3200" b="0" cap="none" spc="0" dirty="0">
+              <a:ln w="0"/>
+              <a:solidFill>
+                <a:schemeClr val="tx1"/>
+              </a:solidFill>
+              <a:effectLst>
+                <a:outerShdw blurRad="38100" dist="19050" dir="2700000" algn="tl" rotWithShape="0">
+                  <a:schemeClr val="dk1">
+                    <a:alpha val="40000"/>
+                  </a:schemeClr>
+                </a:outerShdw>
+              </a:effectLst>
+            </a:endParaRPr>
+          </a:p>
+        </p:txBody>
+      </p:sp>
+      <p:sp>
+        <p:nvSpPr>
+          <p:cNvPr id="29" name="Isosceles Triangle 28"/>
+          <p:cNvSpPr/>
+          <p:nvPr/>
+        </p:nvSpPr>
+        <p:spPr>
+          <a:xfrm rot="5400000">
+            <a:off x="9177881" y="965738"/>
+            <a:ext cx="529681" cy="672326"/>
+          </a:xfrm>
+          <a:prstGeom prst="triangle">
+            <a:avLst/>
+          </a:prstGeom>
+          <a:solidFill>
+            <a:schemeClr val="bg1"/>
+          </a:solidFill>
+          <a:ln>
+            <a:solidFill>
+              <a:schemeClr val="tx1"/>
+            </a:solidFill>
+          </a:ln>
+        </p:spPr>
+        <p:style>
+          <a:lnRef idx="2">
+            <a:schemeClr val="accent1">
+              <a:shade val="50000"/>
+            </a:schemeClr>
+          </a:lnRef>
+          <a:fillRef idx="1">
+            <a:schemeClr val="accent1"/>
+          </a:fillRef>
+          <a:effectRef idx="0">
+            <a:schemeClr val="accent1"/>
+          </a:effectRef>
+          <a:fontRef idx="minor">
+            <a:schemeClr val="lt1"/>
+          </a:fontRef>
+        </p:style>
+        <p:txBody>
+          <a:bodyPr rtlCol="0" anchor="ctr"/>
+          <a:lstStyle/>
+          <a:p>
+            <a:pPr algn="ctr"/>
+            <a:endParaRPr lang="en-US"/>
+          </a:p>
+        </p:txBody>
+      </p:sp>
+      <p:sp>
+        <p:nvSpPr>
+          <p:cNvPr id="30" name="Flowchart: Process 29"/>
+          <p:cNvSpPr/>
+          <p:nvPr/>
+        </p:nvSpPr>
+        <p:spPr>
+          <a:xfrm rot="5400000">
+            <a:off x="9318270" y="1265078"/>
+            <a:ext cx="896440" cy="47172"/>
+          </a:xfrm>
+          <a:prstGeom prst="flowChartProcess">
+            <a:avLst/>
+          </a:prstGeom>
+          <a:solidFill>
+            <a:schemeClr val="bg1"/>
+          </a:solidFill>
+          <a:ln>
+            <a:solidFill>
+              <a:schemeClr val="tx1"/>
+            </a:solidFill>
+          </a:ln>
+        </p:spPr>
+        <p:style>
+          <a:lnRef idx="2">
+            <a:schemeClr val="accent1">
+              <a:shade val="50000"/>
+            </a:schemeClr>
+          </a:lnRef>
+          <a:fillRef idx="1">
+            <a:schemeClr val="accent1"/>
+          </a:fillRef>
+          <a:effectRef idx="0">
+            <a:schemeClr val="accent1"/>
+          </a:effectRef>
+          <a:fontRef idx="minor">
+            <a:schemeClr val="lt1"/>
+          </a:fontRef>
+        </p:style>
+        <p:txBody>
+          <a:bodyPr rtlCol="0" anchor="ctr"/>
+          <a:lstStyle/>
+          <a:p>
+            <a:pPr algn="ctr"/>
+            <a:endParaRPr lang="en-US" dirty="0"/>
+          </a:p>
+        </p:txBody>
+      </p:sp>
+      <p:cxnSp>
+        <p:nvCxnSpPr>
+          <p:cNvPr id="31" name="Straight Arrow Connector 30"/>
+          <p:cNvCxnSpPr/>
+          <p:nvPr/>
+        </p:nvCxnSpPr>
+        <p:spPr>
+          <a:xfrm>
+            <a:off x="9442939" y="1580249"/>
+            <a:ext cx="297940" cy="354584"/>
+          </a:xfrm>
+          <a:prstGeom prst="straightConnector1">
+            <a:avLst/>
+          </a:prstGeom>
+          <a:ln w="28575">
+            <a:solidFill>
+              <a:schemeClr val="tx1"/>
+            </a:solidFill>
+            <a:tailEnd type="arrow"/>
+          </a:ln>
+        </p:spPr>
+        <p:style>
+          <a:lnRef idx="1">
+            <a:schemeClr val="accent1"/>
+          </a:lnRef>
+          <a:fillRef idx="0">
+            <a:schemeClr val="accent1"/>
+          </a:fillRef>
+          <a:effectRef idx="0">
+            <a:schemeClr val="accent1"/>
+          </a:effectRef>
+          <a:fontRef idx="minor">
+            <a:schemeClr val="tx1"/>
+          </a:fontRef>
+        </p:style>
+      </p:cxnSp>
+      <p:cxnSp>
+        <p:nvCxnSpPr>
+          <p:cNvPr id="32" name="Straight Arrow Connector 31"/>
+          <p:cNvCxnSpPr/>
+          <p:nvPr/>
+        </p:nvCxnSpPr>
+        <p:spPr>
+          <a:xfrm>
+            <a:off x="9200362" y="1689720"/>
+            <a:ext cx="399124" cy="422405"/>
+          </a:xfrm>
+          <a:prstGeom prst="straightConnector1">
+            <a:avLst/>
+          </a:prstGeom>
+          <a:ln w="28575">
+            <a:solidFill>
+              <a:schemeClr val="tx1"/>
+            </a:solidFill>
+            <a:tailEnd type="arrow"/>
+          </a:ln>
+        </p:spPr>
+        <p:style>
+          <a:lnRef idx="1">
+            <a:schemeClr val="accent1"/>
+          </a:lnRef>
+          <a:fillRef idx="0">
+            <a:schemeClr val="accent1"/>
+          </a:fillRef>
+          <a:effectRef idx="0">
+            <a:schemeClr val="accent1"/>
+          </a:effectRef>
+          <a:fontRef idx="minor">
+            <a:schemeClr val="tx1"/>
+          </a:fontRef>
+        </p:style>
+      </p:cxnSp>
+      <p:sp>
+        <p:nvSpPr>
+          <p:cNvPr id="33" name="Flowchart: Process 32"/>
+          <p:cNvSpPr/>
+          <p:nvPr/>
+        </p:nvSpPr>
+        <p:spPr>
+          <a:xfrm>
+            <a:off x="9774324" y="1279303"/>
+            <a:ext cx="2004048" cy="52344"/>
+          </a:xfrm>
+          <a:prstGeom prst="flowChartProcess">
+            <a:avLst/>
+          </a:prstGeom>
+          <a:solidFill>
+            <a:schemeClr val="tx1"/>
+          </a:solidFill>
+        </p:spPr>
+        <p:style>
+          <a:lnRef idx="2">
+            <a:schemeClr val="accent1">
+              <a:shade val="50000"/>
+            </a:schemeClr>
+          </a:lnRef>
+          <a:fillRef idx="1">
+            <a:schemeClr val="accent1"/>
+          </a:fillRef>
+          <a:effectRef idx="0">
+            <a:schemeClr val="accent1"/>
+          </a:effectRef>
+          <a:fontRef idx="minor">
+            <a:schemeClr val="lt1"/>
+          </a:fontRef>
+        </p:style>
+        <p:txBody>
+          <a:bodyPr rtlCol="0" anchor="ctr"/>
+          <a:lstStyle/>
+          <a:p>
+            <a:pPr algn="ctr"/>
+            <a:endParaRPr lang="en-US" dirty="0"/>
+          </a:p>
+        </p:txBody>
+      </p:sp>
+      <p:sp>
+        <p:nvSpPr>
+          <p:cNvPr id="34" name="Rectangle 33"/>
+          <p:cNvSpPr/>
+          <p:nvPr/>
+        </p:nvSpPr>
+        <p:spPr>
+          <a:xfrm rot="16200000">
+            <a:off x="8621356" y="3648373"/>
+            <a:ext cx="1078173" cy="68239"/>
+          </a:xfrm>
+          <a:prstGeom prst="rect">
+            <a:avLst/>
+          </a:prstGeom>
+          <a:solidFill>
+            <a:schemeClr val="tx1"/>
+          </a:solidFill>
+        </p:spPr>
+        <p:style>
+          <a:lnRef idx="2">
+            <a:schemeClr val="accent1">
+              <a:shade val="50000"/>
+            </a:schemeClr>
+          </a:lnRef>
+          <a:fillRef idx="1">
+            <a:schemeClr val="accent1"/>
+          </a:fillRef>
+          <a:effectRef idx="0">
+            <a:schemeClr val="accent1"/>
+          </a:effectRef>
+          <a:fontRef idx="minor">
+            <a:schemeClr val="lt1"/>
+          </a:fontRef>
+        </p:style>
+        <p:txBody>
+          <a:bodyPr rtlCol="0" anchor="ctr"/>
+          <a:lstStyle/>
+          <a:p>
+            <a:pPr algn="ctr"/>
+            <a:endParaRPr lang="en-US"/>
+          </a:p>
+        </p:txBody>
+      </p:sp>
+      <p:sp>
+        <p:nvSpPr>
+          <p:cNvPr id="35" name="Rectangle 34"/>
+          <p:cNvSpPr/>
+          <p:nvPr/>
+        </p:nvSpPr>
+        <p:spPr>
+          <a:xfrm rot="16200000">
+            <a:off x="9116372" y="3659632"/>
+            <a:ext cx="693764" cy="45719"/>
+          </a:xfrm>
+          <a:prstGeom prst="rect">
+            <a:avLst/>
+          </a:prstGeom>
+          <a:solidFill>
+            <a:schemeClr val="tx1"/>
+          </a:solidFill>
+        </p:spPr>
+        <p:style>
+          <a:lnRef idx="2">
+            <a:schemeClr val="accent1">
+              <a:shade val="50000"/>
+            </a:schemeClr>
+          </a:lnRef>
+          <a:fillRef idx="1">
+            <a:schemeClr val="accent1"/>
+          </a:fillRef>
+          <a:effectRef idx="0">
+            <a:schemeClr val="accent1"/>
+          </a:effectRef>
+          <a:fontRef idx="minor">
+            <a:schemeClr val="lt1"/>
+          </a:fontRef>
+        </p:style>
+        <p:txBody>
+          <a:bodyPr rtlCol="0" anchor="ctr"/>
+          <a:lstStyle/>
+          <a:p>
+            <a:pPr algn="ctr"/>
+            <a:endParaRPr lang="en-US"/>
+          </a:p>
+        </p:txBody>
+      </p:sp>
+      <p:sp>
+        <p:nvSpPr>
+          <p:cNvPr id="36" name="Rectangle 35"/>
+          <p:cNvSpPr/>
+          <p:nvPr/>
+        </p:nvSpPr>
+        <p:spPr>
+          <a:xfrm rot="16200000" flipV="1">
+            <a:off x="9170000" y="3659631"/>
+            <a:ext cx="1078173" cy="45719"/>
+          </a:xfrm>
+          <a:prstGeom prst="rect">
+            <a:avLst/>
+          </a:prstGeom>
+          <a:solidFill>
+            <a:schemeClr val="tx1"/>
+          </a:solidFill>
+        </p:spPr>
+        <p:style>
+          <a:lnRef idx="2">
+            <a:schemeClr val="accent1">
+              <a:shade val="50000"/>
+            </a:schemeClr>
+          </a:lnRef>
+          <a:fillRef idx="1">
+            <a:schemeClr val="accent1"/>
+          </a:fillRef>
+          <a:effectRef idx="0">
+            <a:schemeClr val="accent1"/>
+          </a:effectRef>
+          <a:fontRef idx="minor">
+            <a:schemeClr val="lt1"/>
+          </a:fontRef>
+        </p:style>
+        <p:txBody>
+          <a:bodyPr rtlCol="0" anchor="ctr"/>
+          <a:lstStyle/>
+          <a:p>
+            <a:pPr algn="ctr"/>
+            <a:endParaRPr lang="en-US"/>
+          </a:p>
+        </p:txBody>
+      </p:sp>
+      <p:sp>
+        <p:nvSpPr>
+          <p:cNvPr id="37" name="Rectangle 36"/>
+          <p:cNvSpPr/>
+          <p:nvPr/>
+        </p:nvSpPr>
+        <p:spPr>
+          <a:xfrm rot="16200000">
+            <a:off x="9673512" y="3668730"/>
+            <a:ext cx="675568" cy="45719"/>
+          </a:xfrm>
+          <a:prstGeom prst="rect">
+            <a:avLst/>
+          </a:prstGeom>
+          <a:solidFill>
+            <a:schemeClr val="tx1"/>
+          </a:solidFill>
+        </p:spPr>
+        <p:style>
+          <a:lnRef idx="2">
+            <a:schemeClr val="accent1">
+              <a:shade val="50000"/>
+            </a:schemeClr>
+          </a:lnRef>
+          <a:fillRef idx="1">
+            <a:schemeClr val="accent1"/>
+          </a:fillRef>
+          <a:effectRef idx="0">
+            <a:schemeClr val="accent1"/>
+          </a:effectRef>
+          <a:fontRef idx="minor">
+            <a:schemeClr val="lt1"/>
+          </a:fontRef>
+        </p:style>
+        <p:txBody>
+          <a:bodyPr rtlCol="0" anchor="ctr"/>
+          <a:lstStyle/>
+          <a:p>
+            <a:pPr algn="ctr"/>
+            <a:endParaRPr lang="en-US"/>
+          </a:p>
+        </p:txBody>
+      </p:sp>
+      <p:sp>
+        <p:nvSpPr>
+          <p:cNvPr id="38" name="Rectangle 37"/>
+          <p:cNvSpPr/>
+          <p:nvPr/>
+        </p:nvSpPr>
+        <p:spPr>
+          <a:xfrm>
+            <a:off x="8224981" y="2760099"/>
+            <a:ext cx="600502" cy="923330"/>
+          </a:xfrm>
+          <a:prstGeom prst="rect">
+            <a:avLst/>
+          </a:prstGeom>
+          <a:noFill/>
+        </p:spPr>
+        <p:txBody>
+          <a:bodyPr wrap="square" lIns="91440" tIns="45720" rIns="91440" bIns="45720">
+            <a:spAutoFit/>
+          </a:bodyPr>
+          <a:lstStyle/>
+          <a:p>
+            <a:pPr algn="ctr"/>
+            <a:r>
+              <a:rPr lang="en-US" sz="5400" b="0" cap="none" spc="0" dirty="0" smtClean="0">
+                <a:ln w="0"/>
+                <a:solidFill>
+                  <a:schemeClr val="tx1"/>
+                </a:solidFill>
+                <a:effectLst>
+                  <a:outerShdw blurRad="38100" dist="19050" dir="2700000" algn="tl" rotWithShape="0">
+                    <a:schemeClr val="dk1">
+                      <a:alpha val="40000"/>
+                    </a:schemeClr>
+                  </a:outerShdw>
+                </a:effectLst>
+              </a:rPr>
+              <a:t>+</a:t>
+            </a:r>
+            <a:endParaRPr lang="en-US" sz="5400" b="0" cap="none" spc="0" dirty="0">
+              <a:ln w="0"/>
+              <a:solidFill>
+                <a:schemeClr val="tx1"/>
+              </a:solidFill>
+              <a:effectLst>
+                <a:outerShdw blurRad="38100" dist="19050" dir="2700000" algn="tl" rotWithShape="0">
+                  <a:schemeClr val="dk1">
+                    <a:alpha val="40000"/>
+                  </a:schemeClr>
+                </a:outerShdw>
+              </a:effectLst>
+            </a:endParaRPr>
+          </a:p>
+        </p:txBody>
+      </p:sp>
+      <p:sp>
+        <p:nvSpPr>
+          <p:cNvPr id="39" name="Rectangle 38"/>
+          <p:cNvSpPr/>
+          <p:nvPr/>
+        </p:nvSpPr>
+        <p:spPr>
+          <a:xfrm>
+            <a:off x="10468389" y="2759160"/>
+            <a:ext cx="600502" cy="923330"/>
+          </a:xfrm>
+          <a:prstGeom prst="rect">
+            <a:avLst/>
+          </a:prstGeom>
+          <a:noFill/>
+        </p:spPr>
+        <p:txBody>
+          <a:bodyPr wrap="square" lIns="91440" tIns="45720" rIns="91440" bIns="45720">
+            <a:spAutoFit/>
+          </a:bodyPr>
+          <a:lstStyle/>
+          <a:p>
+            <a:pPr algn="ctr"/>
+            <a:r>
+              <a:rPr lang="en-US" sz="5400" b="0" cap="none" spc="0" dirty="0" smtClean="0">
+                <a:ln w="0"/>
+                <a:solidFill>
+                  <a:schemeClr val="tx1"/>
+                </a:solidFill>
+                <a:effectLst>
+                  <a:outerShdw blurRad="38100" dist="19050" dir="2700000" algn="tl" rotWithShape="0">
+                    <a:schemeClr val="dk1">
+                      <a:alpha val="40000"/>
+                    </a:schemeClr>
+                  </a:outerShdw>
+                </a:effectLst>
+              </a:rPr>
+              <a:t>-</a:t>
+            </a:r>
+            <a:endParaRPr lang="en-US" sz="5400" b="0" cap="none" spc="0" dirty="0">
+              <a:ln w="0"/>
+              <a:solidFill>
+                <a:schemeClr val="tx1"/>
+              </a:solidFill>
+              <a:effectLst>
+                <a:outerShdw blurRad="38100" dist="19050" dir="2700000" algn="tl" rotWithShape="0">
+                  <a:schemeClr val="dk1">
+                    <a:alpha val="40000"/>
+                  </a:schemeClr>
+                </a:outerShdw>
+              </a:effectLst>
+            </a:endParaRPr>
+          </a:p>
+        </p:txBody>
+      </p:sp>
+      <p:sp>
+        <p:nvSpPr>
+          <p:cNvPr id="40" name="Rectangle 39"/>
+          <p:cNvSpPr/>
+          <p:nvPr/>
+        </p:nvSpPr>
+        <p:spPr>
+          <a:xfrm>
+            <a:off x="8825483" y="2378308"/>
+            <a:ext cx="1549495" cy="523220"/>
+          </a:xfrm>
+          <a:prstGeom prst="rect">
+            <a:avLst/>
+          </a:prstGeom>
+          <a:noFill/>
+        </p:spPr>
+        <p:txBody>
+          <a:bodyPr wrap="square" lIns="91440" tIns="45720" rIns="91440" bIns="45720">
+            <a:spAutoFit/>
+          </a:bodyPr>
+          <a:lstStyle/>
+          <a:p>
+            <a:pPr algn="ctr"/>
+            <a:r>
+              <a:rPr lang="en-US" sz="2800" dirty="0" smtClean="0">
+                <a:ln w="0"/>
+                <a:effectLst>
+                  <a:outerShdw blurRad="38100" dist="19050" dir="2700000" algn="tl" rotWithShape="0">
+                    <a:schemeClr val="dk1">
+                      <a:alpha val="40000"/>
+                    </a:schemeClr>
+                  </a:outerShdw>
+                </a:effectLst>
+              </a:rPr>
+              <a:t>BATTERY</a:t>
+            </a:r>
+            <a:endParaRPr lang="en-US" sz="5400" b="0" cap="none" spc="0" dirty="0">
+              <a:ln w="0"/>
+              <a:solidFill>
+                <a:schemeClr val="tx1"/>
+              </a:solidFill>
+              <a:effectLst>
+                <a:outerShdw blurRad="38100" dist="19050" dir="2700000" algn="tl" rotWithShape="0">
+                  <a:schemeClr val="dk1">
+                    <a:alpha val="40000"/>
+                  </a:schemeClr>
+                </a:outerShdw>
+              </a:effectLst>
+            </a:endParaRPr>
+          </a:p>
+        </p:txBody>
+      </p:sp>
+      <p:sp>
+        <p:nvSpPr>
+          <p:cNvPr id="41" name="Flowchart: Process 40"/>
+          <p:cNvSpPr/>
+          <p:nvPr/>
+        </p:nvSpPr>
+        <p:spPr>
+          <a:xfrm>
+            <a:off x="7685520" y="3633190"/>
+            <a:ext cx="1463708" cy="45719"/>
+          </a:xfrm>
+          <a:prstGeom prst="flowChartProcess">
+            <a:avLst/>
+          </a:prstGeom>
+          <a:solidFill>
+            <a:schemeClr val="tx1"/>
+          </a:solidFill>
+        </p:spPr>
+        <p:style>
+          <a:lnRef idx="2">
+            <a:schemeClr val="accent1">
+              <a:shade val="50000"/>
+            </a:schemeClr>
+          </a:lnRef>
+          <a:fillRef idx="1">
+            <a:schemeClr val="accent1"/>
+          </a:fillRef>
+          <a:effectRef idx="0">
+            <a:schemeClr val="accent1"/>
+          </a:effectRef>
+          <a:fontRef idx="minor">
+            <a:schemeClr val="lt1"/>
+          </a:fontRef>
+        </p:style>
+        <p:txBody>
+          <a:bodyPr rtlCol="0" anchor="ctr"/>
+          <a:lstStyle/>
+          <a:p>
+            <a:pPr algn="ctr"/>
+            <a:endParaRPr lang="en-US" dirty="0"/>
+          </a:p>
+        </p:txBody>
+      </p:sp>
+      <p:sp>
+        <p:nvSpPr>
+          <p:cNvPr id="42" name="Flowchart: Process 41"/>
+          <p:cNvSpPr/>
+          <p:nvPr/>
+        </p:nvSpPr>
+        <p:spPr>
+          <a:xfrm>
+            <a:off x="9992584" y="3623066"/>
+            <a:ext cx="1740069" cy="52344"/>
+          </a:xfrm>
+          <a:prstGeom prst="flowChartProcess">
+            <a:avLst/>
+          </a:prstGeom>
+          <a:solidFill>
+            <a:schemeClr val="tx1"/>
+          </a:solidFill>
+        </p:spPr>
+        <p:style>
+          <a:lnRef idx="2">
+            <a:schemeClr val="accent1">
+              <a:shade val="50000"/>
+            </a:schemeClr>
+          </a:lnRef>
+          <a:fillRef idx="1">
+            <a:schemeClr val="accent1"/>
+          </a:fillRef>
+          <a:effectRef idx="0">
+            <a:schemeClr val="accent1"/>
+          </a:effectRef>
+          <a:fontRef idx="minor">
+            <a:schemeClr val="lt1"/>
+          </a:fontRef>
+        </p:style>
+        <p:txBody>
+          <a:bodyPr rtlCol="0" anchor="ctr"/>
+          <a:lstStyle/>
+          <a:p>
+            <a:pPr algn="ctr"/>
+            <a:endParaRPr lang="en-US" dirty="0"/>
+          </a:p>
+        </p:txBody>
+      </p:sp>
+      <p:sp>
+        <p:nvSpPr>
+          <p:cNvPr id="43" name="Flowchart: Connector 42"/>
+          <p:cNvSpPr/>
+          <p:nvPr/>
+        </p:nvSpPr>
+        <p:spPr>
+          <a:xfrm>
+            <a:off x="7012028" y="2704238"/>
+            <a:ext cx="212442" cy="240440"/>
+          </a:xfrm>
+          <a:prstGeom prst="flowChartConnector">
+            <a:avLst/>
+          </a:prstGeom>
+          <a:solidFill>
+            <a:schemeClr val="bg1"/>
+          </a:solidFill>
+          <a:ln w="38100">
+            <a:solidFill>
+              <a:schemeClr val="tx1"/>
+            </a:solidFill>
+          </a:ln>
+        </p:spPr>
+        <p:style>
+          <a:lnRef idx="2">
+            <a:schemeClr val="accent1">
+              <a:shade val="50000"/>
+            </a:schemeClr>
+          </a:lnRef>
+          <a:fillRef idx="1">
+            <a:schemeClr val="accent1"/>
+          </a:fillRef>
+          <a:effectRef idx="0">
+            <a:schemeClr val="accent1"/>
+          </a:effectRef>
+          <a:fontRef idx="minor">
+            <a:schemeClr val="lt1"/>
+          </a:fontRef>
+        </p:style>
+        <p:txBody>
+          <a:bodyPr rtlCol="0" anchor="ctr"/>
+          <a:lstStyle/>
+          <a:p>
+            <a:pPr algn="ctr"/>
+            <a:endParaRPr lang="en-US"/>
+          </a:p>
+        </p:txBody>
+      </p:sp>
+      <p:sp>
+        <p:nvSpPr>
+          <p:cNvPr id="44" name="Flowchart: Connector 43"/>
+          <p:cNvSpPr/>
+          <p:nvPr/>
+        </p:nvSpPr>
+        <p:spPr>
+          <a:xfrm>
+            <a:off x="7603561" y="3526012"/>
+            <a:ext cx="212442" cy="240440"/>
+          </a:xfrm>
+          <a:prstGeom prst="flowChartConnector">
+            <a:avLst/>
+          </a:prstGeom>
+          <a:solidFill>
+            <a:schemeClr val="bg1"/>
+          </a:solidFill>
+          <a:ln w="38100">
+            <a:solidFill>
+              <a:schemeClr val="tx1"/>
+            </a:solidFill>
+          </a:ln>
+        </p:spPr>
+        <p:style>
+          <a:lnRef idx="2">
+            <a:schemeClr val="accent1">
+              <a:shade val="50000"/>
+            </a:schemeClr>
+          </a:lnRef>
+          <a:fillRef idx="1">
+            <a:schemeClr val="accent1"/>
+          </a:fillRef>
+          <a:effectRef idx="0">
+            <a:schemeClr val="accent1"/>
+          </a:effectRef>
+          <a:fontRef idx="minor">
+            <a:schemeClr val="lt1"/>
+          </a:fontRef>
+        </p:style>
+        <p:txBody>
+          <a:bodyPr rtlCol="0" anchor="ctr"/>
+          <a:lstStyle/>
+          <a:p>
+            <a:pPr algn="ctr"/>
+            <a:endParaRPr lang="en-US"/>
+          </a:p>
+        </p:txBody>
+      </p:sp>
+      <p:sp>
+        <p:nvSpPr>
+          <p:cNvPr id="45" name="Flowchart: Connector 44"/>
+          <p:cNvSpPr/>
+          <p:nvPr/>
+        </p:nvSpPr>
+        <p:spPr>
+          <a:xfrm>
+            <a:off x="7012563" y="4266395"/>
+            <a:ext cx="212442" cy="240440"/>
+          </a:xfrm>
+          <a:prstGeom prst="flowChartConnector">
+            <a:avLst/>
+          </a:prstGeom>
+          <a:solidFill>
+            <a:schemeClr val="bg1"/>
+          </a:solidFill>
+          <a:ln w="38100">
+            <a:solidFill>
+              <a:schemeClr val="tx1"/>
+            </a:solidFill>
+          </a:ln>
+        </p:spPr>
+        <p:style>
+          <a:lnRef idx="2">
+            <a:schemeClr val="accent1">
+              <a:shade val="50000"/>
+            </a:schemeClr>
+          </a:lnRef>
+          <a:fillRef idx="1">
+            <a:schemeClr val="accent1"/>
+          </a:fillRef>
+          <a:effectRef idx="0">
+            <a:schemeClr val="accent1"/>
+          </a:effectRef>
+          <a:fontRef idx="minor">
+            <a:schemeClr val="lt1"/>
+          </a:fontRef>
+        </p:style>
+        <p:txBody>
+          <a:bodyPr rtlCol="0" anchor="ctr"/>
+          <a:lstStyle/>
+          <a:p>
+            <a:pPr algn="ctr"/>
+            <a:endParaRPr lang="en-US"/>
+          </a:p>
+        </p:txBody>
+      </p:sp>
+      <p:sp>
+        <p:nvSpPr>
+          <p:cNvPr id="46" name="Flowchart: Process 45"/>
+          <p:cNvSpPr/>
+          <p:nvPr/>
+        </p:nvSpPr>
+        <p:spPr>
+          <a:xfrm rot="18978850">
+            <a:off x="6738988" y="4010584"/>
+            <a:ext cx="1126525" cy="54010"/>
+          </a:xfrm>
+          <a:prstGeom prst="flowChartProcess">
+            <a:avLst/>
+          </a:prstGeom>
+          <a:solidFill>
+            <a:schemeClr val="tx1"/>
+          </a:solidFill>
+        </p:spPr>
+        <p:style>
+          <a:lnRef idx="2">
+            <a:schemeClr val="accent1">
+              <a:shade val="50000"/>
+            </a:schemeClr>
+          </a:lnRef>
+          <a:fillRef idx="1">
+            <a:schemeClr val="accent1"/>
+          </a:fillRef>
+          <a:effectRef idx="0">
+            <a:schemeClr val="accent1"/>
+          </a:effectRef>
+          <a:fontRef idx="minor">
+            <a:schemeClr val="lt1"/>
+          </a:fontRef>
+        </p:style>
+        <p:txBody>
+          <a:bodyPr rtlCol="0" anchor="ctr"/>
+          <a:lstStyle/>
+          <a:p>
+            <a:pPr algn="ctr"/>
+            <a:endParaRPr lang="en-US" dirty="0"/>
+          </a:p>
+        </p:txBody>
+      </p:sp>
+      <p:sp>
+        <p:nvSpPr>
+          <p:cNvPr id="47" name="Rectangle 46"/>
+          <p:cNvSpPr/>
+          <p:nvPr/>
+        </p:nvSpPr>
+        <p:spPr>
+          <a:xfrm>
+            <a:off x="8052161" y="5507598"/>
+            <a:ext cx="1371373" cy="584775"/>
+          </a:xfrm>
+          <a:prstGeom prst="rect">
+            <a:avLst/>
+          </a:prstGeom>
+          <a:noFill/>
+        </p:spPr>
+        <p:txBody>
+          <a:bodyPr wrap="square" lIns="91440" tIns="45720" rIns="91440" bIns="45720">
+            <a:spAutoFit/>
+          </a:bodyPr>
+          <a:lstStyle/>
+          <a:p>
+            <a:pPr algn="ctr"/>
+            <a:r>
+              <a:rPr lang="en-US" sz="3200" dirty="0" smtClean="0">
+                <a:ln w="0"/>
+                <a:effectLst>
+                  <a:outerShdw blurRad="38100" dist="19050" dir="2700000" algn="tl" rotWithShape="0">
+                    <a:schemeClr val="dk1">
+                      <a:alpha val="40000"/>
+                    </a:schemeClr>
+                  </a:outerShdw>
+                </a:effectLst>
+              </a:rPr>
+              <a:t>LED</a:t>
+            </a:r>
+            <a:endParaRPr lang="en-US" sz="3200" b="0" cap="none" spc="0" dirty="0">
+              <a:ln w="0"/>
+              <a:solidFill>
+                <a:schemeClr val="tx1"/>
+              </a:solidFill>
+              <a:effectLst>
+                <a:outerShdw blurRad="38100" dist="19050" dir="2700000" algn="tl" rotWithShape="0">
+                  <a:schemeClr val="dk1">
+                    <a:alpha val="40000"/>
+                  </a:schemeClr>
+                </a:outerShdw>
+              </a:effectLst>
+            </a:endParaRPr>
+          </a:p>
+        </p:txBody>
+      </p:sp>
+      <p:sp>
+        <p:nvSpPr>
+          <p:cNvPr id="48" name="Isosceles Triangle 47"/>
+          <p:cNvSpPr/>
+          <p:nvPr/>
+        </p:nvSpPr>
+        <p:spPr>
+          <a:xfrm rot="5400000">
+            <a:off x="9201491" y="5896207"/>
+            <a:ext cx="529681" cy="672326"/>
+          </a:xfrm>
+          <a:prstGeom prst="triangle">
+            <a:avLst/>
+          </a:prstGeom>
+          <a:solidFill>
+            <a:schemeClr val="bg1"/>
+          </a:solidFill>
+          <a:ln>
+            <a:solidFill>
+              <a:schemeClr val="tx1"/>
+            </a:solidFill>
+          </a:ln>
+        </p:spPr>
+        <p:style>
+          <a:lnRef idx="2">
+            <a:schemeClr val="accent1">
+              <a:shade val="50000"/>
+            </a:schemeClr>
+          </a:lnRef>
+          <a:fillRef idx="1">
+            <a:schemeClr val="accent1"/>
+          </a:fillRef>
+          <a:effectRef idx="0">
+            <a:schemeClr val="accent1"/>
+          </a:effectRef>
+          <a:fontRef idx="minor">
+            <a:schemeClr val="lt1"/>
+          </a:fontRef>
+        </p:style>
+        <p:txBody>
+          <a:bodyPr rtlCol="0" anchor="ctr"/>
+          <a:lstStyle/>
+          <a:p>
+            <a:pPr algn="ctr"/>
+            <a:endParaRPr lang="en-US"/>
+          </a:p>
+        </p:txBody>
+      </p:sp>
+      <p:sp>
+        <p:nvSpPr>
+          <p:cNvPr id="49" name="Flowchart: Process 48"/>
+          <p:cNvSpPr/>
+          <p:nvPr/>
+        </p:nvSpPr>
+        <p:spPr>
+          <a:xfrm rot="5400000">
+            <a:off x="9341880" y="6195547"/>
+            <a:ext cx="896440" cy="47172"/>
+          </a:xfrm>
+          <a:prstGeom prst="flowChartProcess">
+            <a:avLst/>
+          </a:prstGeom>
+          <a:solidFill>
+            <a:schemeClr val="bg1"/>
+          </a:solidFill>
+          <a:ln>
+            <a:solidFill>
+              <a:schemeClr val="tx1"/>
+            </a:solidFill>
+          </a:ln>
+        </p:spPr>
+        <p:style>
+          <a:lnRef idx="2">
+            <a:schemeClr val="accent1">
+              <a:shade val="50000"/>
+            </a:schemeClr>
+          </a:lnRef>
+          <a:fillRef idx="1">
+            <a:schemeClr val="accent1"/>
+          </a:fillRef>
+          <a:effectRef idx="0">
+            <a:schemeClr val="accent1"/>
+          </a:effectRef>
+          <a:fontRef idx="minor">
+            <a:schemeClr val="lt1"/>
+          </a:fontRef>
+        </p:style>
+        <p:txBody>
+          <a:bodyPr rtlCol="0" anchor="ctr"/>
+          <a:lstStyle/>
+          <a:p>
+            <a:pPr algn="ctr"/>
+            <a:endParaRPr lang="en-US" dirty="0"/>
+          </a:p>
+        </p:txBody>
+      </p:sp>
+      <p:cxnSp>
+        <p:nvCxnSpPr>
+          <p:cNvPr id="50" name="Straight Arrow Connector 49"/>
+          <p:cNvCxnSpPr/>
+          <p:nvPr/>
+        </p:nvCxnSpPr>
+        <p:spPr>
+          <a:xfrm flipV="1">
+            <a:off x="9274199" y="5415594"/>
+            <a:ext cx="402561" cy="345400"/>
+          </a:xfrm>
+          <a:prstGeom prst="straightConnector1">
+            <a:avLst/>
+          </a:prstGeom>
+          <a:ln w="28575">
+            <a:solidFill>
+              <a:schemeClr val="tx1"/>
+            </a:solidFill>
+            <a:tailEnd type="arrow"/>
+          </a:ln>
+        </p:spPr>
+        <p:style>
+          <a:lnRef idx="1">
+            <a:schemeClr val="accent1"/>
+          </a:lnRef>
+          <a:fillRef idx="0">
+            <a:schemeClr val="accent1"/>
+          </a:fillRef>
+          <a:effectRef idx="0">
+            <a:schemeClr val="accent1"/>
+          </a:effectRef>
+          <a:fontRef idx="minor">
+            <a:schemeClr val="tx1"/>
+          </a:fontRef>
+        </p:style>
+      </p:cxnSp>
+      <p:cxnSp>
+        <p:nvCxnSpPr>
+          <p:cNvPr id="51" name="Straight Arrow Connector 50"/>
+          <p:cNvCxnSpPr/>
+          <p:nvPr/>
+        </p:nvCxnSpPr>
+        <p:spPr>
+          <a:xfrm flipV="1">
+            <a:off x="9400439" y="5549812"/>
+            <a:ext cx="443325" cy="376732"/>
+          </a:xfrm>
+          <a:prstGeom prst="straightConnector1">
+            <a:avLst/>
+          </a:prstGeom>
+          <a:ln w="28575">
+            <a:solidFill>
+              <a:schemeClr val="tx1"/>
+            </a:solidFill>
+            <a:tailEnd type="arrow"/>
+          </a:ln>
+        </p:spPr>
+        <p:style>
+          <a:lnRef idx="1">
+            <a:schemeClr val="accent1"/>
+          </a:lnRef>
+          <a:fillRef idx="0">
+            <a:schemeClr val="accent1"/>
+          </a:fillRef>
+          <a:effectRef idx="0">
+            <a:schemeClr val="accent1"/>
+          </a:effectRef>
+          <a:fontRef idx="minor">
+            <a:schemeClr val="tx1"/>
+          </a:fontRef>
+        </p:style>
+      </p:cxnSp>
+      <p:sp>
+        <p:nvSpPr>
+          <p:cNvPr id="56" name="Flowchart: Process 55"/>
+          <p:cNvSpPr/>
+          <p:nvPr/>
+        </p:nvSpPr>
+        <p:spPr>
+          <a:xfrm>
+            <a:off x="9814989" y="6186270"/>
+            <a:ext cx="1963383" cy="61533"/>
+          </a:xfrm>
+          <a:prstGeom prst="flowChartProcess">
+            <a:avLst/>
+          </a:prstGeom>
+          <a:solidFill>
+            <a:schemeClr val="tx1"/>
+          </a:solidFill>
+        </p:spPr>
+        <p:style>
+          <a:lnRef idx="2">
+            <a:schemeClr val="accent1">
+              <a:shade val="50000"/>
+            </a:schemeClr>
+          </a:lnRef>
+          <a:fillRef idx="1">
+            <a:schemeClr val="accent1"/>
+          </a:fillRef>
+          <a:effectRef idx="0">
+            <a:schemeClr val="accent1"/>
+          </a:effectRef>
+          <a:fontRef idx="minor">
+            <a:schemeClr val="lt1"/>
+          </a:fontRef>
+        </p:style>
+        <p:txBody>
+          <a:bodyPr rtlCol="0" anchor="ctr"/>
+          <a:lstStyle/>
+          <a:p>
+            <a:pPr algn="ctr"/>
+            <a:endParaRPr lang="en-US" dirty="0"/>
+          </a:p>
+        </p:txBody>
+      </p:sp>
+    </p:spTree>
+    <p:extLst>
+      <p:ext uri="{BB962C8B-B14F-4D97-AF65-F5344CB8AC3E}">
+        <p14:creationId xmlns:p14="http://schemas.microsoft.com/office/powerpoint/2010/main" val="1036446602"/>
+      </p:ext>
+    </p:extLst>
+  </p:cSld>
+  <p:clrMapOvr>
+    <a:masterClrMapping/>
+  </p:clrMapOvr>
+</p:sld>
+</file>
+
 <file path=ppt/slides/slide3.xml><?xml version="1.0" encoding="utf-8"?>
 <p:sld xmlns:a="http://schemas.openxmlformats.org/drawingml/2006/main" xmlns:r="http://schemas.openxmlformats.org/officeDocument/2006/relationships" xmlns:p="http://schemas.openxmlformats.org/presentationml/2006/main">
   <p:cSld>
@@ -18397,7 +21482,7 @@
     </p:spTree>
     <p:extLst>
       <p:ext uri="{BB962C8B-B14F-4D97-AF65-F5344CB8AC3E}">
-        <p14:creationId xmlns="" xmlns:p14="http://schemas.microsoft.com/office/powerpoint/2010/main" val="1641149290"/>
+        <p14:creationId xmlns:p14="http://schemas.microsoft.com/office/powerpoint/2010/main" val="1641149290"/>
       </p:ext>
     </p:extLst>
   </p:cSld>
@@ -18487,7 +21572,7 @@
           <a:blip r:embed="rId2">
             <a:extLst>
               <a:ext uri="{28A0092B-C50C-407E-A947-70E740481C1C}">
-                <a14:useLocalDpi xmlns="" xmlns:a14="http://schemas.microsoft.com/office/drawing/2010/main" val="0"/>
+                <a14:useLocalDpi xmlns:a14="http://schemas.microsoft.com/office/drawing/2010/main" val="0"/>
               </a:ext>
             </a:extLst>
           </a:blip>
@@ -18507,7 +21592,7 @@
           <a:noFill/>
           <a:extLst>
             <a:ext uri="{909E8E84-426E-40DD-AFC4-6F175D3DCCD1}">
-              <a14:hiddenFill xmlns="" xmlns:a14="http://schemas.microsoft.com/office/drawing/2010/main">
+              <a14:hiddenFill xmlns:a14="http://schemas.microsoft.com/office/drawing/2010/main">
                 <a:solidFill>
                   <a:srgbClr val="FFFFFF"/>
                 </a:solidFill>
@@ -18519,7 +21604,7 @@
     </p:spTree>
     <p:extLst>
       <p:ext uri="{BB962C8B-B14F-4D97-AF65-F5344CB8AC3E}">
-        <p14:creationId xmlns="" xmlns:p14="http://schemas.microsoft.com/office/powerpoint/2010/main" val="958192436"/>
+        <p14:creationId xmlns:p14="http://schemas.microsoft.com/office/powerpoint/2010/main" val="958192436"/>
       </p:ext>
     </p:extLst>
   </p:cSld>
@@ -20580,7 +23665,7 @@
     </p:spTree>
     <p:extLst>
       <p:ext uri="{BB962C8B-B14F-4D97-AF65-F5344CB8AC3E}">
-        <p14:creationId xmlns="" xmlns:p14="http://schemas.microsoft.com/office/powerpoint/2010/main" val="1659390950"/>
+        <p14:creationId xmlns:p14="http://schemas.microsoft.com/office/powerpoint/2010/main" val="1659390950"/>
       </p:ext>
     </p:extLst>
   </p:cSld>
@@ -21926,7 +25011,7 @@
     </p:spTree>
     <p:extLst>
       <p:ext uri="{BB962C8B-B14F-4D97-AF65-F5344CB8AC3E}">
-        <p14:creationId xmlns="" xmlns:p14="http://schemas.microsoft.com/office/powerpoint/2010/main" val="1386112098"/>
+        <p14:creationId xmlns:p14="http://schemas.microsoft.com/office/powerpoint/2010/main" val="1386112098"/>
       </p:ext>
     </p:extLst>
   </p:cSld>
@@ -24081,7 +27166,7 @@
     </p:spTree>
     <p:extLst>
       <p:ext uri="{BB962C8B-B14F-4D97-AF65-F5344CB8AC3E}">
-        <p14:creationId xmlns="" xmlns:p14="http://schemas.microsoft.com/office/powerpoint/2010/main" val="2902873993"/>
+        <p14:creationId xmlns:p14="http://schemas.microsoft.com/office/powerpoint/2010/main" val="2902873993"/>
       </p:ext>
     </p:extLst>
   </p:cSld>
@@ -26128,7 +29213,7 @@
     </p:spTree>
     <p:extLst>
       <p:ext uri="{BB962C8B-B14F-4D97-AF65-F5344CB8AC3E}">
-        <p14:creationId xmlns="" xmlns:p14="http://schemas.microsoft.com/office/powerpoint/2010/main" val="4081839283"/>
+        <p14:creationId xmlns:p14="http://schemas.microsoft.com/office/powerpoint/2010/main" val="4081839283"/>
       </p:ext>
     </p:extLst>
   </p:cSld>
@@ -26622,7 +29707,7 @@
         <p:spPr>
           <a:xfrm>
             <a:off x="9111160" y="1570641"/>
-            <a:ext cx="45719" cy="4167609"/>
+            <a:ext cx="45719" cy="1674835"/>
           </a:xfrm>
           <a:prstGeom prst="flowChartProcess">
             <a:avLst/>
@@ -28001,10 +31086,151 @@
           </a:fontRef>
         </p:style>
       </p:cxnSp>
+      <p:sp>
+        <p:nvSpPr>
+          <p:cNvPr id="51" name="Flowchart: Process 50"/>
+          <p:cNvSpPr/>
+          <p:nvPr/>
+        </p:nvSpPr>
+        <p:spPr>
+          <a:xfrm>
+            <a:off x="9120598" y="4051615"/>
+            <a:ext cx="45719" cy="1674835"/>
+          </a:xfrm>
+          <a:prstGeom prst="flowChartProcess">
+            <a:avLst/>
+          </a:prstGeom>
+          <a:solidFill>
+            <a:schemeClr val="tx1"/>
+          </a:solidFill>
+        </p:spPr>
+        <p:style>
+          <a:lnRef idx="2">
+            <a:schemeClr val="accent1">
+              <a:shade val="50000"/>
+            </a:schemeClr>
+          </a:lnRef>
+          <a:fillRef idx="1">
+            <a:schemeClr val="accent1"/>
+          </a:fillRef>
+          <a:effectRef idx="0">
+            <a:schemeClr val="accent1"/>
+          </a:effectRef>
+          <a:fontRef idx="minor">
+            <a:schemeClr val="lt1"/>
+          </a:fontRef>
+        </p:style>
+        <p:txBody>
+          <a:bodyPr rtlCol="0" anchor="ctr"/>
+          <a:lstStyle/>
+          <a:p>
+            <a:pPr algn="ctr"/>
+            <a:endParaRPr lang="en-US" dirty="0"/>
+          </a:p>
+        </p:txBody>
+      </p:sp>
+      <p:sp>
+        <p:nvSpPr>
+          <p:cNvPr id="53" name="Flowchart: Process 52"/>
+          <p:cNvSpPr/>
+          <p:nvPr/>
+        </p:nvSpPr>
+        <p:spPr>
+          <a:xfrm rot="3284856" flipV="1">
+            <a:off x="8950127" y="3580386"/>
+            <a:ext cx="896440" cy="69757"/>
+          </a:xfrm>
+          <a:prstGeom prst="flowChartProcess">
+            <a:avLst/>
+          </a:prstGeom>
+          <a:solidFill>
+            <a:schemeClr val="tx1"/>
+          </a:solidFill>
+        </p:spPr>
+        <p:style>
+          <a:lnRef idx="2">
+            <a:schemeClr val="accent1">
+              <a:shade val="50000"/>
+            </a:schemeClr>
+          </a:lnRef>
+          <a:fillRef idx="1">
+            <a:schemeClr val="accent1"/>
+          </a:fillRef>
+          <a:effectRef idx="0">
+            <a:schemeClr val="accent1"/>
+          </a:effectRef>
+          <a:fontRef idx="minor">
+            <a:schemeClr val="lt1"/>
+          </a:fontRef>
+        </p:style>
+        <p:txBody>
+          <a:bodyPr rtlCol="0" anchor="ctr"/>
+          <a:lstStyle/>
+          <a:p>
+            <a:pPr algn="ctr"/>
+            <a:endParaRPr lang="en-US" dirty="0"/>
+          </a:p>
+        </p:txBody>
+      </p:sp>
+      <p:sp>
+        <p:nvSpPr>
+          <p:cNvPr id="54" name="Rectangle 53"/>
+          <p:cNvSpPr/>
+          <p:nvPr/>
+        </p:nvSpPr>
+        <p:spPr>
+          <a:xfrm>
+            <a:off x="7873801" y="3381307"/>
+            <a:ext cx="1142365" cy="523220"/>
+          </a:xfrm>
+          <a:prstGeom prst="rect">
+            <a:avLst/>
+          </a:prstGeom>
+          <a:noFill/>
+        </p:spPr>
+        <p:txBody>
+          <a:bodyPr wrap="none" lIns="91440" tIns="45720" rIns="91440" bIns="45720">
+            <a:spAutoFit/>
+          </a:bodyPr>
+          <a:lstStyle/>
+          <a:p>
+            <a:pPr algn="ctr"/>
+            <a:r>
+              <a:rPr lang="en-US" sz="2800" b="0" cap="none" spc="0" dirty="0" smtClean="0">
+                <a:ln w="0"/>
+                <a:solidFill>
+                  <a:schemeClr val="tx1"/>
+                </a:solidFill>
+                <a:effectLst>
+                  <a:outerShdw blurRad="38100" dist="19050" dir="2700000" algn="tl" rotWithShape="0">
+                    <a:schemeClr val="dk1">
+                      <a:alpha val="40000"/>
+                    </a:schemeClr>
+                  </a:outerShdw>
+                </a:effectLst>
+              </a:rPr>
+              <a:t>Switch</a:t>
+            </a:r>
+            <a:endParaRPr lang="en-US" sz="2800" b="0" cap="none" spc="0" dirty="0">
+              <a:ln w="0"/>
+              <a:solidFill>
+                <a:schemeClr val="tx1"/>
+              </a:solidFill>
+              <a:effectLst>
+                <a:outerShdw blurRad="38100" dist="19050" dir="2700000" algn="tl" rotWithShape="0">
+                  <a:schemeClr val="dk1">
+                    <a:alpha val="40000"/>
+                  </a:schemeClr>
+                </a:outerShdw>
+              </a:effectLst>
+            </a:endParaRPr>
+          </a:p>
+        </p:txBody>
+      </p:sp>
     </p:spTree>
     <p:extLst>
       <p:ext uri="{BB962C8B-B14F-4D97-AF65-F5344CB8AC3E}">
-        <p14:creationId xmlns="" xmlns:p14="http://schemas.microsoft.com/office/powerpoint/2010/main" val="1852443594"/>
+        <p14:creationId xmlns:p14="http://schemas.microsoft.com/office/powerpoint/2010/main" val="1852443594"/>
       </p:ext>
     </p:extLst>
   </p:cSld>
@@ -28269,7 +31495,7 @@
   <a:extraClrSchemeLst/>
   <a:extLst>
     <a:ext uri="{05A4C25C-085E-4340-85A3-A5531E510DB2}">
-      <thm15:themeFamily xmlns="" xmlns:thm15="http://schemas.microsoft.com/office/thememl/2012/main" name="Office Theme" id="{62F939B6-93AF-4DB8-9C6B-D6C7DFDC589F}" vid="{4A3C46E8-61CC-4603-A589-7422A47A8E4A}"/>
+      <thm15:themeFamily xmlns:thm15="http://schemas.microsoft.com/office/thememl/2012/main" name="Office Theme" id="{62F939B6-93AF-4DB8-9C6B-D6C7DFDC589F}" vid="{4A3C46E8-61CC-4603-A589-7422A47A8E4A}"/>
     </a:ext>
   </a:extLst>
 </a:theme>

--- a/Documents/projects for schools.pptx
+++ b/Documents/projects for schools.pptx
@@ -30,6 +30,7 @@
     <p:sldId id="279" r:id="rId24"/>
     <p:sldId id="280" r:id="rId25"/>
     <p:sldId id="281" r:id="rId26"/>
+    <p:sldId id="282" r:id="rId27"/>
   </p:sldIdLst>
   <p:sldSz cx="12192000" cy="6858000"/>
   <p:notesSz cx="6858000" cy="9947275"/>
@@ -17540,8 +17541,8 @@
         </p:nvSpPr>
         <p:spPr>
           <a:xfrm>
-            <a:off x="3474880" y="0"/>
-            <a:ext cx="4933146" cy="923330"/>
+            <a:off x="1864763" y="0"/>
+            <a:ext cx="8153387" cy="923330"/>
           </a:xfrm>
           <a:prstGeom prst="rect">
             <a:avLst/>
@@ -17569,7 +17570,7 @@
                   </a:outerShdw>
                 </a:effectLst>
               </a:rPr>
-              <a:t>Working of Relay</a:t>
+              <a:t>Relay and Electromagnetism</a:t>
             </a:r>
             <a:endParaRPr lang="en-US" sz="5400" b="0" cap="none" spc="0" dirty="0">
               <a:ln w="0"/>
@@ -19696,6 +19697,115 @@
     <p:extLst>
       <p:ext uri="{BB962C8B-B14F-4D97-AF65-F5344CB8AC3E}">
         <p14:creationId xmlns:p14="http://schemas.microsoft.com/office/powerpoint/2010/main" val="1036446602"/>
+      </p:ext>
+    </p:extLst>
+  </p:cSld>
+  <p:clrMapOvr>
+    <a:masterClrMapping/>
+  </p:clrMapOvr>
+</p:sld>
+</file>
+
+<file path=ppt/slides/slide26.xml><?xml version="1.0" encoding="utf-8"?>
+<p:sld xmlns:a="http://schemas.openxmlformats.org/drawingml/2006/main" xmlns:r="http://schemas.openxmlformats.org/officeDocument/2006/relationships" xmlns:p="http://schemas.openxmlformats.org/presentationml/2006/main">
+  <p:cSld>
+    <p:spTree>
+      <p:nvGrpSpPr>
+        <p:cNvPr id="1" name=""/>
+        <p:cNvGrpSpPr/>
+        <p:nvPr/>
+      </p:nvGrpSpPr>
+      <p:grpSpPr>
+        <a:xfrm>
+          <a:off x="0" y="0"/>
+          <a:ext cx="0" cy="0"/>
+          <a:chOff x="0" y="0"/>
+          <a:chExt cx="0" cy="0"/>
+        </a:xfrm>
+      </p:grpSpPr>
+      <p:sp>
+        <p:nvSpPr>
+          <p:cNvPr id="4" name="Rectangle 3"/>
+          <p:cNvSpPr/>
+          <p:nvPr/>
+        </p:nvSpPr>
+        <p:spPr>
+          <a:xfrm>
+            <a:off x="3890589" y="0"/>
+            <a:ext cx="3612336" cy="923330"/>
+          </a:xfrm>
+          <a:prstGeom prst="rect">
+            <a:avLst/>
+          </a:prstGeom>
+          <a:noFill/>
+        </p:spPr>
+        <p:txBody>
+          <a:bodyPr wrap="none" lIns="91440" tIns="45720" rIns="91440" bIns="45720">
+            <a:spAutoFit/>
+          </a:bodyPr>
+          <a:lstStyle/>
+          <a:p>
+            <a:pPr algn="ctr"/>
+            <a:r>
+              <a:rPr lang="en-US" sz="5400" b="0" cap="none" spc="0" dirty="0" smtClean="0">
+                <a:ln w="0"/>
+                <a:solidFill>
+                  <a:schemeClr val="tx1"/>
+                </a:solidFill>
+                <a:effectLst>
+                  <a:outerShdw blurRad="38100" dist="19050" dir="2700000" algn="tl" rotWithShape="0">
+                    <a:schemeClr val="dk1">
+                      <a:alpha val="40000"/>
+                    </a:schemeClr>
+                  </a:outerShdw>
+                </a:effectLst>
+              </a:rPr>
+              <a:t>Transformer</a:t>
+            </a:r>
+            <a:endParaRPr lang="en-US" sz="5400" b="0" cap="none" spc="0" dirty="0">
+              <a:ln w="0"/>
+              <a:solidFill>
+                <a:schemeClr val="tx1"/>
+              </a:solidFill>
+              <a:effectLst>
+                <a:outerShdw blurRad="38100" dist="19050" dir="2700000" algn="tl" rotWithShape="0">
+                  <a:schemeClr val="dk1">
+                    <a:alpha val="40000"/>
+                  </a:schemeClr>
+                </a:outerShdw>
+              </a:effectLst>
+            </a:endParaRPr>
+          </a:p>
+        </p:txBody>
+      </p:sp>
+      <p:pic>
+        <p:nvPicPr>
+          <p:cNvPr id="5" name="Picture 4"/>
+          <p:cNvPicPr>
+            <a:picLocks noChangeAspect="1"/>
+          </p:cNvPicPr>
+          <p:nvPr/>
+        </p:nvPicPr>
+        <p:blipFill>
+          <a:blip r:embed="rId2"/>
+          <a:stretch>
+            <a:fillRect/>
+          </a:stretch>
+        </p:blipFill>
+        <p:spPr>
+          <a:xfrm>
+            <a:off x="1640848" y="923330"/>
+            <a:ext cx="7644819" cy="5739605"/>
+          </a:xfrm>
+          <a:prstGeom prst="rect">
+            <a:avLst/>
+          </a:prstGeom>
+        </p:spPr>
+      </p:pic>
+    </p:spTree>
+    <p:extLst>
+      <p:ext uri="{BB962C8B-B14F-4D97-AF65-F5344CB8AC3E}">
+        <p14:creationId xmlns:p14="http://schemas.microsoft.com/office/powerpoint/2010/main" val="4250650777"/>
       </p:ext>
     </p:extLst>
   </p:cSld>

--- a/Documents/projects for schools.pptx
+++ b/Documents/projects for schools.pptx
@@ -28607,7 +28607,7 @@
         </p:nvCxnSpPr>
         <p:spPr>
           <a:xfrm>
-            <a:off x="5770924" y="3631842"/>
+            <a:off x="5758045" y="3618963"/>
             <a:ext cx="1146220" cy="2691685"/>
           </a:xfrm>
           <a:prstGeom prst="line">
@@ -28680,7 +28680,7 @@
         </p:nvCxnSpPr>
         <p:spPr>
           <a:xfrm>
-            <a:off x="4670475" y="2627290"/>
+            <a:off x="4657596" y="2627290"/>
             <a:ext cx="1128585" cy="999897"/>
           </a:xfrm>
           <a:prstGeom prst="line">
@@ -29329,61 +29329,6 @@
           <a:chExt cx="0" cy="0"/>
         </a:xfrm>
       </p:grpSpPr>
-      <p:sp>
-        <p:nvSpPr>
-          <p:cNvPr id="4" name="Rectangle 3"/>
-          <p:cNvSpPr/>
-          <p:nvPr/>
-        </p:nvSpPr>
-        <p:spPr>
-          <a:xfrm>
-            <a:off x="3890589" y="0"/>
-            <a:ext cx="3612336" cy="923330"/>
-          </a:xfrm>
-          <a:prstGeom prst="rect">
-            <a:avLst/>
-          </a:prstGeom>
-          <a:noFill/>
-        </p:spPr>
-        <p:txBody>
-          <a:bodyPr wrap="none" lIns="91440" tIns="45720" rIns="91440" bIns="45720">
-            <a:spAutoFit/>
-          </a:bodyPr>
-          <a:lstStyle/>
-          <a:p>
-            <a:pPr algn="ctr"/>
-            <a:r>
-              <a:rPr lang="en-US" sz="5400" b="0" cap="none" spc="0" dirty="0" smtClean="0">
-                <a:ln w="0"/>
-                <a:solidFill>
-                  <a:schemeClr val="tx1"/>
-                </a:solidFill>
-                <a:effectLst>
-                  <a:outerShdw blurRad="38100" dist="19050" dir="2700000" algn="tl" rotWithShape="0">
-                    <a:schemeClr val="dk1">
-                      <a:alpha val="40000"/>
-                    </a:schemeClr>
-                  </a:outerShdw>
-                </a:effectLst>
-              </a:rPr>
-              <a:t>Transformer</a:t>
-            </a:r>
-            <a:endParaRPr lang="en-US" sz="5400" b="0" cap="none" spc="0" dirty="0">
-              <a:ln w="0"/>
-              <a:solidFill>
-                <a:schemeClr val="tx1"/>
-              </a:solidFill>
-              <a:effectLst>
-                <a:outerShdw blurRad="38100" dist="19050" dir="2700000" algn="tl" rotWithShape="0">
-                  <a:schemeClr val="dk1">
-                    <a:alpha val="40000"/>
-                  </a:schemeClr>
-                </a:outerShdw>
-              </a:effectLst>
-            </a:endParaRPr>
-          </a:p>
-        </p:txBody>
-      </p:sp>
       <p:pic>
         <p:nvPicPr>
           <p:cNvPr id="5" name="Picture 4"/>
@@ -29400,8 +29345,8 @@
         </p:blipFill>
         <p:spPr>
           <a:xfrm>
-            <a:off x="1640848" y="923330"/>
-            <a:ext cx="7644819" cy="5739605"/>
+            <a:off x="1608758" y="115911"/>
+            <a:ext cx="8874641" cy="6662935"/>
           </a:xfrm>
           <a:prstGeom prst="rect">
             <a:avLst/>
@@ -31277,6 +31222,47 @@
           </a:p>
         </p:txBody>
       </p:sp>
+      <p:pic>
+        <p:nvPicPr>
+          <p:cNvPr id="4098" name="Picture 2" descr="http://demoroom.physics.ncsu.edu/multimedia/images/demos/546IMG_0902.JPG"/>
+          <p:cNvPicPr>
+            <a:picLocks noChangeAspect="1" noChangeArrowheads="1"/>
+          </p:cNvPicPr>
+          <p:nvPr/>
+        </p:nvPicPr>
+        <p:blipFill>
+          <a:blip r:embed="rId2">
+            <a:extLst>
+              <a:ext uri="{28A0092B-C50C-407E-A947-70E740481C1C}">
+                <a14:useLocalDpi xmlns:a14="http://schemas.microsoft.com/office/drawing/2010/main" val="0"/>
+              </a:ext>
+            </a:extLst>
+          </a:blip>
+          <a:srcRect/>
+          <a:stretch>
+            <a:fillRect/>
+          </a:stretch>
+        </p:blipFill>
+        <p:spPr bwMode="auto">
+          <a:xfrm>
+            <a:off x="2988335" y="1752175"/>
+            <a:ext cx="6215337" cy="4661504"/>
+          </a:xfrm>
+          <a:prstGeom prst="rect">
+            <a:avLst/>
+          </a:prstGeom>
+          <a:noFill/>
+          <a:extLst>
+            <a:ext uri="{909E8E84-426E-40DD-AFC4-6F175D3DCCD1}">
+              <a14:hiddenFill xmlns:a14="http://schemas.microsoft.com/office/drawing/2010/main">
+                <a:solidFill>
+                  <a:srgbClr val="FFFFFF"/>
+                </a:solidFill>
+              </a14:hiddenFill>
+            </a:ext>
+          </a:extLst>
+        </p:spPr>
+      </p:pic>
     </p:spTree>
     <p:extLst>
       <p:ext uri="{BB962C8B-B14F-4D97-AF65-F5344CB8AC3E}">

--- a/Documents/projects for schools.pptx
+++ b/Documents/projects for schools.pptx
@@ -8879,6 +8879,110 @@
           <a:p>
             <a:pPr algn="ctr"/>
             <a:endParaRPr lang="en-US"/>
+          </a:p>
+        </p:txBody>
+      </p:sp>
+      <p:sp>
+        <p:nvSpPr>
+          <p:cNvPr id="12" name="Rectangle 11"/>
+          <p:cNvSpPr/>
+          <p:nvPr/>
+        </p:nvSpPr>
+        <p:spPr>
+          <a:xfrm>
+            <a:off x="196948" y="3540935"/>
+            <a:ext cx="703384" cy="500131"/>
+          </a:xfrm>
+          <a:prstGeom prst="rect">
+            <a:avLst/>
+          </a:prstGeom>
+          <a:solidFill>
+            <a:schemeClr val="bg1"/>
+          </a:solidFill>
+          <a:ln>
+            <a:solidFill>
+              <a:schemeClr val="bg1"/>
+            </a:solidFill>
+          </a:ln>
+        </p:spPr>
+        <p:style>
+          <a:lnRef idx="2">
+            <a:schemeClr val="accent1">
+              <a:shade val="50000"/>
+            </a:schemeClr>
+          </a:lnRef>
+          <a:fillRef idx="1">
+            <a:schemeClr val="accent1"/>
+          </a:fillRef>
+          <a:effectRef idx="0">
+            <a:schemeClr val="accent1"/>
+          </a:effectRef>
+          <a:fontRef idx="minor">
+            <a:schemeClr val="lt1"/>
+          </a:fontRef>
+        </p:style>
+        <p:txBody>
+          <a:bodyPr rtlCol="0" anchor="ctr"/>
+          <a:lstStyle/>
+          <a:p>
+            <a:pPr algn="ctr"/>
+            <a:r>
+              <a:rPr lang="en-US" dirty="0" smtClean="0"/>
+              <a:t>9V</a:t>
+            </a:r>
+            <a:endParaRPr lang="en-US" dirty="0"/>
+          </a:p>
+        </p:txBody>
+      </p:sp>
+      <p:sp>
+        <p:nvSpPr>
+          <p:cNvPr id="30" name="Rectangle 29"/>
+          <p:cNvSpPr/>
+          <p:nvPr/>
+        </p:nvSpPr>
+        <p:spPr>
+          <a:xfrm>
+            <a:off x="1318851" y="3507833"/>
+            <a:ext cx="625491" cy="584775"/>
+          </a:xfrm>
+          <a:prstGeom prst="rect">
+            <a:avLst/>
+          </a:prstGeom>
+          <a:noFill/>
+        </p:spPr>
+        <p:txBody>
+          <a:bodyPr wrap="none" lIns="91440" tIns="45720" rIns="91440" bIns="45720">
+            <a:spAutoFit/>
+          </a:bodyPr>
+          <a:lstStyle/>
+          <a:p>
+            <a:pPr algn="ctr"/>
+            <a:r>
+              <a:rPr lang="en-US" sz="3200" dirty="0" smtClean="0">
+                <a:ln w="0"/>
+                <a:effectLst>
+                  <a:outerShdw blurRad="38100" dist="19050" dir="2700000" algn="tl" rotWithShape="0">
+                    <a:schemeClr val="dk1">
+                      <a:alpha val="40000"/>
+                    </a:schemeClr>
+                  </a:outerShdw>
+                </a:effectLst>
+              </a:rPr>
+              <a:t>9V</a:t>
+            </a:r>
+            <a:endParaRPr lang="en-US" sz="5400" b="0" cap="none" spc="0" dirty="0" smtClean="0">
+              <a:ln w="0"/>
+              <a:solidFill>
+                <a:schemeClr val="tx1"/>
+              </a:solidFill>
+              <a:effectLst>
+                <a:outerShdw blurRad="38100" dist="19050" dir="2700000" algn="tl" rotWithShape="0">
+                  <a:schemeClr val="dk1">
+                    <a:alpha val="40000"/>
+                  </a:schemeClr>
+                </a:outerShdw>
+              </a:effectLst>
+            </a:endParaRPr>
           </a:p>
         </p:txBody>
       </p:sp>

--- a/Documents/projects for schools.pptx
+++ b/Documents/projects for schools.pptx
@@ -29417,7 +29417,7 @@
 </file>
 
 <file path=ppt/slides/slide29.xml><?xml version="1.0" encoding="utf-8"?>
-<p:sld xmlns:a="http://schemas.openxmlformats.org/drawingml/2006/main" xmlns:r="http://schemas.openxmlformats.org/officeDocument/2006/relationships" xmlns:p="http://schemas.openxmlformats.org/presentationml/2006/main">
+<p:sld xmlns:a="http://schemas.openxmlformats.org/drawingml/2006/main" xmlns:r="http://schemas.openxmlformats.org/officeDocument/2006/relationships" xmlns:p="http://schemas.openxmlformats.org/presentationml/2006/main" showMasterSp="0">
   <p:cSld>
     <p:spTree>
       <p:nvGrpSpPr>
@@ -29449,12 +29449,396 @@
         </p:blipFill>
         <p:spPr>
           <a:xfrm>
-            <a:off x="1608758" y="115911"/>
-            <a:ext cx="8874641" cy="6662935"/>
+            <a:off x="76173" y="167425"/>
+            <a:ext cx="8874641" cy="6508390"/>
           </a:xfrm>
           <a:prstGeom prst="rect">
             <a:avLst/>
           </a:prstGeom>
+        </p:spPr>
+      </p:pic>
+      <p:sp>
+        <p:nvSpPr>
+          <p:cNvPr id="6" name="Rectangle 1"/>
+          <p:cNvSpPr>
+            <a:spLocks noChangeArrowheads="1"/>
+          </p:cNvSpPr>
+          <p:nvPr/>
+        </p:nvSpPr>
+        <p:spPr bwMode="auto">
+          <a:xfrm>
+            <a:off x="9339060" y="596953"/>
+            <a:ext cx="2162531" cy="1147985"/>
+          </a:xfrm>
+          <a:prstGeom prst="rect">
+            <a:avLst/>
+          </a:prstGeom>
+          <a:solidFill>
+            <a:srgbClr val="FFFFFF"/>
+          </a:solidFill>
+          <a:ln>
+            <a:noFill/>
+          </a:ln>
+          <a:effectLst/>
+          <a:extLst>
+            <a:ext uri="{91240B29-F687-4F45-9708-019B960494DF}">
+              <a14:hiddenLine xmlns:a14="http://schemas.microsoft.com/office/drawing/2010/main" w="9525">
+                <a:solidFill>
+                  <a:schemeClr val="tx1"/>
+                </a:solidFill>
+                <a:miter lim="800000"/>
+                <a:headEnd/>
+                <a:tailEnd/>
+              </a14:hiddenLine>
+            </a:ext>
+            <a:ext uri="{AF507438-7753-43E0-B8FC-AC1667EBCBE1}">
+              <a14:hiddenEffects xmlns:a14="http://schemas.microsoft.com/office/drawing/2010/main">
+                <a:effectLst>
+                  <a:outerShdw dist="35921" dir="2700000" algn="ctr" rotWithShape="0">
+                    <a:schemeClr val="bg2"/>
+                  </a:outerShdw>
+                </a:effectLst>
+              </a14:hiddenEffects>
+            </a:ext>
+          </a:extLst>
+        </p:spPr>
+        <p:txBody>
+          <a:bodyPr vert="horz" wrap="square" lIns="91440" tIns="179331" rIns="91440" bIns="88872" numCol="1" anchor="ctr" anchorCtr="0" compatLnSpc="1">
+            <a:prstTxWarp prst="textNoShape">
+              <a:avLst/>
+            </a:prstTxWarp>
+            <a:spAutoFit/>
+          </a:bodyPr>
+          <a:lstStyle>
+            <a:lvl1pPr eaLnBrk="0" fontAlgn="base" hangingPunct="0">
+              <a:spcBef>
+                <a:spcPct val="0"/>
+              </a:spcBef>
+              <a:spcAft>
+                <a:spcPct val="0"/>
+              </a:spcAft>
+              <a:defRPr>
+                <a:solidFill>
+                  <a:schemeClr val="tx1"/>
+                </a:solidFill>
+                <a:latin typeface="Arial" panose="020B0604020202020204" pitchFamily="34" charset="0"/>
+              </a:defRPr>
+            </a:lvl1pPr>
+            <a:lvl2pPr eaLnBrk="0" fontAlgn="base" hangingPunct="0">
+              <a:spcBef>
+                <a:spcPct val="0"/>
+              </a:spcBef>
+              <a:spcAft>
+                <a:spcPct val="0"/>
+              </a:spcAft>
+              <a:defRPr>
+                <a:solidFill>
+                  <a:schemeClr val="tx1"/>
+                </a:solidFill>
+                <a:latin typeface="Arial" panose="020B0604020202020204" pitchFamily="34" charset="0"/>
+              </a:defRPr>
+            </a:lvl2pPr>
+            <a:lvl3pPr eaLnBrk="0" fontAlgn="base" hangingPunct="0">
+              <a:spcBef>
+                <a:spcPct val="0"/>
+              </a:spcBef>
+              <a:spcAft>
+                <a:spcPct val="0"/>
+              </a:spcAft>
+              <a:defRPr>
+                <a:solidFill>
+                  <a:schemeClr val="tx1"/>
+                </a:solidFill>
+                <a:latin typeface="Arial" panose="020B0604020202020204" pitchFamily="34" charset="0"/>
+              </a:defRPr>
+            </a:lvl3pPr>
+            <a:lvl4pPr eaLnBrk="0" fontAlgn="base" hangingPunct="0">
+              <a:spcBef>
+                <a:spcPct val="0"/>
+              </a:spcBef>
+              <a:spcAft>
+                <a:spcPct val="0"/>
+              </a:spcAft>
+              <a:defRPr>
+                <a:solidFill>
+                  <a:schemeClr val="tx1"/>
+                </a:solidFill>
+                <a:latin typeface="Arial" panose="020B0604020202020204" pitchFamily="34" charset="0"/>
+              </a:defRPr>
+            </a:lvl4pPr>
+            <a:lvl5pPr eaLnBrk="0" fontAlgn="base" hangingPunct="0">
+              <a:spcBef>
+                <a:spcPct val="0"/>
+              </a:spcBef>
+              <a:spcAft>
+                <a:spcPct val="0"/>
+              </a:spcAft>
+              <a:defRPr>
+                <a:solidFill>
+                  <a:schemeClr val="tx1"/>
+                </a:solidFill>
+                <a:latin typeface="Arial" panose="020B0604020202020204" pitchFamily="34" charset="0"/>
+              </a:defRPr>
+            </a:lvl5pPr>
+            <a:lvl6pPr eaLnBrk="0" fontAlgn="base" hangingPunct="0">
+              <a:spcBef>
+                <a:spcPct val="0"/>
+              </a:spcBef>
+              <a:spcAft>
+                <a:spcPct val="0"/>
+              </a:spcAft>
+              <a:defRPr>
+                <a:solidFill>
+                  <a:schemeClr val="tx1"/>
+                </a:solidFill>
+                <a:latin typeface="Arial" panose="020B0604020202020204" pitchFamily="34" charset="0"/>
+              </a:defRPr>
+            </a:lvl6pPr>
+            <a:lvl7pPr eaLnBrk="0" fontAlgn="base" hangingPunct="0">
+              <a:spcBef>
+                <a:spcPct val="0"/>
+              </a:spcBef>
+              <a:spcAft>
+                <a:spcPct val="0"/>
+              </a:spcAft>
+              <a:defRPr>
+                <a:solidFill>
+                  <a:schemeClr val="tx1"/>
+                </a:solidFill>
+                <a:latin typeface="Arial" panose="020B0604020202020204" pitchFamily="34" charset="0"/>
+              </a:defRPr>
+            </a:lvl7pPr>
+            <a:lvl8pPr eaLnBrk="0" fontAlgn="base" hangingPunct="0">
+              <a:spcBef>
+                <a:spcPct val="0"/>
+              </a:spcBef>
+              <a:spcAft>
+                <a:spcPct val="0"/>
+              </a:spcAft>
+              <a:defRPr>
+                <a:solidFill>
+                  <a:schemeClr val="tx1"/>
+                </a:solidFill>
+                <a:latin typeface="Arial" panose="020B0604020202020204" pitchFamily="34" charset="0"/>
+              </a:defRPr>
+            </a:lvl8pPr>
+            <a:lvl9pPr eaLnBrk="0" fontAlgn="base" hangingPunct="0">
+              <a:spcBef>
+                <a:spcPct val="0"/>
+              </a:spcBef>
+              <a:spcAft>
+                <a:spcPct val="0"/>
+              </a:spcAft>
+              <a:defRPr>
+                <a:solidFill>
+                  <a:schemeClr val="tx1"/>
+                </a:solidFill>
+                <a:latin typeface="Arial" panose="020B0604020202020204" pitchFamily="34" charset="0"/>
+              </a:defRPr>
+            </a:lvl9pPr>
+          </a:lstStyle>
+          <a:p>
+            <a:pPr marL="0" marR="0" lvl="0" indent="0" algn="ctr" defTabSz="914400" rtl="0" eaLnBrk="0" fontAlgn="base" latinLnBrk="0" hangingPunct="0">
+              <a:lnSpc>
+                <a:spcPct val="100000"/>
+              </a:lnSpc>
+              <a:spcBef>
+                <a:spcPct val="0"/>
+              </a:spcBef>
+              <a:spcAft>
+                <a:spcPct val="0"/>
+              </a:spcAft>
+              <a:buClrTx/>
+              <a:buSzTx/>
+              <a:buFontTx/>
+              <a:buNone/>
+              <a:tabLst/>
+            </a:pPr>
+            <a:r>
+              <a:rPr kumimoji="0" lang="en-US" altLang="en-US" sz="2400" i="1" strike="noStrike" cap="none" normalizeH="0" baseline="0" dirty="0" smtClean="0">
+                <a:ln>
+                  <a:noFill/>
+                </a:ln>
+                <a:effectLst/>
+                <a:latin typeface="Arial" panose="020B0604020202020204" pitchFamily="34" charset="0"/>
+                <a:ea typeface="Open Sans"/>
+              </a:rPr>
+              <a:t>Transformer Efficiency</a:t>
+            </a:r>
+          </a:p>
+          <a:p>
+            <a:pPr marL="0" marR="0" lvl="0" indent="0" algn="ctr" defTabSz="914400" rtl="0" eaLnBrk="0" fontAlgn="base" latinLnBrk="0" hangingPunct="0">
+              <a:lnSpc>
+                <a:spcPct val="100000"/>
+              </a:lnSpc>
+              <a:spcBef>
+                <a:spcPct val="0"/>
+              </a:spcBef>
+              <a:spcAft>
+                <a:spcPct val="0"/>
+              </a:spcAft>
+              <a:buClrTx/>
+              <a:buSzTx/>
+              <a:buFontTx/>
+              <a:buNone/>
+              <a:tabLst/>
+            </a:pPr>
+            <a:r>
+              <a:rPr kumimoji="0" lang="en-US" altLang="en-US" sz="900" b="0" i="0" u="none" strike="noStrike" cap="none" normalizeH="0" baseline="0" dirty="0" smtClean="0">
+                <a:ln>
+                  <a:noFill/>
+                </a:ln>
+                <a:solidFill>
+                  <a:srgbClr val="333333"/>
+                </a:solidFill>
+                <a:effectLst/>
+                <a:latin typeface="Arial" panose="020B0604020202020204" pitchFamily="34" charset="0"/>
+                <a:ea typeface="Open Sans"/>
+              </a:rPr>
+              <a:t>  </a:t>
+            </a:r>
+            <a:endParaRPr kumimoji="0" lang="en-US" altLang="en-US" sz="13700" b="0" i="0" u="none" strike="noStrike" cap="none" normalizeH="0" baseline="0" dirty="0" smtClean="0">
+              <a:ln>
+                <a:noFill/>
+              </a:ln>
+              <a:solidFill>
+                <a:srgbClr val="333333"/>
+              </a:solidFill>
+              <a:effectLst/>
+              <a:latin typeface="Arial" panose="020B0604020202020204" pitchFamily="34" charset="0"/>
+              <a:ea typeface="Open Sans"/>
+            </a:endParaRPr>
+          </a:p>
+        </p:txBody>
+      </p:sp>
+      <p:pic>
+        <p:nvPicPr>
+          <p:cNvPr id="5122" name="Picture 2" descr="transformer efficiency"/>
+          <p:cNvPicPr>
+            <a:picLocks noChangeAspect="1" noChangeArrowheads="1"/>
+          </p:cNvPicPr>
+          <p:nvPr/>
+        </p:nvPicPr>
+        <p:blipFill>
+          <a:blip r:embed="rId3">
+            <a:extLst>
+              <a:ext uri="{28A0092B-C50C-407E-A947-70E740481C1C}">
+                <a14:useLocalDpi xmlns:a14="http://schemas.microsoft.com/office/drawing/2010/main" val="0"/>
+              </a:ext>
+            </a:extLst>
+          </a:blip>
+          <a:srcRect/>
+          <a:stretch>
+            <a:fillRect/>
+          </a:stretch>
+        </p:blipFill>
+        <p:spPr bwMode="auto">
+          <a:xfrm>
+            <a:off x="7899968" y="2696501"/>
+            <a:ext cx="4167537" cy="1939768"/>
+          </a:xfrm>
+          <a:prstGeom prst="rect">
+            <a:avLst/>
+          </a:prstGeom>
+          <a:noFill/>
+          <a:extLst>
+            <a:ext uri="{909E8E84-426E-40DD-AFC4-6F175D3DCCD1}">
+              <a14:hiddenFill xmlns:a14="http://schemas.microsoft.com/office/drawing/2010/main">
+                <a:solidFill>
+                  <a:srgbClr val="FFFFFF"/>
+                </a:solidFill>
+              </a14:hiddenFill>
+            </a:ext>
+          </a:extLst>
+        </p:spPr>
+      </p:pic>
+      <p:sp>
+        <p:nvSpPr>
+          <p:cNvPr id="7" name="Rectangle 6"/>
+          <p:cNvSpPr/>
+          <p:nvPr/>
+        </p:nvSpPr>
+        <p:spPr>
+          <a:xfrm>
+            <a:off x="7688687" y="2653783"/>
+            <a:ext cx="1236369" cy="448689"/>
+          </a:xfrm>
+          <a:prstGeom prst="rect">
+            <a:avLst/>
+          </a:prstGeom>
+          <a:solidFill>
+            <a:schemeClr val="bg2"/>
+          </a:solidFill>
+          <a:ln>
+            <a:solidFill>
+              <a:schemeClr val="bg2"/>
+            </a:solidFill>
+          </a:ln>
+        </p:spPr>
+        <p:style>
+          <a:lnRef idx="2">
+            <a:schemeClr val="accent1">
+              <a:shade val="50000"/>
+            </a:schemeClr>
+          </a:lnRef>
+          <a:fillRef idx="1">
+            <a:schemeClr val="accent1"/>
+          </a:fillRef>
+          <a:effectRef idx="0">
+            <a:schemeClr val="accent1"/>
+          </a:effectRef>
+          <a:fontRef idx="minor">
+            <a:schemeClr val="lt1"/>
+          </a:fontRef>
+        </p:style>
+        <p:txBody>
+          <a:bodyPr rtlCol="0" anchor="ctr"/>
+          <a:lstStyle/>
+          <a:p>
+            <a:pPr algn="ctr"/>
+            <a:endParaRPr lang="en-US"/>
+          </a:p>
+        </p:txBody>
+      </p:sp>
+      <p:pic>
+        <p:nvPicPr>
+          <p:cNvPr id="5126" name="Picture 6" descr="transformer basics - efficiency"/>
+          <p:cNvPicPr>
+            <a:picLocks noChangeAspect="1" noChangeArrowheads="1"/>
+          </p:cNvPicPr>
+          <p:nvPr/>
+        </p:nvPicPr>
+        <p:blipFill>
+          <a:blip r:embed="rId4">
+            <a:extLst>
+              <a:ext uri="{28A0092B-C50C-407E-A947-70E740481C1C}">
+                <a14:useLocalDpi xmlns:a14="http://schemas.microsoft.com/office/drawing/2010/main" val="0"/>
+              </a:ext>
+            </a:extLst>
+          </a:blip>
+          <a:srcRect/>
+          <a:stretch>
+            <a:fillRect/>
+          </a:stretch>
+        </p:blipFill>
+        <p:spPr bwMode="auto">
+          <a:xfrm>
+            <a:off x="7432138" y="5883604"/>
+            <a:ext cx="4457700" cy="533400"/>
+          </a:xfrm>
+          <a:prstGeom prst="rect">
+            <a:avLst/>
+          </a:prstGeom>
+          <a:noFill/>
+          <a:extLst>
+            <a:ext uri="{909E8E84-426E-40DD-AFC4-6F175D3DCCD1}">
+              <a14:hiddenFill xmlns:a14="http://schemas.microsoft.com/office/drawing/2010/main">
+                <a:solidFill>
+                  <a:srgbClr val="FFFFFF"/>
+                </a:solidFill>
+              </a14:hiddenFill>
+            </a:ext>
+          </a:extLst>
         </p:spPr>
       </p:pic>
     </p:spTree>

--- a/Documents/projects for schools.pptx
+++ b/Documents/projects for schools.pptx
@@ -32758,45 +32758,87 @@
           <a:chExt cx="0" cy="0"/>
         </a:xfrm>
       </p:grpSpPr>
-      <p:sp>
-        <p:nvSpPr>
-          <p:cNvPr id="2" name="Title 1"/>
-          <p:cNvSpPr>
-            <a:spLocks noGrp="1"/>
-          </p:cNvSpPr>
-          <p:nvPr>
-            <p:ph type="title"/>
-          </p:nvPr>
-        </p:nvSpPr>
-        <p:spPr/>
-        <p:txBody>
-          <a:bodyPr/>
-          <a:lstStyle/>
-          <a:p>
+      <p:pic>
+        <p:nvPicPr>
+          <p:cNvPr id="6146" name="Picture 2" descr="nuclear-reactor.1.jpg"/>
+          <p:cNvPicPr>
+            <a:picLocks noChangeAspect="1" noChangeArrowheads="1"/>
+          </p:cNvPicPr>
+          <p:nvPr/>
+        </p:nvPicPr>
+        <p:blipFill>
+          <a:blip r:embed="rId2">
+            <a:extLst>
+              <a:ext uri="{28A0092B-C50C-407E-A947-70E740481C1C}">
+                <a14:useLocalDpi xmlns:a14="http://schemas.microsoft.com/office/drawing/2010/main" val="0"/>
+              </a:ext>
+            </a:extLst>
+          </a:blip>
+          <a:srcRect/>
+          <a:stretch>
+            <a:fillRect/>
+          </a:stretch>
+        </p:blipFill>
+        <p:spPr bwMode="auto">
+          <a:xfrm>
+            <a:off x="696533" y="1407353"/>
+            <a:ext cx="10739906" cy="5050916"/>
+          </a:xfrm>
+          <a:prstGeom prst="rect">
+            <a:avLst/>
+          </a:prstGeom>
+          <a:noFill/>
+          <a:extLst>
+            <a:ext uri="{909E8E84-426E-40DD-AFC4-6F175D3DCCD1}">
+              <a14:hiddenFill xmlns:a14="http://schemas.microsoft.com/office/drawing/2010/main">
+                <a:solidFill>
+                  <a:srgbClr val="FFFFFF"/>
+                </a:solidFill>
+              </a14:hiddenFill>
+            </a:ext>
+          </a:extLst>
+        </p:spPr>
+      </p:pic>
+      <p:sp>
+        <p:nvSpPr>
+          <p:cNvPr id="4" name="Rectangle 3"/>
+          <p:cNvSpPr/>
+          <p:nvPr/>
+        </p:nvSpPr>
+        <p:spPr>
+          <a:xfrm>
+            <a:off x="3660334" y="0"/>
+            <a:ext cx="4691028" cy="923330"/>
+          </a:xfrm>
+          <a:prstGeom prst="rect">
+            <a:avLst/>
+          </a:prstGeom>
+          <a:noFill/>
+        </p:spPr>
+        <p:txBody>
+          <a:bodyPr wrap="none" lIns="91440" tIns="45720" rIns="91440" bIns="45720">
+            <a:spAutoFit/>
+          </a:bodyPr>
+          <a:lstStyle/>
+          <a:p>
+            <a:pPr algn="ctr"/>
             <a:r>
-              <a:rPr lang="en-US" dirty="0" smtClean="0"/>
+              <a:rPr lang="en-US" sz="5400" dirty="0"/>
               <a:t>Nuclear Reactor</a:t>
             </a:r>
-            <a:endParaRPr lang="en-US" dirty="0"/>
-          </a:p>
-        </p:txBody>
-      </p:sp>
-      <p:sp>
-        <p:nvSpPr>
-          <p:cNvPr id="3" name="Content Placeholder 2"/>
-          <p:cNvSpPr>
-            <a:spLocks noGrp="1"/>
-          </p:cNvSpPr>
-          <p:nvPr>
-            <p:ph idx="1"/>
-          </p:nvPr>
-        </p:nvSpPr>
-        <p:spPr/>
-        <p:txBody>
-          <a:bodyPr/>
-          <a:lstStyle/>
-          <a:p>
-            <a:endParaRPr lang="en-US"/>
+            <a:endParaRPr lang="en-US" sz="5400" b="0" cap="none" spc="0" dirty="0">
+              <a:ln w="0"/>
+              <a:solidFill>
+                <a:schemeClr val="tx1"/>
+              </a:solidFill>
+              <a:effectLst>
+                <a:outerShdw blurRad="38100" dist="19050" dir="2700000" algn="tl" rotWithShape="0">
+                  <a:schemeClr val="dk1">
+                    <a:alpha val="40000"/>
+                  </a:schemeClr>
+                </a:outerShdw>
+              </a:effectLst>
+            </a:endParaRPr>
           </a:p>
         </p:txBody>
       </p:sp>

--- a/Documents/projects for schools.pptx
+++ b/Documents/projects for schools.pptx
@@ -32,9 +32,9 @@
     <p:sldId id="281" r:id="rId26"/>
     <p:sldId id="288" r:id="rId27"/>
     <p:sldId id="297" r:id="rId28"/>
-    <p:sldId id="300" r:id="rId29"/>
-    <p:sldId id="282" r:id="rId30"/>
-    <p:sldId id="283" r:id="rId31"/>
+    <p:sldId id="301" r:id="rId29"/>
+    <p:sldId id="300" r:id="rId30"/>
+    <p:sldId id="282" r:id="rId31"/>
     <p:sldId id="284" r:id="rId32"/>
     <p:sldId id="285" r:id="rId33"/>
     <p:sldId id="286" r:id="rId34"/>
@@ -297,7 +297,7 @@
             <a:fld id="{30FEA4BD-71B3-41DD-B9FF-6FB8DBE50051}" type="datetimeFigureOut">
               <a:rPr lang="en-US" smtClean="0"/>
               <a:pPr/>
-              <a:t>12/31/2014</a:t>
+              <a:t>1/2/2015</a:t>
             </a:fld>
             <a:endParaRPr lang="en-US"/>
           </a:p>
@@ -469,7 +469,7 @@
             <a:fld id="{30FEA4BD-71B3-41DD-B9FF-6FB8DBE50051}" type="datetimeFigureOut">
               <a:rPr lang="en-US" smtClean="0"/>
               <a:pPr/>
-              <a:t>12/31/2014</a:t>
+              <a:t>1/2/2015</a:t>
             </a:fld>
             <a:endParaRPr lang="en-US"/>
           </a:p>
@@ -651,7 +651,7 @@
             <a:fld id="{30FEA4BD-71B3-41DD-B9FF-6FB8DBE50051}" type="datetimeFigureOut">
               <a:rPr lang="en-US" smtClean="0"/>
               <a:pPr/>
-              <a:t>12/31/2014</a:t>
+              <a:t>1/2/2015</a:t>
             </a:fld>
             <a:endParaRPr lang="en-US"/>
           </a:p>
@@ -823,7 +823,7 @@
             <a:fld id="{30FEA4BD-71B3-41DD-B9FF-6FB8DBE50051}" type="datetimeFigureOut">
               <a:rPr lang="en-US" smtClean="0"/>
               <a:pPr/>
-              <a:t>12/31/2014</a:t>
+              <a:t>1/2/2015</a:t>
             </a:fld>
             <a:endParaRPr lang="en-US"/>
           </a:p>
@@ -1071,7 +1071,7 @@
             <a:fld id="{30FEA4BD-71B3-41DD-B9FF-6FB8DBE50051}" type="datetimeFigureOut">
               <a:rPr lang="en-US" smtClean="0"/>
               <a:pPr/>
-              <a:t>12/31/2014</a:t>
+              <a:t>1/2/2015</a:t>
             </a:fld>
             <a:endParaRPr lang="en-US"/>
           </a:p>
@@ -1305,7 +1305,7 @@
             <a:fld id="{30FEA4BD-71B3-41DD-B9FF-6FB8DBE50051}" type="datetimeFigureOut">
               <a:rPr lang="en-US" smtClean="0"/>
               <a:pPr/>
-              <a:t>12/31/2014</a:t>
+              <a:t>1/2/2015</a:t>
             </a:fld>
             <a:endParaRPr lang="en-US"/>
           </a:p>
@@ -1674,7 +1674,7 @@
             <a:fld id="{30FEA4BD-71B3-41DD-B9FF-6FB8DBE50051}" type="datetimeFigureOut">
               <a:rPr lang="en-US" smtClean="0"/>
               <a:pPr/>
-              <a:t>12/31/2014</a:t>
+              <a:t>1/2/2015</a:t>
             </a:fld>
             <a:endParaRPr lang="en-US"/>
           </a:p>
@@ -1794,7 +1794,7 @@
             <a:fld id="{30FEA4BD-71B3-41DD-B9FF-6FB8DBE50051}" type="datetimeFigureOut">
               <a:rPr lang="en-US" smtClean="0"/>
               <a:pPr/>
-              <a:t>12/31/2014</a:t>
+              <a:t>1/2/2015</a:t>
             </a:fld>
             <a:endParaRPr lang="en-US"/>
           </a:p>
@@ -1891,7 +1891,7 @@
             <a:fld id="{30FEA4BD-71B3-41DD-B9FF-6FB8DBE50051}" type="datetimeFigureOut">
               <a:rPr lang="en-US" smtClean="0"/>
               <a:pPr/>
-              <a:t>12/31/2014</a:t>
+              <a:t>1/2/2015</a:t>
             </a:fld>
             <a:endParaRPr lang="en-US"/>
           </a:p>
@@ -2170,7 +2170,7 @@
             <a:fld id="{30FEA4BD-71B3-41DD-B9FF-6FB8DBE50051}" type="datetimeFigureOut">
               <a:rPr lang="en-US" smtClean="0"/>
               <a:pPr/>
-              <a:t>12/31/2014</a:t>
+              <a:t>1/2/2015</a:t>
             </a:fld>
             <a:endParaRPr lang="en-US"/>
           </a:p>
@@ -2425,7 +2425,7 @@
             <a:fld id="{30FEA4BD-71B3-41DD-B9FF-6FB8DBE50051}" type="datetimeFigureOut">
               <a:rPr lang="en-US" smtClean="0"/>
               <a:pPr/>
-              <a:t>12/31/2014</a:t>
+              <a:t>1/2/2015</a:t>
             </a:fld>
             <a:endParaRPr lang="en-US"/>
           </a:p>
@@ -2640,7 +2640,7 @@
             <a:fld id="{30FEA4BD-71B3-41DD-B9FF-6FB8DBE50051}" type="datetimeFigureOut">
               <a:rPr lang="en-US" smtClean="0"/>
               <a:pPr/>
-              <a:t>12/31/2014</a:t>
+              <a:t>1/2/2015</a:t>
             </a:fld>
             <a:endParaRPr lang="en-US"/>
           </a:p>
@@ -20220,16 +20220,6 @@
               </a:rPr>
               <a:t>Tester</a:t>
             </a:r>
-            <a:endParaRPr lang="en-US" sz="5400" dirty="0">
-              <a:ln w="0"/>
-              <a:effectLst>
-                <a:outerShdw blurRad="38100" dist="19050" dir="2700000" algn="tl" rotWithShape="0">
-                  <a:schemeClr val="dk1">
-                    <a:alpha val="40000"/>
-                  </a:schemeClr>
-                </a:outerShdw>
-              </a:effectLst>
-            </a:endParaRPr>
           </a:p>
         </p:txBody>
       </p:sp>
@@ -24121,16 +24111,6 @@
               </a:rPr>
               <a:t>Application of Relay as a switch</a:t>
             </a:r>
-            <a:endParaRPr lang="en-US" sz="5400" dirty="0">
-              <a:ln w="0"/>
-              <a:effectLst>
-                <a:outerShdw blurRad="38100" dist="19050" dir="2700000" algn="tl" rotWithShape="0">
-                  <a:schemeClr val="dk1">
-                    <a:alpha val="40000"/>
-                  </a:schemeClr>
-                </a:outerShdw>
-              </a:effectLst>
-            </a:endParaRPr>
           </a:p>
         </p:txBody>
       </p:sp>
@@ -28548,6 +28528,1452 @@
         </p:nvSpPr>
         <p:spPr>
           <a:xfrm>
+            <a:off x="2313833" y="0"/>
+            <a:ext cx="6712287" cy="923330"/>
+          </a:xfrm>
+          <a:prstGeom prst="rect">
+            <a:avLst/>
+          </a:prstGeom>
+          <a:noFill/>
+        </p:spPr>
+        <p:txBody>
+          <a:bodyPr wrap="none" lIns="91440" tIns="45720" rIns="91440" bIns="45720">
+            <a:spAutoFit/>
+          </a:bodyPr>
+          <a:lstStyle/>
+          <a:p>
+            <a:pPr algn="ctr"/>
+            <a:r>
+              <a:rPr lang="en-US" sz="5400" b="0" cap="none" spc="0" dirty="0" smtClean="0">
+                <a:ln w="0"/>
+                <a:solidFill>
+                  <a:schemeClr val="tx1"/>
+                </a:solidFill>
+                <a:effectLst>
+                  <a:outerShdw blurRad="38100" dist="19050" dir="2700000" algn="tl" rotWithShape="0">
+                    <a:schemeClr val="dk1">
+                      <a:alpha val="40000"/>
+                    </a:schemeClr>
+                  </a:outerShdw>
+                </a:effectLst>
+              </a:rPr>
+              <a:t>Kirchhoff’s Voltage Law</a:t>
+            </a:r>
+            <a:endParaRPr lang="en-US" sz="5400" b="0" cap="none" spc="0" dirty="0">
+              <a:ln w="0"/>
+              <a:solidFill>
+                <a:schemeClr val="tx1"/>
+              </a:solidFill>
+              <a:effectLst>
+                <a:outerShdw blurRad="38100" dist="19050" dir="2700000" algn="tl" rotWithShape="0">
+                  <a:schemeClr val="dk1">
+                    <a:alpha val="40000"/>
+                  </a:schemeClr>
+                </a:outerShdw>
+              </a:effectLst>
+            </a:endParaRPr>
+          </a:p>
+        </p:txBody>
+      </p:sp>
+      <p:sp>
+        <p:nvSpPr>
+          <p:cNvPr id="5" name="Rectangle 4"/>
+          <p:cNvSpPr/>
+          <p:nvPr/>
+        </p:nvSpPr>
+        <p:spPr>
+          <a:xfrm rot="16200000">
+            <a:off x="4416400" y="5683234"/>
+            <a:ext cx="1078173" cy="68239"/>
+          </a:xfrm>
+          <a:prstGeom prst="rect">
+            <a:avLst/>
+          </a:prstGeom>
+          <a:solidFill>
+            <a:schemeClr val="tx1"/>
+          </a:solidFill>
+        </p:spPr>
+        <p:style>
+          <a:lnRef idx="2">
+            <a:schemeClr val="accent1">
+              <a:shade val="50000"/>
+            </a:schemeClr>
+          </a:lnRef>
+          <a:fillRef idx="1">
+            <a:schemeClr val="accent1"/>
+          </a:fillRef>
+          <a:effectRef idx="0">
+            <a:schemeClr val="accent1"/>
+          </a:effectRef>
+          <a:fontRef idx="minor">
+            <a:schemeClr val="lt1"/>
+          </a:fontRef>
+        </p:style>
+        <p:txBody>
+          <a:bodyPr rtlCol="0" anchor="ctr"/>
+          <a:lstStyle/>
+          <a:p>
+            <a:pPr algn="ctr"/>
+            <a:endParaRPr lang="en-US"/>
+          </a:p>
+        </p:txBody>
+      </p:sp>
+      <p:sp>
+        <p:nvSpPr>
+          <p:cNvPr id="6" name="Rectangle 5"/>
+          <p:cNvSpPr/>
+          <p:nvPr/>
+        </p:nvSpPr>
+        <p:spPr>
+          <a:xfrm rot="16200000">
+            <a:off x="4911416" y="5694493"/>
+            <a:ext cx="693764" cy="45719"/>
+          </a:xfrm>
+          <a:prstGeom prst="rect">
+            <a:avLst/>
+          </a:prstGeom>
+          <a:solidFill>
+            <a:schemeClr val="tx1"/>
+          </a:solidFill>
+        </p:spPr>
+        <p:style>
+          <a:lnRef idx="2">
+            <a:schemeClr val="accent1">
+              <a:shade val="50000"/>
+            </a:schemeClr>
+          </a:lnRef>
+          <a:fillRef idx="1">
+            <a:schemeClr val="accent1"/>
+          </a:fillRef>
+          <a:effectRef idx="0">
+            <a:schemeClr val="accent1"/>
+          </a:effectRef>
+          <a:fontRef idx="minor">
+            <a:schemeClr val="lt1"/>
+          </a:fontRef>
+        </p:style>
+        <p:txBody>
+          <a:bodyPr rtlCol="0" anchor="ctr"/>
+          <a:lstStyle/>
+          <a:p>
+            <a:pPr algn="ctr"/>
+            <a:endParaRPr lang="en-US"/>
+          </a:p>
+        </p:txBody>
+      </p:sp>
+      <p:sp>
+        <p:nvSpPr>
+          <p:cNvPr id="7" name="Rectangle 6"/>
+          <p:cNvSpPr/>
+          <p:nvPr/>
+        </p:nvSpPr>
+        <p:spPr>
+          <a:xfrm rot="16200000" flipV="1">
+            <a:off x="4965044" y="5694492"/>
+            <a:ext cx="1078173" cy="45719"/>
+          </a:xfrm>
+          <a:prstGeom prst="rect">
+            <a:avLst/>
+          </a:prstGeom>
+          <a:solidFill>
+            <a:schemeClr val="tx1"/>
+          </a:solidFill>
+        </p:spPr>
+        <p:style>
+          <a:lnRef idx="2">
+            <a:schemeClr val="accent1">
+              <a:shade val="50000"/>
+            </a:schemeClr>
+          </a:lnRef>
+          <a:fillRef idx="1">
+            <a:schemeClr val="accent1"/>
+          </a:fillRef>
+          <a:effectRef idx="0">
+            <a:schemeClr val="accent1"/>
+          </a:effectRef>
+          <a:fontRef idx="minor">
+            <a:schemeClr val="lt1"/>
+          </a:fontRef>
+        </p:style>
+        <p:txBody>
+          <a:bodyPr rtlCol="0" anchor="ctr"/>
+          <a:lstStyle/>
+          <a:p>
+            <a:pPr algn="ctr"/>
+            <a:endParaRPr lang="en-US"/>
+          </a:p>
+        </p:txBody>
+      </p:sp>
+      <p:sp>
+        <p:nvSpPr>
+          <p:cNvPr id="8" name="Rectangle 7"/>
+          <p:cNvSpPr/>
+          <p:nvPr/>
+        </p:nvSpPr>
+        <p:spPr>
+          <a:xfrm rot="16200000">
+            <a:off x="5468556" y="5703591"/>
+            <a:ext cx="675568" cy="45719"/>
+          </a:xfrm>
+          <a:prstGeom prst="rect">
+            <a:avLst/>
+          </a:prstGeom>
+          <a:solidFill>
+            <a:schemeClr val="tx1"/>
+          </a:solidFill>
+        </p:spPr>
+        <p:style>
+          <a:lnRef idx="2">
+            <a:schemeClr val="accent1">
+              <a:shade val="50000"/>
+            </a:schemeClr>
+          </a:lnRef>
+          <a:fillRef idx="1">
+            <a:schemeClr val="accent1"/>
+          </a:fillRef>
+          <a:effectRef idx="0">
+            <a:schemeClr val="accent1"/>
+          </a:effectRef>
+          <a:fontRef idx="minor">
+            <a:schemeClr val="lt1"/>
+          </a:fontRef>
+        </p:style>
+        <p:txBody>
+          <a:bodyPr rtlCol="0" anchor="ctr"/>
+          <a:lstStyle/>
+          <a:p>
+            <a:pPr algn="ctr"/>
+            <a:endParaRPr lang="en-US"/>
+          </a:p>
+        </p:txBody>
+      </p:sp>
+      <p:sp>
+        <p:nvSpPr>
+          <p:cNvPr id="9" name="Rectangle 8"/>
+          <p:cNvSpPr/>
+          <p:nvPr/>
+        </p:nvSpPr>
+        <p:spPr>
+          <a:xfrm>
+            <a:off x="4020025" y="4769202"/>
+            <a:ext cx="600502" cy="923330"/>
+          </a:xfrm>
+          <a:prstGeom prst="rect">
+            <a:avLst/>
+          </a:prstGeom>
+          <a:noFill/>
+        </p:spPr>
+        <p:txBody>
+          <a:bodyPr wrap="square" lIns="91440" tIns="45720" rIns="91440" bIns="45720">
+            <a:spAutoFit/>
+          </a:bodyPr>
+          <a:lstStyle/>
+          <a:p>
+            <a:pPr algn="ctr"/>
+            <a:r>
+              <a:rPr lang="en-US" sz="5400" b="0" cap="none" spc="0" dirty="0" smtClean="0">
+                <a:ln w="0"/>
+                <a:solidFill>
+                  <a:schemeClr val="tx1"/>
+                </a:solidFill>
+                <a:effectLst>
+                  <a:outerShdw blurRad="38100" dist="19050" dir="2700000" algn="tl" rotWithShape="0">
+                    <a:schemeClr val="dk1">
+                      <a:alpha val="40000"/>
+                    </a:schemeClr>
+                  </a:outerShdw>
+                </a:effectLst>
+              </a:rPr>
+              <a:t>+</a:t>
+            </a:r>
+            <a:endParaRPr lang="en-US" sz="5400" b="0" cap="none" spc="0" dirty="0">
+              <a:ln w="0"/>
+              <a:solidFill>
+                <a:schemeClr val="tx1"/>
+              </a:solidFill>
+              <a:effectLst>
+                <a:outerShdw blurRad="38100" dist="19050" dir="2700000" algn="tl" rotWithShape="0">
+                  <a:schemeClr val="dk1">
+                    <a:alpha val="40000"/>
+                  </a:schemeClr>
+                </a:outerShdw>
+              </a:effectLst>
+            </a:endParaRPr>
+          </a:p>
+        </p:txBody>
+      </p:sp>
+      <p:sp>
+        <p:nvSpPr>
+          <p:cNvPr id="10" name="Rectangle 9"/>
+          <p:cNvSpPr/>
+          <p:nvPr/>
+        </p:nvSpPr>
+        <p:spPr>
+          <a:xfrm>
+            <a:off x="6263433" y="4794021"/>
+            <a:ext cx="600502" cy="923330"/>
+          </a:xfrm>
+          <a:prstGeom prst="rect">
+            <a:avLst/>
+          </a:prstGeom>
+          <a:noFill/>
+        </p:spPr>
+        <p:txBody>
+          <a:bodyPr wrap="square" lIns="91440" tIns="45720" rIns="91440" bIns="45720">
+            <a:spAutoFit/>
+          </a:bodyPr>
+          <a:lstStyle/>
+          <a:p>
+            <a:pPr algn="ctr"/>
+            <a:r>
+              <a:rPr lang="en-US" sz="5400" b="0" cap="none" spc="0" dirty="0" smtClean="0">
+                <a:ln w="0"/>
+                <a:solidFill>
+                  <a:schemeClr val="tx1"/>
+                </a:solidFill>
+                <a:effectLst>
+                  <a:outerShdw blurRad="38100" dist="19050" dir="2700000" algn="tl" rotWithShape="0">
+                    <a:schemeClr val="dk1">
+                      <a:alpha val="40000"/>
+                    </a:schemeClr>
+                  </a:outerShdw>
+                </a:effectLst>
+              </a:rPr>
+              <a:t>-</a:t>
+            </a:r>
+            <a:endParaRPr lang="en-US" sz="5400" b="0" cap="none" spc="0" dirty="0">
+              <a:ln w="0"/>
+              <a:solidFill>
+                <a:schemeClr val="tx1"/>
+              </a:solidFill>
+              <a:effectLst>
+                <a:outerShdw blurRad="38100" dist="19050" dir="2700000" algn="tl" rotWithShape="0">
+                  <a:schemeClr val="dk1">
+                    <a:alpha val="40000"/>
+                  </a:schemeClr>
+                </a:outerShdw>
+              </a:effectLst>
+            </a:endParaRPr>
+          </a:p>
+        </p:txBody>
+      </p:sp>
+      <p:sp>
+        <p:nvSpPr>
+          <p:cNvPr id="11" name="Rectangle 10"/>
+          <p:cNvSpPr/>
+          <p:nvPr/>
+        </p:nvSpPr>
+        <p:spPr>
+          <a:xfrm>
+            <a:off x="4620527" y="4413169"/>
+            <a:ext cx="1549495" cy="523220"/>
+          </a:xfrm>
+          <a:prstGeom prst="rect">
+            <a:avLst/>
+          </a:prstGeom>
+          <a:noFill/>
+        </p:spPr>
+        <p:txBody>
+          <a:bodyPr wrap="square" lIns="91440" tIns="45720" rIns="91440" bIns="45720">
+            <a:spAutoFit/>
+          </a:bodyPr>
+          <a:lstStyle/>
+          <a:p>
+            <a:pPr algn="ctr"/>
+            <a:r>
+              <a:rPr lang="en-US" sz="2800" dirty="0" smtClean="0">
+                <a:ln w="0"/>
+                <a:effectLst>
+                  <a:outerShdw blurRad="38100" dist="19050" dir="2700000" algn="tl" rotWithShape="0">
+                    <a:schemeClr val="dk1">
+                      <a:alpha val="40000"/>
+                    </a:schemeClr>
+                  </a:outerShdw>
+                </a:effectLst>
+              </a:rPr>
+              <a:t>BATTERY</a:t>
+            </a:r>
+            <a:endParaRPr lang="en-US" sz="5400" b="0" cap="none" spc="0" dirty="0">
+              <a:ln w="0"/>
+              <a:solidFill>
+                <a:schemeClr val="tx1"/>
+              </a:solidFill>
+              <a:effectLst>
+                <a:outerShdw blurRad="38100" dist="19050" dir="2700000" algn="tl" rotWithShape="0">
+                  <a:schemeClr val="dk1">
+                    <a:alpha val="40000"/>
+                  </a:schemeClr>
+                </a:outerShdw>
+              </a:effectLst>
+            </a:endParaRPr>
+          </a:p>
+        </p:txBody>
+      </p:sp>
+      <p:sp>
+        <p:nvSpPr>
+          <p:cNvPr id="12" name="Flowchart: Process 11"/>
+          <p:cNvSpPr/>
+          <p:nvPr/>
+        </p:nvSpPr>
+        <p:spPr>
+          <a:xfrm flipV="1">
+            <a:off x="1450556" y="5692531"/>
+            <a:ext cx="3470812" cy="45719"/>
+          </a:xfrm>
+          <a:prstGeom prst="flowChartProcess">
+            <a:avLst/>
+          </a:prstGeom>
+          <a:solidFill>
+            <a:schemeClr val="tx1"/>
+          </a:solidFill>
+        </p:spPr>
+        <p:style>
+          <a:lnRef idx="2">
+            <a:schemeClr val="accent1">
+              <a:shade val="50000"/>
+            </a:schemeClr>
+          </a:lnRef>
+          <a:fillRef idx="1">
+            <a:schemeClr val="accent1"/>
+          </a:fillRef>
+          <a:effectRef idx="0">
+            <a:schemeClr val="accent1"/>
+          </a:effectRef>
+          <a:fontRef idx="minor">
+            <a:schemeClr val="lt1"/>
+          </a:fontRef>
+        </p:style>
+        <p:txBody>
+          <a:bodyPr rtlCol="0" anchor="ctr"/>
+          <a:lstStyle/>
+          <a:p>
+            <a:pPr algn="ctr"/>
+            <a:endParaRPr lang="en-US" dirty="0"/>
+          </a:p>
+        </p:txBody>
+      </p:sp>
+      <p:sp>
+        <p:nvSpPr>
+          <p:cNvPr id="13" name="Flowchart: Process 12"/>
+          <p:cNvSpPr/>
+          <p:nvPr/>
+        </p:nvSpPr>
+        <p:spPr>
+          <a:xfrm flipV="1">
+            <a:off x="5801713" y="5692532"/>
+            <a:ext cx="3812370" cy="49638"/>
+          </a:xfrm>
+          <a:prstGeom prst="flowChartProcess">
+            <a:avLst/>
+          </a:prstGeom>
+          <a:solidFill>
+            <a:schemeClr val="tx1"/>
+          </a:solidFill>
+        </p:spPr>
+        <p:style>
+          <a:lnRef idx="2">
+            <a:schemeClr val="accent1">
+              <a:shade val="50000"/>
+            </a:schemeClr>
+          </a:lnRef>
+          <a:fillRef idx="1">
+            <a:schemeClr val="accent1"/>
+          </a:fillRef>
+          <a:effectRef idx="0">
+            <a:schemeClr val="accent1"/>
+          </a:effectRef>
+          <a:fontRef idx="minor">
+            <a:schemeClr val="lt1"/>
+          </a:fontRef>
+        </p:style>
+        <p:txBody>
+          <a:bodyPr rtlCol="0" anchor="ctr"/>
+          <a:lstStyle/>
+          <a:p>
+            <a:pPr algn="ctr"/>
+            <a:endParaRPr lang="en-US" dirty="0"/>
+          </a:p>
+        </p:txBody>
+      </p:sp>
+      <p:sp>
+        <p:nvSpPr>
+          <p:cNvPr id="14" name="Flowchart: Process 13"/>
+          <p:cNvSpPr/>
+          <p:nvPr/>
+        </p:nvSpPr>
+        <p:spPr>
+          <a:xfrm>
+            <a:off x="9568364" y="1570641"/>
+            <a:ext cx="45719" cy="1674835"/>
+          </a:xfrm>
+          <a:prstGeom prst="flowChartProcess">
+            <a:avLst/>
+          </a:prstGeom>
+          <a:solidFill>
+            <a:schemeClr val="tx1"/>
+          </a:solidFill>
+        </p:spPr>
+        <p:style>
+          <a:lnRef idx="2">
+            <a:schemeClr val="accent1">
+              <a:shade val="50000"/>
+            </a:schemeClr>
+          </a:lnRef>
+          <a:fillRef idx="1">
+            <a:schemeClr val="accent1"/>
+          </a:fillRef>
+          <a:effectRef idx="0">
+            <a:schemeClr val="accent1"/>
+          </a:effectRef>
+          <a:fontRef idx="minor">
+            <a:schemeClr val="lt1"/>
+          </a:fontRef>
+        </p:style>
+        <p:txBody>
+          <a:bodyPr rtlCol="0" anchor="ctr"/>
+          <a:lstStyle/>
+          <a:p>
+            <a:pPr algn="ctr"/>
+            <a:endParaRPr lang="en-US" dirty="0"/>
+          </a:p>
+        </p:txBody>
+      </p:sp>
+      <p:sp>
+        <p:nvSpPr>
+          <p:cNvPr id="15" name="Flowchart: Process 14"/>
+          <p:cNvSpPr/>
+          <p:nvPr/>
+        </p:nvSpPr>
+        <p:spPr>
+          <a:xfrm flipH="1">
+            <a:off x="1405695" y="1596690"/>
+            <a:ext cx="77699" cy="4138496"/>
+          </a:xfrm>
+          <a:prstGeom prst="flowChartProcess">
+            <a:avLst/>
+          </a:prstGeom>
+          <a:solidFill>
+            <a:schemeClr val="tx1"/>
+          </a:solidFill>
+        </p:spPr>
+        <p:style>
+          <a:lnRef idx="2">
+            <a:schemeClr val="accent1">
+              <a:shade val="50000"/>
+            </a:schemeClr>
+          </a:lnRef>
+          <a:fillRef idx="1">
+            <a:schemeClr val="accent1"/>
+          </a:fillRef>
+          <a:effectRef idx="0">
+            <a:schemeClr val="accent1"/>
+          </a:effectRef>
+          <a:fontRef idx="minor">
+            <a:schemeClr val="lt1"/>
+          </a:fontRef>
+        </p:style>
+        <p:txBody>
+          <a:bodyPr rtlCol="0" anchor="ctr"/>
+          <a:lstStyle/>
+          <a:p>
+            <a:pPr algn="ctr"/>
+            <a:endParaRPr lang="en-US" dirty="0"/>
+          </a:p>
+        </p:txBody>
+      </p:sp>
+      <p:sp>
+        <p:nvSpPr>
+          <p:cNvPr id="17" name="Flowchart: Process 16"/>
+          <p:cNvSpPr/>
+          <p:nvPr/>
+        </p:nvSpPr>
+        <p:spPr>
+          <a:xfrm>
+            <a:off x="1405694" y="1570642"/>
+            <a:ext cx="1924087" cy="51806"/>
+          </a:xfrm>
+          <a:prstGeom prst="flowChartProcess">
+            <a:avLst/>
+          </a:prstGeom>
+          <a:solidFill>
+            <a:schemeClr val="tx1"/>
+          </a:solidFill>
+        </p:spPr>
+        <p:style>
+          <a:lnRef idx="2">
+            <a:schemeClr val="accent1">
+              <a:shade val="50000"/>
+            </a:schemeClr>
+          </a:lnRef>
+          <a:fillRef idx="1">
+            <a:schemeClr val="accent1"/>
+          </a:fillRef>
+          <a:effectRef idx="0">
+            <a:schemeClr val="accent1"/>
+          </a:effectRef>
+          <a:fontRef idx="minor">
+            <a:schemeClr val="lt1"/>
+          </a:fontRef>
+        </p:style>
+        <p:txBody>
+          <a:bodyPr rtlCol="0" anchor="ctr"/>
+          <a:lstStyle/>
+          <a:p>
+            <a:pPr algn="ctr"/>
+            <a:endParaRPr lang="en-US" dirty="0"/>
+          </a:p>
+        </p:txBody>
+      </p:sp>
+      <p:sp>
+        <p:nvSpPr>
+          <p:cNvPr id="18" name="Flowchart: Process 17"/>
+          <p:cNvSpPr/>
+          <p:nvPr/>
+        </p:nvSpPr>
+        <p:spPr>
+          <a:xfrm>
+            <a:off x="4696691" y="1559910"/>
+            <a:ext cx="1473331" cy="45719"/>
+          </a:xfrm>
+          <a:prstGeom prst="flowChartProcess">
+            <a:avLst/>
+          </a:prstGeom>
+          <a:solidFill>
+            <a:schemeClr val="tx1"/>
+          </a:solidFill>
+        </p:spPr>
+        <p:style>
+          <a:lnRef idx="2">
+            <a:schemeClr val="accent1">
+              <a:shade val="50000"/>
+            </a:schemeClr>
+          </a:lnRef>
+          <a:fillRef idx="1">
+            <a:schemeClr val="accent1"/>
+          </a:fillRef>
+          <a:effectRef idx="0">
+            <a:schemeClr val="accent1"/>
+          </a:effectRef>
+          <a:fontRef idx="minor">
+            <a:schemeClr val="lt1"/>
+          </a:fontRef>
+        </p:style>
+        <p:txBody>
+          <a:bodyPr rtlCol="0" anchor="ctr"/>
+          <a:lstStyle/>
+          <a:p>
+            <a:pPr algn="ctr"/>
+            <a:endParaRPr lang="en-US" dirty="0"/>
+          </a:p>
+        </p:txBody>
+      </p:sp>
+      <p:sp>
+        <p:nvSpPr>
+          <p:cNvPr id="19" name="Flowchart: Process 18"/>
+          <p:cNvSpPr/>
+          <p:nvPr/>
+        </p:nvSpPr>
+        <p:spPr>
+          <a:xfrm>
+            <a:off x="7536932" y="1589557"/>
+            <a:ext cx="2031432" cy="51018"/>
+          </a:xfrm>
+          <a:prstGeom prst="flowChartProcess">
+            <a:avLst/>
+          </a:prstGeom>
+          <a:solidFill>
+            <a:schemeClr val="tx1"/>
+          </a:solidFill>
+        </p:spPr>
+        <p:style>
+          <a:lnRef idx="2">
+            <a:schemeClr val="accent1">
+              <a:shade val="50000"/>
+            </a:schemeClr>
+          </a:lnRef>
+          <a:fillRef idx="1">
+            <a:schemeClr val="accent1"/>
+          </a:fillRef>
+          <a:effectRef idx="0">
+            <a:schemeClr val="accent1"/>
+          </a:effectRef>
+          <a:fontRef idx="minor">
+            <a:schemeClr val="lt1"/>
+          </a:fontRef>
+        </p:style>
+        <p:txBody>
+          <a:bodyPr rtlCol="0" anchor="ctr"/>
+          <a:lstStyle/>
+          <a:p>
+            <a:pPr algn="ctr"/>
+            <a:endParaRPr lang="en-US" dirty="0"/>
+          </a:p>
+        </p:txBody>
+      </p:sp>
+      <p:sp>
+        <p:nvSpPr>
+          <p:cNvPr id="20" name="Rectangle 19"/>
+          <p:cNvSpPr/>
+          <p:nvPr/>
+        </p:nvSpPr>
+        <p:spPr>
+          <a:xfrm>
+            <a:off x="6209300" y="1911622"/>
+            <a:ext cx="1479892" cy="523220"/>
+          </a:xfrm>
+          <a:prstGeom prst="rect">
+            <a:avLst/>
+          </a:prstGeom>
+          <a:noFill/>
+        </p:spPr>
+        <p:txBody>
+          <a:bodyPr wrap="none" lIns="91440" tIns="45720" rIns="91440" bIns="45720">
+            <a:spAutoFit/>
+          </a:bodyPr>
+          <a:lstStyle/>
+          <a:p>
+            <a:pPr algn="ctr"/>
+            <a:r>
+              <a:rPr lang="en-US" sz="2800" b="0" cap="none" spc="0" dirty="0" smtClean="0">
+                <a:ln w="0"/>
+                <a:solidFill>
+                  <a:schemeClr val="tx1"/>
+                </a:solidFill>
+                <a:effectLst>
+                  <a:outerShdw blurRad="38100" dist="19050" dir="2700000" algn="tl" rotWithShape="0">
+                    <a:schemeClr val="dk1">
+                      <a:alpha val="40000"/>
+                    </a:schemeClr>
+                  </a:outerShdw>
+                </a:effectLst>
+              </a:rPr>
+              <a:t>330 ohm</a:t>
+            </a:r>
+            <a:endParaRPr lang="en-US" sz="2800" b="0" cap="none" spc="0" dirty="0">
+              <a:ln w="0"/>
+              <a:solidFill>
+                <a:schemeClr val="tx1"/>
+              </a:solidFill>
+              <a:effectLst>
+                <a:outerShdw blurRad="38100" dist="19050" dir="2700000" algn="tl" rotWithShape="0">
+                  <a:schemeClr val="dk1">
+                    <a:alpha val="40000"/>
+                  </a:schemeClr>
+                </a:outerShdw>
+              </a:effectLst>
+            </a:endParaRPr>
+          </a:p>
+        </p:txBody>
+      </p:sp>
+      <p:sp>
+        <p:nvSpPr>
+          <p:cNvPr id="21" name="Rectangle 20"/>
+          <p:cNvSpPr/>
+          <p:nvPr/>
+        </p:nvSpPr>
+        <p:spPr>
+          <a:xfrm>
+            <a:off x="3329781" y="1996727"/>
+            <a:ext cx="1479892" cy="523220"/>
+          </a:xfrm>
+          <a:prstGeom prst="rect">
+            <a:avLst/>
+          </a:prstGeom>
+          <a:noFill/>
+        </p:spPr>
+        <p:txBody>
+          <a:bodyPr wrap="none" lIns="91440" tIns="45720" rIns="91440" bIns="45720">
+            <a:spAutoFit/>
+          </a:bodyPr>
+          <a:lstStyle/>
+          <a:p>
+            <a:pPr algn="ctr"/>
+            <a:r>
+              <a:rPr lang="en-US" sz="2800" b="0" cap="none" spc="0" dirty="0" smtClean="0">
+                <a:ln w="0"/>
+                <a:solidFill>
+                  <a:schemeClr val="tx1"/>
+                </a:solidFill>
+                <a:effectLst>
+                  <a:outerShdw blurRad="38100" dist="19050" dir="2700000" algn="tl" rotWithShape="0">
+                    <a:schemeClr val="dk1">
+                      <a:alpha val="40000"/>
+                    </a:schemeClr>
+                  </a:outerShdw>
+                </a:effectLst>
+              </a:rPr>
+              <a:t>470 ohm</a:t>
+            </a:r>
+            <a:endParaRPr lang="en-US" sz="2800" b="0" cap="none" spc="0" dirty="0">
+              <a:ln w="0"/>
+              <a:solidFill>
+                <a:schemeClr val="tx1"/>
+              </a:solidFill>
+              <a:effectLst>
+                <a:outerShdw blurRad="38100" dist="19050" dir="2700000" algn="tl" rotWithShape="0">
+                  <a:schemeClr val="dk1">
+                    <a:alpha val="40000"/>
+                  </a:schemeClr>
+                </a:outerShdw>
+              </a:effectLst>
+            </a:endParaRPr>
+          </a:p>
+        </p:txBody>
+      </p:sp>
+      <p:sp>
+        <p:nvSpPr>
+          <p:cNvPr id="38" name="Bent Arrow 37"/>
+          <p:cNvSpPr/>
+          <p:nvPr/>
+        </p:nvSpPr>
+        <p:spPr>
+          <a:xfrm>
+            <a:off x="1597399" y="1742553"/>
+            <a:ext cx="1095035" cy="868680"/>
+          </a:xfrm>
+          <a:prstGeom prst="bentArrow">
+            <a:avLst/>
+          </a:prstGeom>
+          <a:solidFill>
+            <a:schemeClr val="bg1"/>
+          </a:solidFill>
+          <a:ln>
+            <a:solidFill>
+              <a:schemeClr val="tx1"/>
+            </a:solidFill>
+          </a:ln>
+          <a:effectLst>
+            <a:innerShdw blurRad="114300">
+              <a:prstClr val="black"/>
+            </a:innerShdw>
+          </a:effectLst>
+        </p:spPr>
+        <p:style>
+          <a:lnRef idx="2">
+            <a:schemeClr val="accent1">
+              <a:shade val="50000"/>
+            </a:schemeClr>
+          </a:lnRef>
+          <a:fillRef idx="1">
+            <a:schemeClr val="accent1"/>
+          </a:fillRef>
+          <a:effectRef idx="0">
+            <a:schemeClr val="accent1"/>
+          </a:effectRef>
+          <a:fontRef idx="minor">
+            <a:schemeClr val="lt1"/>
+          </a:fontRef>
+        </p:style>
+        <p:txBody>
+          <a:bodyPr rtlCol="0" anchor="ctr"/>
+          <a:lstStyle/>
+          <a:p>
+            <a:pPr algn="ctr"/>
+            <a:endParaRPr lang="en-US">
+              <a:solidFill>
+                <a:schemeClr val="tx1"/>
+              </a:solidFill>
+            </a:endParaRPr>
+          </a:p>
+        </p:txBody>
+      </p:sp>
+      <p:sp>
+        <p:nvSpPr>
+          <p:cNvPr id="39" name="Bent Arrow 38"/>
+          <p:cNvSpPr/>
+          <p:nvPr/>
+        </p:nvSpPr>
+        <p:spPr>
+          <a:xfrm rot="5400000">
+            <a:off x="8407234" y="1962378"/>
+            <a:ext cx="1095035" cy="868680"/>
+          </a:xfrm>
+          <a:prstGeom prst="bentArrow">
+            <a:avLst/>
+          </a:prstGeom>
+          <a:solidFill>
+            <a:schemeClr val="bg1"/>
+          </a:solidFill>
+          <a:ln>
+            <a:solidFill>
+              <a:schemeClr val="tx1"/>
+            </a:solidFill>
+          </a:ln>
+          <a:effectLst>
+            <a:innerShdw blurRad="114300">
+              <a:prstClr val="black"/>
+            </a:innerShdw>
+          </a:effectLst>
+        </p:spPr>
+        <p:style>
+          <a:lnRef idx="2">
+            <a:schemeClr val="accent1">
+              <a:shade val="50000"/>
+            </a:schemeClr>
+          </a:lnRef>
+          <a:fillRef idx="1">
+            <a:schemeClr val="accent1"/>
+          </a:fillRef>
+          <a:effectRef idx="0">
+            <a:schemeClr val="accent1"/>
+          </a:effectRef>
+          <a:fontRef idx="minor">
+            <a:schemeClr val="lt1"/>
+          </a:fontRef>
+        </p:style>
+        <p:txBody>
+          <a:bodyPr rtlCol="0" anchor="ctr"/>
+          <a:lstStyle/>
+          <a:p>
+            <a:pPr algn="ctr"/>
+            <a:endParaRPr lang="en-US">
+              <a:solidFill>
+                <a:schemeClr val="tx1"/>
+              </a:solidFill>
+            </a:endParaRPr>
+          </a:p>
+        </p:txBody>
+      </p:sp>
+      <p:sp>
+        <p:nvSpPr>
+          <p:cNvPr id="40" name="Bent Arrow 39"/>
+          <p:cNvSpPr/>
+          <p:nvPr/>
+        </p:nvSpPr>
+        <p:spPr>
+          <a:xfrm rot="10800000">
+            <a:off x="8282540" y="4743924"/>
+            <a:ext cx="1095035" cy="868680"/>
+          </a:xfrm>
+          <a:prstGeom prst="bentArrow">
+            <a:avLst/>
+          </a:prstGeom>
+          <a:solidFill>
+            <a:schemeClr val="bg1"/>
+          </a:solidFill>
+          <a:ln>
+            <a:solidFill>
+              <a:schemeClr val="tx1"/>
+            </a:solidFill>
+          </a:ln>
+          <a:effectLst>
+            <a:innerShdw blurRad="114300">
+              <a:prstClr val="black"/>
+            </a:innerShdw>
+          </a:effectLst>
+        </p:spPr>
+        <p:style>
+          <a:lnRef idx="2">
+            <a:schemeClr val="accent1">
+              <a:shade val="50000"/>
+            </a:schemeClr>
+          </a:lnRef>
+          <a:fillRef idx="1">
+            <a:schemeClr val="accent1"/>
+          </a:fillRef>
+          <a:effectRef idx="0">
+            <a:schemeClr val="accent1"/>
+          </a:effectRef>
+          <a:fontRef idx="minor">
+            <a:schemeClr val="lt1"/>
+          </a:fontRef>
+        </p:style>
+        <p:txBody>
+          <a:bodyPr rtlCol="0" anchor="ctr"/>
+          <a:lstStyle/>
+          <a:p>
+            <a:pPr algn="ctr"/>
+            <a:endParaRPr lang="en-US">
+              <a:solidFill>
+                <a:schemeClr val="tx1"/>
+              </a:solidFill>
+            </a:endParaRPr>
+          </a:p>
+        </p:txBody>
+      </p:sp>
+      <p:sp>
+        <p:nvSpPr>
+          <p:cNvPr id="41" name="Bent Arrow 40"/>
+          <p:cNvSpPr/>
+          <p:nvPr/>
+        </p:nvSpPr>
+        <p:spPr>
+          <a:xfrm rot="16200000">
+            <a:off x="1451491" y="4629955"/>
+            <a:ext cx="1095035" cy="868680"/>
+          </a:xfrm>
+          <a:prstGeom prst="bentArrow">
+            <a:avLst/>
+          </a:prstGeom>
+          <a:solidFill>
+            <a:schemeClr val="bg1"/>
+          </a:solidFill>
+          <a:ln>
+            <a:solidFill>
+              <a:schemeClr val="tx1"/>
+            </a:solidFill>
+          </a:ln>
+          <a:effectLst>
+            <a:innerShdw blurRad="114300">
+              <a:prstClr val="black"/>
+            </a:innerShdw>
+          </a:effectLst>
+        </p:spPr>
+        <p:style>
+          <a:lnRef idx="2">
+            <a:schemeClr val="accent1">
+              <a:shade val="50000"/>
+            </a:schemeClr>
+          </a:lnRef>
+          <a:fillRef idx="1">
+            <a:schemeClr val="accent1"/>
+          </a:fillRef>
+          <a:effectRef idx="0">
+            <a:schemeClr val="accent1"/>
+          </a:effectRef>
+          <a:fontRef idx="minor">
+            <a:schemeClr val="lt1"/>
+          </a:fontRef>
+        </p:style>
+        <p:txBody>
+          <a:bodyPr rtlCol="0" anchor="ctr"/>
+          <a:lstStyle/>
+          <a:p>
+            <a:pPr algn="ctr"/>
+            <a:endParaRPr lang="en-US">
+              <a:solidFill>
+                <a:schemeClr val="tx1"/>
+              </a:solidFill>
+            </a:endParaRPr>
+          </a:p>
+        </p:txBody>
+      </p:sp>
+      <p:sp>
+        <p:nvSpPr>
+          <p:cNvPr id="44" name="Flowchart: Process 43"/>
+          <p:cNvSpPr/>
+          <p:nvPr/>
+        </p:nvSpPr>
+        <p:spPr>
+          <a:xfrm>
+            <a:off x="9577802" y="4051615"/>
+            <a:ext cx="45719" cy="1674835"/>
+          </a:xfrm>
+          <a:prstGeom prst="flowChartProcess">
+            <a:avLst/>
+          </a:prstGeom>
+          <a:solidFill>
+            <a:schemeClr val="tx1"/>
+          </a:solidFill>
+        </p:spPr>
+        <p:style>
+          <a:lnRef idx="2">
+            <a:schemeClr val="accent1">
+              <a:shade val="50000"/>
+            </a:schemeClr>
+          </a:lnRef>
+          <a:fillRef idx="1">
+            <a:schemeClr val="accent1"/>
+          </a:fillRef>
+          <a:effectRef idx="0">
+            <a:schemeClr val="accent1"/>
+          </a:effectRef>
+          <a:fontRef idx="minor">
+            <a:schemeClr val="lt1"/>
+          </a:fontRef>
+        </p:style>
+        <p:txBody>
+          <a:bodyPr rtlCol="0" anchor="ctr"/>
+          <a:lstStyle/>
+          <a:p>
+            <a:pPr algn="ctr"/>
+            <a:endParaRPr lang="en-US" dirty="0"/>
+          </a:p>
+        </p:txBody>
+      </p:sp>
+      <p:sp>
+        <p:nvSpPr>
+          <p:cNvPr id="45" name="Flowchart: Process 44"/>
+          <p:cNvSpPr/>
+          <p:nvPr/>
+        </p:nvSpPr>
+        <p:spPr>
+          <a:xfrm rot="3284856" flipV="1">
+            <a:off x="9407331" y="3580386"/>
+            <a:ext cx="896440" cy="69757"/>
+          </a:xfrm>
+          <a:prstGeom prst="flowChartProcess">
+            <a:avLst/>
+          </a:prstGeom>
+          <a:solidFill>
+            <a:schemeClr val="tx1"/>
+          </a:solidFill>
+        </p:spPr>
+        <p:style>
+          <a:lnRef idx="2">
+            <a:schemeClr val="accent1">
+              <a:shade val="50000"/>
+            </a:schemeClr>
+          </a:lnRef>
+          <a:fillRef idx="1">
+            <a:schemeClr val="accent1"/>
+          </a:fillRef>
+          <a:effectRef idx="0">
+            <a:schemeClr val="accent1"/>
+          </a:effectRef>
+          <a:fontRef idx="minor">
+            <a:schemeClr val="lt1"/>
+          </a:fontRef>
+        </p:style>
+        <p:txBody>
+          <a:bodyPr rtlCol="0" anchor="ctr"/>
+          <a:lstStyle/>
+          <a:p>
+            <a:pPr algn="ctr"/>
+            <a:endParaRPr lang="en-US" dirty="0"/>
+          </a:p>
+        </p:txBody>
+      </p:sp>
+      <p:sp>
+        <p:nvSpPr>
+          <p:cNvPr id="46" name="Rectangle 45"/>
+          <p:cNvSpPr/>
+          <p:nvPr/>
+        </p:nvSpPr>
+        <p:spPr>
+          <a:xfrm>
+            <a:off x="8331005" y="3381307"/>
+            <a:ext cx="1142365" cy="523220"/>
+          </a:xfrm>
+          <a:prstGeom prst="rect">
+            <a:avLst/>
+          </a:prstGeom>
+          <a:noFill/>
+        </p:spPr>
+        <p:txBody>
+          <a:bodyPr wrap="none" lIns="91440" tIns="45720" rIns="91440" bIns="45720">
+            <a:spAutoFit/>
+          </a:bodyPr>
+          <a:lstStyle/>
+          <a:p>
+            <a:pPr algn="ctr"/>
+            <a:r>
+              <a:rPr lang="en-US" sz="2800" b="0" cap="none" spc="0" dirty="0" smtClean="0">
+                <a:ln w="0"/>
+                <a:solidFill>
+                  <a:schemeClr val="tx1"/>
+                </a:solidFill>
+                <a:effectLst>
+                  <a:outerShdw blurRad="38100" dist="19050" dir="2700000" algn="tl" rotWithShape="0">
+                    <a:schemeClr val="dk1">
+                      <a:alpha val="40000"/>
+                    </a:schemeClr>
+                  </a:outerShdw>
+                </a:effectLst>
+              </a:rPr>
+              <a:t>Switch</a:t>
+            </a:r>
+            <a:endParaRPr lang="en-US" sz="2800" b="0" cap="none" spc="0" dirty="0">
+              <a:ln w="0"/>
+              <a:solidFill>
+                <a:schemeClr val="tx1"/>
+              </a:solidFill>
+              <a:effectLst>
+                <a:outerShdw blurRad="38100" dist="19050" dir="2700000" algn="tl" rotWithShape="0">
+                  <a:schemeClr val="dk1">
+                    <a:alpha val="40000"/>
+                  </a:schemeClr>
+                </a:outerShdw>
+              </a:effectLst>
+            </a:endParaRPr>
+          </a:p>
+        </p:txBody>
+      </p:sp>
+      <p:sp>
+        <p:nvSpPr>
+          <p:cNvPr id="47" name="Rectangle 46"/>
+          <p:cNvSpPr/>
+          <p:nvPr/>
+        </p:nvSpPr>
+        <p:spPr>
+          <a:xfrm>
+            <a:off x="4025254" y="4387794"/>
+            <a:ext cx="570990" cy="523220"/>
+          </a:xfrm>
+          <a:prstGeom prst="rect">
+            <a:avLst/>
+          </a:prstGeom>
+          <a:noFill/>
+        </p:spPr>
+        <p:txBody>
+          <a:bodyPr wrap="none" lIns="91440" tIns="45720" rIns="91440" bIns="45720">
+            <a:spAutoFit/>
+          </a:bodyPr>
+          <a:lstStyle/>
+          <a:p>
+            <a:pPr algn="ctr"/>
+            <a:r>
+              <a:rPr lang="en-US" sz="2800" b="0" cap="none" spc="0" dirty="0" smtClean="0">
+                <a:ln w="0"/>
+                <a:solidFill>
+                  <a:schemeClr val="tx1"/>
+                </a:solidFill>
+                <a:effectLst>
+                  <a:outerShdw blurRad="38100" dist="19050" dir="2700000" algn="tl" rotWithShape="0">
+                    <a:schemeClr val="dk1">
+                      <a:alpha val="40000"/>
+                    </a:schemeClr>
+                  </a:outerShdw>
+                </a:effectLst>
+              </a:rPr>
+              <a:t>9V</a:t>
+            </a:r>
+            <a:endParaRPr lang="en-US" sz="2800" b="0" cap="none" spc="0" dirty="0">
+              <a:ln w="0"/>
+              <a:solidFill>
+                <a:schemeClr val="tx1"/>
+              </a:solidFill>
+              <a:effectLst>
+                <a:outerShdw blurRad="38100" dist="19050" dir="2700000" algn="tl" rotWithShape="0">
+                  <a:schemeClr val="dk1">
+                    <a:alpha val="40000"/>
+                  </a:schemeClr>
+                </a:outerShdw>
+              </a:effectLst>
+            </a:endParaRPr>
+          </a:p>
+        </p:txBody>
+      </p:sp>
+      <p:sp>
+        <p:nvSpPr>
+          <p:cNvPr id="48" name="Oval 47"/>
+          <p:cNvSpPr/>
+          <p:nvPr/>
+        </p:nvSpPr>
+        <p:spPr>
+          <a:xfrm>
+            <a:off x="3300685" y="1466689"/>
+            <a:ext cx="250284" cy="278559"/>
+          </a:xfrm>
+          <a:prstGeom prst="ellipse">
+            <a:avLst/>
+          </a:prstGeom>
+          <a:solidFill>
+            <a:schemeClr val="bg1"/>
+          </a:solidFill>
+          <a:ln w="38100">
+            <a:solidFill>
+              <a:schemeClr val="tx1"/>
+            </a:solidFill>
+          </a:ln>
+        </p:spPr>
+        <p:style>
+          <a:lnRef idx="2">
+            <a:schemeClr val="accent1">
+              <a:shade val="50000"/>
+            </a:schemeClr>
+          </a:lnRef>
+          <a:fillRef idx="1">
+            <a:schemeClr val="accent1"/>
+          </a:fillRef>
+          <a:effectRef idx="0">
+            <a:schemeClr val="accent1"/>
+          </a:effectRef>
+          <a:fontRef idx="minor">
+            <a:schemeClr val="lt1"/>
+          </a:fontRef>
+        </p:style>
+        <p:txBody>
+          <a:bodyPr rtlCol="0" anchor="ctr"/>
+          <a:lstStyle/>
+          <a:p>
+            <a:pPr algn="ctr"/>
+            <a:endParaRPr lang="en-US" dirty="0"/>
+          </a:p>
+        </p:txBody>
+      </p:sp>
+      <p:sp>
+        <p:nvSpPr>
+          <p:cNvPr id="52" name="Oval 51"/>
+          <p:cNvSpPr/>
+          <p:nvPr/>
+        </p:nvSpPr>
+        <p:spPr>
+          <a:xfrm>
+            <a:off x="4509962" y="1475786"/>
+            <a:ext cx="250284" cy="278559"/>
+          </a:xfrm>
+          <a:prstGeom prst="ellipse">
+            <a:avLst/>
+          </a:prstGeom>
+          <a:solidFill>
+            <a:schemeClr val="bg1"/>
+          </a:solidFill>
+          <a:ln w="38100">
+            <a:solidFill>
+              <a:schemeClr val="tx1"/>
+            </a:solidFill>
+          </a:ln>
+        </p:spPr>
+        <p:style>
+          <a:lnRef idx="2">
+            <a:schemeClr val="accent1">
+              <a:shade val="50000"/>
+            </a:schemeClr>
+          </a:lnRef>
+          <a:fillRef idx="1">
+            <a:schemeClr val="accent1"/>
+          </a:fillRef>
+          <a:effectRef idx="0">
+            <a:schemeClr val="accent1"/>
+          </a:effectRef>
+          <a:fontRef idx="minor">
+            <a:schemeClr val="lt1"/>
+          </a:fontRef>
+        </p:style>
+        <p:txBody>
+          <a:bodyPr rtlCol="0" anchor="ctr"/>
+          <a:lstStyle/>
+          <a:p>
+            <a:pPr algn="ctr"/>
+            <a:endParaRPr lang="en-US" dirty="0"/>
+          </a:p>
+        </p:txBody>
+      </p:sp>
+      <p:sp>
+        <p:nvSpPr>
+          <p:cNvPr id="53" name="Oval 52"/>
+          <p:cNvSpPr/>
+          <p:nvPr/>
+        </p:nvSpPr>
+        <p:spPr>
+          <a:xfrm>
+            <a:off x="6165223" y="1431361"/>
+            <a:ext cx="250284" cy="278559"/>
+          </a:xfrm>
+          <a:prstGeom prst="ellipse">
+            <a:avLst/>
+          </a:prstGeom>
+          <a:solidFill>
+            <a:schemeClr val="bg1"/>
+          </a:solidFill>
+          <a:ln w="38100">
+            <a:solidFill>
+              <a:schemeClr val="tx1"/>
+            </a:solidFill>
+          </a:ln>
+        </p:spPr>
+        <p:style>
+          <a:lnRef idx="2">
+            <a:schemeClr val="accent1">
+              <a:shade val="50000"/>
+            </a:schemeClr>
+          </a:lnRef>
+          <a:fillRef idx="1">
+            <a:schemeClr val="accent1"/>
+          </a:fillRef>
+          <a:effectRef idx="0">
+            <a:schemeClr val="accent1"/>
+          </a:effectRef>
+          <a:fontRef idx="minor">
+            <a:schemeClr val="lt1"/>
+          </a:fontRef>
+        </p:style>
+        <p:txBody>
+          <a:bodyPr rtlCol="0" anchor="ctr"/>
+          <a:lstStyle/>
+          <a:p>
+            <a:pPr algn="ctr"/>
+            <a:endParaRPr lang="en-US" dirty="0"/>
+          </a:p>
+        </p:txBody>
+      </p:sp>
+      <p:sp>
+        <p:nvSpPr>
+          <p:cNvPr id="54" name="Oval 53"/>
+          <p:cNvSpPr/>
+          <p:nvPr/>
+        </p:nvSpPr>
+        <p:spPr>
+          <a:xfrm>
+            <a:off x="7344701" y="1453820"/>
+            <a:ext cx="250284" cy="278559"/>
+          </a:xfrm>
+          <a:prstGeom prst="ellipse">
+            <a:avLst/>
+          </a:prstGeom>
+          <a:solidFill>
+            <a:schemeClr val="bg1"/>
+          </a:solidFill>
+          <a:ln w="38100">
+            <a:solidFill>
+              <a:schemeClr val="tx1"/>
+            </a:solidFill>
+          </a:ln>
+        </p:spPr>
+        <p:style>
+          <a:lnRef idx="2">
+            <a:schemeClr val="accent1">
+              <a:shade val="50000"/>
+            </a:schemeClr>
+          </a:lnRef>
+          <a:fillRef idx="1">
+            <a:schemeClr val="accent1"/>
+          </a:fillRef>
+          <a:effectRef idx="0">
+            <a:schemeClr val="accent1"/>
+          </a:effectRef>
+          <a:fontRef idx="minor">
+            <a:schemeClr val="lt1"/>
+          </a:fontRef>
+        </p:style>
+        <p:txBody>
+          <a:bodyPr rtlCol="0" anchor="ctr"/>
+          <a:lstStyle/>
+          <a:p>
+            <a:pPr algn="ctr"/>
+            <a:endParaRPr lang="en-US" dirty="0"/>
+          </a:p>
+        </p:txBody>
+      </p:sp>
+    </p:spTree>
+    <p:extLst>
+      <p:ext uri="{BB962C8B-B14F-4D97-AF65-F5344CB8AC3E}">
+        <p14:creationId xmlns:p14="http://schemas.microsoft.com/office/powerpoint/2010/main" val="2222222311"/>
+      </p:ext>
+    </p:extLst>
+  </p:cSld>
+  <p:clrMapOvr>
+    <a:masterClrMapping/>
+  </p:clrMapOvr>
+</p:sld>
+</file>
+
+<file path=ppt/slides/slide29.xml><?xml version="1.0" encoding="utf-8"?>
+<p:sld xmlns:a="http://schemas.openxmlformats.org/drawingml/2006/main" xmlns:r="http://schemas.openxmlformats.org/officeDocument/2006/relationships" xmlns:p="http://schemas.openxmlformats.org/presentationml/2006/main">
+  <p:cSld>
+    <p:spTree>
+      <p:nvGrpSpPr>
+        <p:cNvPr id="1" name=""/>
+        <p:cNvGrpSpPr/>
+        <p:nvPr/>
+      </p:nvGrpSpPr>
+      <p:grpSpPr>
+        <a:xfrm>
+          <a:off x="0" y="0"/>
+          <a:ext cx="0" cy="0"/>
+          <a:chOff x="0" y="0"/>
+          <a:chExt cx="0" cy="0"/>
+        </a:xfrm>
+      </p:grpSpPr>
+      <p:sp>
+        <p:nvSpPr>
+          <p:cNvPr id="4" name="Rectangle 3"/>
+          <p:cNvSpPr/>
+          <p:nvPr/>
+        </p:nvSpPr>
+        <p:spPr>
+          <a:xfrm>
             <a:off x="3183362" y="0"/>
             <a:ext cx="5078314" cy="923330"/>
           </a:xfrm>
@@ -29416,7 +30842,1794 @@
 </p:sld>
 </file>
 
-<file path=ppt/slides/slide29.xml><?xml version="1.0" encoding="utf-8"?>
+<file path=ppt/slides/slide3.xml><?xml version="1.0" encoding="utf-8"?>
+<p:sld xmlns:a="http://schemas.openxmlformats.org/drawingml/2006/main" xmlns:r="http://schemas.openxmlformats.org/officeDocument/2006/relationships" xmlns:p="http://schemas.openxmlformats.org/presentationml/2006/main">
+  <p:cSld>
+    <p:spTree>
+      <p:nvGrpSpPr>
+        <p:cNvPr id="1" name=""/>
+        <p:cNvGrpSpPr/>
+        <p:nvPr/>
+      </p:nvGrpSpPr>
+      <p:grpSpPr>
+        <a:xfrm>
+          <a:off x="0" y="0"/>
+          <a:ext cx="0" cy="0"/>
+          <a:chOff x="0" y="0"/>
+          <a:chExt cx="0" cy="0"/>
+        </a:xfrm>
+      </p:grpSpPr>
+      <p:sp>
+        <p:nvSpPr>
+          <p:cNvPr id="4" name="Rectangle 3"/>
+          <p:cNvSpPr/>
+          <p:nvPr/>
+        </p:nvSpPr>
+        <p:spPr>
+          <a:xfrm>
+            <a:off x="424317" y="246861"/>
+            <a:ext cx="4586512" cy="1754326"/>
+          </a:xfrm>
+          <a:prstGeom prst="rect">
+            <a:avLst/>
+          </a:prstGeom>
+          <a:noFill/>
+        </p:spPr>
+        <p:txBody>
+          <a:bodyPr wrap="none" lIns="91440" tIns="45720" rIns="91440" bIns="45720">
+            <a:spAutoFit/>
+          </a:bodyPr>
+          <a:lstStyle/>
+          <a:p>
+            <a:pPr algn="ctr"/>
+            <a:r>
+              <a:rPr lang="en-US" sz="5400" b="0" cap="none" spc="0" dirty="0" smtClean="0">
+                <a:ln w="0"/>
+                <a:solidFill>
+                  <a:schemeClr val="tx1"/>
+                </a:solidFill>
+                <a:effectLst>
+                  <a:outerShdw blurRad="38100" dist="19050" dir="2700000" algn="tl" rotWithShape="0">
+                    <a:schemeClr val="dk1">
+                      <a:alpha val="40000"/>
+                    </a:schemeClr>
+                  </a:outerShdw>
+                </a:effectLst>
+              </a:rPr>
+              <a:t>Nuclear Fission </a:t>
+            </a:r>
+          </a:p>
+          <a:p>
+            <a:pPr algn="ctr"/>
+            <a:r>
+              <a:rPr lang="en-US" sz="5400" b="0" cap="none" spc="0" dirty="0" smtClean="0">
+                <a:ln w="0"/>
+                <a:solidFill>
+                  <a:schemeClr val="tx1"/>
+                </a:solidFill>
+                <a:effectLst>
+                  <a:outerShdw blurRad="38100" dist="19050" dir="2700000" algn="tl" rotWithShape="0">
+                    <a:schemeClr val="dk1">
+                      <a:alpha val="40000"/>
+                    </a:schemeClr>
+                  </a:outerShdw>
+                </a:effectLst>
+              </a:rPr>
+              <a:t>Chain Reaction</a:t>
+            </a:r>
+            <a:endParaRPr lang="en-US" sz="5400" b="0" cap="none" spc="0" dirty="0">
+              <a:ln w="0"/>
+              <a:solidFill>
+                <a:schemeClr val="tx1"/>
+              </a:solidFill>
+              <a:effectLst>
+                <a:outerShdw blurRad="38100" dist="19050" dir="2700000" algn="tl" rotWithShape="0">
+                  <a:schemeClr val="dk1">
+                    <a:alpha val="40000"/>
+                  </a:schemeClr>
+                </a:outerShdw>
+              </a:effectLst>
+            </a:endParaRPr>
+          </a:p>
+        </p:txBody>
+      </p:sp>
+      <p:sp>
+        <p:nvSpPr>
+          <p:cNvPr id="5" name="Flowchart: Connector 4"/>
+          <p:cNvSpPr/>
+          <p:nvPr/>
+        </p:nvSpPr>
+        <p:spPr>
+          <a:xfrm>
+            <a:off x="327117" y="3468826"/>
+            <a:ext cx="457200" cy="457200"/>
+          </a:xfrm>
+          <a:prstGeom prst="flowChartConnector">
+            <a:avLst/>
+          </a:prstGeom>
+          <a:ln>
+            <a:solidFill>
+              <a:schemeClr val="tx1"/>
+            </a:solidFill>
+          </a:ln>
+        </p:spPr>
+        <p:style>
+          <a:lnRef idx="2">
+            <a:schemeClr val="accent1">
+              <a:shade val="50000"/>
+            </a:schemeClr>
+          </a:lnRef>
+          <a:fillRef idx="1">
+            <a:schemeClr val="accent1"/>
+          </a:fillRef>
+          <a:effectRef idx="0">
+            <a:schemeClr val="accent1"/>
+          </a:effectRef>
+          <a:fontRef idx="minor">
+            <a:schemeClr val="lt1"/>
+          </a:fontRef>
+        </p:style>
+        <p:txBody>
+          <a:bodyPr rtlCol="0" anchor="ctr"/>
+          <a:lstStyle/>
+          <a:p>
+            <a:pPr algn="ctr"/>
+            <a:endParaRPr lang="en-US"/>
+          </a:p>
+        </p:txBody>
+      </p:sp>
+      <p:sp>
+        <p:nvSpPr>
+          <p:cNvPr id="6" name="Flowchart: Connector 5"/>
+          <p:cNvSpPr/>
+          <p:nvPr/>
+        </p:nvSpPr>
+        <p:spPr>
+          <a:xfrm>
+            <a:off x="3068472" y="4450306"/>
+            <a:ext cx="457200" cy="457200"/>
+          </a:xfrm>
+          <a:prstGeom prst="flowChartConnector">
+            <a:avLst/>
+          </a:prstGeom>
+          <a:ln>
+            <a:solidFill>
+              <a:schemeClr val="tx1"/>
+            </a:solidFill>
+          </a:ln>
+        </p:spPr>
+        <p:style>
+          <a:lnRef idx="2">
+            <a:schemeClr val="accent1">
+              <a:shade val="50000"/>
+            </a:schemeClr>
+          </a:lnRef>
+          <a:fillRef idx="1">
+            <a:schemeClr val="accent1"/>
+          </a:fillRef>
+          <a:effectRef idx="0">
+            <a:schemeClr val="accent1"/>
+          </a:effectRef>
+          <a:fontRef idx="minor">
+            <a:schemeClr val="lt1"/>
+          </a:fontRef>
+        </p:style>
+        <p:txBody>
+          <a:bodyPr rtlCol="0" anchor="ctr"/>
+          <a:lstStyle/>
+          <a:p>
+            <a:pPr algn="ctr"/>
+            <a:endParaRPr lang="en-US"/>
+          </a:p>
+        </p:txBody>
+      </p:sp>
+      <p:sp>
+        <p:nvSpPr>
+          <p:cNvPr id="7" name="Flowchart: Connector 6"/>
+          <p:cNvSpPr/>
+          <p:nvPr/>
+        </p:nvSpPr>
+        <p:spPr>
+          <a:xfrm>
+            <a:off x="3068472" y="2070394"/>
+            <a:ext cx="457200" cy="457200"/>
+          </a:xfrm>
+          <a:prstGeom prst="flowChartConnector">
+            <a:avLst/>
+          </a:prstGeom>
+          <a:ln>
+            <a:solidFill>
+              <a:schemeClr val="tx1"/>
+            </a:solidFill>
+          </a:ln>
+        </p:spPr>
+        <p:style>
+          <a:lnRef idx="2">
+            <a:schemeClr val="accent1">
+              <a:shade val="50000"/>
+            </a:schemeClr>
+          </a:lnRef>
+          <a:fillRef idx="1">
+            <a:schemeClr val="accent1"/>
+          </a:fillRef>
+          <a:effectRef idx="0">
+            <a:schemeClr val="accent1"/>
+          </a:effectRef>
+          <a:fontRef idx="minor">
+            <a:schemeClr val="lt1"/>
+          </a:fontRef>
+        </p:style>
+        <p:txBody>
+          <a:bodyPr rtlCol="0" anchor="ctr"/>
+          <a:lstStyle/>
+          <a:p>
+            <a:pPr algn="ctr"/>
+            <a:endParaRPr lang="en-US"/>
+          </a:p>
+        </p:txBody>
+      </p:sp>
+      <p:sp>
+        <p:nvSpPr>
+          <p:cNvPr id="8" name="Flowchart: Connector 7"/>
+          <p:cNvSpPr/>
+          <p:nvPr/>
+        </p:nvSpPr>
+        <p:spPr>
+          <a:xfrm>
+            <a:off x="6222524" y="2780281"/>
+            <a:ext cx="457200" cy="457200"/>
+          </a:xfrm>
+          <a:prstGeom prst="flowChartConnector">
+            <a:avLst/>
+          </a:prstGeom>
+          <a:ln>
+            <a:solidFill>
+              <a:schemeClr val="tx1"/>
+            </a:solidFill>
+          </a:ln>
+        </p:spPr>
+        <p:style>
+          <a:lnRef idx="2">
+            <a:schemeClr val="accent1">
+              <a:shade val="50000"/>
+            </a:schemeClr>
+          </a:lnRef>
+          <a:fillRef idx="1">
+            <a:schemeClr val="accent1"/>
+          </a:fillRef>
+          <a:effectRef idx="0">
+            <a:schemeClr val="accent1"/>
+          </a:effectRef>
+          <a:fontRef idx="minor">
+            <a:schemeClr val="lt1"/>
+          </a:fontRef>
+        </p:style>
+        <p:txBody>
+          <a:bodyPr rtlCol="0" anchor="ctr"/>
+          <a:lstStyle/>
+          <a:p>
+            <a:pPr algn="ctr"/>
+            <a:endParaRPr lang="en-US"/>
+          </a:p>
+        </p:txBody>
+      </p:sp>
+      <p:sp>
+        <p:nvSpPr>
+          <p:cNvPr id="9" name="Flowchart: Connector 8"/>
+          <p:cNvSpPr/>
+          <p:nvPr/>
+        </p:nvSpPr>
+        <p:spPr>
+          <a:xfrm>
+            <a:off x="6222524" y="1084417"/>
+            <a:ext cx="457200" cy="457200"/>
+          </a:xfrm>
+          <a:prstGeom prst="flowChartConnector">
+            <a:avLst/>
+          </a:prstGeom>
+          <a:ln>
+            <a:solidFill>
+              <a:schemeClr val="tx1"/>
+            </a:solidFill>
+          </a:ln>
+        </p:spPr>
+        <p:style>
+          <a:lnRef idx="2">
+            <a:schemeClr val="accent1">
+              <a:shade val="50000"/>
+            </a:schemeClr>
+          </a:lnRef>
+          <a:fillRef idx="1">
+            <a:schemeClr val="accent1"/>
+          </a:fillRef>
+          <a:effectRef idx="0">
+            <a:schemeClr val="accent1"/>
+          </a:effectRef>
+          <a:fontRef idx="minor">
+            <a:schemeClr val="lt1"/>
+          </a:fontRef>
+        </p:style>
+        <p:txBody>
+          <a:bodyPr rtlCol="0" anchor="ctr"/>
+          <a:lstStyle/>
+          <a:p>
+            <a:pPr algn="ctr"/>
+            <a:endParaRPr lang="en-US"/>
+          </a:p>
+        </p:txBody>
+      </p:sp>
+      <p:sp>
+        <p:nvSpPr>
+          <p:cNvPr id="10" name="Flowchart: Connector 9"/>
+          <p:cNvSpPr/>
+          <p:nvPr/>
+        </p:nvSpPr>
+        <p:spPr>
+          <a:xfrm>
+            <a:off x="6222524" y="5502000"/>
+            <a:ext cx="457200" cy="457200"/>
+          </a:xfrm>
+          <a:prstGeom prst="flowChartConnector">
+            <a:avLst/>
+          </a:prstGeom>
+          <a:ln>
+            <a:solidFill>
+              <a:schemeClr val="tx1"/>
+            </a:solidFill>
+          </a:ln>
+        </p:spPr>
+        <p:style>
+          <a:lnRef idx="2">
+            <a:schemeClr val="accent1">
+              <a:shade val="50000"/>
+            </a:schemeClr>
+          </a:lnRef>
+          <a:fillRef idx="1">
+            <a:schemeClr val="accent1"/>
+          </a:fillRef>
+          <a:effectRef idx="0">
+            <a:schemeClr val="accent1"/>
+          </a:effectRef>
+          <a:fontRef idx="minor">
+            <a:schemeClr val="lt1"/>
+          </a:fontRef>
+        </p:style>
+        <p:txBody>
+          <a:bodyPr rtlCol="0" anchor="ctr"/>
+          <a:lstStyle/>
+          <a:p>
+            <a:pPr algn="ctr"/>
+            <a:endParaRPr lang="en-US"/>
+          </a:p>
+        </p:txBody>
+      </p:sp>
+      <p:sp>
+        <p:nvSpPr>
+          <p:cNvPr id="11" name="Flowchart: Connector 10"/>
+          <p:cNvSpPr/>
+          <p:nvPr/>
+        </p:nvSpPr>
+        <p:spPr>
+          <a:xfrm>
+            <a:off x="6247795" y="3926026"/>
+            <a:ext cx="457200" cy="457200"/>
+          </a:xfrm>
+          <a:prstGeom prst="flowChartConnector">
+            <a:avLst/>
+          </a:prstGeom>
+          <a:ln>
+            <a:solidFill>
+              <a:schemeClr val="tx1"/>
+            </a:solidFill>
+          </a:ln>
+        </p:spPr>
+        <p:style>
+          <a:lnRef idx="2">
+            <a:schemeClr val="accent1">
+              <a:shade val="50000"/>
+            </a:schemeClr>
+          </a:lnRef>
+          <a:fillRef idx="1">
+            <a:schemeClr val="accent1"/>
+          </a:fillRef>
+          <a:effectRef idx="0">
+            <a:schemeClr val="accent1"/>
+          </a:effectRef>
+          <a:fontRef idx="minor">
+            <a:schemeClr val="lt1"/>
+          </a:fontRef>
+        </p:style>
+        <p:txBody>
+          <a:bodyPr rtlCol="0" anchor="ctr"/>
+          <a:lstStyle/>
+          <a:p>
+            <a:pPr algn="ctr"/>
+            <a:endParaRPr lang="en-US"/>
+          </a:p>
+        </p:txBody>
+      </p:sp>
+      <p:pic>
+        <p:nvPicPr>
+          <p:cNvPr id="12" name="Picture 11"/>
+          <p:cNvPicPr>
+            <a:picLocks noChangeAspect="1"/>
+          </p:cNvPicPr>
+          <p:nvPr/>
+        </p:nvPicPr>
+        <p:blipFill>
+          <a:blip r:embed="rId2"/>
+          <a:stretch>
+            <a:fillRect/>
+          </a:stretch>
+        </p:blipFill>
+        <p:spPr>
+          <a:xfrm>
+            <a:off x="1680758" y="3191855"/>
+            <a:ext cx="636541" cy="962574"/>
+          </a:xfrm>
+          <a:prstGeom prst="rect">
+            <a:avLst/>
+          </a:prstGeom>
+        </p:spPr>
+      </p:pic>
+      <p:pic>
+        <p:nvPicPr>
+          <p:cNvPr id="13" name="Picture 12"/>
+          <p:cNvPicPr>
+            <a:picLocks noChangeAspect="1"/>
+          </p:cNvPicPr>
+          <p:nvPr/>
+        </p:nvPicPr>
+        <p:blipFill>
+          <a:blip r:embed="rId2"/>
+          <a:stretch>
+            <a:fillRect/>
+          </a:stretch>
+        </p:blipFill>
+        <p:spPr>
+          <a:xfrm>
+            <a:off x="4759646" y="1824459"/>
+            <a:ext cx="636541" cy="962574"/>
+          </a:xfrm>
+          <a:prstGeom prst="rect">
+            <a:avLst/>
+          </a:prstGeom>
+        </p:spPr>
+      </p:pic>
+      <p:pic>
+        <p:nvPicPr>
+          <p:cNvPr id="14" name="Picture 13"/>
+          <p:cNvPicPr>
+            <a:picLocks noChangeAspect="1"/>
+          </p:cNvPicPr>
+          <p:nvPr/>
+        </p:nvPicPr>
+        <p:blipFill>
+          <a:blip r:embed="rId2"/>
+          <a:stretch>
+            <a:fillRect/>
+          </a:stretch>
+        </p:blipFill>
+        <p:spPr>
+          <a:xfrm>
+            <a:off x="4635847" y="4303063"/>
+            <a:ext cx="636541" cy="962574"/>
+          </a:xfrm>
+          <a:prstGeom prst="rect">
+            <a:avLst/>
+          </a:prstGeom>
+        </p:spPr>
+      </p:pic>
+      <p:pic>
+        <p:nvPicPr>
+          <p:cNvPr id="15" name="Picture 14"/>
+          <p:cNvPicPr>
+            <a:picLocks noChangeAspect="1"/>
+          </p:cNvPicPr>
+          <p:nvPr/>
+        </p:nvPicPr>
+        <p:blipFill>
+          <a:blip r:embed="rId2"/>
+          <a:stretch>
+            <a:fillRect/>
+          </a:stretch>
+        </p:blipFill>
+        <p:spPr>
+          <a:xfrm>
+            <a:off x="7954510" y="415251"/>
+            <a:ext cx="636541" cy="962574"/>
+          </a:xfrm>
+          <a:prstGeom prst="rect">
+            <a:avLst/>
+          </a:prstGeom>
+        </p:spPr>
+      </p:pic>
+      <p:pic>
+        <p:nvPicPr>
+          <p:cNvPr id="16" name="Picture 15"/>
+          <p:cNvPicPr>
+            <a:picLocks noChangeAspect="1"/>
+          </p:cNvPicPr>
+          <p:nvPr/>
+        </p:nvPicPr>
+        <p:blipFill>
+          <a:blip r:embed="rId2"/>
+          <a:stretch>
+            <a:fillRect/>
+          </a:stretch>
+        </p:blipFill>
+        <p:spPr>
+          <a:xfrm>
+            <a:off x="7954509" y="5856976"/>
+            <a:ext cx="636541" cy="962574"/>
+          </a:xfrm>
+          <a:prstGeom prst="rect">
+            <a:avLst/>
+          </a:prstGeom>
+        </p:spPr>
+      </p:pic>
+      <p:pic>
+        <p:nvPicPr>
+          <p:cNvPr id="17" name="Picture 16"/>
+          <p:cNvPicPr>
+            <a:picLocks noChangeAspect="1"/>
+          </p:cNvPicPr>
+          <p:nvPr/>
+        </p:nvPicPr>
+        <p:blipFill>
+          <a:blip r:embed="rId2"/>
+          <a:stretch>
+            <a:fillRect/>
+          </a:stretch>
+        </p:blipFill>
+        <p:spPr>
+          <a:xfrm>
+            <a:off x="7954510" y="3994499"/>
+            <a:ext cx="636541" cy="962574"/>
+          </a:xfrm>
+          <a:prstGeom prst="rect">
+            <a:avLst/>
+          </a:prstGeom>
+        </p:spPr>
+      </p:pic>
+      <p:pic>
+        <p:nvPicPr>
+          <p:cNvPr id="18" name="Picture 17"/>
+          <p:cNvPicPr>
+            <a:picLocks noChangeAspect="1"/>
+          </p:cNvPicPr>
+          <p:nvPr/>
+        </p:nvPicPr>
+        <p:blipFill>
+          <a:blip r:embed="rId2"/>
+          <a:stretch>
+            <a:fillRect/>
+          </a:stretch>
+        </p:blipFill>
+        <p:spPr>
+          <a:xfrm>
+            <a:off x="7958380" y="2440066"/>
+            <a:ext cx="636541" cy="962574"/>
+          </a:xfrm>
+          <a:prstGeom prst="rect">
+            <a:avLst/>
+          </a:prstGeom>
+        </p:spPr>
+      </p:pic>
+      <p:sp>
+        <p:nvSpPr>
+          <p:cNvPr id="19" name="Flowchart: Connector 18"/>
+          <p:cNvSpPr/>
+          <p:nvPr/>
+        </p:nvSpPr>
+        <p:spPr>
+          <a:xfrm>
+            <a:off x="9637237" y="4907504"/>
+            <a:ext cx="457200" cy="457200"/>
+          </a:xfrm>
+          <a:prstGeom prst="flowChartConnector">
+            <a:avLst/>
+          </a:prstGeom>
+          <a:ln>
+            <a:solidFill>
+              <a:schemeClr val="tx1"/>
+            </a:solidFill>
+          </a:ln>
+        </p:spPr>
+        <p:style>
+          <a:lnRef idx="2">
+            <a:schemeClr val="accent1">
+              <a:shade val="50000"/>
+            </a:schemeClr>
+          </a:lnRef>
+          <a:fillRef idx="1">
+            <a:schemeClr val="accent1"/>
+          </a:fillRef>
+          <a:effectRef idx="0">
+            <a:schemeClr val="accent1"/>
+          </a:effectRef>
+          <a:fontRef idx="minor">
+            <a:schemeClr val="lt1"/>
+          </a:fontRef>
+        </p:style>
+        <p:txBody>
+          <a:bodyPr rtlCol="0" anchor="ctr"/>
+          <a:lstStyle/>
+          <a:p>
+            <a:pPr algn="ctr"/>
+            <a:endParaRPr lang="en-US"/>
+          </a:p>
+        </p:txBody>
+      </p:sp>
+      <p:sp>
+        <p:nvSpPr>
+          <p:cNvPr id="20" name="Flowchart: Connector 19"/>
+          <p:cNvSpPr/>
+          <p:nvPr/>
+        </p:nvSpPr>
+        <p:spPr>
+          <a:xfrm>
+            <a:off x="9637237" y="3148335"/>
+            <a:ext cx="457200" cy="457200"/>
+          </a:xfrm>
+          <a:prstGeom prst="flowChartConnector">
+            <a:avLst/>
+          </a:prstGeom>
+          <a:ln>
+            <a:solidFill>
+              <a:schemeClr val="tx1"/>
+            </a:solidFill>
+          </a:ln>
+        </p:spPr>
+        <p:style>
+          <a:lnRef idx="2">
+            <a:schemeClr val="accent1">
+              <a:shade val="50000"/>
+            </a:schemeClr>
+          </a:lnRef>
+          <a:fillRef idx="1">
+            <a:schemeClr val="accent1"/>
+          </a:fillRef>
+          <a:effectRef idx="0">
+            <a:schemeClr val="accent1"/>
+          </a:effectRef>
+          <a:fontRef idx="minor">
+            <a:schemeClr val="lt1"/>
+          </a:fontRef>
+        </p:style>
+        <p:txBody>
+          <a:bodyPr rtlCol="0" anchor="ctr"/>
+          <a:lstStyle/>
+          <a:p>
+            <a:pPr algn="ctr"/>
+            <a:endParaRPr lang="en-US"/>
+          </a:p>
+        </p:txBody>
+      </p:sp>
+      <p:sp>
+        <p:nvSpPr>
+          <p:cNvPr id="21" name="Flowchart: Connector 20"/>
+          <p:cNvSpPr/>
+          <p:nvPr/>
+        </p:nvSpPr>
+        <p:spPr>
+          <a:xfrm>
+            <a:off x="9637237" y="3968244"/>
+            <a:ext cx="457200" cy="457200"/>
+          </a:xfrm>
+          <a:prstGeom prst="flowChartConnector">
+            <a:avLst/>
+          </a:prstGeom>
+          <a:ln>
+            <a:solidFill>
+              <a:schemeClr val="tx1"/>
+            </a:solidFill>
+          </a:ln>
+        </p:spPr>
+        <p:style>
+          <a:lnRef idx="2">
+            <a:schemeClr val="accent1">
+              <a:shade val="50000"/>
+            </a:schemeClr>
+          </a:lnRef>
+          <a:fillRef idx="1">
+            <a:schemeClr val="accent1"/>
+          </a:fillRef>
+          <a:effectRef idx="0">
+            <a:schemeClr val="accent1"/>
+          </a:effectRef>
+          <a:fontRef idx="minor">
+            <a:schemeClr val="lt1"/>
+          </a:fontRef>
+        </p:style>
+        <p:txBody>
+          <a:bodyPr rtlCol="0" anchor="ctr"/>
+          <a:lstStyle/>
+          <a:p>
+            <a:pPr algn="ctr"/>
+            <a:endParaRPr lang="en-US"/>
+          </a:p>
+        </p:txBody>
+      </p:sp>
+      <p:sp>
+        <p:nvSpPr>
+          <p:cNvPr id="22" name="Flowchart: Connector 21"/>
+          <p:cNvSpPr/>
+          <p:nvPr/>
+        </p:nvSpPr>
+        <p:spPr>
+          <a:xfrm>
+            <a:off x="9637237" y="2060504"/>
+            <a:ext cx="457200" cy="457200"/>
+          </a:xfrm>
+          <a:prstGeom prst="flowChartConnector">
+            <a:avLst/>
+          </a:prstGeom>
+          <a:ln>
+            <a:solidFill>
+              <a:schemeClr val="tx1"/>
+            </a:solidFill>
+          </a:ln>
+        </p:spPr>
+        <p:style>
+          <a:lnRef idx="2">
+            <a:schemeClr val="accent1">
+              <a:shade val="50000"/>
+            </a:schemeClr>
+          </a:lnRef>
+          <a:fillRef idx="1">
+            <a:schemeClr val="accent1"/>
+          </a:fillRef>
+          <a:effectRef idx="0">
+            <a:schemeClr val="accent1"/>
+          </a:effectRef>
+          <a:fontRef idx="minor">
+            <a:schemeClr val="lt1"/>
+          </a:fontRef>
+        </p:style>
+        <p:txBody>
+          <a:bodyPr rtlCol="0" anchor="ctr"/>
+          <a:lstStyle/>
+          <a:p>
+            <a:pPr algn="ctr"/>
+            <a:endParaRPr lang="en-US"/>
+          </a:p>
+        </p:txBody>
+      </p:sp>
+      <p:sp>
+        <p:nvSpPr>
+          <p:cNvPr id="23" name="Flowchart: Connector 22"/>
+          <p:cNvSpPr/>
+          <p:nvPr/>
+        </p:nvSpPr>
+        <p:spPr>
+          <a:xfrm>
+            <a:off x="9637237" y="1149225"/>
+            <a:ext cx="457200" cy="457200"/>
+          </a:xfrm>
+          <a:prstGeom prst="flowChartConnector">
+            <a:avLst/>
+          </a:prstGeom>
+          <a:ln>
+            <a:solidFill>
+              <a:schemeClr val="tx1"/>
+            </a:solidFill>
+          </a:ln>
+        </p:spPr>
+        <p:style>
+          <a:lnRef idx="2">
+            <a:schemeClr val="accent1">
+              <a:shade val="50000"/>
+            </a:schemeClr>
+          </a:lnRef>
+          <a:fillRef idx="1">
+            <a:schemeClr val="accent1"/>
+          </a:fillRef>
+          <a:effectRef idx="0">
+            <a:schemeClr val="accent1"/>
+          </a:effectRef>
+          <a:fontRef idx="minor">
+            <a:schemeClr val="lt1"/>
+          </a:fontRef>
+        </p:style>
+        <p:txBody>
+          <a:bodyPr rtlCol="0" anchor="ctr"/>
+          <a:lstStyle/>
+          <a:p>
+            <a:pPr algn="ctr"/>
+            <a:endParaRPr lang="en-US"/>
+          </a:p>
+        </p:txBody>
+      </p:sp>
+      <p:sp>
+        <p:nvSpPr>
+          <p:cNvPr id="24" name="Flowchart: Connector 23"/>
+          <p:cNvSpPr/>
+          <p:nvPr/>
+        </p:nvSpPr>
+        <p:spPr>
+          <a:xfrm>
+            <a:off x="9609601" y="71650"/>
+            <a:ext cx="457200" cy="457200"/>
+          </a:xfrm>
+          <a:prstGeom prst="flowChartConnector">
+            <a:avLst/>
+          </a:prstGeom>
+          <a:ln>
+            <a:solidFill>
+              <a:schemeClr val="tx1"/>
+            </a:solidFill>
+          </a:ln>
+        </p:spPr>
+        <p:style>
+          <a:lnRef idx="2">
+            <a:schemeClr val="accent1">
+              <a:shade val="50000"/>
+            </a:schemeClr>
+          </a:lnRef>
+          <a:fillRef idx="1">
+            <a:schemeClr val="accent1"/>
+          </a:fillRef>
+          <a:effectRef idx="0">
+            <a:schemeClr val="accent1"/>
+          </a:effectRef>
+          <a:fontRef idx="minor">
+            <a:schemeClr val="lt1"/>
+          </a:fontRef>
+        </p:style>
+        <p:txBody>
+          <a:bodyPr rtlCol="0" anchor="ctr"/>
+          <a:lstStyle/>
+          <a:p>
+            <a:pPr algn="ctr"/>
+            <a:endParaRPr lang="en-US"/>
+          </a:p>
+        </p:txBody>
+      </p:sp>
+      <p:sp>
+        <p:nvSpPr>
+          <p:cNvPr id="25" name="Flowchart: Connector 24"/>
+          <p:cNvSpPr/>
+          <p:nvPr/>
+        </p:nvSpPr>
+        <p:spPr>
+          <a:xfrm>
+            <a:off x="9637237" y="6340840"/>
+            <a:ext cx="457200" cy="457200"/>
+          </a:xfrm>
+          <a:prstGeom prst="flowChartConnector">
+            <a:avLst/>
+          </a:prstGeom>
+          <a:ln>
+            <a:solidFill>
+              <a:schemeClr val="tx1"/>
+            </a:solidFill>
+          </a:ln>
+        </p:spPr>
+        <p:style>
+          <a:lnRef idx="2">
+            <a:schemeClr val="accent1">
+              <a:shade val="50000"/>
+            </a:schemeClr>
+          </a:lnRef>
+          <a:fillRef idx="1">
+            <a:schemeClr val="accent1"/>
+          </a:fillRef>
+          <a:effectRef idx="0">
+            <a:schemeClr val="accent1"/>
+          </a:effectRef>
+          <a:fontRef idx="minor">
+            <a:schemeClr val="lt1"/>
+          </a:fontRef>
+        </p:style>
+        <p:txBody>
+          <a:bodyPr rtlCol="0" anchor="ctr"/>
+          <a:lstStyle/>
+          <a:p>
+            <a:pPr algn="ctr"/>
+            <a:endParaRPr lang="en-US"/>
+          </a:p>
+        </p:txBody>
+      </p:sp>
+      <p:sp>
+        <p:nvSpPr>
+          <p:cNvPr id="26" name="Flowchart: Connector 25"/>
+          <p:cNvSpPr/>
+          <p:nvPr/>
+        </p:nvSpPr>
+        <p:spPr>
+          <a:xfrm>
+            <a:off x="9637237" y="5609219"/>
+            <a:ext cx="457200" cy="457200"/>
+          </a:xfrm>
+          <a:prstGeom prst="flowChartConnector">
+            <a:avLst/>
+          </a:prstGeom>
+          <a:ln>
+            <a:solidFill>
+              <a:schemeClr val="tx1"/>
+            </a:solidFill>
+          </a:ln>
+        </p:spPr>
+        <p:style>
+          <a:lnRef idx="2">
+            <a:schemeClr val="accent1">
+              <a:shade val="50000"/>
+            </a:schemeClr>
+          </a:lnRef>
+          <a:fillRef idx="1">
+            <a:schemeClr val="accent1"/>
+          </a:fillRef>
+          <a:effectRef idx="0">
+            <a:schemeClr val="accent1"/>
+          </a:effectRef>
+          <a:fontRef idx="minor">
+            <a:schemeClr val="lt1"/>
+          </a:fontRef>
+        </p:style>
+        <p:txBody>
+          <a:bodyPr rtlCol="0" anchor="ctr"/>
+          <a:lstStyle/>
+          <a:p>
+            <a:pPr algn="ctr"/>
+            <a:endParaRPr lang="en-US"/>
+          </a:p>
+        </p:txBody>
+      </p:sp>
+      <p:cxnSp>
+        <p:nvCxnSpPr>
+          <p:cNvPr id="41" name="Straight Arrow Connector 40"/>
+          <p:cNvCxnSpPr/>
+          <p:nvPr/>
+        </p:nvCxnSpPr>
+        <p:spPr>
+          <a:xfrm flipV="1">
+            <a:off x="8734566" y="300250"/>
+            <a:ext cx="731520" cy="365760"/>
+          </a:xfrm>
+          <a:prstGeom prst="straightConnector1">
+            <a:avLst/>
+          </a:prstGeom>
+          <a:ln>
+            <a:tailEnd type="triangle"/>
+          </a:ln>
+          <a:effectLst>
+            <a:outerShdw blurRad="50800" dist="38100" dir="5400000" algn="t" rotWithShape="0">
+              <a:prstClr val="black">
+                <a:alpha val="40000"/>
+              </a:prstClr>
+            </a:outerShdw>
+          </a:effectLst>
+        </p:spPr>
+        <p:style>
+          <a:lnRef idx="1">
+            <a:schemeClr val="accent1"/>
+          </a:lnRef>
+          <a:fillRef idx="0">
+            <a:schemeClr val="accent1"/>
+          </a:fillRef>
+          <a:effectRef idx="0">
+            <a:schemeClr val="accent1"/>
+          </a:effectRef>
+          <a:fontRef idx="minor">
+            <a:schemeClr val="tx1"/>
+          </a:fontRef>
+        </p:style>
+      </p:cxnSp>
+      <p:cxnSp>
+        <p:nvCxnSpPr>
+          <p:cNvPr id="42" name="Straight Arrow Connector 41"/>
+          <p:cNvCxnSpPr/>
+          <p:nvPr/>
+        </p:nvCxnSpPr>
+        <p:spPr>
+          <a:xfrm>
+            <a:off x="8741303" y="988939"/>
+            <a:ext cx="795123" cy="307702"/>
+          </a:xfrm>
+          <a:prstGeom prst="straightConnector1">
+            <a:avLst/>
+          </a:prstGeom>
+          <a:ln>
+            <a:tailEnd type="triangle"/>
+          </a:ln>
+          <a:effectLst>
+            <a:outerShdw blurRad="50800" dist="38100" dir="5400000" algn="t" rotWithShape="0">
+              <a:prstClr val="black">
+                <a:alpha val="40000"/>
+              </a:prstClr>
+            </a:outerShdw>
+          </a:effectLst>
+        </p:spPr>
+        <p:style>
+          <a:lnRef idx="1">
+            <a:schemeClr val="accent1"/>
+          </a:lnRef>
+          <a:fillRef idx="0">
+            <a:schemeClr val="accent1"/>
+          </a:fillRef>
+          <a:effectRef idx="0">
+            <a:schemeClr val="accent1"/>
+          </a:effectRef>
+          <a:fontRef idx="minor">
+            <a:schemeClr val="tx1"/>
+          </a:fontRef>
+        </p:style>
+      </p:cxnSp>
+      <p:cxnSp>
+        <p:nvCxnSpPr>
+          <p:cNvPr id="46" name="Straight Arrow Connector 45"/>
+          <p:cNvCxnSpPr/>
+          <p:nvPr/>
+        </p:nvCxnSpPr>
+        <p:spPr>
+          <a:xfrm>
+            <a:off x="8670962" y="2929779"/>
+            <a:ext cx="795123" cy="307702"/>
+          </a:xfrm>
+          <a:prstGeom prst="straightConnector1">
+            <a:avLst/>
+          </a:prstGeom>
+          <a:ln>
+            <a:tailEnd type="triangle"/>
+          </a:ln>
+          <a:effectLst>
+            <a:outerShdw blurRad="50800" dist="38100" dir="5400000" algn="t" rotWithShape="0">
+              <a:prstClr val="black">
+                <a:alpha val="40000"/>
+              </a:prstClr>
+            </a:outerShdw>
+          </a:effectLst>
+        </p:spPr>
+        <p:style>
+          <a:lnRef idx="1">
+            <a:schemeClr val="accent1"/>
+          </a:lnRef>
+          <a:fillRef idx="0">
+            <a:schemeClr val="accent1"/>
+          </a:fillRef>
+          <a:effectRef idx="0">
+            <a:schemeClr val="accent1"/>
+          </a:effectRef>
+          <a:fontRef idx="minor">
+            <a:schemeClr val="tx1"/>
+          </a:fontRef>
+        </p:style>
+      </p:cxnSp>
+      <p:cxnSp>
+        <p:nvCxnSpPr>
+          <p:cNvPr id="47" name="Straight Arrow Connector 46"/>
+          <p:cNvCxnSpPr/>
+          <p:nvPr/>
+        </p:nvCxnSpPr>
+        <p:spPr>
+          <a:xfrm>
+            <a:off x="8721225" y="4628561"/>
+            <a:ext cx="795123" cy="307702"/>
+          </a:xfrm>
+          <a:prstGeom prst="straightConnector1">
+            <a:avLst/>
+          </a:prstGeom>
+          <a:ln>
+            <a:tailEnd type="triangle"/>
+          </a:ln>
+          <a:effectLst>
+            <a:outerShdw blurRad="50800" dist="38100" dir="5400000" algn="t" rotWithShape="0">
+              <a:prstClr val="black">
+                <a:alpha val="40000"/>
+              </a:prstClr>
+            </a:outerShdw>
+          </a:effectLst>
+        </p:spPr>
+        <p:style>
+          <a:lnRef idx="1">
+            <a:schemeClr val="accent1"/>
+          </a:lnRef>
+          <a:fillRef idx="0">
+            <a:schemeClr val="accent1"/>
+          </a:fillRef>
+          <a:effectRef idx="0">
+            <a:schemeClr val="accent1"/>
+          </a:effectRef>
+          <a:fontRef idx="minor">
+            <a:schemeClr val="tx1"/>
+          </a:fontRef>
+        </p:style>
+      </p:cxnSp>
+      <p:cxnSp>
+        <p:nvCxnSpPr>
+          <p:cNvPr id="48" name="Straight Arrow Connector 47"/>
+          <p:cNvCxnSpPr/>
+          <p:nvPr/>
+        </p:nvCxnSpPr>
+        <p:spPr>
+          <a:xfrm>
+            <a:off x="8721225" y="6465808"/>
+            <a:ext cx="767549" cy="69903"/>
+          </a:xfrm>
+          <a:prstGeom prst="straightConnector1">
+            <a:avLst/>
+          </a:prstGeom>
+          <a:ln>
+            <a:tailEnd type="triangle"/>
+          </a:ln>
+          <a:effectLst>
+            <a:outerShdw blurRad="50800" dist="38100" dir="5400000" algn="t" rotWithShape="0">
+              <a:prstClr val="black">
+                <a:alpha val="40000"/>
+              </a:prstClr>
+            </a:outerShdw>
+          </a:effectLst>
+        </p:spPr>
+        <p:style>
+          <a:lnRef idx="1">
+            <a:schemeClr val="accent1"/>
+          </a:lnRef>
+          <a:fillRef idx="0">
+            <a:schemeClr val="accent1"/>
+          </a:fillRef>
+          <a:effectRef idx="0">
+            <a:schemeClr val="accent1"/>
+          </a:effectRef>
+          <a:fontRef idx="minor">
+            <a:schemeClr val="tx1"/>
+          </a:fontRef>
+        </p:style>
+      </p:cxnSp>
+      <p:cxnSp>
+        <p:nvCxnSpPr>
+          <p:cNvPr id="51" name="Straight Arrow Connector 50"/>
+          <p:cNvCxnSpPr/>
+          <p:nvPr/>
+        </p:nvCxnSpPr>
+        <p:spPr>
+          <a:xfrm flipV="1">
+            <a:off x="8734565" y="2352334"/>
+            <a:ext cx="731520" cy="365760"/>
+          </a:xfrm>
+          <a:prstGeom prst="straightConnector1">
+            <a:avLst/>
+          </a:prstGeom>
+          <a:ln>
+            <a:tailEnd type="triangle"/>
+          </a:ln>
+          <a:effectLst>
+            <a:outerShdw blurRad="50800" dist="38100" dir="5400000" algn="t" rotWithShape="0">
+              <a:prstClr val="black">
+                <a:alpha val="40000"/>
+              </a:prstClr>
+            </a:outerShdw>
+          </a:effectLst>
+        </p:spPr>
+        <p:style>
+          <a:lnRef idx="1">
+            <a:schemeClr val="accent1"/>
+          </a:lnRef>
+          <a:fillRef idx="0">
+            <a:schemeClr val="accent1"/>
+          </a:fillRef>
+          <a:effectRef idx="0">
+            <a:schemeClr val="accent1"/>
+          </a:effectRef>
+          <a:fontRef idx="minor">
+            <a:schemeClr val="tx1"/>
+          </a:fontRef>
+        </p:style>
+      </p:cxnSp>
+      <p:cxnSp>
+        <p:nvCxnSpPr>
+          <p:cNvPr id="52" name="Straight Arrow Connector 51"/>
+          <p:cNvCxnSpPr/>
+          <p:nvPr/>
+        </p:nvCxnSpPr>
+        <p:spPr>
+          <a:xfrm flipV="1">
+            <a:off x="8748384" y="4013964"/>
+            <a:ext cx="731520" cy="365760"/>
+          </a:xfrm>
+          <a:prstGeom prst="straightConnector1">
+            <a:avLst/>
+          </a:prstGeom>
+          <a:ln>
+            <a:tailEnd type="triangle"/>
+          </a:ln>
+          <a:effectLst>
+            <a:outerShdw blurRad="50800" dist="38100" dir="5400000" algn="t" rotWithShape="0">
+              <a:prstClr val="black">
+                <a:alpha val="40000"/>
+              </a:prstClr>
+            </a:outerShdw>
+          </a:effectLst>
+        </p:spPr>
+        <p:style>
+          <a:lnRef idx="1">
+            <a:schemeClr val="accent1"/>
+          </a:lnRef>
+          <a:fillRef idx="0">
+            <a:schemeClr val="accent1"/>
+          </a:fillRef>
+          <a:effectRef idx="0">
+            <a:schemeClr val="accent1"/>
+          </a:effectRef>
+          <a:fontRef idx="minor">
+            <a:schemeClr val="tx1"/>
+          </a:fontRef>
+        </p:style>
+      </p:cxnSp>
+      <p:cxnSp>
+        <p:nvCxnSpPr>
+          <p:cNvPr id="53" name="Straight Arrow Connector 52"/>
+          <p:cNvCxnSpPr/>
+          <p:nvPr/>
+        </p:nvCxnSpPr>
+        <p:spPr>
+          <a:xfrm flipV="1">
+            <a:off x="8748383" y="5826659"/>
+            <a:ext cx="731520" cy="365760"/>
+          </a:xfrm>
+          <a:prstGeom prst="straightConnector1">
+            <a:avLst/>
+          </a:prstGeom>
+          <a:ln>
+            <a:tailEnd type="triangle"/>
+          </a:ln>
+          <a:effectLst>
+            <a:outerShdw blurRad="50800" dist="38100" dir="5400000" algn="t" rotWithShape="0">
+              <a:prstClr val="black">
+                <a:alpha val="40000"/>
+              </a:prstClr>
+            </a:outerShdw>
+          </a:effectLst>
+        </p:spPr>
+        <p:style>
+          <a:lnRef idx="1">
+            <a:schemeClr val="accent1"/>
+          </a:lnRef>
+          <a:fillRef idx="0">
+            <a:schemeClr val="accent1"/>
+          </a:fillRef>
+          <a:effectRef idx="0">
+            <a:schemeClr val="accent1"/>
+          </a:effectRef>
+          <a:fontRef idx="minor">
+            <a:schemeClr val="tx1"/>
+          </a:fontRef>
+        </p:style>
+      </p:cxnSp>
+      <p:cxnSp>
+        <p:nvCxnSpPr>
+          <p:cNvPr id="49" name="Straight Arrow Connector 48"/>
+          <p:cNvCxnSpPr/>
+          <p:nvPr/>
+        </p:nvCxnSpPr>
+        <p:spPr>
+          <a:xfrm flipV="1">
+            <a:off x="6980885" y="896538"/>
+            <a:ext cx="734147" cy="273939"/>
+          </a:xfrm>
+          <a:prstGeom prst="straightConnector1">
+            <a:avLst/>
+          </a:prstGeom>
+          <a:ln>
+            <a:tailEnd type="triangle"/>
+          </a:ln>
+          <a:effectLst>
+            <a:outerShdw blurRad="50800" dist="38100" dir="5400000" algn="t" rotWithShape="0">
+              <a:prstClr val="black">
+                <a:alpha val="40000"/>
+              </a:prstClr>
+            </a:outerShdw>
+          </a:effectLst>
+        </p:spPr>
+        <p:style>
+          <a:lnRef idx="1">
+            <a:schemeClr val="accent1"/>
+          </a:lnRef>
+          <a:fillRef idx="0">
+            <a:schemeClr val="accent1"/>
+          </a:fillRef>
+          <a:effectRef idx="0">
+            <a:schemeClr val="accent1"/>
+          </a:effectRef>
+          <a:fontRef idx="minor">
+            <a:schemeClr val="tx1"/>
+          </a:fontRef>
+        </p:style>
+      </p:cxnSp>
+      <p:cxnSp>
+        <p:nvCxnSpPr>
+          <p:cNvPr id="50" name="Straight Arrow Connector 49"/>
+          <p:cNvCxnSpPr/>
+          <p:nvPr/>
+        </p:nvCxnSpPr>
+        <p:spPr>
+          <a:xfrm flipV="1">
+            <a:off x="6978737" y="2882716"/>
+            <a:ext cx="736295" cy="127295"/>
+          </a:xfrm>
+          <a:prstGeom prst="straightConnector1">
+            <a:avLst/>
+          </a:prstGeom>
+          <a:ln>
+            <a:tailEnd type="triangle"/>
+          </a:ln>
+          <a:effectLst>
+            <a:outerShdw blurRad="50800" dist="38100" dir="5400000" algn="t" rotWithShape="0">
+              <a:prstClr val="black">
+                <a:alpha val="40000"/>
+              </a:prstClr>
+            </a:outerShdw>
+          </a:effectLst>
+        </p:spPr>
+        <p:style>
+          <a:lnRef idx="1">
+            <a:schemeClr val="accent1"/>
+          </a:lnRef>
+          <a:fillRef idx="0">
+            <a:schemeClr val="accent1"/>
+          </a:fillRef>
+          <a:effectRef idx="0">
+            <a:schemeClr val="accent1"/>
+          </a:effectRef>
+          <a:fontRef idx="minor">
+            <a:schemeClr val="tx1"/>
+          </a:fontRef>
+        </p:style>
+      </p:cxnSp>
+      <p:cxnSp>
+        <p:nvCxnSpPr>
+          <p:cNvPr id="54" name="Straight Arrow Connector 53"/>
+          <p:cNvCxnSpPr/>
+          <p:nvPr/>
+        </p:nvCxnSpPr>
+        <p:spPr>
+          <a:xfrm>
+            <a:off x="6937952" y="4166964"/>
+            <a:ext cx="777080" cy="148978"/>
+          </a:xfrm>
+          <a:prstGeom prst="straightConnector1">
+            <a:avLst/>
+          </a:prstGeom>
+          <a:ln>
+            <a:tailEnd type="triangle"/>
+          </a:ln>
+          <a:effectLst>
+            <a:outerShdw blurRad="50800" dist="38100" dir="5400000" algn="t" rotWithShape="0">
+              <a:prstClr val="black">
+                <a:alpha val="40000"/>
+              </a:prstClr>
+            </a:outerShdw>
+          </a:effectLst>
+        </p:spPr>
+        <p:style>
+          <a:lnRef idx="1">
+            <a:schemeClr val="accent1"/>
+          </a:lnRef>
+          <a:fillRef idx="0">
+            <a:schemeClr val="accent1"/>
+          </a:fillRef>
+          <a:effectRef idx="0">
+            <a:schemeClr val="accent1"/>
+          </a:effectRef>
+          <a:fontRef idx="minor">
+            <a:schemeClr val="tx1"/>
+          </a:fontRef>
+        </p:style>
+      </p:cxnSp>
+      <p:cxnSp>
+        <p:nvCxnSpPr>
+          <p:cNvPr id="55" name="Straight Arrow Connector 54"/>
+          <p:cNvCxnSpPr/>
+          <p:nvPr/>
+        </p:nvCxnSpPr>
+        <p:spPr>
+          <a:xfrm>
+            <a:off x="6897167" y="5903460"/>
+            <a:ext cx="872773" cy="288959"/>
+          </a:xfrm>
+          <a:prstGeom prst="straightConnector1">
+            <a:avLst/>
+          </a:prstGeom>
+          <a:ln>
+            <a:tailEnd type="triangle"/>
+          </a:ln>
+          <a:effectLst>
+            <a:outerShdw blurRad="50800" dist="38100" dir="5400000" algn="t" rotWithShape="0">
+              <a:prstClr val="black">
+                <a:alpha val="40000"/>
+              </a:prstClr>
+            </a:outerShdw>
+          </a:effectLst>
+        </p:spPr>
+        <p:style>
+          <a:lnRef idx="1">
+            <a:schemeClr val="accent1"/>
+          </a:lnRef>
+          <a:fillRef idx="0">
+            <a:schemeClr val="accent1"/>
+          </a:fillRef>
+          <a:effectRef idx="0">
+            <a:schemeClr val="accent1"/>
+          </a:effectRef>
+          <a:fontRef idx="minor">
+            <a:schemeClr val="tx1"/>
+          </a:fontRef>
+        </p:style>
+      </p:cxnSp>
+      <p:cxnSp>
+        <p:nvCxnSpPr>
+          <p:cNvPr id="56" name="Straight Arrow Connector 55"/>
+          <p:cNvCxnSpPr/>
+          <p:nvPr/>
+        </p:nvCxnSpPr>
+        <p:spPr>
+          <a:xfrm flipV="1">
+            <a:off x="5420399" y="1510873"/>
+            <a:ext cx="645550" cy="494584"/>
+          </a:xfrm>
+          <a:prstGeom prst="straightConnector1">
+            <a:avLst/>
+          </a:prstGeom>
+          <a:ln>
+            <a:tailEnd type="triangle"/>
+          </a:ln>
+          <a:effectLst>
+            <a:outerShdw blurRad="50800" dist="38100" dir="5400000" algn="t" rotWithShape="0">
+              <a:prstClr val="black">
+                <a:alpha val="40000"/>
+              </a:prstClr>
+            </a:outerShdw>
+          </a:effectLst>
+        </p:spPr>
+        <p:style>
+          <a:lnRef idx="1">
+            <a:schemeClr val="accent1"/>
+          </a:lnRef>
+          <a:fillRef idx="0">
+            <a:schemeClr val="accent1"/>
+          </a:fillRef>
+          <a:effectRef idx="0">
+            <a:schemeClr val="accent1"/>
+          </a:effectRef>
+          <a:fontRef idx="minor">
+            <a:schemeClr val="tx1"/>
+          </a:fontRef>
+        </p:style>
+      </p:cxnSp>
+      <p:cxnSp>
+        <p:nvCxnSpPr>
+          <p:cNvPr id="58" name="Straight Arrow Connector 57"/>
+          <p:cNvCxnSpPr/>
+          <p:nvPr/>
+        </p:nvCxnSpPr>
+        <p:spPr>
+          <a:xfrm>
+            <a:off x="5396187" y="2466237"/>
+            <a:ext cx="736169" cy="416479"/>
+          </a:xfrm>
+          <a:prstGeom prst="straightConnector1">
+            <a:avLst/>
+          </a:prstGeom>
+          <a:ln>
+            <a:tailEnd type="triangle"/>
+          </a:ln>
+          <a:effectLst>
+            <a:outerShdw blurRad="50800" dist="38100" dir="5400000" algn="t" rotWithShape="0">
+              <a:prstClr val="black">
+                <a:alpha val="40000"/>
+              </a:prstClr>
+            </a:outerShdw>
+          </a:effectLst>
+        </p:spPr>
+        <p:style>
+          <a:lnRef idx="1">
+            <a:schemeClr val="accent1"/>
+          </a:lnRef>
+          <a:fillRef idx="0">
+            <a:schemeClr val="accent1"/>
+          </a:fillRef>
+          <a:effectRef idx="0">
+            <a:schemeClr val="accent1"/>
+          </a:effectRef>
+          <a:fontRef idx="minor">
+            <a:schemeClr val="tx1"/>
+          </a:fontRef>
+        </p:style>
+      </p:cxnSp>
+      <p:cxnSp>
+        <p:nvCxnSpPr>
+          <p:cNvPr id="60" name="Straight Arrow Connector 59"/>
+          <p:cNvCxnSpPr/>
+          <p:nvPr/>
+        </p:nvCxnSpPr>
+        <p:spPr>
+          <a:xfrm flipV="1">
+            <a:off x="5385321" y="4241049"/>
+            <a:ext cx="680628" cy="276926"/>
+          </a:xfrm>
+          <a:prstGeom prst="straightConnector1">
+            <a:avLst/>
+          </a:prstGeom>
+          <a:ln>
+            <a:tailEnd type="triangle"/>
+          </a:ln>
+          <a:effectLst>
+            <a:outerShdw blurRad="50800" dist="38100" dir="5400000" algn="t" rotWithShape="0">
+              <a:prstClr val="black">
+                <a:alpha val="40000"/>
+              </a:prstClr>
+            </a:outerShdw>
+          </a:effectLst>
+        </p:spPr>
+        <p:style>
+          <a:lnRef idx="1">
+            <a:schemeClr val="accent1"/>
+          </a:lnRef>
+          <a:fillRef idx="0">
+            <a:schemeClr val="accent1"/>
+          </a:fillRef>
+          <a:effectRef idx="0">
+            <a:schemeClr val="accent1"/>
+          </a:effectRef>
+          <a:fontRef idx="minor">
+            <a:schemeClr val="tx1"/>
+          </a:fontRef>
+        </p:style>
+      </p:cxnSp>
+      <p:cxnSp>
+        <p:nvCxnSpPr>
+          <p:cNvPr id="62" name="Straight Arrow Connector 61"/>
+          <p:cNvCxnSpPr/>
+          <p:nvPr/>
+        </p:nvCxnSpPr>
+        <p:spPr>
+          <a:xfrm>
+            <a:off x="5393277" y="5044459"/>
+            <a:ext cx="628055" cy="457541"/>
+          </a:xfrm>
+          <a:prstGeom prst="straightConnector1">
+            <a:avLst/>
+          </a:prstGeom>
+          <a:ln>
+            <a:tailEnd type="triangle"/>
+          </a:ln>
+          <a:effectLst>
+            <a:outerShdw blurRad="50800" dist="38100" dir="5400000" algn="t" rotWithShape="0">
+              <a:prstClr val="black">
+                <a:alpha val="40000"/>
+              </a:prstClr>
+            </a:outerShdw>
+          </a:effectLst>
+        </p:spPr>
+        <p:style>
+          <a:lnRef idx="1">
+            <a:schemeClr val="accent1"/>
+          </a:lnRef>
+          <a:fillRef idx="0">
+            <a:schemeClr val="accent1"/>
+          </a:fillRef>
+          <a:effectRef idx="0">
+            <a:schemeClr val="accent1"/>
+          </a:effectRef>
+          <a:fontRef idx="minor">
+            <a:schemeClr val="tx1"/>
+          </a:fontRef>
+        </p:style>
+      </p:cxnSp>
+      <p:cxnSp>
+        <p:nvCxnSpPr>
+          <p:cNvPr id="64" name="Straight Arrow Connector 63"/>
+          <p:cNvCxnSpPr/>
+          <p:nvPr/>
+        </p:nvCxnSpPr>
+        <p:spPr>
+          <a:xfrm>
+            <a:off x="3809740" y="2283310"/>
+            <a:ext cx="698664" cy="5794"/>
+          </a:xfrm>
+          <a:prstGeom prst="straightConnector1">
+            <a:avLst/>
+          </a:prstGeom>
+          <a:ln>
+            <a:tailEnd type="triangle"/>
+          </a:ln>
+          <a:effectLst>
+            <a:outerShdw blurRad="50800" dist="38100" dir="5400000" algn="t" rotWithShape="0">
+              <a:prstClr val="black">
+                <a:alpha val="40000"/>
+              </a:prstClr>
+            </a:outerShdw>
+          </a:effectLst>
+        </p:spPr>
+        <p:style>
+          <a:lnRef idx="1">
+            <a:schemeClr val="accent1"/>
+          </a:lnRef>
+          <a:fillRef idx="0">
+            <a:schemeClr val="accent1"/>
+          </a:fillRef>
+          <a:effectRef idx="0">
+            <a:schemeClr val="accent1"/>
+          </a:effectRef>
+          <a:fontRef idx="minor">
+            <a:schemeClr val="tx1"/>
+          </a:fontRef>
+        </p:style>
+      </p:cxnSp>
+      <p:cxnSp>
+        <p:nvCxnSpPr>
+          <p:cNvPr id="66" name="Straight Arrow Connector 65"/>
+          <p:cNvCxnSpPr/>
+          <p:nvPr/>
+        </p:nvCxnSpPr>
+        <p:spPr>
+          <a:xfrm>
+            <a:off x="3691681" y="4715271"/>
+            <a:ext cx="698664" cy="5794"/>
+          </a:xfrm>
+          <a:prstGeom prst="straightConnector1">
+            <a:avLst/>
+          </a:prstGeom>
+          <a:ln>
+            <a:tailEnd type="triangle"/>
+          </a:ln>
+          <a:effectLst>
+            <a:outerShdw blurRad="50800" dist="38100" dir="5400000" algn="t" rotWithShape="0">
+              <a:prstClr val="black">
+                <a:alpha val="40000"/>
+              </a:prstClr>
+            </a:outerShdw>
+          </a:effectLst>
+        </p:spPr>
+        <p:style>
+          <a:lnRef idx="1">
+            <a:schemeClr val="accent1"/>
+          </a:lnRef>
+          <a:fillRef idx="0">
+            <a:schemeClr val="accent1"/>
+          </a:fillRef>
+          <a:effectRef idx="0">
+            <a:schemeClr val="accent1"/>
+          </a:effectRef>
+          <a:fontRef idx="minor">
+            <a:schemeClr val="tx1"/>
+          </a:fontRef>
+        </p:style>
+      </p:cxnSp>
+      <p:cxnSp>
+        <p:nvCxnSpPr>
+          <p:cNvPr id="67" name="Straight Arrow Connector 66"/>
+          <p:cNvCxnSpPr/>
+          <p:nvPr/>
+        </p:nvCxnSpPr>
+        <p:spPr>
+          <a:xfrm flipV="1">
+            <a:off x="2370280" y="2535214"/>
+            <a:ext cx="553224" cy="622242"/>
+          </a:xfrm>
+          <a:prstGeom prst="straightConnector1">
+            <a:avLst/>
+          </a:prstGeom>
+          <a:ln>
+            <a:tailEnd type="triangle"/>
+          </a:ln>
+          <a:effectLst>
+            <a:outerShdw blurRad="50800" dist="38100" dir="5400000" algn="t" rotWithShape="0">
+              <a:prstClr val="black">
+                <a:alpha val="40000"/>
+              </a:prstClr>
+            </a:outerShdw>
+          </a:effectLst>
+        </p:spPr>
+        <p:style>
+          <a:lnRef idx="1">
+            <a:schemeClr val="accent1"/>
+          </a:lnRef>
+          <a:fillRef idx="0">
+            <a:schemeClr val="accent1"/>
+          </a:fillRef>
+          <a:effectRef idx="0">
+            <a:schemeClr val="accent1"/>
+          </a:effectRef>
+          <a:fontRef idx="minor">
+            <a:schemeClr val="tx1"/>
+          </a:fontRef>
+        </p:style>
+      </p:cxnSp>
+      <p:cxnSp>
+        <p:nvCxnSpPr>
+          <p:cNvPr id="69" name="Straight Arrow Connector 68"/>
+          <p:cNvCxnSpPr/>
+          <p:nvPr/>
+        </p:nvCxnSpPr>
+        <p:spPr>
+          <a:xfrm>
+            <a:off x="2453079" y="3956885"/>
+            <a:ext cx="566713" cy="436342"/>
+          </a:xfrm>
+          <a:prstGeom prst="straightConnector1">
+            <a:avLst/>
+          </a:prstGeom>
+          <a:ln>
+            <a:tailEnd type="triangle"/>
+          </a:ln>
+          <a:effectLst>
+            <a:outerShdw blurRad="50800" dist="38100" dir="5400000" algn="t" rotWithShape="0">
+              <a:prstClr val="black">
+                <a:alpha val="40000"/>
+              </a:prstClr>
+            </a:outerShdw>
+          </a:effectLst>
+        </p:spPr>
+        <p:style>
+          <a:lnRef idx="1">
+            <a:schemeClr val="accent1"/>
+          </a:lnRef>
+          <a:fillRef idx="0">
+            <a:schemeClr val="accent1"/>
+          </a:fillRef>
+          <a:effectRef idx="0">
+            <a:schemeClr val="accent1"/>
+          </a:effectRef>
+          <a:fontRef idx="minor">
+            <a:schemeClr val="tx1"/>
+          </a:fontRef>
+        </p:style>
+      </p:cxnSp>
+      <p:cxnSp>
+        <p:nvCxnSpPr>
+          <p:cNvPr id="72" name="Straight Arrow Connector 71"/>
+          <p:cNvCxnSpPr/>
+          <p:nvPr/>
+        </p:nvCxnSpPr>
+        <p:spPr>
+          <a:xfrm>
+            <a:off x="943167" y="3667348"/>
+            <a:ext cx="698664" cy="5794"/>
+          </a:xfrm>
+          <a:prstGeom prst="straightConnector1">
+            <a:avLst/>
+          </a:prstGeom>
+          <a:ln>
+            <a:tailEnd type="triangle"/>
+          </a:ln>
+          <a:effectLst>
+            <a:outerShdw blurRad="50800" dist="38100" dir="5400000" algn="t" rotWithShape="0">
+              <a:prstClr val="black">
+                <a:alpha val="40000"/>
+              </a:prstClr>
+            </a:outerShdw>
+          </a:effectLst>
+        </p:spPr>
+        <p:style>
+          <a:lnRef idx="1">
+            <a:schemeClr val="accent1"/>
+          </a:lnRef>
+          <a:fillRef idx="0">
+            <a:schemeClr val="accent1"/>
+          </a:fillRef>
+          <a:effectRef idx="0">
+            <a:schemeClr val="accent1"/>
+          </a:effectRef>
+          <a:fontRef idx="minor">
+            <a:schemeClr val="tx1"/>
+          </a:fontRef>
+        </p:style>
+      </p:cxnSp>
+    </p:spTree>
+    <p:extLst>
+      <p:ext uri="{BB962C8B-B14F-4D97-AF65-F5344CB8AC3E}">
+        <p14:creationId xmlns:p14="http://schemas.microsoft.com/office/powerpoint/2010/main" val="1641149290"/>
+      </p:ext>
+    </p:extLst>
+  </p:cSld>
+  <p:clrMapOvr>
+    <a:masterClrMapping/>
+  </p:clrMapOvr>
+</p:sld>
+</file>
+
+<file path=ppt/slides/slide30.xml><?xml version="1.0" encoding="utf-8"?>
 <p:sld xmlns:a="http://schemas.openxmlformats.org/drawingml/2006/main" xmlns:r="http://schemas.openxmlformats.org/officeDocument/2006/relationships" xmlns:p="http://schemas.openxmlformats.org/presentationml/2006/main" showMasterSp="0">
   <p:cSld>
     <p:spTree>
@@ -29854,1916 +33067,6 @@
 </p:sld>
 </file>
 
-<file path=ppt/slides/slide3.xml><?xml version="1.0" encoding="utf-8"?>
-<p:sld xmlns:a="http://schemas.openxmlformats.org/drawingml/2006/main" xmlns:r="http://schemas.openxmlformats.org/officeDocument/2006/relationships" xmlns:p="http://schemas.openxmlformats.org/presentationml/2006/main">
-  <p:cSld>
-    <p:spTree>
-      <p:nvGrpSpPr>
-        <p:cNvPr id="1" name=""/>
-        <p:cNvGrpSpPr/>
-        <p:nvPr/>
-      </p:nvGrpSpPr>
-      <p:grpSpPr>
-        <a:xfrm>
-          <a:off x="0" y="0"/>
-          <a:ext cx="0" cy="0"/>
-          <a:chOff x="0" y="0"/>
-          <a:chExt cx="0" cy="0"/>
-        </a:xfrm>
-      </p:grpSpPr>
-      <p:sp>
-        <p:nvSpPr>
-          <p:cNvPr id="4" name="Rectangle 3"/>
-          <p:cNvSpPr/>
-          <p:nvPr/>
-        </p:nvSpPr>
-        <p:spPr>
-          <a:xfrm>
-            <a:off x="424317" y="246861"/>
-            <a:ext cx="4586512" cy="1754326"/>
-          </a:xfrm>
-          <a:prstGeom prst="rect">
-            <a:avLst/>
-          </a:prstGeom>
-          <a:noFill/>
-        </p:spPr>
-        <p:txBody>
-          <a:bodyPr wrap="none" lIns="91440" tIns="45720" rIns="91440" bIns="45720">
-            <a:spAutoFit/>
-          </a:bodyPr>
-          <a:lstStyle/>
-          <a:p>
-            <a:pPr algn="ctr"/>
-            <a:r>
-              <a:rPr lang="en-US" sz="5400" b="0" cap="none" spc="0" dirty="0" smtClean="0">
-                <a:ln w="0"/>
-                <a:solidFill>
-                  <a:schemeClr val="tx1"/>
-                </a:solidFill>
-                <a:effectLst>
-                  <a:outerShdw blurRad="38100" dist="19050" dir="2700000" algn="tl" rotWithShape="0">
-                    <a:schemeClr val="dk1">
-                      <a:alpha val="40000"/>
-                    </a:schemeClr>
-                  </a:outerShdw>
-                </a:effectLst>
-              </a:rPr>
-              <a:t>Nuclear Fission </a:t>
-            </a:r>
-          </a:p>
-          <a:p>
-            <a:pPr algn="ctr"/>
-            <a:r>
-              <a:rPr lang="en-US" sz="5400" b="0" cap="none" spc="0" dirty="0" smtClean="0">
-                <a:ln w="0"/>
-                <a:solidFill>
-                  <a:schemeClr val="tx1"/>
-                </a:solidFill>
-                <a:effectLst>
-                  <a:outerShdw blurRad="38100" dist="19050" dir="2700000" algn="tl" rotWithShape="0">
-                    <a:schemeClr val="dk1">
-                      <a:alpha val="40000"/>
-                    </a:schemeClr>
-                  </a:outerShdw>
-                </a:effectLst>
-              </a:rPr>
-              <a:t>Chain Reaction</a:t>
-            </a:r>
-            <a:endParaRPr lang="en-US" sz="5400" b="0" cap="none" spc="0" dirty="0">
-              <a:ln w="0"/>
-              <a:solidFill>
-                <a:schemeClr val="tx1"/>
-              </a:solidFill>
-              <a:effectLst>
-                <a:outerShdw blurRad="38100" dist="19050" dir="2700000" algn="tl" rotWithShape="0">
-                  <a:schemeClr val="dk1">
-                    <a:alpha val="40000"/>
-                  </a:schemeClr>
-                </a:outerShdw>
-              </a:effectLst>
-            </a:endParaRPr>
-          </a:p>
-        </p:txBody>
-      </p:sp>
-      <p:sp>
-        <p:nvSpPr>
-          <p:cNvPr id="5" name="Flowchart: Connector 4"/>
-          <p:cNvSpPr/>
-          <p:nvPr/>
-        </p:nvSpPr>
-        <p:spPr>
-          <a:xfrm>
-            <a:off x="327117" y="3468826"/>
-            <a:ext cx="457200" cy="457200"/>
-          </a:xfrm>
-          <a:prstGeom prst="flowChartConnector">
-            <a:avLst/>
-          </a:prstGeom>
-          <a:ln>
-            <a:solidFill>
-              <a:schemeClr val="tx1"/>
-            </a:solidFill>
-          </a:ln>
-        </p:spPr>
-        <p:style>
-          <a:lnRef idx="2">
-            <a:schemeClr val="accent1">
-              <a:shade val="50000"/>
-            </a:schemeClr>
-          </a:lnRef>
-          <a:fillRef idx="1">
-            <a:schemeClr val="accent1"/>
-          </a:fillRef>
-          <a:effectRef idx="0">
-            <a:schemeClr val="accent1"/>
-          </a:effectRef>
-          <a:fontRef idx="minor">
-            <a:schemeClr val="lt1"/>
-          </a:fontRef>
-        </p:style>
-        <p:txBody>
-          <a:bodyPr rtlCol="0" anchor="ctr"/>
-          <a:lstStyle/>
-          <a:p>
-            <a:pPr algn="ctr"/>
-            <a:endParaRPr lang="en-US"/>
-          </a:p>
-        </p:txBody>
-      </p:sp>
-      <p:sp>
-        <p:nvSpPr>
-          <p:cNvPr id="6" name="Flowchart: Connector 5"/>
-          <p:cNvSpPr/>
-          <p:nvPr/>
-        </p:nvSpPr>
-        <p:spPr>
-          <a:xfrm>
-            <a:off x="3068472" y="4450306"/>
-            <a:ext cx="457200" cy="457200"/>
-          </a:xfrm>
-          <a:prstGeom prst="flowChartConnector">
-            <a:avLst/>
-          </a:prstGeom>
-          <a:ln>
-            <a:solidFill>
-              <a:schemeClr val="tx1"/>
-            </a:solidFill>
-          </a:ln>
-        </p:spPr>
-        <p:style>
-          <a:lnRef idx="2">
-            <a:schemeClr val="accent1">
-              <a:shade val="50000"/>
-            </a:schemeClr>
-          </a:lnRef>
-          <a:fillRef idx="1">
-            <a:schemeClr val="accent1"/>
-          </a:fillRef>
-          <a:effectRef idx="0">
-            <a:schemeClr val="accent1"/>
-          </a:effectRef>
-          <a:fontRef idx="minor">
-            <a:schemeClr val="lt1"/>
-          </a:fontRef>
-        </p:style>
-        <p:txBody>
-          <a:bodyPr rtlCol="0" anchor="ctr"/>
-          <a:lstStyle/>
-          <a:p>
-            <a:pPr algn="ctr"/>
-            <a:endParaRPr lang="en-US"/>
-          </a:p>
-        </p:txBody>
-      </p:sp>
-      <p:sp>
-        <p:nvSpPr>
-          <p:cNvPr id="7" name="Flowchart: Connector 6"/>
-          <p:cNvSpPr/>
-          <p:nvPr/>
-        </p:nvSpPr>
-        <p:spPr>
-          <a:xfrm>
-            <a:off x="3068472" y="2070394"/>
-            <a:ext cx="457200" cy="457200"/>
-          </a:xfrm>
-          <a:prstGeom prst="flowChartConnector">
-            <a:avLst/>
-          </a:prstGeom>
-          <a:ln>
-            <a:solidFill>
-              <a:schemeClr val="tx1"/>
-            </a:solidFill>
-          </a:ln>
-        </p:spPr>
-        <p:style>
-          <a:lnRef idx="2">
-            <a:schemeClr val="accent1">
-              <a:shade val="50000"/>
-            </a:schemeClr>
-          </a:lnRef>
-          <a:fillRef idx="1">
-            <a:schemeClr val="accent1"/>
-          </a:fillRef>
-          <a:effectRef idx="0">
-            <a:schemeClr val="accent1"/>
-          </a:effectRef>
-          <a:fontRef idx="minor">
-            <a:schemeClr val="lt1"/>
-          </a:fontRef>
-        </p:style>
-        <p:txBody>
-          <a:bodyPr rtlCol="0" anchor="ctr"/>
-          <a:lstStyle/>
-          <a:p>
-            <a:pPr algn="ctr"/>
-            <a:endParaRPr lang="en-US"/>
-          </a:p>
-        </p:txBody>
-      </p:sp>
-      <p:sp>
-        <p:nvSpPr>
-          <p:cNvPr id="8" name="Flowchart: Connector 7"/>
-          <p:cNvSpPr/>
-          <p:nvPr/>
-        </p:nvSpPr>
-        <p:spPr>
-          <a:xfrm>
-            <a:off x="6222524" y="2780281"/>
-            <a:ext cx="457200" cy="457200"/>
-          </a:xfrm>
-          <a:prstGeom prst="flowChartConnector">
-            <a:avLst/>
-          </a:prstGeom>
-          <a:ln>
-            <a:solidFill>
-              <a:schemeClr val="tx1"/>
-            </a:solidFill>
-          </a:ln>
-        </p:spPr>
-        <p:style>
-          <a:lnRef idx="2">
-            <a:schemeClr val="accent1">
-              <a:shade val="50000"/>
-            </a:schemeClr>
-          </a:lnRef>
-          <a:fillRef idx="1">
-            <a:schemeClr val="accent1"/>
-          </a:fillRef>
-          <a:effectRef idx="0">
-            <a:schemeClr val="accent1"/>
-          </a:effectRef>
-          <a:fontRef idx="minor">
-            <a:schemeClr val="lt1"/>
-          </a:fontRef>
-        </p:style>
-        <p:txBody>
-          <a:bodyPr rtlCol="0" anchor="ctr"/>
-          <a:lstStyle/>
-          <a:p>
-            <a:pPr algn="ctr"/>
-            <a:endParaRPr lang="en-US"/>
-          </a:p>
-        </p:txBody>
-      </p:sp>
-      <p:sp>
-        <p:nvSpPr>
-          <p:cNvPr id="9" name="Flowchart: Connector 8"/>
-          <p:cNvSpPr/>
-          <p:nvPr/>
-        </p:nvSpPr>
-        <p:spPr>
-          <a:xfrm>
-            <a:off x="6222524" y="1084417"/>
-            <a:ext cx="457200" cy="457200"/>
-          </a:xfrm>
-          <a:prstGeom prst="flowChartConnector">
-            <a:avLst/>
-          </a:prstGeom>
-          <a:ln>
-            <a:solidFill>
-              <a:schemeClr val="tx1"/>
-            </a:solidFill>
-          </a:ln>
-        </p:spPr>
-        <p:style>
-          <a:lnRef idx="2">
-            <a:schemeClr val="accent1">
-              <a:shade val="50000"/>
-            </a:schemeClr>
-          </a:lnRef>
-          <a:fillRef idx="1">
-            <a:schemeClr val="accent1"/>
-          </a:fillRef>
-          <a:effectRef idx="0">
-            <a:schemeClr val="accent1"/>
-          </a:effectRef>
-          <a:fontRef idx="minor">
-            <a:schemeClr val="lt1"/>
-          </a:fontRef>
-        </p:style>
-        <p:txBody>
-          <a:bodyPr rtlCol="0" anchor="ctr"/>
-          <a:lstStyle/>
-          <a:p>
-            <a:pPr algn="ctr"/>
-            <a:endParaRPr lang="en-US"/>
-          </a:p>
-        </p:txBody>
-      </p:sp>
-      <p:sp>
-        <p:nvSpPr>
-          <p:cNvPr id="10" name="Flowchart: Connector 9"/>
-          <p:cNvSpPr/>
-          <p:nvPr/>
-        </p:nvSpPr>
-        <p:spPr>
-          <a:xfrm>
-            <a:off x="6222524" y="5502000"/>
-            <a:ext cx="457200" cy="457200"/>
-          </a:xfrm>
-          <a:prstGeom prst="flowChartConnector">
-            <a:avLst/>
-          </a:prstGeom>
-          <a:ln>
-            <a:solidFill>
-              <a:schemeClr val="tx1"/>
-            </a:solidFill>
-          </a:ln>
-        </p:spPr>
-        <p:style>
-          <a:lnRef idx="2">
-            <a:schemeClr val="accent1">
-              <a:shade val="50000"/>
-            </a:schemeClr>
-          </a:lnRef>
-          <a:fillRef idx="1">
-            <a:schemeClr val="accent1"/>
-          </a:fillRef>
-          <a:effectRef idx="0">
-            <a:schemeClr val="accent1"/>
-          </a:effectRef>
-          <a:fontRef idx="minor">
-            <a:schemeClr val="lt1"/>
-          </a:fontRef>
-        </p:style>
-        <p:txBody>
-          <a:bodyPr rtlCol="0" anchor="ctr"/>
-          <a:lstStyle/>
-          <a:p>
-            <a:pPr algn="ctr"/>
-            <a:endParaRPr lang="en-US"/>
-          </a:p>
-        </p:txBody>
-      </p:sp>
-      <p:sp>
-        <p:nvSpPr>
-          <p:cNvPr id="11" name="Flowchart: Connector 10"/>
-          <p:cNvSpPr/>
-          <p:nvPr/>
-        </p:nvSpPr>
-        <p:spPr>
-          <a:xfrm>
-            <a:off x="6247795" y="3926026"/>
-            <a:ext cx="457200" cy="457200"/>
-          </a:xfrm>
-          <a:prstGeom prst="flowChartConnector">
-            <a:avLst/>
-          </a:prstGeom>
-          <a:ln>
-            <a:solidFill>
-              <a:schemeClr val="tx1"/>
-            </a:solidFill>
-          </a:ln>
-        </p:spPr>
-        <p:style>
-          <a:lnRef idx="2">
-            <a:schemeClr val="accent1">
-              <a:shade val="50000"/>
-            </a:schemeClr>
-          </a:lnRef>
-          <a:fillRef idx="1">
-            <a:schemeClr val="accent1"/>
-          </a:fillRef>
-          <a:effectRef idx="0">
-            <a:schemeClr val="accent1"/>
-          </a:effectRef>
-          <a:fontRef idx="minor">
-            <a:schemeClr val="lt1"/>
-          </a:fontRef>
-        </p:style>
-        <p:txBody>
-          <a:bodyPr rtlCol="0" anchor="ctr"/>
-          <a:lstStyle/>
-          <a:p>
-            <a:pPr algn="ctr"/>
-            <a:endParaRPr lang="en-US"/>
-          </a:p>
-        </p:txBody>
-      </p:sp>
-      <p:pic>
-        <p:nvPicPr>
-          <p:cNvPr id="12" name="Picture 11"/>
-          <p:cNvPicPr>
-            <a:picLocks noChangeAspect="1"/>
-          </p:cNvPicPr>
-          <p:nvPr/>
-        </p:nvPicPr>
-        <p:blipFill>
-          <a:blip r:embed="rId2"/>
-          <a:stretch>
-            <a:fillRect/>
-          </a:stretch>
-        </p:blipFill>
-        <p:spPr>
-          <a:xfrm>
-            <a:off x="1680758" y="3191855"/>
-            <a:ext cx="636541" cy="962574"/>
-          </a:xfrm>
-          <a:prstGeom prst="rect">
-            <a:avLst/>
-          </a:prstGeom>
-        </p:spPr>
-      </p:pic>
-      <p:pic>
-        <p:nvPicPr>
-          <p:cNvPr id="13" name="Picture 12"/>
-          <p:cNvPicPr>
-            <a:picLocks noChangeAspect="1"/>
-          </p:cNvPicPr>
-          <p:nvPr/>
-        </p:nvPicPr>
-        <p:blipFill>
-          <a:blip r:embed="rId2"/>
-          <a:stretch>
-            <a:fillRect/>
-          </a:stretch>
-        </p:blipFill>
-        <p:spPr>
-          <a:xfrm>
-            <a:off x="4759646" y="1824459"/>
-            <a:ext cx="636541" cy="962574"/>
-          </a:xfrm>
-          <a:prstGeom prst="rect">
-            <a:avLst/>
-          </a:prstGeom>
-        </p:spPr>
-      </p:pic>
-      <p:pic>
-        <p:nvPicPr>
-          <p:cNvPr id="14" name="Picture 13"/>
-          <p:cNvPicPr>
-            <a:picLocks noChangeAspect="1"/>
-          </p:cNvPicPr>
-          <p:nvPr/>
-        </p:nvPicPr>
-        <p:blipFill>
-          <a:blip r:embed="rId2"/>
-          <a:stretch>
-            <a:fillRect/>
-          </a:stretch>
-        </p:blipFill>
-        <p:spPr>
-          <a:xfrm>
-            <a:off x="4635847" y="4303063"/>
-            <a:ext cx="636541" cy="962574"/>
-          </a:xfrm>
-          <a:prstGeom prst="rect">
-            <a:avLst/>
-          </a:prstGeom>
-        </p:spPr>
-      </p:pic>
-      <p:pic>
-        <p:nvPicPr>
-          <p:cNvPr id="15" name="Picture 14"/>
-          <p:cNvPicPr>
-            <a:picLocks noChangeAspect="1"/>
-          </p:cNvPicPr>
-          <p:nvPr/>
-        </p:nvPicPr>
-        <p:blipFill>
-          <a:blip r:embed="rId2"/>
-          <a:stretch>
-            <a:fillRect/>
-          </a:stretch>
-        </p:blipFill>
-        <p:spPr>
-          <a:xfrm>
-            <a:off x="7954510" y="415251"/>
-            <a:ext cx="636541" cy="962574"/>
-          </a:xfrm>
-          <a:prstGeom prst="rect">
-            <a:avLst/>
-          </a:prstGeom>
-        </p:spPr>
-      </p:pic>
-      <p:pic>
-        <p:nvPicPr>
-          <p:cNvPr id="16" name="Picture 15"/>
-          <p:cNvPicPr>
-            <a:picLocks noChangeAspect="1"/>
-          </p:cNvPicPr>
-          <p:nvPr/>
-        </p:nvPicPr>
-        <p:blipFill>
-          <a:blip r:embed="rId2"/>
-          <a:stretch>
-            <a:fillRect/>
-          </a:stretch>
-        </p:blipFill>
-        <p:spPr>
-          <a:xfrm>
-            <a:off x="7954509" y="5856976"/>
-            <a:ext cx="636541" cy="962574"/>
-          </a:xfrm>
-          <a:prstGeom prst="rect">
-            <a:avLst/>
-          </a:prstGeom>
-        </p:spPr>
-      </p:pic>
-      <p:pic>
-        <p:nvPicPr>
-          <p:cNvPr id="17" name="Picture 16"/>
-          <p:cNvPicPr>
-            <a:picLocks noChangeAspect="1"/>
-          </p:cNvPicPr>
-          <p:nvPr/>
-        </p:nvPicPr>
-        <p:blipFill>
-          <a:blip r:embed="rId2"/>
-          <a:stretch>
-            <a:fillRect/>
-          </a:stretch>
-        </p:blipFill>
-        <p:spPr>
-          <a:xfrm>
-            <a:off x="7954510" y="3994499"/>
-            <a:ext cx="636541" cy="962574"/>
-          </a:xfrm>
-          <a:prstGeom prst="rect">
-            <a:avLst/>
-          </a:prstGeom>
-        </p:spPr>
-      </p:pic>
-      <p:pic>
-        <p:nvPicPr>
-          <p:cNvPr id="18" name="Picture 17"/>
-          <p:cNvPicPr>
-            <a:picLocks noChangeAspect="1"/>
-          </p:cNvPicPr>
-          <p:nvPr/>
-        </p:nvPicPr>
-        <p:blipFill>
-          <a:blip r:embed="rId2"/>
-          <a:stretch>
-            <a:fillRect/>
-          </a:stretch>
-        </p:blipFill>
-        <p:spPr>
-          <a:xfrm>
-            <a:off x="7958380" y="2440066"/>
-            <a:ext cx="636541" cy="962574"/>
-          </a:xfrm>
-          <a:prstGeom prst="rect">
-            <a:avLst/>
-          </a:prstGeom>
-        </p:spPr>
-      </p:pic>
-      <p:sp>
-        <p:nvSpPr>
-          <p:cNvPr id="19" name="Flowchart: Connector 18"/>
-          <p:cNvSpPr/>
-          <p:nvPr/>
-        </p:nvSpPr>
-        <p:spPr>
-          <a:xfrm>
-            <a:off x="9637237" y="4907504"/>
-            <a:ext cx="457200" cy="457200"/>
-          </a:xfrm>
-          <a:prstGeom prst="flowChartConnector">
-            <a:avLst/>
-          </a:prstGeom>
-          <a:ln>
-            <a:solidFill>
-              <a:schemeClr val="tx1"/>
-            </a:solidFill>
-          </a:ln>
-        </p:spPr>
-        <p:style>
-          <a:lnRef idx="2">
-            <a:schemeClr val="accent1">
-              <a:shade val="50000"/>
-            </a:schemeClr>
-          </a:lnRef>
-          <a:fillRef idx="1">
-            <a:schemeClr val="accent1"/>
-          </a:fillRef>
-          <a:effectRef idx="0">
-            <a:schemeClr val="accent1"/>
-          </a:effectRef>
-          <a:fontRef idx="minor">
-            <a:schemeClr val="lt1"/>
-          </a:fontRef>
-        </p:style>
-        <p:txBody>
-          <a:bodyPr rtlCol="0" anchor="ctr"/>
-          <a:lstStyle/>
-          <a:p>
-            <a:pPr algn="ctr"/>
-            <a:endParaRPr lang="en-US"/>
-          </a:p>
-        </p:txBody>
-      </p:sp>
-      <p:sp>
-        <p:nvSpPr>
-          <p:cNvPr id="20" name="Flowchart: Connector 19"/>
-          <p:cNvSpPr/>
-          <p:nvPr/>
-        </p:nvSpPr>
-        <p:spPr>
-          <a:xfrm>
-            <a:off x="9637237" y="3148335"/>
-            <a:ext cx="457200" cy="457200"/>
-          </a:xfrm>
-          <a:prstGeom prst="flowChartConnector">
-            <a:avLst/>
-          </a:prstGeom>
-          <a:ln>
-            <a:solidFill>
-              <a:schemeClr val="tx1"/>
-            </a:solidFill>
-          </a:ln>
-        </p:spPr>
-        <p:style>
-          <a:lnRef idx="2">
-            <a:schemeClr val="accent1">
-              <a:shade val="50000"/>
-            </a:schemeClr>
-          </a:lnRef>
-          <a:fillRef idx="1">
-            <a:schemeClr val="accent1"/>
-          </a:fillRef>
-          <a:effectRef idx="0">
-            <a:schemeClr val="accent1"/>
-          </a:effectRef>
-          <a:fontRef idx="minor">
-            <a:schemeClr val="lt1"/>
-          </a:fontRef>
-        </p:style>
-        <p:txBody>
-          <a:bodyPr rtlCol="0" anchor="ctr"/>
-          <a:lstStyle/>
-          <a:p>
-            <a:pPr algn="ctr"/>
-            <a:endParaRPr lang="en-US"/>
-          </a:p>
-        </p:txBody>
-      </p:sp>
-      <p:sp>
-        <p:nvSpPr>
-          <p:cNvPr id="21" name="Flowchart: Connector 20"/>
-          <p:cNvSpPr/>
-          <p:nvPr/>
-        </p:nvSpPr>
-        <p:spPr>
-          <a:xfrm>
-            <a:off x="9637237" y="3968244"/>
-            <a:ext cx="457200" cy="457200"/>
-          </a:xfrm>
-          <a:prstGeom prst="flowChartConnector">
-            <a:avLst/>
-          </a:prstGeom>
-          <a:ln>
-            <a:solidFill>
-              <a:schemeClr val="tx1"/>
-            </a:solidFill>
-          </a:ln>
-        </p:spPr>
-        <p:style>
-          <a:lnRef idx="2">
-            <a:schemeClr val="accent1">
-              <a:shade val="50000"/>
-            </a:schemeClr>
-          </a:lnRef>
-          <a:fillRef idx="1">
-            <a:schemeClr val="accent1"/>
-          </a:fillRef>
-          <a:effectRef idx="0">
-            <a:schemeClr val="accent1"/>
-          </a:effectRef>
-          <a:fontRef idx="minor">
-            <a:schemeClr val="lt1"/>
-          </a:fontRef>
-        </p:style>
-        <p:txBody>
-          <a:bodyPr rtlCol="0" anchor="ctr"/>
-          <a:lstStyle/>
-          <a:p>
-            <a:pPr algn="ctr"/>
-            <a:endParaRPr lang="en-US"/>
-          </a:p>
-        </p:txBody>
-      </p:sp>
-      <p:sp>
-        <p:nvSpPr>
-          <p:cNvPr id="22" name="Flowchart: Connector 21"/>
-          <p:cNvSpPr/>
-          <p:nvPr/>
-        </p:nvSpPr>
-        <p:spPr>
-          <a:xfrm>
-            <a:off x="9637237" y="2060504"/>
-            <a:ext cx="457200" cy="457200"/>
-          </a:xfrm>
-          <a:prstGeom prst="flowChartConnector">
-            <a:avLst/>
-          </a:prstGeom>
-          <a:ln>
-            <a:solidFill>
-              <a:schemeClr val="tx1"/>
-            </a:solidFill>
-          </a:ln>
-        </p:spPr>
-        <p:style>
-          <a:lnRef idx="2">
-            <a:schemeClr val="accent1">
-              <a:shade val="50000"/>
-            </a:schemeClr>
-          </a:lnRef>
-          <a:fillRef idx="1">
-            <a:schemeClr val="accent1"/>
-          </a:fillRef>
-          <a:effectRef idx="0">
-            <a:schemeClr val="accent1"/>
-          </a:effectRef>
-          <a:fontRef idx="minor">
-            <a:schemeClr val="lt1"/>
-          </a:fontRef>
-        </p:style>
-        <p:txBody>
-          <a:bodyPr rtlCol="0" anchor="ctr"/>
-          <a:lstStyle/>
-          <a:p>
-            <a:pPr algn="ctr"/>
-            <a:endParaRPr lang="en-US"/>
-          </a:p>
-        </p:txBody>
-      </p:sp>
-      <p:sp>
-        <p:nvSpPr>
-          <p:cNvPr id="23" name="Flowchart: Connector 22"/>
-          <p:cNvSpPr/>
-          <p:nvPr/>
-        </p:nvSpPr>
-        <p:spPr>
-          <a:xfrm>
-            <a:off x="9637237" y="1149225"/>
-            <a:ext cx="457200" cy="457200"/>
-          </a:xfrm>
-          <a:prstGeom prst="flowChartConnector">
-            <a:avLst/>
-          </a:prstGeom>
-          <a:ln>
-            <a:solidFill>
-              <a:schemeClr val="tx1"/>
-            </a:solidFill>
-          </a:ln>
-        </p:spPr>
-        <p:style>
-          <a:lnRef idx="2">
-            <a:schemeClr val="accent1">
-              <a:shade val="50000"/>
-            </a:schemeClr>
-          </a:lnRef>
-          <a:fillRef idx="1">
-            <a:schemeClr val="accent1"/>
-          </a:fillRef>
-          <a:effectRef idx="0">
-            <a:schemeClr val="accent1"/>
-          </a:effectRef>
-          <a:fontRef idx="minor">
-            <a:schemeClr val="lt1"/>
-          </a:fontRef>
-        </p:style>
-        <p:txBody>
-          <a:bodyPr rtlCol="0" anchor="ctr"/>
-          <a:lstStyle/>
-          <a:p>
-            <a:pPr algn="ctr"/>
-            <a:endParaRPr lang="en-US"/>
-          </a:p>
-        </p:txBody>
-      </p:sp>
-      <p:sp>
-        <p:nvSpPr>
-          <p:cNvPr id="24" name="Flowchart: Connector 23"/>
-          <p:cNvSpPr/>
-          <p:nvPr/>
-        </p:nvSpPr>
-        <p:spPr>
-          <a:xfrm>
-            <a:off x="9609601" y="71650"/>
-            <a:ext cx="457200" cy="457200"/>
-          </a:xfrm>
-          <a:prstGeom prst="flowChartConnector">
-            <a:avLst/>
-          </a:prstGeom>
-          <a:ln>
-            <a:solidFill>
-              <a:schemeClr val="tx1"/>
-            </a:solidFill>
-          </a:ln>
-        </p:spPr>
-        <p:style>
-          <a:lnRef idx="2">
-            <a:schemeClr val="accent1">
-              <a:shade val="50000"/>
-            </a:schemeClr>
-          </a:lnRef>
-          <a:fillRef idx="1">
-            <a:schemeClr val="accent1"/>
-          </a:fillRef>
-          <a:effectRef idx="0">
-            <a:schemeClr val="accent1"/>
-          </a:effectRef>
-          <a:fontRef idx="minor">
-            <a:schemeClr val="lt1"/>
-          </a:fontRef>
-        </p:style>
-        <p:txBody>
-          <a:bodyPr rtlCol="0" anchor="ctr"/>
-          <a:lstStyle/>
-          <a:p>
-            <a:pPr algn="ctr"/>
-            <a:endParaRPr lang="en-US"/>
-          </a:p>
-        </p:txBody>
-      </p:sp>
-      <p:sp>
-        <p:nvSpPr>
-          <p:cNvPr id="25" name="Flowchart: Connector 24"/>
-          <p:cNvSpPr/>
-          <p:nvPr/>
-        </p:nvSpPr>
-        <p:spPr>
-          <a:xfrm>
-            <a:off x="9637237" y="6340840"/>
-            <a:ext cx="457200" cy="457200"/>
-          </a:xfrm>
-          <a:prstGeom prst="flowChartConnector">
-            <a:avLst/>
-          </a:prstGeom>
-          <a:ln>
-            <a:solidFill>
-              <a:schemeClr val="tx1"/>
-            </a:solidFill>
-          </a:ln>
-        </p:spPr>
-        <p:style>
-          <a:lnRef idx="2">
-            <a:schemeClr val="accent1">
-              <a:shade val="50000"/>
-            </a:schemeClr>
-          </a:lnRef>
-          <a:fillRef idx="1">
-            <a:schemeClr val="accent1"/>
-          </a:fillRef>
-          <a:effectRef idx="0">
-            <a:schemeClr val="accent1"/>
-          </a:effectRef>
-          <a:fontRef idx="minor">
-            <a:schemeClr val="lt1"/>
-          </a:fontRef>
-        </p:style>
-        <p:txBody>
-          <a:bodyPr rtlCol="0" anchor="ctr"/>
-          <a:lstStyle/>
-          <a:p>
-            <a:pPr algn="ctr"/>
-            <a:endParaRPr lang="en-US"/>
-          </a:p>
-        </p:txBody>
-      </p:sp>
-      <p:sp>
-        <p:nvSpPr>
-          <p:cNvPr id="26" name="Flowchart: Connector 25"/>
-          <p:cNvSpPr/>
-          <p:nvPr/>
-        </p:nvSpPr>
-        <p:spPr>
-          <a:xfrm>
-            <a:off x="9637237" y="5609219"/>
-            <a:ext cx="457200" cy="457200"/>
-          </a:xfrm>
-          <a:prstGeom prst="flowChartConnector">
-            <a:avLst/>
-          </a:prstGeom>
-          <a:ln>
-            <a:solidFill>
-              <a:schemeClr val="tx1"/>
-            </a:solidFill>
-          </a:ln>
-        </p:spPr>
-        <p:style>
-          <a:lnRef idx="2">
-            <a:schemeClr val="accent1">
-              <a:shade val="50000"/>
-            </a:schemeClr>
-          </a:lnRef>
-          <a:fillRef idx="1">
-            <a:schemeClr val="accent1"/>
-          </a:fillRef>
-          <a:effectRef idx="0">
-            <a:schemeClr val="accent1"/>
-          </a:effectRef>
-          <a:fontRef idx="minor">
-            <a:schemeClr val="lt1"/>
-          </a:fontRef>
-        </p:style>
-        <p:txBody>
-          <a:bodyPr rtlCol="0" anchor="ctr"/>
-          <a:lstStyle/>
-          <a:p>
-            <a:pPr algn="ctr"/>
-            <a:endParaRPr lang="en-US"/>
-          </a:p>
-        </p:txBody>
-      </p:sp>
-      <p:cxnSp>
-        <p:nvCxnSpPr>
-          <p:cNvPr id="41" name="Straight Arrow Connector 40"/>
-          <p:cNvCxnSpPr/>
-          <p:nvPr/>
-        </p:nvCxnSpPr>
-        <p:spPr>
-          <a:xfrm flipV="1">
-            <a:off x="8734566" y="300250"/>
-            <a:ext cx="731520" cy="365760"/>
-          </a:xfrm>
-          <a:prstGeom prst="straightConnector1">
-            <a:avLst/>
-          </a:prstGeom>
-          <a:ln>
-            <a:tailEnd type="triangle"/>
-          </a:ln>
-          <a:effectLst>
-            <a:outerShdw blurRad="50800" dist="38100" dir="5400000" algn="t" rotWithShape="0">
-              <a:prstClr val="black">
-                <a:alpha val="40000"/>
-              </a:prstClr>
-            </a:outerShdw>
-          </a:effectLst>
-        </p:spPr>
-        <p:style>
-          <a:lnRef idx="1">
-            <a:schemeClr val="accent1"/>
-          </a:lnRef>
-          <a:fillRef idx="0">
-            <a:schemeClr val="accent1"/>
-          </a:fillRef>
-          <a:effectRef idx="0">
-            <a:schemeClr val="accent1"/>
-          </a:effectRef>
-          <a:fontRef idx="minor">
-            <a:schemeClr val="tx1"/>
-          </a:fontRef>
-        </p:style>
-      </p:cxnSp>
-      <p:cxnSp>
-        <p:nvCxnSpPr>
-          <p:cNvPr id="42" name="Straight Arrow Connector 41"/>
-          <p:cNvCxnSpPr/>
-          <p:nvPr/>
-        </p:nvCxnSpPr>
-        <p:spPr>
-          <a:xfrm>
-            <a:off x="8741303" y="988939"/>
-            <a:ext cx="795123" cy="307702"/>
-          </a:xfrm>
-          <a:prstGeom prst="straightConnector1">
-            <a:avLst/>
-          </a:prstGeom>
-          <a:ln>
-            <a:tailEnd type="triangle"/>
-          </a:ln>
-          <a:effectLst>
-            <a:outerShdw blurRad="50800" dist="38100" dir="5400000" algn="t" rotWithShape="0">
-              <a:prstClr val="black">
-                <a:alpha val="40000"/>
-              </a:prstClr>
-            </a:outerShdw>
-          </a:effectLst>
-        </p:spPr>
-        <p:style>
-          <a:lnRef idx="1">
-            <a:schemeClr val="accent1"/>
-          </a:lnRef>
-          <a:fillRef idx="0">
-            <a:schemeClr val="accent1"/>
-          </a:fillRef>
-          <a:effectRef idx="0">
-            <a:schemeClr val="accent1"/>
-          </a:effectRef>
-          <a:fontRef idx="minor">
-            <a:schemeClr val="tx1"/>
-          </a:fontRef>
-        </p:style>
-      </p:cxnSp>
-      <p:cxnSp>
-        <p:nvCxnSpPr>
-          <p:cNvPr id="46" name="Straight Arrow Connector 45"/>
-          <p:cNvCxnSpPr/>
-          <p:nvPr/>
-        </p:nvCxnSpPr>
-        <p:spPr>
-          <a:xfrm>
-            <a:off x="8670962" y="2929779"/>
-            <a:ext cx="795123" cy="307702"/>
-          </a:xfrm>
-          <a:prstGeom prst="straightConnector1">
-            <a:avLst/>
-          </a:prstGeom>
-          <a:ln>
-            <a:tailEnd type="triangle"/>
-          </a:ln>
-          <a:effectLst>
-            <a:outerShdw blurRad="50800" dist="38100" dir="5400000" algn="t" rotWithShape="0">
-              <a:prstClr val="black">
-                <a:alpha val="40000"/>
-              </a:prstClr>
-            </a:outerShdw>
-          </a:effectLst>
-        </p:spPr>
-        <p:style>
-          <a:lnRef idx="1">
-            <a:schemeClr val="accent1"/>
-          </a:lnRef>
-          <a:fillRef idx="0">
-            <a:schemeClr val="accent1"/>
-          </a:fillRef>
-          <a:effectRef idx="0">
-            <a:schemeClr val="accent1"/>
-          </a:effectRef>
-          <a:fontRef idx="minor">
-            <a:schemeClr val="tx1"/>
-          </a:fontRef>
-        </p:style>
-      </p:cxnSp>
-      <p:cxnSp>
-        <p:nvCxnSpPr>
-          <p:cNvPr id="47" name="Straight Arrow Connector 46"/>
-          <p:cNvCxnSpPr/>
-          <p:nvPr/>
-        </p:nvCxnSpPr>
-        <p:spPr>
-          <a:xfrm>
-            <a:off x="8721225" y="4628561"/>
-            <a:ext cx="795123" cy="307702"/>
-          </a:xfrm>
-          <a:prstGeom prst="straightConnector1">
-            <a:avLst/>
-          </a:prstGeom>
-          <a:ln>
-            <a:tailEnd type="triangle"/>
-          </a:ln>
-          <a:effectLst>
-            <a:outerShdw blurRad="50800" dist="38100" dir="5400000" algn="t" rotWithShape="0">
-              <a:prstClr val="black">
-                <a:alpha val="40000"/>
-              </a:prstClr>
-            </a:outerShdw>
-          </a:effectLst>
-        </p:spPr>
-        <p:style>
-          <a:lnRef idx="1">
-            <a:schemeClr val="accent1"/>
-          </a:lnRef>
-          <a:fillRef idx="0">
-            <a:schemeClr val="accent1"/>
-          </a:fillRef>
-          <a:effectRef idx="0">
-            <a:schemeClr val="accent1"/>
-          </a:effectRef>
-          <a:fontRef idx="minor">
-            <a:schemeClr val="tx1"/>
-          </a:fontRef>
-        </p:style>
-      </p:cxnSp>
-      <p:cxnSp>
-        <p:nvCxnSpPr>
-          <p:cNvPr id="48" name="Straight Arrow Connector 47"/>
-          <p:cNvCxnSpPr/>
-          <p:nvPr/>
-        </p:nvCxnSpPr>
-        <p:spPr>
-          <a:xfrm>
-            <a:off x="8721225" y="6465808"/>
-            <a:ext cx="767549" cy="69903"/>
-          </a:xfrm>
-          <a:prstGeom prst="straightConnector1">
-            <a:avLst/>
-          </a:prstGeom>
-          <a:ln>
-            <a:tailEnd type="triangle"/>
-          </a:ln>
-          <a:effectLst>
-            <a:outerShdw blurRad="50800" dist="38100" dir="5400000" algn="t" rotWithShape="0">
-              <a:prstClr val="black">
-                <a:alpha val="40000"/>
-              </a:prstClr>
-            </a:outerShdw>
-          </a:effectLst>
-        </p:spPr>
-        <p:style>
-          <a:lnRef idx="1">
-            <a:schemeClr val="accent1"/>
-          </a:lnRef>
-          <a:fillRef idx="0">
-            <a:schemeClr val="accent1"/>
-          </a:fillRef>
-          <a:effectRef idx="0">
-            <a:schemeClr val="accent1"/>
-          </a:effectRef>
-          <a:fontRef idx="minor">
-            <a:schemeClr val="tx1"/>
-          </a:fontRef>
-        </p:style>
-      </p:cxnSp>
-      <p:cxnSp>
-        <p:nvCxnSpPr>
-          <p:cNvPr id="51" name="Straight Arrow Connector 50"/>
-          <p:cNvCxnSpPr/>
-          <p:nvPr/>
-        </p:nvCxnSpPr>
-        <p:spPr>
-          <a:xfrm flipV="1">
-            <a:off x="8734565" y="2352334"/>
-            <a:ext cx="731520" cy="365760"/>
-          </a:xfrm>
-          <a:prstGeom prst="straightConnector1">
-            <a:avLst/>
-          </a:prstGeom>
-          <a:ln>
-            <a:tailEnd type="triangle"/>
-          </a:ln>
-          <a:effectLst>
-            <a:outerShdw blurRad="50800" dist="38100" dir="5400000" algn="t" rotWithShape="0">
-              <a:prstClr val="black">
-                <a:alpha val="40000"/>
-              </a:prstClr>
-            </a:outerShdw>
-          </a:effectLst>
-        </p:spPr>
-        <p:style>
-          <a:lnRef idx="1">
-            <a:schemeClr val="accent1"/>
-          </a:lnRef>
-          <a:fillRef idx="0">
-            <a:schemeClr val="accent1"/>
-          </a:fillRef>
-          <a:effectRef idx="0">
-            <a:schemeClr val="accent1"/>
-          </a:effectRef>
-          <a:fontRef idx="minor">
-            <a:schemeClr val="tx1"/>
-          </a:fontRef>
-        </p:style>
-      </p:cxnSp>
-      <p:cxnSp>
-        <p:nvCxnSpPr>
-          <p:cNvPr id="52" name="Straight Arrow Connector 51"/>
-          <p:cNvCxnSpPr/>
-          <p:nvPr/>
-        </p:nvCxnSpPr>
-        <p:spPr>
-          <a:xfrm flipV="1">
-            <a:off x="8748384" y="4013964"/>
-            <a:ext cx="731520" cy="365760"/>
-          </a:xfrm>
-          <a:prstGeom prst="straightConnector1">
-            <a:avLst/>
-          </a:prstGeom>
-          <a:ln>
-            <a:tailEnd type="triangle"/>
-          </a:ln>
-          <a:effectLst>
-            <a:outerShdw blurRad="50800" dist="38100" dir="5400000" algn="t" rotWithShape="0">
-              <a:prstClr val="black">
-                <a:alpha val="40000"/>
-              </a:prstClr>
-            </a:outerShdw>
-          </a:effectLst>
-        </p:spPr>
-        <p:style>
-          <a:lnRef idx="1">
-            <a:schemeClr val="accent1"/>
-          </a:lnRef>
-          <a:fillRef idx="0">
-            <a:schemeClr val="accent1"/>
-          </a:fillRef>
-          <a:effectRef idx="0">
-            <a:schemeClr val="accent1"/>
-          </a:effectRef>
-          <a:fontRef idx="minor">
-            <a:schemeClr val="tx1"/>
-          </a:fontRef>
-        </p:style>
-      </p:cxnSp>
-      <p:cxnSp>
-        <p:nvCxnSpPr>
-          <p:cNvPr id="53" name="Straight Arrow Connector 52"/>
-          <p:cNvCxnSpPr/>
-          <p:nvPr/>
-        </p:nvCxnSpPr>
-        <p:spPr>
-          <a:xfrm flipV="1">
-            <a:off x="8748383" y="5826659"/>
-            <a:ext cx="731520" cy="365760"/>
-          </a:xfrm>
-          <a:prstGeom prst="straightConnector1">
-            <a:avLst/>
-          </a:prstGeom>
-          <a:ln>
-            <a:tailEnd type="triangle"/>
-          </a:ln>
-          <a:effectLst>
-            <a:outerShdw blurRad="50800" dist="38100" dir="5400000" algn="t" rotWithShape="0">
-              <a:prstClr val="black">
-                <a:alpha val="40000"/>
-              </a:prstClr>
-            </a:outerShdw>
-          </a:effectLst>
-        </p:spPr>
-        <p:style>
-          <a:lnRef idx="1">
-            <a:schemeClr val="accent1"/>
-          </a:lnRef>
-          <a:fillRef idx="0">
-            <a:schemeClr val="accent1"/>
-          </a:fillRef>
-          <a:effectRef idx="0">
-            <a:schemeClr val="accent1"/>
-          </a:effectRef>
-          <a:fontRef idx="minor">
-            <a:schemeClr val="tx1"/>
-          </a:fontRef>
-        </p:style>
-      </p:cxnSp>
-      <p:cxnSp>
-        <p:nvCxnSpPr>
-          <p:cNvPr id="49" name="Straight Arrow Connector 48"/>
-          <p:cNvCxnSpPr/>
-          <p:nvPr/>
-        </p:nvCxnSpPr>
-        <p:spPr>
-          <a:xfrm flipV="1">
-            <a:off x="6980885" y="896538"/>
-            <a:ext cx="734147" cy="273939"/>
-          </a:xfrm>
-          <a:prstGeom prst="straightConnector1">
-            <a:avLst/>
-          </a:prstGeom>
-          <a:ln>
-            <a:tailEnd type="triangle"/>
-          </a:ln>
-          <a:effectLst>
-            <a:outerShdw blurRad="50800" dist="38100" dir="5400000" algn="t" rotWithShape="0">
-              <a:prstClr val="black">
-                <a:alpha val="40000"/>
-              </a:prstClr>
-            </a:outerShdw>
-          </a:effectLst>
-        </p:spPr>
-        <p:style>
-          <a:lnRef idx="1">
-            <a:schemeClr val="accent1"/>
-          </a:lnRef>
-          <a:fillRef idx="0">
-            <a:schemeClr val="accent1"/>
-          </a:fillRef>
-          <a:effectRef idx="0">
-            <a:schemeClr val="accent1"/>
-          </a:effectRef>
-          <a:fontRef idx="minor">
-            <a:schemeClr val="tx1"/>
-          </a:fontRef>
-        </p:style>
-      </p:cxnSp>
-      <p:cxnSp>
-        <p:nvCxnSpPr>
-          <p:cNvPr id="50" name="Straight Arrow Connector 49"/>
-          <p:cNvCxnSpPr/>
-          <p:nvPr/>
-        </p:nvCxnSpPr>
-        <p:spPr>
-          <a:xfrm flipV="1">
-            <a:off x="6978737" y="2882716"/>
-            <a:ext cx="736295" cy="127295"/>
-          </a:xfrm>
-          <a:prstGeom prst="straightConnector1">
-            <a:avLst/>
-          </a:prstGeom>
-          <a:ln>
-            <a:tailEnd type="triangle"/>
-          </a:ln>
-          <a:effectLst>
-            <a:outerShdw blurRad="50800" dist="38100" dir="5400000" algn="t" rotWithShape="0">
-              <a:prstClr val="black">
-                <a:alpha val="40000"/>
-              </a:prstClr>
-            </a:outerShdw>
-          </a:effectLst>
-        </p:spPr>
-        <p:style>
-          <a:lnRef idx="1">
-            <a:schemeClr val="accent1"/>
-          </a:lnRef>
-          <a:fillRef idx="0">
-            <a:schemeClr val="accent1"/>
-          </a:fillRef>
-          <a:effectRef idx="0">
-            <a:schemeClr val="accent1"/>
-          </a:effectRef>
-          <a:fontRef idx="minor">
-            <a:schemeClr val="tx1"/>
-          </a:fontRef>
-        </p:style>
-      </p:cxnSp>
-      <p:cxnSp>
-        <p:nvCxnSpPr>
-          <p:cNvPr id="54" name="Straight Arrow Connector 53"/>
-          <p:cNvCxnSpPr/>
-          <p:nvPr/>
-        </p:nvCxnSpPr>
-        <p:spPr>
-          <a:xfrm>
-            <a:off x="6937952" y="4166964"/>
-            <a:ext cx="777080" cy="148978"/>
-          </a:xfrm>
-          <a:prstGeom prst="straightConnector1">
-            <a:avLst/>
-          </a:prstGeom>
-          <a:ln>
-            <a:tailEnd type="triangle"/>
-          </a:ln>
-          <a:effectLst>
-            <a:outerShdw blurRad="50800" dist="38100" dir="5400000" algn="t" rotWithShape="0">
-              <a:prstClr val="black">
-                <a:alpha val="40000"/>
-              </a:prstClr>
-            </a:outerShdw>
-          </a:effectLst>
-        </p:spPr>
-        <p:style>
-          <a:lnRef idx="1">
-            <a:schemeClr val="accent1"/>
-          </a:lnRef>
-          <a:fillRef idx="0">
-            <a:schemeClr val="accent1"/>
-          </a:fillRef>
-          <a:effectRef idx="0">
-            <a:schemeClr val="accent1"/>
-          </a:effectRef>
-          <a:fontRef idx="minor">
-            <a:schemeClr val="tx1"/>
-          </a:fontRef>
-        </p:style>
-      </p:cxnSp>
-      <p:cxnSp>
-        <p:nvCxnSpPr>
-          <p:cNvPr id="55" name="Straight Arrow Connector 54"/>
-          <p:cNvCxnSpPr/>
-          <p:nvPr/>
-        </p:nvCxnSpPr>
-        <p:spPr>
-          <a:xfrm>
-            <a:off x="6897167" y="5903460"/>
-            <a:ext cx="872773" cy="288959"/>
-          </a:xfrm>
-          <a:prstGeom prst="straightConnector1">
-            <a:avLst/>
-          </a:prstGeom>
-          <a:ln>
-            <a:tailEnd type="triangle"/>
-          </a:ln>
-          <a:effectLst>
-            <a:outerShdw blurRad="50800" dist="38100" dir="5400000" algn="t" rotWithShape="0">
-              <a:prstClr val="black">
-                <a:alpha val="40000"/>
-              </a:prstClr>
-            </a:outerShdw>
-          </a:effectLst>
-        </p:spPr>
-        <p:style>
-          <a:lnRef idx="1">
-            <a:schemeClr val="accent1"/>
-          </a:lnRef>
-          <a:fillRef idx="0">
-            <a:schemeClr val="accent1"/>
-          </a:fillRef>
-          <a:effectRef idx="0">
-            <a:schemeClr val="accent1"/>
-          </a:effectRef>
-          <a:fontRef idx="minor">
-            <a:schemeClr val="tx1"/>
-          </a:fontRef>
-        </p:style>
-      </p:cxnSp>
-      <p:cxnSp>
-        <p:nvCxnSpPr>
-          <p:cNvPr id="56" name="Straight Arrow Connector 55"/>
-          <p:cNvCxnSpPr/>
-          <p:nvPr/>
-        </p:nvCxnSpPr>
-        <p:spPr>
-          <a:xfrm flipV="1">
-            <a:off x="5420399" y="1510873"/>
-            <a:ext cx="645550" cy="494584"/>
-          </a:xfrm>
-          <a:prstGeom prst="straightConnector1">
-            <a:avLst/>
-          </a:prstGeom>
-          <a:ln>
-            <a:tailEnd type="triangle"/>
-          </a:ln>
-          <a:effectLst>
-            <a:outerShdw blurRad="50800" dist="38100" dir="5400000" algn="t" rotWithShape="0">
-              <a:prstClr val="black">
-                <a:alpha val="40000"/>
-              </a:prstClr>
-            </a:outerShdw>
-          </a:effectLst>
-        </p:spPr>
-        <p:style>
-          <a:lnRef idx="1">
-            <a:schemeClr val="accent1"/>
-          </a:lnRef>
-          <a:fillRef idx="0">
-            <a:schemeClr val="accent1"/>
-          </a:fillRef>
-          <a:effectRef idx="0">
-            <a:schemeClr val="accent1"/>
-          </a:effectRef>
-          <a:fontRef idx="minor">
-            <a:schemeClr val="tx1"/>
-          </a:fontRef>
-        </p:style>
-      </p:cxnSp>
-      <p:cxnSp>
-        <p:nvCxnSpPr>
-          <p:cNvPr id="58" name="Straight Arrow Connector 57"/>
-          <p:cNvCxnSpPr/>
-          <p:nvPr/>
-        </p:nvCxnSpPr>
-        <p:spPr>
-          <a:xfrm>
-            <a:off x="5396187" y="2466237"/>
-            <a:ext cx="736169" cy="416479"/>
-          </a:xfrm>
-          <a:prstGeom prst="straightConnector1">
-            <a:avLst/>
-          </a:prstGeom>
-          <a:ln>
-            <a:tailEnd type="triangle"/>
-          </a:ln>
-          <a:effectLst>
-            <a:outerShdw blurRad="50800" dist="38100" dir="5400000" algn="t" rotWithShape="0">
-              <a:prstClr val="black">
-                <a:alpha val="40000"/>
-              </a:prstClr>
-            </a:outerShdw>
-          </a:effectLst>
-        </p:spPr>
-        <p:style>
-          <a:lnRef idx="1">
-            <a:schemeClr val="accent1"/>
-          </a:lnRef>
-          <a:fillRef idx="0">
-            <a:schemeClr val="accent1"/>
-          </a:fillRef>
-          <a:effectRef idx="0">
-            <a:schemeClr val="accent1"/>
-          </a:effectRef>
-          <a:fontRef idx="minor">
-            <a:schemeClr val="tx1"/>
-          </a:fontRef>
-        </p:style>
-      </p:cxnSp>
-      <p:cxnSp>
-        <p:nvCxnSpPr>
-          <p:cNvPr id="60" name="Straight Arrow Connector 59"/>
-          <p:cNvCxnSpPr/>
-          <p:nvPr/>
-        </p:nvCxnSpPr>
-        <p:spPr>
-          <a:xfrm flipV="1">
-            <a:off x="5385321" y="4241049"/>
-            <a:ext cx="680628" cy="276926"/>
-          </a:xfrm>
-          <a:prstGeom prst="straightConnector1">
-            <a:avLst/>
-          </a:prstGeom>
-          <a:ln>
-            <a:tailEnd type="triangle"/>
-          </a:ln>
-          <a:effectLst>
-            <a:outerShdw blurRad="50800" dist="38100" dir="5400000" algn="t" rotWithShape="0">
-              <a:prstClr val="black">
-                <a:alpha val="40000"/>
-              </a:prstClr>
-            </a:outerShdw>
-          </a:effectLst>
-        </p:spPr>
-        <p:style>
-          <a:lnRef idx="1">
-            <a:schemeClr val="accent1"/>
-          </a:lnRef>
-          <a:fillRef idx="0">
-            <a:schemeClr val="accent1"/>
-          </a:fillRef>
-          <a:effectRef idx="0">
-            <a:schemeClr val="accent1"/>
-          </a:effectRef>
-          <a:fontRef idx="minor">
-            <a:schemeClr val="tx1"/>
-          </a:fontRef>
-        </p:style>
-      </p:cxnSp>
-      <p:cxnSp>
-        <p:nvCxnSpPr>
-          <p:cNvPr id="62" name="Straight Arrow Connector 61"/>
-          <p:cNvCxnSpPr/>
-          <p:nvPr/>
-        </p:nvCxnSpPr>
-        <p:spPr>
-          <a:xfrm>
-            <a:off x="5393277" y="5044459"/>
-            <a:ext cx="628055" cy="457541"/>
-          </a:xfrm>
-          <a:prstGeom prst="straightConnector1">
-            <a:avLst/>
-          </a:prstGeom>
-          <a:ln>
-            <a:tailEnd type="triangle"/>
-          </a:ln>
-          <a:effectLst>
-            <a:outerShdw blurRad="50800" dist="38100" dir="5400000" algn="t" rotWithShape="0">
-              <a:prstClr val="black">
-                <a:alpha val="40000"/>
-              </a:prstClr>
-            </a:outerShdw>
-          </a:effectLst>
-        </p:spPr>
-        <p:style>
-          <a:lnRef idx="1">
-            <a:schemeClr val="accent1"/>
-          </a:lnRef>
-          <a:fillRef idx="0">
-            <a:schemeClr val="accent1"/>
-          </a:fillRef>
-          <a:effectRef idx="0">
-            <a:schemeClr val="accent1"/>
-          </a:effectRef>
-          <a:fontRef idx="minor">
-            <a:schemeClr val="tx1"/>
-          </a:fontRef>
-        </p:style>
-      </p:cxnSp>
-      <p:cxnSp>
-        <p:nvCxnSpPr>
-          <p:cNvPr id="64" name="Straight Arrow Connector 63"/>
-          <p:cNvCxnSpPr/>
-          <p:nvPr/>
-        </p:nvCxnSpPr>
-        <p:spPr>
-          <a:xfrm>
-            <a:off x="3809740" y="2283310"/>
-            <a:ext cx="698664" cy="5794"/>
-          </a:xfrm>
-          <a:prstGeom prst="straightConnector1">
-            <a:avLst/>
-          </a:prstGeom>
-          <a:ln>
-            <a:tailEnd type="triangle"/>
-          </a:ln>
-          <a:effectLst>
-            <a:outerShdw blurRad="50800" dist="38100" dir="5400000" algn="t" rotWithShape="0">
-              <a:prstClr val="black">
-                <a:alpha val="40000"/>
-              </a:prstClr>
-            </a:outerShdw>
-          </a:effectLst>
-        </p:spPr>
-        <p:style>
-          <a:lnRef idx="1">
-            <a:schemeClr val="accent1"/>
-          </a:lnRef>
-          <a:fillRef idx="0">
-            <a:schemeClr val="accent1"/>
-          </a:fillRef>
-          <a:effectRef idx="0">
-            <a:schemeClr val="accent1"/>
-          </a:effectRef>
-          <a:fontRef idx="minor">
-            <a:schemeClr val="tx1"/>
-          </a:fontRef>
-        </p:style>
-      </p:cxnSp>
-      <p:cxnSp>
-        <p:nvCxnSpPr>
-          <p:cNvPr id="66" name="Straight Arrow Connector 65"/>
-          <p:cNvCxnSpPr/>
-          <p:nvPr/>
-        </p:nvCxnSpPr>
-        <p:spPr>
-          <a:xfrm>
-            <a:off x="3691681" y="4715271"/>
-            <a:ext cx="698664" cy="5794"/>
-          </a:xfrm>
-          <a:prstGeom prst="straightConnector1">
-            <a:avLst/>
-          </a:prstGeom>
-          <a:ln>
-            <a:tailEnd type="triangle"/>
-          </a:ln>
-          <a:effectLst>
-            <a:outerShdw blurRad="50800" dist="38100" dir="5400000" algn="t" rotWithShape="0">
-              <a:prstClr val="black">
-                <a:alpha val="40000"/>
-              </a:prstClr>
-            </a:outerShdw>
-          </a:effectLst>
-        </p:spPr>
-        <p:style>
-          <a:lnRef idx="1">
-            <a:schemeClr val="accent1"/>
-          </a:lnRef>
-          <a:fillRef idx="0">
-            <a:schemeClr val="accent1"/>
-          </a:fillRef>
-          <a:effectRef idx="0">
-            <a:schemeClr val="accent1"/>
-          </a:effectRef>
-          <a:fontRef idx="minor">
-            <a:schemeClr val="tx1"/>
-          </a:fontRef>
-        </p:style>
-      </p:cxnSp>
-      <p:cxnSp>
-        <p:nvCxnSpPr>
-          <p:cNvPr id="67" name="Straight Arrow Connector 66"/>
-          <p:cNvCxnSpPr/>
-          <p:nvPr/>
-        </p:nvCxnSpPr>
-        <p:spPr>
-          <a:xfrm flipV="1">
-            <a:off x="2370280" y="2535214"/>
-            <a:ext cx="553224" cy="622242"/>
-          </a:xfrm>
-          <a:prstGeom prst="straightConnector1">
-            <a:avLst/>
-          </a:prstGeom>
-          <a:ln>
-            <a:tailEnd type="triangle"/>
-          </a:ln>
-          <a:effectLst>
-            <a:outerShdw blurRad="50800" dist="38100" dir="5400000" algn="t" rotWithShape="0">
-              <a:prstClr val="black">
-                <a:alpha val="40000"/>
-              </a:prstClr>
-            </a:outerShdw>
-          </a:effectLst>
-        </p:spPr>
-        <p:style>
-          <a:lnRef idx="1">
-            <a:schemeClr val="accent1"/>
-          </a:lnRef>
-          <a:fillRef idx="0">
-            <a:schemeClr val="accent1"/>
-          </a:fillRef>
-          <a:effectRef idx="0">
-            <a:schemeClr val="accent1"/>
-          </a:effectRef>
-          <a:fontRef idx="minor">
-            <a:schemeClr val="tx1"/>
-          </a:fontRef>
-        </p:style>
-      </p:cxnSp>
-      <p:cxnSp>
-        <p:nvCxnSpPr>
-          <p:cNvPr id="69" name="Straight Arrow Connector 68"/>
-          <p:cNvCxnSpPr/>
-          <p:nvPr/>
-        </p:nvCxnSpPr>
-        <p:spPr>
-          <a:xfrm>
-            <a:off x="2453079" y="3956885"/>
-            <a:ext cx="566713" cy="436342"/>
-          </a:xfrm>
-          <a:prstGeom prst="straightConnector1">
-            <a:avLst/>
-          </a:prstGeom>
-          <a:ln>
-            <a:tailEnd type="triangle"/>
-          </a:ln>
-          <a:effectLst>
-            <a:outerShdw blurRad="50800" dist="38100" dir="5400000" algn="t" rotWithShape="0">
-              <a:prstClr val="black">
-                <a:alpha val="40000"/>
-              </a:prstClr>
-            </a:outerShdw>
-          </a:effectLst>
-        </p:spPr>
-        <p:style>
-          <a:lnRef idx="1">
-            <a:schemeClr val="accent1"/>
-          </a:lnRef>
-          <a:fillRef idx="0">
-            <a:schemeClr val="accent1"/>
-          </a:fillRef>
-          <a:effectRef idx="0">
-            <a:schemeClr val="accent1"/>
-          </a:effectRef>
-          <a:fontRef idx="minor">
-            <a:schemeClr val="tx1"/>
-          </a:fontRef>
-        </p:style>
-      </p:cxnSp>
-      <p:cxnSp>
-        <p:nvCxnSpPr>
-          <p:cNvPr id="72" name="Straight Arrow Connector 71"/>
-          <p:cNvCxnSpPr/>
-          <p:nvPr/>
-        </p:nvCxnSpPr>
-        <p:spPr>
-          <a:xfrm>
-            <a:off x="943167" y="3667348"/>
-            <a:ext cx="698664" cy="5794"/>
-          </a:xfrm>
-          <a:prstGeom prst="straightConnector1">
-            <a:avLst/>
-          </a:prstGeom>
-          <a:ln>
-            <a:tailEnd type="triangle"/>
-          </a:ln>
-          <a:effectLst>
-            <a:outerShdw blurRad="50800" dist="38100" dir="5400000" algn="t" rotWithShape="0">
-              <a:prstClr val="black">
-                <a:alpha val="40000"/>
-              </a:prstClr>
-            </a:outerShdw>
-          </a:effectLst>
-        </p:spPr>
-        <p:style>
-          <a:lnRef idx="1">
-            <a:schemeClr val="accent1"/>
-          </a:lnRef>
-          <a:fillRef idx="0">
-            <a:schemeClr val="accent1"/>
-          </a:fillRef>
-          <a:effectRef idx="0">
-            <a:schemeClr val="accent1"/>
-          </a:effectRef>
-          <a:fontRef idx="minor">
-            <a:schemeClr val="tx1"/>
-          </a:fontRef>
-        </p:style>
-      </p:cxnSp>
-    </p:spTree>
-    <p:extLst>
-      <p:ext uri="{BB962C8B-B14F-4D97-AF65-F5344CB8AC3E}">
-        <p14:creationId xmlns:p14="http://schemas.microsoft.com/office/powerpoint/2010/main" val="1641149290"/>
-      </p:ext>
-    </p:extLst>
-  </p:cSld>
-  <p:clrMapOvr>
-    <a:masterClrMapping/>
-  </p:clrMapOvr>
-</p:sld>
-</file>
-
-<file path=ppt/slides/slide30.xml><?xml version="1.0" encoding="utf-8"?>
-<p:sld xmlns:a="http://schemas.openxmlformats.org/drawingml/2006/main" xmlns:r="http://schemas.openxmlformats.org/officeDocument/2006/relationships" xmlns:p="http://schemas.openxmlformats.org/presentationml/2006/main">
-  <p:cSld>
-    <p:spTree>
-      <p:nvGrpSpPr>
-        <p:cNvPr id="1" name=""/>
-        <p:cNvGrpSpPr/>
-        <p:nvPr/>
-      </p:nvGrpSpPr>
-      <p:grpSpPr>
-        <a:xfrm>
-          <a:off x="0" y="0"/>
-          <a:ext cx="0" cy="0"/>
-          <a:chOff x="0" y="0"/>
-          <a:chExt cx="0" cy="0"/>
-        </a:xfrm>
-      </p:grpSpPr>
-      <p:sp>
-        <p:nvSpPr>
-          <p:cNvPr id="4" name="Rectangle 3"/>
-          <p:cNvSpPr/>
-          <p:nvPr/>
-        </p:nvSpPr>
-        <p:spPr>
-          <a:xfrm>
-            <a:off x="2739861" y="185495"/>
-            <a:ext cx="6712287" cy="923330"/>
-          </a:xfrm>
-          <a:prstGeom prst="rect">
-            <a:avLst/>
-          </a:prstGeom>
-          <a:noFill/>
-        </p:spPr>
-        <p:txBody>
-          <a:bodyPr wrap="none" lIns="91440" tIns="45720" rIns="91440" bIns="45720">
-            <a:spAutoFit/>
-          </a:bodyPr>
-          <a:lstStyle/>
-          <a:p>
-            <a:pPr algn="ctr"/>
-            <a:r>
-              <a:rPr lang="en-US" sz="5400" dirty="0" smtClean="0">
-                <a:ln w="0"/>
-                <a:effectLst>
-                  <a:outerShdw blurRad="38100" dist="19050" dir="2700000" algn="tl" rotWithShape="0">
-                    <a:schemeClr val="dk1">
-                      <a:alpha val="40000"/>
-                    </a:schemeClr>
-                  </a:outerShdw>
-                </a:effectLst>
-              </a:rPr>
-              <a:t>Kirchhoff’s Voltage Law</a:t>
-            </a:r>
-            <a:endParaRPr lang="en-US" sz="5400" b="0" cap="none" spc="0" dirty="0">
-              <a:ln w="0"/>
-              <a:solidFill>
-                <a:schemeClr val="tx1"/>
-              </a:solidFill>
-              <a:effectLst>
-                <a:outerShdw blurRad="38100" dist="19050" dir="2700000" algn="tl" rotWithShape="0">
-                  <a:schemeClr val="dk1">
-                    <a:alpha val="40000"/>
-                  </a:schemeClr>
-                </a:outerShdw>
-              </a:effectLst>
-            </a:endParaRPr>
-          </a:p>
-        </p:txBody>
-      </p:sp>
-      <p:pic>
-        <p:nvPicPr>
-          <p:cNvPr id="4098" name="Picture 2" descr="http://demoroom.physics.ncsu.edu/multimedia/images/demos/546IMG_0902.JPG"/>
-          <p:cNvPicPr>
-            <a:picLocks noChangeAspect="1" noChangeArrowheads="1"/>
-          </p:cNvPicPr>
-          <p:nvPr/>
-        </p:nvPicPr>
-        <p:blipFill>
-          <a:blip r:embed="rId2">
-            <a:extLst>
-              <a:ext uri="{28A0092B-C50C-407E-A947-70E740481C1C}">
-                <a14:useLocalDpi xmlns:a14="http://schemas.microsoft.com/office/drawing/2010/main" val="0"/>
-              </a:ext>
-            </a:extLst>
-          </a:blip>
-          <a:srcRect/>
-          <a:stretch>
-            <a:fillRect/>
-          </a:stretch>
-        </p:blipFill>
-        <p:spPr bwMode="auto">
-          <a:xfrm>
-            <a:off x="2988335" y="1752175"/>
-            <a:ext cx="6215337" cy="4661504"/>
-          </a:xfrm>
-          <a:prstGeom prst="rect">
-            <a:avLst/>
-          </a:prstGeom>
-          <a:noFill/>
-          <a:extLst>
-            <a:ext uri="{909E8E84-426E-40DD-AFC4-6F175D3DCCD1}">
-              <a14:hiddenFill xmlns:a14="http://schemas.microsoft.com/office/drawing/2010/main">
-                <a:solidFill>
-                  <a:srgbClr val="FFFFFF"/>
-                </a:solidFill>
-              </a14:hiddenFill>
-            </a:ext>
-          </a:extLst>
-        </p:spPr>
-      </p:pic>
-    </p:spTree>
-    <p:extLst>
-      <p:ext uri="{BB962C8B-B14F-4D97-AF65-F5344CB8AC3E}">
-        <p14:creationId xmlns:p14="http://schemas.microsoft.com/office/powerpoint/2010/main" val="16045635"/>
-      </p:ext>
-    </p:extLst>
-  </p:cSld>
-  <p:clrMapOvr>
-    <a:masterClrMapping/>
-  </p:clrMapOvr>
-</p:sld>
-</file>
-
 <file path=ppt/slides/slide31.xml><?xml version="1.0" encoding="utf-8"?>
 <p:sld xmlns:a="http://schemas.openxmlformats.org/drawingml/2006/main" xmlns:r="http://schemas.openxmlformats.org/officeDocument/2006/relationships" xmlns:p="http://schemas.openxmlformats.org/presentationml/2006/main">
   <p:cSld>
@@ -31843,16 +33146,6 @@
               </a:rPr>
               <a:t>Law</a:t>
             </a:r>
-            <a:endParaRPr lang="en-US" sz="5400" dirty="0">
-              <a:ln w="0"/>
-              <a:effectLst>
-                <a:outerShdw blurRad="38100" dist="19050" dir="2700000" algn="tl" rotWithShape="0">
-                  <a:schemeClr val="dk1">
-                    <a:alpha val="40000"/>
-                  </a:schemeClr>
-                </a:outerShdw>
-              </a:effectLst>
-            </a:endParaRPr>
           </a:p>
         </p:txBody>
       </p:sp>

--- a/Documents/projects for schools.pptx
+++ b/Documents/projects for schools.pptx
@@ -9041,7 +9041,7 @@
         </p:blipFill>
         <p:spPr bwMode="auto">
           <a:xfrm>
-            <a:off x="477591" y="298147"/>
+            <a:off x="477591" y="287756"/>
             <a:ext cx="9864144" cy="6484252"/>
           </a:xfrm>
           <a:prstGeom prst="rect">

--- a/Documents/projects for schools.pptx
+++ b/Documents/projects for schools.pptx
@@ -38,23 +38,25 @@
     <p:sldId id="306" r:id="rId32"/>
     <p:sldId id="307" r:id="rId33"/>
     <p:sldId id="308" r:id="rId34"/>
-    <p:sldId id="268" r:id="rId35"/>
-    <p:sldId id="269" r:id="rId36"/>
-    <p:sldId id="270" r:id="rId37"/>
-    <p:sldId id="272" r:id="rId38"/>
-    <p:sldId id="274" r:id="rId39"/>
-    <p:sldId id="275" r:id="rId40"/>
-    <p:sldId id="279" r:id="rId41"/>
-    <p:sldId id="284" r:id="rId42"/>
-    <p:sldId id="285" r:id="rId43"/>
-    <p:sldId id="286" r:id="rId44"/>
-    <p:sldId id="287" r:id="rId45"/>
-    <p:sldId id="292" r:id="rId46"/>
-    <p:sldId id="293" r:id="rId47"/>
-    <p:sldId id="294" r:id="rId48"/>
-    <p:sldId id="295" r:id="rId49"/>
-    <p:sldId id="296" r:id="rId50"/>
-    <p:sldId id="299" r:id="rId51"/>
+    <p:sldId id="309" r:id="rId35"/>
+    <p:sldId id="310" r:id="rId36"/>
+    <p:sldId id="268" r:id="rId37"/>
+    <p:sldId id="269" r:id="rId38"/>
+    <p:sldId id="270" r:id="rId39"/>
+    <p:sldId id="272" r:id="rId40"/>
+    <p:sldId id="274" r:id="rId41"/>
+    <p:sldId id="275" r:id="rId42"/>
+    <p:sldId id="279" r:id="rId43"/>
+    <p:sldId id="284" r:id="rId44"/>
+    <p:sldId id="285" r:id="rId45"/>
+    <p:sldId id="286" r:id="rId46"/>
+    <p:sldId id="287" r:id="rId47"/>
+    <p:sldId id="292" r:id="rId48"/>
+    <p:sldId id="293" r:id="rId49"/>
+    <p:sldId id="294" r:id="rId50"/>
+    <p:sldId id="295" r:id="rId51"/>
+    <p:sldId id="296" r:id="rId52"/>
+    <p:sldId id="299" r:id="rId53"/>
   </p:sldIdLst>
   <p:sldSz cx="12192000" cy="6858000"/>
   <p:notesSz cx="6858000" cy="9947275"/>
@@ -27511,7 +27513,1274 @@
         </p:nvSpPr>
         <p:spPr>
           <a:xfrm>
-            <a:off x="9484292" y="1890217"/>
+            <a:off x="8764606" y="711043"/>
+            <a:ext cx="750526" cy="523220"/>
+          </a:xfrm>
+          <a:prstGeom prst="rect">
+            <a:avLst/>
+          </a:prstGeom>
+          <a:noFill/>
+        </p:spPr>
+        <p:txBody>
+          <a:bodyPr wrap="none" lIns="91440" tIns="45720" rIns="91440" bIns="45720">
+            <a:spAutoFit/>
+          </a:bodyPr>
+          <a:lstStyle/>
+          <a:p>
+            <a:pPr algn="ctr"/>
+            <a:r>
+              <a:rPr lang="en-US" sz="2800" b="0" cap="none" spc="0" dirty="0" smtClean="0">
+                <a:ln w="0"/>
+                <a:solidFill>
+                  <a:schemeClr val="tx1"/>
+                </a:solidFill>
+                <a:effectLst>
+                  <a:outerShdw blurRad="38100" dist="19050" dir="2700000" algn="tl" rotWithShape="0">
+                    <a:schemeClr val="dk1">
+                      <a:alpha val="40000"/>
+                    </a:schemeClr>
+                  </a:outerShdw>
+                </a:effectLst>
+              </a:rPr>
+              <a:t>+9V</a:t>
+            </a:r>
+            <a:endParaRPr lang="en-US" sz="2800" b="0" cap="none" spc="0" dirty="0">
+              <a:ln w="0"/>
+              <a:solidFill>
+                <a:schemeClr val="tx1"/>
+              </a:solidFill>
+              <a:effectLst>
+                <a:outerShdw blurRad="38100" dist="19050" dir="2700000" algn="tl" rotWithShape="0">
+                  <a:schemeClr val="dk1">
+                    <a:alpha val="40000"/>
+                  </a:schemeClr>
+                </a:outerShdw>
+              </a:effectLst>
+            </a:endParaRPr>
+          </a:p>
+        </p:txBody>
+      </p:sp>
+      <p:sp>
+        <p:nvSpPr>
+          <p:cNvPr id="13" name="Isosceles Triangle 12"/>
+          <p:cNvSpPr/>
+          <p:nvPr/>
+        </p:nvSpPr>
+        <p:spPr>
+          <a:xfrm rot="10800000">
+            <a:off x="8218857" y="1906703"/>
+            <a:ext cx="529681" cy="672326"/>
+          </a:xfrm>
+          <a:prstGeom prst="triangle">
+            <a:avLst/>
+          </a:prstGeom>
+        </p:spPr>
+        <p:style>
+          <a:lnRef idx="2">
+            <a:schemeClr val="accent1">
+              <a:shade val="50000"/>
+            </a:schemeClr>
+          </a:lnRef>
+          <a:fillRef idx="1">
+            <a:schemeClr val="accent1"/>
+          </a:fillRef>
+          <a:effectRef idx="0">
+            <a:schemeClr val="accent1"/>
+          </a:effectRef>
+          <a:fontRef idx="minor">
+            <a:schemeClr val="lt1"/>
+          </a:fontRef>
+        </p:style>
+        <p:txBody>
+          <a:bodyPr rtlCol="0" anchor="ctr"/>
+          <a:lstStyle/>
+          <a:p>
+            <a:pPr algn="ctr"/>
+            <a:endParaRPr lang="en-US"/>
+          </a:p>
+        </p:txBody>
+      </p:sp>
+      <p:sp>
+        <p:nvSpPr>
+          <p:cNvPr id="15" name="Isosceles Triangle 14"/>
+          <p:cNvSpPr/>
+          <p:nvPr/>
+        </p:nvSpPr>
+        <p:spPr>
+          <a:xfrm rot="10800000">
+            <a:off x="8218858" y="1906703"/>
+            <a:ext cx="529681" cy="672326"/>
+          </a:xfrm>
+          <a:prstGeom prst="triangle">
+            <a:avLst/>
+          </a:prstGeom>
+        </p:spPr>
+        <p:style>
+          <a:lnRef idx="2">
+            <a:schemeClr val="accent1">
+              <a:shade val="50000"/>
+            </a:schemeClr>
+          </a:lnRef>
+          <a:fillRef idx="1">
+            <a:schemeClr val="accent1"/>
+          </a:fillRef>
+          <a:effectRef idx="0">
+            <a:schemeClr val="accent1"/>
+          </a:effectRef>
+          <a:fontRef idx="minor">
+            <a:schemeClr val="lt1"/>
+          </a:fontRef>
+        </p:style>
+        <p:txBody>
+          <a:bodyPr rtlCol="0" anchor="ctr"/>
+          <a:lstStyle/>
+          <a:p>
+            <a:pPr algn="ctr"/>
+            <a:endParaRPr lang="en-US"/>
+          </a:p>
+        </p:txBody>
+      </p:sp>
+      <p:sp>
+        <p:nvSpPr>
+          <p:cNvPr id="17" name="Isosceles Triangle 16"/>
+          <p:cNvSpPr/>
+          <p:nvPr/>
+        </p:nvSpPr>
+        <p:spPr>
+          <a:xfrm rot="10800000">
+            <a:off x="8231738" y="1906703"/>
+            <a:ext cx="529681" cy="672326"/>
+          </a:xfrm>
+          <a:prstGeom prst="triangle">
+            <a:avLst/>
+          </a:prstGeom>
+          <a:solidFill>
+            <a:schemeClr val="bg1"/>
+          </a:solidFill>
+          <a:ln>
+            <a:solidFill>
+              <a:schemeClr val="tx1"/>
+            </a:solidFill>
+          </a:ln>
+        </p:spPr>
+        <p:style>
+          <a:lnRef idx="2">
+            <a:schemeClr val="accent1">
+              <a:shade val="50000"/>
+            </a:schemeClr>
+          </a:lnRef>
+          <a:fillRef idx="1">
+            <a:schemeClr val="accent1"/>
+          </a:fillRef>
+          <a:effectRef idx="0">
+            <a:schemeClr val="accent1"/>
+          </a:effectRef>
+          <a:fontRef idx="minor">
+            <a:schemeClr val="lt1"/>
+          </a:fontRef>
+        </p:style>
+        <p:txBody>
+          <a:bodyPr rtlCol="0" anchor="ctr"/>
+          <a:lstStyle/>
+          <a:p>
+            <a:pPr algn="ctr"/>
+            <a:endParaRPr lang="en-US"/>
+          </a:p>
+        </p:txBody>
+      </p:sp>
+      <p:sp>
+        <p:nvSpPr>
+          <p:cNvPr id="18" name="Flowchart: Process 17"/>
+          <p:cNvSpPr/>
+          <p:nvPr/>
+        </p:nvSpPr>
+        <p:spPr>
+          <a:xfrm rot="10800000">
+            <a:off x="8037271" y="2501122"/>
+            <a:ext cx="896440" cy="47172"/>
+          </a:xfrm>
+          <a:prstGeom prst="flowChartProcess">
+            <a:avLst/>
+          </a:prstGeom>
+          <a:solidFill>
+            <a:schemeClr val="bg1"/>
+          </a:solidFill>
+          <a:ln>
+            <a:solidFill>
+              <a:schemeClr val="tx1"/>
+            </a:solidFill>
+          </a:ln>
+        </p:spPr>
+        <p:style>
+          <a:lnRef idx="2">
+            <a:schemeClr val="accent1">
+              <a:shade val="50000"/>
+            </a:schemeClr>
+          </a:lnRef>
+          <a:fillRef idx="1">
+            <a:schemeClr val="accent1"/>
+          </a:fillRef>
+          <a:effectRef idx="0">
+            <a:schemeClr val="accent1"/>
+          </a:effectRef>
+          <a:fontRef idx="minor">
+            <a:schemeClr val="lt1"/>
+          </a:fontRef>
+        </p:style>
+        <p:txBody>
+          <a:bodyPr rtlCol="0" anchor="ctr"/>
+          <a:lstStyle/>
+          <a:p>
+            <a:pPr algn="ctr"/>
+            <a:endParaRPr lang="en-US" dirty="0"/>
+          </a:p>
+        </p:txBody>
+      </p:sp>
+      <p:cxnSp>
+        <p:nvCxnSpPr>
+          <p:cNvPr id="19" name="Straight Arrow Connector 18"/>
+          <p:cNvCxnSpPr/>
+          <p:nvPr/>
+        </p:nvCxnSpPr>
+        <p:spPr>
+          <a:xfrm>
+            <a:off x="8965168" y="2115817"/>
+            <a:ext cx="329786" cy="329785"/>
+          </a:xfrm>
+          <a:prstGeom prst="straightConnector1">
+            <a:avLst/>
+          </a:prstGeom>
+          <a:ln w="28575">
+            <a:solidFill>
+              <a:schemeClr val="tx1"/>
+            </a:solidFill>
+            <a:tailEnd type="arrow"/>
+          </a:ln>
+        </p:spPr>
+        <p:style>
+          <a:lnRef idx="1">
+            <a:schemeClr val="accent1"/>
+          </a:lnRef>
+          <a:fillRef idx="0">
+            <a:schemeClr val="accent1"/>
+          </a:fillRef>
+          <a:effectRef idx="0">
+            <a:schemeClr val="accent1"/>
+          </a:effectRef>
+          <a:fontRef idx="minor">
+            <a:schemeClr val="tx1"/>
+          </a:fontRef>
+        </p:style>
+      </p:cxnSp>
+      <p:cxnSp>
+        <p:nvCxnSpPr>
+          <p:cNvPr id="20" name="Straight Arrow Connector 19"/>
+          <p:cNvCxnSpPr/>
+          <p:nvPr/>
+        </p:nvCxnSpPr>
+        <p:spPr>
+          <a:xfrm rot="5400000" flipV="1">
+            <a:off x="8768334" y="2176587"/>
+            <a:ext cx="347276" cy="332284"/>
+          </a:xfrm>
+          <a:prstGeom prst="straightConnector1">
+            <a:avLst/>
+          </a:prstGeom>
+          <a:ln w="28575">
+            <a:solidFill>
+              <a:schemeClr val="tx1"/>
+            </a:solidFill>
+            <a:tailEnd type="arrow"/>
+          </a:ln>
+        </p:spPr>
+        <p:style>
+          <a:lnRef idx="1">
+            <a:schemeClr val="accent1"/>
+          </a:lnRef>
+          <a:fillRef idx="0">
+            <a:schemeClr val="accent1"/>
+          </a:fillRef>
+          <a:effectRef idx="0">
+            <a:schemeClr val="accent1"/>
+          </a:effectRef>
+          <a:fontRef idx="minor">
+            <a:schemeClr val="tx1"/>
+          </a:fontRef>
+        </p:style>
+      </p:cxnSp>
+      <p:cxnSp>
+        <p:nvCxnSpPr>
+          <p:cNvPr id="22" name="Straight Connector 21"/>
+          <p:cNvCxnSpPr/>
+          <p:nvPr/>
+        </p:nvCxnSpPr>
+        <p:spPr>
+          <a:xfrm flipV="1">
+            <a:off x="8496886" y="2579029"/>
+            <a:ext cx="0" cy="1233313"/>
+          </a:xfrm>
+          <a:prstGeom prst="line">
+            <a:avLst/>
+          </a:prstGeom>
+          <a:ln w="38100">
+            <a:solidFill>
+              <a:schemeClr val="tx1"/>
+            </a:solidFill>
+          </a:ln>
+        </p:spPr>
+        <p:style>
+          <a:lnRef idx="1">
+            <a:schemeClr val="accent1"/>
+          </a:lnRef>
+          <a:fillRef idx="0">
+            <a:schemeClr val="accent1"/>
+          </a:fillRef>
+          <a:effectRef idx="0">
+            <a:schemeClr val="accent1"/>
+          </a:effectRef>
+          <a:fontRef idx="minor">
+            <a:schemeClr val="tx1"/>
+          </a:fontRef>
+        </p:style>
+      </p:cxnSp>
+      <p:cxnSp>
+        <p:nvCxnSpPr>
+          <p:cNvPr id="23" name="Straight Connector 22"/>
+          <p:cNvCxnSpPr/>
+          <p:nvPr/>
+        </p:nvCxnSpPr>
+        <p:spPr>
+          <a:xfrm flipH="1" flipV="1">
+            <a:off x="8480471" y="1210791"/>
+            <a:ext cx="5020" cy="704456"/>
+          </a:xfrm>
+          <a:prstGeom prst="line">
+            <a:avLst/>
+          </a:prstGeom>
+          <a:ln w="38100">
+            <a:solidFill>
+              <a:schemeClr val="tx1"/>
+            </a:solidFill>
+          </a:ln>
+        </p:spPr>
+        <p:style>
+          <a:lnRef idx="1">
+            <a:schemeClr val="accent1"/>
+          </a:lnRef>
+          <a:fillRef idx="0">
+            <a:schemeClr val="accent1"/>
+          </a:fillRef>
+          <a:effectRef idx="0">
+            <a:schemeClr val="accent1"/>
+          </a:effectRef>
+          <a:fontRef idx="minor">
+            <a:schemeClr val="tx1"/>
+          </a:fontRef>
+        </p:style>
+      </p:cxnSp>
+      <p:sp>
+        <p:nvSpPr>
+          <p:cNvPr id="25" name="Flowchart: Process 24"/>
+          <p:cNvSpPr/>
+          <p:nvPr/>
+        </p:nvSpPr>
+        <p:spPr>
+          <a:xfrm flipV="1">
+            <a:off x="3229195" y="6541472"/>
+            <a:ext cx="5735973" cy="45719"/>
+          </a:xfrm>
+          <a:prstGeom prst="flowChartProcess">
+            <a:avLst/>
+          </a:prstGeom>
+          <a:solidFill>
+            <a:schemeClr val="tx1"/>
+          </a:solidFill>
+        </p:spPr>
+        <p:style>
+          <a:lnRef idx="2">
+            <a:schemeClr val="accent1">
+              <a:shade val="50000"/>
+            </a:schemeClr>
+          </a:lnRef>
+          <a:fillRef idx="1">
+            <a:schemeClr val="accent1"/>
+          </a:fillRef>
+          <a:effectRef idx="0">
+            <a:schemeClr val="accent1"/>
+          </a:effectRef>
+          <a:fontRef idx="minor">
+            <a:schemeClr val="lt1"/>
+          </a:fontRef>
+        </p:style>
+        <p:txBody>
+          <a:bodyPr rtlCol="0" anchor="ctr"/>
+          <a:lstStyle/>
+          <a:p>
+            <a:pPr algn="ctr"/>
+            <a:endParaRPr lang="en-US" dirty="0"/>
+          </a:p>
+        </p:txBody>
+      </p:sp>
+      <p:sp>
+        <p:nvSpPr>
+          <p:cNvPr id="26" name="Flowchart: Process 25"/>
+          <p:cNvSpPr/>
+          <p:nvPr/>
+        </p:nvSpPr>
+        <p:spPr>
+          <a:xfrm>
+            <a:off x="3277772" y="1197660"/>
+            <a:ext cx="5687396" cy="57701"/>
+          </a:xfrm>
+          <a:prstGeom prst="flowChartProcess">
+            <a:avLst/>
+          </a:prstGeom>
+          <a:solidFill>
+            <a:schemeClr val="tx1"/>
+          </a:solidFill>
+        </p:spPr>
+        <p:style>
+          <a:lnRef idx="2">
+            <a:schemeClr val="accent1">
+              <a:shade val="50000"/>
+            </a:schemeClr>
+          </a:lnRef>
+          <a:fillRef idx="1">
+            <a:schemeClr val="accent1"/>
+          </a:fillRef>
+          <a:effectRef idx="0">
+            <a:schemeClr val="accent1"/>
+          </a:effectRef>
+          <a:fontRef idx="minor">
+            <a:schemeClr val="lt1"/>
+          </a:fontRef>
+        </p:style>
+        <p:txBody>
+          <a:bodyPr rtlCol="0" anchor="ctr"/>
+          <a:lstStyle/>
+          <a:p>
+            <a:pPr algn="ctr"/>
+            <a:endParaRPr lang="en-US" dirty="0"/>
+          </a:p>
+        </p:txBody>
+      </p:sp>
+      <p:cxnSp>
+        <p:nvCxnSpPr>
+          <p:cNvPr id="27" name="Straight Connector 26"/>
+          <p:cNvCxnSpPr/>
+          <p:nvPr/>
+        </p:nvCxnSpPr>
+        <p:spPr>
+          <a:xfrm flipH="1" flipV="1">
+            <a:off x="8351520" y="5711483"/>
+            <a:ext cx="5022" cy="882920"/>
+          </a:xfrm>
+          <a:prstGeom prst="line">
+            <a:avLst/>
+          </a:prstGeom>
+          <a:ln w="38100">
+            <a:solidFill>
+              <a:schemeClr val="tx1"/>
+            </a:solidFill>
+          </a:ln>
+        </p:spPr>
+        <p:style>
+          <a:lnRef idx="1">
+            <a:schemeClr val="accent1"/>
+          </a:lnRef>
+          <a:fillRef idx="0">
+            <a:schemeClr val="accent1"/>
+          </a:fillRef>
+          <a:effectRef idx="0">
+            <a:schemeClr val="accent1"/>
+          </a:effectRef>
+          <a:fontRef idx="minor">
+            <a:schemeClr val="tx1"/>
+          </a:fontRef>
+        </p:style>
+      </p:cxnSp>
+      <p:cxnSp>
+        <p:nvCxnSpPr>
+          <p:cNvPr id="29" name="Straight Connector 28"/>
+          <p:cNvCxnSpPr/>
+          <p:nvPr/>
+        </p:nvCxnSpPr>
+        <p:spPr>
+          <a:xfrm>
+            <a:off x="7244861" y="5064369"/>
+            <a:ext cx="1120727" cy="661182"/>
+          </a:xfrm>
+          <a:prstGeom prst="line">
+            <a:avLst/>
+          </a:prstGeom>
+          <a:ln w="57150">
+            <a:solidFill>
+              <a:schemeClr val="tx1"/>
+            </a:solidFill>
+          </a:ln>
+        </p:spPr>
+        <p:style>
+          <a:lnRef idx="1">
+            <a:schemeClr val="accent1"/>
+          </a:lnRef>
+          <a:fillRef idx="0">
+            <a:schemeClr val="accent1"/>
+          </a:fillRef>
+          <a:effectRef idx="0">
+            <a:schemeClr val="accent1"/>
+          </a:effectRef>
+          <a:fontRef idx="minor">
+            <a:schemeClr val="tx1"/>
+          </a:fontRef>
+        </p:style>
+      </p:cxnSp>
+      <p:sp>
+        <p:nvSpPr>
+          <p:cNvPr id="31" name="Isosceles Triangle 30"/>
+          <p:cNvSpPr/>
+          <p:nvPr/>
+        </p:nvSpPr>
+        <p:spPr>
+          <a:xfrm rot="7132570">
+            <a:off x="7723168" y="5271955"/>
+            <a:ext cx="464234" cy="436101"/>
+          </a:xfrm>
+          <a:prstGeom prst="triangle">
+            <a:avLst/>
+          </a:prstGeom>
+          <a:solidFill>
+            <a:schemeClr val="tx1"/>
+          </a:solidFill>
+          <a:ln>
+            <a:solidFill>
+              <a:schemeClr val="tx1"/>
+            </a:solidFill>
+          </a:ln>
+        </p:spPr>
+        <p:style>
+          <a:lnRef idx="2">
+            <a:schemeClr val="accent1">
+              <a:shade val="50000"/>
+            </a:schemeClr>
+          </a:lnRef>
+          <a:fillRef idx="1">
+            <a:schemeClr val="accent1"/>
+          </a:fillRef>
+          <a:effectRef idx="0">
+            <a:schemeClr val="accent1"/>
+          </a:effectRef>
+          <a:fontRef idx="minor">
+            <a:schemeClr val="lt1"/>
+          </a:fontRef>
+        </p:style>
+        <p:txBody>
+          <a:bodyPr rtlCol="0" anchor="ctr"/>
+          <a:lstStyle/>
+          <a:p>
+            <a:pPr algn="ctr"/>
+            <a:endParaRPr lang="en-US"/>
+          </a:p>
+        </p:txBody>
+      </p:sp>
+      <p:sp>
+        <p:nvSpPr>
+          <p:cNvPr id="42" name="Rectangle 41"/>
+          <p:cNvSpPr/>
+          <p:nvPr/>
+        </p:nvSpPr>
+        <p:spPr>
+          <a:xfrm>
+            <a:off x="2877334" y="5573509"/>
+            <a:ext cx="693764" cy="45719"/>
+          </a:xfrm>
+          <a:prstGeom prst="rect">
+            <a:avLst/>
+          </a:prstGeom>
+          <a:solidFill>
+            <a:schemeClr val="tx1"/>
+          </a:solidFill>
+        </p:spPr>
+        <p:style>
+          <a:lnRef idx="2">
+            <a:schemeClr val="accent1">
+              <a:shade val="50000"/>
+            </a:schemeClr>
+          </a:lnRef>
+          <a:fillRef idx="1">
+            <a:schemeClr val="accent1"/>
+          </a:fillRef>
+          <a:effectRef idx="0">
+            <a:schemeClr val="accent1"/>
+          </a:effectRef>
+          <a:fontRef idx="minor">
+            <a:schemeClr val="lt1"/>
+          </a:fontRef>
+        </p:style>
+        <p:txBody>
+          <a:bodyPr rtlCol="0" anchor="ctr"/>
+          <a:lstStyle/>
+          <a:p>
+            <a:pPr algn="ctr"/>
+            <a:endParaRPr lang="en-US"/>
+          </a:p>
+        </p:txBody>
+      </p:sp>
+      <p:sp>
+        <p:nvSpPr>
+          <p:cNvPr id="43" name="Rectangle 42"/>
+          <p:cNvSpPr/>
+          <p:nvPr/>
+        </p:nvSpPr>
+        <p:spPr>
+          <a:xfrm>
+            <a:off x="2868234" y="6014787"/>
+            <a:ext cx="675568" cy="45719"/>
+          </a:xfrm>
+          <a:prstGeom prst="rect">
+            <a:avLst/>
+          </a:prstGeom>
+          <a:solidFill>
+            <a:schemeClr val="tx1"/>
+          </a:solidFill>
+        </p:spPr>
+        <p:style>
+          <a:lnRef idx="2">
+            <a:schemeClr val="accent1">
+              <a:shade val="50000"/>
+            </a:schemeClr>
+          </a:lnRef>
+          <a:fillRef idx="1">
+            <a:schemeClr val="accent1"/>
+          </a:fillRef>
+          <a:effectRef idx="0">
+            <a:schemeClr val="accent1"/>
+          </a:effectRef>
+          <a:fontRef idx="minor">
+            <a:schemeClr val="lt1"/>
+          </a:fontRef>
+        </p:style>
+        <p:txBody>
+          <a:bodyPr rtlCol="0" anchor="ctr"/>
+          <a:lstStyle/>
+          <a:p>
+            <a:pPr algn="ctr"/>
+            <a:endParaRPr lang="en-US"/>
+          </a:p>
+        </p:txBody>
+      </p:sp>
+      <p:sp>
+        <p:nvSpPr>
+          <p:cNvPr id="44" name="Rectangle 43"/>
+          <p:cNvSpPr/>
+          <p:nvPr/>
+        </p:nvSpPr>
+        <p:spPr>
+          <a:xfrm>
+            <a:off x="2648741" y="4421673"/>
+            <a:ext cx="600502" cy="923330"/>
+          </a:xfrm>
+          <a:prstGeom prst="rect">
+            <a:avLst/>
+          </a:prstGeom>
+          <a:noFill/>
+        </p:spPr>
+        <p:txBody>
+          <a:bodyPr wrap="square" lIns="91440" tIns="45720" rIns="91440" bIns="45720">
+            <a:spAutoFit/>
+          </a:bodyPr>
+          <a:lstStyle/>
+          <a:p>
+            <a:pPr algn="ctr"/>
+            <a:r>
+              <a:rPr lang="en-US" sz="5400" b="0" cap="none" spc="0" dirty="0" smtClean="0">
+                <a:ln w="0"/>
+                <a:solidFill>
+                  <a:schemeClr val="tx1"/>
+                </a:solidFill>
+                <a:effectLst>
+                  <a:outerShdw blurRad="38100" dist="19050" dir="2700000" algn="tl" rotWithShape="0">
+                    <a:schemeClr val="dk1">
+                      <a:alpha val="40000"/>
+                    </a:schemeClr>
+                  </a:outerShdw>
+                </a:effectLst>
+              </a:rPr>
+              <a:t>+</a:t>
+            </a:r>
+            <a:endParaRPr lang="en-US" sz="5400" b="0" cap="none" spc="0" dirty="0">
+              <a:ln w="0"/>
+              <a:solidFill>
+                <a:schemeClr val="tx1"/>
+              </a:solidFill>
+              <a:effectLst>
+                <a:outerShdw blurRad="38100" dist="19050" dir="2700000" algn="tl" rotWithShape="0">
+                  <a:schemeClr val="dk1">
+                    <a:alpha val="40000"/>
+                  </a:schemeClr>
+                </a:outerShdw>
+              </a:effectLst>
+            </a:endParaRPr>
+          </a:p>
+        </p:txBody>
+      </p:sp>
+      <p:sp>
+        <p:nvSpPr>
+          <p:cNvPr id="45" name="Rectangle 44"/>
+          <p:cNvSpPr/>
+          <p:nvPr/>
+        </p:nvSpPr>
+        <p:spPr>
+          <a:xfrm>
+            <a:off x="2683989" y="5298277"/>
+            <a:ext cx="1078173" cy="68239"/>
+          </a:xfrm>
+          <a:prstGeom prst="rect">
+            <a:avLst/>
+          </a:prstGeom>
+          <a:solidFill>
+            <a:schemeClr val="tx1"/>
+          </a:solidFill>
+        </p:spPr>
+        <p:style>
+          <a:lnRef idx="2">
+            <a:schemeClr val="accent1">
+              <a:shade val="50000"/>
+            </a:schemeClr>
+          </a:lnRef>
+          <a:fillRef idx="1">
+            <a:schemeClr val="accent1"/>
+          </a:fillRef>
+          <a:effectRef idx="0">
+            <a:schemeClr val="accent1"/>
+          </a:effectRef>
+          <a:fontRef idx="minor">
+            <a:schemeClr val="lt1"/>
+          </a:fontRef>
+        </p:style>
+        <p:txBody>
+          <a:bodyPr rtlCol="0" anchor="ctr"/>
+          <a:lstStyle/>
+          <a:p>
+            <a:pPr algn="ctr"/>
+            <a:endParaRPr lang="en-US"/>
+          </a:p>
+        </p:txBody>
+      </p:sp>
+      <p:sp>
+        <p:nvSpPr>
+          <p:cNvPr id="46" name="Rectangle 45"/>
+          <p:cNvSpPr/>
+          <p:nvPr/>
+        </p:nvSpPr>
+        <p:spPr>
+          <a:xfrm>
+            <a:off x="2720957" y="5777999"/>
+            <a:ext cx="1078173" cy="68239"/>
+          </a:xfrm>
+          <a:prstGeom prst="rect">
+            <a:avLst/>
+          </a:prstGeom>
+          <a:solidFill>
+            <a:schemeClr val="tx1"/>
+          </a:solidFill>
+        </p:spPr>
+        <p:style>
+          <a:lnRef idx="2">
+            <a:schemeClr val="accent1">
+              <a:shade val="50000"/>
+            </a:schemeClr>
+          </a:lnRef>
+          <a:fillRef idx="1">
+            <a:schemeClr val="accent1"/>
+          </a:fillRef>
+          <a:effectRef idx="0">
+            <a:schemeClr val="accent1"/>
+          </a:effectRef>
+          <a:fontRef idx="minor">
+            <a:schemeClr val="lt1"/>
+          </a:fontRef>
+        </p:style>
+        <p:txBody>
+          <a:bodyPr rtlCol="0" anchor="ctr"/>
+          <a:lstStyle/>
+          <a:p>
+            <a:pPr algn="ctr"/>
+            <a:endParaRPr lang="en-US"/>
+          </a:p>
+        </p:txBody>
+      </p:sp>
+      <p:sp>
+        <p:nvSpPr>
+          <p:cNvPr id="47" name="Rectangle 46"/>
+          <p:cNvSpPr/>
+          <p:nvPr/>
+        </p:nvSpPr>
+        <p:spPr>
+          <a:xfrm>
+            <a:off x="2465736" y="6076204"/>
+            <a:ext cx="600502" cy="923330"/>
+          </a:xfrm>
+          <a:prstGeom prst="rect">
+            <a:avLst/>
+          </a:prstGeom>
+          <a:noFill/>
+        </p:spPr>
+        <p:txBody>
+          <a:bodyPr wrap="square" lIns="91440" tIns="45720" rIns="91440" bIns="45720">
+            <a:spAutoFit/>
+          </a:bodyPr>
+          <a:lstStyle/>
+          <a:p>
+            <a:pPr algn="ctr"/>
+            <a:r>
+              <a:rPr lang="en-US" sz="5400" b="0" cap="none" spc="0" dirty="0" smtClean="0">
+                <a:ln w="0"/>
+                <a:solidFill>
+                  <a:schemeClr val="tx1"/>
+                </a:solidFill>
+                <a:effectLst>
+                  <a:outerShdw blurRad="38100" dist="19050" dir="2700000" algn="tl" rotWithShape="0">
+                    <a:schemeClr val="dk1">
+                      <a:alpha val="40000"/>
+                    </a:schemeClr>
+                  </a:outerShdw>
+                </a:effectLst>
+              </a:rPr>
+              <a:t>-</a:t>
+            </a:r>
+            <a:endParaRPr lang="en-US" sz="5400" b="0" cap="none" spc="0" dirty="0">
+              <a:ln w="0"/>
+              <a:solidFill>
+                <a:schemeClr val="tx1"/>
+              </a:solidFill>
+              <a:effectLst>
+                <a:outerShdw blurRad="38100" dist="19050" dir="2700000" algn="tl" rotWithShape="0">
+                  <a:schemeClr val="dk1">
+                    <a:alpha val="40000"/>
+                  </a:schemeClr>
+                </a:outerShdw>
+              </a:effectLst>
+            </a:endParaRPr>
+          </a:p>
+        </p:txBody>
+      </p:sp>
+      <p:sp>
+        <p:nvSpPr>
+          <p:cNvPr id="48" name="Flowchart: Process 47"/>
+          <p:cNvSpPr/>
+          <p:nvPr/>
+        </p:nvSpPr>
+        <p:spPr>
+          <a:xfrm>
+            <a:off x="3249243" y="1189413"/>
+            <a:ext cx="61696" cy="2116224"/>
+          </a:xfrm>
+          <a:prstGeom prst="flowChartProcess">
+            <a:avLst/>
+          </a:prstGeom>
+          <a:solidFill>
+            <a:schemeClr val="tx1"/>
+          </a:solidFill>
+        </p:spPr>
+        <p:style>
+          <a:lnRef idx="2">
+            <a:schemeClr val="accent1">
+              <a:shade val="50000"/>
+            </a:schemeClr>
+          </a:lnRef>
+          <a:fillRef idx="1">
+            <a:schemeClr val="accent1"/>
+          </a:fillRef>
+          <a:effectRef idx="0">
+            <a:schemeClr val="accent1"/>
+          </a:effectRef>
+          <a:fontRef idx="minor">
+            <a:schemeClr val="lt1"/>
+          </a:fontRef>
+        </p:style>
+        <p:txBody>
+          <a:bodyPr rtlCol="0" anchor="ctr"/>
+          <a:lstStyle/>
+          <a:p>
+            <a:pPr algn="ctr"/>
+            <a:endParaRPr lang="en-US" dirty="0"/>
+          </a:p>
+        </p:txBody>
+      </p:sp>
+      <p:sp>
+        <p:nvSpPr>
+          <p:cNvPr id="49" name="Flowchart: Process 48"/>
+          <p:cNvSpPr/>
+          <p:nvPr/>
+        </p:nvSpPr>
+        <p:spPr>
+          <a:xfrm>
+            <a:off x="3256429" y="2814840"/>
+            <a:ext cx="45719" cy="2529577"/>
+          </a:xfrm>
+          <a:prstGeom prst="flowChartProcess">
+            <a:avLst/>
+          </a:prstGeom>
+          <a:solidFill>
+            <a:schemeClr val="tx1"/>
+          </a:solidFill>
+        </p:spPr>
+        <p:style>
+          <a:lnRef idx="2">
+            <a:schemeClr val="accent1">
+              <a:shade val="50000"/>
+            </a:schemeClr>
+          </a:lnRef>
+          <a:fillRef idx="1">
+            <a:schemeClr val="accent1"/>
+          </a:fillRef>
+          <a:effectRef idx="0">
+            <a:schemeClr val="accent1"/>
+          </a:effectRef>
+          <a:fontRef idx="minor">
+            <a:schemeClr val="lt1"/>
+          </a:fontRef>
+        </p:style>
+        <p:txBody>
+          <a:bodyPr rtlCol="0" anchor="ctr"/>
+          <a:lstStyle/>
+          <a:p>
+            <a:pPr algn="ctr"/>
+            <a:endParaRPr lang="en-US" dirty="0"/>
+          </a:p>
+        </p:txBody>
+      </p:sp>
+      <p:cxnSp>
+        <p:nvCxnSpPr>
+          <p:cNvPr id="51" name="Straight Connector 50"/>
+          <p:cNvCxnSpPr>
+            <a:stCxn id="25" idx="1"/>
+            <a:endCxn id="43" idx="0"/>
+          </p:cNvCxnSpPr>
+          <p:nvPr/>
+        </p:nvCxnSpPr>
+        <p:spPr>
+          <a:xfrm flipH="1" flipV="1">
+            <a:off x="3206018" y="6014787"/>
+            <a:ext cx="23177" cy="549544"/>
+          </a:xfrm>
+          <a:prstGeom prst="line">
+            <a:avLst/>
+          </a:prstGeom>
+          <a:ln w="38100">
+            <a:solidFill>
+              <a:schemeClr val="tx1"/>
+            </a:solidFill>
+          </a:ln>
+        </p:spPr>
+        <p:style>
+          <a:lnRef idx="1">
+            <a:schemeClr val="accent1"/>
+          </a:lnRef>
+          <a:fillRef idx="0">
+            <a:schemeClr val="accent1"/>
+          </a:fillRef>
+          <a:effectRef idx="0">
+            <a:schemeClr val="accent1"/>
+          </a:effectRef>
+          <a:fontRef idx="minor">
+            <a:schemeClr val="tx1"/>
+          </a:fontRef>
+        </p:style>
+      </p:cxnSp>
+      <p:sp>
+        <p:nvSpPr>
+          <p:cNvPr id="55" name="Flowchart: Process 54"/>
+          <p:cNvSpPr/>
+          <p:nvPr/>
+        </p:nvSpPr>
+        <p:spPr>
+          <a:xfrm>
+            <a:off x="3302148" y="4756325"/>
+            <a:ext cx="1525439" cy="58536"/>
+          </a:xfrm>
+          <a:prstGeom prst="flowChartProcess">
+            <a:avLst/>
+          </a:prstGeom>
+          <a:solidFill>
+            <a:schemeClr val="tx1"/>
+          </a:solidFill>
+        </p:spPr>
+        <p:style>
+          <a:lnRef idx="2">
+            <a:schemeClr val="accent1">
+              <a:shade val="50000"/>
+            </a:schemeClr>
+          </a:lnRef>
+          <a:fillRef idx="1">
+            <a:schemeClr val="accent1"/>
+          </a:fillRef>
+          <a:effectRef idx="0">
+            <a:schemeClr val="accent1"/>
+          </a:effectRef>
+          <a:fontRef idx="minor">
+            <a:schemeClr val="lt1"/>
+          </a:fontRef>
+        </p:style>
+        <p:txBody>
+          <a:bodyPr rtlCol="0" anchor="ctr"/>
+          <a:lstStyle/>
+          <a:p>
+            <a:pPr algn="ctr"/>
+            <a:endParaRPr lang="en-US" dirty="0"/>
+          </a:p>
+        </p:txBody>
+      </p:sp>
+      <p:sp>
+        <p:nvSpPr>
+          <p:cNvPr id="56" name="Flowchart: Process 55"/>
+          <p:cNvSpPr/>
+          <p:nvPr/>
+        </p:nvSpPr>
+        <p:spPr>
+          <a:xfrm rot="19870170" flipV="1">
+            <a:off x="4785907" y="4544735"/>
+            <a:ext cx="896440" cy="57551"/>
+          </a:xfrm>
+          <a:prstGeom prst="flowChartProcess">
+            <a:avLst/>
+          </a:prstGeom>
+          <a:solidFill>
+            <a:schemeClr val="tx1"/>
+          </a:solidFill>
+        </p:spPr>
+        <p:style>
+          <a:lnRef idx="2">
+            <a:schemeClr val="accent1">
+              <a:shade val="50000"/>
+            </a:schemeClr>
+          </a:lnRef>
+          <a:fillRef idx="1">
+            <a:schemeClr val="accent1"/>
+          </a:fillRef>
+          <a:effectRef idx="0">
+            <a:schemeClr val="accent1"/>
+          </a:effectRef>
+          <a:fontRef idx="minor">
+            <a:schemeClr val="lt1"/>
+          </a:fontRef>
+        </p:style>
+        <p:txBody>
+          <a:bodyPr rtlCol="0" anchor="ctr"/>
+          <a:lstStyle/>
+          <a:p>
+            <a:pPr algn="ctr"/>
+            <a:endParaRPr lang="en-US" dirty="0"/>
+          </a:p>
+        </p:txBody>
+      </p:sp>
+      <p:sp>
+        <p:nvSpPr>
+          <p:cNvPr id="57" name="Rectangle 56"/>
+          <p:cNvSpPr/>
+          <p:nvPr/>
+        </p:nvSpPr>
+        <p:spPr>
+          <a:xfrm>
+            <a:off x="4604616" y="4873749"/>
+            <a:ext cx="1142365" cy="523220"/>
+          </a:xfrm>
+          <a:prstGeom prst="rect">
+            <a:avLst/>
+          </a:prstGeom>
+          <a:noFill/>
+        </p:spPr>
+        <p:txBody>
+          <a:bodyPr wrap="none" lIns="91440" tIns="45720" rIns="91440" bIns="45720">
+            <a:spAutoFit/>
+          </a:bodyPr>
+          <a:lstStyle/>
+          <a:p>
+            <a:pPr algn="ctr"/>
+            <a:r>
+              <a:rPr lang="en-US" sz="2800" b="0" cap="none" spc="0" dirty="0" smtClean="0">
+                <a:ln w="0"/>
+                <a:solidFill>
+                  <a:schemeClr val="tx1"/>
+                </a:solidFill>
+                <a:effectLst>
+                  <a:outerShdw blurRad="38100" dist="19050" dir="2700000" algn="tl" rotWithShape="0">
+                    <a:schemeClr val="dk1">
+                      <a:alpha val="40000"/>
+                    </a:schemeClr>
+                  </a:outerShdw>
+                </a:effectLst>
+              </a:rPr>
+              <a:t>Switch</a:t>
+            </a:r>
+            <a:endParaRPr lang="en-US" sz="2800" b="0" cap="none" spc="0" dirty="0">
+              <a:ln w="0"/>
+              <a:solidFill>
+                <a:schemeClr val="tx1"/>
+              </a:solidFill>
+              <a:effectLst>
+                <a:outerShdw blurRad="38100" dist="19050" dir="2700000" algn="tl" rotWithShape="0">
+                  <a:schemeClr val="dk1">
+                    <a:alpha val="40000"/>
+                  </a:schemeClr>
+                </a:outerShdw>
+              </a:effectLst>
+            </a:endParaRPr>
+          </a:p>
+        </p:txBody>
+      </p:sp>
+      <p:sp>
+        <p:nvSpPr>
+          <p:cNvPr id="58" name="Flowchart: Process 57"/>
+          <p:cNvSpPr/>
+          <p:nvPr/>
+        </p:nvSpPr>
+        <p:spPr>
+          <a:xfrm>
+            <a:off x="5664118" y="4764061"/>
+            <a:ext cx="1525439" cy="58536"/>
+          </a:xfrm>
+          <a:prstGeom prst="flowChartProcess">
+            <a:avLst/>
+          </a:prstGeom>
+          <a:solidFill>
+            <a:schemeClr val="tx1"/>
+          </a:solidFill>
+        </p:spPr>
+        <p:style>
+          <a:lnRef idx="2">
+            <a:schemeClr val="accent1">
+              <a:shade val="50000"/>
+            </a:schemeClr>
+          </a:lnRef>
+          <a:fillRef idx="1">
+            <a:schemeClr val="accent1"/>
+          </a:fillRef>
+          <a:effectRef idx="0">
+            <a:schemeClr val="accent1"/>
+          </a:effectRef>
+          <a:fontRef idx="minor">
+            <a:schemeClr val="lt1"/>
+          </a:fontRef>
+        </p:style>
+        <p:txBody>
+          <a:bodyPr rtlCol="0" anchor="ctr"/>
+          <a:lstStyle/>
+          <a:p>
+            <a:pPr algn="ctr"/>
+            <a:endParaRPr lang="en-US" dirty="0"/>
+          </a:p>
+        </p:txBody>
+      </p:sp>
+      <p:sp>
+        <p:nvSpPr>
+          <p:cNvPr id="59" name="Rectangle 58"/>
+          <p:cNvSpPr/>
+          <p:nvPr/>
+        </p:nvSpPr>
+        <p:spPr>
+          <a:xfrm>
+            <a:off x="967766" y="5418104"/>
+            <a:ext cx="1549495" cy="523220"/>
+          </a:xfrm>
+          <a:prstGeom prst="rect">
+            <a:avLst/>
+          </a:prstGeom>
+          <a:noFill/>
+        </p:spPr>
+        <p:txBody>
+          <a:bodyPr wrap="square" lIns="91440" tIns="45720" rIns="91440" bIns="45720">
+            <a:spAutoFit/>
+          </a:bodyPr>
+          <a:lstStyle/>
+          <a:p>
+            <a:pPr algn="ctr"/>
+            <a:r>
+              <a:rPr lang="en-US" sz="2800" dirty="0" smtClean="0">
+                <a:ln w="0"/>
+                <a:effectLst>
+                  <a:outerShdw blurRad="38100" dist="19050" dir="2700000" algn="tl" rotWithShape="0">
+                    <a:schemeClr val="dk1">
+                      <a:alpha val="40000"/>
+                    </a:schemeClr>
+                  </a:outerShdw>
+                </a:effectLst>
+              </a:rPr>
+              <a:t>BATTERY</a:t>
+            </a:r>
+            <a:endParaRPr lang="en-US" sz="5400" b="0" cap="none" spc="0" dirty="0">
+              <a:ln w="0"/>
+              <a:solidFill>
+                <a:schemeClr val="tx1"/>
+              </a:solidFill>
+              <a:effectLst>
+                <a:outerShdw blurRad="38100" dist="19050" dir="2700000" algn="tl" rotWithShape="0">
+                  <a:schemeClr val="dk1">
+                    <a:alpha val="40000"/>
+                  </a:schemeClr>
+                </a:outerShdw>
+              </a:effectLst>
+            </a:endParaRPr>
+          </a:p>
+        </p:txBody>
+      </p:sp>
+      <p:sp>
+        <p:nvSpPr>
+          <p:cNvPr id="60" name="Down Arrow 59"/>
+          <p:cNvSpPr/>
+          <p:nvPr/>
+        </p:nvSpPr>
+        <p:spPr>
+          <a:xfrm>
+            <a:off x="7454099" y="1454027"/>
+            <a:ext cx="396332" cy="1711202"/>
+          </a:xfrm>
+          <a:prstGeom prst="downArrow">
+            <a:avLst/>
+          </a:prstGeom>
+          <a:solidFill>
+            <a:schemeClr val="bg1"/>
+          </a:solidFill>
+          <a:ln>
+            <a:solidFill>
+              <a:schemeClr val="tx1"/>
+            </a:solidFill>
+          </a:ln>
+        </p:spPr>
+        <p:style>
+          <a:lnRef idx="2">
+            <a:schemeClr val="accent1">
+              <a:shade val="50000"/>
+            </a:schemeClr>
+          </a:lnRef>
+          <a:fillRef idx="1">
+            <a:schemeClr val="accent1"/>
+          </a:fillRef>
+          <a:effectRef idx="0">
+            <a:schemeClr val="accent1"/>
+          </a:effectRef>
+          <a:fontRef idx="minor">
+            <a:schemeClr val="lt1"/>
+          </a:fontRef>
+        </p:style>
+        <p:txBody>
+          <a:bodyPr rtlCol="0" anchor="ctr"/>
+          <a:lstStyle/>
+          <a:p>
+            <a:pPr algn="ctr"/>
+            <a:endParaRPr lang="en-US"/>
+          </a:p>
+        </p:txBody>
+      </p:sp>
+      <p:sp>
+        <p:nvSpPr>
+          <p:cNvPr id="61" name="Rectangle 60"/>
+          <p:cNvSpPr/>
+          <p:nvPr/>
+        </p:nvSpPr>
+        <p:spPr>
+          <a:xfrm>
+            <a:off x="9447354" y="1960508"/>
             <a:ext cx="731289" cy="523220"/>
           </a:xfrm>
           <a:prstGeom prst="rect">
@@ -27560,1028 +28829,14 @@
       </p:sp>
       <p:sp>
         <p:nvSpPr>
-          <p:cNvPr id="13" name="Isosceles Triangle 12"/>
-          <p:cNvSpPr/>
-          <p:nvPr/>
-        </p:nvSpPr>
-        <p:spPr>
-          <a:xfrm rot="10800000">
-            <a:off x="8218857" y="1906703"/>
-            <a:ext cx="529681" cy="672326"/>
-          </a:xfrm>
-          <a:prstGeom prst="triangle">
-            <a:avLst/>
-          </a:prstGeom>
-        </p:spPr>
-        <p:style>
-          <a:lnRef idx="2">
-            <a:schemeClr val="accent1">
-              <a:shade val="50000"/>
-            </a:schemeClr>
-          </a:lnRef>
-          <a:fillRef idx="1">
-            <a:schemeClr val="accent1"/>
-          </a:fillRef>
-          <a:effectRef idx="0">
-            <a:schemeClr val="accent1"/>
-          </a:effectRef>
-          <a:fontRef idx="minor">
-            <a:schemeClr val="lt1"/>
-          </a:fontRef>
-        </p:style>
-        <p:txBody>
-          <a:bodyPr rtlCol="0" anchor="ctr"/>
-          <a:lstStyle/>
-          <a:p>
-            <a:pPr algn="ctr"/>
-            <a:endParaRPr lang="en-US"/>
-          </a:p>
-        </p:txBody>
-      </p:sp>
-      <p:sp>
-        <p:nvSpPr>
-          <p:cNvPr id="15" name="Isosceles Triangle 14"/>
-          <p:cNvSpPr/>
-          <p:nvPr/>
-        </p:nvSpPr>
-        <p:spPr>
-          <a:xfrm rot="10800000">
-            <a:off x="8218858" y="1906703"/>
-            <a:ext cx="529681" cy="672326"/>
-          </a:xfrm>
-          <a:prstGeom prst="triangle">
-            <a:avLst/>
-          </a:prstGeom>
-        </p:spPr>
-        <p:style>
-          <a:lnRef idx="2">
-            <a:schemeClr val="accent1">
-              <a:shade val="50000"/>
-            </a:schemeClr>
-          </a:lnRef>
-          <a:fillRef idx="1">
-            <a:schemeClr val="accent1"/>
-          </a:fillRef>
-          <a:effectRef idx="0">
-            <a:schemeClr val="accent1"/>
-          </a:effectRef>
-          <a:fontRef idx="minor">
-            <a:schemeClr val="lt1"/>
-          </a:fontRef>
-        </p:style>
-        <p:txBody>
-          <a:bodyPr rtlCol="0" anchor="ctr"/>
-          <a:lstStyle/>
-          <a:p>
-            <a:pPr algn="ctr"/>
-            <a:endParaRPr lang="en-US"/>
-          </a:p>
-        </p:txBody>
-      </p:sp>
-      <p:sp>
-        <p:nvSpPr>
-          <p:cNvPr id="17" name="Isosceles Triangle 16"/>
-          <p:cNvSpPr/>
-          <p:nvPr/>
-        </p:nvSpPr>
-        <p:spPr>
-          <a:xfrm rot="10800000">
-            <a:off x="8231738" y="1906703"/>
-            <a:ext cx="529681" cy="672326"/>
-          </a:xfrm>
-          <a:prstGeom prst="triangle">
-            <a:avLst/>
-          </a:prstGeom>
-          <a:solidFill>
-            <a:schemeClr val="bg1"/>
-          </a:solidFill>
-          <a:ln>
-            <a:solidFill>
-              <a:schemeClr val="tx1"/>
-            </a:solidFill>
-          </a:ln>
-        </p:spPr>
-        <p:style>
-          <a:lnRef idx="2">
-            <a:schemeClr val="accent1">
-              <a:shade val="50000"/>
-            </a:schemeClr>
-          </a:lnRef>
-          <a:fillRef idx="1">
-            <a:schemeClr val="accent1"/>
-          </a:fillRef>
-          <a:effectRef idx="0">
-            <a:schemeClr val="accent1"/>
-          </a:effectRef>
-          <a:fontRef idx="minor">
-            <a:schemeClr val="lt1"/>
-          </a:fontRef>
-        </p:style>
-        <p:txBody>
-          <a:bodyPr rtlCol="0" anchor="ctr"/>
-          <a:lstStyle/>
-          <a:p>
-            <a:pPr algn="ctr"/>
-            <a:endParaRPr lang="en-US"/>
-          </a:p>
-        </p:txBody>
-      </p:sp>
-      <p:sp>
-        <p:nvSpPr>
-          <p:cNvPr id="18" name="Flowchart: Process 17"/>
-          <p:cNvSpPr/>
-          <p:nvPr/>
-        </p:nvSpPr>
-        <p:spPr>
-          <a:xfrm rot="10800000">
-            <a:off x="8037271" y="2501122"/>
-            <a:ext cx="896440" cy="47172"/>
-          </a:xfrm>
-          <a:prstGeom prst="flowChartProcess">
-            <a:avLst/>
-          </a:prstGeom>
-          <a:solidFill>
-            <a:schemeClr val="bg1"/>
-          </a:solidFill>
-          <a:ln>
-            <a:solidFill>
-              <a:schemeClr val="tx1"/>
-            </a:solidFill>
-          </a:ln>
-        </p:spPr>
-        <p:style>
-          <a:lnRef idx="2">
-            <a:schemeClr val="accent1">
-              <a:shade val="50000"/>
-            </a:schemeClr>
-          </a:lnRef>
-          <a:fillRef idx="1">
-            <a:schemeClr val="accent1"/>
-          </a:fillRef>
-          <a:effectRef idx="0">
-            <a:schemeClr val="accent1"/>
-          </a:effectRef>
-          <a:fontRef idx="minor">
-            <a:schemeClr val="lt1"/>
-          </a:fontRef>
-        </p:style>
-        <p:txBody>
-          <a:bodyPr rtlCol="0" anchor="ctr"/>
-          <a:lstStyle/>
-          <a:p>
-            <a:pPr algn="ctr"/>
-            <a:endParaRPr lang="en-US" dirty="0"/>
-          </a:p>
-        </p:txBody>
-      </p:sp>
-      <p:cxnSp>
-        <p:nvCxnSpPr>
-          <p:cNvPr id="19" name="Straight Arrow Connector 18"/>
-          <p:cNvCxnSpPr/>
-          <p:nvPr/>
-        </p:nvCxnSpPr>
-        <p:spPr>
-          <a:xfrm>
-            <a:off x="8965168" y="2115817"/>
-            <a:ext cx="329786" cy="329785"/>
-          </a:xfrm>
-          <a:prstGeom prst="straightConnector1">
-            <a:avLst/>
-          </a:prstGeom>
-          <a:ln w="28575">
-            <a:solidFill>
-              <a:schemeClr val="tx1"/>
-            </a:solidFill>
-            <a:tailEnd type="arrow"/>
-          </a:ln>
-        </p:spPr>
-        <p:style>
-          <a:lnRef idx="1">
-            <a:schemeClr val="accent1"/>
-          </a:lnRef>
-          <a:fillRef idx="0">
-            <a:schemeClr val="accent1"/>
-          </a:fillRef>
-          <a:effectRef idx="0">
-            <a:schemeClr val="accent1"/>
-          </a:effectRef>
-          <a:fontRef idx="minor">
-            <a:schemeClr val="tx1"/>
-          </a:fontRef>
-        </p:style>
-      </p:cxnSp>
-      <p:cxnSp>
-        <p:nvCxnSpPr>
-          <p:cNvPr id="20" name="Straight Arrow Connector 19"/>
-          <p:cNvCxnSpPr/>
-          <p:nvPr/>
-        </p:nvCxnSpPr>
-        <p:spPr>
-          <a:xfrm rot="5400000" flipV="1">
-            <a:off x="8768334" y="2176587"/>
-            <a:ext cx="347276" cy="332284"/>
-          </a:xfrm>
-          <a:prstGeom prst="straightConnector1">
-            <a:avLst/>
-          </a:prstGeom>
-          <a:ln w="28575">
-            <a:solidFill>
-              <a:schemeClr val="tx1"/>
-            </a:solidFill>
-            <a:tailEnd type="arrow"/>
-          </a:ln>
-        </p:spPr>
-        <p:style>
-          <a:lnRef idx="1">
-            <a:schemeClr val="accent1"/>
-          </a:lnRef>
-          <a:fillRef idx="0">
-            <a:schemeClr val="accent1"/>
-          </a:fillRef>
-          <a:effectRef idx="0">
-            <a:schemeClr val="accent1"/>
-          </a:effectRef>
-          <a:fontRef idx="minor">
-            <a:schemeClr val="tx1"/>
-          </a:fontRef>
-        </p:style>
-      </p:cxnSp>
-      <p:cxnSp>
-        <p:nvCxnSpPr>
-          <p:cNvPr id="22" name="Straight Connector 21"/>
-          <p:cNvCxnSpPr/>
-          <p:nvPr/>
-        </p:nvCxnSpPr>
-        <p:spPr>
-          <a:xfrm flipV="1">
-            <a:off x="8496886" y="2579029"/>
-            <a:ext cx="0" cy="1233313"/>
-          </a:xfrm>
-          <a:prstGeom prst="line">
-            <a:avLst/>
-          </a:prstGeom>
-          <a:ln w="38100">
-            <a:solidFill>
-              <a:schemeClr val="tx1"/>
-            </a:solidFill>
-          </a:ln>
-        </p:spPr>
-        <p:style>
-          <a:lnRef idx="1">
-            <a:schemeClr val="accent1"/>
-          </a:lnRef>
-          <a:fillRef idx="0">
-            <a:schemeClr val="accent1"/>
-          </a:fillRef>
-          <a:effectRef idx="0">
-            <a:schemeClr val="accent1"/>
-          </a:effectRef>
-          <a:fontRef idx="minor">
-            <a:schemeClr val="tx1"/>
-          </a:fontRef>
-        </p:style>
-      </p:cxnSp>
-      <p:cxnSp>
-        <p:nvCxnSpPr>
-          <p:cNvPr id="23" name="Straight Connector 22"/>
-          <p:cNvCxnSpPr/>
-          <p:nvPr/>
-        </p:nvCxnSpPr>
-        <p:spPr>
-          <a:xfrm flipH="1" flipV="1">
-            <a:off x="8480471" y="1210791"/>
-            <a:ext cx="5020" cy="704456"/>
-          </a:xfrm>
-          <a:prstGeom prst="line">
-            <a:avLst/>
-          </a:prstGeom>
-          <a:ln w="38100">
-            <a:solidFill>
-              <a:schemeClr val="tx1"/>
-            </a:solidFill>
-          </a:ln>
-        </p:spPr>
-        <p:style>
-          <a:lnRef idx="1">
-            <a:schemeClr val="accent1"/>
-          </a:lnRef>
-          <a:fillRef idx="0">
-            <a:schemeClr val="accent1"/>
-          </a:fillRef>
-          <a:effectRef idx="0">
-            <a:schemeClr val="accent1"/>
-          </a:effectRef>
-          <a:fontRef idx="minor">
-            <a:schemeClr val="tx1"/>
-          </a:fontRef>
-        </p:style>
-      </p:cxnSp>
-      <p:sp>
-        <p:nvSpPr>
-          <p:cNvPr id="25" name="Flowchart: Process 24"/>
-          <p:cNvSpPr/>
-          <p:nvPr/>
-        </p:nvSpPr>
-        <p:spPr>
-          <a:xfrm flipV="1">
-            <a:off x="3229195" y="6541473"/>
-            <a:ext cx="5157289" cy="52929"/>
-          </a:xfrm>
-          <a:prstGeom prst="flowChartProcess">
-            <a:avLst/>
-          </a:prstGeom>
-          <a:solidFill>
-            <a:schemeClr val="tx1"/>
-          </a:solidFill>
-        </p:spPr>
-        <p:style>
-          <a:lnRef idx="2">
-            <a:schemeClr val="accent1">
-              <a:shade val="50000"/>
-            </a:schemeClr>
-          </a:lnRef>
-          <a:fillRef idx="1">
-            <a:schemeClr val="accent1"/>
-          </a:fillRef>
-          <a:effectRef idx="0">
-            <a:schemeClr val="accent1"/>
-          </a:effectRef>
-          <a:fontRef idx="minor">
-            <a:schemeClr val="lt1"/>
-          </a:fontRef>
-        </p:style>
-        <p:txBody>
-          <a:bodyPr rtlCol="0" anchor="ctr"/>
-          <a:lstStyle/>
-          <a:p>
-            <a:pPr algn="ctr"/>
-            <a:endParaRPr lang="en-US" dirty="0"/>
-          </a:p>
-        </p:txBody>
-      </p:sp>
-      <p:sp>
-        <p:nvSpPr>
-          <p:cNvPr id="26" name="Flowchart: Process 25"/>
-          <p:cNvSpPr/>
-          <p:nvPr/>
-        </p:nvSpPr>
-        <p:spPr>
-          <a:xfrm>
-            <a:off x="3277772" y="1197660"/>
-            <a:ext cx="5218806" cy="45719"/>
-          </a:xfrm>
-          <a:prstGeom prst="flowChartProcess">
-            <a:avLst/>
-          </a:prstGeom>
-          <a:solidFill>
-            <a:schemeClr val="tx1"/>
-          </a:solidFill>
-        </p:spPr>
-        <p:style>
-          <a:lnRef idx="2">
-            <a:schemeClr val="accent1">
-              <a:shade val="50000"/>
-            </a:schemeClr>
-          </a:lnRef>
-          <a:fillRef idx="1">
-            <a:schemeClr val="accent1"/>
-          </a:fillRef>
-          <a:effectRef idx="0">
-            <a:schemeClr val="accent1"/>
-          </a:effectRef>
-          <a:fontRef idx="minor">
-            <a:schemeClr val="lt1"/>
-          </a:fontRef>
-        </p:style>
-        <p:txBody>
-          <a:bodyPr rtlCol="0" anchor="ctr"/>
-          <a:lstStyle/>
-          <a:p>
-            <a:pPr algn="ctr"/>
-            <a:endParaRPr lang="en-US" dirty="0"/>
-          </a:p>
-        </p:txBody>
-      </p:sp>
-      <p:cxnSp>
-        <p:nvCxnSpPr>
-          <p:cNvPr id="27" name="Straight Connector 26"/>
-          <p:cNvCxnSpPr/>
-          <p:nvPr/>
-        </p:nvCxnSpPr>
-        <p:spPr>
-          <a:xfrm flipH="1" flipV="1">
-            <a:off x="8351520" y="5711483"/>
-            <a:ext cx="5022" cy="882920"/>
-          </a:xfrm>
-          <a:prstGeom prst="line">
-            <a:avLst/>
-          </a:prstGeom>
-          <a:ln w="38100">
-            <a:solidFill>
-              <a:schemeClr val="tx1"/>
-            </a:solidFill>
-          </a:ln>
-        </p:spPr>
-        <p:style>
-          <a:lnRef idx="1">
-            <a:schemeClr val="accent1"/>
-          </a:lnRef>
-          <a:fillRef idx="0">
-            <a:schemeClr val="accent1"/>
-          </a:fillRef>
-          <a:effectRef idx="0">
-            <a:schemeClr val="accent1"/>
-          </a:effectRef>
-          <a:fontRef idx="minor">
-            <a:schemeClr val="tx1"/>
-          </a:fontRef>
-        </p:style>
-      </p:cxnSp>
-      <p:cxnSp>
-        <p:nvCxnSpPr>
-          <p:cNvPr id="29" name="Straight Connector 28"/>
-          <p:cNvCxnSpPr/>
-          <p:nvPr/>
-        </p:nvCxnSpPr>
-        <p:spPr>
-          <a:xfrm>
-            <a:off x="7244861" y="5064369"/>
-            <a:ext cx="1120727" cy="661182"/>
-          </a:xfrm>
-          <a:prstGeom prst="line">
-            <a:avLst/>
-          </a:prstGeom>
-          <a:ln w="57150">
-            <a:solidFill>
-              <a:schemeClr val="tx1"/>
-            </a:solidFill>
-          </a:ln>
-        </p:spPr>
-        <p:style>
-          <a:lnRef idx="1">
-            <a:schemeClr val="accent1"/>
-          </a:lnRef>
-          <a:fillRef idx="0">
-            <a:schemeClr val="accent1"/>
-          </a:fillRef>
-          <a:effectRef idx="0">
-            <a:schemeClr val="accent1"/>
-          </a:effectRef>
-          <a:fontRef idx="minor">
-            <a:schemeClr val="tx1"/>
-          </a:fontRef>
-        </p:style>
-      </p:cxnSp>
-      <p:sp>
-        <p:nvSpPr>
-          <p:cNvPr id="31" name="Isosceles Triangle 30"/>
-          <p:cNvSpPr/>
-          <p:nvPr/>
-        </p:nvSpPr>
-        <p:spPr>
-          <a:xfrm rot="7132570">
-            <a:off x="7723168" y="5271955"/>
-            <a:ext cx="464234" cy="436101"/>
-          </a:xfrm>
-          <a:prstGeom prst="triangle">
-            <a:avLst/>
-          </a:prstGeom>
-          <a:solidFill>
-            <a:schemeClr val="tx1"/>
-          </a:solidFill>
-          <a:ln>
-            <a:solidFill>
-              <a:schemeClr val="tx1"/>
-            </a:solidFill>
-          </a:ln>
-        </p:spPr>
-        <p:style>
-          <a:lnRef idx="2">
-            <a:schemeClr val="accent1">
-              <a:shade val="50000"/>
-            </a:schemeClr>
-          </a:lnRef>
-          <a:fillRef idx="1">
-            <a:schemeClr val="accent1"/>
-          </a:fillRef>
-          <a:effectRef idx="0">
-            <a:schemeClr val="accent1"/>
-          </a:effectRef>
-          <a:fontRef idx="minor">
-            <a:schemeClr val="lt1"/>
-          </a:fontRef>
-        </p:style>
-        <p:txBody>
-          <a:bodyPr rtlCol="0" anchor="ctr"/>
-          <a:lstStyle/>
-          <a:p>
-            <a:pPr algn="ctr"/>
-            <a:endParaRPr lang="en-US"/>
-          </a:p>
-        </p:txBody>
-      </p:sp>
-      <p:sp>
-        <p:nvSpPr>
-          <p:cNvPr id="42" name="Rectangle 41"/>
-          <p:cNvSpPr/>
-          <p:nvPr/>
-        </p:nvSpPr>
-        <p:spPr>
-          <a:xfrm>
-            <a:off x="2877334" y="5573509"/>
-            <a:ext cx="693764" cy="45719"/>
-          </a:xfrm>
-          <a:prstGeom prst="rect">
-            <a:avLst/>
-          </a:prstGeom>
-          <a:solidFill>
-            <a:schemeClr val="tx1"/>
-          </a:solidFill>
-        </p:spPr>
-        <p:style>
-          <a:lnRef idx="2">
-            <a:schemeClr val="accent1">
-              <a:shade val="50000"/>
-            </a:schemeClr>
-          </a:lnRef>
-          <a:fillRef idx="1">
-            <a:schemeClr val="accent1"/>
-          </a:fillRef>
-          <a:effectRef idx="0">
-            <a:schemeClr val="accent1"/>
-          </a:effectRef>
-          <a:fontRef idx="minor">
-            <a:schemeClr val="lt1"/>
-          </a:fontRef>
-        </p:style>
-        <p:txBody>
-          <a:bodyPr rtlCol="0" anchor="ctr"/>
-          <a:lstStyle/>
-          <a:p>
-            <a:pPr algn="ctr"/>
-            <a:endParaRPr lang="en-US"/>
-          </a:p>
-        </p:txBody>
-      </p:sp>
-      <p:sp>
-        <p:nvSpPr>
-          <p:cNvPr id="43" name="Rectangle 42"/>
-          <p:cNvSpPr/>
-          <p:nvPr/>
-        </p:nvSpPr>
-        <p:spPr>
-          <a:xfrm>
-            <a:off x="2868234" y="6014787"/>
-            <a:ext cx="675568" cy="45719"/>
-          </a:xfrm>
-          <a:prstGeom prst="rect">
-            <a:avLst/>
-          </a:prstGeom>
-          <a:solidFill>
-            <a:schemeClr val="tx1"/>
-          </a:solidFill>
-        </p:spPr>
-        <p:style>
-          <a:lnRef idx="2">
-            <a:schemeClr val="accent1">
-              <a:shade val="50000"/>
-            </a:schemeClr>
-          </a:lnRef>
-          <a:fillRef idx="1">
-            <a:schemeClr val="accent1"/>
-          </a:fillRef>
-          <a:effectRef idx="0">
-            <a:schemeClr val="accent1"/>
-          </a:effectRef>
-          <a:fontRef idx="minor">
-            <a:schemeClr val="lt1"/>
-          </a:fontRef>
-        </p:style>
-        <p:txBody>
-          <a:bodyPr rtlCol="0" anchor="ctr"/>
-          <a:lstStyle/>
-          <a:p>
-            <a:pPr algn="ctr"/>
-            <a:endParaRPr lang="en-US"/>
-          </a:p>
-        </p:txBody>
-      </p:sp>
-      <p:sp>
-        <p:nvSpPr>
-          <p:cNvPr id="44" name="Rectangle 43"/>
-          <p:cNvSpPr/>
-          <p:nvPr/>
-        </p:nvSpPr>
-        <p:spPr>
-          <a:xfrm>
-            <a:off x="2648741" y="4421673"/>
-            <a:ext cx="600502" cy="923330"/>
-          </a:xfrm>
-          <a:prstGeom prst="rect">
-            <a:avLst/>
-          </a:prstGeom>
-          <a:noFill/>
-        </p:spPr>
-        <p:txBody>
-          <a:bodyPr wrap="square" lIns="91440" tIns="45720" rIns="91440" bIns="45720">
-            <a:spAutoFit/>
-          </a:bodyPr>
-          <a:lstStyle/>
-          <a:p>
-            <a:pPr algn="ctr"/>
-            <a:r>
-              <a:rPr lang="en-US" sz="5400" b="0" cap="none" spc="0" dirty="0" smtClean="0">
-                <a:ln w="0"/>
-                <a:solidFill>
-                  <a:schemeClr val="tx1"/>
-                </a:solidFill>
-                <a:effectLst>
-                  <a:outerShdw blurRad="38100" dist="19050" dir="2700000" algn="tl" rotWithShape="0">
-                    <a:schemeClr val="dk1">
-                      <a:alpha val="40000"/>
-                    </a:schemeClr>
-                  </a:outerShdw>
-                </a:effectLst>
-              </a:rPr>
-              <a:t>+</a:t>
-            </a:r>
-            <a:endParaRPr lang="en-US" sz="5400" b="0" cap="none" spc="0" dirty="0">
-              <a:ln w="0"/>
-              <a:solidFill>
-                <a:schemeClr val="tx1"/>
-              </a:solidFill>
-              <a:effectLst>
-                <a:outerShdw blurRad="38100" dist="19050" dir="2700000" algn="tl" rotWithShape="0">
-                  <a:schemeClr val="dk1">
-                    <a:alpha val="40000"/>
-                  </a:schemeClr>
-                </a:outerShdw>
-              </a:effectLst>
-            </a:endParaRPr>
-          </a:p>
-        </p:txBody>
-      </p:sp>
-      <p:sp>
-        <p:nvSpPr>
-          <p:cNvPr id="45" name="Rectangle 44"/>
-          <p:cNvSpPr/>
-          <p:nvPr/>
-        </p:nvSpPr>
-        <p:spPr>
-          <a:xfrm>
-            <a:off x="2683989" y="5298277"/>
-            <a:ext cx="1078173" cy="68239"/>
-          </a:xfrm>
-          <a:prstGeom prst="rect">
-            <a:avLst/>
-          </a:prstGeom>
-          <a:solidFill>
-            <a:schemeClr val="tx1"/>
-          </a:solidFill>
-        </p:spPr>
-        <p:style>
-          <a:lnRef idx="2">
-            <a:schemeClr val="accent1">
-              <a:shade val="50000"/>
-            </a:schemeClr>
-          </a:lnRef>
-          <a:fillRef idx="1">
-            <a:schemeClr val="accent1"/>
-          </a:fillRef>
-          <a:effectRef idx="0">
-            <a:schemeClr val="accent1"/>
-          </a:effectRef>
-          <a:fontRef idx="minor">
-            <a:schemeClr val="lt1"/>
-          </a:fontRef>
-        </p:style>
-        <p:txBody>
-          <a:bodyPr rtlCol="0" anchor="ctr"/>
-          <a:lstStyle/>
-          <a:p>
-            <a:pPr algn="ctr"/>
-            <a:endParaRPr lang="en-US"/>
-          </a:p>
-        </p:txBody>
-      </p:sp>
-      <p:sp>
-        <p:nvSpPr>
-          <p:cNvPr id="46" name="Rectangle 45"/>
-          <p:cNvSpPr/>
-          <p:nvPr/>
-        </p:nvSpPr>
-        <p:spPr>
-          <a:xfrm>
-            <a:off x="2720957" y="5777999"/>
-            <a:ext cx="1078173" cy="68239"/>
-          </a:xfrm>
-          <a:prstGeom prst="rect">
-            <a:avLst/>
-          </a:prstGeom>
-          <a:solidFill>
-            <a:schemeClr val="tx1"/>
-          </a:solidFill>
-        </p:spPr>
-        <p:style>
-          <a:lnRef idx="2">
-            <a:schemeClr val="accent1">
-              <a:shade val="50000"/>
-            </a:schemeClr>
-          </a:lnRef>
-          <a:fillRef idx="1">
-            <a:schemeClr val="accent1"/>
-          </a:fillRef>
-          <a:effectRef idx="0">
-            <a:schemeClr val="accent1"/>
-          </a:effectRef>
-          <a:fontRef idx="minor">
-            <a:schemeClr val="lt1"/>
-          </a:fontRef>
-        </p:style>
-        <p:txBody>
-          <a:bodyPr rtlCol="0" anchor="ctr"/>
-          <a:lstStyle/>
-          <a:p>
-            <a:pPr algn="ctr"/>
-            <a:endParaRPr lang="en-US"/>
-          </a:p>
-        </p:txBody>
-      </p:sp>
-      <p:sp>
-        <p:nvSpPr>
-          <p:cNvPr id="47" name="Rectangle 46"/>
-          <p:cNvSpPr/>
-          <p:nvPr/>
-        </p:nvSpPr>
-        <p:spPr>
-          <a:xfrm>
-            <a:off x="2465736" y="6076204"/>
-            <a:ext cx="600502" cy="923330"/>
-          </a:xfrm>
-          <a:prstGeom prst="rect">
-            <a:avLst/>
-          </a:prstGeom>
-          <a:noFill/>
-        </p:spPr>
-        <p:txBody>
-          <a:bodyPr wrap="square" lIns="91440" tIns="45720" rIns="91440" bIns="45720">
-            <a:spAutoFit/>
-          </a:bodyPr>
-          <a:lstStyle/>
-          <a:p>
-            <a:pPr algn="ctr"/>
-            <a:r>
-              <a:rPr lang="en-US" sz="5400" b="0" cap="none" spc="0" dirty="0" smtClean="0">
-                <a:ln w="0"/>
-                <a:solidFill>
-                  <a:schemeClr val="tx1"/>
-                </a:solidFill>
-                <a:effectLst>
-                  <a:outerShdw blurRad="38100" dist="19050" dir="2700000" algn="tl" rotWithShape="0">
-                    <a:schemeClr val="dk1">
-                      <a:alpha val="40000"/>
-                    </a:schemeClr>
-                  </a:outerShdw>
-                </a:effectLst>
-              </a:rPr>
-              <a:t>-</a:t>
-            </a:r>
-            <a:endParaRPr lang="en-US" sz="5400" b="0" cap="none" spc="0" dirty="0">
-              <a:ln w="0"/>
-              <a:solidFill>
-                <a:schemeClr val="tx1"/>
-              </a:solidFill>
-              <a:effectLst>
-                <a:outerShdw blurRad="38100" dist="19050" dir="2700000" algn="tl" rotWithShape="0">
-                  <a:schemeClr val="dk1">
-                    <a:alpha val="40000"/>
-                  </a:schemeClr>
-                </a:outerShdw>
-              </a:effectLst>
-            </a:endParaRPr>
-          </a:p>
-        </p:txBody>
-      </p:sp>
-      <p:sp>
-        <p:nvSpPr>
-          <p:cNvPr id="48" name="Flowchart: Process 47"/>
-          <p:cNvSpPr/>
-          <p:nvPr/>
-        </p:nvSpPr>
-        <p:spPr>
-          <a:xfrm>
-            <a:off x="3249243" y="1189413"/>
-            <a:ext cx="61696" cy="2116224"/>
-          </a:xfrm>
-          <a:prstGeom prst="flowChartProcess">
-            <a:avLst/>
-          </a:prstGeom>
-          <a:solidFill>
-            <a:schemeClr val="tx1"/>
-          </a:solidFill>
-        </p:spPr>
-        <p:style>
-          <a:lnRef idx="2">
-            <a:schemeClr val="accent1">
-              <a:shade val="50000"/>
-            </a:schemeClr>
-          </a:lnRef>
-          <a:fillRef idx="1">
-            <a:schemeClr val="accent1"/>
-          </a:fillRef>
-          <a:effectRef idx="0">
-            <a:schemeClr val="accent1"/>
-          </a:effectRef>
-          <a:fontRef idx="minor">
-            <a:schemeClr val="lt1"/>
-          </a:fontRef>
-        </p:style>
-        <p:txBody>
-          <a:bodyPr rtlCol="0" anchor="ctr"/>
-          <a:lstStyle/>
-          <a:p>
-            <a:pPr algn="ctr"/>
-            <a:endParaRPr lang="en-US" dirty="0"/>
-          </a:p>
-        </p:txBody>
-      </p:sp>
-      <p:sp>
-        <p:nvSpPr>
-          <p:cNvPr id="49" name="Flowchart: Process 48"/>
-          <p:cNvSpPr/>
-          <p:nvPr/>
-        </p:nvSpPr>
-        <p:spPr>
-          <a:xfrm>
-            <a:off x="3256429" y="2814840"/>
-            <a:ext cx="45719" cy="2529577"/>
-          </a:xfrm>
-          <a:prstGeom prst="flowChartProcess">
-            <a:avLst/>
-          </a:prstGeom>
-          <a:solidFill>
-            <a:schemeClr val="tx1"/>
-          </a:solidFill>
-        </p:spPr>
-        <p:style>
-          <a:lnRef idx="2">
-            <a:schemeClr val="accent1">
-              <a:shade val="50000"/>
-            </a:schemeClr>
-          </a:lnRef>
-          <a:fillRef idx="1">
-            <a:schemeClr val="accent1"/>
-          </a:fillRef>
-          <a:effectRef idx="0">
-            <a:schemeClr val="accent1"/>
-          </a:effectRef>
-          <a:fontRef idx="minor">
-            <a:schemeClr val="lt1"/>
-          </a:fontRef>
-        </p:style>
-        <p:txBody>
-          <a:bodyPr rtlCol="0" anchor="ctr"/>
-          <a:lstStyle/>
-          <a:p>
-            <a:pPr algn="ctr"/>
-            <a:endParaRPr lang="en-US" dirty="0"/>
-          </a:p>
-        </p:txBody>
-      </p:sp>
-      <p:cxnSp>
-        <p:nvCxnSpPr>
-          <p:cNvPr id="51" name="Straight Connector 50"/>
-          <p:cNvCxnSpPr>
-            <a:stCxn id="25" idx="1"/>
-            <a:endCxn id="43" idx="0"/>
-          </p:cNvCxnSpPr>
-          <p:nvPr/>
-        </p:nvCxnSpPr>
-        <p:spPr>
-          <a:xfrm flipH="1" flipV="1">
-            <a:off x="3206018" y="6014787"/>
-            <a:ext cx="23177" cy="553150"/>
-          </a:xfrm>
-          <a:prstGeom prst="line">
-            <a:avLst/>
-          </a:prstGeom>
-          <a:ln w="38100">
-            <a:solidFill>
-              <a:schemeClr val="tx1"/>
-            </a:solidFill>
-          </a:ln>
-        </p:spPr>
-        <p:style>
-          <a:lnRef idx="1">
-            <a:schemeClr val="accent1"/>
-          </a:lnRef>
-          <a:fillRef idx="0">
-            <a:schemeClr val="accent1"/>
-          </a:fillRef>
-          <a:effectRef idx="0">
-            <a:schemeClr val="accent1"/>
-          </a:effectRef>
-          <a:fontRef idx="minor">
-            <a:schemeClr val="tx1"/>
-          </a:fontRef>
-        </p:style>
-      </p:cxnSp>
-      <p:sp>
-        <p:nvSpPr>
-          <p:cNvPr id="55" name="Flowchart: Process 54"/>
-          <p:cNvSpPr/>
-          <p:nvPr/>
-        </p:nvSpPr>
-        <p:spPr>
-          <a:xfrm>
-            <a:off x="3302148" y="4756325"/>
-            <a:ext cx="1525439" cy="58536"/>
-          </a:xfrm>
-          <a:prstGeom prst="flowChartProcess">
-            <a:avLst/>
-          </a:prstGeom>
-          <a:solidFill>
-            <a:schemeClr val="tx1"/>
-          </a:solidFill>
-        </p:spPr>
-        <p:style>
-          <a:lnRef idx="2">
-            <a:schemeClr val="accent1">
-              <a:shade val="50000"/>
-            </a:schemeClr>
-          </a:lnRef>
-          <a:fillRef idx="1">
-            <a:schemeClr val="accent1"/>
-          </a:fillRef>
-          <a:effectRef idx="0">
-            <a:schemeClr val="accent1"/>
-          </a:effectRef>
-          <a:fontRef idx="minor">
-            <a:schemeClr val="lt1"/>
-          </a:fontRef>
-        </p:style>
-        <p:txBody>
-          <a:bodyPr rtlCol="0" anchor="ctr"/>
-          <a:lstStyle/>
-          <a:p>
-            <a:pPr algn="ctr"/>
-            <a:endParaRPr lang="en-US" dirty="0"/>
-          </a:p>
-        </p:txBody>
-      </p:sp>
-      <p:sp>
-        <p:nvSpPr>
-          <p:cNvPr id="56" name="Flowchart: Process 55"/>
-          <p:cNvSpPr/>
-          <p:nvPr/>
-        </p:nvSpPr>
-        <p:spPr>
-          <a:xfrm rot="19870170" flipV="1">
-            <a:off x="4785907" y="4544735"/>
-            <a:ext cx="896440" cy="57551"/>
-          </a:xfrm>
-          <a:prstGeom prst="flowChartProcess">
-            <a:avLst/>
-          </a:prstGeom>
-          <a:solidFill>
-            <a:schemeClr val="tx1"/>
-          </a:solidFill>
-        </p:spPr>
-        <p:style>
-          <a:lnRef idx="2">
-            <a:schemeClr val="accent1">
-              <a:shade val="50000"/>
-            </a:schemeClr>
-          </a:lnRef>
-          <a:fillRef idx="1">
-            <a:schemeClr val="accent1"/>
-          </a:fillRef>
-          <a:effectRef idx="0">
-            <a:schemeClr val="accent1"/>
-          </a:effectRef>
-          <a:fontRef idx="minor">
-            <a:schemeClr val="lt1"/>
-          </a:fontRef>
-        </p:style>
-        <p:txBody>
-          <a:bodyPr rtlCol="0" anchor="ctr"/>
-          <a:lstStyle/>
-          <a:p>
-            <a:pPr algn="ctr"/>
-            <a:endParaRPr lang="en-US" dirty="0"/>
-          </a:p>
-        </p:txBody>
-      </p:sp>
-      <p:sp>
-        <p:nvSpPr>
-          <p:cNvPr id="57" name="Rectangle 56"/>
-          <p:cNvSpPr/>
-          <p:nvPr/>
-        </p:nvSpPr>
-        <p:spPr>
-          <a:xfrm>
-            <a:off x="4604616" y="4873749"/>
-            <a:ext cx="1142365" cy="523220"/>
+          <p:cNvPr id="63" name="Rectangle 62"/>
+          <p:cNvSpPr/>
+          <p:nvPr/>
+        </p:nvSpPr>
+        <p:spPr>
+          <a:xfrm>
+            <a:off x="8860099" y="6026291"/>
+            <a:ext cx="864340" cy="523220"/>
           </a:xfrm>
           <a:prstGeom prst="rect">
             <a:avLst/>
@@ -28609,104 +28864,9 @@
                   </a:outerShdw>
                 </a:effectLst>
               </a:rPr>
-              <a:t>Switch</a:t>
+              <a:t>GND</a:t>
             </a:r>
             <a:endParaRPr lang="en-US" sz="2800" b="0" cap="none" spc="0" dirty="0">
-              <a:ln w="0"/>
-              <a:solidFill>
-                <a:schemeClr val="tx1"/>
-              </a:solidFill>
-              <a:effectLst>
-                <a:outerShdw blurRad="38100" dist="19050" dir="2700000" algn="tl" rotWithShape="0">
-                  <a:schemeClr val="dk1">
-                    <a:alpha val="40000"/>
-                  </a:schemeClr>
-                </a:outerShdw>
-              </a:effectLst>
-            </a:endParaRPr>
-          </a:p>
-        </p:txBody>
-      </p:sp>
-      <p:sp>
-        <p:nvSpPr>
-          <p:cNvPr id="58" name="Flowchart: Process 57"/>
-          <p:cNvSpPr/>
-          <p:nvPr/>
-        </p:nvSpPr>
-        <p:spPr>
-          <a:xfrm>
-            <a:off x="5664118" y="4764061"/>
-            <a:ext cx="1525439" cy="58536"/>
-          </a:xfrm>
-          <a:prstGeom prst="flowChartProcess">
-            <a:avLst/>
-          </a:prstGeom>
-          <a:solidFill>
-            <a:schemeClr val="tx1"/>
-          </a:solidFill>
-        </p:spPr>
-        <p:style>
-          <a:lnRef idx="2">
-            <a:schemeClr val="accent1">
-              <a:shade val="50000"/>
-            </a:schemeClr>
-          </a:lnRef>
-          <a:fillRef idx="1">
-            <a:schemeClr val="accent1"/>
-          </a:fillRef>
-          <a:effectRef idx="0">
-            <a:schemeClr val="accent1"/>
-          </a:effectRef>
-          <a:fontRef idx="minor">
-            <a:schemeClr val="lt1"/>
-          </a:fontRef>
-        </p:style>
-        <p:txBody>
-          <a:bodyPr rtlCol="0" anchor="ctr"/>
-          <a:lstStyle/>
-          <a:p>
-            <a:pPr algn="ctr"/>
-            <a:endParaRPr lang="en-US" dirty="0"/>
-          </a:p>
-        </p:txBody>
-      </p:sp>
-      <p:sp>
-        <p:nvSpPr>
-          <p:cNvPr id="59" name="Rectangle 58"/>
-          <p:cNvSpPr/>
-          <p:nvPr/>
-        </p:nvSpPr>
-        <p:spPr>
-          <a:xfrm>
-            <a:off x="967766" y="5418104"/>
-            <a:ext cx="1549495" cy="523220"/>
-          </a:xfrm>
-          <a:prstGeom prst="rect">
-            <a:avLst/>
-          </a:prstGeom>
-          <a:noFill/>
-        </p:spPr>
-        <p:txBody>
-          <a:bodyPr wrap="square" lIns="91440" tIns="45720" rIns="91440" bIns="45720">
-            <a:spAutoFit/>
-          </a:bodyPr>
-          <a:lstStyle/>
-          <a:p>
-            <a:pPr algn="ctr"/>
-            <a:r>
-              <a:rPr lang="en-US" sz="2800" dirty="0" smtClean="0">
-                <a:ln w="0"/>
-                <a:effectLst>
-                  <a:outerShdw blurRad="38100" dist="19050" dir="2700000" algn="tl" rotWithShape="0">
-                    <a:schemeClr val="dk1">
-                      <a:alpha val="40000"/>
-                    </a:schemeClr>
-                  </a:outerShdw>
-                </a:effectLst>
-              </a:rPr>
-              <a:t>BATTERY</a:t>
-            </a:r>
-            <a:endParaRPr lang="en-US" sz="5400" b="0" cap="none" spc="0" dirty="0">
               <a:ln w="0"/>
               <a:solidFill>
                 <a:schemeClr val="tx1"/>
@@ -34316,13 +34476,11 @@
       </p:grpSpPr>
       <p:pic>
         <p:nvPicPr>
-          <p:cNvPr id="3074" name="Picture 2" descr="http://www.global.tdk.com/techmag/inductive/vol1/images/indx2Fig02.gif"/>
+          <p:cNvPr id="10244" name="Picture 4" descr="http://www.nestlefamily.com/Nirf/cm2/upload/EBC53EC4-EB35-4E09-B76B-551540583430/5.06.04_Whats_In_The_Night_Sky_tp.gif"/>
           <p:cNvPicPr>
-            <a:picLocks noGrp="1" noChangeAspect="1" noChangeArrowheads="1"/>
+            <a:picLocks noChangeAspect="1" noChangeArrowheads="1"/>
           </p:cNvPicPr>
-          <p:nvPr>
-            <p:ph idx="1"/>
-          </p:nvPr>
+          <p:nvPr/>
         </p:nvPicPr>
         <p:blipFill>
           <a:blip r:embed="rId2">
@@ -34338,9 +34496,9 @@
           </a:stretch>
         </p:blipFill>
         <p:spPr bwMode="auto">
-          <a:xfrm>
-            <a:off x="477591" y="287756"/>
-            <a:ext cx="9864144" cy="6484252"/>
+          <a:xfrm rot="16200000">
+            <a:off x="2969118" y="-2538385"/>
+            <a:ext cx="6863363" cy="11929404"/>
           </a:xfrm>
           <a:prstGeom prst="rect">
             <a:avLst/>
@@ -34360,7 +34518,7 @@
     </p:spTree>
     <p:extLst>
       <p:ext uri="{BB962C8B-B14F-4D97-AF65-F5344CB8AC3E}">
-        <p14:creationId xmlns:p14="http://schemas.microsoft.com/office/powerpoint/2010/main" val="168840778"/>
+        <p14:creationId xmlns:p14="http://schemas.microsoft.com/office/powerpoint/2010/main" val="453922025"/>
       </p:ext>
     </p:extLst>
   </p:cSld>
@@ -34387,51 +34545,65 @@
           <a:chExt cx="0" cy="0"/>
         </a:xfrm>
       </p:grpSpPr>
-      <p:pic>
-        <p:nvPicPr>
-          <p:cNvPr id="1026" name="Picture 2" descr="Electromagnetic induction, a basic test setup"/>
-          <p:cNvPicPr>
-            <a:picLocks noChangeAspect="1" noChangeArrowheads="1"/>
-          </p:cNvPicPr>
-          <p:nvPr/>
-        </p:nvPicPr>
-        <p:blipFill>
-          <a:blip r:embed="rId2">
-            <a:extLst>
-              <a:ext uri="{28A0092B-C50C-407E-A947-70E740481C1C}">
-                <a14:useLocalDpi xmlns:a14="http://schemas.microsoft.com/office/drawing/2010/main" val="0"/>
-              </a:ext>
-            </a:extLst>
-          </a:blip>
-          <a:srcRect/>
-          <a:stretch>
-            <a:fillRect/>
-          </a:stretch>
-        </p:blipFill>
-        <p:spPr bwMode="auto">
-          <a:xfrm>
-            <a:off x="271484" y="347730"/>
-            <a:ext cx="10174631" cy="6375042"/>
+      <p:sp>
+        <p:nvSpPr>
+          <p:cNvPr id="4" name="Rectangle 3"/>
+          <p:cNvSpPr/>
+          <p:nvPr/>
+        </p:nvSpPr>
+        <p:spPr>
+          <a:xfrm>
+            <a:off x="3587918" y="0"/>
+            <a:ext cx="5128713" cy="923330"/>
           </a:xfrm>
           <a:prstGeom prst="rect">
             <a:avLst/>
           </a:prstGeom>
           <a:noFill/>
-          <a:extLst>
-            <a:ext uri="{909E8E84-426E-40DD-AFC4-6F175D3DCCD1}">
-              <a14:hiddenFill xmlns:a14="http://schemas.microsoft.com/office/drawing/2010/main">
+        </p:spPr>
+        <p:txBody>
+          <a:bodyPr wrap="none" lIns="91440" tIns="45720" rIns="91440" bIns="45720">
+            <a:spAutoFit/>
+          </a:bodyPr>
+          <a:lstStyle/>
+          <a:p>
+            <a:pPr algn="ctr"/>
+            <a:r>
+              <a:rPr lang="en-US" sz="5400" b="0" cap="none" spc="0" dirty="0" smtClean="0">
+                <a:ln w="0"/>
                 <a:solidFill>
-                  <a:srgbClr val="FFFFFF"/>
+                  <a:schemeClr val="tx1"/>
                 </a:solidFill>
-              </a14:hiddenFill>
-            </a:ext>
-          </a:extLst>
-        </p:spPr>
-      </p:pic>
+                <a:effectLst>
+                  <a:outerShdw blurRad="38100" dist="19050" dir="2700000" algn="tl" rotWithShape="0">
+                    <a:schemeClr val="dk1">
+                      <a:alpha val="40000"/>
+                    </a:schemeClr>
+                  </a:outerShdw>
+                </a:effectLst>
+              </a:rPr>
+              <a:t>The Solar System</a:t>
+            </a:r>
+            <a:endParaRPr lang="en-US" sz="5400" b="0" cap="none" spc="0" dirty="0">
+              <a:ln w="0"/>
+              <a:solidFill>
+                <a:schemeClr val="tx1"/>
+              </a:solidFill>
+              <a:effectLst>
+                <a:outerShdw blurRad="38100" dist="19050" dir="2700000" algn="tl" rotWithShape="0">
+                  <a:schemeClr val="dk1">
+                    <a:alpha val="40000"/>
+                  </a:schemeClr>
+                </a:outerShdw>
+              </a:effectLst>
+            </a:endParaRPr>
+          </a:p>
+        </p:txBody>
+      </p:sp>
     </p:spTree>
     <p:extLst>
       <p:ext uri="{BB962C8B-B14F-4D97-AF65-F5344CB8AC3E}">
-        <p14:creationId xmlns:p14="http://schemas.microsoft.com/office/powerpoint/2010/main" val="3030657797"/>
+        <p14:creationId xmlns:p14="http://schemas.microsoft.com/office/powerpoint/2010/main" val="1948896922"/>
       </p:ext>
     </p:extLst>
   </p:cSld>
@@ -34460,11 +34632,13 @@
       </p:grpSpPr>
       <p:pic>
         <p:nvPicPr>
-          <p:cNvPr id="2054" name="Picture 6" descr="https://encrypted-tbn0.gstatic.com/images?q=tbn:ANd9GcSO6PtVQCsEElNi1hbhjtX-7Tx_Rt2WqDzemIiOzYLVDi0JHpt7kQ"/>
+          <p:cNvPr id="3074" name="Picture 2" descr="http://www.global.tdk.com/techmag/inductive/vol1/images/indx2Fig02.gif"/>
           <p:cNvPicPr>
-            <a:picLocks noChangeAspect="1" noChangeArrowheads="1"/>
+            <a:picLocks noGrp="1" noChangeAspect="1" noChangeArrowheads="1"/>
           </p:cNvPicPr>
-          <p:nvPr/>
+          <p:nvPr>
+            <p:ph idx="1"/>
+          </p:nvPr>
         </p:nvPicPr>
         <p:blipFill>
           <a:blip r:embed="rId2">
@@ -34481,8 +34655,8 @@
         </p:blipFill>
         <p:spPr bwMode="auto">
           <a:xfrm>
-            <a:off x="1456342" y="359534"/>
-            <a:ext cx="9130092" cy="6131157"/>
+            <a:off x="477591" y="287756"/>
+            <a:ext cx="9864144" cy="6484252"/>
           </a:xfrm>
           <a:prstGeom prst="rect">
             <a:avLst/>
@@ -34502,7 +34676,7 @@
     </p:spTree>
     <p:extLst>
       <p:ext uri="{BB962C8B-B14F-4D97-AF65-F5344CB8AC3E}">
-        <p14:creationId xmlns:p14="http://schemas.microsoft.com/office/powerpoint/2010/main" val="2862721199"/>
+        <p14:creationId xmlns:p14="http://schemas.microsoft.com/office/powerpoint/2010/main" val="168840778"/>
       </p:ext>
     </p:extLst>
   </p:cSld>
@@ -34529,6 +34703,148 @@
           <a:chExt cx="0" cy="0"/>
         </a:xfrm>
       </p:grpSpPr>
+      <p:pic>
+        <p:nvPicPr>
+          <p:cNvPr id="1026" name="Picture 2" descr="Electromagnetic induction, a basic test setup"/>
+          <p:cNvPicPr>
+            <a:picLocks noChangeAspect="1" noChangeArrowheads="1"/>
+          </p:cNvPicPr>
+          <p:nvPr/>
+        </p:nvPicPr>
+        <p:blipFill>
+          <a:blip r:embed="rId2">
+            <a:extLst>
+              <a:ext uri="{28A0092B-C50C-407E-A947-70E740481C1C}">
+                <a14:useLocalDpi xmlns:a14="http://schemas.microsoft.com/office/drawing/2010/main" val="0"/>
+              </a:ext>
+            </a:extLst>
+          </a:blip>
+          <a:srcRect/>
+          <a:stretch>
+            <a:fillRect/>
+          </a:stretch>
+        </p:blipFill>
+        <p:spPr bwMode="auto">
+          <a:xfrm>
+            <a:off x="271484" y="347730"/>
+            <a:ext cx="10174631" cy="6375042"/>
+          </a:xfrm>
+          <a:prstGeom prst="rect">
+            <a:avLst/>
+          </a:prstGeom>
+          <a:noFill/>
+          <a:extLst>
+            <a:ext uri="{909E8E84-426E-40DD-AFC4-6F175D3DCCD1}">
+              <a14:hiddenFill xmlns:a14="http://schemas.microsoft.com/office/drawing/2010/main">
+                <a:solidFill>
+                  <a:srgbClr val="FFFFFF"/>
+                </a:solidFill>
+              </a14:hiddenFill>
+            </a:ext>
+          </a:extLst>
+        </p:spPr>
+      </p:pic>
+    </p:spTree>
+    <p:extLst>
+      <p:ext uri="{BB962C8B-B14F-4D97-AF65-F5344CB8AC3E}">
+        <p14:creationId xmlns:p14="http://schemas.microsoft.com/office/powerpoint/2010/main" val="3030657797"/>
+      </p:ext>
+    </p:extLst>
+  </p:cSld>
+  <p:clrMapOvr>
+    <a:masterClrMapping/>
+  </p:clrMapOvr>
+</p:sld>
+</file>
+
+<file path=ppt/slides/slide38.xml><?xml version="1.0" encoding="utf-8"?>
+<p:sld xmlns:a="http://schemas.openxmlformats.org/drawingml/2006/main" xmlns:r="http://schemas.openxmlformats.org/officeDocument/2006/relationships" xmlns:p="http://schemas.openxmlformats.org/presentationml/2006/main">
+  <p:cSld>
+    <p:spTree>
+      <p:nvGrpSpPr>
+        <p:cNvPr id="1" name=""/>
+        <p:cNvGrpSpPr/>
+        <p:nvPr/>
+      </p:nvGrpSpPr>
+      <p:grpSpPr>
+        <a:xfrm>
+          <a:off x="0" y="0"/>
+          <a:ext cx="0" cy="0"/>
+          <a:chOff x="0" y="0"/>
+          <a:chExt cx="0" cy="0"/>
+        </a:xfrm>
+      </p:grpSpPr>
+      <p:pic>
+        <p:nvPicPr>
+          <p:cNvPr id="2054" name="Picture 6" descr="https://encrypted-tbn0.gstatic.com/images?q=tbn:ANd9GcSO6PtVQCsEElNi1hbhjtX-7Tx_Rt2WqDzemIiOzYLVDi0JHpt7kQ"/>
+          <p:cNvPicPr>
+            <a:picLocks noChangeAspect="1" noChangeArrowheads="1"/>
+          </p:cNvPicPr>
+          <p:nvPr/>
+        </p:nvPicPr>
+        <p:blipFill>
+          <a:blip r:embed="rId2">
+            <a:extLst>
+              <a:ext uri="{28A0092B-C50C-407E-A947-70E740481C1C}">
+                <a14:useLocalDpi xmlns:a14="http://schemas.microsoft.com/office/drawing/2010/main" val="0"/>
+              </a:ext>
+            </a:extLst>
+          </a:blip>
+          <a:srcRect/>
+          <a:stretch>
+            <a:fillRect/>
+          </a:stretch>
+        </p:blipFill>
+        <p:spPr bwMode="auto">
+          <a:xfrm>
+            <a:off x="1456342" y="359534"/>
+            <a:ext cx="9130092" cy="6131157"/>
+          </a:xfrm>
+          <a:prstGeom prst="rect">
+            <a:avLst/>
+          </a:prstGeom>
+          <a:noFill/>
+          <a:extLst>
+            <a:ext uri="{909E8E84-426E-40DD-AFC4-6F175D3DCCD1}">
+              <a14:hiddenFill xmlns:a14="http://schemas.microsoft.com/office/drawing/2010/main">
+                <a:solidFill>
+                  <a:srgbClr val="FFFFFF"/>
+                </a:solidFill>
+              </a14:hiddenFill>
+            </a:ext>
+          </a:extLst>
+        </p:spPr>
+      </p:pic>
+    </p:spTree>
+    <p:extLst>
+      <p:ext uri="{BB962C8B-B14F-4D97-AF65-F5344CB8AC3E}">
+        <p14:creationId xmlns:p14="http://schemas.microsoft.com/office/powerpoint/2010/main" val="2862721199"/>
+      </p:ext>
+    </p:extLst>
+  </p:cSld>
+  <p:clrMapOvr>
+    <a:masterClrMapping/>
+  </p:clrMapOvr>
+</p:sld>
+</file>
+
+<file path=ppt/slides/slide39.xml><?xml version="1.0" encoding="utf-8"?>
+<p:sld xmlns:a="http://schemas.openxmlformats.org/drawingml/2006/main" xmlns:r="http://schemas.openxmlformats.org/officeDocument/2006/relationships" xmlns:p="http://schemas.openxmlformats.org/presentationml/2006/main">
+  <p:cSld>
+    <p:spTree>
+      <p:nvGrpSpPr>
+        <p:cNvPr id="1" name=""/>
+        <p:cNvGrpSpPr/>
+        <p:nvPr/>
+      </p:nvGrpSpPr>
+      <p:grpSpPr>
+        <a:xfrm>
+          <a:off x="0" y="0"/>
+          <a:ext cx="0" cy="0"/>
+          <a:chOff x="0" y="0"/>
+          <a:chExt cx="0" cy="0"/>
+        </a:xfrm>
+      </p:grpSpPr>
       <p:sp>
         <p:nvSpPr>
           <p:cNvPr id="6" name="AutoShape 6" descr="data:image/jpeg;base64,/9j/4AAQSkZJRgABAQAAAQABAAD/2wCEAAkGBxQSEhQUEBQWFhQVFB4YGRgVFxwYFRcVFhcXGBYUFxQYHSggHRwlHRgVIzIhJSktLi4uGCAzRDYsNygtLisBCgoKDg0OGhAQGywmHyQsLCw0LiwrLCw0LCwsLCwsLCwsLCwsLCwsLCwsLCwsLCwsLCwsLCwsLCwsLCwsLCwsLP/AABEIAKsBJgMBEQACEQEDEQH/xAAbAAEAAgMBAQAAAAAAAAAAAAAABAYBAwUCB//EAEgQAAIBAwEFAwcICAQFBQEAAAECAwAEERIFBhMhMRYiURRBUlRhkZIHFyMyU3HS4RUzQoGTobHRcoKj8DRVc7TBJENiouKD/8QAGgEBAQADAQEAAAAAAAAAAAAAAAECAwQFBv/EADURAAIBAQUGBQQBBAIDAAAAAAABAgMREhRRkQQTIVJTkhUxcaHRMkFhsfAzgaLhBcEiI0L/2gAMAwEAAhEDEQA/APuNAczbthJMgWGUxMDnUOYI8CARWupTvqy1r0dhprUVVVjbXo7Dg9mbz14/C34604Vc0tTmwC6k+4dmb314/AfxUwq55ajALqT7h2ZvfXz8B/FTCrnlqMAupPuHZm99fPwn8VMKuaWowC6k+4dmb318/AfxUwq5pajALqT7jHZm99fPwH8VMKuaWowEeefcOzN76+fhP4qYVc0tRgI88+5kvZOwrqOVXlvGkQdU041cvOSTWynRUHam36s3UdlVKV5Sk/V2lnrcdIoBQFV303rNjJboBbjjiTv3MxhjXhBDjUEbJOs+bzUAbfe3jVPKGGswpMxgV5oVilcosnGCAaMjqQPHFASJN87RXkRnbMQky3DbQxgAaZEfGGZQeYHgeuDgCM2/9mFDEzBdAkJMEndjd+HG7jTlQzA4JHMc+lAdO03jt5HSNGJd3lQLoYENbELNq5cgCVGTyOoeNAVXb3yiNbXVxBotyIHjXS9wUuJeKkbfRQ8Mg4145sOnmoCy3G9VvHOYJOIrhWbJjbQ3DQSOFfGGIU55cuozkYoCLHv1aMjMGk5CMhTE4eQXBIhMaEZbUQR+4+bnQHmx3vVrK5vJIyqW8ky6eeplgZlBIYDSzY+qemcUB5sd4rhZCt5FAi8FpSIJjLLHpAOh4dIdiVPIoDzBHhkDcm+9qVBBl1GYwcPhOZOMqcTRoA9HnnpQGYd9rR2iVGdzMqsNMbnSsjtGuvlle+jg+jpOcCgJO2d4UtpNMxAjFtJOzd4uFhaJThQuCPpPHPTAPPAGyx2/FOk7RatUBIdXRo2B0B1yGAOCpBB9tAUm2+VMvDaP5MBLcTaHj4nKKP6EiXVp5ki4hOMD63soDu7W+UC3hScqkrSQ6ToMTqWVpOEHGV+rqzz+7xBoCed8rUSNGWcMuoEmNguuOPivEGIwXCc9PsI6gigIlpvxDK44YcxG3eYExSiZgjxJmOHh95TxBzznPmIyQB4uN/IFMLj9Q4nMjsGDxG1HfXh6SSc5H9M0BYNi7WS6QvEHADaSHUqcjB8/UYI5jIoCfQCgFAKAGgKGu2ibuQS3rxSpdcNLMIrCSEJlTo08Q6wS3FB0rjH7JyBos9+p5QgWOAtKYMHU2mI3JkBhmHXix6OYGM8xhetARbjfqeTyZQYoS8tqGGSXl41y0coiB5aAI2B6nvdRjmBLj+UF3VQiwhikWssx0QvLO8TcUDmAujpyOSBkdaA1tvbOZv1kTRnyUqsJOWEzPrZC4yyNpx08OdAbbLfmeTQFjhLSNCAQWKRG4aVTDL5+KmgEjlnPQdaA27c3jmbZdvcK4hklniR2RlUBWm4cml5QyqMAnLA4oDk2u/ssMMQZ0mZrl1LOyktCs8cQKzR6Y3YcQc1B8NPImgJz7+zrqLRxaWWUoctiMQXyWbSTH0O/xDjGAp+8AWLcXaUlxbyPK6uwuZkDJ9TSkrKun2YHL/zQFioBQHF29u8LmSGUTzQSQhwrQ8PmJdAYMJY3H7A6Y6mgIN7uVHMsomnndprdbd3JjDlI5HkVhiMKGy5HTGAOVAaW+T+313DBnAnEuQEiyjXAxI6SmMvnm2AWIGo8iOQA5m9m5c0zhbUhUe3ihkYy6SVhk1KXjER14GcaWTJODkdAOxsHd5o767u5VVeIFSJVYv3QAHlOVGlnCxZUdNHU5oDztTcaOeS5c3NyiXenjRIYuG4WNY8d6IuMqozhvOelAa2+T+A3Dz8WXLa+79HyEkXBZQ5QuVAwQC3Ij76A2T7iwtgrLMrrHAiOCmpfJGcxuAUwWOtgcjBB6CgJ+z92Io7aa2ZnljneRpDKV1MZyWk+oqgcyfNQHJf5Po31Ga5uZG4DwIzGMSJHIACeIkYZ2wqjLk9PacgQ3+T4xNB5LM6abszyPiNWUm2aEcJFj0ejkEedudASpfk4t2FuvElCwYx+r1MwlMxfiaNSFnLatBAIP3UB2Nv7sRXZYytINVtJbHQVH0c7Rs7DKnvAxrjzczyNASLXYaRvdOGcm6YF8kYUiMR9zl4DPPPOgK/F8mtquMPNyjhQHUucWzKVb6n1m0IGI6gDGKA8Q/JrAomAmmzNHo1fRagONxlbUI8swYAZYnIoCWm4cImllMjsZQ5bKQ54ksYjeQScPWDjJAzgFjyxyoD1tLcWGZUUyzLw7UWylSn1BJFJlgUwTmJQR0IJGOdAa7b5P4ERUWWYaTOQRwxg3QxJhVjCgDqBjAzjmOVAdPdbdqOxSRImZuJJxGyFVQdKrhI41CqMKOQHXNAdugFAKAUAoDVJpB1NpB8TgH31G0vMjaXmaxJH4p1z1HXx++pejmS/HMa4uXNOXTpypejmL8Mxqi58059enP76Xo5i/DMzrj8U5e0ebpS/HMX4ZgPH5inXPUdfH76X45i/DMF48YymPDIx7qXo5i/DMxqi6ZTA6dKX45i/DM9KUPIaT7BjoeZqqSfkyqUX5M2ogHIAD7qpT1QCgFAKAUAoBQCgFAKAUAoBQCgFAKAUAoBQCgFAKAUAoBQCgFAc7bWyEukCSFgAcgo2kg/fWFSnCorJK01VaFOsrKiTX5OL2Ct/Tn/iGtWEociNHh2y9NaDsFb+nP8AxDTCUORE8O2XprQx2Bt/Tn/iGmEo8iHh2y9NaDsBb+nP/ENMJR5FoPDtl6a0HYC39Of+KaYSjyLQeHbL01oOwFv6c/8AFNMJR5FoXw7ZemtDHYC39Of+IaYShyLQeH7L046I32m5NvG2oNKeRGDI2MMCp6YPQmsoUKcHbGNhtpbLRpO9Tgk/wrCnb0bP2faX9halZcXLNrzeXPdXBWM/ruWZMe41uN5e9kbp21tJxIFkD4Iy9xPIMHr3ZJGX9+KA7lAKAUAoBQCgFAKAUBVflB2hPDHb+TNIrSXKRngrE0rKwbKoJxozyHXFAcm53mmtNPF48jeS69E/BRjI9wIk4hgQquNQ5qSMeYmgJtlvo5mWCWBFfyxrVikupAUtjcF1JQZH7ODjH7sUBz4/lGdoxKLUcNbFbyU8XmqOZVEaDT3jqjHM45E/cQLFutt6W6SXiQGJ4yAM6xG+pA4KtIityzg8uooDXuXe3Enli3jozxXhjHDXCKnAgkCLnmQC7czzPs5AAWWgFAKAxmgM5oDGaAzmgFAM0AoBQCgNdzMERnboqljjrgDJxQFc2VvxbzAtIsluOGsoNwEAaOQhVIKOwySQMHB59KA6Y3itS0aC4i1ShTGusZcOCUK+OQDjxxQGvZu81vcTSQwOHMUayM6kGPDvImnUD9YGMk8sYI50BG2dvbHMc8KeOEo0i3EiAW7xp1cOGJUY5jWFyOmaAkneizCoxuYgshIUlwNRVgjAfcxAPhmgOwKAwaA+Z77bvWF1tS2aa4VZ1IDxmYrJo0MYBEoBweIQ3Mjz/dQH00UAoBQCgFAKAUAoBQCgNFzZpJoMiKxRg66hnS46MPA8zzoCFtvYUdykgYBXeIxcTQrMEJDFMOCCpI5gjBoDmbH3ItoY2SRVm1TcbvIqqrhBGuhEACgINPLrzznNAdeDYdugISGNQYuEQEABiBJEePRBZuXtNAetl7IhtlK28axqTqIUYy2AMnx5AD7gKAkW9qiFyihTI2tyBjU+AupvE4VRn2CgN1AKAwaA+aWM00cbOkd420lhlMuoSm1Mn+FyI2XOCgj59Acc6A33O19olGERkwouCkrW3flWGKJotUZUBS0jSpjALBcjxoCLtXau0DKWRZtcazskSwNwuVpqgYyYw5Zz9Uk8xjkQcgTrjeK8cuVE0cImIV1tGaTC2sLhRCy5KtMZhqx+yBkZzQEU3d/G8zIss0qSXZRXjZU5RRGBRjClTzxzPMEA5zQG2Xa+0SrCJpdI4xSZrXEkgjhR0DRFQFzIXUd0agOQzzoC/wBjIWjRnGGZASMYwxAJGD050Bxd4d6ks5EWZGKOBhoyrvqJI0+Tg8RhjnlQfPQHY2fepNGskRyjdCQVPI4IKsAQQQQQRkYoD3dwcRHQnGtSufDUCM/zoClWPydCJcJclDw44/ooliDrE4f6UIRxCcEZJHJm8aAl2e4iRoicViEW2X6o5rZsxXPP9rVzoCVu1ukLQnMrSr5NHbKGQLiGEyFASv1m+kbJ/pQHNHyfc1/9S44Vu9vC6IqzpG6lVDTDm2gHlgD30BFl3Ak1pGs30LQ3SyvpGs+WSRM6KpJwCFfDcyOXXrQH0CJNIAHQAD3UBk0BSr+yli2i02uMJcFNKm6eJjwIyZfoVjKyYUMcZ6DzUB2Nn70xTMixpLlzyygGFMayCQ97kpV09vPGM0B3qAUB44o8R76lqJahxV8R76Wi1DiDxHvpahahxB4j31bRahxB4j30FqM8QeI99BahxB4j30tFqHEHiPfUtQtR6qlFAKAUAoBQCgFAKArPyjcTyCXg6w/Eh/Vlw+nyiLXgxd/GjVnTzxmgKbHtu8traXycTti4cxl45pVMaRRHhqZwZcFi/UcyGwwAFAdS42/tFTKyJqBF2EXgNhPJ3jEDZHNiyu5x+1o5UB3Nxp5HF0ZXd/8A1J0NIjRlk4ceCsbAaVznoMZzQFooBQFA3xtbiS902rusnkqYMUkcZjJll+km4i6mj5AAISc6uQyDQFt3egljt0Wc6pBqyTgsQWJUuVABbBGSAATmgOjmgGaAZoDj228cck7wJHMxjk4buI/olcIr4L59Fl94oDsZoBmgGaAZoCsbzf8AH7K/68//AGc1AdLYm70FrngoAWYsScZyVVcA48EUfuoDrUB4dcgjxGPfUatI1bwKk+4ikki6nAz0+j5e9K5sFRy92cPhmzcvuzz2DHrdx7o/wVMFRy92PDNm5fdjsGPW7j/T/BTBUcvdk8M2bl92OwY9buP9P8FMFRy92XwzZuX3Y7BD1u4/0/wUwVHL9jwzZuX3fyY7BD1u4/0/wUwVHL9jwzZuX3fyOwI9cuf9P8FMFR5f2PDNm5fd/IO4I9cuf9P8FVbFRX292PDdm5fd/JbLG34UaRgltChctzY4GMk+NdS4HclYrDfQooDDHHWgbsNHlsfpr8QrG/HNGve0+ZaoeWx+mvxCpvIZob6nzLVGfLY/TX4hTeQzWo3tPmWo8sj9NfiFN5DNaje0+ZajyyP01+IU3kM1qN9T5lqPLI/TX4hTeQzWpN9T5lqPLI/TX3im8hmtRvqfMtR5ZH6a+8U3kM0XfU+ZanF3l2JJKUubNxHdwqQjNnhyocFoJlHVGIHMc1IBHgczYS9lbbSTRHLphuWQO1uzoZUHtCnmORwaA6woD5v8osZ8siJtYpVMBVXeMMTITKQjSF14aBhGc4562593BAu+1LJ5RFw5TEUkDHTzDqOqH2VGrTZCd1NWJ2r7/b8r8kKDYs63bzeVOYWB+hPRSR5jnGB91YqFjbtNk696nGF2Ks+6XF+pHsN3rhEuEe9kfij6Nsd6I+IJPP8AlRQsVlrMp7SpVIzuRVn2S4P1Ncm7l0bQQ+XOJg5bjAEEqc9wjVkjn4+ao4f+NlrLDalGq6m7jx+1nBeiIdxuy9tPc30bwOSzz6ZLf6UEQqnDW54vdXuZ+p+0fGthyHQ2bZ3MzWty9xpXgKZIVXuO7Atkc+X1gP8ALUs42mxVP/W4WLztt+/p6Hqw2BcI1xrvJHSVSEBHeiJzhg2eoyPdWKhZbxZtntN9xdyKu5Lz9czVFu5dC1eFr1zKX1LLjmoH7PXJH76lz/xstZktqW93lyPpZw0J9lsqZBb67lnMQIkJHKXPTIzyI5c6zSNEqltvBcXb6fhfgg7y/wDH7K/68/8A2c1U1looCjb870W9td2CTT8MrcGSRe9+qNvOqk4HMaygx44oBvddDj4uJrqGDybVC1qZFZ59R1A8Md5wujSjZByeRoCPtDem7jklCJq0BwI3iYSBEtxIl2zjkQ0nd0ADm2OoNAR9o7y3qpJG7KneYcZYHxhrQTJGqq/Ji5Kh8/s460B7td7bpBFFwy8ncAVlbW8fkHG1l+mTMCuf3daAj3m37t0hcXGVMc2vRbSRBpPJkdItRbIYMXAI6EY6qaA3y713iLJoQMY4XxEY3L6Us+Ml0Zc98NKAmkD9vrlTQHVtNqXL2+0RMfpIY/o3jQxk8S0SYaRqPNWcrkH9mgKrsTblzCkpWSV8xW4BYy3SJK7OJCzzaSpICgqMgcupbFAdnZu9V7IYHKqFJgDx8JtTNcROz4cnu6WUcsHrg0BK3C2tcXFxM1w5INrA2gIyJFKxmMsOliQWXuqW8+ByoDpSbzxjaS2vHh0G3JK611+UcVEWPr1IJ7vWgLOKA8SxhlKt0IwfuNGreDI0mrGVk7iW3pTfxWrRhaPItDlwGy9OOiHYO29Kb+K1MNR5FoMBsvTjojHYK29Kb+K1MNR5VoMBsvTjoh2CtvSm/itTDUeVaIYDZenHRDsFa+lN/FamGo8i0QwGy9OOiHYG19Kb+K1MNR5FohgNm6ce1DsDa+lN/FamFo8i0RcDs3Tj2odgrXxm/itTDUeVaIq2PZ07VTj2r4LPDEFUKOigAZ8ByredJQ/lEtI47rZl0ERZPLljebSA2ho3Coz4yRnkAaAvwoD5rvhNE9xNP3Q0FvIrLJbRzaltGV20M790nygY+4581AfSU6D7qA9UAoBQGCM9aAAY6UBmgFAKAq+83/H7K/68/wD2c1AWigPlHyhxbPvbzZ0vltoOBORNm4izwl+kAbL+kmn/APpQF/td6bGRgkV5bO7dFSeNmJ8AobJoRuw3/pqD7Va0YqjzrU5cds3Ujqh+moPtVqYqjzrUY/ZupHVD9NQfarTFUedakx+zdSOqM/pqD7VaYqjzrUuP2bqR1Q/TUH2q++mKo861GP2bqR1Q/TUH2q++mKo861GP2bqR1Q/TUH2q++mKo861GP2bqR1Rj9NQfarRbVR5lqMfs3UWqJiTqQCGBBGQcjmD0Nb07TrPmtzuap3jS7wOFwOMfDjpiIezPNW+8E1QfThQGq6kKozKMkKSB4kDkKj8jKCTkkyg9u7z1A+81z72eS1PXwGy9SXb/sdu7z1Bveau9nktS4DZepLt/wBjt3eeoN7zTezyWpMBsvUl2/7MdvLz1Bveab2eS1GB2TqS7f8AY7eXnqDe803s8lqTA7Lzy7V8mO3t5/y9veabyeS1/wBEwWy88+1fI7e3v/L295pvJ5LX/RcFsvPPtXyO3t7/AMvb303k8lqR7Fstn1z7V8na25vqLOS3W4t5hFOFBnUAxRSSHAjc+b766DyWrOBD+VImSO1tOQS8u1hkJALCPSzsFz0J0jvdRQhcbG1WKNI0zpRQo1Ek4UYGWPMn20BSN6YtlR3LC6tOJK8ZmkkCAqqaXwXJYElhC+AAfqc8cqAvq+ygM0AoBQCgFAKAUAoCr7y/8fsr/rz/APaTUBaKA+d7Ukb9JvAuFiRIGwkdpgmVpQ+szjWRhB9TJ6+ygLwuzoQciKMEecIoI/figsONLutYfWZFAY8jxWAJ9ne/pWvd08kYqhF8Lq0MNulYBgpjGo9AZWyfuGqm7p+Vi0JuI2W3VZ6Bd0rAkgRgkdQJGyPvGqm7p5Iu5ilbdWiK/vXs+ztlgMEEchmnMWWll0LiKSQk8IO2e5jAHnoqdN/ZaEdGK84rRHX2burZvBHLLCillBbTJLoGfAyaWx94BpuoZLQKjB8FFaIkNujs8EAxqCegMjZP3DVzpu6eS0LuI8q0A3Q2fq08NdXo8RtXu1U3dPJaDcxstuqz0MLujs85xGp09cSMcff3uVN3TyQ3Ebfp9iXcboWMuky2kEhCBQXjVzoUYUaiCcYrYZGrsLs31G1/gp/agO/DEEUKgAVQAAOQAHIACgPF4Dw309dJxnpnFSXkxY39PmfP7iS64aFFQyHOoasKPDnjnXG1PhY/Xgd9WntbVO5NKz6uHn6Zfc2ztccRAioYzjWSeY9LAxzq2SvW28PQzcNpxCkpLd5WcdRE1xxWDKgiAOk55k8tPLHLz1FGXG1+38tJShtSnO/NNP6eHl65muCS6KSF0QOPqAN18cnHKl2d2y1W+hrhT2zcSjKav28HZws9Dy8l3wQQicXJyuru483exRxnYrH68C1Ke2OlBQmlJebs8/TI93L3IMYRUIIGsk4wc97Axz5Zq3Xett4en/ZsnDaXWjKMlc+6s4v+57D3HGxpTg8+9nvewaceNRRkm7X7CENpVaTlJXH5KzivV/c1273X0utYxgfR4bOo5PXlyHSijOx2vj6GFKntapyU5py+zs8vVEr5UbCabZBCIXkQxSFEGSeGyl9I8/LJ/dXajhl5slw7Ki2lPbbQS6eS3j78MQwIhIoZC5OM5ByMeIoQt4oD55vzcIbyHQtrLJGByu+EIY8O2SJs8VZOQ7oVh0OKA+hKaAzQCgFAKAUAoBQCgPkvylbsyz7Y2c0byCOY6X0uwCmIFnIweRaLK8vR9tAfWqAiXOzYpDqeKNn8zMiswx05kZ5UBxN0rG4QTC6DjOlRrfUWKgh5BhmChiQcDH3UCdjtNV7upZyW8du0jBImLKRL3xqzkavDnWtwg+DOyG1bTTlKUZNOXnw8/Y3X27trLNDM0jB4QoXEuAQnTUPP1NW7G9e+5hGvXjSdJN3X5o9wbv2qXT3SyHiOCCvE7neGCdNFGKdq8xOvXnCNOTdi8lkRrbdKyRNGtyBOZ1InZGSQpwzpeNg2NJIxnzmkVGKsRK9atXkpVW20rP7GldjLJLdQyTyeStbxRxgylsEs7SkSMSWbITmcnBAquxqxmFN1KclOPBokbQ3XtJuBqlYG3ACFZcEgEEBvHpUcYtp5GyFevCEoRbsl5rM3nYNt5YLwSES46CTuHlpyV+6l2NtpJVq8qSpNu6vsabDdi0hM5SRsXAKuplyAGJJ08+XU1FGCMqm0bRUcZSbbj5cPIsNhbiKNI0JKooUEnJwBgZPnrYcvmSKAUBrn+q3+E/0qPyMofUip4rmPcFAKAUAoBQDFAYoCF8sU7LslgrFeI8UZIOCUdwGX94rpXkeHL6mXawso4Y1jhRUjQYVVGFA9gqmJIoD5Xv8ATrDeOGlmIkgViscVtiNSZiSJZsYY8OQ55kafPyFAXLfOwea3URytEwcHUvnGMEHBFa6qtR27DUcKjsSfD7q0pPZy59ek/n+Kue7+Xqetv5csOxDs7c+vS/z/ABUu/l6sb+XLDsQ7OXPr0v8AP8VLv5erG/lyw7EOzlz69L/P8VW6s3qxv5csOxGOzlz6/L/P8VS6s3qyb+XLDsQ7OXXr8v8AP8VW6s3qxvpcsO1Gezd16/L/AD/FS6s3qxv58sO1HQ2BsGdZl4l5M6MCrKCVJDKRyYHIPnyOYrOCSf31Oba5udJpqPDjwikWE7j25IJlvCV6Hy25yMjBweJy5V0HjE3Zm7cUD60kuWOCMS3U0qc//hI5GfbigKBv7YbLsrmwjazgJurnEhK8xERpLE59ORD7dJoC62m42z4XEkNpEjrzVlXBBwRkH95qMqbT4FPbcyDP1pB9zD+1ce7hkfS4vaOdnnsXB6cvxD+1N3DIYvaOox2Kg9OX4vypu4ZExe0dRjsXB6cvxflTdwyGK2jqMdioPTl+L8qbuGQxW0dRjsVB6cvxflTdwyGK2jqMx2Jg9OX4vypu4ZDFbR1HqOxMHpy/H+VW5DIYraOoy4HcqxmSJri2SV1iRNcg1MVVRgE11x8j56s26km82Uva2zNlRbXtbHyODTLC5bun9YxBh558Ecf5qprPq9vEqKqoMKoAAHQADAFAYuodaMhJAZSMjqMjHKj4ljK600UX5tz65N7vzrRh45vU9LxavlHtiPm3Prkvu/OmHjm9R4tXyj2xHzbn1yX3fnTDxzeo8Wr5R7UPm3Prk3u/OmHjm9R4tXyj2ofNufXJvd+dMPH86l8Xr5R7UPm3Prkv+/30w8fzqPF6+Ue1D5uD65N/v99MPH86jxevlHtQ+bg+uTe786YeP51I/wDlq+Ue1HvbW70FztO0iueLJwrVplHExCXgliQFodPNjxDz1DpjBreea3a7S90IZoD5hv7dJFdrHLJOyyLxQpkjC6xrMcUEbwsXbVH0zkGRPSoC+7a/VfvFYVPpOrZP6n9j5ZtK9uI55YwZSsbPd5AZ8xcLuwdRn6Yk6MjuqByrWkrDrk5KTWXH/WpFG37ohZMFmRJxhVYIwVoeHI0YPMhWYjxwcVbqMN7Pz9SS+37vSCOGQsZckRsRIBOIwBkjSSpOcZ5rkcql1GW8nZ/MzZNt+4CTMMallC6OC+YE45j4jMTh8oA3mxnPSl1B1ZJN/f0/J727eTPYwOWKu00esxNJECpLZOpRrVSME8qJcSzk3BNnMtNv3MUcKqXfM7gmRHcNF5QqALMxDHCMTqK5OMmsmkzWqklYkTf0/dhSSFwy5H0TfQqLrgs7DPf7nfxy6VLqM1Vn/PWwsXyeTyOitKzO3lEo1MCMqJX0EA8wNOMDwp/9IjbdBt/zifQhW48wzQFA+UTcyK8ubGR45X+n4chRnwkAjlfJ0/U+kCd7l1AoC9omFAHQDHPryHjUYPl2+F5Lb8OaEO+VeHhrkgySLmFyvTIdANXmDGtEeJ69ZuNjRxbzatynGt1ZysUBAkKsJeJGYBniaiW1B3OTzOPZWViNbqS4x/HwSW3hu8y4VARMECmNi0am5EQY45MCh1ZyPHmKXUXez/nr8G2z29cmREkwuHZc8Fjxys7RYXB+j7oDef62elLqKqkrbP8Arz4k7djas8/F44UaQCAFZWjYs4MbZ5HAVeYOfZgio0lYZU5uSdv88yp7u7WuI0DF5nJtAW1GWcLMZIl1OJcBCAz8lOMaifq1k0jRTnJK237HXtN4rtwjEKAFhLjhtljLdSQPg57uFVX6fyqXUbFVn5+n7Je720p5ro8ZjgQNmMIyLG4mI0Ek4ZgoHe9vtqNJIypTlKXE+r2f6tP8A/oK3LyPMq/XL1Z8+2/upbSbctJXVi7xSTE62/WW5gERHPkB4DkapgfRhQGaAUAoBQCgFAKA5G39qm2MDELwnnEcjHOUDhgjD/PoBz5iaAr0O/66I9ceJJoXlj0lSunhyywh11axqjj1ZKgZOKAgjeyDysXT68wWLxyKigrrcQXLAHXqGAoAyuCT1yOYHeTfRGYxrbztMHZTENGsLGqO0mdekjEicgc5bGKAk7N3shnnkhRX+jLjXgFCYnEci8iSpDHHeAzgkZAoCp7XW+a8lBW+8nMjAmFYyOGBFwlhZmBjyeLqcd7+RAFs3u2pHbwK0pIDOAOXnwTzrVWkkuJ3/wDH0ZVatkcvu7CndsLX0z/L+9c28R7ODqfjVGe2Nr6Z/l/em9RcFU/HcjHbG19M/wAv703qGCqfjVDtja+n/T+9N7EYKr+O5Dtla+n/AE/vTexGCqfjVDtla+n/AE/vTeIYKpmtUY7aWn2n9P71d4jHCTzj3I6O7289vNcRxxvlieQ8eX31nTlekcu2UXTottrLg0y/iuo8IzQCgPEjYBPXl++oyrzPlzb3KCQbecHp9WuW2XKz6K7Q60ff4MdsF+wn+GpbLlYu0OtH3+B2wX7Cf4KtsuVi7Q60ff4MdsV+wn+CpbPlft8i7Q60ff4HbFfV5/gpbPlft8i7Q60ff4HbFfV7j4KWz5X7fIu0OtH3+B2xX1e4+Cls+V+wu0OtH3+B2wX7C4+ClsuVi7Q60Pf4LLvFvYbOCxl0ExytpdSvf0+TyOvUgL3lXLHkBkmuuPkeBV+uVmbN0dzdnaKxmWHgmAzaRCTIF1KhiE3EweZzq0+bGPPVNZps9oynaLRmSYpqYaDo4fIEjH0IYD/P5qAzsfbN1NfTxkgW8Vw0QAgyCFiVwTccXkct00eHjyAuFAKAUAoBQCgIm1dmxXMTwzrrjcYZckZwQRzUgjmB0oD51vZdQwXrqLWNhFFCSS0y5E3Ft8ZjBiQiPUNb45Hry5ATLi92YJLiI27lgEhZUfKyiVktVwqy4DZ0JqbDYA81AR9r7WsnjLpZu8jSB5QxK8MtMLNxKVk5gmJ10rqU8Pny50BfLXYsMcjyRppZ86sM2nLEFiEzpBJAJIAzigOhQGm5tkkGmRVZfBgCPcaAi/oO3+wi+Bf7ULax+g7f7CL4F/tQWsfoO3+wi+Bf7UFrH6DtvsIvgX+1Bax+g7f7CL4F/tQWsfoO2+wi+Bf7UFpj9BW32EXwL/ahDZBsqBGDRxRqw6FVAPvFATaAUAoBQGNI8KAaR4UA0jwoBpHhQDSPCgGkeFANI8KAaR4UBHu7GOXTxEV9OdOoA41KUbGfFWZT7CaAQ2MasGVFDKnDBAGRGCCEB9HIHL2UBJoDgbY2BFpmmt4Y1uyrMsojXicQrgNnHM+agN26fG8nzcBg5kcgOxZhHrPDBYqpPdx1Gfv60B2aAUAoBQCgFAcTae6lrcSmaZHLsqq2JpUR1jJKK8aOEcAs3JgepoDXHubZq5dYSGLh/wBZJpDLMLgEJr0j6UBsAY6+YkUBi43Ms306oj3WLcpZVBLTGc69LjWOKSwDZAJOMCgLAKAUAoBQCgFAKAUAoBQCgFAKAUAoBQCgFAKAUAoBQCgFAKAUAoBQCgFAKAUAoBQCgFAKAUAoDhb3bfayiWVYWmy+khOq5BweQJ6jH766NnowqyalK7wyb/RjJtLgio/Oo3qM3ub8FdmAo9b/ABl8GF+WQ+dRvUZv/t+CmBodX/GXwL8sh86jeoze5vwUwNDq/wCMvgX5Ze4+dVvUZvc34KYGh1f8ZfAvyy9x86reoTe5vw0wNDq/4y+Bfll7mPnVb1Cf+f4aYGh1v8ZfAvyy9zPzqt6hN/P8NMDQ63+Mvgt+WXujpbufKCbqdYWtJY9fRmBwD7cgVor7LThC9CpeeV1r9lUm/NF5riMxQCgPEjYBPXAzjx9lFxdgPnh+VRQcGzn935V6nh9LrLSXwat48h86q+pz+78qmApdZaS+BfeQ+dVfU5/d+VMBS6y0l8C+8jHzrL6nP7vypgKfWWkvgX3kZ+dZfU5/d+VMBS6y0l8C+8jHzrL6nP7vypgKXWXbL4G8eQ+ddfU7j3flTAUusu2XwN48h86y+p3Hu/KpgKXWXbL4F95F+2ddiaKOUAgSIGAYYYBhnBHjXnNWOw2kmoBQGm7m0Iz4LaVJwOpwM4FZRVrSB8/+dVfU5/d+Vel4fT6y0l8GrePIx86q+pz+78qmApdZaS+BvHkZ+dVfU5/d+VMBT6y0l8DePIx86y+pz+78qYCl1lpL4G8eQ+dZfU5/d+VMBS6y0l8DePIfOsvqc/u/KmApdZdsvgbx5D51l9TuPd+VMBS6y7ZfA3jyA+VZfU7j3VHsNKzhVXbL4LfeR9Ct5daqwBAZQcHrzGcGvNNhtoBQCgOZvD+p/wAwrp2T+p/Yxl5FQv7tYY3lk+pGpZsDJwBk4Hnr0pSuq1mogneGILqdZUGC3fjKnClQTg/4x/Osd4vuWwk2+1oXxh1BLsihiFZmjYqwUHrzHmrJTTJYZt9qRPKYo3DOq6jpIIHe04JHQ5HSpfTdgsIdjvJBKQBrXKs4aRCiMsZAchzywM1jGrFsrRMO1IMK3Gjw/wBU61w3PTyOefPl99Z345ksMDasRmEAcGXDEqpzp0achsdD3hyNL8bbosOxsn9cn3/+DWG0f02WPmdfaG3VimMRUkJbmZyvNlUvojAQDJLESfAa8ZG407J3miuJY1iB0ywtIjHkSY5OHMhXHIqTHzzz1eznQd6gMNRAo2K900HJ7QRZkAWXERIZhGdAZcZAfoTzFa94uJbD3Dt2Biw1adIcsW7qgRyGJsseX1gaKpFixnu721BGE1SL9IVCAEEtrYKGUA81yw5+2q5pCw07R3ghgdkkD5RVZysZZUVywVmYdPqt7qxlUUXYxYTP0hDlhxY8pjUNYyuemoZ5ebrWd+OZLDRd7bt44xI0qFT9XSwJbBwdIB72PZUdSKVtpbGdGsiFiutpcCGA6dTSPFEoBxzkKrknwUZY/wCGvGq/W/Vm5HItt+4nheThurR5ZkbIBhScwySxuVw4XGSB4gZ89YFLctAa7r6jf4T/AErKH1L1I/IpQFe2zSciHeGJ9WlZcK5QtwyE1iThkBuh71alVTLYe7fb0D6u/pCqGJfuqAXeMd48vrI3KslUixYbrna0KNGhdS0hAVVILHVnDY9Hl1o5xViFhHvN4IYpGjcSZUoGYRkxqZcaAzjpnIrF1EnYEiZ+kYe99LH3Dhu+vdJ5ANz5H76zvLMhoutt28aozSoRJjRpYMXDMFDKAeYyw5io6kV9y2M6OKzIWPaG11g8nUjPFJBOcBI44mkklPsAUD/MK8SX1M3ojW+9Uchg0pIEnk4YaRGjIYxGWMhWHeVlVufmNYg74oDNAczeH9T/AJhXTsn9Qxn5FL2zY+UQSw6tPFjZNWM41DGcZGffXozjei0a0zl7Q3VRwqxMsSrG6YCZBLtGS/1h9n09vs54Sop+Rbxo7IfSK/FBxIzsrI2CGn46gaZBgg8snI6HFTccfP8AnmLxK2Du8baTWZQ4EQiUCPSwQOzgu+o6m72M4HjVhSuu38WEbtObablugIW4RTw3QNHCVc8Qg5kbinVj2aT7RWCoNeT9i3jZDuXhCpmBJWVc8M8jNKJcjLk8sY65PjRbPwst/lpbxN2Zu4YZxLxQyrxdK8PD/TsrnVJq72CDjkORrONKyVvr9syN8C1bJ/XJ9/8A4pX/AKbEfM6O2N20uJi7nuPAIpFHJiY5RLCyv5tLGTIxz1fuPjo2nnZO7CW8yPGToiidEDEswaeXiTMWPUHTHgew1QWCgPLUBSK900Ffk3WQpcAFRJO7HiaO8qsVOjGrnjSPOK07lcfyZXiLcbnatX0xBLMwwhGGa5NwM4cEgZ04BHjkVi6Fv3/ltovGDucQVKyqBmIuOETkwStKNBaQlAS7AglvMabjy45e39xeNu3d1TczPKJEXXGid6Eu68NnYPG/EGlu94HoKs6N522+wUrDTLuczSvI9xq1jGGjJOnjRS4J14/9sryUfWzz88dC1tt/zgLwutziwfTMo1l9WYtXdebigL3xpIPLPn8BijoW+T9heLXXQYlhvdmGeC30sFaJ4pVJGR9GVJU/4l1DPtrxav1y9Wbkc2bceERyJEzgyrwyZGL6IXm4syRjzajn+XmGKwKWoCgNd19Rv8J/pWUPqXqR+RShXtmkr0e6qLG6hhrefitJo5kcfjaCNX+XOfbjzVp3PD+//dpleIx3OPmm5jTjuEDKSyyc9MgJBEuORHTOfNWLofn+W2i8e4d0tDxlZVCI8bleESS0MZjwjlyUUg9OfPPPnVVCxrjl7C8etqbqma4eYSIodozzhLSrwsfUl4gxnHomkqN522hSNUe554jyPPr1PG3ejPSKZpQDlyP2tPIADAOKiocW7f5baLxg7mkY0zDBKlsxZzw52mUIdfd+sVPXPI8ulNy8/b8i8WuugxLDtPZAnNs2R9ETqDDIeKSJo5I/ZnUpz/8AH214kvNm9EWLdVEa30SSFIZeLiV2kbKQtDEqlj3VUMT7axBYxQCgOFvfsue5hVLWbguHySRkMMEYPL25/dXRs1eNGV5xUvVtfoxnG1WWlP7E7T9ej+H8q7vE6fRWsvkw3T5v0OxO0/Xk+H8qeJ0+itZfI3TzHYnafr0fw/lTxOn0VrL5G7ef6HYnafryfB+VPE6fRWsvkm6eY7E7U9ej+D8qeJw6UdZfI3TzHYnanr0fwflTxOHSjrL5G6eY7E7U9eT4Pyp4nDpR1l8l3TzOlu7utfQzpJPdpJGvVQvM8vHFado25VIXVBL0b/7ZlGFnG0vVeeZmaAUB4lUkEA4OOvh7aLg7QfNX3N2pk4vI8Z5ZHPHwV6/iVLpLukad28zHY7avrcf+/wDJTxKl0V3SG7eY7HbV9bi9x/BTxKl0V3Mbt5jsbtX1uL3H8NPE6XSXdIbp5/odjdq+txe4/hp4nS6S7pDdPP8AQ7HbV9bi9x/DTxOn0l3Mbp5/ox2N2r63F7j+GnidPoruY3TzHY3avrcXuP4aeJU+ktWN08z6LsyF0hjWUhnVFDEcgWAAJArypSvSbzNxKrECgNN5EWR1U6SykA+BIxmsou7JNhnzfsbtT1yP3f8A4r1fEqXRXdI07t5jsdtX1uL/AH/kp4lS6K7pDdvMdjdq+txe7/8AFPEqXRXdIbt5jsbtX1uL3H8FPE6XSXdIbp5/odjdq+txe4/hp4lT6S7mN08/0Oxu1fXIvcfw08TpdJd0hunn+jHY3avrcXuP4aeJ0+ku5jdPP9DsbtX1uL3H8NR/8nTs/pLuZd08/wBH0m1RgihyCwUAkdCQOZFeU3a7TabqgFAKAUAoCl747fltbmPhMCDbO2hvqF+PbxhjjnyDt76A5c+/c8UkKSiAg3EkMhQEuxSdYgY4TJno3PBcg45c6A8Xm/MkoEcbIsgkQSaCdSEbShtihB6ao2bOefOgNXbyeaYpG8UcaXcK6imDwpJpY2jdeIdJzGBk6T3sYFASl36nZX0LAza4l094cB5bngcCfmcyAd7lp6Hl56A+hW4YKvEIL4GoqCFLY5kKSSBnzZNAbKAUAoBQCgPmV1vJNDtCYcVp+/IEhicZUJBrEctqyBlUFeUqls6x44oDC7/3Jt+IotiQsr6wdSFYIUlK6Y5W0tzKnLHzHH7NAbbjfO4Vn1KhaEzDSmoRsFgtZVZlOSdPHOSD0QnHPAAk3u+0saRlXtpAQ5DqHCXLpKsYtoMt+sOT52HTGRnAGm536uF4jaIdOLjSMNmPyWdIjJKdXeUB8kADGk8+fICGvygyQRzPJJDKubto5MkRtJAYeFDHz6EO5xknu0BL2xvhcGO64csETxMO4VZpYkWWFTLIc6dDI7EdMDHXngD3e79TJxyFhYxrKdHeDIISoSaU6iOHLnK8hyZevOgL5s/icNOMVMmO8UBVM+wEkj30BIoBQFE3k2uEu5UuLyW1Cxxm3WNQ3GLE8QiPQTM2rC8MdBjl3s0BGuN+Z1M4CREoJO5hg0JjuY4IxOc/+6rl1wB9U41DnQELeLfe5jhmQvDE6C5XigMNbQMiokILELJpYsck/V6YyQBNn+UCRWkjVI3kiW6LICdYFsYhCzAcwGV2Y+IHKgNM++Vwsiuk1vPH5HO44SsI5JIpol1qSSe6rMSASMK/XzAdLZW9VxPNDDGYCGebMwDcOWK3MOXhUOevEKc2IBUnn0IELeLblwHmMcjJwr9Ygi470UNn5S4wR+2Sw/yigOVY783SRPISr8e5d4zOVVI4mghnt7XUXUKWWUYPePInS3SgJFzv5cW6PxHieXy2ZNJTAWGFo/o9XEXDaXBBwxI54PM0B3N39rzNdIrSF0eW8TScEAQSpw2B9gLL+8eFAXagFAKAUAoDzQAGgFABQGRQGaAUAoBQCgFAeCoyTjnjr5/uoDNAM/799AKAZoDGaA9UBigMigM0AoDz5/8AftoDANAZoBQAGgFARorZVkkdRhpAuo+lpDBc/cPP93hQEjP+/wB9AZzQEfyZDNxSo4gjKBvOEZgSo+8qvuFASqAUB//Z"/>
@@ -34605,7 +34921,129 @@
 </p:sld>
 </file>
 
-<file path=ppt/slides/slide38.xml><?xml version="1.0" encoding="utf-8"?>
+<file path=ppt/slides/slide4.xml><?xml version="1.0" encoding="utf-8"?>
+<p:sld xmlns:a="http://schemas.openxmlformats.org/drawingml/2006/main" xmlns:r="http://schemas.openxmlformats.org/officeDocument/2006/relationships" xmlns:p="http://schemas.openxmlformats.org/presentationml/2006/main">
+  <p:cSld>
+    <p:spTree>
+      <p:nvGrpSpPr>
+        <p:cNvPr id="1" name=""/>
+        <p:cNvGrpSpPr/>
+        <p:nvPr/>
+      </p:nvGrpSpPr>
+      <p:grpSpPr>
+        <a:xfrm>
+          <a:off x="0" y="0"/>
+          <a:ext cx="0" cy="0"/>
+          <a:chOff x="0" y="0"/>
+          <a:chExt cx="0" cy="0"/>
+        </a:xfrm>
+      </p:grpSpPr>
+      <p:sp>
+        <p:nvSpPr>
+          <p:cNvPr id="4" name="Rectangle 3"/>
+          <p:cNvSpPr/>
+          <p:nvPr/>
+        </p:nvSpPr>
+        <p:spPr>
+          <a:xfrm>
+            <a:off x="3052404" y="0"/>
+            <a:ext cx="5974648" cy="923330"/>
+          </a:xfrm>
+          <a:prstGeom prst="rect">
+            <a:avLst/>
+          </a:prstGeom>
+          <a:noFill/>
+        </p:spPr>
+        <p:txBody>
+          <a:bodyPr wrap="none" lIns="91440" tIns="45720" rIns="91440" bIns="45720">
+            <a:spAutoFit/>
+          </a:bodyPr>
+          <a:lstStyle/>
+          <a:p>
+            <a:pPr algn="ctr"/>
+            <a:r>
+              <a:rPr lang="en-US" sz="5400" b="1" dirty="0"/>
+              <a:t>Newton's </a:t>
+            </a:r>
+            <a:r>
+              <a:rPr lang="en-US" sz="5400" b="1" dirty="0" smtClean="0"/>
+              <a:t>Color </a:t>
+            </a:r>
+            <a:r>
+              <a:rPr lang="en-US" sz="5400" b="1" dirty="0"/>
+              <a:t>Disk</a:t>
+            </a:r>
+            <a:endParaRPr lang="en-US" sz="5400" b="0" cap="none" spc="0" dirty="0">
+              <a:ln w="0"/>
+              <a:solidFill>
+                <a:schemeClr val="tx1"/>
+              </a:solidFill>
+              <a:effectLst>
+                <a:outerShdw blurRad="38100" dist="19050" dir="2700000" algn="tl" rotWithShape="0">
+                  <a:schemeClr val="dk1">
+                    <a:alpha val="40000"/>
+                  </a:schemeClr>
+                </a:outerShdw>
+              </a:effectLst>
+            </a:endParaRPr>
+          </a:p>
+        </p:txBody>
+      </p:sp>
+      <p:pic>
+        <p:nvPicPr>
+          <p:cNvPr id="1026" name="Picture 2" descr="Newton's Colour Wheel"/>
+          <p:cNvPicPr>
+            <a:picLocks noChangeAspect="1" noChangeArrowheads="1"/>
+          </p:cNvPicPr>
+          <p:nvPr/>
+        </p:nvPicPr>
+        <p:blipFill>
+          <a:blip r:embed="rId2">
+            <a:extLst>
+              <a:ext uri="{28A0092B-C50C-407E-A947-70E740481C1C}">
+                <a14:useLocalDpi xmlns:a14="http://schemas.microsoft.com/office/drawing/2010/main" val="0"/>
+              </a:ext>
+            </a:extLst>
+          </a:blip>
+          <a:srcRect/>
+          <a:stretch>
+            <a:fillRect/>
+          </a:stretch>
+        </p:blipFill>
+        <p:spPr bwMode="auto">
+          <a:xfrm>
+            <a:off x="3690838" y="1542914"/>
+            <a:ext cx="4697779" cy="4517864"/>
+          </a:xfrm>
+          <a:prstGeom prst="rect">
+            <a:avLst/>
+          </a:prstGeom>
+          <a:noFill/>
+          <a:extLst>
+            <a:ext uri="{909E8E84-426E-40DD-AFC4-6F175D3DCCD1}">
+              <a14:hiddenFill xmlns:a14="http://schemas.microsoft.com/office/drawing/2010/main">
+                <a:solidFill>
+                  <a:srgbClr val="FFFFFF"/>
+                </a:solidFill>
+              </a14:hiddenFill>
+            </a:ext>
+          </a:extLst>
+        </p:spPr>
+      </p:pic>
+    </p:spTree>
+    <p:extLst>
+      <p:ext uri="{BB962C8B-B14F-4D97-AF65-F5344CB8AC3E}">
+        <p14:creationId xmlns:p14="http://schemas.microsoft.com/office/powerpoint/2010/main" val="958192436"/>
+      </p:ext>
+    </p:extLst>
+  </p:cSld>
+  <p:clrMapOvr>
+    <a:masterClrMapping/>
+  </p:clrMapOvr>
+</p:sld>
+</file>
+
+<file path=ppt/slides/slide40.xml><?xml version="1.0" encoding="utf-8"?>
 <p:sld xmlns:a="http://schemas.openxmlformats.org/drawingml/2006/main" xmlns:r="http://schemas.openxmlformats.org/officeDocument/2006/relationships" xmlns:p="http://schemas.openxmlformats.org/presentationml/2006/main">
   <p:cSld>
     <p:spTree>
@@ -34678,7 +35116,7 @@
 </p:sld>
 </file>
 
-<file path=ppt/slides/slide39.xml><?xml version="1.0" encoding="utf-8"?>
+<file path=ppt/slides/slide41.xml><?xml version="1.0" encoding="utf-8"?>
 <p:sld xmlns:a="http://schemas.openxmlformats.org/drawingml/2006/main" xmlns:r="http://schemas.openxmlformats.org/officeDocument/2006/relationships" xmlns:p="http://schemas.openxmlformats.org/presentationml/2006/main">
   <p:cSld>
     <p:spTree>
@@ -35389,129 +35827,7 @@
 </p:sld>
 </file>
 
-<file path=ppt/slides/slide4.xml><?xml version="1.0" encoding="utf-8"?>
-<p:sld xmlns:a="http://schemas.openxmlformats.org/drawingml/2006/main" xmlns:r="http://schemas.openxmlformats.org/officeDocument/2006/relationships" xmlns:p="http://schemas.openxmlformats.org/presentationml/2006/main">
-  <p:cSld>
-    <p:spTree>
-      <p:nvGrpSpPr>
-        <p:cNvPr id="1" name=""/>
-        <p:cNvGrpSpPr/>
-        <p:nvPr/>
-      </p:nvGrpSpPr>
-      <p:grpSpPr>
-        <a:xfrm>
-          <a:off x="0" y="0"/>
-          <a:ext cx="0" cy="0"/>
-          <a:chOff x="0" y="0"/>
-          <a:chExt cx="0" cy="0"/>
-        </a:xfrm>
-      </p:grpSpPr>
-      <p:sp>
-        <p:nvSpPr>
-          <p:cNvPr id="4" name="Rectangle 3"/>
-          <p:cNvSpPr/>
-          <p:nvPr/>
-        </p:nvSpPr>
-        <p:spPr>
-          <a:xfrm>
-            <a:off x="3052404" y="0"/>
-            <a:ext cx="5974648" cy="923330"/>
-          </a:xfrm>
-          <a:prstGeom prst="rect">
-            <a:avLst/>
-          </a:prstGeom>
-          <a:noFill/>
-        </p:spPr>
-        <p:txBody>
-          <a:bodyPr wrap="none" lIns="91440" tIns="45720" rIns="91440" bIns="45720">
-            <a:spAutoFit/>
-          </a:bodyPr>
-          <a:lstStyle/>
-          <a:p>
-            <a:pPr algn="ctr"/>
-            <a:r>
-              <a:rPr lang="en-US" sz="5400" b="1" dirty="0"/>
-              <a:t>Newton's </a:t>
-            </a:r>
-            <a:r>
-              <a:rPr lang="en-US" sz="5400" b="1" dirty="0" smtClean="0"/>
-              <a:t>Color </a:t>
-            </a:r>
-            <a:r>
-              <a:rPr lang="en-US" sz="5400" b="1" dirty="0"/>
-              <a:t>Disk</a:t>
-            </a:r>
-            <a:endParaRPr lang="en-US" sz="5400" b="0" cap="none" spc="0" dirty="0">
-              <a:ln w="0"/>
-              <a:solidFill>
-                <a:schemeClr val="tx1"/>
-              </a:solidFill>
-              <a:effectLst>
-                <a:outerShdw blurRad="38100" dist="19050" dir="2700000" algn="tl" rotWithShape="0">
-                  <a:schemeClr val="dk1">
-                    <a:alpha val="40000"/>
-                  </a:schemeClr>
-                </a:outerShdw>
-              </a:effectLst>
-            </a:endParaRPr>
-          </a:p>
-        </p:txBody>
-      </p:sp>
-      <p:pic>
-        <p:nvPicPr>
-          <p:cNvPr id="1026" name="Picture 2" descr="Newton's Colour Wheel"/>
-          <p:cNvPicPr>
-            <a:picLocks noChangeAspect="1" noChangeArrowheads="1"/>
-          </p:cNvPicPr>
-          <p:nvPr/>
-        </p:nvPicPr>
-        <p:blipFill>
-          <a:blip r:embed="rId2">
-            <a:extLst>
-              <a:ext uri="{28A0092B-C50C-407E-A947-70E740481C1C}">
-                <a14:useLocalDpi xmlns:a14="http://schemas.microsoft.com/office/drawing/2010/main" val="0"/>
-              </a:ext>
-            </a:extLst>
-          </a:blip>
-          <a:srcRect/>
-          <a:stretch>
-            <a:fillRect/>
-          </a:stretch>
-        </p:blipFill>
-        <p:spPr bwMode="auto">
-          <a:xfrm>
-            <a:off x="3690838" y="1542914"/>
-            <a:ext cx="4697779" cy="4517864"/>
-          </a:xfrm>
-          <a:prstGeom prst="rect">
-            <a:avLst/>
-          </a:prstGeom>
-          <a:noFill/>
-          <a:extLst>
-            <a:ext uri="{909E8E84-426E-40DD-AFC4-6F175D3DCCD1}">
-              <a14:hiddenFill xmlns:a14="http://schemas.microsoft.com/office/drawing/2010/main">
-                <a:solidFill>
-                  <a:srgbClr val="FFFFFF"/>
-                </a:solidFill>
-              </a14:hiddenFill>
-            </a:ext>
-          </a:extLst>
-        </p:spPr>
-      </p:pic>
-    </p:spTree>
-    <p:extLst>
-      <p:ext uri="{BB962C8B-B14F-4D97-AF65-F5344CB8AC3E}">
-        <p14:creationId xmlns:p14="http://schemas.microsoft.com/office/powerpoint/2010/main" val="958192436"/>
-      </p:ext>
-    </p:extLst>
-  </p:cSld>
-  <p:clrMapOvr>
-    <a:masterClrMapping/>
-  </p:clrMapOvr>
-</p:sld>
-</file>
-
-<file path=ppt/slides/slide40.xml><?xml version="1.0" encoding="utf-8"?>
+<file path=ppt/slides/slide42.xml><?xml version="1.0" encoding="utf-8"?>
 <p:sld xmlns:a="http://schemas.openxmlformats.org/drawingml/2006/main" xmlns:r="http://schemas.openxmlformats.org/officeDocument/2006/relationships" xmlns:p="http://schemas.openxmlformats.org/presentationml/2006/main">
   <p:cSld>
     <p:spTree>
@@ -35596,7 +35912,7 @@
 </p:sld>
 </file>
 
-<file path=ppt/slides/slide41.xml><?xml version="1.0" encoding="utf-8"?>
+<file path=ppt/slides/slide43.xml><?xml version="1.0" encoding="utf-8"?>
 <p:sld xmlns:a="http://schemas.openxmlformats.org/drawingml/2006/main" xmlns:r="http://schemas.openxmlformats.org/officeDocument/2006/relationships" xmlns:p="http://schemas.openxmlformats.org/presentationml/2006/main">
   <p:cSld>
     <p:spTree>
@@ -35691,7 +36007,7 @@
 </p:sld>
 </file>
 
-<file path=ppt/slides/slide42.xml><?xml version="1.0" encoding="utf-8"?>
+<file path=ppt/slides/slide44.xml><?xml version="1.0" encoding="utf-8"?>
 <p:sld xmlns:a="http://schemas.openxmlformats.org/drawingml/2006/main" xmlns:r="http://schemas.openxmlformats.org/officeDocument/2006/relationships" xmlns:p="http://schemas.openxmlformats.org/presentationml/2006/main">
   <p:cSld>
     <p:spTree>
@@ -35776,7 +36092,7 @@
 </p:sld>
 </file>
 
-<file path=ppt/slides/slide43.xml><?xml version="1.0" encoding="utf-8"?>
+<file path=ppt/slides/slide45.xml><?xml version="1.0" encoding="utf-8"?>
 <p:sld xmlns:a="http://schemas.openxmlformats.org/drawingml/2006/main" xmlns:r="http://schemas.openxmlformats.org/officeDocument/2006/relationships" xmlns:p="http://schemas.openxmlformats.org/presentationml/2006/main">
   <p:cSld>
     <p:spTree>
@@ -35861,150 +36177,6 @@
 </p:sld>
 </file>
 
-<file path=ppt/slides/slide44.xml><?xml version="1.0" encoding="utf-8"?>
-<p:sld xmlns:a="http://schemas.openxmlformats.org/drawingml/2006/main" xmlns:r="http://schemas.openxmlformats.org/officeDocument/2006/relationships" xmlns:p="http://schemas.openxmlformats.org/presentationml/2006/main">
-  <p:cSld>
-    <p:spTree>
-      <p:nvGrpSpPr>
-        <p:cNvPr id="1" name=""/>
-        <p:cNvGrpSpPr/>
-        <p:nvPr/>
-      </p:nvGrpSpPr>
-      <p:grpSpPr>
-        <a:xfrm>
-          <a:off x="0" y="0"/>
-          <a:ext cx="0" cy="0"/>
-          <a:chOff x="0" y="0"/>
-          <a:chExt cx="0" cy="0"/>
-        </a:xfrm>
-      </p:grpSpPr>
-      <p:sp>
-        <p:nvSpPr>
-          <p:cNvPr id="2" name="Title 1"/>
-          <p:cNvSpPr>
-            <a:spLocks noGrp="1"/>
-          </p:cNvSpPr>
-          <p:nvPr>
-            <p:ph type="title"/>
-          </p:nvPr>
-        </p:nvSpPr>
-        <p:spPr/>
-        <p:txBody>
-          <a:bodyPr/>
-          <a:lstStyle/>
-          <a:p>
-            <a:r>
-              <a:rPr lang="en-US" dirty="0" smtClean="0"/>
-              <a:t>Charging and Discharging of Capacitor with Resistors with various values</a:t>
-            </a:r>
-            <a:endParaRPr lang="en-US" dirty="0"/>
-          </a:p>
-        </p:txBody>
-      </p:sp>
-      <p:sp>
-        <p:nvSpPr>
-          <p:cNvPr id="3" name="Content Placeholder 2"/>
-          <p:cNvSpPr>
-            <a:spLocks noGrp="1"/>
-          </p:cNvSpPr>
-          <p:nvPr>
-            <p:ph idx="1"/>
-          </p:nvPr>
-        </p:nvSpPr>
-        <p:spPr/>
-        <p:txBody>
-          <a:bodyPr/>
-          <a:lstStyle/>
-          <a:p>
-            <a:endParaRPr lang="en-US" dirty="0"/>
-          </a:p>
-        </p:txBody>
-      </p:sp>
-    </p:spTree>
-    <p:extLst>
-      <p:ext uri="{BB962C8B-B14F-4D97-AF65-F5344CB8AC3E}">
-        <p14:creationId xmlns:p14="http://schemas.microsoft.com/office/powerpoint/2010/main" val="2534672285"/>
-      </p:ext>
-    </p:extLst>
-  </p:cSld>
-  <p:clrMapOvr>
-    <a:masterClrMapping/>
-  </p:clrMapOvr>
-</p:sld>
-</file>
-
-<file path=ppt/slides/slide45.xml><?xml version="1.0" encoding="utf-8"?>
-<p:sld xmlns:a="http://schemas.openxmlformats.org/drawingml/2006/main" xmlns:r="http://schemas.openxmlformats.org/officeDocument/2006/relationships" xmlns:p="http://schemas.openxmlformats.org/presentationml/2006/main">
-  <p:cSld>
-    <p:spTree>
-      <p:nvGrpSpPr>
-        <p:cNvPr id="1" name=""/>
-        <p:cNvGrpSpPr/>
-        <p:nvPr/>
-      </p:nvGrpSpPr>
-      <p:grpSpPr>
-        <a:xfrm>
-          <a:off x="0" y="0"/>
-          <a:ext cx="0" cy="0"/>
-          <a:chOff x="0" y="0"/>
-          <a:chExt cx="0" cy="0"/>
-        </a:xfrm>
-      </p:grpSpPr>
-      <p:sp>
-        <p:nvSpPr>
-          <p:cNvPr id="2" name="Title 1"/>
-          <p:cNvSpPr>
-            <a:spLocks noGrp="1"/>
-          </p:cNvSpPr>
-          <p:nvPr>
-            <p:ph type="title"/>
-          </p:nvPr>
-        </p:nvSpPr>
-        <p:spPr/>
-        <p:txBody>
-          <a:bodyPr/>
-          <a:lstStyle/>
-          <a:p>
-            <a:r>
-              <a:rPr lang="en-US" dirty="0" smtClean="0"/>
-              <a:t>NPN Transistor</a:t>
-            </a:r>
-            <a:endParaRPr lang="en-US" dirty="0"/>
-          </a:p>
-        </p:txBody>
-      </p:sp>
-      <p:sp>
-        <p:nvSpPr>
-          <p:cNvPr id="3" name="Content Placeholder 2"/>
-          <p:cNvSpPr>
-            <a:spLocks noGrp="1"/>
-          </p:cNvSpPr>
-          <p:nvPr>
-            <p:ph idx="1"/>
-          </p:nvPr>
-        </p:nvSpPr>
-        <p:spPr/>
-        <p:txBody>
-          <a:bodyPr/>
-          <a:lstStyle/>
-          <a:p>
-            <a:endParaRPr lang="en-US" dirty="0"/>
-          </a:p>
-        </p:txBody>
-      </p:sp>
-    </p:spTree>
-    <p:extLst>
-      <p:ext uri="{BB962C8B-B14F-4D97-AF65-F5344CB8AC3E}">
-        <p14:creationId xmlns:p14="http://schemas.microsoft.com/office/powerpoint/2010/main" val="3027278837"/>
-      </p:ext>
-    </p:extLst>
-  </p:cSld>
-  <p:clrMapOvr>
-    <a:masterClrMapping/>
-  </p:clrMapOvr>
-</p:sld>
-</file>
-
 <file path=ppt/slides/slide46.xml><?xml version="1.0" encoding="utf-8"?>
 <p:sld xmlns:a="http://schemas.openxmlformats.org/drawingml/2006/main" xmlns:r="http://schemas.openxmlformats.org/officeDocument/2006/relationships" xmlns:p="http://schemas.openxmlformats.org/presentationml/2006/main">
   <p:cSld>
@@ -36039,7 +36211,7 @@
           <a:p>
             <a:r>
               <a:rPr lang="en-US" dirty="0" smtClean="0"/>
-              <a:t>PNP Transistor</a:t>
+              <a:t>Charging and Discharging of Capacitor with Resistors with various values</a:t>
             </a:r>
             <a:endParaRPr lang="en-US" dirty="0"/>
           </a:p>
@@ -36060,14 +36232,14 @@
           <a:bodyPr/>
           <a:lstStyle/>
           <a:p>
-            <a:endParaRPr lang="en-US"/>
+            <a:endParaRPr lang="en-US" dirty="0"/>
           </a:p>
         </p:txBody>
       </p:sp>
     </p:spTree>
     <p:extLst>
       <p:ext uri="{BB962C8B-B14F-4D97-AF65-F5344CB8AC3E}">
-        <p14:creationId xmlns:p14="http://schemas.microsoft.com/office/powerpoint/2010/main" val="2504155492"/>
+        <p14:creationId xmlns:p14="http://schemas.microsoft.com/office/powerpoint/2010/main" val="2534672285"/>
       </p:ext>
     </p:extLst>
   </p:cSld>
@@ -36111,7 +36283,7 @@
           <a:p>
             <a:r>
               <a:rPr lang="en-US" dirty="0" smtClean="0"/>
-              <a:t>Transistor Types NPN and PNP</a:t>
+              <a:t>NPN Transistor</a:t>
             </a:r>
             <a:endParaRPr lang="en-US" dirty="0"/>
           </a:p>
@@ -36132,14 +36304,14 @@
           <a:bodyPr/>
           <a:lstStyle/>
           <a:p>
-            <a:endParaRPr lang="en-US"/>
+            <a:endParaRPr lang="en-US" dirty="0"/>
           </a:p>
         </p:txBody>
       </p:sp>
     </p:spTree>
     <p:extLst>
       <p:ext uri="{BB962C8B-B14F-4D97-AF65-F5344CB8AC3E}">
-        <p14:creationId xmlns:p14="http://schemas.microsoft.com/office/powerpoint/2010/main" val="3010003187"/>
+        <p14:creationId xmlns:p14="http://schemas.microsoft.com/office/powerpoint/2010/main" val="3027278837"/>
       </p:ext>
     </p:extLst>
   </p:cSld>
@@ -36183,7 +36355,7 @@
           <a:p>
             <a:r>
               <a:rPr lang="en-US" dirty="0" smtClean="0"/>
-              <a:t> Identifying the type of Bipolar Junction Transistor</a:t>
+              <a:t>PNP Transistor</a:t>
             </a:r>
             <a:endParaRPr lang="en-US" dirty="0"/>
           </a:p>
@@ -36204,14 +36376,14 @@
           <a:bodyPr/>
           <a:lstStyle/>
           <a:p>
-            <a:endParaRPr lang="en-US" dirty="0"/>
+            <a:endParaRPr lang="en-US"/>
           </a:p>
         </p:txBody>
       </p:sp>
     </p:spTree>
     <p:extLst>
       <p:ext uri="{BB962C8B-B14F-4D97-AF65-F5344CB8AC3E}">
-        <p14:creationId xmlns:p14="http://schemas.microsoft.com/office/powerpoint/2010/main" val="2533232830"/>
+        <p14:creationId xmlns:p14="http://schemas.microsoft.com/office/powerpoint/2010/main" val="2504155492"/>
       </p:ext>
     </p:extLst>
   </p:cSld>
@@ -36255,7 +36427,7 @@
           <a:p>
             <a:r>
               <a:rPr lang="en-US" dirty="0" smtClean="0"/>
-              <a:t>AC Generator</a:t>
+              <a:t>Transistor Types NPN and PNP</a:t>
             </a:r>
             <a:endParaRPr lang="en-US" dirty="0"/>
           </a:p>
@@ -36283,7 +36455,7 @@
     </p:spTree>
     <p:extLst>
       <p:ext uri="{BB962C8B-B14F-4D97-AF65-F5344CB8AC3E}">
-        <p14:creationId xmlns:p14="http://schemas.microsoft.com/office/powerpoint/2010/main" val="1582731245"/>
+        <p14:creationId xmlns:p14="http://schemas.microsoft.com/office/powerpoint/2010/main" val="3010003187"/>
       </p:ext>
     </p:extLst>
   </p:cSld>
@@ -38355,6 +38527,150 @@
 </file>
 
 <file path=ppt/slides/slide50.xml><?xml version="1.0" encoding="utf-8"?>
+<p:sld xmlns:a="http://schemas.openxmlformats.org/drawingml/2006/main" xmlns:r="http://schemas.openxmlformats.org/officeDocument/2006/relationships" xmlns:p="http://schemas.openxmlformats.org/presentationml/2006/main">
+  <p:cSld>
+    <p:spTree>
+      <p:nvGrpSpPr>
+        <p:cNvPr id="1" name=""/>
+        <p:cNvGrpSpPr/>
+        <p:nvPr/>
+      </p:nvGrpSpPr>
+      <p:grpSpPr>
+        <a:xfrm>
+          <a:off x="0" y="0"/>
+          <a:ext cx="0" cy="0"/>
+          <a:chOff x="0" y="0"/>
+          <a:chExt cx="0" cy="0"/>
+        </a:xfrm>
+      </p:grpSpPr>
+      <p:sp>
+        <p:nvSpPr>
+          <p:cNvPr id="2" name="Title 1"/>
+          <p:cNvSpPr>
+            <a:spLocks noGrp="1"/>
+          </p:cNvSpPr>
+          <p:nvPr>
+            <p:ph type="title"/>
+          </p:nvPr>
+        </p:nvSpPr>
+        <p:spPr/>
+        <p:txBody>
+          <a:bodyPr/>
+          <a:lstStyle/>
+          <a:p>
+            <a:r>
+              <a:rPr lang="en-US" dirty="0" smtClean="0"/>
+              <a:t> Identifying the type of Bipolar Junction Transistor</a:t>
+            </a:r>
+            <a:endParaRPr lang="en-US" dirty="0"/>
+          </a:p>
+        </p:txBody>
+      </p:sp>
+      <p:sp>
+        <p:nvSpPr>
+          <p:cNvPr id="3" name="Content Placeholder 2"/>
+          <p:cNvSpPr>
+            <a:spLocks noGrp="1"/>
+          </p:cNvSpPr>
+          <p:nvPr>
+            <p:ph idx="1"/>
+          </p:nvPr>
+        </p:nvSpPr>
+        <p:spPr/>
+        <p:txBody>
+          <a:bodyPr/>
+          <a:lstStyle/>
+          <a:p>
+            <a:endParaRPr lang="en-US" dirty="0"/>
+          </a:p>
+        </p:txBody>
+      </p:sp>
+    </p:spTree>
+    <p:extLst>
+      <p:ext uri="{BB962C8B-B14F-4D97-AF65-F5344CB8AC3E}">
+        <p14:creationId xmlns:p14="http://schemas.microsoft.com/office/powerpoint/2010/main" val="2533232830"/>
+      </p:ext>
+    </p:extLst>
+  </p:cSld>
+  <p:clrMapOvr>
+    <a:masterClrMapping/>
+  </p:clrMapOvr>
+</p:sld>
+</file>
+
+<file path=ppt/slides/slide51.xml><?xml version="1.0" encoding="utf-8"?>
+<p:sld xmlns:a="http://schemas.openxmlformats.org/drawingml/2006/main" xmlns:r="http://schemas.openxmlformats.org/officeDocument/2006/relationships" xmlns:p="http://schemas.openxmlformats.org/presentationml/2006/main">
+  <p:cSld>
+    <p:spTree>
+      <p:nvGrpSpPr>
+        <p:cNvPr id="1" name=""/>
+        <p:cNvGrpSpPr/>
+        <p:nvPr/>
+      </p:nvGrpSpPr>
+      <p:grpSpPr>
+        <a:xfrm>
+          <a:off x="0" y="0"/>
+          <a:ext cx="0" cy="0"/>
+          <a:chOff x="0" y="0"/>
+          <a:chExt cx="0" cy="0"/>
+        </a:xfrm>
+      </p:grpSpPr>
+      <p:sp>
+        <p:nvSpPr>
+          <p:cNvPr id="2" name="Title 1"/>
+          <p:cNvSpPr>
+            <a:spLocks noGrp="1"/>
+          </p:cNvSpPr>
+          <p:nvPr>
+            <p:ph type="title"/>
+          </p:nvPr>
+        </p:nvSpPr>
+        <p:spPr/>
+        <p:txBody>
+          <a:bodyPr/>
+          <a:lstStyle/>
+          <a:p>
+            <a:r>
+              <a:rPr lang="en-US" dirty="0" smtClean="0"/>
+              <a:t>AC Generator</a:t>
+            </a:r>
+            <a:endParaRPr lang="en-US" dirty="0"/>
+          </a:p>
+        </p:txBody>
+      </p:sp>
+      <p:sp>
+        <p:nvSpPr>
+          <p:cNvPr id="3" name="Content Placeholder 2"/>
+          <p:cNvSpPr>
+            <a:spLocks noGrp="1"/>
+          </p:cNvSpPr>
+          <p:nvPr>
+            <p:ph idx="1"/>
+          </p:nvPr>
+        </p:nvSpPr>
+        <p:spPr/>
+        <p:txBody>
+          <a:bodyPr/>
+          <a:lstStyle/>
+          <a:p>
+            <a:endParaRPr lang="en-US"/>
+          </a:p>
+        </p:txBody>
+      </p:sp>
+    </p:spTree>
+    <p:extLst>
+      <p:ext uri="{BB962C8B-B14F-4D97-AF65-F5344CB8AC3E}">
+        <p14:creationId xmlns:p14="http://schemas.microsoft.com/office/powerpoint/2010/main" val="1582731245"/>
+      </p:ext>
+    </p:extLst>
+  </p:cSld>
+  <p:clrMapOvr>
+    <a:masterClrMapping/>
+  </p:clrMapOvr>
+</p:sld>
+</file>
+
+<file path=ppt/slides/slide52.xml><?xml version="1.0" encoding="utf-8"?>
 <p:sld xmlns:a="http://schemas.openxmlformats.org/drawingml/2006/main" xmlns:r="http://schemas.openxmlformats.org/officeDocument/2006/relationships" xmlns:p="http://schemas.openxmlformats.org/presentationml/2006/main">
   <p:cSld>
     <p:spTree>

--- a/Documents/projects for schools.pptx
+++ b/Documents/projects for schools.pptx
@@ -31,32 +31,33 @@
     <p:sldId id="282" r:id="rId25"/>
     <p:sldId id="302" r:id="rId26"/>
     <p:sldId id="298" r:id="rId27"/>
-    <p:sldId id="303" r:id="rId28"/>
-    <p:sldId id="304" r:id="rId29"/>
-    <p:sldId id="290" r:id="rId30"/>
-    <p:sldId id="305" r:id="rId31"/>
-    <p:sldId id="306" r:id="rId32"/>
-    <p:sldId id="307" r:id="rId33"/>
-    <p:sldId id="308" r:id="rId34"/>
-    <p:sldId id="309" r:id="rId35"/>
-    <p:sldId id="310" r:id="rId36"/>
-    <p:sldId id="268" r:id="rId37"/>
-    <p:sldId id="269" r:id="rId38"/>
-    <p:sldId id="270" r:id="rId39"/>
-    <p:sldId id="272" r:id="rId40"/>
-    <p:sldId id="274" r:id="rId41"/>
-    <p:sldId id="275" r:id="rId42"/>
-    <p:sldId id="279" r:id="rId43"/>
-    <p:sldId id="284" r:id="rId44"/>
-    <p:sldId id="285" r:id="rId45"/>
-    <p:sldId id="286" r:id="rId46"/>
-    <p:sldId id="287" r:id="rId47"/>
-    <p:sldId id="292" r:id="rId48"/>
-    <p:sldId id="293" r:id="rId49"/>
-    <p:sldId id="294" r:id="rId50"/>
-    <p:sldId id="295" r:id="rId51"/>
-    <p:sldId id="296" r:id="rId52"/>
-    <p:sldId id="299" r:id="rId53"/>
+    <p:sldId id="311" r:id="rId28"/>
+    <p:sldId id="303" r:id="rId29"/>
+    <p:sldId id="304" r:id="rId30"/>
+    <p:sldId id="290" r:id="rId31"/>
+    <p:sldId id="305" r:id="rId32"/>
+    <p:sldId id="306" r:id="rId33"/>
+    <p:sldId id="307" r:id="rId34"/>
+    <p:sldId id="308" r:id="rId35"/>
+    <p:sldId id="309" r:id="rId36"/>
+    <p:sldId id="310" r:id="rId37"/>
+    <p:sldId id="268" r:id="rId38"/>
+    <p:sldId id="269" r:id="rId39"/>
+    <p:sldId id="270" r:id="rId40"/>
+    <p:sldId id="272" r:id="rId41"/>
+    <p:sldId id="274" r:id="rId42"/>
+    <p:sldId id="275" r:id="rId43"/>
+    <p:sldId id="279" r:id="rId44"/>
+    <p:sldId id="284" r:id="rId45"/>
+    <p:sldId id="285" r:id="rId46"/>
+    <p:sldId id="286" r:id="rId47"/>
+    <p:sldId id="287" r:id="rId48"/>
+    <p:sldId id="292" r:id="rId49"/>
+    <p:sldId id="293" r:id="rId50"/>
+    <p:sldId id="294" r:id="rId51"/>
+    <p:sldId id="295" r:id="rId52"/>
+    <p:sldId id="296" r:id="rId53"/>
+    <p:sldId id="299" r:id="rId54"/>
   </p:sldIdLst>
   <p:sldSz cx="12192000" cy="6858000"/>
   <p:notesSz cx="6858000" cy="9947275"/>
@@ -157,7 +158,7 @@
   </p:defaultTextStyle>
   <p:extLst>
     <p:ext uri="{EFAFB233-063F-42B5-8137-9DF3F51BA10A}">
-      <p15:sldGuideLst xmlns:p15="http://schemas.microsoft.com/office/powerpoint/2012/main">
+      <p15:sldGuideLst xmlns:p15="http://schemas.microsoft.com/office/powerpoint/2012/main" xmlns="">
         <p15:guide id="1" orient="horz" pos="2160">
           <p15:clr>
             <a:srgbClr val="A4A3A4"/>
@@ -306,7 +307,7 @@
             <a:fld id="{30FEA4BD-71B3-41DD-B9FF-6FB8DBE50051}" type="datetimeFigureOut">
               <a:rPr lang="en-US" smtClean="0"/>
               <a:pPr/>
-              <a:t>1/2/2015</a:t>
+              <a:t>12/24/2014</a:t>
             </a:fld>
             <a:endParaRPr lang="en-US"/>
           </a:p>
@@ -358,7 +359,7 @@
     </p:spTree>
     <p:extLst>
       <p:ext uri="{BB962C8B-B14F-4D97-AF65-F5344CB8AC3E}">
-        <p14:creationId xmlns:p14="http://schemas.microsoft.com/office/powerpoint/2010/main" val="2783986648"/>
+        <p14:creationId xmlns:p14="http://schemas.microsoft.com/office/powerpoint/2010/main" xmlns="" val="2783986648"/>
       </p:ext>
     </p:extLst>
   </p:cSld>
@@ -478,7 +479,7 @@
             <a:fld id="{30FEA4BD-71B3-41DD-B9FF-6FB8DBE50051}" type="datetimeFigureOut">
               <a:rPr lang="en-US" smtClean="0"/>
               <a:pPr/>
-              <a:t>1/2/2015</a:t>
+              <a:t>12/24/2014</a:t>
             </a:fld>
             <a:endParaRPr lang="en-US"/>
           </a:p>
@@ -530,7 +531,7 @@
     </p:spTree>
     <p:extLst>
       <p:ext uri="{BB962C8B-B14F-4D97-AF65-F5344CB8AC3E}">
-        <p14:creationId xmlns:p14="http://schemas.microsoft.com/office/powerpoint/2010/main" val="1553657408"/>
+        <p14:creationId xmlns:p14="http://schemas.microsoft.com/office/powerpoint/2010/main" xmlns="" val="1553657408"/>
       </p:ext>
     </p:extLst>
   </p:cSld>
@@ -660,7 +661,7 @@
             <a:fld id="{30FEA4BD-71B3-41DD-B9FF-6FB8DBE50051}" type="datetimeFigureOut">
               <a:rPr lang="en-US" smtClean="0"/>
               <a:pPr/>
-              <a:t>1/2/2015</a:t>
+              <a:t>12/24/2014</a:t>
             </a:fld>
             <a:endParaRPr lang="en-US"/>
           </a:p>
@@ -712,7 +713,7 @@
     </p:spTree>
     <p:extLst>
       <p:ext uri="{BB962C8B-B14F-4D97-AF65-F5344CB8AC3E}">
-        <p14:creationId xmlns:p14="http://schemas.microsoft.com/office/powerpoint/2010/main" val="2190105155"/>
+        <p14:creationId xmlns:p14="http://schemas.microsoft.com/office/powerpoint/2010/main" xmlns="" val="2190105155"/>
       </p:ext>
     </p:extLst>
   </p:cSld>
@@ -832,7 +833,7 @@
             <a:fld id="{30FEA4BD-71B3-41DD-B9FF-6FB8DBE50051}" type="datetimeFigureOut">
               <a:rPr lang="en-US" smtClean="0"/>
               <a:pPr/>
-              <a:t>1/2/2015</a:t>
+              <a:t>12/24/2014</a:t>
             </a:fld>
             <a:endParaRPr lang="en-US"/>
           </a:p>
@@ -884,7 +885,7 @@
     </p:spTree>
     <p:extLst>
       <p:ext uri="{BB962C8B-B14F-4D97-AF65-F5344CB8AC3E}">
-        <p14:creationId xmlns:p14="http://schemas.microsoft.com/office/powerpoint/2010/main" val="3388913498"/>
+        <p14:creationId xmlns:p14="http://schemas.microsoft.com/office/powerpoint/2010/main" xmlns="" val="3388913498"/>
       </p:ext>
     </p:extLst>
   </p:cSld>
@@ -1080,7 +1081,7 @@
             <a:fld id="{30FEA4BD-71B3-41DD-B9FF-6FB8DBE50051}" type="datetimeFigureOut">
               <a:rPr lang="en-US" smtClean="0"/>
               <a:pPr/>
-              <a:t>1/2/2015</a:t>
+              <a:t>12/24/2014</a:t>
             </a:fld>
             <a:endParaRPr lang="en-US"/>
           </a:p>
@@ -1132,7 +1133,7 @@
     </p:spTree>
     <p:extLst>
       <p:ext uri="{BB962C8B-B14F-4D97-AF65-F5344CB8AC3E}">
-        <p14:creationId xmlns:p14="http://schemas.microsoft.com/office/powerpoint/2010/main" val="3998476502"/>
+        <p14:creationId xmlns:p14="http://schemas.microsoft.com/office/powerpoint/2010/main" xmlns="" val="3998476502"/>
       </p:ext>
     </p:extLst>
   </p:cSld>
@@ -1314,7 +1315,7 @@
             <a:fld id="{30FEA4BD-71B3-41DD-B9FF-6FB8DBE50051}" type="datetimeFigureOut">
               <a:rPr lang="en-US" smtClean="0"/>
               <a:pPr/>
-              <a:t>1/2/2015</a:t>
+              <a:t>12/24/2014</a:t>
             </a:fld>
             <a:endParaRPr lang="en-US"/>
           </a:p>
@@ -1366,7 +1367,7 @@
     </p:spTree>
     <p:extLst>
       <p:ext uri="{BB962C8B-B14F-4D97-AF65-F5344CB8AC3E}">
-        <p14:creationId xmlns:p14="http://schemas.microsoft.com/office/powerpoint/2010/main" val="1557806308"/>
+        <p14:creationId xmlns:p14="http://schemas.microsoft.com/office/powerpoint/2010/main" xmlns="" val="1557806308"/>
       </p:ext>
     </p:extLst>
   </p:cSld>
@@ -1683,7 +1684,7 @@
             <a:fld id="{30FEA4BD-71B3-41DD-B9FF-6FB8DBE50051}" type="datetimeFigureOut">
               <a:rPr lang="en-US" smtClean="0"/>
               <a:pPr/>
-              <a:t>1/2/2015</a:t>
+              <a:t>12/24/2014</a:t>
             </a:fld>
             <a:endParaRPr lang="en-US"/>
           </a:p>
@@ -1735,7 +1736,7 @@
     </p:spTree>
     <p:extLst>
       <p:ext uri="{BB962C8B-B14F-4D97-AF65-F5344CB8AC3E}">
-        <p14:creationId xmlns:p14="http://schemas.microsoft.com/office/powerpoint/2010/main" val="1969040822"/>
+        <p14:creationId xmlns:p14="http://schemas.microsoft.com/office/powerpoint/2010/main" xmlns="" val="1969040822"/>
       </p:ext>
     </p:extLst>
   </p:cSld>
@@ -1803,7 +1804,7 @@
             <a:fld id="{30FEA4BD-71B3-41DD-B9FF-6FB8DBE50051}" type="datetimeFigureOut">
               <a:rPr lang="en-US" smtClean="0"/>
               <a:pPr/>
-              <a:t>1/2/2015</a:t>
+              <a:t>12/24/2014</a:t>
             </a:fld>
             <a:endParaRPr lang="en-US"/>
           </a:p>
@@ -1855,7 +1856,7 @@
     </p:spTree>
     <p:extLst>
       <p:ext uri="{BB962C8B-B14F-4D97-AF65-F5344CB8AC3E}">
-        <p14:creationId xmlns:p14="http://schemas.microsoft.com/office/powerpoint/2010/main" val="3785336507"/>
+        <p14:creationId xmlns:p14="http://schemas.microsoft.com/office/powerpoint/2010/main" xmlns="" val="3785336507"/>
       </p:ext>
     </p:extLst>
   </p:cSld>
@@ -1900,7 +1901,7 @@
             <a:fld id="{30FEA4BD-71B3-41DD-B9FF-6FB8DBE50051}" type="datetimeFigureOut">
               <a:rPr lang="en-US" smtClean="0"/>
               <a:pPr/>
-              <a:t>1/2/2015</a:t>
+              <a:t>12/24/2014</a:t>
             </a:fld>
             <a:endParaRPr lang="en-US"/>
           </a:p>
@@ -1952,7 +1953,7 @@
     </p:spTree>
     <p:extLst>
       <p:ext uri="{BB962C8B-B14F-4D97-AF65-F5344CB8AC3E}">
-        <p14:creationId xmlns:p14="http://schemas.microsoft.com/office/powerpoint/2010/main" val="3909500765"/>
+        <p14:creationId xmlns:p14="http://schemas.microsoft.com/office/powerpoint/2010/main" xmlns="" val="3909500765"/>
       </p:ext>
     </p:extLst>
   </p:cSld>
@@ -2179,7 +2180,7 @@
             <a:fld id="{30FEA4BD-71B3-41DD-B9FF-6FB8DBE50051}" type="datetimeFigureOut">
               <a:rPr lang="en-US" smtClean="0"/>
               <a:pPr/>
-              <a:t>1/2/2015</a:t>
+              <a:t>12/24/2014</a:t>
             </a:fld>
             <a:endParaRPr lang="en-US"/>
           </a:p>
@@ -2231,7 +2232,7 @@
     </p:spTree>
     <p:extLst>
       <p:ext uri="{BB962C8B-B14F-4D97-AF65-F5344CB8AC3E}">
-        <p14:creationId xmlns:p14="http://schemas.microsoft.com/office/powerpoint/2010/main" val="3015402253"/>
+        <p14:creationId xmlns:p14="http://schemas.microsoft.com/office/powerpoint/2010/main" xmlns="" val="3015402253"/>
       </p:ext>
     </p:extLst>
   </p:cSld>
@@ -2434,7 +2435,7 @@
             <a:fld id="{30FEA4BD-71B3-41DD-B9FF-6FB8DBE50051}" type="datetimeFigureOut">
               <a:rPr lang="en-US" smtClean="0"/>
               <a:pPr/>
-              <a:t>1/2/2015</a:t>
+              <a:t>12/24/2014</a:t>
             </a:fld>
             <a:endParaRPr lang="en-US"/>
           </a:p>
@@ -2486,7 +2487,7 @@
     </p:spTree>
     <p:extLst>
       <p:ext uri="{BB962C8B-B14F-4D97-AF65-F5344CB8AC3E}">
-        <p14:creationId xmlns:p14="http://schemas.microsoft.com/office/powerpoint/2010/main" val="2612029614"/>
+        <p14:creationId xmlns:p14="http://schemas.microsoft.com/office/powerpoint/2010/main" xmlns="" val="2612029614"/>
       </p:ext>
     </p:extLst>
   </p:cSld>
@@ -2649,7 +2650,7 @@
             <a:fld id="{30FEA4BD-71B3-41DD-B9FF-6FB8DBE50051}" type="datetimeFigureOut">
               <a:rPr lang="en-US" smtClean="0"/>
               <a:pPr/>
-              <a:t>1/2/2015</a:t>
+              <a:t>12/24/2014</a:t>
             </a:fld>
             <a:endParaRPr lang="en-US"/>
           </a:p>
@@ -2737,7 +2738,7 @@
     </p:spTree>
     <p:extLst>
       <p:ext uri="{BB962C8B-B14F-4D97-AF65-F5344CB8AC3E}">
-        <p14:creationId xmlns:p14="http://schemas.microsoft.com/office/powerpoint/2010/main" val="1714597555"/>
+        <p14:creationId xmlns:p14="http://schemas.microsoft.com/office/powerpoint/2010/main" xmlns="" val="1714597555"/>
       </p:ext>
     </p:extLst>
   </p:cSld>
@@ -5925,7 +5926,7 @@
     </p:spTree>
     <p:extLst>
       <p:ext uri="{BB962C8B-B14F-4D97-AF65-F5344CB8AC3E}">
-        <p14:creationId xmlns:p14="http://schemas.microsoft.com/office/powerpoint/2010/main" val="2097960034"/>
+        <p14:creationId xmlns:p14="http://schemas.microsoft.com/office/powerpoint/2010/main" xmlns="" val="2097960034"/>
       </p:ext>
     </p:extLst>
   </p:cSld>
@@ -7799,7 +7800,7 @@
     </p:spTree>
     <p:extLst>
       <p:ext uri="{BB962C8B-B14F-4D97-AF65-F5344CB8AC3E}">
-        <p14:creationId xmlns:p14="http://schemas.microsoft.com/office/powerpoint/2010/main" val="831023563"/>
+        <p14:creationId xmlns:p14="http://schemas.microsoft.com/office/powerpoint/2010/main" xmlns="" val="831023563"/>
       </p:ext>
     </p:extLst>
   </p:cSld>
@@ -7868,7 +7869,7 @@
           <a:blip r:embed="rId2">
             <a:extLst>
               <a:ext uri="{28A0092B-C50C-407E-A947-70E740481C1C}">
-                <a14:useLocalDpi xmlns:a14="http://schemas.microsoft.com/office/drawing/2010/main" val="0"/>
+                <a14:useLocalDpi xmlns:a14="http://schemas.microsoft.com/office/drawing/2010/main" xmlns="" val="0"/>
               </a:ext>
             </a:extLst>
           </a:blip>
@@ -7888,7 +7889,7 @@
           <a:noFill/>
           <a:extLst>
             <a:ext uri="{909E8E84-426E-40DD-AFC4-6F175D3DCCD1}">
-              <a14:hiddenFill xmlns:a14="http://schemas.microsoft.com/office/drawing/2010/main">
+              <a14:hiddenFill xmlns:a14="http://schemas.microsoft.com/office/drawing/2010/main" xmlns="">
                 <a:solidFill>
                   <a:srgbClr val="FFFFFF"/>
                 </a:solidFill>
@@ -7900,7 +7901,7 @@
     </p:spTree>
     <p:extLst>
       <p:ext uri="{BB962C8B-B14F-4D97-AF65-F5344CB8AC3E}">
-        <p14:creationId xmlns:p14="http://schemas.microsoft.com/office/powerpoint/2010/main" val="4073497930"/>
+        <p14:creationId xmlns:p14="http://schemas.microsoft.com/office/powerpoint/2010/main" xmlns="" val="4073497930"/>
       </p:ext>
     </p:extLst>
   </p:cSld>
@@ -7939,7 +7940,7 @@
           <a:blip r:embed="rId2">
             <a:extLst>
               <a:ext uri="{28A0092B-C50C-407E-A947-70E740481C1C}">
-                <a14:useLocalDpi xmlns:a14="http://schemas.microsoft.com/office/drawing/2010/main" val="0"/>
+                <a14:useLocalDpi xmlns:a14="http://schemas.microsoft.com/office/drawing/2010/main" xmlns="" val="0"/>
               </a:ext>
             </a:extLst>
           </a:blip>
@@ -7959,7 +7960,7 @@
           <a:noFill/>
           <a:extLst>
             <a:ext uri="{909E8E84-426E-40DD-AFC4-6F175D3DCCD1}">
-              <a14:hiddenFill xmlns:a14="http://schemas.microsoft.com/office/drawing/2010/main">
+              <a14:hiddenFill xmlns:a14="http://schemas.microsoft.com/office/drawing/2010/main" xmlns="">
                 <a:solidFill>
                   <a:srgbClr val="FFFFFF"/>
                 </a:solidFill>
@@ -8990,7 +8991,7 @@
     </p:spTree>
     <p:extLst>
       <p:ext uri="{BB962C8B-B14F-4D97-AF65-F5344CB8AC3E}">
-        <p14:creationId xmlns:p14="http://schemas.microsoft.com/office/powerpoint/2010/main" val="1884114993"/>
+        <p14:creationId xmlns:p14="http://schemas.microsoft.com/office/powerpoint/2010/main" xmlns="" val="1884114993"/>
       </p:ext>
     </p:extLst>
   </p:cSld>
@@ -10478,7 +10479,7 @@
     </p:spTree>
     <p:extLst>
       <p:ext uri="{BB962C8B-B14F-4D97-AF65-F5344CB8AC3E}">
-        <p14:creationId xmlns:p14="http://schemas.microsoft.com/office/powerpoint/2010/main" val="1930197798"/>
+        <p14:creationId xmlns:p14="http://schemas.microsoft.com/office/powerpoint/2010/main" xmlns="" val="1930197798"/>
       </p:ext>
     </p:extLst>
   </p:cSld>
@@ -13288,7 +13289,7 @@
     </p:spTree>
     <p:extLst>
       <p:ext uri="{BB962C8B-B14F-4D97-AF65-F5344CB8AC3E}">
-        <p14:creationId xmlns:p14="http://schemas.microsoft.com/office/powerpoint/2010/main" val="795154645"/>
+        <p14:creationId xmlns:p14="http://schemas.microsoft.com/office/powerpoint/2010/main" xmlns="" val="795154645"/>
       </p:ext>
     </p:extLst>
   </p:cSld>
@@ -16098,7 +16099,7 @@
     </p:spTree>
     <p:extLst>
       <p:ext uri="{BB962C8B-B14F-4D97-AF65-F5344CB8AC3E}">
-        <p14:creationId xmlns:p14="http://schemas.microsoft.com/office/powerpoint/2010/main" val="3990639240"/>
+        <p14:creationId xmlns:p14="http://schemas.microsoft.com/office/powerpoint/2010/main" xmlns="" val="3990639240"/>
       </p:ext>
     </p:extLst>
   </p:cSld>
@@ -17472,7 +17473,7 @@
     </p:spTree>
     <p:extLst>
       <p:ext uri="{BB962C8B-B14F-4D97-AF65-F5344CB8AC3E}">
-        <p14:creationId xmlns:p14="http://schemas.microsoft.com/office/powerpoint/2010/main" val="3672048550"/>
+        <p14:creationId xmlns:p14="http://schemas.microsoft.com/office/powerpoint/2010/main" xmlns="" val="3672048550"/>
       </p:ext>
     </p:extLst>
   </p:cSld>
@@ -21499,7 +21500,7 @@
     </p:spTree>
     <p:extLst>
       <p:ext uri="{BB962C8B-B14F-4D97-AF65-F5344CB8AC3E}">
-        <p14:creationId xmlns:p14="http://schemas.microsoft.com/office/powerpoint/2010/main" val="1036446602"/>
+        <p14:creationId xmlns:p14="http://schemas.microsoft.com/office/powerpoint/2010/main" xmlns="" val="1036446602"/>
       </p:ext>
     </p:extLst>
   </p:cSld>
@@ -24285,7 +24286,7 @@
     </p:spTree>
     <p:extLst>
       <p:ext uri="{BB962C8B-B14F-4D97-AF65-F5344CB8AC3E}">
-        <p14:creationId xmlns:p14="http://schemas.microsoft.com/office/powerpoint/2010/main" val="1319828322"/>
+        <p14:creationId xmlns:p14="http://schemas.microsoft.com/office/powerpoint/2010/main" xmlns="" val="1319828322"/>
       </p:ext>
     </p:extLst>
   </p:cSld>
@@ -25658,7 +25659,7 @@
     </p:spTree>
     <p:extLst>
       <p:ext uri="{BB962C8B-B14F-4D97-AF65-F5344CB8AC3E}">
-        <p14:creationId xmlns:p14="http://schemas.microsoft.com/office/powerpoint/2010/main" val="1708002396"/>
+        <p14:creationId xmlns:p14="http://schemas.microsoft.com/office/powerpoint/2010/main" xmlns="" val="1708002396"/>
       </p:ext>
     </p:extLst>
   </p:cSld>
@@ -27317,7 +27318,7 @@
     </p:spTree>
     <p:extLst>
       <p:ext uri="{BB962C8B-B14F-4D97-AF65-F5344CB8AC3E}">
-        <p14:creationId xmlns:p14="http://schemas.microsoft.com/office/powerpoint/2010/main" val="3338868429"/>
+        <p14:creationId xmlns:p14="http://schemas.microsoft.com/office/powerpoint/2010/main" xmlns="" val="3338868429"/>
       </p:ext>
     </p:extLst>
   </p:cSld>
@@ -28885,7 +28886,7 @@
     </p:spTree>
     <p:extLst>
       <p:ext uri="{BB962C8B-B14F-4D97-AF65-F5344CB8AC3E}">
-        <p14:creationId xmlns:p14="http://schemas.microsoft.com/office/powerpoint/2010/main" val="2881063141"/>
+        <p14:creationId xmlns:p14="http://schemas.microsoft.com/office/powerpoint/2010/main" xmlns="" val="2881063141"/>
       </p:ext>
     </p:extLst>
   </p:cSld>
@@ -30331,7 +30332,7 @@
     </p:spTree>
     <p:extLst>
       <p:ext uri="{BB962C8B-B14F-4D97-AF65-F5344CB8AC3E}">
-        <p14:creationId xmlns:p14="http://schemas.microsoft.com/office/powerpoint/2010/main" val="2222222311"/>
+        <p14:creationId xmlns:p14="http://schemas.microsoft.com/office/powerpoint/2010/main" xmlns="" val="2222222311"/>
       </p:ext>
     </p:extLst>
   </p:cSld>
@@ -31224,7 +31225,7 @@
     </p:spTree>
     <p:extLst>
       <p:ext uri="{BB962C8B-B14F-4D97-AF65-F5344CB8AC3E}">
-        <p14:creationId xmlns:p14="http://schemas.microsoft.com/office/powerpoint/2010/main" val="2165115555"/>
+        <p14:creationId xmlns:p14="http://schemas.microsoft.com/office/powerpoint/2010/main" xmlns="" val="2165115555"/>
       </p:ext>
     </p:extLst>
   </p:cSld>
@@ -31300,7 +31301,7 @@
           <a:effectLst/>
           <a:extLst>
             <a:ext uri="{91240B29-F687-4F45-9708-019B960494DF}">
-              <a14:hiddenLine xmlns:a14="http://schemas.microsoft.com/office/drawing/2010/main" w="9525">
+              <a14:hiddenLine xmlns:a14="http://schemas.microsoft.com/office/drawing/2010/main" xmlns="" w="9525">
                 <a:solidFill>
                   <a:schemeClr val="tx1"/>
                 </a:solidFill>
@@ -31310,7 +31311,7 @@
               </a14:hiddenLine>
             </a:ext>
             <a:ext uri="{AF507438-7753-43E0-B8FC-AC1667EBCBE1}">
-              <a14:hiddenEffects xmlns:a14="http://schemas.microsoft.com/office/drawing/2010/main">
+              <a14:hiddenEffects xmlns:a14="http://schemas.microsoft.com/office/drawing/2010/main" xmlns="">
                 <a:effectLst>
                   <a:outerShdw dist="35921" dir="2700000" algn="ctr" rotWithShape="0">
                     <a:schemeClr val="bg2"/>
@@ -31541,7 +31542,7 @@
           <a:blip r:embed="rId3">
             <a:extLst>
               <a:ext uri="{28A0092B-C50C-407E-A947-70E740481C1C}">
-                <a14:useLocalDpi xmlns:a14="http://schemas.microsoft.com/office/drawing/2010/main" val="0"/>
+                <a14:useLocalDpi xmlns:a14="http://schemas.microsoft.com/office/drawing/2010/main" xmlns="" val="0"/>
               </a:ext>
             </a:extLst>
           </a:blip>
@@ -31561,7 +31562,7 @@
           <a:noFill/>
           <a:extLst>
             <a:ext uri="{909E8E84-426E-40DD-AFC4-6F175D3DCCD1}">
-              <a14:hiddenFill xmlns:a14="http://schemas.microsoft.com/office/drawing/2010/main">
+              <a14:hiddenFill xmlns:a14="http://schemas.microsoft.com/office/drawing/2010/main" xmlns="">
                 <a:solidFill>
                   <a:srgbClr val="FFFFFF"/>
                 </a:solidFill>
@@ -31630,7 +31631,7 @@
           <a:blip r:embed="rId4">
             <a:extLst>
               <a:ext uri="{28A0092B-C50C-407E-A947-70E740481C1C}">
-                <a14:useLocalDpi xmlns:a14="http://schemas.microsoft.com/office/drawing/2010/main" val="0"/>
+                <a14:useLocalDpi xmlns:a14="http://schemas.microsoft.com/office/drawing/2010/main" xmlns="" val="0"/>
               </a:ext>
             </a:extLst>
           </a:blip>
@@ -31650,7 +31651,7 @@
           <a:noFill/>
           <a:extLst>
             <a:ext uri="{909E8E84-426E-40DD-AFC4-6F175D3DCCD1}">
-              <a14:hiddenFill xmlns:a14="http://schemas.microsoft.com/office/drawing/2010/main">
+              <a14:hiddenFill xmlns:a14="http://schemas.microsoft.com/office/drawing/2010/main" xmlns="">
                 <a:solidFill>
                   <a:srgbClr val="FFFFFF"/>
                 </a:solidFill>
@@ -31662,7 +31663,7 @@
     </p:spTree>
     <p:extLst>
       <p:ext uri="{BB962C8B-B14F-4D97-AF65-F5344CB8AC3E}">
-        <p14:creationId xmlns:p14="http://schemas.microsoft.com/office/powerpoint/2010/main" val="4250650777"/>
+        <p14:creationId xmlns:p14="http://schemas.microsoft.com/office/powerpoint/2010/main" xmlns="" val="4250650777"/>
       </p:ext>
     </p:extLst>
   </p:cSld>
@@ -31701,7 +31702,7 @@
           <a:blip r:embed="rId2">
             <a:extLst>
               <a:ext uri="{28A0092B-C50C-407E-A947-70E740481C1C}">
-                <a14:useLocalDpi xmlns:a14="http://schemas.microsoft.com/office/drawing/2010/main" val="0"/>
+                <a14:useLocalDpi xmlns:a14="http://schemas.microsoft.com/office/drawing/2010/main" xmlns="" val="0"/>
               </a:ext>
             </a:extLst>
           </a:blip>
@@ -31721,7 +31722,7 @@
           <a:noFill/>
           <a:extLst>
             <a:ext uri="{909E8E84-426E-40DD-AFC4-6F175D3DCCD1}">
-              <a14:hiddenFill xmlns:a14="http://schemas.microsoft.com/office/drawing/2010/main">
+              <a14:hiddenFill xmlns:a14="http://schemas.microsoft.com/office/drawing/2010/main" xmlns="">
                 <a:solidFill>
                   <a:srgbClr val="FFFFFF"/>
                 </a:solidFill>
@@ -31788,7 +31789,7 @@
     </p:spTree>
     <p:extLst>
       <p:ext uri="{BB962C8B-B14F-4D97-AF65-F5344CB8AC3E}">
-        <p14:creationId xmlns:p14="http://schemas.microsoft.com/office/powerpoint/2010/main" val="982217179"/>
+        <p14:creationId xmlns:p14="http://schemas.microsoft.com/office/powerpoint/2010/main" xmlns="" val="982217179"/>
       </p:ext>
     </p:extLst>
   </p:cSld>
@@ -31827,7 +31828,7 @@
           <a:blip r:embed="rId2">
             <a:extLst>
               <a:ext uri="{28A0092B-C50C-407E-A947-70E740481C1C}">
-                <a14:useLocalDpi xmlns:a14="http://schemas.microsoft.com/office/drawing/2010/main" val="0"/>
+                <a14:useLocalDpi xmlns:a14="http://schemas.microsoft.com/office/drawing/2010/main" xmlns="" val="0"/>
               </a:ext>
             </a:extLst>
           </a:blip>
@@ -31847,7 +31848,7 @@
           <a:noFill/>
           <a:extLst>
             <a:ext uri="{909E8E84-426E-40DD-AFC4-6F175D3DCCD1}">
-              <a14:hiddenFill xmlns:a14="http://schemas.microsoft.com/office/drawing/2010/main">
+              <a14:hiddenFill xmlns:a14="http://schemas.microsoft.com/office/drawing/2010/main" xmlns="">
                 <a:solidFill>
                   <a:srgbClr val="FFFFFF"/>
                 </a:solidFill>
@@ -31902,7 +31903,7 @@
     </p:spTree>
     <p:extLst>
       <p:ext uri="{BB962C8B-B14F-4D97-AF65-F5344CB8AC3E}">
-        <p14:creationId xmlns:p14="http://schemas.microsoft.com/office/powerpoint/2010/main" val="4204690468"/>
+        <p14:creationId xmlns:p14="http://schemas.microsoft.com/office/powerpoint/2010/main" xmlns="" val="4204690468"/>
       </p:ext>
     </p:extLst>
   </p:cSld>
@@ -31913,6 +31914,117 @@
 </file>
 
 <file path=ppt/slides/slide27.xml><?xml version="1.0" encoding="utf-8"?>
+<p:sld xmlns:a="http://schemas.openxmlformats.org/drawingml/2006/main" xmlns:r="http://schemas.openxmlformats.org/officeDocument/2006/relationships" xmlns:p="http://schemas.openxmlformats.org/presentationml/2006/main">
+  <p:cSld>
+    <p:spTree>
+      <p:nvGrpSpPr>
+        <p:cNvPr id="1" name=""/>
+        <p:cNvGrpSpPr/>
+        <p:nvPr/>
+      </p:nvGrpSpPr>
+      <p:grpSpPr>
+        <a:xfrm>
+          <a:off x="0" y="0"/>
+          <a:ext cx="0" cy="0"/>
+          <a:chOff x="0" y="0"/>
+          <a:chExt cx="0" cy="0"/>
+        </a:xfrm>
+      </p:grpSpPr>
+      <p:sp>
+        <p:nvSpPr>
+          <p:cNvPr id="1028" name="AutoShape 4" descr="data:image/jpeg;base64,/9j/4AAQSkZJRgABAQAAAQABAAD/2wCEAAkGBxATEhUUExQVFhQVFxgYGBYVGRsYHBwXGBcfFxgYGB0cKCogHSElIBodIzEhJSkrMi4uGyIzODMsOCgtLisBCgoKDg0OGxAQGzQkICQsLCwsMC8yMTAwNCwsMjQvLCwtMiwyLCwvLCwsLCwsLCwsLywsLCwvLCwsLCwsLDQsLP/AABEIANwA5gMBEQACEQEDEQH/xAAbAAEAAwEBAQEAAAAAAAAAAAAABAUGAwECB//EAEUQAAIBAgMCCQkGBgEDBQEAAAECAwARBBIhBTEGEyIzQVFhkdEUFRYyU1RxcpMjQlKBwdIkVWKSlKGxgqLiRHOywvBD/8QAGAEBAAMBAAAAAAAAAAAAAAAAAAECAwT/xAAzEQACAQIDBgUEAwEAAgMAAAAAAQIDERIhMRNBUVKRoWFxgeHwIjKxwQQU0fFCYiMkM//aAAwDAQACEQMRAD8A/WtlbOhaFGaNSxUEki5J6zQErzVh/ZJ3UA81Yf2Sd1APNWH9kndQDzVh/ZJ3UA81Yf2Sd1APNWH9kndQDzVh/ZJ3UA81Yf2Sd1APNWH9kndQDzVh/ZJ3UA81Yf2Sd1APNWH9kndQDzVh/ZJ3UA81Yf2Sd1APNWH9kndQDzVh/ZJ3UA81Yf2Sd1APNWH9kndQDzVh/ZJ3UA81Yf2Sd1APNWH9kndQDzVh/ZJ3UA81Yf2Sd1APNWH9kndQDzVh/ZJ3UA81Yf2Sd1APNWH9kndQFNwnwscaKY1CEtYldNLbqAudi8xH8ooCbQCgFAKAUAoBQCgFAZDZ/lKMBNFLJM+Ne7hmVUgzM0TgjkmMIqKU/EdRe5oDh522qIMO5jLSysDIggYBFE0aODyiQeLMjDTW28WysBAxO1do4qORUViqz5c8aspUwbTWKwP3wYVdntuy/wBVqAktitpMwbJIpIwQZlR9VGNkWcZDdR9llY2XNZt9gAALrB47HPh8QxURzLxgjV0cgOrOEJtziEBDdbnU/AAVZ2ltS7uI3XNHgssbR51VnxLpijdbElY8rdGljYaigPrHbW2rHLNHHDxojjmKPxbKHdcPA0Ot8vKlacWB+4BpvIH3icftFXZ0zyR8VAyAwMl82LImzJ62dYMumlyCQu9aA8g2ptVgTxQuuHnkCGMrnmSV1iizE2TMoU/nfSgNHsSeR4VaS+ZrnVGjIB3BlaxBG46DdQE+gFAKAUAoBQCgFAZ/hjzafP8AoaAs9i8xH8ooCbQCgFAKAUAoBQCgFAKAUBzggRBZFVQSSQoAFybk6dJPTQHSgFAKAUAoBQCgFAKAUAoBQCgFAKAz/DHm0+f9DQFnsXmI/lFATaAUAoBQCgFAKAUAoBQHLETBACellX+4hf1oD4x2J4tc1r3ZFA3au4QXPVdqAiptYFYmK2WSJpCb7rZNO2+ffcbu3QDmu3ouLidrjjY8/J5YABRSLjfZpFH50BLwO0ElvlDCwB5QtoSy/wDKmgOyzAuydKqrX+YsP/rQHWgFAKAUAoBQCgFAKAUAoDP8MebT5/0NAWexeYj+UUBNoBQCgFAKAUAoBQCgFAQNshuLGQgNxkdiwLAHOLXAIJH5igOOEgxhjAnkw7PrmyxNlOptYF+q2+gOq4SUG4MAIvqIjfWwP3+wdwoD5kwMjWzcQbCwvCTYaGw5Wg0HcOqgPUwky3yGBSRbSIjrIvZusnvoDjsRMSGYYl4nl4uPMYUZF9aTcGZj+d/yFAW9AKAUBnFw+OVZCLtN5QWDl+QcO04OVVvYOsPJF1AzLe5uSQPqQ7UCDSIvxkd8u7i+LBk9a3/9LqOnLY0BGCbVWMquXMPVLFWJBUkXJPrBtCLWylbG4agO2Mw+0DESrfaieR11UDi8jiJT0FQSlwddCeo0B5m2tmNxFbPpktquZ7et0FeK7b5+jLQHuzE2iJgZbFGc8YLrYARgAx7yFzA8m1yGuSCLEDSUAoDP8MebT5/0NAWexeYj+UUBNoBQCgFAKAUAoBQCgFAZvhFtlxIIIIxJImSR7tlAAbMBuNybfkCN9Rd7it3uO2z+FuDdLvNDE4JVo5JEBDA2O8i46jbwqm1ho2upTbQWTkk/Mk+kuA97w31o/Gm1p8y6jb0uZdUPSXAe94b60fjTa0+ZdRt6XMuqPl+E+zwCfK8PoL6SoT+QBufhTbU+ZdRt6XMupS4ThU3GCZ4guHlyIsge59Y2Yi1vv62OlumrKWV9xZSusW42NWLigFAKA5YiYIL6knQAbyTuA/8A2m86CgGGRgOUbsTc23DsXsH+9/TQHuJizIy/iUjvFqA+MBNnijf8SK3eoNAd6AUAoDP8MebT5/0NAWexeYj+UUBNoBQCgFAKAUAoBQEHa+1Egi4xtbkBQPvM2igePVeobIbsZ88K8TcReSfxEh+zXjBksBcs7EAgAC9gDeqTlJLJXM6k5xWSu2fB4JYpnM7Yu2JcWfLH9mF6FRbg6fiJJNVhTknibz7FYUpp4pO77Fzs3g3hokymNJGJLM7opLMd53afCr4I8DRU470SvM+F9hD9NfCpwR4DZx4DzPhfYQ/TXwpgjwGzjwPJNiYRgQYIrEEHkKNDp0CmCPAOnB7jPHgMGtHJOzYdTdI1XIwI3csHo7AL1WVNSWF6FJUlOOF6Hd02jgwSrjGQKLlZCEmVRvs/qvYXPKsaztUhp9S7mdqtPT6l39zh6asAJWw5XDG32me7AHpKAW06QG761cmlexs5NK7Rfjb2D95g+onjTaQ4obWnzLqPP2D95g+qnjTaQ4obWnzLqU+yNqASzPicXhGUu3EKki3SInTMSQCxFju03XNNpDihtafMupM2nwpw0aji5I5ZGYKiJIpux6yL2Hbao2kdExtYaJq/mNi8IDKzRzR8VKql8oOe6AgEjQG4uNLdI31e+5lk87M78Ftowz4aNoXDooyBlvYlOSbE7928VJYtqAUAoDP8MebT5/0NAWexeYj+UUBXT7QxCyYklHywgNCiozCVBEHY5lVjmL5kyjUZVNjmFwIU+3cayAphmSzQXzK5JDzlJBly7giliQTbMPiQPnGcKcYiZhs+Ym1yozEj7KVyvJU3N4kUW0vMoNjoQJe2tuYmObiosM7i0ZMuVyozTxRsNFsSEkd9DpxR7bARl4S4wgfwMi3BJzZ9DaE5eSp1BlcHdfiGI0NwBb7K2lLKJC0DxlSMobTMCoa4J6ibG4FiDvFiQJH8QfZJ/dJf/wCFv90B75Gx9aWQ9gsg/LKA3+6AqIOBuEjwzQRAoGkMuYksRIWzZtejW1tNL9JvUNXIauVOC4MYp249sS6TxM6RkxDLlUlSWVibhhuIIsD01i4ynmnZowlCc3iTs10LBuEeIwwtjoCBuE+Hu8ZO4Ag8qMk2GulzvqVUlF2mvVBVZxdpx9Vp7HmF4X8tRiIRBHIbJIZAwJ6M2gy36wTqfzq7lh+40c8Ocsl5l157wnvEH1E8abSHFDaw5l1HnvCe8QfUTxptIcUNrDmXUee8J7xB9RPGm0hxQ2sOZdSr2pwtjR1jw4XESkZsqyAALe2rANr2AdGttLxtE3aOZG1TeGLT9SC+2cZjc0GHiWGwtPLKQ4TMPVjUeubdJAHZVJupJ4Yq3iUqOpJ4Iq3F/wCHCDgG4XiWxJbDXuVKnOesBs1l+IHjVo02o4blo0mo4b+u80no3gPdMN9GPwqdjT5V0J2FLlXRD0bwHumG+jH4U2NPlXQbClyroh6N4D3TDfRj8KbGnyroNhS5V0RD2nwRwjqOKiihkVgySJEosw3XAtcdl99j0U2UFmkug2FNZqKv5ECHgbLmM5xbrirZRLGoC5fwujE5xexOo3DqqsqWJ4k7MpOg5Sxp2Z5FtTEYFRFPhoyrMwjkwxCo0jFpCGRtUJNySLjU0jKonaS9UIzqJ4ZK/iv2Wew+EBmcxSxcTLlLBc2cFQQCQbDXUaW6a1Te82TejL2pLCgM/wAMebT5/wBDQFnsXmI/lFATaAUAoBQCgPmRAwIO49RI/wBjUUBFGEdfUla3Qsg4wd+jn82NAOPmX1o8w642B/Mq1iPgM1AcptuYZDGskgRpXEaLIChZyCQoDWOtjbrOm8igKGPhGYmlSPDu6pNLxjGQG13JJXs19U2tu6KzhfOy3syhfOy3vefM7YnaaFUHk+DbfIwBlkyn7i6hBcesdd1qzeOpksl3MpbSrkvpXf04HuF4HOzIMVKk0URuiZN9hYZ7k6dY6f8AnRwxJKRq6eJJSzSLr0Y2f7ph/pJ4U2VPlXQbClyroPRjZ/umH+knhTZU+VdBsKXKug9GNn+6Yf6SeFNlT5V0Gwpcq6FLt7gmqHyjBLFFMikZQqqrDsOgVtTyukaGqumofVFK5V0oweOEVfp/w+sPsPH4UtLBJFMz2MsUi5AxHTG4uVPY1x8KSVRPFHoJRqp4otPw9zq/DIDkNhplxPRC4sD1ssmqsvRca9lTGpiytZkwrYnazT8f9JuyOEkUuZZbQSpbMjuNxvYqdL7uoW7r3xJZMvjSdpZFj5zw/tov718aY48ScceI854f20X96+NMceIxx4jznh/bRf3r40xx4jHHiUWI4YAO3FwtLChKvKrAag8rKOn8yL/DWilfNEKV80QcXg8VtRFY2w2GHLi+9K5KkK7WNkWzbgb1jadXPRd/Y57VK2f2rv7FtsLg/JHJx08gklylFKggBSQTe5JJ0GtbpPedKT3mgqSwoDP8MebT5/0NAWexeYj+UUBNoBQCgFAKAUAoBQETH7Mgmy8dFHJkOZeMUPlbrF9x7aAyOL2FimdzCyImInkWQAhiou32gN9SbXybwW6hpisSVktW/wDpgsSVktW9+niTcJhcfgUCRhcXh13KLRzKL3Nvuyf6JqEqkP8A2XcqlVp/+y7+50fhpG2kMMsjj142HFsnY2bp+Fx21eNTEsjSFXGrxXXIt9m7agmQOHC6kFWIBVhoQdatiRdTRK8ti9on9wqcS4jEuI8ti9on9wpiXEYlxK/b+LhOHlu0LDIbrI9lI6QxGvdVKjWFlKsouD0KtuGqjlNh5uLPNsuVi5OigKDvPxNTKVlexMpuMcVuhGxWxMfi3TESMmHeK/Ewjl2DWvxzjeTYaAWFvjWajUlLE8vD/TKMaspY5ZW3f6TNm8D4iWkxaxTzPa5KXVQL+rfeTfU6dGmmt3TjJ3kjR0Yyd5JMn+iezvdYPprTY0+VEf16XKug9E9ne6wfTWmxp8qH9elyroPRPZ3usH01psafKh/Xpcq6Gex3BOSN+Jw7BMNiHbOAhvHyS2pBtbTKDpa4GtVwYVhismRs1FYIrJlhDs7H4JQuHYYqBQAIZbJIqjoSQDKfgwFVUalP7c146lFCrT+14lwevU8HDQHVcNNZSRJmyqUZTZha+trdYrWMnJXsbQm5K9uppsJiUkRZEN1cBlPWCLirp3Lp3OtCTP8ADHm0+f8AQ0BZ7F5iP5RQE2gFAKAUAoBQCgFAKAoY41PF8mA2xkp5LkWP2gzf1Sa8pest1Vilppq/33MEllp9z/ffiX1bG5m9t7BnaYz4Z0V3AVxJexA0uCL620tbo6KrmtCtmtDzZ/AnBKn2sMcshJZnZd5JubdQqmxg82jP+vTebirkn0P2d7rD/aKbCnyj+vS5UPQ/Z3usP9opsKfKP69LlRB23wT2esEhWDDxm1g7LYLmOW9xqDrp22qs6NPC8kUqfx6Si8kVi8EMW54kzLHDh2VoWVL5iBmF1JtYHeL6kVLhJrCsrfNCXTk1hj9NuH+FsdvYrDaY2C8Y/wDU4cF0t1yJ66dp1FRtZQ+9ZcURtp0//wBFlxX7B4Zw5riOQwe3FsvzWve3++ytcWV9xtiyvuNGJ0/EveKm6LXQ45PxDvFLoXQ45PxDvFLoXRTcItpxwmByHf7RgBGwHKMT2DA+sD/o2PRVJPNfNxnNrFHz/RC9LpHtHFhZDiWuQjFQoUWu7v0KLjS1zuqJzkskrsipUlHJRu30K6Dgjj1Zz5RF9uS0y5WCqWYseLXp1O8kVFOE45t3v0XkRThUjnJ3v0XkbLZuCWGJIk9VFCi+/TpPxrVKxslZEmpJM/wx5tPn/Q0BZbHP8PH08gaUBEwnCXDvFHIxKLKyRgMNRM7ZOJbLcBlYhTra+l9KA+U4V4NsOcRHJnjGgsrBixiEyqFIBuUYNu3G9AdoOEOGYqAxLOwQKqO3L1uCVBGljc7hlNzoaAjjhPF5R5OVcSZ3j1tYuqpIoGv30csvZG97FSKA8x3C7BxxNJnLWWUhQrBmMMRmdBmAAbIpNiRQE/D7ZwzqWEq2DshLHLy0NmXW1yDppQH35wU6KsjnsRgD8Gay/wC6A94+Y+rEB/7jgH/sDD/dAV+08BjpGiMeJWFVkvIEjDFo7G6XckXJy8rKLa/CgOcbqeL1w5/jJRqpXUcYLJ1yjpPTyjWPDTV/vv7mHDT7n+9PH3L+tjcUAoBQCgIO2nAhYlgmqDMy5xq4Hq9N93Ze9VnoUqP6TzBRgTTnKouyXYNctaMC7L9227t31EVmxFfUyfVy5in4Hz2OHWSMYQ9YPGAdVtxI3Xv+XRVHG6w7jNxbjh3FoOBGzPdo/wDfjVP69PgU/q0uU99Cdme6x/78af16fAf1aXKPQnZnusf+/Gn9enwH9WlylZtngVhbxeTwRxvnJzk6DKjMAVvdgSBu1G/oIqrowTVkUf8AHpqScYrUk8G9kSOzYjE2MhDxBQCBlWSxJvYm5QEabvjprFuWbN4tyzeRfea4PZrVy5XY3ZP8RhynFrEBLxqFSS/JGTKb2Wx11Bv2UBb4fCxpfIoW++3ZQFLwx5tPn/Q0BZ7F5iP5RQCXZOHbKGijIVzIt1GkhfjC4/qL8q/XrQFftHCYHDQBWgUQtJGpVEB5RCwqbDWwUKumuUWt0UB8HaezIiGzxLZiwI3ZmRrsLaerG9yPwtfpoDrDtXBviSlhxqlSrFRymtInIO8lQJAT1E676A6ng1gcoXyaHKAQBkFgGTi2A+Kck9htQHeLJEWCQuMzZmKgcprBb3vc6KB8AB0UB08tPspe4eNAPLT7KXuHjQDy0+yl7h40BnNhbaOIRGYGMjGyoOOiXlW4yyxFeoDnCATlPXWWls9/+5GOlrve/wB5eZrq1NhQCgFAKAhbYkKxEhmXlJylXOdZFFrdu7sBvVZ6FJvI+cEBx0+kd8yXyHl82Oc6j1dlqiOrEfufzqT6uXFAKAUAoCBj1HG4fSPR3tnNmH2T82Ok9fZeqS1RnL7o/N24+tkKRHqJB9pLzpu3Otb/AKfw/wBNqQ06k09PV6+fy3gTauXI03OR/B/0oCTQGf4Y82nz/oaAs9i8xH8ooCbQHDGYOOVcsi5hcG2o1BuCLdVAQJ+DWCcENAhB6N33XQgW3C0ji39Z66A6x7EwwfOIxmzBr3PrAswNr20LsR1ZjQFjQCgFAKA+XYAEkgAC5J0AA3k0BlsDwggkkSNMRIX8pfRojylPGEIpItkAsQwN7KL2vWOLTN68PM51LTN6vd55GrrY6BQCgIO1drwYdQ0z5QdwAZieuyqCfzt01DdiG0jtgMbHMgeNgynp1H5EHUHsNE7hO5y2uTxWnGXzx8163OLf8vxf03qJ6Fan29ND5wTgzTi6GzJcKtmH2Y9c/ePV2WqI6sR+5k+rlxQCgFAKAgY9hxuH1j1d7Bxdj9k/NnoPX2XqktUUl90fm7ce7HjKxkFCn2kpyls51lY3v23vbovbopBWXUU1ZaWzf5IvCfNxaZc3r6hOMuRkfT7PU9HZp8KuXJz+vH8G/wCBQEqgM/wx5tPn/Q0BZ7F5iP5RQE2gFAKAUAoBQCgKzaG38LC4SWQKx6LE2v8AisDl/O1RdEOSKThDtgYpJMJgwZpGFnkU2ijF78t9xJ/CtydaxlVxfTDN9jnnWxfTTzfZef8AhRR4LE4hoEaOWERTcW80Nr50VsxG8gXW2bdqN9RO80lnrnYTvUio3azza8P0ab0Tb3/H/VX9tTsHzMf1nzy6+w9E29/x/wBVf202D5n1H9Z88uvsPRNvf8f9Vf202D5n1H9Z88uvsVe0ODmIglWeN58WApUpK6sRc3BF7Ajs336+iY03CV7tkwpOEr4mz3Y8O0cJxkpgEsczZ2iRgJY7C2g9R9LaA30FQ3Ui27XXchurGTla67+5O2hwswTwk53DLJFmi1jlW0ik3W2awtcgA3AI6aOrGSy6byXWjNWWuWW/UtNh7SjnaZ45c65kAGQpl5A0JIBa+/Xde1aRd2zSErtltVzQUAoCrxXCHCRycU8qh+ka2HzNbKv5kVGJFcSLSpLEDHyWlw4zhczuMpTNmtExsG+5a179NrdNUk80Zyf1Rz+WGxEAiICqv2kxsjZxczMSb9Z3kdBJHRSGnX8imrR9X+SFwlxAGRCuGe7Kcs7AEXYIWVTvAVm1GutrG9XNCzl5yP4P/wACgJNAZ/hjzafP+hoCz2LzEfyigJtAKAUAoBQCgFAYbauzsVHNPkgM4nYsji3JJFrNci1t191rflTNFLtJo67C2qcBEkGMhaEAm06jPExZr6suqHW3KHRvrKNXBlNW8dxzxrbPKoreO755kjE7ewyCJ3mkZTinKlT90Z1uQt88Q3A/KeipxJ2ebz+ehfGnZq7z3evY1GHnSRQ6MGVhcMpuDW6dzdO+h0oSKAUBTLwpwJZl49OSLkm4Ww6mPJb8iapjjqU2kbXuZDbe0pJ5RjYIGbCwoQ8kgyh0vmLRqSGIHX/qsdq28SX073/hzbZt44r6d7fDwJPB7YWIllxEjSYnC5jGBGmVbjLe5uCD63xGt6nA5Tbu1oW2bnNvE1oXvozL7/jP7o/2VbZPmZbYS532/wAHozL7/jP7o/2U2T5mNhLnfb/B6My+/wCM/uj/AGU2T5mNhLnfb/DNy7DxkQlw6xvMZXZlxDZSAGN7tut236b2vUxTjG18yYxlCLjdt+JdYLbU2DjSLGwsEjVUGJivJGQotmkFs6HTpFUVRwVpr1WhRVZU1aovVaexMxfCTCcZBbErZmJOSzKQUYDjG3IL2PxArTEnZpmrmm008vmpY7EtxWnFc5LzPq863X978X9V6mGnXTzJp/bu1enn8ucdsYhkYZYsxcZcwEhPSLXRGta51aw1+NXNCW4s8fwb/gUBKoDP8MebT5/0NAWexeYj+UUBNoBQCgFAKAUAoDnPMqKWdgqqLlmNgB2mgbsVMvCfAcUztPGUGhB3m/QFOpv2DXWqSqRiryM51YRV5MwuGheCSWdcHIuGnfLGjqA4diFXkC2VSTZRbq1rCk8N3aybOehLBd4bRby43fhw4F9sTgpixGS2LngLuz8UmQhQxuAbg69JtV9lJtvE0X2M228TV/IsPRnE/wAxxXcnhTZS5mTsZ877D0ZxP8xxXcnhTZS5mNjPnfY4Y7gpinjdRtDEEsrCzZLG4tZrC9vhUSoyaaxMrL+PNxaxszp2Vi2gGHGFcvHYl3yKHym+XN6p6ha/bVnfBa1389C7vs8Nru2/5Y00/CqBopYy0mFxAja0ciWcEA2MankybtAp1qrrRaa0fzqUf8iLi19rtv8A1xJeF25hhipojKeMLIAHbkXyAZY+gG+hW98160UlifxGsZLE/i9PmpfVoaigFAccXio40LyMFUb2Y2FQ3YhuxUz8LcCI+M44MCcoRQS7MdyqnrEn4VSVWMVdmc60IK79+hicPDikZ42whUYp3MA5IZcxZyGscqkLrbS1jVKcmspK3AzpTkspK19Fv4+RueCEGTCRpmRymdCyAqLrIynfvIIsT0kE9NXp/b1NKP29dPMua0NSNNzkfwf9KAk0Bn+GPNp8/wChoCz2LzEfyigJtAKAUAoBQCgFAUnC/ASzQAR3JSRXKD76re666dIPxWqsrLczJwriBiI8V5BIYYQQVCgSZiPXRGsWtpu66yqSd08N0uphVlK6ajdLr3LvZm28PLG3FSGNvKgWRuW9mnF8yNqitu/pB7KiNSMlk7Z/siFWMo/S7Z+uv77F9gtsYaZikUqOy7wrAn4jrHaK3TTOlSTJ1SSKAUBF2htGGBQ0sioCbDMbXPZ11DdiG0jPcL9pYCSDi3+3eVTxSQKJZNR66b8tvxHq6d1YV5QccLz8tTm/kTpuOGWbe5ZsymHwOJMRwTYdlxOUEuLEKrE5WZ91uSem9wRvqYtuOF5OxMZNwwPKVvnga8cHcd/Mpvpx+FNlPn/A2NTnfRHvo9jv5lN9OPwpsp8/4Gxqc76Iej2O/mU304/Cmynz/gbGpzvois27wcx2VH8qlxIjkDmIoikgAglbbzra3UTbWmzmmm5XGymmm5t+iIuAhxgxPlkeDJjVCnFNaOTlEFmjDb7AdNr30vSbliUkrruJueJSirpej7l5HwrwsskQ41oXVm4yGVMjACJjZ83qgaHMCQSAOmirRk0r28PQL+RCUkk7Pg/IsuDu0I5oyUmEtnkuQApAMjFQV+FgD94C/TWkHka03da8fAtauaEPEzKJolLKGYPlUkAmwBNhvNuygJlAZ/hjzafP+hoCz2LzEfyigJtAKAUAoBQCgFAKAUBiuEWwYpYJGWFRPx5CPEczEtLY526AQTmB0W56q55QjrbO+7zOWdOLWK2d93n8uQMPs/ETyRLFHLhWha7zNHboIOXMLNfdpca9VaTvLKLt88TSac1aLt6f6aLzJjv5jJ9GHwquznz9kV2VTnfRDzJjv5jJ9GHwps58/ZDZVOd9EPMmO/mMn0YfCmznz9kNlU530RR7X2Vi4Z1mlaXGR5MmVY1uDcnVUG7W9wOjXopGMoyu5X9P8EYThK8pNry/wgYWc4SHFNicLMgxAYrLGBcLlyrGzDlRnpGYWBNZTnhxOUdd6+ZGNSpgxOcbX3r5dG0i2xh+Mkk8oQxCKI/dyi7yDNxnSWtbL0Zf6q3U03k+B0xnFybTysv2WWDxkUq54nV1P3lIIv1aVdO5omnod6kkUAoCFiNrYaOQRvNGsjWsjMAdd2nb0ddRiRDkkYzhvjUxLxphIziJ4ZCzMi3RQEa6NJ131yg62tvtXPUqJyWBXa7HJVqpzWBYmui9STwVheafyhEaCIRvGQRa75gCAG32Km5I0OnXbZSUs0dEZKeaNd5O/tW7k8KuaEafZAeSOVnYyRZ8jZUuucANbTpAoCbDGwvdy3xAFu4CgKThjzafP+hoCz2LzEfyigJtAKAUAoBQCgFAKAUBRhbxnKAf4q58ma26cEmS/T0uOnWst3ru8/lzHd67vP5cs8bj4YQDLIkYOgLsFuey9aNpamraWp3RwwBBBBFwRqCD0ipJPqgFAKAptsY/DyRTwho5ZOLcGHjVQnkm6k35Paeis5tOLWplUacWtctDM7f2EkeK42GBzGqK0sUachixcBlA3tybMANAVPSaqoRjNtLcUjCMKjaW70Omxdk4yR5JYZXwcThQEaJWJK3ucsg5Nr7+n8qSjKUrxlb0JlCcpXjKy8v9LfzJtL+ZN/jw+FNnU5+yI2VXn7IeZNpfzJv8eHwps6nP2Q2VXn7IeZNpfzJv8eHwps6nP2Q2VXn7IzEuzsREZopopcRLK7FJlj5Nm3XI5K/A2y7twFTC8VaTv6FqalFWk7+hrdmbM4iPBRBWvHo5isqZuJYM0g+8Cf8AuINFHDhSQUFHCkunlvLDY0maMnPn+0lGbJk3SsMtv6bZb9Nr9NWg7rr+S1N3Wt83+SdVzQUAoDP8MebT5/0NAWexeYj+UUBNoBQCgFAKAUAoBQHjEAXOgFAZp8fh2gd88MiJilZijiMIBMGDMfvFRyv67aXvWDaw38fLf88znlJYbvj5b/nmZ7G7RM2IbEHDzS4VkCROY21I1uq2vlNycxtfdUwqYne2XEU6uKTaWXEs9g7F2kIuTiuIVnZliaBXKqxuL3Itffl6L9elRgqNtqVvQjBVbbUrLyLHzTtP+YL/AIqfupgq83b3J2dbn7e4807T/mC/4qfupgq83b3Gzrc/b3Oc+x9qFWA2gtyCB/DKutusNcfGjhV5uxDp1rff29zGY3AymAQjDkTRi8skqmOPKurXc8kDtvqKVL7O2vnkKt9lhyb8cv8AhstmcJIjiWWYS4aVo0URzkBCVZ78UdzHlC5B1GXTQ0jVWK0sn4/oQrxx2lk/H9F6Np4fjOK42PjfZ51z9fq3vW2JXtc3xRva5LqSwoBQHxLIqgsxCqBckmwA6yTQN2K2SeKZ8O8WSVVkf7RJBZDxTi9h6975bdF79FZuzaa+ZGbs3FrPP9EjZDEx6lzy5dZBlbSVgBbqG4HpABq0NOpNPTr+SbVi4oBQGf4Y82nz/oaAs9i8xH8ooCbQCgFAKAUAoBQCgKThhhpZMMRHc2ZGZRqWQG7KB09dum1qrIrIwGNZOOhmGDc4aJ04zMjDlE5RZdCxF7ga66Ea1hXkssrq5y/yZK8W43Sep+m7K2rh8QmeCRZF/pOo7GG9T2GtoTjNXizphUjNXi7nXD46F2KpIjMvrKrAkdGoG6rJpllJPRkipJFAKAreEU6JhpSzRKCjAGfmySpsGHSOwXvVKjtF/szqtKD09dCj4UY3BjjDMquJoY1i1EvGPmkyiOMdILA5+nMBfSsqsoK+Lesv+GFadNXxb0rb7+SMhDhpWhWAYaSPFgjKcrDdYqxa1l671ZSvCzVuC/BdScqdmrPcvx5G5Gy9qe/x/wCKv76YKnN2Gzrc/b3PfNe1Pf4/8Vf30wVObsMFbn7e4817U9/j/wAVf30wVObsMFbn7e5U8ItlbRyI0mIGIiSQNJGkAUlQDrYMS3w6L36KjDUTTcuxGCqmm5ZeRVYKd48WmJjwshwwBUKBaTPka7ojEGQhcw0vozdVRUk1NO113K1ZtVFK1139zZcF9sYeaJjHKTleUsJWGdQZGPKG9VtuvuFh0ValOMo5PjqaUKkZRyfHXXUtsLio5BmjdXW9rowYX6ritU09DZNPQ7VJIoDP8MebT5/0NAWexeYj+UUBNoBQCgFAKAUAoBQCgK3bc6ARqWhDGWKwmO+0i+oN+b8PbaqTeS81qZ1GrLTVa+f54GY4dQYS9oVJ2g1sow9xIVJGbjcmmUrcXasauBPJfV4fs56+zUrpXl4fv3KjBwvLJAuDQwzRsONdozZRlIYNe3wy9P8AxebcksLzNZuUksDs+prPN21vfYf8f/yphq83YjBW5l09x5u2t77D/j/+VMNXm7DBW5l09x5u2t77D/j/APlTDV5uwwVuZdPczm3sHio8RHLjXE8AQrdIiAGJ1FhfKTyeUd9rdFRFTjO8nl5ERjUjUvOWVuHz3PjgvjcJhsXK86CHjVQwyyIVAU5gRciyA23m17GqucI1W3wWfUq6lONZt5ZLPqfoxnQLnLLktfNcWt133V0XWp1XVrnsMyuAysGU7ipBB+BFTe4TvofdCRQCgK3aM6CbDqWhDZ2sHPL1icfZdt9D2Xqkn9S+dDObWKOnxbjCcKRAcixYfjMXHNK8iL9q4iLSG8jqDYNdWCm5AIFczcU1aN5Xfxs5JSgpK0byTf71fyxbcEI82JMsKNHBxRV7ggM+YFbXHKI5WvRftrqvd5HZdN3Rt6sXFAZ/hjzafP8AoaAs9i8xH8ooCbQCgFAKAUAoBQCgFAfm23QqTz+UxtJLIx4ghSbrbkKvXYaW67/nS6SdzPEop31/Ja8BsbhYVEEi8RjGuZFmBR3JY2IZvXHVY/lWNKcE7Ws/EwoTpp4bWfB/MzYyzKouzBRuuSBr1a10N2OptLU+6kkUAoBQFZljfETIwhYGKIMvrP60mkgOmTXTtLdlUycmvAzycmnbRfswG2FwaTgYYSSYVCxxKoWaCN9MpG9QfWvbdpWEXCM/p038Ec0HTjUtDTfwX6LLg5Bi3aV8E6RYZsuUSxlgza3K6jotdunTqrR427wasavHKV4NWLzyPa/vOG+i37qYavFdBhrcy6e48j2v7zhvot+6mGrxXQYa3MunuPI9r+84b6Lfuphq8V0GGtzLp7mMxiMjTR4lOMxjuxiIRuUPu5d9x1W9XQdFItqLUrXEW4xalZvPwuX/AAL2thsNEmGmQYae5DF/VlcGxYS3KseggnQ6dFZ0akYrC1Z/N5l/HqQgsElhf59d5tGmQEAsoLbgSLn4dddN0dl0dKkkUBn+GPNp8/6GgLPYvMR/KKAm0AoBQCgFAKAUAoBQCgIm0tmwTpkmjWRephe3aDvB7RVZRUlZorOEZq0lcwW19mxYWYriOMfDZRxHGEvlJ9ZATusRuOtrdVUhFQyv1M4RVPK/lf8ABZcHsNtYQji5IEjzNxazRuWCX5O4iw6h1VW1Xc1YpatnhatuyLLiNse2wf0pP3VNq3FE2r8V0HEbY9tg/pSfupatxQtX4rocsZh9tcW+WbC5srWyxuGvbTKS1geomoarW1RDjXtquhiJo4yiRrDI84YeUiJHDcXe8lx62o0PXeoqNYLNX8vlyKjWzs1fjb5c/S+DuPwckQXCsmRNMijKV7GU2IPxFaU5Qa+k1pTptfQWfGLe1xfqvr3Voa3PqgFAKAGgKSHyY4V+P8mMOeUtaxj51tTm+91/1XtWSw4PqtbPyMFgwPFa2flr89T86wb4X7RTC+VmbyVyrcqMucgQNyiALWqlGcbWSy/JShOFrJWXjv8A2fqWwllGHiE3OhFz333t09vX21vHQ6Y6E6pJM/wx5tPn/Q0BZ7F5iP5RQE2gFAKAUAoBQCgFAKAUAoBQCgFAKAUAoCn2vwbw07ZypjmG6aI8XIP+ob/gb1nOlGWe/iY1KEJ56PitT89kWwKMGO0r6HXOXG4jp7Qd1uyo/wDG2/8AY/8AC2/9mzVNt2HKwP8AbL41S1fiu5nb+Txj3Pcm2/xYD+2bxpavxXcW/k8Y9xk23+LAf2zeNLV+K7i38njHuVPCVNrcUvHnDGDOvGiFZL8XrfNf7vXbs6L0/wDmusVrepFq91iatv1I/BvZWFxGJDRxh8LGpNmvk466hTb1WYLm67adlXlCMmvA1lThOSbV7H6HatTY9oBQGf4Y82nz/oaAs9i8xH8ooDj/ABeU+rmBAG6xFspJ6tRmt1G2+s/rOz/611rbf+fxl556HRDiM+oBS19LXBsDl7dQRf8AqHUan6rlGqGHLXt5/jLwfEj4o4sq6qtrhwpBUW5DZTvuDmy9e41V48zWmv4ylFt6WvrxV93C59O+L0soNi34RcZWyggnffJcg9fRqZ+shR/jb3w48VfdwvuPJmxVtF5S6r6oB+zNg3K/FoRu3EGoeMmC/j3zeT11yzWmXDNb9UztNLiLtlTS+nqnTLv37828fhtY30qzcjOMaFld579ePlpbTx1VhhHxOb7RQBdt1t2ZsvTfcE6PvH8kcV8xVVDD9Dzy/Cvu436dbCrnKKAUAoBQCgFAKAUAoBQHlqA9oBQCgFAeAUB7QCgFAZ/hjzafP+hoCmj4Rzxji1CWTQXBvYHp1oD69K8R1R9x8aAeleI6o+4+NAPSvEdUfcfGgHpXiOqPuPjQD0rxHVH3HxoB6V4jqj7j40A9K8R1R9x8aAeleI6o+4+NAPSvEdUfcfGgHpXiOqPuPjQD0rxHVH3HxoB6V4jqj7j40A9K8R1R9x8aAeleI6o+4+NAPSvEdUfcfGgHpXiOqPuPjQD0rxHVH3HxoB6V4jqj7j40A9K8R1R9x8aAeleI6o+4+NAPSvEdUfcfGgHpXiOqPuPjQD0rxHVH3HxoB6V4jqj7j40A9K8R1R9x8aAeleI6o+4+NAPSvEdUfcfGgOc21pMTZZMoA5Qyi2u7pv10B//Z"/>
+          <p:cNvSpPr>
+            <a:spLocks noChangeAspect="1" noChangeArrowheads="1"/>
+          </p:cNvSpPr>
+          <p:nvPr/>
+        </p:nvSpPr>
+        <p:spPr bwMode="auto">
+          <a:xfrm>
+            <a:off x="155575" y="-144463"/>
+            <a:ext cx="304800" cy="304801"/>
+          </a:xfrm>
+          <a:prstGeom prst="rect">
+            <a:avLst/>
+          </a:prstGeom>
+          <a:noFill/>
+        </p:spPr>
+        <p:txBody>
+          <a:bodyPr vert="horz" wrap="square" lIns="91440" tIns="45720" rIns="91440" bIns="45720" numCol="1" anchor="t" anchorCtr="0" compatLnSpc="1">
+            <a:prstTxWarp prst="textNoShape">
+              <a:avLst/>
+            </a:prstTxWarp>
+          </a:bodyPr>
+          <a:lstStyle/>
+          <a:p>
+            <a:endParaRPr lang="en-US"/>
+          </a:p>
+        </p:txBody>
+      </p:sp>
+      <p:sp>
+        <p:nvSpPr>
+          <p:cNvPr id="1030" name="AutoShape 6" descr="data:image/jpeg;base64,/9j/4AAQSkZJRgABAQAAAQABAAD/2wCEAAkGBxATEhUUExQVFhQVFxgYGBYVGRsYHBwXGBcfFxgYGB0cKCogHSElIBodIzEhJSkrMi4uGyIzODMsOCgtLisBCgoKDg0OGxAQGzQkICQsLCwsMC8yMTAwNCwsMjQvLCwtMiwyLCwvLCwsLCwsLCwsLywsLCwvLCwsLCwsLDQsLP/AABEIANwA5gMBEQACEQEDEQH/xAAbAAEAAwEBAQEAAAAAAAAAAAAABAUGAwECB//EAEUQAAIBAgMCCQkGBgEDBQEAAAECAwARBBIhBTEGEyIzQVFhkdEUFRYyU1RxcpMjQlKBwdIkVWKSlKGxgqLiRHOywvBD/8QAGAEBAAMBAAAAAAAAAAAAAAAAAAECAwT/xAAzEQACAQIDBgUEAwEAAgMAAAAAAQIDERIhMRNBUVKRoWFxgeHwIjKxwQQU0fFCYiMkM//aAAwDAQACEQMRAD8A/WtlbOhaFGaNSxUEki5J6zQErzVh/ZJ3UA81Yf2Sd1APNWH9kndQDzVh/ZJ3UA81Yf2Sd1APNWH9kndQDzVh/ZJ3UA81Yf2Sd1APNWH9kndQDzVh/ZJ3UA81Yf2Sd1APNWH9kndQDzVh/ZJ3UA81Yf2Sd1APNWH9kndQDzVh/ZJ3UA81Yf2Sd1APNWH9kndQDzVh/ZJ3UA81Yf2Sd1APNWH9kndQDzVh/ZJ3UA81Yf2Sd1APNWH9kndQDzVh/ZJ3UA81Yf2Sd1APNWH9kndQFNwnwscaKY1CEtYldNLbqAudi8xH8ooCbQCgFAKAUAoBQCgFAZDZ/lKMBNFLJM+Ne7hmVUgzM0TgjkmMIqKU/EdRe5oDh522qIMO5jLSysDIggYBFE0aODyiQeLMjDTW28WysBAxO1do4qORUViqz5c8aspUwbTWKwP3wYVdntuy/wBVqAktitpMwbJIpIwQZlR9VGNkWcZDdR9llY2XNZt9gAALrB47HPh8QxURzLxgjV0cgOrOEJtziEBDdbnU/AAVZ2ltS7uI3XNHgssbR51VnxLpijdbElY8rdGljYaigPrHbW2rHLNHHDxojjmKPxbKHdcPA0Ot8vKlacWB+4BpvIH3icftFXZ0zyR8VAyAwMl82LImzJ62dYMumlyCQu9aA8g2ptVgTxQuuHnkCGMrnmSV1iizE2TMoU/nfSgNHsSeR4VaS+ZrnVGjIB3BlaxBG46DdQE+gFAKAUAoBQCgFAZ/hjzafP8AoaAs9i8xH8ooCbQCgFAKAUAoBQCgFAKAUBzggRBZFVQSSQoAFybk6dJPTQHSgFAKAUAoBQCgFAKAUAoBQCgFAKAz/DHm0+f9DQFnsXmI/lFATaAUAoBQCgFAKAUAoBQHLETBACellX+4hf1oD4x2J4tc1r3ZFA3au4QXPVdqAiptYFYmK2WSJpCb7rZNO2+ffcbu3QDmu3ouLidrjjY8/J5YABRSLjfZpFH50BLwO0ElvlDCwB5QtoSy/wDKmgOyzAuydKqrX+YsP/rQHWgFAKAUAoBQCgFAKAUAoDP8MebT5/0NAWexeYj+UUBNoBQCgFAKAUAoBQCgFAQNshuLGQgNxkdiwLAHOLXAIJH5igOOEgxhjAnkw7PrmyxNlOptYF+q2+gOq4SUG4MAIvqIjfWwP3+wdwoD5kwMjWzcQbCwvCTYaGw5Wg0HcOqgPUwky3yGBSRbSIjrIvZusnvoDjsRMSGYYl4nl4uPMYUZF9aTcGZj+d/yFAW9AKAUBnFw+OVZCLtN5QWDl+QcO04OVVvYOsPJF1AzLe5uSQPqQ7UCDSIvxkd8u7i+LBk9a3/9LqOnLY0BGCbVWMquXMPVLFWJBUkXJPrBtCLWylbG4agO2Mw+0DESrfaieR11UDi8jiJT0FQSlwddCeo0B5m2tmNxFbPpktquZ7et0FeK7b5+jLQHuzE2iJgZbFGc8YLrYARgAx7yFzA8m1yGuSCLEDSUAoDP8MebT5/0NAWexeYj+UUBNoBQCgFAKAUAoBQCgFAZvhFtlxIIIIxJImSR7tlAAbMBuNybfkCN9Rd7it3uO2z+FuDdLvNDE4JVo5JEBDA2O8i46jbwqm1ho2upTbQWTkk/Mk+kuA97w31o/Gm1p8y6jb0uZdUPSXAe94b60fjTa0+ZdRt6XMuqPl+E+zwCfK8PoL6SoT+QBufhTbU+ZdRt6XMupS4ThU3GCZ4guHlyIsge59Y2Yi1vv62OlumrKWV9xZSusW42NWLigFAKA5YiYIL6knQAbyTuA/8A2m86CgGGRgOUbsTc23DsXsH+9/TQHuJizIy/iUjvFqA+MBNnijf8SK3eoNAd6AUAoDP8MebT5/0NAWexeYj+UUBNoBQCgFAKAUAoBQEHa+1Egi4xtbkBQPvM2igePVeobIbsZ88K8TcReSfxEh+zXjBksBcs7EAgAC9gDeqTlJLJXM6k5xWSu2fB4JYpnM7Yu2JcWfLH9mF6FRbg6fiJJNVhTknibz7FYUpp4pO77Fzs3g3hokymNJGJLM7opLMd53afCr4I8DRU470SvM+F9hD9NfCpwR4DZx4DzPhfYQ/TXwpgjwGzjwPJNiYRgQYIrEEHkKNDp0CmCPAOnB7jPHgMGtHJOzYdTdI1XIwI3csHo7AL1WVNSWF6FJUlOOF6Hd02jgwSrjGQKLlZCEmVRvs/qvYXPKsaztUhp9S7mdqtPT6l39zh6asAJWw5XDG32me7AHpKAW06QG761cmlexs5NK7Rfjb2D95g+onjTaQ4obWnzLqPP2D95g+qnjTaQ4obWnzLqU+yNqASzPicXhGUu3EKki3SInTMSQCxFju03XNNpDihtafMupM2nwpw0aji5I5ZGYKiJIpux6yL2Hbao2kdExtYaJq/mNi8IDKzRzR8VKql8oOe6AgEjQG4uNLdI31e+5lk87M78Ftowz4aNoXDooyBlvYlOSbE7928VJYtqAUAoDP8MebT5/0NAWexeYj+UUBXT7QxCyYklHywgNCiozCVBEHY5lVjmL5kyjUZVNjmFwIU+3cayAphmSzQXzK5JDzlJBly7giliQTbMPiQPnGcKcYiZhs+Ym1yozEj7KVyvJU3N4kUW0vMoNjoQJe2tuYmObiosM7i0ZMuVyozTxRsNFsSEkd9DpxR7bARl4S4wgfwMi3BJzZ9DaE5eSp1BlcHdfiGI0NwBb7K2lLKJC0DxlSMobTMCoa4J6ibG4FiDvFiQJH8QfZJ/dJf/wCFv90B75Gx9aWQ9gsg/LKA3+6AqIOBuEjwzQRAoGkMuYksRIWzZtejW1tNL9JvUNXIauVOC4MYp249sS6TxM6RkxDLlUlSWVibhhuIIsD01i4ynmnZowlCc3iTs10LBuEeIwwtjoCBuE+Hu8ZO4Ag8qMk2GulzvqVUlF2mvVBVZxdpx9Vp7HmF4X8tRiIRBHIbJIZAwJ6M2gy36wTqfzq7lh+40c8Ocsl5l157wnvEH1E8abSHFDaw5l1HnvCe8QfUTxptIcUNrDmXUee8J7xB9RPGm0hxQ2sOZdSr2pwtjR1jw4XESkZsqyAALe2rANr2AdGttLxtE3aOZG1TeGLT9SC+2cZjc0GHiWGwtPLKQ4TMPVjUeubdJAHZVJupJ4Yq3iUqOpJ4Iq3F/wCHCDgG4XiWxJbDXuVKnOesBs1l+IHjVo02o4blo0mo4b+u80no3gPdMN9GPwqdjT5V0J2FLlXRD0bwHumG+jH4U2NPlXQbClyroh6N4D3TDfRj8KbGnyroNhS5V0RD2nwRwjqOKiihkVgySJEosw3XAtcdl99j0U2UFmkug2FNZqKv5ECHgbLmM5xbrirZRLGoC5fwujE5xexOo3DqqsqWJ4k7MpOg5Sxp2Z5FtTEYFRFPhoyrMwjkwxCo0jFpCGRtUJNySLjU0jKonaS9UIzqJ4ZK/iv2Wew+EBmcxSxcTLlLBc2cFQQCQbDXUaW6a1Te82TejL2pLCgM/wAMebT5/wBDQFnsXmI/lFATaAUAoBQCgPmRAwIO49RI/wBjUUBFGEdfUla3Qsg4wd+jn82NAOPmX1o8w642B/Mq1iPgM1AcptuYZDGskgRpXEaLIChZyCQoDWOtjbrOm8igKGPhGYmlSPDu6pNLxjGQG13JJXs19U2tu6KzhfOy3syhfOy3vefM7YnaaFUHk+DbfIwBlkyn7i6hBcesdd1qzeOpksl3MpbSrkvpXf04HuF4HOzIMVKk0URuiZN9hYZ7k6dY6f8AnRwxJKRq6eJJSzSLr0Y2f7ph/pJ4U2VPlXQbClyroPRjZ/umH+knhTZU+VdBsKXKug9GNn+6Yf6SeFNlT5V0Gwpcq6FLt7gmqHyjBLFFMikZQqqrDsOgVtTyukaGqumofVFK5V0oweOEVfp/w+sPsPH4UtLBJFMz2MsUi5AxHTG4uVPY1x8KSVRPFHoJRqp4otPw9zq/DIDkNhplxPRC4sD1ssmqsvRca9lTGpiytZkwrYnazT8f9JuyOEkUuZZbQSpbMjuNxvYqdL7uoW7r3xJZMvjSdpZFj5zw/tov718aY48ScceI854f20X96+NMceIxx4jznh/bRf3r40xx4jHHiUWI4YAO3FwtLChKvKrAag8rKOn8yL/DWilfNEKV80QcXg8VtRFY2w2GHLi+9K5KkK7WNkWzbgb1jadXPRd/Y57VK2f2rv7FtsLg/JHJx08gklylFKggBSQTe5JJ0GtbpPedKT3mgqSwoDP8MebT5/0NAWexeYj+UUBNoBQCgFAKAUAoBQETH7Mgmy8dFHJkOZeMUPlbrF9x7aAyOL2FimdzCyImInkWQAhiou32gN9SbXybwW6hpisSVktW/wDpgsSVktW9+niTcJhcfgUCRhcXh13KLRzKL3Nvuyf6JqEqkP8A2XcqlVp/+y7+50fhpG2kMMsjj142HFsnY2bp+Fx21eNTEsjSFXGrxXXIt9m7agmQOHC6kFWIBVhoQdatiRdTRK8ti9on9wqcS4jEuI8ti9on9wpiXEYlxK/b+LhOHlu0LDIbrI9lI6QxGvdVKjWFlKsouD0KtuGqjlNh5uLPNsuVi5OigKDvPxNTKVlexMpuMcVuhGxWxMfi3TESMmHeK/Ewjl2DWvxzjeTYaAWFvjWajUlLE8vD/TKMaspY5ZW3f6TNm8D4iWkxaxTzPa5KXVQL+rfeTfU6dGmmt3TjJ3kjR0Yyd5JMn+iezvdYPprTY0+VEf16XKug9E9ne6wfTWmxp8qH9elyroPRPZ3usH01psafKh/Xpcq6Gex3BOSN+Jw7BMNiHbOAhvHyS2pBtbTKDpa4GtVwYVhismRs1FYIrJlhDs7H4JQuHYYqBQAIZbJIqjoSQDKfgwFVUalP7c146lFCrT+14lwevU8HDQHVcNNZSRJmyqUZTZha+trdYrWMnJXsbQm5K9uppsJiUkRZEN1cBlPWCLirp3Lp3OtCTP8ADHm0+f8AQ0BZ7F5iP5RQE2gFAKAUAoBQCgFAKAoY41PF8mA2xkp5LkWP2gzf1Sa8pest1Vilppq/33MEllp9z/ffiX1bG5m9t7BnaYz4Z0V3AVxJexA0uCL620tbo6KrmtCtmtDzZ/AnBKn2sMcshJZnZd5JubdQqmxg82jP+vTebirkn0P2d7rD/aKbCnyj+vS5UPQ/Z3usP9opsKfKP69LlRB23wT2esEhWDDxm1g7LYLmOW9xqDrp22qs6NPC8kUqfx6Si8kVi8EMW54kzLHDh2VoWVL5iBmF1JtYHeL6kVLhJrCsrfNCXTk1hj9NuH+FsdvYrDaY2C8Y/wDU4cF0t1yJ66dp1FRtZQ+9ZcURtp0//wBFlxX7B4Zw5riOQwe3FsvzWve3++ytcWV9xtiyvuNGJ0/EveKm6LXQ45PxDvFLoXQ45PxDvFLoXRTcItpxwmByHf7RgBGwHKMT2DA+sD/o2PRVJPNfNxnNrFHz/RC9LpHtHFhZDiWuQjFQoUWu7v0KLjS1zuqJzkskrsipUlHJRu30K6Dgjj1Zz5RF9uS0y5WCqWYseLXp1O8kVFOE45t3v0XkRThUjnJ3v0XkbLZuCWGJIk9VFCi+/TpPxrVKxslZEmpJM/wx5tPn/Q0BZbHP8PH08gaUBEwnCXDvFHIxKLKyRgMNRM7ZOJbLcBlYhTra+l9KA+U4V4NsOcRHJnjGgsrBixiEyqFIBuUYNu3G9AdoOEOGYqAxLOwQKqO3L1uCVBGljc7hlNzoaAjjhPF5R5OVcSZ3j1tYuqpIoGv30csvZG97FSKA8x3C7BxxNJnLWWUhQrBmMMRmdBmAAbIpNiRQE/D7ZwzqWEq2DshLHLy0NmXW1yDppQH35wU6KsjnsRgD8Gay/wC6A94+Y+rEB/7jgH/sDD/dAV+08BjpGiMeJWFVkvIEjDFo7G6XckXJy8rKLa/CgOcbqeL1w5/jJRqpXUcYLJ1yjpPTyjWPDTV/vv7mHDT7n+9PH3L+tjcUAoBQCgIO2nAhYlgmqDMy5xq4Hq9N93Ze9VnoUqP6TzBRgTTnKouyXYNctaMC7L9227t31EVmxFfUyfVy5in4Hz2OHWSMYQ9YPGAdVtxI3Xv+XRVHG6w7jNxbjh3FoOBGzPdo/wDfjVP69PgU/q0uU99Cdme6x/78af16fAf1aXKPQnZnusf+/Gn9enwH9WlylZtngVhbxeTwRxvnJzk6DKjMAVvdgSBu1G/oIqrowTVkUf8AHpqScYrUk8G9kSOzYjE2MhDxBQCBlWSxJvYm5QEabvjprFuWbN4tyzeRfea4PZrVy5XY3ZP8RhynFrEBLxqFSS/JGTKb2Wx11Bv2UBb4fCxpfIoW++3ZQFLwx5tPn/Q0BZ7F5iP5RQCXZOHbKGijIVzIt1GkhfjC4/qL8q/XrQFftHCYHDQBWgUQtJGpVEB5RCwqbDWwUKumuUWt0UB8HaezIiGzxLZiwI3ZmRrsLaerG9yPwtfpoDrDtXBviSlhxqlSrFRymtInIO8lQJAT1E676A6ng1gcoXyaHKAQBkFgGTi2A+Kck9htQHeLJEWCQuMzZmKgcprBb3vc6KB8AB0UB08tPspe4eNAPLT7KXuHjQDy0+yl7h40BnNhbaOIRGYGMjGyoOOiXlW4yyxFeoDnCATlPXWWls9/+5GOlrve/wB5eZrq1NhQCgFAKAhbYkKxEhmXlJylXOdZFFrdu7sBvVZ6FJvI+cEBx0+kd8yXyHl82Oc6j1dlqiOrEfufzqT6uXFAKAUAoCBj1HG4fSPR3tnNmH2T82Ok9fZeqS1RnL7o/N24+tkKRHqJB9pLzpu3Otb/AKfw/wBNqQ06k09PV6+fy3gTauXI03OR/B/0oCTQGf4Y82nz/oaAs9i8xH8ooCbQHDGYOOVcsi5hcG2o1BuCLdVAQJ+DWCcENAhB6N33XQgW3C0ji39Z66A6x7EwwfOIxmzBr3PrAswNr20LsR1ZjQFjQCgFAKA+XYAEkgAC5J0AA3k0BlsDwggkkSNMRIX8pfRojylPGEIpItkAsQwN7KL2vWOLTN68PM51LTN6vd55GrrY6BQCgIO1drwYdQ0z5QdwAZieuyqCfzt01DdiG0jtgMbHMgeNgynp1H5EHUHsNE7hO5y2uTxWnGXzx8163OLf8vxf03qJ6Fan29ND5wTgzTi6GzJcKtmH2Y9c/ePV2WqI6sR+5k+rlxQCgFAKAgY9hxuH1j1d7Bxdj9k/NnoPX2XqktUUl90fm7ce7HjKxkFCn2kpyls51lY3v23vbovbopBWXUU1ZaWzf5IvCfNxaZc3r6hOMuRkfT7PU9HZp8KuXJz+vH8G/wCBQEqgM/wx5tPn/Q0BZ7F5iP5RQE2gFAKAUAoBQCgKzaG38LC4SWQKx6LE2v8AisDl/O1RdEOSKThDtgYpJMJgwZpGFnkU2ijF78t9xJ/CtydaxlVxfTDN9jnnWxfTTzfZef8AhRR4LE4hoEaOWERTcW80Nr50VsxG8gXW2bdqN9RO80lnrnYTvUio3azza8P0ab0Tb3/H/VX9tTsHzMf1nzy6+w9E29/x/wBVf202D5n1H9Z88uvsPRNvf8f9Vf202D5n1H9Z88uvsVe0ODmIglWeN58WApUpK6sRc3BF7Ajs336+iY03CV7tkwpOEr4mz3Y8O0cJxkpgEsczZ2iRgJY7C2g9R9LaA30FQ3Ui27XXchurGTla67+5O2hwswTwk53DLJFmi1jlW0ik3W2awtcgA3AI6aOrGSy6byXWjNWWuWW/UtNh7SjnaZ45c65kAGQpl5A0JIBa+/Xde1aRd2zSErtltVzQUAoCrxXCHCRycU8qh+ka2HzNbKv5kVGJFcSLSpLEDHyWlw4zhczuMpTNmtExsG+5a179NrdNUk80Zyf1Rz+WGxEAiICqv2kxsjZxczMSb9Z3kdBJHRSGnX8imrR9X+SFwlxAGRCuGe7Kcs7AEXYIWVTvAVm1GutrG9XNCzl5yP4P/wACgJNAZ/hjzafP+hoCz2LzEfyigJtAKAUAoBQCgFAYbauzsVHNPkgM4nYsji3JJFrNci1t191rflTNFLtJo67C2qcBEkGMhaEAm06jPExZr6suqHW3KHRvrKNXBlNW8dxzxrbPKoreO755kjE7ewyCJ3mkZTinKlT90Z1uQt88Q3A/KeipxJ2ebz+ehfGnZq7z3evY1GHnSRQ6MGVhcMpuDW6dzdO+h0oSKAUBTLwpwJZl49OSLkm4Ww6mPJb8iapjjqU2kbXuZDbe0pJ5RjYIGbCwoQ8kgyh0vmLRqSGIHX/qsdq28SX073/hzbZt44r6d7fDwJPB7YWIllxEjSYnC5jGBGmVbjLe5uCD63xGt6nA5Tbu1oW2bnNvE1oXvozL7/jP7o/2VbZPmZbYS532/wAHozL7/jP7o/2U2T5mNhLnfb/B6My+/wCM/uj/AGU2T5mNhLnfb/DNy7DxkQlw6xvMZXZlxDZSAGN7tut236b2vUxTjG18yYxlCLjdt+JdYLbU2DjSLGwsEjVUGJivJGQotmkFs6HTpFUVRwVpr1WhRVZU1aovVaexMxfCTCcZBbErZmJOSzKQUYDjG3IL2PxArTEnZpmrmm008vmpY7EtxWnFc5LzPq863X978X9V6mGnXTzJp/bu1enn8ucdsYhkYZYsxcZcwEhPSLXRGta51aw1+NXNCW4s8fwb/gUBKoDP8MebT5/0NAWexeYj+UUBNoBQCgFAKAUAoDnPMqKWdgqqLlmNgB2mgbsVMvCfAcUztPGUGhB3m/QFOpv2DXWqSqRiryM51YRV5MwuGheCSWdcHIuGnfLGjqA4diFXkC2VSTZRbq1rCk8N3aybOehLBd4bRby43fhw4F9sTgpixGS2LngLuz8UmQhQxuAbg69JtV9lJtvE0X2M228TV/IsPRnE/wAxxXcnhTZS5mTsZ877D0ZxP8xxXcnhTZS5mNjPnfY4Y7gpinjdRtDEEsrCzZLG4tZrC9vhUSoyaaxMrL+PNxaxszp2Vi2gGHGFcvHYl3yKHym+XN6p6ha/bVnfBa1389C7vs8Nru2/5Y00/CqBopYy0mFxAja0ciWcEA2MankybtAp1qrrRaa0fzqUf8iLi19rtv8A1xJeF25hhipojKeMLIAHbkXyAZY+gG+hW98160UlifxGsZLE/i9PmpfVoaigFAccXio40LyMFUb2Y2FQ3YhuxUz8LcCI+M44MCcoRQS7MdyqnrEn4VSVWMVdmc60IK79+hicPDikZ42whUYp3MA5IZcxZyGscqkLrbS1jVKcmspK3AzpTkspK19Fv4+RueCEGTCRpmRymdCyAqLrIynfvIIsT0kE9NXp/b1NKP29dPMua0NSNNzkfwf9KAk0Bn+GPNp8/wChoCz2LzEfyigJtAKAUAoBQCgFAUnC/ASzQAR3JSRXKD76re666dIPxWqsrLczJwriBiI8V5BIYYQQVCgSZiPXRGsWtpu66yqSd08N0uphVlK6ajdLr3LvZm28PLG3FSGNvKgWRuW9mnF8yNqitu/pB7KiNSMlk7Z/siFWMo/S7Z+uv77F9gtsYaZikUqOy7wrAn4jrHaK3TTOlSTJ1SSKAUBF2htGGBQ0sioCbDMbXPZ11DdiG0jPcL9pYCSDi3+3eVTxSQKJZNR66b8tvxHq6d1YV5QccLz8tTm/kTpuOGWbe5ZsymHwOJMRwTYdlxOUEuLEKrE5WZ91uSem9wRvqYtuOF5OxMZNwwPKVvnga8cHcd/Mpvpx+FNlPn/A2NTnfRHvo9jv5lN9OPwpsp8/4Gxqc76Iej2O/mU304/Cmynz/gbGpzvois27wcx2VH8qlxIjkDmIoikgAglbbzra3UTbWmzmmm5XGymmm5t+iIuAhxgxPlkeDJjVCnFNaOTlEFmjDb7AdNr30vSbliUkrruJueJSirpej7l5HwrwsskQ41oXVm4yGVMjACJjZ83qgaHMCQSAOmirRk0r28PQL+RCUkk7Pg/IsuDu0I5oyUmEtnkuQApAMjFQV+FgD94C/TWkHka03da8fAtauaEPEzKJolLKGYPlUkAmwBNhvNuygJlAZ/hjzafP+hoCz2LzEfyigJtAKAUAoBQCgFAKAUBiuEWwYpYJGWFRPx5CPEczEtLY526AQTmB0W56q55QjrbO+7zOWdOLWK2d93n8uQMPs/ETyRLFHLhWha7zNHboIOXMLNfdpca9VaTvLKLt88TSac1aLt6f6aLzJjv5jJ9GHwquznz9kV2VTnfRDzJjv5jJ9GHwps58/ZDZVOd9EPMmO/mMn0YfCmznz9kNlU530RR7X2Vi4Z1mlaXGR5MmVY1uDcnVUG7W9wOjXopGMoyu5X9P8EYThK8pNry/wgYWc4SHFNicLMgxAYrLGBcLlyrGzDlRnpGYWBNZTnhxOUdd6+ZGNSpgxOcbX3r5dG0i2xh+Mkk8oQxCKI/dyi7yDNxnSWtbL0Zf6q3U03k+B0xnFybTysv2WWDxkUq54nV1P3lIIv1aVdO5omnod6kkUAoCFiNrYaOQRvNGsjWsjMAdd2nb0ddRiRDkkYzhvjUxLxphIziJ4ZCzMi3RQEa6NJ131yg62tvtXPUqJyWBXa7HJVqpzWBYmui9STwVheafyhEaCIRvGQRa75gCAG32Km5I0OnXbZSUs0dEZKeaNd5O/tW7k8KuaEafZAeSOVnYyRZ8jZUuucANbTpAoCbDGwvdy3xAFu4CgKThjzafP+hoCz2LzEfyigJtAKAUAoBQCgFAKAUBRhbxnKAf4q58ma26cEmS/T0uOnWst3ru8/lzHd67vP5cs8bj4YQDLIkYOgLsFuey9aNpamraWp3RwwBBBBFwRqCD0ipJPqgFAKAptsY/DyRTwho5ZOLcGHjVQnkm6k35Paeis5tOLWplUacWtctDM7f2EkeK42GBzGqK0sUachixcBlA3tybMANAVPSaqoRjNtLcUjCMKjaW70Omxdk4yR5JYZXwcThQEaJWJK3ucsg5Nr7+n8qSjKUrxlb0JlCcpXjKy8v9LfzJtL+ZN/jw+FNnU5+yI2VXn7IeZNpfzJv8eHwps6nP2Q2VXn7IeZNpfzJv8eHwps6nP2Q2VXn7IzEuzsREZopopcRLK7FJlj5Nm3XI5K/A2y7twFTC8VaTv6FqalFWk7+hrdmbM4iPBRBWvHo5isqZuJYM0g+8Cf8AuINFHDhSQUFHCkunlvLDY0maMnPn+0lGbJk3SsMtv6bZb9Nr9NWg7rr+S1N3Wt83+SdVzQUAoDP8MebT5/0NAWexeYj+UUBNoBQCgFAKAUAoBQHjEAXOgFAZp8fh2gd88MiJilZijiMIBMGDMfvFRyv67aXvWDaw38fLf88znlJYbvj5b/nmZ7G7RM2IbEHDzS4VkCROY21I1uq2vlNycxtfdUwqYne2XEU6uKTaWXEs9g7F2kIuTiuIVnZliaBXKqxuL3Itffl6L9elRgqNtqVvQjBVbbUrLyLHzTtP+YL/AIqfupgq83b3J2dbn7e4807T/mC/4qfupgq83b3Gzrc/b3Oc+x9qFWA2gtyCB/DKutusNcfGjhV5uxDp1rff29zGY3AymAQjDkTRi8skqmOPKurXc8kDtvqKVL7O2vnkKt9lhyb8cv8AhstmcJIjiWWYS4aVo0URzkBCVZ78UdzHlC5B1GXTQ0jVWK0sn4/oQrxx2lk/H9F6Np4fjOK42PjfZ51z9fq3vW2JXtc3xRva5LqSwoBQHxLIqgsxCqBckmwA6yTQN2K2SeKZ8O8WSVVkf7RJBZDxTi9h6975bdF79FZuzaa+ZGbs3FrPP9EjZDEx6lzy5dZBlbSVgBbqG4HpABq0NOpNPTr+SbVi4oBQGf4Y82nz/oaAs9i8xH8ooCbQCgFAKAUAoBQCgKThhhpZMMRHc2ZGZRqWQG7KB09dum1qrIrIwGNZOOhmGDc4aJ04zMjDlE5RZdCxF7ga66Ea1hXkssrq5y/yZK8W43Sep+m7K2rh8QmeCRZF/pOo7GG9T2GtoTjNXizphUjNXi7nXD46F2KpIjMvrKrAkdGoG6rJpllJPRkipJFAKAreEU6JhpSzRKCjAGfmySpsGHSOwXvVKjtF/szqtKD09dCj4UY3BjjDMquJoY1i1EvGPmkyiOMdILA5+nMBfSsqsoK+Lesv+GFadNXxb0rb7+SMhDhpWhWAYaSPFgjKcrDdYqxa1l671ZSvCzVuC/BdScqdmrPcvx5G5Gy9qe/x/wCKv76YKnN2Gzrc/b3PfNe1Pf4/8Vf30wVObsMFbn7e4817U9/j/wAVf30wVObsMFbn7e5U8ItlbRyI0mIGIiSQNJGkAUlQDrYMS3w6L36KjDUTTcuxGCqmm5ZeRVYKd48WmJjwshwwBUKBaTPka7ojEGQhcw0vozdVRUk1NO113K1ZtVFK1139zZcF9sYeaJjHKTleUsJWGdQZGPKG9VtuvuFh0ValOMo5PjqaUKkZRyfHXXUtsLio5BmjdXW9rowYX6ritU09DZNPQ7VJIoDP8MebT5/0NAWexeYj+UUBNoBQCgFAKAUAoBQCgK3bc6ARqWhDGWKwmO+0i+oN+b8PbaqTeS81qZ1GrLTVa+f54GY4dQYS9oVJ2g1sow9xIVJGbjcmmUrcXasauBPJfV4fs56+zUrpXl4fv3KjBwvLJAuDQwzRsONdozZRlIYNe3wy9P8AxebcksLzNZuUksDs+prPN21vfYf8f/yphq83YjBW5l09x5u2t77D/j/+VMNXm7DBW5l09x5u2t77D/j/APlTDV5uwwVuZdPczm3sHio8RHLjXE8AQrdIiAGJ1FhfKTyeUd9rdFRFTjO8nl5ERjUjUvOWVuHz3PjgvjcJhsXK86CHjVQwyyIVAU5gRciyA23m17GqucI1W3wWfUq6lONZt5ZLPqfoxnQLnLLktfNcWt133V0XWp1XVrnsMyuAysGU7ipBB+BFTe4TvofdCRQCgK3aM6CbDqWhDZ2sHPL1icfZdt9D2Xqkn9S+dDObWKOnxbjCcKRAcixYfjMXHNK8iL9q4iLSG8jqDYNdWCm5AIFczcU1aN5Xfxs5JSgpK0byTf71fyxbcEI82JMsKNHBxRV7ggM+YFbXHKI5WvRftrqvd5HZdN3Rt6sXFAZ/hjzafP8AoaAs9i8xH8ooCbQCgFAKAUAoBQCgFAfm23QqTz+UxtJLIx4ghSbrbkKvXYaW67/nS6SdzPEop31/Ja8BsbhYVEEi8RjGuZFmBR3JY2IZvXHVY/lWNKcE7Ws/EwoTpp4bWfB/MzYyzKouzBRuuSBr1a10N2OptLU+6kkUAoBQFZljfETIwhYGKIMvrP60mkgOmTXTtLdlUycmvAzycmnbRfswG2FwaTgYYSSYVCxxKoWaCN9MpG9QfWvbdpWEXCM/p038Ec0HTjUtDTfwX6LLg5Bi3aV8E6RYZsuUSxlgza3K6jotdunTqrR427wasavHKV4NWLzyPa/vOG+i37qYavFdBhrcy6e48j2v7zhvot+6mGrxXQYa3MunuPI9r+84b6Lfuphq8V0GGtzLp7mMxiMjTR4lOMxjuxiIRuUPu5d9x1W9XQdFItqLUrXEW4xalZvPwuX/AAL2thsNEmGmQYae5DF/VlcGxYS3KseggnQ6dFZ0akYrC1Z/N5l/HqQgsElhf59d5tGmQEAsoLbgSLn4dddN0dl0dKkkUBn+GPNp8/6GgLPYvMR/KKAm0AoBQCgFAKAUAoBQCgIm0tmwTpkmjWRephe3aDvB7RVZRUlZorOEZq0lcwW19mxYWYriOMfDZRxHGEvlJ9ZATusRuOtrdVUhFQyv1M4RVPK/lf8ABZcHsNtYQji5IEjzNxazRuWCX5O4iw6h1VW1Xc1YpatnhatuyLLiNse2wf0pP3VNq3FE2r8V0HEbY9tg/pSfupatxQtX4rocsZh9tcW+WbC5srWyxuGvbTKS1geomoarW1RDjXtquhiJo4yiRrDI84YeUiJHDcXe8lx62o0PXeoqNYLNX8vlyKjWzs1fjb5c/S+DuPwckQXCsmRNMijKV7GU2IPxFaU5Qa+k1pTptfQWfGLe1xfqvr3Voa3PqgFAKAGgKSHyY4V+P8mMOeUtaxj51tTm+91/1XtWSw4PqtbPyMFgwPFa2flr89T86wb4X7RTC+VmbyVyrcqMucgQNyiALWqlGcbWSy/JShOFrJWXjv8A2fqWwllGHiE3OhFz333t09vX21vHQ6Y6E6pJM/wx5tPn/Q0BZ7F5iP5RQE2gFAKAUAoBQCgFAKAUAoBQCgFAKAUAoCn2vwbw07ZypjmG6aI8XIP+ob/gb1nOlGWe/iY1KEJ56PitT89kWwKMGO0r6HXOXG4jp7Qd1uyo/wDG2/8AY/8AC2/9mzVNt2HKwP8AbL41S1fiu5nb+Txj3Pcm2/xYD+2bxpavxXcW/k8Y9xk23+LAf2zeNLV+K7i38njHuVPCVNrcUvHnDGDOvGiFZL8XrfNf7vXbs6L0/wDmusVrepFq91iatv1I/BvZWFxGJDRxh8LGpNmvk466hTb1WYLm67adlXlCMmvA1lThOSbV7H6HatTY9oBQGf4Y82nz/oaAs9i8xH8ooDj/ABeU+rmBAG6xFspJ6tRmt1G2+s/rOz/611rbf+fxl556HRDiM+oBS19LXBsDl7dQRf8AqHUan6rlGqGHLXt5/jLwfEj4o4sq6qtrhwpBUW5DZTvuDmy9e41V48zWmv4ylFt6WvrxV93C59O+L0soNi34RcZWyggnffJcg9fRqZ+shR/jb3w48VfdwvuPJmxVtF5S6r6oB+zNg3K/FoRu3EGoeMmC/j3zeT11yzWmXDNb9UztNLiLtlTS+nqnTLv37828fhtY30qzcjOMaFld579ePlpbTx1VhhHxOb7RQBdt1t2ZsvTfcE6PvH8kcV8xVVDD9Dzy/Cvu436dbCrnKKAUAoBQCgFAKAUAoBQHlqA9oBQCgFAeAUB7QCgFAZ/hjzafP+hoCmj4Rzxji1CWTQXBvYHp1oD69K8R1R9x8aAeleI6o+4+NAPSvEdUfcfGgHpXiOqPuPjQD0rxHVH3HxoB6V4jqj7j40A9K8R1R9x8aAeleI6o+4+NAPSvEdUfcfGgHpXiOqPuPjQD0rxHVH3HxoB6V4jqj7j40A9K8R1R9x8aAeleI6o+4+NAPSvEdUfcfGgHpXiOqPuPjQD0rxHVH3HxoB6V4jqj7j40A9K8R1R9x8aAeleI6o+4+NAPSvEdUfcfGgHpXiOqPuPjQD0rxHVH3HxoB6V4jqj7j40A9K8R1R9x8aAeleI6o+4+NAPSvEdUfcfGgOc21pMTZZMoA5Qyi2u7pv10B//Z"/>
+          <p:cNvSpPr>
+            <a:spLocks noChangeAspect="1" noChangeArrowheads="1"/>
+          </p:cNvSpPr>
+          <p:nvPr/>
+        </p:nvSpPr>
+        <p:spPr bwMode="auto">
+          <a:xfrm>
+            <a:off x="155575" y="-144463"/>
+            <a:ext cx="304800" cy="304801"/>
+          </a:xfrm>
+          <a:prstGeom prst="rect">
+            <a:avLst/>
+          </a:prstGeom>
+          <a:noFill/>
+        </p:spPr>
+        <p:txBody>
+          <a:bodyPr vert="horz" wrap="square" lIns="91440" tIns="45720" rIns="91440" bIns="45720" numCol="1" anchor="t" anchorCtr="0" compatLnSpc="1">
+            <a:prstTxWarp prst="textNoShape">
+              <a:avLst/>
+            </a:prstTxWarp>
+          </a:bodyPr>
+          <a:lstStyle/>
+          <a:p>
+            <a:endParaRPr lang="en-US"/>
+          </a:p>
+        </p:txBody>
+      </p:sp>
+      <p:pic>
+        <p:nvPicPr>
+          <p:cNvPr id="1034" name="Picture 10" descr="https://encrypted-tbn3.gstatic.com/images?q=tbn:ANd9GcTUKgOWMag6unrb8vdTSpBL0jAgdu5ej2Z38m9vwwwKt_mQalhK"/>
+          <p:cNvPicPr>
+            <a:picLocks noChangeAspect="1" noChangeArrowheads="1"/>
+          </p:cNvPicPr>
+          <p:nvPr/>
+        </p:nvPicPr>
+        <p:blipFill>
+          <a:blip r:embed="rId2"/>
+          <a:srcRect/>
+          <a:stretch>
+            <a:fillRect/>
+          </a:stretch>
+        </p:blipFill>
+        <p:spPr bwMode="auto">
+          <a:xfrm rot="16200000">
+            <a:off x="2589417" y="-2349841"/>
+            <a:ext cx="6828287" cy="11587396"/>
+          </a:xfrm>
+          <a:prstGeom prst="rect">
+            <a:avLst/>
+          </a:prstGeom>
+          <a:noFill/>
+        </p:spPr>
+      </p:pic>
+    </p:spTree>
+  </p:cSld>
+  <p:clrMapOvr>
+    <a:masterClrMapping/>
+  </p:clrMapOvr>
+</p:sld>
+</file>
+
+<file path=ppt/slides/slide28.xml><?xml version="1.0" encoding="utf-8"?>
 <p:sld xmlns:a="http://schemas.openxmlformats.org/drawingml/2006/main" xmlns:r="http://schemas.openxmlformats.org/officeDocument/2006/relationships" xmlns:p="http://schemas.openxmlformats.org/presentationml/2006/main">
   <p:cSld>
     <p:spTree>
@@ -31996,7 +32108,7 @@
           <a:blip r:embed="rId2">
             <a:extLst>
               <a:ext uri="{28A0092B-C50C-407E-A947-70E740481C1C}">
-                <a14:useLocalDpi xmlns:a14="http://schemas.microsoft.com/office/drawing/2010/main" val="0"/>
+                <a14:useLocalDpi xmlns:a14="http://schemas.microsoft.com/office/drawing/2010/main" xmlns="" val="0"/>
               </a:ext>
             </a:extLst>
           </a:blip>
@@ -32007,7 +32119,7 @@
         </p:blipFill>
         <p:spPr bwMode="auto">
           <a:xfrm>
-            <a:off x="1725185" y="2123416"/>
+            <a:off x="1275479" y="2003494"/>
             <a:ext cx="8375418" cy="6114060"/>
           </a:xfrm>
           <a:prstGeom prst="rect">
@@ -32016,7 +32128,7 @@
           <a:noFill/>
           <a:extLst>
             <a:ext uri="{909E8E84-426E-40DD-AFC4-6F175D3DCCD1}">
-              <a14:hiddenFill xmlns:a14="http://schemas.microsoft.com/office/drawing/2010/main">
+              <a14:hiddenFill xmlns:a14="http://schemas.microsoft.com/office/drawing/2010/main" xmlns="">
                 <a:solidFill>
                   <a:srgbClr val="FFFFFF"/>
                 </a:solidFill>
@@ -32025,10 +32137,413 @@
           </a:extLst>
         </p:spPr>
       </p:pic>
+      <p:sp>
+        <p:nvSpPr>
+          <p:cNvPr id="4" name="Rectangle 3"/>
+          <p:cNvSpPr/>
+          <p:nvPr/>
+        </p:nvSpPr>
+        <p:spPr>
+          <a:xfrm>
+            <a:off x="416529" y="5153966"/>
+            <a:ext cx="2843855" cy="646331"/>
+          </a:xfrm>
+          <a:prstGeom prst="rect">
+            <a:avLst/>
+          </a:prstGeom>
+          <a:noFill/>
+        </p:spPr>
+        <p:txBody>
+          <a:bodyPr wrap="none" lIns="91440" tIns="45720" rIns="91440" bIns="45720">
+            <a:spAutoFit/>
+          </a:bodyPr>
+          <a:lstStyle/>
+          <a:p>
+            <a:pPr algn="ctr"/>
+            <a:r>
+              <a:rPr lang="en-US" sz="3600" b="0" cap="none" spc="0" dirty="0" smtClean="0">
+                <a:ln w="0"/>
+                <a:solidFill>
+                  <a:schemeClr val="tx1"/>
+                </a:solidFill>
+                <a:effectLst>
+                  <a:outerShdw blurRad="38100" dist="19050" dir="2700000" algn="tl" rotWithShape="0">
+                    <a:schemeClr val="dk1">
+                      <a:alpha val="40000"/>
+                    </a:schemeClr>
+                  </a:outerShdw>
+                </a:effectLst>
+              </a:rPr>
+              <a:t>Carbon Atoms</a:t>
+            </a:r>
+            <a:endParaRPr lang="en-US" sz="3600" b="0" cap="none" spc="0" dirty="0">
+              <a:ln w="0"/>
+              <a:solidFill>
+                <a:schemeClr val="tx1"/>
+              </a:solidFill>
+              <a:effectLst>
+                <a:outerShdw blurRad="38100" dist="19050" dir="2700000" algn="tl" rotWithShape="0">
+                  <a:schemeClr val="dk1">
+                    <a:alpha val="40000"/>
+                  </a:schemeClr>
+                </a:outerShdw>
+              </a:effectLst>
+            </a:endParaRPr>
+          </a:p>
+        </p:txBody>
+      </p:sp>
+      <p:sp>
+        <p:nvSpPr>
+          <p:cNvPr id="5" name="Rectangle 4"/>
+          <p:cNvSpPr/>
+          <p:nvPr/>
+        </p:nvSpPr>
+        <p:spPr>
+          <a:xfrm>
+            <a:off x="2937375" y="989199"/>
+            <a:ext cx="1718739" cy="646331"/>
+          </a:xfrm>
+          <a:prstGeom prst="rect">
+            <a:avLst/>
+          </a:prstGeom>
+          <a:noFill/>
+        </p:spPr>
+        <p:txBody>
+          <a:bodyPr wrap="none" lIns="91440" tIns="45720" rIns="91440" bIns="45720">
+            <a:spAutoFit/>
+          </a:bodyPr>
+          <a:lstStyle/>
+          <a:p>
+            <a:pPr algn="ctr"/>
+            <a:r>
+              <a:rPr lang="en-US" sz="3600" b="0" cap="none" spc="0" dirty="0" smtClean="0">
+                <a:ln w="0"/>
+                <a:solidFill>
+                  <a:schemeClr val="tx1"/>
+                </a:solidFill>
+                <a:effectLst>
+                  <a:outerShdw blurRad="38100" dist="19050" dir="2700000" algn="tl" rotWithShape="0">
+                    <a:schemeClr val="dk1">
+                      <a:alpha val="40000"/>
+                    </a:schemeClr>
+                  </a:outerShdw>
+                </a:effectLst>
+              </a:rPr>
+              <a:t>0.14 nm</a:t>
+            </a:r>
+          </a:p>
+        </p:txBody>
+      </p:sp>
+      <p:cxnSp>
+        <p:nvCxnSpPr>
+          <p:cNvPr id="8" name="Straight Arrow Connector 7"/>
+          <p:cNvCxnSpPr/>
+          <p:nvPr/>
+        </p:nvCxnSpPr>
+        <p:spPr>
+          <a:xfrm>
+            <a:off x="2548328" y="1723869"/>
+            <a:ext cx="2308485" cy="1588"/>
+          </a:xfrm>
+          <a:prstGeom prst="straightConnector1">
+            <a:avLst/>
+          </a:prstGeom>
+          <a:ln w="38100">
+            <a:solidFill>
+              <a:schemeClr val="tx1"/>
+            </a:solidFill>
+            <a:headEnd type="arrow"/>
+            <a:tailEnd type="arrow"/>
+          </a:ln>
+        </p:spPr>
+        <p:style>
+          <a:lnRef idx="1">
+            <a:schemeClr val="accent1"/>
+          </a:lnRef>
+          <a:fillRef idx="0">
+            <a:schemeClr val="accent1"/>
+          </a:fillRef>
+          <a:effectRef idx="0">
+            <a:schemeClr val="accent1"/>
+          </a:effectRef>
+          <a:fontRef idx="minor">
+            <a:schemeClr val="tx1"/>
+          </a:fontRef>
+        </p:style>
+      </p:cxnSp>
+      <p:cxnSp>
+        <p:nvCxnSpPr>
+          <p:cNvPr id="11" name="Straight Connector 10"/>
+          <p:cNvCxnSpPr/>
+          <p:nvPr/>
+        </p:nvCxnSpPr>
+        <p:spPr>
+          <a:xfrm rot="5400000">
+            <a:off x="2068643" y="1603947"/>
+            <a:ext cx="1049311" cy="1"/>
+          </a:xfrm>
+          <a:prstGeom prst="line">
+            <a:avLst/>
+          </a:prstGeom>
+          <a:ln w="28575">
+            <a:solidFill>
+              <a:schemeClr val="tx1"/>
+            </a:solidFill>
+          </a:ln>
+        </p:spPr>
+        <p:style>
+          <a:lnRef idx="1">
+            <a:schemeClr val="accent1"/>
+          </a:lnRef>
+          <a:fillRef idx="0">
+            <a:schemeClr val="accent1"/>
+          </a:fillRef>
+          <a:effectRef idx="0">
+            <a:schemeClr val="accent1"/>
+          </a:effectRef>
+          <a:fontRef idx="minor">
+            <a:schemeClr val="tx1"/>
+          </a:fontRef>
+        </p:style>
+      </p:cxnSp>
+      <p:cxnSp>
+        <p:nvCxnSpPr>
+          <p:cNvPr id="14" name="Straight Connector 13"/>
+          <p:cNvCxnSpPr/>
+          <p:nvPr/>
+        </p:nvCxnSpPr>
+        <p:spPr>
+          <a:xfrm rot="5400000">
+            <a:off x="4304677" y="1651415"/>
+            <a:ext cx="1049311" cy="1"/>
+          </a:xfrm>
+          <a:prstGeom prst="line">
+            <a:avLst/>
+          </a:prstGeom>
+          <a:ln w="28575">
+            <a:solidFill>
+              <a:schemeClr val="tx1"/>
+            </a:solidFill>
+          </a:ln>
+        </p:spPr>
+        <p:style>
+          <a:lnRef idx="1">
+            <a:schemeClr val="accent1"/>
+          </a:lnRef>
+          <a:fillRef idx="0">
+            <a:schemeClr val="accent1"/>
+          </a:fillRef>
+          <a:effectRef idx="0">
+            <a:schemeClr val="accent1"/>
+          </a:effectRef>
+          <a:fontRef idx="minor">
+            <a:schemeClr val="tx1"/>
+          </a:fontRef>
+        </p:style>
+      </p:cxnSp>
+      <p:sp>
+        <p:nvSpPr>
+          <p:cNvPr id="15" name="Rectangle 14"/>
+          <p:cNvSpPr/>
+          <p:nvPr/>
+        </p:nvSpPr>
+        <p:spPr>
+          <a:xfrm>
+            <a:off x="6879781" y="5246406"/>
+            <a:ext cx="3087448" cy="646331"/>
+          </a:xfrm>
+          <a:prstGeom prst="rect">
+            <a:avLst/>
+          </a:prstGeom>
+          <a:noFill/>
+        </p:spPr>
+        <p:txBody>
+          <a:bodyPr wrap="none" lIns="91440" tIns="45720" rIns="91440" bIns="45720">
+            <a:spAutoFit/>
+          </a:bodyPr>
+          <a:lstStyle/>
+          <a:p>
+            <a:pPr algn="ctr"/>
+            <a:r>
+              <a:rPr lang="en-US" sz="3600" b="0" cap="none" spc="0" dirty="0" smtClean="0">
+                <a:ln w="0"/>
+                <a:solidFill>
+                  <a:schemeClr val="tx1"/>
+                </a:solidFill>
+                <a:effectLst>
+                  <a:outerShdw blurRad="38100" dist="19050" dir="2700000" algn="tl" rotWithShape="0">
+                    <a:schemeClr val="dk1">
+                      <a:alpha val="40000"/>
+                    </a:schemeClr>
+                  </a:outerShdw>
+                </a:effectLst>
+              </a:rPr>
+              <a:t>Covalent Bonds</a:t>
+            </a:r>
+            <a:endParaRPr lang="en-US" sz="3600" b="0" cap="none" spc="0" dirty="0">
+              <a:ln w="0"/>
+              <a:solidFill>
+                <a:schemeClr val="tx1"/>
+              </a:solidFill>
+              <a:effectLst>
+                <a:outerShdw blurRad="38100" dist="19050" dir="2700000" algn="tl" rotWithShape="0">
+                  <a:schemeClr val="dk1">
+                    <a:alpha val="40000"/>
+                  </a:schemeClr>
+                </a:outerShdw>
+              </a:effectLst>
+            </a:endParaRPr>
+          </a:p>
+        </p:txBody>
+      </p:sp>
+      <p:cxnSp>
+        <p:nvCxnSpPr>
+          <p:cNvPr id="17" name="Straight Arrow Connector 16"/>
+          <p:cNvCxnSpPr/>
+          <p:nvPr/>
+        </p:nvCxnSpPr>
+        <p:spPr>
+          <a:xfrm flipV="1">
+            <a:off x="1558977" y="4332157"/>
+            <a:ext cx="1109272" cy="824459"/>
+          </a:xfrm>
+          <a:prstGeom prst="straightConnector1">
+            <a:avLst/>
+          </a:prstGeom>
+          <a:ln w="28575">
+            <a:solidFill>
+              <a:schemeClr val="tx1"/>
+            </a:solidFill>
+            <a:tailEnd type="arrow"/>
+          </a:ln>
+        </p:spPr>
+        <p:style>
+          <a:lnRef idx="1">
+            <a:schemeClr val="accent1"/>
+          </a:lnRef>
+          <a:fillRef idx="0">
+            <a:schemeClr val="accent1"/>
+          </a:fillRef>
+          <a:effectRef idx="0">
+            <a:schemeClr val="accent1"/>
+          </a:effectRef>
+          <a:fontRef idx="minor">
+            <a:schemeClr val="tx1"/>
+          </a:fontRef>
+        </p:style>
+      </p:cxnSp>
+      <p:cxnSp>
+        <p:nvCxnSpPr>
+          <p:cNvPr id="18" name="Straight Arrow Connector 17"/>
+          <p:cNvCxnSpPr/>
+          <p:nvPr/>
+        </p:nvCxnSpPr>
+        <p:spPr>
+          <a:xfrm rot="5400000" flipH="1" flipV="1">
+            <a:off x="3110459" y="4806847"/>
+            <a:ext cx="527155" cy="507167"/>
+          </a:xfrm>
+          <a:prstGeom prst="straightConnector1">
+            <a:avLst/>
+          </a:prstGeom>
+          <a:ln w="28575">
+            <a:solidFill>
+              <a:schemeClr val="tx1"/>
+            </a:solidFill>
+            <a:tailEnd type="arrow"/>
+          </a:ln>
+        </p:spPr>
+        <p:style>
+          <a:lnRef idx="1">
+            <a:schemeClr val="accent1"/>
+          </a:lnRef>
+          <a:fillRef idx="0">
+            <a:schemeClr val="accent1"/>
+          </a:fillRef>
+          <a:effectRef idx="0">
+            <a:schemeClr val="accent1"/>
+          </a:effectRef>
+          <a:fontRef idx="minor">
+            <a:schemeClr val="tx1"/>
+          </a:fontRef>
+        </p:style>
+      </p:cxnSp>
+      <p:cxnSp>
+        <p:nvCxnSpPr>
+          <p:cNvPr id="20" name="Straight Arrow Connector 19"/>
+          <p:cNvCxnSpPr/>
+          <p:nvPr/>
+        </p:nvCxnSpPr>
+        <p:spPr>
+          <a:xfrm rot="5400000" flipH="1" flipV="1">
+            <a:off x="6790544" y="4709412"/>
+            <a:ext cx="1216703" cy="192373"/>
+          </a:xfrm>
+          <a:prstGeom prst="straightConnector1">
+            <a:avLst/>
+          </a:prstGeom>
+          <a:ln w="28575">
+            <a:solidFill>
+              <a:schemeClr val="tx1"/>
+            </a:solidFill>
+            <a:tailEnd type="arrow"/>
+          </a:ln>
+        </p:spPr>
+        <p:style>
+          <a:lnRef idx="1">
+            <a:schemeClr val="accent1"/>
+          </a:lnRef>
+          <a:fillRef idx="0">
+            <a:schemeClr val="accent1"/>
+          </a:fillRef>
+          <a:effectRef idx="0">
+            <a:schemeClr val="accent1"/>
+          </a:effectRef>
+          <a:fontRef idx="minor">
+            <a:schemeClr val="tx1"/>
+          </a:fontRef>
+        </p:style>
+      </p:cxnSp>
+      <p:cxnSp>
+        <p:nvCxnSpPr>
+          <p:cNvPr id="22" name="Straight Arrow Connector 21"/>
+          <p:cNvCxnSpPr/>
+          <p:nvPr/>
+        </p:nvCxnSpPr>
+        <p:spPr>
+          <a:xfrm rot="16200000" flipV="1">
+            <a:off x="8716781" y="4444584"/>
+            <a:ext cx="1396583" cy="482183"/>
+          </a:xfrm>
+          <a:prstGeom prst="straightConnector1">
+            <a:avLst/>
+          </a:prstGeom>
+          <a:ln w="28575">
+            <a:solidFill>
+              <a:schemeClr val="tx1"/>
+            </a:solidFill>
+            <a:tailEnd type="arrow"/>
+          </a:ln>
+        </p:spPr>
+        <p:style>
+          <a:lnRef idx="1">
+            <a:schemeClr val="accent1"/>
+          </a:lnRef>
+          <a:fillRef idx="0">
+            <a:schemeClr val="accent1"/>
+          </a:fillRef>
+          <a:effectRef idx="0">
+            <a:schemeClr val="accent1"/>
+          </a:effectRef>
+          <a:fontRef idx="minor">
+            <a:schemeClr val="tx1"/>
+          </a:fontRef>
+        </p:style>
+      </p:cxnSp>
     </p:spTree>
     <p:extLst>
       <p:ext uri="{BB962C8B-B14F-4D97-AF65-F5344CB8AC3E}">
-        <p14:creationId xmlns:p14="http://schemas.microsoft.com/office/powerpoint/2010/main" val="2003718012"/>
+        <p14:creationId xmlns:p14="http://schemas.microsoft.com/office/powerpoint/2010/main" xmlns="" val="2003718012"/>
       </p:ext>
     </p:extLst>
   </p:cSld>
@@ -32038,7 +32553,7 @@
 </p:sld>
 </file>
 
-<file path=ppt/slides/slide28.xml><?xml version="1.0" encoding="utf-8"?>
+<file path=ppt/slides/slide29.xml><?xml version="1.0" encoding="utf-8"?>
 <p:sld xmlns:a="http://schemas.openxmlformats.org/drawingml/2006/main" xmlns:r="http://schemas.openxmlformats.org/officeDocument/2006/relationships" xmlns:p="http://schemas.openxmlformats.org/presentationml/2006/main">
   <p:cSld>
     <p:spTree>
@@ -32122,7 +32637,7 @@
           <a:blip r:embed="rId2">
             <a:extLst>
               <a:ext uri="{28A0092B-C50C-407E-A947-70E740481C1C}">
-                <a14:useLocalDpi xmlns:a14="http://schemas.microsoft.com/office/drawing/2010/main" val="0"/>
+                <a14:useLocalDpi xmlns:a14="http://schemas.microsoft.com/office/drawing/2010/main" xmlns="" val="0"/>
               </a:ext>
             </a:extLst>
           </a:blip>
@@ -32142,7 +32657,7 @@
           <a:noFill/>
           <a:extLst>
             <a:ext uri="{909E8E84-426E-40DD-AFC4-6F175D3DCCD1}">
-              <a14:hiddenFill xmlns:a14="http://schemas.microsoft.com/office/drawing/2010/main">
+              <a14:hiddenFill xmlns:a14="http://schemas.microsoft.com/office/drawing/2010/main" xmlns="">
                 <a:solidFill>
                   <a:srgbClr val="FFFFFF"/>
                 </a:solidFill>
@@ -32151,108 +32666,413 @@
           </a:extLst>
         </p:spPr>
       </p:pic>
+      <p:sp>
+        <p:nvSpPr>
+          <p:cNvPr id="4" name="Rectangle 3"/>
+          <p:cNvSpPr/>
+          <p:nvPr/>
+        </p:nvSpPr>
+        <p:spPr>
+          <a:xfrm>
+            <a:off x="686352" y="1436408"/>
+            <a:ext cx="2843855" cy="646331"/>
+          </a:xfrm>
+          <a:prstGeom prst="rect">
+            <a:avLst/>
+          </a:prstGeom>
+          <a:noFill/>
+        </p:spPr>
+        <p:txBody>
+          <a:bodyPr wrap="none" lIns="91440" tIns="45720" rIns="91440" bIns="45720">
+            <a:spAutoFit/>
+          </a:bodyPr>
+          <a:lstStyle/>
+          <a:p>
+            <a:pPr algn="ctr"/>
+            <a:r>
+              <a:rPr lang="en-US" sz="3600" b="0" cap="none" spc="0" dirty="0" smtClean="0">
+                <a:ln w="0"/>
+                <a:solidFill>
+                  <a:schemeClr val="tx1"/>
+                </a:solidFill>
+                <a:effectLst>
+                  <a:outerShdw blurRad="38100" dist="19050" dir="2700000" algn="tl" rotWithShape="0">
+                    <a:schemeClr val="dk1">
+                      <a:alpha val="40000"/>
+                    </a:schemeClr>
+                  </a:outerShdw>
+                </a:effectLst>
+              </a:rPr>
+              <a:t>Carbon Atoms</a:t>
+            </a:r>
+            <a:endParaRPr lang="en-US" sz="3600" b="0" cap="none" spc="0" dirty="0">
+              <a:ln w="0"/>
+              <a:solidFill>
+                <a:schemeClr val="tx1"/>
+              </a:solidFill>
+              <a:effectLst>
+                <a:outerShdw blurRad="38100" dist="19050" dir="2700000" algn="tl" rotWithShape="0">
+                  <a:schemeClr val="dk1">
+                    <a:alpha val="40000"/>
+                  </a:schemeClr>
+                </a:outerShdw>
+              </a:effectLst>
+            </a:endParaRPr>
+          </a:p>
+        </p:txBody>
+      </p:sp>
+      <p:cxnSp>
+        <p:nvCxnSpPr>
+          <p:cNvPr id="5" name="Straight Arrow Connector 4"/>
+          <p:cNvCxnSpPr/>
+          <p:nvPr/>
+        </p:nvCxnSpPr>
+        <p:spPr>
+          <a:xfrm rot="16200000" flipH="1">
+            <a:off x="3447737" y="2098622"/>
+            <a:ext cx="1154243" cy="974361"/>
+          </a:xfrm>
+          <a:prstGeom prst="straightConnector1">
+            <a:avLst/>
+          </a:prstGeom>
+          <a:ln w="28575">
+            <a:solidFill>
+              <a:schemeClr val="tx1"/>
+            </a:solidFill>
+            <a:tailEnd type="arrow"/>
+          </a:ln>
+        </p:spPr>
+        <p:style>
+          <a:lnRef idx="1">
+            <a:schemeClr val="accent1"/>
+          </a:lnRef>
+          <a:fillRef idx="0">
+            <a:schemeClr val="accent1"/>
+          </a:fillRef>
+          <a:effectRef idx="0">
+            <a:schemeClr val="accent1"/>
+          </a:effectRef>
+          <a:fontRef idx="minor">
+            <a:schemeClr val="tx1"/>
+          </a:fontRef>
+        </p:style>
+      </p:cxnSp>
+      <p:cxnSp>
+        <p:nvCxnSpPr>
+          <p:cNvPr id="9" name="Straight Arrow Connector 8"/>
+          <p:cNvCxnSpPr/>
+          <p:nvPr/>
+        </p:nvCxnSpPr>
+        <p:spPr>
+          <a:xfrm flipV="1">
+            <a:off x="3585147" y="1424066"/>
+            <a:ext cx="2246027" cy="362260"/>
+          </a:xfrm>
+          <a:prstGeom prst="straightConnector1">
+            <a:avLst/>
+          </a:prstGeom>
+          <a:ln w="28575">
+            <a:solidFill>
+              <a:schemeClr val="tx1"/>
+            </a:solidFill>
+            <a:tailEnd type="arrow"/>
+          </a:ln>
+        </p:spPr>
+        <p:style>
+          <a:lnRef idx="1">
+            <a:schemeClr val="accent1"/>
+          </a:lnRef>
+          <a:fillRef idx="0">
+            <a:schemeClr val="accent1"/>
+          </a:fillRef>
+          <a:effectRef idx="0">
+            <a:schemeClr val="accent1"/>
+          </a:effectRef>
+          <a:fontRef idx="minor">
+            <a:schemeClr val="tx1"/>
+          </a:fontRef>
+        </p:style>
+      </p:cxnSp>
+      <p:sp>
+        <p:nvSpPr>
+          <p:cNvPr id="11" name="Rectangle 10"/>
+          <p:cNvSpPr/>
+          <p:nvPr/>
+        </p:nvSpPr>
+        <p:spPr>
+          <a:xfrm>
+            <a:off x="7659975" y="3582650"/>
+            <a:ext cx="1308356" cy="461665"/>
+          </a:xfrm>
+          <a:prstGeom prst="rect">
+            <a:avLst/>
+          </a:prstGeom>
+          <a:noFill/>
+        </p:spPr>
+        <p:txBody>
+          <a:bodyPr wrap="square" lIns="91440" tIns="45720" rIns="91440" bIns="45720">
+            <a:spAutoFit/>
+          </a:bodyPr>
+          <a:lstStyle/>
+          <a:p>
+            <a:pPr algn="ctr"/>
+            <a:r>
+              <a:rPr lang="en-US" sz="2400" b="0" cap="none" spc="0" dirty="0" smtClean="0">
+                <a:ln w="0"/>
+                <a:solidFill>
+                  <a:schemeClr val="tx1"/>
+                </a:solidFill>
+                <a:effectLst>
+                  <a:outerShdw blurRad="38100" dist="19050" dir="2700000" algn="tl" rotWithShape="0">
+                    <a:schemeClr val="dk1">
+                      <a:alpha val="40000"/>
+                    </a:schemeClr>
+                  </a:outerShdw>
+                </a:effectLst>
+              </a:rPr>
+              <a:t>154 pm</a:t>
+            </a:r>
+          </a:p>
+        </p:txBody>
+      </p:sp>
+      <p:cxnSp>
+        <p:nvCxnSpPr>
+          <p:cNvPr id="12" name="Straight Arrow Connector 11"/>
+          <p:cNvCxnSpPr/>
+          <p:nvPr/>
+        </p:nvCxnSpPr>
+        <p:spPr>
+          <a:xfrm>
+            <a:off x="7525008" y="4137259"/>
+            <a:ext cx="1574022" cy="74977"/>
+          </a:xfrm>
+          <a:prstGeom prst="straightConnector1">
+            <a:avLst/>
+          </a:prstGeom>
+          <a:ln w="38100">
+            <a:solidFill>
+              <a:schemeClr val="tx1"/>
+            </a:solidFill>
+            <a:headEnd type="arrow"/>
+            <a:tailEnd type="arrow"/>
+          </a:ln>
+        </p:spPr>
+        <p:style>
+          <a:lnRef idx="1">
+            <a:schemeClr val="accent1"/>
+          </a:lnRef>
+          <a:fillRef idx="0">
+            <a:schemeClr val="accent1"/>
+          </a:fillRef>
+          <a:effectRef idx="0">
+            <a:schemeClr val="accent1"/>
+          </a:effectRef>
+          <a:fontRef idx="minor">
+            <a:schemeClr val="tx1"/>
+          </a:fontRef>
+        </p:style>
+      </p:cxnSp>
+      <p:cxnSp>
+        <p:nvCxnSpPr>
+          <p:cNvPr id="13" name="Straight Connector 12"/>
+          <p:cNvCxnSpPr/>
+          <p:nvPr/>
+        </p:nvCxnSpPr>
+        <p:spPr>
+          <a:xfrm rot="5400000">
+            <a:off x="7045323" y="4017337"/>
+            <a:ext cx="1049311" cy="1"/>
+          </a:xfrm>
+          <a:prstGeom prst="line">
+            <a:avLst/>
+          </a:prstGeom>
+          <a:ln w="28575">
+            <a:solidFill>
+              <a:schemeClr val="tx1"/>
+            </a:solidFill>
+          </a:ln>
+        </p:spPr>
+        <p:style>
+          <a:lnRef idx="1">
+            <a:schemeClr val="accent1"/>
+          </a:lnRef>
+          <a:fillRef idx="0">
+            <a:schemeClr val="accent1"/>
+          </a:fillRef>
+          <a:effectRef idx="0">
+            <a:schemeClr val="accent1"/>
+          </a:effectRef>
+          <a:fontRef idx="minor">
+            <a:schemeClr val="tx1"/>
+          </a:fontRef>
+        </p:style>
+      </p:cxnSp>
+      <p:cxnSp>
+        <p:nvCxnSpPr>
+          <p:cNvPr id="14" name="Straight Connector 13"/>
+          <p:cNvCxnSpPr/>
+          <p:nvPr/>
+        </p:nvCxnSpPr>
+        <p:spPr>
+          <a:xfrm rot="5400000">
+            <a:off x="8546839" y="4469539"/>
+            <a:ext cx="1049311" cy="1"/>
+          </a:xfrm>
+          <a:prstGeom prst="line">
+            <a:avLst/>
+          </a:prstGeom>
+          <a:ln w="28575">
+            <a:solidFill>
+              <a:schemeClr val="tx1"/>
+            </a:solidFill>
+          </a:ln>
+        </p:spPr>
+        <p:style>
+          <a:lnRef idx="1">
+            <a:schemeClr val="accent1"/>
+          </a:lnRef>
+          <a:fillRef idx="0">
+            <a:schemeClr val="accent1"/>
+          </a:fillRef>
+          <a:effectRef idx="0">
+            <a:schemeClr val="accent1"/>
+          </a:effectRef>
+          <a:fontRef idx="minor">
+            <a:schemeClr val="tx1"/>
+          </a:fontRef>
+        </p:style>
+      </p:cxnSp>
+      <p:sp>
+        <p:nvSpPr>
+          <p:cNvPr id="17" name="Rectangle 16"/>
+          <p:cNvSpPr/>
+          <p:nvPr/>
+        </p:nvSpPr>
+        <p:spPr>
+          <a:xfrm>
+            <a:off x="553932" y="3762379"/>
+            <a:ext cx="3263394" cy="646331"/>
+          </a:xfrm>
+          <a:prstGeom prst="rect">
+            <a:avLst/>
+          </a:prstGeom>
+          <a:noFill/>
+        </p:spPr>
+        <p:txBody>
+          <a:bodyPr wrap="none" lIns="91440" tIns="45720" rIns="91440" bIns="45720">
+            <a:spAutoFit/>
+          </a:bodyPr>
+          <a:lstStyle/>
+          <a:p>
+            <a:pPr algn="ctr"/>
+            <a:r>
+              <a:rPr lang="en-US" sz="3600" b="0" cap="none" spc="0" dirty="0" smtClean="0">
+                <a:ln w="0"/>
+                <a:solidFill>
+                  <a:schemeClr val="tx1"/>
+                </a:solidFill>
+                <a:effectLst>
+                  <a:outerShdw blurRad="38100" dist="19050" dir="2700000" algn="tl" rotWithShape="0">
+                    <a:schemeClr val="dk1">
+                      <a:alpha val="40000"/>
+                    </a:schemeClr>
+                  </a:outerShdw>
+                </a:effectLst>
+              </a:rPr>
+              <a:t>Hydrogen Bonds</a:t>
+            </a:r>
+            <a:endParaRPr lang="en-US" sz="3600" b="0" cap="none" spc="0" dirty="0">
+              <a:ln w="0"/>
+              <a:solidFill>
+                <a:schemeClr val="tx1"/>
+              </a:solidFill>
+              <a:effectLst>
+                <a:outerShdw blurRad="38100" dist="19050" dir="2700000" algn="tl" rotWithShape="0">
+                  <a:schemeClr val="dk1">
+                    <a:alpha val="40000"/>
+                  </a:schemeClr>
+                </a:outerShdw>
+              </a:effectLst>
+            </a:endParaRPr>
+          </a:p>
+        </p:txBody>
+      </p:sp>
+      <p:cxnSp>
+        <p:nvCxnSpPr>
+          <p:cNvPr id="18" name="Straight Arrow Connector 17"/>
+          <p:cNvCxnSpPr/>
+          <p:nvPr/>
+        </p:nvCxnSpPr>
+        <p:spPr>
+          <a:xfrm flipV="1">
+            <a:off x="3707567" y="4032354"/>
+            <a:ext cx="849443" cy="124916"/>
+          </a:xfrm>
+          <a:prstGeom prst="straightConnector1">
+            <a:avLst/>
+          </a:prstGeom>
+          <a:ln w="28575">
+            <a:solidFill>
+              <a:schemeClr val="tx1"/>
+            </a:solidFill>
+            <a:tailEnd type="arrow"/>
+          </a:ln>
+        </p:spPr>
+        <p:style>
+          <a:lnRef idx="1">
+            <a:schemeClr val="accent1"/>
+          </a:lnRef>
+          <a:fillRef idx="0">
+            <a:schemeClr val="accent1"/>
+          </a:fillRef>
+          <a:effectRef idx="0">
+            <a:schemeClr val="accent1"/>
+          </a:effectRef>
+          <a:fontRef idx="minor">
+            <a:schemeClr val="tx1"/>
+          </a:fontRef>
+        </p:style>
+      </p:cxnSp>
+      <p:cxnSp>
+        <p:nvCxnSpPr>
+          <p:cNvPr id="20" name="Straight Arrow Connector 19"/>
+          <p:cNvCxnSpPr/>
+          <p:nvPr/>
+        </p:nvCxnSpPr>
+        <p:spPr>
+          <a:xfrm rot="16200000" flipH="1">
+            <a:off x="3050497" y="4459571"/>
+            <a:ext cx="682055" cy="682053"/>
+          </a:xfrm>
+          <a:prstGeom prst="straightConnector1">
+            <a:avLst/>
+          </a:prstGeom>
+          <a:ln w="28575">
+            <a:solidFill>
+              <a:schemeClr val="tx1"/>
+            </a:solidFill>
+            <a:tailEnd type="arrow"/>
+          </a:ln>
+        </p:spPr>
+        <p:style>
+          <a:lnRef idx="1">
+            <a:schemeClr val="accent1"/>
+          </a:lnRef>
+          <a:fillRef idx="0">
+            <a:schemeClr val="accent1"/>
+          </a:fillRef>
+          <a:effectRef idx="0">
+            <a:schemeClr val="accent1"/>
+          </a:effectRef>
+          <a:fontRef idx="minor">
+            <a:schemeClr val="tx1"/>
+          </a:fontRef>
+        </p:style>
+      </p:cxnSp>
     </p:spTree>
     <p:extLst>
       <p:ext uri="{BB962C8B-B14F-4D97-AF65-F5344CB8AC3E}">
-        <p14:creationId xmlns:p14="http://schemas.microsoft.com/office/powerpoint/2010/main" val="1843061998"/>
-      </p:ext>
-    </p:extLst>
-  </p:cSld>
-  <p:clrMapOvr>
-    <a:masterClrMapping/>
-  </p:clrMapOvr>
-</p:sld>
-</file>
-
-<file path=ppt/slides/slide29.xml><?xml version="1.0" encoding="utf-8"?>
-<p:sld xmlns:a="http://schemas.openxmlformats.org/drawingml/2006/main" xmlns:r="http://schemas.openxmlformats.org/officeDocument/2006/relationships" xmlns:p="http://schemas.openxmlformats.org/presentationml/2006/main">
-  <p:cSld>
-    <p:spTree>
-      <p:nvGrpSpPr>
-        <p:cNvPr id="1" name=""/>
-        <p:cNvGrpSpPr/>
-        <p:nvPr/>
-      </p:nvGrpSpPr>
-      <p:grpSpPr>
-        <a:xfrm>
-          <a:off x="0" y="0"/>
-          <a:ext cx="0" cy="0"/>
-          <a:chOff x="0" y="0"/>
-          <a:chExt cx="0" cy="0"/>
-        </a:xfrm>
-      </p:grpSpPr>
-      <p:sp>
-        <p:nvSpPr>
-          <p:cNvPr id="2" name="Title 1"/>
-          <p:cNvSpPr>
-            <a:spLocks noGrp="1"/>
-          </p:cNvSpPr>
-          <p:nvPr>
-            <p:ph type="title"/>
-          </p:nvPr>
-        </p:nvSpPr>
-        <p:spPr/>
-        <p:txBody>
-          <a:bodyPr/>
-          <a:lstStyle/>
-          <a:p>
-            <a:r>
-              <a:rPr lang="en-US" dirty="0" err="1" smtClean="0"/>
-              <a:t>Zener</a:t>
-            </a:r>
-            <a:r>
-              <a:rPr lang="en-US" dirty="0" smtClean="0"/>
-              <a:t> Diode as Voltage Regulator</a:t>
-            </a:r>
-            <a:endParaRPr lang="en-US" dirty="0"/>
-          </a:p>
-        </p:txBody>
-      </p:sp>
-      <p:pic>
-        <p:nvPicPr>
-          <p:cNvPr id="5122" name="Picture 2" descr="https://encrypted-tbn2.gstatic.com/images?q=tbn:ANd9GcTGA7uhRL2mN7CbIy48yPCM_GqS-BHBdbHiwiTJBpjJ3ndJZlt7KQ"/>
-          <p:cNvPicPr>
-            <a:picLocks noChangeAspect="1" noChangeArrowheads="1"/>
-          </p:cNvPicPr>
-          <p:nvPr/>
-        </p:nvPicPr>
-        <p:blipFill>
-          <a:blip r:embed="rId2">
-            <a:extLst>
-              <a:ext uri="{28A0092B-C50C-407E-A947-70E740481C1C}">
-                <a14:useLocalDpi xmlns:a14="http://schemas.microsoft.com/office/drawing/2010/main" val="0"/>
-              </a:ext>
-            </a:extLst>
-          </a:blip>
-          <a:srcRect/>
-          <a:stretch>
-            <a:fillRect/>
-          </a:stretch>
-        </p:blipFill>
-        <p:spPr bwMode="auto">
-          <a:xfrm>
-            <a:off x="2476744" y="1690688"/>
-            <a:ext cx="6568782" cy="5376869"/>
-          </a:xfrm>
-          <a:prstGeom prst="rect">
-            <a:avLst/>
-          </a:prstGeom>
-          <a:noFill/>
-          <a:extLst>
-            <a:ext uri="{909E8E84-426E-40DD-AFC4-6F175D3DCCD1}">
-              <a14:hiddenFill xmlns:a14="http://schemas.microsoft.com/office/drawing/2010/main">
-                <a:solidFill>
-                  <a:srgbClr val="FFFFFF"/>
-                </a:solidFill>
-              </a14:hiddenFill>
-            </a:ext>
-          </a:extLst>
-        </p:spPr>
-      </p:pic>
-    </p:spTree>
-    <p:extLst>
-      <p:ext uri="{BB962C8B-B14F-4D97-AF65-F5344CB8AC3E}">
-        <p14:creationId xmlns:p14="http://schemas.microsoft.com/office/powerpoint/2010/main" val="937412838"/>
+        <p14:creationId xmlns:p14="http://schemas.microsoft.com/office/powerpoint/2010/main" xmlns="" val="1843061998"/>
       </p:ext>
     </p:extLst>
   </p:cSld>
@@ -34039,7 +34859,7 @@
     </p:spTree>
     <p:extLst>
       <p:ext uri="{BB962C8B-B14F-4D97-AF65-F5344CB8AC3E}">
-        <p14:creationId xmlns:p14="http://schemas.microsoft.com/office/powerpoint/2010/main" val="1641149290"/>
+        <p14:creationId xmlns:p14="http://schemas.microsoft.com/office/powerpoint/2010/main" xmlns="" val="1641149290"/>
       </p:ext>
     </p:extLst>
   </p:cSld>
@@ -34066,9 +34886,36 @@
           <a:chExt cx="0" cy="0"/>
         </a:xfrm>
       </p:grpSpPr>
+      <p:sp>
+        <p:nvSpPr>
+          <p:cNvPr id="2" name="Title 1"/>
+          <p:cNvSpPr>
+            <a:spLocks noGrp="1"/>
+          </p:cNvSpPr>
+          <p:nvPr>
+            <p:ph type="title"/>
+          </p:nvPr>
+        </p:nvSpPr>
+        <p:spPr/>
+        <p:txBody>
+          <a:bodyPr/>
+          <a:lstStyle/>
+          <a:p>
+            <a:r>
+              <a:rPr lang="en-US" dirty="0" err="1" smtClean="0"/>
+              <a:t>Zener</a:t>
+            </a:r>
+            <a:r>
+              <a:rPr lang="en-US" dirty="0" smtClean="0"/>
+              <a:t> Diode as Voltage Regulator</a:t>
+            </a:r>
+            <a:endParaRPr lang="en-US" dirty="0"/>
+          </a:p>
+        </p:txBody>
+      </p:sp>
       <p:pic>
         <p:nvPicPr>
-          <p:cNvPr id="6148" name="Picture 4" descr="http://www.proprofs.com/quiz-school/user_upload/ckeditor/Screen%20Shot%202013-01-23%20at%2010_26_23%20AM.png"/>
+          <p:cNvPr id="5122" name="Picture 2" descr="https://encrypted-tbn2.gstatic.com/images?q=tbn:ANd9GcTGA7uhRL2mN7CbIy48yPCM_GqS-BHBdbHiwiTJBpjJ3ndJZlt7KQ"/>
           <p:cNvPicPr>
             <a:picLocks noChangeAspect="1" noChangeArrowheads="1"/>
           </p:cNvPicPr>
@@ -34078,7 +34925,7 @@
           <a:blip r:embed="rId2">
             <a:extLst>
               <a:ext uri="{28A0092B-C50C-407E-A947-70E740481C1C}">
-                <a14:useLocalDpi xmlns:a14="http://schemas.microsoft.com/office/drawing/2010/main" val="0"/>
+                <a14:useLocalDpi xmlns:a14="http://schemas.microsoft.com/office/drawing/2010/main" xmlns="" val="0"/>
               </a:ext>
             </a:extLst>
           </a:blip>
@@ -34089,8 +34936,8 @@
         </p:blipFill>
         <p:spPr bwMode="auto">
           <a:xfrm>
-            <a:off x="1795324" y="772523"/>
-            <a:ext cx="8253698" cy="6085477"/>
+            <a:off x="2476744" y="1690688"/>
+            <a:ext cx="6568782" cy="5376869"/>
           </a:xfrm>
           <a:prstGeom prst="rect">
             <a:avLst/>
@@ -34098,7 +34945,78 @@
           <a:noFill/>
           <a:extLst>
             <a:ext uri="{909E8E84-426E-40DD-AFC4-6F175D3DCCD1}">
-              <a14:hiddenFill xmlns:a14="http://schemas.microsoft.com/office/drawing/2010/main">
+              <a14:hiddenFill xmlns:a14="http://schemas.microsoft.com/office/drawing/2010/main" xmlns="">
+                <a:solidFill>
+                  <a:srgbClr val="FFFFFF"/>
+                </a:solidFill>
+              </a14:hiddenFill>
+            </a:ext>
+          </a:extLst>
+        </p:spPr>
+      </p:pic>
+    </p:spTree>
+    <p:extLst>
+      <p:ext uri="{BB962C8B-B14F-4D97-AF65-F5344CB8AC3E}">
+        <p14:creationId xmlns:p14="http://schemas.microsoft.com/office/powerpoint/2010/main" xmlns="" val="937412838"/>
+      </p:ext>
+    </p:extLst>
+  </p:cSld>
+  <p:clrMapOvr>
+    <a:masterClrMapping/>
+  </p:clrMapOvr>
+</p:sld>
+</file>
+
+<file path=ppt/slides/slide31.xml><?xml version="1.0" encoding="utf-8"?>
+<p:sld xmlns:a="http://schemas.openxmlformats.org/drawingml/2006/main" xmlns:r="http://schemas.openxmlformats.org/officeDocument/2006/relationships" xmlns:p="http://schemas.openxmlformats.org/presentationml/2006/main">
+  <p:cSld>
+    <p:spTree>
+      <p:nvGrpSpPr>
+        <p:cNvPr id="1" name=""/>
+        <p:cNvGrpSpPr/>
+        <p:nvPr/>
+      </p:nvGrpSpPr>
+      <p:grpSpPr>
+        <a:xfrm>
+          <a:off x="0" y="0"/>
+          <a:ext cx="0" cy="0"/>
+          <a:chOff x="0" y="0"/>
+          <a:chExt cx="0" cy="0"/>
+        </a:xfrm>
+      </p:grpSpPr>
+      <p:pic>
+        <p:nvPicPr>
+          <p:cNvPr id="6148" name="Picture 4" descr="http://www.proprofs.com/quiz-school/user_upload/ckeditor/Screen%20Shot%202013-01-23%20at%2010_26_23%20AM.png"/>
+          <p:cNvPicPr>
+            <a:picLocks noChangeAspect="1" noChangeArrowheads="1"/>
+          </p:cNvPicPr>
+          <p:nvPr/>
+        </p:nvPicPr>
+        <p:blipFill>
+          <a:blip r:embed="rId2">
+            <a:extLst>
+              <a:ext uri="{28A0092B-C50C-407E-A947-70E740481C1C}">
+                <a14:useLocalDpi xmlns:a14="http://schemas.microsoft.com/office/drawing/2010/main" xmlns="" val="0"/>
+              </a:ext>
+            </a:extLst>
+          </a:blip>
+          <a:srcRect/>
+          <a:stretch>
+            <a:fillRect/>
+          </a:stretch>
+        </p:blipFill>
+        <p:spPr bwMode="auto">
+          <a:xfrm>
+            <a:off x="1795324" y="772523"/>
+            <a:ext cx="8253698" cy="6085477"/>
+          </a:xfrm>
+          <a:prstGeom prst="rect">
+            <a:avLst/>
+          </a:prstGeom>
+          <a:noFill/>
+          <a:extLst>
+            <a:ext uri="{909E8E84-426E-40DD-AFC4-6F175D3DCCD1}">
+              <a14:hiddenFill xmlns:a14="http://schemas.microsoft.com/office/drawing/2010/main" xmlns="">
                 <a:solidFill>
                   <a:srgbClr val="FFFFFF"/>
                 </a:solidFill>
@@ -34165,7 +35083,7 @@
     </p:spTree>
     <p:extLst>
       <p:ext uri="{BB962C8B-B14F-4D97-AF65-F5344CB8AC3E}">
-        <p14:creationId xmlns:p14="http://schemas.microsoft.com/office/powerpoint/2010/main" val="2252222351"/>
+        <p14:creationId xmlns:p14="http://schemas.microsoft.com/office/powerpoint/2010/main" xmlns="" val="2252222351"/>
       </p:ext>
     </p:extLst>
   </p:cSld>
@@ -34175,7 +35093,7 @@
 </p:sld>
 </file>
 
-<file path=ppt/slides/slide31.xml><?xml version="1.0" encoding="utf-8"?>
+<file path=ppt/slides/slide32.xml><?xml version="1.0" encoding="utf-8"?>
 <p:sld xmlns:a="http://schemas.openxmlformats.org/drawingml/2006/main" xmlns:r="http://schemas.openxmlformats.org/officeDocument/2006/relationships" xmlns:p="http://schemas.openxmlformats.org/presentationml/2006/main">
   <p:cSld>
     <p:spTree>
@@ -34250,7 +35168,7 @@
     </p:spTree>
     <p:extLst>
       <p:ext uri="{BB962C8B-B14F-4D97-AF65-F5344CB8AC3E}">
-        <p14:creationId xmlns:p14="http://schemas.microsoft.com/office/powerpoint/2010/main" val="737702640"/>
+        <p14:creationId xmlns:p14="http://schemas.microsoft.com/office/powerpoint/2010/main" xmlns="" val="737702640"/>
       </p:ext>
     </p:extLst>
   </p:cSld>
@@ -34260,7 +35178,7 @@
 </p:sld>
 </file>
 
-<file path=ppt/slides/slide32.xml><?xml version="1.0" encoding="utf-8"?>
+<file path=ppt/slides/slide33.xml><?xml version="1.0" encoding="utf-8"?>
 <p:sld xmlns:a="http://schemas.openxmlformats.org/drawingml/2006/main" xmlns:r="http://schemas.openxmlformats.org/officeDocument/2006/relationships" xmlns:p="http://schemas.openxmlformats.org/presentationml/2006/main">
   <p:cSld>
     <p:spTree>
@@ -34289,7 +35207,7 @@
           <a:blip r:embed="rId2">
             <a:extLst>
               <a:ext uri="{28A0092B-C50C-407E-A947-70E740481C1C}">
-                <a14:useLocalDpi xmlns:a14="http://schemas.microsoft.com/office/drawing/2010/main" val="0"/>
+                <a14:useLocalDpi xmlns:a14="http://schemas.microsoft.com/office/drawing/2010/main" xmlns="" val="0"/>
               </a:ext>
             </a:extLst>
           </a:blip>
@@ -34309,7 +35227,7 @@
           <a:noFill/>
           <a:extLst>
             <a:ext uri="{909E8E84-426E-40DD-AFC4-6F175D3DCCD1}">
-              <a14:hiddenFill xmlns:a14="http://schemas.microsoft.com/office/drawing/2010/main">
+              <a14:hiddenFill xmlns:a14="http://schemas.microsoft.com/office/drawing/2010/main" xmlns="">
                 <a:solidFill>
                   <a:srgbClr val="FFFFFF"/>
                 </a:solidFill>
@@ -34376,78 +35294,7 @@
     </p:spTree>
     <p:extLst>
       <p:ext uri="{BB962C8B-B14F-4D97-AF65-F5344CB8AC3E}">
-        <p14:creationId xmlns:p14="http://schemas.microsoft.com/office/powerpoint/2010/main" val="1465778922"/>
-      </p:ext>
-    </p:extLst>
-  </p:cSld>
-  <p:clrMapOvr>
-    <a:masterClrMapping/>
-  </p:clrMapOvr>
-</p:sld>
-</file>
-
-<file path=ppt/slides/slide33.xml><?xml version="1.0" encoding="utf-8"?>
-<p:sld xmlns:a="http://schemas.openxmlformats.org/drawingml/2006/main" xmlns:r="http://schemas.openxmlformats.org/officeDocument/2006/relationships" xmlns:p="http://schemas.openxmlformats.org/presentationml/2006/main">
-  <p:cSld>
-    <p:spTree>
-      <p:nvGrpSpPr>
-        <p:cNvPr id="1" name=""/>
-        <p:cNvGrpSpPr/>
-        <p:nvPr/>
-      </p:nvGrpSpPr>
-      <p:grpSpPr>
-        <a:xfrm>
-          <a:off x="0" y="0"/>
-          <a:ext cx="0" cy="0"/>
-          <a:chOff x="0" y="0"/>
-          <a:chExt cx="0" cy="0"/>
-        </a:xfrm>
-      </p:grpSpPr>
-      <p:pic>
-        <p:nvPicPr>
-          <p:cNvPr id="9218" name="Picture 2" descr="http://www.memrise.com/s3_proxy/?f=uploads/mems/3362574000130524125134.gif"/>
-          <p:cNvPicPr>
-            <a:picLocks noChangeAspect="1" noChangeArrowheads="1"/>
-          </p:cNvPicPr>
-          <p:nvPr/>
-        </p:nvPicPr>
-        <p:blipFill>
-          <a:blip r:embed="rId2">
-            <a:extLst>
-              <a:ext uri="{28A0092B-C50C-407E-A947-70E740481C1C}">
-                <a14:useLocalDpi xmlns:a14="http://schemas.microsoft.com/office/drawing/2010/main" val="0"/>
-              </a:ext>
-            </a:extLst>
-          </a:blip>
-          <a:srcRect/>
-          <a:stretch>
-            <a:fillRect/>
-          </a:stretch>
-        </p:blipFill>
-        <p:spPr bwMode="auto">
-          <a:xfrm>
-            <a:off x="1421667" y="175846"/>
-            <a:ext cx="9355016" cy="6682154"/>
-          </a:xfrm>
-          <a:prstGeom prst="rect">
-            <a:avLst/>
-          </a:prstGeom>
-          <a:noFill/>
-          <a:extLst>
-            <a:ext uri="{909E8E84-426E-40DD-AFC4-6F175D3DCCD1}">
-              <a14:hiddenFill xmlns:a14="http://schemas.microsoft.com/office/drawing/2010/main">
-                <a:solidFill>
-                  <a:srgbClr val="FFFFFF"/>
-                </a:solidFill>
-              </a14:hiddenFill>
-            </a:ext>
-          </a:extLst>
-        </p:spPr>
-      </p:pic>
-    </p:spTree>
-    <p:extLst>
-      <p:ext uri="{BB962C8B-B14F-4D97-AF65-F5344CB8AC3E}">
-        <p14:creationId xmlns:p14="http://schemas.microsoft.com/office/powerpoint/2010/main" val="2199528279"/>
+        <p14:creationId xmlns:p14="http://schemas.microsoft.com/office/powerpoint/2010/main" xmlns="" val="1465778922"/>
       </p:ext>
     </p:extLst>
   </p:cSld>
@@ -34476,7 +35323,7 @@
       </p:grpSpPr>
       <p:pic>
         <p:nvPicPr>
-          <p:cNvPr id="10244" name="Picture 4" descr="http://www.nestlefamily.com/Nirf/cm2/upload/EBC53EC4-EB35-4E09-B76B-551540583430/5.06.04_Whats_In_The_Night_Sky_tp.gif"/>
+          <p:cNvPr id="9218" name="Picture 2" descr="http://www.memrise.com/s3_proxy/?f=uploads/mems/3362574000130524125134.gif"/>
           <p:cNvPicPr>
             <a:picLocks noChangeAspect="1" noChangeArrowheads="1"/>
           </p:cNvPicPr>
@@ -34486,7 +35333,78 @@
           <a:blip r:embed="rId2">
             <a:extLst>
               <a:ext uri="{28A0092B-C50C-407E-A947-70E740481C1C}">
-                <a14:useLocalDpi xmlns:a14="http://schemas.microsoft.com/office/drawing/2010/main" val="0"/>
+                <a14:useLocalDpi xmlns:a14="http://schemas.microsoft.com/office/drawing/2010/main" xmlns="" val="0"/>
+              </a:ext>
+            </a:extLst>
+          </a:blip>
+          <a:srcRect/>
+          <a:stretch>
+            <a:fillRect/>
+          </a:stretch>
+        </p:blipFill>
+        <p:spPr bwMode="auto">
+          <a:xfrm>
+            <a:off x="1421667" y="175846"/>
+            <a:ext cx="9355016" cy="6682154"/>
+          </a:xfrm>
+          <a:prstGeom prst="rect">
+            <a:avLst/>
+          </a:prstGeom>
+          <a:noFill/>
+          <a:extLst>
+            <a:ext uri="{909E8E84-426E-40DD-AFC4-6F175D3DCCD1}">
+              <a14:hiddenFill xmlns:a14="http://schemas.microsoft.com/office/drawing/2010/main" xmlns="">
+                <a:solidFill>
+                  <a:srgbClr val="FFFFFF"/>
+                </a:solidFill>
+              </a14:hiddenFill>
+            </a:ext>
+          </a:extLst>
+        </p:spPr>
+      </p:pic>
+    </p:spTree>
+    <p:extLst>
+      <p:ext uri="{BB962C8B-B14F-4D97-AF65-F5344CB8AC3E}">
+        <p14:creationId xmlns:p14="http://schemas.microsoft.com/office/powerpoint/2010/main" xmlns="" val="2199528279"/>
+      </p:ext>
+    </p:extLst>
+  </p:cSld>
+  <p:clrMapOvr>
+    <a:masterClrMapping/>
+  </p:clrMapOvr>
+</p:sld>
+</file>
+
+<file path=ppt/slides/slide35.xml><?xml version="1.0" encoding="utf-8"?>
+<p:sld xmlns:a="http://schemas.openxmlformats.org/drawingml/2006/main" xmlns:r="http://schemas.openxmlformats.org/officeDocument/2006/relationships" xmlns:p="http://schemas.openxmlformats.org/presentationml/2006/main">
+  <p:cSld>
+    <p:spTree>
+      <p:nvGrpSpPr>
+        <p:cNvPr id="1" name=""/>
+        <p:cNvGrpSpPr/>
+        <p:nvPr/>
+      </p:nvGrpSpPr>
+      <p:grpSpPr>
+        <a:xfrm>
+          <a:off x="0" y="0"/>
+          <a:ext cx="0" cy="0"/>
+          <a:chOff x="0" y="0"/>
+          <a:chExt cx="0" cy="0"/>
+        </a:xfrm>
+      </p:grpSpPr>
+      <p:pic>
+        <p:nvPicPr>
+          <p:cNvPr id="10244" name="Picture 4" descr="http://www.nestlefamily.com/Nirf/cm2/upload/EBC53EC4-EB35-4E09-B76B-551540583430/5.06.04_Whats_In_The_Night_Sky_tp.gif"/>
+          <p:cNvPicPr>
+            <a:picLocks noChangeAspect="1" noChangeArrowheads="1"/>
+          </p:cNvPicPr>
+          <p:nvPr/>
+        </p:nvPicPr>
+        <p:blipFill>
+          <a:blip r:embed="rId2">
+            <a:extLst>
+              <a:ext uri="{28A0092B-C50C-407E-A947-70E740481C1C}">
+                <a14:useLocalDpi xmlns:a14="http://schemas.microsoft.com/office/drawing/2010/main" xmlns="" val="0"/>
               </a:ext>
             </a:extLst>
           </a:blip>
@@ -34506,7 +35424,7 @@
           <a:noFill/>
           <a:extLst>
             <a:ext uri="{909E8E84-426E-40DD-AFC4-6F175D3DCCD1}">
-              <a14:hiddenFill xmlns:a14="http://schemas.microsoft.com/office/drawing/2010/main">
+              <a14:hiddenFill xmlns:a14="http://schemas.microsoft.com/office/drawing/2010/main" xmlns="">
                 <a:solidFill>
                   <a:srgbClr val="FFFFFF"/>
                 </a:solidFill>
@@ -34518,7 +35436,7 @@
     </p:spTree>
     <p:extLst>
       <p:ext uri="{BB962C8B-B14F-4D97-AF65-F5344CB8AC3E}">
-        <p14:creationId xmlns:p14="http://schemas.microsoft.com/office/powerpoint/2010/main" val="453922025"/>
+        <p14:creationId xmlns:p14="http://schemas.microsoft.com/office/powerpoint/2010/main" xmlns="" val="453922025"/>
       </p:ext>
     </p:extLst>
   </p:cSld>
@@ -34528,7 +35446,7 @@
 </p:sld>
 </file>
 
-<file path=ppt/slides/slide35.xml><?xml version="1.0" encoding="utf-8"?>
+<file path=ppt/slides/slide36.xml><?xml version="1.0" encoding="utf-8"?>
 <p:sld xmlns:a="http://schemas.openxmlformats.org/drawingml/2006/main" xmlns:r="http://schemas.openxmlformats.org/officeDocument/2006/relationships" xmlns:p="http://schemas.openxmlformats.org/presentationml/2006/main">
   <p:cSld>
     <p:spTree>
@@ -34603,7 +35521,7 @@
     </p:spTree>
     <p:extLst>
       <p:ext uri="{BB962C8B-B14F-4D97-AF65-F5344CB8AC3E}">
-        <p14:creationId xmlns:p14="http://schemas.microsoft.com/office/powerpoint/2010/main" val="1948896922"/>
+        <p14:creationId xmlns:p14="http://schemas.microsoft.com/office/powerpoint/2010/main" xmlns="" val="1948896922"/>
       </p:ext>
     </p:extLst>
   </p:cSld>
@@ -34613,7 +35531,7 @@
 </p:sld>
 </file>
 
-<file path=ppt/slides/slide36.xml><?xml version="1.0" encoding="utf-8"?>
+<file path=ppt/slides/slide37.xml><?xml version="1.0" encoding="utf-8"?>
 <p:sld xmlns:a="http://schemas.openxmlformats.org/drawingml/2006/main" xmlns:r="http://schemas.openxmlformats.org/officeDocument/2006/relationships" xmlns:p="http://schemas.openxmlformats.org/presentationml/2006/main">
   <p:cSld>
     <p:spTree>
@@ -34644,7 +35562,7 @@
           <a:blip r:embed="rId2">
             <a:extLst>
               <a:ext uri="{28A0092B-C50C-407E-A947-70E740481C1C}">
-                <a14:useLocalDpi xmlns:a14="http://schemas.microsoft.com/office/drawing/2010/main" val="0"/>
+                <a14:useLocalDpi xmlns:a14="http://schemas.microsoft.com/office/drawing/2010/main" xmlns="" val="0"/>
               </a:ext>
             </a:extLst>
           </a:blip>
@@ -34664,7 +35582,7 @@
           <a:noFill/>
           <a:extLst>
             <a:ext uri="{909E8E84-426E-40DD-AFC4-6F175D3DCCD1}">
-              <a14:hiddenFill xmlns:a14="http://schemas.microsoft.com/office/drawing/2010/main">
+              <a14:hiddenFill xmlns:a14="http://schemas.microsoft.com/office/drawing/2010/main" xmlns="">
                 <a:solidFill>
                   <a:srgbClr val="FFFFFF"/>
                 </a:solidFill>
@@ -34676,78 +35594,7 @@
     </p:spTree>
     <p:extLst>
       <p:ext uri="{BB962C8B-B14F-4D97-AF65-F5344CB8AC3E}">
-        <p14:creationId xmlns:p14="http://schemas.microsoft.com/office/powerpoint/2010/main" val="168840778"/>
-      </p:ext>
-    </p:extLst>
-  </p:cSld>
-  <p:clrMapOvr>
-    <a:masterClrMapping/>
-  </p:clrMapOvr>
-</p:sld>
-</file>
-
-<file path=ppt/slides/slide37.xml><?xml version="1.0" encoding="utf-8"?>
-<p:sld xmlns:a="http://schemas.openxmlformats.org/drawingml/2006/main" xmlns:r="http://schemas.openxmlformats.org/officeDocument/2006/relationships" xmlns:p="http://schemas.openxmlformats.org/presentationml/2006/main">
-  <p:cSld>
-    <p:spTree>
-      <p:nvGrpSpPr>
-        <p:cNvPr id="1" name=""/>
-        <p:cNvGrpSpPr/>
-        <p:nvPr/>
-      </p:nvGrpSpPr>
-      <p:grpSpPr>
-        <a:xfrm>
-          <a:off x="0" y="0"/>
-          <a:ext cx="0" cy="0"/>
-          <a:chOff x="0" y="0"/>
-          <a:chExt cx="0" cy="0"/>
-        </a:xfrm>
-      </p:grpSpPr>
-      <p:pic>
-        <p:nvPicPr>
-          <p:cNvPr id="1026" name="Picture 2" descr="Electromagnetic induction, a basic test setup"/>
-          <p:cNvPicPr>
-            <a:picLocks noChangeAspect="1" noChangeArrowheads="1"/>
-          </p:cNvPicPr>
-          <p:nvPr/>
-        </p:nvPicPr>
-        <p:blipFill>
-          <a:blip r:embed="rId2">
-            <a:extLst>
-              <a:ext uri="{28A0092B-C50C-407E-A947-70E740481C1C}">
-                <a14:useLocalDpi xmlns:a14="http://schemas.microsoft.com/office/drawing/2010/main" val="0"/>
-              </a:ext>
-            </a:extLst>
-          </a:blip>
-          <a:srcRect/>
-          <a:stretch>
-            <a:fillRect/>
-          </a:stretch>
-        </p:blipFill>
-        <p:spPr bwMode="auto">
-          <a:xfrm>
-            <a:off x="271484" y="347730"/>
-            <a:ext cx="10174631" cy="6375042"/>
-          </a:xfrm>
-          <a:prstGeom prst="rect">
-            <a:avLst/>
-          </a:prstGeom>
-          <a:noFill/>
-          <a:extLst>
-            <a:ext uri="{909E8E84-426E-40DD-AFC4-6F175D3DCCD1}">
-              <a14:hiddenFill xmlns:a14="http://schemas.microsoft.com/office/drawing/2010/main">
-                <a:solidFill>
-                  <a:srgbClr val="FFFFFF"/>
-                </a:solidFill>
-              </a14:hiddenFill>
-            </a:ext>
-          </a:extLst>
-        </p:spPr>
-      </p:pic>
-    </p:spTree>
-    <p:extLst>
-      <p:ext uri="{BB962C8B-B14F-4D97-AF65-F5344CB8AC3E}">
-        <p14:creationId xmlns:p14="http://schemas.microsoft.com/office/powerpoint/2010/main" val="3030657797"/>
+        <p14:creationId xmlns:p14="http://schemas.microsoft.com/office/powerpoint/2010/main" xmlns="" val="168840778"/>
       </p:ext>
     </p:extLst>
   </p:cSld>
@@ -34776,7 +35623,7 @@
       </p:grpSpPr>
       <p:pic>
         <p:nvPicPr>
-          <p:cNvPr id="2054" name="Picture 6" descr="https://encrypted-tbn0.gstatic.com/images?q=tbn:ANd9GcSO6PtVQCsEElNi1hbhjtX-7Tx_Rt2WqDzemIiOzYLVDi0JHpt7kQ"/>
+          <p:cNvPr id="1026" name="Picture 2" descr="Electromagnetic induction, a basic test setup"/>
           <p:cNvPicPr>
             <a:picLocks noChangeAspect="1" noChangeArrowheads="1"/>
           </p:cNvPicPr>
@@ -34786,7 +35633,7 @@
           <a:blip r:embed="rId2">
             <a:extLst>
               <a:ext uri="{28A0092B-C50C-407E-A947-70E740481C1C}">
-                <a14:useLocalDpi xmlns:a14="http://schemas.microsoft.com/office/drawing/2010/main" val="0"/>
+                <a14:useLocalDpi xmlns:a14="http://schemas.microsoft.com/office/drawing/2010/main" xmlns="" val="0"/>
               </a:ext>
             </a:extLst>
           </a:blip>
@@ -34797,8 +35644,8 @@
         </p:blipFill>
         <p:spPr bwMode="auto">
           <a:xfrm>
-            <a:off x="1456342" y="359534"/>
-            <a:ext cx="9130092" cy="6131157"/>
+            <a:off x="271484" y="347730"/>
+            <a:ext cx="10174631" cy="6375042"/>
           </a:xfrm>
           <a:prstGeom prst="rect">
             <a:avLst/>
@@ -34806,7 +35653,7 @@
           <a:noFill/>
           <a:extLst>
             <a:ext uri="{909E8E84-426E-40DD-AFC4-6F175D3DCCD1}">
-              <a14:hiddenFill xmlns:a14="http://schemas.microsoft.com/office/drawing/2010/main">
+              <a14:hiddenFill xmlns:a14="http://schemas.microsoft.com/office/drawing/2010/main" xmlns="">
                 <a:solidFill>
                   <a:srgbClr val="FFFFFF"/>
                 </a:solidFill>
@@ -34818,7 +35665,7 @@
     </p:spTree>
     <p:extLst>
       <p:ext uri="{BB962C8B-B14F-4D97-AF65-F5344CB8AC3E}">
-        <p14:creationId xmlns:p14="http://schemas.microsoft.com/office/powerpoint/2010/main" val="2862721199"/>
+        <p14:creationId xmlns:p14="http://schemas.microsoft.com/office/powerpoint/2010/main" xmlns="" val="3030657797"/>
       </p:ext>
     </p:extLst>
   </p:cSld>
@@ -34845,18 +35692,31 @@
           <a:chExt cx="0" cy="0"/>
         </a:xfrm>
       </p:grpSpPr>
-      <p:sp>
-        <p:nvSpPr>
-          <p:cNvPr id="6" name="AutoShape 6" descr="data:image/jpeg;base64,/9j/4AAQSkZJRgABAQAAAQABAAD/2wCEAAkGBxQSEhQUEBQWFhQVFB4YGRgVFxwYFRcVFhcXGBYUFxQYHSggHRwlHRgVIzIhJSktLi4uGCAzRDYsNygtLisBCgoKDg0OGhAQGywmHyQsLCw0LiwrLCw0LCwsLCwsLCwsLCwsLCwsLCwsLCwsLCwsLCwsLCwsLCwsLCwsLCwsLP/AABEIAKsBJgMBEQACEQEDEQH/xAAbAAEAAgMBAQAAAAAAAAAAAAAABAYBAwUCB//EAEgQAAIBAwEFAwcICAQFBQEAAAECAwAEERIFBhMhMRYiURRBUlRhkZIHFyMyU3HS4RUzQoGTobHRcoKj8DRVc7TBJENiouKD/8QAGgEBAQADAQEAAAAAAAAAAAAAAAECAwQFBv/EADURAAIBAQUGBQQBBAIDAAAAAAABAgMREhRRkQQTIVJTkhUxcaHRMkFhsfAzgaLhBcEiI0L/2gAMAwEAAhEDEQA/APuNAczbthJMgWGUxMDnUOYI8CARWupTvqy1r0dhprUVVVjbXo7Dg9mbz14/C34604Vc0tTmwC6k+4dmb314/AfxUwq55ajALqT7h2ZvfXz8B/FTCrnlqMAupPuHZm99fPwn8VMKuaWowC6k+4dmb318/AfxUwq5pajALqT7jHZm99fPwH8VMKuaWowEeefcOzN76+fhP4qYVc0tRgI88+5kvZOwrqOVXlvGkQdU041cvOSTWynRUHam36s3UdlVKV5Sk/V2lnrcdIoBQFV303rNjJboBbjjiTv3MxhjXhBDjUEbJOs+bzUAbfe3jVPKGGswpMxgV5oVilcosnGCAaMjqQPHFASJN87RXkRnbMQky3DbQxgAaZEfGGZQeYHgeuDgCM2/9mFDEzBdAkJMEndjd+HG7jTlQzA4JHMc+lAdO03jt5HSNGJd3lQLoYENbELNq5cgCVGTyOoeNAVXb3yiNbXVxBotyIHjXS9wUuJeKkbfRQ8Mg4145sOnmoCy3G9VvHOYJOIrhWbJjbQ3DQSOFfGGIU55cuozkYoCLHv1aMjMGk5CMhTE4eQXBIhMaEZbUQR+4+bnQHmx3vVrK5vJIyqW8ky6eeplgZlBIYDSzY+qemcUB5sd4rhZCt5FAi8FpSIJjLLHpAOh4dIdiVPIoDzBHhkDcm+9qVBBl1GYwcPhOZOMqcTRoA9HnnpQGYd9rR2iVGdzMqsNMbnSsjtGuvlle+jg+jpOcCgJO2d4UtpNMxAjFtJOzd4uFhaJThQuCPpPHPTAPPAGyx2/FOk7RatUBIdXRo2B0B1yGAOCpBB9tAUm2+VMvDaP5MBLcTaHj4nKKP6EiXVp5ki4hOMD63soDu7W+UC3hScqkrSQ6ToMTqWVpOEHGV+rqzz+7xBoCed8rUSNGWcMuoEmNguuOPivEGIwXCc9PsI6gigIlpvxDK44YcxG3eYExSiZgjxJmOHh95TxBzznPmIyQB4uN/IFMLj9Q4nMjsGDxG1HfXh6SSc5H9M0BYNi7WS6QvEHADaSHUqcjB8/UYI5jIoCfQCgFAKAGgKGu2ibuQS3rxSpdcNLMIrCSEJlTo08Q6wS3FB0rjH7JyBos9+p5QgWOAtKYMHU2mI3JkBhmHXix6OYGM8xhetARbjfqeTyZQYoS8tqGGSXl41y0coiB5aAI2B6nvdRjmBLj+UF3VQiwhikWssx0QvLO8TcUDmAujpyOSBkdaA1tvbOZv1kTRnyUqsJOWEzPrZC4yyNpx08OdAbbLfmeTQFjhLSNCAQWKRG4aVTDL5+KmgEjlnPQdaA27c3jmbZdvcK4hklniR2RlUBWm4cml5QyqMAnLA4oDk2u/ssMMQZ0mZrl1LOyktCs8cQKzR6Y3YcQc1B8NPImgJz7+zrqLRxaWWUoctiMQXyWbSTH0O/xDjGAp+8AWLcXaUlxbyPK6uwuZkDJ9TSkrKun2YHL/zQFioBQHF29u8LmSGUTzQSQhwrQ8PmJdAYMJY3H7A6Y6mgIN7uVHMsomnndprdbd3JjDlI5HkVhiMKGy5HTGAOVAaW+T+313DBnAnEuQEiyjXAxI6SmMvnm2AWIGo8iOQA5m9m5c0zhbUhUe3ihkYy6SVhk1KXjER14GcaWTJODkdAOxsHd5o767u5VVeIFSJVYv3QAHlOVGlnCxZUdNHU5oDztTcaOeS5c3NyiXenjRIYuG4WNY8d6IuMqozhvOelAa2+T+A3Dz8WXLa+79HyEkXBZQ5QuVAwQC3Ij76A2T7iwtgrLMrrHAiOCmpfJGcxuAUwWOtgcjBB6CgJ+z92Io7aa2ZnljneRpDKV1MZyWk+oqgcyfNQHJf5Po31Ga5uZG4DwIzGMSJHIACeIkYZ2wqjLk9PacgQ3+T4xNB5LM6abszyPiNWUm2aEcJFj0ejkEedudASpfk4t2FuvElCwYx+r1MwlMxfiaNSFnLatBAIP3UB2Nv7sRXZYytINVtJbHQVH0c7Rs7DKnvAxrjzczyNASLXYaRvdOGcm6YF8kYUiMR9zl4DPPPOgK/F8mtquMPNyjhQHUucWzKVb6n1m0IGI6gDGKA8Q/JrAomAmmzNHo1fRagONxlbUI8swYAZYnIoCWm4cImllMjsZQ5bKQ54ksYjeQScPWDjJAzgFjyxyoD1tLcWGZUUyzLw7UWylSn1BJFJlgUwTmJQR0IJGOdAa7b5P4ERUWWYaTOQRwxg3QxJhVjCgDqBjAzjmOVAdPdbdqOxSRImZuJJxGyFVQdKrhI41CqMKOQHXNAdugFAKAUAoDVJpB1NpB8TgH31G0vMjaXmaxJH4p1z1HXx++pejmS/HMa4uXNOXTpypejmL8Mxqi58059enP76Xo5i/DMzrj8U5e0ebpS/HMX4ZgPH5inXPUdfH76X45i/DMF48YymPDIx7qXo5i/DMxqi6ZTA6dKX45i/DM9KUPIaT7BjoeZqqSfkyqUX5M2ogHIAD7qpT1QCgFAKAUAoBQCgFAKAUAoBQCgFAKAUAoBQCgFAKAUAoBQCgFAc7bWyEukCSFgAcgo2kg/fWFSnCorJK01VaFOsrKiTX5OL2Ct/Tn/iGtWEociNHh2y9NaDsFb+nP8AxDTCUORE8O2XprQx2Bt/Tn/iGmEo8iHh2y9NaDsBb+nP/ENMJR5FoPDtl6a0HYC39Of+KaYSjyLQeHbL01oOwFv6c/8AFNMJR5FoXw7ZemtDHYC39Of+IaYShyLQeH7L046I32m5NvG2oNKeRGDI2MMCp6YPQmsoUKcHbGNhtpbLRpO9Tgk/wrCnb0bP2faX9halZcXLNrzeXPdXBWM/ruWZMe41uN5e9kbp21tJxIFkD4Iy9xPIMHr3ZJGX9+KA7lAKAUAoBQCgFAKAUBVflB2hPDHb+TNIrSXKRngrE0rKwbKoJxozyHXFAcm53mmtNPF48jeS69E/BRjI9wIk4hgQquNQ5qSMeYmgJtlvo5mWCWBFfyxrVikupAUtjcF1JQZH7ODjH7sUBz4/lGdoxKLUcNbFbyU8XmqOZVEaDT3jqjHM45E/cQLFutt6W6SXiQGJ4yAM6xG+pA4KtIityzg8uooDXuXe3Enli3jozxXhjHDXCKnAgkCLnmQC7czzPs5AAWWgFAKAxmgM5oDGaAzmgFAM0AoBQCgNdzMERnboqljjrgDJxQFc2VvxbzAtIsluOGsoNwEAaOQhVIKOwySQMHB59KA6Y3itS0aC4i1ShTGusZcOCUK+OQDjxxQGvZu81vcTSQwOHMUayM6kGPDvImnUD9YGMk8sYI50BG2dvbHMc8KeOEo0i3EiAW7xp1cOGJUY5jWFyOmaAkneizCoxuYgshIUlwNRVgjAfcxAPhmgOwKAwaA+Z77bvWF1tS2aa4VZ1IDxmYrJo0MYBEoBweIQ3Mjz/dQH00UAoBQCgFAKAUAoBQCgNFzZpJoMiKxRg66hnS46MPA8zzoCFtvYUdykgYBXeIxcTQrMEJDFMOCCpI5gjBoDmbH3ItoY2SRVm1TcbvIqqrhBGuhEACgINPLrzznNAdeDYdugISGNQYuEQEABiBJEePRBZuXtNAetl7IhtlK28axqTqIUYy2AMnx5AD7gKAkW9qiFyihTI2tyBjU+AupvE4VRn2CgN1AKAwaA+aWM00cbOkd420lhlMuoSm1Mn+FyI2XOCgj59Acc6A33O19olGERkwouCkrW3flWGKJotUZUBS0jSpjALBcjxoCLtXau0DKWRZtcazskSwNwuVpqgYyYw5Zz9Uk8xjkQcgTrjeK8cuVE0cImIV1tGaTC2sLhRCy5KtMZhqx+yBkZzQEU3d/G8zIss0qSXZRXjZU5RRGBRjClTzxzPMEA5zQG2Xa+0SrCJpdI4xSZrXEkgjhR0DRFQFzIXUd0agOQzzoC/wBjIWjRnGGZASMYwxAJGD050Bxd4d6ks5EWZGKOBhoyrvqJI0+Tg8RhjnlQfPQHY2fepNGskRyjdCQVPI4IKsAQQQQQRkYoD3dwcRHQnGtSufDUCM/zoClWPydCJcJclDw44/ooliDrE4f6UIRxCcEZJHJm8aAl2e4iRoicViEW2X6o5rZsxXPP9rVzoCVu1ukLQnMrSr5NHbKGQLiGEyFASv1m+kbJ/pQHNHyfc1/9S44Vu9vC6IqzpG6lVDTDm2gHlgD30BFl3Ak1pGs30LQ3SyvpGs+WSRM6KpJwCFfDcyOXXrQH0CJNIAHQAD3UBk0BSr+yli2i02uMJcFNKm6eJjwIyZfoVjKyYUMcZ6DzUB2Nn70xTMixpLlzyygGFMayCQ97kpV09vPGM0B3qAUB44o8R76lqJahxV8R76Wi1DiDxHvpahahxB4j31bRahxB4j30FqM8QeI99BahxB4j30tFqHEHiPfUtQtR6qlFAKAUAoBQCgFAKArPyjcTyCXg6w/Eh/Vlw+nyiLXgxd/GjVnTzxmgKbHtu8traXycTti4cxl45pVMaRRHhqZwZcFi/UcyGwwAFAdS42/tFTKyJqBF2EXgNhPJ3jEDZHNiyu5x+1o5UB3Nxp5HF0ZXd/8A1J0NIjRlk4ceCsbAaVznoMZzQFooBQFA3xtbiS902rusnkqYMUkcZjJll+km4i6mj5AAISc6uQyDQFt3egljt0Wc6pBqyTgsQWJUuVABbBGSAATmgOjmgGaAZoDj228cck7wJHMxjk4buI/olcIr4L59Fl94oDsZoBmgGaAZoCsbzf8AH7K/68//AGc1AdLYm70FrngoAWYsScZyVVcA48EUfuoDrUB4dcgjxGPfUatI1bwKk+4ikki6nAz0+j5e9K5sFRy92cPhmzcvuzz2DHrdx7o/wVMFRy92PDNm5fdjsGPW7j/T/BTBUcvdk8M2bl92OwY9buP9P8FMFRy92XwzZuX3Y7BD1u4/0/wUwVHL9jwzZuX3fyY7BD1u4/0/wUwVHL9jwzZuX3fyOwI9cuf9P8FMFR5f2PDNm5fd/IO4I9cuf9P8FVbFRX292PDdm5fd/JbLG34UaRgltChctzY4GMk+NdS4HclYrDfQooDDHHWgbsNHlsfpr8QrG/HNGve0+ZaoeWx+mvxCpvIZob6nzLVGfLY/TX4hTeQzWo3tPmWo8sj9NfiFN5DNaje0+ZajyyP01+IU3kM1qN9T5lqPLI/TX4hTeQzWpN9T5lqPLI/TX3im8hmtRvqfMtR5ZH6a+8U3kM0XfU+ZanF3l2JJKUubNxHdwqQjNnhyocFoJlHVGIHMc1IBHgczYS9lbbSTRHLphuWQO1uzoZUHtCnmORwaA6woD5v8osZ8siJtYpVMBVXeMMTITKQjSF14aBhGc4562593BAu+1LJ5RFw5TEUkDHTzDqOqH2VGrTZCd1NWJ2r7/b8r8kKDYs63bzeVOYWB+hPRSR5jnGB91YqFjbtNk696nGF2Ks+6XF+pHsN3rhEuEe9kfij6Nsd6I+IJPP8AlRQsVlrMp7SpVIzuRVn2S4P1Ncm7l0bQQ+XOJg5bjAEEqc9wjVkjn4+ao4f+NlrLDalGq6m7jx+1nBeiIdxuy9tPc30bwOSzz6ZLf6UEQqnDW54vdXuZ+p+0fGthyHQ2bZ3MzWty9xpXgKZIVXuO7Atkc+X1gP8ALUs42mxVP/W4WLztt+/p6Hqw2BcI1xrvJHSVSEBHeiJzhg2eoyPdWKhZbxZtntN9xdyKu5Lz9czVFu5dC1eFr1zKX1LLjmoH7PXJH76lz/xstZktqW93lyPpZw0J9lsqZBb67lnMQIkJHKXPTIzyI5c6zSNEqltvBcXb6fhfgg7y/wDH7K/68/8A2c1U1looCjb870W9td2CTT8MrcGSRe9+qNvOqk4HMaygx44oBvddDj4uJrqGDybVC1qZFZ59R1A8Md5wujSjZByeRoCPtDem7jklCJq0BwI3iYSBEtxIl2zjkQ0nd0ADm2OoNAR9o7y3qpJG7KneYcZYHxhrQTJGqq/Ji5Kh8/s460B7td7bpBFFwy8ncAVlbW8fkHG1l+mTMCuf3daAj3m37t0hcXGVMc2vRbSRBpPJkdItRbIYMXAI6EY6qaA3y713iLJoQMY4XxEY3L6Us+Ml0Zc98NKAmkD9vrlTQHVtNqXL2+0RMfpIY/o3jQxk8S0SYaRqPNWcrkH9mgKrsTblzCkpWSV8xW4BYy3SJK7OJCzzaSpICgqMgcupbFAdnZu9V7IYHKqFJgDx8JtTNcROz4cnu6WUcsHrg0BK3C2tcXFxM1w5INrA2gIyJFKxmMsOliQWXuqW8+ByoDpSbzxjaS2vHh0G3JK611+UcVEWPr1IJ7vWgLOKA8SxhlKt0IwfuNGreDI0mrGVk7iW3pTfxWrRhaPItDlwGy9OOiHYO29Kb+K1MNR5FoMBsvTjojHYK29Kb+K1MNR5VoMBsvTjoh2CtvSm/itTDUeVaIYDZenHRDsFa+lN/FamGo8i0QwGy9OOiHYG19Kb+K1MNR5FohgNm6ce1DsDa+lN/FamFo8i0RcDs3Tj2odgrXxm/itTDUeVaIq2PZ07VTj2r4LPDEFUKOigAZ8ByredJQ/lEtI47rZl0ERZPLljebSA2ho3Coz4yRnkAaAvwoD5rvhNE9xNP3Q0FvIrLJbRzaltGV20M790nygY+4581AfSU6D7qA9UAoBQGCM9aAAY6UBmgFAKAq+83/H7K/68/wD2c1AWigPlHyhxbPvbzZ0vltoOBORNm4izwl+kAbL+kmn/APpQF/td6bGRgkV5bO7dFSeNmJ8AobJoRuw3/pqD7Va0YqjzrU5cds3Ujqh+moPtVqYqjzrUY/ZupHVD9NQfarTFUedakx+zdSOqM/pqD7VaYqjzrUuP2bqR1Q/TUH2q++mKo861GP2bqR1Q/TUH2q++mKo861GP2bqR1Q/TUH2q++mKo861GP2bqR1Rj9NQfarRbVR5lqMfs3UWqJiTqQCGBBGQcjmD0Nb07TrPmtzuap3jS7wOFwOMfDjpiIezPNW+8E1QfThQGq6kKozKMkKSB4kDkKj8jKCTkkyg9u7z1A+81z72eS1PXwGy9SXb/sdu7z1Bveau9nktS4DZepLt/wBjt3eeoN7zTezyWpMBsvUl2/7MdvLz1Bveab2eS1GB2TqS7f8AY7eXnqDe803s8lqTA7Lzy7V8mO3t5/y9veabyeS1/wBEwWy88+1fI7e3v/L295pvJ5LX/RcFsvPPtXyO3t7/AMvb303k8lqR7Fstn1z7V8na25vqLOS3W4t5hFOFBnUAxRSSHAjc+b766DyWrOBD+VImSO1tOQS8u1hkJALCPSzsFz0J0jvdRQhcbG1WKNI0zpRQo1Ek4UYGWPMn20BSN6YtlR3LC6tOJK8ZmkkCAqqaXwXJYElhC+AAfqc8cqAvq+ygM0AoBQCgFAKAUAoCr7y/8fsr/rz/APaTUBaKA+d7Ukb9JvAuFiRIGwkdpgmVpQ+szjWRhB9TJ6+ygLwuzoQciKMEecIoI/figsONLutYfWZFAY8jxWAJ9ne/pWvd08kYqhF8Lq0MNulYBgpjGo9AZWyfuGqm7p+Vi0JuI2W3VZ6Bd0rAkgRgkdQJGyPvGqm7p5Iu5ilbdWiK/vXs+ztlgMEEchmnMWWll0LiKSQk8IO2e5jAHnoqdN/ZaEdGK84rRHX2burZvBHLLCillBbTJLoGfAyaWx94BpuoZLQKjB8FFaIkNujs8EAxqCegMjZP3DVzpu6eS0LuI8q0A3Q2fq08NdXo8RtXu1U3dPJaDcxstuqz0MLujs85xGp09cSMcff3uVN3TyQ3Ebfp9iXcboWMuky2kEhCBQXjVzoUYUaiCcYrYZGrsLs31G1/gp/agO/DEEUKgAVQAAOQAHIACgPF4Dw309dJxnpnFSXkxY39PmfP7iS64aFFQyHOoasKPDnjnXG1PhY/Xgd9WntbVO5NKz6uHn6Zfc2ztccRAioYzjWSeY9LAxzq2SvW28PQzcNpxCkpLd5WcdRE1xxWDKgiAOk55k8tPLHLz1FGXG1+38tJShtSnO/NNP6eHl65muCS6KSF0QOPqAN18cnHKl2d2y1W+hrhT2zcSjKav28HZws9Dy8l3wQQicXJyuru483exRxnYrH68C1Ke2OlBQmlJebs8/TI93L3IMYRUIIGsk4wc97Axz5Zq3Xett4en/ZsnDaXWjKMlc+6s4v+57D3HGxpTg8+9nvewaceNRRkm7X7CENpVaTlJXH5KzivV/c1273X0utYxgfR4bOo5PXlyHSijOx2vj6GFKntapyU5py+zs8vVEr5UbCabZBCIXkQxSFEGSeGyl9I8/LJ/dXajhl5slw7Ki2lPbbQS6eS3j78MQwIhIoZC5OM5ByMeIoQt4oD55vzcIbyHQtrLJGByu+EIY8O2SJs8VZOQ7oVh0OKA+hKaAzQCgFAKAUAoBQCgPkvylbsyz7Y2c0byCOY6X0uwCmIFnIweRaLK8vR9tAfWqAiXOzYpDqeKNn8zMiswx05kZ5UBxN0rG4QTC6DjOlRrfUWKgh5BhmChiQcDH3UCdjtNV7upZyW8du0jBImLKRL3xqzkavDnWtwg+DOyG1bTTlKUZNOXnw8/Y3X27trLNDM0jB4QoXEuAQnTUPP1NW7G9e+5hGvXjSdJN3X5o9wbv2qXT3SyHiOCCvE7neGCdNFGKdq8xOvXnCNOTdi8lkRrbdKyRNGtyBOZ1InZGSQpwzpeNg2NJIxnzmkVGKsRK9atXkpVW20rP7GldjLJLdQyTyeStbxRxgylsEs7SkSMSWbITmcnBAquxqxmFN1KclOPBokbQ3XtJuBqlYG3ACFZcEgEEBvHpUcYtp5GyFevCEoRbsl5rM3nYNt5YLwSES46CTuHlpyV+6l2NtpJVq8qSpNu6vsabDdi0hM5SRsXAKuplyAGJJ08+XU1FGCMqm0bRUcZSbbj5cPIsNhbiKNI0JKooUEnJwBgZPnrYcvmSKAUBrn+q3+E/0qPyMofUip4rmPcFAKAUAoBQDFAYoCF8sU7LslgrFeI8UZIOCUdwGX94rpXkeHL6mXawso4Y1jhRUjQYVVGFA9gqmJIoD5Xv8ATrDeOGlmIkgViscVtiNSZiSJZsYY8OQ55kafPyFAXLfOwea3URytEwcHUvnGMEHBFa6qtR27DUcKjsSfD7q0pPZy59ek/n+Kue7+Xqetv5csOxDs7c+vS/z/ABUu/l6sb+XLDsQ7OXPr0v8AP8VLv5erG/lyw7EOzlz69L/P8VW6s3qxv5csOxGOzlz6/L/P8VS6s3qyb+XLDsQ7OXXr8v8AP8VW6s3qxvpcsO1Gezd16/L/AD/FS6s3qxv58sO1HQ2BsGdZl4l5M6MCrKCVJDKRyYHIPnyOYrOCSf31Oba5udJpqPDjwikWE7j25IJlvCV6Hy25yMjBweJy5V0HjE3Zm7cUD60kuWOCMS3U0qc//hI5GfbigKBv7YbLsrmwjazgJurnEhK8xERpLE59ORD7dJoC62m42z4XEkNpEjrzVlXBBwRkH95qMqbT4FPbcyDP1pB9zD+1ce7hkfS4vaOdnnsXB6cvxD+1N3DIYvaOox2Kg9OX4vypu4ZExe0dRjsXB6cvxflTdwyGK2jqMdioPTl+L8qbuGQxW0dRjsVB6cvxflTdwyGK2jqMx2Jg9OX4vypu4ZDFbR1HqOxMHpy/H+VW5DIYraOoy4HcqxmSJri2SV1iRNcg1MVVRgE11x8j56s26km82Uva2zNlRbXtbHyODTLC5bun9YxBh558Ecf5qprPq9vEqKqoMKoAAHQADAFAYuodaMhJAZSMjqMjHKj4ljK600UX5tz65N7vzrRh45vU9LxavlHtiPm3Prkvu/OmHjm9R4tXyj2xHzbn1yX3fnTDxzeo8Wr5R7UPm3Prk3u/OmHjm9R4tXyj2ofNufXJvd+dMPH86l8Xr5R7UPm3Prkv+/30w8fzqPF6+Ue1D5uD65N/v99MPH86jxevlHtQ+bg+uTe786YeP51I/wDlq+Ue1HvbW70FztO0iueLJwrVplHExCXgliQFodPNjxDz1DpjBreea3a7S90IZoD5hv7dJFdrHLJOyyLxQpkjC6xrMcUEbwsXbVH0zkGRPSoC+7a/VfvFYVPpOrZP6n9j5ZtK9uI55YwZSsbPd5AZ8xcLuwdRn6Yk6MjuqByrWkrDrk5KTWXH/WpFG37ohZMFmRJxhVYIwVoeHI0YPMhWYjxwcVbqMN7Pz9SS+37vSCOGQsZckRsRIBOIwBkjSSpOcZ5rkcql1GW8nZ/MzZNt+4CTMMallC6OC+YE45j4jMTh8oA3mxnPSl1B1ZJN/f0/J727eTPYwOWKu00esxNJECpLZOpRrVSME8qJcSzk3BNnMtNv3MUcKqXfM7gmRHcNF5QqALMxDHCMTqK5OMmsmkzWqklYkTf0/dhSSFwy5H0TfQqLrgs7DPf7nfxy6VLqM1Vn/PWwsXyeTyOitKzO3lEo1MCMqJX0EA8wNOMDwp/9IjbdBt/zifQhW48wzQFA+UTcyK8ubGR45X+n4chRnwkAjlfJ0/U+kCd7l1AoC9omFAHQDHPryHjUYPl2+F5Lb8OaEO+VeHhrkgySLmFyvTIdANXmDGtEeJ69ZuNjRxbzatynGt1ZysUBAkKsJeJGYBniaiW1B3OTzOPZWViNbqS4x/HwSW3hu8y4VARMECmNi0am5EQY45MCh1ZyPHmKXUXez/nr8G2z29cmREkwuHZc8Fjxys7RYXB+j7oDef62elLqKqkrbP8Arz4k7djas8/F44UaQCAFZWjYs4MbZ5HAVeYOfZgio0lYZU5uSdv88yp7u7WuI0DF5nJtAW1GWcLMZIl1OJcBCAz8lOMaifq1k0jRTnJK237HXtN4rtwjEKAFhLjhtljLdSQPg57uFVX6fyqXUbFVn5+n7Je720p5ro8ZjgQNmMIyLG4mI0Ek4ZgoHe9vtqNJIypTlKXE+r2f6tP8A/oK3LyPMq/XL1Z8+2/upbSbctJXVi7xSTE62/WW5gERHPkB4DkapgfRhQGaAUAoBQCgFAKA5G39qm2MDELwnnEcjHOUDhgjD/PoBz5iaAr0O/66I9ceJJoXlj0lSunhyywh11axqjj1ZKgZOKAgjeyDysXT68wWLxyKigrrcQXLAHXqGAoAyuCT1yOYHeTfRGYxrbztMHZTENGsLGqO0mdekjEicgc5bGKAk7N3shnnkhRX+jLjXgFCYnEci8iSpDHHeAzgkZAoCp7XW+a8lBW+8nMjAmFYyOGBFwlhZmBjyeLqcd7+RAFs3u2pHbwK0pIDOAOXnwTzrVWkkuJ3/wDH0ZVatkcvu7CndsLX0z/L+9c28R7ODqfjVGe2Nr6Z/l/em9RcFU/HcjHbG19M/wAv703qGCqfjVDtja+n/T+9N7EYKr+O5Dtla+n/AE/vTexGCqfjVDtla+n/AE/vTeIYKpmtUY7aWn2n9P71d4jHCTzj3I6O7289vNcRxxvlieQ8eX31nTlekcu2UXTottrLg0y/iuo8IzQCgPEjYBPXl++oyrzPlzb3KCQbecHp9WuW2XKz6K7Q60ff4MdsF+wn+GpbLlYu0OtH3+B2wX7Cf4KtsuVi7Q60ff4MdsV+wn+CpbPlft8i7Q60ff4HbFfV5/gpbPlft8i7Q60ff4HbFfV7j4KWz5X7fIu0OtH3+B2xX1e4+Cls+V+wu0OtH3+B2wX7C4+ClsuVi7Q60Pf4LLvFvYbOCxl0ExytpdSvf0+TyOvUgL3lXLHkBkmuuPkeBV+uVmbN0dzdnaKxmWHgmAzaRCTIF1KhiE3EweZzq0+bGPPVNZps9oynaLRmSYpqYaDo4fIEjH0IYD/P5qAzsfbN1NfTxkgW8Vw0QAgyCFiVwTccXkct00eHjyAuFAKAUAoBQCgIm1dmxXMTwzrrjcYZckZwQRzUgjmB0oD51vZdQwXrqLWNhFFCSS0y5E3Ft8ZjBiQiPUNb45Hry5ATLi92YJLiI27lgEhZUfKyiVktVwqy4DZ0JqbDYA81AR9r7WsnjLpZu8jSB5QxK8MtMLNxKVk5gmJ10rqU8Pny50BfLXYsMcjyRppZ86sM2nLEFiEzpBJAJIAzigOhQGm5tkkGmRVZfBgCPcaAi/oO3+wi+Bf7ULax+g7f7CL4F/tQWsfoO3+wi+Bf7UFrH6DtvsIvgX+1Bax+g7f7CL4F/tQWsfoO2+wi+Bf7UFpj9BW32EXwL/ahDZBsqBGDRxRqw6FVAPvFATaAUAoBQGNI8KAaR4UA0jwoBpHhQDSPCgGkeFANI8KAaR4UBHu7GOXTxEV9OdOoA41KUbGfFWZT7CaAQ2MasGVFDKnDBAGRGCCEB9HIHL2UBJoDgbY2BFpmmt4Y1uyrMsojXicQrgNnHM+agN26fG8nzcBg5kcgOxZhHrPDBYqpPdx1Gfv60B2aAUAoBQCgFAcTae6lrcSmaZHLsqq2JpUR1jJKK8aOEcAs3JgepoDXHubZq5dYSGLh/wBZJpDLMLgEJr0j6UBsAY6+YkUBi43Ms306oj3WLcpZVBLTGc69LjWOKSwDZAJOMCgLAKAUAoBQCgFAKAUAoBQCgFAKAUAoBQCgFAKAUAoBQCgFAKAUAoBQCgFAKAUAoBQCgFAKAUAoDhb3bfayiWVYWmy+khOq5BweQJ6jH766NnowqyalK7wyb/RjJtLgio/Oo3qM3ub8FdmAo9b/ABl8GF+WQ+dRvUZv/t+CmBodX/GXwL8sh86jeoze5vwUwNDq/wCMvgX5Ze4+dVvUZvc34KYGh1f8ZfAvyy9x86reoTe5vw0wNDq/4y+Bfll7mPnVb1Cf+f4aYGh1v8ZfAvyy9zPzqt6hN/P8NMDQ63+Mvgt+WXujpbufKCbqdYWtJY9fRmBwD7cgVor7LThC9CpeeV1r9lUm/NF5riMxQCgPEjYBPXAzjx9lFxdgPnh+VRQcGzn935V6nh9LrLSXwat48h86q+pz+78qmApdZaS+BfeQ+dVfU5/d+VMBS6y0l8C+8jHzrL6nP7vypgKfWWkvgX3kZ+dZfU5/d+VMBS6y0l8C+8jHzrL6nP7vypgKXWXbL4G8eQ+ddfU7j3flTAUusu2XwN48h86y+p3Hu/KpgKXWXbL4F95F+2ddiaKOUAgSIGAYYYBhnBHjXnNWOw2kmoBQGm7m0Iz4LaVJwOpwM4FZRVrSB8/+dVfU5/d+Vel4fT6y0l8GrePIx86q+pz+78qmApdZaS+BvHkZ+dVfU5/d+VMBT6y0l8DePIx86y+pz+78qYCl1lpL4G8eQ+dZfU5/d+VMBS6y0l8DePIfOsvqc/u/KmApdZdsvgbx5D51l9TuPd+VMBS6y7ZfA3jyA+VZfU7j3VHsNKzhVXbL4LfeR9Ct5daqwBAZQcHrzGcGvNNhtoBQCgOZvD+p/wAwrp2T+p/Yxl5FQv7tYY3lk+pGpZsDJwBk4Hnr0pSuq1mogneGILqdZUGC3fjKnClQTg/4x/Osd4vuWwk2+1oXxh1BLsihiFZmjYqwUHrzHmrJTTJYZt9qRPKYo3DOq6jpIIHe04JHQ5HSpfTdgsIdjvJBKQBrXKs4aRCiMsZAchzywM1jGrFsrRMO1IMK3Gjw/wBU61w3PTyOefPl99Z345ksMDasRmEAcGXDEqpzp0achsdD3hyNL8bbosOxsn9cn3/+DWG0f02WPmdfaG3VimMRUkJbmZyvNlUvojAQDJLESfAa8ZG407J3miuJY1iB0ywtIjHkSY5OHMhXHIqTHzzz1eznQd6gMNRAo2K900HJ7QRZkAWXERIZhGdAZcZAfoTzFa94uJbD3Dt2Biw1adIcsW7qgRyGJsseX1gaKpFixnu721BGE1SL9IVCAEEtrYKGUA81yw5+2q5pCw07R3ghgdkkD5RVZysZZUVywVmYdPqt7qxlUUXYxYTP0hDlhxY8pjUNYyuemoZ5ebrWd+OZLDRd7bt44xI0qFT9XSwJbBwdIB72PZUdSKVtpbGdGsiFiutpcCGA6dTSPFEoBxzkKrknwUZY/wCGvGq/W/Vm5HItt+4nheThurR5ZkbIBhScwySxuVw4XGSB4gZ89YFLctAa7r6jf4T/AErKH1L1I/IpQFe2zSciHeGJ9WlZcK5QtwyE1iThkBuh71alVTLYe7fb0D6u/pCqGJfuqAXeMd48vrI3KslUixYbrna0KNGhdS0hAVVILHVnDY9Hl1o5xViFhHvN4IYpGjcSZUoGYRkxqZcaAzjpnIrF1EnYEiZ+kYe99LH3Dhu+vdJ5ANz5H76zvLMhoutt28aozSoRJjRpYMXDMFDKAeYyw5io6kV9y2M6OKzIWPaG11g8nUjPFJBOcBI44mkklPsAUD/MK8SX1M3ojW+9Uchg0pIEnk4YaRGjIYxGWMhWHeVlVufmNYg74oDNAczeH9T/AJhXTsn9Qxn5FL2zY+UQSw6tPFjZNWM41DGcZGffXozjei0a0zl7Q3VRwqxMsSrG6YCZBLtGS/1h9n09vs54Sop+Rbxo7IfSK/FBxIzsrI2CGn46gaZBgg8snI6HFTccfP8AnmLxK2Du8baTWZQ4EQiUCPSwQOzgu+o6m72M4HjVhSuu38WEbtObablugIW4RTw3QNHCVc8Qg5kbinVj2aT7RWCoNeT9i3jZDuXhCpmBJWVc8M8jNKJcjLk8sY65PjRbPwst/lpbxN2Zu4YZxLxQyrxdK8PD/TsrnVJq72CDjkORrONKyVvr9syN8C1bJ/XJ9/8A4pX/AKbEfM6O2N20uJi7nuPAIpFHJiY5RLCyv5tLGTIxz1fuPjo2nnZO7CW8yPGToiidEDEswaeXiTMWPUHTHgew1QWCgPLUBSK900Ffk3WQpcAFRJO7HiaO8qsVOjGrnjSPOK07lcfyZXiLcbnatX0xBLMwwhGGa5NwM4cEgZ04BHjkVi6Fv3/ltovGDucQVKyqBmIuOETkwStKNBaQlAS7AglvMabjy45e39xeNu3d1TczPKJEXXGid6Eu68NnYPG/EGlu94HoKs6N522+wUrDTLuczSvI9xq1jGGjJOnjRS4J14/9sryUfWzz88dC1tt/zgLwutziwfTMo1l9WYtXdebigL3xpIPLPn8BijoW+T9heLXXQYlhvdmGeC30sFaJ4pVJGR9GVJU/4l1DPtrxav1y9Wbkc2bceERyJEzgyrwyZGL6IXm4syRjzajn+XmGKwKWoCgNd19Rv8J/pWUPqXqR+RShXtmkr0e6qLG6hhrefitJo5kcfjaCNX+XOfbjzVp3PD+//dpleIx3OPmm5jTjuEDKSyyc9MgJBEuORHTOfNWLofn+W2i8e4d0tDxlZVCI8bleESS0MZjwjlyUUg9OfPPPnVVCxrjl7C8etqbqma4eYSIodozzhLSrwsfUl4gxnHomkqN522hSNUe554jyPPr1PG3ejPSKZpQDlyP2tPIADAOKiocW7f5baLxg7mkY0zDBKlsxZzw52mUIdfd+sVPXPI8ulNy8/b8i8WuugxLDtPZAnNs2R9ETqDDIeKSJo5I/ZnUpz/8AH214kvNm9EWLdVEa30SSFIZeLiV2kbKQtDEqlj3VUMT7axBYxQCgOFvfsue5hVLWbguHySRkMMEYPL25/dXRs1eNGV5xUvVtfoxnG1WWlP7E7T9ej+H8q7vE6fRWsvkw3T5v0OxO0/Xk+H8qeJ0+itZfI3TzHYnafr0fw/lTxOn0VrL5G7ef6HYnafryfB+VPE6fRWsvkm6eY7E7U9ej+D8qeJw6UdZfI3TzHYnanr0fwflTxOHSjrL5G6eY7E7U9eT4Pyp4nDpR1l8l3TzOlu7utfQzpJPdpJGvVQvM8vHFado25VIXVBL0b/7ZlGFnG0vVeeZmaAUB4lUkEA4OOvh7aLg7QfNX3N2pk4vI8Z5ZHPHwV6/iVLpLukad28zHY7avrcf+/wDJTxKl0V3SG7eY7HbV9bi9x/BTxKl0V3Mbt5jsbtX1uL3H8NPE6XSXdIbp5/odjdq+txe4/hp4nS6S7pDdPP8AQ7HbV9bi9x/DTxOn0l3Mbp5/ox2N2r63F7j+GnidPoruY3TzHY3avrcXuP4aeJU+ktWN08z6LsyF0hjWUhnVFDEcgWAAJArypSvSbzNxKrECgNN5EWR1U6SykA+BIxmsou7JNhnzfsbtT1yP3f8A4r1fEqXRXdI07t5jsdtX1uL/AH/kp4lS6K7pDdvMdjdq+txe7/8AFPEqXRXdIbt5jsbtX1uL3H8FPE6XSXdIbp5/odjdq+txe4/hp4lT6S7mN08/0Oxu1fXIvcfw08TpdJd0hunn+jHY3avrcXuP4aeJ0+ku5jdPP9DsbtX1uL3H8NR/8nTs/pLuZd08/wBH0m1RgihyCwUAkdCQOZFeU3a7TabqgFAKAUAoCl747fltbmPhMCDbO2hvqF+PbxhjjnyDt76A5c+/c8UkKSiAg3EkMhQEuxSdYgY4TJno3PBcg45c6A8Xm/MkoEcbIsgkQSaCdSEbShtihB6ao2bOefOgNXbyeaYpG8UcaXcK6imDwpJpY2jdeIdJzGBk6T3sYFASl36nZX0LAza4l094cB5bngcCfmcyAd7lp6Hl56A+hW4YKvEIL4GoqCFLY5kKSSBnzZNAbKAUAoBQCgPmV1vJNDtCYcVp+/IEhicZUJBrEctqyBlUFeUqls6x44oDC7/3Jt+IotiQsr6wdSFYIUlK6Y5W0tzKnLHzHH7NAbbjfO4Vn1KhaEzDSmoRsFgtZVZlOSdPHOSD0QnHPAAk3u+0saRlXtpAQ5DqHCXLpKsYtoMt+sOT52HTGRnAGm536uF4jaIdOLjSMNmPyWdIjJKdXeUB8kADGk8+fICGvygyQRzPJJDKubto5MkRtJAYeFDHz6EO5xknu0BL2xvhcGO64csETxMO4VZpYkWWFTLIc6dDI7EdMDHXngD3e79TJxyFhYxrKdHeDIISoSaU6iOHLnK8hyZevOgL5s/icNOMVMmO8UBVM+wEkj30BIoBQFE3k2uEu5UuLyW1Cxxm3WNQ3GLE8QiPQTM2rC8MdBjl3s0BGuN+Z1M4CREoJO5hg0JjuY4IxOc/+6rl1wB9U41DnQELeLfe5jhmQvDE6C5XigMNbQMiokILELJpYsck/V6YyQBNn+UCRWkjVI3kiW6LICdYFsYhCzAcwGV2Y+IHKgNM++Vwsiuk1vPH5HO44SsI5JIpol1qSSe6rMSASMK/XzAdLZW9VxPNDDGYCGebMwDcOWK3MOXhUOevEKc2IBUnn0IELeLblwHmMcjJwr9Ygi470UNn5S4wR+2Sw/yigOVY783SRPISr8e5d4zOVVI4mghnt7XUXUKWWUYPePInS3SgJFzv5cW6PxHieXy2ZNJTAWGFo/o9XEXDaXBBwxI54PM0B3N39rzNdIrSF0eW8TScEAQSpw2B9gLL+8eFAXagFAKAUAoDzQAGgFABQGRQGaAUAoBQCgFAeCoyTjnjr5/uoDNAM/799AKAZoDGaA9UBigMigM0AoDz5/8AftoDANAZoBQAGgFARorZVkkdRhpAuo+lpDBc/cPP93hQEjP+/wB9AZzQEfyZDNxSo4gjKBvOEZgSo+8qvuFASqAUB//Z"/>
-          <p:cNvSpPr>
-            <a:spLocks noChangeAspect="1" noChangeArrowheads="1"/>
-          </p:cNvSpPr>
-          <p:nvPr/>
-        </p:nvSpPr>
+      <p:pic>
+        <p:nvPicPr>
+          <p:cNvPr id="2054" name="Picture 6" descr="https://encrypted-tbn0.gstatic.com/images?q=tbn:ANd9GcSO6PtVQCsEElNi1hbhjtX-7Tx_Rt2WqDzemIiOzYLVDi0JHpt7kQ"/>
+          <p:cNvPicPr>
+            <a:picLocks noChangeAspect="1" noChangeArrowheads="1"/>
+          </p:cNvPicPr>
+          <p:nvPr/>
+        </p:nvPicPr>
+        <p:blipFill>
+          <a:blip r:embed="rId2">
+            <a:extLst>
+              <a:ext uri="{28A0092B-C50C-407E-A947-70E740481C1C}">
+                <a14:useLocalDpi xmlns:a14="http://schemas.microsoft.com/office/drawing/2010/main" xmlns="" val="0"/>
+              </a:ext>
+            </a:extLst>
+          </a:blip>
+          <a:srcRect/>
+          <a:stretch>
+            <a:fillRect/>
+          </a:stretch>
+        </p:blipFill>
         <p:spPr bwMode="auto">
           <a:xfrm>
-            <a:off x="155575" y="-144463"/>
-            <a:ext cx="304800" cy="304801"/>
+            <a:off x="1456342" y="359534"/>
+            <a:ext cx="9130092" cy="6131157"/>
           </a:xfrm>
           <a:prstGeom prst="rect">
             <a:avLst/>
@@ -34864,7 +35724,7 @@
           <a:noFill/>
           <a:extLst>
             <a:ext uri="{909E8E84-426E-40DD-AFC4-6F175D3DCCD1}">
-              <a14:hiddenFill xmlns:a14="http://schemas.microsoft.com/office/drawing/2010/main">
+              <a14:hiddenFill xmlns:a14="http://schemas.microsoft.com/office/drawing/2010/main" xmlns="">
                 <a:solidFill>
                   <a:srgbClr val="FFFFFF"/>
                 </a:solidFill>
@@ -34872,46 +35732,11 @@
             </a:ext>
           </a:extLst>
         </p:spPr>
-        <p:txBody>
-          <a:bodyPr vert="horz" wrap="square" lIns="91440" tIns="45720" rIns="91440" bIns="45720" numCol="1" anchor="t" anchorCtr="0" compatLnSpc="1">
-            <a:prstTxWarp prst="textNoShape">
-              <a:avLst/>
-            </a:prstTxWarp>
-          </a:bodyPr>
-          <a:lstStyle/>
-          <a:p>
-            <a:endParaRPr lang="en-US"/>
-          </a:p>
-        </p:txBody>
-      </p:sp>
-      <p:pic>
-        <p:nvPicPr>
-          <p:cNvPr id="9" name="Picture 8"/>
-          <p:cNvPicPr>
-            <a:picLocks noChangeAspect="1"/>
-          </p:cNvPicPr>
-          <p:nvPr/>
-        </p:nvPicPr>
-        <p:blipFill>
-          <a:blip r:embed="rId2"/>
-          <a:stretch>
-            <a:fillRect/>
-          </a:stretch>
-        </p:blipFill>
-        <p:spPr>
-          <a:xfrm>
-            <a:off x="1067828" y="618387"/>
-            <a:ext cx="9261028" cy="5386516"/>
-          </a:xfrm>
-          <a:prstGeom prst="rect">
-            <a:avLst/>
-          </a:prstGeom>
-        </p:spPr>
       </p:pic>
     </p:spTree>
     <p:extLst>
       <p:ext uri="{BB962C8B-B14F-4D97-AF65-F5344CB8AC3E}">
-        <p14:creationId xmlns:p14="http://schemas.microsoft.com/office/powerpoint/2010/main" val="1860699775"/>
+        <p14:creationId xmlns:p14="http://schemas.microsoft.com/office/powerpoint/2010/main" xmlns="" val="2862721199"/>
       </p:ext>
     </p:extLst>
   </p:cSld>
@@ -35001,7 +35826,7 @@
           <a:blip r:embed="rId2">
             <a:extLst>
               <a:ext uri="{28A0092B-C50C-407E-A947-70E740481C1C}">
-                <a14:useLocalDpi xmlns:a14="http://schemas.microsoft.com/office/drawing/2010/main" val="0"/>
+                <a14:useLocalDpi xmlns:a14="http://schemas.microsoft.com/office/drawing/2010/main" xmlns="" val="0"/>
               </a:ext>
             </a:extLst>
           </a:blip>
@@ -35021,7 +35846,7 @@
           <a:noFill/>
           <a:extLst>
             <a:ext uri="{909E8E84-426E-40DD-AFC4-6F175D3DCCD1}">
-              <a14:hiddenFill xmlns:a14="http://schemas.microsoft.com/office/drawing/2010/main">
+              <a14:hiddenFill xmlns:a14="http://schemas.microsoft.com/office/drawing/2010/main" xmlns="">
                 <a:solidFill>
                   <a:srgbClr val="FFFFFF"/>
                 </a:solidFill>
@@ -35033,7 +35858,7 @@
     </p:spTree>
     <p:extLst>
       <p:ext uri="{BB962C8B-B14F-4D97-AF65-F5344CB8AC3E}">
-        <p14:creationId xmlns:p14="http://schemas.microsoft.com/office/powerpoint/2010/main" val="958192436"/>
+        <p14:creationId xmlns:p14="http://schemas.microsoft.com/office/powerpoint/2010/main" xmlns="" val="958192436"/>
       </p:ext>
     </p:extLst>
   </p:cSld>
@@ -35044,6 +35869,99 @@
 </file>
 
 <file path=ppt/slides/slide40.xml><?xml version="1.0" encoding="utf-8"?>
+<p:sld xmlns:a="http://schemas.openxmlformats.org/drawingml/2006/main" xmlns:r="http://schemas.openxmlformats.org/officeDocument/2006/relationships" xmlns:p="http://schemas.openxmlformats.org/presentationml/2006/main">
+  <p:cSld>
+    <p:spTree>
+      <p:nvGrpSpPr>
+        <p:cNvPr id="1" name=""/>
+        <p:cNvGrpSpPr/>
+        <p:nvPr/>
+      </p:nvGrpSpPr>
+      <p:grpSpPr>
+        <a:xfrm>
+          <a:off x="0" y="0"/>
+          <a:ext cx="0" cy="0"/>
+          <a:chOff x="0" y="0"/>
+          <a:chExt cx="0" cy="0"/>
+        </a:xfrm>
+      </p:grpSpPr>
+      <p:sp>
+        <p:nvSpPr>
+          <p:cNvPr id="6" name="AutoShape 6" descr="data:image/jpeg;base64,/9j/4AAQSkZJRgABAQAAAQABAAD/2wCEAAkGBxQSEhQUEBQWFhQVFB4YGRgVFxwYFRcVFhcXGBYUFxQYHSggHRwlHRgVIzIhJSktLi4uGCAzRDYsNygtLisBCgoKDg0OGhAQGywmHyQsLCw0LiwrLCw0LCwsLCwsLCwsLCwsLCwsLCwsLCwsLCwsLCwsLCwsLCwsLCwsLCwsLP/AABEIAKsBJgMBEQACEQEDEQH/xAAbAAEAAgMBAQAAAAAAAAAAAAAABAYBAwUCB//EAEgQAAIBAwEFAwcICAQFBQEAAAECAwAEERIFBhMhMRYiURRBUlRhkZIHFyMyU3HS4RUzQoGTobHRcoKj8DRVc7TBJENiouKD/8QAGgEBAQADAQEAAAAAAAAAAAAAAAECAwQFBv/EADURAAIBAQUGBQQBBAIDAAAAAAABAgMREhRRkQQTIVJTkhUxcaHRMkFhsfAzgaLhBcEiI0L/2gAMAwEAAhEDEQA/APuNAczbthJMgWGUxMDnUOYI8CARWupTvqy1r0dhprUVVVjbXo7Dg9mbz14/C34604Vc0tTmwC6k+4dmb314/AfxUwq55ajALqT7h2ZvfXz8B/FTCrnlqMAupPuHZm99fPwn8VMKuaWowC6k+4dmb318/AfxUwq5pajALqT7jHZm99fPwH8VMKuaWowEeefcOzN76+fhP4qYVc0tRgI88+5kvZOwrqOVXlvGkQdU041cvOSTWynRUHam36s3UdlVKV5Sk/V2lnrcdIoBQFV303rNjJboBbjjiTv3MxhjXhBDjUEbJOs+bzUAbfe3jVPKGGswpMxgV5oVilcosnGCAaMjqQPHFASJN87RXkRnbMQky3DbQxgAaZEfGGZQeYHgeuDgCM2/9mFDEzBdAkJMEndjd+HG7jTlQzA4JHMc+lAdO03jt5HSNGJd3lQLoYENbELNq5cgCVGTyOoeNAVXb3yiNbXVxBotyIHjXS9wUuJeKkbfRQ8Mg4145sOnmoCy3G9VvHOYJOIrhWbJjbQ3DQSOFfGGIU55cuozkYoCLHv1aMjMGk5CMhTE4eQXBIhMaEZbUQR+4+bnQHmx3vVrK5vJIyqW8ky6eeplgZlBIYDSzY+qemcUB5sd4rhZCt5FAi8FpSIJjLLHpAOh4dIdiVPIoDzBHhkDcm+9qVBBl1GYwcPhOZOMqcTRoA9HnnpQGYd9rR2iVGdzMqsNMbnSsjtGuvlle+jg+jpOcCgJO2d4UtpNMxAjFtJOzd4uFhaJThQuCPpPHPTAPPAGyx2/FOk7RatUBIdXRo2B0B1yGAOCpBB9tAUm2+VMvDaP5MBLcTaHj4nKKP6EiXVp5ki4hOMD63soDu7W+UC3hScqkrSQ6ToMTqWVpOEHGV+rqzz+7xBoCed8rUSNGWcMuoEmNguuOPivEGIwXCc9PsI6gigIlpvxDK44YcxG3eYExSiZgjxJmOHh95TxBzznPmIyQB4uN/IFMLj9Q4nMjsGDxG1HfXh6SSc5H9M0BYNi7WS6QvEHADaSHUqcjB8/UYI5jIoCfQCgFAKAGgKGu2ibuQS3rxSpdcNLMIrCSEJlTo08Q6wS3FB0rjH7JyBos9+p5QgWOAtKYMHU2mI3JkBhmHXix6OYGM8xhetARbjfqeTyZQYoS8tqGGSXl41y0coiB5aAI2B6nvdRjmBLj+UF3VQiwhikWssx0QvLO8TcUDmAujpyOSBkdaA1tvbOZv1kTRnyUqsJOWEzPrZC4yyNpx08OdAbbLfmeTQFjhLSNCAQWKRG4aVTDL5+KmgEjlnPQdaA27c3jmbZdvcK4hklniR2RlUBWm4cml5QyqMAnLA4oDk2u/ssMMQZ0mZrl1LOyktCs8cQKzR6Y3YcQc1B8NPImgJz7+zrqLRxaWWUoctiMQXyWbSTH0O/xDjGAp+8AWLcXaUlxbyPK6uwuZkDJ9TSkrKun2YHL/zQFioBQHF29u8LmSGUTzQSQhwrQ8PmJdAYMJY3H7A6Y6mgIN7uVHMsomnndprdbd3JjDlI5HkVhiMKGy5HTGAOVAaW+T+313DBnAnEuQEiyjXAxI6SmMvnm2AWIGo8iOQA5m9m5c0zhbUhUe3ihkYy6SVhk1KXjER14GcaWTJODkdAOxsHd5o767u5VVeIFSJVYv3QAHlOVGlnCxZUdNHU5oDztTcaOeS5c3NyiXenjRIYuG4WNY8d6IuMqozhvOelAa2+T+A3Dz8WXLa+79HyEkXBZQ5QuVAwQC3Ij76A2T7iwtgrLMrrHAiOCmpfJGcxuAUwWOtgcjBB6CgJ+z92Io7aa2ZnljneRpDKV1MZyWk+oqgcyfNQHJf5Po31Ga5uZG4DwIzGMSJHIACeIkYZ2wqjLk9PacgQ3+T4xNB5LM6abszyPiNWUm2aEcJFj0ejkEedudASpfk4t2FuvElCwYx+r1MwlMxfiaNSFnLatBAIP3UB2Nv7sRXZYytINVtJbHQVH0c7Rs7DKnvAxrjzczyNASLXYaRvdOGcm6YF8kYUiMR9zl4DPPPOgK/F8mtquMPNyjhQHUucWzKVb6n1m0IGI6gDGKA8Q/JrAomAmmzNHo1fRagONxlbUI8swYAZYnIoCWm4cImllMjsZQ5bKQ54ksYjeQScPWDjJAzgFjyxyoD1tLcWGZUUyzLw7UWylSn1BJFJlgUwTmJQR0IJGOdAa7b5P4ERUWWYaTOQRwxg3QxJhVjCgDqBjAzjmOVAdPdbdqOxSRImZuJJxGyFVQdKrhI41CqMKOQHXNAdugFAKAUAoDVJpB1NpB8TgH31G0vMjaXmaxJH4p1z1HXx++pejmS/HMa4uXNOXTpypejmL8Mxqi58059enP76Xo5i/DMzrj8U5e0ebpS/HMX4ZgPH5inXPUdfH76X45i/DMF48YymPDIx7qXo5i/DMxqi6ZTA6dKX45i/DM9KUPIaT7BjoeZqqSfkyqUX5M2ogHIAD7qpT1QCgFAKAUAoBQCgFAKAUAoBQCgFAKAUAoBQCgFAKAUAoBQCgFAc7bWyEukCSFgAcgo2kg/fWFSnCorJK01VaFOsrKiTX5OL2Ct/Tn/iGtWEociNHh2y9NaDsFb+nP8AxDTCUORE8O2XprQx2Bt/Tn/iGmEo8iHh2y9NaDsBb+nP/ENMJR5FoPDtl6a0HYC39Of+KaYSjyLQeHbL01oOwFv6c/8AFNMJR5FoXw7ZemtDHYC39Of+IaYShyLQeH7L046I32m5NvG2oNKeRGDI2MMCp6YPQmsoUKcHbGNhtpbLRpO9Tgk/wrCnb0bP2faX9halZcXLNrzeXPdXBWM/ruWZMe41uN5e9kbp21tJxIFkD4Iy9xPIMHr3ZJGX9+KA7lAKAUAoBQCgFAKAUBVflB2hPDHb+TNIrSXKRngrE0rKwbKoJxozyHXFAcm53mmtNPF48jeS69E/BRjI9wIk4hgQquNQ5qSMeYmgJtlvo5mWCWBFfyxrVikupAUtjcF1JQZH7ODjH7sUBz4/lGdoxKLUcNbFbyU8XmqOZVEaDT3jqjHM45E/cQLFutt6W6SXiQGJ4yAM6xG+pA4KtIityzg8uooDXuXe3Enli3jozxXhjHDXCKnAgkCLnmQC7czzPs5AAWWgFAKAxmgM5oDGaAzmgFAM0AoBQCgNdzMERnboqljjrgDJxQFc2VvxbzAtIsluOGsoNwEAaOQhVIKOwySQMHB59KA6Y3itS0aC4i1ShTGusZcOCUK+OQDjxxQGvZu81vcTSQwOHMUayM6kGPDvImnUD9YGMk8sYI50BG2dvbHMc8KeOEo0i3EiAW7xp1cOGJUY5jWFyOmaAkneizCoxuYgshIUlwNRVgjAfcxAPhmgOwKAwaA+Z77bvWF1tS2aa4VZ1IDxmYrJo0MYBEoBweIQ3Mjz/dQH00UAoBQCgFAKAUAoBQCgNFzZpJoMiKxRg66hnS46MPA8zzoCFtvYUdykgYBXeIxcTQrMEJDFMOCCpI5gjBoDmbH3ItoY2SRVm1TcbvIqqrhBGuhEACgINPLrzznNAdeDYdugISGNQYuEQEABiBJEePRBZuXtNAetl7IhtlK28axqTqIUYy2AMnx5AD7gKAkW9qiFyihTI2tyBjU+AupvE4VRn2CgN1AKAwaA+aWM00cbOkd420lhlMuoSm1Mn+FyI2XOCgj59Acc6A33O19olGERkwouCkrW3flWGKJotUZUBS0jSpjALBcjxoCLtXau0DKWRZtcazskSwNwuVpqgYyYw5Zz9Uk8xjkQcgTrjeK8cuVE0cImIV1tGaTC2sLhRCy5KtMZhqx+yBkZzQEU3d/G8zIss0qSXZRXjZU5RRGBRjClTzxzPMEA5zQG2Xa+0SrCJpdI4xSZrXEkgjhR0DRFQFzIXUd0agOQzzoC/wBjIWjRnGGZASMYwxAJGD050Bxd4d6ks5EWZGKOBhoyrvqJI0+Tg8RhjnlQfPQHY2fepNGskRyjdCQVPI4IKsAQQQQQRkYoD3dwcRHQnGtSufDUCM/zoClWPydCJcJclDw44/ooliDrE4f6UIRxCcEZJHJm8aAl2e4iRoicViEW2X6o5rZsxXPP9rVzoCVu1ukLQnMrSr5NHbKGQLiGEyFASv1m+kbJ/pQHNHyfc1/9S44Vu9vC6IqzpG6lVDTDm2gHlgD30BFl3Ak1pGs30LQ3SyvpGs+WSRM6KpJwCFfDcyOXXrQH0CJNIAHQAD3UBk0BSr+yli2i02uMJcFNKm6eJjwIyZfoVjKyYUMcZ6DzUB2Nn70xTMixpLlzyygGFMayCQ97kpV09vPGM0B3qAUB44o8R76lqJahxV8R76Wi1DiDxHvpahahxB4j31bRahxB4j30FqM8QeI99BahxB4j30tFqHEHiPfUtQtR6qlFAKAUAoBQCgFAKArPyjcTyCXg6w/Eh/Vlw+nyiLXgxd/GjVnTzxmgKbHtu8traXycTti4cxl45pVMaRRHhqZwZcFi/UcyGwwAFAdS42/tFTKyJqBF2EXgNhPJ3jEDZHNiyu5x+1o5UB3Nxp5HF0ZXd/8A1J0NIjRlk4ceCsbAaVznoMZzQFooBQFA3xtbiS902rusnkqYMUkcZjJll+km4i6mj5AAISc6uQyDQFt3egljt0Wc6pBqyTgsQWJUuVABbBGSAATmgOjmgGaAZoDj228cck7wJHMxjk4buI/olcIr4L59Fl94oDsZoBmgGaAZoCsbzf8AH7K/68//AGc1AdLYm70FrngoAWYsScZyVVcA48EUfuoDrUB4dcgjxGPfUatI1bwKk+4ikki6nAz0+j5e9K5sFRy92cPhmzcvuzz2DHrdx7o/wVMFRy92PDNm5fdjsGPW7j/T/BTBUcvdk8M2bl92OwY9buP9P8FMFRy92XwzZuX3Y7BD1u4/0/wUwVHL9jwzZuX3fyY7BD1u4/0/wUwVHL9jwzZuX3fyOwI9cuf9P8FMFR5f2PDNm5fd/IO4I9cuf9P8FVbFRX292PDdm5fd/JbLG34UaRgltChctzY4GMk+NdS4HclYrDfQooDDHHWgbsNHlsfpr8QrG/HNGve0+ZaoeWx+mvxCpvIZob6nzLVGfLY/TX4hTeQzWo3tPmWo8sj9NfiFN5DNaje0+ZajyyP01+IU3kM1qN9T5lqPLI/TX4hTeQzWpN9T5lqPLI/TX3im8hmtRvqfMtR5ZH6a+8U3kM0XfU+ZanF3l2JJKUubNxHdwqQjNnhyocFoJlHVGIHMc1IBHgczYS9lbbSTRHLphuWQO1uzoZUHtCnmORwaA6woD5v8osZ8siJtYpVMBVXeMMTITKQjSF14aBhGc4562593BAu+1LJ5RFw5TEUkDHTzDqOqH2VGrTZCd1NWJ2r7/b8r8kKDYs63bzeVOYWB+hPRSR5jnGB91YqFjbtNk696nGF2Ks+6XF+pHsN3rhEuEe9kfij6Nsd6I+IJPP8AlRQsVlrMp7SpVIzuRVn2S4P1Ncm7l0bQQ+XOJg5bjAEEqc9wjVkjn4+ao4f+NlrLDalGq6m7jx+1nBeiIdxuy9tPc30bwOSzz6ZLf6UEQqnDW54vdXuZ+p+0fGthyHQ2bZ3MzWty9xpXgKZIVXuO7Atkc+X1gP8ALUs42mxVP/W4WLztt+/p6Hqw2BcI1xrvJHSVSEBHeiJzhg2eoyPdWKhZbxZtntN9xdyKu5Lz9czVFu5dC1eFr1zKX1LLjmoH7PXJH76lz/xstZktqW93lyPpZw0J9lsqZBb67lnMQIkJHKXPTIzyI5c6zSNEqltvBcXb6fhfgg7y/wDH7K/68/8A2c1U1looCjb870W9td2CTT8MrcGSRe9+qNvOqk4HMaygx44oBvddDj4uJrqGDybVC1qZFZ59R1A8Md5wujSjZByeRoCPtDem7jklCJq0BwI3iYSBEtxIl2zjkQ0nd0ADm2OoNAR9o7y3qpJG7KneYcZYHxhrQTJGqq/Ji5Kh8/s460B7td7bpBFFwy8ncAVlbW8fkHG1l+mTMCuf3daAj3m37t0hcXGVMc2vRbSRBpPJkdItRbIYMXAI6EY6qaA3y713iLJoQMY4XxEY3L6Us+Ml0Zc98NKAmkD9vrlTQHVtNqXL2+0RMfpIY/o3jQxk8S0SYaRqPNWcrkH9mgKrsTblzCkpWSV8xW4BYy3SJK7OJCzzaSpICgqMgcupbFAdnZu9V7IYHKqFJgDx8JtTNcROz4cnu6WUcsHrg0BK3C2tcXFxM1w5INrA2gIyJFKxmMsOliQWXuqW8+ByoDpSbzxjaS2vHh0G3JK611+UcVEWPr1IJ7vWgLOKA8SxhlKt0IwfuNGreDI0mrGVk7iW3pTfxWrRhaPItDlwGy9OOiHYO29Kb+K1MNR5FoMBsvTjojHYK29Kb+K1MNR5VoMBsvTjoh2CtvSm/itTDUeVaIYDZenHRDsFa+lN/FamGo8i0QwGy9OOiHYG19Kb+K1MNR5FohgNm6ce1DsDa+lN/FamFo8i0RcDs3Tj2odgrXxm/itTDUeVaIq2PZ07VTj2r4LPDEFUKOigAZ8ByredJQ/lEtI47rZl0ERZPLljebSA2ho3Coz4yRnkAaAvwoD5rvhNE9xNP3Q0FvIrLJbRzaltGV20M790nygY+4581AfSU6D7qA9UAoBQGCM9aAAY6UBmgFAKAq+83/H7K/68/wD2c1AWigPlHyhxbPvbzZ0vltoOBORNm4izwl+kAbL+kmn/APpQF/td6bGRgkV5bO7dFSeNmJ8AobJoRuw3/pqD7Va0YqjzrU5cds3Ujqh+moPtVqYqjzrUY/ZupHVD9NQfarTFUedakx+zdSOqM/pqD7VaYqjzrUuP2bqR1Q/TUH2q++mKo861GP2bqR1Q/TUH2q++mKo861GP2bqR1Q/TUH2q++mKo861GP2bqR1Rj9NQfarRbVR5lqMfs3UWqJiTqQCGBBGQcjmD0Nb07TrPmtzuap3jS7wOFwOMfDjpiIezPNW+8E1QfThQGq6kKozKMkKSB4kDkKj8jKCTkkyg9u7z1A+81z72eS1PXwGy9SXb/sdu7z1Bveau9nktS4DZepLt/wBjt3eeoN7zTezyWpMBsvUl2/7MdvLz1Bveab2eS1GB2TqS7f8AY7eXnqDe803s8lqTA7Lzy7V8mO3t5/y9veabyeS1/wBEwWy88+1fI7e3v/L295pvJ5LX/RcFsvPPtXyO3t7/AMvb303k8lqR7Fstn1z7V8na25vqLOS3W4t5hFOFBnUAxRSSHAjc+b766DyWrOBD+VImSO1tOQS8u1hkJALCPSzsFz0J0jvdRQhcbG1WKNI0zpRQo1Ek4UYGWPMn20BSN6YtlR3LC6tOJK8ZmkkCAqqaXwXJYElhC+AAfqc8cqAvq+ygM0AoBQCgFAKAUAoCr7y/8fsr/rz/APaTUBaKA+d7Ukb9JvAuFiRIGwkdpgmVpQ+szjWRhB9TJ6+ygLwuzoQciKMEecIoI/figsONLutYfWZFAY8jxWAJ9ne/pWvd08kYqhF8Lq0MNulYBgpjGo9AZWyfuGqm7p+Vi0JuI2W3VZ6Bd0rAkgRgkdQJGyPvGqm7p5Iu5ilbdWiK/vXs+ztlgMEEchmnMWWll0LiKSQk8IO2e5jAHnoqdN/ZaEdGK84rRHX2burZvBHLLCillBbTJLoGfAyaWx94BpuoZLQKjB8FFaIkNujs8EAxqCegMjZP3DVzpu6eS0LuI8q0A3Q2fq08NdXo8RtXu1U3dPJaDcxstuqz0MLujs85xGp09cSMcff3uVN3TyQ3Ebfp9iXcboWMuky2kEhCBQXjVzoUYUaiCcYrYZGrsLs31G1/gp/agO/DEEUKgAVQAAOQAHIACgPF4Dw309dJxnpnFSXkxY39PmfP7iS64aFFQyHOoasKPDnjnXG1PhY/Xgd9WntbVO5NKz6uHn6Zfc2ztccRAioYzjWSeY9LAxzq2SvW28PQzcNpxCkpLd5WcdRE1xxWDKgiAOk55k8tPLHLz1FGXG1+38tJShtSnO/NNP6eHl65muCS6KSF0QOPqAN18cnHKl2d2y1W+hrhT2zcSjKav28HZws9Dy8l3wQQicXJyuru483exRxnYrH68C1Ke2OlBQmlJebs8/TI93L3IMYRUIIGsk4wc97Axz5Zq3Xett4en/ZsnDaXWjKMlc+6s4v+57D3HGxpTg8+9nvewaceNRRkm7X7CENpVaTlJXH5KzivV/c1273X0utYxgfR4bOo5PXlyHSijOx2vj6GFKntapyU5py+zs8vVEr5UbCabZBCIXkQxSFEGSeGyl9I8/LJ/dXajhl5slw7Ki2lPbbQS6eS3j78MQwIhIoZC5OM5ByMeIoQt4oD55vzcIbyHQtrLJGByu+EIY8O2SJs8VZOQ7oVh0OKA+hKaAzQCgFAKAUAoBQCgPkvylbsyz7Y2c0byCOY6X0uwCmIFnIweRaLK8vR9tAfWqAiXOzYpDqeKNn8zMiswx05kZ5UBxN0rG4QTC6DjOlRrfUWKgh5BhmChiQcDH3UCdjtNV7upZyW8du0jBImLKRL3xqzkavDnWtwg+DOyG1bTTlKUZNOXnw8/Y3X27trLNDM0jB4QoXEuAQnTUPP1NW7G9e+5hGvXjSdJN3X5o9wbv2qXT3SyHiOCCvE7neGCdNFGKdq8xOvXnCNOTdi8lkRrbdKyRNGtyBOZ1InZGSQpwzpeNg2NJIxnzmkVGKsRK9atXkpVW20rP7GldjLJLdQyTyeStbxRxgylsEs7SkSMSWbITmcnBAquxqxmFN1KclOPBokbQ3XtJuBqlYG3ACFZcEgEEBvHpUcYtp5GyFevCEoRbsl5rM3nYNt5YLwSES46CTuHlpyV+6l2NtpJVq8qSpNu6vsabDdi0hM5SRsXAKuplyAGJJ08+XU1FGCMqm0bRUcZSbbj5cPIsNhbiKNI0JKooUEnJwBgZPnrYcvmSKAUBrn+q3+E/0qPyMofUip4rmPcFAKAUAoBQDFAYoCF8sU7LslgrFeI8UZIOCUdwGX94rpXkeHL6mXawso4Y1jhRUjQYVVGFA9gqmJIoD5Xv8ATrDeOGlmIkgViscVtiNSZiSJZsYY8OQ55kafPyFAXLfOwea3URytEwcHUvnGMEHBFa6qtR27DUcKjsSfD7q0pPZy59ek/n+Kue7+Xqetv5csOxDs7c+vS/z/ABUu/l6sb+XLDsQ7OXPr0v8AP8VLv5erG/lyw7EOzlz69L/P8VW6s3qxv5csOxGOzlz6/L/P8VS6s3qyb+XLDsQ7OXXr8v8AP8VW6s3qxvpcsO1Gezd16/L/AD/FS6s3qxv58sO1HQ2BsGdZl4l5M6MCrKCVJDKRyYHIPnyOYrOCSf31Oba5udJpqPDjwikWE7j25IJlvCV6Hy25yMjBweJy5V0HjE3Zm7cUD60kuWOCMS3U0qc//hI5GfbigKBv7YbLsrmwjazgJurnEhK8xERpLE59ORD7dJoC62m42z4XEkNpEjrzVlXBBwRkH95qMqbT4FPbcyDP1pB9zD+1ce7hkfS4vaOdnnsXB6cvxD+1N3DIYvaOox2Kg9OX4vypu4ZExe0dRjsXB6cvxflTdwyGK2jqMdioPTl+L8qbuGQxW0dRjsVB6cvxflTdwyGK2jqMx2Jg9OX4vypu4ZDFbR1HqOxMHpy/H+VW5DIYraOoy4HcqxmSJri2SV1iRNcg1MVVRgE11x8j56s26km82Uva2zNlRbXtbHyODTLC5bun9YxBh558Ecf5qprPq9vEqKqoMKoAAHQADAFAYuodaMhJAZSMjqMjHKj4ljK600UX5tz65N7vzrRh45vU9LxavlHtiPm3Prkvu/OmHjm9R4tXyj2xHzbn1yX3fnTDxzeo8Wr5R7UPm3Prk3u/OmHjm9R4tXyj2ofNufXJvd+dMPH86l8Xr5R7UPm3Prkv+/30w8fzqPF6+Ue1D5uD65N/v99MPH86jxevlHtQ+bg+uTe786YeP51I/wDlq+Ue1HvbW70FztO0iueLJwrVplHExCXgliQFodPNjxDz1DpjBreea3a7S90IZoD5hv7dJFdrHLJOyyLxQpkjC6xrMcUEbwsXbVH0zkGRPSoC+7a/VfvFYVPpOrZP6n9j5ZtK9uI55YwZSsbPd5AZ8xcLuwdRn6Yk6MjuqByrWkrDrk5KTWXH/WpFG37ohZMFmRJxhVYIwVoeHI0YPMhWYjxwcVbqMN7Pz9SS+37vSCOGQsZckRsRIBOIwBkjSSpOcZ5rkcql1GW8nZ/MzZNt+4CTMMallC6OC+YE45j4jMTh8oA3mxnPSl1B1ZJN/f0/J727eTPYwOWKu00esxNJECpLZOpRrVSME8qJcSzk3BNnMtNv3MUcKqXfM7gmRHcNF5QqALMxDHCMTqK5OMmsmkzWqklYkTf0/dhSSFwy5H0TfQqLrgs7DPf7nfxy6VLqM1Vn/PWwsXyeTyOitKzO3lEo1MCMqJX0EA8wNOMDwp/9IjbdBt/zifQhW48wzQFA+UTcyK8ubGR45X+n4chRnwkAjlfJ0/U+kCd7l1AoC9omFAHQDHPryHjUYPl2+F5Lb8OaEO+VeHhrkgySLmFyvTIdANXmDGtEeJ69ZuNjRxbzatynGt1ZysUBAkKsJeJGYBniaiW1B3OTzOPZWViNbqS4x/HwSW3hu8y4VARMECmNi0am5EQY45MCh1ZyPHmKXUXez/nr8G2z29cmREkwuHZc8Fjxys7RYXB+j7oDef62elLqKqkrbP8Arz4k7djas8/F44UaQCAFZWjYs4MbZ5HAVeYOfZgio0lYZU5uSdv88yp7u7WuI0DF5nJtAW1GWcLMZIl1OJcBCAz8lOMaifq1k0jRTnJK237HXtN4rtwjEKAFhLjhtljLdSQPg57uFVX6fyqXUbFVn5+n7Je720p5ro8ZjgQNmMIyLG4mI0Ek4ZgoHe9vtqNJIypTlKXE+r2f6tP8A/oK3LyPMq/XL1Z8+2/upbSbctJXVi7xSTE62/WW5gERHPkB4DkapgfRhQGaAUAoBQCgFAKA5G39qm2MDELwnnEcjHOUDhgjD/PoBz5iaAr0O/66I9ceJJoXlj0lSunhyywh11axqjj1ZKgZOKAgjeyDysXT68wWLxyKigrrcQXLAHXqGAoAyuCT1yOYHeTfRGYxrbztMHZTENGsLGqO0mdekjEicgc5bGKAk7N3shnnkhRX+jLjXgFCYnEci8iSpDHHeAzgkZAoCp7XW+a8lBW+8nMjAmFYyOGBFwlhZmBjyeLqcd7+RAFs3u2pHbwK0pIDOAOXnwTzrVWkkuJ3/wDH0ZVatkcvu7CndsLX0z/L+9c28R7ODqfjVGe2Nr6Z/l/em9RcFU/HcjHbG19M/wAv703qGCqfjVDtja+n/T+9N7EYKr+O5Dtla+n/AE/vTexGCqfjVDtla+n/AE/vTeIYKpmtUY7aWn2n9P71d4jHCTzj3I6O7289vNcRxxvlieQ8eX31nTlekcu2UXTottrLg0y/iuo8IzQCgPEjYBPXl++oyrzPlzb3KCQbecHp9WuW2XKz6K7Q60ff4MdsF+wn+GpbLlYu0OtH3+B2wX7Cf4KtsuVi7Q60ff4MdsV+wn+CpbPlft8i7Q60ff4HbFfV5/gpbPlft8i7Q60ff4HbFfV7j4KWz5X7fIu0OtH3+B2xX1e4+Cls+V+wu0OtH3+B2wX7C4+ClsuVi7Q60Pf4LLvFvYbOCxl0ExytpdSvf0+TyOvUgL3lXLHkBkmuuPkeBV+uVmbN0dzdnaKxmWHgmAzaRCTIF1KhiE3EweZzq0+bGPPVNZps9oynaLRmSYpqYaDo4fIEjH0IYD/P5qAzsfbN1NfTxkgW8Vw0QAgyCFiVwTccXkct00eHjyAuFAKAUAoBQCgIm1dmxXMTwzrrjcYZckZwQRzUgjmB0oD51vZdQwXrqLWNhFFCSS0y5E3Ft8ZjBiQiPUNb45Hry5ATLi92YJLiI27lgEhZUfKyiVktVwqy4DZ0JqbDYA81AR9r7WsnjLpZu8jSB5QxK8MtMLNxKVk5gmJ10rqU8Pny50BfLXYsMcjyRppZ86sM2nLEFiEzpBJAJIAzigOhQGm5tkkGmRVZfBgCPcaAi/oO3+wi+Bf7ULax+g7f7CL4F/tQWsfoO3+wi+Bf7UFrH6DtvsIvgX+1Bax+g7f7CL4F/tQWsfoO2+wi+Bf7UFpj9BW32EXwL/ahDZBsqBGDRxRqw6FVAPvFATaAUAoBQGNI8KAaR4UA0jwoBpHhQDSPCgGkeFANI8KAaR4UBHu7GOXTxEV9OdOoA41KUbGfFWZT7CaAQ2MasGVFDKnDBAGRGCCEB9HIHL2UBJoDgbY2BFpmmt4Y1uyrMsojXicQrgNnHM+agN26fG8nzcBg5kcgOxZhHrPDBYqpPdx1Gfv60B2aAUAoBQCgFAcTae6lrcSmaZHLsqq2JpUR1jJKK8aOEcAs3JgepoDXHubZq5dYSGLh/wBZJpDLMLgEJr0j6UBsAY6+YkUBi43Ms306oj3WLcpZVBLTGc69LjWOKSwDZAJOMCgLAKAUAoBQCgFAKAUAoBQCgFAKAUAoBQCgFAKAUAoBQCgFAKAUAoBQCgFAKAUAoBQCgFAKAUAoDhb3bfayiWVYWmy+khOq5BweQJ6jH766NnowqyalK7wyb/RjJtLgio/Oo3qM3ub8FdmAo9b/ABl8GF+WQ+dRvUZv/t+CmBodX/GXwL8sh86jeoze5vwUwNDq/wCMvgX5Ze4+dVvUZvc34KYGh1f8ZfAvyy9x86reoTe5vw0wNDq/4y+Bfll7mPnVb1Cf+f4aYGh1v8ZfAvyy9zPzqt6hN/P8NMDQ63+Mvgt+WXujpbufKCbqdYWtJY9fRmBwD7cgVor7LThC9CpeeV1r9lUm/NF5riMxQCgPEjYBPXAzjx9lFxdgPnh+VRQcGzn935V6nh9LrLSXwat48h86q+pz+78qmApdZaS+BfeQ+dVfU5/d+VMBS6y0l8C+8jHzrL6nP7vypgKfWWkvgX3kZ+dZfU5/d+VMBS6y0l8C+8jHzrL6nP7vypgKXWXbL4G8eQ+ddfU7j3flTAUusu2XwN48h86y+p3Hu/KpgKXWXbL4F95F+2ddiaKOUAgSIGAYYYBhnBHjXnNWOw2kmoBQGm7m0Iz4LaVJwOpwM4FZRVrSB8/+dVfU5/d+Vel4fT6y0l8GrePIx86q+pz+78qmApdZaS+BvHkZ+dVfU5/d+VMBT6y0l8DePIx86y+pz+78qYCl1lpL4G8eQ+dZfU5/d+VMBS6y0l8DePIfOsvqc/u/KmApdZdsvgbx5D51l9TuPd+VMBS6y7ZfA3jyA+VZfU7j3VHsNKzhVXbL4LfeR9Ct5daqwBAZQcHrzGcGvNNhtoBQCgOZvD+p/wAwrp2T+p/Yxl5FQv7tYY3lk+pGpZsDJwBk4Hnr0pSuq1mogneGILqdZUGC3fjKnClQTg/4x/Osd4vuWwk2+1oXxh1BLsihiFZmjYqwUHrzHmrJTTJYZt9qRPKYo3DOq6jpIIHe04JHQ5HSpfTdgsIdjvJBKQBrXKs4aRCiMsZAchzywM1jGrFsrRMO1IMK3Gjw/wBU61w3PTyOefPl99Z345ksMDasRmEAcGXDEqpzp0achsdD3hyNL8bbosOxsn9cn3/+DWG0f02WPmdfaG3VimMRUkJbmZyvNlUvojAQDJLESfAa8ZG407J3miuJY1iB0ywtIjHkSY5OHMhXHIqTHzzz1eznQd6gMNRAo2K900HJ7QRZkAWXERIZhGdAZcZAfoTzFa94uJbD3Dt2Biw1adIcsW7qgRyGJsseX1gaKpFixnu721BGE1SL9IVCAEEtrYKGUA81yw5+2q5pCw07R3ghgdkkD5RVZysZZUVywVmYdPqt7qxlUUXYxYTP0hDlhxY8pjUNYyuemoZ5ebrWd+OZLDRd7bt44xI0qFT9XSwJbBwdIB72PZUdSKVtpbGdGsiFiutpcCGA6dTSPFEoBxzkKrknwUZY/wCGvGq/W/Vm5HItt+4nheThurR5ZkbIBhScwySxuVw4XGSB4gZ89YFLctAa7r6jf4T/AErKH1L1I/IpQFe2zSciHeGJ9WlZcK5QtwyE1iThkBuh71alVTLYe7fb0D6u/pCqGJfuqAXeMd48vrI3KslUixYbrna0KNGhdS0hAVVILHVnDY9Hl1o5xViFhHvN4IYpGjcSZUoGYRkxqZcaAzjpnIrF1EnYEiZ+kYe99LH3Dhu+vdJ5ANz5H76zvLMhoutt28aozSoRJjRpYMXDMFDKAeYyw5io6kV9y2M6OKzIWPaG11g8nUjPFJBOcBI44mkklPsAUD/MK8SX1M3ojW+9Uchg0pIEnk4YaRGjIYxGWMhWHeVlVufmNYg74oDNAczeH9T/AJhXTsn9Qxn5FL2zY+UQSw6tPFjZNWM41DGcZGffXozjei0a0zl7Q3VRwqxMsSrG6YCZBLtGS/1h9n09vs54Sop+Rbxo7IfSK/FBxIzsrI2CGn46gaZBgg8snI6HFTccfP8AnmLxK2Du8baTWZQ4EQiUCPSwQOzgu+o6m72M4HjVhSuu38WEbtObablugIW4RTw3QNHCVc8Qg5kbinVj2aT7RWCoNeT9i3jZDuXhCpmBJWVc8M8jNKJcjLk8sY65PjRbPwst/lpbxN2Zu4YZxLxQyrxdK8PD/TsrnVJq72CDjkORrONKyVvr9syN8C1bJ/XJ9/8A4pX/AKbEfM6O2N20uJi7nuPAIpFHJiY5RLCyv5tLGTIxz1fuPjo2nnZO7CW8yPGToiidEDEswaeXiTMWPUHTHgew1QWCgPLUBSK900Ffk3WQpcAFRJO7HiaO8qsVOjGrnjSPOK07lcfyZXiLcbnatX0xBLMwwhGGa5NwM4cEgZ04BHjkVi6Fv3/ltovGDucQVKyqBmIuOETkwStKNBaQlAS7AglvMabjy45e39xeNu3d1TczPKJEXXGid6Eu68NnYPG/EGlu94HoKs6N522+wUrDTLuczSvI9xq1jGGjJOnjRS4J14/9sryUfWzz88dC1tt/zgLwutziwfTMo1l9WYtXdebigL3xpIPLPn8BijoW+T9heLXXQYlhvdmGeC30sFaJ4pVJGR9GVJU/4l1DPtrxav1y9Wbkc2bceERyJEzgyrwyZGL6IXm4syRjzajn+XmGKwKWoCgNd19Rv8J/pWUPqXqR+RShXtmkr0e6qLG6hhrefitJo5kcfjaCNX+XOfbjzVp3PD+//dpleIx3OPmm5jTjuEDKSyyc9MgJBEuORHTOfNWLofn+W2i8e4d0tDxlZVCI8bleESS0MZjwjlyUUg9OfPPPnVVCxrjl7C8etqbqma4eYSIodozzhLSrwsfUl4gxnHomkqN522hSNUe554jyPPr1PG3ejPSKZpQDlyP2tPIADAOKiocW7f5baLxg7mkY0zDBKlsxZzw52mUIdfd+sVPXPI8ulNy8/b8i8WuugxLDtPZAnNs2R9ETqDDIeKSJo5I/ZnUpz/8AH214kvNm9EWLdVEa30SSFIZeLiV2kbKQtDEqlj3VUMT7axBYxQCgOFvfsue5hVLWbguHySRkMMEYPL25/dXRs1eNGV5xUvVtfoxnG1WWlP7E7T9ej+H8q7vE6fRWsvkw3T5v0OxO0/Xk+H8qeJ0+itZfI3TzHYnafr0fw/lTxOn0VrL5G7ef6HYnafryfB+VPE6fRWsvkm6eY7E7U9ej+D8qeJw6UdZfI3TzHYnanr0fwflTxOHSjrL5G6eY7E7U9eT4Pyp4nDpR1l8l3TzOlu7utfQzpJPdpJGvVQvM8vHFado25VIXVBL0b/7ZlGFnG0vVeeZmaAUB4lUkEA4OOvh7aLg7QfNX3N2pk4vI8Z5ZHPHwV6/iVLpLukad28zHY7avrcf+/wDJTxKl0V3SG7eY7HbV9bi9x/BTxKl0V3Mbt5jsbtX1uL3H8NPE6XSXdIbp5/odjdq+txe4/hp4nS6S7pDdPP8AQ7HbV9bi9x/DTxOn0l3Mbp5/ox2N2r63F7j+GnidPoruY3TzHY3avrcXuP4aeJU+ktWN08z6LsyF0hjWUhnVFDEcgWAAJArypSvSbzNxKrECgNN5EWR1U6SykA+BIxmsou7JNhnzfsbtT1yP3f8A4r1fEqXRXdI07t5jsdtX1uL/AH/kp4lS6K7pDdvMdjdq+txe7/8AFPEqXRXdIbt5jsbtX1uL3H8FPE6XSXdIbp5/odjdq+txe4/hp4lT6S7mN08/0Oxu1fXIvcfw08TpdJd0hunn+jHY3avrcXuP4aeJ0+ku5jdPP9DsbtX1uL3H8NR/8nTs/pLuZd08/wBH0m1RgihyCwUAkdCQOZFeU3a7TabqgFAKAUAoCl747fltbmPhMCDbO2hvqF+PbxhjjnyDt76A5c+/c8UkKSiAg3EkMhQEuxSdYgY4TJno3PBcg45c6A8Xm/MkoEcbIsgkQSaCdSEbShtihB6ao2bOefOgNXbyeaYpG8UcaXcK6imDwpJpY2jdeIdJzGBk6T3sYFASl36nZX0LAza4l094cB5bngcCfmcyAd7lp6Hl56A+hW4YKvEIL4GoqCFLY5kKSSBnzZNAbKAUAoBQCgPmV1vJNDtCYcVp+/IEhicZUJBrEctqyBlUFeUqls6x44oDC7/3Jt+IotiQsr6wdSFYIUlK6Y5W0tzKnLHzHH7NAbbjfO4Vn1KhaEzDSmoRsFgtZVZlOSdPHOSD0QnHPAAk3u+0saRlXtpAQ5DqHCXLpKsYtoMt+sOT52HTGRnAGm536uF4jaIdOLjSMNmPyWdIjJKdXeUB8kADGk8+fICGvygyQRzPJJDKubto5MkRtJAYeFDHz6EO5xknu0BL2xvhcGO64csETxMO4VZpYkWWFTLIc6dDI7EdMDHXngD3e79TJxyFhYxrKdHeDIISoSaU6iOHLnK8hyZevOgL5s/icNOMVMmO8UBVM+wEkj30BIoBQFE3k2uEu5UuLyW1Cxxm3WNQ3GLE8QiPQTM2rC8MdBjl3s0BGuN+Z1M4CREoJO5hg0JjuY4IxOc/+6rl1wB9U41DnQELeLfe5jhmQvDE6C5XigMNbQMiokILELJpYsck/V6YyQBNn+UCRWkjVI3kiW6LICdYFsYhCzAcwGV2Y+IHKgNM++Vwsiuk1vPH5HO44SsI5JIpol1qSSe6rMSASMK/XzAdLZW9VxPNDDGYCGebMwDcOWK3MOXhUOevEKc2IBUnn0IELeLblwHmMcjJwr9Ygi470UNn5S4wR+2Sw/yigOVY783SRPISr8e5d4zOVVI4mghnt7XUXUKWWUYPePInS3SgJFzv5cW6PxHieXy2ZNJTAWGFo/o9XEXDaXBBwxI54PM0B3N39rzNdIrSF0eW8TScEAQSpw2B9gLL+8eFAXagFAKAUAoDzQAGgFABQGRQGaAUAoBQCgFAeCoyTjnjr5/uoDNAM/799AKAZoDGaA9UBigMigM0AoDz5/8AftoDANAZoBQAGgFARorZVkkdRhpAuo+lpDBc/cPP93hQEjP+/wB9AZzQEfyZDNxSo4gjKBvOEZgSo+8qvuFASqAUB//Z"/>
+          <p:cNvSpPr>
+            <a:spLocks noChangeAspect="1" noChangeArrowheads="1"/>
+          </p:cNvSpPr>
+          <p:nvPr/>
+        </p:nvSpPr>
+        <p:spPr bwMode="auto">
+          <a:xfrm>
+            <a:off x="155575" y="-144463"/>
+            <a:ext cx="304800" cy="304801"/>
+          </a:xfrm>
+          <a:prstGeom prst="rect">
+            <a:avLst/>
+          </a:prstGeom>
+          <a:noFill/>
+          <a:extLst>
+            <a:ext uri="{909E8E84-426E-40DD-AFC4-6F175D3DCCD1}">
+              <a14:hiddenFill xmlns:a14="http://schemas.microsoft.com/office/drawing/2010/main" xmlns="">
+                <a:solidFill>
+                  <a:srgbClr val="FFFFFF"/>
+                </a:solidFill>
+              </a14:hiddenFill>
+            </a:ext>
+          </a:extLst>
+        </p:spPr>
+        <p:txBody>
+          <a:bodyPr vert="horz" wrap="square" lIns="91440" tIns="45720" rIns="91440" bIns="45720" numCol="1" anchor="t" anchorCtr="0" compatLnSpc="1">
+            <a:prstTxWarp prst="textNoShape">
+              <a:avLst/>
+            </a:prstTxWarp>
+          </a:bodyPr>
+          <a:lstStyle/>
+          <a:p>
+            <a:endParaRPr lang="en-US"/>
+          </a:p>
+        </p:txBody>
+      </p:sp>
+      <p:pic>
+        <p:nvPicPr>
+          <p:cNvPr id="9" name="Picture 8"/>
+          <p:cNvPicPr>
+            <a:picLocks noChangeAspect="1"/>
+          </p:cNvPicPr>
+          <p:nvPr/>
+        </p:nvPicPr>
+        <p:blipFill>
+          <a:blip r:embed="rId2"/>
+          <a:stretch>
+            <a:fillRect/>
+          </a:stretch>
+        </p:blipFill>
+        <p:spPr>
+          <a:xfrm>
+            <a:off x="1067828" y="618387"/>
+            <a:ext cx="9261028" cy="5386516"/>
+          </a:xfrm>
+          <a:prstGeom prst="rect">
+            <a:avLst/>
+          </a:prstGeom>
+        </p:spPr>
+      </p:pic>
+    </p:spTree>
+    <p:extLst>
+      <p:ext uri="{BB962C8B-B14F-4D97-AF65-F5344CB8AC3E}">
+        <p14:creationId xmlns:p14="http://schemas.microsoft.com/office/powerpoint/2010/main" xmlns="" val="1860699775"/>
+      </p:ext>
+    </p:extLst>
+  </p:cSld>
+  <p:clrMapOvr>
+    <a:masterClrMapping/>
+  </p:clrMapOvr>
+</p:sld>
+</file>
+
+<file path=ppt/slides/slide41.xml><?xml version="1.0" encoding="utf-8"?>
 <p:sld xmlns:a="http://schemas.openxmlformats.org/drawingml/2006/main" xmlns:r="http://schemas.openxmlformats.org/officeDocument/2006/relationships" xmlns:p="http://schemas.openxmlformats.org/presentationml/2006/main">
   <p:cSld>
     <p:spTree>
@@ -35074,7 +35992,7 @@
           <a:blip r:embed="rId2">
             <a:extLst>
               <a:ext uri="{28A0092B-C50C-407E-A947-70E740481C1C}">
-                <a14:useLocalDpi xmlns:a14="http://schemas.microsoft.com/office/drawing/2010/main" val="0"/>
+                <a14:useLocalDpi xmlns:a14="http://schemas.microsoft.com/office/drawing/2010/main" xmlns="" val="0"/>
               </a:ext>
             </a:extLst>
           </a:blip>
@@ -35094,7 +36012,7 @@
           <a:noFill/>
           <a:extLst>
             <a:ext uri="{909E8E84-426E-40DD-AFC4-6F175D3DCCD1}">
-              <a14:hiddenFill xmlns:a14="http://schemas.microsoft.com/office/drawing/2010/main">
+              <a14:hiddenFill xmlns:a14="http://schemas.microsoft.com/office/drawing/2010/main" xmlns="">
                 <a:solidFill>
                   <a:srgbClr val="FFFFFF"/>
                 </a:solidFill>
@@ -35106,7 +36024,7 @@
     </p:spTree>
     <p:extLst>
       <p:ext uri="{BB962C8B-B14F-4D97-AF65-F5344CB8AC3E}">
-        <p14:creationId xmlns:p14="http://schemas.microsoft.com/office/powerpoint/2010/main" val="3929614034"/>
+        <p14:creationId xmlns:p14="http://schemas.microsoft.com/office/powerpoint/2010/main" xmlns="" val="3929614034"/>
       </p:ext>
     </p:extLst>
   </p:cSld>
@@ -35116,7 +36034,7 @@
 </p:sld>
 </file>
 
-<file path=ppt/slides/slide41.xml><?xml version="1.0" encoding="utf-8"?>
+<file path=ppt/slides/slide42.xml><?xml version="1.0" encoding="utf-8"?>
 <p:sld xmlns:a="http://schemas.openxmlformats.org/drawingml/2006/main" xmlns:r="http://schemas.openxmlformats.org/officeDocument/2006/relationships" xmlns:p="http://schemas.openxmlformats.org/presentationml/2006/main">
   <p:cSld>
     <p:spTree>
@@ -35817,7 +36735,7 @@
     </p:spTree>
     <p:extLst>
       <p:ext uri="{BB962C8B-B14F-4D97-AF65-F5344CB8AC3E}">
-        <p14:creationId xmlns:p14="http://schemas.microsoft.com/office/powerpoint/2010/main" val="2640832087"/>
+        <p14:creationId xmlns:p14="http://schemas.microsoft.com/office/powerpoint/2010/main" xmlns="" val="2640832087"/>
       </p:ext>
     </p:extLst>
   </p:cSld>
@@ -35827,7 +36745,7 @@
 </p:sld>
 </file>
 
-<file path=ppt/slides/slide42.xml><?xml version="1.0" encoding="utf-8"?>
+<file path=ppt/slides/slide43.xml><?xml version="1.0" encoding="utf-8"?>
 <p:sld xmlns:a="http://schemas.openxmlformats.org/drawingml/2006/main" xmlns:r="http://schemas.openxmlformats.org/officeDocument/2006/relationships" xmlns:p="http://schemas.openxmlformats.org/presentationml/2006/main">
   <p:cSld>
     <p:spTree>
@@ -35902,7 +36820,7 @@
     </p:spTree>
     <p:extLst>
       <p:ext uri="{BB962C8B-B14F-4D97-AF65-F5344CB8AC3E}">
-        <p14:creationId xmlns:p14="http://schemas.microsoft.com/office/powerpoint/2010/main" val="2395880905"/>
+        <p14:creationId xmlns:p14="http://schemas.microsoft.com/office/powerpoint/2010/main" xmlns="" val="2395880905"/>
       </p:ext>
     </p:extLst>
   </p:cSld>
@@ -35912,7 +36830,7 @@
 </p:sld>
 </file>
 
-<file path=ppt/slides/slide43.xml><?xml version="1.0" encoding="utf-8"?>
+<file path=ppt/slides/slide44.xml><?xml version="1.0" encoding="utf-8"?>
 <p:sld xmlns:a="http://schemas.openxmlformats.org/drawingml/2006/main" xmlns:r="http://schemas.openxmlformats.org/officeDocument/2006/relationships" xmlns:p="http://schemas.openxmlformats.org/presentationml/2006/main">
   <p:cSld>
     <p:spTree>
@@ -35997,7 +36915,7 @@
     </p:spTree>
     <p:extLst>
       <p:ext uri="{BB962C8B-B14F-4D97-AF65-F5344CB8AC3E}">
-        <p14:creationId xmlns:p14="http://schemas.microsoft.com/office/powerpoint/2010/main" val="167453458"/>
+        <p14:creationId xmlns:p14="http://schemas.microsoft.com/office/powerpoint/2010/main" xmlns="" val="167453458"/>
       </p:ext>
     </p:extLst>
   </p:cSld>
@@ -36007,7 +36925,7 @@
 </p:sld>
 </file>
 
-<file path=ppt/slides/slide44.xml><?xml version="1.0" encoding="utf-8"?>
+<file path=ppt/slides/slide45.xml><?xml version="1.0" encoding="utf-8"?>
 <p:sld xmlns:a="http://schemas.openxmlformats.org/drawingml/2006/main" xmlns:r="http://schemas.openxmlformats.org/officeDocument/2006/relationships" xmlns:p="http://schemas.openxmlformats.org/presentationml/2006/main">
   <p:cSld>
     <p:spTree>
@@ -36082,7 +37000,7 @@
     </p:spTree>
     <p:extLst>
       <p:ext uri="{BB962C8B-B14F-4D97-AF65-F5344CB8AC3E}">
-        <p14:creationId xmlns:p14="http://schemas.microsoft.com/office/powerpoint/2010/main" val="3192386718"/>
+        <p14:creationId xmlns:p14="http://schemas.microsoft.com/office/powerpoint/2010/main" xmlns="" val="3192386718"/>
       </p:ext>
     </p:extLst>
   </p:cSld>
@@ -36092,7 +37010,7 @@
 </p:sld>
 </file>
 
-<file path=ppt/slides/slide45.xml><?xml version="1.0" encoding="utf-8"?>
+<file path=ppt/slides/slide46.xml><?xml version="1.0" encoding="utf-8"?>
 <p:sld xmlns:a="http://schemas.openxmlformats.org/drawingml/2006/main" xmlns:r="http://schemas.openxmlformats.org/officeDocument/2006/relationships" xmlns:p="http://schemas.openxmlformats.org/presentationml/2006/main">
   <p:cSld>
     <p:spTree>
@@ -36167,79 +37085,7 @@
     </p:spTree>
     <p:extLst>
       <p:ext uri="{BB962C8B-B14F-4D97-AF65-F5344CB8AC3E}">
-        <p14:creationId xmlns:p14="http://schemas.microsoft.com/office/powerpoint/2010/main" val="3240907213"/>
-      </p:ext>
-    </p:extLst>
-  </p:cSld>
-  <p:clrMapOvr>
-    <a:masterClrMapping/>
-  </p:clrMapOvr>
-</p:sld>
-</file>
-
-<file path=ppt/slides/slide46.xml><?xml version="1.0" encoding="utf-8"?>
-<p:sld xmlns:a="http://schemas.openxmlformats.org/drawingml/2006/main" xmlns:r="http://schemas.openxmlformats.org/officeDocument/2006/relationships" xmlns:p="http://schemas.openxmlformats.org/presentationml/2006/main">
-  <p:cSld>
-    <p:spTree>
-      <p:nvGrpSpPr>
-        <p:cNvPr id="1" name=""/>
-        <p:cNvGrpSpPr/>
-        <p:nvPr/>
-      </p:nvGrpSpPr>
-      <p:grpSpPr>
-        <a:xfrm>
-          <a:off x="0" y="0"/>
-          <a:ext cx="0" cy="0"/>
-          <a:chOff x="0" y="0"/>
-          <a:chExt cx="0" cy="0"/>
-        </a:xfrm>
-      </p:grpSpPr>
-      <p:sp>
-        <p:nvSpPr>
-          <p:cNvPr id="2" name="Title 1"/>
-          <p:cNvSpPr>
-            <a:spLocks noGrp="1"/>
-          </p:cNvSpPr>
-          <p:nvPr>
-            <p:ph type="title"/>
-          </p:nvPr>
-        </p:nvSpPr>
-        <p:spPr/>
-        <p:txBody>
-          <a:bodyPr/>
-          <a:lstStyle/>
-          <a:p>
-            <a:r>
-              <a:rPr lang="en-US" dirty="0" smtClean="0"/>
-              <a:t>Charging and Discharging of Capacitor with Resistors with various values</a:t>
-            </a:r>
-            <a:endParaRPr lang="en-US" dirty="0"/>
-          </a:p>
-        </p:txBody>
-      </p:sp>
-      <p:sp>
-        <p:nvSpPr>
-          <p:cNvPr id="3" name="Content Placeholder 2"/>
-          <p:cNvSpPr>
-            <a:spLocks noGrp="1"/>
-          </p:cNvSpPr>
-          <p:nvPr>
-            <p:ph idx="1"/>
-          </p:nvPr>
-        </p:nvSpPr>
-        <p:spPr/>
-        <p:txBody>
-          <a:bodyPr/>
-          <a:lstStyle/>
-          <a:p>
-            <a:endParaRPr lang="en-US" dirty="0"/>
-          </a:p>
-        </p:txBody>
-      </p:sp>
-    </p:spTree>
-    <p:extLst>
-      <p:ext uri="{BB962C8B-B14F-4D97-AF65-F5344CB8AC3E}">
-        <p14:creationId xmlns:p14="http://schemas.microsoft.com/office/powerpoint/2010/main" val="2534672285"/>
+        <p14:creationId xmlns:p14="http://schemas.microsoft.com/office/powerpoint/2010/main" xmlns="" val="3240907213"/>
       </p:ext>
     </p:extLst>
   </p:cSld>
@@ -36283,7 +37129,7 @@
           <a:p>
             <a:r>
               <a:rPr lang="en-US" dirty="0" smtClean="0"/>
-              <a:t>NPN Transistor</a:t>
+              <a:t>Charging and Discharging of Capacitor with Resistors with various values</a:t>
             </a:r>
             <a:endParaRPr lang="en-US" dirty="0"/>
           </a:p>
@@ -36311,7 +37157,7 @@
     </p:spTree>
     <p:extLst>
       <p:ext uri="{BB962C8B-B14F-4D97-AF65-F5344CB8AC3E}">
-        <p14:creationId xmlns:p14="http://schemas.microsoft.com/office/powerpoint/2010/main" val="3027278837"/>
+        <p14:creationId xmlns:p14="http://schemas.microsoft.com/office/powerpoint/2010/main" xmlns="" val="2534672285"/>
       </p:ext>
     </p:extLst>
   </p:cSld>
@@ -36355,7 +37201,7 @@
           <a:p>
             <a:r>
               <a:rPr lang="en-US" dirty="0" smtClean="0"/>
-              <a:t>PNP Transistor</a:t>
+              <a:t>NPN Transistor</a:t>
             </a:r>
             <a:endParaRPr lang="en-US" dirty="0"/>
           </a:p>
@@ -36376,14 +37222,14 @@
           <a:bodyPr/>
           <a:lstStyle/>
           <a:p>
-            <a:endParaRPr lang="en-US"/>
+            <a:endParaRPr lang="en-US" dirty="0"/>
           </a:p>
         </p:txBody>
       </p:sp>
     </p:spTree>
     <p:extLst>
       <p:ext uri="{BB962C8B-B14F-4D97-AF65-F5344CB8AC3E}">
-        <p14:creationId xmlns:p14="http://schemas.microsoft.com/office/powerpoint/2010/main" val="2504155492"/>
+        <p14:creationId xmlns:p14="http://schemas.microsoft.com/office/powerpoint/2010/main" xmlns="" val="3027278837"/>
       </p:ext>
     </p:extLst>
   </p:cSld>
@@ -36427,7 +37273,7 @@
           <a:p>
             <a:r>
               <a:rPr lang="en-US" dirty="0" smtClean="0"/>
-              <a:t>Transistor Types NPN and PNP</a:t>
+              <a:t>PNP Transistor</a:t>
             </a:r>
             <a:endParaRPr lang="en-US" dirty="0"/>
           </a:p>
@@ -36455,7 +37301,7 @@
     </p:spTree>
     <p:extLst>
       <p:ext uri="{BB962C8B-B14F-4D97-AF65-F5344CB8AC3E}">
-        <p14:creationId xmlns:p14="http://schemas.microsoft.com/office/powerpoint/2010/main" val="3010003187"/>
+        <p14:creationId xmlns:p14="http://schemas.microsoft.com/office/powerpoint/2010/main" xmlns="" val="2504155492"/>
       </p:ext>
     </p:extLst>
   </p:cSld>
@@ -38516,7 +39362,7 @@
     </p:spTree>
     <p:extLst>
       <p:ext uri="{BB962C8B-B14F-4D97-AF65-F5344CB8AC3E}">
-        <p14:creationId xmlns:p14="http://schemas.microsoft.com/office/powerpoint/2010/main" val="1659390950"/>
+        <p14:creationId xmlns:p14="http://schemas.microsoft.com/office/powerpoint/2010/main" xmlns="" val="1659390950"/>
       </p:ext>
     </p:extLst>
   </p:cSld>
@@ -38560,7 +39406,7 @@
           <a:p>
             <a:r>
               <a:rPr lang="en-US" dirty="0" smtClean="0"/>
-              <a:t> Identifying the type of Bipolar Junction Transistor</a:t>
+              <a:t>Transistor Types NPN and PNP</a:t>
             </a:r>
             <a:endParaRPr lang="en-US" dirty="0"/>
           </a:p>
@@ -38581,14 +39427,14 @@
           <a:bodyPr/>
           <a:lstStyle/>
           <a:p>
-            <a:endParaRPr lang="en-US" dirty="0"/>
+            <a:endParaRPr lang="en-US"/>
           </a:p>
         </p:txBody>
       </p:sp>
     </p:spTree>
     <p:extLst>
       <p:ext uri="{BB962C8B-B14F-4D97-AF65-F5344CB8AC3E}">
-        <p14:creationId xmlns:p14="http://schemas.microsoft.com/office/powerpoint/2010/main" val="2533232830"/>
+        <p14:creationId xmlns:p14="http://schemas.microsoft.com/office/powerpoint/2010/main" xmlns="" val="3010003187"/>
       </p:ext>
     </p:extLst>
   </p:cSld>
@@ -38632,7 +39478,7 @@
           <a:p>
             <a:r>
               <a:rPr lang="en-US" dirty="0" smtClean="0"/>
-              <a:t>AC Generator</a:t>
+              <a:t> Identifying the type of Bipolar Junction Transistor</a:t>
             </a:r>
             <a:endParaRPr lang="en-US" dirty="0"/>
           </a:p>
@@ -38653,14 +39499,14 @@
           <a:bodyPr/>
           <a:lstStyle/>
           <a:p>
-            <a:endParaRPr lang="en-US"/>
+            <a:endParaRPr lang="en-US" dirty="0"/>
           </a:p>
         </p:txBody>
       </p:sp>
     </p:spTree>
     <p:extLst>
       <p:ext uri="{BB962C8B-B14F-4D97-AF65-F5344CB8AC3E}">
-        <p14:creationId xmlns:p14="http://schemas.microsoft.com/office/powerpoint/2010/main" val="1582731245"/>
+        <p14:creationId xmlns:p14="http://schemas.microsoft.com/office/powerpoint/2010/main" xmlns="" val="2533232830"/>
       </p:ext>
     </p:extLst>
   </p:cSld>
@@ -38704,7 +39550,7 @@
           <a:p>
             <a:r>
               <a:rPr lang="en-US" dirty="0" smtClean="0"/>
-              <a:t>Communication System</a:t>
+              <a:t>AC Generator</a:t>
             </a:r>
             <a:endParaRPr lang="en-US" dirty="0"/>
           </a:p>
@@ -38725,14 +39571,86 @@
           <a:bodyPr/>
           <a:lstStyle/>
           <a:p>
-            <a:endParaRPr lang="en-US" dirty="0"/>
+            <a:endParaRPr lang="en-US"/>
           </a:p>
         </p:txBody>
       </p:sp>
     </p:spTree>
     <p:extLst>
       <p:ext uri="{BB962C8B-B14F-4D97-AF65-F5344CB8AC3E}">
-        <p14:creationId xmlns:p14="http://schemas.microsoft.com/office/powerpoint/2010/main" val="1276523271"/>
+        <p14:creationId xmlns:p14="http://schemas.microsoft.com/office/powerpoint/2010/main" xmlns="" val="1582731245"/>
+      </p:ext>
+    </p:extLst>
+  </p:cSld>
+  <p:clrMapOvr>
+    <a:masterClrMapping/>
+  </p:clrMapOvr>
+</p:sld>
+</file>
+
+<file path=ppt/slides/slide53.xml><?xml version="1.0" encoding="utf-8"?>
+<p:sld xmlns:a="http://schemas.openxmlformats.org/drawingml/2006/main" xmlns:r="http://schemas.openxmlformats.org/officeDocument/2006/relationships" xmlns:p="http://schemas.openxmlformats.org/presentationml/2006/main">
+  <p:cSld>
+    <p:spTree>
+      <p:nvGrpSpPr>
+        <p:cNvPr id="1" name=""/>
+        <p:cNvGrpSpPr/>
+        <p:nvPr/>
+      </p:nvGrpSpPr>
+      <p:grpSpPr>
+        <a:xfrm>
+          <a:off x="0" y="0"/>
+          <a:ext cx="0" cy="0"/>
+          <a:chOff x="0" y="0"/>
+          <a:chExt cx="0" cy="0"/>
+        </a:xfrm>
+      </p:grpSpPr>
+      <p:sp>
+        <p:nvSpPr>
+          <p:cNvPr id="2" name="Title 1"/>
+          <p:cNvSpPr>
+            <a:spLocks noGrp="1"/>
+          </p:cNvSpPr>
+          <p:nvPr>
+            <p:ph type="title"/>
+          </p:nvPr>
+        </p:nvSpPr>
+        <p:spPr/>
+        <p:txBody>
+          <a:bodyPr/>
+          <a:lstStyle/>
+          <a:p>
+            <a:r>
+              <a:rPr lang="en-US" dirty="0" smtClean="0"/>
+              <a:t>Communication System</a:t>
+            </a:r>
+            <a:endParaRPr lang="en-US" dirty="0"/>
+          </a:p>
+        </p:txBody>
+      </p:sp>
+      <p:sp>
+        <p:nvSpPr>
+          <p:cNvPr id="3" name="Content Placeholder 2"/>
+          <p:cNvSpPr>
+            <a:spLocks noGrp="1"/>
+          </p:cNvSpPr>
+          <p:nvPr>
+            <p:ph idx="1"/>
+          </p:nvPr>
+        </p:nvSpPr>
+        <p:spPr/>
+        <p:txBody>
+          <a:bodyPr/>
+          <a:lstStyle/>
+          <a:p>
+            <a:endParaRPr lang="en-US" dirty="0"/>
+          </a:p>
+        </p:txBody>
+      </p:sp>
+    </p:spTree>
+    <p:extLst>
+      <p:ext uri="{BB962C8B-B14F-4D97-AF65-F5344CB8AC3E}">
+        <p14:creationId xmlns:p14="http://schemas.microsoft.com/office/powerpoint/2010/main" xmlns="" val="1276523271"/>
       </p:ext>
     </p:extLst>
   </p:cSld>
@@ -40078,7 +40996,7 @@
     </p:spTree>
     <p:extLst>
       <p:ext uri="{BB962C8B-B14F-4D97-AF65-F5344CB8AC3E}">
-        <p14:creationId xmlns:p14="http://schemas.microsoft.com/office/powerpoint/2010/main" val="1386112098"/>
+        <p14:creationId xmlns:p14="http://schemas.microsoft.com/office/powerpoint/2010/main" xmlns="" val="1386112098"/>
       </p:ext>
     </p:extLst>
   </p:cSld>
@@ -42233,7 +43151,7 @@
     </p:spTree>
     <p:extLst>
       <p:ext uri="{BB962C8B-B14F-4D97-AF65-F5344CB8AC3E}">
-        <p14:creationId xmlns:p14="http://schemas.microsoft.com/office/powerpoint/2010/main" val="2902873993"/>
+        <p14:creationId xmlns:p14="http://schemas.microsoft.com/office/powerpoint/2010/main" xmlns="" val="2902873993"/>
       </p:ext>
     </p:extLst>
   </p:cSld>
@@ -44280,7 +45198,7 @@
     </p:spTree>
     <p:extLst>
       <p:ext uri="{BB962C8B-B14F-4D97-AF65-F5344CB8AC3E}">
-        <p14:creationId xmlns:p14="http://schemas.microsoft.com/office/powerpoint/2010/main" val="4081839283"/>
+        <p14:creationId xmlns:p14="http://schemas.microsoft.com/office/powerpoint/2010/main" xmlns="" val="4081839283"/>
       </p:ext>
     </p:extLst>
   </p:cSld>
@@ -46297,7 +47215,7 @@
     </p:spTree>
     <p:extLst>
       <p:ext uri="{BB962C8B-B14F-4D97-AF65-F5344CB8AC3E}">
-        <p14:creationId xmlns:p14="http://schemas.microsoft.com/office/powerpoint/2010/main" val="1852443594"/>
+        <p14:creationId xmlns:p14="http://schemas.microsoft.com/office/powerpoint/2010/main" xmlns="" val="1852443594"/>
       </p:ext>
     </p:extLst>
   </p:cSld>
@@ -46562,7 +47480,7 @@
   <a:extraClrSchemeLst/>
   <a:extLst>
     <a:ext uri="{05A4C25C-085E-4340-85A3-A5531E510DB2}">
-      <thm15:themeFamily xmlns:thm15="http://schemas.microsoft.com/office/thememl/2012/main" name="Office Theme" id="{62F939B6-93AF-4DB8-9C6B-D6C7DFDC589F}" vid="{4A3C46E8-61CC-4603-A589-7422A47A8E4A}"/>
+      <thm15:themeFamily xmlns:thm15="http://schemas.microsoft.com/office/thememl/2012/main" xmlns="" name="Office Theme" id="{62F939B6-93AF-4DB8-9C6B-D6C7DFDC589F}" vid="{4A3C46E8-61CC-4603-A589-7422A47A8E4A}"/>
     </a:ext>
   </a:extLst>
 </a:theme>

--- a/Documents/projects for schools.pptx
+++ b/Documents/projects for schools.pptx
@@ -158,7 +158,7 @@
   </p:defaultTextStyle>
   <p:extLst>
     <p:ext uri="{EFAFB233-063F-42B5-8137-9DF3F51BA10A}">
-      <p15:sldGuideLst xmlns:p15="http://schemas.microsoft.com/office/powerpoint/2012/main" xmlns="">
+      <p15:sldGuideLst xmlns="" xmlns:p15="http://schemas.microsoft.com/office/powerpoint/2012/main">
         <p15:guide id="1" orient="horz" pos="2160">
           <p15:clr>
             <a:srgbClr val="A4A3A4"/>
@@ -307,7 +307,7 @@
             <a:fld id="{30FEA4BD-71B3-41DD-B9FF-6FB8DBE50051}" type="datetimeFigureOut">
               <a:rPr lang="en-US" smtClean="0"/>
               <a:pPr/>
-              <a:t>12/24/2014</a:t>
+              <a:t>1/4/2015</a:t>
             </a:fld>
             <a:endParaRPr lang="en-US"/>
           </a:p>
@@ -359,7 +359,7 @@
     </p:spTree>
     <p:extLst>
       <p:ext uri="{BB962C8B-B14F-4D97-AF65-F5344CB8AC3E}">
-        <p14:creationId xmlns:p14="http://schemas.microsoft.com/office/powerpoint/2010/main" xmlns="" val="2783986648"/>
+        <p14:creationId xmlns="" xmlns:p14="http://schemas.microsoft.com/office/powerpoint/2010/main" val="2783986648"/>
       </p:ext>
     </p:extLst>
   </p:cSld>
@@ -479,7 +479,7 @@
             <a:fld id="{30FEA4BD-71B3-41DD-B9FF-6FB8DBE50051}" type="datetimeFigureOut">
               <a:rPr lang="en-US" smtClean="0"/>
               <a:pPr/>
-              <a:t>12/24/2014</a:t>
+              <a:t>1/4/2015</a:t>
             </a:fld>
             <a:endParaRPr lang="en-US"/>
           </a:p>
@@ -531,7 +531,7 @@
     </p:spTree>
     <p:extLst>
       <p:ext uri="{BB962C8B-B14F-4D97-AF65-F5344CB8AC3E}">
-        <p14:creationId xmlns:p14="http://schemas.microsoft.com/office/powerpoint/2010/main" xmlns="" val="1553657408"/>
+        <p14:creationId xmlns="" xmlns:p14="http://schemas.microsoft.com/office/powerpoint/2010/main" val="1553657408"/>
       </p:ext>
     </p:extLst>
   </p:cSld>
@@ -661,7 +661,7 @@
             <a:fld id="{30FEA4BD-71B3-41DD-B9FF-6FB8DBE50051}" type="datetimeFigureOut">
               <a:rPr lang="en-US" smtClean="0"/>
               <a:pPr/>
-              <a:t>12/24/2014</a:t>
+              <a:t>1/4/2015</a:t>
             </a:fld>
             <a:endParaRPr lang="en-US"/>
           </a:p>
@@ -713,7 +713,7 @@
     </p:spTree>
     <p:extLst>
       <p:ext uri="{BB962C8B-B14F-4D97-AF65-F5344CB8AC3E}">
-        <p14:creationId xmlns:p14="http://schemas.microsoft.com/office/powerpoint/2010/main" xmlns="" val="2190105155"/>
+        <p14:creationId xmlns="" xmlns:p14="http://schemas.microsoft.com/office/powerpoint/2010/main" val="2190105155"/>
       </p:ext>
     </p:extLst>
   </p:cSld>
@@ -833,7 +833,7 @@
             <a:fld id="{30FEA4BD-71B3-41DD-B9FF-6FB8DBE50051}" type="datetimeFigureOut">
               <a:rPr lang="en-US" smtClean="0"/>
               <a:pPr/>
-              <a:t>12/24/2014</a:t>
+              <a:t>1/4/2015</a:t>
             </a:fld>
             <a:endParaRPr lang="en-US"/>
           </a:p>
@@ -885,7 +885,7 @@
     </p:spTree>
     <p:extLst>
       <p:ext uri="{BB962C8B-B14F-4D97-AF65-F5344CB8AC3E}">
-        <p14:creationId xmlns:p14="http://schemas.microsoft.com/office/powerpoint/2010/main" xmlns="" val="3388913498"/>
+        <p14:creationId xmlns="" xmlns:p14="http://schemas.microsoft.com/office/powerpoint/2010/main" val="3388913498"/>
       </p:ext>
     </p:extLst>
   </p:cSld>
@@ -1081,7 +1081,7 @@
             <a:fld id="{30FEA4BD-71B3-41DD-B9FF-6FB8DBE50051}" type="datetimeFigureOut">
               <a:rPr lang="en-US" smtClean="0"/>
               <a:pPr/>
-              <a:t>12/24/2014</a:t>
+              <a:t>1/4/2015</a:t>
             </a:fld>
             <a:endParaRPr lang="en-US"/>
           </a:p>
@@ -1133,7 +1133,7 @@
     </p:spTree>
     <p:extLst>
       <p:ext uri="{BB962C8B-B14F-4D97-AF65-F5344CB8AC3E}">
-        <p14:creationId xmlns:p14="http://schemas.microsoft.com/office/powerpoint/2010/main" xmlns="" val="3998476502"/>
+        <p14:creationId xmlns="" xmlns:p14="http://schemas.microsoft.com/office/powerpoint/2010/main" val="3998476502"/>
       </p:ext>
     </p:extLst>
   </p:cSld>
@@ -1315,7 +1315,7 @@
             <a:fld id="{30FEA4BD-71B3-41DD-B9FF-6FB8DBE50051}" type="datetimeFigureOut">
               <a:rPr lang="en-US" smtClean="0"/>
               <a:pPr/>
-              <a:t>12/24/2014</a:t>
+              <a:t>1/4/2015</a:t>
             </a:fld>
             <a:endParaRPr lang="en-US"/>
           </a:p>
@@ -1367,7 +1367,7 @@
     </p:spTree>
     <p:extLst>
       <p:ext uri="{BB962C8B-B14F-4D97-AF65-F5344CB8AC3E}">
-        <p14:creationId xmlns:p14="http://schemas.microsoft.com/office/powerpoint/2010/main" xmlns="" val="1557806308"/>
+        <p14:creationId xmlns="" xmlns:p14="http://schemas.microsoft.com/office/powerpoint/2010/main" val="1557806308"/>
       </p:ext>
     </p:extLst>
   </p:cSld>
@@ -1684,7 +1684,7 @@
             <a:fld id="{30FEA4BD-71B3-41DD-B9FF-6FB8DBE50051}" type="datetimeFigureOut">
               <a:rPr lang="en-US" smtClean="0"/>
               <a:pPr/>
-              <a:t>12/24/2014</a:t>
+              <a:t>1/4/2015</a:t>
             </a:fld>
             <a:endParaRPr lang="en-US"/>
           </a:p>
@@ -1736,7 +1736,7 @@
     </p:spTree>
     <p:extLst>
       <p:ext uri="{BB962C8B-B14F-4D97-AF65-F5344CB8AC3E}">
-        <p14:creationId xmlns:p14="http://schemas.microsoft.com/office/powerpoint/2010/main" xmlns="" val="1969040822"/>
+        <p14:creationId xmlns="" xmlns:p14="http://schemas.microsoft.com/office/powerpoint/2010/main" val="1969040822"/>
       </p:ext>
     </p:extLst>
   </p:cSld>
@@ -1804,7 +1804,7 @@
             <a:fld id="{30FEA4BD-71B3-41DD-B9FF-6FB8DBE50051}" type="datetimeFigureOut">
               <a:rPr lang="en-US" smtClean="0"/>
               <a:pPr/>
-              <a:t>12/24/2014</a:t>
+              <a:t>1/4/2015</a:t>
             </a:fld>
             <a:endParaRPr lang="en-US"/>
           </a:p>
@@ -1856,7 +1856,7 @@
     </p:spTree>
     <p:extLst>
       <p:ext uri="{BB962C8B-B14F-4D97-AF65-F5344CB8AC3E}">
-        <p14:creationId xmlns:p14="http://schemas.microsoft.com/office/powerpoint/2010/main" xmlns="" val="3785336507"/>
+        <p14:creationId xmlns="" xmlns:p14="http://schemas.microsoft.com/office/powerpoint/2010/main" val="3785336507"/>
       </p:ext>
     </p:extLst>
   </p:cSld>
@@ -1901,7 +1901,7 @@
             <a:fld id="{30FEA4BD-71B3-41DD-B9FF-6FB8DBE50051}" type="datetimeFigureOut">
               <a:rPr lang="en-US" smtClean="0"/>
               <a:pPr/>
-              <a:t>12/24/2014</a:t>
+              <a:t>1/4/2015</a:t>
             </a:fld>
             <a:endParaRPr lang="en-US"/>
           </a:p>
@@ -1953,7 +1953,7 @@
     </p:spTree>
     <p:extLst>
       <p:ext uri="{BB962C8B-B14F-4D97-AF65-F5344CB8AC3E}">
-        <p14:creationId xmlns:p14="http://schemas.microsoft.com/office/powerpoint/2010/main" xmlns="" val="3909500765"/>
+        <p14:creationId xmlns="" xmlns:p14="http://schemas.microsoft.com/office/powerpoint/2010/main" val="3909500765"/>
       </p:ext>
     </p:extLst>
   </p:cSld>
@@ -2180,7 +2180,7 @@
             <a:fld id="{30FEA4BD-71B3-41DD-B9FF-6FB8DBE50051}" type="datetimeFigureOut">
               <a:rPr lang="en-US" smtClean="0"/>
               <a:pPr/>
-              <a:t>12/24/2014</a:t>
+              <a:t>1/4/2015</a:t>
             </a:fld>
             <a:endParaRPr lang="en-US"/>
           </a:p>
@@ -2232,7 +2232,7 @@
     </p:spTree>
     <p:extLst>
       <p:ext uri="{BB962C8B-B14F-4D97-AF65-F5344CB8AC3E}">
-        <p14:creationId xmlns:p14="http://schemas.microsoft.com/office/powerpoint/2010/main" xmlns="" val="3015402253"/>
+        <p14:creationId xmlns="" xmlns:p14="http://schemas.microsoft.com/office/powerpoint/2010/main" val="3015402253"/>
       </p:ext>
     </p:extLst>
   </p:cSld>
@@ -2435,7 +2435,7 @@
             <a:fld id="{30FEA4BD-71B3-41DD-B9FF-6FB8DBE50051}" type="datetimeFigureOut">
               <a:rPr lang="en-US" smtClean="0"/>
               <a:pPr/>
-              <a:t>12/24/2014</a:t>
+              <a:t>1/4/2015</a:t>
             </a:fld>
             <a:endParaRPr lang="en-US"/>
           </a:p>
@@ -2487,7 +2487,7 @@
     </p:spTree>
     <p:extLst>
       <p:ext uri="{BB962C8B-B14F-4D97-AF65-F5344CB8AC3E}">
-        <p14:creationId xmlns:p14="http://schemas.microsoft.com/office/powerpoint/2010/main" xmlns="" val="2612029614"/>
+        <p14:creationId xmlns="" xmlns:p14="http://schemas.microsoft.com/office/powerpoint/2010/main" val="2612029614"/>
       </p:ext>
     </p:extLst>
   </p:cSld>
@@ -2650,7 +2650,7 @@
             <a:fld id="{30FEA4BD-71B3-41DD-B9FF-6FB8DBE50051}" type="datetimeFigureOut">
               <a:rPr lang="en-US" smtClean="0"/>
               <a:pPr/>
-              <a:t>12/24/2014</a:t>
+              <a:t>1/4/2015</a:t>
             </a:fld>
             <a:endParaRPr lang="en-US"/>
           </a:p>
@@ -2738,7 +2738,7 @@
     </p:spTree>
     <p:extLst>
       <p:ext uri="{BB962C8B-B14F-4D97-AF65-F5344CB8AC3E}">
-        <p14:creationId xmlns:p14="http://schemas.microsoft.com/office/powerpoint/2010/main" xmlns="" val="1714597555"/>
+        <p14:creationId xmlns="" xmlns:p14="http://schemas.microsoft.com/office/powerpoint/2010/main" val="1714597555"/>
       </p:ext>
     </p:extLst>
   </p:cSld>
@@ -5926,7 +5926,7 @@
     </p:spTree>
     <p:extLst>
       <p:ext uri="{BB962C8B-B14F-4D97-AF65-F5344CB8AC3E}">
-        <p14:creationId xmlns:p14="http://schemas.microsoft.com/office/powerpoint/2010/main" xmlns="" val="2097960034"/>
+        <p14:creationId xmlns="" xmlns:p14="http://schemas.microsoft.com/office/powerpoint/2010/main" val="2097960034"/>
       </p:ext>
     </p:extLst>
   </p:cSld>
@@ -7800,7 +7800,7 @@
     </p:spTree>
     <p:extLst>
       <p:ext uri="{BB962C8B-B14F-4D97-AF65-F5344CB8AC3E}">
-        <p14:creationId xmlns:p14="http://schemas.microsoft.com/office/powerpoint/2010/main" xmlns="" val="831023563"/>
+        <p14:creationId xmlns="" xmlns:p14="http://schemas.microsoft.com/office/powerpoint/2010/main" val="831023563"/>
       </p:ext>
     </p:extLst>
   </p:cSld>
@@ -7869,7 +7869,7 @@
           <a:blip r:embed="rId2">
             <a:extLst>
               <a:ext uri="{28A0092B-C50C-407E-A947-70E740481C1C}">
-                <a14:useLocalDpi xmlns:a14="http://schemas.microsoft.com/office/drawing/2010/main" xmlns="" val="0"/>
+                <a14:useLocalDpi xmlns="" xmlns:a14="http://schemas.microsoft.com/office/drawing/2010/main" val="0"/>
               </a:ext>
             </a:extLst>
           </a:blip>
@@ -7889,7 +7889,7 @@
           <a:noFill/>
           <a:extLst>
             <a:ext uri="{909E8E84-426E-40DD-AFC4-6F175D3DCCD1}">
-              <a14:hiddenFill xmlns:a14="http://schemas.microsoft.com/office/drawing/2010/main" xmlns="">
+              <a14:hiddenFill xmlns="" xmlns:a14="http://schemas.microsoft.com/office/drawing/2010/main">
                 <a:solidFill>
                   <a:srgbClr val="FFFFFF"/>
                 </a:solidFill>
@@ -7901,7 +7901,7 @@
     </p:spTree>
     <p:extLst>
       <p:ext uri="{BB962C8B-B14F-4D97-AF65-F5344CB8AC3E}">
-        <p14:creationId xmlns:p14="http://schemas.microsoft.com/office/powerpoint/2010/main" xmlns="" val="4073497930"/>
+        <p14:creationId xmlns="" xmlns:p14="http://schemas.microsoft.com/office/powerpoint/2010/main" val="4073497930"/>
       </p:ext>
     </p:extLst>
   </p:cSld>
@@ -7940,7 +7940,7 @@
           <a:blip r:embed="rId2">
             <a:extLst>
               <a:ext uri="{28A0092B-C50C-407E-A947-70E740481C1C}">
-                <a14:useLocalDpi xmlns:a14="http://schemas.microsoft.com/office/drawing/2010/main" xmlns="" val="0"/>
+                <a14:useLocalDpi xmlns="" xmlns:a14="http://schemas.microsoft.com/office/drawing/2010/main" val="0"/>
               </a:ext>
             </a:extLst>
           </a:blip>
@@ -7960,7 +7960,7 @@
           <a:noFill/>
           <a:extLst>
             <a:ext uri="{909E8E84-426E-40DD-AFC4-6F175D3DCCD1}">
-              <a14:hiddenFill xmlns:a14="http://schemas.microsoft.com/office/drawing/2010/main" xmlns="">
+              <a14:hiddenFill xmlns="" xmlns:a14="http://schemas.microsoft.com/office/drawing/2010/main">
                 <a:solidFill>
                   <a:srgbClr val="FFFFFF"/>
                 </a:solidFill>
@@ -8991,7 +8991,7 @@
     </p:spTree>
     <p:extLst>
       <p:ext uri="{BB962C8B-B14F-4D97-AF65-F5344CB8AC3E}">
-        <p14:creationId xmlns:p14="http://schemas.microsoft.com/office/powerpoint/2010/main" xmlns="" val="1884114993"/>
+        <p14:creationId xmlns="" xmlns:p14="http://schemas.microsoft.com/office/powerpoint/2010/main" val="1884114993"/>
       </p:ext>
     </p:extLst>
   </p:cSld>
@@ -10479,7 +10479,7 @@
     </p:spTree>
     <p:extLst>
       <p:ext uri="{BB962C8B-B14F-4D97-AF65-F5344CB8AC3E}">
-        <p14:creationId xmlns:p14="http://schemas.microsoft.com/office/powerpoint/2010/main" xmlns="" val="1930197798"/>
+        <p14:creationId xmlns="" xmlns:p14="http://schemas.microsoft.com/office/powerpoint/2010/main" val="1930197798"/>
       </p:ext>
     </p:extLst>
   </p:cSld>
@@ -13289,7 +13289,7 @@
     </p:spTree>
     <p:extLst>
       <p:ext uri="{BB962C8B-B14F-4D97-AF65-F5344CB8AC3E}">
-        <p14:creationId xmlns:p14="http://schemas.microsoft.com/office/powerpoint/2010/main" xmlns="" val="795154645"/>
+        <p14:creationId xmlns="" xmlns:p14="http://schemas.microsoft.com/office/powerpoint/2010/main" val="795154645"/>
       </p:ext>
     </p:extLst>
   </p:cSld>
@@ -16099,7 +16099,7 @@
     </p:spTree>
     <p:extLst>
       <p:ext uri="{BB962C8B-B14F-4D97-AF65-F5344CB8AC3E}">
-        <p14:creationId xmlns:p14="http://schemas.microsoft.com/office/powerpoint/2010/main" xmlns="" val="3990639240"/>
+        <p14:creationId xmlns="" xmlns:p14="http://schemas.microsoft.com/office/powerpoint/2010/main" val="3990639240"/>
       </p:ext>
     </p:extLst>
   </p:cSld>
@@ -17473,7 +17473,7 @@
     </p:spTree>
     <p:extLst>
       <p:ext uri="{BB962C8B-B14F-4D97-AF65-F5344CB8AC3E}">
-        <p14:creationId xmlns:p14="http://schemas.microsoft.com/office/powerpoint/2010/main" xmlns="" val="3672048550"/>
+        <p14:creationId xmlns="" xmlns:p14="http://schemas.microsoft.com/office/powerpoint/2010/main" val="3672048550"/>
       </p:ext>
     </p:extLst>
   </p:cSld>
@@ -21500,7 +21500,7 @@
     </p:spTree>
     <p:extLst>
       <p:ext uri="{BB962C8B-B14F-4D97-AF65-F5344CB8AC3E}">
-        <p14:creationId xmlns:p14="http://schemas.microsoft.com/office/powerpoint/2010/main" xmlns="" val="1036446602"/>
+        <p14:creationId xmlns="" xmlns:p14="http://schemas.microsoft.com/office/powerpoint/2010/main" val="1036446602"/>
       </p:ext>
     </p:extLst>
   </p:cSld>
@@ -24286,7 +24286,7 @@
     </p:spTree>
     <p:extLst>
       <p:ext uri="{BB962C8B-B14F-4D97-AF65-F5344CB8AC3E}">
-        <p14:creationId xmlns:p14="http://schemas.microsoft.com/office/powerpoint/2010/main" xmlns="" val="1319828322"/>
+        <p14:creationId xmlns="" xmlns:p14="http://schemas.microsoft.com/office/powerpoint/2010/main" val="1319828322"/>
       </p:ext>
     </p:extLst>
   </p:cSld>
@@ -25659,7 +25659,7 @@
     </p:spTree>
     <p:extLst>
       <p:ext uri="{BB962C8B-B14F-4D97-AF65-F5344CB8AC3E}">
-        <p14:creationId xmlns:p14="http://schemas.microsoft.com/office/powerpoint/2010/main" xmlns="" val="1708002396"/>
+        <p14:creationId xmlns="" xmlns:p14="http://schemas.microsoft.com/office/powerpoint/2010/main" val="1708002396"/>
       </p:ext>
     </p:extLst>
   </p:cSld>
@@ -27318,7 +27318,7 @@
     </p:spTree>
     <p:extLst>
       <p:ext uri="{BB962C8B-B14F-4D97-AF65-F5344CB8AC3E}">
-        <p14:creationId xmlns:p14="http://schemas.microsoft.com/office/powerpoint/2010/main" xmlns="" val="3338868429"/>
+        <p14:creationId xmlns="" xmlns:p14="http://schemas.microsoft.com/office/powerpoint/2010/main" val="3338868429"/>
       </p:ext>
     </p:extLst>
   </p:cSld>
@@ -28886,7 +28886,7 @@
     </p:spTree>
     <p:extLst>
       <p:ext uri="{BB962C8B-B14F-4D97-AF65-F5344CB8AC3E}">
-        <p14:creationId xmlns:p14="http://schemas.microsoft.com/office/powerpoint/2010/main" xmlns="" val="2881063141"/>
+        <p14:creationId xmlns="" xmlns:p14="http://schemas.microsoft.com/office/powerpoint/2010/main" val="2881063141"/>
       </p:ext>
     </p:extLst>
   </p:cSld>
@@ -30332,7 +30332,7 @@
     </p:spTree>
     <p:extLst>
       <p:ext uri="{BB962C8B-B14F-4D97-AF65-F5344CB8AC3E}">
-        <p14:creationId xmlns:p14="http://schemas.microsoft.com/office/powerpoint/2010/main" xmlns="" val="2222222311"/>
+        <p14:creationId xmlns="" xmlns:p14="http://schemas.microsoft.com/office/powerpoint/2010/main" val="2222222311"/>
       </p:ext>
     </p:extLst>
   </p:cSld>
@@ -31225,7 +31225,7 @@
     </p:spTree>
     <p:extLst>
       <p:ext uri="{BB962C8B-B14F-4D97-AF65-F5344CB8AC3E}">
-        <p14:creationId xmlns:p14="http://schemas.microsoft.com/office/powerpoint/2010/main" xmlns="" val="2165115555"/>
+        <p14:creationId xmlns="" xmlns:p14="http://schemas.microsoft.com/office/powerpoint/2010/main" val="2165115555"/>
       </p:ext>
     </p:extLst>
   </p:cSld>
@@ -31301,7 +31301,7 @@
           <a:effectLst/>
           <a:extLst>
             <a:ext uri="{91240B29-F687-4F45-9708-019B960494DF}">
-              <a14:hiddenLine xmlns:a14="http://schemas.microsoft.com/office/drawing/2010/main" xmlns="" w="9525">
+              <a14:hiddenLine xmlns="" xmlns:a14="http://schemas.microsoft.com/office/drawing/2010/main" w="9525">
                 <a:solidFill>
                   <a:schemeClr val="tx1"/>
                 </a:solidFill>
@@ -31311,7 +31311,7 @@
               </a14:hiddenLine>
             </a:ext>
             <a:ext uri="{AF507438-7753-43E0-B8FC-AC1667EBCBE1}">
-              <a14:hiddenEffects xmlns:a14="http://schemas.microsoft.com/office/drawing/2010/main" xmlns="">
+              <a14:hiddenEffects xmlns="" xmlns:a14="http://schemas.microsoft.com/office/drawing/2010/main">
                 <a:effectLst>
                   <a:outerShdw dist="35921" dir="2700000" algn="ctr" rotWithShape="0">
                     <a:schemeClr val="bg2"/>
@@ -31542,7 +31542,7 @@
           <a:blip r:embed="rId3">
             <a:extLst>
               <a:ext uri="{28A0092B-C50C-407E-A947-70E740481C1C}">
-                <a14:useLocalDpi xmlns:a14="http://schemas.microsoft.com/office/drawing/2010/main" xmlns="" val="0"/>
+                <a14:useLocalDpi xmlns="" xmlns:a14="http://schemas.microsoft.com/office/drawing/2010/main" val="0"/>
               </a:ext>
             </a:extLst>
           </a:blip>
@@ -31562,7 +31562,7 @@
           <a:noFill/>
           <a:extLst>
             <a:ext uri="{909E8E84-426E-40DD-AFC4-6F175D3DCCD1}">
-              <a14:hiddenFill xmlns:a14="http://schemas.microsoft.com/office/drawing/2010/main" xmlns="">
+              <a14:hiddenFill xmlns="" xmlns:a14="http://schemas.microsoft.com/office/drawing/2010/main">
                 <a:solidFill>
                   <a:srgbClr val="FFFFFF"/>
                 </a:solidFill>
@@ -31631,7 +31631,7 @@
           <a:blip r:embed="rId4">
             <a:extLst>
               <a:ext uri="{28A0092B-C50C-407E-A947-70E740481C1C}">
-                <a14:useLocalDpi xmlns:a14="http://schemas.microsoft.com/office/drawing/2010/main" xmlns="" val="0"/>
+                <a14:useLocalDpi xmlns="" xmlns:a14="http://schemas.microsoft.com/office/drawing/2010/main" val="0"/>
               </a:ext>
             </a:extLst>
           </a:blip>
@@ -31651,7 +31651,7 @@
           <a:noFill/>
           <a:extLst>
             <a:ext uri="{909E8E84-426E-40DD-AFC4-6F175D3DCCD1}">
-              <a14:hiddenFill xmlns:a14="http://schemas.microsoft.com/office/drawing/2010/main" xmlns="">
+              <a14:hiddenFill xmlns="" xmlns:a14="http://schemas.microsoft.com/office/drawing/2010/main">
                 <a:solidFill>
                   <a:srgbClr val="FFFFFF"/>
                 </a:solidFill>
@@ -31663,7 +31663,7 @@
     </p:spTree>
     <p:extLst>
       <p:ext uri="{BB962C8B-B14F-4D97-AF65-F5344CB8AC3E}">
-        <p14:creationId xmlns:p14="http://schemas.microsoft.com/office/powerpoint/2010/main" xmlns="" val="4250650777"/>
+        <p14:creationId xmlns="" xmlns:p14="http://schemas.microsoft.com/office/powerpoint/2010/main" val="4250650777"/>
       </p:ext>
     </p:extLst>
   </p:cSld>
@@ -31702,7 +31702,7 @@
           <a:blip r:embed="rId2">
             <a:extLst>
               <a:ext uri="{28A0092B-C50C-407E-A947-70E740481C1C}">
-                <a14:useLocalDpi xmlns:a14="http://schemas.microsoft.com/office/drawing/2010/main" xmlns="" val="0"/>
+                <a14:useLocalDpi xmlns="" xmlns:a14="http://schemas.microsoft.com/office/drawing/2010/main" val="0"/>
               </a:ext>
             </a:extLst>
           </a:blip>
@@ -31722,7 +31722,7 @@
           <a:noFill/>
           <a:extLst>
             <a:ext uri="{909E8E84-426E-40DD-AFC4-6F175D3DCCD1}">
-              <a14:hiddenFill xmlns:a14="http://schemas.microsoft.com/office/drawing/2010/main" xmlns="">
+              <a14:hiddenFill xmlns="" xmlns:a14="http://schemas.microsoft.com/office/drawing/2010/main">
                 <a:solidFill>
                   <a:srgbClr val="FFFFFF"/>
                 </a:solidFill>
@@ -31789,7 +31789,7 @@
     </p:spTree>
     <p:extLst>
       <p:ext uri="{BB962C8B-B14F-4D97-AF65-F5344CB8AC3E}">
-        <p14:creationId xmlns:p14="http://schemas.microsoft.com/office/powerpoint/2010/main" xmlns="" val="982217179"/>
+        <p14:creationId xmlns="" xmlns:p14="http://schemas.microsoft.com/office/powerpoint/2010/main" val="982217179"/>
       </p:ext>
     </p:extLst>
   </p:cSld>
@@ -31828,7 +31828,7 @@
           <a:blip r:embed="rId2">
             <a:extLst>
               <a:ext uri="{28A0092B-C50C-407E-A947-70E740481C1C}">
-                <a14:useLocalDpi xmlns:a14="http://schemas.microsoft.com/office/drawing/2010/main" xmlns="" val="0"/>
+                <a14:useLocalDpi xmlns="" xmlns:a14="http://schemas.microsoft.com/office/drawing/2010/main" val="0"/>
               </a:ext>
             </a:extLst>
           </a:blip>
@@ -31848,7 +31848,7 @@
           <a:noFill/>
           <a:extLst>
             <a:ext uri="{909E8E84-426E-40DD-AFC4-6F175D3DCCD1}">
-              <a14:hiddenFill xmlns:a14="http://schemas.microsoft.com/office/drawing/2010/main" xmlns="">
+              <a14:hiddenFill xmlns="" xmlns:a14="http://schemas.microsoft.com/office/drawing/2010/main">
                 <a:solidFill>
                   <a:srgbClr val="FFFFFF"/>
                 </a:solidFill>
@@ -31903,7 +31903,7 @@
     </p:spTree>
     <p:extLst>
       <p:ext uri="{BB962C8B-B14F-4D97-AF65-F5344CB8AC3E}">
-        <p14:creationId xmlns:p14="http://schemas.microsoft.com/office/powerpoint/2010/main" xmlns="" val="4204690468"/>
+        <p14:creationId xmlns="" xmlns:p14="http://schemas.microsoft.com/office/powerpoint/2010/main" val="4204690468"/>
       </p:ext>
     </p:extLst>
   </p:cSld>
@@ -32108,7 +32108,7 @@
           <a:blip r:embed="rId2">
             <a:extLst>
               <a:ext uri="{28A0092B-C50C-407E-A947-70E740481C1C}">
-                <a14:useLocalDpi xmlns:a14="http://schemas.microsoft.com/office/drawing/2010/main" xmlns="" val="0"/>
+                <a14:useLocalDpi xmlns="" xmlns:a14="http://schemas.microsoft.com/office/drawing/2010/main" val="0"/>
               </a:ext>
             </a:extLst>
           </a:blip>
@@ -32128,7 +32128,7 @@
           <a:noFill/>
           <a:extLst>
             <a:ext uri="{909E8E84-426E-40DD-AFC4-6F175D3DCCD1}">
-              <a14:hiddenFill xmlns:a14="http://schemas.microsoft.com/office/drawing/2010/main" xmlns="">
+              <a14:hiddenFill xmlns="" xmlns:a14="http://schemas.microsoft.com/office/drawing/2010/main">
                 <a:solidFill>
                   <a:srgbClr val="FFFFFF"/>
                 </a:solidFill>
@@ -32543,7 +32543,7 @@
     </p:spTree>
     <p:extLst>
       <p:ext uri="{BB962C8B-B14F-4D97-AF65-F5344CB8AC3E}">
-        <p14:creationId xmlns:p14="http://schemas.microsoft.com/office/powerpoint/2010/main" xmlns="" val="2003718012"/>
+        <p14:creationId xmlns="" xmlns:p14="http://schemas.microsoft.com/office/powerpoint/2010/main" val="2003718012"/>
       </p:ext>
     </p:extLst>
   </p:cSld>
@@ -32637,7 +32637,7 @@
           <a:blip r:embed="rId2">
             <a:extLst>
               <a:ext uri="{28A0092B-C50C-407E-A947-70E740481C1C}">
-                <a14:useLocalDpi xmlns:a14="http://schemas.microsoft.com/office/drawing/2010/main" xmlns="" val="0"/>
+                <a14:useLocalDpi xmlns="" xmlns:a14="http://schemas.microsoft.com/office/drawing/2010/main" val="0"/>
               </a:ext>
             </a:extLst>
           </a:blip>
@@ -32657,7 +32657,7 @@
           <a:noFill/>
           <a:extLst>
             <a:ext uri="{909E8E84-426E-40DD-AFC4-6F175D3DCCD1}">
-              <a14:hiddenFill xmlns:a14="http://schemas.microsoft.com/office/drawing/2010/main" xmlns="">
+              <a14:hiddenFill xmlns="" xmlns:a14="http://schemas.microsoft.com/office/drawing/2010/main">
                 <a:solidFill>
                   <a:srgbClr val="FFFFFF"/>
                 </a:solidFill>
@@ -33072,7 +33072,7 @@
     </p:spTree>
     <p:extLst>
       <p:ext uri="{BB962C8B-B14F-4D97-AF65-F5344CB8AC3E}">
-        <p14:creationId xmlns:p14="http://schemas.microsoft.com/office/powerpoint/2010/main" xmlns="" val="1843061998"/>
+        <p14:creationId xmlns="" xmlns:p14="http://schemas.microsoft.com/office/powerpoint/2010/main" val="1843061998"/>
       </p:ext>
     </p:extLst>
   </p:cSld>
@@ -34859,7 +34859,7 @@
     </p:spTree>
     <p:extLst>
       <p:ext uri="{BB962C8B-B14F-4D97-AF65-F5344CB8AC3E}">
-        <p14:creationId xmlns:p14="http://schemas.microsoft.com/office/powerpoint/2010/main" xmlns="" val="1641149290"/>
+        <p14:creationId xmlns="" xmlns:p14="http://schemas.microsoft.com/office/powerpoint/2010/main" val="1641149290"/>
       </p:ext>
     </p:extLst>
   </p:cSld>
@@ -34925,7 +34925,7 @@
           <a:blip r:embed="rId2">
             <a:extLst>
               <a:ext uri="{28A0092B-C50C-407E-A947-70E740481C1C}">
-                <a14:useLocalDpi xmlns:a14="http://schemas.microsoft.com/office/drawing/2010/main" xmlns="" val="0"/>
+                <a14:useLocalDpi xmlns="" xmlns:a14="http://schemas.microsoft.com/office/drawing/2010/main" val="0"/>
               </a:ext>
             </a:extLst>
           </a:blip>
@@ -34945,7 +34945,7 @@
           <a:noFill/>
           <a:extLst>
             <a:ext uri="{909E8E84-426E-40DD-AFC4-6F175D3DCCD1}">
-              <a14:hiddenFill xmlns:a14="http://schemas.microsoft.com/office/drawing/2010/main" xmlns="">
+              <a14:hiddenFill xmlns="" xmlns:a14="http://schemas.microsoft.com/office/drawing/2010/main">
                 <a:solidFill>
                   <a:srgbClr val="FFFFFF"/>
                 </a:solidFill>
@@ -34957,7 +34957,7 @@
     </p:spTree>
     <p:extLst>
       <p:ext uri="{BB962C8B-B14F-4D97-AF65-F5344CB8AC3E}">
-        <p14:creationId xmlns:p14="http://schemas.microsoft.com/office/powerpoint/2010/main" xmlns="" val="937412838"/>
+        <p14:creationId xmlns="" xmlns:p14="http://schemas.microsoft.com/office/powerpoint/2010/main" val="937412838"/>
       </p:ext>
     </p:extLst>
   </p:cSld>
@@ -34996,7 +34996,7 @@
           <a:blip r:embed="rId2">
             <a:extLst>
               <a:ext uri="{28A0092B-C50C-407E-A947-70E740481C1C}">
-                <a14:useLocalDpi xmlns:a14="http://schemas.microsoft.com/office/drawing/2010/main" xmlns="" val="0"/>
+                <a14:useLocalDpi xmlns="" xmlns:a14="http://schemas.microsoft.com/office/drawing/2010/main" val="0"/>
               </a:ext>
             </a:extLst>
           </a:blip>
@@ -35007,8 +35007,8 @@
         </p:blipFill>
         <p:spPr bwMode="auto">
           <a:xfrm>
-            <a:off x="1795324" y="772523"/>
-            <a:ext cx="8253698" cy="6085477"/>
+            <a:off x="0" y="772523"/>
+            <a:ext cx="12192000" cy="6085477"/>
           </a:xfrm>
           <a:prstGeom prst="rect">
             <a:avLst/>
@@ -35016,7 +35016,7 @@
           <a:noFill/>
           <a:extLst>
             <a:ext uri="{909E8E84-426E-40DD-AFC4-6F175D3DCCD1}">
-              <a14:hiddenFill xmlns:a14="http://schemas.microsoft.com/office/drawing/2010/main" xmlns="">
+              <a14:hiddenFill xmlns="" xmlns:a14="http://schemas.microsoft.com/office/drawing/2010/main">
                 <a:solidFill>
                   <a:srgbClr val="FFFFFF"/>
                 </a:solidFill>
@@ -35083,7 +35083,7 @@
     </p:spTree>
     <p:extLst>
       <p:ext uri="{BB962C8B-B14F-4D97-AF65-F5344CB8AC3E}">
-        <p14:creationId xmlns:p14="http://schemas.microsoft.com/office/powerpoint/2010/main" xmlns="" val="2252222351"/>
+        <p14:creationId xmlns="" xmlns:p14="http://schemas.microsoft.com/office/powerpoint/2010/main" val="2252222351"/>
       </p:ext>
     </p:extLst>
   </p:cSld>
@@ -35168,7 +35168,7 @@
     </p:spTree>
     <p:extLst>
       <p:ext uri="{BB962C8B-B14F-4D97-AF65-F5344CB8AC3E}">
-        <p14:creationId xmlns:p14="http://schemas.microsoft.com/office/powerpoint/2010/main" xmlns="" val="737702640"/>
+        <p14:creationId xmlns="" xmlns:p14="http://schemas.microsoft.com/office/powerpoint/2010/main" val="737702640"/>
       </p:ext>
     </p:extLst>
   </p:cSld>
@@ -35207,7 +35207,7 @@
           <a:blip r:embed="rId2">
             <a:extLst>
               <a:ext uri="{28A0092B-C50C-407E-A947-70E740481C1C}">
-                <a14:useLocalDpi xmlns:a14="http://schemas.microsoft.com/office/drawing/2010/main" xmlns="" val="0"/>
+                <a14:useLocalDpi xmlns="" xmlns:a14="http://schemas.microsoft.com/office/drawing/2010/main" val="0"/>
               </a:ext>
             </a:extLst>
           </a:blip>
@@ -35227,7 +35227,7 @@
           <a:noFill/>
           <a:extLst>
             <a:ext uri="{909E8E84-426E-40DD-AFC4-6F175D3DCCD1}">
-              <a14:hiddenFill xmlns:a14="http://schemas.microsoft.com/office/drawing/2010/main" xmlns="">
+              <a14:hiddenFill xmlns="" xmlns:a14="http://schemas.microsoft.com/office/drawing/2010/main">
                 <a:solidFill>
                   <a:srgbClr val="FFFFFF"/>
                 </a:solidFill>
@@ -35294,7 +35294,7 @@
     </p:spTree>
     <p:extLst>
       <p:ext uri="{BB962C8B-B14F-4D97-AF65-F5344CB8AC3E}">
-        <p14:creationId xmlns:p14="http://schemas.microsoft.com/office/powerpoint/2010/main" xmlns="" val="1465778922"/>
+        <p14:creationId xmlns="" xmlns:p14="http://schemas.microsoft.com/office/powerpoint/2010/main" val="1465778922"/>
       </p:ext>
     </p:extLst>
   </p:cSld>
@@ -35333,7 +35333,7 @@
           <a:blip r:embed="rId2">
             <a:extLst>
               <a:ext uri="{28A0092B-C50C-407E-A947-70E740481C1C}">
-                <a14:useLocalDpi xmlns:a14="http://schemas.microsoft.com/office/drawing/2010/main" xmlns="" val="0"/>
+                <a14:useLocalDpi xmlns="" xmlns:a14="http://schemas.microsoft.com/office/drawing/2010/main" val="0"/>
               </a:ext>
             </a:extLst>
           </a:blip>
@@ -35353,7 +35353,7 @@
           <a:noFill/>
           <a:extLst>
             <a:ext uri="{909E8E84-426E-40DD-AFC4-6F175D3DCCD1}">
-              <a14:hiddenFill xmlns:a14="http://schemas.microsoft.com/office/drawing/2010/main" xmlns="">
+              <a14:hiddenFill xmlns="" xmlns:a14="http://schemas.microsoft.com/office/drawing/2010/main">
                 <a:solidFill>
                   <a:srgbClr val="FFFFFF"/>
                 </a:solidFill>
@@ -35365,7 +35365,7 @@
     </p:spTree>
     <p:extLst>
       <p:ext uri="{BB962C8B-B14F-4D97-AF65-F5344CB8AC3E}">
-        <p14:creationId xmlns:p14="http://schemas.microsoft.com/office/powerpoint/2010/main" xmlns="" val="2199528279"/>
+        <p14:creationId xmlns="" xmlns:p14="http://schemas.microsoft.com/office/powerpoint/2010/main" val="2199528279"/>
       </p:ext>
     </p:extLst>
   </p:cSld>
@@ -35404,7 +35404,7 @@
           <a:blip r:embed="rId2">
             <a:extLst>
               <a:ext uri="{28A0092B-C50C-407E-A947-70E740481C1C}">
-                <a14:useLocalDpi xmlns:a14="http://schemas.microsoft.com/office/drawing/2010/main" xmlns="" val="0"/>
+                <a14:useLocalDpi xmlns="" xmlns:a14="http://schemas.microsoft.com/office/drawing/2010/main" val="0"/>
               </a:ext>
             </a:extLst>
           </a:blip>
@@ -35415,7 +35415,7 @@
         </p:blipFill>
         <p:spPr bwMode="auto">
           <a:xfrm rot="16200000">
-            <a:off x="2969118" y="-2538385"/>
+            <a:off x="2969118" y="-2553375"/>
             <a:ext cx="6863363" cy="11929404"/>
           </a:xfrm>
           <a:prstGeom prst="rect">
@@ -35424,7 +35424,7 @@
           <a:noFill/>
           <a:extLst>
             <a:ext uri="{909E8E84-426E-40DD-AFC4-6F175D3DCCD1}">
-              <a14:hiddenFill xmlns:a14="http://schemas.microsoft.com/office/drawing/2010/main" xmlns="">
+              <a14:hiddenFill xmlns="" xmlns:a14="http://schemas.microsoft.com/office/drawing/2010/main">
                 <a:solidFill>
                   <a:srgbClr val="FFFFFF"/>
                 </a:solidFill>
@@ -35436,7 +35436,7 @@
     </p:spTree>
     <p:extLst>
       <p:ext uri="{BB962C8B-B14F-4D97-AF65-F5344CB8AC3E}">
-        <p14:creationId xmlns:p14="http://schemas.microsoft.com/office/powerpoint/2010/main" xmlns="" val="453922025"/>
+        <p14:creationId xmlns="" xmlns:p14="http://schemas.microsoft.com/office/powerpoint/2010/main" val="453922025"/>
       </p:ext>
     </p:extLst>
   </p:cSld>
@@ -35521,7 +35521,7 @@
     </p:spTree>
     <p:extLst>
       <p:ext uri="{BB962C8B-B14F-4D97-AF65-F5344CB8AC3E}">
-        <p14:creationId xmlns:p14="http://schemas.microsoft.com/office/powerpoint/2010/main" xmlns="" val="1948896922"/>
+        <p14:creationId xmlns="" xmlns:p14="http://schemas.microsoft.com/office/powerpoint/2010/main" val="1948896922"/>
       </p:ext>
     </p:extLst>
   </p:cSld>
@@ -35562,7 +35562,7 @@
           <a:blip r:embed="rId2">
             <a:extLst>
               <a:ext uri="{28A0092B-C50C-407E-A947-70E740481C1C}">
-                <a14:useLocalDpi xmlns:a14="http://schemas.microsoft.com/office/drawing/2010/main" xmlns="" val="0"/>
+                <a14:useLocalDpi xmlns="" xmlns:a14="http://schemas.microsoft.com/office/drawing/2010/main" val="0"/>
               </a:ext>
             </a:extLst>
           </a:blip>
@@ -35582,7 +35582,7 @@
           <a:noFill/>
           <a:extLst>
             <a:ext uri="{909E8E84-426E-40DD-AFC4-6F175D3DCCD1}">
-              <a14:hiddenFill xmlns:a14="http://schemas.microsoft.com/office/drawing/2010/main" xmlns="">
+              <a14:hiddenFill xmlns="" xmlns:a14="http://schemas.microsoft.com/office/drawing/2010/main">
                 <a:solidFill>
                   <a:srgbClr val="FFFFFF"/>
                 </a:solidFill>
@@ -35594,7 +35594,7 @@
     </p:spTree>
     <p:extLst>
       <p:ext uri="{BB962C8B-B14F-4D97-AF65-F5344CB8AC3E}">
-        <p14:creationId xmlns:p14="http://schemas.microsoft.com/office/powerpoint/2010/main" xmlns="" val="168840778"/>
+        <p14:creationId xmlns="" xmlns:p14="http://schemas.microsoft.com/office/powerpoint/2010/main" val="168840778"/>
       </p:ext>
     </p:extLst>
   </p:cSld>
@@ -35633,7 +35633,7 @@
           <a:blip r:embed="rId2">
             <a:extLst>
               <a:ext uri="{28A0092B-C50C-407E-A947-70E740481C1C}">
-                <a14:useLocalDpi xmlns:a14="http://schemas.microsoft.com/office/drawing/2010/main" xmlns="" val="0"/>
+                <a14:useLocalDpi xmlns="" xmlns:a14="http://schemas.microsoft.com/office/drawing/2010/main" val="0"/>
               </a:ext>
             </a:extLst>
           </a:blip>
@@ -35653,7 +35653,7 @@
           <a:noFill/>
           <a:extLst>
             <a:ext uri="{909E8E84-426E-40DD-AFC4-6F175D3DCCD1}">
-              <a14:hiddenFill xmlns:a14="http://schemas.microsoft.com/office/drawing/2010/main" xmlns="">
+              <a14:hiddenFill xmlns="" xmlns:a14="http://schemas.microsoft.com/office/drawing/2010/main">
                 <a:solidFill>
                   <a:srgbClr val="FFFFFF"/>
                 </a:solidFill>
@@ -35665,7 +35665,7 @@
     </p:spTree>
     <p:extLst>
       <p:ext uri="{BB962C8B-B14F-4D97-AF65-F5344CB8AC3E}">
-        <p14:creationId xmlns:p14="http://schemas.microsoft.com/office/powerpoint/2010/main" xmlns="" val="3030657797"/>
+        <p14:creationId xmlns="" xmlns:p14="http://schemas.microsoft.com/office/powerpoint/2010/main" val="3030657797"/>
       </p:ext>
     </p:extLst>
   </p:cSld>
@@ -35704,7 +35704,7 @@
           <a:blip r:embed="rId2">
             <a:extLst>
               <a:ext uri="{28A0092B-C50C-407E-A947-70E740481C1C}">
-                <a14:useLocalDpi xmlns:a14="http://schemas.microsoft.com/office/drawing/2010/main" xmlns="" val="0"/>
+                <a14:useLocalDpi xmlns="" xmlns:a14="http://schemas.microsoft.com/office/drawing/2010/main" val="0"/>
               </a:ext>
             </a:extLst>
           </a:blip>
@@ -35724,7 +35724,7 @@
           <a:noFill/>
           <a:extLst>
             <a:ext uri="{909E8E84-426E-40DD-AFC4-6F175D3DCCD1}">
-              <a14:hiddenFill xmlns:a14="http://schemas.microsoft.com/office/drawing/2010/main" xmlns="">
+              <a14:hiddenFill xmlns="" xmlns:a14="http://schemas.microsoft.com/office/drawing/2010/main">
                 <a:solidFill>
                   <a:srgbClr val="FFFFFF"/>
                 </a:solidFill>
@@ -35736,7 +35736,7 @@
     </p:spTree>
     <p:extLst>
       <p:ext uri="{BB962C8B-B14F-4D97-AF65-F5344CB8AC3E}">
-        <p14:creationId xmlns:p14="http://schemas.microsoft.com/office/powerpoint/2010/main" xmlns="" val="2862721199"/>
+        <p14:creationId xmlns="" xmlns:p14="http://schemas.microsoft.com/office/powerpoint/2010/main" val="2862721199"/>
       </p:ext>
     </p:extLst>
   </p:cSld>
@@ -35826,7 +35826,7 @@
           <a:blip r:embed="rId2">
             <a:extLst>
               <a:ext uri="{28A0092B-C50C-407E-A947-70E740481C1C}">
-                <a14:useLocalDpi xmlns:a14="http://schemas.microsoft.com/office/drawing/2010/main" xmlns="" val="0"/>
+                <a14:useLocalDpi xmlns="" xmlns:a14="http://schemas.microsoft.com/office/drawing/2010/main" val="0"/>
               </a:ext>
             </a:extLst>
           </a:blip>
@@ -35846,7 +35846,7 @@
           <a:noFill/>
           <a:extLst>
             <a:ext uri="{909E8E84-426E-40DD-AFC4-6F175D3DCCD1}">
-              <a14:hiddenFill xmlns:a14="http://schemas.microsoft.com/office/drawing/2010/main" xmlns="">
+              <a14:hiddenFill xmlns="" xmlns:a14="http://schemas.microsoft.com/office/drawing/2010/main">
                 <a:solidFill>
                   <a:srgbClr val="FFFFFF"/>
                 </a:solidFill>
@@ -35858,7 +35858,7 @@
     </p:spTree>
     <p:extLst>
       <p:ext uri="{BB962C8B-B14F-4D97-AF65-F5344CB8AC3E}">
-        <p14:creationId xmlns:p14="http://schemas.microsoft.com/office/powerpoint/2010/main" xmlns="" val="958192436"/>
+        <p14:creationId xmlns="" xmlns:p14="http://schemas.microsoft.com/office/powerpoint/2010/main" val="958192436"/>
       </p:ext>
     </p:extLst>
   </p:cSld>
@@ -35904,7 +35904,7 @@
           <a:noFill/>
           <a:extLst>
             <a:ext uri="{909E8E84-426E-40DD-AFC4-6F175D3DCCD1}">
-              <a14:hiddenFill xmlns:a14="http://schemas.microsoft.com/office/drawing/2010/main" xmlns="">
+              <a14:hiddenFill xmlns="" xmlns:a14="http://schemas.microsoft.com/office/drawing/2010/main">
                 <a:solidFill>
                   <a:srgbClr val="FFFFFF"/>
                 </a:solidFill>
@@ -35951,7 +35951,7 @@
     </p:spTree>
     <p:extLst>
       <p:ext uri="{BB962C8B-B14F-4D97-AF65-F5344CB8AC3E}">
-        <p14:creationId xmlns:p14="http://schemas.microsoft.com/office/powerpoint/2010/main" xmlns="" val="1860699775"/>
+        <p14:creationId xmlns="" xmlns:p14="http://schemas.microsoft.com/office/powerpoint/2010/main" val="1860699775"/>
       </p:ext>
     </p:extLst>
   </p:cSld>
@@ -35992,7 +35992,7 @@
           <a:blip r:embed="rId2">
             <a:extLst>
               <a:ext uri="{28A0092B-C50C-407E-A947-70E740481C1C}">
-                <a14:useLocalDpi xmlns:a14="http://schemas.microsoft.com/office/drawing/2010/main" xmlns="" val="0"/>
+                <a14:useLocalDpi xmlns="" xmlns:a14="http://schemas.microsoft.com/office/drawing/2010/main" val="0"/>
               </a:ext>
             </a:extLst>
           </a:blip>
@@ -36012,7 +36012,7 @@
           <a:noFill/>
           <a:extLst>
             <a:ext uri="{909E8E84-426E-40DD-AFC4-6F175D3DCCD1}">
-              <a14:hiddenFill xmlns:a14="http://schemas.microsoft.com/office/drawing/2010/main" xmlns="">
+              <a14:hiddenFill xmlns="" xmlns:a14="http://schemas.microsoft.com/office/drawing/2010/main">
                 <a:solidFill>
                   <a:srgbClr val="FFFFFF"/>
                 </a:solidFill>
@@ -36024,7 +36024,7 @@
     </p:spTree>
     <p:extLst>
       <p:ext uri="{BB962C8B-B14F-4D97-AF65-F5344CB8AC3E}">
-        <p14:creationId xmlns:p14="http://schemas.microsoft.com/office/powerpoint/2010/main" xmlns="" val="3929614034"/>
+        <p14:creationId xmlns="" xmlns:p14="http://schemas.microsoft.com/office/powerpoint/2010/main" val="3929614034"/>
       </p:ext>
     </p:extLst>
   </p:cSld>
@@ -36735,7 +36735,7 @@
     </p:spTree>
     <p:extLst>
       <p:ext uri="{BB962C8B-B14F-4D97-AF65-F5344CB8AC3E}">
-        <p14:creationId xmlns:p14="http://schemas.microsoft.com/office/powerpoint/2010/main" xmlns="" val="2640832087"/>
+        <p14:creationId xmlns="" xmlns:p14="http://schemas.microsoft.com/office/powerpoint/2010/main" val="2640832087"/>
       </p:ext>
     </p:extLst>
   </p:cSld>
@@ -36820,7 +36820,7 @@
     </p:spTree>
     <p:extLst>
       <p:ext uri="{BB962C8B-B14F-4D97-AF65-F5344CB8AC3E}">
-        <p14:creationId xmlns:p14="http://schemas.microsoft.com/office/powerpoint/2010/main" xmlns="" val="2395880905"/>
+        <p14:creationId xmlns="" xmlns:p14="http://schemas.microsoft.com/office/powerpoint/2010/main" val="2395880905"/>
       </p:ext>
     </p:extLst>
   </p:cSld>
@@ -36915,7 +36915,7 @@
     </p:spTree>
     <p:extLst>
       <p:ext uri="{BB962C8B-B14F-4D97-AF65-F5344CB8AC3E}">
-        <p14:creationId xmlns:p14="http://schemas.microsoft.com/office/powerpoint/2010/main" xmlns="" val="167453458"/>
+        <p14:creationId xmlns="" xmlns:p14="http://schemas.microsoft.com/office/powerpoint/2010/main" val="167453458"/>
       </p:ext>
     </p:extLst>
   </p:cSld>
@@ -37000,7 +37000,7 @@
     </p:spTree>
     <p:extLst>
       <p:ext uri="{BB962C8B-B14F-4D97-AF65-F5344CB8AC3E}">
-        <p14:creationId xmlns:p14="http://schemas.microsoft.com/office/powerpoint/2010/main" xmlns="" val="3192386718"/>
+        <p14:creationId xmlns="" xmlns:p14="http://schemas.microsoft.com/office/powerpoint/2010/main" val="3192386718"/>
       </p:ext>
     </p:extLst>
   </p:cSld>
@@ -37085,7 +37085,7 @@
     </p:spTree>
     <p:extLst>
       <p:ext uri="{BB962C8B-B14F-4D97-AF65-F5344CB8AC3E}">
-        <p14:creationId xmlns:p14="http://schemas.microsoft.com/office/powerpoint/2010/main" xmlns="" val="3240907213"/>
+        <p14:creationId xmlns="" xmlns:p14="http://schemas.microsoft.com/office/powerpoint/2010/main" val="3240907213"/>
       </p:ext>
     </p:extLst>
   </p:cSld>
@@ -37157,7 +37157,7 @@
     </p:spTree>
     <p:extLst>
       <p:ext uri="{BB962C8B-B14F-4D97-AF65-F5344CB8AC3E}">
-        <p14:creationId xmlns:p14="http://schemas.microsoft.com/office/powerpoint/2010/main" xmlns="" val="2534672285"/>
+        <p14:creationId xmlns="" xmlns:p14="http://schemas.microsoft.com/office/powerpoint/2010/main" val="2534672285"/>
       </p:ext>
     </p:extLst>
   </p:cSld>
@@ -37229,7 +37229,7 @@
     </p:spTree>
     <p:extLst>
       <p:ext uri="{BB962C8B-B14F-4D97-AF65-F5344CB8AC3E}">
-        <p14:creationId xmlns:p14="http://schemas.microsoft.com/office/powerpoint/2010/main" xmlns="" val="3027278837"/>
+        <p14:creationId xmlns="" xmlns:p14="http://schemas.microsoft.com/office/powerpoint/2010/main" val="3027278837"/>
       </p:ext>
     </p:extLst>
   </p:cSld>
@@ -37301,7 +37301,7 @@
     </p:spTree>
     <p:extLst>
       <p:ext uri="{BB962C8B-B14F-4D97-AF65-F5344CB8AC3E}">
-        <p14:creationId xmlns:p14="http://schemas.microsoft.com/office/powerpoint/2010/main" xmlns="" val="2504155492"/>
+        <p14:creationId xmlns="" xmlns:p14="http://schemas.microsoft.com/office/powerpoint/2010/main" val="2504155492"/>
       </p:ext>
     </p:extLst>
   </p:cSld>
@@ -39362,7 +39362,7 @@
     </p:spTree>
     <p:extLst>
       <p:ext uri="{BB962C8B-B14F-4D97-AF65-F5344CB8AC3E}">
-        <p14:creationId xmlns:p14="http://schemas.microsoft.com/office/powerpoint/2010/main" xmlns="" val="1659390950"/>
+        <p14:creationId xmlns="" xmlns:p14="http://schemas.microsoft.com/office/powerpoint/2010/main" val="1659390950"/>
       </p:ext>
     </p:extLst>
   </p:cSld>
@@ -39434,7 +39434,7 @@
     </p:spTree>
     <p:extLst>
       <p:ext uri="{BB962C8B-B14F-4D97-AF65-F5344CB8AC3E}">
-        <p14:creationId xmlns:p14="http://schemas.microsoft.com/office/powerpoint/2010/main" xmlns="" val="3010003187"/>
+        <p14:creationId xmlns="" xmlns:p14="http://schemas.microsoft.com/office/powerpoint/2010/main" val="3010003187"/>
       </p:ext>
     </p:extLst>
   </p:cSld>
@@ -39506,7 +39506,7 @@
     </p:spTree>
     <p:extLst>
       <p:ext uri="{BB962C8B-B14F-4D97-AF65-F5344CB8AC3E}">
-        <p14:creationId xmlns:p14="http://schemas.microsoft.com/office/powerpoint/2010/main" xmlns="" val="2533232830"/>
+        <p14:creationId xmlns="" xmlns:p14="http://schemas.microsoft.com/office/powerpoint/2010/main" val="2533232830"/>
       </p:ext>
     </p:extLst>
   </p:cSld>
@@ -39578,7 +39578,7 @@
     </p:spTree>
     <p:extLst>
       <p:ext uri="{BB962C8B-B14F-4D97-AF65-F5344CB8AC3E}">
-        <p14:creationId xmlns:p14="http://schemas.microsoft.com/office/powerpoint/2010/main" xmlns="" val="1582731245"/>
+        <p14:creationId xmlns="" xmlns:p14="http://schemas.microsoft.com/office/powerpoint/2010/main" val="1582731245"/>
       </p:ext>
     </p:extLst>
   </p:cSld>
@@ -39650,7 +39650,7 @@
     </p:spTree>
     <p:extLst>
       <p:ext uri="{BB962C8B-B14F-4D97-AF65-F5344CB8AC3E}">
-        <p14:creationId xmlns:p14="http://schemas.microsoft.com/office/powerpoint/2010/main" xmlns="" val="1276523271"/>
+        <p14:creationId xmlns="" xmlns:p14="http://schemas.microsoft.com/office/powerpoint/2010/main" val="1276523271"/>
       </p:ext>
     </p:extLst>
   </p:cSld>
@@ -40996,7 +40996,7 @@
     </p:spTree>
     <p:extLst>
       <p:ext uri="{BB962C8B-B14F-4D97-AF65-F5344CB8AC3E}">
-        <p14:creationId xmlns:p14="http://schemas.microsoft.com/office/powerpoint/2010/main" xmlns="" val="1386112098"/>
+        <p14:creationId xmlns="" xmlns:p14="http://schemas.microsoft.com/office/powerpoint/2010/main" val="1386112098"/>
       </p:ext>
     </p:extLst>
   </p:cSld>
@@ -43151,7 +43151,7 @@
     </p:spTree>
     <p:extLst>
       <p:ext uri="{BB962C8B-B14F-4D97-AF65-F5344CB8AC3E}">
-        <p14:creationId xmlns:p14="http://schemas.microsoft.com/office/powerpoint/2010/main" xmlns="" val="2902873993"/>
+        <p14:creationId xmlns="" xmlns:p14="http://schemas.microsoft.com/office/powerpoint/2010/main" val="2902873993"/>
       </p:ext>
     </p:extLst>
   </p:cSld>
@@ -45198,7 +45198,7 @@
     </p:spTree>
     <p:extLst>
       <p:ext uri="{BB962C8B-B14F-4D97-AF65-F5344CB8AC3E}">
-        <p14:creationId xmlns:p14="http://schemas.microsoft.com/office/powerpoint/2010/main" xmlns="" val="4081839283"/>
+        <p14:creationId xmlns="" xmlns:p14="http://schemas.microsoft.com/office/powerpoint/2010/main" val="4081839283"/>
       </p:ext>
     </p:extLst>
   </p:cSld>
@@ -47215,7 +47215,7 @@
     </p:spTree>
     <p:extLst>
       <p:ext uri="{BB962C8B-B14F-4D97-AF65-F5344CB8AC3E}">
-        <p14:creationId xmlns:p14="http://schemas.microsoft.com/office/powerpoint/2010/main" xmlns="" val="1852443594"/>
+        <p14:creationId xmlns="" xmlns:p14="http://schemas.microsoft.com/office/powerpoint/2010/main" val="1852443594"/>
       </p:ext>
     </p:extLst>
   </p:cSld>
@@ -47480,7 +47480,7 @@
   <a:extraClrSchemeLst/>
   <a:extLst>
     <a:ext uri="{05A4C25C-085E-4340-85A3-A5531E510DB2}">
-      <thm15:themeFamily xmlns:thm15="http://schemas.microsoft.com/office/thememl/2012/main" xmlns="" name="Office Theme" id="{62F939B6-93AF-4DB8-9C6B-D6C7DFDC589F}" vid="{4A3C46E8-61CC-4603-A589-7422A47A8E4A}"/>
+      <thm15:themeFamily xmlns="" xmlns:thm15="http://schemas.microsoft.com/office/thememl/2012/main" name="Office Theme" id="{62F939B6-93AF-4DB8-9C6B-D6C7DFDC589F}" vid="{4A3C46E8-61CC-4603-A589-7422A47A8E4A}"/>
     </a:ext>
   </a:extLst>
 </a:theme>

--- a/Documents/projects for schools.pptx
+++ b/Documents/projects for schools.pptx
@@ -31,33 +31,32 @@
     <p:sldId id="282" r:id="rId25"/>
     <p:sldId id="302" r:id="rId26"/>
     <p:sldId id="298" r:id="rId27"/>
-    <p:sldId id="311" r:id="rId28"/>
-    <p:sldId id="303" r:id="rId29"/>
-    <p:sldId id="304" r:id="rId30"/>
-    <p:sldId id="290" r:id="rId31"/>
-    <p:sldId id="305" r:id="rId32"/>
+    <p:sldId id="303" r:id="rId28"/>
+    <p:sldId id="304" r:id="rId29"/>
+    <p:sldId id="305" r:id="rId30"/>
+    <p:sldId id="307" r:id="rId31"/>
+    <p:sldId id="308" r:id="rId32"/>
     <p:sldId id="306" r:id="rId33"/>
-    <p:sldId id="307" r:id="rId34"/>
-    <p:sldId id="308" r:id="rId35"/>
-    <p:sldId id="309" r:id="rId36"/>
-    <p:sldId id="310" r:id="rId37"/>
-    <p:sldId id="268" r:id="rId38"/>
-    <p:sldId id="269" r:id="rId39"/>
-    <p:sldId id="270" r:id="rId40"/>
-    <p:sldId id="272" r:id="rId41"/>
-    <p:sldId id="274" r:id="rId42"/>
-    <p:sldId id="275" r:id="rId43"/>
-    <p:sldId id="279" r:id="rId44"/>
-    <p:sldId id="284" r:id="rId45"/>
-    <p:sldId id="285" r:id="rId46"/>
-    <p:sldId id="286" r:id="rId47"/>
-    <p:sldId id="287" r:id="rId48"/>
-    <p:sldId id="292" r:id="rId49"/>
-    <p:sldId id="293" r:id="rId50"/>
-    <p:sldId id="294" r:id="rId51"/>
-    <p:sldId id="295" r:id="rId52"/>
-    <p:sldId id="296" r:id="rId53"/>
-    <p:sldId id="299" r:id="rId54"/>
+    <p:sldId id="290" r:id="rId34"/>
+    <p:sldId id="309" r:id="rId35"/>
+    <p:sldId id="310" r:id="rId36"/>
+    <p:sldId id="268" r:id="rId37"/>
+    <p:sldId id="269" r:id="rId38"/>
+    <p:sldId id="270" r:id="rId39"/>
+    <p:sldId id="272" r:id="rId40"/>
+    <p:sldId id="274" r:id="rId41"/>
+    <p:sldId id="275" r:id="rId42"/>
+    <p:sldId id="279" r:id="rId43"/>
+    <p:sldId id="284" r:id="rId44"/>
+    <p:sldId id="285" r:id="rId45"/>
+    <p:sldId id="286" r:id="rId46"/>
+    <p:sldId id="287" r:id="rId47"/>
+    <p:sldId id="292" r:id="rId48"/>
+    <p:sldId id="293" r:id="rId49"/>
+    <p:sldId id="294" r:id="rId50"/>
+    <p:sldId id="295" r:id="rId51"/>
+    <p:sldId id="296" r:id="rId52"/>
+    <p:sldId id="299" r:id="rId53"/>
   </p:sldIdLst>
   <p:sldSz cx="12192000" cy="6858000"/>
   <p:notesSz cx="6858000" cy="9947275"/>
@@ -158,7 +157,7 @@
   </p:defaultTextStyle>
   <p:extLst>
     <p:ext uri="{EFAFB233-063F-42B5-8137-9DF3F51BA10A}">
-      <p15:sldGuideLst xmlns="" xmlns:p15="http://schemas.microsoft.com/office/powerpoint/2012/main">
+      <p15:sldGuideLst xmlns:p15="http://schemas.microsoft.com/office/powerpoint/2012/main">
         <p15:guide id="1" orient="horz" pos="2160">
           <p15:clr>
             <a:srgbClr val="A4A3A4"/>
@@ -359,7 +358,7 @@
     </p:spTree>
     <p:extLst>
       <p:ext uri="{BB962C8B-B14F-4D97-AF65-F5344CB8AC3E}">
-        <p14:creationId xmlns="" xmlns:p14="http://schemas.microsoft.com/office/powerpoint/2010/main" val="2783986648"/>
+        <p14:creationId xmlns:p14="http://schemas.microsoft.com/office/powerpoint/2010/main" val="2783986648"/>
       </p:ext>
     </p:extLst>
   </p:cSld>
@@ -531,7 +530,7 @@
     </p:spTree>
     <p:extLst>
       <p:ext uri="{BB962C8B-B14F-4D97-AF65-F5344CB8AC3E}">
-        <p14:creationId xmlns="" xmlns:p14="http://schemas.microsoft.com/office/powerpoint/2010/main" val="1553657408"/>
+        <p14:creationId xmlns:p14="http://schemas.microsoft.com/office/powerpoint/2010/main" val="1553657408"/>
       </p:ext>
     </p:extLst>
   </p:cSld>
@@ -713,7 +712,7 @@
     </p:spTree>
     <p:extLst>
       <p:ext uri="{BB962C8B-B14F-4D97-AF65-F5344CB8AC3E}">
-        <p14:creationId xmlns="" xmlns:p14="http://schemas.microsoft.com/office/powerpoint/2010/main" val="2190105155"/>
+        <p14:creationId xmlns:p14="http://schemas.microsoft.com/office/powerpoint/2010/main" val="2190105155"/>
       </p:ext>
     </p:extLst>
   </p:cSld>
@@ -885,7 +884,7 @@
     </p:spTree>
     <p:extLst>
       <p:ext uri="{BB962C8B-B14F-4D97-AF65-F5344CB8AC3E}">
-        <p14:creationId xmlns="" xmlns:p14="http://schemas.microsoft.com/office/powerpoint/2010/main" val="3388913498"/>
+        <p14:creationId xmlns:p14="http://schemas.microsoft.com/office/powerpoint/2010/main" val="3388913498"/>
       </p:ext>
     </p:extLst>
   </p:cSld>
@@ -1133,7 +1132,7 @@
     </p:spTree>
     <p:extLst>
       <p:ext uri="{BB962C8B-B14F-4D97-AF65-F5344CB8AC3E}">
-        <p14:creationId xmlns="" xmlns:p14="http://schemas.microsoft.com/office/powerpoint/2010/main" val="3998476502"/>
+        <p14:creationId xmlns:p14="http://schemas.microsoft.com/office/powerpoint/2010/main" val="3998476502"/>
       </p:ext>
     </p:extLst>
   </p:cSld>
@@ -1367,7 +1366,7 @@
     </p:spTree>
     <p:extLst>
       <p:ext uri="{BB962C8B-B14F-4D97-AF65-F5344CB8AC3E}">
-        <p14:creationId xmlns="" xmlns:p14="http://schemas.microsoft.com/office/powerpoint/2010/main" val="1557806308"/>
+        <p14:creationId xmlns:p14="http://schemas.microsoft.com/office/powerpoint/2010/main" val="1557806308"/>
       </p:ext>
     </p:extLst>
   </p:cSld>
@@ -1736,7 +1735,7 @@
     </p:spTree>
     <p:extLst>
       <p:ext uri="{BB962C8B-B14F-4D97-AF65-F5344CB8AC3E}">
-        <p14:creationId xmlns="" xmlns:p14="http://schemas.microsoft.com/office/powerpoint/2010/main" val="1969040822"/>
+        <p14:creationId xmlns:p14="http://schemas.microsoft.com/office/powerpoint/2010/main" val="1969040822"/>
       </p:ext>
     </p:extLst>
   </p:cSld>
@@ -1856,7 +1855,7 @@
     </p:spTree>
     <p:extLst>
       <p:ext uri="{BB962C8B-B14F-4D97-AF65-F5344CB8AC3E}">
-        <p14:creationId xmlns="" xmlns:p14="http://schemas.microsoft.com/office/powerpoint/2010/main" val="3785336507"/>
+        <p14:creationId xmlns:p14="http://schemas.microsoft.com/office/powerpoint/2010/main" val="3785336507"/>
       </p:ext>
     </p:extLst>
   </p:cSld>
@@ -1953,7 +1952,7 @@
     </p:spTree>
     <p:extLst>
       <p:ext uri="{BB962C8B-B14F-4D97-AF65-F5344CB8AC3E}">
-        <p14:creationId xmlns="" xmlns:p14="http://schemas.microsoft.com/office/powerpoint/2010/main" val="3909500765"/>
+        <p14:creationId xmlns:p14="http://schemas.microsoft.com/office/powerpoint/2010/main" val="3909500765"/>
       </p:ext>
     </p:extLst>
   </p:cSld>
@@ -2232,7 +2231,7 @@
     </p:spTree>
     <p:extLst>
       <p:ext uri="{BB962C8B-B14F-4D97-AF65-F5344CB8AC3E}">
-        <p14:creationId xmlns="" xmlns:p14="http://schemas.microsoft.com/office/powerpoint/2010/main" val="3015402253"/>
+        <p14:creationId xmlns:p14="http://schemas.microsoft.com/office/powerpoint/2010/main" val="3015402253"/>
       </p:ext>
     </p:extLst>
   </p:cSld>
@@ -2487,7 +2486,7 @@
     </p:spTree>
     <p:extLst>
       <p:ext uri="{BB962C8B-B14F-4D97-AF65-F5344CB8AC3E}">
-        <p14:creationId xmlns="" xmlns:p14="http://schemas.microsoft.com/office/powerpoint/2010/main" val="2612029614"/>
+        <p14:creationId xmlns:p14="http://schemas.microsoft.com/office/powerpoint/2010/main" val="2612029614"/>
       </p:ext>
     </p:extLst>
   </p:cSld>
@@ -2738,7 +2737,7 @@
     </p:spTree>
     <p:extLst>
       <p:ext uri="{BB962C8B-B14F-4D97-AF65-F5344CB8AC3E}">
-        <p14:creationId xmlns="" xmlns:p14="http://schemas.microsoft.com/office/powerpoint/2010/main" val="1714597555"/>
+        <p14:creationId xmlns:p14="http://schemas.microsoft.com/office/powerpoint/2010/main" val="1714597555"/>
       </p:ext>
     </p:extLst>
   </p:cSld>
@@ -5926,7 +5925,7 @@
     </p:spTree>
     <p:extLst>
       <p:ext uri="{BB962C8B-B14F-4D97-AF65-F5344CB8AC3E}">
-        <p14:creationId xmlns="" xmlns:p14="http://schemas.microsoft.com/office/powerpoint/2010/main" val="2097960034"/>
+        <p14:creationId xmlns:p14="http://schemas.microsoft.com/office/powerpoint/2010/main" val="2097960034"/>
       </p:ext>
     </p:extLst>
   </p:cSld>
@@ -7800,7 +7799,7 @@
     </p:spTree>
     <p:extLst>
       <p:ext uri="{BB962C8B-B14F-4D97-AF65-F5344CB8AC3E}">
-        <p14:creationId xmlns="" xmlns:p14="http://schemas.microsoft.com/office/powerpoint/2010/main" val="831023563"/>
+        <p14:creationId xmlns:p14="http://schemas.microsoft.com/office/powerpoint/2010/main" val="831023563"/>
       </p:ext>
     </p:extLst>
   </p:cSld>
@@ -7869,7 +7868,7 @@
           <a:blip r:embed="rId2">
             <a:extLst>
               <a:ext uri="{28A0092B-C50C-407E-A947-70E740481C1C}">
-                <a14:useLocalDpi xmlns="" xmlns:a14="http://schemas.microsoft.com/office/drawing/2010/main" val="0"/>
+                <a14:useLocalDpi xmlns:a14="http://schemas.microsoft.com/office/drawing/2010/main" val="0"/>
               </a:ext>
             </a:extLst>
           </a:blip>
@@ -7889,7 +7888,7 @@
           <a:noFill/>
           <a:extLst>
             <a:ext uri="{909E8E84-426E-40DD-AFC4-6F175D3DCCD1}">
-              <a14:hiddenFill xmlns="" xmlns:a14="http://schemas.microsoft.com/office/drawing/2010/main">
+              <a14:hiddenFill xmlns:a14="http://schemas.microsoft.com/office/drawing/2010/main">
                 <a:solidFill>
                   <a:srgbClr val="FFFFFF"/>
                 </a:solidFill>
@@ -7901,7 +7900,7 @@
     </p:spTree>
     <p:extLst>
       <p:ext uri="{BB962C8B-B14F-4D97-AF65-F5344CB8AC3E}">
-        <p14:creationId xmlns="" xmlns:p14="http://schemas.microsoft.com/office/powerpoint/2010/main" val="4073497930"/>
+        <p14:creationId xmlns:p14="http://schemas.microsoft.com/office/powerpoint/2010/main" val="4073497930"/>
       </p:ext>
     </p:extLst>
   </p:cSld>
@@ -7940,7 +7939,7 @@
           <a:blip r:embed="rId2">
             <a:extLst>
               <a:ext uri="{28A0092B-C50C-407E-A947-70E740481C1C}">
-                <a14:useLocalDpi xmlns="" xmlns:a14="http://schemas.microsoft.com/office/drawing/2010/main" val="0"/>
+                <a14:useLocalDpi xmlns:a14="http://schemas.microsoft.com/office/drawing/2010/main" val="0"/>
               </a:ext>
             </a:extLst>
           </a:blip>
@@ -7960,7 +7959,7 @@
           <a:noFill/>
           <a:extLst>
             <a:ext uri="{909E8E84-426E-40DD-AFC4-6F175D3DCCD1}">
-              <a14:hiddenFill xmlns="" xmlns:a14="http://schemas.microsoft.com/office/drawing/2010/main">
+              <a14:hiddenFill xmlns:a14="http://schemas.microsoft.com/office/drawing/2010/main">
                 <a:solidFill>
                   <a:srgbClr val="FFFFFF"/>
                 </a:solidFill>
@@ -8991,7 +8990,7 @@
     </p:spTree>
     <p:extLst>
       <p:ext uri="{BB962C8B-B14F-4D97-AF65-F5344CB8AC3E}">
-        <p14:creationId xmlns="" xmlns:p14="http://schemas.microsoft.com/office/powerpoint/2010/main" val="1884114993"/>
+        <p14:creationId xmlns:p14="http://schemas.microsoft.com/office/powerpoint/2010/main" val="1884114993"/>
       </p:ext>
     </p:extLst>
   </p:cSld>
@@ -10479,7 +10478,7 @@
     </p:spTree>
     <p:extLst>
       <p:ext uri="{BB962C8B-B14F-4D97-AF65-F5344CB8AC3E}">
-        <p14:creationId xmlns="" xmlns:p14="http://schemas.microsoft.com/office/powerpoint/2010/main" val="1930197798"/>
+        <p14:creationId xmlns:p14="http://schemas.microsoft.com/office/powerpoint/2010/main" val="1930197798"/>
       </p:ext>
     </p:extLst>
   </p:cSld>
@@ -13289,7 +13288,7 @@
     </p:spTree>
     <p:extLst>
       <p:ext uri="{BB962C8B-B14F-4D97-AF65-F5344CB8AC3E}">
-        <p14:creationId xmlns="" xmlns:p14="http://schemas.microsoft.com/office/powerpoint/2010/main" val="795154645"/>
+        <p14:creationId xmlns:p14="http://schemas.microsoft.com/office/powerpoint/2010/main" val="795154645"/>
       </p:ext>
     </p:extLst>
   </p:cSld>
@@ -16099,7 +16098,7 @@
     </p:spTree>
     <p:extLst>
       <p:ext uri="{BB962C8B-B14F-4D97-AF65-F5344CB8AC3E}">
-        <p14:creationId xmlns="" xmlns:p14="http://schemas.microsoft.com/office/powerpoint/2010/main" val="3990639240"/>
+        <p14:creationId xmlns:p14="http://schemas.microsoft.com/office/powerpoint/2010/main" val="3990639240"/>
       </p:ext>
     </p:extLst>
   </p:cSld>
@@ -17473,7 +17472,7 @@
     </p:spTree>
     <p:extLst>
       <p:ext uri="{BB962C8B-B14F-4D97-AF65-F5344CB8AC3E}">
-        <p14:creationId xmlns="" xmlns:p14="http://schemas.microsoft.com/office/powerpoint/2010/main" val="3672048550"/>
+        <p14:creationId xmlns:p14="http://schemas.microsoft.com/office/powerpoint/2010/main" val="3672048550"/>
       </p:ext>
     </p:extLst>
   </p:cSld>
@@ -21500,7 +21499,7 @@
     </p:spTree>
     <p:extLst>
       <p:ext uri="{BB962C8B-B14F-4D97-AF65-F5344CB8AC3E}">
-        <p14:creationId xmlns="" xmlns:p14="http://schemas.microsoft.com/office/powerpoint/2010/main" val="1036446602"/>
+        <p14:creationId xmlns:p14="http://schemas.microsoft.com/office/powerpoint/2010/main" val="1036446602"/>
       </p:ext>
     </p:extLst>
   </p:cSld>
@@ -24286,7 +24285,7 @@
     </p:spTree>
     <p:extLst>
       <p:ext uri="{BB962C8B-B14F-4D97-AF65-F5344CB8AC3E}">
-        <p14:creationId xmlns="" xmlns:p14="http://schemas.microsoft.com/office/powerpoint/2010/main" val="1319828322"/>
+        <p14:creationId xmlns:p14="http://schemas.microsoft.com/office/powerpoint/2010/main" val="1319828322"/>
       </p:ext>
     </p:extLst>
   </p:cSld>
@@ -25659,7 +25658,7 @@
     </p:spTree>
     <p:extLst>
       <p:ext uri="{BB962C8B-B14F-4D97-AF65-F5344CB8AC3E}">
-        <p14:creationId xmlns="" xmlns:p14="http://schemas.microsoft.com/office/powerpoint/2010/main" val="1708002396"/>
+        <p14:creationId xmlns:p14="http://schemas.microsoft.com/office/powerpoint/2010/main" val="1708002396"/>
       </p:ext>
     </p:extLst>
   </p:cSld>
@@ -27318,7 +27317,7 @@
     </p:spTree>
     <p:extLst>
       <p:ext uri="{BB962C8B-B14F-4D97-AF65-F5344CB8AC3E}">
-        <p14:creationId xmlns="" xmlns:p14="http://schemas.microsoft.com/office/powerpoint/2010/main" val="3338868429"/>
+        <p14:creationId xmlns:p14="http://schemas.microsoft.com/office/powerpoint/2010/main" val="3338868429"/>
       </p:ext>
     </p:extLst>
   </p:cSld>
@@ -28886,7 +28885,7 @@
     </p:spTree>
     <p:extLst>
       <p:ext uri="{BB962C8B-B14F-4D97-AF65-F5344CB8AC3E}">
-        <p14:creationId xmlns="" xmlns:p14="http://schemas.microsoft.com/office/powerpoint/2010/main" val="2881063141"/>
+        <p14:creationId xmlns:p14="http://schemas.microsoft.com/office/powerpoint/2010/main" val="2881063141"/>
       </p:ext>
     </p:extLst>
   </p:cSld>
@@ -30332,7 +30331,7 @@
     </p:spTree>
     <p:extLst>
       <p:ext uri="{BB962C8B-B14F-4D97-AF65-F5344CB8AC3E}">
-        <p14:creationId xmlns="" xmlns:p14="http://schemas.microsoft.com/office/powerpoint/2010/main" val="2222222311"/>
+        <p14:creationId xmlns:p14="http://schemas.microsoft.com/office/powerpoint/2010/main" val="2222222311"/>
       </p:ext>
     </p:extLst>
   </p:cSld>
@@ -31225,7 +31224,7 @@
     </p:spTree>
     <p:extLst>
       <p:ext uri="{BB962C8B-B14F-4D97-AF65-F5344CB8AC3E}">
-        <p14:creationId xmlns="" xmlns:p14="http://schemas.microsoft.com/office/powerpoint/2010/main" val="2165115555"/>
+        <p14:creationId xmlns:p14="http://schemas.microsoft.com/office/powerpoint/2010/main" val="2165115555"/>
       </p:ext>
     </p:extLst>
   </p:cSld>
@@ -31301,7 +31300,7 @@
           <a:effectLst/>
           <a:extLst>
             <a:ext uri="{91240B29-F687-4F45-9708-019B960494DF}">
-              <a14:hiddenLine xmlns="" xmlns:a14="http://schemas.microsoft.com/office/drawing/2010/main" w="9525">
+              <a14:hiddenLine xmlns:a14="http://schemas.microsoft.com/office/drawing/2010/main" w="9525">
                 <a:solidFill>
                   <a:schemeClr val="tx1"/>
                 </a:solidFill>
@@ -31311,7 +31310,7 @@
               </a14:hiddenLine>
             </a:ext>
             <a:ext uri="{AF507438-7753-43E0-B8FC-AC1667EBCBE1}">
-              <a14:hiddenEffects xmlns="" xmlns:a14="http://schemas.microsoft.com/office/drawing/2010/main">
+              <a14:hiddenEffects xmlns:a14="http://schemas.microsoft.com/office/drawing/2010/main">
                 <a:effectLst>
                   <a:outerShdw dist="35921" dir="2700000" algn="ctr" rotWithShape="0">
                     <a:schemeClr val="bg2"/>
@@ -31542,7 +31541,7 @@
           <a:blip r:embed="rId3">
             <a:extLst>
               <a:ext uri="{28A0092B-C50C-407E-A947-70E740481C1C}">
-                <a14:useLocalDpi xmlns="" xmlns:a14="http://schemas.microsoft.com/office/drawing/2010/main" val="0"/>
+                <a14:useLocalDpi xmlns:a14="http://schemas.microsoft.com/office/drawing/2010/main" val="0"/>
               </a:ext>
             </a:extLst>
           </a:blip>
@@ -31562,7 +31561,7 @@
           <a:noFill/>
           <a:extLst>
             <a:ext uri="{909E8E84-426E-40DD-AFC4-6F175D3DCCD1}">
-              <a14:hiddenFill xmlns="" xmlns:a14="http://schemas.microsoft.com/office/drawing/2010/main">
+              <a14:hiddenFill xmlns:a14="http://schemas.microsoft.com/office/drawing/2010/main">
                 <a:solidFill>
                   <a:srgbClr val="FFFFFF"/>
                 </a:solidFill>
@@ -31631,7 +31630,7 @@
           <a:blip r:embed="rId4">
             <a:extLst>
               <a:ext uri="{28A0092B-C50C-407E-A947-70E740481C1C}">
-                <a14:useLocalDpi xmlns="" xmlns:a14="http://schemas.microsoft.com/office/drawing/2010/main" val="0"/>
+                <a14:useLocalDpi xmlns:a14="http://schemas.microsoft.com/office/drawing/2010/main" val="0"/>
               </a:ext>
             </a:extLst>
           </a:blip>
@@ -31651,7 +31650,7 @@
           <a:noFill/>
           <a:extLst>
             <a:ext uri="{909E8E84-426E-40DD-AFC4-6F175D3DCCD1}">
-              <a14:hiddenFill xmlns="" xmlns:a14="http://schemas.microsoft.com/office/drawing/2010/main">
+              <a14:hiddenFill xmlns:a14="http://schemas.microsoft.com/office/drawing/2010/main">
                 <a:solidFill>
                   <a:srgbClr val="FFFFFF"/>
                 </a:solidFill>
@@ -31663,7 +31662,7 @@
     </p:spTree>
     <p:extLst>
       <p:ext uri="{BB962C8B-B14F-4D97-AF65-F5344CB8AC3E}">
-        <p14:creationId xmlns="" xmlns:p14="http://schemas.microsoft.com/office/powerpoint/2010/main" val="4250650777"/>
+        <p14:creationId xmlns:p14="http://schemas.microsoft.com/office/powerpoint/2010/main" val="4250650777"/>
       </p:ext>
     </p:extLst>
   </p:cSld>
@@ -31702,7 +31701,7 @@
           <a:blip r:embed="rId2">
             <a:extLst>
               <a:ext uri="{28A0092B-C50C-407E-A947-70E740481C1C}">
-                <a14:useLocalDpi xmlns="" xmlns:a14="http://schemas.microsoft.com/office/drawing/2010/main" val="0"/>
+                <a14:useLocalDpi xmlns:a14="http://schemas.microsoft.com/office/drawing/2010/main" val="0"/>
               </a:ext>
             </a:extLst>
           </a:blip>
@@ -31722,7 +31721,7 @@
           <a:noFill/>
           <a:extLst>
             <a:ext uri="{909E8E84-426E-40DD-AFC4-6F175D3DCCD1}">
-              <a14:hiddenFill xmlns="" xmlns:a14="http://schemas.microsoft.com/office/drawing/2010/main">
+              <a14:hiddenFill xmlns:a14="http://schemas.microsoft.com/office/drawing/2010/main">
                 <a:solidFill>
                   <a:srgbClr val="FFFFFF"/>
                 </a:solidFill>
@@ -31789,7 +31788,7 @@
     </p:spTree>
     <p:extLst>
       <p:ext uri="{BB962C8B-B14F-4D97-AF65-F5344CB8AC3E}">
-        <p14:creationId xmlns="" xmlns:p14="http://schemas.microsoft.com/office/powerpoint/2010/main" val="982217179"/>
+        <p14:creationId xmlns:p14="http://schemas.microsoft.com/office/powerpoint/2010/main" val="982217179"/>
       </p:ext>
     </p:extLst>
   </p:cSld>
@@ -31828,7 +31827,7 @@
           <a:blip r:embed="rId2">
             <a:extLst>
               <a:ext uri="{28A0092B-C50C-407E-A947-70E740481C1C}">
-                <a14:useLocalDpi xmlns="" xmlns:a14="http://schemas.microsoft.com/office/drawing/2010/main" val="0"/>
+                <a14:useLocalDpi xmlns:a14="http://schemas.microsoft.com/office/drawing/2010/main" val="0"/>
               </a:ext>
             </a:extLst>
           </a:blip>
@@ -31848,7 +31847,7 @@
           <a:noFill/>
           <a:extLst>
             <a:ext uri="{909E8E84-426E-40DD-AFC4-6F175D3DCCD1}">
-              <a14:hiddenFill xmlns="" xmlns:a14="http://schemas.microsoft.com/office/drawing/2010/main">
+              <a14:hiddenFill xmlns:a14="http://schemas.microsoft.com/office/drawing/2010/main">
                 <a:solidFill>
                   <a:srgbClr val="FFFFFF"/>
                 </a:solidFill>
@@ -31903,7 +31902,7 @@
     </p:spTree>
     <p:extLst>
       <p:ext uri="{BB962C8B-B14F-4D97-AF65-F5344CB8AC3E}">
-        <p14:creationId xmlns="" xmlns:p14="http://schemas.microsoft.com/office/powerpoint/2010/main" val="4204690468"/>
+        <p14:creationId xmlns:p14="http://schemas.microsoft.com/office/powerpoint/2010/main" val="4204690468"/>
       </p:ext>
     </p:extLst>
   </p:cSld>
@@ -31914,117 +31913,6 @@
 </file>
 
 <file path=ppt/slides/slide27.xml><?xml version="1.0" encoding="utf-8"?>
-<p:sld xmlns:a="http://schemas.openxmlformats.org/drawingml/2006/main" xmlns:r="http://schemas.openxmlformats.org/officeDocument/2006/relationships" xmlns:p="http://schemas.openxmlformats.org/presentationml/2006/main">
-  <p:cSld>
-    <p:spTree>
-      <p:nvGrpSpPr>
-        <p:cNvPr id="1" name=""/>
-        <p:cNvGrpSpPr/>
-        <p:nvPr/>
-      </p:nvGrpSpPr>
-      <p:grpSpPr>
-        <a:xfrm>
-          <a:off x="0" y="0"/>
-          <a:ext cx="0" cy="0"/>
-          <a:chOff x="0" y="0"/>
-          <a:chExt cx="0" cy="0"/>
-        </a:xfrm>
-      </p:grpSpPr>
-      <p:sp>
-        <p:nvSpPr>
-          <p:cNvPr id="1028" name="AutoShape 4" descr="data:image/jpeg;base64,/9j/4AAQSkZJRgABAQAAAQABAAD/2wCEAAkGBxATEhUUExQVFhQVFxgYGBYVGRsYHBwXGBcfFxgYGB0cKCogHSElIBodIzEhJSkrMi4uGyIzODMsOCgtLisBCgoKDg0OGxAQGzQkICQsLCwsMC8yMTAwNCwsMjQvLCwtMiwyLCwvLCwsLCwsLCwsLywsLCwvLCwsLCwsLDQsLP/AABEIANwA5gMBEQACEQEDEQH/xAAbAAEAAwEBAQEAAAAAAAAAAAAABAUGAwECB//EAEUQAAIBAgMCCQkGBgEDBQEAAAECAwARBBIhBTEGEyIzQVFhkdEUFRYyU1RxcpMjQlKBwdIkVWKSlKGxgqLiRHOywvBD/8QAGAEBAAMBAAAAAAAAAAAAAAAAAAECAwT/xAAzEQACAQIDBgUEAwEAAgMAAAAAAQIDERIhMRNBUVKRoWFxgeHwIjKxwQQU0fFCYiMkM//aAAwDAQACEQMRAD8A/WtlbOhaFGaNSxUEki5J6zQErzVh/ZJ3UA81Yf2Sd1APNWH9kndQDzVh/ZJ3UA81Yf2Sd1APNWH9kndQDzVh/ZJ3UA81Yf2Sd1APNWH9kndQDzVh/ZJ3UA81Yf2Sd1APNWH9kndQDzVh/ZJ3UA81Yf2Sd1APNWH9kndQDzVh/ZJ3UA81Yf2Sd1APNWH9kndQDzVh/ZJ3UA81Yf2Sd1APNWH9kndQDzVh/ZJ3UA81Yf2Sd1APNWH9kndQDzVh/ZJ3UA81Yf2Sd1APNWH9kndQFNwnwscaKY1CEtYldNLbqAudi8xH8ooCbQCgFAKAUAoBQCgFAZDZ/lKMBNFLJM+Ne7hmVUgzM0TgjkmMIqKU/EdRe5oDh522qIMO5jLSysDIggYBFE0aODyiQeLMjDTW28WysBAxO1do4qORUViqz5c8aspUwbTWKwP3wYVdntuy/wBVqAktitpMwbJIpIwQZlR9VGNkWcZDdR9llY2XNZt9gAALrB47HPh8QxURzLxgjV0cgOrOEJtziEBDdbnU/AAVZ2ltS7uI3XNHgssbR51VnxLpijdbElY8rdGljYaigPrHbW2rHLNHHDxojjmKPxbKHdcPA0Ot8vKlacWB+4BpvIH3icftFXZ0zyR8VAyAwMl82LImzJ62dYMumlyCQu9aA8g2ptVgTxQuuHnkCGMrnmSV1iizE2TMoU/nfSgNHsSeR4VaS+ZrnVGjIB3BlaxBG46DdQE+gFAKAUAoBQCgFAZ/hjzafP8AoaAs9i8xH8ooCbQCgFAKAUAoBQCgFAKAUBzggRBZFVQSSQoAFybk6dJPTQHSgFAKAUAoBQCgFAKAUAoBQCgFAKAz/DHm0+f9DQFnsXmI/lFATaAUAoBQCgFAKAUAoBQHLETBACellX+4hf1oD4x2J4tc1r3ZFA3au4QXPVdqAiptYFYmK2WSJpCb7rZNO2+ffcbu3QDmu3ouLidrjjY8/J5YABRSLjfZpFH50BLwO0ElvlDCwB5QtoSy/wDKmgOyzAuydKqrX+YsP/rQHWgFAKAUAoBQCgFAKAUAoDP8MebT5/0NAWexeYj+UUBNoBQCgFAKAUAoBQCgFAQNshuLGQgNxkdiwLAHOLXAIJH5igOOEgxhjAnkw7PrmyxNlOptYF+q2+gOq4SUG4MAIvqIjfWwP3+wdwoD5kwMjWzcQbCwvCTYaGw5Wg0HcOqgPUwky3yGBSRbSIjrIvZusnvoDjsRMSGYYl4nl4uPMYUZF9aTcGZj+d/yFAW9AKAUBnFw+OVZCLtN5QWDl+QcO04OVVvYOsPJF1AzLe5uSQPqQ7UCDSIvxkd8u7i+LBk9a3/9LqOnLY0BGCbVWMquXMPVLFWJBUkXJPrBtCLWylbG4agO2Mw+0DESrfaieR11UDi8jiJT0FQSlwddCeo0B5m2tmNxFbPpktquZ7et0FeK7b5+jLQHuzE2iJgZbFGc8YLrYARgAx7yFzA8m1yGuSCLEDSUAoDP8MebT5/0NAWexeYj+UUBNoBQCgFAKAUAoBQCgFAZvhFtlxIIIIxJImSR7tlAAbMBuNybfkCN9Rd7it3uO2z+FuDdLvNDE4JVo5JEBDA2O8i46jbwqm1ho2upTbQWTkk/Mk+kuA97w31o/Gm1p8y6jb0uZdUPSXAe94b60fjTa0+ZdRt6XMuqPl+E+zwCfK8PoL6SoT+QBufhTbU+ZdRt6XMupS4ThU3GCZ4guHlyIsge59Y2Yi1vv62OlumrKWV9xZSusW42NWLigFAKA5YiYIL6knQAbyTuA/8A2m86CgGGRgOUbsTc23DsXsH+9/TQHuJizIy/iUjvFqA+MBNnijf8SK3eoNAd6AUAoDP8MebT5/0NAWexeYj+UUBNoBQCgFAKAUAoBQEHa+1Egi4xtbkBQPvM2igePVeobIbsZ88K8TcReSfxEh+zXjBksBcs7EAgAC9gDeqTlJLJXM6k5xWSu2fB4JYpnM7Yu2JcWfLH9mF6FRbg6fiJJNVhTknibz7FYUpp4pO77Fzs3g3hokymNJGJLM7opLMd53afCr4I8DRU470SvM+F9hD9NfCpwR4DZx4DzPhfYQ/TXwpgjwGzjwPJNiYRgQYIrEEHkKNDp0CmCPAOnB7jPHgMGtHJOzYdTdI1XIwI3csHo7AL1WVNSWF6FJUlOOF6Hd02jgwSrjGQKLlZCEmVRvs/qvYXPKsaztUhp9S7mdqtPT6l39zh6asAJWw5XDG32me7AHpKAW06QG761cmlexs5NK7Rfjb2D95g+onjTaQ4obWnzLqPP2D95g+qnjTaQ4obWnzLqU+yNqASzPicXhGUu3EKki3SInTMSQCxFju03XNNpDihtafMupM2nwpw0aji5I5ZGYKiJIpux6yL2Hbao2kdExtYaJq/mNi8IDKzRzR8VKql8oOe6AgEjQG4uNLdI31e+5lk87M78Ftowz4aNoXDooyBlvYlOSbE7928VJYtqAUAoDP8MebT5/0NAWexeYj+UUBXT7QxCyYklHywgNCiozCVBEHY5lVjmL5kyjUZVNjmFwIU+3cayAphmSzQXzK5JDzlJBly7giliQTbMPiQPnGcKcYiZhs+Ym1yozEj7KVyvJU3N4kUW0vMoNjoQJe2tuYmObiosM7i0ZMuVyozTxRsNFsSEkd9DpxR7bARl4S4wgfwMi3BJzZ9DaE5eSp1BlcHdfiGI0NwBb7K2lLKJC0DxlSMobTMCoa4J6ibG4FiDvFiQJH8QfZJ/dJf/wCFv90B75Gx9aWQ9gsg/LKA3+6AqIOBuEjwzQRAoGkMuYksRIWzZtejW1tNL9JvUNXIauVOC4MYp249sS6TxM6RkxDLlUlSWVibhhuIIsD01i4ynmnZowlCc3iTs10LBuEeIwwtjoCBuE+Hu8ZO4Ag8qMk2GulzvqVUlF2mvVBVZxdpx9Vp7HmF4X8tRiIRBHIbJIZAwJ6M2gy36wTqfzq7lh+40c8Ocsl5l157wnvEH1E8abSHFDaw5l1HnvCe8QfUTxptIcUNrDmXUee8J7xB9RPGm0hxQ2sOZdSr2pwtjR1jw4XESkZsqyAALe2rANr2AdGttLxtE3aOZG1TeGLT9SC+2cZjc0GHiWGwtPLKQ4TMPVjUeubdJAHZVJupJ4Yq3iUqOpJ4Iq3F/wCHCDgG4XiWxJbDXuVKnOesBs1l+IHjVo02o4blo0mo4b+u80no3gPdMN9GPwqdjT5V0J2FLlXRD0bwHumG+jH4U2NPlXQbClyroh6N4D3TDfRj8KbGnyroNhS5V0RD2nwRwjqOKiihkVgySJEosw3XAtcdl99j0U2UFmkug2FNZqKv5ECHgbLmM5xbrirZRLGoC5fwujE5xexOo3DqqsqWJ4k7MpOg5Sxp2Z5FtTEYFRFPhoyrMwjkwxCo0jFpCGRtUJNySLjU0jKonaS9UIzqJ4ZK/iv2Wew+EBmcxSxcTLlLBc2cFQQCQbDXUaW6a1Te82TejL2pLCgM/wAMebT5/wBDQFnsXmI/lFATaAUAoBQCgPmRAwIO49RI/wBjUUBFGEdfUla3Qsg4wd+jn82NAOPmX1o8w642B/Mq1iPgM1AcptuYZDGskgRpXEaLIChZyCQoDWOtjbrOm8igKGPhGYmlSPDu6pNLxjGQG13JJXs19U2tu6KzhfOy3syhfOy3vefM7YnaaFUHk+DbfIwBlkyn7i6hBcesdd1qzeOpksl3MpbSrkvpXf04HuF4HOzIMVKk0URuiZN9hYZ7k6dY6f8AnRwxJKRq6eJJSzSLr0Y2f7ph/pJ4U2VPlXQbClyroPRjZ/umH+knhTZU+VdBsKXKug9GNn+6Yf6SeFNlT5V0Gwpcq6FLt7gmqHyjBLFFMikZQqqrDsOgVtTyukaGqumofVFK5V0oweOEVfp/w+sPsPH4UtLBJFMz2MsUi5AxHTG4uVPY1x8KSVRPFHoJRqp4otPw9zq/DIDkNhplxPRC4sD1ssmqsvRca9lTGpiytZkwrYnazT8f9JuyOEkUuZZbQSpbMjuNxvYqdL7uoW7r3xJZMvjSdpZFj5zw/tov718aY48ScceI854f20X96+NMceIxx4jznh/bRf3r40xx4jHHiUWI4YAO3FwtLChKvKrAag8rKOn8yL/DWilfNEKV80QcXg8VtRFY2w2GHLi+9K5KkK7WNkWzbgb1jadXPRd/Y57VK2f2rv7FtsLg/JHJx08gklylFKggBSQTe5JJ0GtbpPedKT3mgqSwoDP8MebT5/0NAWexeYj+UUBNoBQCgFAKAUAoBQETH7Mgmy8dFHJkOZeMUPlbrF9x7aAyOL2FimdzCyImInkWQAhiou32gN9SbXybwW6hpisSVktW/wDpgsSVktW9+niTcJhcfgUCRhcXh13KLRzKL3Nvuyf6JqEqkP8A2XcqlVp/+y7+50fhpG2kMMsjj142HFsnY2bp+Fx21eNTEsjSFXGrxXXIt9m7agmQOHC6kFWIBVhoQdatiRdTRK8ti9on9wqcS4jEuI8ti9on9wpiXEYlxK/b+LhOHlu0LDIbrI9lI6QxGvdVKjWFlKsouD0KtuGqjlNh5uLPNsuVi5OigKDvPxNTKVlexMpuMcVuhGxWxMfi3TESMmHeK/Ewjl2DWvxzjeTYaAWFvjWajUlLE8vD/TKMaspY5ZW3f6TNm8D4iWkxaxTzPa5KXVQL+rfeTfU6dGmmt3TjJ3kjR0Yyd5JMn+iezvdYPprTY0+VEf16XKug9E9ne6wfTWmxp8qH9elyroPRPZ3usH01psafKh/Xpcq6Gex3BOSN+Jw7BMNiHbOAhvHyS2pBtbTKDpa4GtVwYVhismRs1FYIrJlhDs7H4JQuHYYqBQAIZbJIqjoSQDKfgwFVUalP7c146lFCrT+14lwevU8HDQHVcNNZSRJmyqUZTZha+trdYrWMnJXsbQm5K9uppsJiUkRZEN1cBlPWCLirp3Lp3OtCTP8ADHm0+f8AQ0BZ7F5iP5RQE2gFAKAUAoBQCgFAKAoY41PF8mA2xkp5LkWP2gzf1Sa8pest1Vilppq/33MEllp9z/ffiX1bG5m9t7BnaYz4Z0V3AVxJexA0uCL620tbo6KrmtCtmtDzZ/AnBKn2sMcshJZnZd5JubdQqmxg82jP+vTebirkn0P2d7rD/aKbCnyj+vS5UPQ/Z3usP9opsKfKP69LlRB23wT2esEhWDDxm1g7LYLmOW9xqDrp22qs6NPC8kUqfx6Si8kVi8EMW54kzLHDh2VoWVL5iBmF1JtYHeL6kVLhJrCsrfNCXTk1hj9NuH+FsdvYrDaY2C8Y/wDU4cF0t1yJ66dp1FRtZQ+9ZcURtp0//wBFlxX7B4Zw5riOQwe3FsvzWve3++ytcWV9xtiyvuNGJ0/EveKm6LXQ45PxDvFLoXQ45PxDvFLoXRTcItpxwmByHf7RgBGwHKMT2DA+sD/o2PRVJPNfNxnNrFHz/RC9LpHtHFhZDiWuQjFQoUWu7v0KLjS1zuqJzkskrsipUlHJRu30K6Dgjj1Zz5RF9uS0y5WCqWYseLXp1O8kVFOE45t3v0XkRThUjnJ3v0XkbLZuCWGJIk9VFCi+/TpPxrVKxslZEmpJM/wx5tPn/Q0BZbHP8PH08gaUBEwnCXDvFHIxKLKyRgMNRM7ZOJbLcBlYhTra+l9KA+U4V4NsOcRHJnjGgsrBixiEyqFIBuUYNu3G9AdoOEOGYqAxLOwQKqO3L1uCVBGljc7hlNzoaAjjhPF5R5OVcSZ3j1tYuqpIoGv30csvZG97FSKA8x3C7BxxNJnLWWUhQrBmMMRmdBmAAbIpNiRQE/D7ZwzqWEq2DshLHLy0NmXW1yDppQH35wU6KsjnsRgD8Gay/wC6A94+Y+rEB/7jgH/sDD/dAV+08BjpGiMeJWFVkvIEjDFo7G6XckXJy8rKLa/CgOcbqeL1w5/jJRqpXUcYLJ1yjpPTyjWPDTV/vv7mHDT7n+9PH3L+tjcUAoBQCgIO2nAhYlgmqDMy5xq4Hq9N93Ze9VnoUqP6TzBRgTTnKouyXYNctaMC7L9227t31EVmxFfUyfVy5in4Hz2OHWSMYQ9YPGAdVtxI3Xv+XRVHG6w7jNxbjh3FoOBGzPdo/wDfjVP69PgU/q0uU99Cdme6x/78af16fAf1aXKPQnZnusf+/Gn9enwH9WlylZtngVhbxeTwRxvnJzk6DKjMAVvdgSBu1G/oIqrowTVkUf8AHpqScYrUk8G9kSOzYjE2MhDxBQCBlWSxJvYm5QEabvjprFuWbN4tyzeRfea4PZrVy5XY3ZP8RhynFrEBLxqFSS/JGTKb2Wx11Bv2UBb4fCxpfIoW++3ZQFLwx5tPn/Q0BZ7F5iP5RQCXZOHbKGijIVzIt1GkhfjC4/qL8q/XrQFftHCYHDQBWgUQtJGpVEB5RCwqbDWwUKumuUWt0UB8HaezIiGzxLZiwI3ZmRrsLaerG9yPwtfpoDrDtXBviSlhxqlSrFRymtInIO8lQJAT1E676A6ng1gcoXyaHKAQBkFgGTi2A+Kck9htQHeLJEWCQuMzZmKgcprBb3vc6KB8AB0UB08tPspe4eNAPLT7KXuHjQDy0+yl7h40BnNhbaOIRGYGMjGyoOOiXlW4yyxFeoDnCATlPXWWls9/+5GOlrve/wB5eZrq1NhQCgFAKAhbYkKxEhmXlJylXOdZFFrdu7sBvVZ6FJvI+cEBx0+kd8yXyHl82Oc6j1dlqiOrEfufzqT6uXFAKAUAoCBj1HG4fSPR3tnNmH2T82Ok9fZeqS1RnL7o/N24+tkKRHqJB9pLzpu3Otb/AKfw/wBNqQ06k09PV6+fy3gTauXI03OR/B/0oCTQGf4Y82nz/oaAs9i8xH8ooCbQHDGYOOVcsi5hcG2o1BuCLdVAQJ+DWCcENAhB6N33XQgW3C0ji39Z66A6x7EwwfOIxmzBr3PrAswNr20LsR1ZjQFjQCgFAKA+XYAEkgAC5J0AA3k0BlsDwggkkSNMRIX8pfRojylPGEIpItkAsQwN7KL2vWOLTN68PM51LTN6vd55GrrY6BQCgIO1drwYdQ0z5QdwAZieuyqCfzt01DdiG0jtgMbHMgeNgynp1H5EHUHsNE7hO5y2uTxWnGXzx8163OLf8vxf03qJ6Fan29ND5wTgzTi6GzJcKtmH2Y9c/ePV2WqI6sR+5k+rlxQCgFAKAgY9hxuH1j1d7Bxdj9k/NnoPX2XqktUUl90fm7ce7HjKxkFCn2kpyls51lY3v23vbovbopBWXUU1ZaWzf5IvCfNxaZc3r6hOMuRkfT7PU9HZp8KuXJz+vH8G/wCBQEqgM/wx5tPn/Q0BZ7F5iP5RQE2gFAKAUAoBQCgKzaG38LC4SWQKx6LE2v8AisDl/O1RdEOSKThDtgYpJMJgwZpGFnkU2ijF78t9xJ/CtydaxlVxfTDN9jnnWxfTTzfZef8AhRR4LE4hoEaOWERTcW80Nr50VsxG8gXW2bdqN9RO80lnrnYTvUio3azza8P0ab0Tb3/H/VX9tTsHzMf1nzy6+w9E29/x/wBVf202D5n1H9Z88uvsPRNvf8f9Vf202D5n1H9Z88uvsVe0ODmIglWeN58WApUpK6sRc3BF7Ajs336+iY03CV7tkwpOEr4mz3Y8O0cJxkpgEsczZ2iRgJY7C2g9R9LaA30FQ3Ui27XXchurGTla67+5O2hwswTwk53DLJFmi1jlW0ik3W2awtcgA3AI6aOrGSy6byXWjNWWuWW/UtNh7SjnaZ45c65kAGQpl5A0JIBa+/Xde1aRd2zSErtltVzQUAoCrxXCHCRycU8qh+ka2HzNbKv5kVGJFcSLSpLEDHyWlw4zhczuMpTNmtExsG+5a179NrdNUk80Zyf1Rz+WGxEAiICqv2kxsjZxczMSb9Z3kdBJHRSGnX8imrR9X+SFwlxAGRCuGe7Kcs7AEXYIWVTvAVm1GutrG9XNCzl5yP4P/wACgJNAZ/hjzafP+hoCz2LzEfyigJtAKAUAoBQCgFAYbauzsVHNPkgM4nYsji3JJFrNci1t191rflTNFLtJo67C2qcBEkGMhaEAm06jPExZr6suqHW3KHRvrKNXBlNW8dxzxrbPKoreO755kjE7ewyCJ3mkZTinKlT90Z1uQt88Q3A/KeipxJ2ebz+ehfGnZq7z3evY1GHnSRQ6MGVhcMpuDW6dzdO+h0oSKAUBTLwpwJZl49OSLkm4Ww6mPJb8iapjjqU2kbXuZDbe0pJ5RjYIGbCwoQ8kgyh0vmLRqSGIHX/qsdq28SX073/hzbZt44r6d7fDwJPB7YWIllxEjSYnC5jGBGmVbjLe5uCD63xGt6nA5Tbu1oW2bnNvE1oXvozL7/jP7o/2VbZPmZbYS532/wAHozL7/jP7o/2U2T5mNhLnfb/B6My+/wCM/uj/AGU2T5mNhLnfb/DNy7DxkQlw6xvMZXZlxDZSAGN7tut236b2vUxTjG18yYxlCLjdt+JdYLbU2DjSLGwsEjVUGJivJGQotmkFs6HTpFUVRwVpr1WhRVZU1aovVaexMxfCTCcZBbErZmJOSzKQUYDjG3IL2PxArTEnZpmrmm008vmpY7EtxWnFc5LzPq863X978X9V6mGnXTzJp/bu1enn8ucdsYhkYZYsxcZcwEhPSLXRGta51aw1+NXNCW4s8fwb/gUBKoDP8MebT5/0NAWexeYj+UUBNoBQCgFAKAUAoDnPMqKWdgqqLlmNgB2mgbsVMvCfAcUztPGUGhB3m/QFOpv2DXWqSqRiryM51YRV5MwuGheCSWdcHIuGnfLGjqA4diFXkC2VSTZRbq1rCk8N3aybOehLBd4bRby43fhw4F9sTgpixGS2LngLuz8UmQhQxuAbg69JtV9lJtvE0X2M228TV/IsPRnE/wAxxXcnhTZS5mTsZ877D0ZxP8xxXcnhTZS5mNjPnfY4Y7gpinjdRtDEEsrCzZLG4tZrC9vhUSoyaaxMrL+PNxaxszp2Vi2gGHGFcvHYl3yKHym+XN6p6ha/bVnfBa1389C7vs8Nru2/5Y00/CqBopYy0mFxAja0ciWcEA2MankybtAp1qrrRaa0fzqUf8iLi19rtv8A1xJeF25hhipojKeMLIAHbkXyAZY+gG+hW98160UlifxGsZLE/i9PmpfVoaigFAccXio40LyMFUb2Y2FQ3YhuxUz8LcCI+M44MCcoRQS7MdyqnrEn4VSVWMVdmc60IK79+hicPDikZ42whUYp3MA5IZcxZyGscqkLrbS1jVKcmspK3AzpTkspK19Fv4+RueCEGTCRpmRymdCyAqLrIynfvIIsT0kE9NXp/b1NKP29dPMua0NSNNzkfwf9KAk0Bn+GPNp8/wChoCz2LzEfyigJtAKAUAoBQCgFAUnC/ASzQAR3JSRXKD76re666dIPxWqsrLczJwriBiI8V5BIYYQQVCgSZiPXRGsWtpu66yqSd08N0uphVlK6ajdLr3LvZm28PLG3FSGNvKgWRuW9mnF8yNqitu/pB7KiNSMlk7Z/siFWMo/S7Z+uv77F9gtsYaZikUqOy7wrAn4jrHaK3TTOlSTJ1SSKAUBF2htGGBQ0sioCbDMbXPZ11DdiG0jPcL9pYCSDi3+3eVTxSQKJZNR66b8tvxHq6d1YV5QccLz8tTm/kTpuOGWbe5ZsymHwOJMRwTYdlxOUEuLEKrE5WZ91uSem9wRvqYtuOF5OxMZNwwPKVvnga8cHcd/Mpvpx+FNlPn/A2NTnfRHvo9jv5lN9OPwpsp8/4Gxqc76Iej2O/mU304/Cmynz/gbGpzvois27wcx2VH8qlxIjkDmIoikgAglbbzra3UTbWmzmmm5XGymmm5t+iIuAhxgxPlkeDJjVCnFNaOTlEFmjDb7AdNr30vSbliUkrruJueJSirpej7l5HwrwsskQ41oXVm4yGVMjACJjZ83qgaHMCQSAOmirRk0r28PQL+RCUkk7Pg/IsuDu0I5oyUmEtnkuQApAMjFQV+FgD94C/TWkHka03da8fAtauaEPEzKJolLKGYPlUkAmwBNhvNuygJlAZ/hjzafP+hoCz2LzEfyigJtAKAUAoBQCgFAKAUBiuEWwYpYJGWFRPx5CPEczEtLY526AQTmB0W56q55QjrbO+7zOWdOLWK2d93n8uQMPs/ETyRLFHLhWha7zNHboIOXMLNfdpca9VaTvLKLt88TSac1aLt6f6aLzJjv5jJ9GHwquznz9kV2VTnfRDzJjv5jJ9GHwps58/ZDZVOd9EPMmO/mMn0YfCmznz9kNlU530RR7X2Vi4Z1mlaXGR5MmVY1uDcnVUG7W9wOjXopGMoyu5X9P8EYThK8pNry/wgYWc4SHFNicLMgxAYrLGBcLlyrGzDlRnpGYWBNZTnhxOUdd6+ZGNSpgxOcbX3r5dG0i2xh+Mkk8oQxCKI/dyi7yDNxnSWtbL0Zf6q3U03k+B0xnFybTysv2WWDxkUq54nV1P3lIIv1aVdO5omnod6kkUAoCFiNrYaOQRvNGsjWsjMAdd2nb0ddRiRDkkYzhvjUxLxphIziJ4ZCzMi3RQEa6NJ131yg62tvtXPUqJyWBXa7HJVqpzWBYmui9STwVheafyhEaCIRvGQRa75gCAG32Km5I0OnXbZSUs0dEZKeaNd5O/tW7k8KuaEafZAeSOVnYyRZ8jZUuucANbTpAoCbDGwvdy3xAFu4CgKThjzafP+hoCz2LzEfyigJtAKAUAoBQCgFAKAUBRhbxnKAf4q58ma26cEmS/T0uOnWst3ru8/lzHd67vP5cs8bj4YQDLIkYOgLsFuey9aNpamraWp3RwwBBBBFwRqCD0ipJPqgFAKAptsY/DyRTwho5ZOLcGHjVQnkm6k35Paeis5tOLWplUacWtctDM7f2EkeK42GBzGqK0sUachixcBlA3tybMANAVPSaqoRjNtLcUjCMKjaW70Omxdk4yR5JYZXwcThQEaJWJK3ucsg5Nr7+n8qSjKUrxlb0JlCcpXjKy8v9LfzJtL+ZN/jw+FNnU5+yI2VXn7IeZNpfzJv8eHwps6nP2Q2VXn7IeZNpfzJv8eHwps6nP2Q2VXn7IzEuzsREZopopcRLK7FJlj5Nm3XI5K/A2y7twFTC8VaTv6FqalFWk7+hrdmbM4iPBRBWvHo5isqZuJYM0g+8Cf8AuINFHDhSQUFHCkunlvLDY0maMnPn+0lGbJk3SsMtv6bZb9Nr9NWg7rr+S1N3Wt83+SdVzQUAoDP8MebT5/0NAWexeYj+UUBNoBQCgFAKAUAoBQHjEAXOgFAZp8fh2gd88MiJilZijiMIBMGDMfvFRyv67aXvWDaw38fLf88znlJYbvj5b/nmZ7G7RM2IbEHDzS4VkCROY21I1uq2vlNycxtfdUwqYne2XEU6uKTaWXEs9g7F2kIuTiuIVnZliaBXKqxuL3Itffl6L9elRgqNtqVvQjBVbbUrLyLHzTtP+YL/AIqfupgq83b3J2dbn7e4807T/mC/4qfupgq83b3Gzrc/b3Oc+x9qFWA2gtyCB/DKutusNcfGjhV5uxDp1rff29zGY3AymAQjDkTRi8skqmOPKurXc8kDtvqKVL7O2vnkKt9lhyb8cv8AhstmcJIjiWWYS4aVo0URzkBCVZ78UdzHlC5B1GXTQ0jVWK0sn4/oQrxx2lk/H9F6Np4fjOK42PjfZ51z9fq3vW2JXtc3xRva5LqSwoBQHxLIqgsxCqBckmwA6yTQN2K2SeKZ8O8WSVVkf7RJBZDxTi9h6975bdF79FZuzaa+ZGbs3FrPP9EjZDEx6lzy5dZBlbSVgBbqG4HpABq0NOpNPTr+SbVi4oBQGf4Y82nz/oaAs9i8xH8ooCbQCgFAKAUAoBQCgKThhhpZMMRHc2ZGZRqWQG7KB09dum1qrIrIwGNZOOhmGDc4aJ04zMjDlE5RZdCxF7ga66Ea1hXkssrq5y/yZK8W43Sep+m7K2rh8QmeCRZF/pOo7GG9T2GtoTjNXizphUjNXi7nXD46F2KpIjMvrKrAkdGoG6rJpllJPRkipJFAKAreEU6JhpSzRKCjAGfmySpsGHSOwXvVKjtF/szqtKD09dCj4UY3BjjDMquJoY1i1EvGPmkyiOMdILA5+nMBfSsqsoK+Lesv+GFadNXxb0rb7+SMhDhpWhWAYaSPFgjKcrDdYqxa1l671ZSvCzVuC/BdScqdmrPcvx5G5Gy9qe/x/wCKv76YKnN2Gzrc/b3PfNe1Pf4/8Vf30wVObsMFbn7e4817U9/j/wAVf30wVObsMFbn7e5U8ItlbRyI0mIGIiSQNJGkAUlQDrYMS3w6L36KjDUTTcuxGCqmm5ZeRVYKd48WmJjwshwwBUKBaTPka7ojEGQhcw0vozdVRUk1NO113K1ZtVFK1139zZcF9sYeaJjHKTleUsJWGdQZGPKG9VtuvuFh0ValOMo5PjqaUKkZRyfHXXUtsLio5BmjdXW9rowYX6ritU09DZNPQ7VJIoDP8MebT5/0NAWexeYj+UUBNoBQCgFAKAUAoBQCgK3bc6ARqWhDGWKwmO+0i+oN+b8PbaqTeS81qZ1GrLTVa+f54GY4dQYS9oVJ2g1sow9xIVJGbjcmmUrcXasauBPJfV4fs56+zUrpXl4fv3KjBwvLJAuDQwzRsONdozZRlIYNe3wy9P8AxebcksLzNZuUksDs+prPN21vfYf8f/yphq83YjBW5l09x5u2t77D/j/+VMNXm7DBW5l09x5u2t77D/j/APlTDV5uwwVuZdPczm3sHio8RHLjXE8AQrdIiAGJ1FhfKTyeUd9rdFRFTjO8nl5ERjUjUvOWVuHz3PjgvjcJhsXK86CHjVQwyyIVAU5gRciyA23m17GqucI1W3wWfUq6lONZt5ZLPqfoxnQLnLLktfNcWt133V0XWp1XVrnsMyuAysGU7ipBB+BFTe4TvofdCRQCgK3aM6CbDqWhDZ2sHPL1icfZdt9D2Xqkn9S+dDObWKOnxbjCcKRAcixYfjMXHNK8iL9q4iLSG8jqDYNdWCm5AIFczcU1aN5Xfxs5JSgpK0byTf71fyxbcEI82JMsKNHBxRV7ggM+YFbXHKI5WvRftrqvd5HZdN3Rt6sXFAZ/hjzafP8AoaAs9i8xH8ooCbQCgFAKAUAoBQCgFAfm23QqTz+UxtJLIx4ghSbrbkKvXYaW67/nS6SdzPEop31/Ja8BsbhYVEEi8RjGuZFmBR3JY2IZvXHVY/lWNKcE7Ws/EwoTpp4bWfB/MzYyzKouzBRuuSBr1a10N2OptLU+6kkUAoBQFZljfETIwhYGKIMvrP60mkgOmTXTtLdlUycmvAzycmnbRfswG2FwaTgYYSSYVCxxKoWaCN9MpG9QfWvbdpWEXCM/p038Ec0HTjUtDTfwX6LLg5Bi3aV8E6RYZsuUSxlgza3K6jotdunTqrR427wasavHKV4NWLzyPa/vOG+i37qYavFdBhrcy6e48j2v7zhvot+6mGrxXQYa3MunuPI9r+84b6Lfuphq8V0GGtzLp7mMxiMjTR4lOMxjuxiIRuUPu5d9x1W9XQdFItqLUrXEW4xalZvPwuX/AAL2thsNEmGmQYae5DF/VlcGxYS3KseggnQ6dFZ0akYrC1Z/N5l/HqQgsElhf59d5tGmQEAsoLbgSLn4dddN0dl0dKkkUBn+GPNp8/6GgLPYvMR/KKAm0AoBQCgFAKAUAoBQCgIm0tmwTpkmjWRephe3aDvB7RVZRUlZorOEZq0lcwW19mxYWYriOMfDZRxHGEvlJ9ZATusRuOtrdVUhFQyv1M4RVPK/lf8ABZcHsNtYQji5IEjzNxazRuWCX5O4iw6h1VW1Xc1YpatnhatuyLLiNse2wf0pP3VNq3FE2r8V0HEbY9tg/pSfupatxQtX4rocsZh9tcW+WbC5srWyxuGvbTKS1geomoarW1RDjXtquhiJo4yiRrDI84YeUiJHDcXe8lx62o0PXeoqNYLNX8vlyKjWzs1fjb5c/S+DuPwckQXCsmRNMijKV7GU2IPxFaU5Qa+k1pTptfQWfGLe1xfqvr3Voa3PqgFAKAGgKSHyY4V+P8mMOeUtaxj51tTm+91/1XtWSw4PqtbPyMFgwPFa2flr89T86wb4X7RTC+VmbyVyrcqMucgQNyiALWqlGcbWSy/JShOFrJWXjv8A2fqWwllGHiE3OhFz333t09vX21vHQ6Y6E6pJM/wx5tPn/Q0BZ7F5iP5RQE2gFAKAUAoBQCgFAKAUAoBQCgFAKAUAoCn2vwbw07ZypjmG6aI8XIP+ob/gb1nOlGWe/iY1KEJ56PitT89kWwKMGO0r6HXOXG4jp7Qd1uyo/wDG2/8AY/8AC2/9mzVNt2HKwP8AbL41S1fiu5nb+Txj3Pcm2/xYD+2bxpavxXcW/k8Y9xk23+LAf2zeNLV+K7i38njHuVPCVNrcUvHnDGDOvGiFZL8XrfNf7vXbs6L0/wDmusVrepFq91iatv1I/BvZWFxGJDRxh8LGpNmvk466hTb1WYLm67adlXlCMmvA1lThOSbV7H6HatTY9oBQGf4Y82nz/oaAs9i8xH8ooDj/ABeU+rmBAG6xFspJ6tRmt1G2+s/rOz/611rbf+fxl556HRDiM+oBS19LXBsDl7dQRf8AqHUan6rlGqGHLXt5/jLwfEj4o4sq6qtrhwpBUW5DZTvuDmy9e41V48zWmv4ylFt6WvrxV93C59O+L0soNi34RcZWyggnffJcg9fRqZ+shR/jb3w48VfdwvuPJmxVtF5S6r6oB+zNg3K/FoRu3EGoeMmC/j3zeT11yzWmXDNb9UztNLiLtlTS+nqnTLv37828fhtY30qzcjOMaFld579ePlpbTx1VhhHxOb7RQBdt1t2ZsvTfcE6PvH8kcV8xVVDD9Dzy/Cvu436dbCrnKKAUAoBQCgFAKAUAoBQHlqA9oBQCgFAeAUB7QCgFAZ/hjzafP+hoCmj4Rzxji1CWTQXBvYHp1oD69K8R1R9x8aAeleI6o+4+NAPSvEdUfcfGgHpXiOqPuPjQD0rxHVH3HxoB6V4jqj7j40A9K8R1R9x8aAeleI6o+4+NAPSvEdUfcfGgHpXiOqPuPjQD0rxHVH3HxoB6V4jqj7j40A9K8R1R9x8aAeleI6o+4+NAPSvEdUfcfGgHpXiOqPuPjQD0rxHVH3HxoB6V4jqj7j40A9K8R1R9x8aAeleI6o+4+NAPSvEdUfcfGgHpXiOqPuPjQD0rxHVH3HxoB6V4jqj7j40A9K8R1R9x8aAeleI6o+4+NAPSvEdUfcfGgOc21pMTZZMoA5Qyi2u7pv10B//Z"/>
-          <p:cNvSpPr>
-            <a:spLocks noChangeAspect="1" noChangeArrowheads="1"/>
-          </p:cNvSpPr>
-          <p:nvPr/>
-        </p:nvSpPr>
-        <p:spPr bwMode="auto">
-          <a:xfrm>
-            <a:off x="155575" y="-144463"/>
-            <a:ext cx="304800" cy="304801"/>
-          </a:xfrm>
-          <a:prstGeom prst="rect">
-            <a:avLst/>
-          </a:prstGeom>
-          <a:noFill/>
-        </p:spPr>
-        <p:txBody>
-          <a:bodyPr vert="horz" wrap="square" lIns="91440" tIns="45720" rIns="91440" bIns="45720" numCol="1" anchor="t" anchorCtr="0" compatLnSpc="1">
-            <a:prstTxWarp prst="textNoShape">
-              <a:avLst/>
-            </a:prstTxWarp>
-          </a:bodyPr>
-          <a:lstStyle/>
-          <a:p>
-            <a:endParaRPr lang="en-US"/>
-          </a:p>
-        </p:txBody>
-      </p:sp>
-      <p:sp>
-        <p:nvSpPr>
-          <p:cNvPr id="1030" name="AutoShape 6" descr="data:image/jpeg;base64,/9j/4AAQSkZJRgABAQAAAQABAAD/2wCEAAkGBxATEhUUExQVFhQVFxgYGBYVGRsYHBwXGBcfFxgYGB0cKCogHSElIBodIzEhJSkrMi4uGyIzODMsOCgtLisBCgoKDg0OGxAQGzQkICQsLCwsMC8yMTAwNCwsMjQvLCwtMiwyLCwvLCwsLCwsLCwsLywsLCwvLCwsLCwsLDQsLP/AABEIANwA5gMBEQACEQEDEQH/xAAbAAEAAwEBAQEAAAAAAAAAAAAABAUGAwECB//EAEUQAAIBAgMCCQkGBgEDBQEAAAECAwARBBIhBTEGEyIzQVFhkdEUFRYyU1RxcpMjQlKBwdIkVWKSlKGxgqLiRHOywvBD/8QAGAEBAAMBAAAAAAAAAAAAAAAAAAECAwT/xAAzEQACAQIDBgUEAwEAAgMAAAAAAQIDERIhMRNBUVKRoWFxgeHwIjKxwQQU0fFCYiMkM//aAAwDAQACEQMRAD8A/WtlbOhaFGaNSxUEki5J6zQErzVh/ZJ3UA81Yf2Sd1APNWH9kndQDzVh/ZJ3UA81Yf2Sd1APNWH9kndQDzVh/ZJ3UA81Yf2Sd1APNWH9kndQDzVh/ZJ3UA81Yf2Sd1APNWH9kndQDzVh/ZJ3UA81Yf2Sd1APNWH9kndQDzVh/ZJ3UA81Yf2Sd1APNWH9kndQDzVh/ZJ3UA81Yf2Sd1APNWH9kndQDzVh/ZJ3UA81Yf2Sd1APNWH9kndQDzVh/ZJ3UA81Yf2Sd1APNWH9kndQFNwnwscaKY1CEtYldNLbqAudi8xH8ooCbQCgFAKAUAoBQCgFAZDZ/lKMBNFLJM+Ne7hmVUgzM0TgjkmMIqKU/EdRe5oDh522qIMO5jLSysDIggYBFE0aODyiQeLMjDTW28WysBAxO1do4qORUViqz5c8aspUwbTWKwP3wYVdntuy/wBVqAktitpMwbJIpIwQZlR9VGNkWcZDdR9llY2XNZt9gAALrB47HPh8QxURzLxgjV0cgOrOEJtziEBDdbnU/AAVZ2ltS7uI3XNHgssbR51VnxLpijdbElY8rdGljYaigPrHbW2rHLNHHDxojjmKPxbKHdcPA0Ot8vKlacWB+4BpvIH3icftFXZ0zyR8VAyAwMl82LImzJ62dYMumlyCQu9aA8g2ptVgTxQuuHnkCGMrnmSV1iizE2TMoU/nfSgNHsSeR4VaS+ZrnVGjIB3BlaxBG46DdQE+gFAKAUAoBQCgFAZ/hjzafP8AoaAs9i8xH8ooCbQCgFAKAUAoBQCgFAKAUBzggRBZFVQSSQoAFybk6dJPTQHSgFAKAUAoBQCgFAKAUAoBQCgFAKAz/DHm0+f9DQFnsXmI/lFATaAUAoBQCgFAKAUAoBQHLETBACellX+4hf1oD4x2J4tc1r3ZFA3au4QXPVdqAiptYFYmK2WSJpCb7rZNO2+ffcbu3QDmu3ouLidrjjY8/J5YABRSLjfZpFH50BLwO0ElvlDCwB5QtoSy/wDKmgOyzAuydKqrX+YsP/rQHWgFAKAUAoBQCgFAKAUAoDP8MebT5/0NAWexeYj+UUBNoBQCgFAKAUAoBQCgFAQNshuLGQgNxkdiwLAHOLXAIJH5igOOEgxhjAnkw7PrmyxNlOptYF+q2+gOq4SUG4MAIvqIjfWwP3+wdwoD5kwMjWzcQbCwvCTYaGw5Wg0HcOqgPUwky3yGBSRbSIjrIvZusnvoDjsRMSGYYl4nl4uPMYUZF9aTcGZj+d/yFAW9AKAUBnFw+OVZCLtN5QWDl+QcO04OVVvYOsPJF1AzLe5uSQPqQ7UCDSIvxkd8u7i+LBk9a3/9LqOnLY0BGCbVWMquXMPVLFWJBUkXJPrBtCLWylbG4agO2Mw+0DESrfaieR11UDi8jiJT0FQSlwddCeo0B5m2tmNxFbPpktquZ7et0FeK7b5+jLQHuzE2iJgZbFGc8YLrYARgAx7yFzA8m1yGuSCLEDSUAoDP8MebT5/0NAWexeYj+UUBNoBQCgFAKAUAoBQCgFAZvhFtlxIIIIxJImSR7tlAAbMBuNybfkCN9Rd7it3uO2z+FuDdLvNDE4JVo5JEBDA2O8i46jbwqm1ho2upTbQWTkk/Mk+kuA97w31o/Gm1p8y6jb0uZdUPSXAe94b60fjTa0+ZdRt6XMuqPl+E+zwCfK8PoL6SoT+QBufhTbU+ZdRt6XMupS4ThU3GCZ4guHlyIsge59Y2Yi1vv62OlumrKWV9xZSusW42NWLigFAKA5YiYIL6knQAbyTuA/8A2m86CgGGRgOUbsTc23DsXsH+9/TQHuJizIy/iUjvFqA+MBNnijf8SK3eoNAd6AUAoDP8MebT5/0NAWexeYj+UUBNoBQCgFAKAUAoBQEHa+1Egi4xtbkBQPvM2igePVeobIbsZ88K8TcReSfxEh+zXjBksBcs7EAgAC9gDeqTlJLJXM6k5xWSu2fB4JYpnM7Yu2JcWfLH9mF6FRbg6fiJJNVhTknibz7FYUpp4pO77Fzs3g3hokymNJGJLM7opLMd53afCr4I8DRU470SvM+F9hD9NfCpwR4DZx4DzPhfYQ/TXwpgjwGzjwPJNiYRgQYIrEEHkKNDp0CmCPAOnB7jPHgMGtHJOzYdTdI1XIwI3csHo7AL1WVNSWF6FJUlOOF6Hd02jgwSrjGQKLlZCEmVRvs/qvYXPKsaztUhp9S7mdqtPT6l39zh6asAJWw5XDG32me7AHpKAW06QG761cmlexs5NK7Rfjb2D95g+onjTaQ4obWnzLqPP2D95g+qnjTaQ4obWnzLqU+yNqASzPicXhGUu3EKki3SInTMSQCxFju03XNNpDihtafMupM2nwpw0aji5I5ZGYKiJIpux6yL2Hbao2kdExtYaJq/mNi8IDKzRzR8VKql8oOe6AgEjQG4uNLdI31e+5lk87M78Ftowz4aNoXDooyBlvYlOSbE7928VJYtqAUAoDP8MebT5/0NAWexeYj+UUBXT7QxCyYklHywgNCiozCVBEHY5lVjmL5kyjUZVNjmFwIU+3cayAphmSzQXzK5JDzlJBly7giliQTbMPiQPnGcKcYiZhs+Ym1yozEj7KVyvJU3N4kUW0vMoNjoQJe2tuYmObiosM7i0ZMuVyozTxRsNFsSEkd9DpxR7bARl4S4wgfwMi3BJzZ9DaE5eSp1BlcHdfiGI0NwBb7K2lLKJC0DxlSMobTMCoa4J6ibG4FiDvFiQJH8QfZJ/dJf/wCFv90B75Gx9aWQ9gsg/LKA3+6AqIOBuEjwzQRAoGkMuYksRIWzZtejW1tNL9JvUNXIauVOC4MYp249sS6TxM6RkxDLlUlSWVibhhuIIsD01i4ynmnZowlCc3iTs10LBuEeIwwtjoCBuE+Hu8ZO4Ag8qMk2GulzvqVUlF2mvVBVZxdpx9Vp7HmF4X8tRiIRBHIbJIZAwJ6M2gy36wTqfzq7lh+40c8Ocsl5l157wnvEH1E8abSHFDaw5l1HnvCe8QfUTxptIcUNrDmXUee8J7xB9RPGm0hxQ2sOZdSr2pwtjR1jw4XESkZsqyAALe2rANr2AdGttLxtE3aOZG1TeGLT9SC+2cZjc0GHiWGwtPLKQ4TMPVjUeubdJAHZVJupJ4Yq3iUqOpJ4Iq3F/wCHCDgG4XiWxJbDXuVKnOesBs1l+IHjVo02o4blo0mo4b+u80no3gPdMN9GPwqdjT5V0J2FLlXRD0bwHumG+jH4U2NPlXQbClyroh6N4D3TDfRj8KbGnyroNhS5V0RD2nwRwjqOKiihkVgySJEosw3XAtcdl99j0U2UFmkug2FNZqKv5ECHgbLmM5xbrirZRLGoC5fwujE5xexOo3DqqsqWJ4k7MpOg5Sxp2Z5FtTEYFRFPhoyrMwjkwxCo0jFpCGRtUJNySLjU0jKonaS9UIzqJ4ZK/iv2Wew+EBmcxSxcTLlLBc2cFQQCQbDXUaW6a1Te82TejL2pLCgM/wAMebT5/wBDQFnsXmI/lFATaAUAoBQCgPmRAwIO49RI/wBjUUBFGEdfUla3Qsg4wd+jn82NAOPmX1o8w642B/Mq1iPgM1AcptuYZDGskgRpXEaLIChZyCQoDWOtjbrOm8igKGPhGYmlSPDu6pNLxjGQG13JJXs19U2tu6KzhfOy3syhfOy3vefM7YnaaFUHk+DbfIwBlkyn7i6hBcesdd1qzeOpksl3MpbSrkvpXf04HuF4HOzIMVKk0URuiZN9hYZ7k6dY6f8AnRwxJKRq6eJJSzSLr0Y2f7ph/pJ4U2VPlXQbClyroPRjZ/umH+knhTZU+VdBsKXKug9GNn+6Yf6SeFNlT5V0Gwpcq6FLt7gmqHyjBLFFMikZQqqrDsOgVtTyukaGqumofVFK5V0oweOEVfp/w+sPsPH4UtLBJFMz2MsUi5AxHTG4uVPY1x8KSVRPFHoJRqp4otPw9zq/DIDkNhplxPRC4sD1ssmqsvRca9lTGpiytZkwrYnazT8f9JuyOEkUuZZbQSpbMjuNxvYqdL7uoW7r3xJZMvjSdpZFj5zw/tov718aY48ScceI854f20X96+NMceIxx4jznh/bRf3r40xx4jHHiUWI4YAO3FwtLChKvKrAag8rKOn8yL/DWilfNEKV80QcXg8VtRFY2w2GHLi+9K5KkK7WNkWzbgb1jadXPRd/Y57VK2f2rv7FtsLg/JHJx08gklylFKggBSQTe5JJ0GtbpPedKT3mgqSwoDP8MebT5/0NAWexeYj+UUBNoBQCgFAKAUAoBQETH7Mgmy8dFHJkOZeMUPlbrF9x7aAyOL2FimdzCyImInkWQAhiou32gN9SbXybwW6hpisSVktW/wDpgsSVktW9+niTcJhcfgUCRhcXh13KLRzKL3Nvuyf6JqEqkP8A2XcqlVp/+y7+50fhpG2kMMsjj142HFsnY2bp+Fx21eNTEsjSFXGrxXXIt9m7agmQOHC6kFWIBVhoQdatiRdTRK8ti9on9wqcS4jEuI8ti9on9wpiXEYlxK/b+LhOHlu0LDIbrI9lI6QxGvdVKjWFlKsouD0KtuGqjlNh5uLPNsuVi5OigKDvPxNTKVlexMpuMcVuhGxWxMfi3TESMmHeK/Ewjl2DWvxzjeTYaAWFvjWajUlLE8vD/TKMaspY5ZW3f6TNm8D4iWkxaxTzPa5KXVQL+rfeTfU6dGmmt3TjJ3kjR0Yyd5JMn+iezvdYPprTY0+VEf16XKug9E9ne6wfTWmxp8qH9elyroPRPZ3usH01psafKh/Xpcq6Gex3BOSN+Jw7BMNiHbOAhvHyS2pBtbTKDpa4GtVwYVhismRs1FYIrJlhDs7H4JQuHYYqBQAIZbJIqjoSQDKfgwFVUalP7c146lFCrT+14lwevU8HDQHVcNNZSRJmyqUZTZha+trdYrWMnJXsbQm5K9uppsJiUkRZEN1cBlPWCLirp3Lp3OtCTP8ADHm0+f8AQ0BZ7F5iP5RQE2gFAKAUAoBQCgFAKAoY41PF8mA2xkp5LkWP2gzf1Sa8pest1Vilppq/33MEllp9z/ffiX1bG5m9t7BnaYz4Z0V3AVxJexA0uCL620tbo6KrmtCtmtDzZ/AnBKn2sMcshJZnZd5JubdQqmxg82jP+vTebirkn0P2d7rD/aKbCnyj+vS5UPQ/Z3usP9opsKfKP69LlRB23wT2esEhWDDxm1g7LYLmOW9xqDrp22qs6NPC8kUqfx6Si8kVi8EMW54kzLHDh2VoWVL5iBmF1JtYHeL6kVLhJrCsrfNCXTk1hj9NuH+FsdvYrDaY2C8Y/wDU4cF0t1yJ66dp1FRtZQ+9ZcURtp0//wBFlxX7B4Zw5riOQwe3FsvzWve3++ytcWV9xtiyvuNGJ0/EveKm6LXQ45PxDvFLoXQ45PxDvFLoXRTcItpxwmByHf7RgBGwHKMT2DA+sD/o2PRVJPNfNxnNrFHz/RC9LpHtHFhZDiWuQjFQoUWu7v0KLjS1zuqJzkskrsipUlHJRu30K6Dgjj1Zz5RF9uS0y5WCqWYseLXp1O8kVFOE45t3v0XkRThUjnJ3v0XkbLZuCWGJIk9VFCi+/TpPxrVKxslZEmpJM/wx5tPn/Q0BZbHP8PH08gaUBEwnCXDvFHIxKLKyRgMNRM7ZOJbLcBlYhTra+l9KA+U4V4NsOcRHJnjGgsrBixiEyqFIBuUYNu3G9AdoOEOGYqAxLOwQKqO3L1uCVBGljc7hlNzoaAjjhPF5R5OVcSZ3j1tYuqpIoGv30csvZG97FSKA8x3C7BxxNJnLWWUhQrBmMMRmdBmAAbIpNiRQE/D7ZwzqWEq2DshLHLy0NmXW1yDppQH35wU6KsjnsRgD8Gay/wC6A94+Y+rEB/7jgH/sDD/dAV+08BjpGiMeJWFVkvIEjDFo7G6XckXJy8rKLa/CgOcbqeL1w5/jJRqpXUcYLJ1yjpPTyjWPDTV/vv7mHDT7n+9PH3L+tjcUAoBQCgIO2nAhYlgmqDMy5xq4Hq9N93Ze9VnoUqP6TzBRgTTnKouyXYNctaMC7L9227t31EVmxFfUyfVy5in4Hz2OHWSMYQ9YPGAdVtxI3Xv+XRVHG6w7jNxbjh3FoOBGzPdo/wDfjVP69PgU/q0uU99Cdme6x/78af16fAf1aXKPQnZnusf+/Gn9enwH9WlylZtngVhbxeTwRxvnJzk6DKjMAVvdgSBu1G/oIqrowTVkUf8AHpqScYrUk8G9kSOzYjE2MhDxBQCBlWSxJvYm5QEabvjprFuWbN4tyzeRfea4PZrVy5XY3ZP8RhynFrEBLxqFSS/JGTKb2Wx11Bv2UBb4fCxpfIoW++3ZQFLwx5tPn/Q0BZ7F5iP5RQCXZOHbKGijIVzIt1GkhfjC4/qL8q/XrQFftHCYHDQBWgUQtJGpVEB5RCwqbDWwUKumuUWt0UB8HaezIiGzxLZiwI3ZmRrsLaerG9yPwtfpoDrDtXBviSlhxqlSrFRymtInIO8lQJAT1E676A6ng1gcoXyaHKAQBkFgGTi2A+Kck9htQHeLJEWCQuMzZmKgcprBb3vc6KB8AB0UB08tPspe4eNAPLT7KXuHjQDy0+yl7h40BnNhbaOIRGYGMjGyoOOiXlW4yyxFeoDnCATlPXWWls9/+5GOlrve/wB5eZrq1NhQCgFAKAhbYkKxEhmXlJylXOdZFFrdu7sBvVZ6FJvI+cEBx0+kd8yXyHl82Oc6j1dlqiOrEfufzqT6uXFAKAUAoCBj1HG4fSPR3tnNmH2T82Ok9fZeqS1RnL7o/N24+tkKRHqJB9pLzpu3Otb/AKfw/wBNqQ06k09PV6+fy3gTauXI03OR/B/0oCTQGf4Y82nz/oaAs9i8xH8ooCbQHDGYOOVcsi5hcG2o1BuCLdVAQJ+DWCcENAhB6N33XQgW3C0ji39Z66A6x7EwwfOIxmzBr3PrAswNr20LsR1ZjQFjQCgFAKA+XYAEkgAC5J0AA3k0BlsDwggkkSNMRIX8pfRojylPGEIpItkAsQwN7KL2vWOLTN68PM51LTN6vd55GrrY6BQCgIO1drwYdQ0z5QdwAZieuyqCfzt01DdiG0jtgMbHMgeNgynp1H5EHUHsNE7hO5y2uTxWnGXzx8163OLf8vxf03qJ6Fan29ND5wTgzTi6GzJcKtmH2Y9c/ePV2WqI6sR+5k+rlxQCgFAKAgY9hxuH1j1d7Bxdj9k/NnoPX2XqktUUl90fm7ce7HjKxkFCn2kpyls51lY3v23vbovbopBWXUU1ZaWzf5IvCfNxaZc3r6hOMuRkfT7PU9HZp8KuXJz+vH8G/wCBQEqgM/wx5tPn/Q0BZ7F5iP5RQE2gFAKAUAoBQCgKzaG38LC4SWQKx6LE2v8AisDl/O1RdEOSKThDtgYpJMJgwZpGFnkU2ijF78t9xJ/CtydaxlVxfTDN9jnnWxfTTzfZef8AhRR4LE4hoEaOWERTcW80Nr50VsxG8gXW2bdqN9RO80lnrnYTvUio3azza8P0ab0Tb3/H/VX9tTsHzMf1nzy6+w9E29/x/wBVf202D5n1H9Z88uvsPRNvf8f9Vf202D5n1H9Z88uvsVe0ODmIglWeN58WApUpK6sRc3BF7Ajs336+iY03CV7tkwpOEr4mz3Y8O0cJxkpgEsczZ2iRgJY7C2g9R9LaA30FQ3Ui27XXchurGTla67+5O2hwswTwk53DLJFmi1jlW0ik3W2awtcgA3AI6aOrGSy6byXWjNWWuWW/UtNh7SjnaZ45c65kAGQpl5A0JIBa+/Xde1aRd2zSErtltVzQUAoCrxXCHCRycU8qh+ka2HzNbKv5kVGJFcSLSpLEDHyWlw4zhczuMpTNmtExsG+5a179NrdNUk80Zyf1Rz+WGxEAiICqv2kxsjZxczMSb9Z3kdBJHRSGnX8imrR9X+SFwlxAGRCuGe7Kcs7AEXYIWVTvAVm1GutrG9XNCzl5yP4P/wACgJNAZ/hjzafP+hoCz2LzEfyigJtAKAUAoBQCgFAYbauzsVHNPkgM4nYsji3JJFrNci1t191rflTNFLtJo67C2qcBEkGMhaEAm06jPExZr6suqHW3KHRvrKNXBlNW8dxzxrbPKoreO755kjE7ewyCJ3mkZTinKlT90Z1uQt88Q3A/KeipxJ2ebz+ehfGnZq7z3evY1GHnSRQ6MGVhcMpuDW6dzdO+h0oSKAUBTLwpwJZl49OSLkm4Ww6mPJb8iapjjqU2kbXuZDbe0pJ5RjYIGbCwoQ8kgyh0vmLRqSGIHX/qsdq28SX073/hzbZt44r6d7fDwJPB7YWIllxEjSYnC5jGBGmVbjLe5uCD63xGt6nA5Tbu1oW2bnNvE1oXvozL7/jP7o/2VbZPmZbYS532/wAHozL7/jP7o/2U2T5mNhLnfb/B6My+/wCM/uj/AGU2T5mNhLnfb/DNy7DxkQlw6xvMZXZlxDZSAGN7tut236b2vUxTjG18yYxlCLjdt+JdYLbU2DjSLGwsEjVUGJivJGQotmkFs6HTpFUVRwVpr1WhRVZU1aovVaexMxfCTCcZBbErZmJOSzKQUYDjG3IL2PxArTEnZpmrmm008vmpY7EtxWnFc5LzPq863X978X9V6mGnXTzJp/bu1enn8ucdsYhkYZYsxcZcwEhPSLXRGta51aw1+NXNCW4s8fwb/gUBKoDP8MebT5/0NAWexeYj+UUBNoBQCgFAKAUAoDnPMqKWdgqqLlmNgB2mgbsVMvCfAcUztPGUGhB3m/QFOpv2DXWqSqRiryM51YRV5MwuGheCSWdcHIuGnfLGjqA4diFXkC2VSTZRbq1rCk8N3aybOehLBd4bRby43fhw4F9sTgpixGS2LngLuz8UmQhQxuAbg69JtV9lJtvE0X2M228TV/IsPRnE/wAxxXcnhTZS5mTsZ877D0ZxP8xxXcnhTZS5mNjPnfY4Y7gpinjdRtDEEsrCzZLG4tZrC9vhUSoyaaxMrL+PNxaxszp2Vi2gGHGFcvHYl3yKHym+XN6p6ha/bVnfBa1389C7vs8Nru2/5Y00/CqBopYy0mFxAja0ciWcEA2MankybtAp1qrrRaa0fzqUf8iLi19rtv8A1xJeF25hhipojKeMLIAHbkXyAZY+gG+hW98160UlifxGsZLE/i9PmpfVoaigFAccXio40LyMFUb2Y2FQ3YhuxUz8LcCI+M44MCcoRQS7MdyqnrEn4VSVWMVdmc60IK79+hicPDikZ42whUYp3MA5IZcxZyGscqkLrbS1jVKcmspK3AzpTkspK19Fv4+RueCEGTCRpmRymdCyAqLrIynfvIIsT0kE9NXp/b1NKP29dPMua0NSNNzkfwf9KAk0Bn+GPNp8/wChoCz2LzEfyigJtAKAUAoBQCgFAUnC/ASzQAR3JSRXKD76re666dIPxWqsrLczJwriBiI8V5BIYYQQVCgSZiPXRGsWtpu66yqSd08N0uphVlK6ajdLr3LvZm28PLG3FSGNvKgWRuW9mnF8yNqitu/pB7KiNSMlk7Z/siFWMo/S7Z+uv77F9gtsYaZikUqOy7wrAn4jrHaK3TTOlSTJ1SSKAUBF2htGGBQ0sioCbDMbXPZ11DdiG0jPcL9pYCSDi3+3eVTxSQKJZNR66b8tvxHq6d1YV5QccLz8tTm/kTpuOGWbe5ZsymHwOJMRwTYdlxOUEuLEKrE5WZ91uSem9wRvqYtuOF5OxMZNwwPKVvnga8cHcd/Mpvpx+FNlPn/A2NTnfRHvo9jv5lN9OPwpsp8/4Gxqc76Iej2O/mU304/Cmynz/gbGpzvois27wcx2VH8qlxIjkDmIoikgAglbbzra3UTbWmzmmm5XGymmm5t+iIuAhxgxPlkeDJjVCnFNaOTlEFmjDb7AdNr30vSbliUkrruJueJSirpej7l5HwrwsskQ41oXVm4yGVMjACJjZ83qgaHMCQSAOmirRk0r28PQL+RCUkk7Pg/IsuDu0I5oyUmEtnkuQApAMjFQV+FgD94C/TWkHka03da8fAtauaEPEzKJolLKGYPlUkAmwBNhvNuygJlAZ/hjzafP+hoCz2LzEfyigJtAKAUAoBQCgFAKAUBiuEWwYpYJGWFRPx5CPEczEtLY526AQTmB0W56q55QjrbO+7zOWdOLWK2d93n8uQMPs/ETyRLFHLhWha7zNHboIOXMLNfdpca9VaTvLKLt88TSac1aLt6f6aLzJjv5jJ9GHwquznz9kV2VTnfRDzJjv5jJ9GHwps58/ZDZVOd9EPMmO/mMn0YfCmznz9kNlU530RR7X2Vi4Z1mlaXGR5MmVY1uDcnVUG7W9wOjXopGMoyu5X9P8EYThK8pNry/wgYWc4SHFNicLMgxAYrLGBcLlyrGzDlRnpGYWBNZTnhxOUdd6+ZGNSpgxOcbX3r5dG0i2xh+Mkk8oQxCKI/dyi7yDNxnSWtbL0Zf6q3U03k+B0xnFybTysv2WWDxkUq54nV1P3lIIv1aVdO5omnod6kkUAoCFiNrYaOQRvNGsjWsjMAdd2nb0ddRiRDkkYzhvjUxLxphIziJ4ZCzMi3RQEa6NJ131yg62tvtXPUqJyWBXa7HJVqpzWBYmui9STwVheafyhEaCIRvGQRa75gCAG32Km5I0OnXbZSUs0dEZKeaNd5O/tW7k8KuaEafZAeSOVnYyRZ8jZUuucANbTpAoCbDGwvdy3xAFu4CgKThjzafP+hoCz2LzEfyigJtAKAUAoBQCgFAKAUBRhbxnKAf4q58ma26cEmS/T0uOnWst3ru8/lzHd67vP5cs8bj4YQDLIkYOgLsFuey9aNpamraWp3RwwBBBBFwRqCD0ipJPqgFAKAptsY/DyRTwho5ZOLcGHjVQnkm6k35Paeis5tOLWplUacWtctDM7f2EkeK42GBzGqK0sUachixcBlA3tybMANAVPSaqoRjNtLcUjCMKjaW70Omxdk4yR5JYZXwcThQEaJWJK3ucsg5Nr7+n8qSjKUrxlb0JlCcpXjKy8v9LfzJtL+ZN/jw+FNnU5+yI2VXn7IeZNpfzJv8eHwps6nP2Q2VXn7IeZNpfzJv8eHwps6nP2Q2VXn7IzEuzsREZopopcRLK7FJlj5Nm3XI5K/A2y7twFTC8VaTv6FqalFWk7+hrdmbM4iPBRBWvHo5isqZuJYM0g+8Cf8AuINFHDhSQUFHCkunlvLDY0maMnPn+0lGbJk3SsMtv6bZb9Nr9NWg7rr+S1N3Wt83+SdVzQUAoDP8MebT5/0NAWexeYj+UUBNoBQCgFAKAUAoBQHjEAXOgFAZp8fh2gd88MiJilZijiMIBMGDMfvFRyv67aXvWDaw38fLf88znlJYbvj5b/nmZ7G7RM2IbEHDzS4VkCROY21I1uq2vlNycxtfdUwqYne2XEU6uKTaWXEs9g7F2kIuTiuIVnZliaBXKqxuL3Itffl6L9elRgqNtqVvQjBVbbUrLyLHzTtP+YL/AIqfupgq83b3J2dbn7e4807T/mC/4qfupgq83b3Gzrc/b3Oc+x9qFWA2gtyCB/DKutusNcfGjhV5uxDp1rff29zGY3AymAQjDkTRi8skqmOPKurXc8kDtvqKVL7O2vnkKt9lhyb8cv8AhstmcJIjiWWYS4aVo0URzkBCVZ78UdzHlC5B1GXTQ0jVWK0sn4/oQrxx2lk/H9F6Np4fjOK42PjfZ51z9fq3vW2JXtc3xRva5LqSwoBQHxLIqgsxCqBckmwA6yTQN2K2SeKZ8O8WSVVkf7RJBZDxTi9h6975bdF79FZuzaa+ZGbs3FrPP9EjZDEx6lzy5dZBlbSVgBbqG4HpABq0NOpNPTr+SbVi4oBQGf4Y82nz/oaAs9i8xH8ooCbQCgFAKAUAoBQCgKThhhpZMMRHc2ZGZRqWQG7KB09dum1qrIrIwGNZOOhmGDc4aJ04zMjDlE5RZdCxF7ga66Ea1hXkssrq5y/yZK8W43Sep+m7K2rh8QmeCRZF/pOo7GG9T2GtoTjNXizphUjNXi7nXD46F2KpIjMvrKrAkdGoG6rJpllJPRkipJFAKAreEU6JhpSzRKCjAGfmySpsGHSOwXvVKjtF/szqtKD09dCj4UY3BjjDMquJoY1i1EvGPmkyiOMdILA5+nMBfSsqsoK+Lesv+GFadNXxb0rb7+SMhDhpWhWAYaSPFgjKcrDdYqxa1l671ZSvCzVuC/BdScqdmrPcvx5G5Gy9qe/x/wCKv76YKnN2Gzrc/b3PfNe1Pf4/8Vf30wVObsMFbn7e4817U9/j/wAVf30wVObsMFbn7e5U8ItlbRyI0mIGIiSQNJGkAUlQDrYMS3w6L36KjDUTTcuxGCqmm5ZeRVYKd48WmJjwshwwBUKBaTPka7ojEGQhcw0vozdVRUk1NO113K1ZtVFK1139zZcF9sYeaJjHKTleUsJWGdQZGPKG9VtuvuFh0ValOMo5PjqaUKkZRyfHXXUtsLio5BmjdXW9rowYX6ritU09DZNPQ7VJIoDP8MebT5/0NAWexeYj+UUBNoBQCgFAKAUAoBQCgK3bc6ARqWhDGWKwmO+0i+oN+b8PbaqTeS81qZ1GrLTVa+f54GY4dQYS9oVJ2g1sow9xIVJGbjcmmUrcXasauBPJfV4fs56+zUrpXl4fv3KjBwvLJAuDQwzRsONdozZRlIYNe3wy9P8AxebcksLzNZuUksDs+prPN21vfYf8f/yphq83YjBW5l09x5u2t77D/j/+VMNXm7DBW5l09x5u2t77D/j/APlTDV5uwwVuZdPczm3sHio8RHLjXE8AQrdIiAGJ1FhfKTyeUd9rdFRFTjO8nl5ERjUjUvOWVuHz3PjgvjcJhsXK86CHjVQwyyIVAU5gRciyA23m17GqucI1W3wWfUq6lONZt5ZLPqfoxnQLnLLktfNcWt133V0XWp1XVrnsMyuAysGU7ipBB+BFTe4TvofdCRQCgK3aM6CbDqWhDZ2sHPL1icfZdt9D2Xqkn9S+dDObWKOnxbjCcKRAcixYfjMXHNK8iL9q4iLSG8jqDYNdWCm5AIFczcU1aN5Xfxs5JSgpK0byTf71fyxbcEI82JMsKNHBxRV7ggM+YFbXHKI5WvRftrqvd5HZdN3Rt6sXFAZ/hjzafP8AoaAs9i8xH8ooCbQCgFAKAUAoBQCgFAfm23QqTz+UxtJLIx4ghSbrbkKvXYaW67/nS6SdzPEop31/Ja8BsbhYVEEi8RjGuZFmBR3JY2IZvXHVY/lWNKcE7Ws/EwoTpp4bWfB/MzYyzKouzBRuuSBr1a10N2OptLU+6kkUAoBQFZljfETIwhYGKIMvrP60mkgOmTXTtLdlUycmvAzycmnbRfswG2FwaTgYYSSYVCxxKoWaCN9MpG9QfWvbdpWEXCM/p038Ec0HTjUtDTfwX6LLg5Bi3aV8E6RYZsuUSxlgza3K6jotdunTqrR427wasavHKV4NWLzyPa/vOG+i37qYavFdBhrcy6e48j2v7zhvot+6mGrxXQYa3MunuPI9r+84b6Lfuphq8V0GGtzLp7mMxiMjTR4lOMxjuxiIRuUPu5d9x1W9XQdFItqLUrXEW4xalZvPwuX/AAL2thsNEmGmQYae5DF/VlcGxYS3KseggnQ6dFZ0akYrC1Z/N5l/HqQgsElhf59d5tGmQEAsoLbgSLn4dddN0dl0dKkkUBn+GPNp8/6GgLPYvMR/KKAm0AoBQCgFAKAUAoBQCgIm0tmwTpkmjWRephe3aDvB7RVZRUlZorOEZq0lcwW19mxYWYriOMfDZRxHGEvlJ9ZATusRuOtrdVUhFQyv1M4RVPK/lf8ABZcHsNtYQji5IEjzNxazRuWCX5O4iw6h1VW1Xc1YpatnhatuyLLiNse2wf0pP3VNq3FE2r8V0HEbY9tg/pSfupatxQtX4rocsZh9tcW+WbC5srWyxuGvbTKS1geomoarW1RDjXtquhiJo4yiRrDI84YeUiJHDcXe8lx62o0PXeoqNYLNX8vlyKjWzs1fjb5c/S+DuPwckQXCsmRNMijKV7GU2IPxFaU5Qa+k1pTptfQWfGLe1xfqvr3Voa3PqgFAKAGgKSHyY4V+P8mMOeUtaxj51tTm+91/1XtWSw4PqtbPyMFgwPFa2flr89T86wb4X7RTC+VmbyVyrcqMucgQNyiALWqlGcbWSy/JShOFrJWXjv8A2fqWwllGHiE3OhFz333t09vX21vHQ6Y6E6pJM/wx5tPn/Q0BZ7F5iP5RQE2gFAKAUAoBQCgFAKAUAoBQCgFAKAUAoCn2vwbw07ZypjmG6aI8XIP+ob/gb1nOlGWe/iY1KEJ56PitT89kWwKMGO0r6HXOXG4jp7Qd1uyo/wDG2/8AY/8AC2/9mzVNt2HKwP8AbL41S1fiu5nb+Txj3Pcm2/xYD+2bxpavxXcW/k8Y9xk23+LAf2zeNLV+K7i38njHuVPCVNrcUvHnDGDOvGiFZL8XrfNf7vXbs6L0/wDmusVrepFq91iatv1I/BvZWFxGJDRxh8LGpNmvk466hTb1WYLm67adlXlCMmvA1lThOSbV7H6HatTY9oBQGf4Y82nz/oaAs9i8xH8ooDj/ABeU+rmBAG6xFspJ6tRmt1G2+s/rOz/611rbf+fxl556HRDiM+oBS19LXBsDl7dQRf8AqHUan6rlGqGHLXt5/jLwfEj4o4sq6qtrhwpBUW5DZTvuDmy9e41V48zWmv4ylFt6WvrxV93C59O+L0soNi34RcZWyggnffJcg9fRqZ+shR/jb3w48VfdwvuPJmxVtF5S6r6oB+zNg3K/FoRu3EGoeMmC/j3zeT11yzWmXDNb9UztNLiLtlTS+nqnTLv37828fhtY30qzcjOMaFld579ePlpbTx1VhhHxOb7RQBdt1t2ZsvTfcE6PvH8kcV8xVVDD9Dzy/Cvu436dbCrnKKAUAoBQCgFAKAUAoBQHlqA9oBQCgFAeAUB7QCgFAZ/hjzafP+hoCmj4Rzxji1CWTQXBvYHp1oD69K8R1R9x8aAeleI6o+4+NAPSvEdUfcfGgHpXiOqPuPjQD0rxHVH3HxoB6V4jqj7j40A9K8R1R9x8aAeleI6o+4+NAPSvEdUfcfGgHpXiOqPuPjQD0rxHVH3HxoB6V4jqj7j40A9K8R1R9x8aAeleI6o+4+NAPSvEdUfcfGgHpXiOqPuPjQD0rxHVH3HxoB6V4jqj7j40A9K8R1R9x8aAeleI6o+4+NAPSvEdUfcfGgHpXiOqPuPjQD0rxHVH3HxoB6V4jqj7j40A9K8R1R9x8aAeleI6o+4+NAPSvEdUfcfGgOc21pMTZZMoA5Qyi2u7pv10B//Z"/>
-          <p:cNvSpPr>
-            <a:spLocks noChangeAspect="1" noChangeArrowheads="1"/>
-          </p:cNvSpPr>
-          <p:nvPr/>
-        </p:nvSpPr>
-        <p:spPr bwMode="auto">
-          <a:xfrm>
-            <a:off x="155575" y="-144463"/>
-            <a:ext cx="304800" cy="304801"/>
-          </a:xfrm>
-          <a:prstGeom prst="rect">
-            <a:avLst/>
-          </a:prstGeom>
-          <a:noFill/>
-        </p:spPr>
-        <p:txBody>
-          <a:bodyPr vert="horz" wrap="square" lIns="91440" tIns="45720" rIns="91440" bIns="45720" numCol="1" anchor="t" anchorCtr="0" compatLnSpc="1">
-            <a:prstTxWarp prst="textNoShape">
-              <a:avLst/>
-            </a:prstTxWarp>
-          </a:bodyPr>
-          <a:lstStyle/>
-          <a:p>
-            <a:endParaRPr lang="en-US"/>
-          </a:p>
-        </p:txBody>
-      </p:sp>
-      <p:pic>
-        <p:nvPicPr>
-          <p:cNvPr id="1034" name="Picture 10" descr="https://encrypted-tbn3.gstatic.com/images?q=tbn:ANd9GcTUKgOWMag6unrb8vdTSpBL0jAgdu5ej2Z38m9vwwwKt_mQalhK"/>
-          <p:cNvPicPr>
-            <a:picLocks noChangeAspect="1" noChangeArrowheads="1"/>
-          </p:cNvPicPr>
-          <p:nvPr/>
-        </p:nvPicPr>
-        <p:blipFill>
-          <a:blip r:embed="rId2"/>
-          <a:srcRect/>
-          <a:stretch>
-            <a:fillRect/>
-          </a:stretch>
-        </p:blipFill>
-        <p:spPr bwMode="auto">
-          <a:xfrm rot="16200000">
-            <a:off x="2589417" y="-2349841"/>
-            <a:ext cx="6828287" cy="11587396"/>
-          </a:xfrm>
-          <a:prstGeom prst="rect">
-            <a:avLst/>
-          </a:prstGeom>
-          <a:noFill/>
-        </p:spPr>
-      </p:pic>
-    </p:spTree>
-  </p:cSld>
-  <p:clrMapOvr>
-    <a:masterClrMapping/>
-  </p:clrMapOvr>
-</p:sld>
-</file>
-
-<file path=ppt/slides/slide28.xml><?xml version="1.0" encoding="utf-8"?>
 <p:sld xmlns:a="http://schemas.openxmlformats.org/drawingml/2006/main" xmlns:r="http://schemas.openxmlformats.org/officeDocument/2006/relationships" xmlns:p="http://schemas.openxmlformats.org/presentationml/2006/main">
   <p:cSld>
     <p:spTree>
@@ -32108,7 +31996,7 @@
           <a:blip r:embed="rId2">
             <a:extLst>
               <a:ext uri="{28A0092B-C50C-407E-A947-70E740481C1C}">
-                <a14:useLocalDpi xmlns="" xmlns:a14="http://schemas.microsoft.com/office/drawing/2010/main" val="0"/>
+                <a14:useLocalDpi xmlns:a14="http://schemas.microsoft.com/office/drawing/2010/main" val="0"/>
               </a:ext>
             </a:extLst>
           </a:blip>
@@ -32128,7 +32016,7 @@
           <a:noFill/>
           <a:extLst>
             <a:ext uri="{909E8E84-426E-40DD-AFC4-6F175D3DCCD1}">
-              <a14:hiddenFill xmlns="" xmlns:a14="http://schemas.microsoft.com/office/drawing/2010/main">
+              <a14:hiddenFill xmlns:a14="http://schemas.microsoft.com/office/drawing/2010/main">
                 <a:solidFill>
                   <a:srgbClr val="FFFFFF"/>
                 </a:solidFill>
@@ -32543,7 +32431,7 @@
     </p:spTree>
     <p:extLst>
       <p:ext uri="{BB962C8B-B14F-4D97-AF65-F5344CB8AC3E}">
-        <p14:creationId xmlns="" xmlns:p14="http://schemas.microsoft.com/office/powerpoint/2010/main" val="2003718012"/>
+        <p14:creationId xmlns:p14="http://schemas.microsoft.com/office/powerpoint/2010/main" val="2003718012"/>
       </p:ext>
     </p:extLst>
   </p:cSld>
@@ -32553,7 +32441,7 @@
 </p:sld>
 </file>
 
-<file path=ppt/slides/slide29.xml><?xml version="1.0" encoding="utf-8"?>
+<file path=ppt/slides/slide28.xml><?xml version="1.0" encoding="utf-8"?>
 <p:sld xmlns:a="http://schemas.openxmlformats.org/drawingml/2006/main" xmlns:r="http://schemas.openxmlformats.org/officeDocument/2006/relationships" xmlns:p="http://schemas.openxmlformats.org/presentationml/2006/main">
   <p:cSld>
     <p:spTree>
@@ -32637,7 +32525,7 @@
           <a:blip r:embed="rId2">
             <a:extLst>
               <a:ext uri="{28A0092B-C50C-407E-A947-70E740481C1C}">
-                <a14:useLocalDpi xmlns="" xmlns:a14="http://schemas.microsoft.com/office/drawing/2010/main" val="0"/>
+                <a14:useLocalDpi xmlns:a14="http://schemas.microsoft.com/office/drawing/2010/main" val="0"/>
               </a:ext>
             </a:extLst>
           </a:blip>
@@ -32657,7 +32545,7 @@
           <a:noFill/>
           <a:extLst>
             <a:ext uri="{909E8E84-426E-40DD-AFC4-6F175D3DCCD1}">
-              <a14:hiddenFill xmlns="" xmlns:a14="http://schemas.microsoft.com/office/drawing/2010/main">
+              <a14:hiddenFill xmlns:a14="http://schemas.microsoft.com/office/drawing/2010/main">
                 <a:solidFill>
                   <a:srgbClr val="FFFFFF"/>
                 </a:solidFill>
@@ -33072,7 +32960,133 @@
     </p:spTree>
     <p:extLst>
       <p:ext uri="{BB962C8B-B14F-4D97-AF65-F5344CB8AC3E}">
-        <p14:creationId xmlns="" xmlns:p14="http://schemas.microsoft.com/office/powerpoint/2010/main" val="1843061998"/>
+        <p14:creationId xmlns:p14="http://schemas.microsoft.com/office/powerpoint/2010/main" val="1843061998"/>
+      </p:ext>
+    </p:extLst>
+  </p:cSld>
+  <p:clrMapOvr>
+    <a:masterClrMapping/>
+  </p:clrMapOvr>
+</p:sld>
+</file>
+
+<file path=ppt/slides/slide29.xml><?xml version="1.0" encoding="utf-8"?>
+<p:sld xmlns:a="http://schemas.openxmlformats.org/drawingml/2006/main" xmlns:r="http://schemas.openxmlformats.org/officeDocument/2006/relationships" xmlns:p="http://schemas.openxmlformats.org/presentationml/2006/main">
+  <p:cSld>
+    <p:spTree>
+      <p:nvGrpSpPr>
+        <p:cNvPr id="1" name=""/>
+        <p:cNvGrpSpPr/>
+        <p:nvPr/>
+      </p:nvGrpSpPr>
+      <p:grpSpPr>
+        <a:xfrm>
+          <a:off x="0" y="0"/>
+          <a:ext cx="0" cy="0"/>
+          <a:chOff x="0" y="0"/>
+          <a:chExt cx="0" cy="0"/>
+        </a:xfrm>
+      </p:grpSpPr>
+      <p:pic>
+        <p:nvPicPr>
+          <p:cNvPr id="6148" name="Picture 4" descr="http://www.proprofs.com/quiz-school/user_upload/ckeditor/Screen%20Shot%202013-01-23%20at%2010_26_23%20AM.png"/>
+          <p:cNvPicPr>
+            <a:picLocks noChangeAspect="1" noChangeArrowheads="1"/>
+          </p:cNvPicPr>
+          <p:nvPr/>
+        </p:nvPicPr>
+        <p:blipFill>
+          <a:blip r:embed="rId2">
+            <a:extLst>
+              <a:ext uri="{28A0092B-C50C-407E-A947-70E740481C1C}">
+                <a14:useLocalDpi xmlns:a14="http://schemas.microsoft.com/office/drawing/2010/main" val="0"/>
+              </a:ext>
+            </a:extLst>
+          </a:blip>
+          <a:srcRect/>
+          <a:stretch>
+            <a:fillRect/>
+          </a:stretch>
+        </p:blipFill>
+        <p:spPr bwMode="auto">
+          <a:xfrm>
+            <a:off x="0" y="772523"/>
+            <a:ext cx="12192000" cy="6085477"/>
+          </a:xfrm>
+          <a:prstGeom prst="rect">
+            <a:avLst/>
+          </a:prstGeom>
+          <a:noFill/>
+          <a:extLst>
+            <a:ext uri="{909E8E84-426E-40DD-AFC4-6F175D3DCCD1}">
+              <a14:hiddenFill xmlns:a14="http://schemas.microsoft.com/office/drawing/2010/main">
+                <a:solidFill>
+                  <a:srgbClr val="FFFFFF"/>
+                </a:solidFill>
+              </a14:hiddenFill>
+            </a:ext>
+          </a:extLst>
+        </p:spPr>
+      </p:pic>
+      <p:sp>
+        <p:nvSpPr>
+          <p:cNvPr id="4" name="Rectangle 3"/>
+          <p:cNvSpPr/>
+          <p:nvPr/>
+        </p:nvSpPr>
+        <p:spPr>
+          <a:xfrm>
+            <a:off x="3791991" y="0"/>
+            <a:ext cx="3848362" cy="923330"/>
+          </a:xfrm>
+          <a:prstGeom prst="rect">
+            <a:avLst/>
+          </a:prstGeom>
+          <a:noFill/>
+        </p:spPr>
+        <p:txBody>
+          <a:bodyPr wrap="none" lIns="91440" tIns="45720" rIns="91440" bIns="45720">
+            <a:spAutoFit/>
+          </a:bodyPr>
+          <a:lstStyle/>
+          <a:p>
+            <a:pPr algn="ctr"/>
+            <a:r>
+              <a:rPr lang="en-US" sz="5400" b="0" cap="none" spc="0" dirty="0" smtClean="0">
+                <a:ln w="0"/>
+                <a:solidFill>
+                  <a:schemeClr val="tx1"/>
+                </a:solidFill>
+                <a:effectLst>
+                  <a:outerShdw blurRad="38100" dist="19050" dir="2700000" algn="tl" rotWithShape="0">
+                    <a:schemeClr val="dk1">
+                      <a:alpha val="40000"/>
+                    </a:schemeClr>
+                  </a:outerShdw>
+                </a:effectLst>
+              </a:rPr>
+              <a:t>Carbon Cycle</a:t>
+            </a:r>
+            <a:endParaRPr lang="en-US" sz="5400" b="0" cap="none" spc="0" dirty="0">
+              <a:ln w="0"/>
+              <a:solidFill>
+                <a:schemeClr val="tx1"/>
+              </a:solidFill>
+              <a:effectLst>
+                <a:outerShdw blurRad="38100" dist="19050" dir="2700000" algn="tl" rotWithShape="0">
+                  <a:schemeClr val="dk1">
+                    <a:alpha val="40000"/>
+                  </a:schemeClr>
+                </a:outerShdw>
+              </a:effectLst>
+            </a:endParaRPr>
+          </a:p>
+        </p:txBody>
+      </p:sp>
+    </p:spTree>
+    <p:extLst>
+      <p:ext uri="{BB962C8B-B14F-4D97-AF65-F5344CB8AC3E}">
+        <p14:creationId xmlns:p14="http://schemas.microsoft.com/office/powerpoint/2010/main" val="2252222351"/>
       </p:ext>
     </p:extLst>
   </p:cSld>
@@ -34859,7 +34873,7 @@
     </p:spTree>
     <p:extLst>
       <p:ext uri="{BB962C8B-B14F-4D97-AF65-F5344CB8AC3E}">
-        <p14:creationId xmlns="" xmlns:p14="http://schemas.microsoft.com/office/powerpoint/2010/main" val="1641149290"/>
+        <p14:creationId xmlns:p14="http://schemas.microsoft.com/office/powerpoint/2010/main" val="1641149290"/>
       </p:ext>
     </p:extLst>
   </p:cSld>
@@ -34886,36 +34900,9 @@
           <a:chExt cx="0" cy="0"/>
         </a:xfrm>
       </p:grpSpPr>
-      <p:sp>
-        <p:nvSpPr>
-          <p:cNvPr id="2" name="Title 1"/>
-          <p:cNvSpPr>
-            <a:spLocks noGrp="1"/>
-          </p:cNvSpPr>
-          <p:nvPr>
-            <p:ph type="title"/>
-          </p:nvPr>
-        </p:nvSpPr>
-        <p:spPr/>
-        <p:txBody>
-          <a:bodyPr/>
-          <a:lstStyle/>
-          <a:p>
-            <a:r>
-              <a:rPr lang="en-US" dirty="0" err="1" smtClean="0"/>
-              <a:t>Zener</a:t>
-            </a:r>
-            <a:r>
-              <a:rPr lang="en-US" dirty="0" smtClean="0"/>
-              <a:t> Diode as Voltage Regulator</a:t>
-            </a:r>
-            <a:endParaRPr lang="en-US" dirty="0"/>
-          </a:p>
-        </p:txBody>
-      </p:sp>
       <p:pic>
         <p:nvPicPr>
-          <p:cNvPr id="5122" name="Picture 2" descr="https://encrypted-tbn2.gstatic.com/images?q=tbn:ANd9GcTGA7uhRL2mN7CbIy48yPCM_GqS-BHBdbHiwiTJBpjJ3ndJZlt7KQ"/>
+          <p:cNvPr id="8194" name="Picture 2" descr="http://4.bp.blogspot.com/_77BOzhFABv8/TBNwaxnb5TI/AAAAAAAAAAM/uzV6KJpMG54/s1600/States+of+Matter.jpg"/>
           <p:cNvPicPr>
             <a:picLocks noChangeAspect="1" noChangeArrowheads="1"/>
           </p:cNvPicPr>
@@ -34925,7 +34912,7 @@
           <a:blip r:embed="rId2">
             <a:extLst>
               <a:ext uri="{28A0092B-C50C-407E-A947-70E740481C1C}">
-                <a14:useLocalDpi xmlns="" xmlns:a14="http://schemas.microsoft.com/office/drawing/2010/main" val="0"/>
+                <a14:useLocalDpi xmlns:a14="http://schemas.microsoft.com/office/drawing/2010/main" val="0"/>
               </a:ext>
             </a:extLst>
           </a:blip>
@@ -34936,8 +34923,8 @@
         </p:blipFill>
         <p:spPr bwMode="auto">
           <a:xfrm>
-            <a:off x="2476744" y="1690688"/>
-            <a:ext cx="6568782" cy="5376869"/>
+            <a:off x="206326" y="1074420"/>
+            <a:ext cx="11985674" cy="5404362"/>
           </a:xfrm>
           <a:prstGeom prst="rect">
             <a:avLst/>
@@ -34945,7 +34932,7 @@
           <a:noFill/>
           <a:extLst>
             <a:ext uri="{909E8E84-426E-40DD-AFC4-6F175D3DCCD1}">
-              <a14:hiddenFill xmlns="" xmlns:a14="http://schemas.microsoft.com/office/drawing/2010/main">
+              <a14:hiddenFill xmlns:a14="http://schemas.microsoft.com/office/drawing/2010/main">
                 <a:solidFill>
                   <a:srgbClr val="FFFFFF"/>
                 </a:solidFill>
@@ -34954,10 +34941,65 @@
           </a:extLst>
         </p:spPr>
       </p:pic>
+      <p:sp>
+        <p:nvSpPr>
+          <p:cNvPr id="4" name="Rectangle 3"/>
+          <p:cNvSpPr/>
+          <p:nvPr/>
+        </p:nvSpPr>
+        <p:spPr>
+          <a:xfrm>
+            <a:off x="3588076" y="-113489"/>
+            <a:ext cx="4734501" cy="923330"/>
+          </a:xfrm>
+          <a:prstGeom prst="rect">
+            <a:avLst/>
+          </a:prstGeom>
+          <a:noFill/>
+        </p:spPr>
+        <p:txBody>
+          <a:bodyPr wrap="none" lIns="91440" tIns="45720" rIns="91440" bIns="45720">
+            <a:spAutoFit/>
+          </a:bodyPr>
+          <a:lstStyle/>
+          <a:p>
+            <a:pPr algn="ctr"/>
+            <a:r>
+              <a:rPr lang="en-US" sz="5400" b="0" cap="none" spc="0" dirty="0" smtClean="0">
+                <a:ln w="0"/>
+                <a:solidFill>
+                  <a:schemeClr val="tx1"/>
+                </a:solidFill>
+                <a:effectLst>
+                  <a:outerShdw blurRad="38100" dist="19050" dir="2700000" algn="tl" rotWithShape="0">
+                    <a:schemeClr val="dk1">
+                      <a:alpha val="40000"/>
+                    </a:schemeClr>
+                  </a:outerShdw>
+                </a:effectLst>
+              </a:rPr>
+              <a:t>States of Matter</a:t>
+            </a:r>
+            <a:endParaRPr lang="en-US" sz="5400" b="0" cap="none" spc="0" dirty="0">
+              <a:ln w="0"/>
+              <a:solidFill>
+                <a:schemeClr val="tx1"/>
+              </a:solidFill>
+              <a:effectLst>
+                <a:outerShdw blurRad="38100" dist="19050" dir="2700000" algn="tl" rotWithShape="0">
+                  <a:schemeClr val="dk1">
+                    <a:alpha val="40000"/>
+                  </a:schemeClr>
+                </a:outerShdw>
+              </a:effectLst>
+            </a:endParaRPr>
+          </a:p>
+        </p:txBody>
+      </p:sp>
     </p:spTree>
     <p:extLst>
       <p:ext uri="{BB962C8B-B14F-4D97-AF65-F5344CB8AC3E}">
-        <p14:creationId xmlns="" xmlns:p14="http://schemas.microsoft.com/office/powerpoint/2010/main" val="937412838"/>
+        <p14:creationId xmlns:p14="http://schemas.microsoft.com/office/powerpoint/2010/main" val="1465778922"/>
       </p:ext>
     </p:extLst>
   </p:cSld>
@@ -34986,7 +35028,7 @@
       </p:grpSpPr>
       <p:pic>
         <p:nvPicPr>
-          <p:cNvPr id="6148" name="Picture 4" descr="http://www.proprofs.com/quiz-school/user_upload/ckeditor/Screen%20Shot%202013-01-23%20at%2010_26_23%20AM.png"/>
+          <p:cNvPr id="9218" name="Picture 2" descr="http://www.memrise.com/s3_proxy/?f=uploads/mems/3362574000130524125134.gif"/>
           <p:cNvPicPr>
             <a:picLocks noChangeAspect="1" noChangeArrowheads="1"/>
           </p:cNvPicPr>
@@ -34996,7 +35038,7 @@
           <a:blip r:embed="rId2">
             <a:extLst>
               <a:ext uri="{28A0092B-C50C-407E-A947-70E740481C1C}">
-                <a14:useLocalDpi xmlns="" xmlns:a14="http://schemas.microsoft.com/office/drawing/2010/main" val="0"/>
+                <a14:useLocalDpi xmlns:a14="http://schemas.microsoft.com/office/drawing/2010/main" val="0"/>
               </a:ext>
             </a:extLst>
           </a:blip>
@@ -35007,8 +35049,8 @@
         </p:blipFill>
         <p:spPr bwMode="auto">
           <a:xfrm>
-            <a:off x="0" y="772523"/>
-            <a:ext cx="12192000" cy="6085477"/>
+            <a:off x="1421667" y="175846"/>
+            <a:ext cx="9355016" cy="6682154"/>
           </a:xfrm>
           <a:prstGeom prst="rect">
             <a:avLst/>
@@ -35016,7 +35058,7 @@
           <a:noFill/>
           <a:extLst>
             <a:ext uri="{909E8E84-426E-40DD-AFC4-6F175D3DCCD1}">
-              <a14:hiddenFill xmlns="" xmlns:a14="http://schemas.microsoft.com/office/drawing/2010/main">
+              <a14:hiddenFill xmlns:a14="http://schemas.microsoft.com/office/drawing/2010/main">
                 <a:solidFill>
                   <a:srgbClr val="FFFFFF"/>
                 </a:solidFill>
@@ -35025,65 +35067,10 @@
           </a:extLst>
         </p:spPr>
       </p:pic>
-      <p:sp>
-        <p:nvSpPr>
-          <p:cNvPr id="4" name="Rectangle 3"/>
-          <p:cNvSpPr/>
-          <p:nvPr/>
-        </p:nvSpPr>
-        <p:spPr>
-          <a:xfrm>
-            <a:off x="3791991" y="0"/>
-            <a:ext cx="3848362" cy="923330"/>
-          </a:xfrm>
-          <a:prstGeom prst="rect">
-            <a:avLst/>
-          </a:prstGeom>
-          <a:noFill/>
-        </p:spPr>
-        <p:txBody>
-          <a:bodyPr wrap="none" lIns="91440" tIns="45720" rIns="91440" bIns="45720">
-            <a:spAutoFit/>
-          </a:bodyPr>
-          <a:lstStyle/>
-          <a:p>
-            <a:pPr algn="ctr"/>
-            <a:r>
-              <a:rPr lang="en-US" sz="5400" b="0" cap="none" spc="0" dirty="0" smtClean="0">
-                <a:ln w="0"/>
-                <a:solidFill>
-                  <a:schemeClr val="tx1"/>
-                </a:solidFill>
-                <a:effectLst>
-                  <a:outerShdw blurRad="38100" dist="19050" dir="2700000" algn="tl" rotWithShape="0">
-                    <a:schemeClr val="dk1">
-                      <a:alpha val="40000"/>
-                    </a:schemeClr>
-                  </a:outerShdw>
-                </a:effectLst>
-              </a:rPr>
-              <a:t>Carbon Cycle</a:t>
-            </a:r>
-            <a:endParaRPr lang="en-US" sz="5400" b="0" cap="none" spc="0" dirty="0">
-              <a:ln w="0"/>
-              <a:solidFill>
-                <a:schemeClr val="tx1"/>
-              </a:solidFill>
-              <a:effectLst>
-                <a:outerShdw blurRad="38100" dist="19050" dir="2700000" algn="tl" rotWithShape="0">
-                  <a:schemeClr val="dk1">
-                    <a:alpha val="40000"/>
-                  </a:schemeClr>
-                </a:outerShdw>
-              </a:effectLst>
-            </a:endParaRPr>
-          </a:p>
-        </p:txBody>
-      </p:sp>
     </p:spTree>
     <p:extLst>
       <p:ext uri="{BB962C8B-B14F-4D97-AF65-F5344CB8AC3E}">
-        <p14:creationId xmlns="" xmlns:p14="http://schemas.microsoft.com/office/powerpoint/2010/main" val="2252222351"/>
+        <p14:creationId xmlns:p14="http://schemas.microsoft.com/office/powerpoint/2010/main" val="2199528279"/>
       </p:ext>
     </p:extLst>
   </p:cSld>
@@ -35168,7 +35155,7 @@
     </p:spTree>
     <p:extLst>
       <p:ext uri="{BB962C8B-B14F-4D97-AF65-F5344CB8AC3E}">
-        <p14:creationId xmlns="" xmlns:p14="http://schemas.microsoft.com/office/powerpoint/2010/main" val="737702640"/>
+        <p14:creationId xmlns:p14="http://schemas.microsoft.com/office/powerpoint/2010/main" val="737702640"/>
       </p:ext>
     </p:extLst>
   </p:cSld>
@@ -35195,9 +35182,36 @@
           <a:chExt cx="0" cy="0"/>
         </a:xfrm>
       </p:grpSpPr>
+      <p:sp>
+        <p:nvSpPr>
+          <p:cNvPr id="2" name="Title 1"/>
+          <p:cNvSpPr>
+            <a:spLocks noGrp="1"/>
+          </p:cNvSpPr>
+          <p:nvPr>
+            <p:ph type="title"/>
+          </p:nvPr>
+        </p:nvSpPr>
+        <p:spPr/>
+        <p:txBody>
+          <a:bodyPr/>
+          <a:lstStyle/>
+          <a:p>
+            <a:r>
+              <a:rPr lang="en-US" dirty="0" err="1" smtClean="0"/>
+              <a:t>Zener</a:t>
+            </a:r>
+            <a:r>
+              <a:rPr lang="en-US" dirty="0" smtClean="0"/>
+              <a:t> Diode as Voltage Regulator</a:t>
+            </a:r>
+            <a:endParaRPr lang="en-US" dirty="0"/>
+          </a:p>
+        </p:txBody>
+      </p:sp>
       <p:pic>
         <p:nvPicPr>
-          <p:cNvPr id="8194" name="Picture 2" descr="http://4.bp.blogspot.com/_77BOzhFABv8/TBNwaxnb5TI/AAAAAAAAAAM/uzV6KJpMG54/s1600/States+of+Matter.jpg"/>
+          <p:cNvPr id="5122" name="Picture 2" descr="https://encrypted-tbn2.gstatic.com/images?q=tbn:ANd9GcTGA7uhRL2mN7CbIy48yPCM_GqS-BHBdbHiwiTJBpjJ3ndJZlt7KQ"/>
           <p:cNvPicPr>
             <a:picLocks noChangeAspect="1" noChangeArrowheads="1"/>
           </p:cNvPicPr>
@@ -35207,7 +35221,7 @@
           <a:blip r:embed="rId2">
             <a:extLst>
               <a:ext uri="{28A0092B-C50C-407E-A947-70E740481C1C}">
-                <a14:useLocalDpi xmlns="" xmlns:a14="http://schemas.microsoft.com/office/drawing/2010/main" val="0"/>
+                <a14:useLocalDpi xmlns:a14="http://schemas.microsoft.com/office/drawing/2010/main" val="0"/>
               </a:ext>
             </a:extLst>
           </a:blip>
@@ -35218,8 +35232,8 @@
         </p:blipFill>
         <p:spPr bwMode="auto">
           <a:xfrm>
-            <a:off x="206326" y="1074420"/>
-            <a:ext cx="11985674" cy="5404362"/>
+            <a:off x="2476744" y="1690688"/>
+            <a:ext cx="6568782" cy="5376869"/>
           </a:xfrm>
           <a:prstGeom prst="rect">
             <a:avLst/>
@@ -35227,7 +35241,7 @@
           <a:noFill/>
           <a:extLst>
             <a:ext uri="{909E8E84-426E-40DD-AFC4-6F175D3DCCD1}">
-              <a14:hiddenFill xmlns="" xmlns:a14="http://schemas.microsoft.com/office/drawing/2010/main">
+              <a14:hiddenFill xmlns:a14="http://schemas.microsoft.com/office/drawing/2010/main">
                 <a:solidFill>
                   <a:srgbClr val="FFFFFF"/>
                 </a:solidFill>
@@ -35236,65 +35250,10 @@
           </a:extLst>
         </p:spPr>
       </p:pic>
-      <p:sp>
-        <p:nvSpPr>
-          <p:cNvPr id="4" name="Rectangle 3"/>
-          <p:cNvSpPr/>
-          <p:nvPr/>
-        </p:nvSpPr>
-        <p:spPr>
-          <a:xfrm>
-            <a:off x="3588076" y="-113489"/>
-            <a:ext cx="4734501" cy="923330"/>
-          </a:xfrm>
-          <a:prstGeom prst="rect">
-            <a:avLst/>
-          </a:prstGeom>
-          <a:noFill/>
-        </p:spPr>
-        <p:txBody>
-          <a:bodyPr wrap="none" lIns="91440" tIns="45720" rIns="91440" bIns="45720">
-            <a:spAutoFit/>
-          </a:bodyPr>
-          <a:lstStyle/>
-          <a:p>
-            <a:pPr algn="ctr"/>
-            <a:r>
-              <a:rPr lang="en-US" sz="5400" b="0" cap="none" spc="0" dirty="0" smtClean="0">
-                <a:ln w="0"/>
-                <a:solidFill>
-                  <a:schemeClr val="tx1"/>
-                </a:solidFill>
-                <a:effectLst>
-                  <a:outerShdw blurRad="38100" dist="19050" dir="2700000" algn="tl" rotWithShape="0">
-                    <a:schemeClr val="dk1">
-                      <a:alpha val="40000"/>
-                    </a:schemeClr>
-                  </a:outerShdw>
-                </a:effectLst>
-              </a:rPr>
-              <a:t>States of Matter</a:t>
-            </a:r>
-            <a:endParaRPr lang="en-US" sz="5400" b="0" cap="none" spc="0" dirty="0">
-              <a:ln w="0"/>
-              <a:solidFill>
-                <a:schemeClr val="tx1"/>
-              </a:solidFill>
-              <a:effectLst>
-                <a:outerShdw blurRad="38100" dist="19050" dir="2700000" algn="tl" rotWithShape="0">
-                  <a:schemeClr val="dk1">
-                    <a:alpha val="40000"/>
-                  </a:schemeClr>
-                </a:outerShdw>
-              </a:effectLst>
-            </a:endParaRPr>
-          </a:p>
-        </p:txBody>
-      </p:sp>
     </p:spTree>
     <p:extLst>
       <p:ext uri="{BB962C8B-B14F-4D97-AF65-F5344CB8AC3E}">
-        <p14:creationId xmlns="" xmlns:p14="http://schemas.microsoft.com/office/powerpoint/2010/main" val="1465778922"/>
+        <p14:creationId xmlns:p14="http://schemas.microsoft.com/office/powerpoint/2010/main" val="937412838"/>
       </p:ext>
     </p:extLst>
   </p:cSld>
@@ -35323,7 +35282,7 @@
       </p:grpSpPr>
       <p:pic>
         <p:nvPicPr>
-          <p:cNvPr id="9218" name="Picture 2" descr="http://www.memrise.com/s3_proxy/?f=uploads/mems/3362574000130524125134.gif"/>
+          <p:cNvPr id="10244" name="Picture 4" descr="http://www.nestlefamily.com/Nirf/cm2/upload/EBC53EC4-EB35-4E09-B76B-551540583430/5.06.04_Whats_In_The_Night_Sky_tp.gif"/>
           <p:cNvPicPr>
             <a:picLocks noChangeAspect="1" noChangeArrowheads="1"/>
           </p:cNvPicPr>
@@ -35333,78 +35292,7 @@
           <a:blip r:embed="rId2">
             <a:extLst>
               <a:ext uri="{28A0092B-C50C-407E-A947-70E740481C1C}">
-                <a14:useLocalDpi xmlns="" xmlns:a14="http://schemas.microsoft.com/office/drawing/2010/main" val="0"/>
-              </a:ext>
-            </a:extLst>
-          </a:blip>
-          <a:srcRect/>
-          <a:stretch>
-            <a:fillRect/>
-          </a:stretch>
-        </p:blipFill>
-        <p:spPr bwMode="auto">
-          <a:xfrm>
-            <a:off x="1421667" y="175846"/>
-            <a:ext cx="9355016" cy="6682154"/>
-          </a:xfrm>
-          <a:prstGeom prst="rect">
-            <a:avLst/>
-          </a:prstGeom>
-          <a:noFill/>
-          <a:extLst>
-            <a:ext uri="{909E8E84-426E-40DD-AFC4-6F175D3DCCD1}">
-              <a14:hiddenFill xmlns="" xmlns:a14="http://schemas.microsoft.com/office/drawing/2010/main">
-                <a:solidFill>
-                  <a:srgbClr val="FFFFFF"/>
-                </a:solidFill>
-              </a14:hiddenFill>
-            </a:ext>
-          </a:extLst>
-        </p:spPr>
-      </p:pic>
-    </p:spTree>
-    <p:extLst>
-      <p:ext uri="{BB962C8B-B14F-4D97-AF65-F5344CB8AC3E}">
-        <p14:creationId xmlns="" xmlns:p14="http://schemas.microsoft.com/office/powerpoint/2010/main" val="2199528279"/>
-      </p:ext>
-    </p:extLst>
-  </p:cSld>
-  <p:clrMapOvr>
-    <a:masterClrMapping/>
-  </p:clrMapOvr>
-</p:sld>
-</file>
-
-<file path=ppt/slides/slide35.xml><?xml version="1.0" encoding="utf-8"?>
-<p:sld xmlns:a="http://schemas.openxmlformats.org/drawingml/2006/main" xmlns:r="http://schemas.openxmlformats.org/officeDocument/2006/relationships" xmlns:p="http://schemas.openxmlformats.org/presentationml/2006/main">
-  <p:cSld>
-    <p:spTree>
-      <p:nvGrpSpPr>
-        <p:cNvPr id="1" name=""/>
-        <p:cNvGrpSpPr/>
-        <p:nvPr/>
-      </p:nvGrpSpPr>
-      <p:grpSpPr>
-        <a:xfrm>
-          <a:off x="0" y="0"/>
-          <a:ext cx="0" cy="0"/>
-          <a:chOff x="0" y="0"/>
-          <a:chExt cx="0" cy="0"/>
-        </a:xfrm>
-      </p:grpSpPr>
-      <p:pic>
-        <p:nvPicPr>
-          <p:cNvPr id="10244" name="Picture 4" descr="http://www.nestlefamily.com/Nirf/cm2/upload/EBC53EC4-EB35-4E09-B76B-551540583430/5.06.04_Whats_In_The_Night_Sky_tp.gif"/>
-          <p:cNvPicPr>
-            <a:picLocks noChangeAspect="1" noChangeArrowheads="1"/>
-          </p:cNvPicPr>
-          <p:nvPr/>
-        </p:nvPicPr>
-        <p:blipFill>
-          <a:blip r:embed="rId2">
-            <a:extLst>
-              <a:ext uri="{28A0092B-C50C-407E-A947-70E740481C1C}">
-                <a14:useLocalDpi xmlns="" xmlns:a14="http://schemas.microsoft.com/office/drawing/2010/main" val="0"/>
+                <a14:useLocalDpi xmlns:a14="http://schemas.microsoft.com/office/drawing/2010/main" val="0"/>
               </a:ext>
             </a:extLst>
           </a:blip>
@@ -35424,7 +35312,7 @@
           <a:noFill/>
           <a:extLst>
             <a:ext uri="{909E8E84-426E-40DD-AFC4-6F175D3DCCD1}">
-              <a14:hiddenFill xmlns="" xmlns:a14="http://schemas.microsoft.com/office/drawing/2010/main">
+              <a14:hiddenFill xmlns:a14="http://schemas.microsoft.com/office/drawing/2010/main">
                 <a:solidFill>
                   <a:srgbClr val="FFFFFF"/>
                 </a:solidFill>
@@ -35436,7 +35324,7 @@
     </p:spTree>
     <p:extLst>
       <p:ext uri="{BB962C8B-B14F-4D97-AF65-F5344CB8AC3E}">
-        <p14:creationId xmlns="" xmlns:p14="http://schemas.microsoft.com/office/powerpoint/2010/main" val="453922025"/>
+        <p14:creationId xmlns:p14="http://schemas.microsoft.com/office/powerpoint/2010/main" val="453922025"/>
       </p:ext>
     </p:extLst>
   </p:cSld>
@@ -35446,7 +35334,7 @@
 </p:sld>
 </file>
 
-<file path=ppt/slides/slide36.xml><?xml version="1.0" encoding="utf-8"?>
+<file path=ppt/slides/slide35.xml><?xml version="1.0" encoding="utf-8"?>
 <p:sld xmlns:a="http://schemas.openxmlformats.org/drawingml/2006/main" xmlns:r="http://schemas.openxmlformats.org/officeDocument/2006/relationships" xmlns:p="http://schemas.openxmlformats.org/presentationml/2006/main">
   <p:cSld>
     <p:spTree>
@@ -35521,7 +35409,7 @@
     </p:spTree>
     <p:extLst>
       <p:ext uri="{BB962C8B-B14F-4D97-AF65-F5344CB8AC3E}">
-        <p14:creationId xmlns="" xmlns:p14="http://schemas.microsoft.com/office/powerpoint/2010/main" val="1948896922"/>
+        <p14:creationId xmlns:p14="http://schemas.microsoft.com/office/powerpoint/2010/main" val="1948896922"/>
       </p:ext>
     </p:extLst>
   </p:cSld>
@@ -35531,7 +35419,7 @@
 </p:sld>
 </file>
 
-<file path=ppt/slides/slide37.xml><?xml version="1.0" encoding="utf-8"?>
+<file path=ppt/slides/slide36.xml><?xml version="1.0" encoding="utf-8"?>
 <p:sld xmlns:a="http://schemas.openxmlformats.org/drawingml/2006/main" xmlns:r="http://schemas.openxmlformats.org/officeDocument/2006/relationships" xmlns:p="http://schemas.openxmlformats.org/presentationml/2006/main">
   <p:cSld>
     <p:spTree>
@@ -35562,7 +35450,7 @@
           <a:blip r:embed="rId2">
             <a:extLst>
               <a:ext uri="{28A0092B-C50C-407E-A947-70E740481C1C}">
-                <a14:useLocalDpi xmlns="" xmlns:a14="http://schemas.microsoft.com/office/drawing/2010/main" val="0"/>
+                <a14:useLocalDpi xmlns:a14="http://schemas.microsoft.com/office/drawing/2010/main" val="0"/>
               </a:ext>
             </a:extLst>
           </a:blip>
@@ -35582,7 +35470,7 @@
           <a:noFill/>
           <a:extLst>
             <a:ext uri="{909E8E84-426E-40DD-AFC4-6F175D3DCCD1}">
-              <a14:hiddenFill xmlns="" xmlns:a14="http://schemas.microsoft.com/office/drawing/2010/main">
+              <a14:hiddenFill xmlns:a14="http://schemas.microsoft.com/office/drawing/2010/main">
                 <a:solidFill>
                   <a:srgbClr val="FFFFFF"/>
                 </a:solidFill>
@@ -35594,7 +35482,78 @@
     </p:spTree>
     <p:extLst>
       <p:ext uri="{BB962C8B-B14F-4D97-AF65-F5344CB8AC3E}">
-        <p14:creationId xmlns="" xmlns:p14="http://schemas.microsoft.com/office/powerpoint/2010/main" val="168840778"/>
+        <p14:creationId xmlns:p14="http://schemas.microsoft.com/office/powerpoint/2010/main" val="168840778"/>
+      </p:ext>
+    </p:extLst>
+  </p:cSld>
+  <p:clrMapOvr>
+    <a:masterClrMapping/>
+  </p:clrMapOvr>
+</p:sld>
+</file>
+
+<file path=ppt/slides/slide37.xml><?xml version="1.0" encoding="utf-8"?>
+<p:sld xmlns:a="http://schemas.openxmlformats.org/drawingml/2006/main" xmlns:r="http://schemas.openxmlformats.org/officeDocument/2006/relationships" xmlns:p="http://schemas.openxmlformats.org/presentationml/2006/main">
+  <p:cSld>
+    <p:spTree>
+      <p:nvGrpSpPr>
+        <p:cNvPr id="1" name=""/>
+        <p:cNvGrpSpPr/>
+        <p:nvPr/>
+      </p:nvGrpSpPr>
+      <p:grpSpPr>
+        <a:xfrm>
+          <a:off x="0" y="0"/>
+          <a:ext cx="0" cy="0"/>
+          <a:chOff x="0" y="0"/>
+          <a:chExt cx="0" cy="0"/>
+        </a:xfrm>
+      </p:grpSpPr>
+      <p:pic>
+        <p:nvPicPr>
+          <p:cNvPr id="1026" name="Picture 2" descr="Electromagnetic induction, a basic test setup"/>
+          <p:cNvPicPr>
+            <a:picLocks noChangeAspect="1" noChangeArrowheads="1"/>
+          </p:cNvPicPr>
+          <p:nvPr/>
+        </p:nvPicPr>
+        <p:blipFill>
+          <a:blip r:embed="rId2">
+            <a:extLst>
+              <a:ext uri="{28A0092B-C50C-407E-A947-70E740481C1C}">
+                <a14:useLocalDpi xmlns:a14="http://schemas.microsoft.com/office/drawing/2010/main" val="0"/>
+              </a:ext>
+            </a:extLst>
+          </a:blip>
+          <a:srcRect/>
+          <a:stretch>
+            <a:fillRect/>
+          </a:stretch>
+        </p:blipFill>
+        <p:spPr bwMode="auto">
+          <a:xfrm>
+            <a:off x="271484" y="347730"/>
+            <a:ext cx="10174631" cy="6375042"/>
+          </a:xfrm>
+          <a:prstGeom prst="rect">
+            <a:avLst/>
+          </a:prstGeom>
+          <a:noFill/>
+          <a:extLst>
+            <a:ext uri="{909E8E84-426E-40DD-AFC4-6F175D3DCCD1}">
+              <a14:hiddenFill xmlns:a14="http://schemas.microsoft.com/office/drawing/2010/main">
+                <a:solidFill>
+                  <a:srgbClr val="FFFFFF"/>
+                </a:solidFill>
+              </a14:hiddenFill>
+            </a:ext>
+          </a:extLst>
+        </p:spPr>
+      </p:pic>
+    </p:spTree>
+    <p:extLst>
+      <p:ext uri="{BB962C8B-B14F-4D97-AF65-F5344CB8AC3E}">
+        <p14:creationId xmlns:p14="http://schemas.microsoft.com/office/powerpoint/2010/main" val="3030657797"/>
       </p:ext>
     </p:extLst>
   </p:cSld>
@@ -35623,7 +35582,7 @@
       </p:grpSpPr>
       <p:pic>
         <p:nvPicPr>
-          <p:cNvPr id="1026" name="Picture 2" descr="Electromagnetic induction, a basic test setup"/>
+          <p:cNvPr id="2054" name="Picture 6" descr="https://encrypted-tbn0.gstatic.com/images?q=tbn:ANd9GcSO6PtVQCsEElNi1hbhjtX-7Tx_Rt2WqDzemIiOzYLVDi0JHpt7kQ"/>
           <p:cNvPicPr>
             <a:picLocks noChangeAspect="1" noChangeArrowheads="1"/>
           </p:cNvPicPr>
@@ -35633,7 +35592,7 @@
           <a:blip r:embed="rId2">
             <a:extLst>
               <a:ext uri="{28A0092B-C50C-407E-A947-70E740481C1C}">
-                <a14:useLocalDpi xmlns="" xmlns:a14="http://schemas.microsoft.com/office/drawing/2010/main" val="0"/>
+                <a14:useLocalDpi xmlns:a14="http://schemas.microsoft.com/office/drawing/2010/main" val="0"/>
               </a:ext>
             </a:extLst>
           </a:blip>
@@ -35644,8 +35603,8 @@
         </p:blipFill>
         <p:spPr bwMode="auto">
           <a:xfrm>
-            <a:off x="271484" y="347730"/>
-            <a:ext cx="10174631" cy="6375042"/>
+            <a:off x="1456342" y="359534"/>
+            <a:ext cx="9130092" cy="6131157"/>
           </a:xfrm>
           <a:prstGeom prst="rect">
             <a:avLst/>
@@ -35653,7 +35612,7 @@
           <a:noFill/>
           <a:extLst>
             <a:ext uri="{909E8E84-426E-40DD-AFC4-6F175D3DCCD1}">
-              <a14:hiddenFill xmlns="" xmlns:a14="http://schemas.microsoft.com/office/drawing/2010/main">
+              <a14:hiddenFill xmlns:a14="http://schemas.microsoft.com/office/drawing/2010/main">
                 <a:solidFill>
                   <a:srgbClr val="FFFFFF"/>
                 </a:solidFill>
@@ -35665,7 +35624,7 @@
     </p:spTree>
     <p:extLst>
       <p:ext uri="{BB962C8B-B14F-4D97-AF65-F5344CB8AC3E}">
-        <p14:creationId xmlns="" xmlns:p14="http://schemas.microsoft.com/office/powerpoint/2010/main" val="3030657797"/>
+        <p14:creationId xmlns:p14="http://schemas.microsoft.com/office/powerpoint/2010/main" val="2862721199"/>
       </p:ext>
     </p:extLst>
   </p:cSld>
@@ -35692,31 +35651,18 @@
           <a:chExt cx="0" cy="0"/>
         </a:xfrm>
       </p:grpSpPr>
-      <p:pic>
-        <p:nvPicPr>
-          <p:cNvPr id="2054" name="Picture 6" descr="https://encrypted-tbn0.gstatic.com/images?q=tbn:ANd9GcSO6PtVQCsEElNi1hbhjtX-7Tx_Rt2WqDzemIiOzYLVDi0JHpt7kQ"/>
-          <p:cNvPicPr>
-            <a:picLocks noChangeAspect="1" noChangeArrowheads="1"/>
-          </p:cNvPicPr>
-          <p:nvPr/>
-        </p:nvPicPr>
-        <p:blipFill>
-          <a:blip r:embed="rId2">
-            <a:extLst>
-              <a:ext uri="{28A0092B-C50C-407E-A947-70E740481C1C}">
-                <a14:useLocalDpi xmlns="" xmlns:a14="http://schemas.microsoft.com/office/drawing/2010/main" val="0"/>
-              </a:ext>
-            </a:extLst>
-          </a:blip>
-          <a:srcRect/>
-          <a:stretch>
-            <a:fillRect/>
-          </a:stretch>
-        </p:blipFill>
+      <p:sp>
+        <p:nvSpPr>
+          <p:cNvPr id="6" name="AutoShape 6" descr="data:image/jpeg;base64,/9j/4AAQSkZJRgABAQAAAQABAAD/2wCEAAkGBxQSEhQUEBQWFhQVFB4YGRgVFxwYFRcVFhcXGBYUFxQYHSggHRwlHRgVIzIhJSktLi4uGCAzRDYsNygtLisBCgoKDg0OGhAQGywmHyQsLCw0LiwrLCw0LCwsLCwsLCwsLCwsLCwsLCwsLCwsLCwsLCwsLCwsLCwsLCwsLCwsLP/AABEIAKsBJgMBEQACEQEDEQH/xAAbAAEAAgMBAQAAAAAAAAAAAAAABAYBAwUCB//EAEgQAAIBAwEFAwcICAQFBQEAAAECAwAEERIFBhMhMRYiURRBUlRhkZIHFyMyU3HS4RUzQoGTobHRcoKj8DRVc7TBJENiouKD/8QAGgEBAQADAQEAAAAAAAAAAAAAAAECAwQFBv/EADURAAIBAQUGBQQBBAIDAAAAAAABAgMREhRRkQQTIVJTkhUxcaHRMkFhsfAzgaLhBcEiI0L/2gAMAwEAAhEDEQA/APuNAczbthJMgWGUxMDnUOYI8CARWupTvqy1r0dhprUVVVjbXo7Dg9mbz14/C34604Vc0tTmwC6k+4dmb314/AfxUwq55ajALqT7h2ZvfXz8B/FTCrnlqMAupPuHZm99fPwn8VMKuaWowC6k+4dmb318/AfxUwq5pajALqT7jHZm99fPwH8VMKuaWowEeefcOzN76+fhP4qYVc0tRgI88+5kvZOwrqOVXlvGkQdU041cvOSTWynRUHam36s3UdlVKV5Sk/V2lnrcdIoBQFV303rNjJboBbjjiTv3MxhjXhBDjUEbJOs+bzUAbfe3jVPKGGswpMxgV5oVilcosnGCAaMjqQPHFASJN87RXkRnbMQky3DbQxgAaZEfGGZQeYHgeuDgCM2/9mFDEzBdAkJMEndjd+HG7jTlQzA4JHMc+lAdO03jt5HSNGJd3lQLoYENbELNq5cgCVGTyOoeNAVXb3yiNbXVxBotyIHjXS9wUuJeKkbfRQ8Mg4145sOnmoCy3G9VvHOYJOIrhWbJjbQ3DQSOFfGGIU55cuozkYoCLHv1aMjMGk5CMhTE4eQXBIhMaEZbUQR+4+bnQHmx3vVrK5vJIyqW8ky6eeplgZlBIYDSzY+qemcUB5sd4rhZCt5FAi8FpSIJjLLHpAOh4dIdiVPIoDzBHhkDcm+9qVBBl1GYwcPhOZOMqcTRoA9HnnpQGYd9rR2iVGdzMqsNMbnSsjtGuvlle+jg+jpOcCgJO2d4UtpNMxAjFtJOzd4uFhaJThQuCPpPHPTAPPAGyx2/FOk7RatUBIdXRo2B0B1yGAOCpBB9tAUm2+VMvDaP5MBLcTaHj4nKKP6EiXVp5ki4hOMD63soDu7W+UC3hScqkrSQ6ToMTqWVpOEHGV+rqzz+7xBoCed8rUSNGWcMuoEmNguuOPivEGIwXCc9PsI6gigIlpvxDK44YcxG3eYExSiZgjxJmOHh95TxBzznPmIyQB4uN/IFMLj9Q4nMjsGDxG1HfXh6SSc5H9M0BYNi7WS6QvEHADaSHUqcjB8/UYI5jIoCfQCgFAKAGgKGu2ibuQS3rxSpdcNLMIrCSEJlTo08Q6wS3FB0rjH7JyBos9+p5QgWOAtKYMHU2mI3JkBhmHXix6OYGM8xhetARbjfqeTyZQYoS8tqGGSXl41y0coiB5aAI2B6nvdRjmBLj+UF3VQiwhikWssx0QvLO8TcUDmAujpyOSBkdaA1tvbOZv1kTRnyUqsJOWEzPrZC4yyNpx08OdAbbLfmeTQFjhLSNCAQWKRG4aVTDL5+KmgEjlnPQdaA27c3jmbZdvcK4hklniR2RlUBWm4cml5QyqMAnLA4oDk2u/ssMMQZ0mZrl1LOyktCs8cQKzR6Y3YcQc1B8NPImgJz7+zrqLRxaWWUoctiMQXyWbSTH0O/xDjGAp+8AWLcXaUlxbyPK6uwuZkDJ9TSkrKun2YHL/zQFioBQHF29u8LmSGUTzQSQhwrQ8PmJdAYMJY3H7A6Y6mgIN7uVHMsomnndprdbd3JjDlI5HkVhiMKGy5HTGAOVAaW+T+313DBnAnEuQEiyjXAxI6SmMvnm2AWIGo8iOQA5m9m5c0zhbUhUe3ihkYy6SVhk1KXjER14GcaWTJODkdAOxsHd5o767u5VVeIFSJVYv3QAHlOVGlnCxZUdNHU5oDztTcaOeS5c3NyiXenjRIYuG4WNY8d6IuMqozhvOelAa2+T+A3Dz8WXLa+79HyEkXBZQ5QuVAwQC3Ij76A2T7iwtgrLMrrHAiOCmpfJGcxuAUwWOtgcjBB6CgJ+z92Io7aa2ZnljneRpDKV1MZyWk+oqgcyfNQHJf5Po31Ga5uZG4DwIzGMSJHIACeIkYZ2wqjLk9PacgQ3+T4xNB5LM6abszyPiNWUm2aEcJFj0ejkEedudASpfk4t2FuvElCwYx+r1MwlMxfiaNSFnLatBAIP3UB2Nv7sRXZYytINVtJbHQVH0c7Rs7DKnvAxrjzczyNASLXYaRvdOGcm6YF8kYUiMR9zl4DPPPOgK/F8mtquMPNyjhQHUucWzKVb6n1m0IGI6gDGKA8Q/JrAomAmmzNHo1fRagONxlbUI8swYAZYnIoCWm4cImllMjsZQ5bKQ54ksYjeQScPWDjJAzgFjyxyoD1tLcWGZUUyzLw7UWylSn1BJFJlgUwTmJQR0IJGOdAa7b5P4ERUWWYaTOQRwxg3QxJhVjCgDqBjAzjmOVAdPdbdqOxSRImZuJJxGyFVQdKrhI41CqMKOQHXNAdugFAKAUAoDVJpB1NpB8TgH31G0vMjaXmaxJH4p1z1HXx++pejmS/HMa4uXNOXTpypejmL8Mxqi58059enP76Xo5i/DMzrj8U5e0ebpS/HMX4ZgPH5inXPUdfH76X45i/DMF48YymPDIx7qXo5i/DMxqi6ZTA6dKX45i/DM9KUPIaT7BjoeZqqSfkyqUX5M2ogHIAD7qpT1QCgFAKAUAoBQCgFAKAUAoBQCgFAKAUAoBQCgFAKAUAoBQCgFAc7bWyEukCSFgAcgo2kg/fWFSnCorJK01VaFOsrKiTX5OL2Ct/Tn/iGtWEociNHh2y9NaDsFb+nP8AxDTCUORE8O2XprQx2Bt/Tn/iGmEo8iHh2y9NaDsBb+nP/ENMJR5FoPDtl6a0HYC39Of+KaYSjyLQeHbL01oOwFv6c/8AFNMJR5FoXw7ZemtDHYC39Of+IaYShyLQeH7L046I32m5NvG2oNKeRGDI2MMCp6YPQmsoUKcHbGNhtpbLRpO9Tgk/wrCnb0bP2faX9halZcXLNrzeXPdXBWM/ruWZMe41uN5e9kbp21tJxIFkD4Iy9xPIMHr3ZJGX9+KA7lAKAUAoBQCgFAKAUBVflB2hPDHb+TNIrSXKRngrE0rKwbKoJxozyHXFAcm53mmtNPF48jeS69E/BRjI9wIk4hgQquNQ5qSMeYmgJtlvo5mWCWBFfyxrVikupAUtjcF1JQZH7ODjH7sUBz4/lGdoxKLUcNbFbyU8XmqOZVEaDT3jqjHM45E/cQLFutt6W6SXiQGJ4yAM6xG+pA4KtIityzg8uooDXuXe3Enli3jozxXhjHDXCKnAgkCLnmQC7czzPs5AAWWgFAKAxmgM5oDGaAzmgFAM0AoBQCgNdzMERnboqljjrgDJxQFc2VvxbzAtIsluOGsoNwEAaOQhVIKOwySQMHB59KA6Y3itS0aC4i1ShTGusZcOCUK+OQDjxxQGvZu81vcTSQwOHMUayM6kGPDvImnUD9YGMk8sYI50BG2dvbHMc8KeOEo0i3EiAW7xp1cOGJUY5jWFyOmaAkneizCoxuYgshIUlwNRVgjAfcxAPhmgOwKAwaA+Z77bvWF1tS2aa4VZ1IDxmYrJo0MYBEoBweIQ3Mjz/dQH00UAoBQCgFAKAUAoBQCgNFzZpJoMiKxRg66hnS46MPA8zzoCFtvYUdykgYBXeIxcTQrMEJDFMOCCpI5gjBoDmbH3ItoY2SRVm1TcbvIqqrhBGuhEACgINPLrzznNAdeDYdugISGNQYuEQEABiBJEePRBZuXtNAetl7IhtlK28axqTqIUYy2AMnx5AD7gKAkW9qiFyihTI2tyBjU+AupvE4VRn2CgN1AKAwaA+aWM00cbOkd420lhlMuoSm1Mn+FyI2XOCgj59Acc6A33O19olGERkwouCkrW3flWGKJotUZUBS0jSpjALBcjxoCLtXau0DKWRZtcazskSwNwuVpqgYyYw5Zz9Uk8xjkQcgTrjeK8cuVE0cImIV1tGaTC2sLhRCy5KtMZhqx+yBkZzQEU3d/G8zIss0qSXZRXjZU5RRGBRjClTzxzPMEA5zQG2Xa+0SrCJpdI4xSZrXEkgjhR0DRFQFzIXUd0agOQzzoC/wBjIWjRnGGZASMYwxAJGD050Bxd4d6ks5EWZGKOBhoyrvqJI0+Tg8RhjnlQfPQHY2fepNGskRyjdCQVPI4IKsAQQQQQRkYoD3dwcRHQnGtSufDUCM/zoClWPydCJcJclDw44/ooliDrE4f6UIRxCcEZJHJm8aAl2e4iRoicViEW2X6o5rZsxXPP9rVzoCVu1ukLQnMrSr5NHbKGQLiGEyFASv1m+kbJ/pQHNHyfc1/9S44Vu9vC6IqzpG6lVDTDm2gHlgD30BFl3Ak1pGs30LQ3SyvpGs+WSRM6KpJwCFfDcyOXXrQH0CJNIAHQAD3UBk0BSr+yli2i02uMJcFNKm6eJjwIyZfoVjKyYUMcZ6DzUB2Nn70xTMixpLlzyygGFMayCQ97kpV09vPGM0B3qAUB44o8R76lqJahxV8R76Wi1DiDxHvpahahxB4j31bRahxB4j30FqM8QeI99BahxB4j30tFqHEHiPfUtQtR6qlFAKAUAoBQCgFAKArPyjcTyCXg6w/Eh/Vlw+nyiLXgxd/GjVnTzxmgKbHtu8traXycTti4cxl45pVMaRRHhqZwZcFi/UcyGwwAFAdS42/tFTKyJqBF2EXgNhPJ3jEDZHNiyu5x+1o5UB3Nxp5HF0ZXd/8A1J0NIjRlk4ceCsbAaVznoMZzQFooBQFA3xtbiS902rusnkqYMUkcZjJll+km4i6mj5AAISc6uQyDQFt3egljt0Wc6pBqyTgsQWJUuVABbBGSAATmgOjmgGaAZoDj228cck7wJHMxjk4buI/olcIr4L59Fl94oDsZoBmgGaAZoCsbzf8AH7K/68//AGc1AdLYm70FrngoAWYsScZyVVcA48EUfuoDrUB4dcgjxGPfUatI1bwKk+4ikki6nAz0+j5e9K5sFRy92cPhmzcvuzz2DHrdx7o/wVMFRy92PDNm5fdjsGPW7j/T/BTBUcvdk8M2bl92OwY9buP9P8FMFRy92XwzZuX3Y7BD1u4/0/wUwVHL9jwzZuX3fyY7BD1u4/0/wUwVHL9jwzZuX3fyOwI9cuf9P8FMFR5f2PDNm5fd/IO4I9cuf9P8FVbFRX292PDdm5fd/JbLG34UaRgltChctzY4GMk+NdS4HclYrDfQooDDHHWgbsNHlsfpr8QrG/HNGve0+ZaoeWx+mvxCpvIZob6nzLVGfLY/TX4hTeQzWo3tPmWo8sj9NfiFN5DNaje0+ZajyyP01+IU3kM1qN9T5lqPLI/TX4hTeQzWpN9T5lqPLI/TX3im8hmtRvqfMtR5ZH6a+8U3kM0XfU+ZanF3l2JJKUubNxHdwqQjNnhyocFoJlHVGIHMc1IBHgczYS9lbbSTRHLphuWQO1uzoZUHtCnmORwaA6woD5v8osZ8siJtYpVMBVXeMMTITKQjSF14aBhGc4562593BAu+1LJ5RFw5TEUkDHTzDqOqH2VGrTZCd1NWJ2r7/b8r8kKDYs63bzeVOYWB+hPRSR5jnGB91YqFjbtNk696nGF2Ks+6XF+pHsN3rhEuEe9kfij6Nsd6I+IJPP8AlRQsVlrMp7SpVIzuRVn2S4P1Ncm7l0bQQ+XOJg5bjAEEqc9wjVkjn4+ao4f+NlrLDalGq6m7jx+1nBeiIdxuy9tPc30bwOSzz6ZLf6UEQqnDW54vdXuZ+p+0fGthyHQ2bZ3MzWty9xpXgKZIVXuO7Atkc+X1gP8ALUs42mxVP/W4WLztt+/p6Hqw2BcI1xrvJHSVSEBHeiJzhg2eoyPdWKhZbxZtntN9xdyKu5Lz9czVFu5dC1eFr1zKX1LLjmoH7PXJH76lz/xstZktqW93lyPpZw0J9lsqZBb67lnMQIkJHKXPTIzyI5c6zSNEqltvBcXb6fhfgg7y/wDH7K/68/8A2c1U1looCjb870W9td2CTT8MrcGSRe9+qNvOqk4HMaygx44oBvddDj4uJrqGDybVC1qZFZ59R1A8Md5wujSjZByeRoCPtDem7jklCJq0BwI3iYSBEtxIl2zjkQ0nd0ADm2OoNAR9o7y3qpJG7KneYcZYHxhrQTJGqq/Ji5Kh8/s460B7td7bpBFFwy8ncAVlbW8fkHG1l+mTMCuf3daAj3m37t0hcXGVMc2vRbSRBpPJkdItRbIYMXAI6EY6qaA3y713iLJoQMY4XxEY3L6Us+Ml0Zc98NKAmkD9vrlTQHVtNqXL2+0RMfpIY/o3jQxk8S0SYaRqPNWcrkH9mgKrsTblzCkpWSV8xW4BYy3SJK7OJCzzaSpICgqMgcupbFAdnZu9V7IYHKqFJgDx8JtTNcROz4cnu6WUcsHrg0BK3C2tcXFxM1w5INrA2gIyJFKxmMsOliQWXuqW8+ByoDpSbzxjaS2vHh0G3JK611+UcVEWPr1IJ7vWgLOKA8SxhlKt0IwfuNGreDI0mrGVk7iW3pTfxWrRhaPItDlwGy9OOiHYO29Kb+K1MNR5FoMBsvTjojHYK29Kb+K1MNR5VoMBsvTjoh2CtvSm/itTDUeVaIYDZenHRDsFa+lN/FamGo8i0QwGy9OOiHYG19Kb+K1MNR5FohgNm6ce1DsDa+lN/FamFo8i0RcDs3Tj2odgrXxm/itTDUeVaIq2PZ07VTj2r4LPDEFUKOigAZ8ByredJQ/lEtI47rZl0ERZPLljebSA2ho3Coz4yRnkAaAvwoD5rvhNE9xNP3Q0FvIrLJbRzaltGV20M790nygY+4581AfSU6D7qA9UAoBQGCM9aAAY6UBmgFAKAq+83/H7K/68/wD2c1AWigPlHyhxbPvbzZ0vltoOBORNm4izwl+kAbL+kmn/APpQF/td6bGRgkV5bO7dFSeNmJ8AobJoRuw3/pqD7Va0YqjzrU5cds3Ujqh+moPtVqYqjzrUY/ZupHVD9NQfarTFUedakx+zdSOqM/pqD7VaYqjzrUuP2bqR1Q/TUH2q++mKo861GP2bqR1Q/TUH2q++mKo861GP2bqR1Q/TUH2q++mKo861GP2bqR1Rj9NQfarRbVR5lqMfs3UWqJiTqQCGBBGQcjmD0Nb07TrPmtzuap3jS7wOFwOMfDjpiIezPNW+8E1QfThQGq6kKozKMkKSB4kDkKj8jKCTkkyg9u7z1A+81z72eS1PXwGy9SXb/sdu7z1Bveau9nktS4DZepLt/wBjt3eeoN7zTezyWpMBsvUl2/7MdvLz1Bveab2eS1GB2TqS7f8AY7eXnqDe803s8lqTA7Lzy7V8mO3t5/y9veabyeS1/wBEwWy88+1fI7e3v/L295pvJ5LX/RcFsvPPtXyO3t7/AMvb303k8lqR7Fstn1z7V8na25vqLOS3W4t5hFOFBnUAxRSSHAjc+b766DyWrOBD+VImSO1tOQS8u1hkJALCPSzsFz0J0jvdRQhcbG1WKNI0zpRQo1Ek4UYGWPMn20BSN6YtlR3LC6tOJK8ZmkkCAqqaXwXJYElhC+AAfqc8cqAvq+ygM0AoBQCgFAKAUAoCr7y/8fsr/rz/APaTUBaKA+d7Ukb9JvAuFiRIGwkdpgmVpQ+szjWRhB9TJ6+ygLwuzoQciKMEecIoI/figsONLutYfWZFAY8jxWAJ9ne/pWvd08kYqhF8Lq0MNulYBgpjGo9AZWyfuGqm7p+Vi0JuI2W3VZ6Bd0rAkgRgkdQJGyPvGqm7p5Iu5ilbdWiK/vXs+ztlgMEEchmnMWWll0LiKSQk8IO2e5jAHnoqdN/ZaEdGK84rRHX2burZvBHLLCillBbTJLoGfAyaWx94BpuoZLQKjB8FFaIkNujs8EAxqCegMjZP3DVzpu6eS0LuI8q0A3Q2fq08NdXo8RtXu1U3dPJaDcxstuqz0MLujs85xGp09cSMcff3uVN3TyQ3Ebfp9iXcboWMuky2kEhCBQXjVzoUYUaiCcYrYZGrsLs31G1/gp/agO/DEEUKgAVQAAOQAHIACgPF4Dw309dJxnpnFSXkxY39PmfP7iS64aFFQyHOoasKPDnjnXG1PhY/Xgd9WntbVO5NKz6uHn6Zfc2ztccRAioYzjWSeY9LAxzq2SvW28PQzcNpxCkpLd5WcdRE1xxWDKgiAOk55k8tPLHLz1FGXG1+38tJShtSnO/NNP6eHl65muCS6KSF0QOPqAN18cnHKl2d2y1W+hrhT2zcSjKav28HZws9Dy8l3wQQicXJyuru483exRxnYrH68C1Ke2OlBQmlJebs8/TI93L3IMYRUIIGsk4wc97Axz5Zq3Xett4en/ZsnDaXWjKMlc+6s4v+57D3HGxpTg8+9nvewaceNRRkm7X7CENpVaTlJXH5KzivV/c1273X0utYxgfR4bOo5PXlyHSijOx2vj6GFKntapyU5py+zs8vVEr5UbCabZBCIXkQxSFEGSeGyl9I8/LJ/dXajhl5slw7Ki2lPbbQS6eS3j78MQwIhIoZC5OM5ByMeIoQt4oD55vzcIbyHQtrLJGByu+EIY8O2SJs8VZOQ7oVh0OKA+hKaAzQCgFAKAUAoBQCgPkvylbsyz7Y2c0byCOY6X0uwCmIFnIweRaLK8vR9tAfWqAiXOzYpDqeKNn8zMiswx05kZ5UBxN0rG4QTC6DjOlRrfUWKgh5BhmChiQcDH3UCdjtNV7upZyW8du0jBImLKRL3xqzkavDnWtwg+DOyG1bTTlKUZNOXnw8/Y3X27trLNDM0jB4QoXEuAQnTUPP1NW7G9e+5hGvXjSdJN3X5o9wbv2qXT3SyHiOCCvE7neGCdNFGKdq8xOvXnCNOTdi8lkRrbdKyRNGtyBOZ1InZGSQpwzpeNg2NJIxnzmkVGKsRK9atXkpVW20rP7GldjLJLdQyTyeStbxRxgylsEs7SkSMSWbITmcnBAquxqxmFN1KclOPBokbQ3XtJuBqlYG3ACFZcEgEEBvHpUcYtp5GyFevCEoRbsl5rM3nYNt5YLwSES46CTuHlpyV+6l2NtpJVq8qSpNu6vsabDdi0hM5SRsXAKuplyAGJJ08+XU1FGCMqm0bRUcZSbbj5cPIsNhbiKNI0JKooUEnJwBgZPnrYcvmSKAUBrn+q3+E/0qPyMofUip4rmPcFAKAUAoBQDFAYoCF8sU7LslgrFeI8UZIOCUdwGX94rpXkeHL6mXawso4Y1jhRUjQYVVGFA9gqmJIoD5Xv8ATrDeOGlmIkgViscVtiNSZiSJZsYY8OQ55kafPyFAXLfOwea3URytEwcHUvnGMEHBFa6qtR27DUcKjsSfD7q0pPZy59ek/n+Kue7+Xqetv5csOxDs7c+vS/z/ABUu/l6sb+XLDsQ7OXPr0v8AP8VLv5erG/lyw7EOzlz69L/P8VW6s3qxv5csOxGOzlz6/L/P8VS6s3qyb+XLDsQ7OXXr8v8AP8VW6s3qxvpcsO1Gezd16/L/AD/FS6s3qxv58sO1HQ2BsGdZl4l5M6MCrKCVJDKRyYHIPnyOYrOCSf31Oba5udJpqPDjwikWE7j25IJlvCV6Hy25yMjBweJy5V0HjE3Zm7cUD60kuWOCMS3U0qc//hI5GfbigKBv7YbLsrmwjazgJurnEhK8xERpLE59ORD7dJoC62m42z4XEkNpEjrzVlXBBwRkH95qMqbT4FPbcyDP1pB9zD+1ce7hkfS4vaOdnnsXB6cvxD+1N3DIYvaOox2Kg9OX4vypu4ZExe0dRjsXB6cvxflTdwyGK2jqMdioPTl+L8qbuGQxW0dRjsVB6cvxflTdwyGK2jqMx2Jg9OX4vypu4ZDFbR1HqOxMHpy/H+VW5DIYraOoy4HcqxmSJri2SV1iRNcg1MVVRgE11x8j56s26km82Uva2zNlRbXtbHyODTLC5bun9YxBh558Ecf5qprPq9vEqKqoMKoAAHQADAFAYuodaMhJAZSMjqMjHKj4ljK600UX5tz65N7vzrRh45vU9LxavlHtiPm3Prkvu/OmHjm9R4tXyj2xHzbn1yX3fnTDxzeo8Wr5R7UPm3Prk3u/OmHjm9R4tXyj2ofNufXJvd+dMPH86l8Xr5R7UPm3Prkv+/30w8fzqPF6+Ue1D5uD65N/v99MPH86jxevlHtQ+bg+uTe786YeP51I/wDlq+Ue1HvbW70FztO0iueLJwrVplHExCXgliQFodPNjxDz1DpjBreea3a7S90IZoD5hv7dJFdrHLJOyyLxQpkjC6xrMcUEbwsXbVH0zkGRPSoC+7a/VfvFYVPpOrZP6n9j5ZtK9uI55YwZSsbPd5AZ8xcLuwdRn6Yk6MjuqByrWkrDrk5KTWXH/WpFG37ohZMFmRJxhVYIwVoeHI0YPMhWYjxwcVbqMN7Pz9SS+37vSCOGQsZckRsRIBOIwBkjSSpOcZ5rkcql1GW8nZ/MzZNt+4CTMMallC6OC+YE45j4jMTh8oA3mxnPSl1B1ZJN/f0/J727eTPYwOWKu00esxNJECpLZOpRrVSME8qJcSzk3BNnMtNv3MUcKqXfM7gmRHcNF5QqALMxDHCMTqK5OMmsmkzWqklYkTf0/dhSSFwy5H0TfQqLrgs7DPf7nfxy6VLqM1Vn/PWwsXyeTyOitKzO3lEo1MCMqJX0EA8wNOMDwp/9IjbdBt/zifQhW48wzQFA+UTcyK8ubGR45X+n4chRnwkAjlfJ0/U+kCd7l1AoC9omFAHQDHPryHjUYPl2+F5Lb8OaEO+VeHhrkgySLmFyvTIdANXmDGtEeJ69ZuNjRxbzatynGt1ZysUBAkKsJeJGYBniaiW1B3OTzOPZWViNbqS4x/HwSW3hu8y4VARMECmNi0am5EQY45MCh1ZyPHmKXUXez/nr8G2z29cmREkwuHZc8Fjxys7RYXB+j7oDef62elLqKqkrbP8Arz4k7djas8/F44UaQCAFZWjYs4MbZ5HAVeYOfZgio0lYZU5uSdv88yp7u7WuI0DF5nJtAW1GWcLMZIl1OJcBCAz8lOMaifq1k0jRTnJK237HXtN4rtwjEKAFhLjhtljLdSQPg57uFVX6fyqXUbFVn5+n7Je720p5ro8ZjgQNmMIyLG4mI0Ek4ZgoHe9vtqNJIypTlKXE+r2f6tP8A/oK3LyPMq/XL1Z8+2/upbSbctJXVi7xSTE62/WW5gERHPkB4DkapgfRhQGaAUAoBQCgFAKA5G39qm2MDELwnnEcjHOUDhgjD/PoBz5iaAr0O/66I9ceJJoXlj0lSunhyywh11axqjj1ZKgZOKAgjeyDysXT68wWLxyKigrrcQXLAHXqGAoAyuCT1yOYHeTfRGYxrbztMHZTENGsLGqO0mdekjEicgc5bGKAk7N3shnnkhRX+jLjXgFCYnEci8iSpDHHeAzgkZAoCp7XW+a8lBW+8nMjAmFYyOGBFwlhZmBjyeLqcd7+RAFs3u2pHbwK0pIDOAOXnwTzrVWkkuJ3/wDH0ZVatkcvu7CndsLX0z/L+9c28R7ODqfjVGe2Nr6Z/l/em9RcFU/HcjHbG19M/wAv703qGCqfjVDtja+n/T+9N7EYKr+O5Dtla+n/AE/vTexGCqfjVDtla+n/AE/vTeIYKpmtUY7aWn2n9P71d4jHCTzj3I6O7289vNcRxxvlieQ8eX31nTlekcu2UXTottrLg0y/iuo8IzQCgPEjYBPXl++oyrzPlzb3KCQbecHp9WuW2XKz6K7Q60ff4MdsF+wn+GpbLlYu0OtH3+B2wX7Cf4KtsuVi7Q60ff4MdsV+wn+CpbPlft8i7Q60ff4HbFfV5/gpbPlft8i7Q60ff4HbFfV7j4KWz5X7fIu0OtH3+B2xX1e4+Cls+V+wu0OtH3+B2wX7C4+ClsuVi7Q60Pf4LLvFvYbOCxl0ExytpdSvf0+TyOvUgL3lXLHkBkmuuPkeBV+uVmbN0dzdnaKxmWHgmAzaRCTIF1KhiE3EweZzq0+bGPPVNZps9oynaLRmSYpqYaDo4fIEjH0IYD/P5qAzsfbN1NfTxkgW8Vw0QAgyCFiVwTccXkct00eHjyAuFAKAUAoBQCgIm1dmxXMTwzrrjcYZckZwQRzUgjmB0oD51vZdQwXrqLWNhFFCSS0y5E3Ft8ZjBiQiPUNb45Hry5ATLi92YJLiI27lgEhZUfKyiVktVwqy4DZ0JqbDYA81AR9r7WsnjLpZu8jSB5QxK8MtMLNxKVk5gmJ10rqU8Pny50BfLXYsMcjyRppZ86sM2nLEFiEzpBJAJIAzigOhQGm5tkkGmRVZfBgCPcaAi/oO3+wi+Bf7ULax+g7f7CL4F/tQWsfoO3+wi+Bf7UFrH6DtvsIvgX+1Bax+g7f7CL4F/tQWsfoO2+wi+Bf7UFpj9BW32EXwL/ahDZBsqBGDRxRqw6FVAPvFATaAUAoBQGNI8KAaR4UA0jwoBpHhQDSPCgGkeFANI8KAaR4UBHu7GOXTxEV9OdOoA41KUbGfFWZT7CaAQ2MasGVFDKnDBAGRGCCEB9HIHL2UBJoDgbY2BFpmmt4Y1uyrMsojXicQrgNnHM+agN26fG8nzcBg5kcgOxZhHrPDBYqpPdx1Gfv60B2aAUAoBQCgFAcTae6lrcSmaZHLsqq2JpUR1jJKK8aOEcAs3JgepoDXHubZq5dYSGLh/wBZJpDLMLgEJr0j6UBsAY6+YkUBi43Ms306oj3WLcpZVBLTGc69LjWOKSwDZAJOMCgLAKAUAoBQCgFAKAUAoBQCgFAKAUAoBQCgFAKAUAoBQCgFAKAUAoBQCgFAKAUAoBQCgFAKAUAoDhb3bfayiWVYWmy+khOq5BweQJ6jH766NnowqyalK7wyb/RjJtLgio/Oo3qM3ub8FdmAo9b/ABl8GF+WQ+dRvUZv/t+CmBodX/GXwL8sh86jeoze5vwUwNDq/wCMvgX5Ze4+dVvUZvc34KYGh1f8ZfAvyy9x86reoTe5vw0wNDq/4y+Bfll7mPnVb1Cf+f4aYGh1v8ZfAvyy9zPzqt6hN/P8NMDQ63+Mvgt+WXujpbufKCbqdYWtJY9fRmBwD7cgVor7LThC9CpeeV1r9lUm/NF5riMxQCgPEjYBPXAzjx9lFxdgPnh+VRQcGzn935V6nh9LrLSXwat48h86q+pz+78qmApdZaS+BfeQ+dVfU5/d+VMBS6y0l8C+8jHzrL6nP7vypgKfWWkvgX3kZ+dZfU5/d+VMBS6y0l8C+8jHzrL6nP7vypgKXWXbL4G8eQ+ddfU7j3flTAUusu2XwN48h86y+p3Hu/KpgKXWXbL4F95F+2ddiaKOUAgSIGAYYYBhnBHjXnNWOw2kmoBQGm7m0Iz4LaVJwOpwM4FZRVrSB8/+dVfU5/d+Vel4fT6y0l8GrePIx86q+pz+78qmApdZaS+BvHkZ+dVfU5/d+VMBT6y0l8DePIx86y+pz+78qYCl1lpL4G8eQ+dZfU5/d+VMBS6y0l8DePIfOsvqc/u/KmApdZdsvgbx5D51l9TuPd+VMBS6y7ZfA3jyA+VZfU7j3VHsNKzhVXbL4LfeR9Ct5daqwBAZQcHrzGcGvNNhtoBQCgOZvD+p/wAwrp2T+p/Yxl5FQv7tYY3lk+pGpZsDJwBk4Hnr0pSuq1mogneGILqdZUGC3fjKnClQTg/4x/Osd4vuWwk2+1oXxh1BLsihiFZmjYqwUHrzHmrJTTJYZt9qRPKYo3DOq6jpIIHe04JHQ5HSpfTdgsIdjvJBKQBrXKs4aRCiMsZAchzywM1jGrFsrRMO1IMK3Gjw/wBU61w3PTyOefPl99Z345ksMDasRmEAcGXDEqpzp0achsdD3hyNL8bbosOxsn9cn3/+DWG0f02WPmdfaG3VimMRUkJbmZyvNlUvojAQDJLESfAa8ZG407J3miuJY1iB0ywtIjHkSY5OHMhXHIqTHzzz1eznQd6gMNRAo2K900HJ7QRZkAWXERIZhGdAZcZAfoTzFa94uJbD3Dt2Biw1adIcsW7qgRyGJsseX1gaKpFixnu721BGE1SL9IVCAEEtrYKGUA81yw5+2q5pCw07R3ghgdkkD5RVZysZZUVywVmYdPqt7qxlUUXYxYTP0hDlhxY8pjUNYyuemoZ5ebrWd+OZLDRd7bt44xI0qFT9XSwJbBwdIB72PZUdSKVtpbGdGsiFiutpcCGA6dTSPFEoBxzkKrknwUZY/wCGvGq/W/Vm5HItt+4nheThurR5ZkbIBhScwySxuVw4XGSB4gZ89YFLctAa7r6jf4T/AErKH1L1I/IpQFe2zSciHeGJ9WlZcK5QtwyE1iThkBuh71alVTLYe7fb0D6u/pCqGJfuqAXeMd48vrI3KslUixYbrna0KNGhdS0hAVVILHVnDY9Hl1o5xViFhHvN4IYpGjcSZUoGYRkxqZcaAzjpnIrF1EnYEiZ+kYe99LH3Dhu+vdJ5ANz5H76zvLMhoutt28aozSoRJjRpYMXDMFDKAeYyw5io6kV9y2M6OKzIWPaG11g8nUjPFJBOcBI44mkklPsAUD/MK8SX1M3ojW+9Uchg0pIEnk4YaRGjIYxGWMhWHeVlVufmNYg74oDNAczeH9T/AJhXTsn9Qxn5FL2zY+UQSw6tPFjZNWM41DGcZGffXozjei0a0zl7Q3VRwqxMsSrG6YCZBLtGS/1h9n09vs54Sop+Rbxo7IfSK/FBxIzsrI2CGn46gaZBgg8snI6HFTccfP8AnmLxK2Du8baTWZQ4EQiUCPSwQOzgu+o6m72M4HjVhSuu38WEbtObablugIW4RTw3QNHCVc8Qg5kbinVj2aT7RWCoNeT9i3jZDuXhCpmBJWVc8M8jNKJcjLk8sY65PjRbPwst/lpbxN2Zu4YZxLxQyrxdK8PD/TsrnVJq72CDjkORrONKyVvr9syN8C1bJ/XJ9/8A4pX/AKbEfM6O2N20uJi7nuPAIpFHJiY5RLCyv5tLGTIxz1fuPjo2nnZO7CW8yPGToiidEDEswaeXiTMWPUHTHgew1QWCgPLUBSK900Ffk3WQpcAFRJO7HiaO8qsVOjGrnjSPOK07lcfyZXiLcbnatX0xBLMwwhGGa5NwM4cEgZ04BHjkVi6Fv3/ltovGDucQVKyqBmIuOETkwStKNBaQlAS7AglvMabjy45e39xeNu3d1TczPKJEXXGid6Eu68NnYPG/EGlu94HoKs6N522+wUrDTLuczSvI9xq1jGGjJOnjRS4J14/9sryUfWzz88dC1tt/zgLwutziwfTMo1l9WYtXdebigL3xpIPLPn8BijoW+T9heLXXQYlhvdmGeC30sFaJ4pVJGR9GVJU/4l1DPtrxav1y9Wbkc2bceERyJEzgyrwyZGL6IXm4syRjzajn+XmGKwKWoCgNd19Rv8J/pWUPqXqR+RShXtmkr0e6qLG6hhrefitJo5kcfjaCNX+XOfbjzVp3PD+//dpleIx3OPmm5jTjuEDKSyyc9MgJBEuORHTOfNWLofn+W2i8e4d0tDxlZVCI8bleESS0MZjwjlyUUg9OfPPPnVVCxrjl7C8etqbqma4eYSIodozzhLSrwsfUl4gxnHomkqN522hSNUe554jyPPr1PG3ejPSKZpQDlyP2tPIADAOKiocW7f5baLxg7mkY0zDBKlsxZzw52mUIdfd+sVPXPI8ulNy8/b8i8WuugxLDtPZAnNs2R9ETqDDIeKSJo5I/ZnUpz/8AH214kvNm9EWLdVEa30SSFIZeLiV2kbKQtDEqlj3VUMT7axBYxQCgOFvfsue5hVLWbguHySRkMMEYPL25/dXRs1eNGV5xUvVtfoxnG1WWlP7E7T9ej+H8q7vE6fRWsvkw3T5v0OxO0/Xk+H8qeJ0+itZfI3TzHYnafr0fw/lTxOn0VrL5G7ef6HYnafryfB+VPE6fRWsvkm6eY7E7U9ej+D8qeJw6UdZfI3TzHYnanr0fwflTxOHSjrL5G6eY7E7U9eT4Pyp4nDpR1l8l3TzOlu7utfQzpJPdpJGvVQvM8vHFado25VIXVBL0b/7ZlGFnG0vVeeZmaAUB4lUkEA4OOvh7aLg7QfNX3N2pk4vI8Z5ZHPHwV6/iVLpLukad28zHY7avrcf+/wDJTxKl0V3SG7eY7HbV9bi9x/BTxKl0V3Mbt5jsbtX1uL3H8NPE6XSXdIbp5/odjdq+txe4/hp4nS6S7pDdPP8AQ7HbV9bi9x/DTxOn0l3Mbp5/ox2N2r63F7j+GnidPoruY3TzHY3avrcXuP4aeJU+ktWN08z6LsyF0hjWUhnVFDEcgWAAJArypSvSbzNxKrECgNN5EWR1U6SykA+BIxmsou7JNhnzfsbtT1yP3f8A4r1fEqXRXdI07t5jsdtX1uL/AH/kp4lS6K7pDdvMdjdq+txe7/8AFPEqXRXdIbt5jsbtX1uL3H8FPE6XSXdIbp5/odjdq+txe4/hp4lT6S7mN08/0Oxu1fXIvcfw08TpdJd0hunn+jHY3avrcXuP4aeJ0+ku5jdPP9DsbtX1uL3H8NR/8nTs/pLuZd08/wBH0m1RgihyCwUAkdCQOZFeU3a7TabqgFAKAUAoCl747fltbmPhMCDbO2hvqF+PbxhjjnyDt76A5c+/c8UkKSiAg3EkMhQEuxSdYgY4TJno3PBcg45c6A8Xm/MkoEcbIsgkQSaCdSEbShtihB6ao2bOefOgNXbyeaYpG8UcaXcK6imDwpJpY2jdeIdJzGBk6T3sYFASl36nZX0LAza4l094cB5bngcCfmcyAd7lp6Hl56A+hW4YKvEIL4GoqCFLY5kKSSBnzZNAbKAUAoBQCgPmV1vJNDtCYcVp+/IEhicZUJBrEctqyBlUFeUqls6x44oDC7/3Jt+IotiQsr6wdSFYIUlK6Y5W0tzKnLHzHH7NAbbjfO4Vn1KhaEzDSmoRsFgtZVZlOSdPHOSD0QnHPAAk3u+0saRlXtpAQ5DqHCXLpKsYtoMt+sOT52HTGRnAGm536uF4jaIdOLjSMNmPyWdIjJKdXeUB8kADGk8+fICGvygyQRzPJJDKubto5MkRtJAYeFDHz6EO5xknu0BL2xvhcGO64csETxMO4VZpYkWWFTLIc6dDI7EdMDHXngD3e79TJxyFhYxrKdHeDIISoSaU6iOHLnK8hyZevOgL5s/icNOMVMmO8UBVM+wEkj30BIoBQFE3k2uEu5UuLyW1Cxxm3WNQ3GLE8QiPQTM2rC8MdBjl3s0BGuN+Z1M4CREoJO5hg0JjuY4IxOc/+6rl1wB9U41DnQELeLfe5jhmQvDE6C5XigMNbQMiokILELJpYsck/V6YyQBNn+UCRWkjVI3kiW6LICdYFsYhCzAcwGV2Y+IHKgNM++Vwsiuk1vPH5HO44SsI5JIpol1qSSe6rMSASMK/XzAdLZW9VxPNDDGYCGebMwDcOWK3MOXhUOevEKc2IBUnn0IELeLblwHmMcjJwr9Ygi470UNn5S4wR+2Sw/yigOVY783SRPISr8e5d4zOVVI4mghnt7XUXUKWWUYPePInS3SgJFzv5cW6PxHieXy2ZNJTAWGFo/o9XEXDaXBBwxI54PM0B3N39rzNdIrSF0eW8TScEAQSpw2B9gLL+8eFAXagFAKAUAoDzQAGgFABQGRQGaAUAoBQCgFAeCoyTjnjr5/uoDNAM/799AKAZoDGaA9UBigMigM0AoDz5/8AftoDANAZoBQAGgFARorZVkkdRhpAuo+lpDBc/cPP93hQEjP+/wB9AZzQEfyZDNxSo4gjKBvOEZgSo+8qvuFASqAUB//Z"/>
+          <p:cNvSpPr>
+            <a:spLocks noChangeAspect="1" noChangeArrowheads="1"/>
+          </p:cNvSpPr>
+          <p:nvPr/>
+        </p:nvSpPr>
         <p:spPr bwMode="auto">
           <a:xfrm>
-            <a:off x="1456342" y="359534"/>
-            <a:ext cx="9130092" cy="6131157"/>
+            <a:off x="155575" y="-144463"/>
+            <a:ext cx="304800" cy="304801"/>
           </a:xfrm>
           <a:prstGeom prst="rect">
             <a:avLst/>
@@ -35724,7 +35670,7 @@
           <a:noFill/>
           <a:extLst>
             <a:ext uri="{909E8E84-426E-40DD-AFC4-6F175D3DCCD1}">
-              <a14:hiddenFill xmlns="" xmlns:a14="http://schemas.microsoft.com/office/drawing/2010/main">
+              <a14:hiddenFill xmlns:a14="http://schemas.microsoft.com/office/drawing/2010/main">
                 <a:solidFill>
                   <a:srgbClr val="FFFFFF"/>
                 </a:solidFill>
@@ -35732,11 +35678,46 @@
             </a:ext>
           </a:extLst>
         </p:spPr>
+        <p:txBody>
+          <a:bodyPr vert="horz" wrap="square" lIns="91440" tIns="45720" rIns="91440" bIns="45720" numCol="1" anchor="t" anchorCtr="0" compatLnSpc="1">
+            <a:prstTxWarp prst="textNoShape">
+              <a:avLst/>
+            </a:prstTxWarp>
+          </a:bodyPr>
+          <a:lstStyle/>
+          <a:p>
+            <a:endParaRPr lang="en-US"/>
+          </a:p>
+        </p:txBody>
+      </p:sp>
+      <p:pic>
+        <p:nvPicPr>
+          <p:cNvPr id="9" name="Picture 8"/>
+          <p:cNvPicPr>
+            <a:picLocks noChangeAspect="1"/>
+          </p:cNvPicPr>
+          <p:nvPr/>
+        </p:nvPicPr>
+        <p:blipFill>
+          <a:blip r:embed="rId2"/>
+          <a:stretch>
+            <a:fillRect/>
+          </a:stretch>
+        </p:blipFill>
+        <p:spPr>
+          <a:xfrm>
+            <a:off x="1067828" y="618387"/>
+            <a:ext cx="9261028" cy="5386516"/>
+          </a:xfrm>
+          <a:prstGeom prst="rect">
+            <a:avLst/>
+          </a:prstGeom>
+        </p:spPr>
       </p:pic>
     </p:spTree>
     <p:extLst>
       <p:ext uri="{BB962C8B-B14F-4D97-AF65-F5344CB8AC3E}">
-        <p14:creationId xmlns="" xmlns:p14="http://schemas.microsoft.com/office/powerpoint/2010/main" val="2862721199"/>
+        <p14:creationId xmlns:p14="http://schemas.microsoft.com/office/powerpoint/2010/main" val="1860699775"/>
       </p:ext>
     </p:extLst>
   </p:cSld>
@@ -35826,7 +35807,7 @@
           <a:blip r:embed="rId2">
             <a:extLst>
               <a:ext uri="{28A0092B-C50C-407E-A947-70E740481C1C}">
-                <a14:useLocalDpi xmlns="" xmlns:a14="http://schemas.microsoft.com/office/drawing/2010/main" val="0"/>
+                <a14:useLocalDpi xmlns:a14="http://schemas.microsoft.com/office/drawing/2010/main" val="0"/>
               </a:ext>
             </a:extLst>
           </a:blip>
@@ -35846,7 +35827,7 @@
           <a:noFill/>
           <a:extLst>
             <a:ext uri="{909E8E84-426E-40DD-AFC4-6F175D3DCCD1}">
-              <a14:hiddenFill xmlns="" xmlns:a14="http://schemas.microsoft.com/office/drawing/2010/main">
+              <a14:hiddenFill xmlns:a14="http://schemas.microsoft.com/office/drawing/2010/main">
                 <a:solidFill>
                   <a:srgbClr val="FFFFFF"/>
                 </a:solidFill>
@@ -35858,7 +35839,7 @@
     </p:spTree>
     <p:extLst>
       <p:ext uri="{BB962C8B-B14F-4D97-AF65-F5344CB8AC3E}">
-        <p14:creationId xmlns="" xmlns:p14="http://schemas.microsoft.com/office/powerpoint/2010/main" val="958192436"/>
+        <p14:creationId xmlns:p14="http://schemas.microsoft.com/office/powerpoint/2010/main" val="958192436"/>
       </p:ext>
     </p:extLst>
   </p:cSld>
@@ -35869,99 +35850,6 @@
 </file>
 
 <file path=ppt/slides/slide40.xml><?xml version="1.0" encoding="utf-8"?>
-<p:sld xmlns:a="http://schemas.openxmlformats.org/drawingml/2006/main" xmlns:r="http://schemas.openxmlformats.org/officeDocument/2006/relationships" xmlns:p="http://schemas.openxmlformats.org/presentationml/2006/main">
-  <p:cSld>
-    <p:spTree>
-      <p:nvGrpSpPr>
-        <p:cNvPr id="1" name=""/>
-        <p:cNvGrpSpPr/>
-        <p:nvPr/>
-      </p:nvGrpSpPr>
-      <p:grpSpPr>
-        <a:xfrm>
-          <a:off x="0" y="0"/>
-          <a:ext cx="0" cy="0"/>
-          <a:chOff x="0" y="0"/>
-          <a:chExt cx="0" cy="0"/>
-        </a:xfrm>
-      </p:grpSpPr>
-      <p:sp>
-        <p:nvSpPr>
-          <p:cNvPr id="6" name="AutoShape 6" descr="data:image/jpeg;base64,/9j/4AAQSkZJRgABAQAAAQABAAD/2wCEAAkGBxQSEhQUEBQWFhQVFB4YGRgVFxwYFRcVFhcXGBYUFxQYHSggHRwlHRgVIzIhJSktLi4uGCAzRDYsNygtLisBCgoKDg0OGhAQGywmHyQsLCw0LiwrLCw0LCwsLCwsLCwsLCwsLCwsLCwsLCwsLCwsLCwsLCwsLCwsLCwsLCwsLP/AABEIAKsBJgMBEQACEQEDEQH/xAAbAAEAAgMBAQAAAAAAAAAAAAAABAYBAwUCB//EAEgQAAIBAwEFAwcICAQFBQEAAAECAwAEERIFBhMhMRYiURRBUlRhkZIHFyMyU3HS4RUzQoGTobHRcoKj8DRVc7TBJENiouKD/8QAGgEBAQADAQEAAAAAAAAAAAAAAAECAwQFBv/EADURAAIBAQUGBQQBBAIDAAAAAAABAgMREhRRkQQTIVJTkhUxcaHRMkFhsfAzgaLhBcEiI0L/2gAMAwEAAhEDEQA/APuNAczbthJMgWGUxMDnUOYI8CARWupTvqy1r0dhprUVVVjbXo7Dg9mbz14/C34604Vc0tTmwC6k+4dmb314/AfxUwq55ajALqT7h2ZvfXz8B/FTCrnlqMAupPuHZm99fPwn8VMKuaWowC6k+4dmb318/AfxUwq5pajALqT7jHZm99fPwH8VMKuaWowEeefcOzN76+fhP4qYVc0tRgI88+5kvZOwrqOVXlvGkQdU041cvOSTWynRUHam36s3UdlVKV5Sk/V2lnrcdIoBQFV303rNjJboBbjjiTv3MxhjXhBDjUEbJOs+bzUAbfe3jVPKGGswpMxgV5oVilcosnGCAaMjqQPHFASJN87RXkRnbMQky3DbQxgAaZEfGGZQeYHgeuDgCM2/9mFDEzBdAkJMEndjd+HG7jTlQzA4JHMc+lAdO03jt5HSNGJd3lQLoYENbELNq5cgCVGTyOoeNAVXb3yiNbXVxBotyIHjXS9wUuJeKkbfRQ8Mg4145sOnmoCy3G9VvHOYJOIrhWbJjbQ3DQSOFfGGIU55cuozkYoCLHv1aMjMGk5CMhTE4eQXBIhMaEZbUQR+4+bnQHmx3vVrK5vJIyqW8ky6eeplgZlBIYDSzY+qemcUB5sd4rhZCt5FAi8FpSIJjLLHpAOh4dIdiVPIoDzBHhkDcm+9qVBBl1GYwcPhOZOMqcTRoA9HnnpQGYd9rR2iVGdzMqsNMbnSsjtGuvlle+jg+jpOcCgJO2d4UtpNMxAjFtJOzd4uFhaJThQuCPpPHPTAPPAGyx2/FOk7RatUBIdXRo2B0B1yGAOCpBB9tAUm2+VMvDaP5MBLcTaHj4nKKP6EiXVp5ki4hOMD63soDu7W+UC3hScqkrSQ6ToMTqWVpOEHGV+rqzz+7xBoCed8rUSNGWcMuoEmNguuOPivEGIwXCc9PsI6gigIlpvxDK44YcxG3eYExSiZgjxJmOHh95TxBzznPmIyQB4uN/IFMLj9Q4nMjsGDxG1HfXh6SSc5H9M0BYNi7WS6QvEHADaSHUqcjB8/UYI5jIoCfQCgFAKAGgKGu2ibuQS3rxSpdcNLMIrCSEJlTo08Q6wS3FB0rjH7JyBos9+p5QgWOAtKYMHU2mI3JkBhmHXix6OYGM8xhetARbjfqeTyZQYoS8tqGGSXl41y0coiB5aAI2B6nvdRjmBLj+UF3VQiwhikWssx0QvLO8TcUDmAujpyOSBkdaA1tvbOZv1kTRnyUqsJOWEzPrZC4yyNpx08OdAbbLfmeTQFjhLSNCAQWKRG4aVTDL5+KmgEjlnPQdaA27c3jmbZdvcK4hklniR2RlUBWm4cml5QyqMAnLA4oDk2u/ssMMQZ0mZrl1LOyktCs8cQKzR6Y3YcQc1B8NPImgJz7+zrqLRxaWWUoctiMQXyWbSTH0O/xDjGAp+8AWLcXaUlxbyPK6uwuZkDJ9TSkrKun2YHL/zQFioBQHF29u8LmSGUTzQSQhwrQ8PmJdAYMJY3H7A6Y6mgIN7uVHMsomnndprdbd3JjDlI5HkVhiMKGy5HTGAOVAaW+T+313DBnAnEuQEiyjXAxI6SmMvnm2AWIGo8iOQA5m9m5c0zhbUhUe3ihkYy6SVhk1KXjER14GcaWTJODkdAOxsHd5o767u5VVeIFSJVYv3QAHlOVGlnCxZUdNHU5oDztTcaOeS5c3NyiXenjRIYuG4WNY8d6IuMqozhvOelAa2+T+A3Dz8WXLa+79HyEkXBZQ5QuVAwQC3Ij76A2T7iwtgrLMrrHAiOCmpfJGcxuAUwWOtgcjBB6CgJ+z92Io7aa2ZnljneRpDKV1MZyWk+oqgcyfNQHJf5Po31Ga5uZG4DwIzGMSJHIACeIkYZ2wqjLk9PacgQ3+T4xNB5LM6abszyPiNWUm2aEcJFj0ejkEedudASpfk4t2FuvElCwYx+r1MwlMxfiaNSFnLatBAIP3UB2Nv7sRXZYytINVtJbHQVH0c7Rs7DKnvAxrjzczyNASLXYaRvdOGcm6YF8kYUiMR9zl4DPPPOgK/F8mtquMPNyjhQHUucWzKVb6n1m0IGI6gDGKA8Q/JrAomAmmzNHo1fRagONxlbUI8swYAZYnIoCWm4cImllMjsZQ5bKQ54ksYjeQScPWDjJAzgFjyxyoD1tLcWGZUUyzLw7UWylSn1BJFJlgUwTmJQR0IJGOdAa7b5P4ERUWWYaTOQRwxg3QxJhVjCgDqBjAzjmOVAdPdbdqOxSRImZuJJxGyFVQdKrhI41CqMKOQHXNAdugFAKAUAoDVJpB1NpB8TgH31G0vMjaXmaxJH4p1z1HXx++pejmS/HMa4uXNOXTpypejmL8Mxqi58059enP76Xo5i/DMzrj8U5e0ebpS/HMX4ZgPH5inXPUdfH76X45i/DMF48YymPDIx7qXo5i/DMxqi6ZTA6dKX45i/DM9KUPIaT7BjoeZqqSfkyqUX5M2ogHIAD7qpT1QCgFAKAUAoBQCgFAKAUAoBQCgFAKAUAoBQCgFAKAUAoBQCgFAc7bWyEukCSFgAcgo2kg/fWFSnCorJK01VaFOsrKiTX5OL2Ct/Tn/iGtWEociNHh2y9NaDsFb+nP8AxDTCUORE8O2XprQx2Bt/Tn/iGmEo8iHh2y9NaDsBb+nP/ENMJR5FoPDtl6a0HYC39Of+KaYSjyLQeHbL01oOwFv6c/8AFNMJR5FoXw7ZemtDHYC39Of+IaYShyLQeH7L046I32m5NvG2oNKeRGDI2MMCp6YPQmsoUKcHbGNhtpbLRpO9Tgk/wrCnb0bP2faX9halZcXLNrzeXPdXBWM/ruWZMe41uN5e9kbp21tJxIFkD4Iy9xPIMHr3ZJGX9+KA7lAKAUAoBQCgFAKAUBVflB2hPDHb+TNIrSXKRngrE0rKwbKoJxozyHXFAcm53mmtNPF48jeS69E/BRjI9wIk4hgQquNQ5qSMeYmgJtlvo5mWCWBFfyxrVikupAUtjcF1JQZH7ODjH7sUBz4/lGdoxKLUcNbFbyU8XmqOZVEaDT3jqjHM45E/cQLFutt6W6SXiQGJ4yAM6xG+pA4KtIityzg8uooDXuXe3Enli3jozxXhjHDXCKnAgkCLnmQC7czzPs5AAWWgFAKAxmgM5oDGaAzmgFAM0AoBQCgNdzMERnboqljjrgDJxQFc2VvxbzAtIsluOGsoNwEAaOQhVIKOwySQMHB59KA6Y3itS0aC4i1ShTGusZcOCUK+OQDjxxQGvZu81vcTSQwOHMUayM6kGPDvImnUD9YGMk8sYI50BG2dvbHMc8KeOEo0i3EiAW7xp1cOGJUY5jWFyOmaAkneizCoxuYgshIUlwNRVgjAfcxAPhmgOwKAwaA+Z77bvWF1tS2aa4VZ1IDxmYrJo0MYBEoBweIQ3Mjz/dQH00UAoBQCgFAKAUAoBQCgNFzZpJoMiKxRg66hnS46MPA8zzoCFtvYUdykgYBXeIxcTQrMEJDFMOCCpI5gjBoDmbH3ItoY2SRVm1TcbvIqqrhBGuhEACgINPLrzznNAdeDYdugISGNQYuEQEABiBJEePRBZuXtNAetl7IhtlK28axqTqIUYy2AMnx5AD7gKAkW9qiFyihTI2tyBjU+AupvE4VRn2CgN1AKAwaA+aWM00cbOkd420lhlMuoSm1Mn+FyI2XOCgj59Acc6A33O19olGERkwouCkrW3flWGKJotUZUBS0jSpjALBcjxoCLtXau0DKWRZtcazskSwNwuVpqgYyYw5Zz9Uk8xjkQcgTrjeK8cuVE0cImIV1tGaTC2sLhRCy5KtMZhqx+yBkZzQEU3d/G8zIss0qSXZRXjZU5RRGBRjClTzxzPMEA5zQG2Xa+0SrCJpdI4xSZrXEkgjhR0DRFQFzIXUd0agOQzzoC/wBjIWjRnGGZASMYwxAJGD050Bxd4d6ks5EWZGKOBhoyrvqJI0+Tg8RhjnlQfPQHY2fepNGskRyjdCQVPI4IKsAQQQQQRkYoD3dwcRHQnGtSufDUCM/zoClWPydCJcJclDw44/ooliDrE4f6UIRxCcEZJHJm8aAl2e4iRoicViEW2X6o5rZsxXPP9rVzoCVu1ukLQnMrSr5NHbKGQLiGEyFASv1m+kbJ/pQHNHyfc1/9S44Vu9vC6IqzpG6lVDTDm2gHlgD30BFl3Ak1pGs30LQ3SyvpGs+WSRM6KpJwCFfDcyOXXrQH0CJNIAHQAD3UBk0BSr+yli2i02uMJcFNKm6eJjwIyZfoVjKyYUMcZ6DzUB2Nn70xTMixpLlzyygGFMayCQ97kpV09vPGM0B3qAUB44o8R76lqJahxV8R76Wi1DiDxHvpahahxB4j31bRahxB4j30FqM8QeI99BahxB4j30tFqHEHiPfUtQtR6qlFAKAUAoBQCgFAKArPyjcTyCXg6w/Eh/Vlw+nyiLXgxd/GjVnTzxmgKbHtu8traXycTti4cxl45pVMaRRHhqZwZcFi/UcyGwwAFAdS42/tFTKyJqBF2EXgNhPJ3jEDZHNiyu5x+1o5UB3Nxp5HF0ZXd/8A1J0NIjRlk4ceCsbAaVznoMZzQFooBQFA3xtbiS902rusnkqYMUkcZjJll+km4i6mj5AAISc6uQyDQFt3egljt0Wc6pBqyTgsQWJUuVABbBGSAATmgOjmgGaAZoDj228cck7wJHMxjk4buI/olcIr4L59Fl94oDsZoBmgGaAZoCsbzf8AH7K/68//AGc1AdLYm70FrngoAWYsScZyVVcA48EUfuoDrUB4dcgjxGPfUatI1bwKk+4ikki6nAz0+j5e9K5sFRy92cPhmzcvuzz2DHrdx7o/wVMFRy92PDNm5fdjsGPW7j/T/BTBUcvdk8M2bl92OwY9buP9P8FMFRy92XwzZuX3Y7BD1u4/0/wUwVHL9jwzZuX3fyY7BD1u4/0/wUwVHL9jwzZuX3fyOwI9cuf9P8FMFR5f2PDNm5fd/IO4I9cuf9P8FVbFRX292PDdm5fd/JbLG34UaRgltChctzY4GMk+NdS4HclYrDfQooDDHHWgbsNHlsfpr8QrG/HNGve0+ZaoeWx+mvxCpvIZob6nzLVGfLY/TX4hTeQzWo3tPmWo8sj9NfiFN5DNaje0+ZajyyP01+IU3kM1qN9T5lqPLI/TX4hTeQzWpN9T5lqPLI/TX3im8hmtRvqfMtR5ZH6a+8U3kM0XfU+ZanF3l2JJKUubNxHdwqQjNnhyocFoJlHVGIHMc1IBHgczYS9lbbSTRHLphuWQO1uzoZUHtCnmORwaA6woD5v8osZ8siJtYpVMBVXeMMTITKQjSF14aBhGc4562593BAu+1LJ5RFw5TEUkDHTzDqOqH2VGrTZCd1NWJ2r7/b8r8kKDYs63bzeVOYWB+hPRSR5jnGB91YqFjbtNk696nGF2Ks+6XF+pHsN3rhEuEe9kfij6Nsd6I+IJPP8AlRQsVlrMp7SpVIzuRVn2S4P1Ncm7l0bQQ+XOJg5bjAEEqc9wjVkjn4+ao4f+NlrLDalGq6m7jx+1nBeiIdxuy9tPc30bwOSzz6ZLf6UEQqnDW54vdXuZ+p+0fGthyHQ2bZ3MzWty9xpXgKZIVXuO7Atkc+X1gP8ALUs42mxVP/W4WLztt+/p6Hqw2BcI1xrvJHSVSEBHeiJzhg2eoyPdWKhZbxZtntN9xdyKu5Lz9czVFu5dC1eFr1zKX1LLjmoH7PXJH76lz/xstZktqW93lyPpZw0J9lsqZBb67lnMQIkJHKXPTIzyI5c6zSNEqltvBcXb6fhfgg7y/wDH7K/68/8A2c1U1looCjb870W9td2CTT8MrcGSRe9+qNvOqk4HMaygx44oBvddDj4uJrqGDybVC1qZFZ59R1A8Md5wujSjZByeRoCPtDem7jklCJq0BwI3iYSBEtxIl2zjkQ0nd0ADm2OoNAR9o7y3qpJG7KneYcZYHxhrQTJGqq/Ji5Kh8/s460B7td7bpBFFwy8ncAVlbW8fkHG1l+mTMCuf3daAj3m37t0hcXGVMc2vRbSRBpPJkdItRbIYMXAI6EY6qaA3y713iLJoQMY4XxEY3L6Us+Ml0Zc98NKAmkD9vrlTQHVtNqXL2+0RMfpIY/o3jQxk8S0SYaRqPNWcrkH9mgKrsTblzCkpWSV8xW4BYy3SJK7OJCzzaSpICgqMgcupbFAdnZu9V7IYHKqFJgDx8JtTNcROz4cnu6WUcsHrg0BK3C2tcXFxM1w5INrA2gIyJFKxmMsOliQWXuqW8+ByoDpSbzxjaS2vHh0G3JK611+UcVEWPr1IJ7vWgLOKA8SxhlKt0IwfuNGreDI0mrGVk7iW3pTfxWrRhaPItDlwGy9OOiHYO29Kb+K1MNR5FoMBsvTjojHYK29Kb+K1MNR5VoMBsvTjoh2CtvSm/itTDUeVaIYDZenHRDsFa+lN/FamGo8i0QwGy9OOiHYG19Kb+K1MNR5FohgNm6ce1DsDa+lN/FamFo8i0RcDs3Tj2odgrXxm/itTDUeVaIq2PZ07VTj2r4LPDEFUKOigAZ8ByredJQ/lEtI47rZl0ERZPLljebSA2ho3Coz4yRnkAaAvwoD5rvhNE9xNP3Q0FvIrLJbRzaltGV20M790nygY+4581AfSU6D7qA9UAoBQGCM9aAAY6UBmgFAKAq+83/H7K/68/wD2c1AWigPlHyhxbPvbzZ0vltoOBORNm4izwl+kAbL+kmn/APpQF/td6bGRgkV5bO7dFSeNmJ8AobJoRuw3/pqD7Va0YqjzrU5cds3Ujqh+moPtVqYqjzrUY/ZupHVD9NQfarTFUedakx+zdSOqM/pqD7VaYqjzrUuP2bqR1Q/TUH2q++mKo861GP2bqR1Q/TUH2q++mKo861GP2bqR1Q/TUH2q++mKo861GP2bqR1Rj9NQfarRbVR5lqMfs3UWqJiTqQCGBBGQcjmD0Nb07TrPmtzuap3jS7wOFwOMfDjpiIezPNW+8E1QfThQGq6kKozKMkKSB4kDkKj8jKCTkkyg9u7z1A+81z72eS1PXwGy9SXb/sdu7z1Bveau9nktS4DZepLt/wBjt3eeoN7zTezyWpMBsvUl2/7MdvLz1Bveab2eS1GB2TqS7f8AY7eXnqDe803s8lqTA7Lzy7V8mO3t5/y9veabyeS1/wBEwWy88+1fI7e3v/L295pvJ5LX/RcFsvPPtXyO3t7/AMvb303k8lqR7Fstn1z7V8na25vqLOS3W4t5hFOFBnUAxRSSHAjc+b766DyWrOBD+VImSO1tOQS8u1hkJALCPSzsFz0J0jvdRQhcbG1WKNI0zpRQo1Ek4UYGWPMn20BSN6YtlR3LC6tOJK8ZmkkCAqqaXwXJYElhC+AAfqc8cqAvq+ygM0AoBQCgFAKAUAoCr7y/8fsr/rz/APaTUBaKA+d7Ukb9JvAuFiRIGwkdpgmVpQ+szjWRhB9TJ6+ygLwuzoQciKMEecIoI/figsONLutYfWZFAY8jxWAJ9ne/pWvd08kYqhF8Lq0MNulYBgpjGo9AZWyfuGqm7p+Vi0JuI2W3VZ6Bd0rAkgRgkdQJGyPvGqm7p5Iu5ilbdWiK/vXs+ztlgMEEchmnMWWll0LiKSQk8IO2e5jAHnoqdN/ZaEdGK84rRHX2burZvBHLLCillBbTJLoGfAyaWx94BpuoZLQKjB8FFaIkNujs8EAxqCegMjZP3DVzpu6eS0LuI8q0A3Q2fq08NdXo8RtXu1U3dPJaDcxstuqz0MLujs85xGp09cSMcff3uVN3TyQ3Ebfp9iXcboWMuky2kEhCBQXjVzoUYUaiCcYrYZGrsLs31G1/gp/agO/DEEUKgAVQAAOQAHIACgPF4Dw309dJxnpnFSXkxY39PmfP7iS64aFFQyHOoasKPDnjnXG1PhY/Xgd9WntbVO5NKz6uHn6Zfc2ztccRAioYzjWSeY9LAxzq2SvW28PQzcNpxCkpLd5WcdRE1xxWDKgiAOk55k8tPLHLz1FGXG1+38tJShtSnO/NNP6eHl65muCS6KSF0QOPqAN18cnHKl2d2y1W+hrhT2zcSjKav28HZws9Dy8l3wQQicXJyuru483exRxnYrH68C1Ke2OlBQmlJebs8/TI93L3IMYRUIIGsk4wc97Axz5Zq3Xett4en/ZsnDaXWjKMlc+6s4v+57D3HGxpTg8+9nvewaceNRRkm7X7CENpVaTlJXH5KzivV/c1273X0utYxgfR4bOo5PXlyHSijOx2vj6GFKntapyU5py+zs8vVEr5UbCabZBCIXkQxSFEGSeGyl9I8/LJ/dXajhl5slw7Ki2lPbbQS6eS3j78MQwIhIoZC5OM5ByMeIoQt4oD55vzcIbyHQtrLJGByu+EIY8O2SJs8VZOQ7oVh0OKA+hKaAzQCgFAKAUAoBQCgPkvylbsyz7Y2c0byCOY6X0uwCmIFnIweRaLK8vR9tAfWqAiXOzYpDqeKNn8zMiswx05kZ5UBxN0rG4QTC6DjOlRrfUWKgh5BhmChiQcDH3UCdjtNV7upZyW8du0jBImLKRL3xqzkavDnWtwg+DOyG1bTTlKUZNOXnw8/Y3X27trLNDM0jB4QoXEuAQnTUPP1NW7G9e+5hGvXjSdJN3X5o9wbv2qXT3SyHiOCCvE7neGCdNFGKdq8xOvXnCNOTdi8lkRrbdKyRNGtyBOZ1InZGSQpwzpeNg2NJIxnzmkVGKsRK9atXkpVW20rP7GldjLJLdQyTyeStbxRxgylsEs7SkSMSWbITmcnBAquxqxmFN1KclOPBokbQ3XtJuBqlYG3ACFZcEgEEBvHpUcYtp5GyFevCEoRbsl5rM3nYNt5YLwSES46CTuHlpyV+6l2NtpJVq8qSpNu6vsabDdi0hM5SRsXAKuplyAGJJ08+XU1FGCMqm0bRUcZSbbj5cPIsNhbiKNI0JKooUEnJwBgZPnrYcvmSKAUBrn+q3+E/0qPyMofUip4rmPcFAKAUAoBQDFAYoCF8sU7LslgrFeI8UZIOCUdwGX94rpXkeHL6mXawso4Y1jhRUjQYVVGFA9gqmJIoD5Xv8ATrDeOGlmIkgViscVtiNSZiSJZsYY8OQ55kafPyFAXLfOwea3URytEwcHUvnGMEHBFa6qtR27DUcKjsSfD7q0pPZy59ek/n+Kue7+Xqetv5csOxDs7c+vS/z/ABUu/l6sb+XLDsQ7OXPr0v8AP8VLv5erG/lyw7EOzlz69L/P8VW6s3qxv5csOxGOzlz6/L/P8VS6s3qyb+XLDsQ7OXXr8v8AP8VW6s3qxvpcsO1Gezd16/L/AD/FS6s3qxv58sO1HQ2BsGdZl4l5M6MCrKCVJDKRyYHIPnyOYrOCSf31Oba5udJpqPDjwikWE7j25IJlvCV6Hy25yMjBweJy5V0HjE3Zm7cUD60kuWOCMS3U0qc//hI5GfbigKBv7YbLsrmwjazgJurnEhK8xERpLE59ORD7dJoC62m42z4XEkNpEjrzVlXBBwRkH95qMqbT4FPbcyDP1pB9zD+1ce7hkfS4vaOdnnsXB6cvxD+1N3DIYvaOox2Kg9OX4vypu4ZExe0dRjsXB6cvxflTdwyGK2jqMdioPTl+L8qbuGQxW0dRjsVB6cvxflTdwyGK2jqMx2Jg9OX4vypu4ZDFbR1HqOxMHpy/H+VW5DIYraOoy4HcqxmSJri2SV1iRNcg1MVVRgE11x8j56s26km82Uva2zNlRbXtbHyODTLC5bun9YxBh558Ecf5qprPq9vEqKqoMKoAAHQADAFAYuodaMhJAZSMjqMjHKj4ljK600UX5tz65N7vzrRh45vU9LxavlHtiPm3Prkvu/OmHjm9R4tXyj2xHzbn1yX3fnTDxzeo8Wr5R7UPm3Prk3u/OmHjm9R4tXyj2ofNufXJvd+dMPH86l8Xr5R7UPm3Prkv+/30w8fzqPF6+Ue1D5uD65N/v99MPH86jxevlHtQ+bg+uTe786YeP51I/wDlq+Ue1HvbW70FztO0iueLJwrVplHExCXgliQFodPNjxDz1DpjBreea3a7S90IZoD5hv7dJFdrHLJOyyLxQpkjC6xrMcUEbwsXbVH0zkGRPSoC+7a/VfvFYVPpOrZP6n9j5ZtK9uI55YwZSsbPd5AZ8xcLuwdRn6Yk6MjuqByrWkrDrk5KTWXH/WpFG37ohZMFmRJxhVYIwVoeHI0YPMhWYjxwcVbqMN7Pz9SS+37vSCOGQsZckRsRIBOIwBkjSSpOcZ5rkcql1GW8nZ/MzZNt+4CTMMallC6OC+YE45j4jMTh8oA3mxnPSl1B1ZJN/f0/J727eTPYwOWKu00esxNJECpLZOpRrVSME8qJcSzk3BNnMtNv3MUcKqXfM7gmRHcNF5QqALMxDHCMTqK5OMmsmkzWqklYkTf0/dhSSFwy5H0TfQqLrgs7DPf7nfxy6VLqM1Vn/PWwsXyeTyOitKzO3lEo1MCMqJX0EA8wNOMDwp/9IjbdBt/zifQhW48wzQFA+UTcyK8ubGR45X+n4chRnwkAjlfJ0/U+kCd7l1AoC9omFAHQDHPryHjUYPl2+F5Lb8OaEO+VeHhrkgySLmFyvTIdANXmDGtEeJ69ZuNjRxbzatynGt1ZysUBAkKsJeJGYBniaiW1B3OTzOPZWViNbqS4x/HwSW3hu8y4VARMECmNi0am5EQY45MCh1ZyPHmKXUXez/nr8G2z29cmREkwuHZc8Fjxys7RYXB+j7oDef62elLqKqkrbP8Arz4k7djas8/F44UaQCAFZWjYs4MbZ5HAVeYOfZgio0lYZU5uSdv88yp7u7WuI0DF5nJtAW1GWcLMZIl1OJcBCAz8lOMaifq1k0jRTnJK237HXtN4rtwjEKAFhLjhtljLdSQPg57uFVX6fyqXUbFVn5+n7Je720p5ro8ZjgQNmMIyLG4mI0Ek4ZgoHe9vtqNJIypTlKXE+r2f6tP8A/oK3LyPMq/XL1Z8+2/upbSbctJXVi7xSTE62/WW5gERHPkB4DkapgfRhQGaAUAoBQCgFAKA5G39qm2MDELwnnEcjHOUDhgjD/PoBz5iaAr0O/66I9ceJJoXlj0lSunhyywh11axqjj1ZKgZOKAgjeyDysXT68wWLxyKigrrcQXLAHXqGAoAyuCT1yOYHeTfRGYxrbztMHZTENGsLGqO0mdekjEicgc5bGKAk7N3shnnkhRX+jLjXgFCYnEci8iSpDHHeAzgkZAoCp7XW+a8lBW+8nMjAmFYyOGBFwlhZmBjyeLqcd7+RAFs3u2pHbwK0pIDOAOXnwTzrVWkkuJ3/wDH0ZVatkcvu7CndsLX0z/L+9c28R7ODqfjVGe2Nr6Z/l/em9RcFU/HcjHbG19M/wAv703qGCqfjVDtja+n/T+9N7EYKr+O5Dtla+n/AE/vTexGCqfjVDtla+n/AE/vTeIYKpmtUY7aWn2n9P71d4jHCTzj3I6O7289vNcRxxvlieQ8eX31nTlekcu2UXTottrLg0y/iuo8IzQCgPEjYBPXl++oyrzPlzb3KCQbecHp9WuW2XKz6K7Q60ff4MdsF+wn+GpbLlYu0OtH3+B2wX7Cf4KtsuVi7Q60ff4MdsV+wn+CpbPlft8i7Q60ff4HbFfV5/gpbPlft8i7Q60ff4HbFfV7j4KWz5X7fIu0OtH3+B2xX1e4+Cls+V+wu0OtH3+B2wX7C4+ClsuVi7Q60Pf4LLvFvYbOCxl0ExytpdSvf0+TyOvUgL3lXLHkBkmuuPkeBV+uVmbN0dzdnaKxmWHgmAzaRCTIF1KhiE3EweZzq0+bGPPVNZps9oynaLRmSYpqYaDo4fIEjH0IYD/P5qAzsfbN1NfTxkgW8Vw0QAgyCFiVwTccXkct00eHjyAuFAKAUAoBQCgIm1dmxXMTwzrrjcYZckZwQRzUgjmB0oD51vZdQwXrqLWNhFFCSS0y5E3Ft8ZjBiQiPUNb45Hry5ATLi92YJLiI27lgEhZUfKyiVktVwqy4DZ0JqbDYA81AR9r7WsnjLpZu8jSB5QxK8MtMLNxKVk5gmJ10rqU8Pny50BfLXYsMcjyRppZ86sM2nLEFiEzpBJAJIAzigOhQGm5tkkGmRVZfBgCPcaAi/oO3+wi+Bf7ULax+g7f7CL4F/tQWsfoO3+wi+Bf7UFrH6DtvsIvgX+1Bax+g7f7CL4F/tQWsfoO2+wi+Bf7UFpj9BW32EXwL/ahDZBsqBGDRxRqw6FVAPvFATaAUAoBQGNI8KAaR4UA0jwoBpHhQDSPCgGkeFANI8KAaR4UBHu7GOXTxEV9OdOoA41KUbGfFWZT7CaAQ2MasGVFDKnDBAGRGCCEB9HIHL2UBJoDgbY2BFpmmt4Y1uyrMsojXicQrgNnHM+agN26fG8nzcBg5kcgOxZhHrPDBYqpPdx1Gfv60B2aAUAoBQCgFAcTae6lrcSmaZHLsqq2JpUR1jJKK8aOEcAs3JgepoDXHubZq5dYSGLh/wBZJpDLMLgEJr0j6UBsAY6+YkUBi43Ms306oj3WLcpZVBLTGc69LjWOKSwDZAJOMCgLAKAUAoBQCgFAKAUAoBQCgFAKAUAoBQCgFAKAUAoBQCgFAKAUAoBQCgFAKAUAoBQCgFAKAUAoDhb3bfayiWVYWmy+khOq5BweQJ6jH766NnowqyalK7wyb/RjJtLgio/Oo3qM3ub8FdmAo9b/ABl8GF+WQ+dRvUZv/t+CmBodX/GXwL8sh86jeoze5vwUwNDq/wCMvgX5Ze4+dVvUZvc34KYGh1f8ZfAvyy9x86reoTe5vw0wNDq/4y+Bfll7mPnVb1Cf+f4aYGh1v8ZfAvyy9zPzqt6hN/P8NMDQ63+Mvgt+WXujpbufKCbqdYWtJY9fRmBwD7cgVor7LThC9CpeeV1r9lUm/NF5riMxQCgPEjYBPXAzjx9lFxdgPnh+VRQcGzn935V6nh9LrLSXwat48h86q+pz+78qmApdZaS+BfeQ+dVfU5/d+VMBS6y0l8C+8jHzrL6nP7vypgKfWWkvgX3kZ+dZfU5/d+VMBS6y0l8C+8jHzrL6nP7vypgKXWXbL4G8eQ+ddfU7j3flTAUusu2XwN48h86y+p3Hu/KpgKXWXbL4F95F+2ddiaKOUAgSIGAYYYBhnBHjXnNWOw2kmoBQGm7m0Iz4LaVJwOpwM4FZRVrSB8/+dVfU5/d+Vel4fT6y0l8GrePIx86q+pz+78qmApdZaS+BvHkZ+dVfU5/d+VMBT6y0l8DePIx86y+pz+78qYCl1lpL4G8eQ+dZfU5/d+VMBS6y0l8DePIfOsvqc/u/KmApdZdsvgbx5D51l9TuPd+VMBS6y7ZfA3jyA+VZfU7j3VHsNKzhVXbL4LfeR9Ct5daqwBAZQcHrzGcGvNNhtoBQCgOZvD+p/wAwrp2T+p/Yxl5FQv7tYY3lk+pGpZsDJwBk4Hnr0pSuq1mogneGILqdZUGC3fjKnClQTg/4x/Osd4vuWwk2+1oXxh1BLsihiFZmjYqwUHrzHmrJTTJYZt9qRPKYo3DOq6jpIIHe04JHQ5HSpfTdgsIdjvJBKQBrXKs4aRCiMsZAchzywM1jGrFsrRMO1IMK3Gjw/wBU61w3PTyOefPl99Z345ksMDasRmEAcGXDEqpzp0achsdD3hyNL8bbosOxsn9cn3/+DWG0f02WPmdfaG3VimMRUkJbmZyvNlUvojAQDJLESfAa8ZG407J3miuJY1iB0ywtIjHkSY5OHMhXHIqTHzzz1eznQd6gMNRAo2K900HJ7QRZkAWXERIZhGdAZcZAfoTzFa94uJbD3Dt2Biw1adIcsW7qgRyGJsseX1gaKpFixnu721BGE1SL9IVCAEEtrYKGUA81yw5+2q5pCw07R3ghgdkkD5RVZysZZUVywVmYdPqt7qxlUUXYxYTP0hDlhxY8pjUNYyuemoZ5ebrWd+OZLDRd7bt44xI0qFT9XSwJbBwdIB72PZUdSKVtpbGdGsiFiutpcCGA6dTSPFEoBxzkKrknwUZY/wCGvGq/W/Vm5HItt+4nheThurR5ZkbIBhScwySxuVw4XGSB4gZ89YFLctAa7r6jf4T/AErKH1L1I/IpQFe2zSciHeGJ9WlZcK5QtwyE1iThkBuh71alVTLYe7fb0D6u/pCqGJfuqAXeMd48vrI3KslUixYbrna0KNGhdS0hAVVILHVnDY9Hl1o5xViFhHvN4IYpGjcSZUoGYRkxqZcaAzjpnIrF1EnYEiZ+kYe99LH3Dhu+vdJ5ANz5H76zvLMhoutt28aozSoRJjRpYMXDMFDKAeYyw5io6kV9y2M6OKzIWPaG11g8nUjPFJBOcBI44mkklPsAUD/MK8SX1M3ojW+9Uchg0pIEnk4YaRGjIYxGWMhWHeVlVufmNYg74oDNAczeH9T/AJhXTsn9Qxn5FL2zY+UQSw6tPFjZNWM41DGcZGffXozjei0a0zl7Q3VRwqxMsSrG6YCZBLtGS/1h9n09vs54Sop+Rbxo7IfSK/FBxIzsrI2CGn46gaZBgg8snI6HFTccfP8AnmLxK2Du8baTWZQ4EQiUCPSwQOzgu+o6m72M4HjVhSuu38WEbtObablugIW4RTw3QNHCVc8Qg5kbinVj2aT7RWCoNeT9i3jZDuXhCpmBJWVc8M8jNKJcjLk8sY65PjRbPwst/lpbxN2Zu4YZxLxQyrxdK8PD/TsrnVJq72CDjkORrONKyVvr9syN8C1bJ/XJ9/8A4pX/AKbEfM6O2N20uJi7nuPAIpFHJiY5RLCyv5tLGTIxz1fuPjo2nnZO7CW8yPGToiidEDEswaeXiTMWPUHTHgew1QWCgPLUBSK900Ffk3WQpcAFRJO7HiaO8qsVOjGrnjSPOK07lcfyZXiLcbnatX0xBLMwwhGGa5NwM4cEgZ04BHjkVi6Fv3/ltovGDucQVKyqBmIuOETkwStKNBaQlAS7AglvMabjy45e39xeNu3d1TczPKJEXXGid6Eu68NnYPG/EGlu94HoKs6N522+wUrDTLuczSvI9xq1jGGjJOnjRS4J14/9sryUfWzz88dC1tt/zgLwutziwfTMo1l9WYtXdebigL3xpIPLPn8BijoW+T9heLXXQYlhvdmGeC30sFaJ4pVJGR9GVJU/4l1DPtrxav1y9Wbkc2bceERyJEzgyrwyZGL6IXm4syRjzajn+XmGKwKWoCgNd19Rv8J/pWUPqXqR+RShXtmkr0e6qLG6hhrefitJo5kcfjaCNX+XOfbjzVp3PD+//dpleIx3OPmm5jTjuEDKSyyc9MgJBEuORHTOfNWLofn+W2i8e4d0tDxlZVCI8bleESS0MZjwjlyUUg9OfPPPnVVCxrjl7C8etqbqma4eYSIodozzhLSrwsfUl4gxnHomkqN522hSNUe554jyPPr1PG3ejPSKZpQDlyP2tPIADAOKiocW7f5baLxg7mkY0zDBKlsxZzw52mUIdfd+sVPXPI8ulNy8/b8i8WuugxLDtPZAnNs2R9ETqDDIeKSJo5I/ZnUpz/8AH214kvNm9EWLdVEa30SSFIZeLiV2kbKQtDEqlj3VUMT7axBYxQCgOFvfsue5hVLWbguHySRkMMEYPL25/dXRs1eNGV5xUvVtfoxnG1WWlP7E7T9ej+H8q7vE6fRWsvkw3T5v0OxO0/Xk+H8qeJ0+itZfI3TzHYnafr0fw/lTxOn0VrL5G7ef6HYnafryfB+VPE6fRWsvkm6eY7E7U9ej+D8qeJw6UdZfI3TzHYnanr0fwflTxOHSjrL5G6eY7E7U9eT4Pyp4nDpR1l8l3TzOlu7utfQzpJPdpJGvVQvM8vHFado25VIXVBL0b/7ZlGFnG0vVeeZmaAUB4lUkEA4OOvh7aLg7QfNX3N2pk4vI8Z5ZHPHwV6/iVLpLukad28zHY7avrcf+/wDJTxKl0V3SG7eY7HbV9bi9x/BTxKl0V3Mbt5jsbtX1uL3H8NPE6XSXdIbp5/odjdq+txe4/hp4nS6S7pDdPP8AQ7HbV9bi9x/DTxOn0l3Mbp5/ox2N2r63F7j+GnidPoruY3TzHY3avrcXuP4aeJU+ktWN08z6LsyF0hjWUhnVFDEcgWAAJArypSvSbzNxKrECgNN5EWR1U6SykA+BIxmsou7JNhnzfsbtT1yP3f8A4r1fEqXRXdI07t5jsdtX1uL/AH/kp4lS6K7pDdvMdjdq+txe7/8AFPEqXRXdIbt5jsbtX1uL3H8FPE6XSXdIbp5/odjdq+txe4/hp4lT6S7mN08/0Oxu1fXIvcfw08TpdJd0hunn+jHY3avrcXuP4aeJ0+ku5jdPP9DsbtX1uL3H8NR/8nTs/pLuZd08/wBH0m1RgihyCwUAkdCQOZFeU3a7TabqgFAKAUAoCl747fltbmPhMCDbO2hvqF+PbxhjjnyDt76A5c+/c8UkKSiAg3EkMhQEuxSdYgY4TJno3PBcg45c6A8Xm/MkoEcbIsgkQSaCdSEbShtihB6ao2bOefOgNXbyeaYpG8UcaXcK6imDwpJpY2jdeIdJzGBk6T3sYFASl36nZX0LAza4l094cB5bngcCfmcyAd7lp6Hl56A+hW4YKvEIL4GoqCFLY5kKSSBnzZNAbKAUAoBQCgPmV1vJNDtCYcVp+/IEhicZUJBrEctqyBlUFeUqls6x44oDC7/3Jt+IotiQsr6wdSFYIUlK6Y5W0tzKnLHzHH7NAbbjfO4Vn1KhaEzDSmoRsFgtZVZlOSdPHOSD0QnHPAAk3u+0saRlXtpAQ5DqHCXLpKsYtoMt+sOT52HTGRnAGm536uF4jaIdOLjSMNmPyWdIjJKdXeUB8kADGk8+fICGvygyQRzPJJDKubto5MkRtJAYeFDHz6EO5xknu0BL2xvhcGO64csETxMO4VZpYkWWFTLIc6dDI7EdMDHXngD3e79TJxyFhYxrKdHeDIISoSaU6iOHLnK8hyZevOgL5s/icNOMVMmO8UBVM+wEkj30BIoBQFE3k2uEu5UuLyW1Cxxm3WNQ3GLE8QiPQTM2rC8MdBjl3s0BGuN+Z1M4CREoJO5hg0JjuY4IxOc/+6rl1wB9U41DnQELeLfe5jhmQvDE6C5XigMNbQMiokILELJpYsck/V6YyQBNn+UCRWkjVI3kiW6LICdYFsYhCzAcwGV2Y+IHKgNM++Vwsiuk1vPH5HO44SsI5JIpol1qSSe6rMSASMK/XzAdLZW9VxPNDDGYCGebMwDcOWK3MOXhUOevEKc2IBUnn0IELeLblwHmMcjJwr9Ygi470UNn5S4wR+2Sw/yigOVY783SRPISr8e5d4zOVVI4mghnt7XUXUKWWUYPePInS3SgJFzv5cW6PxHieXy2ZNJTAWGFo/o9XEXDaXBBwxI54PM0B3N39rzNdIrSF0eW8TScEAQSpw2B9gLL+8eFAXagFAKAUAoDzQAGgFABQGRQGaAUAoBQCgFAeCoyTjnjr5/uoDNAM/799AKAZoDGaA9UBigMigM0AoDz5/8AftoDANAZoBQAGgFARorZVkkdRhpAuo+lpDBc/cPP93hQEjP+/wB9AZzQEfyZDNxSo4gjKBvOEZgSo+8qvuFASqAUB//Z"/>
-          <p:cNvSpPr>
-            <a:spLocks noChangeAspect="1" noChangeArrowheads="1"/>
-          </p:cNvSpPr>
-          <p:nvPr/>
-        </p:nvSpPr>
-        <p:spPr bwMode="auto">
-          <a:xfrm>
-            <a:off x="155575" y="-144463"/>
-            <a:ext cx="304800" cy="304801"/>
-          </a:xfrm>
-          <a:prstGeom prst="rect">
-            <a:avLst/>
-          </a:prstGeom>
-          <a:noFill/>
-          <a:extLst>
-            <a:ext uri="{909E8E84-426E-40DD-AFC4-6F175D3DCCD1}">
-              <a14:hiddenFill xmlns="" xmlns:a14="http://schemas.microsoft.com/office/drawing/2010/main">
-                <a:solidFill>
-                  <a:srgbClr val="FFFFFF"/>
-                </a:solidFill>
-              </a14:hiddenFill>
-            </a:ext>
-          </a:extLst>
-        </p:spPr>
-        <p:txBody>
-          <a:bodyPr vert="horz" wrap="square" lIns="91440" tIns="45720" rIns="91440" bIns="45720" numCol="1" anchor="t" anchorCtr="0" compatLnSpc="1">
-            <a:prstTxWarp prst="textNoShape">
-              <a:avLst/>
-            </a:prstTxWarp>
-          </a:bodyPr>
-          <a:lstStyle/>
-          <a:p>
-            <a:endParaRPr lang="en-US"/>
-          </a:p>
-        </p:txBody>
-      </p:sp>
-      <p:pic>
-        <p:nvPicPr>
-          <p:cNvPr id="9" name="Picture 8"/>
-          <p:cNvPicPr>
-            <a:picLocks noChangeAspect="1"/>
-          </p:cNvPicPr>
-          <p:nvPr/>
-        </p:nvPicPr>
-        <p:blipFill>
-          <a:blip r:embed="rId2"/>
-          <a:stretch>
-            <a:fillRect/>
-          </a:stretch>
-        </p:blipFill>
-        <p:spPr>
-          <a:xfrm>
-            <a:off x="1067828" y="618387"/>
-            <a:ext cx="9261028" cy="5386516"/>
-          </a:xfrm>
-          <a:prstGeom prst="rect">
-            <a:avLst/>
-          </a:prstGeom>
-        </p:spPr>
-      </p:pic>
-    </p:spTree>
-    <p:extLst>
-      <p:ext uri="{BB962C8B-B14F-4D97-AF65-F5344CB8AC3E}">
-        <p14:creationId xmlns="" xmlns:p14="http://schemas.microsoft.com/office/powerpoint/2010/main" val="1860699775"/>
-      </p:ext>
-    </p:extLst>
-  </p:cSld>
-  <p:clrMapOvr>
-    <a:masterClrMapping/>
-  </p:clrMapOvr>
-</p:sld>
-</file>
-
-<file path=ppt/slides/slide41.xml><?xml version="1.0" encoding="utf-8"?>
 <p:sld xmlns:a="http://schemas.openxmlformats.org/drawingml/2006/main" xmlns:r="http://schemas.openxmlformats.org/officeDocument/2006/relationships" xmlns:p="http://schemas.openxmlformats.org/presentationml/2006/main">
   <p:cSld>
     <p:spTree>
@@ -35992,7 +35880,7 @@
           <a:blip r:embed="rId2">
             <a:extLst>
               <a:ext uri="{28A0092B-C50C-407E-A947-70E740481C1C}">
-                <a14:useLocalDpi xmlns="" xmlns:a14="http://schemas.microsoft.com/office/drawing/2010/main" val="0"/>
+                <a14:useLocalDpi xmlns:a14="http://schemas.microsoft.com/office/drawing/2010/main" val="0"/>
               </a:ext>
             </a:extLst>
           </a:blip>
@@ -36012,7 +35900,7 @@
           <a:noFill/>
           <a:extLst>
             <a:ext uri="{909E8E84-426E-40DD-AFC4-6F175D3DCCD1}">
-              <a14:hiddenFill xmlns="" xmlns:a14="http://schemas.microsoft.com/office/drawing/2010/main">
+              <a14:hiddenFill xmlns:a14="http://schemas.microsoft.com/office/drawing/2010/main">
                 <a:solidFill>
                   <a:srgbClr val="FFFFFF"/>
                 </a:solidFill>
@@ -36024,7 +35912,7 @@
     </p:spTree>
     <p:extLst>
       <p:ext uri="{BB962C8B-B14F-4D97-AF65-F5344CB8AC3E}">
-        <p14:creationId xmlns="" xmlns:p14="http://schemas.microsoft.com/office/powerpoint/2010/main" val="3929614034"/>
+        <p14:creationId xmlns:p14="http://schemas.microsoft.com/office/powerpoint/2010/main" val="3929614034"/>
       </p:ext>
     </p:extLst>
   </p:cSld>
@@ -36034,7 +35922,7 @@
 </p:sld>
 </file>
 
-<file path=ppt/slides/slide42.xml><?xml version="1.0" encoding="utf-8"?>
+<file path=ppt/slides/slide41.xml><?xml version="1.0" encoding="utf-8"?>
 <p:sld xmlns:a="http://schemas.openxmlformats.org/drawingml/2006/main" xmlns:r="http://schemas.openxmlformats.org/officeDocument/2006/relationships" xmlns:p="http://schemas.openxmlformats.org/presentationml/2006/main">
   <p:cSld>
     <p:spTree>
@@ -36735,7 +36623,7 @@
     </p:spTree>
     <p:extLst>
       <p:ext uri="{BB962C8B-B14F-4D97-AF65-F5344CB8AC3E}">
-        <p14:creationId xmlns="" xmlns:p14="http://schemas.microsoft.com/office/powerpoint/2010/main" val="2640832087"/>
+        <p14:creationId xmlns:p14="http://schemas.microsoft.com/office/powerpoint/2010/main" val="2640832087"/>
       </p:ext>
     </p:extLst>
   </p:cSld>
@@ -36745,7 +36633,7 @@
 </p:sld>
 </file>
 
-<file path=ppt/slides/slide43.xml><?xml version="1.0" encoding="utf-8"?>
+<file path=ppt/slides/slide42.xml><?xml version="1.0" encoding="utf-8"?>
 <p:sld xmlns:a="http://schemas.openxmlformats.org/drawingml/2006/main" xmlns:r="http://schemas.openxmlformats.org/officeDocument/2006/relationships" xmlns:p="http://schemas.openxmlformats.org/presentationml/2006/main">
   <p:cSld>
     <p:spTree>
@@ -36820,7 +36708,7 @@
     </p:spTree>
     <p:extLst>
       <p:ext uri="{BB962C8B-B14F-4D97-AF65-F5344CB8AC3E}">
-        <p14:creationId xmlns="" xmlns:p14="http://schemas.microsoft.com/office/powerpoint/2010/main" val="2395880905"/>
+        <p14:creationId xmlns:p14="http://schemas.microsoft.com/office/powerpoint/2010/main" val="2395880905"/>
       </p:ext>
     </p:extLst>
   </p:cSld>
@@ -36830,7 +36718,7 @@
 </p:sld>
 </file>
 
-<file path=ppt/slides/slide44.xml><?xml version="1.0" encoding="utf-8"?>
+<file path=ppt/slides/slide43.xml><?xml version="1.0" encoding="utf-8"?>
 <p:sld xmlns:a="http://schemas.openxmlformats.org/drawingml/2006/main" xmlns:r="http://schemas.openxmlformats.org/officeDocument/2006/relationships" xmlns:p="http://schemas.openxmlformats.org/presentationml/2006/main">
   <p:cSld>
     <p:spTree>
@@ -36915,7 +36803,7 @@
     </p:spTree>
     <p:extLst>
       <p:ext uri="{BB962C8B-B14F-4D97-AF65-F5344CB8AC3E}">
-        <p14:creationId xmlns="" xmlns:p14="http://schemas.microsoft.com/office/powerpoint/2010/main" val="167453458"/>
+        <p14:creationId xmlns:p14="http://schemas.microsoft.com/office/powerpoint/2010/main" val="167453458"/>
       </p:ext>
     </p:extLst>
   </p:cSld>
@@ -36925,7 +36813,7 @@
 </p:sld>
 </file>
 
-<file path=ppt/slides/slide45.xml><?xml version="1.0" encoding="utf-8"?>
+<file path=ppt/slides/slide44.xml><?xml version="1.0" encoding="utf-8"?>
 <p:sld xmlns:a="http://schemas.openxmlformats.org/drawingml/2006/main" xmlns:r="http://schemas.openxmlformats.org/officeDocument/2006/relationships" xmlns:p="http://schemas.openxmlformats.org/presentationml/2006/main">
   <p:cSld>
     <p:spTree>
@@ -37000,7 +36888,7 @@
     </p:spTree>
     <p:extLst>
       <p:ext uri="{BB962C8B-B14F-4D97-AF65-F5344CB8AC3E}">
-        <p14:creationId xmlns="" xmlns:p14="http://schemas.microsoft.com/office/powerpoint/2010/main" val="3192386718"/>
+        <p14:creationId xmlns:p14="http://schemas.microsoft.com/office/powerpoint/2010/main" val="3192386718"/>
       </p:ext>
     </p:extLst>
   </p:cSld>
@@ -37010,7 +36898,7 @@
 </p:sld>
 </file>
 
-<file path=ppt/slides/slide46.xml><?xml version="1.0" encoding="utf-8"?>
+<file path=ppt/slides/slide45.xml><?xml version="1.0" encoding="utf-8"?>
 <p:sld xmlns:a="http://schemas.openxmlformats.org/drawingml/2006/main" xmlns:r="http://schemas.openxmlformats.org/officeDocument/2006/relationships" xmlns:p="http://schemas.openxmlformats.org/presentationml/2006/main">
   <p:cSld>
     <p:spTree>
@@ -37085,7 +36973,79 @@
     </p:spTree>
     <p:extLst>
       <p:ext uri="{BB962C8B-B14F-4D97-AF65-F5344CB8AC3E}">
-        <p14:creationId xmlns="" xmlns:p14="http://schemas.microsoft.com/office/powerpoint/2010/main" val="3240907213"/>
+        <p14:creationId xmlns:p14="http://schemas.microsoft.com/office/powerpoint/2010/main" val="3240907213"/>
+      </p:ext>
+    </p:extLst>
+  </p:cSld>
+  <p:clrMapOvr>
+    <a:masterClrMapping/>
+  </p:clrMapOvr>
+</p:sld>
+</file>
+
+<file path=ppt/slides/slide46.xml><?xml version="1.0" encoding="utf-8"?>
+<p:sld xmlns:a="http://schemas.openxmlformats.org/drawingml/2006/main" xmlns:r="http://schemas.openxmlformats.org/officeDocument/2006/relationships" xmlns:p="http://schemas.openxmlformats.org/presentationml/2006/main">
+  <p:cSld>
+    <p:spTree>
+      <p:nvGrpSpPr>
+        <p:cNvPr id="1" name=""/>
+        <p:cNvGrpSpPr/>
+        <p:nvPr/>
+      </p:nvGrpSpPr>
+      <p:grpSpPr>
+        <a:xfrm>
+          <a:off x="0" y="0"/>
+          <a:ext cx="0" cy="0"/>
+          <a:chOff x="0" y="0"/>
+          <a:chExt cx="0" cy="0"/>
+        </a:xfrm>
+      </p:grpSpPr>
+      <p:sp>
+        <p:nvSpPr>
+          <p:cNvPr id="2" name="Title 1"/>
+          <p:cNvSpPr>
+            <a:spLocks noGrp="1"/>
+          </p:cNvSpPr>
+          <p:nvPr>
+            <p:ph type="title"/>
+          </p:nvPr>
+        </p:nvSpPr>
+        <p:spPr/>
+        <p:txBody>
+          <a:bodyPr/>
+          <a:lstStyle/>
+          <a:p>
+            <a:r>
+              <a:rPr lang="en-US" dirty="0" smtClean="0"/>
+              <a:t>Charging and Discharging of Capacitor with Resistors with various values</a:t>
+            </a:r>
+            <a:endParaRPr lang="en-US" dirty="0"/>
+          </a:p>
+        </p:txBody>
+      </p:sp>
+      <p:sp>
+        <p:nvSpPr>
+          <p:cNvPr id="3" name="Content Placeholder 2"/>
+          <p:cNvSpPr>
+            <a:spLocks noGrp="1"/>
+          </p:cNvSpPr>
+          <p:nvPr>
+            <p:ph idx="1"/>
+          </p:nvPr>
+        </p:nvSpPr>
+        <p:spPr/>
+        <p:txBody>
+          <a:bodyPr/>
+          <a:lstStyle/>
+          <a:p>
+            <a:endParaRPr lang="en-US" dirty="0"/>
+          </a:p>
+        </p:txBody>
+      </p:sp>
+    </p:spTree>
+    <p:extLst>
+      <p:ext uri="{BB962C8B-B14F-4D97-AF65-F5344CB8AC3E}">
+        <p14:creationId xmlns:p14="http://schemas.microsoft.com/office/powerpoint/2010/main" val="2534672285"/>
       </p:ext>
     </p:extLst>
   </p:cSld>
@@ -37129,7 +37089,7 @@
           <a:p>
             <a:r>
               <a:rPr lang="en-US" dirty="0" smtClean="0"/>
-              <a:t>Charging and Discharging of Capacitor with Resistors with various values</a:t>
+              <a:t>NPN Transistor</a:t>
             </a:r>
             <a:endParaRPr lang="en-US" dirty="0"/>
           </a:p>
@@ -37157,7 +37117,7 @@
     </p:spTree>
     <p:extLst>
       <p:ext uri="{BB962C8B-B14F-4D97-AF65-F5344CB8AC3E}">
-        <p14:creationId xmlns="" xmlns:p14="http://schemas.microsoft.com/office/powerpoint/2010/main" val="2534672285"/>
+        <p14:creationId xmlns:p14="http://schemas.microsoft.com/office/powerpoint/2010/main" val="3027278837"/>
       </p:ext>
     </p:extLst>
   </p:cSld>
@@ -37201,7 +37161,7 @@
           <a:p>
             <a:r>
               <a:rPr lang="en-US" dirty="0" smtClean="0"/>
-              <a:t>NPN Transistor</a:t>
+              <a:t>PNP Transistor</a:t>
             </a:r>
             <a:endParaRPr lang="en-US" dirty="0"/>
           </a:p>
@@ -37222,14 +37182,14 @@
           <a:bodyPr/>
           <a:lstStyle/>
           <a:p>
-            <a:endParaRPr lang="en-US" dirty="0"/>
+            <a:endParaRPr lang="en-US"/>
           </a:p>
         </p:txBody>
       </p:sp>
     </p:spTree>
     <p:extLst>
       <p:ext uri="{BB962C8B-B14F-4D97-AF65-F5344CB8AC3E}">
-        <p14:creationId xmlns="" xmlns:p14="http://schemas.microsoft.com/office/powerpoint/2010/main" val="3027278837"/>
+        <p14:creationId xmlns:p14="http://schemas.microsoft.com/office/powerpoint/2010/main" val="2504155492"/>
       </p:ext>
     </p:extLst>
   </p:cSld>
@@ -37273,7 +37233,7 @@
           <a:p>
             <a:r>
               <a:rPr lang="en-US" dirty="0" smtClean="0"/>
-              <a:t>PNP Transistor</a:t>
+              <a:t>Transistor Types NPN and PNP</a:t>
             </a:r>
             <a:endParaRPr lang="en-US" dirty="0"/>
           </a:p>
@@ -37301,7 +37261,7 @@
     </p:spTree>
     <p:extLst>
       <p:ext uri="{BB962C8B-B14F-4D97-AF65-F5344CB8AC3E}">
-        <p14:creationId xmlns="" xmlns:p14="http://schemas.microsoft.com/office/powerpoint/2010/main" val="2504155492"/>
+        <p14:creationId xmlns:p14="http://schemas.microsoft.com/office/powerpoint/2010/main" val="3010003187"/>
       </p:ext>
     </p:extLst>
   </p:cSld>
@@ -39362,7 +39322,7 @@
     </p:spTree>
     <p:extLst>
       <p:ext uri="{BB962C8B-B14F-4D97-AF65-F5344CB8AC3E}">
-        <p14:creationId xmlns="" xmlns:p14="http://schemas.microsoft.com/office/powerpoint/2010/main" val="1659390950"/>
+        <p14:creationId xmlns:p14="http://schemas.microsoft.com/office/powerpoint/2010/main" val="1659390950"/>
       </p:ext>
     </p:extLst>
   </p:cSld>
@@ -39406,7 +39366,7 @@
           <a:p>
             <a:r>
               <a:rPr lang="en-US" dirty="0" smtClean="0"/>
-              <a:t>Transistor Types NPN and PNP</a:t>
+              <a:t> Identifying the type of Bipolar Junction Transistor</a:t>
             </a:r>
             <a:endParaRPr lang="en-US" dirty="0"/>
           </a:p>
@@ -39427,14 +39387,14 @@
           <a:bodyPr/>
           <a:lstStyle/>
           <a:p>
-            <a:endParaRPr lang="en-US"/>
+            <a:endParaRPr lang="en-US" dirty="0"/>
           </a:p>
         </p:txBody>
       </p:sp>
     </p:spTree>
     <p:extLst>
       <p:ext uri="{BB962C8B-B14F-4D97-AF65-F5344CB8AC3E}">
-        <p14:creationId xmlns="" xmlns:p14="http://schemas.microsoft.com/office/powerpoint/2010/main" val="3010003187"/>
+        <p14:creationId xmlns:p14="http://schemas.microsoft.com/office/powerpoint/2010/main" val="2533232830"/>
       </p:ext>
     </p:extLst>
   </p:cSld>
@@ -39478,7 +39438,7 @@
           <a:p>
             <a:r>
               <a:rPr lang="en-US" dirty="0" smtClean="0"/>
-              <a:t> Identifying the type of Bipolar Junction Transistor</a:t>
+              <a:t>AC Generator</a:t>
             </a:r>
             <a:endParaRPr lang="en-US" dirty="0"/>
           </a:p>
@@ -39499,14 +39459,14 @@
           <a:bodyPr/>
           <a:lstStyle/>
           <a:p>
-            <a:endParaRPr lang="en-US" dirty="0"/>
+            <a:endParaRPr lang="en-US"/>
           </a:p>
         </p:txBody>
       </p:sp>
     </p:spTree>
     <p:extLst>
       <p:ext uri="{BB962C8B-B14F-4D97-AF65-F5344CB8AC3E}">
-        <p14:creationId xmlns="" xmlns:p14="http://schemas.microsoft.com/office/powerpoint/2010/main" val="2533232830"/>
+        <p14:creationId xmlns:p14="http://schemas.microsoft.com/office/powerpoint/2010/main" val="1582731245"/>
       </p:ext>
     </p:extLst>
   </p:cSld>
@@ -39550,7 +39510,7 @@
           <a:p>
             <a:r>
               <a:rPr lang="en-US" dirty="0" smtClean="0"/>
-              <a:t>AC Generator</a:t>
+              <a:t>Communication System</a:t>
             </a:r>
             <a:endParaRPr lang="en-US" dirty="0"/>
           </a:p>
@@ -39571,86 +39531,14 @@
           <a:bodyPr/>
           <a:lstStyle/>
           <a:p>
-            <a:endParaRPr lang="en-US"/>
+            <a:endParaRPr lang="en-US" dirty="0"/>
           </a:p>
         </p:txBody>
       </p:sp>
     </p:spTree>
     <p:extLst>
       <p:ext uri="{BB962C8B-B14F-4D97-AF65-F5344CB8AC3E}">
-        <p14:creationId xmlns="" xmlns:p14="http://schemas.microsoft.com/office/powerpoint/2010/main" val="1582731245"/>
-      </p:ext>
-    </p:extLst>
-  </p:cSld>
-  <p:clrMapOvr>
-    <a:masterClrMapping/>
-  </p:clrMapOvr>
-</p:sld>
-</file>
-
-<file path=ppt/slides/slide53.xml><?xml version="1.0" encoding="utf-8"?>
-<p:sld xmlns:a="http://schemas.openxmlformats.org/drawingml/2006/main" xmlns:r="http://schemas.openxmlformats.org/officeDocument/2006/relationships" xmlns:p="http://schemas.openxmlformats.org/presentationml/2006/main">
-  <p:cSld>
-    <p:spTree>
-      <p:nvGrpSpPr>
-        <p:cNvPr id="1" name=""/>
-        <p:cNvGrpSpPr/>
-        <p:nvPr/>
-      </p:nvGrpSpPr>
-      <p:grpSpPr>
-        <a:xfrm>
-          <a:off x="0" y="0"/>
-          <a:ext cx="0" cy="0"/>
-          <a:chOff x="0" y="0"/>
-          <a:chExt cx="0" cy="0"/>
-        </a:xfrm>
-      </p:grpSpPr>
-      <p:sp>
-        <p:nvSpPr>
-          <p:cNvPr id="2" name="Title 1"/>
-          <p:cNvSpPr>
-            <a:spLocks noGrp="1"/>
-          </p:cNvSpPr>
-          <p:nvPr>
-            <p:ph type="title"/>
-          </p:nvPr>
-        </p:nvSpPr>
-        <p:spPr/>
-        <p:txBody>
-          <a:bodyPr/>
-          <a:lstStyle/>
-          <a:p>
-            <a:r>
-              <a:rPr lang="en-US" dirty="0" smtClean="0"/>
-              <a:t>Communication System</a:t>
-            </a:r>
-            <a:endParaRPr lang="en-US" dirty="0"/>
-          </a:p>
-        </p:txBody>
-      </p:sp>
-      <p:sp>
-        <p:nvSpPr>
-          <p:cNvPr id="3" name="Content Placeholder 2"/>
-          <p:cNvSpPr>
-            <a:spLocks noGrp="1"/>
-          </p:cNvSpPr>
-          <p:nvPr>
-            <p:ph idx="1"/>
-          </p:nvPr>
-        </p:nvSpPr>
-        <p:spPr/>
-        <p:txBody>
-          <a:bodyPr/>
-          <a:lstStyle/>
-          <a:p>
-            <a:endParaRPr lang="en-US" dirty="0"/>
-          </a:p>
-        </p:txBody>
-      </p:sp>
-    </p:spTree>
-    <p:extLst>
-      <p:ext uri="{BB962C8B-B14F-4D97-AF65-F5344CB8AC3E}">
-        <p14:creationId xmlns="" xmlns:p14="http://schemas.microsoft.com/office/powerpoint/2010/main" val="1276523271"/>
+        <p14:creationId xmlns:p14="http://schemas.microsoft.com/office/powerpoint/2010/main" val="1276523271"/>
       </p:ext>
     </p:extLst>
   </p:cSld>
@@ -40996,7 +40884,7 @@
     </p:spTree>
     <p:extLst>
       <p:ext uri="{BB962C8B-B14F-4D97-AF65-F5344CB8AC3E}">
-        <p14:creationId xmlns="" xmlns:p14="http://schemas.microsoft.com/office/powerpoint/2010/main" val="1386112098"/>
+        <p14:creationId xmlns:p14="http://schemas.microsoft.com/office/powerpoint/2010/main" val="1386112098"/>
       </p:ext>
     </p:extLst>
   </p:cSld>
@@ -43151,7 +43039,7 @@
     </p:spTree>
     <p:extLst>
       <p:ext uri="{BB962C8B-B14F-4D97-AF65-F5344CB8AC3E}">
-        <p14:creationId xmlns="" xmlns:p14="http://schemas.microsoft.com/office/powerpoint/2010/main" val="2902873993"/>
+        <p14:creationId xmlns:p14="http://schemas.microsoft.com/office/powerpoint/2010/main" val="2902873993"/>
       </p:ext>
     </p:extLst>
   </p:cSld>
@@ -45198,7 +45086,7 @@
     </p:spTree>
     <p:extLst>
       <p:ext uri="{BB962C8B-B14F-4D97-AF65-F5344CB8AC3E}">
-        <p14:creationId xmlns="" xmlns:p14="http://schemas.microsoft.com/office/powerpoint/2010/main" val="4081839283"/>
+        <p14:creationId xmlns:p14="http://schemas.microsoft.com/office/powerpoint/2010/main" val="4081839283"/>
       </p:ext>
     </p:extLst>
   </p:cSld>
@@ -47215,7 +47103,7 @@
     </p:spTree>
     <p:extLst>
       <p:ext uri="{BB962C8B-B14F-4D97-AF65-F5344CB8AC3E}">
-        <p14:creationId xmlns="" xmlns:p14="http://schemas.microsoft.com/office/powerpoint/2010/main" val="1852443594"/>
+        <p14:creationId xmlns:p14="http://schemas.microsoft.com/office/powerpoint/2010/main" val="1852443594"/>
       </p:ext>
     </p:extLst>
   </p:cSld>
@@ -47480,7 +47368,7 @@
   <a:extraClrSchemeLst/>
   <a:extLst>
     <a:ext uri="{05A4C25C-085E-4340-85A3-A5531E510DB2}">
-      <thm15:themeFamily xmlns="" xmlns:thm15="http://schemas.microsoft.com/office/thememl/2012/main" name="Office Theme" id="{62F939B6-93AF-4DB8-9C6B-D6C7DFDC589F}" vid="{4A3C46E8-61CC-4603-A589-7422A47A8E4A}"/>
+      <thm15:themeFamily xmlns:thm15="http://schemas.microsoft.com/office/thememl/2012/main" name="Office Theme" id="{62F939B6-93AF-4DB8-9C6B-D6C7DFDC589F}" vid="{4A3C46E8-61CC-4603-A589-7422A47A8E4A}"/>
     </a:ext>
   </a:extLst>
 </a:theme>
